--- a/Präsentation-90min/Präsentation-90min.pptx
+++ b/Präsentation-90min/Präsentation-90min.pptx
@@ -5,12 +5,16 @@
     <p:sldMasterId id="2147483660" r:id="rId1"/>
   </p:sldMasterIdLst>
   <p:notesMasterIdLst>
-    <p:notesMasterId r:id="rId5"/>
+    <p:notesMasterId r:id="rId9"/>
   </p:notesMasterIdLst>
   <p:sldIdLst>
     <p:sldId id="270" r:id="rId2"/>
     <p:sldId id="257" r:id="rId3"/>
     <p:sldId id="271" r:id="rId4"/>
+    <p:sldId id="272" r:id="rId5"/>
+    <p:sldId id="273" r:id="rId6"/>
+    <p:sldId id="274" r:id="rId7"/>
+    <p:sldId id="275" r:id="rId8"/>
   </p:sldIdLst>
   <p:sldSz cx="9144000" cy="6858000" type="screen4x3"/>
   <p:notesSz cx="6858000" cy="9144000"/>
@@ -109,7 +113,38 @@
       </a:defRPr>
     </a:lvl9pPr>
   </p:defaultTextStyle>
+  <p:extLst>
+    <p:ext uri="{EFAFB233-063F-42B5-8137-9DF3F51BA10A}">
+      <p15:sldGuideLst xmlns:p15="http://schemas.microsoft.com/office/powerpoint/2012/main"/>
+    </p:ext>
+  </p:extLst>
 </p:presentation>
+</file>
+
+<file path=ppt/commentAuthors.xml><?xml version="1.0" encoding="utf-8"?>
+<p:cmAuthorLst xmlns:a="http://schemas.openxmlformats.org/drawingml/2006/main" xmlns:r="http://schemas.openxmlformats.org/officeDocument/2006/relationships" xmlns:p="http://schemas.openxmlformats.org/presentationml/2006/main">
+  <p:cmAuthor id="1" name="Lennart Kaussen" initials="LK" lastIdx="3" clrIdx="0">
+    <p:extLst>
+      <p:ext uri="{19B8F6BF-5375-455C-9EA6-DF929625EA0E}">
+        <p15:presenceInfo xmlns:p15="http://schemas.microsoft.com/office/powerpoint/2012/main" userId="2e5805316ca2118f" providerId="Windows Live"/>
+      </p:ext>
+    </p:extLst>
+  </p:cmAuthor>
+</p:cmAuthorLst>
+</file>
+
+<file path=ppt/comments/comment1.xml><?xml version="1.0" encoding="utf-8"?>
+<p:cmLst xmlns:a="http://schemas.openxmlformats.org/drawingml/2006/main" xmlns:r="http://schemas.openxmlformats.org/officeDocument/2006/relationships" xmlns:p="http://schemas.openxmlformats.org/presentationml/2006/main">
+  <p:cm authorId="1" dt="2020-03-06T14:13:58.395" idx="3">
+    <p:pos x="1036" y="343"/>
+    <p:text>wie groß soll die abgrenzung zwischen init .git sein?</p:text>
+    <p:extLst>
+      <p:ext uri="{C676402C-5697-4E1C-873F-D02D1690AC5C}">
+        <p15:threadingInfo xmlns:p15="http://schemas.microsoft.com/office/powerpoint/2012/main" timeZoneBias="-60"/>
+      </p:ext>
+    </p:extLst>
+  </p:cm>
+</p:cmLst>
 </file>
 
 <file path=ppt/notesMasters/notesMaster1.xml><?xml version="1.0" encoding="utf-8"?>
@@ -194,7 +229,7 @@
           <a:p>
             <a:fld id="{A1E1CD49-93F9-4EB7-9AB7-31369D3CCD5D}" type="datetimeFigureOut">
               <a:rPr lang="de-DE" smtClean="0"/>
-              <a:t>03.03.2020</a:t>
+              <a:t>06.03.2020</a:t>
             </a:fld>
             <a:endParaRPr lang="de-DE"/>
           </a:p>
@@ -592,7 +627,7 @@
           <a:p>
             <a:fld id="{7CDC51D4-4F8D-402A-BD06-90531D3D0B0E}" type="datetime1">
               <a:rPr lang="de-DE" smtClean="0"/>
-              <a:t>03.03.2020</a:t>
+              <a:t>06.03.2020</a:t>
             </a:fld>
             <a:endParaRPr lang="de-DE"/>
           </a:p>
@@ -762,7 +797,7 @@
           <a:p>
             <a:fld id="{3608FC1D-F958-4804-B298-25E0F93B1193}" type="datetime1">
               <a:rPr lang="de-DE" smtClean="0"/>
-              <a:t>03.03.2020</a:t>
+              <a:t>06.03.2020</a:t>
             </a:fld>
             <a:endParaRPr lang="de-DE"/>
           </a:p>
@@ -942,7 +977,7 @@
           <a:p>
             <a:fld id="{853E26B7-2C61-49BA-838E-19A37BCD9623}" type="datetime1">
               <a:rPr lang="de-DE" smtClean="0"/>
-              <a:t>03.03.2020</a:t>
+              <a:t>06.03.2020</a:t>
             </a:fld>
             <a:endParaRPr lang="de-DE"/>
           </a:p>
@@ -1237,7 +1272,7 @@
             <a:fld id="{6F7941D6-DDCD-4FEB-B76A-6EA7C7E1DF91}" type="datetime1">
               <a:rPr lang="de-DE" smtClean="0"/>
               <a:pPr/>
-              <a:t>03.03.2020</a:t>
+              <a:t>06.03.2020</a:t>
             </a:fld>
             <a:endParaRPr lang="de-DE" dirty="0"/>
           </a:p>
@@ -2012,7 +2047,7 @@
           <a:p>
             <a:fld id="{625025DE-6FE8-4EA0-83A6-6CAFC8B06972}" type="datetime1">
               <a:rPr lang="de-DE" smtClean="0"/>
-              <a:t>03.03.2020</a:t>
+              <a:t>06.03.2020</a:t>
             </a:fld>
             <a:endParaRPr lang="de-DE"/>
           </a:p>
@@ -2379,7 +2414,7 @@
           <a:p>
             <a:fld id="{247D6157-A9C6-4111-84CF-F4ABC9BB74CD}" type="datetime1">
               <a:rPr lang="de-DE" smtClean="0"/>
-              <a:t>03.03.2020</a:t>
+              <a:t>06.03.2020</a:t>
             </a:fld>
             <a:endParaRPr lang="de-DE"/>
           </a:p>
@@ -2497,7 +2532,7 @@
           <a:p>
             <a:fld id="{8EBDA223-4612-4606-8A30-596D72469CD7}" type="datetime1">
               <a:rPr lang="de-DE" smtClean="0"/>
-              <a:t>03.03.2020</a:t>
+              <a:t>06.03.2020</a:t>
             </a:fld>
             <a:endParaRPr lang="de-DE"/>
           </a:p>
@@ -2592,7 +2627,7 @@
           <a:p>
             <a:fld id="{5C800F00-9786-41ED-9D90-88F7ADE0F2B0}" type="datetime1">
               <a:rPr lang="de-DE" smtClean="0"/>
-              <a:t>03.03.2020</a:t>
+              <a:t>06.03.2020</a:t>
             </a:fld>
             <a:endParaRPr lang="de-DE"/>
           </a:p>
@@ -2869,7 +2904,7 @@
           <a:p>
             <a:fld id="{DE94FA33-7DFF-4544-8A2D-E09A4E33D92E}" type="datetime1">
               <a:rPr lang="de-DE" smtClean="0"/>
-              <a:t>03.03.2020</a:t>
+              <a:t>06.03.2020</a:t>
             </a:fld>
             <a:endParaRPr lang="de-DE"/>
           </a:p>
@@ -3126,7 +3161,7 @@
           <a:p>
             <a:fld id="{10F76841-BABD-4AE4-8760-966DF476109C}" type="datetime1">
               <a:rPr lang="de-DE" smtClean="0"/>
-              <a:t>03.03.2020</a:t>
+              <a:t>06.03.2020</a:t>
             </a:fld>
             <a:endParaRPr lang="de-DE"/>
           </a:p>
@@ -3339,7 +3374,7 @@
           <a:p>
             <a:fld id="{34C5C537-7C07-410D-9EF1-F90075952502}" type="datetime1">
               <a:rPr lang="de-DE" smtClean="0"/>
-              <a:t>03.03.2020</a:t>
+              <a:t>06.03.2020</a:t>
             </a:fld>
             <a:endParaRPr lang="de-DE"/>
           </a:p>
@@ -4232,7 +4267,7 @@
           <a:p>
             <a:fld id="{6F7941D6-DDCD-4FEB-B76A-6EA7C7E1DF91}" type="datetime1">
               <a:rPr lang="de-DE" smtClean="0"/>
-              <a:t>03.03.2020</a:t>
+              <a:t>06.03.2020</a:t>
             </a:fld>
             <a:endParaRPr lang="de-DE" dirty="0"/>
           </a:p>
@@ -4643,6 +4678,716 @@
     <p:extLst>
       <p:ext uri="{BB962C8B-B14F-4D97-AF65-F5344CB8AC3E}">
         <p14:creationId xmlns:p14="http://schemas.microsoft.com/office/powerpoint/2010/main" val="4009144003"/>
+      </p:ext>
+    </p:extLst>
+  </p:cSld>
+  <p:clrMapOvr>
+    <a:masterClrMapping/>
+  </p:clrMapOvr>
+</p:sld>
+</file>
+
+<file path=ppt/slides/slide4.xml><?xml version="1.0" encoding="utf-8"?>
+<p:sld xmlns:a="http://schemas.openxmlformats.org/drawingml/2006/main" xmlns:r="http://schemas.openxmlformats.org/officeDocument/2006/relationships" xmlns:p="http://schemas.openxmlformats.org/presentationml/2006/main">
+  <p:cSld>
+    <p:spTree>
+      <p:nvGrpSpPr>
+        <p:cNvPr id="1" name=""/>
+        <p:cNvGrpSpPr/>
+        <p:nvPr/>
+      </p:nvGrpSpPr>
+      <p:grpSpPr>
+        <a:xfrm>
+          <a:off x="0" y="0"/>
+          <a:ext cx="0" cy="0"/>
+          <a:chOff x="0" y="0"/>
+          <a:chExt cx="0" cy="0"/>
+        </a:xfrm>
+      </p:grpSpPr>
+      <p:sp>
+        <p:nvSpPr>
+          <p:cNvPr id="2" name="Inhaltsplatzhalter 1">
+            <a:extLst>
+              <a:ext uri="{FF2B5EF4-FFF2-40B4-BE49-F238E27FC236}">
+                <a16:creationId xmlns:a16="http://schemas.microsoft.com/office/drawing/2014/main" id="{16684379-E404-4E8F-9741-934D7728F904}"/>
+              </a:ext>
+            </a:extLst>
+          </p:cNvPr>
+          <p:cNvSpPr>
+            <a:spLocks noGrp="1"/>
+          </p:cNvSpPr>
+          <p:nvPr>
+            <p:ph idx="13"/>
+          </p:nvPr>
+        </p:nvSpPr>
+        <p:spPr/>
+        <p:txBody>
+          <a:bodyPr/>
+          <a:lstStyle/>
+          <a:p>
+            <a:endParaRPr lang="de-DE"/>
+          </a:p>
+        </p:txBody>
+      </p:sp>
+      <p:sp>
+        <p:nvSpPr>
+          <p:cNvPr id="3" name="Titel 2">
+            <a:extLst>
+              <a:ext uri="{FF2B5EF4-FFF2-40B4-BE49-F238E27FC236}">
+                <a16:creationId xmlns:a16="http://schemas.microsoft.com/office/drawing/2014/main" id="{B6852DF4-67D0-4FB0-BD9E-EF1E8DE7C36A}"/>
+              </a:ext>
+            </a:extLst>
+          </p:cNvPr>
+          <p:cNvSpPr>
+            <a:spLocks noGrp="1"/>
+          </p:cNvSpPr>
+          <p:nvPr>
+            <p:ph type="title" idx="4294967295"/>
+          </p:nvPr>
+        </p:nvSpPr>
+        <p:spPr/>
+        <p:txBody>
+          <a:bodyPr/>
+          <a:lstStyle/>
+          <a:p>
+            <a:r>
+              <a:rPr lang="de-DE" dirty="0"/>
+              <a:t>.</a:t>
+            </a:r>
+            <a:r>
+              <a:rPr lang="de-DE" dirty="0" err="1"/>
+              <a:t>git</a:t>
+            </a:r>
+            <a:endParaRPr lang="de-DE" dirty="0"/>
+          </a:p>
+        </p:txBody>
+      </p:sp>
+    </p:spTree>
+    <p:extLst>
+      <p:ext uri="{BB962C8B-B14F-4D97-AF65-F5344CB8AC3E}">
+        <p14:creationId xmlns:p14="http://schemas.microsoft.com/office/powerpoint/2010/main" val="3965178447"/>
+      </p:ext>
+    </p:extLst>
+  </p:cSld>
+  <p:clrMapOvr>
+    <a:masterClrMapping/>
+  </p:clrMapOvr>
+</p:sld>
+</file>
+
+<file path=ppt/slides/slide5.xml><?xml version="1.0" encoding="utf-8"?>
+<p:sld xmlns:a="http://schemas.openxmlformats.org/drawingml/2006/main" xmlns:r="http://schemas.openxmlformats.org/officeDocument/2006/relationships" xmlns:p="http://schemas.openxmlformats.org/presentationml/2006/main">
+  <p:cSld>
+    <p:spTree>
+      <p:nvGrpSpPr>
+        <p:cNvPr id="1" name=""/>
+        <p:cNvGrpSpPr/>
+        <p:nvPr/>
+      </p:nvGrpSpPr>
+      <p:grpSpPr>
+        <a:xfrm>
+          <a:off x="0" y="0"/>
+          <a:ext cx="0" cy="0"/>
+          <a:chOff x="0" y="0"/>
+          <a:chExt cx="0" cy="0"/>
+        </a:xfrm>
+      </p:grpSpPr>
+      <p:sp>
+        <p:nvSpPr>
+          <p:cNvPr id="2" name="Inhaltsplatzhalter 1">
+            <a:extLst>
+              <a:ext uri="{FF2B5EF4-FFF2-40B4-BE49-F238E27FC236}">
+                <a16:creationId xmlns:a16="http://schemas.microsoft.com/office/drawing/2014/main" id="{E684B207-B778-44AB-85B9-C492BBABE453}"/>
+              </a:ext>
+            </a:extLst>
+          </p:cNvPr>
+          <p:cNvSpPr>
+            <a:spLocks noGrp="1"/>
+          </p:cNvSpPr>
+          <p:nvPr>
+            <p:ph idx="13"/>
+          </p:nvPr>
+        </p:nvSpPr>
+        <p:spPr/>
+        <p:txBody>
+          <a:bodyPr/>
+          <a:lstStyle/>
+          <a:p>
+            <a:r>
+              <a:rPr lang="de-DE" dirty="0"/>
+              <a:t>Ermöglicht Einstellungen am Projektarchiv</a:t>
+            </a:r>
+          </a:p>
+          <a:p>
+            <a:r>
+              <a:rPr lang="de-DE" dirty="0"/>
+              <a:t>Hinterlegung von persönlichen Daten:</a:t>
+            </a:r>
+          </a:p>
+          <a:p>
+            <a:pPr lvl="1"/>
+            <a:r>
+              <a:rPr lang="de-DE" dirty="0"/>
+              <a:t>Name: </a:t>
+            </a:r>
+            <a:r>
+              <a:rPr lang="en-US" b="1" i="1" dirty="0"/>
+              <a:t>git config --global user.name "&lt;Name&gt;"</a:t>
+            </a:r>
+          </a:p>
+          <a:p>
+            <a:pPr lvl="1"/>
+            <a:r>
+              <a:rPr lang="en-US" dirty="0"/>
+              <a:t>E-Mail: </a:t>
+            </a:r>
+            <a:r>
+              <a:rPr lang="en-US" b="1" i="1" dirty="0"/>
+              <a:t>git config --global </a:t>
+            </a:r>
+            <a:r>
+              <a:rPr lang="en-US" b="1" i="1" dirty="0" err="1"/>
+              <a:t>user.email</a:t>
+            </a:r>
+            <a:r>
+              <a:rPr lang="en-US" b="1" i="1" dirty="0"/>
+              <a:t> "&lt;E-Mail&gt;“</a:t>
+            </a:r>
+          </a:p>
+          <a:p>
+            <a:r>
+              <a:rPr lang="de-DE" dirty="0"/>
+              <a:t>Einstellung auch innerhalb der Datei möglich:</a:t>
+            </a:r>
+          </a:p>
+          <a:p>
+            <a:pPr lvl="1"/>
+            <a:r>
+              <a:rPr lang="de-DE" b="1" i="1" dirty="0" err="1"/>
+              <a:t>git</a:t>
+            </a:r>
+            <a:r>
+              <a:rPr lang="de-DE" b="1" i="1" dirty="0"/>
+              <a:t> </a:t>
+            </a:r>
+            <a:r>
+              <a:rPr lang="de-DE" b="1" i="1" dirty="0" err="1"/>
+              <a:t>config</a:t>
+            </a:r>
+            <a:r>
+              <a:rPr lang="de-DE" b="1" i="1" dirty="0"/>
+              <a:t> --global –</a:t>
+            </a:r>
+            <a:r>
+              <a:rPr lang="de-DE" b="1" i="1" dirty="0" err="1"/>
+              <a:t>edit</a:t>
+            </a:r>
+            <a:endParaRPr lang="de-DE" b="1" i="1" dirty="0"/>
+          </a:p>
+          <a:p>
+            <a:r>
+              <a:rPr lang="de-DE" dirty="0"/>
+              <a:t>Alias für Befehle angeben:</a:t>
+            </a:r>
+          </a:p>
+          <a:p>
+            <a:pPr lvl="1"/>
+            <a:r>
+              <a:rPr lang="de-DE" b="1" i="1" dirty="0" err="1"/>
+              <a:t>git</a:t>
+            </a:r>
+            <a:r>
+              <a:rPr lang="de-DE" b="1" i="1" dirty="0"/>
+              <a:t> </a:t>
+            </a:r>
+            <a:r>
+              <a:rPr lang="de-DE" b="1" i="1" dirty="0" err="1"/>
+              <a:t>config</a:t>
+            </a:r>
+            <a:r>
+              <a:rPr lang="de-DE" b="1" i="1" dirty="0"/>
+              <a:t> alias.</a:t>
+            </a:r>
+            <a:r>
+              <a:rPr lang="en-US" b="1" i="1" dirty="0"/>
+              <a:t> "</a:t>
+            </a:r>
+            <a:r>
+              <a:rPr lang="de-DE" b="1" i="1" dirty="0"/>
+              <a:t>&lt;Alias Name&gt;</a:t>
+            </a:r>
+            <a:r>
+              <a:rPr lang="en-US" b="1" i="1" dirty="0"/>
+              <a:t>"</a:t>
+            </a:r>
+            <a:r>
+              <a:rPr lang="de-DE" b="1" i="1" dirty="0"/>
+              <a:t> </a:t>
+            </a:r>
+            <a:r>
+              <a:rPr lang="en-US" b="1" i="1" dirty="0"/>
+              <a:t>"</a:t>
+            </a:r>
+            <a:r>
+              <a:rPr lang="de-DE" b="1" i="1" dirty="0"/>
+              <a:t>&lt;</a:t>
+            </a:r>
+            <a:r>
+              <a:rPr lang="de-DE" b="1" i="1" dirty="0" err="1"/>
+              <a:t>Git</a:t>
+            </a:r>
+            <a:r>
+              <a:rPr lang="de-DE" b="1" i="1" dirty="0"/>
+              <a:t> Kommando&gt;</a:t>
+            </a:r>
+            <a:r>
+              <a:rPr lang="en-US" b="1" i="1" dirty="0"/>
+              <a:t>"</a:t>
+            </a:r>
+            <a:endParaRPr lang="de-DE" b="1" i="1" dirty="0"/>
+          </a:p>
+          <a:p>
+            <a:r>
+              <a:rPr lang="de-DE" dirty="0"/>
+              <a:t>Einstellungen </a:t>
+            </a:r>
+            <a:r>
+              <a:rPr lang="de-DE" dirty="0" err="1"/>
+              <a:t>einshehen</a:t>
+            </a:r>
+            <a:r>
+              <a:rPr lang="de-DE" dirty="0"/>
+              <a:t>:</a:t>
+            </a:r>
+          </a:p>
+          <a:p>
+            <a:pPr lvl="1"/>
+            <a:r>
+              <a:rPr lang="de-DE" b="1" i="1" dirty="0" err="1"/>
+              <a:t>git</a:t>
+            </a:r>
+            <a:r>
+              <a:rPr lang="de-DE" b="1" i="1" dirty="0"/>
+              <a:t> </a:t>
+            </a:r>
+            <a:r>
+              <a:rPr lang="de-DE" b="1" i="1" dirty="0" err="1"/>
+              <a:t>config</a:t>
+            </a:r>
+            <a:r>
+              <a:rPr lang="de-DE" b="1" i="1" dirty="0"/>
+              <a:t> –</a:t>
+            </a:r>
+            <a:r>
+              <a:rPr lang="de-DE" b="1" i="1" dirty="0" err="1"/>
+              <a:t>list</a:t>
+            </a:r>
+            <a:endParaRPr lang="de-DE" b="1" i="1" dirty="0"/>
+          </a:p>
+        </p:txBody>
+      </p:sp>
+      <p:sp>
+        <p:nvSpPr>
+          <p:cNvPr id="3" name="Titel 2">
+            <a:extLst>
+              <a:ext uri="{FF2B5EF4-FFF2-40B4-BE49-F238E27FC236}">
+                <a16:creationId xmlns:a16="http://schemas.microsoft.com/office/drawing/2014/main" id="{7C2C9F7D-80F5-4EED-9D00-DE6431CB7CDC}"/>
+              </a:ext>
+            </a:extLst>
+          </p:cNvPr>
+          <p:cNvSpPr>
+            <a:spLocks noGrp="1"/>
+          </p:cNvSpPr>
+          <p:nvPr>
+            <p:ph type="title" idx="4294967295"/>
+          </p:nvPr>
+        </p:nvSpPr>
+        <p:spPr/>
+        <p:txBody>
+          <a:bodyPr/>
+          <a:lstStyle/>
+          <a:p>
+            <a:r>
+              <a:rPr lang="de-DE" dirty="0" err="1"/>
+              <a:t>Config</a:t>
+            </a:r>
+            <a:r>
+              <a:rPr lang="de-DE" dirty="0"/>
+              <a:t> / </a:t>
+            </a:r>
+            <a:r>
+              <a:rPr lang="de-DE" dirty="0" err="1"/>
+              <a:t>gitignore</a:t>
+            </a:r>
+            <a:endParaRPr lang="de-DE" dirty="0"/>
+          </a:p>
+        </p:txBody>
+      </p:sp>
+      <p:pic>
+        <p:nvPicPr>
+          <p:cNvPr id="4" name="Grafik 3">
+            <a:extLst>
+              <a:ext uri="{FF2B5EF4-FFF2-40B4-BE49-F238E27FC236}">
+                <a16:creationId xmlns:a16="http://schemas.microsoft.com/office/drawing/2014/main" id="{180575CE-AC59-4766-921C-12BFF5D18F7E}"/>
+              </a:ext>
+            </a:extLst>
+          </p:cNvPr>
+          <p:cNvPicPr>
+            <a:picLocks noChangeAspect="1"/>
+          </p:cNvPicPr>
+          <p:nvPr/>
+        </p:nvPicPr>
+        <p:blipFill>
+          <a:blip r:embed="rId2"/>
+          <a:stretch>
+            <a:fillRect/>
+          </a:stretch>
+        </p:blipFill>
+        <p:spPr>
+          <a:xfrm>
+            <a:off x="2794952" y="4818093"/>
+            <a:ext cx="4292328" cy="1153515"/>
+          </a:xfrm>
+          <a:prstGeom prst="rect">
+            <a:avLst/>
+          </a:prstGeom>
+        </p:spPr>
+      </p:pic>
+    </p:spTree>
+    <p:extLst>
+      <p:ext uri="{BB962C8B-B14F-4D97-AF65-F5344CB8AC3E}">
+        <p14:creationId xmlns:p14="http://schemas.microsoft.com/office/powerpoint/2010/main" val="3496437379"/>
+      </p:ext>
+    </p:extLst>
+  </p:cSld>
+  <p:clrMapOvr>
+    <a:masterClrMapping/>
+  </p:clrMapOvr>
+</p:sld>
+</file>
+
+<file path=ppt/slides/slide6.xml><?xml version="1.0" encoding="utf-8"?>
+<p:sld xmlns:a="http://schemas.openxmlformats.org/drawingml/2006/main" xmlns:r="http://schemas.openxmlformats.org/officeDocument/2006/relationships" xmlns:p="http://schemas.openxmlformats.org/presentationml/2006/main">
+  <p:cSld>
+    <p:spTree>
+      <p:nvGrpSpPr>
+        <p:cNvPr id="1" name=""/>
+        <p:cNvGrpSpPr/>
+        <p:nvPr/>
+      </p:nvGrpSpPr>
+      <p:grpSpPr>
+        <a:xfrm>
+          <a:off x="0" y="0"/>
+          <a:ext cx="0" cy="0"/>
+          <a:chOff x="0" y="0"/>
+          <a:chExt cx="0" cy="0"/>
+        </a:xfrm>
+      </p:grpSpPr>
+      <p:sp>
+        <p:nvSpPr>
+          <p:cNvPr id="2" name="Inhaltsplatzhalter 1">
+            <a:extLst>
+              <a:ext uri="{FF2B5EF4-FFF2-40B4-BE49-F238E27FC236}">
+                <a16:creationId xmlns:a16="http://schemas.microsoft.com/office/drawing/2014/main" id="{7B063AF5-4A8A-4315-88D3-75A5DCAA9E56}"/>
+              </a:ext>
+            </a:extLst>
+          </p:cNvPr>
+          <p:cNvSpPr>
+            <a:spLocks noGrp="1"/>
+          </p:cNvSpPr>
+          <p:nvPr>
+            <p:ph idx="13"/>
+          </p:nvPr>
+        </p:nvSpPr>
+        <p:spPr/>
+        <p:txBody>
+          <a:bodyPr/>
+          <a:lstStyle/>
+          <a:p>
+            <a:r>
+              <a:rPr lang="de-DE" dirty="0"/>
+              <a:t>Ermöglicht Ausblendung von Dateien, die nicht versioniert werden sollen</a:t>
+            </a:r>
+          </a:p>
+          <a:p>
+            <a:r>
+              <a:rPr lang="de-DE" dirty="0"/>
+              <a:t>Diese Dateien werden in .</a:t>
+            </a:r>
+            <a:r>
+              <a:rPr lang="de-DE" dirty="0" err="1"/>
+              <a:t>gitignore</a:t>
+            </a:r>
+            <a:r>
+              <a:rPr lang="de-DE" dirty="0"/>
+              <a:t> zeilenweise angegeben</a:t>
+            </a:r>
+          </a:p>
+          <a:p>
+            <a:endParaRPr lang="de-DE" dirty="0"/>
+          </a:p>
+          <a:p>
+            <a:endParaRPr lang="de-DE" dirty="0"/>
+          </a:p>
+          <a:p>
+            <a:endParaRPr lang="de-DE" dirty="0"/>
+          </a:p>
+          <a:p>
+            <a:r>
+              <a:rPr lang="de-DE" dirty="0"/>
+              <a:t>In der Abbildungen werden </a:t>
+            </a:r>
+          </a:p>
+          <a:p>
+            <a:pPr lvl="1"/>
+            <a:r>
+              <a:rPr lang="de-DE" dirty="0" err="1"/>
+              <a:t>object</a:t>
+            </a:r>
+            <a:r>
+              <a:rPr lang="de-DE" dirty="0"/>
+              <a:t>-Dateien</a:t>
+            </a:r>
+          </a:p>
+          <a:p>
+            <a:pPr lvl="1"/>
+            <a:r>
+              <a:rPr lang="de-DE" dirty="0"/>
+              <a:t>Dateien, welche mit einer Tilde enden</a:t>
+            </a:r>
+          </a:p>
+          <a:p>
+            <a:pPr lvl="1"/>
+            <a:r>
+              <a:rPr lang="de-DE" dirty="0"/>
+              <a:t>Programm </a:t>
+            </a:r>
+            <a:r>
+              <a:rPr lang="de-DE" dirty="0" err="1"/>
+              <a:t>geo</a:t>
+            </a:r>
+            <a:endParaRPr lang="de-DE" dirty="0"/>
+          </a:p>
+          <a:p>
+            <a:r>
+              <a:rPr lang="de-DE" dirty="0"/>
+              <a:t>Ausgeblendet</a:t>
+            </a:r>
+          </a:p>
+          <a:p>
+            <a:endParaRPr lang="de-DE" dirty="0"/>
+          </a:p>
+          <a:p>
+            <a:pPr lvl="1"/>
+            <a:endParaRPr lang="de-DE" dirty="0"/>
+          </a:p>
+          <a:p>
+            <a:endParaRPr lang="de-DE" dirty="0"/>
+          </a:p>
+        </p:txBody>
+      </p:sp>
+      <p:sp>
+        <p:nvSpPr>
+          <p:cNvPr id="3" name="Titel 2">
+            <a:extLst>
+              <a:ext uri="{FF2B5EF4-FFF2-40B4-BE49-F238E27FC236}">
+                <a16:creationId xmlns:a16="http://schemas.microsoft.com/office/drawing/2014/main" id="{E674E382-A7F7-4C5E-BE6B-589CB0EB1416}"/>
+              </a:ext>
+            </a:extLst>
+          </p:cNvPr>
+          <p:cNvSpPr>
+            <a:spLocks noGrp="1"/>
+          </p:cNvSpPr>
+          <p:nvPr>
+            <p:ph type="title" idx="4294967295"/>
+          </p:nvPr>
+        </p:nvSpPr>
+        <p:spPr/>
+        <p:txBody>
+          <a:bodyPr/>
+          <a:lstStyle/>
+          <a:p>
+            <a:r>
+              <a:rPr lang="de-DE" dirty="0"/>
+              <a:t>Datei .</a:t>
+            </a:r>
+            <a:r>
+              <a:rPr lang="de-DE" dirty="0" err="1"/>
+              <a:t>gitignore</a:t>
+            </a:r>
+            <a:endParaRPr lang="de-DE" dirty="0"/>
+          </a:p>
+        </p:txBody>
+      </p:sp>
+      <p:pic>
+        <p:nvPicPr>
+          <p:cNvPr id="4" name="Grafik 3">
+            <a:extLst>
+              <a:ext uri="{FF2B5EF4-FFF2-40B4-BE49-F238E27FC236}">
+                <a16:creationId xmlns:a16="http://schemas.microsoft.com/office/drawing/2014/main" id="{072B0763-9D56-4398-A550-F74A18EBFF78}"/>
+              </a:ext>
+            </a:extLst>
+          </p:cNvPr>
+          <p:cNvPicPr>
+            <a:picLocks noChangeAspect="1"/>
+          </p:cNvPicPr>
+          <p:nvPr/>
+        </p:nvPicPr>
+        <p:blipFill>
+          <a:blip r:embed="rId2"/>
+          <a:stretch>
+            <a:fillRect/>
+          </a:stretch>
+        </p:blipFill>
+        <p:spPr>
+          <a:xfrm>
+            <a:off x="2837479" y="2704474"/>
+            <a:ext cx="3469042" cy="632247"/>
+          </a:xfrm>
+          <a:prstGeom prst="rect">
+            <a:avLst/>
+          </a:prstGeom>
+        </p:spPr>
+      </p:pic>
+      <p:sp>
+        <p:nvSpPr>
+          <p:cNvPr id="5" name="Rechteck 4">
+            <a:extLst>
+              <a:ext uri="{FF2B5EF4-FFF2-40B4-BE49-F238E27FC236}">
+                <a16:creationId xmlns:a16="http://schemas.microsoft.com/office/drawing/2014/main" id="{3DF4D30B-2839-438B-93BE-1476A4B0C745}"/>
+              </a:ext>
+            </a:extLst>
+          </p:cNvPr>
+          <p:cNvSpPr/>
+          <p:nvPr/>
+        </p:nvSpPr>
+        <p:spPr>
+          <a:xfrm>
+            <a:off x="722415" y="4731390"/>
+            <a:ext cx="578841" cy="444617"/>
+          </a:xfrm>
+          <a:prstGeom prst="rect">
+            <a:avLst/>
+          </a:prstGeom>
+          <a:solidFill>
+            <a:schemeClr val="bg1"/>
+          </a:solidFill>
+          <a:ln>
+            <a:noFill/>
+          </a:ln>
+        </p:spPr>
+        <p:style>
+          <a:lnRef idx="2">
+            <a:schemeClr val="accent1">
+              <a:shade val="50000"/>
+            </a:schemeClr>
+          </a:lnRef>
+          <a:fillRef idx="1">
+            <a:schemeClr val="accent1"/>
+          </a:fillRef>
+          <a:effectRef idx="0">
+            <a:schemeClr val="accent1"/>
+          </a:effectRef>
+          <a:fontRef idx="minor">
+            <a:schemeClr val="lt1"/>
+          </a:fontRef>
+        </p:style>
+        <p:txBody>
+          <a:bodyPr rtlCol="0" anchor="ctr"/>
+          <a:lstStyle/>
+          <a:p>
+            <a:pPr algn="ctr"/>
+            <a:endParaRPr lang="de-DE"/>
+          </a:p>
+        </p:txBody>
+      </p:sp>
+    </p:spTree>
+    <p:extLst>
+      <p:ext uri="{BB962C8B-B14F-4D97-AF65-F5344CB8AC3E}">
+        <p14:creationId xmlns:p14="http://schemas.microsoft.com/office/powerpoint/2010/main" val="2492536315"/>
+      </p:ext>
+    </p:extLst>
+  </p:cSld>
+  <p:clrMapOvr>
+    <a:masterClrMapping/>
+  </p:clrMapOvr>
+</p:sld>
+</file>
+
+<file path=ppt/slides/slide7.xml><?xml version="1.0" encoding="utf-8"?>
+<p:sld xmlns:a="http://schemas.openxmlformats.org/drawingml/2006/main" xmlns:r="http://schemas.openxmlformats.org/officeDocument/2006/relationships" xmlns:p="http://schemas.openxmlformats.org/presentationml/2006/main">
+  <p:cSld>
+    <p:spTree>
+      <p:nvGrpSpPr>
+        <p:cNvPr id="1" name=""/>
+        <p:cNvGrpSpPr/>
+        <p:nvPr/>
+      </p:nvGrpSpPr>
+      <p:grpSpPr>
+        <a:xfrm>
+          <a:off x="0" y="0"/>
+          <a:ext cx="0" cy="0"/>
+          <a:chOff x="0" y="0"/>
+          <a:chExt cx="0" cy="0"/>
+        </a:xfrm>
+      </p:grpSpPr>
+      <p:sp>
+        <p:nvSpPr>
+          <p:cNvPr id="2" name="Inhaltsplatzhalter 1">
+            <a:extLst>
+              <a:ext uri="{FF2B5EF4-FFF2-40B4-BE49-F238E27FC236}">
+                <a16:creationId xmlns:a16="http://schemas.microsoft.com/office/drawing/2014/main" id="{14481AD2-FFD5-43C0-9E6D-FE125D0E6632}"/>
+              </a:ext>
+            </a:extLst>
+          </p:cNvPr>
+          <p:cNvSpPr>
+            <a:spLocks noGrp="1"/>
+          </p:cNvSpPr>
+          <p:nvPr>
+            <p:ph idx="13"/>
+          </p:nvPr>
+        </p:nvSpPr>
+        <p:spPr/>
+        <p:txBody>
+          <a:bodyPr/>
+          <a:lstStyle/>
+          <a:p>
+            <a:endParaRPr lang="de-DE" dirty="0"/>
+          </a:p>
+        </p:txBody>
+      </p:sp>
+      <p:sp>
+        <p:nvSpPr>
+          <p:cNvPr id="3" name="Titel 2">
+            <a:extLst>
+              <a:ext uri="{FF2B5EF4-FFF2-40B4-BE49-F238E27FC236}">
+                <a16:creationId xmlns:a16="http://schemas.microsoft.com/office/drawing/2014/main" id="{86A5B1D2-4489-46B6-BA0B-18E4C8627EA8}"/>
+              </a:ext>
+            </a:extLst>
+          </p:cNvPr>
+          <p:cNvSpPr>
+            <a:spLocks noGrp="1"/>
+          </p:cNvSpPr>
+          <p:nvPr>
+            <p:ph type="title" idx="4294967295"/>
+          </p:nvPr>
+        </p:nvSpPr>
+        <p:spPr/>
+        <p:txBody>
+          <a:bodyPr/>
+          <a:lstStyle/>
+          <a:p>
+            <a:r>
+              <a:rPr lang="de-DE" dirty="0"/>
+              <a:t>Index</a:t>
+            </a:r>
+          </a:p>
+        </p:txBody>
+      </p:sp>
+    </p:spTree>
+    <p:extLst>
+      <p:ext uri="{BB962C8B-B14F-4D97-AF65-F5344CB8AC3E}">
+        <p14:creationId xmlns:p14="http://schemas.microsoft.com/office/powerpoint/2010/main" val="2123715963"/>
       </p:ext>
     </p:extLst>
   </p:cSld>

--- a/Präsentation-90min/Präsentation-90min.pptx
+++ b/Präsentation-90min/Präsentation-90min.pptx
@@ -5,16 +5,47 @@
     <p:sldMasterId id="2147483660" r:id="rId1"/>
   </p:sldMasterIdLst>
   <p:notesMasterIdLst>
-    <p:notesMasterId r:id="rId9"/>
+    <p:notesMasterId r:id="rId40"/>
   </p:notesMasterIdLst>
   <p:sldIdLst>
-    <p:sldId id="270" r:id="rId2"/>
-    <p:sldId id="257" r:id="rId3"/>
+    <p:sldId id="257" r:id="rId2"/>
+    <p:sldId id="270" r:id="rId3"/>
     <p:sldId id="271" r:id="rId4"/>
     <p:sldId id="272" r:id="rId5"/>
     <p:sldId id="273" r:id="rId6"/>
     <p:sldId id="274" r:id="rId7"/>
     <p:sldId id="275" r:id="rId8"/>
+    <p:sldId id="277" r:id="rId9"/>
+    <p:sldId id="276" r:id="rId10"/>
+    <p:sldId id="278" r:id="rId11"/>
+    <p:sldId id="279" r:id="rId12"/>
+    <p:sldId id="280" r:id="rId13"/>
+    <p:sldId id="281" r:id="rId14"/>
+    <p:sldId id="282" r:id="rId15"/>
+    <p:sldId id="283" r:id="rId16"/>
+    <p:sldId id="284" r:id="rId17"/>
+    <p:sldId id="285" r:id="rId18"/>
+    <p:sldId id="286" r:id="rId19"/>
+    <p:sldId id="287" r:id="rId20"/>
+    <p:sldId id="288" r:id="rId21"/>
+    <p:sldId id="289" r:id="rId22"/>
+    <p:sldId id="290" r:id="rId23"/>
+    <p:sldId id="291" r:id="rId24"/>
+    <p:sldId id="293" r:id="rId25"/>
+    <p:sldId id="292" r:id="rId26"/>
+    <p:sldId id="295" r:id="rId27"/>
+    <p:sldId id="297" r:id="rId28"/>
+    <p:sldId id="298" r:id="rId29"/>
+    <p:sldId id="299" r:id="rId30"/>
+    <p:sldId id="300" r:id="rId31"/>
+    <p:sldId id="301" r:id="rId32"/>
+    <p:sldId id="303" r:id="rId33"/>
+    <p:sldId id="302" r:id="rId34"/>
+    <p:sldId id="304" r:id="rId35"/>
+    <p:sldId id="305" r:id="rId36"/>
+    <p:sldId id="306" r:id="rId37"/>
+    <p:sldId id="308" r:id="rId38"/>
+    <p:sldId id="307" r:id="rId39"/>
   </p:sldIdLst>
   <p:sldSz cx="9144000" cy="6858000" type="screen4x3"/>
   <p:notesSz cx="6858000" cy="9144000"/>
@@ -229,7 +260,7 @@
           <a:p>
             <a:fld id="{A1E1CD49-93F9-4EB7-9AB7-31369D3CCD5D}" type="datetimeFigureOut">
               <a:rPr lang="de-DE" smtClean="0"/>
-              <a:t>06.03.2020</a:t>
+              <a:t>07.03.2020</a:t>
             </a:fld>
             <a:endParaRPr lang="de-DE"/>
           </a:p>
@@ -627,7 +658,7 @@
           <a:p>
             <a:fld id="{7CDC51D4-4F8D-402A-BD06-90531D3D0B0E}" type="datetime1">
               <a:rPr lang="de-DE" smtClean="0"/>
-              <a:t>06.03.2020</a:t>
+              <a:t>07.03.2020</a:t>
             </a:fld>
             <a:endParaRPr lang="de-DE"/>
           </a:p>
@@ -797,7 +828,7 @@
           <a:p>
             <a:fld id="{3608FC1D-F958-4804-B298-25E0F93B1193}" type="datetime1">
               <a:rPr lang="de-DE" smtClean="0"/>
-              <a:t>06.03.2020</a:t>
+              <a:t>07.03.2020</a:t>
             </a:fld>
             <a:endParaRPr lang="de-DE"/>
           </a:p>
@@ -977,7 +1008,7 @@
           <a:p>
             <a:fld id="{853E26B7-2C61-49BA-838E-19A37BCD9623}" type="datetime1">
               <a:rPr lang="de-DE" smtClean="0"/>
-              <a:t>06.03.2020</a:t>
+              <a:t>07.03.2020</a:t>
             </a:fld>
             <a:endParaRPr lang="de-DE"/>
           </a:p>
@@ -1272,7 +1303,7 @@
             <a:fld id="{6F7941D6-DDCD-4FEB-B76A-6EA7C7E1DF91}" type="datetime1">
               <a:rPr lang="de-DE" smtClean="0"/>
               <a:pPr/>
-              <a:t>06.03.2020</a:t>
+              <a:t>07.03.2020</a:t>
             </a:fld>
             <a:endParaRPr lang="de-DE" dirty="0"/>
           </a:p>
@@ -1402,10 +1433,9 @@
           </a:lstStyle>
           <a:p>
             <a:r>
-              <a:rPr lang="de-DE"/>
+              <a:rPr lang="de-DE" dirty="0"/>
               <a:t>Git Tutorial</a:t>
             </a:r>
-            <a:endParaRPr lang="de-DE" dirty="0"/>
           </a:p>
         </p:txBody>
       </p:sp>
@@ -1747,38 +1777,6 @@
           </a:prstGeom>
         </p:spPr>
       </p:pic>
-      <p:sp>
-        <p:nvSpPr>
-          <p:cNvPr id="8" name="Textfeld 7">
-            <a:extLst>
-              <a:ext uri="{FF2B5EF4-FFF2-40B4-BE49-F238E27FC236}">
-                <a16:creationId xmlns:a16="http://schemas.microsoft.com/office/drawing/2014/main" id="{61BBD87B-DE29-4548-9905-E69EBF5F82C4}"/>
-              </a:ext>
-            </a:extLst>
-          </p:cNvPr>
-          <p:cNvSpPr txBox="1"/>
-          <p:nvPr userDrawn="1"/>
-        </p:nvSpPr>
-        <p:spPr>
-          <a:xfrm>
-            <a:off x="1099455" y="2708371"/>
-            <a:ext cx="5869577" cy="492443"/>
-          </a:xfrm>
-          <a:prstGeom prst="rect">
-            <a:avLst/>
-          </a:prstGeom>
-          <a:noFill/>
-        </p:spPr>
-        <p:txBody>
-          <a:bodyPr wrap="square" rtlCol="0">
-            <a:spAutoFit/>
-          </a:bodyPr>
-          <a:lstStyle/>
-          <a:p>
-            <a:endParaRPr lang="de-DE" sz="2600" dirty="0"/>
-          </a:p>
-        </p:txBody>
-      </p:sp>
       <p:cxnSp>
         <p:nvCxnSpPr>
           <p:cNvPr id="9" name="Gerader Verbinder 8">
@@ -1863,6 +1861,48 @@
           </a:fontRef>
         </p:style>
       </p:cxnSp>
+      <p:sp>
+        <p:nvSpPr>
+          <p:cNvPr id="12" name="Titel 11">
+            <a:extLst>
+              <a:ext uri="{FF2B5EF4-FFF2-40B4-BE49-F238E27FC236}">
+                <a16:creationId xmlns:a16="http://schemas.microsoft.com/office/drawing/2014/main" id="{62FE974D-81CC-4F03-8BF9-50F6A6D3CC2F}"/>
+              </a:ext>
+            </a:extLst>
+          </p:cNvPr>
+          <p:cNvSpPr>
+            <a:spLocks noGrp="1"/>
+          </p:cNvSpPr>
+          <p:nvPr>
+            <p:ph type="title"/>
+          </p:nvPr>
+        </p:nvSpPr>
+        <p:spPr>
+          <a:xfrm>
+            <a:off x="1100138" y="2708276"/>
+            <a:ext cx="5868987" cy="492124"/>
+          </a:xfrm>
+        </p:spPr>
+        <p:txBody>
+          <a:bodyPr>
+            <a:normAutofit/>
+          </a:bodyPr>
+          <a:lstStyle>
+            <a:lvl1pPr>
+              <a:defRPr sz="2600">
+                <a:latin typeface="Arial" panose="020B0604020202020204" pitchFamily="34" charset="0"/>
+                <a:cs typeface="Arial" panose="020B0604020202020204" pitchFamily="34" charset="0"/>
+              </a:defRPr>
+            </a:lvl1pPr>
+          </a:lstStyle>
+          <a:p>
+            <a:r>
+              <a:rPr lang="de-DE" dirty="0"/>
+              <a:t>Mastertitelformat bearbeiten</a:t>
+            </a:r>
+          </a:p>
+        </p:txBody>
+      </p:sp>
     </p:spTree>
     <p:extLst>
       <p:ext uri="{BB962C8B-B14F-4D97-AF65-F5344CB8AC3E}">
@@ -1909,7 +1949,7 @@
           <a:lstStyle/>
           <a:p>
             <a:r>
-              <a:rPr lang="de-DE"/>
+              <a:rPr lang="de-DE" dirty="0"/>
               <a:t>Mastertitelformat bearbeiten</a:t>
             </a:r>
             <a:endParaRPr lang="en-US" dirty="0"/>
@@ -2047,7 +2087,7 @@
           <a:p>
             <a:fld id="{625025DE-6FE8-4EA0-83A6-6CAFC8B06972}" type="datetime1">
               <a:rPr lang="de-DE" smtClean="0"/>
-              <a:t>06.03.2020</a:t>
+              <a:t>07.03.2020</a:t>
             </a:fld>
             <a:endParaRPr lang="de-DE"/>
           </a:p>
@@ -2414,7 +2454,7 @@
           <a:p>
             <a:fld id="{247D6157-A9C6-4111-84CF-F4ABC9BB74CD}" type="datetime1">
               <a:rPr lang="de-DE" smtClean="0"/>
-              <a:t>06.03.2020</a:t>
+              <a:t>07.03.2020</a:t>
             </a:fld>
             <a:endParaRPr lang="de-DE"/>
           </a:p>
@@ -2532,7 +2572,7 @@
           <a:p>
             <a:fld id="{8EBDA223-4612-4606-8A30-596D72469CD7}" type="datetime1">
               <a:rPr lang="de-DE" smtClean="0"/>
-              <a:t>06.03.2020</a:t>
+              <a:t>07.03.2020</a:t>
             </a:fld>
             <a:endParaRPr lang="de-DE"/>
           </a:p>
@@ -2627,7 +2667,7 @@
           <a:p>
             <a:fld id="{5C800F00-9786-41ED-9D90-88F7ADE0F2B0}" type="datetime1">
               <a:rPr lang="de-DE" smtClean="0"/>
-              <a:t>06.03.2020</a:t>
+              <a:t>07.03.2020</a:t>
             </a:fld>
             <a:endParaRPr lang="de-DE"/>
           </a:p>
@@ -2904,7 +2944,7 @@
           <a:p>
             <a:fld id="{DE94FA33-7DFF-4544-8A2D-E09A4E33D92E}" type="datetime1">
               <a:rPr lang="de-DE" smtClean="0"/>
-              <a:t>06.03.2020</a:t>
+              <a:t>07.03.2020</a:t>
             </a:fld>
             <a:endParaRPr lang="de-DE"/>
           </a:p>
@@ -3161,7 +3201,7 @@
           <a:p>
             <a:fld id="{10F76841-BABD-4AE4-8760-966DF476109C}" type="datetime1">
               <a:rPr lang="de-DE" smtClean="0"/>
-              <a:t>06.03.2020</a:t>
+              <a:t>07.03.2020</a:t>
             </a:fld>
             <a:endParaRPr lang="de-DE"/>
           </a:p>
@@ -3374,7 +3414,7 @@
           <a:p>
             <a:fld id="{34C5C537-7C07-410D-9EF1-F90075952502}" type="datetime1">
               <a:rPr lang="de-DE" smtClean="0"/>
-              <a:t>06.03.2020</a:t>
+              <a:t>07.03.2020</a:t>
             </a:fld>
             <a:endParaRPr lang="de-DE"/>
           </a:p>
@@ -3782,6 +3822,1444 @@
           <a:chExt cx="0" cy="0"/>
         </a:xfrm>
       </p:grpSpPr>
+      <p:sp>
+        <p:nvSpPr>
+          <p:cNvPr id="3" name="Inhaltsplatzhalter 2">
+            <a:extLst>
+              <a:ext uri="{FF2B5EF4-FFF2-40B4-BE49-F238E27FC236}">
+                <a16:creationId xmlns:a16="http://schemas.microsoft.com/office/drawing/2014/main" id="{BA550CEE-E433-4CF3-98B1-3DF82889D543}"/>
+              </a:ext>
+            </a:extLst>
+          </p:cNvPr>
+          <p:cNvSpPr>
+            <a:spLocks noGrp="1"/>
+          </p:cNvSpPr>
+          <p:nvPr>
+            <p:ph idx="13"/>
+          </p:nvPr>
+        </p:nvSpPr>
+        <p:spPr/>
+        <p:txBody>
+          <a:bodyPr>
+            <a:normAutofit/>
+          </a:bodyPr>
+          <a:lstStyle/>
+          <a:p>
+            <a:r>
+              <a:rPr lang="de-DE" sz="2000" dirty="0">
+                <a:latin typeface="Arial" panose="020B0604020202020204" pitchFamily="34" charset="0"/>
+                <a:cs typeface="Arial" panose="020B0604020202020204" pitchFamily="34" charset="0"/>
+              </a:rPr>
+              <a:t>Wird mit Kommando </a:t>
+            </a:r>
+            <a:r>
+              <a:rPr lang="de-DE" sz="2000" b="1" i="1" dirty="0" err="1">
+                <a:latin typeface="Arial" panose="020B0604020202020204" pitchFamily="34" charset="0"/>
+                <a:cs typeface="Arial" panose="020B0604020202020204" pitchFamily="34" charset="0"/>
+              </a:rPr>
+              <a:t>apt-get</a:t>
+            </a:r>
+            <a:r>
+              <a:rPr lang="de-DE" sz="2000" b="1" i="1" dirty="0">
+                <a:latin typeface="Arial" panose="020B0604020202020204" pitchFamily="34" charset="0"/>
+                <a:cs typeface="Arial" panose="020B0604020202020204" pitchFamily="34" charset="0"/>
+              </a:rPr>
+              <a:t> </a:t>
+            </a:r>
+            <a:r>
+              <a:rPr lang="de-DE" sz="2000" dirty="0">
+                <a:latin typeface="Arial" panose="020B0604020202020204" pitchFamily="34" charset="0"/>
+                <a:cs typeface="Arial" panose="020B0604020202020204" pitchFamily="34" charset="0"/>
+              </a:rPr>
+              <a:t>heruntergeladen und installiert</a:t>
+            </a:r>
+          </a:p>
+          <a:p>
+            <a:pPr lvl="1"/>
+            <a:r>
+              <a:rPr lang="de-DE" sz="1600" dirty="0">
+                <a:latin typeface="Arial" panose="020B0604020202020204" pitchFamily="34" charset="0"/>
+                <a:cs typeface="Arial" panose="020B0604020202020204" pitchFamily="34" charset="0"/>
+              </a:rPr>
+              <a:t>Zuerst müssen Referenzen erneuert werden</a:t>
+            </a:r>
+          </a:p>
+          <a:p>
+            <a:pPr marL="457200" lvl="1" indent="0">
+              <a:buNone/>
+            </a:pPr>
+            <a:r>
+              <a:rPr lang="de-DE" sz="1600" dirty="0">
+                <a:latin typeface="Arial" panose="020B0604020202020204" pitchFamily="34" charset="0"/>
+                <a:cs typeface="Arial" panose="020B0604020202020204" pitchFamily="34" charset="0"/>
+              </a:rPr>
+              <a:t>	Kommando: </a:t>
+            </a:r>
+            <a:r>
+              <a:rPr lang="de-DE" sz="1600" b="1" i="1" dirty="0" err="1">
+                <a:latin typeface="Arial" panose="020B0604020202020204" pitchFamily="34" charset="0"/>
+                <a:cs typeface="Arial" panose="020B0604020202020204" pitchFamily="34" charset="0"/>
+              </a:rPr>
+              <a:t>sudo</a:t>
+            </a:r>
+            <a:r>
+              <a:rPr lang="de-DE" sz="1600" b="1" i="1" dirty="0">
+                <a:latin typeface="Arial" panose="020B0604020202020204" pitchFamily="34" charset="0"/>
+                <a:cs typeface="Arial" panose="020B0604020202020204" pitchFamily="34" charset="0"/>
+              </a:rPr>
+              <a:t> </a:t>
+            </a:r>
+            <a:r>
+              <a:rPr lang="de-DE" sz="1600" b="1" i="1" dirty="0" err="1">
+                <a:latin typeface="Arial" panose="020B0604020202020204" pitchFamily="34" charset="0"/>
+                <a:cs typeface="Arial" panose="020B0604020202020204" pitchFamily="34" charset="0"/>
+              </a:rPr>
+              <a:t>apt-get</a:t>
+            </a:r>
+            <a:r>
+              <a:rPr lang="de-DE" sz="1600" b="1" i="1" dirty="0">
+                <a:latin typeface="Arial" panose="020B0604020202020204" pitchFamily="34" charset="0"/>
+                <a:cs typeface="Arial" panose="020B0604020202020204" pitchFamily="34" charset="0"/>
+              </a:rPr>
+              <a:t> update</a:t>
+            </a:r>
+          </a:p>
+          <a:p>
+            <a:pPr lvl="1"/>
+            <a:r>
+              <a:rPr lang="de-DE" sz="1600" dirty="0">
+                <a:latin typeface="Arial" panose="020B0604020202020204" pitchFamily="34" charset="0"/>
+                <a:cs typeface="Arial" panose="020B0604020202020204" pitchFamily="34" charset="0"/>
+              </a:rPr>
+              <a:t>Danach kann Git installiert werden</a:t>
+            </a:r>
+          </a:p>
+          <a:p>
+            <a:pPr marL="457200" lvl="1" indent="0">
+              <a:buNone/>
+            </a:pPr>
+            <a:r>
+              <a:rPr lang="de-DE" sz="1600" dirty="0">
+                <a:latin typeface="Arial" panose="020B0604020202020204" pitchFamily="34" charset="0"/>
+                <a:cs typeface="Arial" panose="020B0604020202020204" pitchFamily="34" charset="0"/>
+              </a:rPr>
+              <a:t>	Kommando: </a:t>
+            </a:r>
+            <a:r>
+              <a:rPr lang="de-DE" sz="1600" b="1" i="1" dirty="0" err="1">
+                <a:latin typeface="Arial" panose="020B0604020202020204" pitchFamily="34" charset="0"/>
+                <a:cs typeface="Arial" panose="020B0604020202020204" pitchFamily="34" charset="0"/>
+              </a:rPr>
+              <a:t>sudo</a:t>
+            </a:r>
+            <a:r>
+              <a:rPr lang="de-DE" sz="1600" b="1" i="1" dirty="0">
+                <a:latin typeface="Arial" panose="020B0604020202020204" pitchFamily="34" charset="0"/>
+                <a:cs typeface="Arial" panose="020B0604020202020204" pitchFamily="34" charset="0"/>
+              </a:rPr>
+              <a:t> </a:t>
+            </a:r>
+            <a:r>
+              <a:rPr lang="de-DE" sz="1600" b="1" i="1" dirty="0" err="1">
+                <a:latin typeface="Arial" panose="020B0604020202020204" pitchFamily="34" charset="0"/>
+                <a:cs typeface="Arial" panose="020B0604020202020204" pitchFamily="34" charset="0"/>
+              </a:rPr>
+              <a:t>apt-get</a:t>
+            </a:r>
+            <a:r>
+              <a:rPr lang="de-DE" sz="1600" b="1" i="1" dirty="0">
+                <a:latin typeface="Arial" panose="020B0604020202020204" pitchFamily="34" charset="0"/>
+                <a:cs typeface="Arial" panose="020B0604020202020204" pitchFamily="34" charset="0"/>
+              </a:rPr>
+              <a:t> </a:t>
+            </a:r>
+            <a:r>
+              <a:rPr lang="de-DE" sz="1600" b="1" i="1" dirty="0" err="1">
+                <a:latin typeface="Arial" panose="020B0604020202020204" pitchFamily="34" charset="0"/>
+                <a:cs typeface="Arial" panose="020B0604020202020204" pitchFamily="34" charset="0"/>
+              </a:rPr>
+              <a:t>install</a:t>
+            </a:r>
+            <a:r>
+              <a:rPr lang="de-DE" sz="1600" b="1" i="1" dirty="0">
+                <a:latin typeface="Arial" panose="020B0604020202020204" pitchFamily="34" charset="0"/>
+                <a:cs typeface="Arial" panose="020B0604020202020204" pitchFamily="34" charset="0"/>
+              </a:rPr>
+              <a:t> git</a:t>
+            </a:r>
+            <a:endParaRPr lang="de-DE" sz="1200" b="1" i="1" dirty="0">
+              <a:latin typeface="Arial" panose="020B0604020202020204" pitchFamily="34" charset="0"/>
+              <a:cs typeface="Arial" panose="020B0604020202020204" pitchFamily="34" charset="0"/>
+            </a:endParaRPr>
+          </a:p>
+          <a:p>
+            <a:pPr marL="914400" lvl="2" indent="0">
+              <a:buNone/>
+            </a:pPr>
+            <a:endParaRPr lang="de-DE" sz="1200" dirty="0">
+              <a:latin typeface="Arial" panose="020B0604020202020204" pitchFamily="34" charset="0"/>
+              <a:cs typeface="Arial" panose="020B0604020202020204" pitchFamily="34" charset="0"/>
+            </a:endParaRPr>
+          </a:p>
+          <a:p>
+            <a:endParaRPr lang="de-DE" sz="2000" dirty="0">
+              <a:latin typeface="Arial" panose="020B0604020202020204" pitchFamily="34" charset="0"/>
+              <a:cs typeface="Arial" panose="020B0604020202020204" pitchFamily="34" charset="0"/>
+            </a:endParaRPr>
+          </a:p>
+          <a:p>
+            <a:endParaRPr lang="de-DE" sz="2000" dirty="0">
+              <a:latin typeface="Arial" panose="020B0604020202020204" pitchFamily="34" charset="0"/>
+              <a:cs typeface="Arial" panose="020B0604020202020204" pitchFamily="34" charset="0"/>
+            </a:endParaRPr>
+          </a:p>
+          <a:p>
+            <a:endParaRPr lang="de-DE" sz="2000" dirty="0">
+              <a:latin typeface="Arial" panose="020B0604020202020204" pitchFamily="34" charset="0"/>
+              <a:cs typeface="Arial" panose="020B0604020202020204" pitchFamily="34" charset="0"/>
+            </a:endParaRPr>
+          </a:p>
+          <a:p>
+            <a:endParaRPr lang="de-DE" sz="2000" dirty="0">
+              <a:latin typeface="Arial" panose="020B0604020202020204" pitchFamily="34" charset="0"/>
+              <a:cs typeface="Arial" panose="020B0604020202020204" pitchFamily="34" charset="0"/>
+            </a:endParaRPr>
+          </a:p>
+          <a:p>
+            <a:endParaRPr lang="de-DE" sz="2000" dirty="0">
+              <a:latin typeface="Arial" panose="020B0604020202020204" pitchFamily="34" charset="0"/>
+              <a:cs typeface="Arial" panose="020B0604020202020204" pitchFamily="34" charset="0"/>
+            </a:endParaRPr>
+          </a:p>
+          <a:p>
+            <a:endParaRPr lang="de-DE" sz="2000" dirty="0">
+              <a:latin typeface="Arial" panose="020B0604020202020204" pitchFamily="34" charset="0"/>
+              <a:cs typeface="Arial" panose="020B0604020202020204" pitchFamily="34" charset="0"/>
+            </a:endParaRPr>
+          </a:p>
+          <a:p>
+            <a:pPr lvl="1"/>
+            <a:endParaRPr lang="de-DE" sz="2000" dirty="0">
+              <a:latin typeface="Arial" panose="020B0604020202020204" pitchFamily="34" charset="0"/>
+              <a:cs typeface="Arial" panose="020B0604020202020204" pitchFamily="34" charset="0"/>
+            </a:endParaRPr>
+          </a:p>
+        </p:txBody>
+      </p:sp>
+      <p:sp>
+        <p:nvSpPr>
+          <p:cNvPr id="2" name="Titel 1">
+            <a:extLst>
+              <a:ext uri="{FF2B5EF4-FFF2-40B4-BE49-F238E27FC236}">
+                <a16:creationId xmlns:a16="http://schemas.microsoft.com/office/drawing/2014/main" id="{BE9BD52A-10D4-4170-A998-31F963D2F9BB}"/>
+              </a:ext>
+            </a:extLst>
+          </p:cNvPr>
+          <p:cNvSpPr>
+            <a:spLocks noGrp="1"/>
+          </p:cNvSpPr>
+          <p:nvPr>
+            <p:ph type="title" idx="4294967295"/>
+          </p:nvPr>
+        </p:nvSpPr>
+        <p:spPr/>
+        <p:txBody>
+          <a:bodyPr>
+            <a:normAutofit/>
+          </a:bodyPr>
+          <a:lstStyle/>
+          <a:p>
+            <a:r>
+              <a:rPr lang="de-DE" sz="2400" b="1" dirty="0">
+                <a:latin typeface="Arial" panose="020B0604020202020204" pitchFamily="34" charset="0"/>
+                <a:cs typeface="Arial" panose="020B0604020202020204" pitchFamily="34" charset="0"/>
+              </a:rPr>
+              <a:t>Installation unter Linux</a:t>
+            </a:r>
+          </a:p>
+        </p:txBody>
+      </p:sp>
+      <p:sp>
+        <p:nvSpPr>
+          <p:cNvPr id="4" name="Datumsplatzhalter 3">
+            <a:extLst>
+              <a:ext uri="{FF2B5EF4-FFF2-40B4-BE49-F238E27FC236}">
+                <a16:creationId xmlns:a16="http://schemas.microsoft.com/office/drawing/2014/main" id="{EDAA1497-5C4E-4F1B-A045-74E2D153CB91}"/>
+              </a:ext>
+            </a:extLst>
+          </p:cNvPr>
+          <p:cNvSpPr>
+            <a:spLocks noGrp="1"/>
+          </p:cNvSpPr>
+          <p:nvPr>
+            <p:ph type="dt" sz="half" idx="4294967295"/>
+          </p:nvPr>
+        </p:nvSpPr>
+        <p:spPr>
+          <a:xfrm>
+            <a:off x="7086600" y="6356350"/>
+            <a:ext cx="2057400" cy="365125"/>
+          </a:xfrm>
+        </p:spPr>
+        <p:txBody>
+          <a:bodyPr/>
+          <a:lstStyle/>
+          <a:p>
+            <a:fld id="{6F7941D6-DDCD-4FEB-B76A-6EA7C7E1DF91}" type="datetime1">
+              <a:rPr lang="de-DE" smtClean="0"/>
+              <a:t>07.03.2020</a:t>
+            </a:fld>
+            <a:endParaRPr lang="de-DE" dirty="0"/>
+          </a:p>
+        </p:txBody>
+      </p:sp>
+      <p:sp>
+        <p:nvSpPr>
+          <p:cNvPr id="5" name="Fußzeilenplatzhalter 4">
+            <a:extLst>
+              <a:ext uri="{FF2B5EF4-FFF2-40B4-BE49-F238E27FC236}">
+                <a16:creationId xmlns:a16="http://schemas.microsoft.com/office/drawing/2014/main" id="{C59CBE4D-CD6A-43CD-B5F7-D0456D90B39E}"/>
+              </a:ext>
+            </a:extLst>
+          </p:cNvPr>
+          <p:cNvSpPr>
+            <a:spLocks noGrp="1"/>
+          </p:cNvSpPr>
+          <p:nvPr>
+            <p:ph type="ftr" sz="quarter" idx="4294967295"/>
+          </p:nvPr>
+        </p:nvSpPr>
+        <p:spPr>
+          <a:xfrm>
+            <a:off x="0" y="6356350"/>
+            <a:ext cx="3698875" cy="365125"/>
+          </a:xfrm>
+        </p:spPr>
+        <p:txBody>
+          <a:bodyPr/>
+          <a:lstStyle/>
+          <a:p>
+            <a:r>
+              <a:rPr lang="de-DE" dirty="0"/>
+              <a:t>Git Tutorial</a:t>
+            </a:r>
+          </a:p>
+        </p:txBody>
+      </p:sp>
+      <p:sp>
+        <p:nvSpPr>
+          <p:cNvPr id="6" name="Foliennummernplatzhalter 5">
+            <a:extLst>
+              <a:ext uri="{FF2B5EF4-FFF2-40B4-BE49-F238E27FC236}">
+                <a16:creationId xmlns:a16="http://schemas.microsoft.com/office/drawing/2014/main" id="{B84F1831-59D5-4145-B6B9-A1613CE4A1A9}"/>
+              </a:ext>
+            </a:extLst>
+          </p:cNvPr>
+          <p:cNvSpPr>
+            <a:spLocks noGrp="1"/>
+          </p:cNvSpPr>
+          <p:nvPr>
+            <p:ph type="sldNum" sz="quarter" idx="4294967295"/>
+          </p:nvPr>
+        </p:nvSpPr>
+        <p:spPr>
+          <a:xfrm>
+            <a:off x="0" y="6356350"/>
+            <a:ext cx="2057400" cy="365125"/>
+          </a:xfrm>
+        </p:spPr>
+        <p:txBody>
+          <a:bodyPr/>
+          <a:lstStyle/>
+          <a:p>
+            <a:pPr algn="ctr"/>
+            <a:fld id="{6F94D85D-A331-4F90-A37B-3680A0933E4F}" type="slidenum">
+              <a:rPr lang="de-DE" smtClean="0"/>
+              <a:pPr algn="ctr"/>
+              <a:t>1</a:t>
+            </a:fld>
+            <a:endParaRPr lang="de-DE" dirty="0"/>
+          </a:p>
+        </p:txBody>
+      </p:sp>
+      <p:cxnSp>
+        <p:nvCxnSpPr>
+          <p:cNvPr id="8" name="Gerader Verbinder 7">
+            <a:extLst>
+              <a:ext uri="{FF2B5EF4-FFF2-40B4-BE49-F238E27FC236}">
+                <a16:creationId xmlns:a16="http://schemas.microsoft.com/office/drawing/2014/main" id="{7E8F2A84-19B8-4826-B3AD-6F16601D7885}"/>
+              </a:ext>
+            </a:extLst>
+          </p:cNvPr>
+          <p:cNvCxnSpPr>
+            <a:cxnSpLocks/>
+          </p:cNvCxnSpPr>
+          <p:nvPr/>
+        </p:nvCxnSpPr>
+        <p:spPr>
+          <a:xfrm>
+            <a:off x="628650" y="6353847"/>
+            <a:ext cx="7886700" cy="0"/>
+          </a:xfrm>
+          <a:prstGeom prst="line">
+            <a:avLst/>
+          </a:prstGeom>
+        </p:spPr>
+        <p:style>
+          <a:lnRef idx="1">
+            <a:schemeClr val="dk1"/>
+          </a:lnRef>
+          <a:fillRef idx="0">
+            <a:schemeClr val="dk1"/>
+          </a:fillRef>
+          <a:effectRef idx="0">
+            <a:schemeClr val="dk1"/>
+          </a:effectRef>
+          <a:fontRef idx="minor">
+            <a:schemeClr val="tx1"/>
+          </a:fontRef>
+        </p:style>
+      </p:cxnSp>
+      <p:pic>
+        <p:nvPicPr>
+          <p:cNvPr id="10" name="Grafik 9">
+            <a:extLst>
+              <a:ext uri="{FF2B5EF4-FFF2-40B4-BE49-F238E27FC236}">
+                <a16:creationId xmlns:a16="http://schemas.microsoft.com/office/drawing/2014/main" id="{7A6261ED-119B-40E9-A877-9DF5FF1D43F4}"/>
+              </a:ext>
+            </a:extLst>
+          </p:cNvPr>
+          <p:cNvPicPr>
+            <a:picLocks noChangeAspect="1"/>
+          </p:cNvPicPr>
+          <p:nvPr/>
+        </p:nvPicPr>
+        <p:blipFill>
+          <a:blip r:embed="rId2"/>
+          <a:stretch>
+            <a:fillRect/>
+          </a:stretch>
+        </p:blipFill>
+        <p:spPr>
+          <a:xfrm>
+            <a:off x="7370059" y="6363613"/>
+            <a:ext cx="960209" cy="314098"/>
+          </a:xfrm>
+          <a:prstGeom prst="rect">
+            <a:avLst/>
+          </a:prstGeom>
+        </p:spPr>
+      </p:pic>
+      <p:cxnSp>
+        <p:nvCxnSpPr>
+          <p:cNvPr id="13" name="Gerader Verbinder 12">
+            <a:extLst>
+              <a:ext uri="{FF2B5EF4-FFF2-40B4-BE49-F238E27FC236}">
+                <a16:creationId xmlns:a16="http://schemas.microsoft.com/office/drawing/2014/main" id="{F9DA0021-3FCA-4721-AD9E-DF15B2F3591D}"/>
+              </a:ext>
+            </a:extLst>
+          </p:cNvPr>
+          <p:cNvCxnSpPr>
+            <a:cxnSpLocks/>
+          </p:cNvCxnSpPr>
+          <p:nvPr/>
+        </p:nvCxnSpPr>
+        <p:spPr>
+          <a:xfrm>
+            <a:off x="628650" y="993703"/>
+            <a:ext cx="7886700" cy="0"/>
+          </a:xfrm>
+          <a:prstGeom prst="line">
+            <a:avLst/>
+          </a:prstGeom>
+        </p:spPr>
+        <p:style>
+          <a:lnRef idx="1">
+            <a:schemeClr val="dk1"/>
+          </a:lnRef>
+          <a:fillRef idx="0">
+            <a:schemeClr val="dk1"/>
+          </a:fillRef>
+          <a:effectRef idx="0">
+            <a:schemeClr val="dk1"/>
+          </a:effectRef>
+          <a:fontRef idx="minor">
+            <a:schemeClr val="tx1"/>
+          </a:fontRef>
+        </p:style>
+      </p:cxnSp>
+    </p:spTree>
+    <p:extLst>
+      <p:ext uri="{BB962C8B-B14F-4D97-AF65-F5344CB8AC3E}">
+        <p14:creationId xmlns:p14="http://schemas.microsoft.com/office/powerpoint/2010/main" val="1628561704"/>
+      </p:ext>
+    </p:extLst>
+  </p:cSld>
+  <p:clrMapOvr>
+    <a:masterClrMapping/>
+  </p:clrMapOvr>
+</p:sld>
+</file>
+
+<file path=ppt/slides/slide10.xml><?xml version="1.0" encoding="utf-8"?>
+<p:sld xmlns:a="http://schemas.openxmlformats.org/drawingml/2006/main" xmlns:r="http://schemas.openxmlformats.org/officeDocument/2006/relationships" xmlns:p="http://schemas.openxmlformats.org/presentationml/2006/main">
+  <p:cSld>
+    <p:spTree>
+      <p:nvGrpSpPr>
+        <p:cNvPr id="1" name=""/>
+        <p:cNvGrpSpPr/>
+        <p:nvPr/>
+      </p:nvGrpSpPr>
+      <p:grpSpPr>
+        <a:xfrm>
+          <a:off x="0" y="0"/>
+          <a:ext cx="0" cy="0"/>
+          <a:chOff x="0" y="0"/>
+          <a:chExt cx="0" cy="0"/>
+        </a:xfrm>
+      </p:grpSpPr>
+      <p:sp>
+        <p:nvSpPr>
+          <p:cNvPr id="2" name="Inhaltsplatzhalter 1">
+            <a:extLst>
+              <a:ext uri="{FF2B5EF4-FFF2-40B4-BE49-F238E27FC236}">
+                <a16:creationId xmlns:a16="http://schemas.microsoft.com/office/drawing/2014/main" id="{99579AFA-4288-4E59-BD2C-CF222CE7DDEA}"/>
+              </a:ext>
+            </a:extLst>
+          </p:cNvPr>
+          <p:cNvSpPr>
+            <a:spLocks noGrp="1"/>
+          </p:cNvSpPr>
+          <p:nvPr>
+            <p:ph idx="13"/>
+          </p:nvPr>
+        </p:nvSpPr>
+        <p:spPr/>
+        <p:txBody>
+          <a:bodyPr/>
+          <a:lstStyle/>
+          <a:p>
+            <a:r>
+              <a:rPr lang="de-DE" dirty="0"/>
+              <a:t>Stellt Zwischenspeicher dar</a:t>
+            </a:r>
+          </a:p>
+          <a:p>
+            <a:r>
+              <a:rPr lang="de-DE" dirty="0"/>
+              <a:t>Kommando: </a:t>
+            </a:r>
+            <a:r>
+              <a:rPr lang="de-DE" b="1" i="1" dirty="0"/>
+              <a:t>git </a:t>
+            </a:r>
+            <a:r>
+              <a:rPr lang="de-DE" b="1" i="1" dirty="0" err="1"/>
+              <a:t>stash</a:t>
+            </a:r>
+            <a:endParaRPr lang="de-DE" b="1" i="1" dirty="0"/>
+          </a:p>
+          <a:p>
+            <a:r>
+              <a:rPr lang="de-DE" dirty="0"/>
+              <a:t>Optionen:</a:t>
+            </a:r>
+          </a:p>
+          <a:p>
+            <a:pPr lvl="1"/>
+            <a:r>
+              <a:rPr lang="de-DE" b="1" i="1" dirty="0"/>
+              <a:t>-patch</a:t>
+            </a:r>
+            <a:r>
+              <a:rPr lang="de-DE" dirty="0"/>
+              <a:t>:</a:t>
+            </a:r>
+          </a:p>
+          <a:p>
+            <a:pPr lvl="1"/>
+            <a:r>
+              <a:rPr lang="de-DE" b="1" i="1" dirty="0"/>
+              <a:t>-u</a:t>
+            </a:r>
+            <a:r>
+              <a:rPr lang="de-DE" dirty="0"/>
+              <a:t>:</a:t>
+            </a:r>
+          </a:p>
+          <a:p>
+            <a:pPr lvl="1"/>
+            <a:r>
+              <a:rPr lang="de-DE" b="1" i="1" dirty="0" err="1"/>
+              <a:t>list</a:t>
+            </a:r>
+            <a:r>
+              <a:rPr lang="de-DE" dirty="0"/>
+              <a:t>:</a:t>
+            </a:r>
+          </a:p>
+          <a:p>
+            <a:pPr lvl="1"/>
+            <a:r>
+              <a:rPr lang="de-DE" b="1" i="1" dirty="0"/>
+              <a:t>save "&lt;Nachricht&gt;"</a:t>
+            </a:r>
+            <a:r>
+              <a:rPr lang="de-DE" dirty="0"/>
+              <a:t>:</a:t>
+            </a:r>
+          </a:p>
+          <a:p>
+            <a:pPr lvl="1"/>
+            <a:r>
+              <a:rPr lang="de-DE" b="1" i="1" dirty="0" err="1"/>
+              <a:t>pop</a:t>
+            </a:r>
+            <a:r>
+              <a:rPr lang="de-DE" dirty="0"/>
+              <a:t>:</a:t>
+            </a:r>
+          </a:p>
+          <a:p>
+            <a:pPr lvl="1"/>
+            <a:r>
+              <a:rPr lang="de-DE" b="1" i="1" dirty="0" err="1"/>
+              <a:t>apply</a:t>
+            </a:r>
+            <a:r>
+              <a:rPr lang="de-DE" dirty="0"/>
+              <a:t>:</a:t>
+            </a:r>
+          </a:p>
+          <a:p>
+            <a:pPr lvl="1"/>
+            <a:r>
+              <a:rPr lang="de-DE" b="1" i="1" dirty="0" err="1"/>
+              <a:t>show</a:t>
+            </a:r>
+            <a:r>
+              <a:rPr lang="de-DE" dirty="0"/>
+              <a:t>:</a:t>
+            </a:r>
+          </a:p>
+          <a:p>
+            <a:pPr lvl="1"/>
+            <a:r>
+              <a:rPr lang="de-DE" b="1" i="1" dirty="0" err="1"/>
+              <a:t>drop</a:t>
+            </a:r>
+            <a:r>
+              <a:rPr lang="de-DE" b="1" i="1" dirty="0"/>
+              <a:t> &lt;</a:t>
+            </a:r>
+            <a:r>
+              <a:rPr lang="de-DE" b="1" i="1" dirty="0" err="1"/>
+              <a:t>stash-id</a:t>
+            </a:r>
+            <a:r>
+              <a:rPr lang="de-DE" b="1" i="1" dirty="0"/>
+              <a:t>&gt;</a:t>
+            </a:r>
+            <a:r>
+              <a:rPr lang="de-DE" dirty="0"/>
+              <a:t>:</a:t>
+            </a:r>
+          </a:p>
+          <a:p>
+            <a:pPr lvl="1"/>
+            <a:endParaRPr lang="de-DE" dirty="0"/>
+          </a:p>
+        </p:txBody>
+      </p:sp>
+      <p:sp>
+        <p:nvSpPr>
+          <p:cNvPr id="3" name="Titel 2">
+            <a:extLst>
+              <a:ext uri="{FF2B5EF4-FFF2-40B4-BE49-F238E27FC236}">
+                <a16:creationId xmlns:a16="http://schemas.microsoft.com/office/drawing/2014/main" id="{23F9D629-AE16-4134-A025-BC6DE94F1F0F}"/>
+              </a:ext>
+            </a:extLst>
+          </p:cNvPr>
+          <p:cNvSpPr>
+            <a:spLocks noGrp="1"/>
+          </p:cNvSpPr>
+          <p:nvPr>
+            <p:ph type="title" idx="4294967295"/>
+          </p:nvPr>
+        </p:nvSpPr>
+        <p:spPr/>
+        <p:txBody>
+          <a:bodyPr/>
+          <a:lstStyle/>
+          <a:p>
+            <a:r>
+              <a:rPr lang="de-DE" dirty="0" err="1"/>
+              <a:t>Stash</a:t>
+            </a:r>
+            <a:endParaRPr lang="de-DE" dirty="0"/>
+          </a:p>
+        </p:txBody>
+      </p:sp>
+    </p:spTree>
+    <p:extLst>
+      <p:ext uri="{BB962C8B-B14F-4D97-AF65-F5344CB8AC3E}">
+        <p14:creationId xmlns:p14="http://schemas.microsoft.com/office/powerpoint/2010/main" val="1555292907"/>
+      </p:ext>
+    </p:extLst>
+  </p:cSld>
+  <p:clrMapOvr>
+    <a:masterClrMapping/>
+  </p:clrMapOvr>
+</p:sld>
+</file>
+
+<file path=ppt/slides/slide11.xml><?xml version="1.0" encoding="utf-8"?>
+<p:sld xmlns:a="http://schemas.openxmlformats.org/drawingml/2006/main" xmlns:r="http://schemas.openxmlformats.org/officeDocument/2006/relationships" xmlns:p="http://schemas.openxmlformats.org/presentationml/2006/main">
+  <p:cSld>
+    <p:spTree>
+      <p:nvGrpSpPr>
+        <p:cNvPr id="1" name=""/>
+        <p:cNvGrpSpPr/>
+        <p:nvPr/>
+      </p:nvGrpSpPr>
+      <p:grpSpPr>
+        <a:xfrm>
+          <a:off x="0" y="0"/>
+          <a:ext cx="0" cy="0"/>
+          <a:chOff x="0" y="0"/>
+          <a:chExt cx="0" cy="0"/>
+        </a:xfrm>
+      </p:grpSpPr>
+      <p:sp>
+        <p:nvSpPr>
+          <p:cNvPr id="2" name="Inhaltsplatzhalter 1">
+            <a:extLst>
+              <a:ext uri="{FF2B5EF4-FFF2-40B4-BE49-F238E27FC236}">
+                <a16:creationId xmlns:a16="http://schemas.microsoft.com/office/drawing/2014/main" id="{08B3E3F0-ED4E-42DE-8E67-F6BAA697A7DA}"/>
+              </a:ext>
+            </a:extLst>
+          </p:cNvPr>
+          <p:cNvSpPr>
+            <a:spLocks noGrp="1"/>
+          </p:cNvSpPr>
+          <p:nvPr>
+            <p:ph idx="13"/>
+          </p:nvPr>
+        </p:nvSpPr>
+        <p:spPr/>
+        <p:txBody>
+          <a:bodyPr/>
+          <a:lstStyle/>
+          <a:p>
+            <a:endParaRPr lang="de-DE"/>
+          </a:p>
+        </p:txBody>
+      </p:sp>
+      <p:sp>
+        <p:nvSpPr>
+          <p:cNvPr id="3" name="Titel 2">
+            <a:extLst>
+              <a:ext uri="{FF2B5EF4-FFF2-40B4-BE49-F238E27FC236}">
+                <a16:creationId xmlns:a16="http://schemas.microsoft.com/office/drawing/2014/main" id="{B912F092-D3B3-4246-8550-7F89DC5A3EF0}"/>
+              </a:ext>
+            </a:extLst>
+          </p:cNvPr>
+          <p:cNvSpPr>
+            <a:spLocks noGrp="1"/>
+          </p:cNvSpPr>
+          <p:nvPr>
+            <p:ph type="title" idx="4294967295"/>
+          </p:nvPr>
+        </p:nvSpPr>
+        <p:spPr/>
+        <p:txBody>
+          <a:bodyPr/>
+          <a:lstStyle/>
+          <a:p>
+            <a:r>
+              <a:rPr lang="de-DE" dirty="0"/>
+              <a:t>Log</a:t>
+            </a:r>
+          </a:p>
+        </p:txBody>
+      </p:sp>
+    </p:spTree>
+    <p:extLst>
+      <p:ext uri="{BB962C8B-B14F-4D97-AF65-F5344CB8AC3E}">
+        <p14:creationId xmlns:p14="http://schemas.microsoft.com/office/powerpoint/2010/main" val="3018236094"/>
+      </p:ext>
+    </p:extLst>
+  </p:cSld>
+  <p:clrMapOvr>
+    <a:masterClrMapping/>
+  </p:clrMapOvr>
+</p:sld>
+</file>
+
+<file path=ppt/slides/slide12.xml><?xml version="1.0" encoding="utf-8"?>
+<p:sld xmlns:a="http://schemas.openxmlformats.org/drawingml/2006/main" xmlns:r="http://schemas.openxmlformats.org/officeDocument/2006/relationships" xmlns:p="http://schemas.openxmlformats.org/presentationml/2006/main">
+  <p:cSld>
+    <p:spTree>
+      <p:nvGrpSpPr>
+        <p:cNvPr id="1" name=""/>
+        <p:cNvGrpSpPr/>
+        <p:nvPr/>
+      </p:nvGrpSpPr>
+      <p:grpSpPr>
+        <a:xfrm>
+          <a:off x="0" y="0"/>
+          <a:ext cx="0" cy="0"/>
+          <a:chOff x="0" y="0"/>
+          <a:chExt cx="0" cy="0"/>
+        </a:xfrm>
+      </p:grpSpPr>
+      <p:sp>
+        <p:nvSpPr>
+          <p:cNvPr id="4" name="Titel 3">
+            <a:extLst>
+              <a:ext uri="{FF2B5EF4-FFF2-40B4-BE49-F238E27FC236}">
+                <a16:creationId xmlns:a16="http://schemas.microsoft.com/office/drawing/2014/main" id="{C2ABF1F1-47DF-422D-8ECF-EB59674283F8}"/>
+              </a:ext>
+            </a:extLst>
+          </p:cNvPr>
+          <p:cNvSpPr>
+            <a:spLocks noGrp="1"/>
+          </p:cNvSpPr>
+          <p:nvPr>
+            <p:ph type="title"/>
+          </p:nvPr>
+        </p:nvSpPr>
+        <p:spPr/>
+        <p:txBody>
+          <a:bodyPr/>
+          <a:lstStyle/>
+          <a:p>
+            <a:r>
+              <a:rPr lang="de-DE" dirty="0"/>
+              <a:t>Zweige</a:t>
+            </a:r>
+          </a:p>
+        </p:txBody>
+      </p:sp>
+    </p:spTree>
+    <p:extLst>
+      <p:ext uri="{BB962C8B-B14F-4D97-AF65-F5344CB8AC3E}">
+        <p14:creationId xmlns:p14="http://schemas.microsoft.com/office/powerpoint/2010/main" val="895590311"/>
+      </p:ext>
+    </p:extLst>
+  </p:cSld>
+  <p:clrMapOvr>
+    <a:masterClrMapping/>
+  </p:clrMapOvr>
+</p:sld>
+</file>
+
+<file path=ppt/slides/slide13.xml><?xml version="1.0" encoding="utf-8"?>
+<p:sld xmlns:a="http://schemas.openxmlformats.org/drawingml/2006/main" xmlns:r="http://schemas.openxmlformats.org/officeDocument/2006/relationships" xmlns:p="http://schemas.openxmlformats.org/presentationml/2006/main">
+  <p:cSld>
+    <p:spTree>
+      <p:nvGrpSpPr>
+        <p:cNvPr id="1" name=""/>
+        <p:cNvGrpSpPr/>
+        <p:nvPr/>
+      </p:nvGrpSpPr>
+      <p:grpSpPr>
+        <a:xfrm>
+          <a:off x="0" y="0"/>
+          <a:ext cx="0" cy="0"/>
+          <a:chOff x="0" y="0"/>
+          <a:chExt cx="0" cy="0"/>
+        </a:xfrm>
+      </p:grpSpPr>
+      <p:sp>
+        <p:nvSpPr>
+          <p:cNvPr id="3" name="Inhaltsplatzhalter 2">
+            <a:extLst>
+              <a:ext uri="{FF2B5EF4-FFF2-40B4-BE49-F238E27FC236}">
+                <a16:creationId xmlns:a16="http://schemas.microsoft.com/office/drawing/2014/main" id="{39488408-F056-467E-AA91-1648B8A9E4BD}"/>
+              </a:ext>
+            </a:extLst>
+          </p:cNvPr>
+          <p:cNvSpPr>
+            <a:spLocks noGrp="1"/>
+          </p:cNvSpPr>
+          <p:nvPr>
+            <p:ph idx="13"/>
+          </p:nvPr>
+        </p:nvSpPr>
+        <p:spPr/>
+        <p:txBody>
+          <a:bodyPr/>
+          <a:lstStyle/>
+          <a:p>
+            <a:endParaRPr lang="de-DE"/>
+          </a:p>
+        </p:txBody>
+      </p:sp>
+      <p:sp>
+        <p:nvSpPr>
+          <p:cNvPr id="4" name="Titel 3">
+            <a:extLst>
+              <a:ext uri="{FF2B5EF4-FFF2-40B4-BE49-F238E27FC236}">
+                <a16:creationId xmlns:a16="http://schemas.microsoft.com/office/drawing/2014/main" id="{F5D71C33-EA1B-45F6-8CDB-E316C7790496}"/>
+              </a:ext>
+            </a:extLst>
+          </p:cNvPr>
+          <p:cNvSpPr>
+            <a:spLocks noGrp="1"/>
+          </p:cNvSpPr>
+          <p:nvPr>
+            <p:ph type="title" idx="4294967295"/>
+          </p:nvPr>
+        </p:nvSpPr>
+        <p:spPr/>
+        <p:txBody>
+          <a:bodyPr/>
+          <a:lstStyle/>
+          <a:p>
+            <a:r>
+              <a:rPr lang="de-DE" dirty="0"/>
+              <a:t>Warum?</a:t>
+            </a:r>
+          </a:p>
+        </p:txBody>
+      </p:sp>
+    </p:spTree>
+    <p:extLst>
+      <p:ext uri="{BB962C8B-B14F-4D97-AF65-F5344CB8AC3E}">
+        <p14:creationId xmlns:p14="http://schemas.microsoft.com/office/powerpoint/2010/main" val="2350462169"/>
+      </p:ext>
+    </p:extLst>
+  </p:cSld>
+  <p:clrMapOvr>
+    <a:masterClrMapping/>
+  </p:clrMapOvr>
+</p:sld>
+</file>
+
+<file path=ppt/slides/slide14.xml><?xml version="1.0" encoding="utf-8"?>
+<p:sld xmlns:a="http://schemas.openxmlformats.org/drawingml/2006/main" xmlns:r="http://schemas.openxmlformats.org/officeDocument/2006/relationships" xmlns:p="http://schemas.openxmlformats.org/presentationml/2006/main">
+  <p:cSld>
+    <p:spTree>
+      <p:nvGrpSpPr>
+        <p:cNvPr id="1" name=""/>
+        <p:cNvGrpSpPr/>
+        <p:nvPr/>
+      </p:nvGrpSpPr>
+      <p:grpSpPr>
+        <a:xfrm>
+          <a:off x="0" y="0"/>
+          <a:ext cx="0" cy="0"/>
+          <a:chOff x="0" y="0"/>
+          <a:chExt cx="0" cy="0"/>
+        </a:xfrm>
+      </p:grpSpPr>
+      <p:sp>
+        <p:nvSpPr>
+          <p:cNvPr id="2" name="Inhaltsplatzhalter 1">
+            <a:extLst>
+              <a:ext uri="{FF2B5EF4-FFF2-40B4-BE49-F238E27FC236}">
+                <a16:creationId xmlns:a16="http://schemas.microsoft.com/office/drawing/2014/main" id="{B0B07356-22C1-42DF-8376-883865367B08}"/>
+              </a:ext>
+            </a:extLst>
+          </p:cNvPr>
+          <p:cNvSpPr>
+            <a:spLocks noGrp="1"/>
+          </p:cNvSpPr>
+          <p:nvPr>
+            <p:ph idx="13"/>
+          </p:nvPr>
+        </p:nvSpPr>
+        <p:spPr/>
+        <p:txBody>
+          <a:bodyPr/>
+          <a:lstStyle/>
+          <a:p>
+            <a:endParaRPr lang="de-DE"/>
+          </a:p>
+        </p:txBody>
+      </p:sp>
+      <p:sp>
+        <p:nvSpPr>
+          <p:cNvPr id="3" name="Titel 2">
+            <a:extLst>
+              <a:ext uri="{FF2B5EF4-FFF2-40B4-BE49-F238E27FC236}">
+                <a16:creationId xmlns:a16="http://schemas.microsoft.com/office/drawing/2014/main" id="{F6594D45-32B7-4752-94A3-EDFB73441261}"/>
+              </a:ext>
+            </a:extLst>
+          </p:cNvPr>
+          <p:cNvSpPr>
+            <a:spLocks noGrp="1"/>
+          </p:cNvSpPr>
+          <p:nvPr>
+            <p:ph type="title" idx="4294967295"/>
+          </p:nvPr>
+        </p:nvSpPr>
+        <p:spPr/>
+        <p:txBody>
+          <a:bodyPr/>
+          <a:lstStyle/>
+          <a:p>
+            <a:r>
+              <a:rPr lang="de-DE" dirty="0"/>
+              <a:t>Branch</a:t>
+            </a:r>
+          </a:p>
+        </p:txBody>
+      </p:sp>
+    </p:spTree>
+    <p:extLst>
+      <p:ext uri="{BB962C8B-B14F-4D97-AF65-F5344CB8AC3E}">
+        <p14:creationId xmlns:p14="http://schemas.microsoft.com/office/powerpoint/2010/main" val="3586302197"/>
+      </p:ext>
+    </p:extLst>
+  </p:cSld>
+  <p:clrMapOvr>
+    <a:masterClrMapping/>
+  </p:clrMapOvr>
+</p:sld>
+</file>
+
+<file path=ppt/slides/slide15.xml><?xml version="1.0" encoding="utf-8"?>
+<p:sld xmlns:a="http://schemas.openxmlformats.org/drawingml/2006/main" xmlns:r="http://schemas.openxmlformats.org/officeDocument/2006/relationships" xmlns:p="http://schemas.openxmlformats.org/presentationml/2006/main">
+  <p:cSld>
+    <p:spTree>
+      <p:nvGrpSpPr>
+        <p:cNvPr id="1" name=""/>
+        <p:cNvGrpSpPr/>
+        <p:nvPr/>
+      </p:nvGrpSpPr>
+      <p:grpSpPr>
+        <a:xfrm>
+          <a:off x="0" y="0"/>
+          <a:ext cx="0" cy="0"/>
+          <a:chOff x="0" y="0"/>
+          <a:chExt cx="0" cy="0"/>
+        </a:xfrm>
+      </p:grpSpPr>
+      <p:sp>
+        <p:nvSpPr>
+          <p:cNvPr id="2" name="Inhaltsplatzhalter 1">
+            <a:extLst>
+              <a:ext uri="{FF2B5EF4-FFF2-40B4-BE49-F238E27FC236}">
+                <a16:creationId xmlns:a16="http://schemas.microsoft.com/office/drawing/2014/main" id="{0503ED33-5331-4FC7-BAC3-A6A3BC6E3C7E}"/>
+              </a:ext>
+            </a:extLst>
+          </p:cNvPr>
+          <p:cNvSpPr>
+            <a:spLocks noGrp="1"/>
+          </p:cNvSpPr>
+          <p:nvPr>
+            <p:ph idx="13"/>
+          </p:nvPr>
+        </p:nvSpPr>
+        <p:spPr/>
+        <p:txBody>
+          <a:bodyPr/>
+          <a:lstStyle/>
+          <a:p>
+            <a:endParaRPr lang="de-DE"/>
+          </a:p>
+        </p:txBody>
+      </p:sp>
+      <p:sp>
+        <p:nvSpPr>
+          <p:cNvPr id="3" name="Titel 2">
+            <a:extLst>
+              <a:ext uri="{FF2B5EF4-FFF2-40B4-BE49-F238E27FC236}">
+                <a16:creationId xmlns:a16="http://schemas.microsoft.com/office/drawing/2014/main" id="{9A4DD9D4-A8C3-484C-A7B7-DEE7737333C6}"/>
+              </a:ext>
+            </a:extLst>
+          </p:cNvPr>
+          <p:cNvSpPr>
+            <a:spLocks noGrp="1"/>
+          </p:cNvSpPr>
+          <p:nvPr>
+            <p:ph type="title" idx="4294967295"/>
+          </p:nvPr>
+        </p:nvSpPr>
+        <p:spPr/>
+        <p:txBody>
+          <a:bodyPr/>
+          <a:lstStyle/>
+          <a:p>
+            <a:r>
+              <a:rPr lang="de-DE" dirty="0" err="1"/>
+              <a:t>Checkout</a:t>
+            </a:r>
+            <a:endParaRPr lang="de-DE" dirty="0"/>
+          </a:p>
+        </p:txBody>
+      </p:sp>
+    </p:spTree>
+    <p:extLst>
+      <p:ext uri="{BB962C8B-B14F-4D97-AF65-F5344CB8AC3E}">
+        <p14:creationId xmlns:p14="http://schemas.microsoft.com/office/powerpoint/2010/main" val="2575464971"/>
+      </p:ext>
+    </p:extLst>
+  </p:cSld>
+  <p:clrMapOvr>
+    <a:masterClrMapping/>
+  </p:clrMapOvr>
+</p:sld>
+</file>
+
+<file path=ppt/slides/slide16.xml><?xml version="1.0" encoding="utf-8"?>
+<p:sld xmlns:a="http://schemas.openxmlformats.org/drawingml/2006/main" xmlns:r="http://schemas.openxmlformats.org/officeDocument/2006/relationships" xmlns:p="http://schemas.openxmlformats.org/presentationml/2006/main">
+  <p:cSld>
+    <p:spTree>
+      <p:nvGrpSpPr>
+        <p:cNvPr id="1" name=""/>
+        <p:cNvGrpSpPr/>
+        <p:nvPr/>
+      </p:nvGrpSpPr>
+      <p:grpSpPr>
+        <a:xfrm>
+          <a:off x="0" y="0"/>
+          <a:ext cx="0" cy="0"/>
+          <a:chOff x="0" y="0"/>
+          <a:chExt cx="0" cy="0"/>
+        </a:xfrm>
+      </p:grpSpPr>
+      <p:sp>
+        <p:nvSpPr>
+          <p:cNvPr id="2" name="Inhaltsplatzhalter 1">
+            <a:extLst>
+              <a:ext uri="{FF2B5EF4-FFF2-40B4-BE49-F238E27FC236}">
+                <a16:creationId xmlns:a16="http://schemas.microsoft.com/office/drawing/2014/main" id="{F109D8F9-4C83-4BFF-B928-AEEE005C9F93}"/>
+              </a:ext>
+            </a:extLst>
+          </p:cNvPr>
+          <p:cNvSpPr>
+            <a:spLocks noGrp="1"/>
+          </p:cNvSpPr>
+          <p:nvPr>
+            <p:ph idx="13"/>
+          </p:nvPr>
+        </p:nvSpPr>
+        <p:spPr/>
+        <p:txBody>
+          <a:bodyPr/>
+          <a:lstStyle/>
+          <a:p>
+            <a:endParaRPr lang="de-DE"/>
+          </a:p>
+        </p:txBody>
+      </p:sp>
+      <p:sp>
+        <p:nvSpPr>
+          <p:cNvPr id="3" name="Titel 2">
+            <a:extLst>
+              <a:ext uri="{FF2B5EF4-FFF2-40B4-BE49-F238E27FC236}">
+                <a16:creationId xmlns:a16="http://schemas.microsoft.com/office/drawing/2014/main" id="{E1E8C774-CC73-4DF3-B362-774B81B4B149}"/>
+              </a:ext>
+            </a:extLst>
+          </p:cNvPr>
+          <p:cNvSpPr>
+            <a:spLocks noGrp="1"/>
+          </p:cNvSpPr>
+          <p:nvPr>
+            <p:ph type="title" idx="4294967295"/>
+          </p:nvPr>
+        </p:nvSpPr>
+        <p:spPr/>
+        <p:txBody>
+          <a:bodyPr/>
+          <a:lstStyle/>
+          <a:p>
+            <a:r>
+              <a:rPr lang="de-DE" dirty="0" err="1"/>
+              <a:t>Merge</a:t>
+            </a:r>
+            <a:endParaRPr lang="de-DE" dirty="0"/>
+          </a:p>
+        </p:txBody>
+      </p:sp>
+    </p:spTree>
+    <p:extLst>
+      <p:ext uri="{BB962C8B-B14F-4D97-AF65-F5344CB8AC3E}">
+        <p14:creationId xmlns:p14="http://schemas.microsoft.com/office/powerpoint/2010/main" val="18428114"/>
+      </p:ext>
+    </p:extLst>
+  </p:cSld>
+  <p:clrMapOvr>
+    <a:masterClrMapping/>
+  </p:clrMapOvr>
+</p:sld>
+</file>
+
+<file path=ppt/slides/slide17.xml><?xml version="1.0" encoding="utf-8"?>
+<p:sld xmlns:a="http://schemas.openxmlformats.org/drawingml/2006/main" xmlns:r="http://schemas.openxmlformats.org/officeDocument/2006/relationships" xmlns:p="http://schemas.openxmlformats.org/presentationml/2006/main">
+  <p:cSld>
+    <p:spTree>
+      <p:nvGrpSpPr>
+        <p:cNvPr id="1" name=""/>
+        <p:cNvGrpSpPr/>
+        <p:nvPr/>
+      </p:nvGrpSpPr>
+      <p:grpSpPr>
+        <a:xfrm>
+          <a:off x="0" y="0"/>
+          <a:ext cx="0" cy="0"/>
+          <a:chOff x="0" y="0"/>
+          <a:chExt cx="0" cy="0"/>
+        </a:xfrm>
+      </p:grpSpPr>
+      <p:sp>
+        <p:nvSpPr>
+          <p:cNvPr id="2" name="Inhaltsplatzhalter 1">
+            <a:extLst>
+              <a:ext uri="{FF2B5EF4-FFF2-40B4-BE49-F238E27FC236}">
+                <a16:creationId xmlns:a16="http://schemas.microsoft.com/office/drawing/2014/main" id="{D72C1ACF-D267-40D1-9A2D-92DB078AD81F}"/>
+              </a:ext>
+            </a:extLst>
+          </p:cNvPr>
+          <p:cNvSpPr>
+            <a:spLocks noGrp="1"/>
+          </p:cNvSpPr>
+          <p:nvPr>
+            <p:ph idx="13"/>
+          </p:nvPr>
+        </p:nvSpPr>
+        <p:spPr/>
+        <p:txBody>
+          <a:bodyPr/>
+          <a:lstStyle/>
+          <a:p>
+            <a:endParaRPr lang="de-DE"/>
+          </a:p>
+        </p:txBody>
+      </p:sp>
+      <p:sp>
+        <p:nvSpPr>
+          <p:cNvPr id="3" name="Titel 2">
+            <a:extLst>
+              <a:ext uri="{FF2B5EF4-FFF2-40B4-BE49-F238E27FC236}">
+                <a16:creationId xmlns:a16="http://schemas.microsoft.com/office/drawing/2014/main" id="{634FBDFA-2750-49DE-BA39-B520811BAC1B}"/>
+              </a:ext>
+            </a:extLst>
+          </p:cNvPr>
+          <p:cNvSpPr>
+            <a:spLocks noGrp="1"/>
+          </p:cNvSpPr>
+          <p:nvPr>
+            <p:ph type="title" idx="4294967295"/>
+          </p:nvPr>
+        </p:nvSpPr>
+        <p:spPr/>
+        <p:txBody>
+          <a:bodyPr/>
+          <a:lstStyle/>
+          <a:p>
+            <a:r>
+              <a:rPr lang="de-DE" dirty="0"/>
+              <a:t>Konflikte</a:t>
+            </a:r>
+          </a:p>
+        </p:txBody>
+      </p:sp>
+    </p:spTree>
+    <p:extLst>
+      <p:ext uri="{BB962C8B-B14F-4D97-AF65-F5344CB8AC3E}">
+        <p14:creationId xmlns:p14="http://schemas.microsoft.com/office/powerpoint/2010/main" val="609718407"/>
+      </p:ext>
+    </p:extLst>
+  </p:cSld>
+  <p:clrMapOvr>
+    <a:masterClrMapping/>
+  </p:clrMapOvr>
+</p:sld>
+</file>
+
+<file path=ppt/slides/slide18.xml><?xml version="1.0" encoding="utf-8"?>
+<p:sld xmlns:a="http://schemas.openxmlformats.org/drawingml/2006/main" xmlns:r="http://schemas.openxmlformats.org/officeDocument/2006/relationships" xmlns:p="http://schemas.openxmlformats.org/presentationml/2006/main">
+  <p:cSld>
+    <p:spTree>
+      <p:nvGrpSpPr>
+        <p:cNvPr id="1" name=""/>
+        <p:cNvGrpSpPr/>
+        <p:nvPr/>
+      </p:nvGrpSpPr>
+      <p:grpSpPr>
+        <a:xfrm>
+          <a:off x="0" y="0"/>
+          <a:ext cx="0" cy="0"/>
+          <a:chOff x="0" y="0"/>
+          <a:chExt cx="0" cy="0"/>
+        </a:xfrm>
+      </p:grpSpPr>
+      <p:sp>
+        <p:nvSpPr>
+          <p:cNvPr id="2" name="Inhaltsplatzhalter 1">
+            <a:extLst>
+              <a:ext uri="{FF2B5EF4-FFF2-40B4-BE49-F238E27FC236}">
+                <a16:creationId xmlns:a16="http://schemas.microsoft.com/office/drawing/2014/main" id="{6E26EC24-DCB9-49CC-97AA-388A9CCC955A}"/>
+              </a:ext>
+            </a:extLst>
+          </p:cNvPr>
+          <p:cNvSpPr>
+            <a:spLocks noGrp="1"/>
+          </p:cNvSpPr>
+          <p:nvPr>
+            <p:ph idx="13"/>
+          </p:nvPr>
+        </p:nvSpPr>
+        <p:spPr/>
+        <p:txBody>
+          <a:bodyPr/>
+          <a:lstStyle/>
+          <a:p>
+            <a:endParaRPr lang="de-DE"/>
+          </a:p>
+        </p:txBody>
+      </p:sp>
+      <p:sp>
+        <p:nvSpPr>
+          <p:cNvPr id="3" name="Titel 2">
+            <a:extLst>
+              <a:ext uri="{FF2B5EF4-FFF2-40B4-BE49-F238E27FC236}">
+                <a16:creationId xmlns:a16="http://schemas.microsoft.com/office/drawing/2014/main" id="{8A45ABDE-05E6-491F-8743-C9967C75A841}"/>
+              </a:ext>
+            </a:extLst>
+          </p:cNvPr>
+          <p:cNvSpPr>
+            <a:spLocks noGrp="1"/>
+          </p:cNvSpPr>
+          <p:nvPr>
+            <p:ph type="title" idx="4294967295"/>
+          </p:nvPr>
+        </p:nvSpPr>
+        <p:spPr/>
+        <p:txBody>
+          <a:bodyPr/>
+          <a:lstStyle/>
+          <a:p>
+            <a:r>
+              <a:rPr lang="de-DE" dirty="0" err="1"/>
+              <a:t>Rebase</a:t>
+            </a:r>
+            <a:endParaRPr lang="de-DE" dirty="0"/>
+          </a:p>
+        </p:txBody>
+      </p:sp>
+    </p:spTree>
+    <p:extLst>
+      <p:ext uri="{BB962C8B-B14F-4D97-AF65-F5344CB8AC3E}">
+        <p14:creationId xmlns:p14="http://schemas.microsoft.com/office/powerpoint/2010/main" val="2987330994"/>
+      </p:ext>
+    </p:extLst>
+  </p:cSld>
+  <p:clrMapOvr>
+    <a:masterClrMapping/>
+  </p:clrMapOvr>
+</p:sld>
+</file>
+
+<file path=ppt/slides/slide19.xml><?xml version="1.0" encoding="utf-8"?>
+<p:sld xmlns:a="http://schemas.openxmlformats.org/drawingml/2006/main" xmlns:r="http://schemas.openxmlformats.org/officeDocument/2006/relationships" xmlns:p="http://schemas.openxmlformats.org/presentationml/2006/main">
+  <p:cSld>
+    <p:spTree>
+      <p:nvGrpSpPr>
+        <p:cNvPr id="1" name=""/>
+        <p:cNvGrpSpPr/>
+        <p:nvPr/>
+      </p:nvGrpSpPr>
+      <p:grpSpPr>
+        <a:xfrm>
+          <a:off x="0" y="0"/>
+          <a:ext cx="0" cy="0"/>
+          <a:chOff x="0" y="0"/>
+          <a:chExt cx="0" cy="0"/>
+        </a:xfrm>
+      </p:grpSpPr>
+      <p:sp>
+        <p:nvSpPr>
+          <p:cNvPr id="2" name="Inhaltsplatzhalter 1">
+            <a:extLst>
+              <a:ext uri="{FF2B5EF4-FFF2-40B4-BE49-F238E27FC236}">
+                <a16:creationId xmlns:a16="http://schemas.microsoft.com/office/drawing/2014/main" id="{7FF77909-50E0-45E3-BE71-AE434CB7D1B7}"/>
+              </a:ext>
+            </a:extLst>
+          </p:cNvPr>
+          <p:cNvSpPr>
+            <a:spLocks noGrp="1"/>
+          </p:cNvSpPr>
+          <p:nvPr>
+            <p:ph idx="13"/>
+          </p:nvPr>
+        </p:nvSpPr>
+        <p:spPr/>
+        <p:txBody>
+          <a:bodyPr/>
+          <a:lstStyle/>
+          <a:p>
+            <a:endParaRPr lang="de-DE"/>
+          </a:p>
+        </p:txBody>
+      </p:sp>
+      <p:sp>
+        <p:nvSpPr>
+          <p:cNvPr id="3" name="Titel 2">
+            <a:extLst>
+              <a:ext uri="{FF2B5EF4-FFF2-40B4-BE49-F238E27FC236}">
+                <a16:creationId xmlns:a16="http://schemas.microsoft.com/office/drawing/2014/main" id="{16441133-F5C1-426D-98D9-D316A3042F0D}"/>
+              </a:ext>
+            </a:extLst>
+          </p:cNvPr>
+          <p:cNvSpPr>
+            <a:spLocks noGrp="1"/>
+          </p:cNvSpPr>
+          <p:nvPr>
+            <p:ph type="title" idx="4294967295"/>
+          </p:nvPr>
+        </p:nvSpPr>
+        <p:spPr/>
+        <p:txBody>
+          <a:bodyPr/>
+          <a:lstStyle/>
+          <a:p>
+            <a:r>
+              <a:rPr lang="de-DE" dirty="0"/>
+              <a:t>Interaktiver </a:t>
+            </a:r>
+            <a:r>
+              <a:rPr lang="de-DE" dirty="0" err="1"/>
+              <a:t>Rebase</a:t>
+            </a:r>
+            <a:endParaRPr lang="de-DE" dirty="0"/>
+          </a:p>
+        </p:txBody>
+      </p:sp>
+    </p:spTree>
+    <p:extLst>
+      <p:ext uri="{BB962C8B-B14F-4D97-AF65-F5344CB8AC3E}">
+        <p14:creationId xmlns:p14="http://schemas.microsoft.com/office/powerpoint/2010/main" val="3549383510"/>
+      </p:ext>
+    </p:extLst>
+  </p:cSld>
+  <p:clrMapOvr>
+    <a:masterClrMapping/>
+  </p:clrMapOvr>
+</p:sld>
+</file>
+
+<file path=ppt/slides/slide2.xml><?xml version="1.0" encoding="utf-8"?>
+<p:sld xmlns:a="http://schemas.openxmlformats.org/drawingml/2006/main" xmlns:r="http://schemas.openxmlformats.org/officeDocument/2006/relationships" xmlns:p="http://schemas.openxmlformats.org/presentationml/2006/main">
+  <p:cSld>
+    <p:spTree>
+      <p:nvGrpSpPr>
+        <p:cNvPr id="1" name=""/>
+        <p:cNvGrpSpPr/>
+        <p:nvPr/>
+      </p:nvGrpSpPr>
+      <p:grpSpPr>
+        <a:xfrm>
+          <a:off x="0" y="0"/>
+          <a:ext cx="0" cy="0"/>
+          <a:chOff x="0" y="0"/>
+          <a:chExt cx="0" cy="0"/>
+        </a:xfrm>
+      </p:grpSpPr>
       <p:pic>
         <p:nvPicPr>
           <p:cNvPr id="7" name="Grafik 6">
@@ -3841,7 +5319,10 @@
           <a:lstStyle/>
           <a:p>
             <a:r>
-              <a:rPr lang="de-DE" sz="2600" dirty="0"/>
+              <a:rPr lang="de-DE" sz="2600" dirty="0">
+                <a:latin typeface="Arial" panose="020B0604020202020204" pitchFamily="34" charset="0"/>
+                <a:cs typeface="Arial" panose="020B0604020202020204" pitchFamily="34" charset="0"/>
+              </a:rPr>
               <a:t>Repository erstellen</a:t>
             </a:r>
           </a:p>
@@ -3944,7 +5425,7 @@
 </p:sld>
 </file>
 
-<file path=ppt/slides/slide2.xml><?xml version="1.0" encoding="utf-8"?>
+<file path=ppt/slides/slide20.xml><?xml version="1.0" encoding="utf-8"?>
 <p:sld xmlns:a="http://schemas.openxmlformats.org/drawingml/2006/main" xmlns:r="http://schemas.openxmlformats.org/officeDocument/2006/relationships" xmlns:p="http://schemas.openxmlformats.org/presentationml/2006/main">
   <p:cSld>
     <p:spTree>
@@ -3963,499 +5444,775 @@
       </p:grpSpPr>
       <p:sp>
         <p:nvSpPr>
-          <p:cNvPr id="3" name="Inhaltsplatzhalter 2">
-            <a:extLst>
-              <a:ext uri="{FF2B5EF4-FFF2-40B4-BE49-F238E27FC236}">
-                <a16:creationId xmlns:a16="http://schemas.microsoft.com/office/drawing/2014/main" id="{BA550CEE-E433-4CF3-98B1-3DF82889D543}"/>
-              </a:ext>
-            </a:extLst>
-          </p:cNvPr>
-          <p:cNvSpPr>
-            <a:spLocks noGrp="1"/>
-          </p:cNvSpPr>
-          <p:nvPr>
-            <p:ph idx="13"/>
-          </p:nvPr>
-        </p:nvSpPr>
-        <p:spPr/>
-        <p:txBody>
-          <a:bodyPr>
-            <a:normAutofit/>
-          </a:bodyPr>
-          <a:lstStyle/>
-          <a:p>
-            <a:r>
-              <a:rPr lang="de-DE" sz="2000" dirty="0">
-                <a:latin typeface="Arial" panose="020B0604020202020204" pitchFamily="34" charset="0"/>
-                <a:cs typeface="Arial" panose="020B0604020202020204" pitchFamily="34" charset="0"/>
-              </a:rPr>
-              <a:t>Wird mit Kommando </a:t>
-            </a:r>
-            <a:r>
-              <a:rPr lang="de-DE" sz="2000" b="1" i="1" dirty="0" err="1">
-                <a:latin typeface="Arial" panose="020B0604020202020204" pitchFamily="34" charset="0"/>
-                <a:cs typeface="Arial" panose="020B0604020202020204" pitchFamily="34" charset="0"/>
-              </a:rPr>
-              <a:t>apt-get</a:t>
-            </a:r>
-            <a:r>
-              <a:rPr lang="de-DE" sz="2000" b="1" i="1" dirty="0">
-                <a:latin typeface="Arial" panose="020B0604020202020204" pitchFamily="34" charset="0"/>
-                <a:cs typeface="Arial" panose="020B0604020202020204" pitchFamily="34" charset="0"/>
-              </a:rPr>
-              <a:t> </a:t>
-            </a:r>
-            <a:r>
-              <a:rPr lang="de-DE" sz="2000" dirty="0">
-                <a:latin typeface="Arial" panose="020B0604020202020204" pitchFamily="34" charset="0"/>
-                <a:cs typeface="Arial" panose="020B0604020202020204" pitchFamily="34" charset="0"/>
-              </a:rPr>
-              <a:t>heruntergeladen und installiert</a:t>
-            </a:r>
-          </a:p>
-          <a:p>
-            <a:pPr lvl="1"/>
-            <a:r>
-              <a:rPr lang="de-DE" sz="1600" dirty="0">
-                <a:latin typeface="Arial" panose="020B0604020202020204" pitchFamily="34" charset="0"/>
-                <a:cs typeface="Arial" panose="020B0604020202020204" pitchFamily="34" charset="0"/>
-              </a:rPr>
-              <a:t>Zuerst müssen Referenzen erneuert werden</a:t>
-            </a:r>
-          </a:p>
-          <a:p>
-            <a:pPr marL="457200" lvl="1" indent="0">
-              <a:buNone/>
-            </a:pPr>
-            <a:r>
-              <a:rPr lang="de-DE" sz="1600" dirty="0">
-                <a:latin typeface="Arial" panose="020B0604020202020204" pitchFamily="34" charset="0"/>
-                <a:cs typeface="Arial" panose="020B0604020202020204" pitchFamily="34" charset="0"/>
-              </a:rPr>
-              <a:t>	Kommando: </a:t>
-            </a:r>
-            <a:r>
-              <a:rPr lang="de-DE" sz="1600" b="1" i="1" dirty="0" err="1">
-                <a:latin typeface="Arial" panose="020B0604020202020204" pitchFamily="34" charset="0"/>
-                <a:cs typeface="Arial" panose="020B0604020202020204" pitchFamily="34" charset="0"/>
-              </a:rPr>
-              <a:t>sudo</a:t>
-            </a:r>
-            <a:r>
-              <a:rPr lang="de-DE" sz="1600" b="1" i="1" dirty="0">
-                <a:latin typeface="Arial" panose="020B0604020202020204" pitchFamily="34" charset="0"/>
-                <a:cs typeface="Arial" panose="020B0604020202020204" pitchFamily="34" charset="0"/>
-              </a:rPr>
-              <a:t> </a:t>
-            </a:r>
-            <a:r>
-              <a:rPr lang="de-DE" sz="1600" b="1" i="1" dirty="0" err="1">
-                <a:latin typeface="Arial" panose="020B0604020202020204" pitchFamily="34" charset="0"/>
-                <a:cs typeface="Arial" panose="020B0604020202020204" pitchFamily="34" charset="0"/>
-              </a:rPr>
-              <a:t>apt-get</a:t>
-            </a:r>
-            <a:r>
-              <a:rPr lang="de-DE" sz="1600" b="1" i="1" dirty="0">
-                <a:latin typeface="Arial" panose="020B0604020202020204" pitchFamily="34" charset="0"/>
-                <a:cs typeface="Arial" panose="020B0604020202020204" pitchFamily="34" charset="0"/>
-              </a:rPr>
-              <a:t> update</a:t>
-            </a:r>
-          </a:p>
-          <a:p>
-            <a:pPr lvl="1"/>
-            <a:r>
-              <a:rPr lang="de-DE" sz="1600" dirty="0">
-                <a:latin typeface="Arial" panose="020B0604020202020204" pitchFamily="34" charset="0"/>
-                <a:cs typeface="Arial" panose="020B0604020202020204" pitchFamily="34" charset="0"/>
-              </a:rPr>
-              <a:t>Danach kann </a:t>
-            </a:r>
-            <a:r>
-              <a:rPr lang="de-DE" sz="1600" dirty="0" err="1">
-                <a:latin typeface="Arial" panose="020B0604020202020204" pitchFamily="34" charset="0"/>
-                <a:cs typeface="Arial" panose="020B0604020202020204" pitchFamily="34" charset="0"/>
-              </a:rPr>
-              <a:t>Git</a:t>
-            </a:r>
-            <a:r>
-              <a:rPr lang="de-DE" sz="1600" dirty="0">
-                <a:latin typeface="Arial" panose="020B0604020202020204" pitchFamily="34" charset="0"/>
-                <a:cs typeface="Arial" panose="020B0604020202020204" pitchFamily="34" charset="0"/>
-              </a:rPr>
-              <a:t> installiert werden</a:t>
-            </a:r>
-          </a:p>
-          <a:p>
-            <a:pPr marL="457200" lvl="1" indent="0">
-              <a:buNone/>
-            </a:pPr>
-            <a:r>
-              <a:rPr lang="de-DE" sz="1600" dirty="0">
-                <a:latin typeface="Arial" panose="020B0604020202020204" pitchFamily="34" charset="0"/>
-                <a:cs typeface="Arial" panose="020B0604020202020204" pitchFamily="34" charset="0"/>
-              </a:rPr>
-              <a:t>	Kommando: </a:t>
-            </a:r>
-            <a:r>
-              <a:rPr lang="de-DE" sz="1600" b="1" i="1" dirty="0" err="1">
-                <a:latin typeface="Arial" panose="020B0604020202020204" pitchFamily="34" charset="0"/>
-                <a:cs typeface="Arial" panose="020B0604020202020204" pitchFamily="34" charset="0"/>
-              </a:rPr>
-              <a:t>sudo</a:t>
-            </a:r>
-            <a:r>
-              <a:rPr lang="de-DE" sz="1600" b="1" i="1" dirty="0">
-                <a:latin typeface="Arial" panose="020B0604020202020204" pitchFamily="34" charset="0"/>
-                <a:cs typeface="Arial" panose="020B0604020202020204" pitchFamily="34" charset="0"/>
-              </a:rPr>
-              <a:t> </a:t>
-            </a:r>
-            <a:r>
-              <a:rPr lang="de-DE" sz="1600" b="1" i="1" dirty="0" err="1">
-                <a:latin typeface="Arial" panose="020B0604020202020204" pitchFamily="34" charset="0"/>
-                <a:cs typeface="Arial" panose="020B0604020202020204" pitchFamily="34" charset="0"/>
-              </a:rPr>
-              <a:t>apt-get</a:t>
-            </a:r>
-            <a:r>
-              <a:rPr lang="de-DE" sz="1600" b="1" i="1" dirty="0">
-                <a:latin typeface="Arial" panose="020B0604020202020204" pitchFamily="34" charset="0"/>
-                <a:cs typeface="Arial" panose="020B0604020202020204" pitchFamily="34" charset="0"/>
-              </a:rPr>
-              <a:t> </a:t>
-            </a:r>
-            <a:r>
-              <a:rPr lang="de-DE" sz="1600" b="1" i="1" dirty="0" err="1">
-                <a:latin typeface="Arial" panose="020B0604020202020204" pitchFamily="34" charset="0"/>
-                <a:cs typeface="Arial" panose="020B0604020202020204" pitchFamily="34" charset="0"/>
-              </a:rPr>
-              <a:t>install</a:t>
-            </a:r>
-            <a:r>
-              <a:rPr lang="de-DE" sz="1600" b="1" i="1" dirty="0">
-                <a:latin typeface="Arial" panose="020B0604020202020204" pitchFamily="34" charset="0"/>
-                <a:cs typeface="Arial" panose="020B0604020202020204" pitchFamily="34" charset="0"/>
-              </a:rPr>
-              <a:t> </a:t>
-            </a:r>
-            <a:r>
-              <a:rPr lang="de-DE" sz="1600" b="1" i="1" dirty="0" err="1">
-                <a:latin typeface="Arial" panose="020B0604020202020204" pitchFamily="34" charset="0"/>
-                <a:cs typeface="Arial" panose="020B0604020202020204" pitchFamily="34" charset="0"/>
-              </a:rPr>
-              <a:t>git</a:t>
-            </a:r>
-            <a:endParaRPr lang="de-DE" sz="1200" b="1" i="1" dirty="0">
-              <a:latin typeface="Arial" panose="020B0604020202020204" pitchFamily="34" charset="0"/>
-              <a:cs typeface="Arial" panose="020B0604020202020204" pitchFamily="34" charset="0"/>
-            </a:endParaRPr>
-          </a:p>
-          <a:p>
-            <a:pPr marL="914400" lvl="2" indent="0">
-              <a:buNone/>
-            </a:pPr>
-            <a:endParaRPr lang="de-DE" sz="1200" dirty="0">
-              <a:latin typeface="Arial" panose="020B0604020202020204" pitchFamily="34" charset="0"/>
-              <a:cs typeface="Arial" panose="020B0604020202020204" pitchFamily="34" charset="0"/>
-            </a:endParaRPr>
-          </a:p>
-          <a:p>
-            <a:endParaRPr lang="de-DE" sz="2000" dirty="0">
-              <a:latin typeface="Arial" panose="020B0604020202020204" pitchFamily="34" charset="0"/>
-              <a:cs typeface="Arial" panose="020B0604020202020204" pitchFamily="34" charset="0"/>
-            </a:endParaRPr>
-          </a:p>
-          <a:p>
-            <a:endParaRPr lang="de-DE" sz="2000" dirty="0">
-              <a:latin typeface="Arial" panose="020B0604020202020204" pitchFamily="34" charset="0"/>
-              <a:cs typeface="Arial" panose="020B0604020202020204" pitchFamily="34" charset="0"/>
-            </a:endParaRPr>
-          </a:p>
-          <a:p>
-            <a:endParaRPr lang="de-DE" sz="2000" dirty="0">
-              <a:latin typeface="Arial" panose="020B0604020202020204" pitchFamily="34" charset="0"/>
-              <a:cs typeface="Arial" panose="020B0604020202020204" pitchFamily="34" charset="0"/>
-            </a:endParaRPr>
-          </a:p>
-          <a:p>
-            <a:endParaRPr lang="de-DE" sz="2000" dirty="0">
-              <a:latin typeface="Arial" panose="020B0604020202020204" pitchFamily="34" charset="0"/>
-              <a:cs typeface="Arial" panose="020B0604020202020204" pitchFamily="34" charset="0"/>
-            </a:endParaRPr>
-          </a:p>
-          <a:p>
-            <a:endParaRPr lang="de-DE" sz="2000" dirty="0">
-              <a:latin typeface="Arial" panose="020B0604020202020204" pitchFamily="34" charset="0"/>
-              <a:cs typeface="Arial" panose="020B0604020202020204" pitchFamily="34" charset="0"/>
-            </a:endParaRPr>
-          </a:p>
-          <a:p>
-            <a:endParaRPr lang="de-DE" sz="2000" dirty="0">
-              <a:latin typeface="Arial" panose="020B0604020202020204" pitchFamily="34" charset="0"/>
-              <a:cs typeface="Arial" panose="020B0604020202020204" pitchFamily="34" charset="0"/>
-            </a:endParaRPr>
-          </a:p>
-          <a:p>
-            <a:pPr lvl="1"/>
-            <a:endParaRPr lang="de-DE" sz="2000" dirty="0">
-              <a:latin typeface="Arial" panose="020B0604020202020204" pitchFamily="34" charset="0"/>
-              <a:cs typeface="Arial" panose="020B0604020202020204" pitchFamily="34" charset="0"/>
-            </a:endParaRPr>
-          </a:p>
-        </p:txBody>
-      </p:sp>
-      <p:sp>
-        <p:nvSpPr>
           <p:cNvPr id="2" name="Titel 1">
             <a:extLst>
               <a:ext uri="{FF2B5EF4-FFF2-40B4-BE49-F238E27FC236}">
-                <a16:creationId xmlns:a16="http://schemas.microsoft.com/office/drawing/2014/main" id="{BE9BD52A-10D4-4170-A998-31F963D2F9BB}"/>
-              </a:ext>
-            </a:extLst>
-          </p:cNvPr>
-          <p:cNvSpPr>
-            <a:spLocks noGrp="1"/>
-          </p:cNvSpPr>
-          <p:nvPr>
-            <p:ph type="title" idx="4294967295"/>
-          </p:nvPr>
-        </p:nvSpPr>
-        <p:spPr/>
-        <p:txBody>
-          <a:bodyPr>
-            <a:normAutofit/>
-          </a:bodyPr>
-          <a:lstStyle/>
-          <a:p>
-            <a:r>
-              <a:rPr lang="de-DE" sz="2400" b="1" dirty="0">
-                <a:latin typeface="Arial" panose="020B0604020202020204" pitchFamily="34" charset="0"/>
-                <a:cs typeface="Arial" panose="020B0604020202020204" pitchFamily="34" charset="0"/>
-              </a:rPr>
-              <a:t>Installation unter Linux</a:t>
-            </a:r>
-          </a:p>
-        </p:txBody>
-      </p:sp>
-      <p:sp>
-        <p:nvSpPr>
-          <p:cNvPr id="4" name="Datumsplatzhalter 3">
-            <a:extLst>
-              <a:ext uri="{FF2B5EF4-FFF2-40B4-BE49-F238E27FC236}">
-                <a16:creationId xmlns:a16="http://schemas.microsoft.com/office/drawing/2014/main" id="{EDAA1497-5C4E-4F1B-A045-74E2D153CB91}"/>
-              </a:ext>
-            </a:extLst>
-          </p:cNvPr>
-          <p:cNvSpPr>
-            <a:spLocks noGrp="1"/>
-          </p:cNvSpPr>
-          <p:nvPr>
-            <p:ph type="dt" sz="half" idx="4294967295"/>
-          </p:nvPr>
-        </p:nvSpPr>
-        <p:spPr>
-          <a:xfrm>
-            <a:off x="7086600" y="6356350"/>
-            <a:ext cx="2057400" cy="365125"/>
-          </a:xfrm>
-        </p:spPr>
-        <p:txBody>
-          <a:bodyPr/>
-          <a:lstStyle/>
-          <a:p>
-            <a:fld id="{6F7941D6-DDCD-4FEB-B76A-6EA7C7E1DF91}" type="datetime1">
-              <a:rPr lang="de-DE" smtClean="0"/>
-              <a:t>06.03.2020</a:t>
-            </a:fld>
-            <a:endParaRPr lang="de-DE" dirty="0"/>
-          </a:p>
-        </p:txBody>
-      </p:sp>
-      <p:sp>
-        <p:nvSpPr>
-          <p:cNvPr id="5" name="Fußzeilenplatzhalter 4">
-            <a:extLst>
-              <a:ext uri="{FF2B5EF4-FFF2-40B4-BE49-F238E27FC236}">
-                <a16:creationId xmlns:a16="http://schemas.microsoft.com/office/drawing/2014/main" id="{C59CBE4D-CD6A-43CD-B5F7-D0456D90B39E}"/>
-              </a:ext>
-            </a:extLst>
-          </p:cNvPr>
-          <p:cNvSpPr>
-            <a:spLocks noGrp="1"/>
-          </p:cNvSpPr>
-          <p:nvPr>
-            <p:ph type="ftr" sz="quarter" idx="4294967295"/>
-          </p:nvPr>
-        </p:nvSpPr>
-        <p:spPr>
-          <a:xfrm>
-            <a:off x="0" y="6356350"/>
-            <a:ext cx="3698875" cy="365125"/>
-          </a:xfrm>
-        </p:spPr>
-        <p:txBody>
-          <a:bodyPr/>
-          <a:lstStyle/>
-          <a:p>
-            <a:r>
-              <a:rPr lang="de-DE" dirty="0" err="1"/>
-              <a:t>Git</a:t>
-            </a:r>
+                <a16:creationId xmlns:a16="http://schemas.microsoft.com/office/drawing/2014/main" id="{CCCDBB22-8924-47F0-9F4F-D7DC111593FD}"/>
+              </a:ext>
+            </a:extLst>
+          </p:cNvPr>
+          <p:cNvSpPr>
+            <a:spLocks noGrp="1"/>
+          </p:cNvSpPr>
+          <p:nvPr>
+            <p:ph type="title"/>
+          </p:nvPr>
+        </p:nvSpPr>
+        <p:spPr/>
+        <p:txBody>
+          <a:bodyPr/>
+          <a:lstStyle/>
+          <a:p>
             <a:r>
               <a:rPr lang="de-DE" dirty="0"/>
-              <a:t> Tutorial</a:t>
-            </a:r>
-          </a:p>
-        </p:txBody>
-      </p:sp>
-      <p:sp>
-        <p:nvSpPr>
-          <p:cNvPr id="6" name="Foliennummernplatzhalter 5">
-            <a:extLst>
-              <a:ext uri="{FF2B5EF4-FFF2-40B4-BE49-F238E27FC236}">
-                <a16:creationId xmlns:a16="http://schemas.microsoft.com/office/drawing/2014/main" id="{B84F1831-59D5-4145-B6B9-A1613CE4A1A9}"/>
-              </a:ext>
-            </a:extLst>
-          </p:cNvPr>
-          <p:cNvSpPr>
-            <a:spLocks noGrp="1"/>
-          </p:cNvSpPr>
-          <p:nvPr>
-            <p:ph type="sldNum" sz="quarter" idx="4294967295"/>
-          </p:nvPr>
-        </p:nvSpPr>
-        <p:spPr>
-          <a:xfrm>
-            <a:off x="0" y="6356350"/>
-            <a:ext cx="2057400" cy="365125"/>
-          </a:xfrm>
-        </p:spPr>
-        <p:txBody>
-          <a:bodyPr/>
-          <a:lstStyle/>
-          <a:p>
-            <a:pPr algn="ctr"/>
-            <a:fld id="{6F94D85D-A331-4F90-A37B-3680A0933E4F}" type="slidenum">
-              <a:rPr lang="de-DE" smtClean="0"/>
-              <a:pPr algn="ctr"/>
-              <a:t>2</a:t>
-            </a:fld>
-            <a:endParaRPr lang="de-DE" dirty="0"/>
-          </a:p>
-        </p:txBody>
-      </p:sp>
-      <p:cxnSp>
-        <p:nvCxnSpPr>
-          <p:cNvPr id="8" name="Gerader Verbinder 7">
-            <a:extLst>
-              <a:ext uri="{FF2B5EF4-FFF2-40B4-BE49-F238E27FC236}">
-                <a16:creationId xmlns:a16="http://schemas.microsoft.com/office/drawing/2014/main" id="{7E8F2A84-19B8-4826-B3AD-6F16601D7885}"/>
-              </a:ext>
-            </a:extLst>
-          </p:cNvPr>
-          <p:cNvCxnSpPr>
-            <a:cxnSpLocks/>
-          </p:cNvCxnSpPr>
-          <p:nvPr/>
-        </p:nvCxnSpPr>
-        <p:spPr>
-          <a:xfrm>
-            <a:off x="628650" y="6353847"/>
-            <a:ext cx="7886700" cy="0"/>
-          </a:xfrm>
-          <a:prstGeom prst="line">
-            <a:avLst/>
-          </a:prstGeom>
-        </p:spPr>
-        <p:style>
-          <a:lnRef idx="1">
-            <a:schemeClr val="dk1"/>
-          </a:lnRef>
-          <a:fillRef idx="0">
-            <a:schemeClr val="dk1"/>
-          </a:fillRef>
-          <a:effectRef idx="0">
-            <a:schemeClr val="dk1"/>
-          </a:effectRef>
-          <a:fontRef idx="minor">
-            <a:schemeClr val="tx1"/>
-          </a:fontRef>
-        </p:style>
-      </p:cxnSp>
-      <p:pic>
-        <p:nvPicPr>
-          <p:cNvPr id="10" name="Grafik 9">
-            <a:extLst>
-              <a:ext uri="{FF2B5EF4-FFF2-40B4-BE49-F238E27FC236}">
-                <a16:creationId xmlns:a16="http://schemas.microsoft.com/office/drawing/2014/main" id="{7A6261ED-119B-40E9-A877-9DF5FF1D43F4}"/>
-              </a:ext>
-            </a:extLst>
-          </p:cNvPr>
-          <p:cNvPicPr>
-            <a:picLocks noChangeAspect="1"/>
-          </p:cNvPicPr>
-          <p:nvPr/>
-        </p:nvPicPr>
-        <p:blipFill>
-          <a:blip r:embed="rId2"/>
-          <a:stretch>
-            <a:fillRect/>
-          </a:stretch>
-        </p:blipFill>
-        <p:spPr>
-          <a:xfrm>
-            <a:off x="7370059" y="6363613"/>
-            <a:ext cx="960209" cy="314098"/>
-          </a:xfrm>
-          <a:prstGeom prst="rect">
-            <a:avLst/>
-          </a:prstGeom>
-        </p:spPr>
-      </p:pic>
-      <p:cxnSp>
-        <p:nvCxnSpPr>
-          <p:cNvPr id="13" name="Gerader Verbinder 12">
-            <a:extLst>
-              <a:ext uri="{FF2B5EF4-FFF2-40B4-BE49-F238E27FC236}">
-                <a16:creationId xmlns:a16="http://schemas.microsoft.com/office/drawing/2014/main" id="{F9DA0021-3FCA-4721-AD9E-DF15B2F3591D}"/>
-              </a:ext>
-            </a:extLst>
-          </p:cNvPr>
-          <p:cNvCxnSpPr>
-            <a:cxnSpLocks/>
-          </p:cNvCxnSpPr>
-          <p:nvPr/>
-        </p:nvCxnSpPr>
-        <p:spPr>
-          <a:xfrm>
-            <a:off x="628650" y="993703"/>
-            <a:ext cx="7886700" cy="0"/>
-          </a:xfrm>
-          <a:prstGeom prst="line">
-            <a:avLst/>
-          </a:prstGeom>
-        </p:spPr>
-        <p:style>
-          <a:lnRef idx="1">
-            <a:schemeClr val="dk1"/>
-          </a:lnRef>
-          <a:fillRef idx="0">
-            <a:schemeClr val="dk1"/>
-          </a:fillRef>
-          <a:effectRef idx="0">
-            <a:schemeClr val="dk1"/>
-          </a:effectRef>
-          <a:fontRef idx="minor">
-            <a:schemeClr val="tx1"/>
-          </a:fontRef>
-        </p:style>
-      </p:cxnSp>
+              <a:t>Synchronisierung</a:t>
+            </a:r>
+          </a:p>
+        </p:txBody>
+      </p:sp>
     </p:spTree>
     <p:extLst>
       <p:ext uri="{BB962C8B-B14F-4D97-AF65-F5344CB8AC3E}">
-        <p14:creationId xmlns:p14="http://schemas.microsoft.com/office/powerpoint/2010/main" val="1628561704"/>
+        <p14:creationId xmlns:p14="http://schemas.microsoft.com/office/powerpoint/2010/main" val="226461054"/>
+      </p:ext>
+    </p:extLst>
+  </p:cSld>
+  <p:clrMapOvr>
+    <a:masterClrMapping/>
+  </p:clrMapOvr>
+</p:sld>
+</file>
+
+<file path=ppt/slides/slide21.xml><?xml version="1.0" encoding="utf-8"?>
+<p:sld xmlns:a="http://schemas.openxmlformats.org/drawingml/2006/main" xmlns:r="http://schemas.openxmlformats.org/officeDocument/2006/relationships" xmlns:p="http://schemas.openxmlformats.org/presentationml/2006/main">
+  <p:cSld>
+    <p:spTree>
+      <p:nvGrpSpPr>
+        <p:cNvPr id="1" name=""/>
+        <p:cNvGrpSpPr/>
+        <p:nvPr/>
+      </p:nvGrpSpPr>
+      <p:grpSpPr>
+        <a:xfrm>
+          <a:off x="0" y="0"/>
+          <a:ext cx="0" cy="0"/>
+          <a:chOff x="0" y="0"/>
+          <a:chExt cx="0" cy="0"/>
+        </a:xfrm>
+      </p:grpSpPr>
+      <p:sp>
+        <p:nvSpPr>
+          <p:cNvPr id="2" name="Inhaltsplatzhalter 1">
+            <a:extLst>
+              <a:ext uri="{FF2B5EF4-FFF2-40B4-BE49-F238E27FC236}">
+                <a16:creationId xmlns:a16="http://schemas.microsoft.com/office/drawing/2014/main" id="{CEC22E4B-EC65-4812-A4E9-8A4D591056B1}"/>
+              </a:ext>
+            </a:extLst>
+          </p:cNvPr>
+          <p:cNvSpPr>
+            <a:spLocks noGrp="1"/>
+          </p:cNvSpPr>
+          <p:nvPr>
+            <p:ph idx="13"/>
+          </p:nvPr>
+        </p:nvSpPr>
+        <p:spPr/>
+        <p:txBody>
+          <a:bodyPr/>
+          <a:lstStyle/>
+          <a:p>
+            <a:endParaRPr lang="de-DE"/>
+          </a:p>
+        </p:txBody>
+      </p:sp>
+      <p:sp>
+        <p:nvSpPr>
+          <p:cNvPr id="3" name="Titel 2">
+            <a:extLst>
+              <a:ext uri="{FF2B5EF4-FFF2-40B4-BE49-F238E27FC236}">
+                <a16:creationId xmlns:a16="http://schemas.microsoft.com/office/drawing/2014/main" id="{01B0FFCB-5ED6-41B3-853D-B50AAF600C26}"/>
+              </a:ext>
+            </a:extLst>
+          </p:cNvPr>
+          <p:cNvSpPr>
+            <a:spLocks noGrp="1"/>
+          </p:cNvSpPr>
+          <p:nvPr>
+            <p:ph type="title" idx="4294967295"/>
+          </p:nvPr>
+        </p:nvSpPr>
+        <p:spPr/>
+        <p:txBody>
+          <a:bodyPr/>
+          <a:lstStyle/>
+          <a:p>
+            <a:r>
+              <a:rPr lang="de-DE" dirty="0"/>
+              <a:t>Referenzarchiv</a:t>
+            </a:r>
+          </a:p>
+        </p:txBody>
+      </p:sp>
+    </p:spTree>
+    <p:extLst>
+      <p:ext uri="{BB962C8B-B14F-4D97-AF65-F5344CB8AC3E}">
+        <p14:creationId xmlns:p14="http://schemas.microsoft.com/office/powerpoint/2010/main" val="3659548600"/>
+      </p:ext>
+    </p:extLst>
+  </p:cSld>
+  <p:clrMapOvr>
+    <a:masterClrMapping/>
+  </p:clrMapOvr>
+</p:sld>
+</file>
+
+<file path=ppt/slides/slide22.xml><?xml version="1.0" encoding="utf-8"?>
+<p:sld xmlns:a="http://schemas.openxmlformats.org/drawingml/2006/main" xmlns:r="http://schemas.openxmlformats.org/officeDocument/2006/relationships" xmlns:p="http://schemas.openxmlformats.org/presentationml/2006/main">
+  <p:cSld>
+    <p:spTree>
+      <p:nvGrpSpPr>
+        <p:cNvPr id="1" name=""/>
+        <p:cNvGrpSpPr/>
+        <p:nvPr/>
+      </p:nvGrpSpPr>
+      <p:grpSpPr>
+        <a:xfrm>
+          <a:off x="0" y="0"/>
+          <a:ext cx="0" cy="0"/>
+          <a:chOff x="0" y="0"/>
+          <a:chExt cx="0" cy="0"/>
+        </a:xfrm>
+      </p:grpSpPr>
+      <p:sp>
+        <p:nvSpPr>
+          <p:cNvPr id="2" name="Inhaltsplatzhalter 1">
+            <a:extLst>
+              <a:ext uri="{FF2B5EF4-FFF2-40B4-BE49-F238E27FC236}">
+                <a16:creationId xmlns:a16="http://schemas.microsoft.com/office/drawing/2014/main" id="{FC823A1E-2C7C-4A62-A6B1-3B81326E50E8}"/>
+              </a:ext>
+            </a:extLst>
+          </p:cNvPr>
+          <p:cNvSpPr>
+            <a:spLocks noGrp="1"/>
+          </p:cNvSpPr>
+          <p:nvPr>
+            <p:ph idx="13"/>
+          </p:nvPr>
+        </p:nvSpPr>
+        <p:spPr/>
+        <p:txBody>
+          <a:bodyPr/>
+          <a:lstStyle/>
+          <a:p>
+            <a:endParaRPr lang="de-DE"/>
+          </a:p>
+        </p:txBody>
+      </p:sp>
+      <p:sp>
+        <p:nvSpPr>
+          <p:cNvPr id="3" name="Titel 2">
+            <a:extLst>
+              <a:ext uri="{FF2B5EF4-FFF2-40B4-BE49-F238E27FC236}">
+                <a16:creationId xmlns:a16="http://schemas.microsoft.com/office/drawing/2014/main" id="{464AB558-9021-456D-A794-9A19A1E3EBA5}"/>
+              </a:ext>
+            </a:extLst>
+          </p:cNvPr>
+          <p:cNvSpPr>
+            <a:spLocks noGrp="1"/>
+          </p:cNvSpPr>
+          <p:nvPr>
+            <p:ph type="title" idx="4294967295"/>
+          </p:nvPr>
+        </p:nvSpPr>
+        <p:spPr/>
+        <p:txBody>
+          <a:bodyPr/>
+          <a:lstStyle/>
+          <a:p>
+            <a:r>
+              <a:rPr lang="de-DE" dirty="0"/>
+              <a:t>Push </a:t>
+            </a:r>
+            <a:r>
+              <a:rPr lang="de-DE" dirty="0" err="1"/>
+              <a:t>fetch</a:t>
+            </a:r>
+            <a:endParaRPr lang="de-DE" dirty="0"/>
+          </a:p>
+        </p:txBody>
+      </p:sp>
+    </p:spTree>
+    <p:extLst>
+      <p:ext uri="{BB962C8B-B14F-4D97-AF65-F5344CB8AC3E}">
+        <p14:creationId xmlns:p14="http://schemas.microsoft.com/office/powerpoint/2010/main" val="1883800244"/>
+      </p:ext>
+    </p:extLst>
+  </p:cSld>
+  <p:clrMapOvr>
+    <a:masterClrMapping/>
+  </p:clrMapOvr>
+</p:sld>
+</file>
+
+<file path=ppt/slides/slide23.xml><?xml version="1.0" encoding="utf-8"?>
+<p:sld xmlns:a="http://schemas.openxmlformats.org/drawingml/2006/main" xmlns:r="http://schemas.openxmlformats.org/officeDocument/2006/relationships" xmlns:p="http://schemas.openxmlformats.org/presentationml/2006/main">
+  <p:cSld>
+    <p:spTree>
+      <p:nvGrpSpPr>
+        <p:cNvPr id="1" name=""/>
+        <p:cNvGrpSpPr/>
+        <p:nvPr/>
+      </p:nvGrpSpPr>
+      <p:grpSpPr>
+        <a:xfrm>
+          <a:off x="0" y="0"/>
+          <a:ext cx="0" cy="0"/>
+          <a:chOff x="0" y="0"/>
+          <a:chExt cx="0" cy="0"/>
+        </a:xfrm>
+      </p:grpSpPr>
+      <p:sp>
+        <p:nvSpPr>
+          <p:cNvPr id="2" name="Inhaltsplatzhalter 1">
+            <a:extLst>
+              <a:ext uri="{FF2B5EF4-FFF2-40B4-BE49-F238E27FC236}">
+                <a16:creationId xmlns:a16="http://schemas.microsoft.com/office/drawing/2014/main" id="{ACD5B02C-91A3-4440-AAED-9A93E394E93C}"/>
+              </a:ext>
+            </a:extLst>
+          </p:cNvPr>
+          <p:cNvSpPr>
+            <a:spLocks noGrp="1"/>
+          </p:cNvSpPr>
+          <p:nvPr>
+            <p:ph idx="13"/>
+          </p:nvPr>
+        </p:nvSpPr>
+        <p:spPr/>
+        <p:txBody>
+          <a:bodyPr/>
+          <a:lstStyle/>
+          <a:p>
+            <a:endParaRPr lang="de-DE"/>
+          </a:p>
+        </p:txBody>
+      </p:sp>
+      <p:sp>
+        <p:nvSpPr>
+          <p:cNvPr id="3" name="Titel 2">
+            <a:extLst>
+              <a:ext uri="{FF2B5EF4-FFF2-40B4-BE49-F238E27FC236}">
+                <a16:creationId xmlns:a16="http://schemas.microsoft.com/office/drawing/2014/main" id="{2894306C-BD41-4925-9236-4DE81AE928D0}"/>
+              </a:ext>
+            </a:extLst>
+          </p:cNvPr>
+          <p:cNvSpPr>
+            <a:spLocks noGrp="1"/>
+          </p:cNvSpPr>
+          <p:nvPr>
+            <p:ph type="title" idx="4294967295"/>
+          </p:nvPr>
+        </p:nvSpPr>
+        <p:spPr/>
+        <p:txBody>
+          <a:bodyPr/>
+          <a:lstStyle/>
+          <a:p>
+            <a:r>
+              <a:rPr lang="de-DE" dirty="0"/>
+              <a:t>Pull</a:t>
+            </a:r>
+          </a:p>
+        </p:txBody>
+      </p:sp>
+    </p:spTree>
+    <p:extLst>
+      <p:ext uri="{BB962C8B-B14F-4D97-AF65-F5344CB8AC3E}">
+        <p14:creationId xmlns:p14="http://schemas.microsoft.com/office/powerpoint/2010/main" val="4273179020"/>
+      </p:ext>
+    </p:extLst>
+  </p:cSld>
+  <p:clrMapOvr>
+    <a:masterClrMapping/>
+  </p:clrMapOvr>
+</p:sld>
+</file>
+
+<file path=ppt/slides/slide24.xml><?xml version="1.0" encoding="utf-8"?>
+<p:sld xmlns:a="http://schemas.openxmlformats.org/drawingml/2006/main" xmlns:r="http://schemas.openxmlformats.org/officeDocument/2006/relationships" xmlns:p="http://schemas.openxmlformats.org/presentationml/2006/main">
+  <p:cSld>
+    <p:spTree>
+      <p:nvGrpSpPr>
+        <p:cNvPr id="1" name=""/>
+        <p:cNvGrpSpPr/>
+        <p:nvPr/>
+      </p:nvGrpSpPr>
+      <p:grpSpPr>
+        <a:xfrm>
+          <a:off x="0" y="0"/>
+          <a:ext cx="0" cy="0"/>
+          <a:chOff x="0" y="0"/>
+          <a:chExt cx="0" cy="0"/>
+        </a:xfrm>
+      </p:grpSpPr>
+      <p:sp>
+        <p:nvSpPr>
+          <p:cNvPr id="2" name="Titel 1">
+            <a:extLst>
+              <a:ext uri="{FF2B5EF4-FFF2-40B4-BE49-F238E27FC236}">
+                <a16:creationId xmlns:a16="http://schemas.microsoft.com/office/drawing/2014/main" id="{A34F81EC-189A-428F-899D-40A591FE7106}"/>
+              </a:ext>
+            </a:extLst>
+          </p:cNvPr>
+          <p:cNvSpPr>
+            <a:spLocks noGrp="1"/>
+          </p:cNvSpPr>
+          <p:nvPr>
+            <p:ph type="title"/>
+          </p:nvPr>
+        </p:nvSpPr>
+        <p:spPr/>
+        <p:txBody>
+          <a:bodyPr/>
+          <a:lstStyle/>
+          <a:p>
+            <a:endParaRPr lang="de-DE" dirty="0"/>
+          </a:p>
+        </p:txBody>
+      </p:sp>
+    </p:spTree>
+    <p:extLst>
+      <p:ext uri="{BB962C8B-B14F-4D97-AF65-F5344CB8AC3E}">
+        <p14:creationId xmlns:p14="http://schemas.microsoft.com/office/powerpoint/2010/main" val="1490657441"/>
+      </p:ext>
+    </p:extLst>
+  </p:cSld>
+  <p:clrMapOvr>
+    <a:masterClrMapping/>
+  </p:clrMapOvr>
+</p:sld>
+</file>
+
+<file path=ppt/slides/slide25.xml><?xml version="1.0" encoding="utf-8"?>
+<p:sld xmlns:a="http://schemas.openxmlformats.org/drawingml/2006/main" xmlns:r="http://schemas.openxmlformats.org/officeDocument/2006/relationships" xmlns:p="http://schemas.openxmlformats.org/presentationml/2006/main">
+  <p:cSld>
+    <p:spTree>
+      <p:nvGrpSpPr>
+        <p:cNvPr id="1" name=""/>
+        <p:cNvGrpSpPr/>
+        <p:nvPr/>
+      </p:nvGrpSpPr>
+      <p:grpSpPr>
+        <a:xfrm>
+          <a:off x="0" y="0"/>
+          <a:ext cx="0" cy="0"/>
+          <a:chOff x="0" y="0"/>
+          <a:chExt cx="0" cy="0"/>
+        </a:xfrm>
+      </p:grpSpPr>
+      <p:sp>
+        <p:nvSpPr>
+          <p:cNvPr id="2" name="Inhaltsplatzhalter 1">
+            <a:extLst>
+              <a:ext uri="{FF2B5EF4-FFF2-40B4-BE49-F238E27FC236}">
+                <a16:creationId xmlns:a16="http://schemas.microsoft.com/office/drawing/2014/main" id="{EF64AF26-B41D-42CC-9B77-630ADF167A24}"/>
+              </a:ext>
+            </a:extLst>
+          </p:cNvPr>
+          <p:cNvSpPr>
+            <a:spLocks noGrp="1"/>
+          </p:cNvSpPr>
+          <p:nvPr>
+            <p:ph idx="13"/>
+          </p:nvPr>
+        </p:nvSpPr>
+        <p:spPr/>
+        <p:txBody>
+          <a:bodyPr/>
+          <a:lstStyle/>
+          <a:p>
+            <a:endParaRPr lang="de-DE"/>
+          </a:p>
+        </p:txBody>
+      </p:sp>
+      <p:sp>
+        <p:nvSpPr>
+          <p:cNvPr id="3" name="Titel 2">
+            <a:extLst>
+              <a:ext uri="{FF2B5EF4-FFF2-40B4-BE49-F238E27FC236}">
+                <a16:creationId xmlns:a16="http://schemas.microsoft.com/office/drawing/2014/main" id="{BA15A607-5F02-4538-AEB6-A00CE280607F}"/>
+              </a:ext>
+            </a:extLst>
+          </p:cNvPr>
+          <p:cNvSpPr>
+            <a:spLocks noGrp="1"/>
+          </p:cNvSpPr>
+          <p:nvPr>
+            <p:ph type="title" idx="4294967295"/>
+          </p:nvPr>
+        </p:nvSpPr>
+        <p:spPr/>
+        <p:txBody>
+          <a:bodyPr/>
+          <a:lstStyle/>
+          <a:p>
+            <a:r>
+              <a:rPr lang="de-DE" dirty="0"/>
+              <a:t>Tags</a:t>
+            </a:r>
+          </a:p>
+        </p:txBody>
+      </p:sp>
+    </p:spTree>
+    <p:extLst>
+      <p:ext uri="{BB962C8B-B14F-4D97-AF65-F5344CB8AC3E}">
+        <p14:creationId xmlns:p14="http://schemas.microsoft.com/office/powerpoint/2010/main" val="1450166957"/>
+      </p:ext>
+    </p:extLst>
+  </p:cSld>
+  <p:clrMapOvr>
+    <a:masterClrMapping/>
+  </p:clrMapOvr>
+</p:sld>
+</file>
+
+<file path=ppt/slides/slide26.xml><?xml version="1.0" encoding="utf-8"?>
+<p:sld xmlns:a="http://schemas.openxmlformats.org/drawingml/2006/main" xmlns:r="http://schemas.openxmlformats.org/officeDocument/2006/relationships" xmlns:p="http://schemas.openxmlformats.org/presentationml/2006/main">
+  <p:cSld>
+    <p:spTree>
+      <p:nvGrpSpPr>
+        <p:cNvPr id="1" name=""/>
+        <p:cNvGrpSpPr/>
+        <p:nvPr/>
+      </p:nvGrpSpPr>
+      <p:grpSpPr>
+        <a:xfrm>
+          <a:off x="0" y="0"/>
+          <a:ext cx="0" cy="0"/>
+          <a:chOff x="0" y="0"/>
+          <a:chExt cx="0" cy="0"/>
+        </a:xfrm>
+      </p:grpSpPr>
+      <p:sp>
+        <p:nvSpPr>
+          <p:cNvPr id="2" name="Inhaltsplatzhalter 1">
+            <a:extLst>
+              <a:ext uri="{FF2B5EF4-FFF2-40B4-BE49-F238E27FC236}">
+                <a16:creationId xmlns:a16="http://schemas.microsoft.com/office/drawing/2014/main" id="{430319EE-3D0C-4573-BB4F-8C2E5023C6B3}"/>
+              </a:ext>
+            </a:extLst>
+          </p:cNvPr>
+          <p:cNvSpPr>
+            <a:spLocks noGrp="1"/>
+          </p:cNvSpPr>
+          <p:nvPr>
+            <p:ph idx="13"/>
+          </p:nvPr>
+        </p:nvSpPr>
+        <p:spPr/>
+        <p:txBody>
+          <a:bodyPr/>
+          <a:lstStyle/>
+          <a:p>
+            <a:endParaRPr lang="de-DE"/>
+          </a:p>
+        </p:txBody>
+      </p:sp>
+      <p:sp>
+        <p:nvSpPr>
+          <p:cNvPr id="3" name="Titel 2">
+            <a:extLst>
+              <a:ext uri="{FF2B5EF4-FFF2-40B4-BE49-F238E27FC236}">
+                <a16:creationId xmlns:a16="http://schemas.microsoft.com/office/drawing/2014/main" id="{5AE84672-22D6-4DD1-ABA8-56B9967986BD}"/>
+              </a:ext>
+            </a:extLst>
+          </p:cNvPr>
+          <p:cNvSpPr>
+            <a:spLocks noGrp="1"/>
+          </p:cNvSpPr>
+          <p:nvPr>
+            <p:ph type="title" idx="4294967295"/>
+          </p:nvPr>
+        </p:nvSpPr>
+        <p:spPr/>
+        <p:txBody>
+          <a:bodyPr/>
+          <a:lstStyle/>
+          <a:p>
+            <a:r>
+              <a:rPr lang="de-DE" dirty="0"/>
+              <a:t>Änderungen integrieren</a:t>
+            </a:r>
+          </a:p>
+        </p:txBody>
+      </p:sp>
+    </p:spTree>
+    <p:extLst>
+      <p:ext uri="{BB962C8B-B14F-4D97-AF65-F5344CB8AC3E}">
+        <p14:creationId xmlns:p14="http://schemas.microsoft.com/office/powerpoint/2010/main" val="3289326896"/>
+      </p:ext>
+    </p:extLst>
+  </p:cSld>
+  <p:clrMapOvr>
+    <a:masterClrMapping/>
+  </p:clrMapOvr>
+</p:sld>
+</file>
+
+<file path=ppt/slides/slide27.xml><?xml version="1.0" encoding="utf-8"?>
+<p:sld xmlns:a="http://schemas.openxmlformats.org/drawingml/2006/main" xmlns:r="http://schemas.openxmlformats.org/officeDocument/2006/relationships" xmlns:p="http://schemas.openxmlformats.org/presentationml/2006/main">
+  <p:cSld>
+    <p:spTree>
+      <p:nvGrpSpPr>
+        <p:cNvPr id="1" name=""/>
+        <p:cNvGrpSpPr/>
+        <p:nvPr/>
+      </p:nvGrpSpPr>
+      <p:grpSpPr>
+        <a:xfrm>
+          <a:off x="0" y="0"/>
+          <a:ext cx="0" cy="0"/>
+          <a:chOff x="0" y="0"/>
+          <a:chExt cx="0" cy="0"/>
+        </a:xfrm>
+      </p:grpSpPr>
+      <p:sp>
+        <p:nvSpPr>
+          <p:cNvPr id="2" name="Inhaltsplatzhalter 1">
+            <a:extLst>
+              <a:ext uri="{FF2B5EF4-FFF2-40B4-BE49-F238E27FC236}">
+                <a16:creationId xmlns:a16="http://schemas.microsoft.com/office/drawing/2014/main" id="{1C70E41D-5BDC-467E-8B53-575BEF476BB2}"/>
+              </a:ext>
+            </a:extLst>
+          </p:cNvPr>
+          <p:cNvSpPr>
+            <a:spLocks noGrp="1"/>
+          </p:cNvSpPr>
+          <p:nvPr>
+            <p:ph idx="13"/>
+          </p:nvPr>
+        </p:nvSpPr>
+        <p:spPr/>
+        <p:txBody>
+          <a:bodyPr/>
+          <a:lstStyle/>
+          <a:p>
+            <a:endParaRPr lang="de-DE"/>
+          </a:p>
+        </p:txBody>
+      </p:sp>
+      <p:sp>
+        <p:nvSpPr>
+          <p:cNvPr id="3" name="Titel 2">
+            <a:extLst>
+              <a:ext uri="{FF2B5EF4-FFF2-40B4-BE49-F238E27FC236}">
+                <a16:creationId xmlns:a16="http://schemas.microsoft.com/office/drawing/2014/main" id="{351777FE-4563-4796-925B-0598F7CF1E6A}"/>
+              </a:ext>
+            </a:extLst>
+          </p:cNvPr>
+          <p:cNvSpPr>
+            <a:spLocks noGrp="1"/>
+          </p:cNvSpPr>
+          <p:nvPr>
+            <p:ph type="title" idx="4294967295"/>
+          </p:nvPr>
+        </p:nvSpPr>
+        <p:spPr/>
+        <p:txBody>
+          <a:bodyPr/>
+          <a:lstStyle/>
+          <a:p>
+            <a:r>
+              <a:rPr lang="de-DE" dirty="0" err="1"/>
+              <a:t>Apply</a:t>
+            </a:r>
+            <a:r>
+              <a:rPr lang="de-DE" dirty="0"/>
+              <a:t> </a:t>
+            </a:r>
+            <a:r>
+              <a:rPr lang="de-DE" dirty="0" err="1"/>
+              <a:t>pop</a:t>
+            </a:r>
+            <a:endParaRPr lang="de-DE" dirty="0"/>
+          </a:p>
+        </p:txBody>
+      </p:sp>
+    </p:spTree>
+    <p:extLst>
+      <p:ext uri="{BB962C8B-B14F-4D97-AF65-F5344CB8AC3E}">
+        <p14:creationId xmlns:p14="http://schemas.microsoft.com/office/powerpoint/2010/main" val="2236011970"/>
+      </p:ext>
+    </p:extLst>
+  </p:cSld>
+  <p:clrMapOvr>
+    <a:masterClrMapping/>
+  </p:clrMapOvr>
+</p:sld>
+</file>
+
+<file path=ppt/slides/slide28.xml><?xml version="1.0" encoding="utf-8"?>
+<p:sld xmlns:a="http://schemas.openxmlformats.org/drawingml/2006/main" xmlns:r="http://schemas.openxmlformats.org/officeDocument/2006/relationships" xmlns:p="http://schemas.openxmlformats.org/presentationml/2006/main">
+  <p:cSld>
+    <p:spTree>
+      <p:nvGrpSpPr>
+        <p:cNvPr id="1" name=""/>
+        <p:cNvGrpSpPr/>
+        <p:nvPr/>
+      </p:nvGrpSpPr>
+      <p:grpSpPr>
+        <a:xfrm>
+          <a:off x="0" y="0"/>
+          <a:ext cx="0" cy="0"/>
+          <a:chOff x="0" y="0"/>
+          <a:chExt cx="0" cy="0"/>
+        </a:xfrm>
+      </p:grpSpPr>
+      <p:sp>
+        <p:nvSpPr>
+          <p:cNvPr id="2" name="Inhaltsplatzhalter 1">
+            <a:extLst>
+              <a:ext uri="{FF2B5EF4-FFF2-40B4-BE49-F238E27FC236}">
+                <a16:creationId xmlns:a16="http://schemas.microsoft.com/office/drawing/2014/main" id="{ABAC4862-C91A-4B39-ABA9-DBF4F3B14460}"/>
+              </a:ext>
+            </a:extLst>
+          </p:cNvPr>
+          <p:cNvSpPr>
+            <a:spLocks noGrp="1"/>
+          </p:cNvSpPr>
+          <p:nvPr>
+            <p:ph idx="13"/>
+          </p:nvPr>
+        </p:nvSpPr>
+        <p:spPr/>
+        <p:txBody>
+          <a:bodyPr/>
+          <a:lstStyle/>
+          <a:p>
+            <a:endParaRPr lang="de-DE"/>
+          </a:p>
+        </p:txBody>
+      </p:sp>
+      <p:sp>
+        <p:nvSpPr>
+          <p:cNvPr id="3" name="Titel 2">
+            <a:extLst>
+              <a:ext uri="{FF2B5EF4-FFF2-40B4-BE49-F238E27FC236}">
+                <a16:creationId xmlns:a16="http://schemas.microsoft.com/office/drawing/2014/main" id="{3BF9BE68-E0B5-45BF-BABF-1381FA0F54F5}"/>
+              </a:ext>
+            </a:extLst>
+          </p:cNvPr>
+          <p:cNvSpPr>
+            <a:spLocks noGrp="1"/>
+          </p:cNvSpPr>
+          <p:nvPr>
+            <p:ph type="title" idx="4294967295"/>
+          </p:nvPr>
+        </p:nvSpPr>
+        <p:spPr/>
+        <p:txBody>
+          <a:bodyPr/>
+          <a:lstStyle/>
+          <a:p>
+            <a:r>
+              <a:rPr lang="de-DE" dirty="0"/>
+              <a:t>Cherry pick /  </a:t>
+            </a:r>
+            <a:r>
+              <a:rPr lang="de-DE" dirty="0" err="1"/>
+              <a:t>cherry</a:t>
+            </a:r>
+            <a:endParaRPr lang="de-DE" dirty="0"/>
+          </a:p>
+        </p:txBody>
+      </p:sp>
+    </p:spTree>
+    <p:extLst>
+      <p:ext uri="{BB962C8B-B14F-4D97-AF65-F5344CB8AC3E}">
+        <p14:creationId xmlns:p14="http://schemas.microsoft.com/office/powerpoint/2010/main" val="1034010443"/>
+      </p:ext>
+    </p:extLst>
+  </p:cSld>
+  <p:clrMapOvr>
+    <a:masterClrMapping/>
+  </p:clrMapOvr>
+</p:sld>
+</file>
+
+<file path=ppt/slides/slide29.xml><?xml version="1.0" encoding="utf-8"?>
+<p:sld xmlns:a="http://schemas.openxmlformats.org/drawingml/2006/main" xmlns:r="http://schemas.openxmlformats.org/officeDocument/2006/relationships" xmlns:p="http://schemas.openxmlformats.org/presentationml/2006/main">
+  <p:cSld>
+    <p:spTree>
+      <p:nvGrpSpPr>
+        <p:cNvPr id="1" name=""/>
+        <p:cNvGrpSpPr/>
+        <p:nvPr/>
+      </p:nvGrpSpPr>
+      <p:grpSpPr>
+        <a:xfrm>
+          <a:off x="0" y="0"/>
+          <a:ext cx="0" cy="0"/>
+          <a:chOff x="0" y="0"/>
+          <a:chExt cx="0" cy="0"/>
+        </a:xfrm>
+      </p:grpSpPr>
+      <p:sp>
+        <p:nvSpPr>
+          <p:cNvPr id="2" name="Inhaltsplatzhalter 1">
+            <a:extLst>
+              <a:ext uri="{FF2B5EF4-FFF2-40B4-BE49-F238E27FC236}">
+                <a16:creationId xmlns:a16="http://schemas.microsoft.com/office/drawing/2014/main" id="{A1FE935F-D629-499F-82B9-047F5FFCDC18}"/>
+              </a:ext>
+            </a:extLst>
+          </p:cNvPr>
+          <p:cNvSpPr>
+            <a:spLocks noGrp="1"/>
+          </p:cNvSpPr>
+          <p:nvPr>
+            <p:ph idx="13"/>
+          </p:nvPr>
+        </p:nvSpPr>
+        <p:spPr/>
+        <p:txBody>
+          <a:bodyPr/>
+          <a:lstStyle/>
+          <a:p>
+            <a:endParaRPr lang="de-DE"/>
+          </a:p>
+        </p:txBody>
+      </p:sp>
+      <p:sp>
+        <p:nvSpPr>
+          <p:cNvPr id="3" name="Titel 2">
+            <a:extLst>
+              <a:ext uri="{FF2B5EF4-FFF2-40B4-BE49-F238E27FC236}">
+                <a16:creationId xmlns:a16="http://schemas.microsoft.com/office/drawing/2014/main" id="{98C52FB5-0D40-4B05-82A9-58A2D593489A}"/>
+              </a:ext>
+            </a:extLst>
+          </p:cNvPr>
+          <p:cNvSpPr>
+            <a:spLocks noGrp="1"/>
+          </p:cNvSpPr>
+          <p:nvPr>
+            <p:ph type="title" idx="4294967295"/>
+          </p:nvPr>
+        </p:nvSpPr>
+        <p:spPr/>
+        <p:txBody>
+          <a:bodyPr/>
+          <a:lstStyle/>
+          <a:p>
+            <a:r>
+              <a:rPr lang="de-DE" dirty="0" err="1"/>
+              <a:t>Revert</a:t>
+            </a:r>
+            <a:endParaRPr lang="de-DE" dirty="0"/>
+          </a:p>
+        </p:txBody>
+      </p:sp>
+    </p:spTree>
+    <p:extLst>
+      <p:ext uri="{BB962C8B-B14F-4D97-AF65-F5344CB8AC3E}">
+        <p14:creationId xmlns:p14="http://schemas.microsoft.com/office/powerpoint/2010/main" val="2941308763"/>
       </p:ext>
     </p:extLst>
   </p:cSld>
@@ -4504,131 +6261,111 @@
           <a:lstStyle/>
           <a:p>
             <a:r>
+              <a:rPr lang="de-DE" dirty="0" err="1"/>
+              <a:t>Init</a:t>
+            </a:r>
+            <a:endParaRPr lang="de-DE" dirty="0"/>
+          </a:p>
+          <a:p>
+            <a:pPr lvl="1"/>
+            <a:r>
+              <a:rPr lang="de-DE" dirty="0"/>
+              <a:t>Kommando: </a:t>
+            </a:r>
+            <a:r>
+              <a:rPr lang="de-DE" b="1" i="1" dirty="0"/>
+              <a:t>git </a:t>
+            </a:r>
+            <a:r>
+              <a:rPr lang="de-DE" b="1" i="1" dirty="0" err="1"/>
+              <a:t>init</a:t>
+            </a:r>
+            <a:endParaRPr lang="de-DE" b="1" i="1" dirty="0"/>
+          </a:p>
+          <a:p>
+            <a:pPr lvl="1"/>
+            <a:r>
               <a:rPr lang="de-DE" dirty="0"/>
               <a:t>Ermöglicht Erstellung eines neuen Projektarchivs</a:t>
             </a:r>
           </a:p>
           <a:p>
+            <a:pPr lvl="1"/>
             <a:r>
               <a:rPr lang="de-DE" dirty="0"/>
-              <a:t>Fügt dem aktuellen Verzeichnis ein Unterverzeichnis ".</a:t>
+              <a:t>Fügt dem aktuellen Verzeichnis ein Unterverzeichnis ".git" hinzu</a:t>
+            </a:r>
+          </a:p>
+          <a:p>
+            <a:pPr lvl="1"/>
+            <a:r>
+              <a:rPr lang="de-DE" dirty="0"/>
+              <a:t>Somit wird dieses Verzeichnis zu einem Git Projektarchiv </a:t>
+            </a:r>
+          </a:p>
+          <a:p>
+            <a:pPr lvl="1"/>
+            <a:endParaRPr lang="de-DE" dirty="0"/>
+          </a:p>
+          <a:p>
+            <a:pPr lvl="1"/>
+            <a:endParaRPr lang="de-DE" dirty="0"/>
+          </a:p>
+          <a:p>
+            <a:r>
+              <a:rPr lang="de-DE" dirty="0"/>
+              <a:t>Clone</a:t>
+            </a:r>
+          </a:p>
+          <a:p>
+            <a:pPr lvl="1"/>
+            <a:r>
+              <a:rPr lang="de-DE" dirty="0"/>
+              <a:t>Kommando: </a:t>
+            </a:r>
+            <a:r>
+              <a:rPr lang="de-DE" b="1" i="1" dirty="0"/>
+              <a:t>git </a:t>
+            </a:r>
+            <a:r>
+              <a:rPr lang="de-DE" b="1" i="1" dirty="0" err="1"/>
+              <a:t>clone</a:t>
+            </a:r>
+            <a:r>
+              <a:rPr lang="de-DE" b="1" i="1" dirty="0"/>
+              <a:t> &lt;remote Adresse&gt; &lt;lokales Verzeichnis&gt;</a:t>
+            </a:r>
+          </a:p>
+          <a:p>
+            <a:pPr lvl="1"/>
+            <a:r>
+              <a:rPr lang="de-DE" dirty="0"/>
+              <a:t>Ermöglicht Erstellung eines neuen Projektarchivs anhand einem bestehenden Projektarchiv</a:t>
+            </a:r>
+          </a:p>
+          <a:p>
+            <a:pPr lvl="1"/>
+            <a:r>
+              <a:rPr lang="de-DE" dirty="0"/>
+              <a:t>Erstellt Verbindung zwischen dem lokalen Archiv und dem </a:t>
             </a:r>
             <a:r>
               <a:rPr lang="de-DE" dirty="0" err="1"/>
-              <a:t>git</a:t>
+              <a:t>Orginalen</a:t>
             </a:r>
             <a:r>
               <a:rPr lang="de-DE" dirty="0"/>
-              <a:t>" hinzu</a:t>
-            </a:r>
-          </a:p>
-          <a:p>
-            <a:r>
-              <a:rPr lang="de-DE" dirty="0"/>
-              <a:t>Somit wird dieses Verzeichnis zu einem </a:t>
+              <a:t>, mit dem Alias </a:t>
             </a:r>
             <a:r>
               <a:rPr lang="de-DE" dirty="0" err="1"/>
-              <a:t>Git</a:t>
-            </a:r>
-            <a:r>
-              <a:rPr lang="de-DE" dirty="0"/>
-              <a:t> Projektarchiv</a:t>
-            </a:r>
-          </a:p>
-          <a:p>
-            <a:pPr marL="0" indent="0">
-              <a:buNone/>
-            </a:pPr>
-            <a:r>
-              <a:rPr lang="de-DE" dirty="0"/>
-              <a:t>	Abb. 5</a:t>
-            </a:r>
-          </a:p>
-          <a:p>
-            <a:r>
-              <a:rPr lang="de-DE" dirty="0"/>
-              <a:t>Aufbau von ".</a:t>
-            </a:r>
-            <a:r>
-              <a:rPr lang="de-DE" dirty="0" err="1"/>
-              <a:t>git</a:t>
-            </a:r>
-            <a:r>
-              <a:rPr lang="de-DE" dirty="0"/>
-              <a:t>":</a:t>
-            </a:r>
+              <a:t>origin</a:t>
+            </a:r>
+            <a:endParaRPr lang="de-DE" dirty="0"/>
           </a:p>
           <a:p>
             <a:pPr lvl="1"/>
-            <a:r>
-              <a:rPr lang="de-DE" dirty="0" err="1"/>
-              <a:t>objects</a:t>
-            </a:r>
-            <a:r>
-              <a:rPr lang="de-DE" dirty="0"/>
-              <a:t>: enthält alle Dateien die versioniert werden</a:t>
-            </a:r>
-          </a:p>
-          <a:p>
-            <a:pPr lvl="1"/>
-            <a:r>
-              <a:rPr lang="de-DE" dirty="0" err="1"/>
-              <a:t>refs</a:t>
-            </a:r>
-            <a:r>
-              <a:rPr lang="de-DE" dirty="0"/>
-              <a:t>: enthält Verweise auf Zweige und </a:t>
-            </a:r>
-            <a:r>
-              <a:rPr lang="de-DE" dirty="0" err="1"/>
-              <a:t>Ettiketten</a:t>
-            </a:r>
             <a:endParaRPr lang="de-DE" dirty="0"/>
-          </a:p>
-          <a:p>
-            <a:pPr lvl="1"/>
-            <a:r>
-              <a:rPr lang="de-DE" dirty="0"/>
-              <a:t>logs: enthält Informationen zu Commit Historie und Historie der Zweige und Arbeitsverzeichnisse</a:t>
-            </a:r>
-          </a:p>
-          <a:p>
-            <a:pPr lvl="1"/>
-            <a:r>
-              <a:rPr lang="de-DE" dirty="0" err="1"/>
-              <a:t>hooks</a:t>
-            </a:r>
-            <a:r>
-              <a:rPr lang="de-DE" dirty="0"/>
-              <a:t>: enthält Shell Skripte, die bei </a:t>
-            </a:r>
-            <a:r>
-              <a:rPr lang="de-DE" dirty="0" err="1"/>
-              <a:t>Git</a:t>
-            </a:r>
-            <a:r>
-              <a:rPr lang="de-DE" dirty="0"/>
-              <a:t> Kommandos ausgeführt werden</a:t>
-            </a:r>
-          </a:p>
-          <a:p>
-            <a:pPr lvl="1"/>
-            <a:r>
-              <a:rPr lang="de-DE" dirty="0" err="1"/>
-              <a:t>config</a:t>
-            </a:r>
-            <a:r>
-              <a:rPr lang="de-DE" dirty="0"/>
-              <a:t>: enthält Informationen und Einstellungen für das Projektarchiv</a:t>
-            </a:r>
-          </a:p>
-          <a:p>
-            <a:pPr lvl="1"/>
-            <a:r>
-              <a:rPr lang="de-DE" dirty="0"/>
-              <a:t>HEAD: </a:t>
-            </a:r>
           </a:p>
           <a:p>
             <a:pPr marL="457200" lvl="1" indent="0">
@@ -4670,14 +6407,790 @@
               <a:rPr lang="de-DE" dirty="0" err="1"/>
               <a:t>Init</a:t>
             </a:r>
-            <a:endParaRPr lang="de-DE" dirty="0"/>
-          </a:p>
-        </p:txBody>
-      </p:sp>
+            <a:r>
+              <a:rPr lang="de-DE" dirty="0"/>
+              <a:t>/Clone</a:t>
+            </a:r>
+          </a:p>
+        </p:txBody>
+      </p:sp>
+      <p:pic>
+        <p:nvPicPr>
+          <p:cNvPr id="4" name="Grafik 3">
+            <a:extLst>
+              <a:ext uri="{FF2B5EF4-FFF2-40B4-BE49-F238E27FC236}">
+                <a16:creationId xmlns:a16="http://schemas.microsoft.com/office/drawing/2014/main" id="{2D12507E-65EA-4A71-AA24-F9D2624C2AC1}"/>
+              </a:ext>
+            </a:extLst>
+          </p:cNvPr>
+          <p:cNvPicPr/>
+          <p:nvPr/>
+        </p:nvPicPr>
+        <p:blipFill>
+          <a:blip r:embed="rId2">
+            <a:extLst>
+              <a:ext uri="{28A0092B-C50C-407E-A947-70E740481C1C}">
+                <a14:useLocalDpi xmlns:a14="http://schemas.microsoft.com/office/drawing/2010/main" val="0"/>
+              </a:ext>
+            </a:extLst>
+          </a:blip>
+          <a:srcRect/>
+          <a:stretch>
+            <a:fillRect/>
+          </a:stretch>
+        </p:blipFill>
+        <p:spPr bwMode="auto">
+          <a:xfrm>
+            <a:off x="1778323" y="2787986"/>
+            <a:ext cx="4077335" cy="409575"/>
+          </a:xfrm>
+          <a:prstGeom prst="rect">
+            <a:avLst/>
+          </a:prstGeom>
+          <a:noFill/>
+          <a:ln>
+            <a:noFill/>
+          </a:ln>
+        </p:spPr>
+      </p:pic>
+      <p:pic>
+        <p:nvPicPr>
+          <p:cNvPr id="5" name="Grafik 4">
+            <a:extLst>
+              <a:ext uri="{FF2B5EF4-FFF2-40B4-BE49-F238E27FC236}">
+                <a16:creationId xmlns:a16="http://schemas.microsoft.com/office/drawing/2014/main" id="{A2D83C0A-51F8-4282-8D0F-370D740BDA3A}"/>
+              </a:ext>
+            </a:extLst>
+          </p:cNvPr>
+          <p:cNvPicPr/>
+          <p:nvPr/>
+        </p:nvPicPr>
+        <p:blipFill rotWithShape="1">
+          <a:blip r:embed="rId3">
+            <a:extLst>
+              <a:ext uri="{28A0092B-C50C-407E-A947-70E740481C1C}">
+                <a14:useLocalDpi xmlns:a14="http://schemas.microsoft.com/office/drawing/2010/main" val="0"/>
+              </a:ext>
+            </a:extLst>
+          </a:blip>
+          <a:srcRect t="10966"/>
+          <a:stretch/>
+        </p:blipFill>
+        <p:spPr bwMode="auto">
+          <a:xfrm>
+            <a:off x="1778323" y="5020520"/>
+            <a:ext cx="4869180" cy="977900"/>
+          </a:xfrm>
+          <a:prstGeom prst="rect">
+            <a:avLst/>
+          </a:prstGeom>
+          <a:noFill/>
+          <a:ln>
+            <a:noFill/>
+          </a:ln>
+          <a:extLst>
+            <a:ext uri="{53640926-AAD7-44D8-BBD7-CCE9431645EC}">
+              <a14:shadowObscured xmlns:a14="http://schemas.microsoft.com/office/drawing/2010/main"/>
+            </a:ext>
+          </a:extLst>
+        </p:spPr>
+      </p:pic>
     </p:spTree>
     <p:extLst>
       <p:ext uri="{BB962C8B-B14F-4D97-AF65-F5344CB8AC3E}">
         <p14:creationId xmlns:p14="http://schemas.microsoft.com/office/powerpoint/2010/main" val="4009144003"/>
+      </p:ext>
+    </p:extLst>
+  </p:cSld>
+  <p:clrMapOvr>
+    <a:masterClrMapping/>
+  </p:clrMapOvr>
+</p:sld>
+</file>
+
+<file path=ppt/slides/slide30.xml><?xml version="1.0" encoding="utf-8"?>
+<p:sld xmlns:a="http://schemas.openxmlformats.org/drawingml/2006/main" xmlns:r="http://schemas.openxmlformats.org/officeDocument/2006/relationships" xmlns:p="http://schemas.openxmlformats.org/presentationml/2006/main">
+  <p:cSld>
+    <p:spTree>
+      <p:nvGrpSpPr>
+        <p:cNvPr id="1" name=""/>
+        <p:cNvGrpSpPr/>
+        <p:nvPr/>
+      </p:nvGrpSpPr>
+      <p:grpSpPr>
+        <a:xfrm>
+          <a:off x="0" y="0"/>
+          <a:ext cx="0" cy="0"/>
+          <a:chOff x="0" y="0"/>
+          <a:chExt cx="0" cy="0"/>
+        </a:xfrm>
+      </p:grpSpPr>
+      <p:sp>
+        <p:nvSpPr>
+          <p:cNvPr id="2" name="Inhaltsplatzhalter 1">
+            <a:extLst>
+              <a:ext uri="{FF2B5EF4-FFF2-40B4-BE49-F238E27FC236}">
+                <a16:creationId xmlns:a16="http://schemas.microsoft.com/office/drawing/2014/main" id="{F78ACC04-469C-4C56-83A5-3CB929A48CF8}"/>
+              </a:ext>
+            </a:extLst>
+          </p:cNvPr>
+          <p:cNvSpPr>
+            <a:spLocks noGrp="1"/>
+          </p:cNvSpPr>
+          <p:nvPr>
+            <p:ph idx="13"/>
+          </p:nvPr>
+        </p:nvSpPr>
+        <p:spPr/>
+        <p:txBody>
+          <a:bodyPr/>
+          <a:lstStyle/>
+          <a:p>
+            <a:endParaRPr lang="de-DE"/>
+          </a:p>
+        </p:txBody>
+      </p:sp>
+      <p:sp>
+        <p:nvSpPr>
+          <p:cNvPr id="3" name="Titel 2">
+            <a:extLst>
+              <a:ext uri="{FF2B5EF4-FFF2-40B4-BE49-F238E27FC236}">
+                <a16:creationId xmlns:a16="http://schemas.microsoft.com/office/drawing/2014/main" id="{F43ABB80-C886-4AF5-B215-5BEEBC4B2C48}"/>
+              </a:ext>
+            </a:extLst>
+          </p:cNvPr>
+          <p:cNvSpPr>
+            <a:spLocks noGrp="1"/>
+          </p:cNvSpPr>
+          <p:nvPr>
+            <p:ph type="title" idx="4294967295"/>
+          </p:nvPr>
+        </p:nvSpPr>
+        <p:spPr/>
+        <p:txBody>
+          <a:bodyPr/>
+          <a:lstStyle/>
+          <a:p>
+            <a:r>
+              <a:rPr lang="de-DE" dirty="0" err="1"/>
+              <a:t>Reset</a:t>
+            </a:r>
+            <a:endParaRPr lang="de-DE" dirty="0"/>
+          </a:p>
+        </p:txBody>
+      </p:sp>
+    </p:spTree>
+    <p:extLst>
+      <p:ext uri="{BB962C8B-B14F-4D97-AF65-F5344CB8AC3E}">
+        <p14:creationId xmlns:p14="http://schemas.microsoft.com/office/powerpoint/2010/main" val="3217921642"/>
+      </p:ext>
+    </p:extLst>
+  </p:cSld>
+  <p:clrMapOvr>
+    <a:masterClrMapping/>
+  </p:clrMapOvr>
+</p:sld>
+</file>
+
+<file path=ppt/slides/slide31.xml><?xml version="1.0" encoding="utf-8"?>
+<p:sld xmlns:a="http://schemas.openxmlformats.org/drawingml/2006/main" xmlns:r="http://schemas.openxmlformats.org/officeDocument/2006/relationships" xmlns:p="http://schemas.openxmlformats.org/presentationml/2006/main">
+  <p:cSld>
+    <p:spTree>
+      <p:nvGrpSpPr>
+        <p:cNvPr id="1" name=""/>
+        <p:cNvGrpSpPr/>
+        <p:nvPr/>
+      </p:nvGrpSpPr>
+      <p:grpSpPr>
+        <a:xfrm>
+          <a:off x="0" y="0"/>
+          <a:ext cx="0" cy="0"/>
+          <a:chOff x="0" y="0"/>
+          <a:chExt cx="0" cy="0"/>
+        </a:xfrm>
+      </p:grpSpPr>
+      <p:sp>
+        <p:nvSpPr>
+          <p:cNvPr id="2" name="Inhaltsplatzhalter 1">
+            <a:extLst>
+              <a:ext uri="{FF2B5EF4-FFF2-40B4-BE49-F238E27FC236}">
+                <a16:creationId xmlns:a16="http://schemas.microsoft.com/office/drawing/2014/main" id="{0E16E381-3C85-4E80-9C69-783B6FB8CCA6}"/>
+              </a:ext>
+            </a:extLst>
+          </p:cNvPr>
+          <p:cNvSpPr>
+            <a:spLocks noGrp="1"/>
+          </p:cNvSpPr>
+          <p:nvPr>
+            <p:ph idx="13"/>
+          </p:nvPr>
+        </p:nvSpPr>
+        <p:spPr/>
+        <p:txBody>
+          <a:bodyPr/>
+          <a:lstStyle/>
+          <a:p>
+            <a:endParaRPr lang="de-DE"/>
+          </a:p>
+        </p:txBody>
+      </p:sp>
+      <p:sp>
+        <p:nvSpPr>
+          <p:cNvPr id="3" name="Titel 2">
+            <a:extLst>
+              <a:ext uri="{FF2B5EF4-FFF2-40B4-BE49-F238E27FC236}">
+                <a16:creationId xmlns:a16="http://schemas.microsoft.com/office/drawing/2014/main" id="{AEF45C4A-B7FA-4978-A8CD-BE8F7E8F49D9}"/>
+              </a:ext>
+            </a:extLst>
+          </p:cNvPr>
+          <p:cNvSpPr>
+            <a:spLocks noGrp="1"/>
+          </p:cNvSpPr>
+          <p:nvPr>
+            <p:ph type="title" idx="4294967295"/>
+          </p:nvPr>
+        </p:nvSpPr>
+        <p:spPr/>
+        <p:txBody>
+          <a:bodyPr/>
+          <a:lstStyle/>
+          <a:p>
+            <a:r>
+              <a:rPr lang="de-DE" dirty="0"/>
+              <a:t>(</a:t>
+            </a:r>
+            <a:r>
+              <a:rPr lang="de-DE" dirty="0" err="1"/>
+              <a:t>reflog</a:t>
+            </a:r>
+            <a:r>
+              <a:rPr lang="de-DE" dirty="0"/>
+              <a:t>)</a:t>
+            </a:r>
+          </a:p>
+        </p:txBody>
+      </p:sp>
+    </p:spTree>
+    <p:extLst>
+      <p:ext uri="{BB962C8B-B14F-4D97-AF65-F5344CB8AC3E}">
+        <p14:creationId xmlns:p14="http://schemas.microsoft.com/office/powerpoint/2010/main" val="1856339443"/>
+      </p:ext>
+    </p:extLst>
+  </p:cSld>
+  <p:clrMapOvr>
+    <a:masterClrMapping/>
+  </p:clrMapOvr>
+</p:sld>
+</file>
+
+<file path=ppt/slides/slide32.xml><?xml version="1.0" encoding="utf-8"?>
+<p:sld xmlns:a="http://schemas.openxmlformats.org/drawingml/2006/main" xmlns:r="http://schemas.openxmlformats.org/officeDocument/2006/relationships" xmlns:p="http://schemas.openxmlformats.org/presentationml/2006/main">
+  <p:cSld>
+    <p:spTree>
+      <p:nvGrpSpPr>
+        <p:cNvPr id="1" name=""/>
+        <p:cNvGrpSpPr/>
+        <p:nvPr/>
+      </p:nvGrpSpPr>
+      <p:grpSpPr>
+        <a:xfrm>
+          <a:off x="0" y="0"/>
+          <a:ext cx="0" cy="0"/>
+          <a:chOff x="0" y="0"/>
+          <a:chExt cx="0" cy="0"/>
+        </a:xfrm>
+      </p:grpSpPr>
+      <p:sp>
+        <p:nvSpPr>
+          <p:cNvPr id="2" name="Titel 1">
+            <a:extLst>
+              <a:ext uri="{FF2B5EF4-FFF2-40B4-BE49-F238E27FC236}">
+                <a16:creationId xmlns:a16="http://schemas.microsoft.com/office/drawing/2014/main" id="{55DCA8B4-8412-4C61-8E1B-A6CDF1580F20}"/>
+              </a:ext>
+            </a:extLst>
+          </p:cNvPr>
+          <p:cNvSpPr>
+            <a:spLocks noGrp="1"/>
+          </p:cNvSpPr>
+          <p:nvPr>
+            <p:ph type="title"/>
+          </p:nvPr>
+        </p:nvSpPr>
+        <p:spPr/>
+        <p:txBody>
+          <a:bodyPr/>
+          <a:lstStyle/>
+          <a:p>
+            <a:r>
+              <a:rPr lang="de-DE" dirty="0"/>
+              <a:t>Workflow</a:t>
+            </a:r>
+          </a:p>
+        </p:txBody>
+      </p:sp>
+    </p:spTree>
+    <p:extLst>
+      <p:ext uri="{BB962C8B-B14F-4D97-AF65-F5344CB8AC3E}">
+        <p14:creationId xmlns:p14="http://schemas.microsoft.com/office/powerpoint/2010/main" val="1007972795"/>
+      </p:ext>
+    </p:extLst>
+  </p:cSld>
+  <p:clrMapOvr>
+    <a:masterClrMapping/>
+  </p:clrMapOvr>
+</p:sld>
+</file>
+
+<file path=ppt/slides/slide33.xml><?xml version="1.0" encoding="utf-8"?>
+<p:sld xmlns:a="http://schemas.openxmlformats.org/drawingml/2006/main" xmlns:r="http://schemas.openxmlformats.org/officeDocument/2006/relationships" xmlns:p="http://schemas.openxmlformats.org/presentationml/2006/main">
+  <p:cSld>
+    <p:spTree>
+      <p:nvGrpSpPr>
+        <p:cNvPr id="1" name=""/>
+        <p:cNvGrpSpPr/>
+        <p:nvPr/>
+      </p:nvGrpSpPr>
+      <p:grpSpPr>
+        <a:xfrm>
+          <a:off x="0" y="0"/>
+          <a:ext cx="0" cy="0"/>
+          <a:chOff x="0" y="0"/>
+          <a:chExt cx="0" cy="0"/>
+        </a:xfrm>
+      </p:grpSpPr>
+      <p:sp>
+        <p:nvSpPr>
+          <p:cNvPr id="2" name="Inhaltsplatzhalter 1">
+            <a:extLst>
+              <a:ext uri="{FF2B5EF4-FFF2-40B4-BE49-F238E27FC236}">
+                <a16:creationId xmlns:a16="http://schemas.microsoft.com/office/drawing/2014/main" id="{E57A2AEE-D87B-4CD7-A65B-73B11FF3EFAF}"/>
+              </a:ext>
+            </a:extLst>
+          </p:cNvPr>
+          <p:cNvSpPr>
+            <a:spLocks noGrp="1"/>
+          </p:cNvSpPr>
+          <p:nvPr>
+            <p:ph idx="13"/>
+          </p:nvPr>
+        </p:nvSpPr>
+        <p:spPr/>
+        <p:txBody>
+          <a:bodyPr/>
+          <a:lstStyle/>
+          <a:p>
+            <a:endParaRPr lang="de-DE"/>
+          </a:p>
+        </p:txBody>
+      </p:sp>
+      <p:sp>
+        <p:nvSpPr>
+          <p:cNvPr id="3" name="Titel 2">
+            <a:extLst>
+              <a:ext uri="{FF2B5EF4-FFF2-40B4-BE49-F238E27FC236}">
+                <a16:creationId xmlns:a16="http://schemas.microsoft.com/office/drawing/2014/main" id="{625B6011-E5CD-40F8-BED3-233D5BEBC703}"/>
+              </a:ext>
+            </a:extLst>
+          </p:cNvPr>
+          <p:cNvSpPr>
+            <a:spLocks noGrp="1"/>
+          </p:cNvSpPr>
+          <p:nvPr>
+            <p:ph type="title" idx="4294967295"/>
+          </p:nvPr>
+        </p:nvSpPr>
+        <p:spPr/>
+        <p:txBody>
+          <a:bodyPr/>
+          <a:lstStyle/>
+          <a:p>
+            <a:r>
+              <a:rPr lang="de-DE" dirty="0"/>
+              <a:t>Git-</a:t>
+            </a:r>
+            <a:r>
+              <a:rPr lang="de-DE" dirty="0" err="1"/>
+              <a:t>flow</a:t>
+            </a:r>
+            <a:endParaRPr lang="de-DE" dirty="0"/>
+          </a:p>
+        </p:txBody>
+      </p:sp>
+    </p:spTree>
+    <p:extLst>
+      <p:ext uri="{BB962C8B-B14F-4D97-AF65-F5344CB8AC3E}">
+        <p14:creationId xmlns:p14="http://schemas.microsoft.com/office/powerpoint/2010/main" val="149155477"/>
+      </p:ext>
+    </p:extLst>
+  </p:cSld>
+  <p:clrMapOvr>
+    <a:masterClrMapping/>
+  </p:clrMapOvr>
+</p:sld>
+</file>
+
+<file path=ppt/slides/slide34.xml><?xml version="1.0" encoding="utf-8"?>
+<p:sld xmlns:a="http://schemas.openxmlformats.org/drawingml/2006/main" xmlns:r="http://schemas.openxmlformats.org/officeDocument/2006/relationships" xmlns:p="http://schemas.openxmlformats.org/presentationml/2006/main">
+  <p:cSld>
+    <p:spTree>
+      <p:nvGrpSpPr>
+        <p:cNvPr id="1" name=""/>
+        <p:cNvGrpSpPr/>
+        <p:nvPr/>
+      </p:nvGrpSpPr>
+      <p:grpSpPr>
+        <a:xfrm>
+          <a:off x="0" y="0"/>
+          <a:ext cx="0" cy="0"/>
+          <a:chOff x="0" y="0"/>
+          <a:chExt cx="0" cy="0"/>
+        </a:xfrm>
+      </p:grpSpPr>
+      <p:sp>
+        <p:nvSpPr>
+          <p:cNvPr id="2" name="Inhaltsplatzhalter 1">
+            <a:extLst>
+              <a:ext uri="{FF2B5EF4-FFF2-40B4-BE49-F238E27FC236}">
+                <a16:creationId xmlns:a16="http://schemas.microsoft.com/office/drawing/2014/main" id="{3244A830-7F92-44EF-8355-92E0C350F838}"/>
+              </a:ext>
+            </a:extLst>
+          </p:cNvPr>
+          <p:cNvSpPr>
+            <a:spLocks noGrp="1"/>
+          </p:cNvSpPr>
+          <p:nvPr>
+            <p:ph idx="13"/>
+          </p:nvPr>
+        </p:nvSpPr>
+        <p:spPr/>
+        <p:txBody>
+          <a:bodyPr/>
+          <a:lstStyle/>
+          <a:p>
+            <a:endParaRPr lang="de-DE"/>
+          </a:p>
+        </p:txBody>
+      </p:sp>
+      <p:sp>
+        <p:nvSpPr>
+          <p:cNvPr id="3" name="Titel 2">
+            <a:extLst>
+              <a:ext uri="{FF2B5EF4-FFF2-40B4-BE49-F238E27FC236}">
+                <a16:creationId xmlns:a16="http://schemas.microsoft.com/office/drawing/2014/main" id="{CB599424-652A-4472-8967-4805ED1F4DEB}"/>
+              </a:ext>
+            </a:extLst>
+          </p:cNvPr>
+          <p:cNvSpPr>
+            <a:spLocks noGrp="1"/>
+          </p:cNvSpPr>
+          <p:nvPr>
+            <p:ph type="title" idx="4294967295"/>
+          </p:nvPr>
+        </p:nvSpPr>
+        <p:spPr/>
+        <p:txBody>
+          <a:bodyPr/>
+          <a:lstStyle/>
+          <a:p>
+            <a:r>
+              <a:rPr lang="de-DE" dirty="0"/>
+              <a:t>Pull </a:t>
+            </a:r>
+            <a:r>
+              <a:rPr lang="de-DE" dirty="0" err="1"/>
+              <a:t>request</a:t>
+            </a:r>
+            <a:endParaRPr lang="de-DE" dirty="0"/>
+          </a:p>
+        </p:txBody>
+      </p:sp>
+    </p:spTree>
+    <p:extLst>
+      <p:ext uri="{BB962C8B-B14F-4D97-AF65-F5344CB8AC3E}">
+        <p14:creationId xmlns:p14="http://schemas.microsoft.com/office/powerpoint/2010/main" val="1322300763"/>
+      </p:ext>
+    </p:extLst>
+  </p:cSld>
+  <p:clrMapOvr>
+    <a:masterClrMapping/>
+  </p:clrMapOvr>
+</p:sld>
+</file>
+
+<file path=ppt/slides/slide35.xml><?xml version="1.0" encoding="utf-8"?>
+<p:sld xmlns:a="http://schemas.openxmlformats.org/drawingml/2006/main" xmlns:r="http://schemas.openxmlformats.org/officeDocument/2006/relationships" xmlns:p="http://schemas.openxmlformats.org/presentationml/2006/main">
+  <p:cSld>
+    <p:spTree>
+      <p:nvGrpSpPr>
+        <p:cNvPr id="1" name=""/>
+        <p:cNvGrpSpPr/>
+        <p:nvPr/>
+      </p:nvGrpSpPr>
+      <p:grpSpPr>
+        <a:xfrm>
+          <a:off x="0" y="0"/>
+          <a:ext cx="0" cy="0"/>
+          <a:chOff x="0" y="0"/>
+          <a:chExt cx="0" cy="0"/>
+        </a:xfrm>
+      </p:grpSpPr>
+      <p:sp>
+        <p:nvSpPr>
+          <p:cNvPr id="2" name="Inhaltsplatzhalter 1">
+            <a:extLst>
+              <a:ext uri="{FF2B5EF4-FFF2-40B4-BE49-F238E27FC236}">
+                <a16:creationId xmlns:a16="http://schemas.microsoft.com/office/drawing/2014/main" id="{DE7AB728-BA17-494A-A863-1C487CEF2E4F}"/>
+              </a:ext>
+            </a:extLst>
+          </p:cNvPr>
+          <p:cNvSpPr>
+            <a:spLocks noGrp="1"/>
+          </p:cNvSpPr>
+          <p:nvPr>
+            <p:ph idx="13"/>
+          </p:nvPr>
+        </p:nvSpPr>
+        <p:spPr/>
+        <p:txBody>
+          <a:bodyPr/>
+          <a:lstStyle/>
+          <a:p>
+            <a:endParaRPr lang="de-DE"/>
+          </a:p>
+        </p:txBody>
+      </p:sp>
+      <p:sp>
+        <p:nvSpPr>
+          <p:cNvPr id="3" name="Titel 2">
+            <a:extLst>
+              <a:ext uri="{FF2B5EF4-FFF2-40B4-BE49-F238E27FC236}">
+                <a16:creationId xmlns:a16="http://schemas.microsoft.com/office/drawing/2014/main" id="{18E8F690-0089-41E4-BB41-AE8E12035B39}"/>
+              </a:ext>
+            </a:extLst>
+          </p:cNvPr>
+          <p:cNvSpPr>
+            <a:spLocks noGrp="1"/>
+          </p:cNvSpPr>
+          <p:nvPr>
+            <p:ph type="title" idx="4294967295"/>
+          </p:nvPr>
+        </p:nvSpPr>
+        <p:spPr/>
+        <p:txBody>
+          <a:bodyPr/>
+          <a:lstStyle/>
+          <a:p>
+            <a:r>
+              <a:rPr lang="de-DE" dirty="0" err="1"/>
+              <a:t>Forking</a:t>
+            </a:r>
+            <a:r>
+              <a:rPr lang="de-DE" dirty="0"/>
+              <a:t>-workflow</a:t>
+            </a:r>
+          </a:p>
+        </p:txBody>
+      </p:sp>
+    </p:spTree>
+    <p:extLst>
+      <p:ext uri="{BB962C8B-B14F-4D97-AF65-F5344CB8AC3E}">
+        <p14:creationId xmlns:p14="http://schemas.microsoft.com/office/powerpoint/2010/main" val="1691214512"/>
+      </p:ext>
+    </p:extLst>
+  </p:cSld>
+  <p:clrMapOvr>
+    <a:masterClrMapping/>
+  </p:clrMapOvr>
+</p:sld>
+</file>
+
+<file path=ppt/slides/slide36.xml><?xml version="1.0" encoding="utf-8"?>
+<p:sld xmlns:a="http://schemas.openxmlformats.org/drawingml/2006/main" xmlns:r="http://schemas.openxmlformats.org/officeDocument/2006/relationships" xmlns:p="http://schemas.openxmlformats.org/presentationml/2006/main">
+  <p:cSld>
+    <p:spTree>
+      <p:nvGrpSpPr>
+        <p:cNvPr id="1" name=""/>
+        <p:cNvGrpSpPr/>
+        <p:nvPr/>
+      </p:nvGrpSpPr>
+      <p:grpSpPr>
+        <a:xfrm>
+          <a:off x="0" y="0"/>
+          <a:ext cx="0" cy="0"/>
+          <a:chOff x="0" y="0"/>
+          <a:chExt cx="0" cy="0"/>
+        </a:xfrm>
+      </p:grpSpPr>
+      <p:sp>
+        <p:nvSpPr>
+          <p:cNvPr id="2" name="Titel 1">
+            <a:extLst>
+              <a:ext uri="{FF2B5EF4-FFF2-40B4-BE49-F238E27FC236}">
+                <a16:creationId xmlns:a16="http://schemas.microsoft.com/office/drawing/2014/main" id="{6C8483CF-1B0E-4C5D-98AE-63877A3A3D1A}"/>
+              </a:ext>
+            </a:extLst>
+          </p:cNvPr>
+          <p:cNvSpPr>
+            <a:spLocks noGrp="1"/>
+          </p:cNvSpPr>
+          <p:nvPr>
+            <p:ph type="title"/>
+          </p:nvPr>
+        </p:nvSpPr>
+        <p:spPr/>
+        <p:txBody>
+          <a:bodyPr/>
+          <a:lstStyle/>
+          <a:p>
+            <a:r>
+              <a:rPr lang="de-DE" dirty="0"/>
+              <a:t>(weitere Befehle)</a:t>
+            </a:r>
+          </a:p>
+        </p:txBody>
+      </p:sp>
+    </p:spTree>
+    <p:extLst>
+      <p:ext uri="{BB962C8B-B14F-4D97-AF65-F5344CB8AC3E}">
+        <p14:creationId xmlns:p14="http://schemas.microsoft.com/office/powerpoint/2010/main" val="2812503263"/>
+      </p:ext>
+    </p:extLst>
+  </p:cSld>
+  <p:clrMapOvr>
+    <a:masterClrMapping/>
+  </p:clrMapOvr>
+</p:sld>
+</file>
+
+<file path=ppt/slides/slide37.xml><?xml version="1.0" encoding="utf-8"?>
+<p:sld xmlns:a="http://schemas.openxmlformats.org/drawingml/2006/main" xmlns:r="http://schemas.openxmlformats.org/officeDocument/2006/relationships" xmlns:p="http://schemas.openxmlformats.org/presentationml/2006/main">
+  <p:cSld>
+    <p:spTree>
+      <p:nvGrpSpPr>
+        <p:cNvPr id="1" name=""/>
+        <p:cNvGrpSpPr/>
+        <p:nvPr/>
+      </p:nvGrpSpPr>
+      <p:grpSpPr>
+        <a:xfrm>
+          <a:off x="0" y="0"/>
+          <a:ext cx="0" cy="0"/>
+          <a:chOff x="0" y="0"/>
+          <a:chExt cx="0" cy="0"/>
+        </a:xfrm>
+      </p:grpSpPr>
+      <p:sp>
+        <p:nvSpPr>
+          <p:cNvPr id="2" name="Titel 1">
+            <a:extLst>
+              <a:ext uri="{FF2B5EF4-FFF2-40B4-BE49-F238E27FC236}">
+                <a16:creationId xmlns:a16="http://schemas.microsoft.com/office/drawing/2014/main" id="{CFC30C4B-71C7-4535-8A5A-F0F266237AFD}"/>
+              </a:ext>
+            </a:extLst>
+          </p:cNvPr>
+          <p:cNvSpPr>
+            <a:spLocks noGrp="1"/>
+          </p:cNvSpPr>
+          <p:nvPr>
+            <p:ph type="title"/>
+          </p:nvPr>
+        </p:nvSpPr>
+        <p:spPr/>
+        <p:txBody>
+          <a:bodyPr/>
+          <a:lstStyle/>
+          <a:p>
+            <a:r>
+              <a:rPr lang="de-DE" dirty="0"/>
+              <a:t>Interne Datenverwaltung</a:t>
+            </a:r>
+          </a:p>
+        </p:txBody>
+      </p:sp>
+    </p:spTree>
+    <p:extLst>
+      <p:ext uri="{BB962C8B-B14F-4D97-AF65-F5344CB8AC3E}">
+        <p14:creationId xmlns:p14="http://schemas.microsoft.com/office/powerpoint/2010/main" val="3431436470"/>
+      </p:ext>
+    </p:extLst>
+  </p:cSld>
+  <p:clrMapOvr>
+    <a:masterClrMapping/>
+  </p:clrMapOvr>
+</p:sld>
+</file>
+
+<file path=ppt/slides/slide38.xml><?xml version="1.0" encoding="utf-8"?>
+<p:sld xmlns:a="http://schemas.openxmlformats.org/drawingml/2006/main" xmlns:r="http://schemas.openxmlformats.org/officeDocument/2006/relationships" xmlns:p="http://schemas.openxmlformats.org/presentationml/2006/main">
+  <p:cSld>
+    <p:spTree>
+      <p:nvGrpSpPr>
+        <p:cNvPr id="1" name=""/>
+        <p:cNvGrpSpPr/>
+        <p:nvPr/>
+      </p:nvGrpSpPr>
+      <p:grpSpPr>
+        <a:xfrm>
+          <a:off x="0" y="0"/>
+          <a:ext cx="0" cy="0"/>
+          <a:chOff x="0" y="0"/>
+          <a:chExt cx="0" cy="0"/>
+        </a:xfrm>
+      </p:grpSpPr>
+      <p:sp>
+        <p:nvSpPr>
+          <p:cNvPr id="2" name="Inhaltsplatzhalter 1">
+            <a:extLst>
+              <a:ext uri="{FF2B5EF4-FFF2-40B4-BE49-F238E27FC236}">
+                <a16:creationId xmlns:a16="http://schemas.microsoft.com/office/drawing/2014/main" id="{9B864C66-43F1-46C2-8FC8-9664077D03A3}"/>
+              </a:ext>
+            </a:extLst>
+          </p:cNvPr>
+          <p:cNvSpPr>
+            <a:spLocks noGrp="1"/>
+          </p:cNvSpPr>
+          <p:nvPr>
+            <p:ph idx="13"/>
+          </p:nvPr>
+        </p:nvSpPr>
+        <p:spPr/>
+        <p:txBody>
+          <a:bodyPr/>
+          <a:lstStyle/>
+          <a:p>
+            <a:endParaRPr lang="de-DE"/>
+          </a:p>
+        </p:txBody>
+      </p:sp>
+      <p:sp>
+        <p:nvSpPr>
+          <p:cNvPr id="3" name="Titel 2">
+            <a:extLst>
+              <a:ext uri="{FF2B5EF4-FFF2-40B4-BE49-F238E27FC236}">
+                <a16:creationId xmlns:a16="http://schemas.microsoft.com/office/drawing/2014/main" id="{12B95230-129D-4CEE-9B2F-9994AC9EA010}"/>
+              </a:ext>
+            </a:extLst>
+          </p:cNvPr>
+          <p:cNvSpPr>
+            <a:spLocks noGrp="1"/>
+          </p:cNvSpPr>
+          <p:nvPr>
+            <p:ph type="title" idx="4294967295"/>
+          </p:nvPr>
+        </p:nvSpPr>
+        <p:spPr/>
+        <p:txBody>
+          <a:bodyPr/>
+          <a:lstStyle/>
+          <a:p>
+            <a:endParaRPr lang="de-DE"/>
+          </a:p>
+        </p:txBody>
+      </p:sp>
+    </p:spTree>
+    <p:extLst>
+      <p:ext uri="{BB962C8B-B14F-4D97-AF65-F5344CB8AC3E}">
+        <p14:creationId xmlns:p14="http://schemas.microsoft.com/office/powerpoint/2010/main" val="2659165292"/>
       </p:ext>
     </p:extLst>
   </p:cSld>
@@ -4706,10 +7219,10 @@
       </p:grpSpPr>
       <p:sp>
         <p:nvSpPr>
-          <p:cNvPr id="2" name="Inhaltsplatzhalter 1">
-            <a:extLst>
-              <a:ext uri="{FF2B5EF4-FFF2-40B4-BE49-F238E27FC236}">
-                <a16:creationId xmlns:a16="http://schemas.microsoft.com/office/drawing/2014/main" id="{16684379-E404-4E8F-9741-934D7728F904}"/>
+          <p:cNvPr id="4" name="Inhaltsplatzhalter 3">
+            <a:extLst>
+              <a:ext uri="{FF2B5EF4-FFF2-40B4-BE49-F238E27FC236}">
+                <a16:creationId xmlns:a16="http://schemas.microsoft.com/office/drawing/2014/main" id="{3401F220-DA18-4A6D-9D34-63BDF7C2168F}"/>
               </a:ext>
             </a:extLst>
           </p:cNvPr>
@@ -4720,12 +7233,102 @@
             <p:ph idx="13"/>
           </p:nvPr>
         </p:nvSpPr>
-        <p:spPr/>
-        <p:txBody>
-          <a:bodyPr/>
-          <a:lstStyle/>
-          <a:p>
-            <a:endParaRPr lang="de-DE"/>
+        <p:spPr>
+          <a:xfrm>
+            <a:off x="1011835" y="1245328"/>
+            <a:ext cx="7410711" cy="4931635"/>
+          </a:xfrm>
+        </p:spPr>
+        <p:txBody>
+          <a:bodyPr>
+            <a:normAutofit/>
+          </a:bodyPr>
+          <a:lstStyle/>
+          <a:p>
+            <a:pPr marL="0" indent="0">
+              <a:buNone/>
+            </a:pPr>
+            <a:r>
+              <a:rPr lang="de-DE" i="1" dirty="0" err="1"/>
+              <a:t>objects</a:t>
+            </a:r>
+            <a:r>
+              <a:rPr lang="de-DE" dirty="0"/>
+              <a:t>: enthält alle Dateien 				       	die versioniert werden</a:t>
+            </a:r>
+          </a:p>
+          <a:p>
+            <a:pPr marL="0" indent="0">
+              <a:buNone/>
+            </a:pPr>
+            <a:r>
+              <a:rPr lang="de-DE" i="1" dirty="0" err="1"/>
+              <a:t>refs</a:t>
+            </a:r>
+            <a:r>
+              <a:rPr lang="de-DE" dirty="0"/>
+              <a:t>: 	enthält Verweise auf 				 	Zweige und </a:t>
+            </a:r>
+            <a:r>
+              <a:rPr lang="de-DE" dirty="0" err="1"/>
+              <a:t>Ettiketten</a:t>
+            </a:r>
+            <a:endParaRPr lang="de-DE" dirty="0"/>
+          </a:p>
+          <a:p>
+            <a:pPr marL="0" indent="0">
+              <a:buNone/>
+            </a:pPr>
+            <a:r>
+              <a:rPr lang="de-DE" i="1" dirty="0"/>
+              <a:t>logs</a:t>
+            </a:r>
+            <a:r>
+              <a:rPr lang="de-DE" dirty="0"/>
+              <a:t>: 	enthält Informationen          		   	        	zu Commit Historie und 			              	Historie der Zweige und 		              	Arbeitsverzeichnisse</a:t>
+            </a:r>
+          </a:p>
+          <a:p>
+            <a:pPr marL="0" indent="0">
+              <a:buNone/>
+            </a:pPr>
+            <a:r>
+              <a:rPr lang="de-DE" i="1" dirty="0" err="1"/>
+              <a:t>hooks</a:t>
+            </a:r>
+            <a:r>
+              <a:rPr lang="de-DE" dirty="0"/>
+              <a:t>: 	enthält Shell Skripte, die bei Git Kommandos 		ausgeführt werden</a:t>
+            </a:r>
+          </a:p>
+          <a:p>
+            <a:pPr marL="0" indent="0">
+              <a:buNone/>
+            </a:pPr>
+            <a:r>
+              <a:rPr lang="de-DE" i="1" dirty="0" err="1"/>
+              <a:t>config</a:t>
+            </a:r>
+            <a:r>
+              <a:rPr lang="de-DE" dirty="0"/>
+              <a:t>: 	enthält Informationen und Einstellungen für das 		Projektarchiv</a:t>
+            </a:r>
+          </a:p>
+          <a:p>
+            <a:pPr marL="0" indent="0">
+              <a:buNone/>
+            </a:pPr>
+            <a:r>
+              <a:rPr lang="de-DE" i="1" dirty="0"/>
+              <a:t>HEAD</a:t>
+            </a:r>
+            <a:r>
+              <a:rPr lang="de-DE" dirty="0"/>
+              <a:t>: </a:t>
+            </a:r>
+          </a:p>
+          <a:p>
+            <a:endParaRPr lang="de-DE" dirty="0"/>
           </a:p>
         </p:txBody>
       </p:sp>
@@ -4752,16 +7355,53 @@
           <a:p>
             <a:r>
               <a:rPr lang="de-DE" dirty="0"/>
-              <a:t>.</a:t>
-            </a:r>
-            <a:r>
-              <a:rPr lang="de-DE" dirty="0" err="1"/>
-              <a:t>git</a:t>
-            </a:r>
-            <a:endParaRPr lang="de-DE" dirty="0"/>
-          </a:p>
-        </p:txBody>
-      </p:sp>
+              <a:t>.git</a:t>
+            </a:r>
+          </a:p>
+        </p:txBody>
+      </p:sp>
+      <p:pic>
+        <p:nvPicPr>
+          <p:cNvPr id="5" name="Grafik 4">
+            <a:extLst>
+              <a:ext uri="{FF2B5EF4-FFF2-40B4-BE49-F238E27FC236}">
+                <a16:creationId xmlns:a16="http://schemas.microsoft.com/office/drawing/2014/main" id="{A14967B5-EC3F-42A0-9D14-71B7A974C69E}"/>
+              </a:ext>
+            </a:extLst>
+          </p:cNvPr>
+          <p:cNvPicPr/>
+          <p:nvPr/>
+        </p:nvPicPr>
+        <p:blipFill rotWithShape="1">
+          <a:blip r:embed="rId2">
+            <a:extLst>
+              <a:ext uri="{28A0092B-C50C-407E-A947-70E740481C1C}">
+                <a14:useLocalDpi xmlns:a14="http://schemas.microsoft.com/office/drawing/2010/main" val="0"/>
+              </a:ext>
+            </a:extLst>
+          </a:blip>
+          <a:srcRect l="30944" t="28922" r="26210" b="27839"/>
+          <a:stretch/>
+        </p:blipFill>
+        <p:spPr bwMode="auto">
+          <a:xfrm>
+            <a:off x="5082077" y="1444567"/>
+            <a:ext cx="3560163" cy="1984433"/>
+          </a:xfrm>
+          <a:prstGeom prst="rect">
+            <a:avLst/>
+          </a:prstGeom>
+          <a:noFill/>
+          <a:ln>
+            <a:noFill/>
+          </a:ln>
+          <a:extLst>
+            <a:ext uri="{53640926-AAD7-44D8-BBD7-CCE9431645EC}">
+              <a14:shadowObscured xmlns:a14="http://schemas.microsoft.com/office/drawing/2010/main"/>
+            </a:ext>
+          </a:extLst>
+        </p:spPr>
+      </p:pic>
     </p:spTree>
     <p:extLst>
       <p:ext uri="{BB962C8B-B14F-4D97-AF65-F5344CB8AC3E}">
@@ -4863,119 +7503,99 @@
           <a:p>
             <a:pPr lvl="1"/>
             <a:r>
+              <a:rPr lang="de-DE" b="1" i="1" dirty="0"/>
+              <a:t>git </a:t>
+            </a:r>
+            <a:r>
               <a:rPr lang="de-DE" b="1" i="1" dirty="0" err="1"/>
-              <a:t>git</a:t>
+              <a:t>config</a:t>
+            </a:r>
+            <a:r>
+              <a:rPr lang="de-DE" b="1" i="1" dirty="0"/>
+              <a:t> --global –</a:t>
+            </a:r>
+            <a:r>
+              <a:rPr lang="de-DE" b="1" i="1" dirty="0" err="1"/>
+              <a:t>edit</a:t>
+            </a:r>
+            <a:endParaRPr lang="de-DE" b="1" i="1" dirty="0"/>
+          </a:p>
+          <a:p>
+            <a:r>
+              <a:rPr lang="de-DE" dirty="0"/>
+              <a:t>Alias für Befehle angeben:</a:t>
+            </a:r>
+          </a:p>
+          <a:p>
+            <a:pPr lvl="1"/>
+            <a:r>
+              <a:rPr lang="de-DE" b="1" i="1" dirty="0"/>
+              <a:t>git </a:t>
+            </a:r>
+            <a:r>
+              <a:rPr lang="de-DE" b="1" i="1" dirty="0" err="1"/>
+              <a:t>config</a:t>
+            </a:r>
+            <a:r>
+              <a:rPr lang="de-DE" b="1" i="1" dirty="0"/>
+              <a:t> alias.</a:t>
+            </a:r>
+            <a:r>
+              <a:rPr lang="en-US" b="1" i="1" dirty="0"/>
+              <a:t> "</a:t>
+            </a:r>
+            <a:r>
+              <a:rPr lang="de-DE" b="1" i="1" dirty="0"/>
+              <a:t>&lt;Alias Name&gt;</a:t>
+            </a:r>
+            <a:r>
+              <a:rPr lang="en-US" b="1" i="1" dirty="0"/>
+              <a:t>"</a:t>
             </a:r>
             <a:r>
               <a:rPr lang="de-DE" b="1" i="1" dirty="0"/>
               <a:t> </a:t>
             </a:r>
             <a:r>
+              <a:rPr lang="en-US" b="1" i="1" dirty="0"/>
+              <a:t>"</a:t>
+            </a:r>
+            <a:r>
+              <a:rPr lang="de-DE" b="1" i="1" dirty="0"/>
+              <a:t>&lt;Git Kommando&gt;</a:t>
+            </a:r>
+            <a:r>
+              <a:rPr lang="en-US" b="1" i="1" dirty="0"/>
+              <a:t>"</a:t>
+            </a:r>
+            <a:endParaRPr lang="de-DE" b="1" i="1" dirty="0"/>
+          </a:p>
+          <a:p>
+            <a:r>
+              <a:rPr lang="de-DE" dirty="0"/>
+              <a:t>Einstellungen </a:t>
+            </a:r>
+            <a:r>
+              <a:rPr lang="de-DE" dirty="0" err="1"/>
+              <a:t>einshehen</a:t>
+            </a:r>
+            <a:r>
+              <a:rPr lang="de-DE" dirty="0"/>
+              <a:t>:</a:t>
+            </a:r>
+          </a:p>
+          <a:p>
+            <a:pPr lvl="1"/>
+            <a:r>
+              <a:rPr lang="de-DE" b="1" i="1" dirty="0"/>
+              <a:t>git </a:t>
+            </a:r>
+            <a:r>
               <a:rPr lang="de-DE" b="1" i="1" dirty="0" err="1"/>
               <a:t>config</a:t>
             </a:r>
             <a:r>
               <a:rPr lang="de-DE" b="1" i="1" dirty="0"/>
-              <a:t> --global –</a:t>
-            </a:r>
-            <a:r>
-              <a:rPr lang="de-DE" b="1" i="1" dirty="0" err="1"/>
-              <a:t>edit</a:t>
-            </a:r>
-            <a:endParaRPr lang="de-DE" b="1" i="1" dirty="0"/>
-          </a:p>
-          <a:p>
-            <a:r>
-              <a:rPr lang="de-DE" dirty="0"/>
-              <a:t>Alias für Befehle angeben:</a:t>
-            </a:r>
-          </a:p>
-          <a:p>
-            <a:pPr lvl="1"/>
-            <a:r>
-              <a:rPr lang="de-DE" b="1" i="1" dirty="0" err="1"/>
-              <a:t>git</a:t>
-            </a:r>
-            <a:r>
-              <a:rPr lang="de-DE" b="1" i="1" dirty="0"/>
-              <a:t> </a:t>
-            </a:r>
-            <a:r>
-              <a:rPr lang="de-DE" b="1" i="1" dirty="0" err="1"/>
-              <a:t>config</a:t>
-            </a:r>
-            <a:r>
-              <a:rPr lang="de-DE" b="1" i="1" dirty="0"/>
-              <a:t> alias.</a:t>
-            </a:r>
-            <a:r>
-              <a:rPr lang="en-US" b="1" i="1" dirty="0"/>
-              <a:t> "</a:t>
-            </a:r>
-            <a:r>
-              <a:rPr lang="de-DE" b="1" i="1" dirty="0"/>
-              <a:t>&lt;Alias Name&gt;</a:t>
-            </a:r>
-            <a:r>
-              <a:rPr lang="en-US" b="1" i="1" dirty="0"/>
-              <a:t>"</a:t>
-            </a:r>
-            <a:r>
-              <a:rPr lang="de-DE" b="1" i="1" dirty="0"/>
-              <a:t> </a:t>
-            </a:r>
-            <a:r>
-              <a:rPr lang="en-US" b="1" i="1" dirty="0"/>
-              <a:t>"</a:t>
-            </a:r>
-            <a:r>
-              <a:rPr lang="de-DE" b="1" i="1" dirty="0"/>
-              <a:t>&lt;</a:t>
-            </a:r>
-            <a:r>
-              <a:rPr lang="de-DE" b="1" i="1" dirty="0" err="1"/>
-              <a:t>Git</a:t>
-            </a:r>
-            <a:r>
-              <a:rPr lang="de-DE" b="1" i="1" dirty="0"/>
-              <a:t> Kommando&gt;</a:t>
-            </a:r>
-            <a:r>
-              <a:rPr lang="en-US" b="1" i="1" dirty="0"/>
-              <a:t>"</a:t>
-            </a:r>
-            <a:endParaRPr lang="de-DE" b="1" i="1" dirty="0"/>
-          </a:p>
-          <a:p>
-            <a:r>
-              <a:rPr lang="de-DE" dirty="0"/>
-              <a:t>Einstellungen </a:t>
-            </a:r>
-            <a:r>
-              <a:rPr lang="de-DE" dirty="0" err="1"/>
-              <a:t>einshehen</a:t>
-            </a:r>
-            <a:r>
-              <a:rPr lang="de-DE" dirty="0"/>
-              <a:t>:</a:t>
-            </a:r>
-          </a:p>
-          <a:p>
-            <a:pPr lvl="1"/>
-            <a:r>
-              <a:rPr lang="de-DE" b="1" i="1" dirty="0" err="1"/>
-              <a:t>git</a:t>
-            </a:r>
-            <a:r>
-              <a:rPr lang="de-DE" b="1" i="1" dirty="0"/>
-              <a:t> </a:t>
-            </a:r>
-            <a:r>
-              <a:rPr lang="de-DE" b="1" i="1" dirty="0" err="1"/>
-              <a:t>config</a:t>
-            </a:r>
-            <a:r>
-              <a:rPr lang="de-DE" b="1" i="1" dirty="0"/>
               <a:t> –</a:t>
             </a:r>
             <a:r>
@@ -5010,14 +7630,6 @@
             <a:r>
               <a:rPr lang="de-DE" dirty="0" err="1"/>
               <a:t>Config</a:t>
-            </a:r>
-            <a:r>
-              <a:rPr lang="de-DE" dirty="0"/>
-              <a:t> / </a:t>
-            </a:r>
-            <a:r>
-              <a:rPr lang="de-DE" dirty="0" err="1"/>
-              <a:t>gitignore</a:t>
             </a:r>
             <a:endParaRPr lang="de-DE" dirty="0"/>
           </a:p>
@@ -5333,10 +7945,10 @@
       </p:grpSpPr>
       <p:sp>
         <p:nvSpPr>
-          <p:cNvPr id="2" name="Inhaltsplatzhalter 1">
-            <a:extLst>
-              <a:ext uri="{FF2B5EF4-FFF2-40B4-BE49-F238E27FC236}">
-                <a16:creationId xmlns:a16="http://schemas.microsoft.com/office/drawing/2014/main" id="{14481AD2-FFD5-43C0-9E6D-FE125D0E6632}"/>
+          <p:cNvPr id="4" name="Inhaltsplatzhalter 3">
+            <a:extLst>
+              <a:ext uri="{FF2B5EF4-FFF2-40B4-BE49-F238E27FC236}">
+                <a16:creationId xmlns:a16="http://schemas.microsoft.com/office/drawing/2014/main" id="{E5BD01B8-4446-4A6A-B577-3120AF2FB7AE}"/>
               </a:ext>
             </a:extLst>
           </p:cNvPr>
@@ -5352,7 +7964,7 @@
           <a:bodyPr/>
           <a:lstStyle/>
           <a:p>
-            <a:endParaRPr lang="de-DE" dirty="0"/>
+            <a:endParaRPr lang="de-DE"/>
           </a:p>
         </p:txBody>
       </p:sp>
@@ -5388,6 +8000,149 @@
     <p:extLst>
       <p:ext uri="{BB962C8B-B14F-4D97-AF65-F5344CB8AC3E}">
         <p14:creationId xmlns:p14="http://schemas.microsoft.com/office/powerpoint/2010/main" val="2123715963"/>
+      </p:ext>
+    </p:extLst>
+  </p:cSld>
+  <p:clrMapOvr>
+    <a:masterClrMapping/>
+  </p:clrMapOvr>
+</p:sld>
+</file>
+
+<file path=ppt/slides/slide8.xml><?xml version="1.0" encoding="utf-8"?>
+<p:sld xmlns:a="http://schemas.openxmlformats.org/drawingml/2006/main" xmlns:r="http://schemas.openxmlformats.org/officeDocument/2006/relationships" xmlns:p="http://schemas.openxmlformats.org/presentationml/2006/main">
+  <p:cSld>
+    <p:spTree>
+      <p:nvGrpSpPr>
+        <p:cNvPr id="1" name=""/>
+        <p:cNvGrpSpPr/>
+        <p:nvPr/>
+      </p:nvGrpSpPr>
+      <p:grpSpPr>
+        <a:xfrm>
+          <a:off x="0" y="0"/>
+          <a:ext cx="0" cy="0"/>
+          <a:chOff x="0" y="0"/>
+          <a:chExt cx="0" cy="0"/>
+        </a:xfrm>
+      </p:grpSpPr>
+      <p:sp>
+        <p:nvSpPr>
+          <p:cNvPr id="3" name="Titel 2">
+            <a:extLst>
+              <a:ext uri="{FF2B5EF4-FFF2-40B4-BE49-F238E27FC236}">
+                <a16:creationId xmlns:a16="http://schemas.microsoft.com/office/drawing/2014/main" id="{1D0D21A4-BC91-4461-A139-778A00DBE636}"/>
+              </a:ext>
+            </a:extLst>
+          </p:cNvPr>
+          <p:cNvSpPr>
+            <a:spLocks noGrp="1"/>
+          </p:cNvSpPr>
+          <p:nvPr>
+            <p:ph type="title"/>
+          </p:nvPr>
+        </p:nvSpPr>
+        <p:spPr/>
+        <p:txBody>
+          <a:bodyPr>
+            <a:normAutofit/>
+          </a:bodyPr>
+          <a:lstStyle/>
+          <a:p>
+            <a:r>
+              <a:rPr lang="de-DE" dirty="0"/>
+              <a:t>Änderungen</a:t>
+            </a:r>
+          </a:p>
+        </p:txBody>
+      </p:sp>
+    </p:spTree>
+    <p:extLst>
+      <p:ext uri="{BB962C8B-B14F-4D97-AF65-F5344CB8AC3E}">
+        <p14:creationId xmlns:p14="http://schemas.microsoft.com/office/powerpoint/2010/main" val="1159547717"/>
+      </p:ext>
+    </p:extLst>
+  </p:cSld>
+  <p:clrMapOvr>
+    <a:masterClrMapping/>
+  </p:clrMapOvr>
+</p:sld>
+</file>
+
+<file path=ppt/slides/slide9.xml><?xml version="1.0" encoding="utf-8"?>
+<p:sld xmlns:a="http://schemas.openxmlformats.org/drawingml/2006/main" xmlns:r="http://schemas.openxmlformats.org/officeDocument/2006/relationships" xmlns:p="http://schemas.openxmlformats.org/presentationml/2006/main">
+  <p:cSld>
+    <p:spTree>
+      <p:nvGrpSpPr>
+        <p:cNvPr id="1" name=""/>
+        <p:cNvGrpSpPr/>
+        <p:nvPr/>
+      </p:nvGrpSpPr>
+      <p:grpSpPr>
+        <a:xfrm>
+          <a:off x="0" y="0"/>
+          <a:ext cx="0" cy="0"/>
+          <a:chOff x="0" y="0"/>
+          <a:chExt cx="0" cy="0"/>
+        </a:xfrm>
+      </p:grpSpPr>
+      <p:sp>
+        <p:nvSpPr>
+          <p:cNvPr id="2" name="Inhaltsplatzhalter 1">
+            <a:extLst>
+              <a:ext uri="{FF2B5EF4-FFF2-40B4-BE49-F238E27FC236}">
+                <a16:creationId xmlns:a16="http://schemas.microsoft.com/office/drawing/2014/main" id="{F152AD6E-3A5F-4F40-AE51-AC630EDE1ADD}"/>
+              </a:ext>
+            </a:extLst>
+          </p:cNvPr>
+          <p:cNvSpPr>
+            <a:spLocks noGrp="1"/>
+          </p:cNvSpPr>
+          <p:nvPr>
+            <p:ph idx="13"/>
+          </p:nvPr>
+        </p:nvSpPr>
+        <p:spPr/>
+        <p:txBody>
+          <a:bodyPr/>
+          <a:lstStyle/>
+          <a:p>
+            <a:endParaRPr lang="de-DE" dirty="0"/>
+          </a:p>
+        </p:txBody>
+      </p:sp>
+      <p:sp>
+        <p:nvSpPr>
+          <p:cNvPr id="3" name="Titel 2">
+            <a:extLst>
+              <a:ext uri="{FF2B5EF4-FFF2-40B4-BE49-F238E27FC236}">
+                <a16:creationId xmlns:a16="http://schemas.microsoft.com/office/drawing/2014/main" id="{A9035D7F-C069-4FAE-AA03-CC3D6FA9F379}"/>
+              </a:ext>
+            </a:extLst>
+          </p:cNvPr>
+          <p:cNvSpPr>
+            <a:spLocks noGrp="1"/>
+          </p:cNvSpPr>
+          <p:nvPr>
+            <p:ph type="title" idx="4294967295"/>
+          </p:nvPr>
+        </p:nvSpPr>
+        <p:spPr/>
+        <p:txBody>
+          <a:bodyPr/>
+          <a:lstStyle/>
+          <a:p>
+            <a:r>
+              <a:rPr lang="de-DE" dirty="0"/>
+              <a:t>Commit</a:t>
+            </a:r>
+          </a:p>
+        </p:txBody>
+      </p:sp>
+    </p:spTree>
+    <p:extLst>
+      <p:ext uri="{BB962C8B-B14F-4D97-AF65-F5344CB8AC3E}">
+        <p14:creationId xmlns:p14="http://schemas.microsoft.com/office/powerpoint/2010/main" val="4291075975"/>
       </p:ext>
     </p:extLst>
   </p:cSld>

--- a/Präsentation-90min/Präsentation-90min.pptx
+++ b/Präsentation-90min/Präsentation-90min.pptx
@@ -260,7 +260,7 @@
           <a:p>
             <a:fld id="{A1E1CD49-93F9-4EB7-9AB7-31369D3CCD5D}" type="datetimeFigureOut">
               <a:rPr lang="de-DE" smtClean="0"/>
-              <a:t>07.03.2020</a:t>
+              <a:t>08.03.2020</a:t>
             </a:fld>
             <a:endParaRPr lang="de-DE"/>
           </a:p>
@@ -658,7 +658,7 @@
           <a:p>
             <a:fld id="{7CDC51D4-4F8D-402A-BD06-90531D3D0B0E}" type="datetime1">
               <a:rPr lang="de-DE" smtClean="0"/>
-              <a:t>07.03.2020</a:t>
+              <a:t>08.03.2020</a:t>
             </a:fld>
             <a:endParaRPr lang="de-DE"/>
           </a:p>
@@ -828,7 +828,7 @@
           <a:p>
             <a:fld id="{3608FC1D-F958-4804-B298-25E0F93B1193}" type="datetime1">
               <a:rPr lang="de-DE" smtClean="0"/>
-              <a:t>07.03.2020</a:t>
+              <a:t>08.03.2020</a:t>
             </a:fld>
             <a:endParaRPr lang="de-DE"/>
           </a:p>
@@ -1008,7 +1008,7 @@
           <a:p>
             <a:fld id="{853E26B7-2C61-49BA-838E-19A37BCD9623}" type="datetime1">
               <a:rPr lang="de-DE" smtClean="0"/>
-              <a:t>07.03.2020</a:t>
+              <a:t>08.03.2020</a:t>
             </a:fld>
             <a:endParaRPr lang="de-DE"/>
           </a:p>
@@ -1303,7 +1303,7 @@
             <a:fld id="{6F7941D6-DDCD-4FEB-B76A-6EA7C7E1DF91}" type="datetime1">
               <a:rPr lang="de-DE" smtClean="0"/>
               <a:pPr/>
-              <a:t>07.03.2020</a:t>
+              <a:t>08.03.2020</a:t>
             </a:fld>
             <a:endParaRPr lang="de-DE" dirty="0"/>
           </a:p>
@@ -2087,7 +2087,7 @@
           <a:p>
             <a:fld id="{625025DE-6FE8-4EA0-83A6-6CAFC8B06972}" type="datetime1">
               <a:rPr lang="de-DE" smtClean="0"/>
-              <a:t>07.03.2020</a:t>
+              <a:t>08.03.2020</a:t>
             </a:fld>
             <a:endParaRPr lang="de-DE"/>
           </a:p>
@@ -2454,7 +2454,7 @@
           <a:p>
             <a:fld id="{247D6157-A9C6-4111-84CF-F4ABC9BB74CD}" type="datetime1">
               <a:rPr lang="de-DE" smtClean="0"/>
-              <a:t>07.03.2020</a:t>
+              <a:t>08.03.2020</a:t>
             </a:fld>
             <a:endParaRPr lang="de-DE"/>
           </a:p>
@@ -2572,7 +2572,7 @@
           <a:p>
             <a:fld id="{8EBDA223-4612-4606-8A30-596D72469CD7}" type="datetime1">
               <a:rPr lang="de-DE" smtClean="0"/>
-              <a:t>07.03.2020</a:t>
+              <a:t>08.03.2020</a:t>
             </a:fld>
             <a:endParaRPr lang="de-DE"/>
           </a:p>
@@ -2667,7 +2667,7 @@
           <a:p>
             <a:fld id="{5C800F00-9786-41ED-9D90-88F7ADE0F2B0}" type="datetime1">
               <a:rPr lang="de-DE" smtClean="0"/>
-              <a:t>07.03.2020</a:t>
+              <a:t>08.03.2020</a:t>
             </a:fld>
             <a:endParaRPr lang="de-DE"/>
           </a:p>
@@ -2944,7 +2944,7 @@
           <a:p>
             <a:fld id="{DE94FA33-7DFF-4544-8A2D-E09A4E33D92E}" type="datetime1">
               <a:rPr lang="de-DE" smtClean="0"/>
-              <a:t>07.03.2020</a:t>
+              <a:t>08.03.2020</a:t>
             </a:fld>
             <a:endParaRPr lang="de-DE"/>
           </a:p>
@@ -3201,7 +3201,7 @@
           <a:p>
             <a:fld id="{10F76841-BABD-4AE4-8760-966DF476109C}" type="datetime1">
               <a:rPr lang="de-DE" smtClean="0"/>
-              <a:t>07.03.2020</a:t>
+              <a:t>08.03.2020</a:t>
             </a:fld>
             <a:endParaRPr lang="de-DE"/>
           </a:p>
@@ -3414,7 +3414,7 @@
           <a:p>
             <a:fld id="{34C5C537-7C07-410D-9EF1-F90075952502}" type="datetime1">
               <a:rPr lang="de-DE" smtClean="0"/>
-              <a:t>07.03.2020</a:t>
+              <a:t>08.03.2020</a:t>
             </a:fld>
             <a:endParaRPr lang="de-DE"/>
           </a:p>
@@ -4107,7 +4107,7 @@
           <a:p>
             <a:fld id="{6F7941D6-DDCD-4FEB-B76A-6EA7C7E1DF91}" type="datetime1">
               <a:rPr lang="de-DE" smtClean="0"/>
-              <a:t>07.03.2020</a:t>
+              <a:t>08.03.2020</a:t>
             </a:fld>
             <a:endParaRPr lang="de-DE" dirty="0"/>
           </a:p>
@@ -4336,7 +4336,9 @@
         </p:nvSpPr>
         <p:spPr/>
         <p:txBody>
-          <a:bodyPr/>
+          <a:bodyPr>
+            <a:normAutofit lnSpcReduction="10000"/>
+          </a:bodyPr>
           <a:lstStyle/>
           <a:p>
             <a:r>
@@ -4368,101 +4370,109 @@
           <a:p>
             <a:pPr lvl="1"/>
             <a:r>
-              <a:rPr lang="de-DE" b="1" i="1" dirty="0"/>
+              <a:rPr lang="de-DE" i="1" dirty="0"/>
               <a:t>-patch</a:t>
             </a:r>
             <a:r>
               <a:rPr lang="de-DE" dirty="0"/>
-              <a:t>:</a:t>
+              <a:t>:		nur ein Teil der Änderungen wird 				zwischengespeichert</a:t>
             </a:r>
           </a:p>
           <a:p>
             <a:pPr lvl="1"/>
             <a:r>
-              <a:rPr lang="de-DE" b="1" i="1" dirty="0"/>
+              <a:rPr lang="de-DE" i="1" dirty="0"/>
               <a:t>-u</a:t>
             </a:r>
             <a:r>
               <a:rPr lang="de-DE" dirty="0"/>
-              <a:t>:</a:t>
+              <a:t>: 		nicht versionsverwaltete Dateien werden mit 			einbezogen</a:t>
             </a:r>
           </a:p>
           <a:p>
             <a:pPr lvl="1"/>
             <a:r>
-              <a:rPr lang="de-DE" b="1" i="1" dirty="0" err="1"/>
+              <a:rPr lang="de-DE" i="1" dirty="0" err="1"/>
               <a:t>list</a:t>
             </a:r>
             <a:r>
               <a:rPr lang="de-DE" dirty="0"/>
-              <a:t>:</a:t>
+              <a:t>: 		listet alle bereits gespeicherten 				Zwischenstände auf</a:t>
             </a:r>
           </a:p>
           <a:p>
             <a:pPr lvl="1"/>
             <a:r>
-              <a:rPr lang="de-DE" b="1" i="1" dirty="0"/>
+              <a:rPr lang="de-DE" i="1" dirty="0"/>
               <a:t>save "&lt;Nachricht&gt;"</a:t>
             </a:r>
             <a:r>
               <a:rPr lang="de-DE" dirty="0"/>
-              <a:t>:</a:t>
+              <a:t>:	fügt einem Zwischenstand eine Nachricht 			hinzu</a:t>
             </a:r>
           </a:p>
           <a:p>
             <a:pPr lvl="1"/>
             <a:r>
-              <a:rPr lang="de-DE" b="1" i="1" dirty="0" err="1"/>
+              <a:rPr lang="de-DE" i="1" dirty="0" err="1"/>
               <a:t>pop</a:t>
             </a:r>
             <a:r>
               <a:rPr lang="de-DE" dirty="0"/>
-              <a:t>:</a:t>
+              <a:t>: 		Zwischenstand wird auf aktuelle Arbeitsmappe 			angewendet und nach der Anwendung 				gelöscht</a:t>
             </a:r>
           </a:p>
           <a:p>
             <a:pPr lvl="1"/>
             <a:r>
-              <a:rPr lang="de-DE" b="1" i="1" dirty="0" err="1"/>
+              <a:rPr lang="de-DE" i="1" dirty="0" err="1"/>
               <a:t>apply</a:t>
             </a:r>
             <a:r>
               <a:rPr lang="de-DE" dirty="0"/>
-              <a:t>:</a:t>
+              <a:t>: 		Zwischenstand wird auf aktuelle Arbeitsmappe 			angewendet und nach der Anwendung 				beibehalten</a:t>
             </a:r>
           </a:p>
           <a:p>
             <a:pPr lvl="1"/>
             <a:r>
-              <a:rPr lang="de-DE" b="1" i="1" dirty="0" err="1"/>
+              <a:rPr lang="de-DE" i="1" dirty="0" err="1"/>
               <a:t>show</a:t>
             </a:r>
             <a:r>
               <a:rPr lang="de-DE" dirty="0"/>
-              <a:t>:</a:t>
+              <a:t>:		Änderungen des ersten Eintrags im </a:t>
+            </a:r>
+            <a:r>
+              <a:rPr lang="de-DE" dirty="0" err="1"/>
+              <a:t>Stash</a:t>
+            </a:r>
+            <a:r>
+              <a:rPr lang="de-DE" dirty="0"/>
+              <a:t> 			angezeigt</a:t>
             </a:r>
           </a:p>
           <a:p>
             <a:pPr lvl="1"/>
             <a:r>
-              <a:rPr lang="de-DE" b="1" i="1" dirty="0" err="1"/>
+              <a:rPr lang="de-DE" i="1" dirty="0" err="1"/>
               <a:t>drop</a:t>
             </a:r>
             <a:r>
-              <a:rPr lang="de-DE" b="1" i="1" dirty="0"/>
+              <a:rPr lang="de-DE" i="1" dirty="0"/>
               <a:t> &lt;</a:t>
             </a:r>
             <a:r>
-              <a:rPr lang="de-DE" b="1" i="1" dirty="0" err="1"/>
+              <a:rPr lang="de-DE" i="1" dirty="0" err="1"/>
               <a:t>stash-id</a:t>
             </a:r>
             <a:r>
-              <a:rPr lang="de-DE" b="1" i="1" dirty="0"/>
+              <a:rPr lang="de-DE" i="1" dirty="0"/>
               <a:t>&gt;</a:t>
             </a:r>
             <a:r>
               <a:rPr lang="de-DE" dirty="0"/>
-              <a:t>:</a:t>
+              <a:t>:	Um einen Zwischenstand zu löschen</a:t>
             </a:r>
           </a:p>
           <a:p>
@@ -4532,10 +4542,10 @@
       </p:grpSpPr>
       <p:sp>
         <p:nvSpPr>
-          <p:cNvPr id="2" name="Inhaltsplatzhalter 1">
-            <a:extLst>
-              <a:ext uri="{FF2B5EF4-FFF2-40B4-BE49-F238E27FC236}">
-                <a16:creationId xmlns:a16="http://schemas.microsoft.com/office/drawing/2014/main" id="{08B3E3F0-ED4E-42DE-8E67-F6BAA697A7DA}"/>
+          <p:cNvPr id="4" name="Inhaltsplatzhalter 3">
+            <a:extLst>
+              <a:ext uri="{FF2B5EF4-FFF2-40B4-BE49-F238E27FC236}">
+                <a16:creationId xmlns:a16="http://schemas.microsoft.com/office/drawing/2014/main" id="{5776ADF3-5999-4C90-8DA1-E918066BFDEE}"/>
               </a:ext>
             </a:extLst>
           </p:cNvPr>
@@ -4551,7 +4561,78 @@
           <a:bodyPr/>
           <a:lstStyle/>
           <a:p>
-            <a:endParaRPr lang="de-DE"/>
+            <a:r>
+              <a:rPr lang="de-DE" dirty="0"/>
+              <a:t>Ermöglicht einen Überblick, über den aktuellen Stand des Zweiges</a:t>
+            </a:r>
+          </a:p>
+          <a:p>
+            <a:r>
+              <a:rPr lang="de-DE" dirty="0"/>
+              <a:t>Angezeigt werden Alle </a:t>
+            </a:r>
+            <a:r>
+              <a:rPr lang="de-DE" dirty="0" err="1"/>
+              <a:t>Commits</a:t>
+            </a:r>
+            <a:r>
+              <a:rPr lang="de-DE" dirty="0"/>
+              <a:t>, des Zweiges mit Informationen zum Autor, Datum und Hash</a:t>
+            </a:r>
+          </a:p>
+          <a:p>
+            <a:r>
+              <a:rPr lang="de-DE" dirty="0"/>
+              <a:t>Kommando: </a:t>
+            </a:r>
+            <a:r>
+              <a:rPr lang="de-DE" b="1" i="1" dirty="0" err="1"/>
+              <a:t>git</a:t>
+            </a:r>
+            <a:r>
+              <a:rPr lang="de-DE" b="1" i="1" dirty="0"/>
+              <a:t> log</a:t>
+            </a:r>
+          </a:p>
+          <a:p>
+            <a:endParaRPr lang="de-DE" b="1" i="1" dirty="0"/>
+          </a:p>
+          <a:p>
+            <a:endParaRPr lang="de-DE" b="1" i="1" dirty="0"/>
+          </a:p>
+          <a:p>
+            <a:r>
+              <a:rPr lang="de-DE" dirty="0"/>
+              <a:t>Optionen:</a:t>
+            </a:r>
+          </a:p>
+          <a:p>
+            <a:pPr lvl="1"/>
+            <a:r>
+              <a:rPr lang="de-DE" dirty="0"/>
+              <a:t>--</a:t>
+            </a:r>
+            <a:r>
+              <a:rPr lang="de-DE" dirty="0" err="1"/>
+              <a:t>oneline</a:t>
+            </a:r>
+            <a:r>
+              <a:rPr lang="de-DE" dirty="0"/>
+              <a:t>:</a:t>
+            </a:r>
+          </a:p>
+          <a:p>
+            <a:pPr lvl="1"/>
+            <a:r>
+              <a:rPr lang="de-DE" dirty="0"/>
+              <a:t>--follow &lt;Datei&gt;</a:t>
+            </a:r>
+          </a:p>
+          <a:p>
+            <a:pPr marL="0" indent="0">
+              <a:buNone/>
+            </a:pPr>
+            <a:endParaRPr lang="de-DE" b="1" i="1" dirty="0"/>
           </a:p>
         </p:txBody>
       </p:sp>
@@ -4583,6 +4664,45 @@
           </a:p>
         </p:txBody>
       </p:sp>
+      <p:pic>
+        <p:nvPicPr>
+          <p:cNvPr id="5" name="Grafik 4">
+            <a:extLst>
+              <a:ext uri="{FF2B5EF4-FFF2-40B4-BE49-F238E27FC236}">
+                <a16:creationId xmlns:a16="http://schemas.microsoft.com/office/drawing/2014/main" id="{D831E8D0-7902-4AED-A689-428159E9C6F9}"/>
+              </a:ext>
+            </a:extLst>
+          </p:cNvPr>
+          <p:cNvPicPr/>
+          <p:nvPr/>
+        </p:nvPicPr>
+        <p:blipFill>
+          <a:blip r:embed="rId2">
+            <a:extLst>
+              <a:ext uri="{28A0092B-C50C-407E-A947-70E740481C1C}">
+                <a14:useLocalDpi xmlns:a14="http://schemas.microsoft.com/office/drawing/2010/main" val="0"/>
+              </a:ext>
+            </a:extLst>
+          </a:blip>
+          <a:srcRect/>
+          <a:stretch>
+            <a:fillRect/>
+          </a:stretch>
+        </p:blipFill>
+        <p:spPr bwMode="auto">
+          <a:xfrm>
+            <a:off x="1342152" y="2978616"/>
+            <a:ext cx="4362450" cy="800100"/>
+          </a:xfrm>
+          <a:prstGeom prst="rect">
+            <a:avLst/>
+          </a:prstGeom>
+          <a:noFill/>
+          <a:ln>
+            <a:noFill/>
+          </a:ln>
+        </p:spPr>
+      </p:pic>
     </p:spTree>
     <p:extLst>
       <p:ext uri="{BB962C8B-B14F-4D97-AF65-F5344CB8AC3E}">
@@ -4673,10 +4793,10 @@
       </p:grpSpPr>
       <p:sp>
         <p:nvSpPr>
-          <p:cNvPr id="3" name="Inhaltsplatzhalter 2">
-            <a:extLst>
-              <a:ext uri="{FF2B5EF4-FFF2-40B4-BE49-F238E27FC236}">
-                <a16:creationId xmlns:a16="http://schemas.microsoft.com/office/drawing/2014/main" id="{39488408-F056-467E-AA91-1648B8A9E4BD}"/>
+          <p:cNvPr id="2" name="Inhaltsplatzhalter 1">
+            <a:extLst>
+              <a:ext uri="{FF2B5EF4-FFF2-40B4-BE49-F238E27FC236}">
+                <a16:creationId xmlns:a16="http://schemas.microsoft.com/office/drawing/2014/main" id="{D29E4FD3-1831-4ED4-A267-3CDD83B65367}"/>
               </a:ext>
             </a:extLst>
           </p:cNvPr>
@@ -4756,10 +4876,10 @@
       </p:grpSpPr>
       <p:sp>
         <p:nvSpPr>
-          <p:cNvPr id="2" name="Inhaltsplatzhalter 1">
-            <a:extLst>
-              <a:ext uri="{FF2B5EF4-FFF2-40B4-BE49-F238E27FC236}">
-                <a16:creationId xmlns:a16="http://schemas.microsoft.com/office/drawing/2014/main" id="{B0B07356-22C1-42DF-8376-883865367B08}"/>
+          <p:cNvPr id="4" name="Inhaltsplatzhalter 3">
+            <a:extLst>
+              <a:ext uri="{FF2B5EF4-FFF2-40B4-BE49-F238E27FC236}">
+                <a16:creationId xmlns:a16="http://schemas.microsoft.com/office/drawing/2014/main" id="{762C3D01-D3C8-4F09-B3C8-78D87F9E4FA7}"/>
               </a:ext>
             </a:extLst>
           </p:cNvPr>
@@ -4839,10 +4959,10 @@
       </p:grpSpPr>
       <p:sp>
         <p:nvSpPr>
-          <p:cNvPr id="2" name="Inhaltsplatzhalter 1">
-            <a:extLst>
-              <a:ext uri="{FF2B5EF4-FFF2-40B4-BE49-F238E27FC236}">
-                <a16:creationId xmlns:a16="http://schemas.microsoft.com/office/drawing/2014/main" id="{0503ED33-5331-4FC7-BAC3-A6A3BC6E3C7E}"/>
+          <p:cNvPr id="4" name="Inhaltsplatzhalter 3">
+            <a:extLst>
+              <a:ext uri="{FF2B5EF4-FFF2-40B4-BE49-F238E27FC236}">
+                <a16:creationId xmlns:a16="http://schemas.microsoft.com/office/drawing/2014/main" id="{143C3390-1A36-4244-A5C6-EA57D462A48A}"/>
               </a:ext>
             </a:extLst>
           </p:cNvPr>
@@ -4921,12 +5041,419 @@
           <a:chExt cx="0" cy="0"/>
         </a:xfrm>
       </p:grpSpPr>
-      <p:sp>
-        <p:nvSpPr>
-          <p:cNvPr id="2" name="Inhaltsplatzhalter 1">
-            <a:extLst>
-              <a:ext uri="{FF2B5EF4-FFF2-40B4-BE49-F238E27FC236}">
-                <a16:creationId xmlns:a16="http://schemas.microsoft.com/office/drawing/2014/main" id="{F109D8F9-4C83-4BFF-B928-AEEE005C9F93}"/>
+      <p:grpSp>
+        <p:nvGrpSpPr>
+          <p:cNvPr id="26" name="Gruppieren 25">
+            <a:extLst>
+              <a:ext uri="{FF2B5EF4-FFF2-40B4-BE49-F238E27FC236}">
+                <a16:creationId xmlns:a16="http://schemas.microsoft.com/office/drawing/2014/main" id="{CD1CDED2-357D-4297-A3A6-EADD4DEC81AB}"/>
+              </a:ext>
+            </a:extLst>
+          </p:cNvPr>
+          <p:cNvGrpSpPr/>
+          <p:nvPr/>
+        </p:nvGrpSpPr>
+        <p:grpSpPr>
+          <a:xfrm>
+            <a:off x="6189091" y="1467535"/>
+            <a:ext cx="2889914" cy="4620032"/>
+            <a:chOff x="8058816" y="1047474"/>
+            <a:chExt cx="2889914" cy="4620032"/>
+          </a:xfrm>
+        </p:grpSpPr>
+        <p:pic>
+          <p:nvPicPr>
+            <p:cNvPr id="5" name="Grafik 4">
+              <a:extLst>
+                <a:ext uri="{FF2B5EF4-FFF2-40B4-BE49-F238E27FC236}">
+                  <a16:creationId xmlns:a16="http://schemas.microsoft.com/office/drawing/2014/main" id="{D2E367D0-37A1-4836-ACD0-BAE9069487DB}"/>
+                </a:ext>
+              </a:extLst>
+            </p:cNvPr>
+            <p:cNvPicPr>
+              <a:picLocks noChangeAspect="1"/>
+            </p:cNvPicPr>
+            <p:nvPr/>
+          </p:nvPicPr>
+          <p:blipFill rotWithShape="1">
+            <a:blip r:embed="rId2"/>
+            <a:srcRect r="13065"/>
+            <a:stretch/>
+          </p:blipFill>
+          <p:spPr>
+            <a:xfrm rot="5400000">
+              <a:off x="6912193" y="2253216"/>
+              <a:ext cx="4620032" cy="2208548"/>
+            </a:xfrm>
+            <a:prstGeom prst="rect">
+              <a:avLst/>
+            </a:prstGeom>
+          </p:spPr>
+        </p:pic>
+        <p:grpSp>
+          <p:nvGrpSpPr>
+            <p:cNvPr id="17" name="Gruppieren 16">
+              <a:extLst>
+                <a:ext uri="{FF2B5EF4-FFF2-40B4-BE49-F238E27FC236}">
+                  <a16:creationId xmlns:a16="http://schemas.microsoft.com/office/drawing/2014/main" id="{5DD55435-4262-431B-B9BE-49468D1594B6}"/>
+                </a:ext>
+              </a:extLst>
+            </p:cNvPr>
+            <p:cNvGrpSpPr/>
+            <p:nvPr/>
+          </p:nvGrpSpPr>
+          <p:grpSpPr>
+            <a:xfrm rot="5400000">
+              <a:off x="7244243" y="3010085"/>
+              <a:ext cx="4390894" cy="694810"/>
+              <a:chOff x="5843263" y="1076696"/>
+              <a:chExt cx="4390894" cy="694810"/>
+            </a:xfrm>
+          </p:grpSpPr>
+          <p:sp>
+            <p:nvSpPr>
+              <p:cNvPr id="18" name="Ellipse 17">
+                <a:extLst>
+                  <a:ext uri="{FF2B5EF4-FFF2-40B4-BE49-F238E27FC236}">
+                    <a16:creationId xmlns:a16="http://schemas.microsoft.com/office/drawing/2014/main" id="{7AACF747-9BD4-404C-BE1B-CE89D9A63E1F}"/>
+                  </a:ext>
+                </a:extLst>
+              </p:cNvPr>
+              <p:cNvSpPr/>
+              <p:nvPr/>
+            </p:nvSpPr>
+            <p:spPr>
+              <a:xfrm>
+                <a:off x="8599804" y="1076696"/>
+                <a:ext cx="251613" cy="257904"/>
+              </a:xfrm>
+              <a:prstGeom prst="ellipse">
+                <a:avLst/>
+              </a:prstGeom>
+              <a:solidFill>
+                <a:srgbClr val="5B9BD5"/>
+              </a:solidFill>
+            </p:spPr>
+            <p:style>
+              <a:lnRef idx="2">
+                <a:schemeClr val="accent1">
+                  <a:shade val="50000"/>
+                </a:schemeClr>
+              </a:lnRef>
+              <a:fillRef idx="1">
+                <a:schemeClr val="accent1"/>
+              </a:fillRef>
+              <a:effectRef idx="0">
+                <a:schemeClr val="accent1"/>
+              </a:effectRef>
+              <a:fontRef idx="minor">
+                <a:schemeClr val="lt1"/>
+              </a:fontRef>
+            </p:style>
+            <p:txBody>
+              <a:bodyPr rtlCol="0" anchor="ctr"/>
+              <a:lstStyle/>
+              <a:p>
+                <a:pPr algn="ctr"/>
+                <a:endParaRPr lang="de-DE"/>
+              </a:p>
+            </p:txBody>
+          </p:sp>
+          <p:sp>
+            <p:nvSpPr>
+              <p:cNvPr id="19" name="Ellipse 18">
+                <a:extLst>
+                  <a:ext uri="{FF2B5EF4-FFF2-40B4-BE49-F238E27FC236}">
+                    <a16:creationId xmlns:a16="http://schemas.microsoft.com/office/drawing/2014/main" id="{31381E34-7234-4F2A-8C67-E863150CA005}"/>
+                  </a:ext>
+                </a:extLst>
+              </p:cNvPr>
+              <p:cNvSpPr/>
+              <p:nvPr/>
+            </p:nvSpPr>
+            <p:spPr>
+              <a:xfrm>
+                <a:off x="9290213" y="1513556"/>
+                <a:ext cx="251613" cy="257904"/>
+              </a:xfrm>
+              <a:prstGeom prst="ellipse">
+                <a:avLst/>
+              </a:prstGeom>
+              <a:solidFill>
+                <a:srgbClr val="70AD47"/>
+              </a:solidFill>
+            </p:spPr>
+            <p:style>
+              <a:lnRef idx="2">
+                <a:schemeClr val="accent1">
+                  <a:shade val="50000"/>
+                </a:schemeClr>
+              </a:lnRef>
+              <a:fillRef idx="1">
+                <a:schemeClr val="accent1"/>
+              </a:fillRef>
+              <a:effectRef idx="0">
+                <a:schemeClr val="accent1"/>
+              </a:effectRef>
+              <a:fontRef idx="minor">
+                <a:schemeClr val="lt1"/>
+              </a:fontRef>
+            </p:style>
+            <p:txBody>
+              <a:bodyPr rtlCol="0" anchor="ctr"/>
+              <a:lstStyle/>
+              <a:p>
+                <a:pPr algn="ctr"/>
+                <a:endParaRPr lang="de-DE"/>
+              </a:p>
+            </p:txBody>
+          </p:sp>
+          <p:sp>
+            <p:nvSpPr>
+              <p:cNvPr id="20" name="Ellipse 19">
+                <a:extLst>
+                  <a:ext uri="{FF2B5EF4-FFF2-40B4-BE49-F238E27FC236}">
+                    <a16:creationId xmlns:a16="http://schemas.microsoft.com/office/drawing/2014/main" id="{A0311946-DDD1-439C-A5B1-2B6B00D8CD81}"/>
+                  </a:ext>
+                </a:extLst>
+              </p:cNvPr>
+              <p:cNvSpPr/>
+              <p:nvPr/>
+            </p:nvSpPr>
+            <p:spPr>
+              <a:xfrm>
+                <a:off x="5843263" y="1513602"/>
+                <a:ext cx="251613" cy="257904"/>
+              </a:xfrm>
+              <a:prstGeom prst="ellipse">
+                <a:avLst/>
+              </a:prstGeom>
+              <a:solidFill>
+                <a:srgbClr val="FFC000"/>
+              </a:solidFill>
+            </p:spPr>
+            <p:style>
+              <a:lnRef idx="2">
+                <a:schemeClr val="accent1">
+                  <a:shade val="50000"/>
+                </a:schemeClr>
+              </a:lnRef>
+              <a:fillRef idx="1">
+                <a:schemeClr val="accent1"/>
+              </a:fillRef>
+              <a:effectRef idx="0">
+                <a:schemeClr val="accent1"/>
+              </a:effectRef>
+              <a:fontRef idx="minor">
+                <a:schemeClr val="lt1"/>
+              </a:fontRef>
+            </p:style>
+            <p:txBody>
+              <a:bodyPr rtlCol="0" anchor="ctr"/>
+              <a:lstStyle/>
+              <a:p>
+                <a:pPr algn="ctr"/>
+                <a:endParaRPr lang="de-DE"/>
+              </a:p>
+            </p:txBody>
+          </p:sp>
+          <p:sp>
+            <p:nvSpPr>
+              <p:cNvPr id="21" name="Ellipse 20">
+                <a:extLst>
+                  <a:ext uri="{FF2B5EF4-FFF2-40B4-BE49-F238E27FC236}">
+                    <a16:creationId xmlns:a16="http://schemas.microsoft.com/office/drawing/2014/main" id="{DEDAAB9E-C76D-4DBC-8A52-6C7DEC5E3E65}"/>
+                  </a:ext>
+                </a:extLst>
+              </p:cNvPr>
+              <p:cNvSpPr/>
+              <p:nvPr/>
+            </p:nvSpPr>
+            <p:spPr>
+              <a:xfrm>
+                <a:off x="9982544" y="1513556"/>
+                <a:ext cx="251613" cy="257904"/>
+              </a:xfrm>
+              <a:prstGeom prst="ellipse">
+                <a:avLst/>
+              </a:prstGeom>
+              <a:solidFill>
+                <a:srgbClr val="ED7D31"/>
+              </a:solidFill>
+            </p:spPr>
+            <p:style>
+              <a:lnRef idx="2">
+                <a:schemeClr val="accent1">
+                  <a:shade val="50000"/>
+                </a:schemeClr>
+              </a:lnRef>
+              <a:fillRef idx="1">
+                <a:schemeClr val="accent1"/>
+              </a:fillRef>
+              <a:effectRef idx="0">
+                <a:schemeClr val="accent1"/>
+              </a:effectRef>
+              <a:fontRef idx="minor">
+                <a:schemeClr val="lt1"/>
+              </a:fontRef>
+            </p:style>
+            <p:txBody>
+              <a:bodyPr rtlCol="0" anchor="ctr"/>
+              <a:lstStyle/>
+              <a:p>
+                <a:pPr algn="ctr"/>
+                <a:endParaRPr lang="de-DE"/>
+              </a:p>
+            </p:txBody>
+          </p:sp>
+        </p:grpSp>
+        <p:sp>
+          <p:nvSpPr>
+            <p:cNvPr id="22" name="Textfeld 21">
+              <a:extLst>
+                <a:ext uri="{FF2B5EF4-FFF2-40B4-BE49-F238E27FC236}">
+                  <a16:creationId xmlns:a16="http://schemas.microsoft.com/office/drawing/2014/main" id="{4A4A903E-1D78-494D-8166-E275318D672C}"/>
+                </a:ext>
+              </a:extLst>
+            </p:cNvPr>
+            <p:cNvSpPr txBox="1"/>
+            <p:nvPr/>
+          </p:nvSpPr>
+          <p:spPr>
+            <a:xfrm>
+              <a:off x="8117935" y="1113179"/>
+              <a:ext cx="1110826" cy="336118"/>
+            </a:xfrm>
+            <a:prstGeom prst="rect">
+              <a:avLst/>
+            </a:prstGeom>
+            <a:noFill/>
+          </p:spPr>
+          <p:txBody>
+            <a:bodyPr wrap="square" rtlCol="0">
+              <a:spAutoFit/>
+            </a:bodyPr>
+            <a:lstStyle/>
+            <a:p>
+              <a:r>
+                <a:rPr lang="de-DE" dirty="0"/>
+                <a:t>Vorfahre</a:t>
+              </a:r>
+            </a:p>
+          </p:txBody>
+        </p:sp>
+        <p:sp>
+          <p:nvSpPr>
+            <p:cNvPr id="23" name="Textfeld 22">
+              <a:extLst>
+                <a:ext uri="{FF2B5EF4-FFF2-40B4-BE49-F238E27FC236}">
+                  <a16:creationId xmlns:a16="http://schemas.microsoft.com/office/drawing/2014/main" id="{782F2AF9-B5BC-4D25-AA97-C490DA01C4FF}"/>
+                </a:ext>
+              </a:extLst>
+            </p:cNvPr>
+            <p:cNvSpPr txBox="1"/>
+            <p:nvPr/>
+          </p:nvSpPr>
+          <p:spPr>
+            <a:xfrm>
+              <a:off x="8058816" y="5268127"/>
+              <a:ext cx="1110826" cy="336118"/>
+            </a:xfrm>
+            <a:prstGeom prst="rect">
+              <a:avLst/>
+            </a:prstGeom>
+            <a:noFill/>
+          </p:spPr>
+          <p:txBody>
+            <a:bodyPr wrap="square" rtlCol="0">
+              <a:spAutoFit/>
+            </a:bodyPr>
+            <a:lstStyle/>
+            <a:p>
+              <a:r>
+                <a:rPr lang="de-DE" dirty="0"/>
+                <a:t>Ergebnis</a:t>
+              </a:r>
+            </a:p>
+          </p:txBody>
+        </p:sp>
+        <p:sp>
+          <p:nvSpPr>
+            <p:cNvPr id="24" name="Textfeld 23">
+              <a:extLst>
+                <a:ext uri="{FF2B5EF4-FFF2-40B4-BE49-F238E27FC236}">
+                  <a16:creationId xmlns:a16="http://schemas.microsoft.com/office/drawing/2014/main" id="{F647725E-D3F3-430D-8A10-1A9F1BCC87A6}"/>
+                </a:ext>
+              </a:extLst>
+            </p:cNvPr>
+            <p:cNvSpPr txBox="1"/>
+            <p:nvPr/>
+          </p:nvSpPr>
+          <p:spPr>
+            <a:xfrm>
+              <a:off x="8058817" y="4566741"/>
+              <a:ext cx="1025652" cy="336118"/>
+            </a:xfrm>
+            <a:prstGeom prst="rect">
+              <a:avLst/>
+            </a:prstGeom>
+            <a:noFill/>
+          </p:spPr>
+          <p:txBody>
+            <a:bodyPr wrap="square" rtlCol="0">
+              <a:spAutoFit/>
+            </a:bodyPr>
+            <a:lstStyle/>
+            <a:p>
+              <a:r>
+                <a:rPr lang="de-DE" dirty="0"/>
+                <a:t>Zweig A</a:t>
+              </a:r>
+            </a:p>
+          </p:txBody>
+        </p:sp>
+        <p:sp>
+          <p:nvSpPr>
+            <p:cNvPr id="25" name="Textfeld 24">
+              <a:extLst>
+                <a:ext uri="{FF2B5EF4-FFF2-40B4-BE49-F238E27FC236}">
+                  <a16:creationId xmlns:a16="http://schemas.microsoft.com/office/drawing/2014/main" id="{74C833E8-4BBC-45A4-9767-7F8F1BFFD74D}"/>
+                </a:ext>
+              </a:extLst>
+            </p:cNvPr>
+            <p:cNvSpPr txBox="1"/>
+            <p:nvPr/>
+          </p:nvSpPr>
+          <p:spPr>
+            <a:xfrm>
+              <a:off x="9861330" y="3859269"/>
+              <a:ext cx="1087400" cy="336118"/>
+            </a:xfrm>
+            <a:prstGeom prst="rect">
+              <a:avLst/>
+            </a:prstGeom>
+            <a:noFill/>
+          </p:spPr>
+          <p:txBody>
+            <a:bodyPr wrap="square" rtlCol="0">
+              <a:spAutoFit/>
+            </a:bodyPr>
+            <a:lstStyle/>
+            <a:p>
+              <a:r>
+                <a:rPr lang="de-DE" dirty="0"/>
+                <a:t>Zweig B</a:t>
+              </a:r>
+            </a:p>
+          </p:txBody>
+        </p:sp>
+      </p:grpSp>
+      <p:sp>
+        <p:nvSpPr>
+          <p:cNvPr id="4" name="Inhaltsplatzhalter 3">
+            <a:extLst>
+              <a:ext uri="{FF2B5EF4-FFF2-40B4-BE49-F238E27FC236}">
+                <a16:creationId xmlns:a16="http://schemas.microsoft.com/office/drawing/2014/main" id="{ECFC170B-980E-47CB-80DA-4404A88E9EEC}"/>
               </a:ext>
             </a:extLst>
           </p:cNvPr>
@@ -4937,41 +5464,1323 @@
             <p:ph idx="13"/>
           </p:nvPr>
         </p:nvSpPr>
-        <p:spPr/>
+        <p:spPr>
+          <a:xfrm>
+            <a:off x="1011836" y="1245328"/>
+            <a:ext cx="5234477" cy="4931635"/>
+          </a:xfrm>
+        </p:spPr>
         <p:txBody>
           <a:bodyPr/>
           <a:lstStyle/>
           <a:p>
-            <a:endParaRPr lang="de-DE"/>
-          </a:p>
-        </p:txBody>
-      </p:sp>
-      <p:sp>
-        <p:nvSpPr>
-          <p:cNvPr id="3" name="Titel 2">
-            <a:extLst>
-              <a:ext uri="{FF2B5EF4-FFF2-40B4-BE49-F238E27FC236}">
-                <a16:creationId xmlns:a16="http://schemas.microsoft.com/office/drawing/2014/main" id="{E1E8C774-CC73-4DF3-B362-774B81B4B149}"/>
-              </a:ext>
-            </a:extLst>
-          </p:cNvPr>
-          <p:cNvSpPr>
-            <a:spLocks noGrp="1"/>
-          </p:cNvSpPr>
-          <p:nvPr>
-            <p:ph type="title" idx="4294967295"/>
-          </p:nvPr>
-        </p:nvSpPr>
-        <p:spPr/>
-        <p:txBody>
-          <a:bodyPr/>
-          <a:lstStyle/>
-          <a:p>
+            <a:r>
+              <a:rPr lang="de-DE" dirty="0"/>
+              <a:t>Drei-Wege-</a:t>
+            </a:r>
             <a:r>
               <a:rPr lang="de-DE" dirty="0" err="1"/>
               <a:t>Merge</a:t>
             </a:r>
             <a:endParaRPr lang="de-DE" dirty="0"/>
+          </a:p>
+          <a:p>
+            <a:r>
+              <a:rPr lang="de-DE" dirty="0"/>
+              <a:t>Führt zwei Zweige zusammen</a:t>
+            </a:r>
+          </a:p>
+          <a:p>
+            <a:r>
+              <a:rPr lang="de-DE" dirty="0"/>
+              <a:t>Konflikt muss per Hand gelöst werden</a:t>
+            </a:r>
+          </a:p>
+          <a:p>
+            <a:r>
+              <a:rPr lang="de-DE" dirty="0"/>
+              <a:t>Kommando: </a:t>
+            </a:r>
+            <a:r>
+              <a:rPr lang="de-DE" b="1" i="1" dirty="0" err="1"/>
+              <a:t>git</a:t>
+            </a:r>
+            <a:r>
+              <a:rPr lang="de-DE" b="1" i="1" dirty="0"/>
+              <a:t> </a:t>
+            </a:r>
+            <a:r>
+              <a:rPr lang="de-DE" b="1" i="1" dirty="0" err="1"/>
+              <a:t>merge</a:t>
+            </a:r>
+            <a:r>
+              <a:rPr lang="de-DE" b="1" i="1" dirty="0"/>
+              <a:t> &lt;Quellzweig&gt;</a:t>
+            </a:r>
+          </a:p>
+        </p:txBody>
+      </p:sp>
+      <p:sp>
+        <p:nvSpPr>
+          <p:cNvPr id="3" name="Titel 2">
+            <a:extLst>
+              <a:ext uri="{FF2B5EF4-FFF2-40B4-BE49-F238E27FC236}">
+                <a16:creationId xmlns:a16="http://schemas.microsoft.com/office/drawing/2014/main" id="{E1E8C774-CC73-4DF3-B362-774B81B4B149}"/>
+              </a:ext>
+            </a:extLst>
+          </p:cNvPr>
+          <p:cNvSpPr>
+            <a:spLocks noGrp="1"/>
+          </p:cNvSpPr>
+          <p:nvPr>
+            <p:ph type="title" idx="4294967295"/>
+          </p:nvPr>
+        </p:nvSpPr>
+        <p:spPr/>
+        <p:txBody>
+          <a:bodyPr/>
+          <a:lstStyle/>
+          <a:p>
+            <a:r>
+              <a:rPr lang="de-DE" dirty="0" err="1"/>
+              <a:t>Merge</a:t>
+            </a:r>
+            <a:endParaRPr lang="de-DE" dirty="0"/>
+          </a:p>
+        </p:txBody>
+      </p:sp>
+      <p:graphicFrame>
+        <p:nvGraphicFramePr>
+          <p:cNvPr id="6" name="Tabelle 5">
+            <a:extLst>
+              <a:ext uri="{FF2B5EF4-FFF2-40B4-BE49-F238E27FC236}">
+                <a16:creationId xmlns:a16="http://schemas.microsoft.com/office/drawing/2014/main" id="{C650A73F-B507-4E14-804F-1DFA27865EB6}"/>
+              </a:ext>
+            </a:extLst>
+          </p:cNvPr>
+          <p:cNvGraphicFramePr>
+            <a:graphicFrameLocks noGrp="1"/>
+          </p:cNvGraphicFramePr>
+          <p:nvPr>
+            <p:extLst>
+              <p:ext uri="{D42A27DB-BD31-4B8C-83A1-F6EECF244321}">
+                <p14:modId xmlns:p14="http://schemas.microsoft.com/office/powerpoint/2010/main" val="546795840"/>
+              </p:ext>
+            </p:extLst>
+          </p:nvPr>
+        </p:nvGraphicFramePr>
+        <p:xfrm>
+          <a:off x="4241713" y="3236237"/>
+          <a:ext cx="1910113" cy="1483360"/>
+        </p:xfrm>
+        <a:graphic>
+          <a:graphicData uri="http://schemas.openxmlformats.org/drawingml/2006/table">
+            <a:tbl>
+              <a:tblPr firstRow="1" bandRow="1">
+                <a:tableStyleId>{5C22544A-7EE6-4342-B048-85BDC9FD1C3A}</a:tableStyleId>
+              </a:tblPr>
+              <a:tblGrid>
+                <a:gridCol w="355457">
+                  <a:extLst>
+                    <a:ext uri="{9D8B030D-6E8A-4147-A177-3AD203B41FA5}">
+                      <a16:colId xmlns:a16="http://schemas.microsoft.com/office/drawing/2014/main" val="1398283470"/>
+                    </a:ext>
+                  </a:extLst>
+                </a:gridCol>
+                <a:gridCol w="1554656">
+                  <a:extLst>
+                    <a:ext uri="{9D8B030D-6E8A-4147-A177-3AD203B41FA5}">
+                      <a16:colId xmlns:a16="http://schemas.microsoft.com/office/drawing/2014/main" val="1526332449"/>
+                    </a:ext>
+                  </a:extLst>
+                </a:gridCol>
+              </a:tblGrid>
+              <a:tr h="370840">
+                <a:tc gridSpan="2">
+                  <a:txBody>
+                    <a:bodyPr/>
+                    <a:lstStyle/>
+                    <a:p>
+                      <a:r>
+                        <a:rPr lang="de-DE" dirty="0"/>
+                        <a:t>Datei – Zweig B</a:t>
+                      </a:r>
+                    </a:p>
+                  </a:txBody>
+                  <a:tcPr/>
+                </a:tc>
+                <a:tc hMerge="1">
+                  <a:txBody>
+                    <a:bodyPr/>
+                    <a:lstStyle/>
+                    <a:p>
+                      <a:endParaRPr lang="de-DE" dirty="0"/>
+                    </a:p>
+                  </a:txBody>
+                  <a:tcPr/>
+                </a:tc>
+                <a:extLst>
+                  <a:ext uri="{0D108BD9-81ED-4DB2-BD59-A6C34878D82A}">
+                    <a16:rowId xmlns:a16="http://schemas.microsoft.com/office/drawing/2014/main" val="2662614590"/>
+                  </a:ext>
+                </a:extLst>
+              </a:tr>
+              <a:tr h="370840">
+                <a:tc>
+                  <a:txBody>
+                    <a:bodyPr/>
+                    <a:lstStyle/>
+                    <a:p>
+                      <a:r>
+                        <a:rPr lang="de-DE" sz="1200" dirty="0">
+                          <a:latin typeface="Consolas" panose="020B0609020204030204" pitchFamily="49" charset="0"/>
+                        </a:rPr>
+                        <a:t>30</a:t>
+                      </a:r>
+                    </a:p>
+                  </a:txBody>
+                  <a:tcPr>
+                    <a:solidFill>
+                      <a:srgbClr val="D2DEEF"/>
+                    </a:solidFill>
+                  </a:tcPr>
+                </a:tc>
+                <a:tc>
+                  <a:txBody>
+                    <a:bodyPr/>
+                    <a:lstStyle/>
+                    <a:p>
+                      <a:r>
+                        <a:rPr lang="de-DE" sz="1200" dirty="0">
+                          <a:latin typeface="Consolas" panose="020B0609020204030204" pitchFamily="49" charset="0"/>
+                        </a:rPr>
+                        <a:t>Print("</a:t>
+                      </a:r>
+                      <a:r>
+                        <a:rPr lang="de-DE" sz="1200" dirty="0" err="1">
+                          <a:latin typeface="Consolas" panose="020B0609020204030204" pitchFamily="49" charset="0"/>
+                        </a:rPr>
+                        <a:t>hello</a:t>
+                      </a:r>
+                      <a:r>
+                        <a:rPr lang="de-DE" sz="1200" dirty="0">
+                          <a:latin typeface="Consolas" panose="020B0609020204030204" pitchFamily="49" charset="0"/>
+                        </a:rPr>
+                        <a:t>");</a:t>
+                      </a:r>
+                    </a:p>
+                  </a:txBody>
+                  <a:tcPr>
+                    <a:solidFill>
+                      <a:srgbClr val="D2DEEF"/>
+                    </a:solidFill>
+                  </a:tcPr>
+                </a:tc>
+                <a:extLst>
+                  <a:ext uri="{0D108BD9-81ED-4DB2-BD59-A6C34878D82A}">
+                    <a16:rowId xmlns:a16="http://schemas.microsoft.com/office/drawing/2014/main" val="542700998"/>
+                  </a:ext>
+                </a:extLst>
+              </a:tr>
+              <a:tr h="370840">
+                <a:tc>
+                  <a:txBody>
+                    <a:bodyPr/>
+                    <a:lstStyle/>
+                    <a:p>
+                      <a:r>
+                        <a:rPr lang="de-DE" sz="1200" dirty="0">
+                          <a:latin typeface="Consolas" panose="020B0609020204030204" pitchFamily="49" charset="0"/>
+                        </a:rPr>
+                        <a:t>51</a:t>
+                      </a:r>
+                    </a:p>
+                  </a:txBody>
+                  <a:tcPr>
+                    <a:solidFill>
+                      <a:srgbClr val="D2DEEF"/>
+                    </a:solidFill>
+                  </a:tcPr>
+                </a:tc>
+                <a:tc>
+                  <a:txBody>
+                    <a:bodyPr/>
+                    <a:lstStyle/>
+                    <a:p>
+                      <a:r>
+                        <a:rPr lang="de-DE" sz="1200" dirty="0" err="1">
+                          <a:latin typeface="Consolas" panose="020B0609020204030204" pitchFamily="49" charset="0"/>
+                        </a:rPr>
+                        <a:t>for</a:t>
+                      </a:r>
+                      <a:r>
+                        <a:rPr lang="de-DE" sz="1200" dirty="0">
+                          <a:latin typeface="Consolas" panose="020B0609020204030204" pitchFamily="49" charset="0"/>
+                        </a:rPr>
+                        <a:t> i = 1 </a:t>
+                      </a:r>
+                      <a:r>
+                        <a:rPr lang="de-DE" sz="1200" dirty="0" err="1">
+                          <a:latin typeface="Consolas" panose="020B0609020204030204" pitchFamily="49" charset="0"/>
+                        </a:rPr>
+                        <a:t>to</a:t>
+                      </a:r>
+                      <a:r>
+                        <a:rPr lang="de-DE" sz="1200" dirty="0">
+                          <a:latin typeface="Consolas" panose="020B0609020204030204" pitchFamily="49" charset="0"/>
+                        </a:rPr>
+                        <a:t> 10</a:t>
+                      </a:r>
+                    </a:p>
+                  </a:txBody>
+                  <a:tcPr>
+                    <a:solidFill>
+                      <a:srgbClr val="D2DEEF"/>
+                    </a:solidFill>
+                  </a:tcPr>
+                </a:tc>
+                <a:extLst>
+                  <a:ext uri="{0D108BD9-81ED-4DB2-BD59-A6C34878D82A}">
+                    <a16:rowId xmlns:a16="http://schemas.microsoft.com/office/drawing/2014/main" val="1075842086"/>
+                  </a:ext>
+                </a:extLst>
+              </a:tr>
+              <a:tr h="370840">
+                <a:tc>
+                  <a:txBody>
+                    <a:bodyPr/>
+                    <a:lstStyle/>
+                    <a:p>
+                      <a:r>
+                        <a:rPr lang="de-DE" sz="1200" dirty="0">
+                          <a:latin typeface="Consolas" panose="020B0609020204030204" pitchFamily="49" charset="0"/>
+                        </a:rPr>
+                        <a:t>70</a:t>
+                      </a:r>
+                    </a:p>
+                  </a:txBody>
+                  <a:tcPr>
+                    <a:solidFill>
+                      <a:srgbClr val="FFE8CB"/>
+                    </a:solidFill>
+                  </a:tcPr>
+                </a:tc>
+                <a:tc>
+                  <a:txBody>
+                    <a:bodyPr/>
+                    <a:lstStyle/>
+                    <a:p>
+                      <a:endParaRPr lang="de-DE" sz="1200" dirty="0">
+                        <a:latin typeface="Consolas" panose="020B0609020204030204" pitchFamily="49" charset="0"/>
+                      </a:endParaRPr>
+                    </a:p>
+                  </a:txBody>
+                  <a:tcPr>
+                    <a:solidFill>
+                      <a:srgbClr val="FFE8CB"/>
+                    </a:solidFill>
+                  </a:tcPr>
+                </a:tc>
+                <a:extLst>
+                  <a:ext uri="{0D108BD9-81ED-4DB2-BD59-A6C34878D82A}">
+                    <a16:rowId xmlns:a16="http://schemas.microsoft.com/office/drawing/2014/main" val="3965252416"/>
+                  </a:ext>
+                </a:extLst>
+              </a:tr>
+            </a:tbl>
+          </a:graphicData>
+        </a:graphic>
+      </p:graphicFrame>
+      <p:graphicFrame>
+        <p:nvGraphicFramePr>
+          <p:cNvPr id="7" name="Tabelle 6">
+            <a:extLst>
+              <a:ext uri="{FF2B5EF4-FFF2-40B4-BE49-F238E27FC236}">
+                <a16:creationId xmlns:a16="http://schemas.microsoft.com/office/drawing/2014/main" id="{37A13082-E207-4FF3-8910-6B8E36CAA0E1}"/>
+              </a:ext>
+            </a:extLst>
+          </p:cNvPr>
+          <p:cNvGraphicFramePr>
+            <a:graphicFrameLocks noGrp="1"/>
+          </p:cNvGraphicFramePr>
+          <p:nvPr>
+            <p:extLst>
+              <p:ext uri="{D42A27DB-BD31-4B8C-83A1-F6EECF244321}">
+                <p14:modId xmlns:p14="http://schemas.microsoft.com/office/powerpoint/2010/main" val="3187292079"/>
+              </p:ext>
+            </p:extLst>
+          </p:nvPr>
+        </p:nvGraphicFramePr>
+        <p:xfrm>
+          <a:off x="2272482" y="3236237"/>
+          <a:ext cx="1910113" cy="1483360"/>
+        </p:xfrm>
+        <a:graphic>
+          <a:graphicData uri="http://schemas.openxmlformats.org/drawingml/2006/table">
+            <a:tbl>
+              <a:tblPr firstRow="1" bandRow="1">
+                <a:tableStyleId>{00A15C55-8517-42AA-B614-E9B94910E393}</a:tableStyleId>
+              </a:tblPr>
+              <a:tblGrid>
+                <a:gridCol w="355457">
+                  <a:extLst>
+                    <a:ext uri="{9D8B030D-6E8A-4147-A177-3AD203B41FA5}">
+                      <a16:colId xmlns:a16="http://schemas.microsoft.com/office/drawing/2014/main" val="1398283470"/>
+                    </a:ext>
+                  </a:extLst>
+                </a:gridCol>
+                <a:gridCol w="1554656">
+                  <a:extLst>
+                    <a:ext uri="{9D8B030D-6E8A-4147-A177-3AD203B41FA5}">
+                      <a16:colId xmlns:a16="http://schemas.microsoft.com/office/drawing/2014/main" val="1526332449"/>
+                    </a:ext>
+                  </a:extLst>
+                </a:gridCol>
+              </a:tblGrid>
+              <a:tr h="370840">
+                <a:tc gridSpan="2">
+                  <a:txBody>
+                    <a:bodyPr/>
+                    <a:lstStyle/>
+                    <a:p>
+                      <a:pPr algn="ctr"/>
+                      <a:r>
+                        <a:rPr lang="de-DE" dirty="0"/>
+                        <a:t>Vorfahre</a:t>
+                      </a:r>
+                    </a:p>
+                  </a:txBody>
+                  <a:tcPr>
+                    <a:solidFill>
+                      <a:srgbClr val="FFC000"/>
+                    </a:solidFill>
+                  </a:tcPr>
+                </a:tc>
+                <a:tc hMerge="1">
+                  <a:txBody>
+                    <a:bodyPr/>
+                    <a:lstStyle/>
+                    <a:p>
+                      <a:endParaRPr lang="de-DE" dirty="0"/>
+                    </a:p>
+                  </a:txBody>
+                  <a:tcPr/>
+                </a:tc>
+                <a:extLst>
+                  <a:ext uri="{0D108BD9-81ED-4DB2-BD59-A6C34878D82A}">
+                    <a16:rowId xmlns:a16="http://schemas.microsoft.com/office/drawing/2014/main" val="2662614590"/>
+                  </a:ext>
+                </a:extLst>
+              </a:tr>
+              <a:tr h="370840">
+                <a:tc>
+                  <a:txBody>
+                    <a:bodyPr/>
+                    <a:lstStyle/>
+                    <a:p>
+                      <a:r>
+                        <a:rPr lang="de-DE" sz="1200" dirty="0">
+                          <a:latin typeface="Consolas" panose="020B0609020204030204" pitchFamily="49" charset="0"/>
+                        </a:rPr>
+                        <a:t>30</a:t>
+                      </a:r>
+                    </a:p>
+                  </a:txBody>
+                  <a:tcPr>
+                    <a:solidFill>
+                      <a:srgbClr val="FFE8CB"/>
+                    </a:solidFill>
+                  </a:tcPr>
+                </a:tc>
+                <a:tc>
+                  <a:txBody>
+                    <a:bodyPr/>
+                    <a:lstStyle/>
+                    <a:p>
+                      <a:r>
+                        <a:rPr lang="de-DE" sz="1200" dirty="0">
+                          <a:latin typeface="Consolas" panose="020B0609020204030204" pitchFamily="49" charset="0"/>
+                        </a:rPr>
+                        <a:t>Print("bye");</a:t>
+                      </a:r>
+                    </a:p>
+                  </a:txBody>
+                  <a:tcPr>
+                    <a:solidFill>
+                      <a:srgbClr val="FFE8CB"/>
+                    </a:solidFill>
+                  </a:tcPr>
+                </a:tc>
+                <a:extLst>
+                  <a:ext uri="{0D108BD9-81ED-4DB2-BD59-A6C34878D82A}">
+                    <a16:rowId xmlns:a16="http://schemas.microsoft.com/office/drawing/2014/main" val="542700998"/>
+                  </a:ext>
+                </a:extLst>
+              </a:tr>
+              <a:tr h="370840">
+                <a:tc>
+                  <a:txBody>
+                    <a:bodyPr/>
+                    <a:lstStyle/>
+                    <a:p>
+                      <a:r>
+                        <a:rPr lang="de-DE" sz="1200" dirty="0">
+                          <a:latin typeface="Consolas" panose="020B0609020204030204" pitchFamily="49" charset="0"/>
+                        </a:rPr>
+                        <a:t>51</a:t>
+                      </a:r>
+                    </a:p>
+                  </a:txBody>
+                  <a:tcPr>
+                    <a:solidFill>
+                      <a:srgbClr val="FFE8CB"/>
+                    </a:solidFill>
+                  </a:tcPr>
+                </a:tc>
+                <a:tc>
+                  <a:txBody>
+                    <a:bodyPr/>
+                    <a:lstStyle/>
+                    <a:p>
+                      <a:r>
+                        <a:rPr lang="de-DE" sz="1200" dirty="0" err="1">
+                          <a:latin typeface="Consolas" panose="020B0609020204030204" pitchFamily="49" charset="0"/>
+                        </a:rPr>
+                        <a:t>for</a:t>
+                      </a:r>
+                      <a:r>
+                        <a:rPr lang="de-DE" sz="1200" dirty="0">
+                          <a:latin typeface="Consolas" panose="020B0609020204030204" pitchFamily="49" charset="0"/>
+                        </a:rPr>
+                        <a:t> i = 1 </a:t>
+                      </a:r>
+                      <a:r>
+                        <a:rPr lang="de-DE" sz="1200" dirty="0" err="1">
+                          <a:latin typeface="Consolas" panose="020B0609020204030204" pitchFamily="49" charset="0"/>
+                        </a:rPr>
+                        <a:t>to</a:t>
+                      </a:r>
+                      <a:r>
+                        <a:rPr lang="de-DE" sz="1200" dirty="0">
+                          <a:latin typeface="Consolas" panose="020B0609020204030204" pitchFamily="49" charset="0"/>
+                        </a:rPr>
+                        <a:t> 5</a:t>
+                      </a:r>
+                    </a:p>
+                  </a:txBody>
+                  <a:tcPr>
+                    <a:solidFill>
+                      <a:srgbClr val="FFE8CB"/>
+                    </a:solidFill>
+                  </a:tcPr>
+                </a:tc>
+                <a:extLst>
+                  <a:ext uri="{0D108BD9-81ED-4DB2-BD59-A6C34878D82A}">
+                    <a16:rowId xmlns:a16="http://schemas.microsoft.com/office/drawing/2014/main" val="1075842086"/>
+                  </a:ext>
+                </a:extLst>
+              </a:tr>
+              <a:tr h="370840">
+                <a:tc>
+                  <a:txBody>
+                    <a:bodyPr/>
+                    <a:lstStyle/>
+                    <a:p>
+                      <a:r>
+                        <a:rPr lang="de-DE" sz="1200" dirty="0">
+                          <a:latin typeface="Consolas" panose="020B0609020204030204" pitchFamily="49" charset="0"/>
+                        </a:rPr>
+                        <a:t>70</a:t>
+                      </a:r>
+                    </a:p>
+                  </a:txBody>
+                  <a:tcPr>
+                    <a:solidFill>
+                      <a:srgbClr val="FFE8CB"/>
+                    </a:solidFill>
+                  </a:tcPr>
+                </a:tc>
+                <a:tc>
+                  <a:txBody>
+                    <a:bodyPr/>
+                    <a:lstStyle/>
+                    <a:p>
+                      <a:endParaRPr lang="de-DE" sz="1200" dirty="0">
+                        <a:latin typeface="Consolas" panose="020B0609020204030204" pitchFamily="49" charset="0"/>
+                      </a:endParaRPr>
+                    </a:p>
+                  </a:txBody>
+                  <a:tcPr>
+                    <a:solidFill>
+                      <a:srgbClr val="FFE8CB"/>
+                    </a:solidFill>
+                  </a:tcPr>
+                </a:tc>
+                <a:extLst>
+                  <a:ext uri="{0D108BD9-81ED-4DB2-BD59-A6C34878D82A}">
+                    <a16:rowId xmlns:a16="http://schemas.microsoft.com/office/drawing/2014/main" val="3965252416"/>
+                  </a:ext>
+                </a:extLst>
+              </a:tr>
+            </a:tbl>
+          </a:graphicData>
+        </a:graphic>
+      </p:graphicFrame>
+      <p:graphicFrame>
+        <p:nvGraphicFramePr>
+          <p:cNvPr id="8" name="Tabelle 7">
+            <a:extLst>
+              <a:ext uri="{FF2B5EF4-FFF2-40B4-BE49-F238E27FC236}">
+                <a16:creationId xmlns:a16="http://schemas.microsoft.com/office/drawing/2014/main" id="{0831DEBD-F377-4C39-96E1-0370058A8EE1}"/>
+              </a:ext>
+            </a:extLst>
+          </p:cNvPr>
+          <p:cNvGraphicFramePr>
+            <a:graphicFrameLocks noGrp="1"/>
+          </p:cNvGraphicFramePr>
+          <p:nvPr>
+            <p:extLst>
+              <p:ext uri="{D42A27DB-BD31-4B8C-83A1-F6EECF244321}">
+                <p14:modId xmlns:p14="http://schemas.microsoft.com/office/powerpoint/2010/main" val="4110514528"/>
+              </p:ext>
+            </p:extLst>
+          </p:nvPr>
+        </p:nvGraphicFramePr>
+        <p:xfrm>
+          <a:off x="303251" y="3236237"/>
+          <a:ext cx="1910113" cy="1483360"/>
+        </p:xfrm>
+        <a:graphic>
+          <a:graphicData uri="http://schemas.openxmlformats.org/drawingml/2006/table">
+            <a:tbl>
+              <a:tblPr firstRow="1" bandRow="1">
+                <a:tableStyleId>{93296810-A885-4BE3-A3E7-6D5BEEA58F35}</a:tableStyleId>
+              </a:tblPr>
+              <a:tblGrid>
+                <a:gridCol w="355457">
+                  <a:extLst>
+                    <a:ext uri="{9D8B030D-6E8A-4147-A177-3AD203B41FA5}">
+                      <a16:colId xmlns:a16="http://schemas.microsoft.com/office/drawing/2014/main" val="1398283470"/>
+                    </a:ext>
+                  </a:extLst>
+                </a:gridCol>
+                <a:gridCol w="1554656">
+                  <a:extLst>
+                    <a:ext uri="{9D8B030D-6E8A-4147-A177-3AD203B41FA5}">
+                      <a16:colId xmlns:a16="http://schemas.microsoft.com/office/drawing/2014/main" val="1526332449"/>
+                    </a:ext>
+                  </a:extLst>
+                </a:gridCol>
+              </a:tblGrid>
+              <a:tr h="370840">
+                <a:tc gridSpan="2">
+                  <a:txBody>
+                    <a:bodyPr/>
+                    <a:lstStyle/>
+                    <a:p>
+                      <a:r>
+                        <a:rPr lang="de-DE" dirty="0"/>
+                        <a:t>Datei – Zweig A</a:t>
+                      </a:r>
+                    </a:p>
+                  </a:txBody>
+                  <a:tcPr/>
+                </a:tc>
+                <a:tc hMerge="1">
+                  <a:txBody>
+                    <a:bodyPr/>
+                    <a:lstStyle/>
+                    <a:p>
+                      <a:endParaRPr lang="de-DE" dirty="0"/>
+                    </a:p>
+                  </a:txBody>
+                  <a:tcPr/>
+                </a:tc>
+                <a:extLst>
+                  <a:ext uri="{0D108BD9-81ED-4DB2-BD59-A6C34878D82A}">
+                    <a16:rowId xmlns:a16="http://schemas.microsoft.com/office/drawing/2014/main" val="2662614590"/>
+                  </a:ext>
+                </a:extLst>
+              </a:tr>
+              <a:tr h="370840">
+                <a:tc>
+                  <a:txBody>
+                    <a:bodyPr/>
+                    <a:lstStyle/>
+                    <a:p>
+                      <a:r>
+                        <a:rPr lang="de-DE" sz="1200" dirty="0">
+                          <a:latin typeface="Consolas" panose="020B0609020204030204" pitchFamily="49" charset="0"/>
+                        </a:rPr>
+                        <a:t>30</a:t>
+                      </a:r>
+                    </a:p>
+                  </a:txBody>
+                  <a:tcPr>
+                    <a:solidFill>
+                      <a:srgbClr val="FFE8CB"/>
+                    </a:solidFill>
+                  </a:tcPr>
+                </a:tc>
+                <a:tc>
+                  <a:txBody>
+                    <a:bodyPr/>
+                    <a:lstStyle/>
+                    <a:p>
+                      <a:r>
+                        <a:rPr lang="de-DE" sz="1200" dirty="0">
+                          <a:latin typeface="Consolas" panose="020B0609020204030204" pitchFamily="49" charset="0"/>
+                        </a:rPr>
+                        <a:t>Print("bye");</a:t>
+                      </a:r>
+                    </a:p>
+                  </a:txBody>
+                  <a:tcPr>
+                    <a:solidFill>
+                      <a:srgbClr val="FFE8CB"/>
+                    </a:solidFill>
+                  </a:tcPr>
+                </a:tc>
+                <a:extLst>
+                  <a:ext uri="{0D108BD9-81ED-4DB2-BD59-A6C34878D82A}">
+                    <a16:rowId xmlns:a16="http://schemas.microsoft.com/office/drawing/2014/main" val="542700998"/>
+                  </a:ext>
+                </a:extLst>
+              </a:tr>
+              <a:tr h="370840">
+                <a:tc>
+                  <a:txBody>
+                    <a:bodyPr/>
+                    <a:lstStyle/>
+                    <a:p>
+                      <a:r>
+                        <a:rPr lang="de-DE" sz="1200" dirty="0">
+                          <a:latin typeface="Consolas" panose="020B0609020204030204" pitchFamily="49" charset="0"/>
+                        </a:rPr>
+                        <a:t>51</a:t>
+                      </a:r>
+                    </a:p>
+                  </a:txBody>
+                  <a:tcPr>
+                    <a:solidFill>
+                      <a:srgbClr val="D5E3CF"/>
+                    </a:solidFill>
+                  </a:tcPr>
+                </a:tc>
+                <a:tc>
+                  <a:txBody>
+                    <a:bodyPr/>
+                    <a:lstStyle/>
+                    <a:p>
+                      <a:r>
+                        <a:rPr lang="de-DE" sz="1200" dirty="0" err="1">
+                          <a:latin typeface="Consolas" panose="020B0609020204030204" pitchFamily="49" charset="0"/>
+                        </a:rPr>
+                        <a:t>for</a:t>
+                      </a:r>
+                      <a:r>
+                        <a:rPr lang="de-DE" sz="1200" dirty="0">
+                          <a:latin typeface="Consolas" panose="020B0609020204030204" pitchFamily="49" charset="0"/>
+                        </a:rPr>
+                        <a:t> i = 1 </a:t>
+                      </a:r>
+                      <a:r>
+                        <a:rPr lang="de-DE" sz="1200" dirty="0" err="1">
+                          <a:latin typeface="Consolas" panose="020B0609020204030204" pitchFamily="49" charset="0"/>
+                        </a:rPr>
+                        <a:t>to</a:t>
+                      </a:r>
+                      <a:r>
+                        <a:rPr lang="de-DE" sz="1200" dirty="0">
+                          <a:latin typeface="Consolas" panose="020B0609020204030204" pitchFamily="49" charset="0"/>
+                        </a:rPr>
+                        <a:t> 20</a:t>
+                      </a:r>
+                    </a:p>
+                  </a:txBody>
+                  <a:tcPr>
+                    <a:solidFill>
+                      <a:srgbClr val="D5E3CF"/>
+                    </a:solidFill>
+                  </a:tcPr>
+                </a:tc>
+                <a:extLst>
+                  <a:ext uri="{0D108BD9-81ED-4DB2-BD59-A6C34878D82A}">
+                    <a16:rowId xmlns:a16="http://schemas.microsoft.com/office/drawing/2014/main" val="1075842086"/>
+                  </a:ext>
+                </a:extLst>
+              </a:tr>
+              <a:tr h="370840">
+                <a:tc>
+                  <a:txBody>
+                    <a:bodyPr/>
+                    <a:lstStyle/>
+                    <a:p>
+                      <a:r>
+                        <a:rPr lang="de-DE" sz="1200" dirty="0">
+                          <a:latin typeface="Consolas" panose="020B0609020204030204" pitchFamily="49" charset="0"/>
+                        </a:rPr>
+                        <a:t>70</a:t>
+                      </a:r>
+                    </a:p>
+                  </a:txBody>
+                  <a:tcPr>
+                    <a:solidFill>
+                      <a:srgbClr val="D5E3CF"/>
+                    </a:solidFill>
+                  </a:tcPr>
+                </a:tc>
+                <a:tc>
+                  <a:txBody>
+                    <a:bodyPr/>
+                    <a:lstStyle/>
+                    <a:p>
+                      <a:r>
+                        <a:rPr lang="de-DE" sz="1200" dirty="0">
+                          <a:latin typeface="Consolas" panose="020B0609020204030204" pitchFamily="49" charset="0"/>
+                        </a:rPr>
+                        <a:t>Print(</a:t>
+                      </a:r>
+                      <a:r>
+                        <a:rPr lang="de-DE" sz="1200" dirty="0" err="1">
+                          <a:latin typeface="Consolas" panose="020B0609020204030204" pitchFamily="49" charset="0"/>
+                        </a:rPr>
+                        <a:t>result</a:t>
+                      </a:r>
+                      <a:r>
+                        <a:rPr lang="de-DE" sz="1200" dirty="0">
+                          <a:latin typeface="Consolas" panose="020B0609020204030204" pitchFamily="49" charset="0"/>
+                        </a:rPr>
+                        <a:t>);</a:t>
+                      </a:r>
+                    </a:p>
+                  </a:txBody>
+                  <a:tcPr>
+                    <a:solidFill>
+                      <a:srgbClr val="D5E3CF"/>
+                    </a:solidFill>
+                  </a:tcPr>
+                </a:tc>
+                <a:extLst>
+                  <a:ext uri="{0D108BD9-81ED-4DB2-BD59-A6C34878D82A}">
+                    <a16:rowId xmlns:a16="http://schemas.microsoft.com/office/drawing/2014/main" val="3965252416"/>
+                  </a:ext>
+                </a:extLst>
+              </a:tr>
+            </a:tbl>
+          </a:graphicData>
+        </a:graphic>
+      </p:graphicFrame>
+      <p:graphicFrame>
+        <p:nvGraphicFramePr>
+          <p:cNvPr id="9" name="Tabelle 8">
+            <a:extLst>
+              <a:ext uri="{FF2B5EF4-FFF2-40B4-BE49-F238E27FC236}">
+                <a16:creationId xmlns:a16="http://schemas.microsoft.com/office/drawing/2014/main" id="{85CDE83F-A268-4582-85D8-7E901CD63C4E}"/>
+              </a:ext>
+            </a:extLst>
+          </p:cNvPr>
+          <p:cNvGraphicFramePr>
+            <a:graphicFrameLocks noGrp="1"/>
+          </p:cNvGraphicFramePr>
+          <p:nvPr>
+            <p:extLst>
+              <p:ext uri="{D42A27DB-BD31-4B8C-83A1-F6EECF244321}">
+                <p14:modId xmlns:p14="http://schemas.microsoft.com/office/powerpoint/2010/main" val="3189473019"/>
+              </p:ext>
+            </p:extLst>
+          </p:nvPr>
+        </p:nvGraphicFramePr>
+        <p:xfrm>
+          <a:off x="2272482" y="4781563"/>
+          <a:ext cx="1910113" cy="1483360"/>
+        </p:xfrm>
+        <a:graphic>
+          <a:graphicData uri="http://schemas.openxmlformats.org/drawingml/2006/table">
+            <a:tbl>
+              <a:tblPr firstRow="1" bandRow="1">
+                <a:solidFill>
+                  <a:schemeClr val="tx1"/>
+                </a:solidFill>
+                <a:tableStyleId>{21E4AEA4-8DFA-4A89-87EB-49C32662AFE0}</a:tableStyleId>
+              </a:tblPr>
+              <a:tblGrid>
+                <a:gridCol w="355457">
+                  <a:extLst>
+                    <a:ext uri="{9D8B030D-6E8A-4147-A177-3AD203B41FA5}">
+                      <a16:colId xmlns:a16="http://schemas.microsoft.com/office/drawing/2014/main" val="1398283470"/>
+                    </a:ext>
+                  </a:extLst>
+                </a:gridCol>
+                <a:gridCol w="1554656">
+                  <a:extLst>
+                    <a:ext uri="{9D8B030D-6E8A-4147-A177-3AD203B41FA5}">
+                      <a16:colId xmlns:a16="http://schemas.microsoft.com/office/drawing/2014/main" val="1526332449"/>
+                    </a:ext>
+                  </a:extLst>
+                </a:gridCol>
+              </a:tblGrid>
+              <a:tr h="370840">
+                <a:tc gridSpan="2">
+                  <a:txBody>
+                    <a:bodyPr/>
+                    <a:lstStyle/>
+                    <a:p>
+                      <a:r>
+                        <a:rPr lang="de-DE" dirty="0" err="1"/>
+                        <a:t>Merge</a:t>
+                      </a:r>
+                      <a:r>
+                        <a:rPr lang="de-DE" dirty="0"/>
+                        <a:t>-Ergebnis</a:t>
+                      </a:r>
+                    </a:p>
+                  </a:txBody>
+                  <a:tcPr/>
+                </a:tc>
+                <a:tc hMerge="1">
+                  <a:txBody>
+                    <a:bodyPr/>
+                    <a:lstStyle/>
+                    <a:p>
+                      <a:endParaRPr lang="de-DE" dirty="0"/>
+                    </a:p>
+                  </a:txBody>
+                  <a:tcPr/>
+                </a:tc>
+                <a:extLst>
+                  <a:ext uri="{0D108BD9-81ED-4DB2-BD59-A6C34878D82A}">
+                    <a16:rowId xmlns:a16="http://schemas.microsoft.com/office/drawing/2014/main" val="2662614590"/>
+                  </a:ext>
+                </a:extLst>
+              </a:tr>
+              <a:tr h="370840">
+                <a:tc>
+                  <a:txBody>
+                    <a:bodyPr/>
+                    <a:lstStyle/>
+                    <a:p>
+                      <a:r>
+                        <a:rPr lang="de-DE" sz="1200" dirty="0">
+                          <a:latin typeface="Consolas" panose="020B0609020204030204" pitchFamily="49" charset="0"/>
+                        </a:rPr>
+                        <a:t>30</a:t>
+                      </a:r>
+                    </a:p>
+                  </a:txBody>
+                  <a:tcPr>
+                    <a:solidFill>
+                      <a:srgbClr val="D2DEEF"/>
+                    </a:solidFill>
+                  </a:tcPr>
+                </a:tc>
+                <a:tc>
+                  <a:txBody>
+                    <a:bodyPr/>
+                    <a:lstStyle/>
+                    <a:p>
+                      <a:r>
+                        <a:rPr lang="de-DE" sz="1200" dirty="0">
+                          <a:latin typeface="Consolas" panose="020B0609020204030204" pitchFamily="49" charset="0"/>
+                        </a:rPr>
+                        <a:t>Print("</a:t>
+                      </a:r>
+                      <a:r>
+                        <a:rPr lang="de-DE" sz="1200" dirty="0" err="1">
+                          <a:latin typeface="Consolas" panose="020B0609020204030204" pitchFamily="49" charset="0"/>
+                        </a:rPr>
+                        <a:t>hello</a:t>
+                      </a:r>
+                      <a:r>
+                        <a:rPr lang="de-DE" sz="1200" dirty="0">
+                          <a:latin typeface="Consolas" panose="020B0609020204030204" pitchFamily="49" charset="0"/>
+                        </a:rPr>
+                        <a:t>");</a:t>
+                      </a:r>
+                    </a:p>
+                  </a:txBody>
+                  <a:tcPr>
+                    <a:solidFill>
+                      <a:srgbClr val="D2DEEF"/>
+                    </a:solidFill>
+                  </a:tcPr>
+                </a:tc>
+                <a:extLst>
+                  <a:ext uri="{0D108BD9-81ED-4DB2-BD59-A6C34878D82A}">
+                    <a16:rowId xmlns:a16="http://schemas.microsoft.com/office/drawing/2014/main" val="542700998"/>
+                  </a:ext>
+                </a:extLst>
+              </a:tr>
+              <a:tr h="370840">
+                <a:tc>
+                  <a:txBody>
+                    <a:bodyPr/>
+                    <a:lstStyle/>
+                    <a:p>
+                      <a:r>
+                        <a:rPr lang="de-DE" sz="1200" dirty="0">
+                          <a:latin typeface="Consolas" panose="020B0609020204030204" pitchFamily="49" charset="0"/>
+                        </a:rPr>
+                        <a:t>51</a:t>
+                      </a:r>
+                    </a:p>
+                  </a:txBody>
+                  <a:tcPr>
+                    <a:solidFill>
+                      <a:srgbClr val="D5E3CF"/>
+                    </a:solidFill>
+                  </a:tcPr>
+                </a:tc>
+                <a:tc>
+                  <a:txBody>
+                    <a:bodyPr/>
+                    <a:lstStyle/>
+                    <a:p>
+                      <a:r>
+                        <a:rPr lang="de-DE" sz="1200" dirty="0" err="1">
+                          <a:latin typeface="Consolas" panose="020B0609020204030204" pitchFamily="49" charset="0"/>
+                        </a:rPr>
+                        <a:t>for</a:t>
+                      </a:r>
+                      <a:r>
+                        <a:rPr lang="de-DE" sz="1200" dirty="0">
+                          <a:latin typeface="Consolas" panose="020B0609020204030204" pitchFamily="49" charset="0"/>
+                        </a:rPr>
+                        <a:t> i = 1 </a:t>
+                      </a:r>
+                      <a:r>
+                        <a:rPr lang="de-DE" sz="1200" dirty="0" err="1">
+                          <a:latin typeface="Consolas" panose="020B0609020204030204" pitchFamily="49" charset="0"/>
+                        </a:rPr>
+                        <a:t>to</a:t>
+                      </a:r>
+                      <a:r>
+                        <a:rPr lang="de-DE" sz="1200" dirty="0">
+                          <a:latin typeface="Consolas" panose="020B0609020204030204" pitchFamily="49" charset="0"/>
+                        </a:rPr>
+                        <a:t> 20</a:t>
+                      </a:r>
+                    </a:p>
+                  </a:txBody>
+                  <a:tcPr>
+                    <a:solidFill>
+                      <a:srgbClr val="D5E3CF"/>
+                    </a:solidFill>
+                  </a:tcPr>
+                </a:tc>
+                <a:extLst>
+                  <a:ext uri="{0D108BD9-81ED-4DB2-BD59-A6C34878D82A}">
+                    <a16:rowId xmlns:a16="http://schemas.microsoft.com/office/drawing/2014/main" val="1075842086"/>
+                  </a:ext>
+                </a:extLst>
+              </a:tr>
+              <a:tr h="370840">
+                <a:tc>
+                  <a:txBody>
+                    <a:bodyPr/>
+                    <a:lstStyle/>
+                    <a:p>
+                      <a:r>
+                        <a:rPr lang="de-DE" sz="1200" dirty="0">
+                          <a:latin typeface="Consolas" panose="020B0609020204030204" pitchFamily="49" charset="0"/>
+                        </a:rPr>
+                        <a:t>70</a:t>
+                      </a:r>
+                    </a:p>
+                  </a:txBody>
+                  <a:tcPr>
+                    <a:solidFill>
+                      <a:srgbClr val="D5E3CF"/>
+                    </a:solidFill>
+                  </a:tcPr>
+                </a:tc>
+                <a:tc>
+                  <a:txBody>
+                    <a:bodyPr/>
+                    <a:lstStyle/>
+                    <a:p>
+                      <a:r>
+                        <a:rPr lang="de-DE" sz="1200" dirty="0">
+                          <a:latin typeface="Consolas" panose="020B0609020204030204" pitchFamily="49" charset="0"/>
+                        </a:rPr>
+                        <a:t>Print(</a:t>
+                      </a:r>
+                      <a:r>
+                        <a:rPr lang="de-DE" sz="1200" dirty="0" err="1">
+                          <a:latin typeface="Consolas" panose="020B0609020204030204" pitchFamily="49" charset="0"/>
+                        </a:rPr>
+                        <a:t>result</a:t>
+                      </a:r>
+                      <a:r>
+                        <a:rPr lang="de-DE" sz="1200" dirty="0">
+                          <a:latin typeface="Consolas" panose="020B0609020204030204" pitchFamily="49" charset="0"/>
+                        </a:rPr>
+                        <a:t>);</a:t>
+                      </a:r>
+                    </a:p>
+                  </a:txBody>
+                  <a:tcPr>
+                    <a:solidFill>
+                      <a:srgbClr val="D5E3CF"/>
+                    </a:solidFill>
+                  </a:tcPr>
+                </a:tc>
+                <a:extLst>
+                  <a:ext uri="{0D108BD9-81ED-4DB2-BD59-A6C34878D82A}">
+                    <a16:rowId xmlns:a16="http://schemas.microsoft.com/office/drawing/2014/main" val="3965252416"/>
+                  </a:ext>
+                </a:extLst>
+              </a:tr>
+            </a:tbl>
+          </a:graphicData>
+        </a:graphic>
+      </p:graphicFrame>
+      <p:sp>
+        <p:nvSpPr>
+          <p:cNvPr id="10" name="Rechteck 9">
+            <a:extLst>
+              <a:ext uri="{FF2B5EF4-FFF2-40B4-BE49-F238E27FC236}">
+                <a16:creationId xmlns:a16="http://schemas.microsoft.com/office/drawing/2014/main" id="{486F63A9-2FA3-43ED-A571-861B5FF5F346}"/>
+              </a:ext>
+            </a:extLst>
+          </p:cNvPr>
+          <p:cNvSpPr/>
+          <p:nvPr/>
+        </p:nvSpPr>
+        <p:spPr>
+          <a:xfrm>
+            <a:off x="236696" y="3977917"/>
+            <a:ext cx="5990602" cy="293615"/>
+          </a:xfrm>
+          <a:prstGeom prst="rect">
+            <a:avLst/>
+          </a:prstGeom>
+          <a:noFill/>
+          <a:ln w="28575">
+            <a:solidFill>
+              <a:srgbClr val="FF0000"/>
+            </a:solidFill>
+            <a:prstDash val="sysDash"/>
+          </a:ln>
+        </p:spPr>
+        <p:style>
+          <a:lnRef idx="2">
+            <a:schemeClr val="accent1">
+              <a:shade val="50000"/>
+            </a:schemeClr>
+          </a:lnRef>
+          <a:fillRef idx="1">
+            <a:schemeClr val="accent1"/>
+          </a:fillRef>
+          <a:effectRef idx="0">
+            <a:schemeClr val="accent1"/>
+          </a:effectRef>
+          <a:fontRef idx="minor">
+            <a:schemeClr val="lt1"/>
+          </a:fontRef>
+        </p:style>
+        <p:txBody>
+          <a:bodyPr rtlCol="0" anchor="ctr"/>
+          <a:lstStyle/>
+          <a:p>
+            <a:pPr algn="ctr"/>
+            <a:endParaRPr lang="de-DE"/>
+          </a:p>
+        </p:txBody>
+      </p:sp>
+      <p:sp>
+        <p:nvSpPr>
+          <p:cNvPr id="11" name="Textfeld 10">
+            <a:extLst>
+              <a:ext uri="{FF2B5EF4-FFF2-40B4-BE49-F238E27FC236}">
+                <a16:creationId xmlns:a16="http://schemas.microsoft.com/office/drawing/2014/main" id="{A779DC95-B3A3-4F12-A7A8-1A6D30521022}"/>
+              </a:ext>
+            </a:extLst>
+          </p:cNvPr>
+          <p:cNvSpPr txBox="1"/>
+          <p:nvPr/>
+        </p:nvSpPr>
+        <p:spPr>
+          <a:xfrm>
+            <a:off x="6230013" y="3963755"/>
+            <a:ext cx="774180" cy="307777"/>
+          </a:xfrm>
+          <a:prstGeom prst="rect">
+            <a:avLst/>
+          </a:prstGeom>
+          <a:noFill/>
+        </p:spPr>
+        <p:txBody>
+          <a:bodyPr wrap="square" rtlCol="0">
+            <a:spAutoFit/>
+          </a:bodyPr>
+          <a:lstStyle/>
+          <a:p>
+            <a:pPr algn="ctr"/>
+            <a:r>
+              <a:rPr lang="de-DE" sz="1400" dirty="0">
+                <a:solidFill>
+                  <a:srgbClr val="FF0000"/>
+                </a:solidFill>
+              </a:rPr>
+              <a:t>Konflikt</a:t>
+            </a:r>
+          </a:p>
+        </p:txBody>
+      </p:sp>
+      <p:sp>
+        <p:nvSpPr>
+          <p:cNvPr id="14" name="Textfeld 13">
+            <a:extLst>
+              <a:ext uri="{FF2B5EF4-FFF2-40B4-BE49-F238E27FC236}">
+                <a16:creationId xmlns:a16="http://schemas.microsoft.com/office/drawing/2014/main" id="{E1FE8346-FB52-4669-AE96-234676AB847B}"/>
+              </a:ext>
+            </a:extLst>
+          </p:cNvPr>
+          <p:cNvSpPr txBox="1"/>
+          <p:nvPr/>
+        </p:nvSpPr>
+        <p:spPr>
+          <a:xfrm>
+            <a:off x="644372" y="5276907"/>
+            <a:ext cx="2036803" cy="646331"/>
+          </a:xfrm>
+          <a:prstGeom prst="rect">
+            <a:avLst/>
+          </a:prstGeom>
+          <a:noFill/>
+        </p:spPr>
+        <p:txBody>
+          <a:bodyPr wrap="square" rtlCol="0">
+            <a:spAutoFit/>
+          </a:bodyPr>
+          <a:lstStyle/>
+          <a:p>
+            <a:r>
+              <a:rPr lang="de-DE" dirty="0"/>
+              <a:t>Manuell ausgewählt</a:t>
+            </a:r>
+          </a:p>
+        </p:txBody>
+      </p:sp>
+      <p:sp>
+        <p:nvSpPr>
+          <p:cNvPr id="15" name="Geschweifte Klammer links 14">
+            <a:extLst>
+              <a:ext uri="{FF2B5EF4-FFF2-40B4-BE49-F238E27FC236}">
+                <a16:creationId xmlns:a16="http://schemas.microsoft.com/office/drawing/2014/main" id="{96D753EF-EE86-46AB-9C05-3C1D82C9CE6A}"/>
+              </a:ext>
+            </a:extLst>
+          </p:cNvPr>
+          <p:cNvSpPr/>
+          <p:nvPr/>
+        </p:nvSpPr>
+        <p:spPr>
+          <a:xfrm>
+            <a:off x="2124267" y="5539646"/>
+            <a:ext cx="130986" cy="336118"/>
+          </a:xfrm>
+          <a:prstGeom prst="leftBrace">
+            <a:avLst/>
+          </a:prstGeom>
+          <a:ln/>
+        </p:spPr>
+        <p:style>
+          <a:lnRef idx="3">
+            <a:schemeClr val="dk1"/>
+          </a:lnRef>
+          <a:fillRef idx="0">
+            <a:schemeClr val="dk1"/>
+          </a:fillRef>
+          <a:effectRef idx="2">
+            <a:schemeClr val="dk1"/>
+          </a:effectRef>
+          <a:fontRef idx="minor">
+            <a:schemeClr val="tx1"/>
+          </a:fontRef>
+        </p:style>
+        <p:txBody>
+          <a:bodyPr rtlCol="0" anchor="ctr"/>
+          <a:lstStyle/>
+          <a:p>
+            <a:pPr algn="ctr"/>
+            <a:endParaRPr lang="de-DE"/>
+          </a:p>
+        </p:txBody>
+      </p:sp>
+      <p:cxnSp>
+        <p:nvCxnSpPr>
+          <p:cNvPr id="12" name="Gerade Verbindung mit Pfeil 11">
+            <a:extLst>
+              <a:ext uri="{FF2B5EF4-FFF2-40B4-BE49-F238E27FC236}">
+                <a16:creationId xmlns:a16="http://schemas.microsoft.com/office/drawing/2014/main" id="{320BFF30-F4A9-4F9F-8C37-A5E9785A3F82}"/>
+              </a:ext>
+            </a:extLst>
+          </p:cNvPr>
+          <p:cNvCxnSpPr>
+            <a:cxnSpLocks/>
+          </p:cNvCxnSpPr>
+          <p:nvPr/>
+        </p:nvCxnSpPr>
+        <p:spPr>
+          <a:xfrm>
+            <a:off x="8936926" y="1569990"/>
+            <a:ext cx="0" cy="4390895"/>
+          </a:xfrm>
+          <a:prstGeom prst="straightConnector1">
+            <a:avLst/>
+          </a:prstGeom>
+          <a:ln>
+            <a:tailEnd type="triangle"/>
+          </a:ln>
+        </p:spPr>
+        <p:style>
+          <a:lnRef idx="3">
+            <a:schemeClr val="dk1"/>
+          </a:lnRef>
+          <a:fillRef idx="0">
+            <a:schemeClr val="dk1"/>
+          </a:fillRef>
+          <a:effectRef idx="2">
+            <a:schemeClr val="dk1"/>
+          </a:effectRef>
+          <a:fontRef idx="minor">
+            <a:schemeClr val="tx1"/>
+          </a:fontRef>
+        </p:style>
+      </p:cxnSp>
+      <p:sp>
+        <p:nvSpPr>
+          <p:cNvPr id="13" name="Textfeld 12">
+            <a:extLst>
+              <a:ext uri="{FF2B5EF4-FFF2-40B4-BE49-F238E27FC236}">
+                <a16:creationId xmlns:a16="http://schemas.microsoft.com/office/drawing/2014/main" id="{6866527E-E672-4783-B42A-BB88C87EE5C1}"/>
+              </a:ext>
+            </a:extLst>
+          </p:cNvPr>
+          <p:cNvSpPr txBox="1"/>
+          <p:nvPr/>
+        </p:nvSpPr>
+        <p:spPr>
+          <a:xfrm>
+            <a:off x="7962060" y="1246824"/>
+            <a:ext cx="1110826" cy="646331"/>
+          </a:xfrm>
+          <a:prstGeom prst="rect">
+            <a:avLst/>
+          </a:prstGeom>
+          <a:noFill/>
+        </p:spPr>
+        <p:txBody>
+          <a:bodyPr wrap="square" rtlCol="0">
+            <a:spAutoFit/>
+          </a:bodyPr>
+          <a:lstStyle/>
+          <a:p>
+            <a:r>
+              <a:rPr lang="de-DE" dirty="0"/>
+              <a:t>Zeitlicher Verlauf</a:t>
+            </a:r>
           </a:p>
         </p:txBody>
       </p:sp>
@@ -5007,10 +6816,10 @@
       </p:grpSpPr>
       <p:sp>
         <p:nvSpPr>
-          <p:cNvPr id="2" name="Inhaltsplatzhalter 1">
-            <a:extLst>
-              <a:ext uri="{FF2B5EF4-FFF2-40B4-BE49-F238E27FC236}">
-                <a16:creationId xmlns:a16="http://schemas.microsoft.com/office/drawing/2014/main" id="{D72C1ACF-D267-40D1-9A2D-92DB078AD81F}"/>
+          <p:cNvPr id="4" name="Inhaltsplatzhalter 3">
+            <a:extLst>
+              <a:ext uri="{FF2B5EF4-FFF2-40B4-BE49-F238E27FC236}">
+                <a16:creationId xmlns:a16="http://schemas.microsoft.com/office/drawing/2014/main" id="{5B4366CE-FD7B-407F-B6D7-0761A7C7B280}"/>
               </a:ext>
             </a:extLst>
           </p:cNvPr>
@@ -5090,10 +6899,10 @@
       </p:grpSpPr>
       <p:sp>
         <p:nvSpPr>
-          <p:cNvPr id="2" name="Inhaltsplatzhalter 1">
-            <a:extLst>
-              <a:ext uri="{FF2B5EF4-FFF2-40B4-BE49-F238E27FC236}">
-                <a16:creationId xmlns:a16="http://schemas.microsoft.com/office/drawing/2014/main" id="{6E26EC24-DCB9-49CC-97AA-388A9CCC955A}"/>
+          <p:cNvPr id="4" name="Inhaltsplatzhalter 3">
+            <a:extLst>
+              <a:ext uri="{FF2B5EF4-FFF2-40B4-BE49-F238E27FC236}">
+                <a16:creationId xmlns:a16="http://schemas.microsoft.com/office/drawing/2014/main" id="{55623FE8-7E23-4A81-B9FD-59FA0E1F4CC7}"/>
               </a:ext>
             </a:extLst>
           </p:cNvPr>
@@ -5174,10 +6983,10 @@
       </p:grpSpPr>
       <p:sp>
         <p:nvSpPr>
-          <p:cNvPr id="2" name="Inhaltsplatzhalter 1">
-            <a:extLst>
-              <a:ext uri="{FF2B5EF4-FFF2-40B4-BE49-F238E27FC236}">
-                <a16:creationId xmlns:a16="http://schemas.microsoft.com/office/drawing/2014/main" id="{7FF77909-50E0-45E3-BE71-AE434CB7D1B7}"/>
+          <p:cNvPr id="4" name="Inhaltsplatzhalter 3">
+            <a:extLst>
+              <a:ext uri="{FF2B5EF4-FFF2-40B4-BE49-F238E27FC236}">
+                <a16:creationId xmlns:a16="http://schemas.microsoft.com/office/drawing/2014/main" id="{7327233E-2B67-4564-8347-719531AB7BAE}"/>
               </a:ext>
             </a:extLst>
           </p:cNvPr>
@@ -5502,10 +7311,10 @@
       </p:grpSpPr>
       <p:sp>
         <p:nvSpPr>
-          <p:cNvPr id="2" name="Inhaltsplatzhalter 1">
-            <a:extLst>
-              <a:ext uri="{FF2B5EF4-FFF2-40B4-BE49-F238E27FC236}">
-                <a16:creationId xmlns:a16="http://schemas.microsoft.com/office/drawing/2014/main" id="{CEC22E4B-EC65-4812-A4E9-8A4D591056B1}"/>
+          <p:cNvPr id="4" name="Inhaltsplatzhalter 3">
+            <a:extLst>
+              <a:ext uri="{FF2B5EF4-FFF2-40B4-BE49-F238E27FC236}">
+                <a16:creationId xmlns:a16="http://schemas.microsoft.com/office/drawing/2014/main" id="{1D540190-C4C3-4F62-BF3E-2DDC5206278A}"/>
               </a:ext>
             </a:extLst>
           </p:cNvPr>
@@ -5585,10 +7394,10 @@
       </p:grpSpPr>
       <p:sp>
         <p:nvSpPr>
-          <p:cNvPr id="2" name="Inhaltsplatzhalter 1">
-            <a:extLst>
-              <a:ext uri="{FF2B5EF4-FFF2-40B4-BE49-F238E27FC236}">
-                <a16:creationId xmlns:a16="http://schemas.microsoft.com/office/drawing/2014/main" id="{FC823A1E-2C7C-4A62-A6B1-3B81326E50E8}"/>
+          <p:cNvPr id="4" name="Inhaltsplatzhalter 3">
+            <a:extLst>
+              <a:ext uri="{FF2B5EF4-FFF2-40B4-BE49-F238E27FC236}">
+                <a16:creationId xmlns:a16="http://schemas.microsoft.com/office/drawing/2014/main" id="{37DCE41B-930F-4527-AFC1-8D0079035929}"/>
               </a:ext>
             </a:extLst>
           </p:cNvPr>
@@ -5673,10 +7482,10 @@
       </p:grpSpPr>
       <p:sp>
         <p:nvSpPr>
-          <p:cNvPr id="2" name="Inhaltsplatzhalter 1">
-            <a:extLst>
-              <a:ext uri="{FF2B5EF4-FFF2-40B4-BE49-F238E27FC236}">
-                <a16:creationId xmlns:a16="http://schemas.microsoft.com/office/drawing/2014/main" id="{ACD5B02C-91A3-4440-AAED-9A93E394E93C}"/>
+          <p:cNvPr id="4" name="Inhaltsplatzhalter 3">
+            <a:extLst>
+              <a:ext uri="{FF2B5EF4-FFF2-40B4-BE49-F238E27FC236}">
+                <a16:creationId xmlns:a16="http://schemas.microsoft.com/office/drawing/2014/main" id="{2C7B9C80-0581-4A6B-9D4B-0A162AE8D336}"/>
               </a:ext>
             </a:extLst>
           </p:cNvPr>
@@ -5811,10 +7620,10 @@
       </p:grpSpPr>
       <p:sp>
         <p:nvSpPr>
-          <p:cNvPr id="2" name="Inhaltsplatzhalter 1">
-            <a:extLst>
-              <a:ext uri="{FF2B5EF4-FFF2-40B4-BE49-F238E27FC236}">
-                <a16:creationId xmlns:a16="http://schemas.microsoft.com/office/drawing/2014/main" id="{EF64AF26-B41D-42CC-9B77-630ADF167A24}"/>
+          <p:cNvPr id="4" name="Inhaltsplatzhalter 3">
+            <a:extLst>
+              <a:ext uri="{FF2B5EF4-FFF2-40B4-BE49-F238E27FC236}">
+                <a16:creationId xmlns:a16="http://schemas.microsoft.com/office/drawing/2014/main" id="{6EEF0E7C-783D-40D4-8343-60C1117425E9}"/>
               </a:ext>
             </a:extLst>
           </p:cNvPr>
@@ -5894,10 +7703,10 @@
       </p:grpSpPr>
       <p:sp>
         <p:nvSpPr>
-          <p:cNvPr id="2" name="Inhaltsplatzhalter 1">
-            <a:extLst>
-              <a:ext uri="{FF2B5EF4-FFF2-40B4-BE49-F238E27FC236}">
-                <a16:creationId xmlns:a16="http://schemas.microsoft.com/office/drawing/2014/main" id="{430319EE-3D0C-4573-BB4F-8C2E5023C6B3}"/>
+          <p:cNvPr id="4" name="Inhaltsplatzhalter 3">
+            <a:extLst>
+              <a:ext uri="{FF2B5EF4-FFF2-40B4-BE49-F238E27FC236}">
+                <a16:creationId xmlns:a16="http://schemas.microsoft.com/office/drawing/2014/main" id="{6881C757-38D3-4C7A-8517-05025053D67A}"/>
               </a:ext>
             </a:extLst>
           </p:cNvPr>
@@ -5977,10 +7786,10 @@
       </p:grpSpPr>
       <p:sp>
         <p:nvSpPr>
-          <p:cNvPr id="2" name="Inhaltsplatzhalter 1">
-            <a:extLst>
-              <a:ext uri="{FF2B5EF4-FFF2-40B4-BE49-F238E27FC236}">
-                <a16:creationId xmlns:a16="http://schemas.microsoft.com/office/drawing/2014/main" id="{1C70E41D-5BDC-467E-8B53-575BEF476BB2}"/>
+          <p:cNvPr id="4" name="Inhaltsplatzhalter 3">
+            <a:extLst>
+              <a:ext uri="{FF2B5EF4-FFF2-40B4-BE49-F238E27FC236}">
+                <a16:creationId xmlns:a16="http://schemas.microsoft.com/office/drawing/2014/main" id="{C3155B51-7106-445B-9344-B7F97FFD30CA}"/>
               </a:ext>
             </a:extLst>
           </p:cNvPr>
@@ -6069,10 +7878,10 @@
       </p:grpSpPr>
       <p:sp>
         <p:nvSpPr>
-          <p:cNvPr id="2" name="Inhaltsplatzhalter 1">
-            <a:extLst>
-              <a:ext uri="{FF2B5EF4-FFF2-40B4-BE49-F238E27FC236}">
-                <a16:creationId xmlns:a16="http://schemas.microsoft.com/office/drawing/2014/main" id="{ABAC4862-C91A-4B39-ABA9-DBF4F3B14460}"/>
+          <p:cNvPr id="4" name="Inhaltsplatzhalter 3">
+            <a:extLst>
+              <a:ext uri="{FF2B5EF4-FFF2-40B4-BE49-F238E27FC236}">
+                <a16:creationId xmlns:a16="http://schemas.microsoft.com/office/drawing/2014/main" id="{B0D8BF19-3474-4A92-8397-5B025D41C4B4}"/>
               </a:ext>
             </a:extLst>
           </p:cNvPr>
@@ -6157,10 +7966,10 @@
       </p:grpSpPr>
       <p:sp>
         <p:nvSpPr>
-          <p:cNvPr id="2" name="Inhaltsplatzhalter 1">
-            <a:extLst>
-              <a:ext uri="{FF2B5EF4-FFF2-40B4-BE49-F238E27FC236}">
-                <a16:creationId xmlns:a16="http://schemas.microsoft.com/office/drawing/2014/main" id="{A1FE935F-D629-499F-82B9-047F5FFCDC18}"/>
+          <p:cNvPr id="4" name="Inhaltsplatzhalter 3">
+            <a:extLst>
+              <a:ext uri="{FF2B5EF4-FFF2-40B4-BE49-F238E27FC236}">
+                <a16:creationId xmlns:a16="http://schemas.microsoft.com/office/drawing/2014/main" id="{B83ADA84-F5A5-4269-A840-03179F71E153}"/>
               </a:ext>
             </a:extLst>
           </p:cNvPr>
@@ -6527,10 +8336,10 @@
       </p:grpSpPr>
       <p:sp>
         <p:nvSpPr>
-          <p:cNvPr id="2" name="Inhaltsplatzhalter 1">
-            <a:extLst>
-              <a:ext uri="{FF2B5EF4-FFF2-40B4-BE49-F238E27FC236}">
-                <a16:creationId xmlns:a16="http://schemas.microsoft.com/office/drawing/2014/main" id="{F78ACC04-469C-4C56-83A5-3CB929A48CF8}"/>
+          <p:cNvPr id="4" name="Inhaltsplatzhalter 3">
+            <a:extLst>
+              <a:ext uri="{FF2B5EF4-FFF2-40B4-BE49-F238E27FC236}">
+                <a16:creationId xmlns:a16="http://schemas.microsoft.com/office/drawing/2014/main" id="{A6150C79-F925-4710-98E6-6908DC3A94DC}"/>
               </a:ext>
             </a:extLst>
           </p:cNvPr>
@@ -6611,10 +8420,10 @@
       </p:grpSpPr>
       <p:sp>
         <p:nvSpPr>
-          <p:cNvPr id="2" name="Inhaltsplatzhalter 1">
-            <a:extLst>
-              <a:ext uri="{FF2B5EF4-FFF2-40B4-BE49-F238E27FC236}">
-                <a16:creationId xmlns:a16="http://schemas.microsoft.com/office/drawing/2014/main" id="{0E16E381-3C85-4E80-9C69-783B6FB8CCA6}"/>
+          <p:cNvPr id="4" name="Inhaltsplatzhalter 3">
+            <a:extLst>
+              <a:ext uri="{FF2B5EF4-FFF2-40B4-BE49-F238E27FC236}">
+                <a16:creationId xmlns:a16="http://schemas.microsoft.com/office/drawing/2014/main" id="{257E5DD3-EC40-4F18-9E76-D499796DE0E7}"/>
               </a:ext>
             </a:extLst>
           </p:cNvPr>
@@ -6760,10 +8569,10 @@
       </p:grpSpPr>
       <p:sp>
         <p:nvSpPr>
-          <p:cNvPr id="2" name="Inhaltsplatzhalter 1">
-            <a:extLst>
-              <a:ext uri="{FF2B5EF4-FFF2-40B4-BE49-F238E27FC236}">
-                <a16:creationId xmlns:a16="http://schemas.microsoft.com/office/drawing/2014/main" id="{E57A2AEE-D87B-4CD7-A65B-73B11FF3EFAF}"/>
+          <p:cNvPr id="4" name="Inhaltsplatzhalter 3">
+            <a:extLst>
+              <a:ext uri="{FF2B5EF4-FFF2-40B4-BE49-F238E27FC236}">
+                <a16:creationId xmlns:a16="http://schemas.microsoft.com/office/drawing/2014/main" id="{C77C4327-36A1-49FF-B4A0-2874C57B74D7}"/>
               </a:ext>
             </a:extLst>
           </p:cNvPr>
@@ -6848,10 +8657,10 @@
       </p:grpSpPr>
       <p:sp>
         <p:nvSpPr>
-          <p:cNvPr id="2" name="Inhaltsplatzhalter 1">
-            <a:extLst>
-              <a:ext uri="{FF2B5EF4-FFF2-40B4-BE49-F238E27FC236}">
-                <a16:creationId xmlns:a16="http://schemas.microsoft.com/office/drawing/2014/main" id="{3244A830-7F92-44EF-8355-92E0C350F838}"/>
+          <p:cNvPr id="4" name="Inhaltsplatzhalter 3">
+            <a:extLst>
+              <a:ext uri="{FF2B5EF4-FFF2-40B4-BE49-F238E27FC236}">
+                <a16:creationId xmlns:a16="http://schemas.microsoft.com/office/drawing/2014/main" id="{A808A29B-01DD-4A14-A68C-8B94D7CDC546}"/>
               </a:ext>
             </a:extLst>
           </p:cNvPr>
@@ -6936,10 +8745,10 @@
       </p:grpSpPr>
       <p:sp>
         <p:nvSpPr>
-          <p:cNvPr id="2" name="Inhaltsplatzhalter 1">
-            <a:extLst>
-              <a:ext uri="{FF2B5EF4-FFF2-40B4-BE49-F238E27FC236}">
-                <a16:creationId xmlns:a16="http://schemas.microsoft.com/office/drawing/2014/main" id="{DE7AB728-BA17-494A-A863-1C487CEF2E4F}"/>
+          <p:cNvPr id="4" name="Inhaltsplatzhalter 3">
+            <a:extLst>
+              <a:ext uri="{FF2B5EF4-FFF2-40B4-BE49-F238E27FC236}">
+                <a16:creationId xmlns:a16="http://schemas.microsoft.com/office/drawing/2014/main" id="{0DCE1033-2175-4F30-B74F-B30BB991A9F1}"/>
               </a:ext>
             </a:extLst>
           </p:cNvPr>
@@ -7139,10 +8948,10 @@
       </p:grpSpPr>
       <p:sp>
         <p:nvSpPr>
-          <p:cNvPr id="2" name="Inhaltsplatzhalter 1">
-            <a:extLst>
-              <a:ext uri="{FF2B5EF4-FFF2-40B4-BE49-F238E27FC236}">
-                <a16:creationId xmlns:a16="http://schemas.microsoft.com/office/drawing/2014/main" id="{9B864C66-43F1-46C2-8FC8-9664077D03A3}"/>
+          <p:cNvPr id="4" name="Inhaltsplatzhalter 3">
+            <a:extLst>
+              <a:ext uri="{FF2B5EF4-FFF2-40B4-BE49-F238E27FC236}">
+                <a16:creationId xmlns:a16="http://schemas.microsoft.com/office/drawing/2014/main" id="{68907F8E-2FC4-4FEA-BE11-BBC2972A10FE}"/>
               </a:ext>
             </a:extLst>
           </p:cNvPr>
@@ -7164,10 +8973,10 @@
       </p:sp>
       <p:sp>
         <p:nvSpPr>
-          <p:cNvPr id="3" name="Titel 2">
-            <a:extLst>
-              <a:ext uri="{FF2B5EF4-FFF2-40B4-BE49-F238E27FC236}">
-                <a16:creationId xmlns:a16="http://schemas.microsoft.com/office/drawing/2014/main" id="{12B95230-129D-4CEE-9B2F-9994AC9EA010}"/>
+          <p:cNvPr id="5" name="Titel 4">
+            <a:extLst>
+              <a:ext uri="{FF2B5EF4-FFF2-40B4-BE49-F238E27FC236}">
+                <a16:creationId xmlns:a16="http://schemas.microsoft.com/office/drawing/2014/main" id="{86E22394-880D-4500-AA8D-A412EFE36D95}"/>
               </a:ext>
             </a:extLst>
           </p:cNvPr>
@@ -7233,12 +9042,7 @@
             <p:ph idx="13"/>
           </p:nvPr>
         </p:nvSpPr>
-        <p:spPr>
-          <a:xfrm>
-            <a:off x="1011835" y="1245328"/>
-            <a:ext cx="7410711" cy="4931635"/>
-          </a:xfrm>
-        </p:spPr>
+        <p:spPr/>
         <p:txBody>
           <a:bodyPr>
             <a:normAutofit/>
@@ -7945,10 +9749,10 @@
       </p:grpSpPr>
       <p:sp>
         <p:nvSpPr>
-          <p:cNvPr id="4" name="Inhaltsplatzhalter 3">
-            <a:extLst>
-              <a:ext uri="{FF2B5EF4-FFF2-40B4-BE49-F238E27FC236}">
-                <a16:creationId xmlns:a16="http://schemas.microsoft.com/office/drawing/2014/main" id="{E5BD01B8-4446-4A6A-B577-3120AF2FB7AE}"/>
+          <p:cNvPr id="2" name="Inhaltsplatzhalter 1">
+            <a:extLst>
+              <a:ext uri="{FF2B5EF4-FFF2-40B4-BE49-F238E27FC236}">
+                <a16:creationId xmlns:a16="http://schemas.microsoft.com/office/drawing/2014/main" id="{C6872B56-8973-4012-A009-00C6F76B9D0B}"/>
               </a:ext>
             </a:extLst>
           </p:cNvPr>
@@ -8088,10 +9892,10 @@
       </p:grpSpPr>
       <p:sp>
         <p:nvSpPr>
-          <p:cNvPr id="2" name="Inhaltsplatzhalter 1">
-            <a:extLst>
-              <a:ext uri="{FF2B5EF4-FFF2-40B4-BE49-F238E27FC236}">
-                <a16:creationId xmlns:a16="http://schemas.microsoft.com/office/drawing/2014/main" id="{F152AD6E-3A5F-4F40-AE51-AC630EDE1ADD}"/>
+          <p:cNvPr id="4" name="Inhaltsplatzhalter 3">
+            <a:extLst>
+              <a:ext uri="{FF2B5EF4-FFF2-40B4-BE49-F238E27FC236}">
+                <a16:creationId xmlns:a16="http://schemas.microsoft.com/office/drawing/2014/main" id="{2E92DCBA-5067-440C-845B-8E28B4EFC080}"/>
               </a:ext>
             </a:extLst>
           </p:cNvPr>
@@ -8107,7 +9911,7 @@
           <a:bodyPr/>
           <a:lstStyle/>
           <a:p>
-            <a:endParaRPr lang="de-DE" dirty="0"/>
+            <a:endParaRPr lang="de-DE"/>
           </a:p>
         </p:txBody>
       </p:sp>

--- a/Präsentation-90min/Präsentation-90min.pptx
+++ b/Präsentation-90min/Präsentation-90min.pptx
@@ -260,7 +260,7 @@
           <a:p>
             <a:fld id="{A1E1CD49-93F9-4EB7-9AB7-31369D3CCD5D}" type="datetimeFigureOut">
               <a:rPr lang="de-DE" smtClean="0"/>
-              <a:t>08.03.2020</a:t>
+              <a:t>12.03.2020</a:t>
             </a:fld>
             <a:endParaRPr lang="de-DE"/>
           </a:p>
@@ -658,7 +658,7 @@
           <a:p>
             <a:fld id="{7CDC51D4-4F8D-402A-BD06-90531D3D0B0E}" type="datetime1">
               <a:rPr lang="de-DE" smtClean="0"/>
-              <a:t>08.03.2020</a:t>
+              <a:t>12.03.2020</a:t>
             </a:fld>
             <a:endParaRPr lang="de-DE"/>
           </a:p>
@@ -828,7 +828,7 @@
           <a:p>
             <a:fld id="{3608FC1D-F958-4804-B298-25E0F93B1193}" type="datetime1">
               <a:rPr lang="de-DE" smtClean="0"/>
-              <a:t>08.03.2020</a:t>
+              <a:t>12.03.2020</a:t>
             </a:fld>
             <a:endParaRPr lang="de-DE"/>
           </a:p>
@@ -1008,7 +1008,7 @@
           <a:p>
             <a:fld id="{853E26B7-2C61-49BA-838E-19A37BCD9623}" type="datetime1">
               <a:rPr lang="de-DE" smtClean="0"/>
-              <a:t>08.03.2020</a:t>
+              <a:t>12.03.2020</a:t>
             </a:fld>
             <a:endParaRPr lang="de-DE"/>
           </a:p>
@@ -1303,7 +1303,7 @@
             <a:fld id="{6F7941D6-DDCD-4FEB-B76A-6EA7C7E1DF91}" type="datetime1">
               <a:rPr lang="de-DE" smtClean="0"/>
               <a:pPr/>
-              <a:t>08.03.2020</a:t>
+              <a:t>12.03.2020</a:t>
             </a:fld>
             <a:endParaRPr lang="de-DE" dirty="0"/>
           </a:p>
@@ -2087,7 +2087,7 @@
           <a:p>
             <a:fld id="{625025DE-6FE8-4EA0-83A6-6CAFC8B06972}" type="datetime1">
               <a:rPr lang="de-DE" smtClean="0"/>
-              <a:t>08.03.2020</a:t>
+              <a:t>12.03.2020</a:t>
             </a:fld>
             <a:endParaRPr lang="de-DE"/>
           </a:p>
@@ -2454,7 +2454,7 @@
           <a:p>
             <a:fld id="{247D6157-A9C6-4111-84CF-F4ABC9BB74CD}" type="datetime1">
               <a:rPr lang="de-DE" smtClean="0"/>
-              <a:t>08.03.2020</a:t>
+              <a:t>12.03.2020</a:t>
             </a:fld>
             <a:endParaRPr lang="de-DE"/>
           </a:p>
@@ -2572,7 +2572,7 @@
           <a:p>
             <a:fld id="{8EBDA223-4612-4606-8A30-596D72469CD7}" type="datetime1">
               <a:rPr lang="de-DE" smtClean="0"/>
-              <a:t>08.03.2020</a:t>
+              <a:t>12.03.2020</a:t>
             </a:fld>
             <a:endParaRPr lang="de-DE"/>
           </a:p>
@@ -2667,7 +2667,7 @@
           <a:p>
             <a:fld id="{5C800F00-9786-41ED-9D90-88F7ADE0F2B0}" type="datetime1">
               <a:rPr lang="de-DE" smtClean="0"/>
-              <a:t>08.03.2020</a:t>
+              <a:t>12.03.2020</a:t>
             </a:fld>
             <a:endParaRPr lang="de-DE"/>
           </a:p>
@@ -2944,7 +2944,7 @@
           <a:p>
             <a:fld id="{DE94FA33-7DFF-4544-8A2D-E09A4E33D92E}" type="datetime1">
               <a:rPr lang="de-DE" smtClean="0"/>
-              <a:t>08.03.2020</a:t>
+              <a:t>12.03.2020</a:t>
             </a:fld>
             <a:endParaRPr lang="de-DE"/>
           </a:p>
@@ -3201,7 +3201,7 @@
           <a:p>
             <a:fld id="{10F76841-BABD-4AE4-8760-966DF476109C}" type="datetime1">
               <a:rPr lang="de-DE" smtClean="0"/>
-              <a:t>08.03.2020</a:t>
+              <a:t>12.03.2020</a:t>
             </a:fld>
             <a:endParaRPr lang="de-DE"/>
           </a:p>
@@ -3414,7 +3414,7 @@
           <a:p>
             <a:fld id="{34C5C537-7C07-410D-9EF1-F90075952502}" type="datetime1">
               <a:rPr lang="de-DE" smtClean="0"/>
-              <a:t>08.03.2020</a:t>
+              <a:t>12.03.2020</a:t>
             </a:fld>
             <a:endParaRPr lang="de-DE"/>
           </a:p>
@@ -4107,7 +4107,7 @@
           <a:p>
             <a:fld id="{6F7941D6-DDCD-4FEB-B76A-6EA7C7E1DF91}" type="datetime1">
               <a:rPr lang="de-DE" smtClean="0"/>
-              <a:t>08.03.2020</a:t>
+              <a:t>12.03.2020</a:t>
             </a:fld>
             <a:endParaRPr lang="de-DE" dirty="0"/>
           </a:p>
@@ -5041,12 +5041,113 @@
           <a:chExt cx="0" cy="0"/>
         </a:xfrm>
       </p:grpSpPr>
+      <p:sp>
+        <p:nvSpPr>
+          <p:cNvPr id="4" name="Inhaltsplatzhalter 3">
+            <a:extLst>
+              <a:ext uri="{FF2B5EF4-FFF2-40B4-BE49-F238E27FC236}">
+                <a16:creationId xmlns:a16="http://schemas.microsoft.com/office/drawing/2014/main" id="{ECFC170B-980E-47CB-80DA-4404A88E9EEC}"/>
+              </a:ext>
+            </a:extLst>
+          </p:cNvPr>
+          <p:cNvSpPr>
+            <a:spLocks noGrp="1"/>
+          </p:cNvSpPr>
+          <p:nvPr>
+            <p:ph idx="13"/>
+          </p:nvPr>
+        </p:nvSpPr>
+        <p:spPr>
+          <a:xfrm>
+            <a:off x="1011836" y="1245328"/>
+            <a:ext cx="5234477" cy="4931635"/>
+          </a:xfrm>
+        </p:spPr>
+        <p:txBody>
+          <a:bodyPr/>
+          <a:lstStyle/>
+          <a:p>
+            <a:r>
+              <a:rPr lang="de-DE" dirty="0"/>
+              <a:t>Drei-Wege-</a:t>
+            </a:r>
+            <a:r>
+              <a:rPr lang="de-DE" dirty="0" err="1"/>
+              <a:t>Merge</a:t>
+            </a:r>
+            <a:endParaRPr lang="de-DE" dirty="0"/>
+          </a:p>
+          <a:p>
+            <a:r>
+              <a:rPr lang="de-DE" dirty="0"/>
+              <a:t>Führt zwei Zweige zusammen</a:t>
+            </a:r>
+          </a:p>
+          <a:p>
+            <a:r>
+              <a:rPr lang="de-DE" dirty="0"/>
+              <a:t>Konflikt muss per Hand gelöst werden</a:t>
+            </a:r>
+          </a:p>
+          <a:p>
+            <a:r>
+              <a:rPr lang="de-DE" dirty="0"/>
+              <a:t>Kommando: </a:t>
+            </a:r>
+            <a:r>
+              <a:rPr lang="de-DE" b="1" i="1" dirty="0" err="1"/>
+              <a:t>git</a:t>
+            </a:r>
+            <a:r>
+              <a:rPr lang="de-DE" b="1" i="1" dirty="0"/>
+              <a:t> </a:t>
+            </a:r>
+            <a:r>
+              <a:rPr lang="de-DE" b="1" i="1" dirty="0" err="1"/>
+              <a:t>merge</a:t>
+            </a:r>
+            <a:r>
+              <a:rPr lang="de-DE" b="1" i="1" dirty="0"/>
+              <a:t> &lt;Quellzweig&gt;</a:t>
+            </a:r>
+          </a:p>
+        </p:txBody>
+      </p:sp>
+      <p:sp>
+        <p:nvSpPr>
+          <p:cNvPr id="3" name="Titel 2">
+            <a:extLst>
+              <a:ext uri="{FF2B5EF4-FFF2-40B4-BE49-F238E27FC236}">
+                <a16:creationId xmlns:a16="http://schemas.microsoft.com/office/drawing/2014/main" id="{E1E8C774-CC73-4DF3-B362-774B81B4B149}"/>
+              </a:ext>
+            </a:extLst>
+          </p:cNvPr>
+          <p:cNvSpPr>
+            <a:spLocks noGrp="1"/>
+          </p:cNvSpPr>
+          <p:nvPr>
+            <p:ph type="title" idx="4294967295"/>
+          </p:nvPr>
+        </p:nvSpPr>
+        <p:spPr/>
+        <p:txBody>
+          <a:bodyPr/>
+          <a:lstStyle/>
+          <a:p>
+            <a:r>
+              <a:rPr lang="de-DE" dirty="0" err="1"/>
+              <a:t>Merge</a:t>
+            </a:r>
+            <a:endParaRPr lang="de-DE" dirty="0"/>
+          </a:p>
+        </p:txBody>
+      </p:sp>
       <p:grpSp>
         <p:nvGrpSpPr>
-          <p:cNvPr id="26" name="Gruppieren 25">
+          <p:cNvPr id="40" name="Gruppieren 39">
             <a:extLst>
               <a:ext uri="{FF2B5EF4-FFF2-40B4-BE49-F238E27FC236}">
-                <a16:creationId xmlns:a16="http://schemas.microsoft.com/office/drawing/2014/main" id="{CD1CDED2-357D-4297-A3A6-EADD4DEC81AB}"/>
+                <a16:creationId xmlns:a16="http://schemas.microsoft.com/office/drawing/2014/main" id="{6CAC6D7C-9BFF-47C0-89E0-C748588D6FEB}"/>
               </a:ext>
             </a:extLst>
           </p:cNvPr>
@@ -5055,7 +5156,7 @@
         </p:nvGrpSpPr>
         <p:grpSpPr>
           <a:xfrm>
-            <a:off x="6189091" y="1467535"/>
+            <a:off x="5652195" y="1467535"/>
             <a:ext cx="2889914" cy="4620032"/>
             <a:chOff x="8058816" y="1047474"/>
             <a:chExt cx="2889914" cy="4620032"/>
@@ -5063,10 +5164,10 @@
         </p:grpSpPr>
         <p:pic>
           <p:nvPicPr>
-            <p:cNvPr id="5" name="Grafik 4">
+            <p:cNvPr id="41" name="Grafik 40">
               <a:extLst>
                 <a:ext uri="{FF2B5EF4-FFF2-40B4-BE49-F238E27FC236}">
-                  <a16:creationId xmlns:a16="http://schemas.microsoft.com/office/drawing/2014/main" id="{D2E367D0-37A1-4836-ACD0-BAE9069487DB}"/>
+                  <a16:creationId xmlns:a16="http://schemas.microsoft.com/office/drawing/2014/main" id="{E1FD78A2-7F75-4F6C-B137-3FBF76989840}"/>
                 </a:ext>
               </a:extLst>
             </p:cNvPr>
@@ -5092,10 +5193,10 @@
         </p:pic>
         <p:grpSp>
           <p:nvGrpSpPr>
-            <p:cNvPr id="17" name="Gruppieren 16">
+            <p:cNvPr id="42" name="Gruppieren 41">
               <a:extLst>
                 <a:ext uri="{FF2B5EF4-FFF2-40B4-BE49-F238E27FC236}">
-                  <a16:creationId xmlns:a16="http://schemas.microsoft.com/office/drawing/2014/main" id="{5DD55435-4262-431B-B9BE-49468D1594B6}"/>
+                  <a16:creationId xmlns:a16="http://schemas.microsoft.com/office/drawing/2014/main" id="{E864A8D3-670B-4A03-944C-3E2F31FAF56A}"/>
                 </a:ext>
               </a:extLst>
             </p:cNvPr>
@@ -5112,10 +5213,10 @@
           </p:grpSpPr>
           <p:sp>
             <p:nvSpPr>
-              <p:cNvPr id="18" name="Ellipse 17">
+              <p:cNvPr id="47" name="Ellipse 46">
                 <a:extLst>
                   <a:ext uri="{FF2B5EF4-FFF2-40B4-BE49-F238E27FC236}">
-                    <a16:creationId xmlns:a16="http://schemas.microsoft.com/office/drawing/2014/main" id="{7AACF747-9BD4-404C-BE1B-CE89D9A63E1F}"/>
+                    <a16:creationId xmlns:a16="http://schemas.microsoft.com/office/drawing/2014/main" id="{2C285242-D65F-4E36-8A01-2AB4E7C87509}"/>
                   </a:ext>
                 </a:extLst>
               </p:cNvPr>
@@ -5161,10 +5262,10 @@
           </p:sp>
           <p:sp>
             <p:nvSpPr>
-              <p:cNvPr id="19" name="Ellipse 18">
+              <p:cNvPr id="48" name="Ellipse 47">
                 <a:extLst>
                   <a:ext uri="{FF2B5EF4-FFF2-40B4-BE49-F238E27FC236}">
-                    <a16:creationId xmlns:a16="http://schemas.microsoft.com/office/drawing/2014/main" id="{31381E34-7234-4F2A-8C67-E863150CA005}"/>
+                    <a16:creationId xmlns:a16="http://schemas.microsoft.com/office/drawing/2014/main" id="{44A19DE9-49F8-44F0-BBCD-8FEF621CB863}"/>
                   </a:ext>
                 </a:extLst>
               </p:cNvPr>
@@ -5210,10 +5311,10 @@
           </p:sp>
           <p:sp>
             <p:nvSpPr>
-              <p:cNvPr id="20" name="Ellipse 19">
+              <p:cNvPr id="49" name="Ellipse 48">
                 <a:extLst>
                   <a:ext uri="{FF2B5EF4-FFF2-40B4-BE49-F238E27FC236}">
-                    <a16:creationId xmlns:a16="http://schemas.microsoft.com/office/drawing/2014/main" id="{A0311946-DDD1-439C-A5B1-2B6B00D8CD81}"/>
+                    <a16:creationId xmlns:a16="http://schemas.microsoft.com/office/drawing/2014/main" id="{3C07F46C-F0E2-4C87-997B-388D0964F434}"/>
                   </a:ext>
                 </a:extLst>
               </p:cNvPr>
@@ -5259,10 +5360,10 @@
           </p:sp>
           <p:sp>
             <p:nvSpPr>
-              <p:cNvPr id="21" name="Ellipse 20">
+              <p:cNvPr id="50" name="Ellipse 49">
                 <a:extLst>
                   <a:ext uri="{FF2B5EF4-FFF2-40B4-BE49-F238E27FC236}">
-                    <a16:creationId xmlns:a16="http://schemas.microsoft.com/office/drawing/2014/main" id="{DEDAAB9E-C76D-4DBC-8A52-6C7DEC5E3E65}"/>
+                    <a16:creationId xmlns:a16="http://schemas.microsoft.com/office/drawing/2014/main" id="{BE157088-7385-4268-9A03-180F566BFFA7}"/>
                   </a:ext>
                 </a:extLst>
               </p:cNvPr>
@@ -5309,10 +5410,10 @@
         </p:grpSp>
         <p:sp>
           <p:nvSpPr>
-            <p:cNvPr id="22" name="Textfeld 21">
+            <p:cNvPr id="43" name="Textfeld 42">
               <a:extLst>
                 <a:ext uri="{FF2B5EF4-FFF2-40B4-BE49-F238E27FC236}">
-                  <a16:creationId xmlns:a16="http://schemas.microsoft.com/office/drawing/2014/main" id="{4A4A903E-1D78-494D-8166-E275318D672C}"/>
+                  <a16:creationId xmlns:a16="http://schemas.microsoft.com/office/drawing/2014/main" id="{62185586-F505-4827-8C54-5825907D8B75}"/>
                 </a:ext>
               </a:extLst>
             </p:cNvPr>
@@ -5344,10 +5445,10 @@
         </p:sp>
         <p:sp>
           <p:nvSpPr>
-            <p:cNvPr id="23" name="Textfeld 22">
+            <p:cNvPr id="44" name="Textfeld 43">
               <a:extLst>
                 <a:ext uri="{FF2B5EF4-FFF2-40B4-BE49-F238E27FC236}">
-                  <a16:creationId xmlns:a16="http://schemas.microsoft.com/office/drawing/2014/main" id="{782F2AF9-B5BC-4D25-AA97-C490DA01C4FF}"/>
+                  <a16:creationId xmlns:a16="http://schemas.microsoft.com/office/drawing/2014/main" id="{19F3E58F-E042-4716-AB6D-ACA06C8FF876}"/>
                 </a:ext>
               </a:extLst>
             </p:cNvPr>
@@ -5379,10 +5480,10 @@
         </p:sp>
         <p:sp>
           <p:nvSpPr>
-            <p:cNvPr id="24" name="Textfeld 23">
+            <p:cNvPr id="45" name="Textfeld 44">
               <a:extLst>
                 <a:ext uri="{FF2B5EF4-FFF2-40B4-BE49-F238E27FC236}">
-                  <a16:creationId xmlns:a16="http://schemas.microsoft.com/office/drawing/2014/main" id="{F647725E-D3F3-430D-8A10-1A9F1BCC87A6}"/>
+                  <a16:creationId xmlns:a16="http://schemas.microsoft.com/office/drawing/2014/main" id="{2BE4DFC3-C15A-42AC-A6DC-7D2AE854789E}"/>
                 </a:ext>
               </a:extLst>
             </p:cNvPr>
@@ -5414,10 +5515,10 @@
         </p:sp>
         <p:sp>
           <p:nvSpPr>
-            <p:cNvPr id="25" name="Textfeld 24">
+            <p:cNvPr id="46" name="Textfeld 45">
               <a:extLst>
                 <a:ext uri="{FF2B5EF4-FFF2-40B4-BE49-F238E27FC236}">
-                  <a16:creationId xmlns:a16="http://schemas.microsoft.com/office/drawing/2014/main" id="{74C833E8-4BBC-45A4-9767-7F8F1BFFD74D}"/>
+                  <a16:creationId xmlns:a16="http://schemas.microsoft.com/office/drawing/2014/main" id="{D2877EEB-4A98-4E7E-864D-21961D07B01F}"/>
                 </a:ext>
               </a:extLst>
             </p:cNvPr>
@@ -5448,113 +5549,171 @@
           </p:txBody>
         </p:sp>
       </p:grpSp>
-      <p:sp>
-        <p:nvSpPr>
-          <p:cNvPr id="4" name="Inhaltsplatzhalter 3">
+      <p:cxnSp>
+        <p:nvCxnSpPr>
+          <p:cNvPr id="51" name="Gerade Verbindung mit Pfeil 50">
             <a:extLst>
               <a:ext uri="{FF2B5EF4-FFF2-40B4-BE49-F238E27FC236}">
-                <a16:creationId xmlns:a16="http://schemas.microsoft.com/office/drawing/2014/main" id="{ECFC170B-980E-47CB-80DA-4404A88E9EEC}"/>
+                <a16:creationId xmlns:a16="http://schemas.microsoft.com/office/drawing/2014/main" id="{742F9AE1-5003-4B10-B139-B48CE2289F68}"/>
               </a:ext>
             </a:extLst>
           </p:cNvPr>
-          <p:cNvSpPr>
-            <a:spLocks noGrp="1"/>
-          </p:cNvSpPr>
-          <p:nvPr>
-            <p:ph idx="13"/>
-          </p:nvPr>
-        </p:nvSpPr>
+          <p:cNvCxnSpPr>
+            <a:cxnSpLocks/>
+          </p:cNvCxnSpPr>
+          <p:nvPr/>
+        </p:nvCxnSpPr>
         <p:spPr>
           <a:xfrm>
-            <a:off x="1011836" y="1245328"/>
-            <a:ext cx="5234477" cy="4931635"/>
+            <a:off x="8400030" y="1569990"/>
+            <a:ext cx="0" cy="4390895"/>
           </a:xfrm>
+          <a:prstGeom prst="straightConnector1">
+            <a:avLst/>
+          </a:prstGeom>
+          <a:ln>
+            <a:tailEnd type="triangle"/>
+          </a:ln>
         </p:spPr>
+        <p:style>
+          <a:lnRef idx="3">
+            <a:schemeClr val="dk1"/>
+          </a:lnRef>
+          <a:fillRef idx="0">
+            <a:schemeClr val="dk1"/>
+          </a:fillRef>
+          <a:effectRef idx="2">
+            <a:schemeClr val="dk1"/>
+          </a:effectRef>
+          <a:fontRef idx="minor">
+            <a:schemeClr val="tx1"/>
+          </a:fontRef>
+        </p:style>
+      </p:cxnSp>
+      <p:sp>
+        <p:nvSpPr>
+          <p:cNvPr id="52" name="Textfeld 51">
+            <a:extLst>
+              <a:ext uri="{FF2B5EF4-FFF2-40B4-BE49-F238E27FC236}">
+                <a16:creationId xmlns:a16="http://schemas.microsoft.com/office/drawing/2014/main" id="{EE616906-69EB-45E2-931E-23296865DA5A}"/>
+              </a:ext>
+            </a:extLst>
+          </p:cNvPr>
+          <p:cNvSpPr txBox="1"/>
+          <p:nvPr/>
+        </p:nvSpPr>
+        <p:spPr>
+          <a:xfrm>
+            <a:off x="7425164" y="1246824"/>
+            <a:ext cx="1110826" cy="646331"/>
+          </a:xfrm>
+          <a:prstGeom prst="rect">
+            <a:avLst/>
+          </a:prstGeom>
+          <a:noFill/>
+        </p:spPr>
+        <p:txBody>
+          <a:bodyPr wrap="square" rtlCol="0">
+            <a:spAutoFit/>
+          </a:bodyPr>
+          <a:lstStyle/>
+          <a:p>
+            <a:r>
+              <a:rPr lang="de-DE" dirty="0"/>
+              <a:t>Zeitlicher Verlauf</a:t>
+            </a:r>
+          </a:p>
+        </p:txBody>
+      </p:sp>
+    </p:spTree>
+    <p:extLst>
+      <p:ext uri="{BB962C8B-B14F-4D97-AF65-F5344CB8AC3E}">
+        <p14:creationId xmlns:p14="http://schemas.microsoft.com/office/powerpoint/2010/main" val="18428114"/>
+      </p:ext>
+    </p:extLst>
+  </p:cSld>
+  <p:clrMapOvr>
+    <a:masterClrMapping/>
+  </p:clrMapOvr>
+</p:sld>
+</file>
+
+<file path=ppt/slides/slide17.xml><?xml version="1.0" encoding="utf-8"?>
+<p:sld xmlns:a="http://schemas.openxmlformats.org/drawingml/2006/main" xmlns:r="http://schemas.openxmlformats.org/officeDocument/2006/relationships" xmlns:p="http://schemas.openxmlformats.org/presentationml/2006/main">
+  <p:cSld>
+    <p:spTree>
+      <p:nvGrpSpPr>
+        <p:cNvPr id="1" name=""/>
+        <p:cNvGrpSpPr/>
+        <p:nvPr/>
+      </p:nvGrpSpPr>
+      <p:grpSpPr>
+        <a:xfrm>
+          <a:off x="0" y="0"/>
+          <a:ext cx="0" cy="0"/>
+          <a:chOff x="0" y="0"/>
+          <a:chExt cx="0" cy="0"/>
+        </a:xfrm>
+      </p:grpSpPr>
+      <p:sp>
+        <p:nvSpPr>
+          <p:cNvPr id="2" name="Inhaltsplatzhalter 1">
+            <a:extLst>
+              <a:ext uri="{FF2B5EF4-FFF2-40B4-BE49-F238E27FC236}">
+                <a16:creationId xmlns:a16="http://schemas.microsoft.com/office/drawing/2014/main" id="{67E090DA-332C-4F46-9F0B-01BCF0C954B0}"/>
+              </a:ext>
+            </a:extLst>
+          </p:cNvPr>
+          <p:cNvSpPr>
+            <a:spLocks noGrp="1"/>
+          </p:cNvSpPr>
+          <p:nvPr>
+            <p:ph idx="13"/>
+          </p:nvPr>
+        </p:nvSpPr>
+        <p:spPr/>
         <p:txBody>
           <a:bodyPr/>
           <a:lstStyle/>
           <a:p>
+            <a:endParaRPr lang="de-DE" dirty="0"/>
+          </a:p>
+        </p:txBody>
+      </p:sp>
+      <p:sp>
+        <p:nvSpPr>
+          <p:cNvPr id="3" name="Titel 2">
+            <a:extLst>
+              <a:ext uri="{FF2B5EF4-FFF2-40B4-BE49-F238E27FC236}">
+                <a16:creationId xmlns:a16="http://schemas.microsoft.com/office/drawing/2014/main" id="{634FBDFA-2750-49DE-BA39-B520811BAC1B}"/>
+              </a:ext>
+            </a:extLst>
+          </p:cNvPr>
+          <p:cNvSpPr>
+            <a:spLocks noGrp="1"/>
+          </p:cNvSpPr>
+          <p:nvPr>
+            <p:ph type="title" idx="4294967295"/>
+          </p:nvPr>
+        </p:nvSpPr>
+        <p:spPr/>
+        <p:txBody>
+          <a:bodyPr/>
+          <a:lstStyle/>
+          <a:p>
             <a:r>
               <a:rPr lang="de-DE" dirty="0"/>
-              <a:t>Drei-Wege-</a:t>
-            </a:r>
-            <a:r>
-              <a:rPr lang="de-DE" dirty="0" err="1"/>
-              <a:t>Merge</a:t>
-            </a:r>
-            <a:endParaRPr lang="de-DE" dirty="0"/>
-          </a:p>
-          <a:p>
-            <a:r>
-              <a:rPr lang="de-DE" dirty="0"/>
-              <a:t>Führt zwei Zweige zusammen</a:t>
-            </a:r>
-          </a:p>
-          <a:p>
-            <a:r>
-              <a:rPr lang="de-DE" dirty="0"/>
-              <a:t>Konflikt muss per Hand gelöst werden</a:t>
-            </a:r>
-          </a:p>
-          <a:p>
-            <a:r>
-              <a:rPr lang="de-DE" dirty="0"/>
-              <a:t>Kommando: </a:t>
-            </a:r>
-            <a:r>
-              <a:rPr lang="de-DE" b="1" i="1" dirty="0" err="1"/>
-              <a:t>git</a:t>
-            </a:r>
-            <a:r>
-              <a:rPr lang="de-DE" b="1" i="1" dirty="0"/>
-              <a:t> </a:t>
-            </a:r>
-            <a:r>
-              <a:rPr lang="de-DE" b="1" i="1" dirty="0" err="1"/>
-              <a:t>merge</a:t>
-            </a:r>
-            <a:r>
-              <a:rPr lang="de-DE" b="1" i="1" dirty="0"/>
-              <a:t> &lt;Quellzweig&gt;</a:t>
-            </a:r>
-          </a:p>
-        </p:txBody>
-      </p:sp>
-      <p:sp>
-        <p:nvSpPr>
-          <p:cNvPr id="3" name="Titel 2">
-            <a:extLst>
-              <a:ext uri="{FF2B5EF4-FFF2-40B4-BE49-F238E27FC236}">
-                <a16:creationId xmlns:a16="http://schemas.microsoft.com/office/drawing/2014/main" id="{E1E8C774-CC73-4DF3-B362-774B81B4B149}"/>
-              </a:ext>
-            </a:extLst>
-          </p:cNvPr>
-          <p:cNvSpPr>
-            <a:spLocks noGrp="1"/>
-          </p:cNvSpPr>
-          <p:nvPr>
-            <p:ph type="title" idx="4294967295"/>
-          </p:nvPr>
-        </p:nvSpPr>
-        <p:spPr/>
-        <p:txBody>
-          <a:bodyPr/>
-          <a:lstStyle/>
-          <a:p>
-            <a:r>
-              <a:rPr lang="de-DE" dirty="0" err="1"/>
-              <a:t>Merge</a:t>
-            </a:r>
-            <a:endParaRPr lang="de-DE" dirty="0"/>
+              <a:t>Konflikte</a:t>
+            </a:r>
           </a:p>
         </p:txBody>
       </p:sp>
       <p:graphicFrame>
         <p:nvGraphicFramePr>
-          <p:cNvPr id="6" name="Tabelle 5">
+          <p:cNvPr id="18" name="Tabelle 17">
             <a:extLst>
               <a:ext uri="{FF2B5EF4-FFF2-40B4-BE49-F238E27FC236}">
-                <a16:creationId xmlns:a16="http://schemas.microsoft.com/office/drawing/2014/main" id="{C650A73F-B507-4E14-804F-1DFA27865EB6}"/>
+                <a16:creationId xmlns:a16="http://schemas.microsoft.com/office/drawing/2014/main" id="{057777E4-0892-4F29-8C8D-4F688B16C82C}"/>
               </a:ext>
             </a:extLst>
           </p:cNvPr>
@@ -5564,14 +5723,14 @@
           <p:nvPr>
             <p:extLst>
               <p:ext uri="{D42A27DB-BD31-4B8C-83A1-F6EECF244321}">
-                <p14:modId xmlns:p14="http://schemas.microsoft.com/office/powerpoint/2010/main" val="546795840"/>
+                <p14:modId xmlns:p14="http://schemas.microsoft.com/office/powerpoint/2010/main" val="3078321710"/>
               </p:ext>
             </p:extLst>
           </p:nvPr>
         </p:nvGraphicFramePr>
         <p:xfrm>
-          <a:off x="4241713" y="3236237"/>
-          <a:ext cx="1910113" cy="1483360"/>
+          <a:off x="4635974" y="2273463"/>
+          <a:ext cx="1819948" cy="1483360"/>
         </p:xfrm>
         <a:graphic>
           <a:graphicData uri="http://schemas.openxmlformats.org/drawingml/2006/table">
@@ -5580,14 +5739,14 @@
                 <a:tableStyleId>{5C22544A-7EE6-4342-B048-85BDC9FD1C3A}</a:tableStyleId>
               </a:tblPr>
               <a:tblGrid>
-                <a:gridCol w="355457">
+                <a:gridCol w="338678">
                   <a:extLst>
                     <a:ext uri="{9D8B030D-6E8A-4147-A177-3AD203B41FA5}">
                       <a16:colId xmlns:a16="http://schemas.microsoft.com/office/drawing/2014/main" val="1398283470"/>
                     </a:ext>
                   </a:extLst>
                 </a:gridCol>
-                <a:gridCol w="1554656">
+                <a:gridCol w="1481270">
                   <a:extLst>
                     <a:ext uri="{9D8B030D-6E8A-4147-A177-3AD203B41FA5}">
                       <a16:colId xmlns:a16="http://schemas.microsoft.com/office/drawing/2014/main" val="1526332449"/>
@@ -5632,7 +5791,7 @@
                     <a:lstStyle/>
                     <a:p>
                       <a:r>
-                        <a:rPr lang="de-DE" sz="1200" dirty="0">
+                        <a:rPr lang="de-DE" sz="1100" dirty="0">
                           <a:latin typeface="Consolas" panose="020B0609020204030204" pitchFamily="49" charset="0"/>
                         </a:rPr>
                         <a:t>30</a:t>
@@ -5651,19 +5810,19 @@
                     <a:lstStyle/>
                     <a:p>
                       <a:r>
-                        <a:rPr lang="de-DE" sz="1200" dirty="0">
+                        <a:rPr lang="de-DE" sz="1100" dirty="0">
                           <a:latin typeface="Consolas" panose="020B0609020204030204" pitchFamily="49" charset="0"/>
                         </a:rPr>
                         <a:t>Print("</a:t>
                       </a:r>
                       <a:r>
-                        <a:rPr lang="de-DE" sz="1200" dirty="0" err="1">
+                        <a:rPr lang="de-DE" sz="1100" dirty="0" err="1">
                           <a:latin typeface="Consolas" panose="020B0609020204030204" pitchFamily="49" charset="0"/>
                         </a:rPr>
                         <a:t>hello</a:t>
                       </a:r>
                       <a:r>
-                        <a:rPr lang="de-DE" sz="1200" dirty="0">
+                        <a:rPr lang="de-DE" sz="1100" dirty="0">
                           <a:latin typeface="Consolas" panose="020B0609020204030204" pitchFamily="49" charset="0"/>
                         </a:rPr>
                         <a:t>");</a:t>
@@ -5689,7 +5848,7 @@
                     <a:lstStyle/>
                     <a:p>
                       <a:r>
-                        <a:rPr lang="de-DE" sz="1200" dirty="0">
+                        <a:rPr lang="de-DE" sz="1100" dirty="0">
                           <a:latin typeface="Consolas" panose="020B0609020204030204" pitchFamily="49" charset="0"/>
                         </a:rPr>
                         <a:t>51</a:t>
@@ -5708,25 +5867,25 @@
                     <a:lstStyle/>
                     <a:p>
                       <a:r>
-                        <a:rPr lang="de-DE" sz="1200" dirty="0" err="1">
+                        <a:rPr lang="de-DE" sz="1100" dirty="0" err="1">
                           <a:latin typeface="Consolas" panose="020B0609020204030204" pitchFamily="49" charset="0"/>
                         </a:rPr>
                         <a:t>for</a:t>
                       </a:r>
                       <a:r>
-                        <a:rPr lang="de-DE" sz="1200" dirty="0">
+                        <a:rPr lang="de-DE" sz="1100" dirty="0">
                           <a:latin typeface="Consolas" panose="020B0609020204030204" pitchFamily="49" charset="0"/>
                         </a:rPr>
                         <a:t> i = 1 </a:t>
                       </a:r>
                       <a:r>
-                        <a:rPr lang="de-DE" sz="1200" dirty="0" err="1">
+                        <a:rPr lang="de-DE" sz="1100" dirty="0" err="1">
                           <a:latin typeface="Consolas" panose="020B0609020204030204" pitchFamily="49" charset="0"/>
                         </a:rPr>
                         <a:t>to</a:t>
                       </a:r>
                       <a:r>
-                        <a:rPr lang="de-DE" sz="1200" dirty="0">
+                        <a:rPr lang="de-DE" sz="1100" dirty="0">
                           <a:latin typeface="Consolas" panose="020B0609020204030204" pitchFamily="49" charset="0"/>
                         </a:rPr>
                         <a:t> 10</a:t>
@@ -5752,7 +5911,7 @@
                     <a:lstStyle/>
                     <a:p>
                       <a:r>
-                        <a:rPr lang="de-DE" sz="1200" dirty="0">
+                        <a:rPr lang="de-DE" sz="1100" dirty="0">
                           <a:latin typeface="Consolas" panose="020B0609020204030204" pitchFamily="49" charset="0"/>
                         </a:rPr>
                         <a:t>70</a:t>
@@ -5770,7 +5929,7 @@
                     <a:bodyPr/>
                     <a:lstStyle/>
                     <a:p>
-                      <a:endParaRPr lang="de-DE" sz="1200" dirty="0">
+                      <a:endParaRPr lang="de-DE" sz="1100" dirty="0">
                         <a:latin typeface="Consolas" panose="020B0609020204030204" pitchFamily="49" charset="0"/>
                       </a:endParaRPr>
                     </a:p>
@@ -5793,10 +5952,10 @@
       </p:graphicFrame>
       <p:graphicFrame>
         <p:nvGraphicFramePr>
-          <p:cNvPr id="7" name="Tabelle 6">
+          <p:cNvPr id="19" name="Tabelle 18">
             <a:extLst>
               <a:ext uri="{FF2B5EF4-FFF2-40B4-BE49-F238E27FC236}">
-                <a16:creationId xmlns:a16="http://schemas.microsoft.com/office/drawing/2014/main" id="{37A13082-E207-4FF3-8910-6B8E36CAA0E1}"/>
+                <a16:creationId xmlns:a16="http://schemas.microsoft.com/office/drawing/2014/main" id="{D37A36F9-93CA-4E9C-82E4-066AA8F8A614}"/>
               </a:ext>
             </a:extLst>
           </p:cNvPr>
@@ -5806,14 +5965,14 @@
           <p:nvPr>
             <p:extLst>
               <p:ext uri="{D42A27DB-BD31-4B8C-83A1-F6EECF244321}">
-                <p14:modId xmlns:p14="http://schemas.microsoft.com/office/powerpoint/2010/main" val="3187292079"/>
+                <p14:modId xmlns:p14="http://schemas.microsoft.com/office/powerpoint/2010/main" val="3861709531"/>
               </p:ext>
             </p:extLst>
           </p:nvPr>
         </p:nvGraphicFramePr>
         <p:xfrm>
-          <a:off x="2272482" y="3236237"/>
-          <a:ext cx="1910113" cy="1483360"/>
+          <a:off x="2751650" y="2288849"/>
+          <a:ext cx="1819948" cy="1483360"/>
         </p:xfrm>
         <a:graphic>
           <a:graphicData uri="http://schemas.openxmlformats.org/drawingml/2006/table">
@@ -5822,14 +5981,14 @@
                 <a:tableStyleId>{00A15C55-8517-42AA-B614-E9B94910E393}</a:tableStyleId>
               </a:tblPr>
               <a:tblGrid>
-                <a:gridCol w="355457">
+                <a:gridCol w="338678">
                   <a:extLst>
                     <a:ext uri="{9D8B030D-6E8A-4147-A177-3AD203B41FA5}">
                       <a16:colId xmlns:a16="http://schemas.microsoft.com/office/drawing/2014/main" val="1398283470"/>
                     </a:ext>
                   </a:extLst>
                 </a:gridCol>
-                <a:gridCol w="1554656">
+                <a:gridCol w="1481270">
                   <a:extLst>
                     <a:ext uri="{9D8B030D-6E8A-4147-A177-3AD203B41FA5}">
                       <a16:colId xmlns:a16="http://schemas.microsoft.com/office/drawing/2014/main" val="1526332449"/>
@@ -5879,7 +6038,7 @@
                     <a:lstStyle/>
                     <a:p>
                       <a:r>
-                        <a:rPr lang="de-DE" sz="1200" dirty="0">
+                        <a:rPr lang="de-DE" sz="1100" dirty="0">
                           <a:latin typeface="Consolas" panose="020B0609020204030204" pitchFamily="49" charset="0"/>
                         </a:rPr>
                         <a:t>30</a:t>
@@ -5898,7 +6057,7 @@
                     <a:lstStyle/>
                     <a:p>
                       <a:r>
-                        <a:rPr lang="de-DE" sz="1200" dirty="0">
+                        <a:rPr lang="de-DE" sz="1100" dirty="0">
                           <a:latin typeface="Consolas" panose="020B0609020204030204" pitchFamily="49" charset="0"/>
                         </a:rPr>
                         <a:t>Print("bye");</a:t>
@@ -5924,7 +6083,7 @@
                     <a:lstStyle/>
                     <a:p>
                       <a:r>
-                        <a:rPr lang="de-DE" sz="1200" dirty="0">
+                        <a:rPr lang="de-DE" sz="1100" dirty="0">
                           <a:latin typeface="Consolas" panose="020B0609020204030204" pitchFamily="49" charset="0"/>
                         </a:rPr>
                         <a:t>51</a:t>
@@ -5943,25 +6102,25 @@
                     <a:lstStyle/>
                     <a:p>
                       <a:r>
-                        <a:rPr lang="de-DE" sz="1200" dirty="0" err="1">
+                        <a:rPr lang="de-DE" sz="1100" dirty="0" err="1">
                           <a:latin typeface="Consolas" panose="020B0609020204030204" pitchFamily="49" charset="0"/>
                         </a:rPr>
                         <a:t>for</a:t>
                       </a:r>
                       <a:r>
-                        <a:rPr lang="de-DE" sz="1200" dirty="0">
+                        <a:rPr lang="de-DE" sz="1100" dirty="0">
                           <a:latin typeface="Consolas" panose="020B0609020204030204" pitchFamily="49" charset="0"/>
                         </a:rPr>
                         <a:t> i = 1 </a:t>
                       </a:r>
                       <a:r>
-                        <a:rPr lang="de-DE" sz="1200" dirty="0" err="1">
+                        <a:rPr lang="de-DE" sz="1100" dirty="0" err="1">
                           <a:latin typeface="Consolas" panose="020B0609020204030204" pitchFamily="49" charset="0"/>
                         </a:rPr>
                         <a:t>to</a:t>
                       </a:r>
                       <a:r>
-                        <a:rPr lang="de-DE" sz="1200" dirty="0">
+                        <a:rPr lang="de-DE" sz="1100" dirty="0">
                           <a:latin typeface="Consolas" panose="020B0609020204030204" pitchFamily="49" charset="0"/>
                         </a:rPr>
                         <a:t> 5</a:t>
@@ -5987,7 +6146,7 @@
                     <a:lstStyle/>
                     <a:p>
                       <a:r>
-                        <a:rPr lang="de-DE" sz="1200" dirty="0">
+                        <a:rPr lang="de-DE" sz="1100" dirty="0">
                           <a:latin typeface="Consolas" panose="020B0609020204030204" pitchFamily="49" charset="0"/>
                         </a:rPr>
                         <a:t>70</a:t>
@@ -6005,7 +6164,7 @@
                     <a:bodyPr/>
                     <a:lstStyle/>
                     <a:p>
-                      <a:endParaRPr lang="de-DE" sz="1200" dirty="0">
+                      <a:endParaRPr lang="de-DE" sz="1100" dirty="0">
                         <a:latin typeface="Consolas" panose="020B0609020204030204" pitchFamily="49" charset="0"/>
                       </a:endParaRPr>
                     </a:p>
@@ -6028,10 +6187,10 @@
       </p:graphicFrame>
       <p:graphicFrame>
         <p:nvGraphicFramePr>
-          <p:cNvPr id="8" name="Tabelle 7">
+          <p:cNvPr id="20" name="Tabelle 19">
             <a:extLst>
               <a:ext uri="{FF2B5EF4-FFF2-40B4-BE49-F238E27FC236}">
-                <a16:creationId xmlns:a16="http://schemas.microsoft.com/office/drawing/2014/main" id="{0831DEBD-F377-4C39-96E1-0370058A8EE1}"/>
+                <a16:creationId xmlns:a16="http://schemas.microsoft.com/office/drawing/2014/main" id="{EC3266AB-6994-4900-9AFA-3598BEE98A9E}"/>
               </a:ext>
             </a:extLst>
           </p:cNvPr>
@@ -6041,14 +6200,14 @@
           <p:nvPr>
             <p:extLst>
               <p:ext uri="{D42A27DB-BD31-4B8C-83A1-F6EECF244321}">
-                <p14:modId xmlns:p14="http://schemas.microsoft.com/office/powerpoint/2010/main" val="4110514528"/>
+                <p14:modId xmlns:p14="http://schemas.microsoft.com/office/powerpoint/2010/main" val="767573931"/>
               </p:ext>
             </p:extLst>
           </p:nvPr>
         </p:nvGraphicFramePr>
         <p:xfrm>
-          <a:off x="303251" y="3236237"/>
-          <a:ext cx="1910113" cy="1483360"/>
+          <a:off x="862690" y="2288849"/>
+          <a:ext cx="1819948" cy="1483360"/>
         </p:xfrm>
         <a:graphic>
           <a:graphicData uri="http://schemas.openxmlformats.org/drawingml/2006/table">
@@ -6057,14 +6216,14 @@
                 <a:tableStyleId>{93296810-A885-4BE3-A3E7-6D5BEEA58F35}</a:tableStyleId>
               </a:tblPr>
               <a:tblGrid>
-                <a:gridCol w="355457">
+                <a:gridCol w="338678">
                   <a:extLst>
                     <a:ext uri="{9D8B030D-6E8A-4147-A177-3AD203B41FA5}">
                       <a16:colId xmlns:a16="http://schemas.microsoft.com/office/drawing/2014/main" val="1398283470"/>
                     </a:ext>
                   </a:extLst>
                 </a:gridCol>
-                <a:gridCol w="1554656">
+                <a:gridCol w="1481270">
                   <a:extLst>
                     <a:ext uri="{9D8B030D-6E8A-4147-A177-3AD203B41FA5}">
                       <a16:colId xmlns:a16="http://schemas.microsoft.com/office/drawing/2014/main" val="1526332449"/>
@@ -6079,7 +6238,7 @@
                     <a:lstStyle/>
                     <a:p>
                       <a:r>
-                        <a:rPr lang="de-DE" dirty="0"/>
+                        <a:rPr lang="de-DE" sz="1600" dirty="0"/>
                         <a:t>Datei – Zweig A</a:t>
                       </a:r>
                     </a:p>
@@ -6109,7 +6268,7 @@
                     <a:lstStyle/>
                     <a:p>
                       <a:r>
-                        <a:rPr lang="de-DE" sz="1200" dirty="0">
+                        <a:rPr lang="de-DE" sz="1100" dirty="0">
                           <a:latin typeface="Consolas" panose="020B0609020204030204" pitchFamily="49" charset="0"/>
                         </a:rPr>
                         <a:t>30</a:t>
@@ -6128,7 +6287,7 @@
                     <a:lstStyle/>
                     <a:p>
                       <a:r>
-                        <a:rPr lang="de-DE" sz="1200" dirty="0">
+                        <a:rPr lang="de-DE" sz="1100" dirty="0">
                           <a:latin typeface="Consolas" panose="020B0609020204030204" pitchFamily="49" charset="0"/>
                         </a:rPr>
                         <a:t>Print("bye");</a:t>
@@ -6154,7 +6313,7 @@
                     <a:lstStyle/>
                     <a:p>
                       <a:r>
-                        <a:rPr lang="de-DE" sz="1200" dirty="0">
+                        <a:rPr lang="de-DE" sz="1100" dirty="0">
                           <a:latin typeface="Consolas" panose="020B0609020204030204" pitchFamily="49" charset="0"/>
                         </a:rPr>
                         <a:t>51</a:t>
@@ -6173,25 +6332,25 @@
                     <a:lstStyle/>
                     <a:p>
                       <a:r>
-                        <a:rPr lang="de-DE" sz="1200" dirty="0" err="1">
+                        <a:rPr lang="de-DE" sz="1100" dirty="0" err="1">
                           <a:latin typeface="Consolas" panose="020B0609020204030204" pitchFamily="49" charset="0"/>
                         </a:rPr>
                         <a:t>for</a:t>
                       </a:r>
                       <a:r>
-                        <a:rPr lang="de-DE" sz="1200" dirty="0">
+                        <a:rPr lang="de-DE" sz="1100" dirty="0">
                           <a:latin typeface="Consolas" panose="020B0609020204030204" pitchFamily="49" charset="0"/>
                         </a:rPr>
                         <a:t> i = 1 </a:t>
                       </a:r>
                       <a:r>
-                        <a:rPr lang="de-DE" sz="1200" dirty="0" err="1">
+                        <a:rPr lang="de-DE" sz="1100" dirty="0" err="1">
                           <a:latin typeface="Consolas" panose="020B0609020204030204" pitchFamily="49" charset="0"/>
                         </a:rPr>
                         <a:t>to</a:t>
                       </a:r>
                       <a:r>
-                        <a:rPr lang="de-DE" sz="1200" dirty="0">
+                        <a:rPr lang="de-DE" sz="1100" dirty="0">
                           <a:latin typeface="Consolas" panose="020B0609020204030204" pitchFamily="49" charset="0"/>
                         </a:rPr>
                         <a:t> 20</a:t>
@@ -6217,7 +6376,7 @@
                     <a:lstStyle/>
                     <a:p>
                       <a:r>
-                        <a:rPr lang="de-DE" sz="1200" dirty="0">
+                        <a:rPr lang="de-DE" sz="1100" dirty="0">
                           <a:latin typeface="Consolas" panose="020B0609020204030204" pitchFamily="49" charset="0"/>
                         </a:rPr>
                         <a:t>70</a:t>
@@ -6236,19 +6395,19 @@
                     <a:lstStyle/>
                     <a:p>
                       <a:r>
-                        <a:rPr lang="de-DE" sz="1200" dirty="0">
+                        <a:rPr lang="de-DE" sz="1100" dirty="0">
                           <a:latin typeface="Consolas" panose="020B0609020204030204" pitchFamily="49" charset="0"/>
                         </a:rPr>
                         <a:t>Print(</a:t>
                       </a:r>
                       <a:r>
-                        <a:rPr lang="de-DE" sz="1200" dirty="0" err="1">
+                        <a:rPr lang="de-DE" sz="1100" dirty="0" err="1">
                           <a:latin typeface="Consolas" panose="020B0609020204030204" pitchFamily="49" charset="0"/>
                         </a:rPr>
                         <a:t>result</a:t>
                       </a:r>
                       <a:r>
-                        <a:rPr lang="de-DE" sz="1200" dirty="0">
+                        <a:rPr lang="de-DE" sz="1100" dirty="0">
                           <a:latin typeface="Consolas" panose="020B0609020204030204" pitchFamily="49" charset="0"/>
                         </a:rPr>
                         <a:t>);</a:t>
@@ -6273,10 +6432,10 @@
       </p:graphicFrame>
       <p:graphicFrame>
         <p:nvGraphicFramePr>
-          <p:cNvPr id="9" name="Tabelle 8">
+          <p:cNvPr id="21" name="Tabelle 20">
             <a:extLst>
               <a:ext uri="{FF2B5EF4-FFF2-40B4-BE49-F238E27FC236}">
-                <a16:creationId xmlns:a16="http://schemas.microsoft.com/office/drawing/2014/main" id="{85CDE83F-A268-4582-85D8-7E901CD63C4E}"/>
+                <a16:creationId xmlns:a16="http://schemas.microsoft.com/office/drawing/2014/main" id="{5B7A04A8-A996-4958-A606-CDB9240CCBEA}"/>
               </a:ext>
             </a:extLst>
           </p:cNvPr>
@@ -6286,14 +6445,14 @@
           <p:nvPr>
             <p:extLst>
               <p:ext uri="{D42A27DB-BD31-4B8C-83A1-F6EECF244321}">
-                <p14:modId xmlns:p14="http://schemas.microsoft.com/office/powerpoint/2010/main" val="3189473019"/>
+                <p14:modId xmlns:p14="http://schemas.microsoft.com/office/powerpoint/2010/main" val="3314029092"/>
               </p:ext>
             </p:extLst>
           </p:nvPr>
         </p:nvGraphicFramePr>
         <p:xfrm>
-          <a:off x="2272482" y="4781563"/>
-          <a:ext cx="1910113" cy="1483360"/>
+          <a:off x="2575481" y="3870460"/>
+          <a:ext cx="1819948" cy="1483360"/>
         </p:xfrm>
         <a:graphic>
           <a:graphicData uri="http://schemas.openxmlformats.org/drawingml/2006/table">
@@ -6305,14 +6464,14 @@
                 <a:tableStyleId>{21E4AEA4-8DFA-4A89-87EB-49C32662AFE0}</a:tableStyleId>
               </a:tblPr>
               <a:tblGrid>
-                <a:gridCol w="355457">
+                <a:gridCol w="338678">
                   <a:extLst>
                     <a:ext uri="{9D8B030D-6E8A-4147-A177-3AD203B41FA5}">
                       <a16:colId xmlns:a16="http://schemas.microsoft.com/office/drawing/2014/main" val="1398283470"/>
                     </a:ext>
                   </a:extLst>
                 </a:gridCol>
-                <a:gridCol w="1554656">
+                <a:gridCol w="1481270">
                   <a:extLst>
                     <a:ext uri="{9D8B030D-6E8A-4147-A177-3AD203B41FA5}">
                       <a16:colId xmlns:a16="http://schemas.microsoft.com/office/drawing/2014/main" val="1526332449"/>
@@ -6327,11 +6486,11 @@
                     <a:lstStyle/>
                     <a:p>
                       <a:r>
-                        <a:rPr lang="de-DE" dirty="0" err="1"/>
+                        <a:rPr lang="de-DE" sz="1600" dirty="0" err="1"/>
                         <a:t>Merge</a:t>
                       </a:r>
                       <a:r>
-                        <a:rPr lang="de-DE" dirty="0"/>
+                        <a:rPr lang="de-DE" sz="1600" dirty="0"/>
                         <a:t>-Ergebnis</a:t>
                       </a:r>
                     </a:p>
@@ -6361,7 +6520,7 @@
                     <a:lstStyle/>
                     <a:p>
                       <a:r>
-                        <a:rPr lang="de-DE" sz="1200" dirty="0">
+                        <a:rPr lang="de-DE" sz="1100" dirty="0">
                           <a:latin typeface="Consolas" panose="020B0609020204030204" pitchFamily="49" charset="0"/>
                         </a:rPr>
                         <a:t>30</a:t>
@@ -6380,19 +6539,19 @@
                     <a:lstStyle/>
                     <a:p>
                       <a:r>
-                        <a:rPr lang="de-DE" sz="1200" dirty="0">
+                        <a:rPr lang="de-DE" sz="1100" dirty="0">
                           <a:latin typeface="Consolas" panose="020B0609020204030204" pitchFamily="49" charset="0"/>
                         </a:rPr>
                         <a:t>Print("</a:t>
                       </a:r>
                       <a:r>
-                        <a:rPr lang="de-DE" sz="1200" dirty="0" err="1">
+                        <a:rPr lang="de-DE" sz="1100" dirty="0" err="1">
                           <a:latin typeface="Consolas" panose="020B0609020204030204" pitchFamily="49" charset="0"/>
                         </a:rPr>
                         <a:t>hello</a:t>
                       </a:r>
                       <a:r>
-                        <a:rPr lang="de-DE" sz="1200" dirty="0">
+                        <a:rPr lang="de-DE" sz="1100" dirty="0">
                           <a:latin typeface="Consolas" panose="020B0609020204030204" pitchFamily="49" charset="0"/>
                         </a:rPr>
                         <a:t>");</a:t>
@@ -6418,7 +6577,7 @@
                     <a:lstStyle/>
                     <a:p>
                       <a:r>
-                        <a:rPr lang="de-DE" sz="1200" dirty="0">
+                        <a:rPr lang="de-DE" sz="1100" dirty="0">
                           <a:latin typeface="Consolas" panose="020B0609020204030204" pitchFamily="49" charset="0"/>
                         </a:rPr>
                         <a:t>51</a:t>
@@ -6437,25 +6596,25 @@
                     <a:lstStyle/>
                     <a:p>
                       <a:r>
-                        <a:rPr lang="de-DE" sz="1200" dirty="0" err="1">
+                        <a:rPr lang="de-DE" sz="1100" dirty="0" err="1">
                           <a:latin typeface="Consolas" panose="020B0609020204030204" pitchFamily="49" charset="0"/>
                         </a:rPr>
                         <a:t>for</a:t>
                       </a:r>
                       <a:r>
-                        <a:rPr lang="de-DE" sz="1200" dirty="0">
+                        <a:rPr lang="de-DE" sz="1100" dirty="0">
                           <a:latin typeface="Consolas" panose="020B0609020204030204" pitchFamily="49" charset="0"/>
                         </a:rPr>
                         <a:t> i = 1 </a:t>
                       </a:r>
                       <a:r>
-                        <a:rPr lang="de-DE" sz="1200" dirty="0" err="1">
+                        <a:rPr lang="de-DE" sz="1100" dirty="0" err="1">
                           <a:latin typeface="Consolas" panose="020B0609020204030204" pitchFamily="49" charset="0"/>
                         </a:rPr>
                         <a:t>to</a:t>
                       </a:r>
                       <a:r>
-                        <a:rPr lang="de-DE" sz="1200" dirty="0">
+                        <a:rPr lang="de-DE" sz="1100" dirty="0">
                           <a:latin typeface="Consolas" panose="020B0609020204030204" pitchFamily="49" charset="0"/>
                         </a:rPr>
                         <a:t> 20</a:t>
@@ -6481,7 +6640,7 @@
                     <a:lstStyle/>
                     <a:p>
                       <a:r>
-                        <a:rPr lang="de-DE" sz="1200" dirty="0">
+                        <a:rPr lang="de-DE" sz="1100" dirty="0">
                           <a:latin typeface="Consolas" panose="020B0609020204030204" pitchFamily="49" charset="0"/>
                         </a:rPr>
                         <a:t>70</a:t>
@@ -6500,19 +6659,19 @@
                     <a:lstStyle/>
                     <a:p>
                       <a:r>
-                        <a:rPr lang="de-DE" sz="1200" dirty="0">
+                        <a:rPr lang="de-DE" sz="1100" dirty="0">
                           <a:latin typeface="Consolas" panose="020B0609020204030204" pitchFamily="49" charset="0"/>
                         </a:rPr>
                         <a:t>Print(</a:t>
                       </a:r>
                       <a:r>
-                        <a:rPr lang="de-DE" sz="1200" dirty="0" err="1">
+                        <a:rPr lang="de-DE" sz="1100" dirty="0" err="1">
                           <a:latin typeface="Consolas" panose="020B0609020204030204" pitchFamily="49" charset="0"/>
                         </a:rPr>
                         <a:t>result</a:t>
                       </a:r>
                       <a:r>
-                        <a:rPr lang="de-DE" sz="1200" dirty="0">
+                        <a:rPr lang="de-DE" sz="1100" dirty="0">
                           <a:latin typeface="Consolas" panose="020B0609020204030204" pitchFamily="49" charset="0"/>
                         </a:rPr>
                         <a:t>);</a:t>
@@ -6537,10 +6696,10 @@
       </p:graphicFrame>
       <p:sp>
         <p:nvSpPr>
-          <p:cNvPr id="10" name="Rechteck 9">
+          <p:cNvPr id="22" name="Rechteck 21">
             <a:extLst>
               <a:ext uri="{FF2B5EF4-FFF2-40B4-BE49-F238E27FC236}">
-                <a16:creationId xmlns:a16="http://schemas.microsoft.com/office/drawing/2014/main" id="{486F63A9-2FA3-43ED-A571-861B5FF5F346}"/>
+                <a16:creationId xmlns:a16="http://schemas.microsoft.com/office/drawing/2014/main" id="{0DF12A22-AB6D-42B9-9531-FCEE2B64817C}"/>
               </a:ext>
             </a:extLst>
           </p:cNvPr>
@@ -6549,8 +6708,8 @@
         </p:nvSpPr>
         <p:spPr>
           <a:xfrm>
-            <a:off x="236696" y="3977917"/>
-            <a:ext cx="5990602" cy="293615"/>
+            <a:off x="804819" y="3030529"/>
+            <a:ext cx="5713427" cy="293615"/>
           </a:xfrm>
           <a:prstGeom prst="rect">
             <a:avLst/>
@@ -6590,10 +6749,10 @@
       </p:sp>
       <p:sp>
         <p:nvSpPr>
-          <p:cNvPr id="11" name="Textfeld 10">
+          <p:cNvPr id="23" name="Textfeld 22">
             <a:extLst>
               <a:ext uri="{FF2B5EF4-FFF2-40B4-BE49-F238E27FC236}">
-                <a16:creationId xmlns:a16="http://schemas.microsoft.com/office/drawing/2014/main" id="{A779DC95-B3A3-4F12-A7A8-1A6D30521022}"/>
+                <a16:creationId xmlns:a16="http://schemas.microsoft.com/office/drawing/2014/main" id="{7B2F224A-9648-473D-9004-0AFC64AC8A54}"/>
               </a:ext>
             </a:extLst>
           </p:cNvPr>
@@ -6602,8 +6761,8 @@
         </p:nvSpPr>
         <p:spPr>
           <a:xfrm>
-            <a:off x="6230013" y="3963755"/>
-            <a:ext cx="774180" cy="307777"/>
+            <a:off x="84250" y="3008857"/>
+            <a:ext cx="774180" cy="292388"/>
           </a:xfrm>
           <a:prstGeom prst="rect">
             <a:avLst/>
@@ -6618,7 +6777,7 @@
           <a:p>
             <a:pPr algn="ctr"/>
             <a:r>
-              <a:rPr lang="de-DE" sz="1400" dirty="0">
+              <a:rPr lang="de-DE" sz="1300" dirty="0">
                 <a:solidFill>
                   <a:srgbClr val="FF0000"/>
                 </a:solidFill>
@@ -6630,10 +6789,10 @@
       </p:sp>
       <p:sp>
         <p:nvSpPr>
-          <p:cNvPr id="14" name="Textfeld 13">
+          <p:cNvPr id="24" name="Textfeld 23">
             <a:extLst>
               <a:ext uri="{FF2B5EF4-FFF2-40B4-BE49-F238E27FC236}">
-                <a16:creationId xmlns:a16="http://schemas.microsoft.com/office/drawing/2014/main" id="{E1FE8346-FB52-4669-AE96-234676AB847B}"/>
+                <a16:creationId xmlns:a16="http://schemas.microsoft.com/office/drawing/2014/main" id="{6CB0E53C-C0A3-4A68-B04F-B1F4CFF3C3F0}"/>
               </a:ext>
             </a:extLst>
           </p:cNvPr>
@@ -6642,7 +6801,7 @@
         </p:nvSpPr>
         <p:spPr>
           <a:xfrm>
-            <a:off x="644372" y="5276907"/>
+            <a:off x="967563" y="4370369"/>
             <a:ext cx="2036803" cy="646331"/>
           </a:xfrm>
           <a:prstGeom prst="rect">
@@ -6665,10 +6824,10 @@
       </p:sp>
       <p:sp>
         <p:nvSpPr>
-          <p:cNvPr id="15" name="Geschweifte Klammer links 14">
+          <p:cNvPr id="25" name="Geschweifte Klammer links 24">
             <a:extLst>
               <a:ext uri="{FF2B5EF4-FFF2-40B4-BE49-F238E27FC236}">
-                <a16:creationId xmlns:a16="http://schemas.microsoft.com/office/drawing/2014/main" id="{96D753EF-EE86-46AB-9C05-3C1D82C9CE6A}"/>
+                <a16:creationId xmlns:a16="http://schemas.microsoft.com/office/drawing/2014/main" id="{F9466E1A-6971-401A-889B-BAEA312CEAF6}"/>
               </a:ext>
             </a:extLst>
           </p:cNvPr>
@@ -6677,7 +6836,7 @@
         </p:nvSpPr>
         <p:spPr>
           <a:xfrm>
-            <a:off x="2124267" y="5539646"/>
+            <a:off x="2349653" y="4633108"/>
             <a:ext cx="130986" cy="336118"/>
           </a:xfrm>
           <a:prstGeom prst="leftBrace">
@@ -6708,12 +6867,419 @@
           </a:p>
         </p:txBody>
       </p:sp>
+      <p:grpSp>
+        <p:nvGrpSpPr>
+          <p:cNvPr id="26" name="Gruppieren 25">
+            <a:extLst>
+              <a:ext uri="{FF2B5EF4-FFF2-40B4-BE49-F238E27FC236}">
+                <a16:creationId xmlns:a16="http://schemas.microsoft.com/office/drawing/2014/main" id="{A5FF2039-2989-4351-B66C-92C72135B54C}"/>
+              </a:ext>
+            </a:extLst>
+          </p:cNvPr>
+          <p:cNvGrpSpPr/>
+          <p:nvPr/>
+        </p:nvGrpSpPr>
+        <p:grpSpPr>
+          <a:xfrm>
+            <a:off x="5652195" y="1467535"/>
+            <a:ext cx="2889914" cy="4620032"/>
+            <a:chOff x="8058816" y="1047474"/>
+            <a:chExt cx="2889914" cy="4620032"/>
+          </a:xfrm>
+        </p:grpSpPr>
+        <p:pic>
+          <p:nvPicPr>
+            <p:cNvPr id="27" name="Grafik 26">
+              <a:extLst>
+                <a:ext uri="{FF2B5EF4-FFF2-40B4-BE49-F238E27FC236}">
+                  <a16:creationId xmlns:a16="http://schemas.microsoft.com/office/drawing/2014/main" id="{48E1744C-91FC-4EEC-AB1D-B37F085A0AF5}"/>
+                </a:ext>
+              </a:extLst>
+            </p:cNvPr>
+            <p:cNvPicPr>
+              <a:picLocks noChangeAspect="1"/>
+            </p:cNvPicPr>
+            <p:nvPr/>
+          </p:nvPicPr>
+          <p:blipFill rotWithShape="1">
+            <a:blip r:embed="rId2"/>
+            <a:srcRect r="13065"/>
+            <a:stretch/>
+          </p:blipFill>
+          <p:spPr>
+            <a:xfrm rot="5400000">
+              <a:off x="6912193" y="2253216"/>
+              <a:ext cx="4620032" cy="2208548"/>
+            </a:xfrm>
+            <a:prstGeom prst="rect">
+              <a:avLst/>
+            </a:prstGeom>
+          </p:spPr>
+        </p:pic>
+        <p:grpSp>
+          <p:nvGrpSpPr>
+            <p:cNvPr id="28" name="Gruppieren 27">
+              <a:extLst>
+                <a:ext uri="{FF2B5EF4-FFF2-40B4-BE49-F238E27FC236}">
+                  <a16:creationId xmlns:a16="http://schemas.microsoft.com/office/drawing/2014/main" id="{4E68EAAF-D875-4513-B495-C0108B7DF837}"/>
+                </a:ext>
+              </a:extLst>
+            </p:cNvPr>
+            <p:cNvGrpSpPr/>
+            <p:nvPr/>
+          </p:nvGrpSpPr>
+          <p:grpSpPr>
+            <a:xfrm rot="5400000">
+              <a:off x="7244243" y="3010085"/>
+              <a:ext cx="4390894" cy="694810"/>
+              <a:chOff x="5843263" y="1076696"/>
+              <a:chExt cx="4390894" cy="694810"/>
+            </a:xfrm>
+          </p:grpSpPr>
+          <p:sp>
+            <p:nvSpPr>
+              <p:cNvPr id="33" name="Ellipse 32">
+                <a:extLst>
+                  <a:ext uri="{FF2B5EF4-FFF2-40B4-BE49-F238E27FC236}">
+                    <a16:creationId xmlns:a16="http://schemas.microsoft.com/office/drawing/2014/main" id="{859B67B1-CA65-4C39-A523-81CCA3DB587C}"/>
+                  </a:ext>
+                </a:extLst>
+              </p:cNvPr>
+              <p:cNvSpPr/>
+              <p:nvPr/>
+            </p:nvSpPr>
+            <p:spPr>
+              <a:xfrm>
+                <a:off x="8599804" y="1076696"/>
+                <a:ext cx="251613" cy="257904"/>
+              </a:xfrm>
+              <a:prstGeom prst="ellipse">
+                <a:avLst/>
+              </a:prstGeom>
+              <a:solidFill>
+                <a:srgbClr val="5B9BD5"/>
+              </a:solidFill>
+            </p:spPr>
+            <p:style>
+              <a:lnRef idx="2">
+                <a:schemeClr val="accent1">
+                  <a:shade val="50000"/>
+                </a:schemeClr>
+              </a:lnRef>
+              <a:fillRef idx="1">
+                <a:schemeClr val="accent1"/>
+              </a:fillRef>
+              <a:effectRef idx="0">
+                <a:schemeClr val="accent1"/>
+              </a:effectRef>
+              <a:fontRef idx="minor">
+                <a:schemeClr val="lt1"/>
+              </a:fontRef>
+            </p:style>
+            <p:txBody>
+              <a:bodyPr rtlCol="0" anchor="ctr"/>
+              <a:lstStyle/>
+              <a:p>
+                <a:pPr algn="ctr"/>
+                <a:endParaRPr lang="de-DE"/>
+              </a:p>
+            </p:txBody>
+          </p:sp>
+          <p:sp>
+            <p:nvSpPr>
+              <p:cNvPr id="34" name="Ellipse 33">
+                <a:extLst>
+                  <a:ext uri="{FF2B5EF4-FFF2-40B4-BE49-F238E27FC236}">
+                    <a16:creationId xmlns:a16="http://schemas.microsoft.com/office/drawing/2014/main" id="{7CFF8E64-01C6-463E-83CE-29BAC818B3C2}"/>
+                  </a:ext>
+                </a:extLst>
+              </p:cNvPr>
+              <p:cNvSpPr/>
+              <p:nvPr/>
+            </p:nvSpPr>
+            <p:spPr>
+              <a:xfrm>
+                <a:off x="9290213" y="1513556"/>
+                <a:ext cx="251613" cy="257904"/>
+              </a:xfrm>
+              <a:prstGeom prst="ellipse">
+                <a:avLst/>
+              </a:prstGeom>
+              <a:solidFill>
+                <a:srgbClr val="70AD47"/>
+              </a:solidFill>
+            </p:spPr>
+            <p:style>
+              <a:lnRef idx="2">
+                <a:schemeClr val="accent1">
+                  <a:shade val="50000"/>
+                </a:schemeClr>
+              </a:lnRef>
+              <a:fillRef idx="1">
+                <a:schemeClr val="accent1"/>
+              </a:fillRef>
+              <a:effectRef idx="0">
+                <a:schemeClr val="accent1"/>
+              </a:effectRef>
+              <a:fontRef idx="minor">
+                <a:schemeClr val="lt1"/>
+              </a:fontRef>
+            </p:style>
+            <p:txBody>
+              <a:bodyPr rtlCol="0" anchor="ctr"/>
+              <a:lstStyle/>
+              <a:p>
+                <a:pPr algn="ctr"/>
+                <a:endParaRPr lang="de-DE"/>
+              </a:p>
+            </p:txBody>
+          </p:sp>
+          <p:sp>
+            <p:nvSpPr>
+              <p:cNvPr id="35" name="Ellipse 34">
+                <a:extLst>
+                  <a:ext uri="{FF2B5EF4-FFF2-40B4-BE49-F238E27FC236}">
+                    <a16:creationId xmlns:a16="http://schemas.microsoft.com/office/drawing/2014/main" id="{E2E770FC-BE69-4F2D-8C72-5AC2E0EC167C}"/>
+                  </a:ext>
+                </a:extLst>
+              </p:cNvPr>
+              <p:cNvSpPr/>
+              <p:nvPr/>
+            </p:nvSpPr>
+            <p:spPr>
+              <a:xfrm>
+                <a:off x="5843263" y="1513602"/>
+                <a:ext cx="251613" cy="257904"/>
+              </a:xfrm>
+              <a:prstGeom prst="ellipse">
+                <a:avLst/>
+              </a:prstGeom>
+              <a:solidFill>
+                <a:srgbClr val="FFC000"/>
+              </a:solidFill>
+            </p:spPr>
+            <p:style>
+              <a:lnRef idx="2">
+                <a:schemeClr val="accent1">
+                  <a:shade val="50000"/>
+                </a:schemeClr>
+              </a:lnRef>
+              <a:fillRef idx="1">
+                <a:schemeClr val="accent1"/>
+              </a:fillRef>
+              <a:effectRef idx="0">
+                <a:schemeClr val="accent1"/>
+              </a:effectRef>
+              <a:fontRef idx="minor">
+                <a:schemeClr val="lt1"/>
+              </a:fontRef>
+            </p:style>
+            <p:txBody>
+              <a:bodyPr rtlCol="0" anchor="ctr"/>
+              <a:lstStyle/>
+              <a:p>
+                <a:pPr algn="ctr"/>
+                <a:endParaRPr lang="de-DE"/>
+              </a:p>
+            </p:txBody>
+          </p:sp>
+          <p:sp>
+            <p:nvSpPr>
+              <p:cNvPr id="36" name="Ellipse 35">
+                <a:extLst>
+                  <a:ext uri="{FF2B5EF4-FFF2-40B4-BE49-F238E27FC236}">
+                    <a16:creationId xmlns:a16="http://schemas.microsoft.com/office/drawing/2014/main" id="{59E52365-5105-4906-9D33-E53FB7B4967C}"/>
+                  </a:ext>
+                </a:extLst>
+              </p:cNvPr>
+              <p:cNvSpPr/>
+              <p:nvPr/>
+            </p:nvSpPr>
+            <p:spPr>
+              <a:xfrm>
+                <a:off x="9982544" y="1513556"/>
+                <a:ext cx="251613" cy="257904"/>
+              </a:xfrm>
+              <a:prstGeom prst="ellipse">
+                <a:avLst/>
+              </a:prstGeom>
+              <a:solidFill>
+                <a:srgbClr val="ED7D31"/>
+              </a:solidFill>
+            </p:spPr>
+            <p:style>
+              <a:lnRef idx="2">
+                <a:schemeClr val="accent1">
+                  <a:shade val="50000"/>
+                </a:schemeClr>
+              </a:lnRef>
+              <a:fillRef idx="1">
+                <a:schemeClr val="accent1"/>
+              </a:fillRef>
+              <a:effectRef idx="0">
+                <a:schemeClr val="accent1"/>
+              </a:effectRef>
+              <a:fontRef idx="minor">
+                <a:schemeClr val="lt1"/>
+              </a:fontRef>
+            </p:style>
+            <p:txBody>
+              <a:bodyPr rtlCol="0" anchor="ctr"/>
+              <a:lstStyle/>
+              <a:p>
+                <a:pPr algn="ctr"/>
+                <a:endParaRPr lang="de-DE"/>
+              </a:p>
+            </p:txBody>
+          </p:sp>
+        </p:grpSp>
+        <p:sp>
+          <p:nvSpPr>
+            <p:cNvPr id="29" name="Textfeld 28">
+              <a:extLst>
+                <a:ext uri="{FF2B5EF4-FFF2-40B4-BE49-F238E27FC236}">
+                  <a16:creationId xmlns:a16="http://schemas.microsoft.com/office/drawing/2014/main" id="{3E04C9ED-996D-4F5D-980A-461244D025F1}"/>
+                </a:ext>
+              </a:extLst>
+            </p:cNvPr>
+            <p:cNvSpPr txBox="1"/>
+            <p:nvPr/>
+          </p:nvSpPr>
+          <p:spPr>
+            <a:xfrm>
+              <a:off x="8117935" y="1113179"/>
+              <a:ext cx="1110826" cy="336118"/>
+            </a:xfrm>
+            <a:prstGeom prst="rect">
+              <a:avLst/>
+            </a:prstGeom>
+            <a:noFill/>
+          </p:spPr>
+          <p:txBody>
+            <a:bodyPr wrap="square" rtlCol="0">
+              <a:spAutoFit/>
+            </a:bodyPr>
+            <a:lstStyle/>
+            <a:p>
+              <a:r>
+                <a:rPr lang="de-DE" dirty="0"/>
+                <a:t>Vorfahre</a:t>
+              </a:r>
+            </a:p>
+          </p:txBody>
+        </p:sp>
+        <p:sp>
+          <p:nvSpPr>
+            <p:cNvPr id="30" name="Textfeld 29">
+              <a:extLst>
+                <a:ext uri="{FF2B5EF4-FFF2-40B4-BE49-F238E27FC236}">
+                  <a16:creationId xmlns:a16="http://schemas.microsoft.com/office/drawing/2014/main" id="{40C8FE63-E808-40D0-AE6D-8F41C6FC433C}"/>
+                </a:ext>
+              </a:extLst>
+            </p:cNvPr>
+            <p:cNvSpPr txBox="1"/>
+            <p:nvPr/>
+          </p:nvSpPr>
+          <p:spPr>
+            <a:xfrm>
+              <a:off x="8058816" y="5268127"/>
+              <a:ext cx="1110826" cy="336118"/>
+            </a:xfrm>
+            <a:prstGeom prst="rect">
+              <a:avLst/>
+            </a:prstGeom>
+            <a:noFill/>
+          </p:spPr>
+          <p:txBody>
+            <a:bodyPr wrap="square" rtlCol="0">
+              <a:spAutoFit/>
+            </a:bodyPr>
+            <a:lstStyle/>
+            <a:p>
+              <a:r>
+                <a:rPr lang="de-DE" dirty="0"/>
+                <a:t>Ergebnis</a:t>
+              </a:r>
+            </a:p>
+          </p:txBody>
+        </p:sp>
+        <p:sp>
+          <p:nvSpPr>
+            <p:cNvPr id="31" name="Textfeld 30">
+              <a:extLst>
+                <a:ext uri="{FF2B5EF4-FFF2-40B4-BE49-F238E27FC236}">
+                  <a16:creationId xmlns:a16="http://schemas.microsoft.com/office/drawing/2014/main" id="{35C51025-0E4F-4200-83B5-DBAC21F8D2A7}"/>
+                </a:ext>
+              </a:extLst>
+            </p:cNvPr>
+            <p:cNvSpPr txBox="1"/>
+            <p:nvPr/>
+          </p:nvSpPr>
+          <p:spPr>
+            <a:xfrm>
+              <a:off x="8058817" y="4566741"/>
+              <a:ext cx="1025652" cy="336118"/>
+            </a:xfrm>
+            <a:prstGeom prst="rect">
+              <a:avLst/>
+            </a:prstGeom>
+            <a:noFill/>
+          </p:spPr>
+          <p:txBody>
+            <a:bodyPr wrap="square" rtlCol="0">
+              <a:spAutoFit/>
+            </a:bodyPr>
+            <a:lstStyle/>
+            <a:p>
+              <a:r>
+                <a:rPr lang="de-DE" dirty="0"/>
+                <a:t>Zweig A</a:t>
+              </a:r>
+            </a:p>
+          </p:txBody>
+        </p:sp>
+        <p:sp>
+          <p:nvSpPr>
+            <p:cNvPr id="32" name="Textfeld 31">
+              <a:extLst>
+                <a:ext uri="{FF2B5EF4-FFF2-40B4-BE49-F238E27FC236}">
+                  <a16:creationId xmlns:a16="http://schemas.microsoft.com/office/drawing/2014/main" id="{22065134-76C9-48C9-A283-9B61F7998416}"/>
+                </a:ext>
+              </a:extLst>
+            </p:cNvPr>
+            <p:cNvSpPr txBox="1"/>
+            <p:nvPr/>
+          </p:nvSpPr>
+          <p:spPr>
+            <a:xfrm>
+              <a:off x="9861330" y="3859269"/>
+              <a:ext cx="1087400" cy="336118"/>
+            </a:xfrm>
+            <a:prstGeom prst="rect">
+              <a:avLst/>
+            </a:prstGeom>
+            <a:noFill/>
+          </p:spPr>
+          <p:txBody>
+            <a:bodyPr wrap="square" rtlCol="0">
+              <a:spAutoFit/>
+            </a:bodyPr>
+            <a:lstStyle/>
+            <a:p>
+              <a:r>
+                <a:rPr lang="de-DE" dirty="0"/>
+                <a:t>Zweig B</a:t>
+              </a:r>
+            </a:p>
+          </p:txBody>
+        </p:sp>
+      </p:grpSp>
       <p:cxnSp>
         <p:nvCxnSpPr>
-          <p:cNvPr id="12" name="Gerade Verbindung mit Pfeil 11">
+          <p:cNvPr id="37" name="Gerade Verbindung mit Pfeil 36">
             <a:extLst>
               <a:ext uri="{FF2B5EF4-FFF2-40B4-BE49-F238E27FC236}">
-                <a16:creationId xmlns:a16="http://schemas.microsoft.com/office/drawing/2014/main" id="{320BFF30-F4A9-4F9F-8C37-A5E9785A3F82}"/>
+                <a16:creationId xmlns:a16="http://schemas.microsoft.com/office/drawing/2014/main" id="{B0E97A6C-C4B5-45C8-923E-7E271759C846}"/>
               </a:ext>
             </a:extLst>
           </p:cNvPr>
@@ -6724,7 +7290,7 @@
         </p:nvCxnSpPr>
         <p:spPr>
           <a:xfrm>
-            <a:off x="8936926" y="1569990"/>
+            <a:off x="8400030" y="1569990"/>
             <a:ext cx="0" cy="4390895"/>
           </a:xfrm>
           <a:prstGeom prst="straightConnector1">
@@ -6751,10 +7317,10 @@
       </p:cxnSp>
       <p:sp>
         <p:nvSpPr>
-          <p:cNvPr id="13" name="Textfeld 12">
+          <p:cNvPr id="38" name="Textfeld 37">
             <a:extLst>
               <a:ext uri="{FF2B5EF4-FFF2-40B4-BE49-F238E27FC236}">
-                <a16:creationId xmlns:a16="http://schemas.microsoft.com/office/drawing/2014/main" id="{6866527E-E672-4783-B42A-BB88C87EE5C1}"/>
+                <a16:creationId xmlns:a16="http://schemas.microsoft.com/office/drawing/2014/main" id="{29F8C273-1181-4FCC-8A04-3D33156CBAB7}"/>
               </a:ext>
             </a:extLst>
           </p:cNvPr>
@@ -6763,7 +7329,7 @@
         </p:nvSpPr>
         <p:spPr>
           <a:xfrm>
-            <a:off x="7962060" y="1246824"/>
+            <a:off x="7425164" y="1246824"/>
             <a:ext cx="1110826" cy="646331"/>
           </a:xfrm>
           <a:prstGeom prst="rect">
@@ -6780,89 +7346,6 @@
             <a:r>
               <a:rPr lang="de-DE" dirty="0"/>
               <a:t>Zeitlicher Verlauf</a:t>
-            </a:r>
-          </a:p>
-        </p:txBody>
-      </p:sp>
-    </p:spTree>
-    <p:extLst>
-      <p:ext uri="{BB962C8B-B14F-4D97-AF65-F5344CB8AC3E}">
-        <p14:creationId xmlns:p14="http://schemas.microsoft.com/office/powerpoint/2010/main" val="18428114"/>
-      </p:ext>
-    </p:extLst>
-  </p:cSld>
-  <p:clrMapOvr>
-    <a:masterClrMapping/>
-  </p:clrMapOvr>
-</p:sld>
-</file>
-
-<file path=ppt/slides/slide17.xml><?xml version="1.0" encoding="utf-8"?>
-<p:sld xmlns:a="http://schemas.openxmlformats.org/drawingml/2006/main" xmlns:r="http://schemas.openxmlformats.org/officeDocument/2006/relationships" xmlns:p="http://schemas.openxmlformats.org/presentationml/2006/main">
-  <p:cSld>
-    <p:spTree>
-      <p:nvGrpSpPr>
-        <p:cNvPr id="1" name=""/>
-        <p:cNvGrpSpPr/>
-        <p:nvPr/>
-      </p:nvGrpSpPr>
-      <p:grpSpPr>
-        <a:xfrm>
-          <a:off x="0" y="0"/>
-          <a:ext cx="0" cy="0"/>
-          <a:chOff x="0" y="0"/>
-          <a:chExt cx="0" cy="0"/>
-        </a:xfrm>
-      </p:grpSpPr>
-      <p:sp>
-        <p:nvSpPr>
-          <p:cNvPr id="4" name="Inhaltsplatzhalter 3">
-            <a:extLst>
-              <a:ext uri="{FF2B5EF4-FFF2-40B4-BE49-F238E27FC236}">
-                <a16:creationId xmlns:a16="http://schemas.microsoft.com/office/drawing/2014/main" id="{5B4366CE-FD7B-407F-B6D7-0761A7C7B280}"/>
-              </a:ext>
-            </a:extLst>
-          </p:cNvPr>
-          <p:cNvSpPr>
-            <a:spLocks noGrp="1"/>
-          </p:cNvSpPr>
-          <p:nvPr>
-            <p:ph idx="13"/>
-          </p:nvPr>
-        </p:nvSpPr>
-        <p:spPr/>
-        <p:txBody>
-          <a:bodyPr/>
-          <a:lstStyle/>
-          <a:p>
-            <a:endParaRPr lang="de-DE"/>
-          </a:p>
-        </p:txBody>
-      </p:sp>
-      <p:sp>
-        <p:nvSpPr>
-          <p:cNvPr id="3" name="Titel 2">
-            <a:extLst>
-              <a:ext uri="{FF2B5EF4-FFF2-40B4-BE49-F238E27FC236}">
-                <a16:creationId xmlns:a16="http://schemas.microsoft.com/office/drawing/2014/main" id="{634FBDFA-2750-49DE-BA39-B520811BAC1B}"/>
-              </a:ext>
-            </a:extLst>
-          </p:cNvPr>
-          <p:cNvSpPr>
-            <a:spLocks noGrp="1"/>
-          </p:cNvSpPr>
-          <p:nvPr>
-            <p:ph type="title" idx="4294967295"/>
-          </p:nvPr>
-        </p:nvSpPr>
-        <p:spPr/>
-        <p:txBody>
-          <a:bodyPr/>
-          <a:lstStyle/>
-          <a:p>
-            <a:r>
-              <a:rPr lang="de-DE" dirty="0"/>
-              <a:t>Konflikte</a:t>
             </a:r>
           </a:p>
         </p:txBody>
@@ -6899,10 +7382,10 @@
       </p:grpSpPr>
       <p:sp>
         <p:nvSpPr>
-          <p:cNvPr id="4" name="Inhaltsplatzhalter 3">
+          <p:cNvPr id="2" name="Inhaltsplatzhalter 1">
             <a:extLst>
               <a:ext uri="{FF2B5EF4-FFF2-40B4-BE49-F238E27FC236}">
-                <a16:creationId xmlns:a16="http://schemas.microsoft.com/office/drawing/2014/main" id="{55623FE8-7E23-4A81-B9FD-59FA0E1F4CC7}"/>
+                <a16:creationId xmlns:a16="http://schemas.microsoft.com/office/drawing/2014/main" id="{D40C5A62-F0E7-45BD-ABFC-6DEA461CCD2E}"/>
               </a:ext>
             </a:extLst>
           </p:cNvPr>
@@ -6918,7 +7401,32 @@
           <a:bodyPr/>
           <a:lstStyle/>
           <a:p>
-            <a:endParaRPr lang="de-DE"/>
+            <a:r>
+              <a:rPr lang="de-DE" dirty="0"/>
+              <a:t>Wird Benutzt um Historie zu ändern</a:t>
+            </a:r>
+          </a:p>
+          <a:p>
+            <a:r>
+              <a:rPr lang="de-DE" dirty="0"/>
+              <a:t>Kommando: </a:t>
+            </a:r>
+            <a:r>
+              <a:rPr lang="de-DE" b="1" i="1" dirty="0" err="1"/>
+              <a:t>git</a:t>
+            </a:r>
+            <a:r>
+              <a:rPr lang="de-DE" b="1" i="1" dirty="0"/>
+              <a:t> </a:t>
+            </a:r>
+            <a:r>
+              <a:rPr lang="de-DE" b="1" i="1" dirty="0" err="1"/>
+              <a:t>rebase</a:t>
+            </a:r>
+            <a:endParaRPr lang="de-DE" b="1" i="1" dirty="0"/>
+          </a:p>
+          <a:p>
+            <a:endParaRPr lang="de-DE" dirty="0"/>
           </a:p>
         </p:txBody>
       </p:sp>
@@ -6951,6 +7459,45 @@
           </a:p>
         </p:txBody>
       </p:sp>
+      <p:pic>
+        <p:nvPicPr>
+          <p:cNvPr id="5" name="Grafik 4">
+            <a:extLst>
+              <a:ext uri="{FF2B5EF4-FFF2-40B4-BE49-F238E27FC236}">
+                <a16:creationId xmlns:a16="http://schemas.microsoft.com/office/drawing/2014/main" id="{81D6E277-2888-4B96-A810-78F8A899259F}"/>
+              </a:ext>
+            </a:extLst>
+          </p:cNvPr>
+          <p:cNvPicPr/>
+          <p:nvPr/>
+        </p:nvPicPr>
+        <p:blipFill>
+          <a:blip r:embed="rId2">
+            <a:extLst>
+              <a:ext uri="{28A0092B-C50C-407E-A947-70E740481C1C}">
+                <a14:useLocalDpi xmlns:a14="http://schemas.microsoft.com/office/drawing/2010/main" val="0"/>
+              </a:ext>
+            </a:extLst>
+          </a:blip>
+          <a:srcRect/>
+          <a:stretch>
+            <a:fillRect/>
+          </a:stretch>
+        </p:blipFill>
+        <p:spPr bwMode="auto">
+          <a:xfrm>
+            <a:off x="2246312" y="3016250"/>
+            <a:ext cx="4651375" cy="825500"/>
+          </a:xfrm>
+          <a:prstGeom prst="rect">
+            <a:avLst/>
+          </a:prstGeom>
+          <a:noFill/>
+          <a:ln>
+            <a:noFill/>
+          </a:ln>
+        </p:spPr>
+      </p:pic>
     </p:spTree>
     <p:extLst>
       <p:ext uri="{BB962C8B-B14F-4D97-AF65-F5344CB8AC3E}">

--- a/Präsentation-90min/Präsentation-90min.pptx
+++ b/Präsentation-90min/Präsentation-90min.pptx
@@ -5,7 +5,7 @@
     <p:sldMasterId id="2147483660" r:id="rId1"/>
   </p:sldMasterIdLst>
   <p:notesMasterIdLst>
-    <p:notesMasterId r:id="rId40"/>
+    <p:notesMasterId r:id="rId39"/>
   </p:notesMasterIdLst>
   <p:sldIdLst>
     <p:sldId id="257" r:id="rId2"/>
@@ -17,35 +17,34 @@
     <p:sldId id="275" r:id="rId8"/>
     <p:sldId id="277" r:id="rId9"/>
     <p:sldId id="276" r:id="rId10"/>
-    <p:sldId id="278" r:id="rId11"/>
-    <p:sldId id="279" r:id="rId12"/>
+    <p:sldId id="279" r:id="rId11"/>
+    <p:sldId id="278" r:id="rId12"/>
     <p:sldId id="280" r:id="rId13"/>
     <p:sldId id="281" r:id="rId14"/>
     <p:sldId id="282" r:id="rId15"/>
-    <p:sldId id="283" r:id="rId16"/>
-    <p:sldId id="284" r:id="rId17"/>
-    <p:sldId id="285" r:id="rId18"/>
-    <p:sldId id="286" r:id="rId19"/>
-    <p:sldId id="287" r:id="rId20"/>
-    <p:sldId id="288" r:id="rId21"/>
-    <p:sldId id="289" r:id="rId22"/>
-    <p:sldId id="290" r:id="rId23"/>
-    <p:sldId id="291" r:id="rId24"/>
-    <p:sldId id="293" r:id="rId25"/>
-    <p:sldId id="292" r:id="rId26"/>
-    <p:sldId id="295" r:id="rId27"/>
-    <p:sldId id="297" r:id="rId28"/>
-    <p:sldId id="298" r:id="rId29"/>
-    <p:sldId id="299" r:id="rId30"/>
-    <p:sldId id="300" r:id="rId31"/>
-    <p:sldId id="301" r:id="rId32"/>
-    <p:sldId id="303" r:id="rId33"/>
-    <p:sldId id="302" r:id="rId34"/>
-    <p:sldId id="304" r:id="rId35"/>
-    <p:sldId id="305" r:id="rId36"/>
-    <p:sldId id="306" r:id="rId37"/>
-    <p:sldId id="308" r:id="rId38"/>
-    <p:sldId id="307" r:id="rId39"/>
+    <p:sldId id="284" r:id="rId16"/>
+    <p:sldId id="285" r:id="rId17"/>
+    <p:sldId id="286" r:id="rId18"/>
+    <p:sldId id="287" r:id="rId19"/>
+    <p:sldId id="288" r:id="rId20"/>
+    <p:sldId id="289" r:id="rId21"/>
+    <p:sldId id="290" r:id="rId22"/>
+    <p:sldId id="291" r:id="rId23"/>
+    <p:sldId id="293" r:id="rId24"/>
+    <p:sldId id="292" r:id="rId25"/>
+    <p:sldId id="295" r:id="rId26"/>
+    <p:sldId id="297" r:id="rId27"/>
+    <p:sldId id="298" r:id="rId28"/>
+    <p:sldId id="299" r:id="rId29"/>
+    <p:sldId id="300" r:id="rId30"/>
+    <p:sldId id="301" r:id="rId31"/>
+    <p:sldId id="303" r:id="rId32"/>
+    <p:sldId id="302" r:id="rId33"/>
+    <p:sldId id="304" r:id="rId34"/>
+    <p:sldId id="305" r:id="rId35"/>
+    <p:sldId id="306" r:id="rId36"/>
+    <p:sldId id="308" r:id="rId37"/>
+    <p:sldId id="307" r:id="rId38"/>
   </p:sldIdLst>
   <p:sldSz cx="9144000" cy="6858000" type="screen4x3"/>
   <p:notesSz cx="6858000" cy="9144000"/>
@@ -146,7 +145,18 @@
   </p:defaultTextStyle>
   <p:extLst>
     <p:ext uri="{EFAFB233-063F-42B5-8137-9DF3F51BA10A}">
-      <p15:sldGuideLst xmlns:p15="http://schemas.microsoft.com/office/powerpoint/2012/main"/>
+      <p15:sldGuideLst xmlns:p15="http://schemas.microsoft.com/office/powerpoint/2012/main">
+        <p15:guide id="1" orient="horz" pos="2160" userDrawn="1">
+          <p15:clr>
+            <a:srgbClr val="A4A3A4"/>
+          </p15:clr>
+        </p15:guide>
+        <p15:guide id="2" pos="2880" userDrawn="1">
+          <p15:clr>
+            <a:srgbClr val="A4A3A4"/>
+          </p15:clr>
+        </p15:guide>
+      </p15:sldGuideLst>
     </p:ext>
   </p:extLst>
 </p:presentation>
@@ -161,6 +171,13 @@
       </p:ext>
     </p:extLst>
   </p:cmAuthor>
+  <p:cmAuthor id="2" name="Marc Retzlaff" initials="MR" lastIdx="2" clrIdx="1">
+    <p:extLst>
+      <p:ext uri="{19B8F6BF-5375-455C-9EA6-DF929625EA0E}">
+        <p15:presenceInfo xmlns:p15="http://schemas.microsoft.com/office/powerpoint/2012/main" userId="874654ead53cf3b3" providerId="Windows Live"/>
+      </p:ext>
+    </p:extLst>
+  </p:cmAuthor>
 </p:cmAuthorLst>
 </file>
 
@@ -172,6 +189,17 @@
     <p:extLst>
       <p:ext uri="{C676402C-5697-4E1C-873F-D02D1690AC5C}">
         <p15:threadingInfo xmlns:p15="http://schemas.microsoft.com/office/powerpoint/2012/main" timeZoneBias="-60"/>
+      </p:ext>
+    </p:extLst>
+  </p:cm>
+  <p:cm authorId="2" dt="2020-03-13T09:07:52.477" idx="2">
+    <p:pos x="1036" y="479"/>
+    <p:text>brauchen wir die Folie überhaupt?</p:text>
+    <p:extLst>
+      <p:ext uri="{C676402C-5697-4E1C-873F-D02D1690AC5C}">
+        <p15:threadingInfo xmlns:p15="http://schemas.microsoft.com/office/powerpoint/2012/main" timeZoneBias="-60">
+          <p15:parentCm authorId="1" idx="3"/>
+        </p15:threadingInfo>
       </p:ext>
     </p:extLst>
   </p:cm>
@@ -260,7 +288,7 @@
           <a:p>
             <a:fld id="{A1E1CD49-93F9-4EB7-9AB7-31369D3CCD5D}" type="datetimeFigureOut">
               <a:rPr lang="de-DE" smtClean="0"/>
-              <a:t>12.03.2020</a:t>
+              <a:t>13.03.2020</a:t>
             </a:fld>
             <a:endParaRPr lang="de-DE"/>
           </a:p>
@@ -658,7 +686,7 @@
           <a:p>
             <a:fld id="{7CDC51D4-4F8D-402A-BD06-90531D3D0B0E}" type="datetime1">
               <a:rPr lang="de-DE" smtClean="0"/>
-              <a:t>12.03.2020</a:t>
+              <a:t>13.03.2020</a:t>
             </a:fld>
             <a:endParaRPr lang="de-DE"/>
           </a:p>
@@ -828,7 +856,7 @@
           <a:p>
             <a:fld id="{3608FC1D-F958-4804-B298-25E0F93B1193}" type="datetime1">
               <a:rPr lang="de-DE" smtClean="0"/>
-              <a:t>12.03.2020</a:t>
+              <a:t>13.03.2020</a:t>
             </a:fld>
             <a:endParaRPr lang="de-DE"/>
           </a:p>
@@ -1008,7 +1036,7 @@
           <a:p>
             <a:fld id="{853E26B7-2C61-49BA-838E-19A37BCD9623}" type="datetime1">
               <a:rPr lang="de-DE" smtClean="0"/>
-              <a:t>12.03.2020</a:t>
+              <a:t>13.03.2020</a:t>
             </a:fld>
             <a:endParaRPr lang="de-DE"/>
           </a:p>
@@ -1303,7 +1331,7 @@
             <a:fld id="{6F7941D6-DDCD-4FEB-B76A-6EA7C7E1DF91}" type="datetime1">
               <a:rPr lang="de-DE" smtClean="0"/>
               <a:pPr/>
-              <a:t>12.03.2020</a:t>
+              <a:t>13.03.2020</a:t>
             </a:fld>
             <a:endParaRPr lang="de-DE" dirty="0"/>
           </a:p>
@@ -2087,7 +2115,7 @@
           <a:p>
             <a:fld id="{625025DE-6FE8-4EA0-83A6-6CAFC8B06972}" type="datetime1">
               <a:rPr lang="de-DE" smtClean="0"/>
-              <a:t>12.03.2020</a:t>
+              <a:t>13.03.2020</a:t>
             </a:fld>
             <a:endParaRPr lang="de-DE"/>
           </a:p>
@@ -2454,7 +2482,7 @@
           <a:p>
             <a:fld id="{247D6157-A9C6-4111-84CF-F4ABC9BB74CD}" type="datetime1">
               <a:rPr lang="de-DE" smtClean="0"/>
-              <a:t>12.03.2020</a:t>
+              <a:t>13.03.2020</a:t>
             </a:fld>
             <a:endParaRPr lang="de-DE"/>
           </a:p>
@@ -2572,7 +2600,7 @@
           <a:p>
             <a:fld id="{8EBDA223-4612-4606-8A30-596D72469CD7}" type="datetime1">
               <a:rPr lang="de-DE" smtClean="0"/>
-              <a:t>12.03.2020</a:t>
+              <a:t>13.03.2020</a:t>
             </a:fld>
             <a:endParaRPr lang="de-DE"/>
           </a:p>
@@ -2667,7 +2695,7 @@
           <a:p>
             <a:fld id="{5C800F00-9786-41ED-9D90-88F7ADE0F2B0}" type="datetime1">
               <a:rPr lang="de-DE" smtClean="0"/>
-              <a:t>12.03.2020</a:t>
+              <a:t>13.03.2020</a:t>
             </a:fld>
             <a:endParaRPr lang="de-DE"/>
           </a:p>
@@ -2944,7 +2972,7 @@
           <a:p>
             <a:fld id="{DE94FA33-7DFF-4544-8A2D-E09A4E33D92E}" type="datetime1">
               <a:rPr lang="de-DE" smtClean="0"/>
-              <a:t>12.03.2020</a:t>
+              <a:t>13.03.2020</a:t>
             </a:fld>
             <a:endParaRPr lang="de-DE"/>
           </a:p>
@@ -3201,7 +3229,7 @@
           <a:p>
             <a:fld id="{10F76841-BABD-4AE4-8760-966DF476109C}" type="datetime1">
               <a:rPr lang="de-DE" smtClean="0"/>
-              <a:t>12.03.2020</a:t>
+              <a:t>13.03.2020</a:t>
             </a:fld>
             <a:endParaRPr lang="de-DE"/>
           </a:p>
@@ -3414,7 +3442,7 @@
           <a:p>
             <a:fld id="{34C5C537-7C07-410D-9EF1-F90075952502}" type="datetime1">
               <a:rPr lang="de-DE" smtClean="0"/>
-              <a:t>12.03.2020</a:t>
+              <a:t>13.03.2020</a:t>
             </a:fld>
             <a:endParaRPr lang="de-DE"/>
           </a:p>
@@ -3840,209 +3868,142 @@
         </p:nvSpPr>
         <p:spPr/>
         <p:txBody>
-          <a:bodyPr>
-            <a:normAutofit/>
-          </a:bodyPr>
+          <a:bodyPr/>
           <a:lstStyle/>
           <a:p>
-            <a:r>
-              <a:rPr lang="de-DE" sz="2000" dirty="0">
-                <a:latin typeface="Arial" panose="020B0604020202020204" pitchFamily="34" charset="0"/>
-                <a:cs typeface="Arial" panose="020B0604020202020204" pitchFamily="34" charset="0"/>
-              </a:rPr>
-              <a:t>Wird mit Kommando </a:t>
-            </a:r>
-            <a:r>
-              <a:rPr lang="de-DE" sz="2000" b="1" i="1" dirty="0" err="1">
-                <a:latin typeface="Arial" panose="020B0604020202020204" pitchFamily="34" charset="0"/>
-                <a:cs typeface="Arial" panose="020B0604020202020204" pitchFamily="34" charset="0"/>
-              </a:rPr>
-              <a:t>apt-get</a:t>
-            </a:r>
-            <a:r>
-              <a:rPr lang="de-DE" sz="2000" b="1" i="1" dirty="0">
-                <a:latin typeface="Arial" panose="020B0604020202020204" pitchFamily="34" charset="0"/>
-                <a:cs typeface="Arial" panose="020B0604020202020204" pitchFamily="34" charset="0"/>
-              </a:rPr>
-              <a:t> </a:t>
-            </a:r>
-            <a:r>
-              <a:rPr lang="de-DE" sz="2000" dirty="0">
-                <a:latin typeface="Arial" panose="020B0604020202020204" pitchFamily="34" charset="0"/>
-                <a:cs typeface="Arial" panose="020B0604020202020204" pitchFamily="34" charset="0"/>
-              </a:rPr>
-              <a:t>heruntergeladen und installiert</a:t>
-            </a:r>
-          </a:p>
-          <a:p>
-            <a:pPr lvl="1"/>
-            <a:r>
-              <a:rPr lang="de-DE" sz="1600" dirty="0">
-                <a:latin typeface="Arial" panose="020B0604020202020204" pitchFamily="34" charset="0"/>
-                <a:cs typeface="Arial" panose="020B0604020202020204" pitchFamily="34" charset="0"/>
-              </a:rPr>
-              <a:t>Zuerst müssen Referenzen erneuert werden</a:t>
-            </a:r>
-          </a:p>
-          <a:p>
-            <a:pPr marL="457200" lvl="1" indent="0">
+            <a:pPr marL="0" indent="0">
               <a:buNone/>
             </a:pPr>
             <a:r>
-              <a:rPr lang="de-DE" sz="1600" dirty="0">
-                <a:latin typeface="Arial" panose="020B0604020202020204" pitchFamily="34" charset="0"/>
-                <a:cs typeface="Arial" panose="020B0604020202020204" pitchFamily="34" charset="0"/>
-              </a:rPr>
-              <a:t>	Kommando: </a:t>
-            </a:r>
-            <a:r>
-              <a:rPr lang="de-DE" sz="1600" b="1" i="1" dirty="0" err="1">
-                <a:latin typeface="Arial" panose="020B0604020202020204" pitchFamily="34" charset="0"/>
-                <a:cs typeface="Arial" panose="020B0604020202020204" pitchFamily="34" charset="0"/>
-              </a:rPr>
+              <a:rPr lang="de-DE" dirty="0"/>
+              <a:t>Verwendung des Kommandos </a:t>
+            </a:r>
+            <a:r>
+              <a:rPr lang="de-DE" dirty="0" err="1"/>
+              <a:t>apt-get</a:t>
+            </a:r>
+            <a:r>
+              <a:rPr lang="de-DE" dirty="0"/>
+              <a:t>:</a:t>
+            </a:r>
+          </a:p>
+          <a:p>
+            <a:pPr marL="800100" lvl="1" indent="-342900">
+              <a:buFont typeface="+mj-lt"/>
+              <a:buAutoNum type="arabicPeriod"/>
+            </a:pPr>
+            <a:r>
+              <a:rPr lang="de-DE" dirty="0"/>
+              <a:t>Erneuerung der Referenzen</a:t>
+            </a:r>
+          </a:p>
+          <a:p>
+            <a:pPr marL="800100" lvl="1" indent="-342900">
+              <a:buFont typeface="+mj-lt"/>
+              <a:buAutoNum type="arabicPeriod"/>
+            </a:pPr>
+            <a:r>
+              <a:rPr lang="de-DE" dirty="0"/>
+              <a:t>Kommando: </a:t>
+            </a:r>
+            <a:r>
+              <a:rPr lang="de-DE" b="1" i="1" dirty="0" err="1"/>
               <a:t>sudo</a:t>
             </a:r>
             <a:r>
-              <a:rPr lang="de-DE" sz="1600" b="1" i="1" dirty="0">
-                <a:latin typeface="Arial" panose="020B0604020202020204" pitchFamily="34" charset="0"/>
-                <a:cs typeface="Arial" panose="020B0604020202020204" pitchFamily="34" charset="0"/>
-              </a:rPr>
+              <a:rPr lang="de-DE" b="1" i="1" dirty="0"/>
               <a:t> </a:t>
             </a:r>
             <a:r>
-              <a:rPr lang="de-DE" sz="1600" b="1" i="1" dirty="0" err="1">
-                <a:latin typeface="Arial" panose="020B0604020202020204" pitchFamily="34" charset="0"/>
-                <a:cs typeface="Arial" panose="020B0604020202020204" pitchFamily="34" charset="0"/>
-              </a:rPr>
+              <a:rPr lang="de-DE" b="1" i="1" dirty="0" err="1"/>
               <a:t>apt-get</a:t>
             </a:r>
             <a:r>
-              <a:rPr lang="de-DE" sz="1600" b="1" i="1" dirty="0">
-                <a:latin typeface="Arial" panose="020B0604020202020204" pitchFamily="34" charset="0"/>
-                <a:cs typeface="Arial" panose="020B0604020202020204" pitchFamily="34" charset="0"/>
-              </a:rPr>
+              <a:rPr lang="de-DE" b="1" i="1" dirty="0"/>
               <a:t> update</a:t>
             </a:r>
           </a:p>
           <a:p>
-            <a:pPr lvl="1"/>
-            <a:r>
-              <a:rPr lang="de-DE" sz="1600" dirty="0">
-                <a:latin typeface="Arial" panose="020B0604020202020204" pitchFamily="34" charset="0"/>
-                <a:cs typeface="Arial" panose="020B0604020202020204" pitchFamily="34" charset="0"/>
-              </a:rPr>
-              <a:t>Danach kann Git installiert werden</a:t>
-            </a:r>
-          </a:p>
-          <a:p>
-            <a:pPr marL="457200" lvl="1" indent="0">
+            <a:pPr marL="800100" lvl="1" indent="-342900">
+              <a:buFont typeface="+mj-lt"/>
+              <a:buAutoNum type="arabicPeriod"/>
+            </a:pPr>
+            <a:r>
+              <a:rPr lang="de-DE" dirty="0"/>
+              <a:t>Kommando: </a:t>
+            </a:r>
+            <a:r>
+              <a:rPr lang="de-DE" b="1" i="1" dirty="0" err="1"/>
+              <a:t>sudo</a:t>
+            </a:r>
+            <a:r>
+              <a:rPr lang="de-DE" b="1" i="1" dirty="0"/>
+              <a:t> </a:t>
+            </a:r>
+            <a:r>
+              <a:rPr lang="de-DE" b="1" i="1" dirty="0" err="1"/>
+              <a:t>apt-get</a:t>
+            </a:r>
+            <a:r>
+              <a:rPr lang="de-DE" b="1" i="1" dirty="0"/>
+              <a:t> </a:t>
+            </a:r>
+            <a:r>
+              <a:rPr lang="de-DE" b="1" i="1" dirty="0" err="1"/>
+              <a:t>install</a:t>
+            </a:r>
+            <a:r>
+              <a:rPr lang="de-DE" b="1" i="1" dirty="0"/>
+              <a:t> </a:t>
+            </a:r>
+            <a:r>
+              <a:rPr lang="de-DE" b="1" i="1" dirty="0" err="1"/>
+              <a:t>git</a:t>
+            </a:r>
+            <a:endParaRPr lang="de-DE" b="1" i="1" dirty="0"/>
+          </a:p>
+          <a:p>
+            <a:pPr marL="800100" lvl="1" indent="-342900">
+              <a:buFont typeface="+mj-lt"/>
+              <a:buAutoNum type="arabicPeriod"/>
+            </a:pPr>
+            <a:r>
+              <a:rPr lang="de-DE" dirty="0"/>
+              <a:t>Überprüfung mit </a:t>
+            </a:r>
+            <a:r>
+              <a:rPr lang="de-DE" b="1" i="1" dirty="0" err="1"/>
+              <a:t>git</a:t>
+            </a:r>
+            <a:r>
+              <a:rPr lang="de-DE" b="1" i="1" dirty="0"/>
+              <a:t> --version</a:t>
+            </a:r>
+          </a:p>
+          <a:p>
+            <a:pPr marL="0" indent="0">
               <a:buNone/>
             </a:pPr>
-            <a:r>
-              <a:rPr lang="de-DE" sz="1600" dirty="0">
-                <a:latin typeface="Arial" panose="020B0604020202020204" pitchFamily="34" charset="0"/>
-                <a:cs typeface="Arial" panose="020B0604020202020204" pitchFamily="34" charset="0"/>
-              </a:rPr>
-              <a:t>	Kommando: </a:t>
-            </a:r>
-            <a:r>
-              <a:rPr lang="de-DE" sz="1600" b="1" i="1" dirty="0" err="1">
-                <a:latin typeface="Arial" panose="020B0604020202020204" pitchFamily="34" charset="0"/>
-                <a:cs typeface="Arial" panose="020B0604020202020204" pitchFamily="34" charset="0"/>
-              </a:rPr>
-              <a:t>sudo</a:t>
-            </a:r>
-            <a:r>
-              <a:rPr lang="de-DE" sz="1600" b="1" i="1" dirty="0">
-                <a:latin typeface="Arial" panose="020B0604020202020204" pitchFamily="34" charset="0"/>
-                <a:cs typeface="Arial" panose="020B0604020202020204" pitchFamily="34" charset="0"/>
-              </a:rPr>
-              <a:t> </a:t>
-            </a:r>
-            <a:r>
-              <a:rPr lang="de-DE" sz="1600" b="1" i="1" dirty="0" err="1">
-                <a:latin typeface="Arial" panose="020B0604020202020204" pitchFamily="34" charset="0"/>
-                <a:cs typeface="Arial" panose="020B0604020202020204" pitchFamily="34" charset="0"/>
-              </a:rPr>
-              <a:t>apt-get</a:t>
-            </a:r>
-            <a:r>
-              <a:rPr lang="de-DE" sz="1600" b="1" i="1" dirty="0">
-                <a:latin typeface="Arial" panose="020B0604020202020204" pitchFamily="34" charset="0"/>
-                <a:cs typeface="Arial" panose="020B0604020202020204" pitchFamily="34" charset="0"/>
-              </a:rPr>
-              <a:t> </a:t>
-            </a:r>
-            <a:r>
-              <a:rPr lang="de-DE" sz="1600" b="1" i="1" dirty="0" err="1">
-                <a:latin typeface="Arial" panose="020B0604020202020204" pitchFamily="34" charset="0"/>
-                <a:cs typeface="Arial" panose="020B0604020202020204" pitchFamily="34" charset="0"/>
-              </a:rPr>
-              <a:t>install</a:t>
-            </a:r>
-            <a:r>
-              <a:rPr lang="de-DE" sz="1600" b="1" i="1" dirty="0">
-                <a:latin typeface="Arial" panose="020B0604020202020204" pitchFamily="34" charset="0"/>
-                <a:cs typeface="Arial" panose="020B0604020202020204" pitchFamily="34" charset="0"/>
-              </a:rPr>
-              <a:t> git</a:t>
-            </a:r>
-            <a:endParaRPr lang="de-DE" sz="1200" b="1" i="1" dirty="0">
-              <a:latin typeface="Arial" panose="020B0604020202020204" pitchFamily="34" charset="0"/>
-              <a:cs typeface="Arial" panose="020B0604020202020204" pitchFamily="34" charset="0"/>
-            </a:endParaRPr>
-          </a:p>
-          <a:p>
-            <a:pPr marL="914400" lvl="2" indent="0">
-              <a:buNone/>
-            </a:pPr>
-            <a:endParaRPr lang="de-DE" sz="1200" dirty="0">
-              <a:latin typeface="Arial" panose="020B0604020202020204" pitchFamily="34" charset="0"/>
-              <a:cs typeface="Arial" panose="020B0604020202020204" pitchFamily="34" charset="0"/>
-            </a:endParaRPr>
-          </a:p>
-          <a:p>
-            <a:endParaRPr lang="de-DE" sz="2000" dirty="0">
-              <a:latin typeface="Arial" panose="020B0604020202020204" pitchFamily="34" charset="0"/>
-              <a:cs typeface="Arial" panose="020B0604020202020204" pitchFamily="34" charset="0"/>
-            </a:endParaRPr>
-          </a:p>
-          <a:p>
-            <a:endParaRPr lang="de-DE" sz="2000" dirty="0">
-              <a:latin typeface="Arial" panose="020B0604020202020204" pitchFamily="34" charset="0"/>
-              <a:cs typeface="Arial" panose="020B0604020202020204" pitchFamily="34" charset="0"/>
-            </a:endParaRPr>
-          </a:p>
-          <a:p>
-            <a:endParaRPr lang="de-DE" sz="2000" dirty="0">
-              <a:latin typeface="Arial" panose="020B0604020202020204" pitchFamily="34" charset="0"/>
-              <a:cs typeface="Arial" panose="020B0604020202020204" pitchFamily="34" charset="0"/>
-            </a:endParaRPr>
-          </a:p>
-          <a:p>
-            <a:endParaRPr lang="de-DE" sz="2000" dirty="0">
-              <a:latin typeface="Arial" panose="020B0604020202020204" pitchFamily="34" charset="0"/>
-              <a:cs typeface="Arial" panose="020B0604020202020204" pitchFamily="34" charset="0"/>
-            </a:endParaRPr>
-          </a:p>
-          <a:p>
-            <a:endParaRPr lang="de-DE" sz="2000" dirty="0">
-              <a:latin typeface="Arial" panose="020B0604020202020204" pitchFamily="34" charset="0"/>
-              <a:cs typeface="Arial" panose="020B0604020202020204" pitchFamily="34" charset="0"/>
-            </a:endParaRPr>
-          </a:p>
-          <a:p>
-            <a:endParaRPr lang="de-DE" sz="2000" dirty="0">
-              <a:latin typeface="Arial" panose="020B0604020202020204" pitchFamily="34" charset="0"/>
-              <a:cs typeface="Arial" panose="020B0604020202020204" pitchFamily="34" charset="0"/>
-            </a:endParaRPr>
+            <a:endParaRPr lang="de-DE" dirty="0"/>
+          </a:p>
+          <a:p>
+            <a:endParaRPr lang="de-DE" dirty="0"/>
+          </a:p>
+          <a:p>
+            <a:endParaRPr lang="de-DE" dirty="0"/>
+          </a:p>
+          <a:p>
+            <a:endParaRPr lang="de-DE" dirty="0"/>
+          </a:p>
+          <a:p>
+            <a:endParaRPr lang="de-DE" dirty="0"/>
+          </a:p>
+          <a:p>
+            <a:endParaRPr lang="de-DE" dirty="0"/>
           </a:p>
           <a:p>
             <a:pPr lvl="1"/>
-            <a:endParaRPr lang="de-DE" sz="2000" dirty="0">
-              <a:latin typeface="Arial" panose="020B0604020202020204" pitchFamily="34" charset="0"/>
-              <a:cs typeface="Arial" panose="020B0604020202020204" pitchFamily="34" charset="0"/>
-            </a:endParaRPr>
+            <a:endParaRPr lang="de-DE" dirty="0"/>
           </a:p>
         </p:txBody>
       </p:sp>
@@ -4064,16 +4025,11 @@
         </p:nvSpPr>
         <p:spPr/>
         <p:txBody>
-          <a:bodyPr>
-            <a:normAutofit/>
-          </a:bodyPr>
+          <a:bodyPr/>
           <a:lstStyle/>
           <a:p>
             <a:r>
-              <a:rPr lang="de-DE" sz="2400" b="1" dirty="0">
-                <a:latin typeface="Arial" panose="020B0604020202020204" pitchFamily="34" charset="0"/>
-                <a:cs typeface="Arial" panose="020B0604020202020204" pitchFamily="34" charset="0"/>
-              </a:rPr>
+              <a:rPr lang="de-DE" dirty="0"/>
               <a:t>Installation unter Linux</a:t>
             </a:r>
           </a:p>
@@ -4107,7 +4063,7 @@
           <a:p>
             <a:fld id="{6F7941D6-DDCD-4FEB-B76A-6EA7C7E1DF91}" type="datetime1">
               <a:rPr lang="de-DE" smtClean="0"/>
-              <a:t>12.03.2020</a:t>
+              <a:t>13.03.2020</a:t>
             </a:fld>
             <a:endParaRPr lang="de-DE" dirty="0"/>
           </a:p>
@@ -4288,6 +4244,35 @@
           </a:fontRef>
         </p:style>
       </p:cxnSp>
+      <p:pic>
+        <p:nvPicPr>
+          <p:cNvPr id="14" name="Grafik 13">
+            <a:extLst>
+              <a:ext uri="{FF2B5EF4-FFF2-40B4-BE49-F238E27FC236}">
+                <a16:creationId xmlns:a16="http://schemas.microsoft.com/office/drawing/2014/main" id="{662EF6AE-12E0-4CB0-9C97-4C2C4564B6FB}"/>
+              </a:ext>
+            </a:extLst>
+          </p:cNvPr>
+          <p:cNvPicPr>
+            <a:picLocks noChangeAspect="1"/>
+          </p:cNvPicPr>
+          <p:nvPr/>
+        </p:nvPicPr>
+        <p:blipFill rotWithShape="1">
+          <a:blip r:embed="rId3"/>
+          <a:srcRect r="9969"/>
+          <a:stretch/>
+        </p:blipFill>
+        <p:spPr>
+          <a:xfrm>
+            <a:off x="2209804" y="3429000"/>
+            <a:ext cx="4773074" cy="1233916"/>
+          </a:xfrm>
+          <a:prstGeom prst="rect">
+            <a:avLst/>
+          </a:prstGeom>
+        </p:spPr>
+      </p:pic>
     </p:spTree>
     <p:extLst>
       <p:ext uri="{BB962C8B-B14F-4D97-AF65-F5344CB8AC3E}">
@@ -4320,228 +4305,6 @@
       </p:grpSpPr>
       <p:sp>
         <p:nvSpPr>
-          <p:cNvPr id="2" name="Inhaltsplatzhalter 1">
-            <a:extLst>
-              <a:ext uri="{FF2B5EF4-FFF2-40B4-BE49-F238E27FC236}">
-                <a16:creationId xmlns:a16="http://schemas.microsoft.com/office/drawing/2014/main" id="{99579AFA-4288-4E59-BD2C-CF222CE7DDEA}"/>
-              </a:ext>
-            </a:extLst>
-          </p:cNvPr>
-          <p:cNvSpPr>
-            <a:spLocks noGrp="1"/>
-          </p:cNvSpPr>
-          <p:nvPr>
-            <p:ph idx="13"/>
-          </p:nvPr>
-        </p:nvSpPr>
-        <p:spPr/>
-        <p:txBody>
-          <a:bodyPr>
-            <a:normAutofit lnSpcReduction="10000"/>
-          </a:bodyPr>
-          <a:lstStyle/>
-          <a:p>
-            <a:r>
-              <a:rPr lang="de-DE" dirty="0"/>
-              <a:t>Stellt Zwischenspeicher dar</a:t>
-            </a:r>
-          </a:p>
-          <a:p>
-            <a:r>
-              <a:rPr lang="de-DE" dirty="0"/>
-              <a:t>Kommando: </a:t>
-            </a:r>
-            <a:r>
-              <a:rPr lang="de-DE" b="1" i="1" dirty="0"/>
-              <a:t>git </a:t>
-            </a:r>
-            <a:r>
-              <a:rPr lang="de-DE" b="1" i="1" dirty="0" err="1"/>
-              <a:t>stash</a:t>
-            </a:r>
-            <a:endParaRPr lang="de-DE" b="1" i="1" dirty="0"/>
-          </a:p>
-          <a:p>
-            <a:r>
-              <a:rPr lang="de-DE" dirty="0"/>
-              <a:t>Optionen:</a:t>
-            </a:r>
-          </a:p>
-          <a:p>
-            <a:pPr lvl="1"/>
-            <a:r>
-              <a:rPr lang="de-DE" i="1" dirty="0"/>
-              <a:t>-patch</a:t>
-            </a:r>
-            <a:r>
-              <a:rPr lang="de-DE" dirty="0"/>
-              <a:t>:		nur ein Teil der Änderungen wird 				zwischengespeichert</a:t>
-            </a:r>
-          </a:p>
-          <a:p>
-            <a:pPr lvl="1"/>
-            <a:r>
-              <a:rPr lang="de-DE" i="1" dirty="0"/>
-              <a:t>-u</a:t>
-            </a:r>
-            <a:r>
-              <a:rPr lang="de-DE" dirty="0"/>
-              <a:t>: 		nicht versionsverwaltete Dateien werden mit 			einbezogen</a:t>
-            </a:r>
-          </a:p>
-          <a:p>
-            <a:pPr lvl="1"/>
-            <a:r>
-              <a:rPr lang="de-DE" i="1" dirty="0" err="1"/>
-              <a:t>list</a:t>
-            </a:r>
-            <a:r>
-              <a:rPr lang="de-DE" dirty="0"/>
-              <a:t>: 		listet alle bereits gespeicherten 				Zwischenstände auf</a:t>
-            </a:r>
-          </a:p>
-          <a:p>
-            <a:pPr lvl="1"/>
-            <a:r>
-              <a:rPr lang="de-DE" i="1" dirty="0"/>
-              <a:t>save "&lt;Nachricht&gt;"</a:t>
-            </a:r>
-            <a:r>
-              <a:rPr lang="de-DE" dirty="0"/>
-              <a:t>:	fügt einem Zwischenstand eine Nachricht 			hinzu</a:t>
-            </a:r>
-          </a:p>
-          <a:p>
-            <a:pPr lvl="1"/>
-            <a:r>
-              <a:rPr lang="de-DE" i="1" dirty="0" err="1"/>
-              <a:t>pop</a:t>
-            </a:r>
-            <a:r>
-              <a:rPr lang="de-DE" dirty="0"/>
-              <a:t>: 		Zwischenstand wird auf aktuelle Arbeitsmappe 			angewendet und nach der Anwendung 				gelöscht</a:t>
-            </a:r>
-          </a:p>
-          <a:p>
-            <a:pPr lvl="1"/>
-            <a:r>
-              <a:rPr lang="de-DE" i="1" dirty="0" err="1"/>
-              <a:t>apply</a:t>
-            </a:r>
-            <a:r>
-              <a:rPr lang="de-DE" dirty="0"/>
-              <a:t>: 		Zwischenstand wird auf aktuelle Arbeitsmappe 			angewendet und nach der Anwendung 				beibehalten</a:t>
-            </a:r>
-          </a:p>
-          <a:p>
-            <a:pPr lvl="1"/>
-            <a:r>
-              <a:rPr lang="de-DE" i="1" dirty="0" err="1"/>
-              <a:t>show</a:t>
-            </a:r>
-            <a:r>
-              <a:rPr lang="de-DE" dirty="0"/>
-              <a:t>:		Änderungen des ersten Eintrags im </a:t>
-            </a:r>
-            <a:r>
-              <a:rPr lang="de-DE" dirty="0" err="1"/>
-              <a:t>Stash</a:t>
-            </a:r>
-            <a:r>
-              <a:rPr lang="de-DE" dirty="0"/>
-              <a:t> 			angezeigt</a:t>
-            </a:r>
-          </a:p>
-          <a:p>
-            <a:pPr lvl="1"/>
-            <a:r>
-              <a:rPr lang="de-DE" i="1" dirty="0" err="1"/>
-              <a:t>drop</a:t>
-            </a:r>
-            <a:r>
-              <a:rPr lang="de-DE" i="1" dirty="0"/>
-              <a:t> &lt;</a:t>
-            </a:r>
-            <a:r>
-              <a:rPr lang="de-DE" i="1" dirty="0" err="1"/>
-              <a:t>stash-id</a:t>
-            </a:r>
-            <a:r>
-              <a:rPr lang="de-DE" i="1" dirty="0"/>
-              <a:t>&gt;</a:t>
-            </a:r>
-            <a:r>
-              <a:rPr lang="de-DE" dirty="0"/>
-              <a:t>:	Um einen Zwischenstand zu löschen</a:t>
-            </a:r>
-          </a:p>
-          <a:p>
-            <a:pPr lvl="1"/>
-            <a:endParaRPr lang="de-DE" dirty="0"/>
-          </a:p>
-        </p:txBody>
-      </p:sp>
-      <p:sp>
-        <p:nvSpPr>
-          <p:cNvPr id="3" name="Titel 2">
-            <a:extLst>
-              <a:ext uri="{FF2B5EF4-FFF2-40B4-BE49-F238E27FC236}">
-                <a16:creationId xmlns:a16="http://schemas.microsoft.com/office/drawing/2014/main" id="{23F9D629-AE16-4134-A025-BC6DE94F1F0F}"/>
-              </a:ext>
-            </a:extLst>
-          </p:cNvPr>
-          <p:cNvSpPr>
-            <a:spLocks noGrp="1"/>
-          </p:cNvSpPr>
-          <p:nvPr>
-            <p:ph type="title" idx="4294967295"/>
-          </p:nvPr>
-        </p:nvSpPr>
-        <p:spPr/>
-        <p:txBody>
-          <a:bodyPr/>
-          <a:lstStyle/>
-          <a:p>
-            <a:r>
-              <a:rPr lang="de-DE" dirty="0" err="1"/>
-              <a:t>Stash</a:t>
-            </a:r>
-            <a:endParaRPr lang="de-DE" dirty="0"/>
-          </a:p>
-        </p:txBody>
-      </p:sp>
-    </p:spTree>
-    <p:extLst>
-      <p:ext uri="{BB962C8B-B14F-4D97-AF65-F5344CB8AC3E}">
-        <p14:creationId xmlns:p14="http://schemas.microsoft.com/office/powerpoint/2010/main" val="1555292907"/>
-      </p:ext>
-    </p:extLst>
-  </p:cSld>
-  <p:clrMapOvr>
-    <a:masterClrMapping/>
-  </p:clrMapOvr>
-</p:sld>
-</file>
-
-<file path=ppt/slides/slide11.xml><?xml version="1.0" encoding="utf-8"?>
-<p:sld xmlns:a="http://schemas.openxmlformats.org/drawingml/2006/main" xmlns:r="http://schemas.openxmlformats.org/officeDocument/2006/relationships" xmlns:p="http://schemas.openxmlformats.org/presentationml/2006/main">
-  <p:cSld>
-    <p:spTree>
-      <p:nvGrpSpPr>
-        <p:cNvPr id="1" name=""/>
-        <p:cNvGrpSpPr/>
-        <p:nvPr/>
-      </p:nvGrpSpPr>
-      <p:grpSpPr>
-        <a:xfrm>
-          <a:off x="0" y="0"/>
-          <a:ext cx="0" cy="0"/>
-          <a:chOff x="0" y="0"/>
-          <a:chExt cx="0" cy="0"/>
-        </a:xfrm>
-      </p:grpSpPr>
-      <p:sp>
-        <p:nvSpPr>
           <p:cNvPr id="4" name="Inhaltsplatzhalter 3">
             <a:extLst>
               <a:ext uri="{FF2B5EF4-FFF2-40B4-BE49-F238E27FC236}">
@@ -4556,20 +4319,83 @@
             <p:ph idx="13"/>
           </p:nvPr>
         </p:nvSpPr>
-        <p:spPr/>
-        <p:txBody>
-          <a:bodyPr/>
+        <p:spPr>
+          <a:xfrm>
+            <a:off x="1011836" y="1245328"/>
+            <a:ext cx="7603658" cy="4931635"/>
+          </a:xfrm>
+        </p:spPr>
+        <p:txBody>
+          <a:bodyPr>
+            <a:normAutofit/>
+          </a:bodyPr>
           <a:lstStyle/>
           <a:p>
             <a:r>
-              <a:rPr lang="de-DE" dirty="0"/>
+              <a:rPr lang="de-DE" sz="1800" dirty="0"/>
               <a:t>Ermöglicht einen Überblick, über den aktuellen Stand des Zweiges</a:t>
             </a:r>
           </a:p>
           <a:p>
             <a:r>
-              <a:rPr lang="de-DE" dirty="0"/>
-              <a:t>Angezeigt werden Alle </a:t>
+              <a:rPr lang="de-DE" sz="1800" dirty="0"/>
+              <a:t>Angezeigt werden alle </a:t>
+            </a:r>
+            <a:r>
+              <a:rPr lang="de-DE" sz="1800" dirty="0" err="1"/>
+              <a:t>Commits</a:t>
+            </a:r>
+            <a:r>
+              <a:rPr lang="de-DE" sz="1800" dirty="0"/>
+              <a:t> des Zweiges mit Informationen zum Autor, Datum und Prüfsumme</a:t>
+            </a:r>
+          </a:p>
+          <a:p>
+            <a:r>
+              <a:rPr lang="de-DE" sz="1800" dirty="0"/>
+              <a:t>Kommando: </a:t>
+            </a:r>
+            <a:r>
+              <a:rPr lang="de-DE" sz="1800" b="1" i="1" dirty="0" err="1"/>
+              <a:t>git</a:t>
+            </a:r>
+            <a:r>
+              <a:rPr lang="de-DE" sz="1800" b="1" i="1" dirty="0"/>
+              <a:t> log</a:t>
+            </a:r>
+          </a:p>
+          <a:p>
+            <a:endParaRPr lang="de-DE" dirty="0"/>
+          </a:p>
+          <a:p>
+            <a:endParaRPr lang="de-DE" dirty="0"/>
+          </a:p>
+          <a:p>
+            <a:r>
+              <a:rPr lang="de-DE" sz="1800" dirty="0"/>
+              <a:t>Optionen:</a:t>
+            </a:r>
+          </a:p>
+          <a:p>
+            <a:pPr lvl="1"/>
+            <a:r>
+              <a:rPr lang="de-DE" dirty="0"/>
+              <a:t>--</a:t>
+            </a:r>
+            <a:r>
+              <a:rPr lang="de-DE" dirty="0" err="1"/>
+              <a:t>oneline</a:t>
+            </a:r>
+            <a:r>
+              <a:rPr lang="de-DE" dirty="0"/>
+              <a:t>		Stellt Commit in verkürzter Form da</a:t>
+            </a:r>
+          </a:p>
+          <a:p>
+            <a:pPr lvl="1"/>
+            <a:r>
+              <a:rPr lang="de-DE" dirty="0"/>
+              <a:t>--all		Listet </a:t>
             </a:r>
             <a:r>
               <a:rPr lang="de-DE" dirty="0" err="1"/>
@@ -4577,62 +4403,102 @@
             </a:r>
             <a:r>
               <a:rPr lang="de-DE" dirty="0"/>
-              <a:t>, des Zweiges mit Informationen zum Autor, Datum und Hash</a:t>
-            </a:r>
-          </a:p>
-          <a:p>
-            <a:r>
-              <a:rPr lang="de-DE" dirty="0"/>
-              <a:t>Kommando: </a:t>
-            </a:r>
-            <a:r>
-              <a:rPr lang="de-DE" b="1" i="1" dirty="0" err="1"/>
-              <a:t>git</a:t>
-            </a:r>
-            <a:r>
-              <a:rPr lang="de-DE" b="1" i="1" dirty="0"/>
-              <a:t> log</a:t>
-            </a:r>
-          </a:p>
-          <a:p>
-            <a:endParaRPr lang="de-DE" b="1" i="1" dirty="0"/>
-          </a:p>
-          <a:p>
-            <a:endParaRPr lang="de-DE" b="1" i="1" dirty="0"/>
-          </a:p>
-          <a:p>
-            <a:r>
-              <a:rPr lang="de-DE" dirty="0"/>
-              <a:t>Optionen:</a:t>
+              <a:t> aller Zweige</a:t>
             </a:r>
           </a:p>
           <a:p>
             <a:pPr lvl="1"/>
             <a:r>
               <a:rPr lang="de-DE" dirty="0"/>
+              <a:t>--follow &lt;Datei&gt;	Listet </a:t>
+            </a:r>
+            <a:r>
+              <a:rPr lang="de-DE" dirty="0" err="1"/>
+              <a:t>Commits</a:t>
+            </a:r>
+            <a:r>
+              <a:rPr lang="de-DE" dirty="0"/>
+              <a:t> mit Änderungen an der Datei</a:t>
+            </a:r>
+          </a:p>
+          <a:p>
+            <a:pPr lvl="1"/>
+            <a:r>
+              <a:rPr lang="de-DE" dirty="0"/>
               <a:t>--</a:t>
             </a:r>
             <a:r>
               <a:rPr lang="de-DE" dirty="0" err="1"/>
-              <a:t>oneline</a:t>
-            </a:r>
-            <a:r>
-              <a:rPr lang="de-DE" dirty="0"/>
-              <a:t>:</a:t>
-            </a:r>
+              <a:t>decorate</a:t>
+            </a:r>
+            <a:r>
+              <a:rPr lang="de-DE" dirty="0"/>
+              <a:t>		Listet Etiketten, Zweige an zugehörige </a:t>
+            </a:r>
+            <a:r>
+              <a:rPr lang="de-DE" dirty="0" err="1"/>
+              <a:t>Commits</a:t>
+            </a:r>
+            <a:endParaRPr lang="de-DE" dirty="0"/>
           </a:p>
           <a:p>
             <a:pPr lvl="1"/>
             <a:r>
               <a:rPr lang="de-DE" dirty="0"/>
-              <a:t>--follow &lt;Datei&gt;</a:t>
-            </a:r>
-          </a:p>
-          <a:p>
-            <a:pPr marL="0" indent="0">
-              <a:buNone/>
-            </a:pPr>
-            <a:endParaRPr lang="de-DE" b="1" i="1" dirty="0"/>
+              <a:t>--graph		Erstellt </a:t>
+            </a:r>
+            <a:r>
+              <a:rPr lang="de-DE" dirty="0" err="1"/>
+              <a:t>Ascii</a:t>
+            </a:r>
+            <a:r>
+              <a:rPr lang="de-DE" dirty="0"/>
+              <a:t> Baum am Anfang der Zeile zur 				einfachen Zweigzuordnung	</a:t>
+            </a:r>
+          </a:p>
+          <a:p>
+            <a:pPr lvl="1"/>
+            <a:r>
+              <a:rPr lang="de-DE" dirty="0"/>
+              <a:t>--</a:t>
+            </a:r>
+            <a:r>
+              <a:rPr lang="de-DE" dirty="0" err="1"/>
+              <a:t>grep</a:t>
+            </a:r>
+            <a:r>
+              <a:rPr lang="de-DE" dirty="0"/>
+              <a:t> ‘&lt;Suche&gt;‘	Durchsucht die Commit Nachrichten</a:t>
+            </a:r>
+          </a:p>
+          <a:p>
+            <a:pPr lvl="1"/>
+            <a:r>
+              <a:rPr lang="de-DE" dirty="0"/>
+              <a:t>-S&lt;Suche&gt;		Durchsucht Änderungen der </a:t>
+            </a:r>
+            <a:r>
+              <a:rPr lang="de-DE" dirty="0" err="1"/>
+              <a:t>Commits</a:t>
+            </a:r>
+            <a:r>
+              <a:rPr lang="de-DE" dirty="0"/>
+              <a:t> </a:t>
+            </a:r>
+            <a:br>
+              <a:rPr lang="de-DE" dirty="0"/>
+            </a:br>
+            <a:r>
+              <a:rPr lang="de-DE" dirty="0"/>
+              <a:t>			(falls einsehbar)</a:t>
+            </a:r>
+          </a:p>
+          <a:p>
+            <a:pPr lvl="1"/>
+            <a:endParaRPr lang="de-DE" dirty="0"/>
+          </a:p>
+          <a:p>
+            <a:endParaRPr lang="de-DE" dirty="0"/>
           </a:p>
         </p:txBody>
       </p:sp>
@@ -4691,7 +4557,7 @@
         </p:blipFill>
         <p:spPr bwMode="auto">
           <a:xfrm>
-            <a:off x="1342152" y="2978616"/>
+            <a:off x="1332147" y="2550319"/>
             <a:ext cx="4362450" cy="800100"/>
           </a:xfrm>
           <a:prstGeom prst="rect">
@@ -4707,6 +4573,223 @@
     <p:extLst>
       <p:ext uri="{BB962C8B-B14F-4D97-AF65-F5344CB8AC3E}">
         <p14:creationId xmlns:p14="http://schemas.microsoft.com/office/powerpoint/2010/main" val="3018236094"/>
+      </p:ext>
+    </p:extLst>
+  </p:cSld>
+  <p:clrMapOvr>
+    <a:masterClrMapping/>
+  </p:clrMapOvr>
+</p:sld>
+</file>
+
+<file path=ppt/slides/slide11.xml><?xml version="1.0" encoding="utf-8"?>
+<p:sld xmlns:a="http://schemas.openxmlformats.org/drawingml/2006/main" xmlns:r="http://schemas.openxmlformats.org/officeDocument/2006/relationships" xmlns:p="http://schemas.openxmlformats.org/presentationml/2006/main">
+  <p:cSld>
+    <p:spTree>
+      <p:nvGrpSpPr>
+        <p:cNvPr id="1" name=""/>
+        <p:cNvGrpSpPr/>
+        <p:nvPr/>
+      </p:nvGrpSpPr>
+      <p:grpSpPr>
+        <a:xfrm>
+          <a:off x="0" y="0"/>
+          <a:ext cx="0" cy="0"/>
+          <a:chOff x="0" y="0"/>
+          <a:chExt cx="0" cy="0"/>
+        </a:xfrm>
+      </p:grpSpPr>
+      <p:sp>
+        <p:nvSpPr>
+          <p:cNvPr id="2" name="Inhaltsplatzhalter 1">
+            <a:extLst>
+              <a:ext uri="{FF2B5EF4-FFF2-40B4-BE49-F238E27FC236}">
+                <a16:creationId xmlns:a16="http://schemas.microsoft.com/office/drawing/2014/main" id="{99579AFA-4288-4E59-BD2C-CF222CE7DDEA}"/>
+              </a:ext>
+            </a:extLst>
+          </p:cNvPr>
+          <p:cNvSpPr>
+            <a:spLocks noGrp="1"/>
+          </p:cNvSpPr>
+          <p:nvPr>
+            <p:ph idx="13"/>
+          </p:nvPr>
+        </p:nvSpPr>
+        <p:spPr>
+          <a:xfrm>
+            <a:off x="1011836" y="1245328"/>
+            <a:ext cx="7318432" cy="4931635"/>
+          </a:xfrm>
+        </p:spPr>
+        <p:txBody>
+          <a:bodyPr>
+            <a:normAutofit lnSpcReduction="10000"/>
+          </a:bodyPr>
+          <a:lstStyle/>
+          <a:p>
+            <a:r>
+              <a:rPr lang="de-DE" dirty="0"/>
+              <a:t>Stellt Zwischenspeicher dar</a:t>
+            </a:r>
+          </a:p>
+          <a:p>
+            <a:r>
+              <a:rPr lang="de-DE" dirty="0"/>
+              <a:t>Setzt die Arbeitskopie auf den letzten Commit zurück</a:t>
+            </a:r>
+          </a:p>
+          <a:p>
+            <a:r>
+              <a:rPr lang="de-DE" dirty="0"/>
+              <a:t>Kommando: </a:t>
+            </a:r>
+            <a:r>
+              <a:rPr lang="de-DE" b="1" i="1" dirty="0"/>
+              <a:t>git </a:t>
+            </a:r>
+            <a:r>
+              <a:rPr lang="de-DE" b="1" i="1" dirty="0" err="1"/>
+              <a:t>stash</a:t>
+            </a:r>
+            <a:endParaRPr lang="de-DE" b="1" i="1" dirty="0"/>
+          </a:p>
+          <a:p>
+            <a:r>
+              <a:rPr lang="de-DE" dirty="0"/>
+              <a:t>Optionen:</a:t>
+            </a:r>
+          </a:p>
+          <a:p>
+            <a:pPr lvl="1"/>
+            <a:r>
+              <a:rPr lang="de-DE" dirty="0"/>
+              <a:t>-patch:		nur ein Teil der Änderungen wird 				zwischengespeichert</a:t>
+            </a:r>
+          </a:p>
+          <a:p>
+            <a:pPr lvl="1"/>
+            <a:r>
+              <a:rPr lang="de-DE" dirty="0"/>
+              <a:t>-u: 		nicht versionsverwaltete Dateien werden mit 			einbezogen</a:t>
+            </a:r>
+          </a:p>
+          <a:p>
+            <a:pPr lvl="1"/>
+            <a:r>
+              <a:rPr lang="de-DE" dirty="0" err="1"/>
+              <a:t>list</a:t>
+            </a:r>
+            <a:r>
+              <a:rPr lang="de-DE" dirty="0"/>
+              <a:t>: 		listet alle bereits gespeicherten 				Zwischenstände auf</a:t>
+            </a:r>
+          </a:p>
+          <a:p>
+            <a:pPr lvl="1"/>
+            <a:r>
+              <a:rPr lang="de-DE" dirty="0"/>
+              <a:t>save "&lt;Nachricht&gt;":	fügt einem Zwischenstand eine Nachricht 			hinzu</a:t>
+            </a:r>
+          </a:p>
+          <a:p>
+            <a:pPr lvl="1"/>
+            <a:r>
+              <a:rPr lang="de-DE" dirty="0" err="1"/>
+              <a:t>pop</a:t>
+            </a:r>
+            <a:r>
+              <a:rPr lang="de-DE" dirty="0"/>
+              <a:t>: 		Zwischenstand wird auf die Arbeitskopie 			angewendet und gelöscht</a:t>
+            </a:r>
+          </a:p>
+          <a:p>
+            <a:pPr lvl="1"/>
+            <a:r>
+              <a:rPr lang="de-DE" dirty="0" err="1"/>
+              <a:t>apply</a:t>
+            </a:r>
+            <a:r>
+              <a:rPr lang="de-DE" dirty="0"/>
+              <a:t>: 		Zwischenstand wird auf Arbeitskopie 				angewendet und beibehalten</a:t>
+            </a:r>
+          </a:p>
+          <a:p>
+            <a:pPr lvl="1"/>
+            <a:r>
+              <a:rPr lang="de-DE" dirty="0" err="1"/>
+              <a:t>show</a:t>
+            </a:r>
+            <a:r>
+              <a:rPr lang="de-DE" dirty="0"/>
+              <a:t>:		Änderungen des ersten Eintrags im </a:t>
+            </a:r>
+            <a:r>
+              <a:rPr lang="de-DE" dirty="0" err="1"/>
+              <a:t>Stash</a:t>
+            </a:r>
+            <a:r>
+              <a:rPr lang="de-DE" dirty="0"/>
+              <a:t> 			angezeigt</a:t>
+            </a:r>
+          </a:p>
+          <a:p>
+            <a:pPr lvl="1"/>
+            <a:r>
+              <a:rPr lang="de-DE" dirty="0" err="1"/>
+              <a:t>drop</a:t>
+            </a:r>
+            <a:r>
+              <a:rPr lang="de-DE" dirty="0"/>
+              <a:t> &lt;</a:t>
+            </a:r>
+            <a:r>
+              <a:rPr lang="de-DE" dirty="0" err="1"/>
+              <a:t>stash-id</a:t>
+            </a:r>
+            <a:r>
+              <a:rPr lang="de-DE" dirty="0"/>
+              <a:t>&gt;:	Löscht den übergebenen Zwischenstand</a:t>
+            </a:r>
+          </a:p>
+          <a:p>
+            <a:pPr lvl="1"/>
+            <a:endParaRPr lang="de-DE" dirty="0"/>
+          </a:p>
+        </p:txBody>
+      </p:sp>
+      <p:sp>
+        <p:nvSpPr>
+          <p:cNvPr id="3" name="Titel 2">
+            <a:extLst>
+              <a:ext uri="{FF2B5EF4-FFF2-40B4-BE49-F238E27FC236}">
+                <a16:creationId xmlns:a16="http://schemas.microsoft.com/office/drawing/2014/main" id="{23F9D629-AE16-4134-A025-BC6DE94F1F0F}"/>
+              </a:ext>
+            </a:extLst>
+          </p:cNvPr>
+          <p:cNvSpPr>
+            <a:spLocks noGrp="1"/>
+          </p:cNvSpPr>
+          <p:nvPr>
+            <p:ph type="title" idx="4294967295"/>
+          </p:nvPr>
+        </p:nvSpPr>
+        <p:spPr/>
+        <p:txBody>
+          <a:bodyPr/>
+          <a:lstStyle/>
+          <a:p>
+            <a:r>
+              <a:rPr lang="de-DE" dirty="0" err="1"/>
+              <a:t>Stash</a:t>
+            </a:r>
+            <a:endParaRPr lang="de-DE" dirty="0"/>
+          </a:p>
+        </p:txBody>
+      </p:sp>
+    </p:spTree>
+    <p:extLst>
+      <p:ext uri="{BB962C8B-B14F-4D97-AF65-F5344CB8AC3E}">
+        <p14:creationId xmlns:p14="http://schemas.microsoft.com/office/powerpoint/2010/main" val="1555292907"/>
       </p:ext>
     </p:extLst>
   </p:cSld>
@@ -4793,10 +4876,10 @@
       </p:grpSpPr>
       <p:sp>
         <p:nvSpPr>
-          <p:cNvPr id="2" name="Inhaltsplatzhalter 1">
+          <p:cNvPr id="5" name="Inhaltsplatzhalter 4">
             <a:extLst>
               <a:ext uri="{FF2B5EF4-FFF2-40B4-BE49-F238E27FC236}">
-                <a16:creationId xmlns:a16="http://schemas.microsoft.com/office/drawing/2014/main" id="{D29E4FD3-1831-4ED4-A267-3CDD83B65367}"/>
+                <a16:creationId xmlns:a16="http://schemas.microsoft.com/office/drawing/2014/main" id="{372E4703-45B0-479F-A7F0-532E59E291B0}"/>
               </a:ext>
             </a:extLst>
           </p:cNvPr>
@@ -4812,7 +4895,28 @@
           <a:bodyPr/>
           <a:lstStyle/>
           <a:p>
-            <a:endParaRPr lang="de-DE"/>
+            <a:r>
+              <a:rPr lang="de-DE" dirty="0"/>
+              <a:t>Isolation von verschiedenen Ansätzen</a:t>
+            </a:r>
+          </a:p>
+          <a:p>
+            <a:r>
+              <a:rPr lang="de-DE" dirty="0"/>
+              <a:t>Reduzierung der Synchronisierung</a:t>
+            </a:r>
+          </a:p>
+          <a:p>
+            <a:r>
+              <a:rPr lang="de-DE" dirty="0"/>
+              <a:t>Ermöglicht Arbeitsteilung mit mehreren Personen</a:t>
+            </a:r>
+          </a:p>
+          <a:p>
+            <a:r>
+              <a:rPr lang="de-DE" dirty="0"/>
+              <a:t>Fördert Übersichtlichkeit</a:t>
+            </a:r>
           </a:p>
         </p:txBody>
       </p:sp>
@@ -4876,10 +4980,10 @@
       </p:grpSpPr>
       <p:sp>
         <p:nvSpPr>
-          <p:cNvPr id="4" name="Inhaltsplatzhalter 3">
+          <p:cNvPr id="5" name="Inhaltsplatzhalter 4">
             <a:extLst>
               <a:ext uri="{FF2B5EF4-FFF2-40B4-BE49-F238E27FC236}">
-                <a16:creationId xmlns:a16="http://schemas.microsoft.com/office/drawing/2014/main" id="{762C3D01-D3C8-4F09-B3C8-78D87F9E4FA7}"/>
+                <a16:creationId xmlns:a16="http://schemas.microsoft.com/office/drawing/2014/main" id="{509D8DA4-831F-4325-9B1A-8F9A21DFBEDB}"/>
               </a:ext>
             </a:extLst>
           </p:cNvPr>
@@ -4895,7 +4999,109 @@
           <a:bodyPr/>
           <a:lstStyle/>
           <a:p>
-            <a:endParaRPr lang="de-DE"/>
+            <a:r>
+              <a:rPr lang="de-DE" dirty="0"/>
+              <a:t>Kommando: </a:t>
+            </a:r>
+            <a:r>
+              <a:rPr lang="de-DE" b="1" i="1" dirty="0" err="1"/>
+              <a:t>git</a:t>
+            </a:r>
+            <a:r>
+              <a:rPr lang="de-DE" b="1" i="1" dirty="0"/>
+              <a:t> </a:t>
+            </a:r>
+            <a:r>
+              <a:rPr lang="de-DE" b="1" i="1" dirty="0" err="1"/>
+              <a:t>branch</a:t>
+            </a:r>
+            <a:endParaRPr lang="de-DE" b="1" i="1" dirty="0"/>
+          </a:p>
+          <a:p>
+            <a:pPr lvl="1"/>
+            <a:r>
+              <a:rPr lang="de-DE" dirty="0"/>
+              <a:t>Listet Zweige des Projekts, sowie den aktiven Zweig</a:t>
+            </a:r>
+          </a:p>
+          <a:p>
+            <a:pPr lvl="1"/>
+            <a:r>
+              <a:rPr lang="de-DE" dirty="0"/>
+              <a:t>&lt;Name&gt;	Erstellt Zweig mit dem übergebenen Namen</a:t>
+            </a:r>
+          </a:p>
+          <a:p>
+            <a:pPr lvl="1"/>
+            <a:r>
+              <a:rPr lang="de-DE" dirty="0"/>
+              <a:t>-b	&lt;Name&gt;	Löscht übergebenen Zweig falls dieser keine 			Neuerungen gegenüber anderen Zweigen enthält</a:t>
+            </a:r>
+          </a:p>
+          <a:p>
+            <a:pPr lvl="1"/>
+            <a:r>
+              <a:rPr lang="de-DE" dirty="0"/>
+              <a:t>-D	 &lt;Name&gt;	Löscht Zweig ohne Überprüfung ob Neuerungen 			enthalten sind</a:t>
+            </a:r>
+          </a:p>
+          <a:p>
+            <a:r>
+              <a:rPr lang="de-DE" dirty="0"/>
+              <a:t>Kommando: </a:t>
+            </a:r>
+            <a:r>
+              <a:rPr lang="de-DE" b="1" i="1" dirty="0" err="1"/>
+              <a:t>git</a:t>
+            </a:r>
+            <a:r>
+              <a:rPr lang="de-DE" b="1" i="1" dirty="0"/>
+              <a:t> </a:t>
+            </a:r>
+            <a:r>
+              <a:rPr lang="de-DE" b="1" i="1" dirty="0" err="1"/>
+              <a:t>checkout</a:t>
+            </a:r>
+            <a:r>
+              <a:rPr lang="de-DE" b="1" i="1" dirty="0"/>
+              <a:t> &lt;Zweig&gt;</a:t>
+            </a:r>
+          </a:p>
+          <a:p>
+            <a:pPr lvl="1"/>
+            <a:r>
+              <a:rPr lang="de-DE" dirty="0"/>
+              <a:t>Wechselt den aktiven Zweig und somit Arbeitskopie</a:t>
+            </a:r>
+          </a:p>
+          <a:p>
+            <a:pPr lvl="1"/>
+            <a:r>
+              <a:rPr lang="de-DE" dirty="0"/>
+              <a:t>-b		Erstellt einen Zweig und wechselt auf diesen</a:t>
+            </a:r>
+          </a:p>
+          <a:p>
+            <a:pPr lvl="1"/>
+            <a:r>
+              <a:rPr lang="de-DE" dirty="0"/>
+              <a:t>Wird eine Datei anstatt eines Zweiges übergeben, wird die Datei auf den Stand des letzten </a:t>
+            </a:r>
+            <a:r>
+              <a:rPr lang="de-DE" dirty="0" err="1"/>
+              <a:t>Commits</a:t>
+            </a:r>
+            <a:r>
+              <a:rPr lang="de-DE" dirty="0"/>
+              <a:t> zurückgesetzt</a:t>
+            </a:r>
+          </a:p>
+          <a:p>
+            <a:pPr lvl="1"/>
+            <a:r>
+              <a:rPr lang="de-DE" dirty="0"/>
+              <a:t>Wird ein Commit (Prüfsumme) anstatt eines Zweiges übergeben, wird die Arbeitskopie mit diesem Commit geladen</a:t>
+            </a:r>
           </a:p>
         </p:txBody>
       </p:sp>
@@ -4922,7 +5128,7 @@
           <a:p>
             <a:r>
               <a:rPr lang="de-DE" dirty="0"/>
-              <a:t>Branch</a:t>
+              <a:t>Zweig / Branch</a:t>
             </a:r>
           </a:p>
         </p:txBody>
@@ -4962,90 +5168,6 @@
           <p:cNvPr id="4" name="Inhaltsplatzhalter 3">
             <a:extLst>
               <a:ext uri="{FF2B5EF4-FFF2-40B4-BE49-F238E27FC236}">
-                <a16:creationId xmlns:a16="http://schemas.microsoft.com/office/drawing/2014/main" id="{143C3390-1A36-4244-A5C6-EA57D462A48A}"/>
-              </a:ext>
-            </a:extLst>
-          </p:cNvPr>
-          <p:cNvSpPr>
-            <a:spLocks noGrp="1"/>
-          </p:cNvSpPr>
-          <p:nvPr>
-            <p:ph idx="13"/>
-          </p:nvPr>
-        </p:nvSpPr>
-        <p:spPr/>
-        <p:txBody>
-          <a:bodyPr/>
-          <a:lstStyle/>
-          <a:p>
-            <a:endParaRPr lang="de-DE"/>
-          </a:p>
-        </p:txBody>
-      </p:sp>
-      <p:sp>
-        <p:nvSpPr>
-          <p:cNvPr id="3" name="Titel 2">
-            <a:extLst>
-              <a:ext uri="{FF2B5EF4-FFF2-40B4-BE49-F238E27FC236}">
-                <a16:creationId xmlns:a16="http://schemas.microsoft.com/office/drawing/2014/main" id="{9A4DD9D4-A8C3-484C-A7B7-DEE7737333C6}"/>
-              </a:ext>
-            </a:extLst>
-          </p:cNvPr>
-          <p:cNvSpPr>
-            <a:spLocks noGrp="1"/>
-          </p:cNvSpPr>
-          <p:nvPr>
-            <p:ph type="title" idx="4294967295"/>
-          </p:nvPr>
-        </p:nvSpPr>
-        <p:spPr/>
-        <p:txBody>
-          <a:bodyPr/>
-          <a:lstStyle/>
-          <a:p>
-            <a:r>
-              <a:rPr lang="de-DE" dirty="0" err="1"/>
-              <a:t>Checkout</a:t>
-            </a:r>
-            <a:endParaRPr lang="de-DE" dirty="0"/>
-          </a:p>
-        </p:txBody>
-      </p:sp>
-    </p:spTree>
-    <p:extLst>
-      <p:ext uri="{BB962C8B-B14F-4D97-AF65-F5344CB8AC3E}">
-        <p14:creationId xmlns:p14="http://schemas.microsoft.com/office/powerpoint/2010/main" val="2575464971"/>
-      </p:ext>
-    </p:extLst>
-  </p:cSld>
-  <p:clrMapOvr>
-    <a:masterClrMapping/>
-  </p:clrMapOvr>
-</p:sld>
-</file>
-
-<file path=ppt/slides/slide16.xml><?xml version="1.0" encoding="utf-8"?>
-<p:sld xmlns:a="http://schemas.openxmlformats.org/drawingml/2006/main" xmlns:r="http://schemas.openxmlformats.org/officeDocument/2006/relationships" xmlns:p="http://schemas.openxmlformats.org/presentationml/2006/main">
-  <p:cSld>
-    <p:spTree>
-      <p:nvGrpSpPr>
-        <p:cNvPr id="1" name=""/>
-        <p:cNvGrpSpPr/>
-        <p:nvPr/>
-      </p:nvGrpSpPr>
-      <p:grpSpPr>
-        <a:xfrm>
-          <a:off x="0" y="0"/>
-          <a:ext cx="0" cy="0"/>
-          <a:chOff x="0" y="0"/>
-          <a:chExt cx="0" cy="0"/>
-        </a:xfrm>
-      </p:grpSpPr>
-      <p:sp>
-        <p:nvSpPr>
-          <p:cNvPr id="4" name="Inhaltsplatzhalter 3">
-            <a:extLst>
-              <a:ext uri="{FF2B5EF4-FFF2-40B4-BE49-F238E27FC236}">
                 <a16:creationId xmlns:a16="http://schemas.microsoft.com/office/drawing/2014/main" id="{ECFC170B-980E-47CB-80DA-4404A88E9EEC}"/>
               </a:ext>
             </a:extLst>
@@ -5057,14 +5179,11 @@
             <p:ph idx="13"/>
           </p:nvPr>
         </p:nvSpPr>
-        <p:spPr>
-          <a:xfrm>
-            <a:off x="1011836" y="1245328"/>
-            <a:ext cx="5234477" cy="4931635"/>
-          </a:xfrm>
-        </p:spPr>
-        <p:txBody>
-          <a:bodyPr/>
+        <p:spPr/>
+        <p:txBody>
+          <a:bodyPr>
+            <a:normAutofit fontScale="77500" lnSpcReduction="20000"/>
+          </a:bodyPr>
           <a:lstStyle/>
           <a:p>
             <a:r>
@@ -5075,18 +5194,21 @@
               <a:rPr lang="de-DE" dirty="0" err="1"/>
               <a:t>Merge</a:t>
             </a:r>
-            <a:endParaRPr lang="de-DE" dirty="0"/>
-          </a:p>
-          <a:p>
-            <a:r>
-              <a:rPr lang="de-DE" dirty="0"/>
-              <a:t>Führt zwei Zweige zusammen</a:t>
-            </a:r>
-          </a:p>
-          <a:p>
-            <a:r>
-              <a:rPr lang="de-DE" dirty="0"/>
-              <a:t>Konflikt muss per Hand gelöst werden</a:t>
+            <a:r>
+              <a:rPr lang="de-DE" dirty="0"/>
+              <a:t> (Einbezug des Vorfahren)</a:t>
+            </a:r>
+          </a:p>
+          <a:p>
+            <a:r>
+              <a:rPr lang="de-DE" dirty="0"/>
+              <a:t>Führt Quellzweig mit aktivem Zweig zusammen</a:t>
+            </a:r>
+          </a:p>
+          <a:p>
+            <a:r>
+              <a:rPr lang="de-DE" dirty="0"/>
+              <a:t>Konflikte müssen per Hand gelöst werden</a:t>
             </a:r>
           </a:p>
           <a:p>
@@ -5109,6 +5231,213 @@
             <a:r>
               <a:rPr lang="de-DE" b="1" i="1" dirty="0"/>
               <a:t> &lt;Quellzweig&gt;</a:t>
+            </a:r>
+          </a:p>
+          <a:p>
+            <a:pPr lvl="1"/>
+            <a:r>
+              <a:rPr lang="de-DE" dirty="0"/>
+              <a:t>--</a:t>
+            </a:r>
+            <a:r>
+              <a:rPr lang="de-DE" dirty="0" err="1"/>
+              <a:t>no-commit</a:t>
+            </a:r>
+            <a:r>
+              <a:rPr lang="de-DE" dirty="0"/>
+              <a:t> Es entsteht kein Commit und das Ergebnis</a:t>
+            </a:r>
+          </a:p>
+          <a:p>
+            <a:pPr marL="457200" lvl="1" indent="0">
+              <a:buNone/>
+            </a:pPr>
+            <a:r>
+              <a:rPr lang="de-DE" dirty="0"/>
+              <a:t>		befindet sich in der Arbeitsmappe</a:t>
+            </a:r>
+          </a:p>
+          <a:p>
+            <a:pPr lvl="1"/>
+            <a:r>
+              <a:rPr lang="de-DE" dirty="0"/>
+              <a:t>--</a:t>
+            </a:r>
+            <a:r>
+              <a:rPr lang="de-DE" dirty="0" err="1"/>
+              <a:t>no</a:t>
+            </a:r>
+            <a:r>
+              <a:rPr lang="de-DE" dirty="0"/>
+              <a:t>-ff	Es wird immer ein eigener „</a:t>
+            </a:r>
+            <a:r>
+              <a:rPr lang="de-DE" dirty="0" err="1"/>
+              <a:t>Merge</a:t>
+            </a:r>
+            <a:r>
+              <a:rPr lang="de-DE" dirty="0"/>
+              <a:t>-Commit“</a:t>
+            </a:r>
+          </a:p>
+          <a:p>
+            <a:pPr marL="457200" lvl="1" indent="0">
+              <a:buNone/>
+            </a:pPr>
+            <a:r>
+              <a:rPr lang="de-DE" dirty="0"/>
+              <a:t>		erstellt</a:t>
+            </a:r>
+          </a:p>
+          <a:p>
+            <a:pPr lvl="1"/>
+            <a:r>
+              <a:rPr lang="de-DE" dirty="0"/>
+              <a:t>--</a:t>
+            </a:r>
+            <a:r>
+              <a:rPr lang="de-DE" dirty="0" err="1"/>
+              <a:t>ours</a:t>
+            </a:r>
+            <a:r>
+              <a:rPr lang="de-DE" dirty="0"/>
+              <a:t> 	Bei Konflikten wird der aktive Zweig </a:t>
+            </a:r>
+          </a:p>
+          <a:p>
+            <a:pPr marL="457200" lvl="1" indent="0">
+              <a:buNone/>
+            </a:pPr>
+            <a:r>
+              <a:rPr lang="de-DE" dirty="0"/>
+              <a:t>		übernommen</a:t>
+            </a:r>
+          </a:p>
+          <a:p>
+            <a:pPr lvl="1"/>
+            <a:r>
+              <a:rPr lang="de-DE" dirty="0"/>
+              <a:t>--</a:t>
+            </a:r>
+            <a:r>
+              <a:rPr lang="de-DE" dirty="0" err="1"/>
+              <a:t>theirs</a:t>
+            </a:r>
+            <a:r>
+              <a:rPr lang="de-DE" dirty="0"/>
+              <a:t>	Bei Konflikten wird der übergebene Zweig</a:t>
+            </a:r>
+          </a:p>
+          <a:p>
+            <a:pPr marL="457200" lvl="1" indent="0">
+              <a:buNone/>
+            </a:pPr>
+            <a:r>
+              <a:rPr lang="de-DE" dirty="0"/>
+              <a:t>		übernommen</a:t>
+            </a:r>
+          </a:p>
+          <a:p>
+            <a:r>
+              <a:rPr lang="de-DE" dirty="0"/>
+              <a:t>Besitzt der aktive Zweig keine abweichende </a:t>
+            </a:r>
+          </a:p>
+          <a:p>
+            <a:pPr marL="0" indent="0">
+              <a:buNone/>
+            </a:pPr>
+            <a:r>
+              <a:rPr lang="de-DE" dirty="0"/>
+              <a:t>    </a:t>
+            </a:r>
+            <a:r>
+              <a:rPr lang="de-DE" dirty="0" err="1"/>
+              <a:t>Commits</a:t>
+            </a:r>
+            <a:r>
+              <a:rPr lang="de-DE" dirty="0"/>
+              <a:t> werden die </a:t>
+            </a:r>
+            <a:r>
+              <a:rPr lang="de-DE" dirty="0" err="1"/>
+              <a:t>Commits</a:t>
+            </a:r>
+            <a:r>
+              <a:rPr lang="de-DE" dirty="0"/>
+              <a:t> des Quellzweigs</a:t>
+            </a:r>
+          </a:p>
+          <a:p>
+            <a:pPr marL="0" indent="0">
+              <a:buNone/>
+            </a:pPr>
+            <a:r>
+              <a:rPr lang="de-DE" dirty="0"/>
+              <a:t>    lediglich dem aktiven Zweig angehangen</a:t>
+            </a:r>
+          </a:p>
+          <a:p>
+            <a:pPr marL="0" indent="0">
+              <a:buNone/>
+            </a:pPr>
+            <a:r>
+              <a:rPr lang="de-DE" dirty="0"/>
+              <a:t>    (fast-forward)</a:t>
+            </a:r>
+          </a:p>
+          <a:p>
+            <a:pPr marL="457200" lvl="1" indent="0">
+              <a:buNone/>
+            </a:pPr>
+            <a:r>
+              <a:rPr lang="de-DE" dirty="0"/>
+              <a:t>		</a:t>
+            </a:r>
+          </a:p>
+          <a:p>
+            <a:r>
+              <a:rPr lang="de-DE" dirty="0"/>
+              <a:t>Abbruch der Zusammenführung mit: </a:t>
+            </a:r>
+            <a:r>
+              <a:rPr lang="de-DE" b="1" i="1" dirty="0" err="1"/>
+              <a:t>git</a:t>
+            </a:r>
+            <a:r>
+              <a:rPr lang="de-DE" b="1" i="1" dirty="0"/>
+              <a:t> </a:t>
+            </a:r>
+            <a:r>
+              <a:rPr lang="de-DE" b="1" i="1" dirty="0" err="1"/>
+              <a:t>reset</a:t>
+            </a:r>
+            <a:r>
+              <a:rPr lang="de-DE" b="1" i="1" dirty="0"/>
+              <a:t> --</a:t>
+            </a:r>
+            <a:r>
+              <a:rPr lang="de-DE" b="1" i="1" dirty="0" err="1"/>
+              <a:t>merge</a:t>
+            </a:r>
+            <a:endParaRPr lang="de-DE" b="1" i="1" dirty="0"/>
+          </a:p>
+          <a:p>
+            <a:pPr marL="457200" lvl="1" indent="0">
+              <a:buNone/>
+            </a:pPr>
+            <a:r>
+              <a:rPr lang="de-DE" dirty="0"/>
+              <a:t>		</a:t>
+            </a:r>
+          </a:p>
+          <a:p>
+            <a:pPr marL="457200" lvl="1" indent="0">
+              <a:buNone/>
+            </a:pPr>
+            <a:r>
+              <a:rPr lang="de-DE" dirty="0"/>
+              <a:t>	</a:t>
             </a:r>
           </a:p>
         </p:txBody>
@@ -5156,9 +5485,9 @@
         </p:nvGrpSpPr>
         <p:grpSpPr>
           <a:xfrm>
-            <a:off x="5652195" y="1467535"/>
+            <a:off x="6346365" y="1118984"/>
             <a:ext cx="2889914" cy="4620032"/>
-            <a:chOff x="8058816" y="1047474"/>
+            <a:chOff x="8058816" y="1059784"/>
             <a:chExt cx="2889914" cy="4620032"/>
           </a:xfrm>
         </p:grpSpPr>
@@ -5183,7 +5512,7 @@
           </p:blipFill>
           <p:spPr>
             <a:xfrm rot="5400000">
-              <a:off x="6912193" y="2253216"/>
+              <a:off x="6911221" y="2265526"/>
               <a:ext cx="4620032" cy="2208548"/>
             </a:xfrm>
             <a:prstGeom prst="rect">
@@ -5549,82 +5878,6 @@
           </p:txBody>
         </p:sp>
       </p:grpSp>
-      <p:cxnSp>
-        <p:nvCxnSpPr>
-          <p:cNvPr id="51" name="Gerade Verbindung mit Pfeil 50">
-            <a:extLst>
-              <a:ext uri="{FF2B5EF4-FFF2-40B4-BE49-F238E27FC236}">
-                <a16:creationId xmlns:a16="http://schemas.microsoft.com/office/drawing/2014/main" id="{742F9AE1-5003-4B10-B139-B48CE2289F68}"/>
-              </a:ext>
-            </a:extLst>
-          </p:cNvPr>
-          <p:cNvCxnSpPr>
-            <a:cxnSpLocks/>
-          </p:cNvCxnSpPr>
-          <p:nvPr/>
-        </p:nvCxnSpPr>
-        <p:spPr>
-          <a:xfrm>
-            <a:off x="8400030" y="1569990"/>
-            <a:ext cx="0" cy="4390895"/>
-          </a:xfrm>
-          <a:prstGeom prst="straightConnector1">
-            <a:avLst/>
-          </a:prstGeom>
-          <a:ln>
-            <a:tailEnd type="triangle"/>
-          </a:ln>
-        </p:spPr>
-        <p:style>
-          <a:lnRef idx="3">
-            <a:schemeClr val="dk1"/>
-          </a:lnRef>
-          <a:fillRef idx="0">
-            <a:schemeClr val="dk1"/>
-          </a:fillRef>
-          <a:effectRef idx="2">
-            <a:schemeClr val="dk1"/>
-          </a:effectRef>
-          <a:fontRef idx="minor">
-            <a:schemeClr val="tx1"/>
-          </a:fontRef>
-        </p:style>
-      </p:cxnSp>
-      <p:sp>
-        <p:nvSpPr>
-          <p:cNvPr id="52" name="Textfeld 51">
-            <a:extLst>
-              <a:ext uri="{FF2B5EF4-FFF2-40B4-BE49-F238E27FC236}">
-                <a16:creationId xmlns:a16="http://schemas.microsoft.com/office/drawing/2014/main" id="{EE616906-69EB-45E2-931E-23296865DA5A}"/>
-              </a:ext>
-            </a:extLst>
-          </p:cNvPr>
-          <p:cNvSpPr txBox="1"/>
-          <p:nvPr/>
-        </p:nvSpPr>
-        <p:spPr>
-          <a:xfrm>
-            <a:off x="7425164" y="1246824"/>
-            <a:ext cx="1110826" cy="646331"/>
-          </a:xfrm>
-          <a:prstGeom prst="rect">
-            <a:avLst/>
-          </a:prstGeom>
-          <a:noFill/>
-        </p:spPr>
-        <p:txBody>
-          <a:bodyPr wrap="square" rtlCol="0">
-            <a:spAutoFit/>
-          </a:bodyPr>
-          <a:lstStyle/>
-          <a:p>
-            <a:r>
-              <a:rPr lang="de-DE" dirty="0"/>
-              <a:t>Zeitlicher Verlauf</a:t>
-            </a:r>
-          </a:p>
-        </p:txBody>
-      </p:sp>
     </p:spTree>
     <p:extLst>
       <p:ext uri="{BB962C8B-B14F-4D97-AF65-F5344CB8AC3E}">
@@ -5638,7 +5891,7 @@
 </p:sld>
 </file>
 
-<file path=ppt/slides/slide17.xml><?xml version="1.0" encoding="utf-8"?>
+<file path=ppt/slides/slide16.xml><?xml version="1.0" encoding="utf-8"?>
 <p:sld xmlns:a="http://schemas.openxmlformats.org/drawingml/2006/main" xmlns:r="http://schemas.openxmlformats.org/officeDocument/2006/relationships" xmlns:p="http://schemas.openxmlformats.org/presentationml/2006/main">
   <p:cSld>
     <p:spTree>
@@ -5657,10 +5910,10 @@
       </p:grpSpPr>
       <p:sp>
         <p:nvSpPr>
-          <p:cNvPr id="2" name="Inhaltsplatzhalter 1">
+          <p:cNvPr id="5" name="Inhaltsplatzhalter 4">
             <a:extLst>
               <a:ext uri="{FF2B5EF4-FFF2-40B4-BE49-F238E27FC236}">
-                <a16:creationId xmlns:a16="http://schemas.microsoft.com/office/drawing/2014/main" id="{67E090DA-332C-4F46-9F0B-01BCF0C954B0}"/>
+                <a16:creationId xmlns:a16="http://schemas.microsoft.com/office/drawing/2014/main" id="{F6912D15-5E8F-4B2D-8EDE-284EA5FCE4E0}"/>
               </a:ext>
             </a:extLst>
           </p:cNvPr>
@@ -5676,7 +5929,19 @@
           <a:bodyPr/>
           <a:lstStyle/>
           <a:p>
-            <a:endParaRPr lang="de-DE" dirty="0"/>
+            <a:r>
+              <a:rPr lang="de-DE" dirty="0"/>
+              <a:t>Abweichende Änderung </a:t>
+            </a:r>
+          </a:p>
+          <a:p>
+            <a:pPr marL="0" indent="0">
+              <a:buNone/>
+            </a:pPr>
+            <a:r>
+              <a:rPr lang="de-DE" dirty="0"/>
+              <a:t>   zum Vorfahren wird übernommen</a:t>
+            </a:r>
           </a:p>
         </p:txBody>
       </p:sp>
@@ -7363,7 +7628,7 @@
 </p:sld>
 </file>
 
-<file path=ppt/slides/slide18.xml><?xml version="1.0" encoding="utf-8"?>
+<file path=ppt/slides/slide17.xml><?xml version="1.0" encoding="utf-8"?>
 <p:sld xmlns:a="http://schemas.openxmlformats.org/drawingml/2006/main" xmlns:r="http://schemas.openxmlformats.org/officeDocument/2006/relationships" xmlns:p="http://schemas.openxmlformats.org/presentationml/2006/main">
   <p:cSld>
     <p:spTree>
@@ -7403,7 +7668,7 @@
           <a:p>
             <a:r>
               <a:rPr lang="de-DE" dirty="0"/>
-              <a:t>Wird Benutzt um Historie zu ändern</a:t>
+              <a:t>Wird verwendet um Historie nachträglich zu ändern</a:t>
             </a:r>
           </a:p>
           <a:p>
@@ -7498,10 +7763,155 @@
           </a:ln>
         </p:spPr>
       </p:pic>
+      <p:sp>
+        <p:nvSpPr>
+          <p:cNvPr id="7" name="Textfeld 6">
+            <a:extLst>
+              <a:ext uri="{FF2B5EF4-FFF2-40B4-BE49-F238E27FC236}">
+                <a16:creationId xmlns:a16="http://schemas.microsoft.com/office/drawing/2014/main" id="{6AE75AB3-970A-45EE-806D-BA583DC9F3C5}"/>
+              </a:ext>
+            </a:extLst>
+          </p:cNvPr>
+          <p:cNvSpPr txBox="1"/>
+          <p:nvPr/>
+        </p:nvSpPr>
+        <p:spPr>
+          <a:xfrm>
+            <a:off x="1266737" y="3145872"/>
+            <a:ext cx="1166069" cy="584775"/>
+          </a:xfrm>
+          <a:prstGeom prst="rect">
+            <a:avLst/>
+          </a:prstGeom>
+          <a:noFill/>
+        </p:spPr>
+        <p:txBody>
+          <a:bodyPr wrap="square" rtlCol="0">
+            <a:spAutoFit/>
+          </a:bodyPr>
+          <a:lstStyle/>
+          <a:p>
+            <a:r>
+              <a:rPr lang="de-DE" sz="1600" dirty="0" err="1"/>
+              <a:t>dev</a:t>
+            </a:r>
+            <a:r>
+              <a:rPr lang="de-DE" sz="1600" dirty="0"/>
+              <a:t>:</a:t>
+            </a:r>
+          </a:p>
+          <a:p>
+            <a:r>
+              <a:rPr lang="de-DE" sz="1600" dirty="0" err="1"/>
+              <a:t>maindev</a:t>
+            </a:r>
+            <a:r>
+              <a:rPr lang="de-DE" sz="1600" dirty="0"/>
+              <a:t>:</a:t>
+            </a:r>
+          </a:p>
+        </p:txBody>
+      </p:sp>
     </p:spTree>
     <p:extLst>
       <p:ext uri="{BB962C8B-B14F-4D97-AF65-F5344CB8AC3E}">
         <p14:creationId xmlns:p14="http://schemas.microsoft.com/office/powerpoint/2010/main" val="2987330994"/>
+      </p:ext>
+    </p:extLst>
+  </p:cSld>
+  <p:clrMapOvr>
+    <a:masterClrMapping/>
+  </p:clrMapOvr>
+</p:sld>
+</file>
+
+<file path=ppt/slides/slide18.xml><?xml version="1.0" encoding="utf-8"?>
+<p:sld xmlns:a="http://schemas.openxmlformats.org/drawingml/2006/main" xmlns:r="http://schemas.openxmlformats.org/officeDocument/2006/relationships" xmlns:p="http://schemas.openxmlformats.org/presentationml/2006/main">
+  <p:cSld>
+    <p:spTree>
+      <p:nvGrpSpPr>
+        <p:cNvPr id="1" name=""/>
+        <p:cNvGrpSpPr/>
+        <p:nvPr/>
+      </p:nvGrpSpPr>
+      <p:grpSpPr>
+        <a:xfrm>
+          <a:off x="0" y="0"/>
+          <a:ext cx="0" cy="0"/>
+          <a:chOff x="0" y="0"/>
+          <a:chExt cx="0" cy="0"/>
+        </a:xfrm>
+      </p:grpSpPr>
+      <p:sp>
+        <p:nvSpPr>
+          <p:cNvPr id="5" name="Inhaltsplatzhalter 4">
+            <a:extLst>
+              <a:ext uri="{FF2B5EF4-FFF2-40B4-BE49-F238E27FC236}">
+                <a16:creationId xmlns:a16="http://schemas.microsoft.com/office/drawing/2014/main" id="{4AACFCD2-051A-439B-A638-DA41B63380E0}"/>
+              </a:ext>
+            </a:extLst>
+          </p:cNvPr>
+          <p:cNvSpPr>
+            <a:spLocks noGrp="1"/>
+          </p:cNvSpPr>
+          <p:nvPr>
+            <p:ph idx="13"/>
+          </p:nvPr>
+        </p:nvSpPr>
+        <p:spPr/>
+        <p:txBody>
+          <a:bodyPr/>
+          <a:lstStyle/>
+          <a:p>
+            <a:r>
+              <a:rPr lang="de-DE" dirty="0"/>
+              <a:t>Zur individuelle Änderungen mehrerer </a:t>
+            </a:r>
+            <a:r>
+              <a:rPr lang="de-DE" dirty="0" err="1"/>
+              <a:t>Commits</a:t>
+            </a:r>
+            <a:endParaRPr lang="de-DE" dirty="0"/>
+          </a:p>
+        </p:txBody>
+      </p:sp>
+      <p:sp>
+        <p:nvSpPr>
+          <p:cNvPr id="3" name="Titel 2">
+            <a:extLst>
+              <a:ext uri="{FF2B5EF4-FFF2-40B4-BE49-F238E27FC236}">
+                <a16:creationId xmlns:a16="http://schemas.microsoft.com/office/drawing/2014/main" id="{16441133-F5C1-426D-98D9-D316A3042F0D}"/>
+              </a:ext>
+            </a:extLst>
+          </p:cNvPr>
+          <p:cNvSpPr>
+            <a:spLocks noGrp="1"/>
+          </p:cNvSpPr>
+          <p:nvPr>
+            <p:ph type="title" idx="4294967295"/>
+          </p:nvPr>
+        </p:nvSpPr>
+        <p:spPr/>
+        <p:txBody>
+          <a:bodyPr/>
+          <a:lstStyle/>
+          <a:p>
+            <a:r>
+              <a:rPr lang="de-DE" dirty="0"/>
+              <a:t>Interaktiver </a:t>
+            </a:r>
+            <a:r>
+              <a:rPr lang="de-DE" dirty="0" err="1"/>
+              <a:t>Rebase</a:t>
+            </a:r>
+            <a:endParaRPr lang="de-DE" dirty="0"/>
+          </a:p>
+        </p:txBody>
+      </p:sp>
+    </p:spTree>
+    <p:extLst>
+      <p:ext uri="{BB962C8B-B14F-4D97-AF65-F5344CB8AC3E}">
+        <p14:creationId xmlns:p14="http://schemas.microsoft.com/office/powerpoint/2010/main" val="3549383510"/>
       </p:ext>
     </p:extLst>
   </p:cSld>
@@ -7530,10 +7940,10 @@
       </p:grpSpPr>
       <p:sp>
         <p:nvSpPr>
-          <p:cNvPr id="4" name="Inhaltsplatzhalter 3">
+          <p:cNvPr id="2" name="Titel 1">
             <a:extLst>
               <a:ext uri="{FF2B5EF4-FFF2-40B4-BE49-F238E27FC236}">
-                <a16:creationId xmlns:a16="http://schemas.microsoft.com/office/drawing/2014/main" id="{7327233E-2B67-4564-8347-719531AB7BAE}"/>
+                <a16:creationId xmlns:a16="http://schemas.microsoft.com/office/drawing/2014/main" id="{CCCDBB22-8924-47F0-9F4F-D7DC111593FD}"/>
               </a:ext>
             </a:extLst>
           </p:cNvPr>
@@ -7541,7 +7951,7 @@
             <a:spLocks noGrp="1"/>
           </p:cNvSpPr>
           <p:nvPr>
-            <p:ph idx="13"/>
+            <p:ph type="title"/>
           </p:nvPr>
         </p:nvSpPr>
         <p:spPr/>
@@ -7549,47 +7959,17 @@
           <a:bodyPr/>
           <a:lstStyle/>
           <a:p>
-            <a:endParaRPr lang="de-DE"/>
-          </a:p>
-        </p:txBody>
-      </p:sp>
-      <p:sp>
-        <p:nvSpPr>
-          <p:cNvPr id="3" name="Titel 2">
-            <a:extLst>
-              <a:ext uri="{FF2B5EF4-FFF2-40B4-BE49-F238E27FC236}">
-                <a16:creationId xmlns:a16="http://schemas.microsoft.com/office/drawing/2014/main" id="{16441133-F5C1-426D-98D9-D316A3042F0D}"/>
-              </a:ext>
-            </a:extLst>
-          </p:cNvPr>
-          <p:cNvSpPr>
-            <a:spLocks noGrp="1"/>
-          </p:cNvSpPr>
-          <p:nvPr>
-            <p:ph type="title" idx="4294967295"/>
-          </p:nvPr>
-        </p:nvSpPr>
-        <p:spPr/>
-        <p:txBody>
-          <a:bodyPr/>
-          <a:lstStyle/>
-          <a:p>
-            <a:r>
-              <a:rPr lang="de-DE" dirty="0"/>
-              <a:t>Interaktiver </a:t>
-            </a:r>
-            <a:r>
-              <a:rPr lang="de-DE" dirty="0" err="1"/>
-              <a:t>Rebase</a:t>
-            </a:r>
-            <a:endParaRPr lang="de-DE" dirty="0"/>
+            <a:r>
+              <a:rPr lang="de-DE" dirty="0"/>
+              <a:t>Synchronisierung</a:t>
+            </a:r>
           </a:p>
         </p:txBody>
       </p:sp>
     </p:spTree>
     <p:extLst>
       <p:ext uri="{BB962C8B-B14F-4D97-AF65-F5344CB8AC3E}">
-        <p14:creationId xmlns:p14="http://schemas.microsoft.com/office/powerpoint/2010/main" val="3549383510"/>
+        <p14:creationId xmlns:p14="http://schemas.microsoft.com/office/powerpoint/2010/main" val="226461054"/>
       </p:ext>
     </p:extLst>
   </p:cSld>
@@ -7800,10 +8180,10 @@
       </p:grpSpPr>
       <p:sp>
         <p:nvSpPr>
-          <p:cNvPr id="2" name="Titel 1">
+          <p:cNvPr id="5" name="Inhaltsplatzhalter 4">
             <a:extLst>
               <a:ext uri="{FF2B5EF4-FFF2-40B4-BE49-F238E27FC236}">
-                <a16:creationId xmlns:a16="http://schemas.microsoft.com/office/drawing/2014/main" id="{CCCDBB22-8924-47F0-9F4F-D7DC111593FD}"/>
+                <a16:creationId xmlns:a16="http://schemas.microsoft.com/office/drawing/2014/main" id="{C599EF70-303F-4638-866C-534013DC3009}"/>
               </a:ext>
             </a:extLst>
           </p:cNvPr>
@@ -7811,7 +8191,7 @@
             <a:spLocks noGrp="1"/>
           </p:cNvSpPr>
           <p:nvPr>
-            <p:ph type="title"/>
+            <p:ph idx="13"/>
           </p:nvPr>
         </p:nvSpPr>
         <p:spPr/>
@@ -7821,7 +8201,35 @@
           <a:p>
             <a:r>
               <a:rPr lang="de-DE" dirty="0"/>
-              <a:t>Synchronisierung</a:t>
+              <a:t>Stellt den allgemeinen Stand des Projekts dar</a:t>
+            </a:r>
+          </a:p>
+        </p:txBody>
+      </p:sp>
+      <p:sp>
+        <p:nvSpPr>
+          <p:cNvPr id="3" name="Titel 2">
+            <a:extLst>
+              <a:ext uri="{FF2B5EF4-FFF2-40B4-BE49-F238E27FC236}">
+                <a16:creationId xmlns:a16="http://schemas.microsoft.com/office/drawing/2014/main" id="{01B0FFCB-5ED6-41B3-853D-B50AAF600C26}"/>
+              </a:ext>
+            </a:extLst>
+          </p:cNvPr>
+          <p:cNvSpPr>
+            <a:spLocks noGrp="1"/>
+          </p:cNvSpPr>
+          <p:nvPr>
+            <p:ph type="title" idx="4294967295"/>
+          </p:nvPr>
+        </p:nvSpPr>
+        <p:spPr/>
+        <p:txBody>
+          <a:bodyPr/>
+          <a:lstStyle/>
+          <a:p>
+            <a:r>
+              <a:rPr lang="de-DE" dirty="0"/>
+              <a:t>Referenzarchiv</a:t>
             </a:r>
           </a:p>
         </p:txBody>
@@ -7829,7 +8237,7 @@
     </p:spTree>
     <p:extLst>
       <p:ext uri="{BB962C8B-B14F-4D97-AF65-F5344CB8AC3E}">
-        <p14:creationId xmlns:p14="http://schemas.microsoft.com/office/powerpoint/2010/main" val="226461054"/>
+        <p14:creationId xmlns:p14="http://schemas.microsoft.com/office/powerpoint/2010/main" val="3659548600"/>
       </p:ext>
     </p:extLst>
   </p:cSld>
@@ -7858,10 +8266,10 @@
       </p:grpSpPr>
       <p:sp>
         <p:nvSpPr>
-          <p:cNvPr id="4" name="Inhaltsplatzhalter 3">
+          <p:cNvPr id="5" name="Inhaltsplatzhalter 4">
             <a:extLst>
               <a:ext uri="{FF2B5EF4-FFF2-40B4-BE49-F238E27FC236}">
-                <a16:creationId xmlns:a16="http://schemas.microsoft.com/office/drawing/2014/main" id="{1D540190-C4C3-4F62-BF3E-2DDC5206278A}"/>
+                <a16:creationId xmlns:a16="http://schemas.microsoft.com/office/drawing/2014/main" id="{AEB324FE-DECD-4695-AD49-3199FDB60C24}"/>
               </a:ext>
             </a:extLst>
           </p:cNvPr>
@@ -7877,7 +8285,7 @@
           <a:bodyPr/>
           <a:lstStyle/>
           <a:p>
-            <a:endParaRPr lang="de-DE"/>
+            <a:endParaRPr lang="de-DE" dirty="0"/>
           </a:p>
         </p:txBody>
       </p:sp>
@@ -7886,7 +8294,7 @@
           <p:cNvPr id="3" name="Titel 2">
             <a:extLst>
               <a:ext uri="{FF2B5EF4-FFF2-40B4-BE49-F238E27FC236}">
-                <a16:creationId xmlns:a16="http://schemas.microsoft.com/office/drawing/2014/main" id="{01B0FFCB-5ED6-41B3-853D-B50AAF600C26}"/>
+                <a16:creationId xmlns:a16="http://schemas.microsoft.com/office/drawing/2014/main" id="{464AB558-9021-456D-A794-9A19A1E3EBA5}"/>
               </a:ext>
             </a:extLst>
           </p:cNvPr>
@@ -7904,15 +8312,20 @@
           <a:p>
             <a:r>
               <a:rPr lang="de-DE" dirty="0"/>
-              <a:t>Referenzarchiv</a:t>
-            </a:r>
+              <a:t>Push / </a:t>
+            </a:r>
+            <a:r>
+              <a:rPr lang="de-DE" dirty="0" err="1"/>
+              <a:t>fetch</a:t>
+            </a:r>
+            <a:endParaRPr lang="de-DE" dirty="0"/>
           </a:p>
         </p:txBody>
       </p:sp>
     </p:spTree>
     <p:extLst>
       <p:ext uri="{BB962C8B-B14F-4D97-AF65-F5344CB8AC3E}">
-        <p14:creationId xmlns:p14="http://schemas.microsoft.com/office/powerpoint/2010/main" val="3659548600"/>
+        <p14:creationId xmlns:p14="http://schemas.microsoft.com/office/powerpoint/2010/main" val="1883800244"/>
       </p:ext>
     </p:extLst>
   </p:cSld>
@@ -7941,10 +8354,10 @@
       </p:grpSpPr>
       <p:sp>
         <p:nvSpPr>
-          <p:cNvPr id="4" name="Inhaltsplatzhalter 3">
+          <p:cNvPr id="5" name="Inhaltsplatzhalter 4">
             <a:extLst>
               <a:ext uri="{FF2B5EF4-FFF2-40B4-BE49-F238E27FC236}">
-                <a16:creationId xmlns:a16="http://schemas.microsoft.com/office/drawing/2014/main" id="{37DCE41B-930F-4527-AFC1-8D0079035929}"/>
+                <a16:creationId xmlns:a16="http://schemas.microsoft.com/office/drawing/2014/main" id="{E993345E-4322-4AD4-BA0B-0AE461CCFCD5}"/>
               </a:ext>
             </a:extLst>
           </p:cNvPr>
@@ -7969,7 +8382,7 @@
           <p:cNvPr id="3" name="Titel 2">
             <a:extLst>
               <a:ext uri="{FF2B5EF4-FFF2-40B4-BE49-F238E27FC236}">
-                <a16:creationId xmlns:a16="http://schemas.microsoft.com/office/drawing/2014/main" id="{464AB558-9021-456D-A794-9A19A1E3EBA5}"/>
+                <a16:creationId xmlns:a16="http://schemas.microsoft.com/office/drawing/2014/main" id="{2894306C-BD41-4925-9236-4DE81AE928D0}"/>
               </a:ext>
             </a:extLst>
           </p:cNvPr>
@@ -7987,20 +8400,15 @@
           <a:p>
             <a:r>
               <a:rPr lang="de-DE" dirty="0"/>
-              <a:t>Push </a:t>
-            </a:r>
-            <a:r>
-              <a:rPr lang="de-DE" dirty="0" err="1"/>
-              <a:t>fetch</a:t>
-            </a:r>
-            <a:endParaRPr lang="de-DE" dirty="0"/>
+              <a:t>Pull</a:t>
+            </a:r>
           </a:p>
         </p:txBody>
       </p:sp>
     </p:spTree>
     <p:extLst>
       <p:ext uri="{BB962C8B-B14F-4D97-AF65-F5344CB8AC3E}">
-        <p14:creationId xmlns:p14="http://schemas.microsoft.com/office/powerpoint/2010/main" val="1883800244"/>
+        <p14:creationId xmlns:p14="http://schemas.microsoft.com/office/powerpoint/2010/main" val="4273179020"/>
       </p:ext>
     </p:extLst>
   </p:cSld>
@@ -8029,10 +8437,10 @@
       </p:grpSpPr>
       <p:sp>
         <p:nvSpPr>
-          <p:cNvPr id="4" name="Inhaltsplatzhalter 3">
+          <p:cNvPr id="3" name="Titel 2">
             <a:extLst>
               <a:ext uri="{FF2B5EF4-FFF2-40B4-BE49-F238E27FC236}">
-                <a16:creationId xmlns:a16="http://schemas.microsoft.com/office/drawing/2014/main" id="{2C7B9C80-0581-4A6B-9D4B-0A162AE8D336}"/>
+                <a16:creationId xmlns:a16="http://schemas.microsoft.com/office/drawing/2014/main" id="{5143EDCB-1E40-4482-A2C7-B4CCD80B0FE7}"/>
               </a:ext>
             </a:extLst>
           </p:cNvPr>
@@ -8040,7 +8448,7 @@
             <a:spLocks noGrp="1"/>
           </p:cNvSpPr>
           <p:nvPr>
-            <p:ph idx="13"/>
+            <p:ph type="title"/>
           </p:nvPr>
         </p:nvSpPr>
         <p:spPr/>
@@ -8049,41 +8457,13 @@
           <a:lstStyle/>
           <a:p>
             <a:endParaRPr lang="de-DE"/>
-          </a:p>
-        </p:txBody>
-      </p:sp>
-      <p:sp>
-        <p:nvSpPr>
-          <p:cNvPr id="3" name="Titel 2">
-            <a:extLst>
-              <a:ext uri="{FF2B5EF4-FFF2-40B4-BE49-F238E27FC236}">
-                <a16:creationId xmlns:a16="http://schemas.microsoft.com/office/drawing/2014/main" id="{2894306C-BD41-4925-9236-4DE81AE928D0}"/>
-              </a:ext>
-            </a:extLst>
-          </p:cNvPr>
-          <p:cNvSpPr>
-            <a:spLocks noGrp="1"/>
-          </p:cNvSpPr>
-          <p:nvPr>
-            <p:ph type="title" idx="4294967295"/>
-          </p:nvPr>
-        </p:nvSpPr>
-        <p:spPr/>
-        <p:txBody>
-          <a:bodyPr/>
-          <a:lstStyle/>
-          <a:p>
-            <a:r>
-              <a:rPr lang="de-DE" dirty="0"/>
-              <a:t>Pull</a:t>
-            </a:r>
           </a:p>
         </p:txBody>
       </p:sp>
     </p:spTree>
     <p:extLst>
       <p:ext uri="{BB962C8B-B14F-4D97-AF65-F5344CB8AC3E}">
-        <p14:creationId xmlns:p14="http://schemas.microsoft.com/office/powerpoint/2010/main" val="4273179020"/>
+        <p14:creationId xmlns:p14="http://schemas.microsoft.com/office/powerpoint/2010/main" val="1490657441"/>
       </p:ext>
     </p:extLst>
   </p:cSld>
@@ -8112,10 +8492,10 @@
       </p:grpSpPr>
       <p:sp>
         <p:nvSpPr>
-          <p:cNvPr id="2" name="Titel 1">
+          <p:cNvPr id="5" name="Inhaltsplatzhalter 4">
             <a:extLst>
               <a:ext uri="{FF2B5EF4-FFF2-40B4-BE49-F238E27FC236}">
-                <a16:creationId xmlns:a16="http://schemas.microsoft.com/office/drawing/2014/main" id="{A34F81EC-189A-428F-899D-40A591FE7106}"/>
+                <a16:creationId xmlns:a16="http://schemas.microsoft.com/office/drawing/2014/main" id="{D11C433A-E762-4300-9BC5-EC05FEE99101}"/>
               </a:ext>
             </a:extLst>
           </p:cNvPr>
@@ -8123,7 +8503,7 @@
             <a:spLocks noGrp="1"/>
           </p:cNvSpPr>
           <p:nvPr>
-            <p:ph type="title"/>
+            <p:ph idx="13"/>
           </p:nvPr>
         </p:nvSpPr>
         <p:spPr/>
@@ -8131,14 +8511,179 @@
           <a:bodyPr/>
           <a:lstStyle/>
           <a:p>
+            <a:r>
+              <a:rPr lang="de-DE" dirty="0"/>
+              <a:t>Markierung einzelner </a:t>
+            </a:r>
+            <a:r>
+              <a:rPr lang="de-DE" dirty="0" err="1"/>
+              <a:t>Commits</a:t>
+            </a:r>
+            <a:r>
+              <a:rPr lang="de-DE" dirty="0"/>
+              <a:t> zur:</a:t>
+            </a:r>
+          </a:p>
+          <a:p>
+            <a:pPr lvl="1"/>
+            <a:r>
+              <a:rPr lang="de-DE" dirty="0"/>
+              <a:t>Einfacheren </a:t>
+            </a:r>
+            <a:r>
+              <a:rPr lang="de-DE" dirty="0" err="1"/>
+              <a:t>Referenzierung</a:t>
+            </a:r>
             <a:endParaRPr lang="de-DE" dirty="0"/>
           </a:p>
-        </p:txBody>
-      </p:sp>
+          <a:p>
+            <a:pPr lvl="1"/>
+            <a:r>
+              <a:rPr lang="de-DE" dirty="0"/>
+              <a:t>Identifizierung von Releases</a:t>
+            </a:r>
+          </a:p>
+          <a:p>
+            <a:pPr lvl="1"/>
+            <a:r>
+              <a:rPr lang="de-DE" dirty="0"/>
+              <a:t>Markung wichtiger Stände</a:t>
+            </a:r>
+          </a:p>
+          <a:p>
+            <a:r>
+              <a:rPr lang="de-DE" dirty="0"/>
+              <a:t>Kommando: </a:t>
+            </a:r>
+            <a:r>
+              <a:rPr lang="de-DE" b="1" i="1" dirty="0" err="1"/>
+              <a:t>git</a:t>
+            </a:r>
+            <a:r>
+              <a:rPr lang="de-DE" b="1" i="1" dirty="0"/>
+              <a:t> tag &lt;Name&gt;</a:t>
+            </a:r>
+          </a:p>
+          <a:p>
+            <a:pPr lvl="1"/>
+            <a:r>
+              <a:rPr lang="de-DE" dirty="0"/>
+              <a:t>-a -m ‘Nachricht‘	Erweitere Nachricht wird mitgeführt</a:t>
+            </a:r>
+          </a:p>
+          <a:p>
+            <a:pPr lvl="1"/>
+            <a:r>
+              <a:rPr lang="de-DE" dirty="0" err="1"/>
+              <a:t>git</a:t>
+            </a:r>
+            <a:r>
+              <a:rPr lang="de-DE" dirty="0"/>
+              <a:t> tag		Listet alle Etiketten</a:t>
+            </a:r>
+          </a:p>
+          <a:p>
+            <a:endParaRPr lang="de-DE" dirty="0"/>
+          </a:p>
+          <a:p>
+            <a:endParaRPr lang="de-DE" dirty="0"/>
+          </a:p>
+          <a:p>
+            <a:endParaRPr lang="de-DE" dirty="0"/>
+          </a:p>
+          <a:p>
+            <a:endParaRPr lang="de-DE" dirty="0"/>
+          </a:p>
+          <a:p>
+            <a:r>
+              <a:rPr lang="de-DE" dirty="0"/>
+              <a:t>Erstellte Etiketten werden mit </a:t>
+            </a:r>
+            <a:r>
+              <a:rPr lang="de-DE" b="1" i="1" dirty="0" err="1"/>
+              <a:t>git</a:t>
+            </a:r>
+            <a:r>
+              <a:rPr lang="de-DE" b="1" i="1" dirty="0"/>
+              <a:t> push </a:t>
+            </a:r>
+            <a:r>
+              <a:rPr lang="de-DE" b="1" i="1" dirty="0" err="1"/>
+              <a:t>origin</a:t>
+            </a:r>
+            <a:r>
+              <a:rPr lang="de-DE" b="1" i="1" dirty="0"/>
+              <a:t> &lt;Etikett&gt;</a:t>
+            </a:r>
+            <a:r>
+              <a:rPr lang="de-DE" dirty="0"/>
+              <a:t> dem Referenzarchiv hinzugefügt</a:t>
+            </a:r>
+          </a:p>
+        </p:txBody>
+      </p:sp>
+      <p:sp>
+        <p:nvSpPr>
+          <p:cNvPr id="3" name="Titel 2">
+            <a:extLst>
+              <a:ext uri="{FF2B5EF4-FFF2-40B4-BE49-F238E27FC236}">
+                <a16:creationId xmlns:a16="http://schemas.microsoft.com/office/drawing/2014/main" id="{BA15A607-5F02-4538-AEB6-A00CE280607F}"/>
+              </a:ext>
+            </a:extLst>
+          </p:cNvPr>
+          <p:cNvSpPr>
+            <a:spLocks noGrp="1"/>
+          </p:cNvSpPr>
+          <p:nvPr>
+            <p:ph type="title" idx="4294967295"/>
+          </p:nvPr>
+        </p:nvSpPr>
+        <p:spPr/>
+        <p:txBody>
+          <a:bodyPr/>
+          <a:lstStyle/>
+          <a:p>
+            <a:r>
+              <a:rPr lang="de-DE" dirty="0"/>
+              <a:t>Tags / Etiketten</a:t>
+            </a:r>
+          </a:p>
+        </p:txBody>
+      </p:sp>
+      <p:pic>
+        <p:nvPicPr>
+          <p:cNvPr id="6" name="Grafik 5">
+            <a:extLst>
+              <a:ext uri="{FF2B5EF4-FFF2-40B4-BE49-F238E27FC236}">
+                <a16:creationId xmlns:a16="http://schemas.microsoft.com/office/drawing/2014/main" id="{9EC0502E-A276-469C-8BAE-8E105BE8005F}"/>
+              </a:ext>
+            </a:extLst>
+          </p:cNvPr>
+          <p:cNvPicPr>
+            <a:picLocks noChangeAspect="1"/>
+          </p:cNvPicPr>
+          <p:nvPr/>
+        </p:nvPicPr>
+        <p:blipFill>
+          <a:blip r:embed="rId2"/>
+          <a:stretch>
+            <a:fillRect/>
+          </a:stretch>
+        </p:blipFill>
+        <p:spPr>
+          <a:xfrm>
+            <a:off x="2316239" y="3711145"/>
+            <a:ext cx="4560203" cy="1060796"/>
+          </a:xfrm>
+          <a:prstGeom prst="rect">
+            <a:avLst/>
+          </a:prstGeom>
+        </p:spPr>
+      </p:pic>
     </p:spTree>
     <p:extLst>
       <p:ext uri="{BB962C8B-B14F-4D97-AF65-F5344CB8AC3E}">
-        <p14:creationId xmlns:p14="http://schemas.microsoft.com/office/powerpoint/2010/main" val="1490657441"/>
+        <p14:creationId xmlns:p14="http://schemas.microsoft.com/office/powerpoint/2010/main" val="1450166957"/>
       </p:ext>
     </p:extLst>
   </p:cSld>
@@ -8167,10 +8712,10 @@
       </p:grpSpPr>
       <p:sp>
         <p:nvSpPr>
-          <p:cNvPr id="4" name="Inhaltsplatzhalter 3">
+          <p:cNvPr id="5" name="Inhaltsplatzhalter 4">
             <a:extLst>
               <a:ext uri="{FF2B5EF4-FFF2-40B4-BE49-F238E27FC236}">
-                <a16:creationId xmlns:a16="http://schemas.microsoft.com/office/drawing/2014/main" id="{6EEF0E7C-783D-40D4-8343-60C1117425E9}"/>
+                <a16:creationId xmlns:a16="http://schemas.microsoft.com/office/drawing/2014/main" id="{61CB1704-BF34-4A74-BACA-A21BC9525ED1}"/>
               </a:ext>
             </a:extLst>
           </p:cNvPr>
@@ -8195,7 +8740,7 @@
           <p:cNvPr id="3" name="Titel 2">
             <a:extLst>
               <a:ext uri="{FF2B5EF4-FFF2-40B4-BE49-F238E27FC236}">
-                <a16:creationId xmlns:a16="http://schemas.microsoft.com/office/drawing/2014/main" id="{BA15A607-5F02-4538-AEB6-A00CE280607F}"/>
+                <a16:creationId xmlns:a16="http://schemas.microsoft.com/office/drawing/2014/main" id="{5AE84672-22D6-4DD1-ABA8-56B9967986BD}"/>
               </a:ext>
             </a:extLst>
           </p:cNvPr>
@@ -8213,7 +8758,7 @@
           <a:p>
             <a:r>
               <a:rPr lang="de-DE" dirty="0"/>
-              <a:t>Tags</a:t>
+              <a:t>Änderungen integrieren</a:t>
             </a:r>
           </a:p>
         </p:txBody>
@@ -8221,7 +8766,7 @@
     </p:spTree>
     <p:extLst>
       <p:ext uri="{BB962C8B-B14F-4D97-AF65-F5344CB8AC3E}">
-        <p14:creationId xmlns:p14="http://schemas.microsoft.com/office/powerpoint/2010/main" val="1450166957"/>
+        <p14:creationId xmlns:p14="http://schemas.microsoft.com/office/powerpoint/2010/main" val="3289326896"/>
       </p:ext>
     </p:extLst>
   </p:cSld>
@@ -8250,10 +8795,10 @@
       </p:grpSpPr>
       <p:sp>
         <p:nvSpPr>
-          <p:cNvPr id="4" name="Inhaltsplatzhalter 3">
+          <p:cNvPr id="5" name="Inhaltsplatzhalter 4">
             <a:extLst>
               <a:ext uri="{FF2B5EF4-FFF2-40B4-BE49-F238E27FC236}">
-                <a16:creationId xmlns:a16="http://schemas.microsoft.com/office/drawing/2014/main" id="{6881C757-38D3-4C7A-8517-05025053D67A}"/>
+                <a16:creationId xmlns:a16="http://schemas.microsoft.com/office/drawing/2014/main" id="{25D7B170-D8D2-41A1-B5D8-0717A6B89BDE}"/>
               </a:ext>
             </a:extLst>
           </p:cNvPr>
@@ -8278,7 +8823,7 @@
           <p:cNvPr id="3" name="Titel 2">
             <a:extLst>
               <a:ext uri="{FF2B5EF4-FFF2-40B4-BE49-F238E27FC236}">
-                <a16:creationId xmlns:a16="http://schemas.microsoft.com/office/drawing/2014/main" id="{5AE84672-22D6-4DD1-ABA8-56B9967986BD}"/>
+                <a16:creationId xmlns:a16="http://schemas.microsoft.com/office/drawing/2014/main" id="{351777FE-4563-4796-925B-0598F7CF1E6A}"/>
               </a:ext>
             </a:extLst>
           </p:cNvPr>
@@ -8295,16 +8840,25 @@
           <a:lstStyle/>
           <a:p>
             <a:r>
-              <a:rPr lang="de-DE" dirty="0"/>
-              <a:t>Änderungen integrieren</a:t>
-            </a:r>
+              <a:rPr lang="de-DE" dirty="0" err="1"/>
+              <a:t>Apply</a:t>
+            </a:r>
+            <a:r>
+              <a:rPr lang="de-DE" dirty="0"/>
+              <a:t> </a:t>
+            </a:r>
+            <a:r>
+              <a:rPr lang="de-DE" dirty="0" err="1"/>
+              <a:t>pop</a:t>
+            </a:r>
+            <a:endParaRPr lang="de-DE" dirty="0"/>
           </a:p>
         </p:txBody>
       </p:sp>
     </p:spTree>
     <p:extLst>
       <p:ext uri="{BB962C8B-B14F-4D97-AF65-F5344CB8AC3E}">
-        <p14:creationId xmlns:p14="http://schemas.microsoft.com/office/powerpoint/2010/main" val="3289326896"/>
+        <p14:creationId xmlns:p14="http://schemas.microsoft.com/office/powerpoint/2010/main" val="2236011970"/>
       </p:ext>
     </p:extLst>
   </p:cSld>
@@ -8333,10 +8887,10 @@
       </p:grpSpPr>
       <p:sp>
         <p:nvSpPr>
-          <p:cNvPr id="4" name="Inhaltsplatzhalter 3">
+          <p:cNvPr id="5" name="Inhaltsplatzhalter 4">
             <a:extLst>
               <a:ext uri="{FF2B5EF4-FFF2-40B4-BE49-F238E27FC236}">
-                <a16:creationId xmlns:a16="http://schemas.microsoft.com/office/drawing/2014/main" id="{C3155B51-7106-445B-9344-B7F97FFD30CA}"/>
+                <a16:creationId xmlns:a16="http://schemas.microsoft.com/office/drawing/2014/main" id="{23412329-D4D2-43D4-98E8-7A1CF18735C1}"/>
               </a:ext>
             </a:extLst>
           </p:cNvPr>
@@ -8361,7 +8915,7 @@
           <p:cNvPr id="3" name="Titel 2">
             <a:extLst>
               <a:ext uri="{FF2B5EF4-FFF2-40B4-BE49-F238E27FC236}">
-                <a16:creationId xmlns:a16="http://schemas.microsoft.com/office/drawing/2014/main" id="{351777FE-4563-4796-925B-0598F7CF1E6A}"/>
+                <a16:creationId xmlns:a16="http://schemas.microsoft.com/office/drawing/2014/main" id="{3BF9BE68-E0B5-45BF-BABF-1381FA0F54F5}"/>
               </a:ext>
             </a:extLst>
           </p:cNvPr>
@@ -8378,16 +8932,12 @@
           <a:lstStyle/>
           <a:p>
             <a:r>
+              <a:rPr lang="de-DE" dirty="0"/>
+              <a:t>Cherry pick /  </a:t>
+            </a:r>
+            <a:r>
               <a:rPr lang="de-DE" dirty="0" err="1"/>
-              <a:t>Apply</a:t>
-            </a:r>
-            <a:r>
-              <a:rPr lang="de-DE" dirty="0"/>
-              <a:t> </a:t>
-            </a:r>
-            <a:r>
-              <a:rPr lang="de-DE" dirty="0" err="1"/>
-              <a:t>pop</a:t>
+              <a:t>cherry</a:t>
             </a:r>
             <a:endParaRPr lang="de-DE" dirty="0"/>
           </a:p>
@@ -8396,7 +8946,7 @@
     </p:spTree>
     <p:extLst>
       <p:ext uri="{BB962C8B-B14F-4D97-AF65-F5344CB8AC3E}">
-        <p14:creationId xmlns:p14="http://schemas.microsoft.com/office/powerpoint/2010/main" val="2236011970"/>
+        <p14:creationId xmlns:p14="http://schemas.microsoft.com/office/powerpoint/2010/main" val="1034010443"/>
       </p:ext>
     </p:extLst>
   </p:cSld>
@@ -8425,10 +8975,10 @@
       </p:grpSpPr>
       <p:sp>
         <p:nvSpPr>
-          <p:cNvPr id="4" name="Inhaltsplatzhalter 3">
+          <p:cNvPr id="5" name="Inhaltsplatzhalter 4">
             <a:extLst>
               <a:ext uri="{FF2B5EF4-FFF2-40B4-BE49-F238E27FC236}">
-                <a16:creationId xmlns:a16="http://schemas.microsoft.com/office/drawing/2014/main" id="{B0D8BF19-3474-4A92-8397-5B025D41C4B4}"/>
+                <a16:creationId xmlns:a16="http://schemas.microsoft.com/office/drawing/2014/main" id="{C08CE913-F328-4AE6-9B1B-AE0ECF57E540}"/>
               </a:ext>
             </a:extLst>
           </p:cNvPr>
@@ -8444,7 +8994,57 @@
           <a:bodyPr/>
           <a:lstStyle/>
           <a:p>
-            <a:endParaRPr lang="de-DE"/>
+            <a:r>
+              <a:rPr lang="de-DE" dirty="0"/>
+              <a:t>Verwendet um </a:t>
+            </a:r>
+            <a:r>
+              <a:rPr lang="de-DE" dirty="0" err="1"/>
+              <a:t>Commits</a:t>
+            </a:r>
+            <a:r>
+              <a:rPr lang="de-DE" dirty="0"/>
+              <a:t> des Referenzarchiv zu revidieren</a:t>
+            </a:r>
+          </a:p>
+          <a:p>
+            <a:r>
+              <a:rPr lang="de-DE" dirty="0"/>
+              <a:t>Erstellt einen weiteren Commit welcher den Zweig auf den Stand vor dem zweifelhaften Commit zurücksetzt</a:t>
+            </a:r>
+          </a:p>
+          <a:p>
+            <a:r>
+              <a:rPr lang="de-DE" dirty="0"/>
+              <a:t>Kommando: </a:t>
+            </a:r>
+            <a:r>
+              <a:rPr lang="de-DE" b="1" i="1" dirty="0" err="1"/>
+              <a:t>git</a:t>
+            </a:r>
+            <a:r>
+              <a:rPr lang="de-DE" b="1" i="1" dirty="0"/>
+              <a:t> </a:t>
+            </a:r>
+            <a:r>
+              <a:rPr lang="de-DE" b="1" i="1" dirty="0" err="1"/>
+              <a:t>revert</a:t>
+            </a:r>
+            <a:endParaRPr lang="de-DE" b="1" i="1" dirty="0"/>
+          </a:p>
+          <a:p>
+            <a:pPr lvl="1"/>
+            <a:r>
+              <a:rPr lang="de-DE" dirty="0"/>
+              <a:t>HEAD		Revidiert den neusten Commit des Zweiges</a:t>
+            </a:r>
+          </a:p>
+          <a:p>
+            <a:pPr lvl="1"/>
+            <a:r>
+              <a:rPr lang="de-DE" dirty="0"/>
+              <a:t>&lt;Prüfsumme&gt;	Revidiert den übergebenen Commit</a:t>
+            </a:r>
           </a:p>
         </p:txBody>
       </p:sp>
@@ -8453,7 +9053,7 @@
           <p:cNvPr id="3" name="Titel 2">
             <a:extLst>
               <a:ext uri="{FF2B5EF4-FFF2-40B4-BE49-F238E27FC236}">
-                <a16:creationId xmlns:a16="http://schemas.microsoft.com/office/drawing/2014/main" id="{3BF9BE68-E0B5-45BF-BABF-1381FA0F54F5}"/>
+                <a16:creationId xmlns:a16="http://schemas.microsoft.com/office/drawing/2014/main" id="{98C52FB5-0D40-4B05-82A9-58A2D593489A}"/>
               </a:ext>
             </a:extLst>
           </p:cNvPr>
@@ -8470,21 +9070,46 @@
           <a:lstStyle/>
           <a:p>
             <a:r>
-              <a:rPr lang="de-DE" dirty="0"/>
-              <a:t>Cherry pick /  </a:t>
-            </a:r>
-            <a:r>
               <a:rPr lang="de-DE" dirty="0" err="1"/>
-              <a:t>cherry</a:t>
+              <a:t>Revert</a:t>
             </a:r>
             <a:endParaRPr lang="de-DE" dirty="0"/>
           </a:p>
         </p:txBody>
       </p:sp>
+      <p:pic>
+        <p:nvPicPr>
+          <p:cNvPr id="6" name="Grafik 5">
+            <a:extLst>
+              <a:ext uri="{FF2B5EF4-FFF2-40B4-BE49-F238E27FC236}">
+                <a16:creationId xmlns:a16="http://schemas.microsoft.com/office/drawing/2014/main" id="{57C180BC-ABAD-438D-80D7-F9A55DC743CC}"/>
+              </a:ext>
+            </a:extLst>
+          </p:cNvPr>
+          <p:cNvPicPr>
+            <a:picLocks noChangeAspect="1"/>
+          </p:cNvPicPr>
+          <p:nvPr/>
+        </p:nvPicPr>
+        <p:blipFill rotWithShape="1">
+          <a:blip r:embed="rId2"/>
+          <a:srcRect b="12049"/>
+          <a:stretch/>
+        </p:blipFill>
+        <p:spPr>
+          <a:xfrm>
+            <a:off x="2154576" y="4390654"/>
+            <a:ext cx="4432176" cy="659519"/>
+          </a:xfrm>
+          <a:prstGeom prst="rect">
+            <a:avLst/>
+          </a:prstGeom>
+        </p:spPr>
+      </p:pic>
     </p:spTree>
     <p:extLst>
       <p:ext uri="{BB962C8B-B14F-4D97-AF65-F5344CB8AC3E}">
-        <p14:creationId xmlns:p14="http://schemas.microsoft.com/office/powerpoint/2010/main" val="1034010443"/>
+        <p14:creationId xmlns:p14="http://schemas.microsoft.com/office/powerpoint/2010/main" val="2941308763"/>
       </p:ext>
     </p:extLst>
   </p:cSld>
@@ -8513,10 +9138,10 @@
       </p:grpSpPr>
       <p:sp>
         <p:nvSpPr>
-          <p:cNvPr id="4" name="Inhaltsplatzhalter 3">
+          <p:cNvPr id="5" name="Inhaltsplatzhalter 4">
             <a:extLst>
               <a:ext uri="{FF2B5EF4-FFF2-40B4-BE49-F238E27FC236}">
-                <a16:creationId xmlns:a16="http://schemas.microsoft.com/office/drawing/2014/main" id="{B83ADA84-F5A5-4269-A840-03179F71E153}"/>
+                <a16:creationId xmlns:a16="http://schemas.microsoft.com/office/drawing/2014/main" id="{16F01BD9-3141-41EF-9673-DDE9F9065885}"/>
               </a:ext>
             </a:extLst>
           </p:cNvPr>
@@ -8532,7 +9157,84 @@
           <a:bodyPr/>
           <a:lstStyle/>
           <a:p>
-            <a:endParaRPr lang="de-DE"/>
+            <a:r>
+              <a:rPr lang="de-DE" dirty="0"/>
+              <a:t>Setzt den lokalen Stand zurück</a:t>
+            </a:r>
+          </a:p>
+          <a:p>
+            <a:r>
+              <a:rPr lang="de-DE" dirty="0"/>
+              <a:t>Sollte nur bei lokalen </a:t>
+            </a:r>
+            <a:r>
+              <a:rPr lang="de-DE" dirty="0" err="1"/>
+              <a:t>Commits</a:t>
+            </a:r>
+            <a:r>
+              <a:rPr lang="de-DE" dirty="0"/>
+              <a:t> verwendet werden, da </a:t>
+            </a:r>
+            <a:r>
+              <a:rPr lang="de-DE" dirty="0" err="1"/>
+              <a:t>Commits</a:t>
+            </a:r>
+            <a:r>
+              <a:rPr lang="de-DE" dirty="0"/>
+              <a:t> verworfen werden auf die sich sonst Andere beziehen könnten</a:t>
+            </a:r>
+          </a:p>
+          <a:p>
+            <a:r>
+              <a:rPr lang="de-DE" dirty="0" err="1"/>
+              <a:t>Kommado</a:t>
+            </a:r>
+            <a:r>
+              <a:rPr lang="de-DE" dirty="0"/>
+              <a:t>: </a:t>
+            </a:r>
+            <a:r>
+              <a:rPr lang="de-DE" b="1" i="1" dirty="0" err="1"/>
+              <a:t>git</a:t>
+            </a:r>
+            <a:r>
+              <a:rPr lang="de-DE" b="1" i="1" dirty="0"/>
+              <a:t> </a:t>
+            </a:r>
+            <a:r>
+              <a:rPr lang="de-DE" b="1" i="1" dirty="0" err="1"/>
+              <a:t>reset</a:t>
+            </a:r>
+            <a:endParaRPr lang="de-DE" b="1" i="1" dirty="0"/>
+          </a:p>
+          <a:p>
+            <a:pPr lvl="1"/>
+            <a:r>
+              <a:rPr lang="de-DE" dirty="0"/>
+              <a:t>&lt;Prüfsumme&gt;	Setzt den Zweig auf diesen Stand zurück, 			verworfene Änderungen befinden sich in der 			Arbeitskopie</a:t>
+            </a:r>
+          </a:p>
+          <a:p>
+            <a:pPr lvl="1"/>
+            <a:r>
+              <a:rPr lang="de-DE" dirty="0"/>
+              <a:t>--</a:t>
+            </a:r>
+            <a:r>
+              <a:rPr lang="de-DE" dirty="0" err="1"/>
+              <a:t>hard</a:t>
+            </a:r>
+            <a:r>
+              <a:rPr lang="de-DE" dirty="0"/>
+              <a:t>		setzt auch die Arbeitskopie zurück, alle 				Änderungen sind verworfen</a:t>
+            </a:r>
+          </a:p>
+          <a:p>
+            <a:pPr lvl="1"/>
+            <a:r>
+              <a:rPr lang="de-DE" dirty="0"/>
+              <a:t>&lt;Datei&gt;		Datei wird aus dem Index entfernt</a:t>
+            </a:r>
           </a:p>
         </p:txBody>
       </p:sp>
@@ -8541,7 +9243,7 @@
           <p:cNvPr id="3" name="Titel 2">
             <a:extLst>
               <a:ext uri="{FF2B5EF4-FFF2-40B4-BE49-F238E27FC236}">
-                <a16:creationId xmlns:a16="http://schemas.microsoft.com/office/drawing/2014/main" id="{98C52FB5-0D40-4B05-82A9-58A2D593489A}"/>
+                <a16:creationId xmlns:a16="http://schemas.microsoft.com/office/drawing/2014/main" id="{F43ABB80-C886-4AF5-B215-5BEEBC4B2C48}"/>
               </a:ext>
             </a:extLst>
           </p:cNvPr>
@@ -8559,7 +9261,7 @@
           <a:p>
             <a:r>
               <a:rPr lang="de-DE" dirty="0" err="1"/>
-              <a:t>Revert</a:t>
+              <a:t>Reset</a:t>
             </a:r>
             <a:endParaRPr lang="de-DE" dirty="0"/>
           </a:p>
@@ -8568,7 +9270,7 @@
     </p:spTree>
     <p:extLst>
       <p:ext uri="{BB962C8B-B14F-4D97-AF65-F5344CB8AC3E}">
-        <p14:creationId xmlns:p14="http://schemas.microsoft.com/office/powerpoint/2010/main" val="2941308763"/>
+        <p14:creationId xmlns:p14="http://schemas.microsoft.com/office/powerpoint/2010/main" val="3217921642"/>
       </p:ext>
     </p:extLst>
   </p:cSld>
@@ -8689,29 +9391,21 @@
             </a:r>
             <a:r>
               <a:rPr lang="de-DE" b="1" i="1" dirty="0"/>
-              <a:t> &lt;remote Adresse&gt; &lt;lokales Verzeichnis&gt;</a:t>
+              <a:t> &lt;URL&gt; &lt;lokales Verzeichnis&gt;</a:t>
             </a:r>
           </a:p>
           <a:p>
             <a:pPr lvl="1"/>
             <a:r>
               <a:rPr lang="de-DE" dirty="0"/>
-              <a:t>Ermöglicht Erstellung eines neuen Projektarchivs anhand einem bestehenden Projektarchiv</a:t>
+              <a:t>Erstellung eines neuen Projektarchivs anhand einem bestehenden Projektarchiv</a:t>
             </a:r>
           </a:p>
           <a:p>
             <a:pPr lvl="1"/>
             <a:r>
               <a:rPr lang="de-DE" dirty="0"/>
-              <a:t>Erstellt Verbindung zwischen dem lokalen Archiv und dem </a:t>
-            </a:r>
-            <a:r>
-              <a:rPr lang="de-DE" dirty="0" err="1"/>
-              <a:t>Orginalen</a:t>
-            </a:r>
-            <a:r>
-              <a:rPr lang="de-DE" dirty="0"/>
-              <a:t>, mit dem Alias </a:t>
+              <a:t>Erstellt Verbindung zwischen dem lokalen Archiv und dem Originalen, unter dem Alias </a:t>
             </a:r>
             <a:r>
               <a:rPr lang="de-DE" dirty="0" err="1"/>
@@ -8724,9 +9418,7 @@
             <a:endParaRPr lang="de-DE" dirty="0"/>
           </a:p>
           <a:p>
-            <a:pPr marL="457200" lvl="1" indent="0">
-              <a:buNone/>
-            </a:pPr>
+            <a:pPr lvl="1"/>
             <a:endParaRPr lang="de-DE" dirty="0"/>
           </a:p>
           <a:p>
@@ -8883,10 +9575,10 @@
       </p:grpSpPr>
       <p:sp>
         <p:nvSpPr>
-          <p:cNvPr id="4" name="Inhaltsplatzhalter 3">
+          <p:cNvPr id="5" name="Inhaltsplatzhalter 4">
             <a:extLst>
               <a:ext uri="{FF2B5EF4-FFF2-40B4-BE49-F238E27FC236}">
-                <a16:creationId xmlns:a16="http://schemas.microsoft.com/office/drawing/2014/main" id="{A6150C79-F925-4710-98E6-6908DC3A94DC}"/>
+                <a16:creationId xmlns:a16="http://schemas.microsoft.com/office/drawing/2014/main" id="{16798678-B877-4133-914B-E07392A40335}"/>
               </a:ext>
             </a:extLst>
           </p:cNvPr>
@@ -8911,7 +9603,7 @@
           <p:cNvPr id="3" name="Titel 2">
             <a:extLst>
               <a:ext uri="{FF2B5EF4-FFF2-40B4-BE49-F238E27FC236}">
-                <a16:creationId xmlns:a16="http://schemas.microsoft.com/office/drawing/2014/main" id="{F43ABB80-C886-4AF5-B215-5BEEBC4B2C48}"/>
+                <a16:creationId xmlns:a16="http://schemas.microsoft.com/office/drawing/2014/main" id="{AEF45C4A-B7FA-4978-A8CD-BE8F7E8F49D9}"/>
               </a:ext>
             </a:extLst>
           </p:cNvPr>
@@ -8928,17 +9620,24 @@
           <a:lstStyle/>
           <a:p>
             <a:r>
+              <a:rPr lang="de-DE" dirty="0"/>
+              <a:t>(</a:t>
+            </a:r>
+            <a:r>
               <a:rPr lang="de-DE" dirty="0" err="1"/>
-              <a:t>Reset</a:t>
-            </a:r>
-            <a:endParaRPr lang="de-DE" dirty="0"/>
+              <a:t>reflog</a:t>
+            </a:r>
+            <a:r>
+              <a:rPr lang="de-DE" dirty="0"/>
+              <a:t>)</a:t>
+            </a:r>
           </a:p>
         </p:txBody>
       </p:sp>
     </p:spTree>
     <p:extLst>
       <p:ext uri="{BB962C8B-B14F-4D97-AF65-F5344CB8AC3E}">
-        <p14:creationId xmlns:p14="http://schemas.microsoft.com/office/powerpoint/2010/main" val="3217921642"/>
+        <p14:creationId xmlns:p14="http://schemas.microsoft.com/office/powerpoint/2010/main" val="1856339443"/>
       </p:ext>
     </p:extLst>
   </p:cSld>
@@ -8967,10 +9666,10 @@
       </p:grpSpPr>
       <p:sp>
         <p:nvSpPr>
-          <p:cNvPr id="4" name="Inhaltsplatzhalter 3">
+          <p:cNvPr id="2" name="Titel 1">
             <a:extLst>
               <a:ext uri="{FF2B5EF4-FFF2-40B4-BE49-F238E27FC236}">
-                <a16:creationId xmlns:a16="http://schemas.microsoft.com/office/drawing/2014/main" id="{257E5DD3-EC40-4F18-9E76-D499796DE0E7}"/>
+                <a16:creationId xmlns:a16="http://schemas.microsoft.com/office/drawing/2014/main" id="{55DCA8B4-8412-4C61-8E1B-A6CDF1580F20}"/>
               </a:ext>
             </a:extLst>
           </p:cNvPr>
@@ -8978,7 +9677,7 @@
             <a:spLocks noGrp="1"/>
           </p:cNvSpPr>
           <p:nvPr>
-            <p:ph idx="13"/>
+            <p:ph type="title"/>
           </p:nvPr>
         </p:nvSpPr>
         <p:spPr/>
@@ -8986,42 +9685,9 @@
           <a:bodyPr/>
           <a:lstStyle/>
           <a:p>
-            <a:endParaRPr lang="de-DE"/>
-          </a:p>
-        </p:txBody>
-      </p:sp>
-      <p:sp>
-        <p:nvSpPr>
-          <p:cNvPr id="3" name="Titel 2">
-            <a:extLst>
-              <a:ext uri="{FF2B5EF4-FFF2-40B4-BE49-F238E27FC236}">
-                <a16:creationId xmlns:a16="http://schemas.microsoft.com/office/drawing/2014/main" id="{AEF45C4A-B7FA-4978-A8CD-BE8F7E8F49D9}"/>
-              </a:ext>
-            </a:extLst>
-          </p:cNvPr>
-          <p:cNvSpPr>
-            <a:spLocks noGrp="1"/>
-          </p:cNvSpPr>
-          <p:nvPr>
-            <p:ph type="title" idx="4294967295"/>
-          </p:nvPr>
-        </p:nvSpPr>
-        <p:spPr/>
-        <p:txBody>
-          <a:bodyPr/>
-          <a:lstStyle/>
-          <a:p>
-            <a:r>
-              <a:rPr lang="de-DE" dirty="0"/>
-              <a:t>(</a:t>
-            </a:r>
-            <a:r>
-              <a:rPr lang="de-DE" dirty="0" err="1"/>
-              <a:t>reflog</a:t>
-            </a:r>
-            <a:r>
-              <a:rPr lang="de-DE" dirty="0"/>
-              <a:t>)</a:t>
+            <a:r>
+              <a:rPr lang="de-DE" dirty="0"/>
+              <a:t>Workflow</a:t>
             </a:r>
           </a:p>
         </p:txBody>
@@ -9029,7 +9695,7 @@
     </p:spTree>
     <p:extLst>
       <p:ext uri="{BB962C8B-B14F-4D97-AF65-F5344CB8AC3E}">
-        <p14:creationId xmlns:p14="http://schemas.microsoft.com/office/powerpoint/2010/main" val="1856339443"/>
+        <p14:creationId xmlns:p14="http://schemas.microsoft.com/office/powerpoint/2010/main" val="1007972795"/>
       </p:ext>
     </p:extLst>
   </p:cSld>
@@ -9058,10 +9724,10 @@
       </p:grpSpPr>
       <p:sp>
         <p:nvSpPr>
-          <p:cNvPr id="2" name="Titel 1">
+          <p:cNvPr id="5" name="Inhaltsplatzhalter 4">
             <a:extLst>
               <a:ext uri="{FF2B5EF4-FFF2-40B4-BE49-F238E27FC236}">
-                <a16:creationId xmlns:a16="http://schemas.microsoft.com/office/drawing/2014/main" id="{55DCA8B4-8412-4C61-8E1B-A6CDF1580F20}"/>
+                <a16:creationId xmlns:a16="http://schemas.microsoft.com/office/drawing/2014/main" id="{023C353D-27D2-4156-878C-265100BA9848}"/>
               </a:ext>
             </a:extLst>
           </p:cNvPr>
@@ -9069,7 +9735,7 @@
             <a:spLocks noGrp="1"/>
           </p:cNvSpPr>
           <p:nvPr>
-            <p:ph type="title"/>
+            <p:ph idx="13"/>
           </p:nvPr>
         </p:nvSpPr>
         <p:spPr/>
@@ -9077,17 +9743,47 @@
           <a:bodyPr/>
           <a:lstStyle/>
           <a:p>
-            <a:r>
-              <a:rPr lang="de-DE" dirty="0"/>
-              <a:t>Workflow</a:t>
-            </a:r>
+            <a:endParaRPr lang="de-DE"/>
+          </a:p>
+        </p:txBody>
+      </p:sp>
+      <p:sp>
+        <p:nvSpPr>
+          <p:cNvPr id="3" name="Titel 2">
+            <a:extLst>
+              <a:ext uri="{FF2B5EF4-FFF2-40B4-BE49-F238E27FC236}">
+                <a16:creationId xmlns:a16="http://schemas.microsoft.com/office/drawing/2014/main" id="{625B6011-E5CD-40F8-BED3-233D5BEBC703}"/>
+              </a:ext>
+            </a:extLst>
+          </p:cNvPr>
+          <p:cNvSpPr>
+            <a:spLocks noGrp="1"/>
+          </p:cNvSpPr>
+          <p:nvPr>
+            <p:ph type="title" idx="4294967295"/>
+          </p:nvPr>
+        </p:nvSpPr>
+        <p:spPr/>
+        <p:txBody>
+          <a:bodyPr/>
+          <a:lstStyle/>
+          <a:p>
+            <a:r>
+              <a:rPr lang="de-DE" dirty="0"/>
+              <a:t>Git-</a:t>
+            </a:r>
+            <a:r>
+              <a:rPr lang="de-DE" dirty="0" err="1"/>
+              <a:t>flow</a:t>
+            </a:r>
+            <a:endParaRPr lang="de-DE" dirty="0"/>
           </a:p>
         </p:txBody>
       </p:sp>
     </p:spTree>
     <p:extLst>
       <p:ext uri="{BB962C8B-B14F-4D97-AF65-F5344CB8AC3E}">
-        <p14:creationId xmlns:p14="http://schemas.microsoft.com/office/powerpoint/2010/main" val="1007972795"/>
+        <p14:creationId xmlns:p14="http://schemas.microsoft.com/office/powerpoint/2010/main" val="149155477"/>
       </p:ext>
     </p:extLst>
   </p:cSld>
@@ -9116,10 +9812,10 @@
       </p:grpSpPr>
       <p:sp>
         <p:nvSpPr>
-          <p:cNvPr id="4" name="Inhaltsplatzhalter 3">
+          <p:cNvPr id="5" name="Inhaltsplatzhalter 4">
             <a:extLst>
               <a:ext uri="{FF2B5EF4-FFF2-40B4-BE49-F238E27FC236}">
-                <a16:creationId xmlns:a16="http://schemas.microsoft.com/office/drawing/2014/main" id="{C77C4327-36A1-49FF-B4A0-2874C57B74D7}"/>
+                <a16:creationId xmlns:a16="http://schemas.microsoft.com/office/drawing/2014/main" id="{D0D15137-B24A-4D20-8DAF-E588A7DE9169}"/>
               </a:ext>
             </a:extLst>
           </p:cNvPr>
@@ -9144,7 +9840,7 @@
           <p:cNvPr id="3" name="Titel 2">
             <a:extLst>
               <a:ext uri="{FF2B5EF4-FFF2-40B4-BE49-F238E27FC236}">
-                <a16:creationId xmlns:a16="http://schemas.microsoft.com/office/drawing/2014/main" id="{625B6011-E5CD-40F8-BED3-233D5BEBC703}"/>
+                <a16:creationId xmlns:a16="http://schemas.microsoft.com/office/drawing/2014/main" id="{CB599424-652A-4472-8967-4805ED1F4DEB}"/>
               </a:ext>
             </a:extLst>
           </p:cNvPr>
@@ -9162,11 +9858,11 @@
           <a:p>
             <a:r>
               <a:rPr lang="de-DE" dirty="0"/>
-              <a:t>Git-</a:t>
+              <a:t>Pull </a:t>
             </a:r>
             <a:r>
               <a:rPr lang="de-DE" dirty="0" err="1"/>
-              <a:t>flow</a:t>
+              <a:t>request</a:t>
             </a:r>
             <a:endParaRPr lang="de-DE" dirty="0"/>
           </a:p>
@@ -9175,7 +9871,7 @@
     </p:spTree>
     <p:extLst>
       <p:ext uri="{BB962C8B-B14F-4D97-AF65-F5344CB8AC3E}">
-        <p14:creationId xmlns:p14="http://schemas.microsoft.com/office/powerpoint/2010/main" val="149155477"/>
+        <p14:creationId xmlns:p14="http://schemas.microsoft.com/office/powerpoint/2010/main" val="1322300763"/>
       </p:ext>
     </p:extLst>
   </p:cSld>
@@ -9204,10 +9900,10 @@
       </p:grpSpPr>
       <p:sp>
         <p:nvSpPr>
-          <p:cNvPr id="4" name="Inhaltsplatzhalter 3">
+          <p:cNvPr id="5" name="Inhaltsplatzhalter 4">
             <a:extLst>
               <a:ext uri="{FF2B5EF4-FFF2-40B4-BE49-F238E27FC236}">
-                <a16:creationId xmlns:a16="http://schemas.microsoft.com/office/drawing/2014/main" id="{A808A29B-01DD-4A14-A68C-8B94D7CDC546}"/>
+                <a16:creationId xmlns:a16="http://schemas.microsoft.com/office/drawing/2014/main" id="{D39F8C46-B29C-4E51-82FC-5C372BBE7B10}"/>
               </a:ext>
             </a:extLst>
           </p:cNvPr>
@@ -9232,7 +9928,7 @@
           <p:cNvPr id="3" name="Titel 2">
             <a:extLst>
               <a:ext uri="{FF2B5EF4-FFF2-40B4-BE49-F238E27FC236}">
-                <a16:creationId xmlns:a16="http://schemas.microsoft.com/office/drawing/2014/main" id="{CB599424-652A-4472-8967-4805ED1F4DEB}"/>
+                <a16:creationId xmlns:a16="http://schemas.microsoft.com/office/drawing/2014/main" id="{18E8F690-0089-41E4-BB41-AE8E12035B39}"/>
               </a:ext>
             </a:extLst>
           </p:cNvPr>
@@ -9249,21 +9945,20 @@
           <a:lstStyle/>
           <a:p>
             <a:r>
-              <a:rPr lang="de-DE" dirty="0"/>
-              <a:t>Pull </a:t>
-            </a:r>
-            <a:r>
               <a:rPr lang="de-DE" dirty="0" err="1"/>
-              <a:t>request</a:t>
-            </a:r>
-            <a:endParaRPr lang="de-DE" dirty="0"/>
+              <a:t>Forking</a:t>
+            </a:r>
+            <a:r>
+              <a:rPr lang="de-DE" dirty="0"/>
+              <a:t>-workflow</a:t>
+            </a:r>
           </a:p>
         </p:txBody>
       </p:sp>
     </p:spTree>
     <p:extLst>
       <p:ext uri="{BB962C8B-B14F-4D97-AF65-F5344CB8AC3E}">
-        <p14:creationId xmlns:p14="http://schemas.microsoft.com/office/powerpoint/2010/main" val="1322300763"/>
+        <p14:creationId xmlns:p14="http://schemas.microsoft.com/office/powerpoint/2010/main" val="1691214512"/>
       </p:ext>
     </p:extLst>
   </p:cSld>
@@ -9292,10 +9987,10 @@
       </p:grpSpPr>
       <p:sp>
         <p:nvSpPr>
-          <p:cNvPr id="4" name="Inhaltsplatzhalter 3">
+          <p:cNvPr id="2" name="Titel 1">
             <a:extLst>
               <a:ext uri="{FF2B5EF4-FFF2-40B4-BE49-F238E27FC236}">
-                <a16:creationId xmlns:a16="http://schemas.microsoft.com/office/drawing/2014/main" id="{0DCE1033-2175-4F30-B74F-B30BB991A9F1}"/>
+                <a16:creationId xmlns:a16="http://schemas.microsoft.com/office/drawing/2014/main" id="{6C8483CF-1B0E-4C5D-98AE-63877A3A3D1A}"/>
               </a:ext>
             </a:extLst>
           </p:cNvPr>
@@ -9303,7 +9998,7 @@
             <a:spLocks noGrp="1"/>
           </p:cNvSpPr>
           <p:nvPr>
-            <p:ph idx="13"/>
+            <p:ph type="title"/>
           </p:nvPr>
         </p:nvSpPr>
         <p:spPr/>
@@ -9311,38 +10006,9 @@
           <a:bodyPr/>
           <a:lstStyle/>
           <a:p>
-            <a:endParaRPr lang="de-DE"/>
-          </a:p>
-        </p:txBody>
-      </p:sp>
-      <p:sp>
-        <p:nvSpPr>
-          <p:cNvPr id="3" name="Titel 2">
-            <a:extLst>
-              <a:ext uri="{FF2B5EF4-FFF2-40B4-BE49-F238E27FC236}">
-                <a16:creationId xmlns:a16="http://schemas.microsoft.com/office/drawing/2014/main" id="{18E8F690-0089-41E4-BB41-AE8E12035B39}"/>
-              </a:ext>
-            </a:extLst>
-          </p:cNvPr>
-          <p:cNvSpPr>
-            <a:spLocks noGrp="1"/>
-          </p:cNvSpPr>
-          <p:nvPr>
-            <p:ph type="title" idx="4294967295"/>
-          </p:nvPr>
-        </p:nvSpPr>
-        <p:spPr/>
-        <p:txBody>
-          <a:bodyPr/>
-          <a:lstStyle/>
-          <a:p>
-            <a:r>
-              <a:rPr lang="de-DE" dirty="0" err="1"/>
-              <a:t>Forking</a:t>
-            </a:r>
-            <a:r>
-              <a:rPr lang="de-DE" dirty="0"/>
-              <a:t>-workflow</a:t>
+            <a:r>
+              <a:rPr lang="de-DE" dirty="0"/>
+              <a:t>(weitere Befehle)</a:t>
             </a:r>
           </a:p>
         </p:txBody>
@@ -9350,7 +10016,7 @@
     </p:spTree>
     <p:extLst>
       <p:ext uri="{BB962C8B-B14F-4D97-AF65-F5344CB8AC3E}">
-        <p14:creationId xmlns:p14="http://schemas.microsoft.com/office/powerpoint/2010/main" val="1691214512"/>
+        <p14:creationId xmlns:p14="http://schemas.microsoft.com/office/powerpoint/2010/main" val="2812503263"/>
       </p:ext>
     </p:extLst>
   </p:cSld>
@@ -9382,64 +10048,6 @@
           <p:cNvPr id="2" name="Titel 1">
             <a:extLst>
               <a:ext uri="{FF2B5EF4-FFF2-40B4-BE49-F238E27FC236}">
-                <a16:creationId xmlns:a16="http://schemas.microsoft.com/office/drawing/2014/main" id="{6C8483CF-1B0E-4C5D-98AE-63877A3A3D1A}"/>
-              </a:ext>
-            </a:extLst>
-          </p:cNvPr>
-          <p:cNvSpPr>
-            <a:spLocks noGrp="1"/>
-          </p:cNvSpPr>
-          <p:nvPr>
-            <p:ph type="title"/>
-          </p:nvPr>
-        </p:nvSpPr>
-        <p:spPr/>
-        <p:txBody>
-          <a:bodyPr/>
-          <a:lstStyle/>
-          <a:p>
-            <a:r>
-              <a:rPr lang="de-DE" dirty="0"/>
-              <a:t>(weitere Befehle)</a:t>
-            </a:r>
-          </a:p>
-        </p:txBody>
-      </p:sp>
-    </p:spTree>
-    <p:extLst>
-      <p:ext uri="{BB962C8B-B14F-4D97-AF65-F5344CB8AC3E}">
-        <p14:creationId xmlns:p14="http://schemas.microsoft.com/office/powerpoint/2010/main" val="2812503263"/>
-      </p:ext>
-    </p:extLst>
-  </p:cSld>
-  <p:clrMapOvr>
-    <a:masterClrMapping/>
-  </p:clrMapOvr>
-</p:sld>
-</file>
-
-<file path=ppt/slides/slide37.xml><?xml version="1.0" encoding="utf-8"?>
-<p:sld xmlns:a="http://schemas.openxmlformats.org/drawingml/2006/main" xmlns:r="http://schemas.openxmlformats.org/officeDocument/2006/relationships" xmlns:p="http://schemas.openxmlformats.org/presentationml/2006/main">
-  <p:cSld>
-    <p:spTree>
-      <p:nvGrpSpPr>
-        <p:cNvPr id="1" name=""/>
-        <p:cNvGrpSpPr/>
-        <p:nvPr/>
-      </p:nvGrpSpPr>
-      <p:grpSpPr>
-        <a:xfrm>
-          <a:off x="0" y="0"/>
-          <a:ext cx="0" cy="0"/>
-          <a:chOff x="0" y="0"/>
-          <a:chExt cx="0" cy="0"/>
-        </a:xfrm>
-      </p:grpSpPr>
-      <p:sp>
-        <p:nvSpPr>
-          <p:cNvPr id="2" name="Titel 1">
-            <a:extLst>
-              <a:ext uri="{FF2B5EF4-FFF2-40B4-BE49-F238E27FC236}">
                 <a16:creationId xmlns:a16="http://schemas.microsoft.com/office/drawing/2014/main" id="{CFC30C4B-71C7-4535-8A5A-F0F266237AFD}"/>
               </a:ext>
             </a:extLst>
@@ -9476,7 +10084,7 @@
 </p:sld>
 </file>
 
-<file path=ppt/slides/slide38.xml><?xml version="1.0" encoding="utf-8"?>
+<file path=ppt/slides/slide37.xml><?xml version="1.0" encoding="utf-8"?>
 <p:sld xmlns:a="http://schemas.openxmlformats.org/drawingml/2006/main" xmlns:r="http://schemas.openxmlformats.org/officeDocument/2006/relationships" xmlns:p="http://schemas.openxmlformats.org/presentationml/2006/main">
   <p:cSld>
     <p:spTree>
@@ -9591,16 +10199,11 @@
         </p:nvSpPr>
         <p:spPr/>
         <p:txBody>
-          <a:bodyPr>
-            <a:normAutofit/>
-          </a:bodyPr>
+          <a:bodyPr/>
           <a:lstStyle/>
           <a:p>
-            <a:pPr marL="0" indent="0">
-              <a:buNone/>
-            </a:pPr>
-            <a:r>
-              <a:rPr lang="de-DE" i="1" dirty="0" err="1"/>
+            <a:r>
+              <a:rPr lang="de-DE" dirty="0" err="1"/>
               <a:t>objects</a:t>
             </a:r>
             <a:r>
@@ -9609,42 +10212,24 @@
             </a:r>
           </a:p>
           <a:p>
-            <a:pPr marL="0" indent="0">
-              <a:buNone/>
-            </a:pPr>
-            <a:r>
-              <a:rPr lang="de-DE" i="1" dirty="0" err="1"/>
+            <a:r>
+              <a:rPr lang="de-DE" dirty="0" err="1"/>
               <a:t>refs</a:t>
             </a:r>
             <a:r>
               <a:rPr lang="de-DE" dirty="0"/>
-              <a:t>: 	enthält Verweise auf 				 	Zweige und </a:t>
-            </a:r>
+              <a:t>: 	enthält Verweise auf 				 	Zweige und Etiketten</a:t>
+            </a:r>
+          </a:p>
+          <a:p>
+            <a:r>
+              <a:rPr lang="de-DE" dirty="0"/>
+              <a:t>logs: 	enthält Informationen          		   	        	zu Commit Historie und 			              	Historie der Zweige und 		              	Arbeitsverzeichnisse</a:t>
+            </a:r>
+          </a:p>
+          <a:p>
             <a:r>
               <a:rPr lang="de-DE" dirty="0" err="1"/>
-              <a:t>Ettiketten</a:t>
-            </a:r>
-            <a:endParaRPr lang="de-DE" dirty="0"/>
-          </a:p>
-          <a:p>
-            <a:pPr marL="0" indent="0">
-              <a:buNone/>
-            </a:pPr>
-            <a:r>
-              <a:rPr lang="de-DE" i="1" dirty="0"/>
-              <a:t>logs</a:t>
-            </a:r>
-            <a:r>
-              <a:rPr lang="de-DE" dirty="0"/>
-              <a:t>: 	enthält Informationen          		   	        	zu Commit Historie und 			              	Historie der Zweige und 		              	Arbeitsverzeichnisse</a:t>
-            </a:r>
-          </a:p>
-          <a:p>
-            <a:pPr marL="0" indent="0">
-              <a:buNone/>
-            </a:pPr>
-            <a:r>
-              <a:rPr lang="de-DE" i="1" dirty="0" err="1"/>
               <a:t>hooks</a:t>
             </a:r>
             <a:r>
@@ -9653,11 +10238,8 @@
             </a:r>
           </a:p>
           <a:p>
-            <a:pPr marL="0" indent="0">
-              <a:buNone/>
-            </a:pPr>
-            <a:r>
-              <a:rPr lang="de-DE" i="1" dirty="0" err="1"/>
+            <a:r>
+              <a:rPr lang="de-DE" dirty="0" err="1"/>
               <a:t>config</a:t>
             </a:r>
             <a:r>
@@ -9666,16 +10248,9 @@
             </a:r>
           </a:p>
           <a:p>
-            <a:pPr marL="0" indent="0">
-              <a:buNone/>
-            </a:pPr>
-            <a:r>
-              <a:rPr lang="de-DE" i="1" dirty="0"/>
-              <a:t>HEAD</a:t>
-            </a:r>
-            <a:r>
-              <a:rPr lang="de-DE" dirty="0"/>
-              <a:t>: </a:t>
+            <a:r>
+              <a:rPr lang="de-DE" dirty="0"/>
+              <a:t>HEAD: 	Verweist auf den Stand der aktuelle 			Arbeitskopie</a:t>
             </a:r>
           </a:p>
           <a:p>
@@ -9806,7 +10381,7 @@
           <a:p>
             <a:r>
               <a:rPr lang="de-DE" dirty="0"/>
-              <a:t>Ermöglicht Einstellungen am Projektarchiv</a:t>
+              <a:t>Ermöglicht individuelle Einstellungen am Projektarchiv</a:t>
             </a:r>
           </a:p>
           <a:p>
@@ -9848,7 +10423,37 @@
           <a:p>
             <a:r>
               <a:rPr lang="de-DE" dirty="0"/>
-              <a:t>Einstellung auch innerhalb der Datei möglich:</a:t>
+              <a:t>Einstellung auch innerhalb der Konfigurationsdatei möglich:</a:t>
+            </a:r>
+          </a:p>
+          <a:p>
+            <a:pPr lvl="1"/>
+            <a:r>
+              <a:rPr lang="de-DE" b="1" i="1" dirty="0" err="1"/>
+              <a:t>git</a:t>
+            </a:r>
+            <a:r>
+              <a:rPr lang="de-DE" b="1" i="1" dirty="0"/>
+              <a:t> </a:t>
+            </a:r>
+            <a:r>
+              <a:rPr lang="de-DE" b="1" i="1" dirty="0" err="1"/>
+              <a:t>config</a:t>
+            </a:r>
+            <a:r>
+              <a:rPr lang="de-DE" b="1" i="1" dirty="0"/>
+              <a:t> --</a:t>
+            </a:r>
+            <a:r>
+              <a:rPr lang="de-DE" b="1" i="1" dirty="0" err="1"/>
+              <a:t>edit</a:t>
+            </a:r>
+            <a:endParaRPr lang="de-DE" b="1" i="1" dirty="0"/>
+          </a:p>
+          <a:p>
+            <a:r>
+              <a:rPr lang="de-DE" dirty="0"/>
+              <a:t>Alias für Befehle angeben:</a:t>
             </a:r>
           </a:p>
           <a:p>
@@ -9863,18 +10468,13 @@
             </a:r>
             <a:r>
               <a:rPr lang="de-DE" b="1" i="1" dirty="0"/>
-              <a:t> --global –</a:t>
-            </a:r>
-            <a:r>
-              <a:rPr lang="de-DE" b="1" i="1" dirty="0" err="1"/>
-              <a:t>edit</a:t>
-            </a:r>
-            <a:endParaRPr lang="de-DE" b="1" i="1" dirty="0"/>
-          </a:p>
-          <a:p>
-            <a:r>
-              <a:rPr lang="de-DE" dirty="0"/>
-              <a:t>Alias für Befehle angeben:</a:t>
+              <a:t> alias.&lt;Alias Name&gt; &lt;Git Kommando&gt;</a:t>
+            </a:r>
+          </a:p>
+          <a:p>
+            <a:r>
+              <a:rPr lang="de-DE" dirty="0"/>
+              <a:t>Einstellungen einsehen:</a:t>
             </a:r>
           </a:p>
           <a:p>
@@ -9889,71 +10489,8 @@
             </a:r>
             <a:r>
               <a:rPr lang="de-DE" b="1" i="1" dirty="0"/>
-              <a:t> alias.</a:t>
-            </a:r>
-            <a:r>
-              <a:rPr lang="en-US" b="1" i="1" dirty="0"/>
-              <a:t> "</a:t>
-            </a:r>
-            <a:r>
-              <a:rPr lang="de-DE" b="1" i="1" dirty="0"/>
-              <a:t>&lt;Alias Name&gt;</a:t>
-            </a:r>
-            <a:r>
-              <a:rPr lang="en-US" b="1" i="1" dirty="0"/>
-              <a:t>"</a:t>
-            </a:r>
-            <a:r>
-              <a:rPr lang="de-DE" b="1" i="1" dirty="0"/>
-              <a:t> </a:t>
-            </a:r>
-            <a:r>
-              <a:rPr lang="en-US" b="1" i="1" dirty="0"/>
-              <a:t>"</a:t>
-            </a:r>
-            <a:r>
-              <a:rPr lang="de-DE" b="1" i="1" dirty="0"/>
-              <a:t>&lt;Git Kommando&gt;</a:t>
-            </a:r>
-            <a:r>
-              <a:rPr lang="en-US" b="1" i="1" dirty="0"/>
-              <a:t>"</a:t>
-            </a:r>
-            <a:endParaRPr lang="de-DE" b="1" i="1" dirty="0"/>
-          </a:p>
-          <a:p>
-            <a:r>
-              <a:rPr lang="de-DE" dirty="0"/>
-              <a:t>Einstellungen </a:t>
-            </a:r>
-            <a:r>
-              <a:rPr lang="de-DE" dirty="0" err="1"/>
-              <a:t>einshehen</a:t>
-            </a:r>
-            <a:r>
-              <a:rPr lang="de-DE" dirty="0"/>
-              <a:t>:</a:t>
-            </a:r>
-          </a:p>
-          <a:p>
-            <a:pPr lvl="1"/>
-            <a:r>
-              <a:rPr lang="de-DE" b="1" i="1" dirty="0"/>
-              <a:t>git </a:t>
-            </a:r>
-            <a:r>
-              <a:rPr lang="de-DE" b="1" i="1" dirty="0" err="1"/>
-              <a:t>config</a:t>
-            </a:r>
-            <a:r>
-              <a:rPr lang="de-DE" b="1" i="1" dirty="0"/>
-              <a:t> –</a:t>
-            </a:r>
-            <a:r>
-              <a:rPr lang="de-DE" b="1" i="1" dirty="0" err="1"/>
-              <a:t>list</a:t>
-            </a:r>
-            <a:endParaRPr lang="de-DE" b="1" i="1" dirty="0"/>
+              <a:t> --list</a:t>
+            </a:r>
           </a:p>
         </p:txBody>
       </p:sp>
@@ -10069,36 +10606,74 @@
           <a:p>
             <a:r>
               <a:rPr lang="de-DE" dirty="0"/>
-              <a:t>Ermöglicht Ausblendung von Dateien, die nicht versioniert werden sollen</a:t>
-            </a:r>
-          </a:p>
-          <a:p>
-            <a:r>
-              <a:rPr lang="de-DE" dirty="0"/>
-              <a:t>Diese Dateien werden in .</a:t>
+              <a:t>Ermöglicht Ausblendung von Dateien / Ordnern, die nicht versioniert werden sollen, </a:t>
             </a:r>
             <a:r>
               <a:rPr lang="de-DE" dirty="0" err="1"/>
+              <a:t>z.B</a:t>
+            </a:r>
+            <a:endParaRPr lang="de-DE" dirty="0"/>
+          </a:p>
+          <a:p>
+            <a:pPr lvl="1"/>
+            <a:r>
+              <a:rPr lang="de-DE" dirty="0" err="1"/>
+              <a:t>Build</a:t>
+            </a:r>
+            <a:r>
+              <a:rPr lang="de-DE" dirty="0"/>
+              <a:t> Dateien</a:t>
+            </a:r>
+          </a:p>
+          <a:p>
+            <a:pPr lvl="1"/>
+            <a:r>
+              <a:rPr lang="de-DE" dirty="0"/>
+              <a:t>Temporäre Dateien</a:t>
+            </a:r>
+          </a:p>
+          <a:p>
+            <a:pPr lvl="1"/>
+            <a:r>
+              <a:rPr lang="de-DE" dirty="0"/>
+              <a:t>Benutzerdefinierte Dateien</a:t>
+            </a:r>
+          </a:p>
+          <a:p>
+            <a:r>
+              <a:rPr lang="de-DE" dirty="0"/>
+              <a:t>Diese Dateien werden in </a:t>
+            </a:r>
+            <a:r>
+              <a:rPr lang="de-DE" i="1" dirty="0"/>
+              <a:t>.</a:t>
+            </a:r>
+            <a:r>
+              <a:rPr lang="de-DE" i="1" dirty="0" err="1"/>
               <a:t>gitignore</a:t>
             </a:r>
             <a:r>
-              <a:rPr lang="de-DE" dirty="0"/>
-              <a:t> zeilenweise angegeben</a:t>
+              <a:rPr lang="de-DE" i="1" dirty="0"/>
+              <a:t> </a:t>
+            </a:r>
+            <a:r>
+              <a:rPr lang="de-DE" dirty="0"/>
+              <a:t>zeilenweise angegeben</a:t>
             </a:r>
           </a:p>
           <a:p>
             <a:endParaRPr lang="de-DE" dirty="0"/>
           </a:p>
           <a:p>
+            <a:pPr marL="0" indent="0">
+              <a:buNone/>
+            </a:pPr>
             <a:endParaRPr lang="de-DE" dirty="0"/>
           </a:p>
           <a:p>
-            <a:endParaRPr lang="de-DE" dirty="0"/>
-          </a:p>
-          <a:p>
-            <a:r>
-              <a:rPr lang="de-DE" dirty="0"/>
-              <a:t>In der Abbildungen werden </a:t>
+            <a:r>
+              <a:rPr lang="de-DE" dirty="0"/>
+              <a:t>In der Beispiel Abbildungen ausgeblendet werden:</a:t>
             </a:r>
           </a:p>
           <a:p>
@@ -10109,36 +10684,38 @@
             </a:r>
             <a:r>
               <a:rPr lang="de-DE" dirty="0"/>
-              <a:t>-Dateien</a:t>
+              <a:t>-Dateien (</a:t>
+            </a:r>
+            <a:r>
+              <a:rPr lang="de-DE" dirty="0" err="1"/>
+              <a:t>Build</a:t>
+            </a:r>
+            <a:r>
+              <a:rPr lang="de-DE" dirty="0"/>
+              <a:t> Dateien)</a:t>
             </a:r>
           </a:p>
           <a:p>
             <a:pPr lvl="1"/>
             <a:r>
               <a:rPr lang="de-DE" dirty="0"/>
-              <a:t>Dateien, welche mit einer Tilde enden</a:t>
-            </a:r>
-          </a:p>
-          <a:p>
-            <a:pPr lvl="1"/>
-            <a:r>
-              <a:rPr lang="de-DE" dirty="0"/>
-              <a:t>Programm </a:t>
+              <a:t>Eine Datei namens „</a:t>
             </a:r>
             <a:r>
               <a:rPr lang="de-DE" dirty="0" err="1"/>
               <a:t>geo</a:t>
             </a:r>
-            <a:endParaRPr lang="de-DE" dirty="0"/>
-          </a:p>
-          <a:p>
-            <a:r>
-              <a:rPr lang="de-DE" dirty="0"/>
-              <a:t>Ausgeblendet</a:t>
-            </a:r>
-          </a:p>
-          <a:p>
-            <a:endParaRPr lang="de-DE" dirty="0"/>
+            <a:r>
+              <a:rPr lang="de-DE" dirty="0"/>
+              <a:t>“</a:t>
+            </a:r>
+          </a:p>
+          <a:p>
+            <a:pPr lvl="1"/>
+            <a:r>
+              <a:rPr lang="de-DE" dirty="0"/>
+              <a:t>Dateien, welche mit einer Tilde enden</a:t>
+            </a:r>
           </a:p>
           <a:p>
             <a:pPr lvl="1"/>
@@ -10204,7 +10781,7 @@
         </p:blipFill>
         <p:spPr>
           <a:xfrm>
-            <a:off x="2837479" y="2704474"/>
+            <a:off x="2861820" y="3191035"/>
             <a:ext cx="3469042" cy="632247"/>
           </a:xfrm>
           <a:prstGeom prst="rect">
@@ -10212,58 +10789,6 @@
           </a:prstGeom>
         </p:spPr>
       </p:pic>
-      <p:sp>
-        <p:nvSpPr>
-          <p:cNvPr id="5" name="Rechteck 4">
-            <a:extLst>
-              <a:ext uri="{FF2B5EF4-FFF2-40B4-BE49-F238E27FC236}">
-                <a16:creationId xmlns:a16="http://schemas.microsoft.com/office/drawing/2014/main" id="{3DF4D30B-2839-438B-93BE-1476A4B0C745}"/>
-              </a:ext>
-            </a:extLst>
-          </p:cNvPr>
-          <p:cNvSpPr/>
-          <p:nvPr/>
-        </p:nvSpPr>
-        <p:spPr>
-          <a:xfrm>
-            <a:off x="722415" y="4731390"/>
-            <a:ext cx="578841" cy="444617"/>
-          </a:xfrm>
-          <a:prstGeom prst="rect">
-            <a:avLst/>
-          </a:prstGeom>
-          <a:solidFill>
-            <a:schemeClr val="bg1"/>
-          </a:solidFill>
-          <a:ln>
-            <a:noFill/>
-          </a:ln>
-        </p:spPr>
-        <p:style>
-          <a:lnRef idx="2">
-            <a:schemeClr val="accent1">
-              <a:shade val="50000"/>
-            </a:schemeClr>
-          </a:lnRef>
-          <a:fillRef idx="1">
-            <a:schemeClr val="accent1"/>
-          </a:fillRef>
-          <a:effectRef idx="0">
-            <a:schemeClr val="accent1"/>
-          </a:effectRef>
-          <a:fontRef idx="minor">
-            <a:schemeClr val="lt1"/>
-          </a:fontRef>
-        </p:style>
-        <p:txBody>
-          <a:bodyPr rtlCol="0" anchor="ctr"/>
-          <a:lstStyle/>
-          <a:p>
-            <a:pPr algn="ctr"/>
-            <a:endParaRPr lang="de-DE"/>
-          </a:p>
-        </p:txBody>
-      </p:sp>
     </p:spTree>
     <p:extLst>
       <p:ext uri="{BB962C8B-B14F-4D97-AF65-F5344CB8AC3E}">
@@ -10296,10 +10821,10 @@
       </p:grpSpPr>
       <p:sp>
         <p:nvSpPr>
-          <p:cNvPr id="2" name="Inhaltsplatzhalter 1">
+          <p:cNvPr id="5" name="Inhaltsplatzhalter 4">
             <a:extLst>
               <a:ext uri="{FF2B5EF4-FFF2-40B4-BE49-F238E27FC236}">
-                <a16:creationId xmlns:a16="http://schemas.microsoft.com/office/drawing/2014/main" id="{C6872B56-8973-4012-A009-00C6F76B9D0B}"/>
+                <a16:creationId xmlns:a16="http://schemas.microsoft.com/office/drawing/2014/main" id="{C2BFA9D9-8AEE-43BF-BF11-29F16A4F2941}"/>
               </a:ext>
             </a:extLst>
           </p:cNvPr>
@@ -10315,7 +10840,100 @@
           <a:bodyPr/>
           <a:lstStyle/>
           <a:p>
-            <a:endParaRPr lang="de-DE"/>
+            <a:r>
+              <a:rPr lang="de-DE" sz="1800" dirty="0"/>
+              <a:t>Kommando: </a:t>
+            </a:r>
+            <a:r>
+              <a:rPr lang="de-DE" sz="1800" b="1" i="1" dirty="0" err="1"/>
+              <a:t>git</a:t>
+            </a:r>
+            <a:r>
+              <a:rPr lang="de-DE" sz="1800" b="1" i="1" dirty="0"/>
+              <a:t> </a:t>
+            </a:r>
+            <a:r>
+              <a:rPr lang="de-DE" sz="1800" b="1" i="1" dirty="0" err="1"/>
+              <a:t>status</a:t>
+            </a:r>
+            <a:endParaRPr lang="de-DE" sz="1800" b="1" i="1" dirty="0"/>
+          </a:p>
+          <a:p>
+            <a:endParaRPr lang="de-DE" dirty="0"/>
+          </a:p>
+          <a:p>
+            <a:endParaRPr lang="de-DE" dirty="0"/>
+          </a:p>
+          <a:p>
+            <a:endParaRPr lang="de-DE" dirty="0"/>
+          </a:p>
+          <a:p>
+            <a:endParaRPr lang="de-DE" dirty="0"/>
+          </a:p>
+          <a:p>
+            <a:endParaRPr lang="de-DE" dirty="0"/>
+          </a:p>
+          <a:p>
+            <a:r>
+              <a:rPr lang="de-DE" sz="1800" dirty="0"/>
+              <a:t>Stellt die Änderungen an der Arbeitskopie dar</a:t>
+            </a:r>
+          </a:p>
+          <a:p>
+            <a:r>
+              <a:rPr lang="de-DE" sz="1800" dirty="0"/>
+              <a:t>Änderungen werden über </a:t>
+            </a:r>
+            <a:r>
+              <a:rPr lang="de-DE" sz="1800" b="1" i="1" dirty="0" err="1"/>
+              <a:t>git</a:t>
+            </a:r>
+            <a:r>
+              <a:rPr lang="de-DE" sz="1800" b="1" i="1" dirty="0"/>
+              <a:t> </a:t>
+            </a:r>
+            <a:r>
+              <a:rPr lang="de-DE" sz="1800" b="1" i="1" dirty="0" err="1"/>
+              <a:t>add</a:t>
+            </a:r>
+            <a:r>
+              <a:rPr lang="de-DE" sz="1800" b="1" i="1" dirty="0"/>
+              <a:t> &lt;Datei&gt; </a:t>
+            </a:r>
+            <a:r>
+              <a:rPr lang="de-DE" sz="1800" dirty="0"/>
+              <a:t>dem Index hinzugefügt</a:t>
+            </a:r>
+          </a:p>
+          <a:p>
+            <a:pPr lvl="1"/>
+            <a:r>
+              <a:rPr lang="de-DE" sz="1400" b="1" i="1" dirty="0" err="1"/>
+              <a:t>git</a:t>
+            </a:r>
+            <a:r>
+              <a:rPr lang="de-DE" sz="1400" b="1" i="1" dirty="0"/>
+              <a:t> </a:t>
+            </a:r>
+            <a:r>
+              <a:rPr lang="de-DE" sz="1400" b="1" i="1" dirty="0" err="1"/>
+              <a:t>add</a:t>
+            </a:r>
+            <a:r>
+              <a:rPr lang="de-DE" sz="1400" b="1" i="1" dirty="0"/>
+              <a:t> . </a:t>
+            </a:r>
+            <a:r>
+              <a:rPr lang="de-DE" sz="1400" dirty="0"/>
+              <a:t>Fügt alle Änderungen hinzu</a:t>
+            </a:r>
+            <a:endParaRPr lang="de-DE" sz="1400" b="1" i="1" dirty="0"/>
+          </a:p>
+          <a:p>
+            <a:r>
+              <a:rPr lang="de-DE" sz="1800" dirty="0"/>
+              <a:t>Dateien im Index sind für einen Commit vorgemerkt</a:t>
+            </a:r>
           </a:p>
         </p:txBody>
       </p:sp>
@@ -10347,6 +10965,36 @@
           </a:p>
         </p:txBody>
       </p:sp>
+      <p:pic>
+        <p:nvPicPr>
+          <p:cNvPr id="7" name="Grafik 6">
+            <a:extLst>
+              <a:ext uri="{FF2B5EF4-FFF2-40B4-BE49-F238E27FC236}">
+                <a16:creationId xmlns:a16="http://schemas.microsoft.com/office/drawing/2014/main" id="{92C172AA-81C7-455D-A18E-7751E2CB19E5}"/>
+              </a:ext>
+            </a:extLst>
+          </p:cNvPr>
+          <p:cNvPicPr>
+            <a:picLocks noChangeAspect="1"/>
+          </p:cNvPicPr>
+          <p:nvPr/>
+        </p:nvPicPr>
+        <p:blipFill>
+          <a:blip r:embed="rId2"/>
+          <a:stretch>
+            <a:fillRect/>
+          </a:stretch>
+        </p:blipFill>
+        <p:spPr>
+          <a:xfrm>
+            <a:off x="1930742" y="1661007"/>
+            <a:ext cx="5450296" cy="1767993"/>
+          </a:xfrm>
+          <a:prstGeom prst="rect">
+            <a:avLst/>
+          </a:prstGeom>
+        </p:spPr>
+      </p:pic>
     </p:spTree>
     <p:extLst>
       <p:ext uri="{BB962C8B-B14F-4D97-AF65-F5344CB8AC3E}">
@@ -10439,10 +11087,10 @@
       </p:grpSpPr>
       <p:sp>
         <p:nvSpPr>
-          <p:cNvPr id="4" name="Inhaltsplatzhalter 3">
+          <p:cNvPr id="5" name="Inhaltsplatzhalter 4">
             <a:extLst>
               <a:ext uri="{FF2B5EF4-FFF2-40B4-BE49-F238E27FC236}">
-                <a16:creationId xmlns:a16="http://schemas.microsoft.com/office/drawing/2014/main" id="{2E92DCBA-5067-440C-845B-8E28B4EFC080}"/>
+                <a16:creationId xmlns:a16="http://schemas.microsoft.com/office/drawing/2014/main" id="{CD054A3A-6F87-44D5-9FFF-876B09A1EA89}"/>
               </a:ext>
             </a:extLst>
           </p:cNvPr>
@@ -10458,7 +11106,70 @@
           <a:bodyPr/>
           <a:lstStyle/>
           <a:p>
-            <a:endParaRPr lang="de-DE"/>
+            <a:r>
+              <a:rPr lang="de-DE" dirty="0"/>
+              <a:t>Erstellt einen Schnappschuss der Arbeitskopie</a:t>
+            </a:r>
+          </a:p>
+          <a:p>
+            <a:r>
+              <a:rPr lang="de-DE" dirty="0"/>
+              <a:t>Nur Änderungen im Index werden einbezogen</a:t>
+            </a:r>
+          </a:p>
+          <a:p>
+            <a:r>
+              <a:rPr lang="de-DE" dirty="0"/>
+              <a:t>Commit wird dem aktuellen Zweig angehangen</a:t>
+            </a:r>
+          </a:p>
+          <a:p>
+            <a:r>
+              <a:rPr lang="de-DE" dirty="0"/>
+              <a:t>Kommando: </a:t>
+            </a:r>
+            <a:r>
+              <a:rPr lang="de-DE" b="1" i="1" dirty="0" err="1"/>
+              <a:t>git</a:t>
+            </a:r>
+            <a:r>
+              <a:rPr lang="de-DE" b="1" i="1" dirty="0"/>
+              <a:t> </a:t>
+            </a:r>
+            <a:r>
+              <a:rPr lang="de-DE" b="1" i="1" dirty="0" err="1"/>
+              <a:t>commit</a:t>
+            </a:r>
+            <a:r>
+              <a:rPr lang="de-DE" b="1" i="1" dirty="0"/>
+              <a:t> –m “&lt;Nachricht&gt;“</a:t>
+            </a:r>
+          </a:p>
+          <a:p>
+            <a:pPr lvl="1"/>
+            <a:r>
+              <a:rPr lang="de-DE" dirty="0"/>
+              <a:t>--</a:t>
+            </a:r>
+            <a:r>
+              <a:rPr lang="de-DE" dirty="0" err="1"/>
+              <a:t>amend</a:t>
+            </a:r>
+            <a:r>
+              <a:rPr lang="de-DE" dirty="0"/>
+              <a:t> zur Bearbeitung des letzten </a:t>
+            </a:r>
+            <a:r>
+              <a:rPr lang="de-DE" dirty="0" err="1"/>
+              <a:t>Commits</a:t>
+            </a:r>
+            <a:endParaRPr lang="de-DE" dirty="0"/>
+          </a:p>
+          <a:p>
+            <a:pPr marL="457200" lvl="1" indent="0">
+              <a:buNone/>
+            </a:pPr>
+            <a:endParaRPr lang="de-DE" dirty="0"/>
           </a:p>
         </p:txBody>
       </p:sp>
@@ -10490,6 +11201,36 @@
           </a:p>
         </p:txBody>
       </p:sp>
+      <p:pic>
+        <p:nvPicPr>
+          <p:cNvPr id="6" name="Grafik 5">
+            <a:extLst>
+              <a:ext uri="{FF2B5EF4-FFF2-40B4-BE49-F238E27FC236}">
+                <a16:creationId xmlns:a16="http://schemas.microsoft.com/office/drawing/2014/main" id="{C3236655-55A5-4694-8F6A-542865365404}"/>
+              </a:ext>
+            </a:extLst>
+          </p:cNvPr>
+          <p:cNvPicPr>
+            <a:picLocks noChangeAspect="1"/>
+          </p:cNvPicPr>
+          <p:nvPr/>
+        </p:nvPicPr>
+        <p:blipFill>
+          <a:blip r:embed="rId2"/>
+          <a:stretch>
+            <a:fillRect/>
+          </a:stretch>
+        </p:blipFill>
+        <p:spPr>
+          <a:xfrm>
+            <a:off x="1011836" y="3303165"/>
+            <a:ext cx="5218628" cy="621846"/>
+          </a:xfrm>
+          <a:prstGeom prst="rect">
+            <a:avLst/>
+          </a:prstGeom>
+        </p:spPr>
+      </p:pic>
     </p:spTree>
     <p:extLst>
       <p:ext uri="{BB962C8B-B14F-4D97-AF65-F5344CB8AC3E}">

--- a/Präsentation-90min/Präsentation-90min.pptx
+++ b/Präsentation-90min/Präsentation-90min.pptx
@@ -288,7 +288,7 @@
           <a:p>
             <a:fld id="{A1E1CD49-93F9-4EB7-9AB7-31369D3CCD5D}" type="datetimeFigureOut">
               <a:rPr lang="de-DE" smtClean="0"/>
-              <a:t>13.03.2020</a:t>
+              <a:t>16.03.2020</a:t>
             </a:fld>
             <a:endParaRPr lang="de-DE"/>
           </a:p>
@@ -587,6 +587,9 @@
             <a:off x="685800" y="1122363"/>
             <a:ext cx="7772400" cy="2387600"/>
           </a:xfrm>
+          <a:prstGeom prst="rect">
+            <a:avLst/>
+          </a:prstGeom>
         </p:spPr>
         <p:txBody>
           <a:bodyPr anchor="b"/>
@@ -686,7 +689,7 @@
           <a:p>
             <a:fld id="{7CDC51D4-4F8D-402A-BD06-90531D3D0B0E}" type="datetime1">
               <a:rPr lang="de-DE" smtClean="0"/>
-              <a:t>13.03.2020</a:t>
+              <a:t>16.03.2020</a:t>
             </a:fld>
             <a:endParaRPr lang="de-DE"/>
           </a:p>
@@ -774,7 +777,15 @@
             <p:ph type="title"/>
           </p:nvPr>
         </p:nvSpPr>
-        <p:spPr/>
+        <p:spPr>
+          <a:xfrm>
+            <a:off x="628650" y="365126"/>
+            <a:ext cx="7886700" cy="698903"/>
+          </a:xfrm>
+          <a:prstGeom prst="rect">
+            <a:avLst/>
+          </a:prstGeom>
+        </p:spPr>
         <p:txBody>
           <a:bodyPr/>
           <a:lstStyle/>
@@ -856,7 +867,7 @@
           <a:p>
             <a:fld id="{3608FC1D-F958-4804-B298-25E0F93B1193}" type="datetime1">
               <a:rPr lang="de-DE" smtClean="0"/>
-              <a:t>13.03.2020</a:t>
+              <a:t>16.03.2020</a:t>
             </a:fld>
             <a:endParaRPr lang="de-DE"/>
           </a:p>
@@ -949,6 +960,9 @@
             <a:off x="6543675" y="365125"/>
             <a:ext cx="1971675" cy="5811838"/>
           </a:xfrm>
+          <a:prstGeom prst="rect">
+            <a:avLst/>
+          </a:prstGeom>
         </p:spPr>
         <p:txBody>
           <a:bodyPr vert="eaVert"/>
@@ -1036,7 +1050,7 @@
           <a:p>
             <a:fld id="{853E26B7-2C61-49BA-838E-19A37BCD9623}" type="datetime1">
               <a:rPr lang="de-DE" smtClean="0"/>
-              <a:t>13.03.2020</a:t>
+              <a:t>16.03.2020</a:t>
             </a:fld>
             <a:endParaRPr lang="de-DE"/>
           </a:p>
@@ -1331,7 +1345,7 @@
             <a:fld id="{6F7941D6-DDCD-4FEB-B76A-6EA7C7E1DF91}" type="datetime1">
               <a:rPr lang="de-DE" smtClean="0"/>
               <a:pPr/>
-              <a:t>13.03.2020</a:t>
+              <a:t>16.03.2020</a:t>
             </a:fld>
             <a:endParaRPr lang="de-DE" dirty="0"/>
           </a:p>
@@ -1727,6 +1741,9 @@
             <a:off x="1011836" y="365127"/>
             <a:ext cx="7169010" cy="697320"/>
           </a:xfrm>
+          <a:prstGeom prst="rect">
+            <a:avLst/>
+          </a:prstGeom>
         </p:spPr>
         <p:txBody>
           <a:bodyPr>
@@ -1910,6 +1927,9 @@
             <a:off x="1100138" y="2708276"/>
             <a:ext cx="5868987" cy="492124"/>
           </a:xfrm>
+          <a:prstGeom prst="rect">
+            <a:avLst/>
+          </a:prstGeom>
         </p:spPr>
         <p:txBody>
           <a:bodyPr>
@@ -1971,7 +1991,15 @@
             <p:ph type="title"/>
           </p:nvPr>
         </p:nvSpPr>
-        <p:spPr/>
+        <p:spPr>
+          <a:xfrm>
+            <a:off x="628650" y="365126"/>
+            <a:ext cx="7886700" cy="698903"/>
+          </a:xfrm>
+          <a:prstGeom prst="rect">
+            <a:avLst/>
+          </a:prstGeom>
+        </p:spPr>
         <p:txBody>
           <a:bodyPr/>
           <a:lstStyle/>
@@ -2115,7 +2143,7 @@
           <a:p>
             <a:fld id="{625025DE-6FE8-4EA0-83A6-6CAFC8B06972}" type="datetime1">
               <a:rPr lang="de-DE" smtClean="0"/>
-              <a:t>13.03.2020</a:t>
+              <a:t>16.03.2020</a:t>
             </a:fld>
             <a:endParaRPr lang="de-DE"/>
           </a:p>
@@ -2208,6 +2236,9 @@
             <a:off x="629841" y="365126"/>
             <a:ext cx="7886700" cy="1325563"/>
           </a:xfrm>
+          <a:prstGeom prst="rect">
+            <a:avLst/>
+          </a:prstGeom>
         </p:spPr>
         <p:txBody>
           <a:bodyPr/>
@@ -2482,7 +2513,7 @@
           <a:p>
             <a:fld id="{247D6157-A9C6-4111-84CF-F4ABC9BB74CD}" type="datetime1">
               <a:rPr lang="de-DE" smtClean="0"/>
-              <a:t>13.03.2020</a:t>
+              <a:t>16.03.2020</a:t>
             </a:fld>
             <a:endParaRPr lang="de-DE"/>
           </a:p>
@@ -2570,7 +2601,15 @@
             <p:ph type="title"/>
           </p:nvPr>
         </p:nvSpPr>
-        <p:spPr/>
+        <p:spPr>
+          <a:xfrm>
+            <a:off x="628650" y="365126"/>
+            <a:ext cx="7886700" cy="698903"/>
+          </a:xfrm>
+          <a:prstGeom prst="rect">
+            <a:avLst/>
+          </a:prstGeom>
+        </p:spPr>
         <p:txBody>
           <a:bodyPr/>
           <a:lstStyle/>
@@ -2600,7 +2639,7 @@
           <a:p>
             <a:fld id="{8EBDA223-4612-4606-8A30-596D72469CD7}" type="datetime1">
               <a:rPr lang="de-DE" smtClean="0"/>
-              <a:t>13.03.2020</a:t>
+              <a:t>16.03.2020</a:t>
             </a:fld>
             <a:endParaRPr lang="de-DE"/>
           </a:p>
@@ -2695,7 +2734,7 @@
           <a:p>
             <a:fld id="{5C800F00-9786-41ED-9D90-88F7ADE0F2B0}" type="datetime1">
               <a:rPr lang="de-DE" smtClean="0"/>
-              <a:t>13.03.2020</a:t>
+              <a:t>16.03.2020</a:t>
             </a:fld>
             <a:endParaRPr lang="de-DE"/>
           </a:p>
@@ -2788,6 +2827,9 @@
             <a:off x="629841" y="457200"/>
             <a:ext cx="2949178" cy="1600200"/>
           </a:xfrm>
+          <a:prstGeom prst="rect">
+            <a:avLst/>
+          </a:prstGeom>
         </p:spPr>
         <p:txBody>
           <a:bodyPr anchor="b"/>
@@ -2972,7 +3014,7 @@
           <a:p>
             <a:fld id="{DE94FA33-7DFF-4544-8A2D-E09A4E33D92E}" type="datetime1">
               <a:rPr lang="de-DE" smtClean="0"/>
-              <a:t>13.03.2020</a:t>
+              <a:t>16.03.2020</a:t>
             </a:fld>
             <a:endParaRPr lang="de-DE"/>
           </a:p>
@@ -3065,6 +3107,9 @@
             <a:off x="629841" y="457200"/>
             <a:ext cx="2949178" cy="1600200"/>
           </a:xfrm>
+          <a:prstGeom prst="rect">
+            <a:avLst/>
+          </a:prstGeom>
         </p:spPr>
         <p:txBody>
           <a:bodyPr anchor="b"/>
@@ -3229,7 +3274,7 @@
           <a:p>
             <a:fld id="{10F76841-BABD-4AE4-8760-966DF476109C}" type="datetime1">
               <a:rPr lang="de-DE" smtClean="0"/>
-              <a:t>13.03.2020</a:t>
+              <a:t>16.03.2020</a:t>
             </a:fld>
             <a:endParaRPr lang="de-DE"/>
           </a:p>
@@ -3324,8 +3369,8 @@
         </p:nvSpPr>
         <p:spPr>
           <a:xfrm>
-            <a:off x="628650" y="365126"/>
-            <a:ext cx="7886700" cy="1325563"/>
+            <a:off x="988200" y="365126"/>
+            <a:ext cx="7167600" cy="698903"/>
           </a:xfrm>
           <a:prstGeom prst="rect">
             <a:avLst/>
@@ -3442,7 +3487,7 @@
           <a:p>
             <a:fld id="{34C5C537-7C07-410D-9EF1-F90075952502}" type="datetime1">
               <a:rPr lang="de-DE" smtClean="0"/>
-              <a:t>13.03.2020</a:t>
+              <a:t>16.03.2020</a:t>
             </a:fld>
             <a:endParaRPr lang="de-DE"/>
           </a:p>
@@ -3558,13 +3603,13 @@
           <a:spcPct val="0"/>
         </a:spcBef>
         <a:buNone/>
-        <a:defRPr sz="4400" kern="1200">
+        <a:defRPr sz="2400" b="1" kern="1200">
           <a:solidFill>
             <a:schemeClr val="tx1"/>
           </a:solidFill>
-          <a:latin typeface="+mj-lt"/>
+          <a:latin typeface="Arial" panose="020B0604020202020204" pitchFamily="34" charset="0"/>
           <a:ea typeface="+mj-ea"/>
-          <a:cs typeface="+mj-cs"/>
+          <a:cs typeface="Arial" panose="020B0604020202020204" pitchFamily="34" charset="0"/>
         </a:defRPr>
       </a:lvl1pPr>
     </p:titleStyle>
@@ -4023,9 +4068,19 @@
             <p:ph type="title" idx="4294967295"/>
           </p:nvPr>
         </p:nvSpPr>
-        <p:spPr/>
-        <p:txBody>
-          <a:bodyPr/>
+        <p:spPr>
+          <a:xfrm>
+            <a:off x="628650" y="365126"/>
+            <a:ext cx="7886700" cy="698903"/>
+          </a:xfrm>
+          <a:prstGeom prst="rect">
+            <a:avLst/>
+          </a:prstGeom>
+        </p:spPr>
+        <p:txBody>
+          <a:bodyPr>
+            <a:normAutofit/>
+          </a:bodyPr>
           <a:lstStyle/>
           <a:p>
             <a:r>
@@ -4063,7 +4118,7 @@
           <a:p>
             <a:fld id="{6F7941D6-DDCD-4FEB-B76A-6EA7C7E1DF91}" type="datetime1">
               <a:rPr lang="de-DE" smtClean="0"/>
-              <a:t>13.03.2020</a:t>
+              <a:t>16.03.2020</a:t>
             </a:fld>
             <a:endParaRPr lang="de-DE" dirty="0"/>
           </a:p>
@@ -4518,9 +4573,19 @@
             <p:ph type="title" idx="4294967295"/>
           </p:nvPr>
         </p:nvSpPr>
-        <p:spPr/>
-        <p:txBody>
-          <a:bodyPr/>
+        <p:spPr>
+          <a:xfrm>
+            <a:off x="628650" y="365126"/>
+            <a:ext cx="7886700" cy="698903"/>
+          </a:xfrm>
+          <a:prstGeom prst="rect">
+            <a:avLst/>
+          </a:prstGeom>
+        </p:spPr>
+        <p:txBody>
+          <a:bodyPr>
+            <a:normAutofit/>
+          </a:bodyPr>
           <a:lstStyle/>
           <a:p>
             <a:r>
@@ -4773,9 +4838,19 @@
             <p:ph type="title" idx="4294967295"/>
           </p:nvPr>
         </p:nvSpPr>
-        <p:spPr/>
-        <p:txBody>
-          <a:bodyPr/>
+        <p:spPr>
+          <a:xfrm>
+            <a:off x="628650" y="365126"/>
+            <a:ext cx="7886700" cy="698903"/>
+          </a:xfrm>
+          <a:prstGeom prst="rect">
+            <a:avLst/>
+          </a:prstGeom>
+        </p:spPr>
+        <p:txBody>
+          <a:bodyPr>
+            <a:normAutofit/>
+          </a:bodyPr>
           <a:lstStyle/>
           <a:p>
             <a:r>
@@ -4936,9 +5011,19 @@
             <p:ph type="title" idx="4294967295"/>
           </p:nvPr>
         </p:nvSpPr>
-        <p:spPr/>
-        <p:txBody>
-          <a:bodyPr/>
+        <p:spPr>
+          <a:xfrm>
+            <a:off x="628650" y="365126"/>
+            <a:ext cx="7886700" cy="698903"/>
+          </a:xfrm>
+          <a:prstGeom prst="rect">
+            <a:avLst/>
+          </a:prstGeom>
+        </p:spPr>
+        <p:txBody>
+          <a:bodyPr>
+            <a:normAutofit/>
+          </a:bodyPr>
           <a:lstStyle/>
           <a:p>
             <a:r>
@@ -5121,9 +5206,19 @@
             <p:ph type="title" idx="4294967295"/>
           </p:nvPr>
         </p:nvSpPr>
-        <p:spPr/>
-        <p:txBody>
-          <a:bodyPr/>
+        <p:spPr>
+          <a:xfrm>
+            <a:off x="628650" y="365126"/>
+            <a:ext cx="7886700" cy="698903"/>
+          </a:xfrm>
+          <a:prstGeom prst="rect">
+            <a:avLst/>
+          </a:prstGeom>
+        </p:spPr>
+        <p:txBody>
+          <a:bodyPr>
+            <a:normAutofit/>
+          </a:bodyPr>
           <a:lstStyle/>
           <a:p>
             <a:r>
@@ -5458,9 +5553,19 @@
             <p:ph type="title" idx="4294967295"/>
           </p:nvPr>
         </p:nvSpPr>
-        <p:spPr/>
-        <p:txBody>
-          <a:bodyPr/>
+        <p:spPr>
+          <a:xfrm>
+            <a:off x="628650" y="365126"/>
+            <a:ext cx="7886700" cy="698903"/>
+          </a:xfrm>
+          <a:prstGeom prst="rect">
+            <a:avLst/>
+          </a:prstGeom>
+        </p:spPr>
+        <p:txBody>
+          <a:bodyPr>
+            <a:normAutofit/>
+          </a:bodyPr>
           <a:lstStyle/>
           <a:p>
             <a:r>
@@ -5961,9 +6066,19 @@
             <p:ph type="title" idx="4294967295"/>
           </p:nvPr>
         </p:nvSpPr>
-        <p:spPr/>
-        <p:txBody>
-          <a:bodyPr/>
+        <p:spPr>
+          <a:xfrm>
+            <a:off x="628650" y="365126"/>
+            <a:ext cx="7886700" cy="698903"/>
+          </a:xfrm>
+          <a:prstGeom prst="rect">
+            <a:avLst/>
+          </a:prstGeom>
+        </p:spPr>
+        <p:txBody>
+          <a:bodyPr>
+            <a:normAutofit/>
+          </a:bodyPr>
           <a:lstStyle/>
           <a:p>
             <a:r>
@@ -7674,6 +7789,12 @@
           <a:p>
             <a:r>
               <a:rPr lang="de-DE" dirty="0"/>
+              <a:t>Verändert den Vorfahren des Zweiges</a:t>
+            </a:r>
+          </a:p>
+          <a:p>
+            <a:r>
+              <a:rPr lang="de-DE" dirty="0"/>
               <a:t>Kommando: </a:t>
             </a:r>
             <a:r>
@@ -7711,9 +7832,19 @@
             <p:ph type="title" idx="4294967295"/>
           </p:nvPr>
         </p:nvSpPr>
-        <p:spPr/>
-        <p:txBody>
-          <a:bodyPr/>
+        <p:spPr>
+          <a:xfrm>
+            <a:off x="628650" y="365126"/>
+            <a:ext cx="7886700" cy="698903"/>
+          </a:xfrm>
+          <a:prstGeom prst="rect">
+            <a:avLst/>
+          </a:prstGeom>
+        </p:spPr>
+        <p:txBody>
+          <a:bodyPr>
+            <a:normAutofit/>
+          </a:bodyPr>
           <a:lstStyle/>
           <a:p>
             <a:r>
@@ -7891,9 +8022,19 @@
             <p:ph type="title" idx="4294967295"/>
           </p:nvPr>
         </p:nvSpPr>
-        <p:spPr/>
-        <p:txBody>
-          <a:bodyPr/>
+        <p:spPr>
+          <a:xfrm>
+            <a:off x="628650" y="365126"/>
+            <a:ext cx="7886700" cy="698903"/>
+          </a:xfrm>
+          <a:prstGeom prst="rect">
+            <a:avLst/>
+          </a:prstGeom>
+        </p:spPr>
+        <p:txBody>
+          <a:bodyPr>
+            <a:normAutofit/>
+          </a:bodyPr>
           <a:lstStyle/>
           <a:p>
             <a:r>
@@ -8222,9 +8363,19 @@
             <p:ph type="title" idx="4294967295"/>
           </p:nvPr>
         </p:nvSpPr>
-        <p:spPr/>
-        <p:txBody>
-          <a:bodyPr/>
+        <p:spPr>
+          <a:xfrm>
+            <a:off x="628650" y="365126"/>
+            <a:ext cx="7886700" cy="698903"/>
+          </a:xfrm>
+          <a:prstGeom prst="rect">
+            <a:avLst/>
+          </a:prstGeom>
+        </p:spPr>
+        <p:txBody>
+          <a:bodyPr>
+            <a:normAutofit/>
+          </a:bodyPr>
           <a:lstStyle/>
           <a:p>
             <a:r>
@@ -8305,9 +8456,19 @@
             <p:ph type="title" idx="4294967295"/>
           </p:nvPr>
         </p:nvSpPr>
-        <p:spPr/>
-        <p:txBody>
-          <a:bodyPr/>
+        <p:spPr>
+          <a:xfrm>
+            <a:off x="628650" y="365126"/>
+            <a:ext cx="7886700" cy="698903"/>
+          </a:xfrm>
+          <a:prstGeom prst="rect">
+            <a:avLst/>
+          </a:prstGeom>
+        </p:spPr>
+        <p:txBody>
+          <a:bodyPr>
+            <a:normAutofit/>
+          </a:bodyPr>
           <a:lstStyle/>
           <a:p>
             <a:r>
@@ -8393,9 +8554,19 @@
             <p:ph type="title" idx="4294967295"/>
           </p:nvPr>
         </p:nvSpPr>
-        <p:spPr/>
-        <p:txBody>
-          <a:bodyPr/>
+        <p:spPr>
+          <a:xfrm>
+            <a:off x="628650" y="365126"/>
+            <a:ext cx="7886700" cy="698903"/>
+          </a:xfrm>
+          <a:prstGeom prst="rect">
+            <a:avLst/>
+          </a:prstGeom>
+        </p:spPr>
+        <p:txBody>
+          <a:bodyPr>
+            <a:normAutofit/>
+          </a:bodyPr>
           <a:lstStyle/>
           <a:p>
             <a:r>
@@ -8638,9 +8809,19 @@
             <p:ph type="title" idx="4294967295"/>
           </p:nvPr>
         </p:nvSpPr>
-        <p:spPr/>
-        <p:txBody>
-          <a:bodyPr/>
+        <p:spPr>
+          <a:xfrm>
+            <a:off x="628650" y="365126"/>
+            <a:ext cx="7886700" cy="698903"/>
+          </a:xfrm>
+          <a:prstGeom prst="rect">
+            <a:avLst/>
+          </a:prstGeom>
+        </p:spPr>
+        <p:txBody>
+          <a:bodyPr>
+            <a:normAutofit/>
+          </a:bodyPr>
           <a:lstStyle/>
           <a:p>
             <a:r>
@@ -8751,9 +8932,19 @@
             <p:ph type="title" idx="4294967295"/>
           </p:nvPr>
         </p:nvSpPr>
-        <p:spPr/>
-        <p:txBody>
-          <a:bodyPr/>
+        <p:spPr>
+          <a:xfrm>
+            <a:off x="628650" y="365126"/>
+            <a:ext cx="7886700" cy="698903"/>
+          </a:xfrm>
+          <a:prstGeom prst="rect">
+            <a:avLst/>
+          </a:prstGeom>
+        </p:spPr>
+        <p:txBody>
+          <a:bodyPr>
+            <a:normAutofit/>
+          </a:bodyPr>
           <a:lstStyle/>
           <a:p>
             <a:r>
@@ -8834,9 +9025,19 @@
             <p:ph type="title" idx="4294967295"/>
           </p:nvPr>
         </p:nvSpPr>
-        <p:spPr/>
-        <p:txBody>
-          <a:bodyPr/>
+        <p:spPr>
+          <a:xfrm>
+            <a:off x="628650" y="365126"/>
+            <a:ext cx="7886700" cy="698903"/>
+          </a:xfrm>
+          <a:prstGeom prst="rect">
+            <a:avLst/>
+          </a:prstGeom>
+        </p:spPr>
+        <p:txBody>
+          <a:bodyPr>
+            <a:normAutofit/>
+          </a:bodyPr>
           <a:lstStyle/>
           <a:p>
             <a:r>
@@ -8926,9 +9127,19 @@
             <p:ph type="title" idx="4294967295"/>
           </p:nvPr>
         </p:nvSpPr>
-        <p:spPr/>
-        <p:txBody>
-          <a:bodyPr/>
+        <p:spPr>
+          <a:xfrm>
+            <a:off x="628650" y="365126"/>
+            <a:ext cx="7886700" cy="698903"/>
+          </a:xfrm>
+          <a:prstGeom prst="rect">
+            <a:avLst/>
+          </a:prstGeom>
+        </p:spPr>
+        <p:txBody>
+          <a:bodyPr>
+            <a:normAutofit/>
+          </a:bodyPr>
           <a:lstStyle/>
           <a:p>
             <a:r>
@@ -9064,9 +9275,19 @@
             <p:ph type="title" idx="4294967295"/>
           </p:nvPr>
         </p:nvSpPr>
-        <p:spPr/>
-        <p:txBody>
-          <a:bodyPr/>
+        <p:spPr>
+          <a:xfrm>
+            <a:off x="628650" y="365126"/>
+            <a:ext cx="7886700" cy="698903"/>
+          </a:xfrm>
+          <a:prstGeom prst="rect">
+            <a:avLst/>
+          </a:prstGeom>
+        </p:spPr>
+        <p:txBody>
+          <a:bodyPr>
+            <a:normAutofit/>
+          </a:bodyPr>
           <a:lstStyle/>
           <a:p>
             <a:r>
@@ -9254,9 +9475,19 @@
             <p:ph type="title" idx="4294967295"/>
           </p:nvPr>
         </p:nvSpPr>
-        <p:spPr/>
-        <p:txBody>
-          <a:bodyPr/>
+        <p:spPr>
+          <a:xfrm>
+            <a:off x="628650" y="365126"/>
+            <a:ext cx="7886700" cy="698903"/>
+          </a:xfrm>
+          <a:prstGeom prst="rect">
+            <a:avLst/>
+          </a:prstGeom>
+        </p:spPr>
+        <p:txBody>
+          <a:bodyPr>
+            <a:normAutofit/>
+          </a:bodyPr>
           <a:lstStyle/>
           <a:p>
             <a:r>
@@ -9446,9 +9677,19 @@
             <p:ph type="title" idx="4294967295"/>
           </p:nvPr>
         </p:nvSpPr>
-        <p:spPr/>
-        <p:txBody>
-          <a:bodyPr/>
+        <p:spPr>
+          <a:xfrm>
+            <a:off x="628650" y="365126"/>
+            <a:ext cx="7886700" cy="698903"/>
+          </a:xfrm>
+          <a:prstGeom prst="rect">
+            <a:avLst/>
+          </a:prstGeom>
+        </p:spPr>
+        <p:txBody>
+          <a:bodyPr>
+            <a:normAutofit/>
+          </a:bodyPr>
           <a:lstStyle/>
           <a:p>
             <a:r>
@@ -9614,9 +9855,19 @@
             <p:ph type="title" idx="4294967295"/>
           </p:nvPr>
         </p:nvSpPr>
-        <p:spPr/>
-        <p:txBody>
-          <a:bodyPr/>
+        <p:spPr>
+          <a:xfrm>
+            <a:off x="628650" y="365126"/>
+            <a:ext cx="7886700" cy="698903"/>
+          </a:xfrm>
+          <a:prstGeom prst="rect">
+            <a:avLst/>
+          </a:prstGeom>
+        </p:spPr>
+        <p:txBody>
+          <a:bodyPr>
+            <a:normAutofit/>
+          </a:bodyPr>
           <a:lstStyle/>
           <a:p>
             <a:r>
@@ -9763,9 +10014,19 @@
             <p:ph type="title" idx="4294967295"/>
           </p:nvPr>
         </p:nvSpPr>
-        <p:spPr/>
-        <p:txBody>
-          <a:bodyPr/>
+        <p:spPr>
+          <a:xfrm>
+            <a:off x="628650" y="365126"/>
+            <a:ext cx="7886700" cy="698903"/>
+          </a:xfrm>
+          <a:prstGeom prst="rect">
+            <a:avLst/>
+          </a:prstGeom>
+        </p:spPr>
+        <p:txBody>
+          <a:bodyPr>
+            <a:normAutofit/>
+          </a:bodyPr>
           <a:lstStyle/>
           <a:p>
             <a:r>
@@ -9851,9 +10112,19 @@
             <p:ph type="title" idx="4294967295"/>
           </p:nvPr>
         </p:nvSpPr>
-        <p:spPr/>
-        <p:txBody>
-          <a:bodyPr/>
+        <p:spPr>
+          <a:xfrm>
+            <a:off x="628650" y="365126"/>
+            <a:ext cx="7886700" cy="698903"/>
+          </a:xfrm>
+          <a:prstGeom prst="rect">
+            <a:avLst/>
+          </a:prstGeom>
+        </p:spPr>
+        <p:txBody>
+          <a:bodyPr>
+            <a:normAutofit/>
+          </a:bodyPr>
           <a:lstStyle/>
           <a:p>
             <a:r>
@@ -9939,9 +10210,19 @@
             <p:ph type="title" idx="4294967295"/>
           </p:nvPr>
         </p:nvSpPr>
-        <p:spPr/>
-        <p:txBody>
-          <a:bodyPr/>
+        <p:spPr>
+          <a:xfrm>
+            <a:off x="628650" y="365126"/>
+            <a:ext cx="7886700" cy="698903"/>
+          </a:xfrm>
+          <a:prstGeom prst="rect">
+            <a:avLst/>
+          </a:prstGeom>
+        </p:spPr>
+        <p:txBody>
+          <a:bodyPr>
+            <a:normAutofit/>
+          </a:bodyPr>
           <a:lstStyle/>
           <a:p>
             <a:r>
@@ -10142,9 +10423,19 @@
             <p:ph type="title" idx="4294967295"/>
           </p:nvPr>
         </p:nvSpPr>
-        <p:spPr/>
-        <p:txBody>
-          <a:bodyPr/>
+        <p:spPr>
+          <a:xfrm>
+            <a:off x="628650" y="365126"/>
+            <a:ext cx="7886700" cy="698903"/>
+          </a:xfrm>
+          <a:prstGeom prst="rect">
+            <a:avLst/>
+          </a:prstGeom>
+        </p:spPr>
+        <p:txBody>
+          <a:bodyPr>
+            <a:normAutofit/>
+          </a:bodyPr>
           <a:lstStyle/>
           <a:p>
             <a:endParaRPr lang="de-DE"/>
@@ -10274,9 +10565,19 @@
             <p:ph type="title" idx="4294967295"/>
           </p:nvPr>
         </p:nvSpPr>
-        <p:spPr/>
-        <p:txBody>
-          <a:bodyPr/>
+        <p:spPr>
+          <a:xfrm>
+            <a:off x="628650" y="365126"/>
+            <a:ext cx="7886700" cy="698903"/>
+          </a:xfrm>
+          <a:prstGeom prst="rect">
+            <a:avLst/>
+          </a:prstGeom>
+        </p:spPr>
+        <p:txBody>
+          <a:bodyPr>
+            <a:normAutofit/>
+          </a:bodyPr>
           <a:lstStyle/>
           <a:p>
             <a:r>
@@ -10510,9 +10811,19 @@
             <p:ph type="title" idx="4294967295"/>
           </p:nvPr>
         </p:nvSpPr>
-        <p:spPr/>
-        <p:txBody>
-          <a:bodyPr/>
+        <p:spPr>
+          <a:xfrm>
+            <a:off x="628650" y="365126"/>
+            <a:ext cx="7886700" cy="698903"/>
+          </a:xfrm>
+          <a:prstGeom prst="rect">
+            <a:avLst/>
+          </a:prstGeom>
+        </p:spPr>
+        <p:txBody>
+          <a:bodyPr>
+            <a:normAutofit/>
+          </a:bodyPr>
           <a:lstStyle/>
           <a:p>
             <a:r>
@@ -10742,9 +11053,19 @@
             <p:ph type="title" idx="4294967295"/>
           </p:nvPr>
         </p:nvSpPr>
-        <p:spPr/>
-        <p:txBody>
-          <a:bodyPr/>
+        <p:spPr>
+          <a:xfrm>
+            <a:off x="628650" y="365126"/>
+            <a:ext cx="7886700" cy="698903"/>
+          </a:xfrm>
+          <a:prstGeom prst="rect">
+            <a:avLst/>
+          </a:prstGeom>
+        </p:spPr>
+        <p:txBody>
+          <a:bodyPr>
+            <a:normAutofit/>
+          </a:bodyPr>
           <a:lstStyle/>
           <a:p>
             <a:r>
@@ -10953,9 +11274,19 @@
             <p:ph type="title" idx="4294967295"/>
           </p:nvPr>
         </p:nvSpPr>
-        <p:spPr/>
-        <p:txBody>
-          <a:bodyPr/>
+        <p:spPr>
+          <a:xfrm>
+            <a:off x="628650" y="365126"/>
+            <a:ext cx="7886700" cy="698903"/>
+          </a:xfrm>
+          <a:prstGeom prst="rect">
+            <a:avLst/>
+          </a:prstGeom>
+        </p:spPr>
+        <p:txBody>
+          <a:bodyPr>
+            <a:normAutofit/>
+          </a:bodyPr>
           <a:lstStyle/>
           <a:p>
             <a:r>
@@ -11189,9 +11520,19 @@
             <p:ph type="title" idx="4294967295"/>
           </p:nvPr>
         </p:nvSpPr>
-        <p:spPr/>
-        <p:txBody>
-          <a:bodyPr/>
+        <p:spPr>
+          <a:xfrm>
+            <a:off x="628650" y="365126"/>
+            <a:ext cx="7886700" cy="698903"/>
+          </a:xfrm>
+          <a:prstGeom prst="rect">
+            <a:avLst/>
+          </a:prstGeom>
+        </p:spPr>
+        <p:txBody>
+          <a:bodyPr>
+            <a:normAutofit/>
+          </a:bodyPr>
           <a:lstStyle/>
           <a:p>
             <a:r>

--- a/Präsentation-90min/Präsentation-90min.pptx
+++ b/Präsentation-90min/Präsentation-90min.pptx
@@ -5,7 +5,7 @@
     <p:sldMasterId id="2147483660" r:id="rId1"/>
   </p:sldMasterIdLst>
   <p:notesMasterIdLst>
-    <p:notesMasterId r:id="rId39"/>
+    <p:notesMasterId r:id="rId40"/>
   </p:notesMasterIdLst>
   <p:sldIdLst>
     <p:sldId id="257" r:id="rId2"/>
@@ -35,16 +35,17 @@
     <p:sldId id="295" r:id="rId26"/>
     <p:sldId id="297" r:id="rId27"/>
     <p:sldId id="298" r:id="rId28"/>
-    <p:sldId id="299" r:id="rId29"/>
-    <p:sldId id="300" r:id="rId30"/>
-    <p:sldId id="301" r:id="rId31"/>
-    <p:sldId id="303" r:id="rId32"/>
-    <p:sldId id="302" r:id="rId33"/>
-    <p:sldId id="304" r:id="rId34"/>
-    <p:sldId id="305" r:id="rId35"/>
-    <p:sldId id="306" r:id="rId36"/>
-    <p:sldId id="308" r:id="rId37"/>
-    <p:sldId id="307" r:id="rId38"/>
+    <p:sldId id="309" r:id="rId29"/>
+    <p:sldId id="299" r:id="rId30"/>
+    <p:sldId id="300" r:id="rId31"/>
+    <p:sldId id="301" r:id="rId32"/>
+    <p:sldId id="303" r:id="rId33"/>
+    <p:sldId id="302" r:id="rId34"/>
+    <p:sldId id="304" r:id="rId35"/>
+    <p:sldId id="305" r:id="rId36"/>
+    <p:sldId id="306" r:id="rId37"/>
+    <p:sldId id="308" r:id="rId38"/>
+    <p:sldId id="307" r:id="rId39"/>
   </p:sldIdLst>
   <p:sldSz cx="9144000" cy="6858000" type="screen4x3"/>
   <p:notesSz cx="6858000" cy="9144000"/>
@@ -7996,7 +7997,7 @@
           <a:p>
             <a:r>
               <a:rPr lang="de-DE" dirty="0"/>
-              <a:t>Zur individuelle Änderungen mehrerer </a:t>
+              <a:t>Zur individuellen Änderungen mehrerer </a:t>
             </a:r>
             <a:r>
               <a:rPr lang="de-DE" dirty="0" err="1"/>
@@ -8436,6 +8437,108 @@
           <a:bodyPr/>
           <a:lstStyle/>
           <a:p>
+            <a:r>
+              <a:rPr lang="de-DE" dirty="0"/>
+              <a:t>Push</a:t>
+            </a:r>
+          </a:p>
+          <a:p>
+            <a:pPr lvl="1"/>
+            <a:r>
+              <a:rPr lang="de-DE" dirty="0"/>
+              <a:t>Ermöglich lokale Änderungen auf den globalen Server zu legen</a:t>
+            </a:r>
+          </a:p>
+          <a:p>
+            <a:pPr lvl="1"/>
+            <a:r>
+              <a:rPr lang="de-DE" dirty="0"/>
+              <a:t>Kommando: </a:t>
+            </a:r>
+            <a:r>
+              <a:rPr lang="de-DE" b="1" i="1" dirty="0" err="1"/>
+              <a:t>git</a:t>
+            </a:r>
+            <a:r>
+              <a:rPr lang="de-DE" b="1" i="1" dirty="0"/>
+              <a:t> push</a:t>
+            </a:r>
+          </a:p>
+          <a:p>
+            <a:r>
+              <a:rPr lang="de-DE" dirty="0" err="1"/>
+              <a:t>Fetch</a:t>
+            </a:r>
+            <a:endParaRPr lang="de-DE" dirty="0"/>
+          </a:p>
+          <a:p>
+            <a:pPr lvl="1"/>
+            <a:r>
+              <a:rPr lang="de-DE" dirty="0"/>
+              <a:t>Vergleicht </a:t>
+            </a:r>
+            <a:r>
+              <a:rPr lang="de-DE" dirty="0" err="1"/>
+              <a:t>Refernezarchiv</a:t>
+            </a:r>
+            <a:r>
+              <a:rPr lang="de-DE" dirty="0"/>
+              <a:t> </a:t>
+            </a:r>
+            <a:r>
+              <a:rPr lang="de-DE" i="1" dirty="0" err="1"/>
+              <a:t>origin</a:t>
+            </a:r>
+            <a:r>
+              <a:rPr lang="de-DE" i="1" dirty="0"/>
+              <a:t> </a:t>
+            </a:r>
+            <a:r>
+              <a:rPr lang="de-DE" dirty="0"/>
+              <a:t>mit dem lokalen Stand</a:t>
+            </a:r>
+          </a:p>
+          <a:p>
+            <a:pPr lvl="1"/>
+            <a:r>
+              <a:rPr lang="de-DE" dirty="0"/>
+              <a:t>Abweichende Änderungen werden nur angezeigt und nicht integriert</a:t>
+            </a:r>
+          </a:p>
+          <a:p>
+            <a:pPr lvl="1"/>
+            <a:r>
+              <a:rPr lang="de-DE" dirty="0"/>
+              <a:t>Kommando: </a:t>
+            </a:r>
+            <a:r>
+              <a:rPr lang="de-DE" b="1" i="1" dirty="0" err="1"/>
+              <a:t>git</a:t>
+            </a:r>
+            <a:r>
+              <a:rPr lang="de-DE" b="1" i="1" dirty="0"/>
+              <a:t> </a:t>
+            </a:r>
+            <a:r>
+              <a:rPr lang="de-DE" b="1" i="1" dirty="0" err="1"/>
+              <a:t>fetch</a:t>
+            </a:r>
+            <a:endParaRPr lang="de-DE" b="1" i="1" dirty="0"/>
+          </a:p>
+          <a:p>
+            <a:pPr lvl="1"/>
+            <a:r>
+              <a:rPr lang="de-DE" dirty="0"/>
+              <a:t>Meist in Kombination von </a:t>
+            </a:r>
+            <a:r>
+              <a:rPr lang="de-DE" i="1" dirty="0" err="1"/>
+              <a:t>merge</a:t>
+            </a:r>
+            <a:endParaRPr lang="de-DE" i="1" dirty="0"/>
+          </a:p>
+          <a:p>
+            <a:pPr lvl="1"/>
             <a:endParaRPr lang="de-DE" dirty="0"/>
           </a:p>
         </p:txBody>
@@ -8534,7 +8637,65 @@
           <a:bodyPr/>
           <a:lstStyle/>
           <a:p>
-            <a:endParaRPr lang="de-DE"/>
+            <a:r>
+              <a:rPr lang="de-DE" dirty="0"/>
+              <a:t>Wird verwendet um das lokale Projektarchiv mit Änderungen des Referenzarchivs zu erweitern</a:t>
+            </a:r>
+          </a:p>
+          <a:p>
+            <a:r>
+              <a:rPr lang="de-DE" dirty="0"/>
+              <a:t>Kommando: </a:t>
+            </a:r>
+            <a:r>
+              <a:rPr lang="de-DE" b="1" i="1" dirty="0" err="1"/>
+              <a:t>git</a:t>
+            </a:r>
+            <a:r>
+              <a:rPr lang="de-DE" b="1" i="1" dirty="0"/>
+              <a:t> pull</a:t>
+            </a:r>
+          </a:p>
+          <a:p>
+            <a:r>
+              <a:rPr lang="de-DE" i="1" dirty="0"/>
+              <a:t>Pull</a:t>
+            </a:r>
+            <a:r>
+              <a:rPr lang="de-DE" dirty="0"/>
+              <a:t> ist eine Kombination aus </a:t>
+            </a:r>
+            <a:r>
+              <a:rPr lang="de-DE" i="1" dirty="0" err="1"/>
+              <a:t>fetch</a:t>
+            </a:r>
+            <a:r>
+              <a:rPr lang="de-DE" dirty="0"/>
+              <a:t> und </a:t>
+            </a:r>
+            <a:r>
+              <a:rPr lang="de-DE" i="1" dirty="0" err="1"/>
+              <a:t>merge</a:t>
+            </a:r>
+            <a:endParaRPr lang="de-DE" i="1" dirty="0"/>
+          </a:p>
+          <a:p>
+            <a:r>
+              <a:rPr lang="de-DE" dirty="0"/>
+              <a:t>Mit Anhang --</a:t>
+            </a:r>
+            <a:r>
+              <a:rPr lang="de-DE" b="1" i="1" dirty="0" err="1"/>
+              <a:t>rebase</a:t>
+            </a:r>
+            <a:r>
+              <a:rPr lang="de-DE" dirty="0"/>
+              <a:t> werden lokale Abweichungen verschoben</a:t>
+            </a:r>
+          </a:p>
+          <a:p>
+            <a:pPr lvl="1"/>
+            <a:endParaRPr lang="de-DE" dirty="0"/>
           </a:p>
         </p:txBody>
       </p:sp>
@@ -8912,7 +9073,38 @@
           <a:bodyPr/>
           <a:lstStyle/>
           <a:p>
-            <a:endParaRPr lang="de-DE"/>
+            <a:r>
+              <a:rPr lang="de-DE" dirty="0"/>
+              <a:t>Patch </a:t>
+            </a:r>
+          </a:p>
+          <a:p>
+            <a:pPr lvl="1"/>
+            <a:endParaRPr lang="de-DE" dirty="0"/>
+          </a:p>
+          <a:p>
+            <a:r>
+              <a:rPr lang="de-DE" dirty="0" err="1"/>
+              <a:t>diff</a:t>
+            </a:r>
+            <a:endParaRPr lang="de-DE" dirty="0"/>
+          </a:p>
+          <a:p>
+            <a:r>
+              <a:rPr lang="de-DE" dirty="0" err="1"/>
+              <a:t>Apply</a:t>
+            </a:r>
+            <a:r>
+              <a:rPr lang="de-DE" dirty="0"/>
+              <a:t> </a:t>
+            </a:r>
+          </a:p>
+          <a:p>
+            <a:r>
+              <a:rPr lang="de-DE" dirty="0" err="1"/>
+              <a:t>pop</a:t>
+            </a:r>
+            <a:endParaRPr lang="de-DE" dirty="0"/>
           </a:p>
         </p:txBody>
       </p:sp>
@@ -9107,7 +9299,80 @@
           <a:bodyPr/>
           <a:lstStyle/>
           <a:p>
-            <a:endParaRPr lang="de-DE"/>
+            <a:r>
+              <a:rPr lang="de-DE" dirty="0"/>
+              <a:t>Wird benutzt um eine einzelnen Commit auf einem anderen Zweig anzuwenden</a:t>
+            </a:r>
+          </a:p>
+          <a:p>
+            <a:r>
+              <a:rPr lang="de-DE" dirty="0"/>
+              <a:t>Kommando: </a:t>
+            </a:r>
+            <a:r>
+              <a:rPr lang="de-DE" b="1" i="1" dirty="0" err="1"/>
+              <a:t>git</a:t>
+            </a:r>
+            <a:r>
+              <a:rPr lang="de-DE" b="1" i="1" dirty="0"/>
+              <a:t> </a:t>
+            </a:r>
+            <a:r>
+              <a:rPr lang="de-DE" b="1" i="1" dirty="0" err="1"/>
+              <a:t>cherry</a:t>
+            </a:r>
+            <a:r>
+              <a:rPr lang="de-DE" b="1" i="1" dirty="0"/>
+              <a:t>-pick &lt;Prüfsumme&gt;</a:t>
+            </a:r>
+          </a:p>
+          <a:p>
+            <a:r>
+              <a:rPr lang="de-DE" dirty="0"/>
+              <a:t>Nachteil ist, dass Commit in Form eines </a:t>
+            </a:r>
+            <a:r>
+              <a:rPr lang="de-DE" i="1" dirty="0" err="1"/>
+              <a:t>patch</a:t>
+            </a:r>
+            <a:r>
+              <a:rPr lang="de-DE" dirty="0"/>
+              <a:t> auf den Zweig angewandt wird</a:t>
+            </a:r>
+          </a:p>
+          <a:p>
+            <a:pPr lvl="1"/>
+            <a:r>
+              <a:rPr lang="de-DE" dirty="0"/>
+              <a:t> keine Information über Herkunft</a:t>
+            </a:r>
+          </a:p>
+          <a:p>
+            <a:r>
+              <a:rPr lang="de-DE" dirty="0"/>
+              <a:t>Mit Anhang </a:t>
+            </a:r>
+            <a:r>
+              <a:rPr lang="de-DE" b="1" i="1" dirty="0"/>
+              <a:t>-x </a:t>
+            </a:r>
+            <a:r>
+              <a:rPr lang="de-DE" dirty="0"/>
+              <a:t>kann dies vermieden werden</a:t>
+            </a:r>
+          </a:p>
+          <a:p>
+            <a:pPr lvl="1"/>
+            <a:r>
+              <a:rPr lang="de-DE" dirty="0"/>
+              <a:t>In der Nachricht wird eine Zeile hinzugefügt, die auf die Herkunft verweist</a:t>
+            </a:r>
+          </a:p>
+          <a:p>
+            <a:pPr marL="0" indent="0">
+              <a:buNone/>
+            </a:pPr>
+            <a:endParaRPr lang="de-DE" dirty="0"/>
           </a:p>
         </p:txBody>
       </p:sp>
@@ -9144,16 +9409,41 @@
           <a:p>
             <a:r>
               <a:rPr lang="de-DE" dirty="0"/>
-              <a:t>Cherry pick /  </a:t>
-            </a:r>
-            <a:r>
-              <a:rPr lang="de-DE" dirty="0" err="1"/>
-              <a:t>cherry</a:t>
-            </a:r>
-            <a:endParaRPr lang="de-DE" dirty="0"/>
-          </a:p>
-        </p:txBody>
-      </p:sp>
+              <a:t>Cherry pick</a:t>
+            </a:r>
+          </a:p>
+        </p:txBody>
+      </p:sp>
+      <p:pic>
+        <p:nvPicPr>
+          <p:cNvPr id="2" name="Grafik 1">
+            <a:extLst>
+              <a:ext uri="{FF2B5EF4-FFF2-40B4-BE49-F238E27FC236}">
+                <a16:creationId xmlns:a16="http://schemas.microsoft.com/office/drawing/2014/main" id="{D54893E9-2002-45F8-88F9-62654C66B0C2}"/>
+              </a:ext>
+            </a:extLst>
+          </p:cNvPr>
+          <p:cNvPicPr>
+            <a:picLocks noChangeAspect="1"/>
+          </p:cNvPicPr>
+          <p:nvPr/>
+        </p:nvPicPr>
+        <p:blipFill>
+          <a:blip r:embed="rId2"/>
+          <a:stretch>
+            <a:fillRect/>
+          </a:stretch>
+        </p:blipFill>
+        <p:spPr>
+          <a:xfrm>
+            <a:off x="2623946" y="4246307"/>
+            <a:ext cx="3944790" cy="1810982"/>
+          </a:xfrm>
+          <a:prstGeom prst="rect">
+            <a:avLst/>
+          </a:prstGeom>
+        </p:spPr>
+      </p:pic>
     </p:spTree>
     <p:extLst>
       <p:ext uri="{BB962C8B-B14F-4D97-AF65-F5344CB8AC3E}">
@@ -9168,6 +9458,175 @@
 </file>
 
 <file path=ppt/slides/slide28.xml><?xml version="1.0" encoding="utf-8"?>
+<p:sld xmlns:a="http://schemas.openxmlformats.org/drawingml/2006/main" xmlns:r="http://schemas.openxmlformats.org/officeDocument/2006/relationships" xmlns:p="http://schemas.openxmlformats.org/presentationml/2006/main">
+  <p:cSld>
+    <p:spTree>
+      <p:nvGrpSpPr>
+        <p:cNvPr id="1" name=""/>
+        <p:cNvGrpSpPr/>
+        <p:nvPr/>
+      </p:nvGrpSpPr>
+      <p:grpSpPr>
+        <a:xfrm>
+          <a:off x="0" y="0"/>
+          <a:ext cx="0" cy="0"/>
+          <a:chOff x="0" y="0"/>
+          <a:chExt cx="0" cy="0"/>
+        </a:xfrm>
+      </p:grpSpPr>
+      <p:sp>
+        <p:nvSpPr>
+          <p:cNvPr id="2" name="Inhaltsplatzhalter 1">
+            <a:extLst>
+              <a:ext uri="{FF2B5EF4-FFF2-40B4-BE49-F238E27FC236}">
+                <a16:creationId xmlns:a16="http://schemas.microsoft.com/office/drawing/2014/main" id="{6B12CEDE-A342-42BE-8E55-EF59974F9175}"/>
+              </a:ext>
+            </a:extLst>
+          </p:cNvPr>
+          <p:cNvSpPr>
+            <a:spLocks noGrp="1"/>
+          </p:cNvSpPr>
+          <p:nvPr>
+            <p:ph idx="13"/>
+          </p:nvPr>
+        </p:nvSpPr>
+        <p:spPr/>
+        <p:txBody>
+          <a:bodyPr/>
+          <a:lstStyle/>
+          <a:p>
+            <a:r>
+              <a:rPr lang="de-DE" dirty="0"/>
+              <a:t>Wird genutzt um festzustellen, ob einem Zweig Änderungen hinzugefügt wurden</a:t>
+            </a:r>
+          </a:p>
+          <a:p>
+            <a:r>
+              <a:rPr lang="de-DE" dirty="0"/>
+              <a:t>Hierbei werden Änderungen jedes </a:t>
+            </a:r>
+            <a:r>
+              <a:rPr lang="de-DE" dirty="0" err="1"/>
+              <a:t>Commits</a:t>
+            </a:r>
+            <a:r>
+              <a:rPr lang="de-DE" dirty="0"/>
+              <a:t> anstatt eine Prüfsumme</a:t>
+            </a:r>
+          </a:p>
+          <a:p>
+            <a:r>
+              <a:rPr lang="de-DE" dirty="0"/>
+              <a:t>Kommando: </a:t>
+            </a:r>
+            <a:r>
+              <a:rPr lang="de-DE" b="1" i="1" dirty="0" err="1"/>
+              <a:t>cherry</a:t>
+            </a:r>
+            <a:r>
+              <a:rPr lang="de-DE" b="1" i="1" dirty="0"/>
+              <a:t> -v &lt;Zweig1&gt; &lt;Zweig2&gt; &lt;Limit&gt;</a:t>
+            </a:r>
+          </a:p>
+          <a:p>
+            <a:r>
+              <a:rPr lang="de-DE" dirty="0"/>
+              <a:t>Überprüft ob </a:t>
+            </a:r>
+            <a:r>
+              <a:rPr lang="de-DE" dirty="0" err="1"/>
+              <a:t>Commits</a:t>
+            </a:r>
+            <a:r>
+              <a:rPr lang="de-DE" dirty="0"/>
+              <a:t> aus </a:t>
+            </a:r>
+            <a:r>
+              <a:rPr lang="de-DE" i="1" dirty="0"/>
+              <a:t>&lt;Zweig2&gt; </a:t>
+            </a:r>
+            <a:r>
+              <a:rPr lang="de-DE" dirty="0"/>
+              <a:t>in </a:t>
+            </a:r>
+            <a:r>
+              <a:rPr lang="de-DE" i="1" dirty="0"/>
+              <a:t>&lt;Zweig1&gt; </a:t>
+            </a:r>
+            <a:r>
+              <a:rPr lang="de-DE" dirty="0" err="1"/>
+              <a:t>existeren</a:t>
+            </a:r>
+            <a:endParaRPr lang="de-DE" dirty="0"/>
+          </a:p>
+          <a:p>
+            <a:r>
+              <a:rPr lang="de-DE" i="1" dirty="0"/>
+              <a:t>&lt;Limit&gt; </a:t>
+            </a:r>
+            <a:r>
+              <a:rPr lang="de-DE" dirty="0"/>
+              <a:t>gibt, an wie viele </a:t>
+            </a:r>
+            <a:r>
+              <a:rPr lang="de-DE" dirty="0" err="1"/>
+              <a:t>Commits</a:t>
+            </a:r>
+            <a:r>
+              <a:rPr lang="de-DE" dirty="0"/>
+              <a:t> rückwirkend durchsucht werden sollen</a:t>
+            </a:r>
+          </a:p>
+          <a:p>
+            <a:r>
+              <a:rPr lang="de-DE" dirty="0"/>
+              <a:t>-v wird die jeweilig Commit Nachricht angezeigt</a:t>
+            </a:r>
+          </a:p>
+        </p:txBody>
+      </p:sp>
+      <p:sp>
+        <p:nvSpPr>
+          <p:cNvPr id="3" name="Titel 2">
+            <a:extLst>
+              <a:ext uri="{FF2B5EF4-FFF2-40B4-BE49-F238E27FC236}">
+                <a16:creationId xmlns:a16="http://schemas.microsoft.com/office/drawing/2014/main" id="{06CD2783-9A5A-4B2B-BC5A-36EA71E20E39}"/>
+              </a:ext>
+            </a:extLst>
+          </p:cNvPr>
+          <p:cNvSpPr>
+            <a:spLocks noGrp="1"/>
+          </p:cNvSpPr>
+          <p:nvPr>
+            <p:ph type="title" idx="4294967295"/>
+          </p:nvPr>
+        </p:nvSpPr>
+        <p:spPr/>
+        <p:txBody>
+          <a:bodyPr/>
+          <a:lstStyle/>
+          <a:p>
+            <a:r>
+              <a:rPr lang="de-DE" dirty="0"/>
+              <a:t>Cherry</a:t>
+            </a:r>
+          </a:p>
+        </p:txBody>
+      </p:sp>
+    </p:spTree>
+    <p:extLst>
+      <p:ext uri="{BB962C8B-B14F-4D97-AF65-F5344CB8AC3E}">
+        <p14:creationId xmlns:p14="http://schemas.microsoft.com/office/powerpoint/2010/main" val="2831805255"/>
+      </p:ext>
+    </p:extLst>
+  </p:cSld>
+  <p:clrMapOvr>
+    <a:masterClrMapping/>
+  </p:clrMapOvr>
+</p:sld>
+</file>
+
+<file path=ppt/slides/slide29.xml><?xml version="1.0" encoding="utf-8"?>
 <p:sld xmlns:a="http://schemas.openxmlformats.org/drawingml/2006/main" xmlns:r="http://schemas.openxmlformats.org/officeDocument/2006/relationships" xmlns:p="http://schemas.openxmlformats.org/presentationml/2006/main">
   <p:cSld>
     <p:spTree>
@@ -9331,177 +9790,6 @@
     <p:extLst>
       <p:ext uri="{BB962C8B-B14F-4D97-AF65-F5344CB8AC3E}">
         <p14:creationId xmlns:p14="http://schemas.microsoft.com/office/powerpoint/2010/main" val="2941308763"/>
-      </p:ext>
-    </p:extLst>
-  </p:cSld>
-  <p:clrMapOvr>
-    <a:masterClrMapping/>
-  </p:clrMapOvr>
-</p:sld>
-</file>
-
-<file path=ppt/slides/slide29.xml><?xml version="1.0" encoding="utf-8"?>
-<p:sld xmlns:a="http://schemas.openxmlformats.org/drawingml/2006/main" xmlns:r="http://schemas.openxmlformats.org/officeDocument/2006/relationships" xmlns:p="http://schemas.openxmlformats.org/presentationml/2006/main">
-  <p:cSld>
-    <p:spTree>
-      <p:nvGrpSpPr>
-        <p:cNvPr id="1" name=""/>
-        <p:cNvGrpSpPr/>
-        <p:nvPr/>
-      </p:nvGrpSpPr>
-      <p:grpSpPr>
-        <a:xfrm>
-          <a:off x="0" y="0"/>
-          <a:ext cx="0" cy="0"/>
-          <a:chOff x="0" y="0"/>
-          <a:chExt cx="0" cy="0"/>
-        </a:xfrm>
-      </p:grpSpPr>
-      <p:sp>
-        <p:nvSpPr>
-          <p:cNvPr id="5" name="Inhaltsplatzhalter 4">
-            <a:extLst>
-              <a:ext uri="{FF2B5EF4-FFF2-40B4-BE49-F238E27FC236}">
-                <a16:creationId xmlns:a16="http://schemas.microsoft.com/office/drawing/2014/main" id="{16F01BD9-3141-41EF-9673-DDE9F9065885}"/>
-              </a:ext>
-            </a:extLst>
-          </p:cNvPr>
-          <p:cNvSpPr>
-            <a:spLocks noGrp="1"/>
-          </p:cNvSpPr>
-          <p:nvPr>
-            <p:ph idx="13"/>
-          </p:nvPr>
-        </p:nvSpPr>
-        <p:spPr/>
-        <p:txBody>
-          <a:bodyPr/>
-          <a:lstStyle/>
-          <a:p>
-            <a:r>
-              <a:rPr lang="de-DE" dirty="0"/>
-              <a:t>Setzt den lokalen Stand zurück</a:t>
-            </a:r>
-          </a:p>
-          <a:p>
-            <a:r>
-              <a:rPr lang="de-DE" dirty="0"/>
-              <a:t>Sollte nur bei lokalen </a:t>
-            </a:r>
-            <a:r>
-              <a:rPr lang="de-DE" dirty="0" err="1"/>
-              <a:t>Commits</a:t>
-            </a:r>
-            <a:r>
-              <a:rPr lang="de-DE" dirty="0"/>
-              <a:t> verwendet werden, da </a:t>
-            </a:r>
-            <a:r>
-              <a:rPr lang="de-DE" dirty="0" err="1"/>
-              <a:t>Commits</a:t>
-            </a:r>
-            <a:r>
-              <a:rPr lang="de-DE" dirty="0"/>
-              <a:t> verworfen werden auf die sich sonst Andere beziehen könnten</a:t>
-            </a:r>
-          </a:p>
-          <a:p>
-            <a:r>
-              <a:rPr lang="de-DE" dirty="0" err="1"/>
-              <a:t>Kommado</a:t>
-            </a:r>
-            <a:r>
-              <a:rPr lang="de-DE" dirty="0"/>
-              <a:t>: </a:t>
-            </a:r>
-            <a:r>
-              <a:rPr lang="de-DE" b="1" i="1" dirty="0" err="1"/>
-              <a:t>git</a:t>
-            </a:r>
-            <a:r>
-              <a:rPr lang="de-DE" b="1" i="1" dirty="0"/>
-              <a:t> </a:t>
-            </a:r>
-            <a:r>
-              <a:rPr lang="de-DE" b="1" i="1" dirty="0" err="1"/>
-              <a:t>reset</a:t>
-            </a:r>
-            <a:endParaRPr lang="de-DE" b="1" i="1" dirty="0"/>
-          </a:p>
-          <a:p>
-            <a:pPr lvl="1"/>
-            <a:r>
-              <a:rPr lang="de-DE" dirty="0"/>
-              <a:t>&lt;Prüfsumme&gt;	Setzt den Zweig auf diesen Stand zurück, 			verworfene Änderungen befinden sich in der 			Arbeitskopie</a:t>
-            </a:r>
-          </a:p>
-          <a:p>
-            <a:pPr lvl="1"/>
-            <a:r>
-              <a:rPr lang="de-DE" dirty="0"/>
-              <a:t>--</a:t>
-            </a:r>
-            <a:r>
-              <a:rPr lang="de-DE" dirty="0" err="1"/>
-              <a:t>hard</a:t>
-            </a:r>
-            <a:r>
-              <a:rPr lang="de-DE" dirty="0"/>
-              <a:t>		setzt auch die Arbeitskopie zurück, alle 				Änderungen sind verworfen</a:t>
-            </a:r>
-          </a:p>
-          <a:p>
-            <a:pPr lvl="1"/>
-            <a:r>
-              <a:rPr lang="de-DE" dirty="0"/>
-              <a:t>&lt;Datei&gt;		Datei wird aus dem Index entfernt</a:t>
-            </a:r>
-          </a:p>
-        </p:txBody>
-      </p:sp>
-      <p:sp>
-        <p:nvSpPr>
-          <p:cNvPr id="3" name="Titel 2">
-            <a:extLst>
-              <a:ext uri="{FF2B5EF4-FFF2-40B4-BE49-F238E27FC236}">
-                <a16:creationId xmlns:a16="http://schemas.microsoft.com/office/drawing/2014/main" id="{F43ABB80-C886-4AF5-B215-5BEEBC4B2C48}"/>
-              </a:ext>
-            </a:extLst>
-          </p:cNvPr>
-          <p:cNvSpPr>
-            <a:spLocks noGrp="1"/>
-          </p:cNvSpPr>
-          <p:nvPr>
-            <p:ph type="title" idx="4294967295"/>
-          </p:nvPr>
-        </p:nvSpPr>
-        <p:spPr>
-          <a:xfrm>
-            <a:off x="628650" y="365126"/>
-            <a:ext cx="7886700" cy="698903"/>
-          </a:xfrm>
-          <a:prstGeom prst="rect">
-            <a:avLst/>
-          </a:prstGeom>
-        </p:spPr>
-        <p:txBody>
-          <a:bodyPr>
-            <a:normAutofit/>
-          </a:bodyPr>
-          <a:lstStyle/>
-          <a:p>
-            <a:r>
-              <a:rPr lang="de-DE" dirty="0" err="1"/>
-              <a:t>Reset</a:t>
-            </a:r>
-            <a:endParaRPr lang="de-DE" dirty="0"/>
-          </a:p>
-        </p:txBody>
-      </p:sp>
-    </p:spTree>
-    <p:extLst>
-      <p:ext uri="{BB962C8B-B14F-4D97-AF65-F5344CB8AC3E}">
-        <p14:creationId xmlns:p14="http://schemas.microsoft.com/office/powerpoint/2010/main" val="3217921642"/>
       </p:ext>
     </p:extLst>
   </p:cSld>
@@ -9819,7 +10107,7 @@
           <p:cNvPr id="5" name="Inhaltsplatzhalter 4">
             <a:extLst>
               <a:ext uri="{FF2B5EF4-FFF2-40B4-BE49-F238E27FC236}">
-                <a16:creationId xmlns:a16="http://schemas.microsoft.com/office/drawing/2014/main" id="{16798678-B877-4133-914B-E07392A40335}"/>
+                <a16:creationId xmlns:a16="http://schemas.microsoft.com/office/drawing/2014/main" id="{16F01BD9-3141-41EF-9673-DDE9F9065885}"/>
               </a:ext>
             </a:extLst>
           </p:cNvPr>
@@ -9835,7 +10123,84 @@
           <a:bodyPr/>
           <a:lstStyle/>
           <a:p>
-            <a:endParaRPr lang="de-DE"/>
+            <a:r>
+              <a:rPr lang="de-DE" dirty="0"/>
+              <a:t>Setzt den lokalen Stand zurück</a:t>
+            </a:r>
+          </a:p>
+          <a:p>
+            <a:r>
+              <a:rPr lang="de-DE" dirty="0"/>
+              <a:t>Sollte nur bei lokalen </a:t>
+            </a:r>
+            <a:r>
+              <a:rPr lang="de-DE" dirty="0" err="1"/>
+              <a:t>Commits</a:t>
+            </a:r>
+            <a:r>
+              <a:rPr lang="de-DE" dirty="0"/>
+              <a:t> verwendet werden, da </a:t>
+            </a:r>
+            <a:r>
+              <a:rPr lang="de-DE" dirty="0" err="1"/>
+              <a:t>Commits</a:t>
+            </a:r>
+            <a:r>
+              <a:rPr lang="de-DE" dirty="0"/>
+              <a:t> verworfen werden auf die sich sonst Andere beziehen könnten</a:t>
+            </a:r>
+          </a:p>
+          <a:p>
+            <a:r>
+              <a:rPr lang="de-DE" dirty="0" err="1"/>
+              <a:t>Kommado</a:t>
+            </a:r>
+            <a:r>
+              <a:rPr lang="de-DE" dirty="0"/>
+              <a:t>: </a:t>
+            </a:r>
+            <a:r>
+              <a:rPr lang="de-DE" b="1" i="1" dirty="0" err="1"/>
+              <a:t>git</a:t>
+            </a:r>
+            <a:r>
+              <a:rPr lang="de-DE" b="1" i="1" dirty="0"/>
+              <a:t> </a:t>
+            </a:r>
+            <a:r>
+              <a:rPr lang="de-DE" b="1" i="1" dirty="0" err="1"/>
+              <a:t>reset</a:t>
+            </a:r>
+            <a:endParaRPr lang="de-DE" b="1" i="1" dirty="0"/>
+          </a:p>
+          <a:p>
+            <a:pPr lvl="1"/>
+            <a:r>
+              <a:rPr lang="de-DE" dirty="0"/>
+              <a:t>&lt;Prüfsumme&gt;	Setzt den Zweig auf diesen Stand zurück, 			verworfene Änderungen befinden sich in der 			Arbeitskopie</a:t>
+            </a:r>
+          </a:p>
+          <a:p>
+            <a:pPr lvl="1"/>
+            <a:r>
+              <a:rPr lang="de-DE" dirty="0"/>
+              <a:t>--</a:t>
+            </a:r>
+            <a:r>
+              <a:rPr lang="de-DE" dirty="0" err="1"/>
+              <a:t>hard</a:t>
+            </a:r>
+            <a:r>
+              <a:rPr lang="de-DE" dirty="0"/>
+              <a:t>		setzt auch die Arbeitskopie zurück, alle 				Änderungen sind verworfen</a:t>
+            </a:r>
+          </a:p>
+          <a:p>
+            <a:pPr lvl="1"/>
+            <a:r>
+              <a:rPr lang="de-DE" dirty="0"/>
+              <a:t>&lt;Datei&gt;		Datei wird aus dem Index entfernt</a:t>
+            </a:r>
           </a:p>
         </p:txBody>
       </p:sp>
@@ -9844,7 +10209,7 @@
           <p:cNvPr id="3" name="Titel 2">
             <a:extLst>
               <a:ext uri="{FF2B5EF4-FFF2-40B4-BE49-F238E27FC236}">
-                <a16:creationId xmlns:a16="http://schemas.microsoft.com/office/drawing/2014/main" id="{AEF45C4A-B7FA-4978-A8CD-BE8F7E8F49D9}"/>
+                <a16:creationId xmlns:a16="http://schemas.microsoft.com/office/drawing/2014/main" id="{F43ABB80-C886-4AF5-B215-5BEEBC4B2C48}"/>
               </a:ext>
             </a:extLst>
           </p:cNvPr>
@@ -9871,24 +10236,17 @@
           <a:lstStyle/>
           <a:p>
             <a:r>
-              <a:rPr lang="de-DE" dirty="0"/>
-              <a:t>(</a:t>
-            </a:r>
-            <a:r>
               <a:rPr lang="de-DE" dirty="0" err="1"/>
-              <a:t>reflog</a:t>
-            </a:r>
-            <a:r>
-              <a:rPr lang="de-DE" dirty="0"/>
-              <a:t>)</a:t>
-            </a:r>
+              <a:t>Reset</a:t>
+            </a:r>
+            <a:endParaRPr lang="de-DE" dirty="0"/>
           </a:p>
         </p:txBody>
       </p:sp>
     </p:spTree>
     <p:extLst>
       <p:ext uri="{BB962C8B-B14F-4D97-AF65-F5344CB8AC3E}">
-        <p14:creationId xmlns:p14="http://schemas.microsoft.com/office/powerpoint/2010/main" val="1856339443"/>
+        <p14:creationId xmlns:p14="http://schemas.microsoft.com/office/powerpoint/2010/main" val="3217921642"/>
       </p:ext>
     </p:extLst>
   </p:cSld>
@@ -9917,10 +10275,10 @@
       </p:grpSpPr>
       <p:sp>
         <p:nvSpPr>
-          <p:cNvPr id="2" name="Titel 1">
+          <p:cNvPr id="5" name="Inhaltsplatzhalter 4">
             <a:extLst>
               <a:ext uri="{FF2B5EF4-FFF2-40B4-BE49-F238E27FC236}">
-                <a16:creationId xmlns:a16="http://schemas.microsoft.com/office/drawing/2014/main" id="{55DCA8B4-8412-4C61-8E1B-A6CDF1580F20}"/>
+                <a16:creationId xmlns:a16="http://schemas.microsoft.com/office/drawing/2014/main" id="{16798678-B877-4133-914B-E07392A40335}"/>
               </a:ext>
             </a:extLst>
           </p:cNvPr>
@@ -9928,7 +10286,7 @@
             <a:spLocks noGrp="1"/>
           </p:cNvSpPr>
           <p:nvPr>
-            <p:ph type="title"/>
+            <p:ph idx="13"/>
           </p:nvPr>
         </p:nvSpPr>
         <p:spPr/>
@@ -9936,9 +10294,52 @@
           <a:bodyPr/>
           <a:lstStyle/>
           <a:p>
-            <a:r>
-              <a:rPr lang="de-DE" dirty="0"/>
-              <a:t>Workflow</a:t>
+            <a:endParaRPr lang="de-DE"/>
+          </a:p>
+        </p:txBody>
+      </p:sp>
+      <p:sp>
+        <p:nvSpPr>
+          <p:cNvPr id="3" name="Titel 2">
+            <a:extLst>
+              <a:ext uri="{FF2B5EF4-FFF2-40B4-BE49-F238E27FC236}">
+                <a16:creationId xmlns:a16="http://schemas.microsoft.com/office/drawing/2014/main" id="{AEF45C4A-B7FA-4978-A8CD-BE8F7E8F49D9}"/>
+              </a:ext>
+            </a:extLst>
+          </p:cNvPr>
+          <p:cNvSpPr>
+            <a:spLocks noGrp="1"/>
+          </p:cNvSpPr>
+          <p:nvPr>
+            <p:ph type="title" idx="4294967295"/>
+          </p:nvPr>
+        </p:nvSpPr>
+        <p:spPr>
+          <a:xfrm>
+            <a:off x="628650" y="365126"/>
+            <a:ext cx="7886700" cy="698903"/>
+          </a:xfrm>
+          <a:prstGeom prst="rect">
+            <a:avLst/>
+          </a:prstGeom>
+        </p:spPr>
+        <p:txBody>
+          <a:bodyPr>
+            <a:normAutofit/>
+          </a:bodyPr>
+          <a:lstStyle/>
+          <a:p>
+            <a:r>
+              <a:rPr lang="de-DE" dirty="0"/>
+              <a:t>(</a:t>
+            </a:r>
+            <a:r>
+              <a:rPr lang="de-DE" dirty="0" err="1"/>
+              <a:t>reflog</a:t>
+            </a:r>
+            <a:r>
+              <a:rPr lang="de-DE" dirty="0"/>
+              <a:t>)</a:t>
             </a:r>
           </a:p>
         </p:txBody>
@@ -9946,7 +10347,7 @@
     </p:spTree>
     <p:extLst>
       <p:ext uri="{BB962C8B-B14F-4D97-AF65-F5344CB8AC3E}">
-        <p14:creationId xmlns:p14="http://schemas.microsoft.com/office/powerpoint/2010/main" val="1007972795"/>
+        <p14:creationId xmlns:p14="http://schemas.microsoft.com/office/powerpoint/2010/main" val="1856339443"/>
       </p:ext>
     </p:extLst>
   </p:cSld>
@@ -9975,10 +10376,10 @@
       </p:grpSpPr>
       <p:sp>
         <p:nvSpPr>
-          <p:cNvPr id="5" name="Inhaltsplatzhalter 4">
+          <p:cNvPr id="2" name="Titel 1">
             <a:extLst>
               <a:ext uri="{FF2B5EF4-FFF2-40B4-BE49-F238E27FC236}">
-                <a16:creationId xmlns:a16="http://schemas.microsoft.com/office/drawing/2014/main" id="{023C353D-27D2-4156-878C-265100BA9848}"/>
+                <a16:creationId xmlns:a16="http://schemas.microsoft.com/office/drawing/2014/main" id="{55DCA8B4-8412-4C61-8E1B-A6CDF1580F20}"/>
               </a:ext>
             </a:extLst>
           </p:cNvPr>
@@ -9986,7 +10387,7 @@
             <a:spLocks noGrp="1"/>
           </p:cNvSpPr>
           <p:nvPr>
-            <p:ph idx="13"/>
+            <p:ph type="title"/>
           </p:nvPr>
         </p:nvSpPr>
         <p:spPr/>
@@ -9994,57 +10395,17 @@
           <a:bodyPr/>
           <a:lstStyle/>
           <a:p>
-            <a:endParaRPr lang="de-DE"/>
-          </a:p>
-        </p:txBody>
-      </p:sp>
-      <p:sp>
-        <p:nvSpPr>
-          <p:cNvPr id="3" name="Titel 2">
-            <a:extLst>
-              <a:ext uri="{FF2B5EF4-FFF2-40B4-BE49-F238E27FC236}">
-                <a16:creationId xmlns:a16="http://schemas.microsoft.com/office/drawing/2014/main" id="{625B6011-E5CD-40F8-BED3-233D5BEBC703}"/>
-              </a:ext>
-            </a:extLst>
-          </p:cNvPr>
-          <p:cNvSpPr>
-            <a:spLocks noGrp="1"/>
-          </p:cNvSpPr>
-          <p:nvPr>
-            <p:ph type="title" idx="4294967295"/>
-          </p:nvPr>
-        </p:nvSpPr>
-        <p:spPr>
-          <a:xfrm>
-            <a:off x="628650" y="365126"/>
-            <a:ext cx="7886700" cy="698903"/>
-          </a:xfrm>
-          <a:prstGeom prst="rect">
-            <a:avLst/>
-          </a:prstGeom>
-        </p:spPr>
-        <p:txBody>
-          <a:bodyPr>
-            <a:normAutofit/>
-          </a:bodyPr>
-          <a:lstStyle/>
-          <a:p>
-            <a:r>
-              <a:rPr lang="de-DE" dirty="0"/>
-              <a:t>Git-</a:t>
-            </a:r>
-            <a:r>
-              <a:rPr lang="de-DE" dirty="0" err="1"/>
-              <a:t>flow</a:t>
-            </a:r>
-            <a:endParaRPr lang="de-DE" dirty="0"/>
+            <a:r>
+              <a:rPr lang="de-DE" dirty="0"/>
+              <a:t>Workflow</a:t>
+            </a:r>
           </a:p>
         </p:txBody>
       </p:sp>
     </p:spTree>
     <p:extLst>
       <p:ext uri="{BB962C8B-B14F-4D97-AF65-F5344CB8AC3E}">
-        <p14:creationId xmlns:p14="http://schemas.microsoft.com/office/powerpoint/2010/main" val="149155477"/>
+        <p14:creationId xmlns:p14="http://schemas.microsoft.com/office/powerpoint/2010/main" val="1007972795"/>
       </p:ext>
     </p:extLst>
   </p:cSld>
@@ -10076,7 +10437,7 @@
           <p:cNvPr id="5" name="Inhaltsplatzhalter 4">
             <a:extLst>
               <a:ext uri="{FF2B5EF4-FFF2-40B4-BE49-F238E27FC236}">
-                <a16:creationId xmlns:a16="http://schemas.microsoft.com/office/drawing/2014/main" id="{D0D15137-B24A-4D20-8DAF-E588A7DE9169}"/>
+                <a16:creationId xmlns:a16="http://schemas.microsoft.com/office/drawing/2014/main" id="{023C353D-27D2-4156-878C-265100BA9848}"/>
               </a:ext>
             </a:extLst>
           </p:cNvPr>
@@ -10101,7 +10462,7 @@
           <p:cNvPr id="3" name="Titel 2">
             <a:extLst>
               <a:ext uri="{FF2B5EF4-FFF2-40B4-BE49-F238E27FC236}">
-                <a16:creationId xmlns:a16="http://schemas.microsoft.com/office/drawing/2014/main" id="{CB599424-652A-4472-8967-4805ED1F4DEB}"/>
+                <a16:creationId xmlns:a16="http://schemas.microsoft.com/office/drawing/2014/main" id="{625B6011-E5CD-40F8-BED3-233D5BEBC703}"/>
               </a:ext>
             </a:extLst>
           </p:cNvPr>
@@ -10129,11 +10490,11 @@
           <a:p>
             <a:r>
               <a:rPr lang="de-DE" dirty="0"/>
-              <a:t>Pull </a:t>
+              <a:t>Git-</a:t>
             </a:r>
             <a:r>
               <a:rPr lang="de-DE" dirty="0" err="1"/>
-              <a:t>request</a:t>
+              <a:t>flow</a:t>
             </a:r>
             <a:endParaRPr lang="de-DE" dirty="0"/>
           </a:p>
@@ -10142,7 +10503,7 @@
     </p:spTree>
     <p:extLst>
       <p:ext uri="{BB962C8B-B14F-4D97-AF65-F5344CB8AC3E}">
-        <p14:creationId xmlns:p14="http://schemas.microsoft.com/office/powerpoint/2010/main" val="1322300763"/>
+        <p14:creationId xmlns:p14="http://schemas.microsoft.com/office/powerpoint/2010/main" val="149155477"/>
       </p:ext>
     </p:extLst>
   </p:cSld>
@@ -10174,7 +10535,7 @@
           <p:cNvPr id="5" name="Inhaltsplatzhalter 4">
             <a:extLst>
               <a:ext uri="{FF2B5EF4-FFF2-40B4-BE49-F238E27FC236}">
-                <a16:creationId xmlns:a16="http://schemas.microsoft.com/office/drawing/2014/main" id="{D39F8C46-B29C-4E51-82FC-5C372BBE7B10}"/>
+                <a16:creationId xmlns:a16="http://schemas.microsoft.com/office/drawing/2014/main" id="{D0D15137-B24A-4D20-8DAF-E588A7DE9169}"/>
               </a:ext>
             </a:extLst>
           </p:cNvPr>
@@ -10199,7 +10560,7 @@
           <p:cNvPr id="3" name="Titel 2">
             <a:extLst>
               <a:ext uri="{FF2B5EF4-FFF2-40B4-BE49-F238E27FC236}">
-                <a16:creationId xmlns:a16="http://schemas.microsoft.com/office/drawing/2014/main" id="{18E8F690-0089-41E4-BB41-AE8E12035B39}"/>
+                <a16:creationId xmlns:a16="http://schemas.microsoft.com/office/drawing/2014/main" id="{CB599424-652A-4472-8967-4805ED1F4DEB}"/>
               </a:ext>
             </a:extLst>
           </p:cNvPr>
@@ -10226,20 +10587,21 @@
           <a:lstStyle/>
           <a:p>
             <a:r>
+              <a:rPr lang="de-DE" dirty="0"/>
+              <a:t>Pull </a:t>
+            </a:r>
+            <a:r>
               <a:rPr lang="de-DE" dirty="0" err="1"/>
-              <a:t>Forking</a:t>
-            </a:r>
-            <a:r>
-              <a:rPr lang="de-DE" dirty="0"/>
-              <a:t>-workflow</a:t>
-            </a:r>
+              <a:t>request</a:t>
+            </a:r>
+            <a:endParaRPr lang="de-DE" dirty="0"/>
           </a:p>
         </p:txBody>
       </p:sp>
     </p:spTree>
     <p:extLst>
       <p:ext uri="{BB962C8B-B14F-4D97-AF65-F5344CB8AC3E}">
-        <p14:creationId xmlns:p14="http://schemas.microsoft.com/office/powerpoint/2010/main" val="1691214512"/>
+        <p14:creationId xmlns:p14="http://schemas.microsoft.com/office/powerpoint/2010/main" val="1322300763"/>
       </p:ext>
     </p:extLst>
   </p:cSld>
@@ -10268,10 +10630,10 @@
       </p:grpSpPr>
       <p:sp>
         <p:nvSpPr>
-          <p:cNvPr id="2" name="Titel 1">
+          <p:cNvPr id="5" name="Inhaltsplatzhalter 4">
             <a:extLst>
               <a:ext uri="{FF2B5EF4-FFF2-40B4-BE49-F238E27FC236}">
-                <a16:creationId xmlns:a16="http://schemas.microsoft.com/office/drawing/2014/main" id="{6C8483CF-1B0E-4C5D-98AE-63877A3A3D1A}"/>
+                <a16:creationId xmlns:a16="http://schemas.microsoft.com/office/drawing/2014/main" id="{D39F8C46-B29C-4E51-82FC-5C372BBE7B10}"/>
               </a:ext>
             </a:extLst>
           </p:cNvPr>
@@ -10279,7 +10641,7 @@
             <a:spLocks noGrp="1"/>
           </p:cNvSpPr>
           <p:nvPr>
-            <p:ph type="title"/>
+            <p:ph idx="13"/>
           </p:nvPr>
         </p:nvSpPr>
         <p:spPr/>
@@ -10287,9 +10649,48 @@
           <a:bodyPr/>
           <a:lstStyle/>
           <a:p>
-            <a:r>
-              <a:rPr lang="de-DE" dirty="0"/>
-              <a:t>(weitere Befehle)</a:t>
+            <a:endParaRPr lang="de-DE"/>
+          </a:p>
+        </p:txBody>
+      </p:sp>
+      <p:sp>
+        <p:nvSpPr>
+          <p:cNvPr id="3" name="Titel 2">
+            <a:extLst>
+              <a:ext uri="{FF2B5EF4-FFF2-40B4-BE49-F238E27FC236}">
+                <a16:creationId xmlns:a16="http://schemas.microsoft.com/office/drawing/2014/main" id="{18E8F690-0089-41E4-BB41-AE8E12035B39}"/>
+              </a:ext>
+            </a:extLst>
+          </p:cNvPr>
+          <p:cNvSpPr>
+            <a:spLocks noGrp="1"/>
+          </p:cNvSpPr>
+          <p:nvPr>
+            <p:ph type="title" idx="4294967295"/>
+          </p:nvPr>
+        </p:nvSpPr>
+        <p:spPr>
+          <a:xfrm>
+            <a:off x="628650" y="365126"/>
+            <a:ext cx="7886700" cy="698903"/>
+          </a:xfrm>
+          <a:prstGeom prst="rect">
+            <a:avLst/>
+          </a:prstGeom>
+        </p:spPr>
+        <p:txBody>
+          <a:bodyPr>
+            <a:normAutofit/>
+          </a:bodyPr>
+          <a:lstStyle/>
+          <a:p>
+            <a:r>
+              <a:rPr lang="de-DE" dirty="0" err="1"/>
+              <a:t>Forking</a:t>
+            </a:r>
+            <a:r>
+              <a:rPr lang="de-DE" dirty="0"/>
+              <a:t>-workflow</a:t>
             </a:r>
           </a:p>
         </p:txBody>
@@ -10297,7 +10698,7 @@
     </p:spTree>
     <p:extLst>
       <p:ext uri="{BB962C8B-B14F-4D97-AF65-F5344CB8AC3E}">
-        <p14:creationId xmlns:p14="http://schemas.microsoft.com/office/powerpoint/2010/main" val="2812503263"/>
+        <p14:creationId xmlns:p14="http://schemas.microsoft.com/office/powerpoint/2010/main" val="1691214512"/>
       </p:ext>
     </p:extLst>
   </p:cSld>
@@ -10329,6 +10730,64 @@
           <p:cNvPr id="2" name="Titel 1">
             <a:extLst>
               <a:ext uri="{FF2B5EF4-FFF2-40B4-BE49-F238E27FC236}">
+                <a16:creationId xmlns:a16="http://schemas.microsoft.com/office/drawing/2014/main" id="{6C8483CF-1B0E-4C5D-98AE-63877A3A3D1A}"/>
+              </a:ext>
+            </a:extLst>
+          </p:cNvPr>
+          <p:cNvSpPr>
+            <a:spLocks noGrp="1"/>
+          </p:cNvSpPr>
+          <p:nvPr>
+            <p:ph type="title"/>
+          </p:nvPr>
+        </p:nvSpPr>
+        <p:spPr/>
+        <p:txBody>
+          <a:bodyPr/>
+          <a:lstStyle/>
+          <a:p>
+            <a:r>
+              <a:rPr lang="de-DE" dirty="0"/>
+              <a:t>(weitere Befehle)</a:t>
+            </a:r>
+          </a:p>
+        </p:txBody>
+      </p:sp>
+    </p:spTree>
+    <p:extLst>
+      <p:ext uri="{BB962C8B-B14F-4D97-AF65-F5344CB8AC3E}">
+        <p14:creationId xmlns:p14="http://schemas.microsoft.com/office/powerpoint/2010/main" val="2812503263"/>
+      </p:ext>
+    </p:extLst>
+  </p:cSld>
+  <p:clrMapOvr>
+    <a:masterClrMapping/>
+  </p:clrMapOvr>
+</p:sld>
+</file>
+
+<file path=ppt/slides/slide37.xml><?xml version="1.0" encoding="utf-8"?>
+<p:sld xmlns:a="http://schemas.openxmlformats.org/drawingml/2006/main" xmlns:r="http://schemas.openxmlformats.org/officeDocument/2006/relationships" xmlns:p="http://schemas.openxmlformats.org/presentationml/2006/main">
+  <p:cSld>
+    <p:spTree>
+      <p:nvGrpSpPr>
+        <p:cNvPr id="1" name=""/>
+        <p:cNvGrpSpPr/>
+        <p:nvPr/>
+      </p:nvGrpSpPr>
+      <p:grpSpPr>
+        <a:xfrm>
+          <a:off x="0" y="0"/>
+          <a:ext cx="0" cy="0"/>
+          <a:chOff x="0" y="0"/>
+          <a:chExt cx="0" cy="0"/>
+        </a:xfrm>
+      </p:grpSpPr>
+      <p:sp>
+        <p:nvSpPr>
+          <p:cNvPr id="2" name="Titel 1">
+            <a:extLst>
+              <a:ext uri="{FF2B5EF4-FFF2-40B4-BE49-F238E27FC236}">
                 <a16:creationId xmlns:a16="http://schemas.microsoft.com/office/drawing/2014/main" id="{CFC30C4B-71C7-4535-8A5A-F0F266237AFD}"/>
               </a:ext>
             </a:extLst>
@@ -10365,7 +10824,7 @@
 </p:sld>
 </file>
 
-<file path=ppt/slides/slide37.xml><?xml version="1.0" encoding="utf-8"?>
+<file path=ppt/slides/slide38.xml><?xml version="1.0" encoding="utf-8"?>
 <p:sld xmlns:a="http://schemas.openxmlformats.org/drawingml/2006/main" xmlns:r="http://schemas.openxmlformats.org/officeDocument/2006/relationships" xmlns:p="http://schemas.openxmlformats.org/presentationml/2006/main">
   <p:cSld>
     <p:spTree>

--- a/Präsentation-90min/Präsentation-90min.pptx
+++ b/Präsentation-90min/Präsentation-90min.pptx
@@ -5,47 +5,49 @@
     <p:sldMasterId id="2147483660" r:id="rId1"/>
   </p:sldMasterIdLst>
   <p:notesMasterIdLst>
-    <p:notesMasterId r:id="rId40"/>
+    <p:notesMasterId r:id="rId42"/>
   </p:notesMasterIdLst>
   <p:sldIdLst>
-    <p:sldId id="257" r:id="rId2"/>
-    <p:sldId id="270" r:id="rId3"/>
-    <p:sldId id="271" r:id="rId4"/>
-    <p:sldId id="272" r:id="rId5"/>
-    <p:sldId id="273" r:id="rId6"/>
-    <p:sldId id="274" r:id="rId7"/>
-    <p:sldId id="275" r:id="rId8"/>
-    <p:sldId id="277" r:id="rId9"/>
-    <p:sldId id="276" r:id="rId10"/>
-    <p:sldId id="279" r:id="rId11"/>
-    <p:sldId id="278" r:id="rId12"/>
-    <p:sldId id="280" r:id="rId13"/>
-    <p:sldId id="281" r:id="rId14"/>
-    <p:sldId id="282" r:id="rId15"/>
-    <p:sldId id="284" r:id="rId16"/>
-    <p:sldId id="285" r:id="rId17"/>
-    <p:sldId id="286" r:id="rId18"/>
-    <p:sldId id="287" r:id="rId19"/>
-    <p:sldId id="288" r:id="rId20"/>
-    <p:sldId id="289" r:id="rId21"/>
-    <p:sldId id="290" r:id="rId22"/>
-    <p:sldId id="291" r:id="rId23"/>
-    <p:sldId id="293" r:id="rId24"/>
-    <p:sldId id="292" r:id="rId25"/>
-    <p:sldId id="295" r:id="rId26"/>
-    <p:sldId id="297" r:id="rId27"/>
-    <p:sldId id="298" r:id="rId28"/>
-    <p:sldId id="309" r:id="rId29"/>
-    <p:sldId id="299" r:id="rId30"/>
-    <p:sldId id="300" r:id="rId31"/>
-    <p:sldId id="301" r:id="rId32"/>
-    <p:sldId id="303" r:id="rId33"/>
-    <p:sldId id="302" r:id="rId34"/>
-    <p:sldId id="304" r:id="rId35"/>
-    <p:sldId id="305" r:id="rId36"/>
-    <p:sldId id="306" r:id="rId37"/>
-    <p:sldId id="308" r:id="rId38"/>
-    <p:sldId id="307" r:id="rId39"/>
+    <p:sldId id="310" r:id="rId2"/>
+    <p:sldId id="311" r:id="rId3"/>
+    <p:sldId id="257" r:id="rId4"/>
+    <p:sldId id="270" r:id="rId5"/>
+    <p:sldId id="271" r:id="rId6"/>
+    <p:sldId id="272" r:id="rId7"/>
+    <p:sldId id="273" r:id="rId8"/>
+    <p:sldId id="274" r:id="rId9"/>
+    <p:sldId id="275" r:id="rId10"/>
+    <p:sldId id="277" r:id="rId11"/>
+    <p:sldId id="276" r:id="rId12"/>
+    <p:sldId id="279" r:id="rId13"/>
+    <p:sldId id="278" r:id="rId14"/>
+    <p:sldId id="280" r:id="rId15"/>
+    <p:sldId id="281" r:id="rId16"/>
+    <p:sldId id="282" r:id="rId17"/>
+    <p:sldId id="284" r:id="rId18"/>
+    <p:sldId id="285" r:id="rId19"/>
+    <p:sldId id="286" r:id="rId20"/>
+    <p:sldId id="287" r:id="rId21"/>
+    <p:sldId id="288" r:id="rId22"/>
+    <p:sldId id="289" r:id="rId23"/>
+    <p:sldId id="290" r:id="rId24"/>
+    <p:sldId id="291" r:id="rId25"/>
+    <p:sldId id="293" r:id="rId26"/>
+    <p:sldId id="292" r:id="rId27"/>
+    <p:sldId id="295" r:id="rId28"/>
+    <p:sldId id="297" r:id="rId29"/>
+    <p:sldId id="298" r:id="rId30"/>
+    <p:sldId id="309" r:id="rId31"/>
+    <p:sldId id="299" r:id="rId32"/>
+    <p:sldId id="300" r:id="rId33"/>
+    <p:sldId id="301" r:id="rId34"/>
+    <p:sldId id="303" r:id="rId35"/>
+    <p:sldId id="302" r:id="rId36"/>
+    <p:sldId id="304" r:id="rId37"/>
+    <p:sldId id="305" r:id="rId38"/>
+    <p:sldId id="306" r:id="rId39"/>
+    <p:sldId id="308" r:id="rId40"/>
+    <p:sldId id="307" r:id="rId41"/>
   </p:sldIdLst>
   <p:sldSz cx="9144000" cy="6858000" type="screen4x3"/>
   <p:notesSz cx="6858000" cy="9144000"/>
@@ -289,7 +291,7 @@
           <a:p>
             <a:fld id="{A1E1CD49-93F9-4EB7-9AB7-31369D3CCD5D}" type="datetimeFigureOut">
               <a:rPr lang="de-DE" smtClean="0"/>
-              <a:t>16.03.2020</a:t>
+              <a:t>19.03.2020</a:t>
             </a:fld>
             <a:endParaRPr lang="de-DE"/>
           </a:p>
@@ -690,7 +692,7 @@
           <a:p>
             <a:fld id="{7CDC51D4-4F8D-402A-BD06-90531D3D0B0E}" type="datetime1">
               <a:rPr lang="de-DE" smtClean="0"/>
-              <a:t>16.03.2020</a:t>
+              <a:t>19.03.2020</a:t>
             </a:fld>
             <a:endParaRPr lang="de-DE"/>
           </a:p>
@@ -868,7 +870,7 @@
           <a:p>
             <a:fld id="{3608FC1D-F958-4804-B298-25E0F93B1193}" type="datetime1">
               <a:rPr lang="de-DE" smtClean="0"/>
-              <a:t>16.03.2020</a:t>
+              <a:t>19.03.2020</a:t>
             </a:fld>
             <a:endParaRPr lang="de-DE"/>
           </a:p>
@@ -1051,7 +1053,7 @@
           <a:p>
             <a:fld id="{853E26B7-2C61-49BA-838E-19A37BCD9623}" type="datetime1">
               <a:rPr lang="de-DE" smtClean="0"/>
-              <a:t>16.03.2020</a:t>
+              <a:t>19.03.2020</a:t>
             </a:fld>
             <a:endParaRPr lang="de-DE"/>
           </a:p>
@@ -1346,7 +1348,7 @@
             <a:fld id="{6F7941D6-DDCD-4FEB-B76A-6EA7C7E1DF91}" type="datetime1">
               <a:rPr lang="de-DE" smtClean="0"/>
               <a:pPr/>
-              <a:t>16.03.2020</a:t>
+              <a:t>19.03.2020</a:t>
             </a:fld>
             <a:endParaRPr lang="de-DE" dirty="0"/>
           </a:p>
@@ -2144,7 +2146,7 @@
           <a:p>
             <a:fld id="{625025DE-6FE8-4EA0-83A6-6CAFC8B06972}" type="datetime1">
               <a:rPr lang="de-DE" smtClean="0"/>
-              <a:t>16.03.2020</a:t>
+              <a:t>19.03.2020</a:t>
             </a:fld>
             <a:endParaRPr lang="de-DE"/>
           </a:p>
@@ -2514,7 +2516,7 @@
           <a:p>
             <a:fld id="{247D6157-A9C6-4111-84CF-F4ABC9BB74CD}" type="datetime1">
               <a:rPr lang="de-DE" smtClean="0"/>
-              <a:t>16.03.2020</a:t>
+              <a:t>19.03.2020</a:t>
             </a:fld>
             <a:endParaRPr lang="de-DE"/>
           </a:p>
@@ -2640,7 +2642,7 @@
           <a:p>
             <a:fld id="{8EBDA223-4612-4606-8A30-596D72469CD7}" type="datetime1">
               <a:rPr lang="de-DE" smtClean="0"/>
-              <a:t>16.03.2020</a:t>
+              <a:t>19.03.2020</a:t>
             </a:fld>
             <a:endParaRPr lang="de-DE"/>
           </a:p>
@@ -2735,7 +2737,7 @@
           <a:p>
             <a:fld id="{5C800F00-9786-41ED-9D90-88F7ADE0F2B0}" type="datetime1">
               <a:rPr lang="de-DE" smtClean="0"/>
-              <a:t>16.03.2020</a:t>
+              <a:t>19.03.2020</a:t>
             </a:fld>
             <a:endParaRPr lang="de-DE"/>
           </a:p>
@@ -3015,7 +3017,7 @@
           <a:p>
             <a:fld id="{DE94FA33-7DFF-4544-8A2D-E09A4E33D92E}" type="datetime1">
               <a:rPr lang="de-DE" smtClean="0"/>
-              <a:t>16.03.2020</a:t>
+              <a:t>19.03.2020</a:t>
             </a:fld>
             <a:endParaRPr lang="de-DE"/>
           </a:p>
@@ -3275,7 +3277,7 @@
           <a:p>
             <a:fld id="{10F76841-BABD-4AE4-8760-966DF476109C}" type="datetime1">
               <a:rPr lang="de-DE" smtClean="0"/>
-              <a:t>16.03.2020</a:t>
+              <a:t>19.03.2020</a:t>
             </a:fld>
             <a:endParaRPr lang="de-DE"/>
           </a:p>
@@ -3488,7 +3490,7 @@
           <a:p>
             <a:fld id="{34C5C537-7C07-410D-9EF1-F90075952502}" type="datetime1">
               <a:rPr lang="de-DE" smtClean="0"/>
-              <a:t>16.03.2020</a:t>
+              <a:t>19.03.2020</a:t>
             </a:fld>
             <a:endParaRPr lang="de-DE"/>
           </a:p>
@@ -3898,10 +3900,10 @@
       </p:grpSpPr>
       <p:sp>
         <p:nvSpPr>
-          <p:cNvPr id="3" name="Inhaltsplatzhalter 2">
+          <p:cNvPr id="2" name="Inhaltsplatzhalter 1">
             <a:extLst>
               <a:ext uri="{FF2B5EF4-FFF2-40B4-BE49-F238E27FC236}">
-                <a16:creationId xmlns:a16="http://schemas.microsoft.com/office/drawing/2014/main" id="{BA550CEE-E433-4CF3-98B1-3DF82889D543}"/>
+                <a16:creationId xmlns:a16="http://schemas.microsoft.com/office/drawing/2014/main" id="{C46B0EBC-6CC6-4626-B662-5B9373E84346}"/>
               </a:ext>
             </a:extLst>
           </p:cNvPr>
@@ -3917,44 +3919,174 @@
           <a:bodyPr/>
           <a:lstStyle/>
           <a:p>
-            <a:pPr marL="0" indent="0">
-              <a:buNone/>
-            </a:pPr>
-            <a:r>
-              <a:rPr lang="de-DE" dirty="0"/>
-              <a:t>Verwendung des Kommandos </a:t>
-            </a:r>
-            <a:r>
-              <a:rPr lang="de-DE" dirty="0" err="1"/>
-              <a:t>apt-get</a:t>
-            </a:r>
-            <a:r>
-              <a:rPr lang="de-DE" dirty="0"/>
-              <a:t>:</a:t>
-            </a:r>
-          </a:p>
-          <a:p>
-            <a:pPr marL="800100" lvl="1" indent="-342900">
-              <a:buFont typeface="+mj-lt"/>
-              <a:buAutoNum type="arabicPeriod"/>
-            </a:pPr>
-            <a:r>
-              <a:rPr lang="de-DE" dirty="0"/>
-              <a:t>Erneuerung der Referenzen</a:t>
-            </a:r>
-          </a:p>
-          <a:p>
-            <a:pPr marL="800100" lvl="1" indent="-342900">
-              <a:buFont typeface="+mj-lt"/>
-              <a:buAutoNum type="arabicPeriod"/>
-            </a:pPr>
+            <a:endParaRPr lang="de-DE"/>
+          </a:p>
+        </p:txBody>
+      </p:sp>
+      <p:sp>
+        <p:nvSpPr>
+          <p:cNvPr id="3" name="Titel 2">
+            <a:extLst>
+              <a:ext uri="{FF2B5EF4-FFF2-40B4-BE49-F238E27FC236}">
+                <a16:creationId xmlns:a16="http://schemas.microsoft.com/office/drawing/2014/main" id="{44BB8BA5-E02A-4AAD-A3CA-A02B418C3006}"/>
+              </a:ext>
+            </a:extLst>
+          </p:cNvPr>
+          <p:cNvSpPr>
+            <a:spLocks noGrp="1"/>
+          </p:cNvSpPr>
+          <p:nvPr>
+            <p:ph type="title" idx="4294967295"/>
+          </p:nvPr>
+        </p:nvSpPr>
+        <p:spPr/>
+        <p:txBody>
+          <a:bodyPr/>
+          <a:lstStyle/>
+          <a:p>
+            <a:r>
+              <a:rPr lang="de-DE" dirty="0"/>
+              <a:t>Probleme der Entwickler</a:t>
+            </a:r>
+          </a:p>
+        </p:txBody>
+      </p:sp>
+    </p:spTree>
+    <p:extLst>
+      <p:ext uri="{BB962C8B-B14F-4D97-AF65-F5344CB8AC3E}">
+        <p14:creationId xmlns:p14="http://schemas.microsoft.com/office/powerpoint/2010/main" val="570327894"/>
+      </p:ext>
+    </p:extLst>
+  </p:cSld>
+  <p:clrMapOvr>
+    <a:masterClrMapping/>
+  </p:clrMapOvr>
+</p:sld>
+</file>
+
+<file path=ppt/slides/slide10.xml><?xml version="1.0" encoding="utf-8"?>
+<p:sld xmlns:a="http://schemas.openxmlformats.org/drawingml/2006/main" xmlns:r="http://schemas.openxmlformats.org/officeDocument/2006/relationships" xmlns:p="http://schemas.openxmlformats.org/presentationml/2006/main">
+  <p:cSld>
+    <p:spTree>
+      <p:nvGrpSpPr>
+        <p:cNvPr id="1" name=""/>
+        <p:cNvGrpSpPr/>
+        <p:nvPr/>
+      </p:nvGrpSpPr>
+      <p:grpSpPr>
+        <a:xfrm>
+          <a:off x="0" y="0"/>
+          <a:ext cx="0" cy="0"/>
+          <a:chOff x="0" y="0"/>
+          <a:chExt cx="0" cy="0"/>
+        </a:xfrm>
+      </p:grpSpPr>
+      <p:sp>
+        <p:nvSpPr>
+          <p:cNvPr id="3" name="Titel 2">
+            <a:extLst>
+              <a:ext uri="{FF2B5EF4-FFF2-40B4-BE49-F238E27FC236}">
+                <a16:creationId xmlns:a16="http://schemas.microsoft.com/office/drawing/2014/main" id="{1D0D21A4-BC91-4461-A139-778A00DBE636}"/>
+              </a:ext>
+            </a:extLst>
+          </p:cNvPr>
+          <p:cNvSpPr>
+            <a:spLocks noGrp="1"/>
+          </p:cNvSpPr>
+          <p:nvPr>
+            <p:ph type="title"/>
+          </p:nvPr>
+        </p:nvSpPr>
+        <p:spPr/>
+        <p:txBody>
+          <a:bodyPr>
+            <a:normAutofit/>
+          </a:bodyPr>
+          <a:lstStyle/>
+          <a:p>
+            <a:r>
+              <a:rPr lang="de-DE" dirty="0"/>
+              <a:t>Änderungen</a:t>
+            </a:r>
+          </a:p>
+        </p:txBody>
+      </p:sp>
+    </p:spTree>
+    <p:extLst>
+      <p:ext uri="{BB962C8B-B14F-4D97-AF65-F5344CB8AC3E}">
+        <p14:creationId xmlns:p14="http://schemas.microsoft.com/office/powerpoint/2010/main" val="1159547717"/>
+      </p:ext>
+    </p:extLst>
+  </p:cSld>
+  <p:clrMapOvr>
+    <a:masterClrMapping/>
+  </p:clrMapOvr>
+</p:sld>
+</file>
+
+<file path=ppt/slides/slide11.xml><?xml version="1.0" encoding="utf-8"?>
+<p:sld xmlns:a="http://schemas.openxmlformats.org/drawingml/2006/main" xmlns:r="http://schemas.openxmlformats.org/officeDocument/2006/relationships" xmlns:p="http://schemas.openxmlformats.org/presentationml/2006/main">
+  <p:cSld>
+    <p:spTree>
+      <p:nvGrpSpPr>
+        <p:cNvPr id="1" name=""/>
+        <p:cNvGrpSpPr/>
+        <p:nvPr/>
+      </p:nvGrpSpPr>
+      <p:grpSpPr>
+        <a:xfrm>
+          <a:off x="0" y="0"/>
+          <a:ext cx="0" cy="0"/>
+          <a:chOff x="0" y="0"/>
+          <a:chExt cx="0" cy="0"/>
+        </a:xfrm>
+      </p:grpSpPr>
+      <p:sp>
+        <p:nvSpPr>
+          <p:cNvPr id="5" name="Inhaltsplatzhalter 4">
+            <a:extLst>
+              <a:ext uri="{FF2B5EF4-FFF2-40B4-BE49-F238E27FC236}">
+                <a16:creationId xmlns:a16="http://schemas.microsoft.com/office/drawing/2014/main" id="{CD054A3A-6F87-44D5-9FFF-876B09A1EA89}"/>
+              </a:ext>
+            </a:extLst>
+          </p:cNvPr>
+          <p:cNvSpPr>
+            <a:spLocks noGrp="1"/>
+          </p:cNvSpPr>
+          <p:nvPr>
+            <p:ph idx="13"/>
+          </p:nvPr>
+        </p:nvSpPr>
+        <p:spPr/>
+        <p:txBody>
+          <a:bodyPr/>
+          <a:lstStyle/>
+          <a:p>
+            <a:r>
+              <a:rPr lang="de-DE" dirty="0"/>
+              <a:t>Erstellt einen Schnappschuss der Arbeitskopie</a:t>
+            </a:r>
+          </a:p>
+          <a:p>
+            <a:r>
+              <a:rPr lang="de-DE" dirty="0"/>
+              <a:t>Nur Änderungen im Index werden einbezogen</a:t>
+            </a:r>
+          </a:p>
+          <a:p>
+            <a:r>
+              <a:rPr lang="de-DE" dirty="0"/>
+              <a:t>Commit wird dem aktuellen Zweig angehangen</a:t>
+            </a:r>
+          </a:p>
+          <a:p>
             <a:r>
               <a:rPr lang="de-DE" dirty="0"/>
               <a:t>Kommando: </a:t>
             </a:r>
             <a:r>
               <a:rPr lang="de-DE" b="1" i="1" dirty="0" err="1"/>
-              <a:t>sudo</a:t>
+              <a:t>git</a:t>
             </a:r>
             <a:r>
               <a:rPr lang="de-DE" b="1" i="1" dirty="0"/>
@@ -3962,103 +4094,47 @@
             </a:r>
             <a:r>
               <a:rPr lang="de-DE" b="1" i="1" dirty="0" err="1"/>
-              <a:t>apt-get</a:t>
+              <a:t>commit</a:t>
             </a:r>
             <a:r>
               <a:rPr lang="de-DE" b="1" i="1" dirty="0"/>
-              <a:t> update</a:t>
-            </a:r>
-          </a:p>
-          <a:p>
-            <a:pPr marL="800100" lvl="1" indent="-342900">
-              <a:buFont typeface="+mj-lt"/>
-              <a:buAutoNum type="arabicPeriod"/>
-            </a:pPr>
-            <a:r>
-              <a:rPr lang="de-DE" dirty="0"/>
-              <a:t>Kommando: </a:t>
-            </a:r>
-            <a:r>
-              <a:rPr lang="de-DE" b="1" i="1" dirty="0" err="1"/>
-              <a:t>sudo</a:t>
-            </a:r>
-            <a:r>
-              <a:rPr lang="de-DE" b="1" i="1" dirty="0"/>
-              <a:t> </a:t>
-            </a:r>
-            <a:r>
-              <a:rPr lang="de-DE" b="1" i="1" dirty="0" err="1"/>
-              <a:t>apt-get</a:t>
-            </a:r>
-            <a:r>
-              <a:rPr lang="de-DE" b="1" i="1" dirty="0"/>
-              <a:t> </a:t>
-            </a:r>
-            <a:r>
-              <a:rPr lang="de-DE" b="1" i="1" dirty="0" err="1"/>
-              <a:t>install</a:t>
-            </a:r>
-            <a:r>
-              <a:rPr lang="de-DE" b="1" i="1" dirty="0"/>
-              <a:t> </a:t>
-            </a:r>
-            <a:r>
-              <a:rPr lang="de-DE" b="1" i="1" dirty="0" err="1"/>
-              <a:t>git</a:t>
-            </a:r>
-            <a:endParaRPr lang="de-DE" b="1" i="1" dirty="0"/>
-          </a:p>
-          <a:p>
-            <a:pPr marL="800100" lvl="1" indent="-342900">
-              <a:buFont typeface="+mj-lt"/>
-              <a:buAutoNum type="arabicPeriod"/>
-            </a:pPr>
-            <a:r>
-              <a:rPr lang="de-DE" dirty="0"/>
-              <a:t>Überprüfung mit </a:t>
-            </a:r>
-            <a:r>
-              <a:rPr lang="de-DE" b="1" i="1" dirty="0" err="1"/>
-              <a:t>git</a:t>
-            </a:r>
-            <a:r>
-              <a:rPr lang="de-DE" b="1" i="1" dirty="0"/>
-              <a:t> --version</a:t>
-            </a:r>
-          </a:p>
-          <a:p>
-            <a:pPr marL="0" indent="0">
+              <a:t> –m “&lt;Nachricht&gt;“</a:t>
+            </a:r>
+          </a:p>
+          <a:p>
+            <a:pPr lvl="1"/>
+            <a:r>
+              <a:rPr lang="de-DE" dirty="0"/>
+              <a:t>--</a:t>
+            </a:r>
+            <a:r>
+              <a:rPr lang="de-DE" dirty="0" err="1"/>
+              <a:t>amend</a:t>
+            </a:r>
+            <a:r>
+              <a:rPr lang="de-DE" dirty="0"/>
+              <a:t> zur Bearbeitung des letzten </a:t>
+            </a:r>
+            <a:r>
+              <a:rPr lang="de-DE" dirty="0" err="1"/>
+              <a:t>Commits</a:t>
+            </a:r>
+            <a:endParaRPr lang="de-DE" dirty="0"/>
+          </a:p>
+          <a:p>
+            <a:pPr marL="457200" lvl="1" indent="0">
               <a:buNone/>
             </a:pPr>
             <a:endParaRPr lang="de-DE" dirty="0"/>
           </a:p>
-          <a:p>
-            <a:endParaRPr lang="de-DE" dirty="0"/>
-          </a:p>
-          <a:p>
-            <a:endParaRPr lang="de-DE" dirty="0"/>
-          </a:p>
-          <a:p>
-            <a:endParaRPr lang="de-DE" dirty="0"/>
-          </a:p>
-          <a:p>
-            <a:endParaRPr lang="de-DE" dirty="0"/>
-          </a:p>
-          <a:p>
-            <a:endParaRPr lang="de-DE" dirty="0"/>
-          </a:p>
-          <a:p>
-            <a:pPr lvl="1"/>
-            <a:endParaRPr lang="de-DE" dirty="0"/>
-          </a:p>
-        </p:txBody>
-      </p:sp>
-      <p:sp>
-        <p:nvSpPr>
-          <p:cNvPr id="2" name="Titel 1">
+        </p:txBody>
+      </p:sp>
+      <p:sp>
+        <p:nvSpPr>
+          <p:cNvPr id="3" name="Titel 2">
             <a:extLst>
               <a:ext uri="{FF2B5EF4-FFF2-40B4-BE49-F238E27FC236}">
-                <a16:creationId xmlns:a16="http://schemas.microsoft.com/office/drawing/2014/main" id="{BE9BD52A-10D4-4170-A998-31F963D2F9BB}"/>
+                <a16:creationId xmlns:a16="http://schemas.microsoft.com/office/drawing/2014/main" id="{A9035D7F-C069-4FAE-AA03-CC3D6FA9F379}"/>
               </a:ext>
             </a:extLst>
           </p:cNvPr>
@@ -4086,158 +4162,17 @@
           <a:p>
             <a:r>
               <a:rPr lang="de-DE" dirty="0"/>
-              <a:t>Installation unter Linux</a:t>
-            </a:r>
-          </a:p>
-        </p:txBody>
-      </p:sp>
-      <p:sp>
-        <p:nvSpPr>
-          <p:cNvPr id="4" name="Datumsplatzhalter 3">
+              <a:t>Commit</a:t>
+            </a:r>
+          </a:p>
+        </p:txBody>
+      </p:sp>
+      <p:pic>
+        <p:nvPicPr>
+          <p:cNvPr id="6" name="Grafik 5">
             <a:extLst>
               <a:ext uri="{FF2B5EF4-FFF2-40B4-BE49-F238E27FC236}">
-                <a16:creationId xmlns:a16="http://schemas.microsoft.com/office/drawing/2014/main" id="{EDAA1497-5C4E-4F1B-A045-74E2D153CB91}"/>
-              </a:ext>
-            </a:extLst>
-          </p:cNvPr>
-          <p:cNvSpPr>
-            <a:spLocks noGrp="1"/>
-          </p:cNvSpPr>
-          <p:nvPr>
-            <p:ph type="dt" sz="half" idx="4294967295"/>
-          </p:nvPr>
-        </p:nvSpPr>
-        <p:spPr>
-          <a:xfrm>
-            <a:off x="7086600" y="6356350"/>
-            <a:ext cx="2057400" cy="365125"/>
-          </a:xfrm>
-        </p:spPr>
-        <p:txBody>
-          <a:bodyPr/>
-          <a:lstStyle/>
-          <a:p>
-            <a:fld id="{6F7941D6-DDCD-4FEB-B76A-6EA7C7E1DF91}" type="datetime1">
-              <a:rPr lang="de-DE" smtClean="0"/>
-              <a:t>16.03.2020</a:t>
-            </a:fld>
-            <a:endParaRPr lang="de-DE" dirty="0"/>
-          </a:p>
-        </p:txBody>
-      </p:sp>
-      <p:sp>
-        <p:nvSpPr>
-          <p:cNvPr id="5" name="Fußzeilenplatzhalter 4">
-            <a:extLst>
-              <a:ext uri="{FF2B5EF4-FFF2-40B4-BE49-F238E27FC236}">
-                <a16:creationId xmlns:a16="http://schemas.microsoft.com/office/drawing/2014/main" id="{C59CBE4D-CD6A-43CD-B5F7-D0456D90B39E}"/>
-              </a:ext>
-            </a:extLst>
-          </p:cNvPr>
-          <p:cNvSpPr>
-            <a:spLocks noGrp="1"/>
-          </p:cNvSpPr>
-          <p:nvPr>
-            <p:ph type="ftr" sz="quarter" idx="4294967295"/>
-          </p:nvPr>
-        </p:nvSpPr>
-        <p:spPr>
-          <a:xfrm>
-            <a:off x="0" y="6356350"/>
-            <a:ext cx="3698875" cy="365125"/>
-          </a:xfrm>
-        </p:spPr>
-        <p:txBody>
-          <a:bodyPr/>
-          <a:lstStyle/>
-          <a:p>
-            <a:r>
-              <a:rPr lang="de-DE" dirty="0"/>
-              <a:t>Git Tutorial</a:t>
-            </a:r>
-          </a:p>
-        </p:txBody>
-      </p:sp>
-      <p:sp>
-        <p:nvSpPr>
-          <p:cNvPr id="6" name="Foliennummernplatzhalter 5">
-            <a:extLst>
-              <a:ext uri="{FF2B5EF4-FFF2-40B4-BE49-F238E27FC236}">
-                <a16:creationId xmlns:a16="http://schemas.microsoft.com/office/drawing/2014/main" id="{B84F1831-59D5-4145-B6B9-A1613CE4A1A9}"/>
-              </a:ext>
-            </a:extLst>
-          </p:cNvPr>
-          <p:cNvSpPr>
-            <a:spLocks noGrp="1"/>
-          </p:cNvSpPr>
-          <p:nvPr>
-            <p:ph type="sldNum" sz="quarter" idx="4294967295"/>
-          </p:nvPr>
-        </p:nvSpPr>
-        <p:spPr>
-          <a:xfrm>
-            <a:off x="0" y="6356350"/>
-            <a:ext cx="2057400" cy="365125"/>
-          </a:xfrm>
-        </p:spPr>
-        <p:txBody>
-          <a:bodyPr/>
-          <a:lstStyle/>
-          <a:p>
-            <a:pPr algn="ctr"/>
-            <a:fld id="{6F94D85D-A331-4F90-A37B-3680A0933E4F}" type="slidenum">
-              <a:rPr lang="de-DE" smtClean="0"/>
-              <a:pPr algn="ctr"/>
-              <a:t>1</a:t>
-            </a:fld>
-            <a:endParaRPr lang="de-DE" dirty="0"/>
-          </a:p>
-        </p:txBody>
-      </p:sp>
-      <p:cxnSp>
-        <p:nvCxnSpPr>
-          <p:cNvPr id="8" name="Gerader Verbinder 7">
-            <a:extLst>
-              <a:ext uri="{FF2B5EF4-FFF2-40B4-BE49-F238E27FC236}">
-                <a16:creationId xmlns:a16="http://schemas.microsoft.com/office/drawing/2014/main" id="{7E8F2A84-19B8-4826-B3AD-6F16601D7885}"/>
-              </a:ext>
-            </a:extLst>
-          </p:cNvPr>
-          <p:cNvCxnSpPr>
-            <a:cxnSpLocks/>
-          </p:cNvCxnSpPr>
-          <p:nvPr/>
-        </p:nvCxnSpPr>
-        <p:spPr>
-          <a:xfrm>
-            <a:off x="628650" y="6353847"/>
-            <a:ext cx="7886700" cy="0"/>
-          </a:xfrm>
-          <a:prstGeom prst="line">
-            <a:avLst/>
-          </a:prstGeom>
-        </p:spPr>
-        <p:style>
-          <a:lnRef idx="1">
-            <a:schemeClr val="dk1"/>
-          </a:lnRef>
-          <a:fillRef idx="0">
-            <a:schemeClr val="dk1"/>
-          </a:fillRef>
-          <a:effectRef idx="0">
-            <a:schemeClr val="dk1"/>
-          </a:effectRef>
-          <a:fontRef idx="minor">
-            <a:schemeClr val="tx1"/>
-          </a:fontRef>
-        </p:style>
-      </p:cxnSp>
-      <p:pic>
-        <p:nvPicPr>
-          <p:cNvPr id="10" name="Grafik 9">
-            <a:extLst>
-              <a:ext uri="{FF2B5EF4-FFF2-40B4-BE49-F238E27FC236}">
-                <a16:creationId xmlns:a16="http://schemas.microsoft.com/office/drawing/2014/main" id="{7A6261ED-119B-40E9-A877-9DF5FF1D43F4}"/>
+                <a16:creationId xmlns:a16="http://schemas.microsoft.com/office/drawing/2014/main" id="{C3236655-55A5-4694-8F6A-542865365404}"/>
               </a:ext>
             </a:extLst>
           </p:cNvPr>
@@ -4254,75 +4189,8 @@
         </p:blipFill>
         <p:spPr>
           <a:xfrm>
-            <a:off x="7370059" y="6363613"/>
-            <a:ext cx="960209" cy="314098"/>
-          </a:xfrm>
-          <a:prstGeom prst="rect">
-            <a:avLst/>
-          </a:prstGeom>
-        </p:spPr>
-      </p:pic>
-      <p:cxnSp>
-        <p:nvCxnSpPr>
-          <p:cNvPr id="13" name="Gerader Verbinder 12">
-            <a:extLst>
-              <a:ext uri="{FF2B5EF4-FFF2-40B4-BE49-F238E27FC236}">
-                <a16:creationId xmlns:a16="http://schemas.microsoft.com/office/drawing/2014/main" id="{F9DA0021-3FCA-4721-AD9E-DF15B2F3591D}"/>
-              </a:ext>
-            </a:extLst>
-          </p:cNvPr>
-          <p:cNvCxnSpPr>
-            <a:cxnSpLocks/>
-          </p:cNvCxnSpPr>
-          <p:nvPr/>
-        </p:nvCxnSpPr>
-        <p:spPr>
-          <a:xfrm>
-            <a:off x="628650" y="993703"/>
-            <a:ext cx="7886700" cy="0"/>
-          </a:xfrm>
-          <a:prstGeom prst="line">
-            <a:avLst/>
-          </a:prstGeom>
-        </p:spPr>
-        <p:style>
-          <a:lnRef idx="1">
-            <a:schemeClr val="dk1"/>
-          </a:lnRef>
-          <a:fillRef idx="0">
-            <a:schemeClr val="dk1"/>
-          </a:fillRef>
-          <a:effectRef idx="0">
-            <a:schemeClr val="dk1"/>
-          </a:effectRef>
-          <a:fontRef idx="minor">
-            <a:schemeClr val="tx1"/>
-          </a:fontRef>
-        </p:style>
-      </p:cxnSp>
-      <p:pic>
-        <p:nvPicPr>
-          <p:cNvPr id="14" name="Grafik 13">
-            <a:extLst>
-              <a:ext uri="{FF2B5EF4-FFF2-40B4-BE49-F238E27FC236}">
-                <a16:creationId xmlns:a16="http://schemas.microsoft.com/office/drawing/2014/main" id="{662EF6AE-12E0-4CB0-9C97-4C2C4564B6FB}"/>
-              </a:ext>
-            </a:extLst>
-          </p:cNvPr>
-          <p:cNvPicPr>
-            <a:picLocks noChangeAspect="1"/>
-          </p:cNvPicPr>
-          <p:nvPr/>
-        </p:nvPicPr>
-        <p:blipFill rotWithShape="1">
-          <a:blip r:embed="rId3"/>
-          <a:srcRect r="9969"/>
-          <a:stretch/>
-        </p:blipFill>
-        <p:spPr>
-          <a:xfrm>
-            <a:off x="2209804" y="3429000"/>
-            <a:ext cx="4773074" cy="1233916"/>
+            <a:off x="1011836" y="3303165"/>
+            <a:ext cx="5218628" cy="621846"/>
           </a:xfrm>
           <a:prstGeom prst="rect">
             <a:avLst/>
@@ -4332,7 +4200,7 @@
     </p:spTree>
     <p:extLst>
       <p:ext uri="{BB962C8B-B14F-4D97-AF65-F5344CB8AC3E}">
-        <p14:creationId xmlns:p14="http://schemas.microsoft.com/office/powerpoint/2010/main" val="1628561704"/>
+        <p14:creationId xmlns:p14="http://schemas.microsoft.com/office/powerpoint/2010/main" val="4291075975"/>
       </p:ext>
     </p:extLst>
   </p:cSld>
@@ -4342,7 +4210,7 @@
 </p:sld>
 </file>
 
-<file path=ppt/slides/slide10.xml><?xml version="1.0" encoding="utf-8"?>
+<file path=ppt/slides/slide12.xml><?xml version="1.0" encoding="utf-8"?>
 <p:sld xmlns:a="http://schemas.openxmlformats.org/drawingml/2006/main" xmlns:r="http://schemas.openxmlformats.org/officeDocument/2006/relationships" xmlns:p="http://schemas.openxmlformats.org/presentationml/2006/main">
   <p:cSld>
     <p:spTree>
@@ -4648,291 +4516,6 @@
 </p:sld>
 </file>
 
-<file path=ppt/slides/slide11.xml><?xml version="1.0" encoding="utf-8"?>
-<p:sld xmlns:a="http://schemas.openxmlformats.org/drawingml/2006/main" xmlns:r="http://schemas.openxmlformats.org/officeDocument/2006/relationships" xmlns:p="http://schemas.openxmlformats.org/presentationml/2006/main">
-  <p:cSld>
-    <p:spTree>
-      <p:nvGrpSpPr>
-        <p:cNvPr id="1" name=""/>
-        <p:cNvGrpSpPr/>
-        <p:nvPr/>
-      </p:nvGrpSpPr>
-      <p:grpSpPr>
-        <a:xfrm>
-          <a:off x="0" y="0"/>
-          <a:ext cx="0" cy="0"/>
-          <a:chOff x="0" y="0"/>
-          <a:chExt cx="0" cy="0"/>
-        </a:xfrm>
-      </p:grpSpPr>
-      <p:sp>
-        <p:nvSpPr>
-          <p:cNvPr id="2" name="Inhaltsplatzhalter 1">
-            <a:extLst>
-              <a:ext uri="{FF2B5EF4-FFF2-40B4-BE49-F238E27FC236}">
-                <a16:creationId xmlns:a16="http://schemas.microsoft.com/office/drawing/2014/main" id="{99579AFA-4288-4E59-BD2C-CF222CE7DDEA}"/>
-              </a:ext>
-            </a:extLst>
-          </p:cNvPr>
-          <p:cNvSpPr>
-            <a:spLocks noGrp="1"/>
-          </p:cNvSpPr>
-          <p:nvPr>
-            <p:ph idx="13"/>
-          </p:nvPr>
-        </p:nvSpPr>
-        <p:spPr>
-          <a:xfrm>
-            <a:off x="1011836" y="1245328"/>
-            <a:ext cx="7318432" cy="4931635"/>
-          </a:xfrm>
-        </p:spPr>
-        <p:txBody>
-          <a:bodyPr>
-            <a:normAutofit lnSpcReduction="10000"/>
-          </a:bodyPr>
-          <a:lstStyle/>
-          <a:p>
-            <a:r>
-              <a:rPr lang="de-DE" dirty="0"/>
-              <a:t>Stellt Zwischenspeicher dar</a:t>
-            </a:r>
-          </a:p>
-          <a:p>
-            <a:r>
-              <a:rPr lang="de-DE" dirty="0"/>
-              <a:t>Setzt die Arbeitskopie auf den letzten Commit zurück</a:t>
-            </a:r>
-          </a:p>
-          <a:p>
-            <a:r>
-              <a:rPr lang="de-DE" dirty="0"/>
-              <a:t>Kommando: </a:t>
-            </a:r>
-            <a:r>
-              <a:rPr lang="de-DE" b="1" i="1" dirty="0"/>
-              <a:t>git </a:t>
-            </a:r>
-            <a:r>
-              <a:rPr lang="de-DE" b="1" i="1" dirty="0" err="1"/>
-              <a:t>stash</a:t>
-            </a:r>
-            <a:endParaRPr lang="de-DE" b="1" i="1" dirty="0"/>
-          </a:p>
-          <a:p>
-            <a:r>
-              <a:rPr lang="de-DE" dirty="0"/>
-              <a:t>Optionen:</a:t>
-            </a:r>
-          </a:p>
-          <a:p>
-            <a:pPr lvl="1"/>
-            <a:r>
-              <a:rPr lang="de-DE" dirty="0"/>
-              <a:t>-patch:		nur ein Teil der Änderungen wird 				zwischengespeichert</a:t>
-            </a:r>
-          </a:p>
-          <a:p>
-            <a:pPr lvl="1"/>
-            <a:r>
-              <a:rPr lang="de-DE" dirty="0"/>
-              <a:t>-u: 		nicht versionsverwaltete Dateien werden mit 			einbezogen</a:t>
-            </a:r>
-          </a:p>
-          <a:p>
-            <a:pPr lvl="1"/>
-            <a:r>
-              <a:rPr lang="de-DE" dirty="0" err="1"/>
-              <a:t>list</a:t>
-            </a:r>
-            <a:r>
-              <a:rPr lang="de-DE" dirty="0"/>
-              <a:t>: 		listet alle bereits gespeicherten 				Zwischenstände auf</a:t>
-            </a:r>
-          </a:p>
-          <a:p>
-            <a:pPr lvl="1"/>
-            <a:r>
-              <a:rPr lang="de-DE" dirty="0"/>
-              <a:t>save "&lt;Nachricht&gt;":	fügt einem Zwischenstand eine Nachricht 			hinzu</a:t>
-            </a:r>
-          </a:p>
-          <a:p>
-            <a:pPr lvl="1"/>
-            <a:r>
-              <a:rPr lang="de-DE" dirty="0" err="1"/>
-              <a:t>pop</a:t>
-            </a:r>
-            <a:r>
-              <a:rPr lang="de-DE" dirty="0"/>
-              <a:t>: 		Zwischenstand wird auf die Arbeitskopie 			angewendet und gelöscht</a:t>
-            </a:r>
-          </a:p>
-          <a:p>
-            <a:pPr lvl="1"/>
-            <a:r>
-              <a:rPr lang="de-DE" dirty="0" err="1"/>
-              <a:t>apply</a:t>
-            </a:r>
-            <a:r>
-              <a:rPr lang="de-DE" dirty="0"/>
-              <a:t>: 		Zwischenstand wird auf Arbeitskopie 				angewendet und beibehalten</a:t>
-            </a:r>
-          </a:p>
-          <a:p>
-            <a:pPr lvl="1"/>
-            <a:r>
-              <a:rPr lang="de-DE" dirty="0" err="1"/>
-              <a:t>show</a:t>
-            </a:r>
-            <a:r>
-              <a:rPr lang="de-DE" dirty="0"/>
-              <a:t>:		Änderungen des ersten Eintrags im </a:t>
-            </a:r>
-            <a:r>
-              <a:rPr lang="de-DE" dirty="0" err="1"/>
-              <a:t>Stash</a:t>
-            </a:r>
-            <a:r>
-              <a:rPr lang="de-DE" dirty="0"/>
-              <a:t> 			angezeigt</a:t>
-            </a:r>
-          </a:p>
-          <a:p>
-            <a:pPr lvl="1"/>
-            <a:r>
-              <a:rPr lang="de-DE" dirty="0" err="1"/>
-              <a:t>drop</a:t>
-            </a:r>
-            <a:r>
-              <a:rPr lang="de-DE" dirty="0"/>
-              <a:t> &lt;</a:t>
-            </a:r>
-            <a:r>
-              <a:rPr lang="de-DE" dirty="0" err="1"/>
-              <a:t>stash-id</a:t>
-            </a:r>
-            <a:r>
-              <a:rPr lang="de-DE" dirty="0"/>
-              <a:t>&gt;:	Löscht den übergebenen Zwischenstand</a:t>
-            </a:r>
-          </a:p>
-          <a:p>
-            <a:pPr lvl="1"/>
-            <a:endParaRPr lang="de-DE" dirty="0"/>
-          </a:p>
-        </p:txBody>
-      </p:sp>
-      <p:sp>
-        <p:nvSpPr>
-          <p:cNvPr id="3" name="Titel 2">
-            <a:extLst>
-              <a:ext uri="{FF2B5EF4-FFF2-40B4-BE49-F238E27FC236}">
-                <a16:creationId xmlns:a16="http://schemas.microsoft.com/office/drawing/2014/main" id="{23F9D629-AE16-4134-A025-BC6DE94F1F0F}"/>
-              </a:ext>
-            </a:extLst>
-          </p:cNvPr>
-          <p:cNvSpPr>
-            <a:spLocks noGrp="1"/>
-          </p:cNvSpPr>
-          <p:nvPr>
-            <p:ph type="title" idx="4294967295"/>
-          </p:nvPr>
-        </p:nvSpPr>
-        <p:spPr>
-          <a:xfrm>
-            <a:off x="628650" y="365126"/>
-            <a:ext cx="7886700" cy="698903"/>
-          </a:xfrm>
-          <a:prstGeom prst="rect">
-            <a:avLst/>
-          </a:prstGeom>
-        </p:spPr>
-        <p:txBody>
-          <a:bodyPr>
-            <a:normAutofit/>
-          </a:bodyPr>
-          <a:lstStyle/>
-          <a:p>
-            <a:r>
-              <a:rPr lang="de-DE" dirty="0" err="1"/>
-              <a:t>Stash</a:t>
-            </a:r>
-            <a:endParaRPr lang="de-DE" dirty="0"/>
-          </a:p>
-        </p:txBody>
-      </p:sp>
-    </p:spTree>
-    <p:extLst>
-      <p:ext uri="{BB962C8B-B14F-4D97-AF65-F5344CB8AC3E}">
-        <p14:creationId xmlns:p14="http://schemas.microsoft.com/office/powerpoint/2010/main" val="1555292907"/>
-      </p:ext>
-    </p:extLst>
-  </p:cSld>
-  <p:clrMapOvr>
-    <a:masterClrMapping/>
-  </p:clrMapOvr>
-</p:sld>
-</file>
-
-<file path=ppt/slides/slide12.xml><?xml version="1.0" encoding="utf-8"?>
-<p:sld xmlns:a="http://schemas.openxmlformats.org/drawingml/2006/main" xmlns:r="http://schemas.openxmlformats.org/officeDocument/2006/relationships" xmlns:p="http://schemas.openxmlformats.org/presentationml/2006/main">
-  <p:cSld>
-    <p:spTree>
-      <p:nvGrpSpPr>
-        <p:cNvPr id="1" name=""/>
-        <p:cNvGrpSpPr/>
-        <p:nvPr/>
-      </p:nvGrpSpPr>
-      <p:grpSpPr>
-        <a:xfrm>
-          <a:off x="0" y="0"/>
-          <a:ext cx="0" cy="0"/>
-          <a:chOff x="0" y="0"/>
-          <a:chExt cx="0" cy="0"/>
-        </a:xfrm>
-      </p:grpSpPr>
-      <p:sp>
-        <p:nvSpPr>
-          <p:cNvPr id="4" name="Titel 3">
-            <a:extLst>
-              <a:ext uri="{FF2B5EF4-FFF2-40B4-BE49-F238E27FC236}">
-                <a16:creationId xmlns:a16="http://schemas.microsoft.com/office/drawing/2014/main" id="{C2ABF1F1-47DF-422D-8ECF-EB59674283F8}"/>
-              </a:ext>
-            </a:extLst>
-          </p:cNvPr>
-          <p:cNvSpPr>
-            <a:spLocks noGrp="1"/>
-          </p:cNvSpPr>
-          <p:nvPr>
-            <p:ph type="title"/>
-          </p:nvPr>
-        </p:nvSpPr>
-        <p:spPr/>
-        <p:txBody>
-          <a:bodyPr/>
-          <a:lstStyle/>
-          <a:p>
-            <a:r>
-              <a:rPr lang="de-DE" dirty="0"/>
-              <a:t>Zweige</a:t>
-            </a:r>
-          </a:p>
-        </p:txBody>
-      </p:sp>
-    </p:spTree>
-    <p:extLst>
-      <p:ext uri="{BB962C8B-B14F-4D97-AF65-F5344CB8AC3E}">
-        <p14:creationId xmlns:p14="http://schemas.microsoft.com/office/powerpoint/2010/main" val="895590311"/>
-      </p:ext>
-    </p:extLst>
-  </p:cSld>
-  <p:clrMapOvr>
-    <a:masterClrMapping/>
-  </p:clrMapOvr>
-</p:sld>
-</file>
-
 <file path=ppt/slides/slide13.xml><?xml version="1.0" encoding="utf-8"?>
 <p:sld xmlns:a="http://schemas.openxmlformats.org/drawingml/2006/main" xmlns:r="http://schemas.openxmlformats.org/officeDocument/2006/relationships" xmlns:p="http://schemas.openxmlformats.org/presentationml/2006/main">
   <p:cSld>
@@ -4952,10 +4535,10 @@
       </p:grpSpPr>
       <p:sp>
         <p:nvSpPr>
-          <p:cNvPr id="5" name="Inhaltsplatzhalter 4">
+          <p:cNvPr id="2" name="Inhaltsplatzhalter 1">
             <a:extLst>
               <a:ext uri="{FF2B5EF4-FFF2-40B4-BE49-F238E27FC236}">
-                <a16:creationId xmlns:a16="http://schemas.microsoft.com/office/drawing/2014/main" id="{372E4703-45B0-479F-A7F0-532E59E291B0}"/>
+                <a16:creationId xmlns:a16="http://schemas.microsoft.com/office/drawing/2014/main" id="{99579AFA-4288-4E59-BD2C-CF222CE7DDEA}"/>
               </a:ext>
             </a:extLst>
           </p:cNvPr>
@@ -4966,42 +4549,154 @@
             <p:ph idx="13"/>
           </p:nvPr>
         </p:nvSpPr>
-        <p:spPr/>
-        <p:txBody>
-          <a:bodyPr/>
+        <p:spPr>
+          <a:xfrm>
+            <a:off x="1011836" y="1245328"/>
+            <a:ext cx="7318432" cy="4931635"/>
+          </a:xfrm>
+        </p:spPr>
+        <p:txBody>
+          <a:bodyPr>
+            <a:normAutofit lnSpcReduction="10000"/>
+          </a:bodyPr>
           <a:lstStyle/>
           <a:p>
             <a:r>
               <a:rPr lang="de-DE" dirty="0"/>
-              <a:t>Isolation von verschiedenen Ansätzen</a:t>
-            </a:r>
-          </a:p>
-          <a:p>
-            <a:r>
-              <a:rPr lang="de-DE" dirty="0"/>
-              <a:t>Reduzierung der Synchronisierung</a:t>
-            </a:r>
-          </a:p>
-          <a:p>
-            <a:r>
-              <a:rPr lang="de-DE" dirty="0"/>
-              <a:t>Ermöglicht Arbeitsteilung mit mehreren Personen</a:t>
-            </a:r>
-          </a:p>
-          <a:p>
-            <a:r>
-              <a:rPr lang="de-DE" dirty="0"/>
-              <a:t>Fördert Übersichtlichkeit</a:t>
-            </a:r>
-          </a:p>
-        </p:txBody>
-      </p:sp>
-      <p:sp>
-        <p:nvSpPr>
-          <p:cNvPr id="4" name="Titel 3">
+              <a:t>Stellt Zwischenspeicher dar</a:t>
+            </a:r>
+          </a:p>
+          <a:p>
+            <a:r>
+              <a:rPr lang="de-DE" dirty="0"/>
+              <a:t>Setzt die Arbeitskopie auf den letzten Commit zurück</a:t>
+            </a:r>
+          </a:p>
+          <a:p>
+            <a:r>
+              <a:rPr lang="de-DE" dirty="0"/>
+              <a:t>Kommando: </a:t>
+            </a:r>
+            <a:r>
+              <a:rPr lang="de-DE" b="1" i="1" dirty="0"/>
+              <a:t>git </a:t>
+            </a:r>
+            <a:r>
+              <a:rPr lang="de-DE" b="1" i="1" dirty="0" err="1"/>
+              <a:t>stash</a:t>
+            </a:r>
+            <a:endParaRPr lang="de-DE" b="1" i="1" dirty="0"/>
+          </a:p>
+          <a:p>
+            <a:r>
+              <a:rPr lang="de-DE" dirty="0"/>
+              <a:t>Optionen:</a:t>
+            </a:r>
+          </a:p>
+          <a:p>
+            <a:pPr lvl="1"/>
+            <a:r>
+              <a:rPr lang="de-DE" dirty="0"/>
+              <a:t>-patch:		nur ein Teil der Änderungen wird 				zwischengespeichert</a:t>
+            </a:r>
+          </a:p>
+          <a:p>
+            <a:pPr lvl="1"/>
+            <a:r>
+              <a:rPr lang="de-DE" dirty="0"/>
+              <a:t>-u: 		nicht versionsverwaltete Dateien werden mit 			einbezogen</a:t>
+            </a:r>
+          </a:p>
+          <a:p>
+            <a:pPr lvl="1"/>
+            <a:r>
+              <a:rPr lang="de-DE" dirty="0" err="1"/>
+              <a:t>list</a:t>
+            </a:r>
+            <a:r>
+              <a:rPr lang="de-DE" dirty="0"/>
+              <a:t>: 		listet alle bereits gespeicherten 				Zwischenstände auf</a:t>
+            </a:r>
+          </a:p>
+          <a:p>
+            <a:pPr lvl="1"/>
+            <a:r>
+              <a:rPr lang="de-DE" dirty="0"/>
+              <a:t>save "&lt;Nachricht&gt;":	fügt einem Zwischenstand eine Nachricht 			hinzu</a:t>
+            </a:r>
+          </a:p>
+          <a:p>
+            <a:pPr lvl="1"/>
+            <a:r>
+              <a:rPr lang="de-DE" dirty="0" err="1"/>
+              <a:t>pop</a:t>
+            </a:r>
+            <a:r>
+              <a:rPr lang="de-DE" dirty="0"/>
+              <a:t>: 		Zwischenstand wird auf die Arbeitskopie 			angewendet und gelöscht</a:t>
+            </a:r>
+          </a:p>
+          <a:p>
+            <a:pPr lvl="1"/>
+            <a:r>
+              <a:rPr lang="de-DE" dirty="0" err="1"/>
+              <a:t>apply</a:t>
+            </a:r>
+            <a:r>
+              <a:rPr lang="de-DE" dirty="0"/>
+              <a:t>: 		Zwischenstand wird auf Arbeitskopie 				angewendet und beibehalten</a:t>
+            </a:r>
+          </a:p>
+          <a:p>
+            <a:pPr lvl="1"/>
+            <a:r>
+              <a:rPr lang="de-DE" dirty="0" err="1"/>
+              <a:t>show</a:t>
+            </a:r>
+            <a:r>
+              <a:rPr lang="de-DE" dirty="0"/>
+              <a:t>:		Änderungen des ersten Eintrags im </a:t>
+            </a:r>
+            <a:r>
+              <a:rPr lang="de-DE" dirty="0" err="1"/>
+              <a:t>Stash</a:t>
+            </a:r>
+            <a:r>
+              <a:rPr lang="de-DE" dirty="0"/>
+              <a:t> 			angezeigt</a:t>
+            </a:r>
+          </a:p>
+          <a:p>
+            <a:pPr lvl="1"/>
+            <a:r>
+              <a:rPr lang="de-DE" dirty="0" err="1"/>
+              <a:t>drop</a:t>
+            </a:r>
+            <a:r>
+              <a:rPr lang="de-DE" dirty="0"/>
+              <a:t> &lt;</a:t>
+            </a:r>
+            <a:r>
+              <a:rPr lang="de-DE" dirty="0" err="1"/>
+              <a:t>stash-id</a:t>
+            </a:r>
+            <a:r>
+              <a:rPr lang="de-DE" dirty="0"/>
+              <a:t>&gt;:	Löscht den übergebenen Zwischenstand</a:t>
+            </a:r>
+          </a:p>
+          <a:p>
+            <a:pPr lvl="1"/>
+            <a:endParaRPr lang="de-DE" dirty="0"/>
+          </a:p>
+        </p:txBody>
+      </p:sp>
+      <p:sp>
+        <p:nvSpPr>
+          <p:cNvPr id="3" name="Titel 2">
             <a:extLst>
               <a:ext uri="{FF2B5EF4-FFF2-40B4-BE49-F238E27FC236}">
-                <a16:creationId xmlns:a16="http://schemas.microsoft.com/office/drawing/2014/main" id="{F5D71C33-EA1B-45F6-8CDB-E316C7790496}"/>
+                <a16:creationId xmlns:a16="http://schemas.microsoft.com/office/drawing/2014/main" id="{23F9D629-AE16-4134-A025-BC6DE94F1F0F}"/>
               </a:ext>
             </a:extLst>
           </p:cNvPr>
@@ -5028,16 +4723,17 @@
           <a:lstStyle/>
           <a:p>
             <a:r>
-              <a:rPr lang="de-DE" dirty="0"/>
-              <a:t>Warum?</a:t>
-            </a:r>
+              <a:rPr lang="de-DE" dirty="0" err="1"/>
+              <a:t>Stash</a:t>
+            </a:r>
+            <a:endParaRPr lang="de-DE" dirty="0"/>
           </a:p>
         </p:txBody>
       </p:sp>
     </p:spTree>
     <p:extLst>
       <p:ext uri="{BB962C8B-B14F-4D97-AF65-F5344CB8AC3E}">
-        <p14:creationId xmlns:p14="http://schemas.microsoft.com/office/powerpoint/2010/main" val="2350462169"/>
+        <p14:creationId xmlns:p14="http://schemas.microsoft.com/office/powerpoint/2010/main" val="1555292907"/>
       </p:ext>
     </p:extLst>
   </p:cSld>
@@ -5066,6 +4762,178 @@
       </p:grpSpPr>
       <p:sp>
         <p:nvSpPr>
+          <p:cNvPr id="4" name="Titel 3">
+            <a:extLst>
+              <a:ext uri="{FF2B5EF4-FFF2-40B4-BE49-F238E27FC236}">
+                <a16:creationId xmlns:a16="http://schemas.microsoft.com/office/drawing/2014/main" id="{C2ABF1F1-47DF-422D-8ECF-EB59674283F8}"/>
+              </a:ext>
+            </a:extLst>
+          </p:cNvPr>
+          <p:cNvSpPr>
+            <a:spLocks noGrp="1"/>
+          </p:cNvSpPr>
+          <p:nvPr>
+            <p:ph type="title"/>
+          </p:nvPr>
+        </p:nvSpPr>
+        <p:spPr/>
+        <p:txBody>
+          <a:bodyPr/>
+          <a:lstStyle/>
+          <a:p>
+            <a:r>
+              <a:rPr lang="de-DE" dirty="0"/>
+              <a:t>Zweige</a:t>
+            </a:r>
+          </a:p>
+        </p:txBody>
+      </p:sp>
+    </p:spTree>
+    <p:extLst>
+      <p:ext uri="{BB962C8B-B14F-4D97-AF65-F5344CB8AC3E}">
+        <p14:creationId xmlns:p14="http://schemas.microsoft.com/office/powerpoint/2010/main" val="895590311"/>
+      </p:ext>
+    </p:extLst>
+  </p:cSld>
+  <p:clrMapOvr>
+    <a:masterClrMapping/>
+  </p:clrMapOvr>
+</p:sld>
+</file>
+
+<file path=ppt/slides/slide15.xml><?xml version="1.0" encoding="utf-8"?>
+<p:sld xmlns:a="http://schemas.openxmlformats.org/drawingml/2006/main" xmlns:r="http://schemas.openxmlformats.org/officeDocument/2006/relationships" xmlns:p="http://schemas.openxmlformats.org/presentationml/2006/main">
+  <p:cSld>
+    <p:spTree>
+      <p:nvGrpSpPr>
+        <p:cNvPr id="1" name=""/>
+        <p:cNvGrpSpPr/>
+        <p:nvPr/>
+      </p:nvGrpSpPr>
+      <p:grpSpPr>
+        <a:xfrm>
+          <a:off x="0" y="0"/>
+          <a:ext cx="0" cy="0"/>
+          <a:chOff x="0" y="0"/>
+          <a:chExt cx="0" cy="0"/>
+        </a:xfrm>
+      </p:grpSpPr>
+      <p:sp>
+        <p:nvSpPr>
+          <p:cNvPr id="5" name="Inhaltsplatzhalter 4">
+            <a:extLst>
+              <a:ext uri="{FF2B5EF4-FFF2-40B4-BE49-F238E27FC236}">
+                <a16:creationId xmlns:a16="http://schemas.microsoft.com/office/drawing/2014/main" id="{372E4703-45B0-479F-A7F0-532E59E291B0}"/>
+              </a:ext>
+            </a:extLst>
+          </p:cNvPr>
+          <p:cNvSpPr>
+            <a:spLocks noGrp="1"/>
+          </p:cNvSpPr>
+          <p:nvPr>
+            <p:ph idx="13"/>
+          </p:nvPr>
+        </p:nvSpPr>
+        <p:spPr/>
+        <p:txBody>
+          <a:bodyPr/>
+          <a:lstStyle/>
+          <a:p>
+            <a:r>
+              <a:rPr lang="de-DE" dirty="0"/>
+              <a:t>Isolation von verschiedenen Ansätzen</a:t>
+            </a:r>
+          </a:p>
+          <a:p>
+            <a:r>
+              <a:rPr lang="de-DE" dirty="0"/>
+              <a:t>Reduzierung der Synchronisierung</a:t>
+            </a:r>
+          </a:p>
+          <a:p>
+            <a:r>
+              <a:rPr lang="de-DE" dirty="0"/>
+              <a:t>Ermöglicht Arbeitsteilung mit mehreren Personen</a:t>
+            </a:r>
+          </a:p>
+          <a:p>
+            <a:r>
+              <a:rPr lang="de-DE" dirty="0"/>
+              <a:t>Fördert Übersichtlichkeit</a:t>
+            </a:r>
+          </a:p>
+        </p:txBody>
+      </p:sp>
+      <p:sp>
+        <p:nvSpPr>
+          <p:cNvPr id="4" name="Titel 3">
+            <a:extLst>
+              <a:ext uri="{FF2B5EF4-FFF2-40B4-BE49-F238E27FC236}">
+                <a16:creationId xmlns:a16="http://schemas.microsoft.com/office/drawing/2014/main" id="{F5D71C33-EA1B-45F6-8CDB-E316C7790496}"/>
+              </a:ext>
+            </a:extLst>
+          </p:cNvPr>
+          <p:cNvSpPr>
+            <a:spLocks noGrp="1"/>
+          </p:cNvSpPr>
+          <p:nvPr>
+            <p:ph type="title" idx="4294967295"/>
+          </p:nvPr>
+        </p:nvSpPr>
+        <p:spPr>
+          <a:xfrm>
+            <a:off x="628650" y="365126"/>
+            <a:ext cx="7886700" cy="698903"/>
+          </a:xfrm>
+          <a:prstGeom prst="rect">
+            <a:avLst/>
+          </a:prstGeom>
+        </p:spPr>
+        <p:txBody>
+          <a:bodyPr>
+            <a:normAutofit/>
+          </a:bodyPr>
+          <a:lstStyle/>
+          <a:p>
+            <a:r>
+              <a:rPr lang="de-DE" dirty="0"/>
+              <a:t>Warum?</a:t>
+            </a:r>
+          </a:p>
+        </p:txBody>
+      </p:sp>
+    </p:spTree>
+    <p:extLst>
+      <p:ext uri="{BB962C8B-B14F-4D97-AF65-F5344CB8AC3E}">
+        <p14:creationId xmlns:p14="http://schemas.microsoft.com/office/powerpoint/2010/main" val="2350462169"/>
+      </p:ext>
+    </p:extLst>
+  </p:cSld>
+  <p:clrMapOvr>
+    <a:masterClrMapping/>
+  </p:clrMapOvr>
+</p:sld>
+</file>
+
+<file path=ppt/slides/slide16.xml><?xml version="1.0" encoding="utf-8"?>
+<p:sld xmlns:a="http://schemas.openxmlformats.org/drawingml/2006/main" xmlns:r="http://schemas.openxmlformats.org/officeDocument/2006/relationships" xmlns:p="http://schemas.openxmlformats.org/presentationml/2006/main">
+  <p:cSld>
+    <p:spTree>
+      <p:nvGrpSpPr>
+        <p:cNvPr id="1" name=""/>
+        <p:cNvGrpSpPr/>
+        <p:nvPr/>
+      </p:nvGrpSpPr>
+      <p:grpSpPr>
+        <a:xfrm>
+          <a:off x="0" y="0"/>
+          <a:ext cx="0" cy="0"/>
+          <a:chOff x="0" y="0"/>
+          <a:chExt cx="0" cy="0"/>
+        </a:xfrm>
+      </p:grpSpPr>
+      <p:sp>
+        <p:nvSpPr>
           <p:cNvPr id="5" name="Inhaltsplatzhalter 4">
             <a:extLst>
               <a:ext uri="{FF2B5EF4-FFF2-40B4-BE49-F238E27FC236}">
@@ -5242,7 +5110,7 @@
 </p:sld>
 </file>
 
-<file path=ppt/slides/slide15.xml><?xml version="1.0" encoding="utf-8"?>
+<file path=ppt/slides/slide17.xml><?xml version="1.0" encoding="utf-8"?>
 <p:sld xmlns:a="http://schemas.openxmlformats.org/drawingml/2006/main" xmlns:r="http://schemas.openxmlformats.org/officeDocument/2006/relationships" xmlns:p="http://schemas.openxmlformats.org/presentationml/2006/main">
   <p:cSld>
     <p:spTree>
@@ -5997,7 +5865,7 @@
 </p:sld>
 </file>
 
-<file path=ppt/slides/slide16.xml><?xml version="1.0" encoding="utf-8"?>
+<file path=ppt/slides/slide18.xml><?xml version="1.0" encoding="utf-8"?>
 <p:sld xmlns:a="http://schemas.openxmlformats.org/drawingml/2006/main" xmlns:r="http://schemas.openxmlformats.org/officeDocument/2006/relationships" xmlns:p="http://schemas.openxmlformats.org/presentationml/2006/main">
   <p:cSld>
     <p:spTree>
@@ -7744,7 +7612,7 @@
 </p:sld>
 </file>
 
-<file path=ppt/slides/slide17.xml><?xml version="1.0" encoding="utf-8"?>
+<file path=ppt/slides/slide19.xml><?xml version="1.0" encoding="utf-8"?>
 <p:sld xmlns:a="http://schemas.openxmlformats.org/drawingml/2006/main" xmlns:r="http://schemas.openxmlformats.org/officeDocument/2006/relationships" xmlns:p="http://schemas.openxmlformats.org/presentationml/2006/main">
   <p:cSld>
     <p:spTree>
@@ -7957,7 +7825,7 @@
 </p:sld>
 </file>
 
-<file path=ppt/slides/slide18.xml><?xml version="1.0" encoding="utf-8"?>
+<file path=ppt/slides/slide2.xml><?xml version="1.0" encoding="utf-8"?>
 <p:sld xmlns:a="http://schemas.openxmlformats.org/drawingml/2006/main" xmlns:r="http://schemas.openxmlformats.org/officeDocument/2006/relationships" xmlns:p="http://schemas.openxmlformats.org/presentationml/2006/main">
   <p:cSld>
     <p:spTree>
@@ -7976,10 +7844,10 @@
       </p:grpSpPr>
       <p:sp>
         <p:nvSpPr>
-          <p:cNvPr id="5" name="Inhaltsplatzhalter 4">
+          <p:cNvPr id="2" name="Inhaltsplatzhalter 1">
             <a:extLst>
               <a:ext uri="{FF2B5EF4-FFF2-40B4-BE49-F238E27FC236}">
-                <a16:creationId xmlns:a16="http://schemas.microsoft.com/office/drawing/2014/main" id="{4AACFCD2-051A-439B-A638-DA41B63380E0}"/>
+                <a16:creationId xmlns:a16="http://schemas.microsoft.com/office/drawing/2014/main" id="{EB5DCD7E-9B73-4C0A-A599-E9E73D59269F}"/>
               </a:ext>
             </a:extLst>
           </p:cNvPr>
@@ -7995,15 +7863,7 @@
           <a:bodyPr/>
           <a:lstStyle/>
           <a:p>
-            <a:r>
-              <a:rPr lang="de-DE" dirty="0"/>
-              <a:t>Zur individuellen Änderungen mehrerer </a:t>
-            </a:r>
-            <a:r>
-              <a:rPr lang="de-DE" dirty="0" err="1"/>
-              <a:t>Commits</a:t>
-            </a:r>
-            <a:endParaRPr lang="de-DE" dirty="0"/>
+            <a:endParaRPr lang="de-DE"/>
           </a:p>
         </p:txBody>
       </p:sp>
@@ -8012,7 +7872,7 @@
           <p:cNvPr id="3" name="Titel 2">
             <a:extLst>
               <a:ext uri="{FF2B5EF4-FFF2-40B4-BE49-F238E27FC236}">
-                <a16:creationId xmlns:a16="http://schemas.microsoft.com/office/drawing/2014/main" id="{16441133-F5C1-426D-98D9-D316A3042F0D}"/>
+                <a16:creationId xmlns:a16="http://schemas.microsoft.com/office/drawing/2014/main" id="{60851720-171D-4257-B470-1C70E0AD5158}"/>
               </a:ext>
             </a:extLst>
           </p:cNvPr>
@@ -8023,37 +7883,22 @@
             <p:ph type="title" idx="4294967295"/>
           </p:nvPr>
         </p:nvSpPr>
-        <p:spPr>
-          <a:xfrm>
-            <a:off x="628650" y="365126"/>
-            <a:ext cx="7886700" cy="698903"/>
-          </a:xfrm>
-          <a:prstGeom prst="rect">
-            <a:avLst/>
-          </a:prstGeom>
-        </p:spPr>
-        <p:txBody>
-          <a:bodyPr>
-            <a:normAutofit/>
-          </a:bodyPr>
+        <p:spPr/>
+        <p:txBody>
+          <a:bodyPr/>
           <a:lstStyle/>
           <a:p>
             <a:r>
               <a:rPr lang="de-DE" dirty="0"/>
-              <a:t>Interaktiver </a:t>
-            </a:r>
-            <a:r>
-              <a:rPr lang="de-DE" dirty="0" err="1"/>
-              <a:t>Rebase</a:t>
-            </a:r>
-            <a:endParaRPr lang="de-DE" dirty="0"/>
+              <a:t>Grundlegendes Prinzip</a:t>
+            </a:r>
           </a:p>
         </p:txBody>
       </p:sp>
     </p:spTree>
     <p:extLst>
       <p:ext uri="{BB962C8B-B14F-4D97-AF65-F5344CB8AC3E}">
-        <p14:creationId xmlns:p14="http://schemas.microsoft.com/office/powerpoint/2010/main" val="3549383510"/>
+        <p14:creationId xmlns:p14="http://schemas.microsoft.com/office/powerpoint/2010/main" val="1531571413"/>
       </p:ext>
     </p:extLst>
   </p:cSld>
@@ -8063,7 +7908,7 @@
 </p:sld>
 </file>
 
-<file path=ppt/slides/slide19.xml><?xml version="1.0" encoding="utf-8"?>
+<file path=ppt/slides/slide20.xml><?xml version="1.0" encoding="utf-8"?>
 <p:sld xmlns:a="http://schemas.openxmlformats.org/drawingml/2006/main" xmlns:r="http://schemas.openxmlformats.org/officeDocument/2006/relationships" xmlns:p="http://schemas.openxmlformats.org/presentationml/2006/main">
   <p:cSld>
     <p:spTree>
@@ -8082,6 +7927,222 @@
       </p:grpSpPr>
       <p:sp>
         <p:nvSpPr>
+          <p:cNvPr id="5" name="Inhaltsplatzhalter 4">
+            <a:extLst>
+              <a:ext uri="{FF2B5EF4-FFF2-40B4-BE49-F238E27FC236}">
+                <a16:creationId xmlns:a16="http://schemas.microsoft.com/office/drawing/2014/main" id="{4AACFCD2-051A-439B-A638-DA41B63380E0}"/>
+              </a:ext>
+            </a:extLst>
+          </p:cNvPr>
+          <p:cNvSpPr>
+            <a:spLocks noGrp="1"/>
+          </p:cNvSpPr>
+          <p:nvPr>
+            <p:ph idx="13"/>
+          </p:nvPr>
+        </p:nvSpPr>
+        <p:spPr/>
+        <p:txBody>
+          <a:bodyPr/>
+          <a:lstStyle/>
+          <a:p>
+            <a:r>
+              <a:rPr lang="de-DE" dirty="0"/>
+              <a:t>Zur individuellen Änderungen mehrerer </a:t>
+            </a:r>
+            <a:r>
+              <a:rPr lang="de-DE" dirty="0" err="1"/>
+              <a:t>Commits</a:t>
+            </a:r>
+            <a:endParaRPr lang="de-DE" dirty="0"/>
+          </a:p>
+          <a:p>
+            <a:r>
+              <a:rPr lang="de-DE" dirty="0" err="1"/>
+              <a:t>Commits</a:t>
+            </a:r>
+            <a:r>
+              <a:rPr lang="de-DE" dirty="0"/>
+              <a:t> können nicht nur verschoben werden sondern</a:t>
+            </a:r>
+          </a:p>
+          <a:p>
+            <a:pPr lvl="1"/>
+            <a:r>
+              <a:rPr lang="de-DE" dirty="0"/>
+              <a:t>Bearbeitet werden</a:t>
+            </a:r>
+          </a:p>
+          <a:p>
+            <a:pPr lvl="1"/>
+            <a:r>
+              <a:rPr lang="de-DE" dirty="0"/>
+              <a:t>Verschmolzen werden</a:t>
+            </a:r>
+          </a:p>
+          <a:p>
+            <a:pPr lvl="1"/>
+            <a:r>
+              <a:rPr lang="de-DE" dirty="0"/>
+              <a:t>Gelöscht werden</a:t>
+            </a:r>
+          </a:p>
+          <a:p>
+            <a:r>
+              <a:rPr lang="de-DE" dirty="0"/>
+              <a:t>Kommando: </a:t>
+            </a:r>
+            <a:r>
+              <a:rPr lang="de-DE" b="1" i="1" dirty="0" err="1"/>
+              <a:t>git</a:t>
+            </a:r>
+            <a:r>
+              <a:rPr lang="de-DE" b="1" i="1" dirty="0"/>
+              <a:t> </a:t>
+            </a:r>
+            <a:r>
+              <a:rPr lang="de-DE" b="1" i="1" dirty="0" err="1"/>
+              <a:t>rebase</a:t>
+            </a:r>
+            <a:r>
+              <a:rPr lang="de-DE" b="1" i="1" dirty="0"/>
+              <a:t> --i </a:t>
+            </a:r>
+            <a:r>
+              <a:rPr lang="de-DE" dirty="0"/>
+              <a:t>oder </a:t>
+            </a:r>
+            <a:r>
+              <a:rPr lang="de-DE" b="1" i="1" dirty="0" err="1"/>
+              <a:t>git</a:t>
+            </a:r>
+            <a:r>
+              <a:rPr lang="de-DE" b="1" i="1" dirty="0"/>
+              <a:t> </a:t>
+            </a:r>
+            <a:r>
+              <a:rPr lang="de-DE" b="1" i="1" dirty="0" err="1"/>
+              <a:t>rebase</a:t>
+            </a:r>
+            <a:r>
+              <a:rPr lang="de-DE" b="1" i="1" dirty="0"/>
+              <a:t> –</a:t>
+            </a:r>
+            <a:r>
+              <a:rPr lang="de-DE" b="1" i="1" dirty="0" err="1"/>
+              <a:t>interactive</a:t>
+            </a:r>
+            <a:endParaRPr lang="de-DE" b="1" i="1" dirty="0"/>
+          </a:p>
+          <a:p>
+            <a:r>
+              <a:rPr lang="de-DE" dirty="0"/>
+              <a:t>Schlüsselwörter für die unterschiedlichen Anwendungen</a:t>
+            </a:r>
+          </a:p>
+          <a:p>
+            <a:pPr lvl="1"/>
+            <a:r>
+              <a:rPr lang="de-DE" i="1" dirty="0" err="1"/>
+              <a:t>reword</a:t>
+            </a:r>
+            <a:r>
+              <a:rPr lang="de-DE" dirty="0"/>
+              <a:t>: ermöglicht die Commit Nachricht zu ändern</a:t>
+            </a:r>
+          </a:p>
+          <a:p>
+            <a:pPr lvl="1"/>
+            <a:r>
+              <a:rPr lang="de-DE" dirty="0" err="1"/>
+              <a:t>squash</a:t>
+            </a:r>
+            <a:r>
+              <a:rPr lang="de-DE" dirty="0"/>
+              <a:t>: erzeugt Verschmelzung mit dem Vorherigen Commit</a:t>
+            </a:r>
+          </a:p>
+          <a:p>
+            <a:pPr lvl="1"/>
+            <a:endParaRPr lang="de-DE" dirty="0"/>
+          </a:p>
+        </p:txBody>
+      </p:sp>
+      <p:sp>
+        <p:nvSpPr>
+          <p:cNvPr id="3" name="Titel 2">
+            <a:extLst>
+              <a:ext uri="{FF2B5EF4-FFF2-40B4-BE49-F238E27FC236}">
+                <a16:creationId xmlns:a16="http://schemas.microsoft.com/office/drawing/2014/main" id="{16441133-F5C1-426D-98D9-D316A3042F0D}"/>
+              </a:ext>
+            </a:extLst>
+          </p:cNvPr>
+          <p:cNvSpPr>
+            <a:spLocks noGrp="1"/>
+          </p:cNvSpPr>
+          <p:nvPr>
+            <p:ph type="title" idx="4294967295"/>
+          </p:nvPr>
+        </p:nvSpPr>
+        <p:spPr>
+          <a:xfrm>
+            <a:off x="628650" y="365126"/>
+            <a:ext cx="7886700" cy="698903"/>
+          </a:xfrm>
+          <a:prstGeom prst="rect">
+            <a:avLst/>
+          </a:prstGeom>
+        </p:spPr>
+        <p:txBody>
+          <a:bodyPr>
+            <a:normAutofit/>
+          </a:bodyPr>
+          <a:lstStyle/>
+          <a:p>
+            <a:r>
+              <a:rPr lang="de-DE" dirty="0"/>
+              <a:t>Interaktiver </a:t>
+            </a:r>
+            <a:r>
+              <a:rPr lang="de-DE" dirty="0" err="1"/>
+              <a:t>Rebase</a:t>
+            </a:r>
+            <a:endParaRPr lang="de-DE" dirty="0"/>
+          </a:p>
+        </p:txBody>
+      </p:sp>
+    </p:spTree>
+    <p:extLst>
+      <p:ext uri="{BB962C8B-B14F-4D97-AF65-F5344CB8AC3E}">
+        <p14:creationId xmlns:p14="http://schemas.microsoft.com/office/powerpoint/2010/main" val="3549383510"/>
+      </p:ext>
+    </p:extLst>
+  </p:cSld>
+  <p:clrMapOvr>
+    <a:masterClrMapping/>
+  </p:clrMapOvr>
+</p:sld>
+</file>
+
+<file path=ppt/slides/slide21.xml><?xml version="1.0" encoding="utf-8"?>
+<p:sld xmlns:a="http://schemas.openxmlformats.org/drawingml/2006/main" xmlns:r="http://schemas.openxmlformats.org/officeDocument/2006/relationships" xmlns:p="http://schemas.openxmlformats.org/presentationml/2006/main">
+  <p:cSld>
+    <p:spTree>
+      <p:nvGrpSpPr>
+        <p:cNvPr id="1" name=""/>
+        <p:cNvGrpSpPr/>
+        <p:nvPr/>
+      </p:nvGrpSpPr>
+      <p:grpSpPr>
+        <a:xfrm>
+          <a:off x="0" y="0"/>
+          <a:ext cx="0" cy="0"/>
+          <a:chOff x="0" y="0"/>
+          <a:chExt cx="0" cy="0"/>
+        </a:xfrm>
+      </p:grpSpPr>
+      <p:sp>
+        <p:nvSpPr>
           <p:cNvPr id="2" name="Titel 1">
             <a:extLst>
               <a:ext uri="{FF2B5EF4-FFF2-40B4-BE49-F238E27FC236}">
@@ -8121,7 +8182,2951 @@
 </p:sld>
 </file>
 
-<file path=ppt/slides/slide2.xml><?xml version="1.0" encoding="utf-8"?>
+<file path=ppt/slides/slide22.xml><?xml version="1.0" encoding="utf-8"?>
+<p:sld xmlns:a="http://schemas.openxmlformats.org/drawingml/2006/main" xmlns:r="http://schemas.openxmlformats.org/officeDocument/2006/relationships" xmlns:p="http://schemas.openxmlformats.org/presentationml/2006/main">
+  <p:cSld>
+    <p:spTree>
+      <p:nvGrpSpPr>
+        <p:cNvPr id="1" name=""/>
+        <p:cNvGrpSpPr/>
+        <p:nvPr/>
+      </p:nvGrpSpPr>
+      <p:grpSpPr>
+        <a:xfrm>
+          <a:off x="0" y="0"/>
+          <a:ext cx="0" cy="0"/>
+          <a:chOff x="0" y="0"/>
+          <a:chExt cx="0" cy="0"/>
+        </a:xfrm>
+      </p:grpSpPr>
+      <p:sp>
+        <p:nvSpPr>
+          <p:cNvPr id="5" name="Inhaltsplatzhalter 4">
+            <a:extLst>
+              <a:ext uri="{FF2B5EF4-FFF2-40B4-BE49-F238E27FC236}">
+                <a16:creationId xmlns:a16="http://schemas.microsoft.com/office/drawing/2014/main" id="{C599EF70-303F-4638-866C-534013DC3009}"/>
+              </a:ext>
+            </a:extLst>
+          </p:cNvPr>
+          <p:cNvSpPr>
+            <a:spLocks noGrp="1"/>
+          </p:cNvSpPr>
+          <p:nvPr>
+            <p:ph idx="13"/>
+          </p:nvPr>
+        </p:nvSpPr>
+        <p:spPr/>
+        <p:txBody>
+          <a:bodyPr/>
+          <a:lstStyle/>
+          <a:p>
+            <a:r>
+              <a:rPr lang="de-DE" dirty="0"/>
+              <a:t>Stellt den allgemeinen Stand des Projekts dar</a:t>
+            </a:r>
+          </a:p>
+        </p:txBody>
+      </p:sp>
+      <p:sp>
+        <p:nvSpPr>
+          <p:cNvPr id="3" name="Titel 2">
+            <a:extLst>
+              <a:ext uri="{FF2B5EF4-FFF2-40B4-BE49-F238E27FC236}">
+                <a16:creationId xmlns:a16="http://schemas.microsoft.com/office/drawing/2014/main" id="{01B0FFCB-5ED6-41B3-853D-B50AAF600C26}"/>
+              </a:ext>
+            </a:extLst>
+          </p:cNvPr>
+          <p:cNvSpPr>
+            <a:spLocks noGrp="1"/>
+          </p:cNvSpPr>
+          <p:nvPr>
+            <p:ph type="title" idx="4294967295"/>
+          </p:nvPr>
+        </p:nvSpPr>
+        <p:spPr>
+          <a:xfrm>
+            <a:off x="628650" y="365126"/>
+            <a:ext cx="7886700" cy="698903"/>
+          </a:xfrm>
+          <a:prstGeom prst="rect">
+            <a:avLst/>
+          </a:prstGeom>
+        </p:spPr>
+        <p:txBody>
+          <a:bodyPr>
+            <a:normAutofit/>
+          </a:bodyPr>
+          <a:lstStyle/>
+          <a:p>
+            <a:r>
+              <a:rPr lang="de-DE" dirty="0"/>
+              <a:t>Referenzarchiv</a:t>
+            </a:r>
+          </a:p>
+        </p:txBody>
+      </p:sp>
+    </p:spTree>
+    <p:extLst>
+      <p:ext uri="{BB962C8B-B14F-4D97-AF65-F5344CB8AC3E}">
+        <p14:creationId xmlns:p14="http://schemas.microsoft.com/office/powerpoint/2010/main" val="3659548600"/>
+      </p:ext>
+    </p:extLst>
+  </p:cSld>
+  <p:clrMapOvr>
+    <a:masterClrMapping/>
+  </p:clrMapOvr>
+</p:sld>
+</file>
+
+<file path=ppt/slides/slide23.xml><?xml version="1.0" encoding="utf-8"?>
+<p:sld xmlns:a="http://schemas.openxmlformats.org/drawingml/2006/main" xmlns:r="http://schemas.openxmlformats.org/officeDocument/2006/relationships" xmlns:p="http://schemas.openxmlformats.org/presentationml/2006/main">
+  <p:cSld>
+    <p:spTree>
+      <p:nvGrpSpPr>
+        <p:cNvPr id="1" name=""/>
+        <p:cNvGrpSpPr/>
+        <p:nvPr/>
+      </p:nvGrpSpPr>
+      <p:grpSpPr>
+        <a:xfrm>
+          <a:off x="0" y="0"/>
+          <a:ext cx="0" cy="0"/>
+          <a:chOff x="0" y="0"/>
+          <a:chExt cx="0" cy="0"/>
+        </a:xfrm>
+      </p:grpSpPr>
+      <p:sp>
+        <p:nvSpPr>
+          <p:cNvPr id="5" name="Inhaltsplatzhalter 4">
+            <a:extLst>
+              <a:ext uri="{FF2B5EF4-FFF2-40B4-BE49-F238E27FC236}">
+                <a16:creationId xmlns:a16="http://schemas.microsoft.com/office/drawing/2014/main" id="{AEB324FE-DECD-4695-AD49-3199FDB60C24}"/>
+              </a:ext>
+            </a:extLst>
+          </p:cNvPr>
+          <p:cNvSpPr>
+            <a:spLocks noGrp="1"/>
+          </p:cNvSpPr>
+          <p:nvPr>
+            <p:ph idx="13"/>
+          </p:nvPr>
+        </p:nvSpPr>
+        <p:spPr/>
+        <p:txBody>
+          <a:bodyPr/>
+          <a:lstStyle/>
+          <a:p>
+            <a:r>
+              <a:rPr lang="de-DE" dirty="0"/>
+              <a:t>Push</a:t>
+            </a:r>
+          </a:p>
+          <a:p>
+            <a:pPr lvl="1"/>
+            <a:r>
+              <a:rPr lang="de-DE" dirty="0"/>
+              <a:t>Ermöglich lokale Änderungen auf den globalen Server zu legen</a:t>
+            </a:r>
+          </a:p>
+          <a:p>
+            <a:pPr lvl="1"/>
+            <a:r>
+              <a:rPr lang="de-DE" dirty="0"/>
+              <a:t>Kommando: </a:t>
+            </a:r>
+            <a:r>
+              <a:rPr lang="de-DE" b="1" i="1" dirty="0" err="1"/>
+              <a:t>git</a:t>
+            </a:r>
+            <a:r>
+              <a:rPr lang="de-DE" b="1" i="1" dirty="0"/>
+              <a:t> push</a:t>
+            </a:r>
+          </a:p>
+          <a:p>
+            <a:r>
+              <a:rPr lang="de-DE" dirty="0" err="1"/>
+              <a:t>Fetch</a:t>
+            </a:r>
+            <a:endParaRPr lang="de-DE" dirty="0"/>
+          </a:p>
+          <a:p>
+            <a:pPr lvl="1"/>
+            <a:r>
+              <a:rPr lang="de-DE" dirty="0"/>
+              <a:t>Vergleicht </a:t>
+            </a:r>
+            <a:r>
+              <a:rPr lang="de-DE" dirty="0" err="1"/>
+              <a:t>Refernezarchiv</a:t>
+            </a:r>
+            <a:r>
+              <a:rPr lang="de-DE" dirty="0"/>
+              <a:t> </a:t>
+            </a:r>
+            <a:r>
+              <a:rPr lang="de-DE" i="1" dirty="0" err="1"/>
+              <a:t>origin</a:t>
+            </a:r>
+            <a:r>
+              <a:rPr lang="de-DE" i="1" dirty="0"/>
+              <a:t> </a:t>
+            </a:r>
+            <a:r>
+              <a:rPr lang="de-DE" dirty="0"/>
+              <a:t>mit dem lokalen Stand</a:t>
+            </a:r>
+          </a:p>
+          <a:p>
+            <a:pPr lvl="1"/>
+            <a:r>
+              <a:rPr lang="de-DE" dirty="0"/>
+              <a:t>Abweichende Änderungen werden nur angezeigt und nicht integriert</a:t>
+            </a:r>
+          </a:p>
+          <a:p>
+            <a:pPr lvl="1"/>
+            <a:r>
+              <a:rPr lang="de-DE" dirty="0"/>
+              <a:t>Kommando: </a:t>
+            </a:r>
+            <a:r>
+              <a:rPr lang="de-DE" b="1" i="1" dirty="0" err="1"/>
+              <a:t>git</a:t>
+            </a:r>
+            <a:r>
+              <a:rPr lang="de-DE" b="1" i="1" dirty="0"/>
+              <a:t> </a:t>
+            </a:r>
+            <a:r>
+              <a:rPr lang="de-DE" b="1" i="1" dirty="0" err="1"/>
+              <a:t>fetch</a:t>
+            </a:r>
+            <a:endParaRPr lang="de-DE" b="1" i="1" dirty="0"/>
+          </a:p>
+          <a:p>
+            <a:pPr lvl="1"/>
+            <a:r>
+              <a:rPr lang="de-DE" dirty="0"/>
+              <a:t>Meist in Kombination von </a:t>
+            </a:r>
+            <a:r>
+              <a:rPr lang="de-DE" i="1" dirty="0" err="1"/>
+              <a:t>merge</a:t>
+            </a:r>
+            <a:endParaRPr lang="de-DE" i="1" dirty="0"/>
+          </a:p>
+          <a:p>
+            <a:pPr lvl="1"/>
+            <a:endParaRPr lang="de-DE" dirty="0"/>
+          </a:p>
+        </p:txBody>
+      </p:sp>
+      <p:sp>
+        <p:nvSpPr>
+          <p:cNvPr id="3" name="Titel 2">
+            <a:extLst>
+              <a:ext uri="{FF2B5EF4-FFF2-40B4-BE49-F238E27FC236}">
+                <a16:creationId xmlns:a16="http://schemas.microsoft.com/office/drawing/2014/main" id="{464AB558-9021-456D-A794-9A19A1E3EBA5}"/>
+              </a:ext>
+            </a:extLst>
+          </p:cNvPr>
+          <p:cNvSpPr>
+            <a:spLocks noGrp="1"/>
+          </p:cNvSpPr>
+          <p:nvPr>
+            <p:ph type="title" idx="4294967295"/>
+          </p:nvPr>
+        </p:nvSpPr>
+        <p:spPr>
+          <a:xfrm>
+            <a:off x="628650" y="365126"/>
+            <a:ext cx="7886700" cy="698903"/>
+          </a:xfrm>
+          <a:prstGeom prst="rect">
+            <a:avLst/>
+          </a:prstGeom>
+        </p:spPr>
+        <p:txBody>
+          <a:bodyPr>
+            <a:normAutofit/>
+          </a:bodyPr>
+          <a:lstStyle/>
+          <a:p>
+            <a:r>
+              <a:rPr lang="de-DE" dirty="0"/>
+              <a:t>Push / </a:t>
+            </a:r>
+            <a:r>
+              <a:rPr lang="de-DE" dirty="0" err="1"/>
+              <a:t>fetch</a:t>
+            </a:r>
+            <a:endParaRPr lang="de-DE" dirty="0"/>
+          </a:p>
+        </p:txBody>
+      </p:sp>
+    </p:spTree>
+    <p:extLst>
+      <p:ext uri="{BB962C8B-B14F-4D97-AF65-F5344CB8AC3E}">
+        <p14:creationId xmlns:p14="http://schemas.microsoft.com/office/powerpoint/2010/main" val="1883800244"/>
+      </p:ext>
+    </p:extLst>
+  </p:cSld>
+  <p:clrMapOvr>
+    <a:masterClrMapping/>
+  </p:clrMapOvr>
+</p:sld>
+</file>
+
+<file path=ppt/slides/slide24.xml><?xml version="1.0" encoding="utf-8"?>
+<p:sld xmlns:a="http://schemas.openxmlformats.org/drawingml/2006/main" xmlns:r="http://schemas.openxmlformats.org/officeDocument/2006/relationships" xmlns:p="http://schemas.openxmlformats.org/presentationml/2006/main">
+  <p:cSld>
+    <p:spTree>
+      <p:nvGrpSpPr>
+        <p:cNvPr id="1" name=""/>
+        <p:cNvGrpSpPr/>
+        <p:nvPr/>
+      </p:nvGrpSpPr>
+      <p:grpSpPr>
+        <a:xfrm>
+          <a:off x="0" y="0"/>
+          <a:ext cx="0" cy="0"/>
+          <a:chOff x="0" y="0"/>
+          <a:chExt cx="0" cy="0"/>
+        </a:xfrm>
+      </p:grpSpPr>
+      <p:sp>
+        <p:nvSpPr>
+          <p:cNvPr id="5" name="Inhaltsplatzhalter 4">
+            <a:extLst>
+              <a:ext uri="{FF2B5EF4-FFF2-40B4-BE49-F238E27FC236}">
+                <a16:creationId xmlns:a16="http://schemas.microsoft.com/office/drawing/2014/main" id="{E993345E-4322-4AD4-BA0B-0AE461CCFCD5}"/>
+              </a:ext>
+            </a:extLst>
+          </p:cNvPr>
+          <p:cNvSpPr>
+            <a:spLocks noGrp="1"/>
+          </p:cNvSpPr>
+          <p:nvPr>
+            <p:ph idx="13"/>
+          </p:nvPr>
+        </p:nvSpPr>
+        <p:spPr/>
+        <p:txBody>
+          <a:bodyPr/>
+          <a:lstStyle/>
+          <a:p>
+            <a:r>
+              <a:rPr lang="de-DE" dirty="0"/>
+              <a:t>Wird verwendet um das lokale Projektarchiv mit Änderungen des Referenzarchivs zu erweitern</a:t>
+            </a:r>
+          </a:p>
+          <a:p>
+            <a:r>
+              <a:rPr lang="de-DE" dirty="0"/>
+              <a:t>Kommando: </a:t>
+            </a:r>
+            <a:r>
+              <a:rPr lang="de-DE" b="1" i="1" dirty="0" err="1"/>
+              <a:t>git</a:t>
+            </a:r>
+            <a:r>
+              <a:rPr lang="de-DE" b="1" i="1" dirty="0"/>
+              <a:t> pull</a:t>
+            </a:r>
+          </a:p>
+          <a:p>
+            <a:r>
+              <a:rPr lang="de-DE" i="1" dirty="0"/>
+              <a:t>Pull</a:t>
+            </a:r>
+            <a:r>
+              <a:rPr lang="de-DE" dirty="0"/>
+              <a:t> ist eine Kombination aus </a:t>
+            </a:r>
+            <a:r>
+              <a:rPr lang="de-DE" i="1" dirty="0" err="1"/>
+              <a:t>fetch</a:t>
+            </a:r>
+            <a:r>
+              <a:rPr lang="de-DE" dirty="0"/>
+              <a:t> und </a:t>
+            </a:r>
+            <a:r>
+              <a:rPr lang="de-DE" i="1" dirty="0" err="1"/>
+              <a:t>merge</a:t>
+            </a:r>
+            <a:endParaRPr lang="de-DE" i="1" dirty="0"/>
+          </a:p>
+          <a:p>
+            <a:r>
+              <a:rPr lang="de-DE" dirty="0"/>
+              <a:t>Mit Anhang --</a:t>
+            </a:r>
+            <a:r>
+              <a:rPr lang="de-DE" b="1" i="1" dirty="0" err="1"/>
+              <a:t>rebase</a:t>
+            </a:r>
+            <a:r>
+              <a:rPr lang="de-DE" dirty="0"/>
+              <a:t> werden lokale Abweichungen verschoben</a:t>
+            </a:r>
+          </a:p>
+          <a:p>
+            <a:pPr lvl="1"/>
+            <a:endParaRPr lang="de-DE" dirty="0"/>
+          </a:p>
+        </p:txBody>
+      </p:sp>
+      <p:sp>
+        <p:nvSpPr>
+          <p:cNvPr id="3" name="Titel 2">
+            <a:extLst>
+              <a:ext uri="{FF2B5EF4-FFF2-40B4-BE49-F238E27FC236}">
+                <a16:creationId xmlns:a16="http://schemas.microsoft.com/office/drawing/2014/main" id="{2894306C-BD41-4925-9236-4DE81AE928D0}"/>
+              </a:ext>
+            </a:extLst>
+          </p:cNvPr>
+          <p:cNvSpPr>
+            <a:spLocks noGrp="1"/>
+          </p:cNvSpPr>
+          <p:nvPr>
+            <p:ph type="title" idx="4294967295"/>
+          </p:nvPr>
+        </p:nvSpPr>
+        <p:spPr>
+          <a:xfrm>
+            <a:off x="628650" y="365126"/>
+            <a:ext cx="7886700" cy="698903"/>
+          </a:xfrm>
+          <a:prstGeom prst="rect">
+            <a:avLst/>
+          </a:prstGeom>
+        </p:spPr>
+        <p:txBody>
+          <a:bodyPr>
+            <a:normAutofit/>
+          </a:bodyPr>
+          <a:lstStyle/>
+          <a:p>
+            <a:r>
+              <a:rPr lang="de-DE" dirty="0"/>
+              <a:t>Pull</a:t>
+            </a:r>
+          </a:p>
+        </p:txBody>
+      </p:sp>
+    </p:spTree>
+    <p:extLst>
+      <p:ext uri="{BB962C8B-B14F-4D97-AF65-F5344CB8AC3E}">
+        <p14:creationId xmlns:p14="http://schemas.microsoft.com/office/powerpoint/2010/main" val="4273179020"/>
+      </p:ext>
+    </p:extLst>
+  </p:cSld>
+  <p:clrMapOvr>
+    <a:masterClrMapping/>
+  </p:clrMapOvr>
+</p:sld>
+</file>
+
+<file path=ppt/slides/slide25.xml><?xml version="1.0" encoding="utf-8"?>
+<p:sld xmlns:a="http://schemas.openxmlformats.org/drawingml/2006/main" xmlns:r="http://schemas.openxmlformats.org/officeDocument/2006/relationships" xmlns:p="http://schemas.openxmlformats.org/presentationml/2006/main">
+  <p:cSld>
+    <p:spTree>
+      <p:nvGrpSpPr>
+        <p:cNvPr id="1" name=""/>
+        <p:cNvGrpSpPr/>
+        <p:nvPr/>
+      </p:nvGrpSpPr>
+      <p:grpSpPr>
+        <a:xfrm>
+          <a:off x="0" y="0"/>
+          <a:ext cx="0" cy="0"/>
+          <a:chOff x="0" y="0"/>
+          <a:chExt cx="0" cy="0"/>
+        </a:xfrm>
+      </p:grpSpPr>
+      <p:sp>
+        <p:nvSpPr>
+          <p:cNvPr id="3" name="Titel 2">
+            <a:extLst>
+              <a:ext uri="{FF2B5EF4-FFF2-40B4-BE49-F238E27FC236}">
+                <a16:creationId xmlns:a16="http://schemas.microsoft.com/office/drawing/2014/main" id="{5143EDCB-1E40-4482-A2C7-B4CCD80B0FE7}"/>
+              </a:ext>
+            </a:extLst>
+          </p:cNvPr>
+          <p:cNvSpPr>
+            <a:spLocks noGrp="1"/>
+          </p:cNvSpPr>
+          <p:nvPr>
+            <p:ph type="title"/>
+          </p:nvPr>
+        </p:nvSpPr>
+        <p:spPr/>
+        <p:txBody>
+          <a:bodyPr/>
+          <a:lstStyle/>
+          <a:p>
+            <a:endParaRPr lang="de-DE"/>
+          </a:p>
+        </p:txBody>
+      </p:sp>
+    </p:spTree>
+    <p:extLst>
+      <p:ext uri="{BB962C8B-B14F-4D97-AF65-F5344CB8AC3E}">
+        <p14:creationId xmlns:p14="http://schemas.microsoft.com/office/powerpoint/2010/main" val="1490657441"/>
+      </p:ext>
+    </p:extLst>
+  </p:cSld>
+  <p:clrMapOvr>
+    <a:masterClrMapping/>
+  </p:clrMapOvr>
+</p:sld>
+</file>
+
+<file path=ppt/slides/slide26.xml><?xml version="1.0" encoding="utf-8"?>
+<p:sld xmlns:a="http://schemas.openxmlformats.org/drawingml/2006/main" xmlns:r="http://schemas.openxmlformats.org/officeDocument/2006/relationships" xmlns:p="http://schemas.openxmlformats.org/presentationml/2006/main">
+  <p:cSld>
+    <p:spTree>
+      <p:nvGrpSpPr>
+        <p:cNvPr id="1" name=""/>
+        <p:cNvGrpSpPr/>
+        <p:nvPr/>
+      </p:nvGrpSpPr>
+      <p:grpSpPr>
+        <a:xfrm>
+          <a:off x="0" y="0"/>
+          <a:ext cx="0" cy="0"/>
+          <a:chOff x="0" y="0"/>
+          <a:chExt cx="0" cy="0"/>
+        </a:xfrm>
+      </p:grpSpPr>
+      <p:sp>
+        <p:nvSpPr>
+          <p:cNvPr id="5" name="Inhaltsplatzhalter 4">
+            <a:extLst>
+              <a:ext uri="{FF2B5EF4-FFF2-40B4-BE49-F238E27FC236}">
+                <a16:creationId xmlns:a16="http://schemas.microsoft.com/office/drawing/2014/main" id="{D11C433A-E762-4300-9BC5-EC05FEE99101}"/>
+              </a:ext>
+            </a:extLst>
+          </p:cNvPr>
+          <p:cNvSpPr>
+            <a:spLocks noGrp="1"/>
+          </p:cNvSpPr>
+          <p:nvPr>
+            <p:ph idx="13"/>
+          </p:nvPr>
+        </p:nvSpPr>
+        <p:spPr/>
+        <p:txBody>
+          <a:bodyPr/>
+          <a:lstStyle/>
+          <a:p>
+            <a:r>
+              <a:rPr lang="de-DE" dirty="0"/>
+              <a:t>Markierung einzelner </a:t>
+            </a:r>
+            <a:r>
+              <a:rPr lang="de-DE" dirty="0" err="1"/>
+              <a:t>Commits</a:t>
+            </a:r>
+            <a:r>
+              <a:rPr lang="de-DE" dirty="0"/>
+              <a:t> zur:</a:t>
+            </a:r>
+          </a:p>
+          <a:p>
+            <a:pPr lvl="1"/>
+            <a:r>
+              <a:rPr lang="de-DE" dirty="0"/>
+              <a:t>Einfacheren </a:t>
+            </a:r>
+            <a:r>
+              <a:rPr lang="de-DE" dirty="0" err="1"/>
+              <a:t>Referenzierung</a:t>
+            </a:r>
+            <a:endParaRPr lang="de-DE" dirty="0"/>
+          </a:p>
+          <a:p>
+            <a:pPr lvl="1"/>
+            <a:r>
+              <a:rPr lang="de-DE" dirty="0"/>
+              <a:t>Identifizierung von Releases</a:t>
+            </a:r>
+          </a:p>
+          <a:p>
+            <a:pPr lvl="1"/>
+            <a:r>
+              <a:rPr lang="de-DE" dirty="0"/>
+              <a:t>Markung wichtiger Stände</a:t>
+            </a:r>
+          </a:p>
+          <a:p>
+            <a:r>
+              <a:rPr lang="de-DE" dirty="0"/>
+              <a:t>Kommando: </a:t>
+            </a:r>
+            <a:r>
+              <a:rPr lang="de-DE" b="1" i="1" dirty="0" err="1"/>
+              <a:t>git</a:t>
+            </a:r>
+            <a:r>
+              <a:rPr lang="de-DE" b="1" i="1" dirty="0"/>
+              <a:t> tag &lt;Name&gt;</a:t>
+            </a:r>
+          </a:p>
+          <a:p>
+            <a:pPr lvl="1"/>
+            <a:r>
+              <a:rPr lang="de-DE" dirty="0"/>
+              <a:t>-a -m ‘Nachricht‘	Erweitere Nachricht wird mitgeführt</a:t>
+            </a:r>
+          </a:p>
+          <a:p>
+            <a:pPr lvl="1"/>
+            <a:r>
+              <a:rPr lang="de-DE" dirty="0" err="1"/>
+              <a:t>git</a:t>
+            </a:r>
+            <a:r>
+              <a:rPr lang="de-DE" dirty="0"/>
+              <a:t> tag		Listet alle Etiketten</a:t>
+            </a:r>
+          </a:p>
+          <a:p>
+            <a:endParaRPr lang="de-DE" dirty="0"/>
+          </a:p>
+          <a:p>
+            <a:endParaRPr lang="de-DE" dirty="0"/>
+          </a:p>
+          <a:p>
+            <a:endParaRPr lang="de-DE" dirty="0"/>
+          </a:p>
+          <a:p>
+            <a:endParaRPr lang="de-DE" dirty="0"/>
+          </a:p>
+          <a:p>
+            <a:r>
+              <a:rPr lang="de-DE" dirty="0"/>
+              <a:t>Erstellte Etiketten werden mit </a:t>
+            </a:r>
+            <a:r>
+              <a:rPr lang="de-DE" b="1" i="1" dirty="0" err="1"/>
+              <a:t>git</a:t>
+            </a:r>
+            <a:r>
+              <a:rPr lang="de-DE" b="1" i="1" dirty="0"/>
+              <a:t> push </a:t>
+            </a:r>
+            <a:r>
+              <a:rPr lang="de-DE" b="1" i="1" dirty="0" err="1"/>
+              <a:t>origin</a:t>
+            </a:r>
+            <a:r>
+              <a:rPr lang="de-DE" b="1" i="1" dirty="0"/>
+              <a:t> &lt;Etikett&gt;</a:t>
+            </a:r>
+            <a:r>
+              <a:rPr lang="de-DE" dirty="0"/>
+              <a:t> dem Referenzarchiv hinzugefügt</a:t>
+            </a:r>
+          </a:p>
+        </p:txBody>
+      </p:sp>
+      <p:sp>
+        <p:nvSpPr>
+          <p:cNvPr id="3" name="Titel 2">
+            <a:extLst>
+              <a:ext uri="{FF2B5EF4-FFF2-40B4-BE49-F238E27FC236}">
+                <a16:creationId xmlns:a16="http://schemas.microsoft.com/office/drawing/2014/main" id="{BA15A607-5F02-4538-AEB6-A00CE280607F}"/>
+              </a:ext>
+            </a:extLst>
+          </p:cNvPr>
+          <p:cNvSpPr>
+            <a:spLocks noGrp="1"/>
+          </p:cNvSpPr>
+          <p:nvPr>
+            <p:ph type="title" idx="4294967295"/>
+          </p:nvPr>
+        </p:nvSpPr>
+        <p:spPr>
+          <a:xfrm>
+            <a:off x="628650" y="365126"/>
+            <a:ext cx="7886700" cy="698903"/>
+          </a:xfrm>
+          <a:prstGeom prst="rect">
+            <a:avLst/>
+          </a:prstGeom>
+        </p:spPr>
+        <p:txBody>
+          <a:bodyPr>
+            <a:normAutofit/>
+          </a:bodyPr>
+          <a:lstStyle/>
+          <a:p>
+            <a:r>
+              <a:rPr lang="de-DE" dirty="0"/>
+              <a:t>Tags / Etiketten</a:t>
+            </a:r>
+          </a:p>
+        </p:txBody>
+      </p:sp>
+      <p:pic>
+        <p:nvPicPr>
+          <p:cNvPr id="6" name="Grafik 5">
+            <a:extLst>
+              <a:ext uri="{FF2B5EF4-FFF2-40B4-BE49-F238E27FC236}">
+                <a16:creationId xmlns:a16="http://schemas.microsoft.com/office/drawing/2014/main" id="{9EC0502E-A276-469C-8BAE-8E105BE8005F}"/>
+              </a:ext>
+            </a:extLst>
+          </p:cNvPr>
+          <p:cNvPicPr>
+            <a:picLocks noChangeAspect="1"/>
+          </p:cNvPicPr>
+          <p:nvPr/>
+        </p:nvPicPr>
+        <p:blipFill>
+          <a:blip r:embed="rId2"/>
+          <a:stretch>
+            <a:fillRect/>
+          </a:stretch>
+        </p:blipFill>
+        <p:spPr>
+          <a:xfrm>
+            <a:off x="2316239" y="3711145"/>
+            <a:ext cx="4560203" cy="1060796"/>
+          </a:xfrm>
+          <a:prstGeom prst="rect">
+            <a:avLst/>
+          </a:prstGeom>
+        </p:spPr>
+      </p:pic>
+    </p:spTree>
+    <p:extLst>
+      <p:ext uri="{BB962C8B-B14F-4D97-AF65-F5344CB8AC3E}">
+        <p14:creationId xmlns:p14="http://schemas.microsoft.com/office/powerpoint/2010/main" val="1450166957"/>
+      </p:ext>
+    </p:extLst>
+  </p:cSld>
+  <p:clrMapOvr>
+    <a:masterClrMapping/>
+  </p:clrMapOvr>
+</p:sld>
+</file>
+
+<file path=ppt/slides/slide27.xml><?xml version="1.0" encoding="utf-8"?>
+<p:sld xmlns:a="http://schemas.openxmlformats.org/drawingml/2006/main" xmlns:r="http://schemas.openxmlformats.org/officeDocument/2006/relationships" xmlns:p="http://schemas.openxmlformats.org/presentationml/2006/main">
+  <p:cSld>
+    <p:spTree>
+      <p:nvGrpSpPr>
+        <p:cNvPr id="1" name=""/>
+        <p:cNvGrpSpPr/>
+        <p:nvPr/>
+      </p:nvGrpSpPr>
+      <p:grpSpPr>
+        <a:xfrm>
+          <a:off x="0" y="0"/>
+          <a:ext cx="0" cy="0"/>
+          <a:chOff x="0" y="0"/>
+          <a:chExt cx="0" cy="0"/>
+        </a:xfrm>
+      </p:grpSpPr>
+      <p:sp>
+        <p:nvSpPr>
+          <p:cNvPr id="5" name="Inhaltsplatzhalter 4">
+            <a:extLst>
+              <a:ext uri="{FF2B5EF4-FFF2-40B4-BE49-F238E27FC236}">
+                <a16:creationId xmlns:a16="http://schemas.microsoft.com/office/drawing/2014/main" id="{61CB1704-BF34-4A74-BACA-A21BC9525ED1}"/>
+              </a:ext>
+            </a:extLst>
+          </p:cNvPr>
+          <p:cNvSpPr>
+            <a:spLocks noGrp="1"/>
+          </p:cNvSpPr>
+          <p:nvPr>
+            <p:ph idx="13"/>
+          </p:nvPr>
+        </p:nvSpPr>
+        <p:spPr/>
+        <p:txBody>
+          <a:bodyPr/>
+          <a:lstStyle/>
+          <a:p>
+            <a:r>
+              <a:rPr lang="de-DE" dirty="0"/>
+              <a:t>Diff</a:t>
+            </a:r>
+          </a:p>
+          <a:p>
+            <a:pPr lvl="1"/>
+            <a:r>
+              <a:rPr lang="de-DE" dirty="0"/>
+              <a:t>Zeigt Dateiänderungen in der Arbeitskopie</a:t>
+            </a:r>
+          </a:p>
+          <a:p>
+            <a:pPr lvl="1"/>
+            <a:r>
+              <a:rPr lang="de-DE" dirty="0"/>
+              <a:t>Berücksichtigt werden </a:t>
+            </a:r>
+            <a:r>
+              <a:rPr lang="de-DE" b="1" dirty="0"/>
+              <a:t>nicht: </a:t>
+            </a:r>
+          </a:p>
+          <a:p>
+            <a:pPr lvl="2"/>
+            <a:r>
+              <a:rPr lang="de-DE" sz="1600" dirty="0"/>
+              <a:t>Dateien im Index Bereich</a:t>
+            </a:r>
+          </a:p>
+          <a:p>
+            <a:pPr lvl="2"/>
+            <a:r>
+              <a:rPr lang="de-DE" sz="1600" dirty="0"/>
+              <a:t>Neu Hinzugefügte Dateien</a:t>
+            </a:r>
+          </a:p>
+          <a:p>
+            <a:pPr lvl="1"/>
+            <a:r>
+              <a:rPr lang="de-DE" dirty="0"/>
+              <a:t>Kommando: </a:t>
+            </a:r>
+            <a:r>
+              <a:rPr lang="de-DE" b="1" i="1" dirty="0" err="1"/>
+              <a:t>git</a:t>
+            </a:r>
+            <a:r>
+              <a:rPr lang="de-DE" b="1" i="1" dirty="0"/>
+              <a:t> </a:t>
+            </a:r>
+            <a:r>
+              <a:rPr lang="de-DE" b="1" i="1" dirty="0" err="1"/>
+              <a:t>diff</a:t>
+            </a:r>
+            <a:endParaRPr lang="de-DE" b="1" i="1" dirty="0"/>
+          </a:p>
+          <a:p>
+            <a:pPr lvl="1"/>
+            <a:r>
+              <a:rPr lang="de-DE" b="1" i="1" dirty="0"/>
+              <a:t>--</a:t>
+            </a:r>
+            <a:r>
+              <a:rPr lang="de-DE" b="1" i="1" dirty="0" err="1"/>
+              <a:t>staged</a:t>
+            </a:r>
+            <a:r>
+              <a:rPr lang="de-DE" b="1" i="1" dirty="0"/>
+              <a:t> </a:t>
+            </a:r>
+            <a:r>
+              <a:rPr lang="de-DE" dirty="0"/>
+              <a:t>ermöglicht das einsehen von Änderungen im Index Bereich</a:t>
+            </a:r>
+          </a:p>
+          <a:p>
+            <a:pPr lvl="1"/>
+            <a:r>
+              <a:rPr lang="de-DE" b="1" i="1" dirty="0"/>
+              <a:t>--</a:t>
+            </a:r>
+            <a:r>
+              <a:rPr lang="de-DE" b="1" i="1" dirty="0" err="1"/>
+              <a:t>binary</a:t>
+            </a:r>
+            <a:r>
+              <a:rPr lang="de-DE" b="1" i="1" dirty="0"/>
+              <a:t> </a:t>
+            </a:r>
+            <a:r>
+              <a:rPr lang="de-DE" dirty="0"/>
+              <a:t>einbezieht binäre Dateien</a:t>
+            </a:r>
+            <a:endParaRPr lang="de-DE" b="1" dirty="0"/>
+          </a:p>
+          <a:p>
+            <a:r>
+              <a:rPr lang="de-DE" dirty="0"/>
+              <a:t>Patch</a:t>
+            </a:r>
+          </a:p>
+          <a:p>
+            <a:pPr lvl="1"/>
+            <a:r>
+              <a:rPr lang="de-DE" dirty="0"/>
+              <a:t>Ermöglicht schnell große Änderungen von Host-Anbietern zu übertragen und zu integrieren</a:t>
+            </a:r>
+          </a:p>
+          <a:p>
+            <a:pPr lvl="1"/>
+            <a:r>
+              <a:rPr lang="de-DE" dirty="0"/>
+              <a:t>Kommando: </a:t>
+            </a:r>
+            <a:r>
+              <a:rPr lang="de-DE" b="1" i="1" dirty="0" err="1"/>
+              <a:t>git</a:t>
+            </a:r>
+            <a:r>
+              <a:rPr lang="de-DE" b="1" i="1" dirty="0"/>
+              <a:t> format-patch &lt;Zweig&gt; -1 &lt;Prüfsumme&gt;</a:t>
+            </a:r>
+          </a:p>
+        </p:txBody>
+      </p:sp>
+      <p:sp>
+        <p:nvSpPr>
+          <p:cNvPr id="3" name="Titel 2">
+            <a:extLst>
+              <a:ext uri="{FF2B5EF4-FFF2-40B4-BE49-F238E27FC236}">
+                <a16:creationId xmlns:a16="http://schemas.microsoft.com/office/drawing/2014/main" id="{5AE84672-22D6-4DD1-ABA8-56B9967986BD}"/>
+              </a:ext>
+            </a:extLst>
+          </p:cNvPr>
+          <p:cNvSpPr>
+            <a:spLocks noGrp="1"/>
+          </p:cNvSpPr>
+          <p:nvPr>
+            <p:ph type="title" idx="4294967295"/>
+          </p:nvPr>
+        </p:nvSpPr>
+        <p:spPr>
+          <a:xfrm>
+            <a:off x="628650" y="365126"/>
+            <a:ext cx="7886700" cy="698903"/>
+          </a:xfrm>
+          <a:prstGeom prst="rect">
+            <a:avLst/>
+          </a:prstGeom>
+        </p:spPr>
+        <p:txBody>
+          <a:bodyPr>
+            <a:normAutofit/>
+          </a:bodyPr>
+          <a:lstStyle/>
+          <a:p>
+            <a:r>
+              <a:rPr lang="de-DE" dirty="0"/>
+              <a:t>Änderungen integrieren</a:t>
+            </a:r>
+          </a:p>
+        </p:txBody>
+      </p:sp>
+    </p:spTree>
+    <p:extLst>
+      <p:ext uri="{BB962C8B-B14F-4D97-AF65-F5344CB8AC3E}">
+        <p14:creationId xmlns:p14="http://schemas.microsoft.com/office/powerpoint/2010/main" val="3289326896"/>
+      </p:ext>
+    </p:extLst>
+  </p:cSld>
+  <p:clrMapOvr>
+    <a:masterClrMapping/>
+  </p:clrMapOvr>
+</p:sld>
+</file>
+
+<file path=ppt/slides/slide28.xml><?xml version="1.0" encoding="utf-8"?>
+<p:sld xmlns:a="http://schemas.openxmlformats.org/drawingml/2006/main" xmlns:r="http://schemas.openxmlformats.org/officeDocument/2006/relationships" xmlns:p="http://schemas.openxmlformats.org/presentationml/2006/main">
+  <p:cSld>
+    <p:spTree>
+      <p:nvGrpSpPr>
+        <p:cNvPr id="1" name=""/>
+        <p:cNvGrpSpPr/>
+        <p:nvPr/>
+      </p:nvGrpSpPr>
+      <p:grpSpPr>
+        <a:xfrm>
+          <a:off x="0" y="0"/>
+          <a:ext cx="0" cy="0"/>
+          <a:chOff x="0" y="0"/>
+          <a:chExt cx="0" cy="0"/>
+        </a:xfrm>
+      </p:grpSpPr>
+      <p:sp>
+        <p:nvSpPr>
+          <p:cNvPr id="5" name="Inhaltsplatzhalter 4">
+            <a:extLst>
+              <a:ext uri="{FF2B5EF4-FFF2-40B4-BE49-F238E27FC236}">
+                <a16:creationId xmlns:a16="http://schemas.microsoft.com/office/drawing/2014/main" id="{25D7B170-D8D2-41A1-B5D8-0717A6B89BDE}"/>
+              </a:ext>
+            </a:extLst>
+          </p:cNvPr>
+          <p:cNvSpPr>
+            <a:spLocks noGrp="1"/>
+          </p:cNvSpPr>
+          <p:nvPr>
+            <p:ph idx="13"/>
+          </p:nvPr>
+        </p:nvSpPr>
+        <p:spPr/>
+        <p:txBody>
+          <a:bodyPr/>
+          <a:lstStyle/>
+          <a:p>
+            <a:r>
+              <a:rPr lang="de-DE" dirty="0"/>
+              <a:t>Beide Kommandos wenden eine Zwischenspeicherung auf die aktuelle Arbeitsmappe an</a:t>
+            </a:r>
+          </a:p>
+          <a:p>
+            <a:r>
+              <a:rPr lang="de-DE" dirty="0" err="1"/>
+              <a:t>Apply</a:t>
+            </a:r>
+            <a:endParaRPr lang="de-DE" dirty="0"/>
+          </a:p>
+          <a:p>
+            <a:pPr lvl="1"/>
+            <a:endParaRPr lang="de-DE" dirty="0"/>
+          </a:p>
+        </p:txBody>
+      </p:sp>
+      <p:sp>
+        <p:nvSpPr>
+          <p:cNvPr id="3" name="Titel 2">
+            <a:extLst>
+              <a:ext uri="{FF2B5EF4-FFF2-40B4-BE49-F238E27FC236}">
+                <a16:creationId xmlns:a16="http://schemas.microsoft.com/office/drawing/2014/main" id="{351777FE-4563-4796-925B-0598F7CF1E6A}"/>
+              </a:ext>
+            </a:extLst>
+          </p:cNvPr>
+          <p:cNvSpPr>
+            <a:spLocks noGrp="1"/>
+          </p:cNvSpPr>
+          <p:nvPr>
+            <p:ph type="title" idx="4294967295"/>
+          </p:nvPr>
+        </p:nvSpPr>
+        <p:spPr>
+          <a:xfrm>
+            <a:off x="628650" y="365126"/>
+            <a:ext cx="7886700" cy="698903"/>
+          </a:xfrm>
+          <a:prstGeom prst="rect">
+            <a:avLst/>
+          </a:prstGeom>
+        </p:spPr>
+        <p:txBody>
+          <a:bodyPr>
+            <a:normAutofit/>
+          </a:bodyPr>
+          <a:lstStyle/>
+          <a:p>
+            <a:r>
+              <a:rPr lang="de-DE" dirty="0" err="1"/>
+              <a:t>Apply</a:t>
+            </a:r>
+            <a:r>
+              <a:rPr lang="de-DE" dirty="0"/>
+              <a:t> </a:t>
+            </a:r>
+            <a:r>
+              <a:rPr lang="de-DE" dirty="0" err="1"/>
+              <a:t>pop</a:t>
+            </a:r>
+            <a:endParaRPr lang="de-DE" dirty="0"/>
+          </a:p>
+        </p:txBody>
+      </p:sp>
+    </p:spTree>
+    <p:extLst>
+      <p:ext uri="{BB962C8B-B14F-4D97-AF65-F5344CB8AC3E}">
+        <p14:creationId xmlns:p14="http://schemas.microsoft.com/office/powerpoint/2010/main" val="2236011970"/>
+      </p:ext>
+    </p:extLst>
+  </p:cSld>
+  <p:clrMapOvr>
+    <a:masterClrMapping/>
+  </p:clrMapOvr>
+</p:sld>
+</file>
+
+<file path=ppt/slides/slide29.xml><?xml version="1.0" encoding="utf-8"?>
+<p:sld xmlns:a="http://schemas.openxmlformats.org/drawingml/2006/main" xmlns:r="http://schemas.openxmlformats.org/officeDocument/2006/relationships" xmlns:p="http://schemas.openxmlformats.org/presentationml/2006/main">
+  <p:cSld>
+    <p:spTree>
+      <p:nvGrpSpPr>
+        <p:cNvPr id="1" name=""/>
+        <p:cNvGrpSpPr/>
+        <p:nvPr/>
+      </p:nvGrpSpPr>
+      <p:grpSpPr>
+        <a:xfrm>
+          <a:off x="0" y="0"/>
+          <a:ext cx="0" cy="0"/>
+          <a:chOff x="0" y="0"/>
+          <a:chExt cx="0" cy="0"/>
+        </a:xfrm>
+      </p:grpSpPr>
+      <p:sp>
+        <p:nvSpPr>
+          <p:cNvPr id="5" name="Inhaltsplatzhalter 4">
+            <a:extLst>
+              <a:ext uri="{FF2B5EF4-FFF2-40B4-BE49-F238E27FC236}">
+                <a16:creationId xmlns:a16="http://schemas.microsoft.com/office/drawing/2014/main" id="{23412329-D4D2-43D4-98E8-7A1CF18735C1}"/>
+              </a:ext>
+            </a:extLst>
+          </p:cNvPr>
+          <p:cNvSpPr>
+            <a:spLocks noGrp="1"/>
+          </p:cNvSpPr>
+          <p:nvPr>
+            <p:ph idx="13"/>
+          </p:nvPr>
+        </p:nvSpPr>
+        <p:spPr/>
+        <p:txBody>
+          <a:bodyPr/>
+          <a:lstStyle/>
+          <a:p>
+            <a:r>
+              <a:rPr lang="de-DE" dirty="0"/>
+              <a:t>Wird benutzt um eine einzelnen Commit auf einem anderen Zweig anzuwenden</a:t>
+            </a:r>
+          </a:p>
+          <a:p>
+            <a:r>
+              <a:rPr lang="de-DE" dirty="0"/>
+              <a:t>Kommando: </a:t>
+            </a:r>
+            <a:r>
+              <a:rPr lang="de-DE" b="1" i="1" dirty="0" err="1"/>
+              <a:t>git</a:t>
+            </a:r>
+            <a:r>
+              <a:rPr lang="de-DE" b="1" i="1" dirty="0"/>
+              <a:t> </a:t>
+            </a:r>
+            <a:r>
+              <a:rPr lang="de-DE" b="1" i="1" dirty="0" err="1"/>
+              <a:t>cherry</a:t>
+            </a:r>
+            <a:r>
+              <a:rPr lang="de-DE" b="1" i="1" dirty="0"/>
+              <a:t>-pick &lt;Prüfsumme&gt;</a:t>
+            </a:r>
+          </a:p>
+          <a:p>
+            <a:r>
+              <a:rPr lang="de-DE" dirty="0"/>
+              <a:t>Nachteil ist, dass Commit in Form eines </a:t>
+            </a:r>
+            <a:r>
+              <a:rPr lang="de-DE" i="1" dirty="0" err="1"/>
+              <a:t>patch</a:t>
+            </a:r>
+            <a:r>
+              <a:rPr lang="de-DE" dirty="0"/>
+              <a:t> auf den Zweig angewandt wird</a:t>
+            </a:r>
+          </a:p>
+          <a:p>
+            <a:pPr lvl="1"/>
+            <a:r>
+              <a:rPr lang="de-DE" dirty="0"/>
+              <a:t> keine Information über Herkunft</a:t>
+            </a:r>
+          </a:p>
+          <a:p>
+            <a:r>
+              <a:rPr lang="de-DE" dirty="0"/>
+              <a:t>Mit Anhang </a:t>
+            </a:r>
+            <a:r>
+              <a:rPr lang="de-DE" b="1" i="1" dirty="0"/>
+              <a:t>-x </a:t>
+            </a:r>
+            <a:r>
+              <a:rPr lang="de-DE" dirty="0"/>
+              <a:t>kann dies vermieden werden</a:t>
+            </a:r>
+          </a:p>
+          <a:p>
+            <a:pPr lvl="1"/>
+            <a:r>
+              <a:rPr lang="de-DE" dirty="0"/>
+              <a:t>In der Nachricht wird eine Zeile hinzugefügt, die auf die Herkunft verweist</a:t>
+            </a:r>
+          </a:p>
+          <a:p>
+            <a:pPr marL="0" indent="0">
+              <a:buNone/>
+            </a:pPr>
+            <a:endParaRPr lang="de-DE" dirty="0"/>
+          </a:p>
+        </p:txBody>
+      </p:sp>
+      <p:sp>
+        <p:nvSpPr>
+          <p:cNvPr id="3" name="Titel 2">
+            <a:extLst>
+              <a:ext uri="{FF2B5EF4-FFF2-40B4-BE49-F238E27FC236}">
+                <a16:creationId xmlns:a16="http://schemas.microsoft.com/office/drawing/2014/main" id="{3BF9BE68-E0B5-45BF-BABF-1381FA0F54F5}"/>
+              </a:ext>
+            </a:extLst>
+          </p:cNvPr>
+          <p:cNvSpPr>
+            <a:spLocks noGrp="1"/>
+          </p:cNvSpPr>
+          <p:nvPr>
+            <p:ph type="title" idx="4294967295"/>
+          </p:nvPr>
+        </p:nvSpPr>
+        <p:spPr>
+          <a:xfrm>
+            <a:off x="628650" y="365126"/>
+            <a:ext cx="7886700" cy="698903"/>
+          </a:xfrm>
+          <a:prstGeom prst="rect">
+            <a:avLst/>
+          </a:prstGeom>
+        </p:spPr>
+        <p:txBody>
+          <a:bodyPr>
+            <a:normAutofit/>
+          </a:bodyPr>
+          <a:lstStyle/>
+          <a:p>
+            <a:r>
+              <a:rPr lang="de-DE" dirty="0"/>
+              <a:t>Cherry pick</a:t>
+            </a:r>
+          </a:p>
+        </p:txBody>
+      </p:sp>
+      <p:pic>
+        <p:nvPicPr>
+          <p:cNvPr id="2" name="Grafik 1">
+            <a:extLst>
+              <a:ext uri="{FF2B5EF4-FFF2-40B4-BE49-F238E27FC236}">
+                <a16:creationId xmlns:a16="http://schemas.microsoft.com/office/drawing/2014/main" id="{D54893E9-2002-45F8-88F9-62654C66B0C2}"/>
+              </a:ext>
+            </a:extLst>
+          </p:cNvPr>
+          <p:cNvPicPr>
+            <a:picLocks noChangeAspect="1"/>
+          </p:cNvPicPr>
+          <p:nvPr/>
+        </p:nvPicPr>
+        <p:blipFill>
+          <a:blip r:embed="rId2"/>
+          <a:stretch>
+            <a:fillRect/>
+          </a:stretch>
+        </p:blipFill>
+        <p:spPr>
+          <a:xfrm>
+            <a:off x="2623946" y="4246307"/>
+            <a:ext cx="3944790" cy="1810982"/>
+          </a:xfrm>
+          <a:prstGeom prst="rect">
+            <a:avLst/>
+          </a:prstGeom>
+        </p:spPr>
+      </p:pic>
+    </p:spTree>
+    <p:extLst>
+      <p:ext uri="{BB962C8B-B14F-4D97-AF65-F5344CB8AC3E}">
+        <p14:creationId xmlns:p14="http://schemas.microsoft.com/office/powerpoint/2010/main" val="1034010443"/>
+      </p:ext>
+    </p:extLst>
+  </p:cSld>
+  <p:clrMapOvr>
+    <a:masterClrMapping/>
+  </p:clrMapOvr>
+</p:sld>
+</file>
+
+<file path=ppt/slides/slide3.xml><?xml version="1.0" encoding="utf-8"?>
+<p:sld xmlns:a="http://schemas.openxmlformats.org/drawingml/2006/main" xmlns:r="http://schemas.openxmlformats.org/officeDocument/2006/relationships" xmlns:p="http://schemas.openxmlformats.org/presentationml/2006/main">
+  <p:cSld>
+    <p:spTree>
+      <p:nvGrpSpPr>
+        <p:cNvPr id="1" name=""/>
+        <p:cNvGrpSpPr/>
+        <p:nvPr/>
+      </p:nvGrpSpPr>
+      <p:grpSpPr>
+        <a:xfrm>
+          <a:off x="0" y="0"/>
+          <a:ext cx="0" cy="0"/>
+          <a:chOff x="0" y="0"/>
+          <a:chExt cx="0" cy="0"/>
+        </a:xfrm>
+      </p:grpSpPr>
+      <p:sp>
+        <p:nvSpPr>
+          <p:cNvPr id="3" name="Inhaltsplatzhalter 2">
+            <a:extLst>
+              <a:ext uri="{FF2B5EF4-FFF2-40B4-BE49-F238E27FC236}">
+                <a16:creationId xmlns:a16="http://schemas.microsoft.com/office/drawing/2014/main" id="{BA550CEE-E433-4CF3-98B1-3DF82889D543}"/>
+              </a:ext>
+            </a:extLst>
+          </p:cNvPr>
+          <p:cNvSpPr>
+            <a:spLocks noGrp="1"/>
+          </p:cNvSpPr>
+          <p:nvPr>
+            <p:ph idx="13"/>
+          </p:nvPr>
+        </p:nvSpPr>
+        <p:spPr/>
+        <p:txBody>
+          <a:bodyPr/>
+          <a:lstStyle/>
+          <a:p>
+            <a:pPr marL="0" indent="0">
+              <a:buNone/>
+            </a:pPr>
+            <a:r>
+              <a:rPr lang="de-DE" dirty="0"/>
+              <a:t>Verwendung des Kommandos </a:t>
+            </a:r>
+            <a:r>
+              <a:rPr lang="de-DE" dirty="0" err="1"/>
+              <a:t>apt-get</a:t>
+            </a:r>
+            <a:r>
+              <a:rPr lang="de-DE" dirty="0"/>
+              <a:t>:</a:t>
+            </a:r>
+          </a:p>
+          <a:p>
+            <a:pPr marL="800100" lvl="1" indent="-342900">
+              <a:buFont typeface="+mj-lt"/>
+              <a:buAutoNum type="arabicPeriod"/>
+            </a:pPr>
+            <a:r>
+              <a:rPr lang="de-DE" dirty="0"/>
+              <a:t>Erneuerung der Referenzen</a:t>
+            </a:r>
+          </a:p>
+          <a:p>
+            <a:pPr marL="800100" lvl="1" indent="-342900">
+              <a:buFont typeface="+mj-lt"/>
+              <a:buAutoNum type="arabicPeriod"/>
+            </a:pPr>
+            <a:r>
+              <a:rPr lang="de-DE" dirty="0"/>
+              <a:t>Kommando: </a:t>
+            </a:r>
+            <a:r>
+              <a:rPr lang="de-DE" b="1" i="1" dirty="0" err="1"/>
+              <a:t>sudo</a:t>
+            </a:r>
+            <a:r>
+              <a:rPr lang="de-DE" b="1" i="1" dirty="0"/>
+              <a:t> </a:t>
+            </a:r>
+            <a:r>
+              <a:rPr lang="de-DE" b="1" i="1" dirty="0" err="1"/>
+              <a:t>apt-get</a:t>
+            </a:r>
+            <a:r>
+              <a:rPr lang="de-DE" b="1" i="1" dirty="0"/>
+              <a:t> update</a:t>
+            </a:r>
+          </a:p>
+          <a:p>
+            <a:pPr marL="800100" lvl="1" indent="-342900">
+              <a:buFont typeface="+mj-lt"/>
+              <a:buAutoNum type="arabicPeriod"/>
+            </a:pPr>
+            <a:r>
+              <a:rPr lang="de-DE" dirty="0"/>
+              <a:t>Kommando: </a:t>
+            </a:r>
+            <a:r>
+              <a:rPr lang="de-DE" b="1" i="1" dirty="0" err="1"/>
+              <a:t>sudo</a:t>
+            </a:r>
+            <a:r>
+              <a:rPr lang="de-DE" b="1" i="1" dirty="0"/>
+              <a:t> </a:t>
+            </a:r>
+            <a:r>
+              <a:rPr lang="de-DE" b="1" i="1" dirty="0" err="1"/>
+              <a:t>apt-get</a:t>
+            </a:r>
+            <a:r>
+              <a:rPr lang="de-DE" b="1" i="1" dirty="0"/>
+              <a:t> </a:t>
+            </a:r>
+            <a:r>
+              <a:rPr lang="de-DE" b="1" i="1" dirty="0" err="1"/>
+              <a:t>install</a:t>
+            </a:r>
+            <a:r>
+              <a:rPr lang="de-DE" b="1" i="1" dirty="0"/>
+              <a:t> </a:t>
+            </a:r>
+            <a:r>
+              <a:rPr lang="de-DE" b="1" i="1" dirty="0" err="1"/>
+              <a:t>git</a:t>
+            </a:r>
+            <a:endParaRPr lang="de-DE" b="1" i="1" dirty="0"/>
+          </a:p>
+          <a:p>
+            <a:pPr marL="800100" lvl="1" indent="-342900">
+              <a:buFont typeface="+mj-lt"/>
+              <a:buAutoNum type="arabicPeriod"/>
+            </a:pPr>
+            <a:r>
+              <a:rPr lang="de-DE" dirty="0"/>
+              <a:t>Überprüfung mit </a:t>
+            </a:r>
+            <a:r>
+              <a:rPr lang="de-DE" b="1" i="1" dirty="0" err="1"/>
+              <a:t>git</a:t>
+            </a:r>
+            <a:r>
+              <a:rPr lang="de-DE" b="1" i="1" dirty="0"/>
+              <a:t> --version</a:t>
+            </a:r>
+          </a:p>
+          <a:p>
+            <a:pPr marL="0" indent="0">
+              <a:buNone/>
+            </a:pPr>
+            <a:endParaRPr lang="de-DE" dirty="0"/>
+          </a:p>
+          <a:p>
+            <a:endParaRPr lang="de-DE" dirty="0"/>
+          </a:p>
+          <a:p>
+            <a:endParaRPr lang="de-DE" dirty="0"/>
+          </a:p>
+          <a:p>
+            <a:endParaRPr lang="de-DE" dirty="0"/>
+          </a:p>
+          <a:p>
+            <a:endParaRPr lang="de-DE" dirty="0"/>
+          </a:p>
+          <a:p>
+            <a:endParaRPr lang="de-DE" dirty="0"/>
+          </a:p>
+          <a:p>
+            <a:pPr lvl="1"/>
+            <a:endParaRPr lang="de-DE" dirty="0"/>
+          </a:p>
+        </p:txBody>
+      </p:sp>
+      <p:sp>
+        <p:nvSpPr>
+          <p:cNvPr id="2" name="Titel 1">
+            <a:extLst>
+              <a:ext uri="{FF2B5EF4-FFF2-40B4-BE49-F238E27FC236}">
+                <a16:creationId xmlns:a16="http://schemas.microsoft.com/office/drawing/2014/main" id="{BE9BD52A-10D4-4170-A998-31F963D2F9BB}"/>
+              </a:ext>
+            </a:extLst>
+          </p:cNvPr>
+          <p:cNvSpPr>
+            <a:spLocks noGrp="1"/>
+          </p:cNvSpPr>
+          <p:nvPr>
+            <p:ph type="title" idx="4294967295"/>
+          </p:nvPr>
+        </p:nvSpPr>
+        <p:spPr>
+          <a:xfrm>
+            <a:off x="628650" y="365126"/>
+            <a:ext cx="7886700" cy="698903"/>
+          </a:xfrm>
+          <a:prstGeom prst="rect">
+            <a:avLst/>
+          </a:prstGeom>
+        </p:spPr>
+        <p:txBody>
+          <a:bodyPr>
+            <a:normAutofit/>
+          </a:bodyPr>
+          <a:lstStyle/>
+          <a:p>
+            <a:r>
+              <a:rPr lang="de-DE" dirty="0"/>
+              <a:t>Installation unter Linux</a:t>
+            </a:r>
+          </a:p>
+        </p:txBody>
+      </p:sp>
+      <p:sp>
+        <p:nvSpPr>
+          <p:cNvPr id="4" name="Datumsplatzhalter 3">
+            <a:extLst>
+              <a:ext uri="{FF2B5EF4-FFF2-40B4-BE49-F238E27FC236}">
+                <a16:creationId xmlns:a16="http://schemas.microsoft.com/office/drawing/2014/main" id="{EDAA1497-5C4E-4F1B-A045-74E2D153CB91}"/>
+              </a:ext>
+            </a:extLst>
+          </p:cNvPr>
+          <p:cNvSpPr>
+            <a:spLocks noGrp="1"/>
+          </p:cNvSpPr>
+          <p:nvPr>
+            <p:ph type="dt" sz="half" idx="4294967295"/>
+          </p:nvPr>
+        </p:nvSpPr>
+        <p:spPr>
+          <a:xfrm>
+            <a:off x="7086600" y="6356350"/>
+            <a:ext cx="2057400" cy="365125"/>
+          </a:xfrm>
+        </p:spPr>
+        <p:txBody>
+          <a:bodyPr/>
+          <a:lstStyle/>
+          <a:p>
+            <a:fld id="{6F7941D6-DDCD-4FEB-B76A-6EA7C7E1DF91}" type="datetime1">
+              <a:rPr lang="de-DE" smtClean="0"/>
+              <a:t>19.03.2020</a:t>
+            </a:fld>
+            <a:endParaRPr lang="de-DE" dirty="0"/>
+          </a:p>
+        </p:txBody>
+      </p:sp>
+      <p:sp>
+        <p:nvSpPr>
+          <p:cNvPr id="5" name="Fußzeilenplatzhalter 4">
+            <a:extLst>
+              <a:ext uri="{FF2B5EF4-FFF2-40B4-BE49-F238E27FC236}">
+                <a16:creationId xmlns:a16="http://schemas.microsoft.com/office/drawing/2014/main" id="{C59CBE4D-CD6A-43CD-B5F7-D0456D90B39E}"/>
+              </a:ext>
+            </a:extLst>
+          </p:cNvPr>
+          <p:cNvSpPr>
+            <a:spLocks noGrp="1"/>
+          </p:cNvSpPr>
+          <p:nvPr>
+            <p:ph type="ftr" sz="quarter" idx="4294967295"/>
+          </p:nvPr>
+        </p:nvSpPr>
+        <p:spPr>
+          <a:xfrm>
+            <a:off x="0" y="6356350"/>
+            <a:ext cx="3698875" cy="365125"/>
+          </a:xfrm>
+        </p:spPr>
+        <p:txBody>
+          <a:bodyPr/>
+          <a:lstStyle/>
+          <a:p>
+            <a:r>
+              <a:rPr lang="de-DE" dirty="0"/>
+              <a:t>Git Tutorial</a:t>
+            </a:r>
+          </a:p>
+        </p:txBody>
+      </p:sp>
+      <p:sp>
+        <p:nvSpPr>
+          <p:cNvPr id="6" name="Foliennummernplatzhalter 5">
+            <a:extLst>
+              <a:ext uri="{FF2B5EF4-FFF2-40B4-BE49-F238E27FC236}">
+                <a16:creationId xmlns:a16="http://schemas.microsoft.com/office/drawing/2014/main" id="{B84F1831-59D5-4145-B6B9-A1613CE4A1A9}"/>
+              </a:ext>
+            </a:extLst>
+          </p:cNvPr>
+          <p:cNvSpPr>
+            <a:spLocks noGrp="1"/>
+          </p:cNvSpPr>
+          <p:nvPr>
+            <p:ph type="sldNum" sz="quarter" idx="4294967295"/>
+          </p:nvPr>
+        </p:nvSpPr>
+        <p:spPr>
+          <a:xfrm>
+            <a:off x="0" y="6356350"/>
+            <a:ext cx="2057400" cy="365125"/>
+          </a:xfrm>
+        </p:spPr>
+        <p:txBody>
+          <a:bodyPr/>
+          <a:lstStyle/>
+          <a:p>
+            <a:pPr algn="ctr"/>
+            <a:fld id="{6F94D85D-A331-4F90-A37B-3680A0933E4F}" type="slidenum">
+              <a:rPr lang="de-DE" smtClean="0"/>
+              <a:pPr algn="ctr"/>
+              <a:t>3</a:t>
+            </a:fld>
+            <a:endParaRPr lang="de-DE" dirty="0"/>
+          </a:p>
+        </p:txBody>
+      </p:sp>
+      <p:cxnSp>
+        <p:nvCxnSpPr>
+          <p:cNvPr id="8" name="Gerader Verbinder 7">
+            <a:extLst>
+              <a:ext uri="{FF2B5EF4-FFF2-40B4-BE49-F238E27FC236}">
+                <a16:creationId xmlns:a16="http://schemas.microsoft.com/office/drawing/2014/main" id="{7E8F2A84-19B8-4826-B3AD-6F16601D7885}"/>
+              </a:ext>
+            </a:extLst>
+          </p:cNvPr>
+          <p:cNvCxnSpPr>
+            <a:cxnSpLocks/>
+          </p:cNvCxnSpPr>
+          <p:nvPr/>
+        </p:nvCxnSpPr>
+        <p:spPr>
+          <a:xfrm>
+            <a:off x="628650" y="6353847"/>
+            <a:ext cx="7886700" cy="0"/>
+          </a:xfrm>
+          <a:prstGeom prst="line">
+            <a:avLst/>
+          </a:prstGeom>
+        </p:spPr>
+        <p:style>
+          <a:lnRef idx="1">
+            <a:schemeClr val="dk1"/>
+          </a:lnRef>
+          <a:fillRef idx="0">
+            <a:schemeClr val="dk1"/>
+          </a:fillRef>
+          <a:effectRef idx="0">
+            <a:schemeClr val="dk1"/>
+          </a:effectRef>
+          <a:fontRef idx="minor">
+            <a:schemeClr val="tx1"/>
+          </a:fontRef>
+        </p:style>
+      </p:cxnSp>
+      <p:pic>
+        <p:nvPicPr>
+          <p:cNvPr id="10" name="Grafik 9">
+            <a:extLst>
+              <a:ext uri="{FF2B5EF4-FFF2-40B4-BE49-F238E27FC236}">
+                <a16:creationId xmlns:a16="http://schemas.microsoft.com/office/drawing/2014/main" id="{7A6261ED-119B-40E9-A877-9DF5FF1D43F4}"/>
+              </a:ext>
+            </a:extLst>
+          </p:cNvPr>
+          <p:cNvPicPr>
+            <a:picLocks noChangeAspect="1"/>
+          </p:cNvPicPr>
+          <p:nvPr/>
+        </p:nvPicPr>
+        <p:blipFill>
+          <a:blip r:embed="rId2"/>
+          <a:stretch>
+            <a:fillRect/>
+          </a:stretch>
+        </p:blipFill>
+        <p:spPr>
+          <a:xfrm>
+            <a:off x="7370059" y="6363613"/>
+            <a:ext cx="960209" cy="314098"/>
+          </a:xfrm>
+          <a:prstGeom prst="rect">
+            <a:avLst/>
+          </a:prstGeom>
+        </p:spPr>
+      </p:pic>
+      <p:cxnSp>
+        <p:nvCxnSpPr>
+          <p:cNvPr id="13" name="Gerader Verbinder 12">
+            <a:extLst>
+              <a:ext uri="{FF2B5EF4-FFF2-40B4-BE49-F238E27FC236}">
+                <a16:creationId xmlns:a16="http://schemas.microsoft.com/office/drawing/2014/main" id="{F9DA0021-3FCA-4721-AD9E-DF15B2F3591D}"/>
+              </a:ext>
+            </a:extLst>
+          </p:cNvPr>
+          <p:cNvCxnSpPr>
+            <a:cxnSpLocks/>
+          </p:cNvCxnSpPr>
+          <p:nvPr/>
+        </p:nvCxnSpPr>
+        <p:spPr>
+          <a:xfrm>
+            <a:off x="628650" y="993703"/>
+            <a:ext cx="7886700" cy="0"/>
+          </a:xfrm>
+          <a:prstGeom prst="line">
+            <a:avLst/>
+          </a:prstGeom>
+        </p:spPr>
+        <p:style>
+          <a:lnRef idx="1">
+            <a:schemeClr val="dk1"/>
+          </a:lnRef>
+          <a:fillRef idx="0">
+            <a:schemeClr val="dk1"/>
+          </a:fillRef>
+          <a:effectRef idx="0">
+            <a:schemeClr val="dk1"/>
+          </a:effectRef>
+          <a:fontRef idx="minor">
+            <a:schemeClr val="tx1"/>
+          </a:fontRef>
+        </p:style>
+      </p:cxnSp>
+      <p:pic>
+        <p:nvPicPr>
+          <p:cNvPr id="14" name="Grafik 13">
+            <a:extLst>
+              <a:ext uri="{FF2B5EF4-FFF2-40B4-BE49-F238E27FC236}">
+                <a16:creationId xmlns:a16="http://schemas.microsoft.com/office/drawing/2014/main" id="{662EF6AE-12E0-4CB0-9C97-4C2C4564B6FB}"/>
+              </a:ext>
+            </a:extLst>
+          </p:cNvPr>
+          <p:cNvPicPr>
+            <a:picLocks noChangeAspect="1"/>
+          </p:cNvPicPr>
+          <p:nvPr/>
+        </p:nvPicPr>
+        <p:blipFill rotWithShape="1">
+          <a:blip r:embed="rId3"/>
+          <a:srcRect r="9969"/>
+          <a:stretch/>
+        </p:blipFill>
+        <p:spPr>
+          <a:xfrm>
+            <a:off x="2209804" y="3429000"/>
+            <a:ext cx="4773074" cy="1233916"/>
+          </a:xfrm>
+          <a:prstGeom prst="rect">
+            <a:avLst/>
+          </a:prstGeom>
+        </p:spPr>
+      </p:pic>
+    </p:spTree>
+    <p:extLst>
+      <p:ext uri="{BB962C8B-B14F-4D97-AF65-F5344CB8AC3E}">
+        <p14:creationId xmlns:p14="http://schemas.microsoft.com/office/powerpoint/2010/main" val="1628561704"/>
+      </p:ext>
+    </p:extLst>
+  </p:cSld>
+  <p:clrMapOvr>
+    <a:masterClrMapping/>
+  </p:clrMapOvr>
+</p:sld>
+</file>
+
+<file path=ppt/slides/slide30.xml><?xml version="1.0" encoding="utf-8"?>
+<p:sld xmlns:a="http://schemas.openxmlformats.org/drawingml/2006/main" xmlns:r="http://schemas.openxmlformats.org/officeDocument/2006/relationships" xmlns:p="http://schemas.openxmlformats.org/presentationml/2006/main">
+  <p:cSld>
+    <p:spTree>
+      <p:nvGrpSpPr>
+        <p:cNvPr id="1" name=""/>
+        <p:cNvGrpSpPr/>
+        <p:nvPr/>
+      </p:nvGrpSpPr>
+      <p:grpSpPr>
+        <a:xfrm>
+          <a:off x="0" y="0"/>
+          <a:ext cx="0" cy="0"/>
+          <a:chOff x="0" y="0"/>
+          <a:chExt cx="0" cy="0"/>
+        </a:xfrm>
+      </p:grpSpPr>
+      <p:sp>
+        <p:nvSpPr>
+          <p:cNvPr id="2" name="Inhaltsplatzhalter 1">
+            <a:extLst>
+              <a:ext uri="{FF2B5EF4-FFF2-40B4-BE49-F238E27FC236}">
+                <a16:creationId xmlns:a16="http://schemas.microsoft.com/office/drawing/2014/main" id="{6B12CEDE-A342-42BE-8E55-EF59974F9175}"/>
+              </a:ext>
+            </a:extLst>
+          </p:cNvPr>
+          <p:cNvSpPr>
+            <a:spLocks noGrp="1"/>
+          </p:cNvSpPr>
+          <p:nvPr>
+            <p:ph idx="13"/>
+          </p:nvPr>
+        </p:nvSpPr>
+        <p:spPr/>
+        <p:txBody>
+          <a:bodyPr/>
+          <a:lstStyle/>
+          <a:p>
+            <a:r>
+              <a:rPr lang="de-DE" dirty="0"/>
+              <a:t>Wird genutzt um festzustellen, ob einem Zweig Änderungen hinzugefügt wurden</a:t>
+            </a:r>
+          </a:p>
+          <a:p>
+            <a:r>
+              <a:rPr lang="de-DE" dirty="0"/>
+              <a:t>Hierbei werden Änderungen jedes </a:t>
+            </a:r>
+            <a:r>
+              <a:rPr lang="de-DE" dirty="0" err="1"/>
+              <a:t>Commits</a:t>
+            </a:r>
+            <a:r>
+              <a:rPr lang="de-DE" dirty="0"/>
+              <a:t> anstatt eine Prüfsumme</a:t>
+            </a:r>
+          </a:p>
+          <a:p>
+            <a:r>
+              <a:rPr lang="de-DE" dirty="0"/>
+              <a:t>Kommando: </a:t>
+            </a:r>
+            <a:r>
+              <a:rPr lang="de-DE" b="1" i="1" dirty="0" err="1"/>
+              <a:t>cherry</a:t>
+            </a:r>
+            <a:r>
+              <a:rPr lang="de-DE" b="1" i="1" dirty="0"/>
+              <a:t> -v &lt;Zweig1&gt; &lt;Zweig2&gt; &lt;Limit&gt;</a:t>
+            </a:r>
+          </a:p>
+          <a:p>
+            <a:r>
+              <a:rPr lang="de-DE" dirty="0"/>
+              <a:t>Überprüft ob </a:t>
+            </a:r>
+            <a:r>
+              <a:rPr lang="de-DE" dirty="0" err="1"/>
+              <a:t>Commits</a:t>
+            </a:r>
+            <a:r>
+              <a:rPr lang="de-DE" dirty="0"/>
+              <a:t> aus </a:t>
+            </a:r>
+            <a:r>
+              <a:rPr lang="de-DE" i="1" dirty="0"/>
+              <a:t>&lt;Zweig2&gt; </a:t>
+            </a:r>
+            <a:r>
+              <a:rPr lang="de-DE" dirty="0"/>
+              <a:t>in </a:t>
+            </a:r>
+            <a:r>
+              <a:rPr lang="de-DE" i="1" dirty="0"/>
+              <a:t>&lt;Zweig1&gt; </a:t>
+            </a:r>
+            <a:r>
+              <a:rPr lang="de-DE" dirty="0" err="1"/>
+              <a:t>existeren</a:t>
+            </a:r>
+            <a:endParaRPr lang="de-DE" dirty="0"/>
+          </a:p>
+          <a:p>
+            <a:r>
+              <a:rPr lang="de-DE" i="1" dirty="0"/>
+              <a:t>&lt;Limit&gt; </a:t>
+            </a:r>
+            <a:r>
+              <a:rPr lang="de-DE" dirty="0"/>
+              <a:t>gibt, an wie viele </a:t>
+            </a:r>
+            <a:r>
+              <a:rPr lang="de-DE" dirty="0" err="1"/>
+              <a:t>Commits</a:t>
+            </a:r>
+            <a:r>
+              <a:rPr lang="de-DE" dirty="0"/>
+              <a:t> rückwirkend durchsucht werden sollen</a:t>
+            </a:r>
+          </a:p>
+          <a:p>
+            <a:r>
+              <a:rPr lang="de-DE" dirty="0"/>
+              <a:t>-v wird die jeweilig Commit Nachricht angezeigt</a:t>
+            </a:r>
+          </a:p>
+        </p:txBody>
+      </p:sp>
+      <p:sp>
+        <p:nvSpPr>
+          <p:cNvPr id="3" name="Titel 2">
+            <a:extLst>
+              <a:ext uri="{FF2B5EF4-FFF2-40B4-BE49-F238E27FC236}">
+                <a16:creationId xmlns:a16="http://schemas.microsoft.com/office/drawing/2014/main" id="{06CD2783-9A5A-4B2B-BC5A-36EA71E20E39}"/>
+              </a:ext>
+            </a:extLst>
+          </p:cNvPr>
+          <p:cNvSpPr>
+            <a:spLocks noGrp="1"/>
+          </p:cNvSpPr>
+          <p:nvPr>
+            <p:ph type="title" idx="4294967295"/>
+          </p:nvPr>
+        </p:nvSpPr>
+        <p:spPr/>
+        <p:txBody>
+          <a:bodyPr/>
+          <a:lstStyle/>
+          <a:p>
+            <a:r>
+              <a:rPr lang="de-DE" dirty="0"/>
+              <a:t>Cherry</a:t>
+            </a:r>
+          </a:p>
+        </p:txBody>
+      </p:sp>
+    </p:spTree>
+    <p:extLst>
+      <p:ext uri="{BB962C8B-B14F-4D97-AF65-F5344CB8AC3E}">
+        <p14:creationId xmlns:p14="http://schemas.microsoft.com/office/powerpoint/2010/main" val="2831805255"/>
+      </p:ext>
+    </p:extLst>
+  </p:cSld>
+  <p:clrMapOvr>
+    <a:masterClrMapping/>
+  </p:clrMapOvr>
+</p:sld>
+</file>
+
+<file path=ppt/slides/slide31.xml><?xml version="1.0" encoding="utf-8"?>
+<p:sld xmlns:a="http://schemas.openxmlformats.org/drawingml/2006/main" xmlns:r="http://schemas.openxmlformats.org/officeDocument/2006/relationships" xmlns:p="http://schemas.openxmlformats.org/presentationml/2006/main">
+  <p:cSld>
+    <p:spTree>
+      <p:nvGrpSpPr>
+        <p:cNvPr id="1" name=""/>
+        <p:cNvGrpSpPr/>
+        <p:nvPr/>
+      </p:nvGrpSpPr>
+      <p:grpSpPr>
+        <a:xfrm>
+          <a:off x="0" y="0"/>
+          <a:ext cx="0" cy="0"/>
+          <a:chOff x="0" y="0"/>
+          <a:chExt cx="0" cy="0"/>
+        </a:xfrm>
+      </p:grpSpPr>
+      <p:sp>
+        <p:nvSpPr>
+          <p:cNvPr id="5" name="Inhaltsplatzhalter 4">
+            <a:extLst>
+              <a:ext uri="{FF2B5EF4-FFF2-40B4-BE49-F238E27FC236}">
+                <a16:creationId xmlns:a16="http://schemas.microsoft.com/office/drawing/2014/main" id="{C08CE913-F328-4AE6-9B1B-AE0ECF57E540}"/>
+              </a:ext>
+            </a:extLst>
+          </p:cNvPr>
+          <p:cNvSpPr>
+            <a:spLocks noGrp="1"/>
+          </p:cNvSpPr>
+          <p:nvPr>
+            <p:ph idx="13"/>
+          </p:nvPr>
+        </p:nvSpPr>
+        <p:spPr/>
+        <p:txBody>
+          <a:bodyPr/>
+          <a:lstStyle/>
+          <a:p>
+            <a:r>
+              <a:rPr lang="de-DE" dirty="0"/>
+              <a:t>Verwendet um </a:t>
+            </a:r>
+            <a:r>
+              <a:rPr lang="de-DE" dirty="0" err="1"/>
+              <a:t>Commits</a:t>
+            </a:r>
+            <a:r>
+              <a:rPr lang="de-DE" dirty="0"/>
+              <a:t> des Referenzarchiv zu revidieren</a:t>
+            </a:r>
+          </a:p>
+          <a:p>
+            <a:r>
+              <a:rPr lang="de-DE" dirty="0"/>
+              <a:t>Erstellt einen weiteren Commit welcher den Zweig auf den Stand vor dem zweifelhaften Commit zurücksetzt</a:t>
+            </a:r>
+          </a:p>
+          <a:p>
+            <a:r>
+              <a:rPr lang="de-DE" dirty="0"/>
+              <a:t>Kommando: </a:t>
+            </a:r>
+            <a:r>
+              <a:rPr lang="de-DE" b="1" i="1" dirty="0" err="1"/>
+              <a:t>git</a:t>
+            </a:r>
+            <a:r>
+              <a:rPr lang="de-DE" b="1" i="1" dirty="0"/>
+              <a:t> </a:t>
+            </a:r>
+            <a:r>
+              <a:rPr lang="de-DE" b="1" i="1" dirty="0" err="1"/>
+              <a:t>revert</a:t>
+            </a:r>
+            <a:endParaRPr lang="de-DE" b="1" i="1" dirty="0"/>
+          </a:p>
+          <a:p>
+            <a:pPr lvl="1"/>
+            <a:r>
+              <a:rPr lang="de-DE" dirty="0"/>
+              <a:t>HEAD		Revidiert den neusten Commit des Zweiges</a:t>
+            </a:r>
+          </a:p>
+          <a:p>
+            <a:pPr lvl="1"/>
+            <a:r>
+              <a:rPr lang="de-DE" dirty="0"/>
+              <a:t>&lt;Prüfsumme&gt;	Revidiert den übergebenen Commit</a:t>
+            </a:r>
+          </a:p>
+        </p:txBody>
+      </p:sp>
+      <p:sp>
+        <p:nvSpPr>
+          <p:cNvPr id="3" name="Titel 2">
+            <a:extLst>
+              <a:ext uri="{FF2B5EF4-FFF2-40B4-BE49-F238E27FC236}">
+                <a16:creationId xmlns:a16="http://schemas.microsoft.com/office/drawing/2014/main" id="{98C52FB5-0D40-4B05-82A9-58A2D593489A}"/>
+              </a:ext>
+            </a:extLst>
+          </p:cNvPr>
+          <p:cNvSpPr>
+            <a:spLocks noGrp="1"/>
+          </p:cNvSpPr>
+          <p:nvPr>
+            <p:ph type="title" idx="4294967295"/>
+          </p:nvPr>
+        </p:nvSpPr>
+        <p:spPr>
+          <a:xfrm>
+            <a:off x="628650" y="365126"/>
+            <a:ext cx="7886700" cy="698903"/>
+          </a:xfrm>
+          <a:prstGeom prst="rect">
+            <a:avLst/>
+          </a:prstGeom>
+        </p:spPr>
+        <p:txBody>
+          <a:bodyPr>
+            <a:normAutofit/>
+          </a:bodyPr>
+          <a:lstStyle/>
+          <a:p>
+            <a:r>
+              <a:rPr lang="de-DE" dirty="0" err="1"/>
+              <a:t>Revert</a:t>
+            </a:r>
+            <a:endParaRPr lang="de-DE" dirty="0"/>
+          </a:p>
+        </p:txBody>
+      </p:sp>
+      <p:pic>
+        <p:nvPicPr>
+          <p:cNvPr id="6" name="Grafik 5">
+            <a:extLst>
+              <a:ext uri="{FF2B5EF4-FFF2-40B4-BE49-F238E27FC236}">
+                <a16:creationId xmlns:a16="http://schemas.microsoft.com/office/drawing/2014/main" id="{57C180BC-ABAD-438D-80D7-F9A55DC743CC}"/>
+              </a:ext>
+            </a:extLst>
+          </p:cNvPr>
+          <p:cNvPicPr>
+            <a:picLocks noChangeAspect="1"/>
+          </p:cNvPicPr>
+          <p:nvPr/>
+        </p:nvPicPr>
+        <p:blipFill rotWithShape="1">
+          <a:blip r:embed="rId2"/>
+          <a:srcRect b="12049"/>
+          <a:stretch/>
+        </p:blipFill>
+        <p:spPr>
+          <a:xfrm>
+            <a:off x="2154576" y="4390654"/>
+            <a:ext cx="4432176" cy="659519"/>
+          </a:xfrm>
+          <a:prstGeom prst="rect">
+            <a:avLst/>
+          </a:prstGeom>
+        </p:spPr>
+      </p:pic>
+    </p:spTree>
+    <p:extLst>
+      <p:ext uri="{BB962C8B-B14F-4D97-AF65-F5344CB8AC3E}">
+        <p14:creationId xmlns:p14="http://schemas.microsoft.com/office/powerpoint/2010/main" val="2941308763"/>
+      </p:ext>
+    </p:extLst>
+  </p:cSld>
+  <p:clrMapOvr>
+    <a:masterClrMapping/>
+  </p:clrMapOvr>
+</p:sld>
+</file>
+
+<file path=ppt/slides/slide32.xml><?xml version="1.0" encoding="utf-8"?>
+<p:sld xmlns:a="http://schemas.openxmlformats.org/drawingml/2006/main" xmlns:r="http://schemas.openxmlformats.org/officeDocument/2006/relationships" xmlns:p="http://schemas.openxmlformats.org/presentationml/2006/main">
+  <p:cSld>
+    <p:spTree>
+      <p:nvGrpSpPr>
+        <p:cNvPr id="1" name=""/>
+        <p:cNvGrpSpPr/>
+        <p:nvPr/>
+      </p:nvGrpSpPr>
+      <p:grpSpPr>
+        <a:xfrm>
+          <a:off x="0" y="0"/>
+          <a:ext cx="0" cy="0"/>
+          <a:chOff x="0" y="0"/>
+          <a:chExt cx="0" cy="0"/>
+        </a:xfrm>
+      </p:grpSpPr>
+      <p:sp>
+        <p:nvSpPr>
+          <p:cNvPr id="5" name="Inhaltsplatzhalter 4">
+            <a:extLst>
+              <a:ext uri="{FF2B5EF4-FFF2-40B4-BE49-F238E27FC236}">
+                <a16:creationId xmlns:a16="http://schemas.microsoft.com/office/drawing/2014/main" id="{16F01BD9-3141-41EF-9673-DDE9F9065885}"/>
+              </a:ext>
+            </a:extLst>
+          </p:cNvPr>
+          <p:cNvSpPr>
+            <a:spLocks noGrp="1"/>
+          </p:cNvSpPr>
+          <p:nvPr>
+            <p:ph idx="13"/>
+          </p:nvPr>
+        </p:nvSpPr>
+        <p:spPr/>
+        <p:txBody>
+          <a:bodyPr/>
+          <a:lstStyle/>
+          <a:p>
+            <a:r>
+              <a:rPr lang="de-DE" dirty="0"/>
+              <a:t>Setzt den lokalen Stand zurück</a:t>
+            </a:r>
+          </a:p>
+          <a:p>
+            <a:r>
+              <a:rPr lang="de-DE" dirty="0"/>
+              <a:t>Sollte nur bei lokalen </a:t>
+            </a:r>
+            <a:r>
+              <a:rPr lang="de-DE" dirty="0" err="1"/>
+              <a:t>Commits</a:t>
+            </a:r>
+            <a:r>
+              <a:rPr lang="de-DE" dirty="0"/>
+              <a:t> verwendet werden, da </a:t>
+            </a:r>
+            <a:r>
+              <a:rPr lang="de-DE" dirty="0" err="1"/>
+              <a:t>Commits</a:t>
+            </a:r>
+            <a:r>
+              <a:rPr lang="de-DE" dirty="0"/>
+              <a:t> verworfen werden auf die sich sonst Andere beziehen könnten</a:t>
+            </a:r>
+          </a:p>
+          <a:p>
+            <a:r>
+              <a:rPr lang="de-DE" dirty="0" err="1"/>
+              <a:t>Kommado</a:t>
+            </a:r>
+            <a:r>
+              <a:rPr lang="de-DE" dirty="0"/>
+              <a:t>: </a:t>
+            </a:r>
+            <a:r>
+              <a:rPr lang="de-DE" b="1" i="1" dirty="0" err="1"/>
+              <a:t>git</a:t>
+            </a:r>
+            <a:r>
+              <a:rPr lang="de-DE" b="1" i="1" dirty="0"/>
+              <a:t> </a:t>
+            </a:r>
+            <a:r>
+              <a:rPr lang="de-DE" b="1" i="1" dirty="0" err="1"/>
+              <a:t>reset</a:t>
+            </a:r>
+            <a:endParaRPr lang="de-DE" b="1" i="1" dirty="0"/>
+          </a:p>
+          <a:p>
+            <a:pPr lvl="1"/>
+            <a:r>
+              <a:rPr lang="de-DE" dirty="0"/>
+              <a:t>&lt;Prüfsumme&gt;	Setzt den Zweig auf diesen Stand zurück, 			verworfene Änderungen befinden sich in der 			Arbeitskopie</a:t>
+            </a:r>
+          </a:p>
+          <a:p>
+            <a:pPr lvl="1"/>
+            <a:r>
+              <a:rPr lang="de-DE" dirty="0"/>
+              <a:t>--</a:t>
+            </a:r>
+            <a:r>
+              <a:rPr lang="de-DE" dirty="0" err="1"/>
+              <a:t>hard</a:t>
+            </a:r>
+            <a:r>
+              <a:rPr lang="de-DE" dirty="0"/>
+              <a:t>		setzt auch die Arbeitskopie zurück, alle 				Änderungen sind verworfen</a:t>
+            </a:r>
+          </a:p>
+          <a:p>
+            <a:pPr lvl="1"/>
+            <a:r>
+              <a:rPr lang="de-DE" dirty="0"/>
+              <a:t>&lt;Datei&gt;		Datei wird aus dem Index entfernt</a:t>
+            </a:r>
+          </a:p>
+        </p:txBody>
+      </p:sp>
+      <p:sp>
+        <p:nvSpPr>
+          <p:cNvPr id="3" name="Titel 2">
+            <a:extLst>
+              <a:ext uri="{FF2B5EF4-FFF2-40B4-BE49-F238E27FC236}">
+                <a16:creationId xmlns:a16="http://schemas.microsoft.com/office/drawing/2014/main" id="{F43ABB80-C886-4AF5-B215-5BEEBC4B2C48}"/>
+              </a:ext>
+            </a:extLst>
+          </p:cNvPr>
+          <p:cNvSpPr>
+            <a:spLocks noGrp="1"/>
+          </p:cNvSpPr>
+          <p:nvPr>
+            <p:ph type="title" idx="4294967295"/>
+          </p:nvPr>
+        </p:nvSpPr>
+        <p:spPr>
+          <a:xfrm>
+            <a:off x="628650" y="365126"/>
+            <a:ext cx="7886700" cy="698903"/>
+          </a:xfrm>
+          <a:prstGeom prst="rect">
+            <a:avLst/>
+          </a:prstGeom>
+        </p:spPr>
+        <p:txBody>
+          <a:bodyPr>
+            <a:normAutofit/>
+          </a:bodyPr>
+          <a:lstStyle/>
+          <a:p>
+            <a:r>
+              <a:rPr lang="de-DE" dirty="0" err="1"/>
+              <a:t>Reset</a:t>
+            </a:r>
+            <a:endParaRPr lang="de-DE" dirty="0"/>
+          </a:p>
+        </p:txBody>
+      </p:sp>
+    </p:spTree>
+    <p:extLst>
+      <p:ext uri="{BB962C8B-B14F-4D97-AF65-F5344CB8AC3E}">
+        <p14:creationId xmlns:p14="http://schemas.microsoft.com/office/powerpoint/2010/main" val="3217921642"/>
+      </p:ext>
+    </p:extLst>
+  </p:cSld>
+  <p:clrMapOvr>
+    <a:masterClrMapping/>
+  </p:clrMapOvr>
+</p:sld>
+</file>
+
+<file path=ppt/slides/slide33.xml><?xml version="1.0" encoding="utf-8"?>
+<p:sld xmlns:a="http://schemas.openxmlformats.org/drawingml/2006/main" xmlns:r="http://schemas.openxmlformats.org/officeDocument/2006/relationships" xmlns:p="http://schemas.openxmlformats.org/presentationml/2006/main">
+  <p:cSld>
+    <p:spTree>
+      <p:nvGrpSpPr>
+        <p:cNvPr id="1" name=""/>
+        <p:cNvGrpSpPr/>
+        <p:nvPr/>
+      </p:nvGrpSpPr>
+      <p:grpSpPr>
+        <a:xfrm>
+          <a:off x="0" y="0"/>
+          <a:ext cx="0" cy="0"/>
+          <a:chOff x="0" y="0"/>
+          <a:chExt cx="0" cy="0"/>
+        </a:xfrm>
+      </p:grpSpPr>
+      <p:sp>
+        <p:nvSpPr>
+          <p:cNvPr id="5" name="Inhaltsplatzhalter 4">
+            <a:extLst>
+              <a:ext uri="{FF2B5EF4-FFF2-40B4-BE49-F238E27FC236}">
+                <a16:creationId xmlns:a16="http://schemas.microsoft.com/office/drawing/2014/main" id="{16798678-B877-4133-914B-E07392A40335}"/>
+              </a:ext>
+            </a:extLst>
+          </p:cNvPr>
+          <p:cNvSpPr>
+            <a:spLocks noGrp="1"/>
+          </p:cNvSpPr>
+          <p:nvPr>
+            <p:ph idx="13"/>
+          </p:nvPr>
+        </p:nvSpPr>
+        <p:spPr/>
+        <p:txBody>
+          <a:bodyPr/>
+          <a:lstStyle/>
+          <a:p>
+            <a:endParaRPr lang="de-DE"/>
+          </a:p>
+        </p:txBody>
+      </p:sp>
+      <p:sp>
+        <p:nvSpPr>
+          <p:cNvPr id="3" name="Titel 2">
+            <a:extLst>
+              <a:ext uri="{FF2B5EF4-FFF2-40B4-BE49-F238E27FC236}">
+                <a16:creationId xmlns:a16="http://schemas.microsoft.com/office/drawing/2014/main" id="{AEF45C4A-B7FA-4978-A8CD-BE8F7E8F49D9}"/>
+              </a:ext>
+            </a:extLst>
+          </p:cNvPr>
+          <p:cNvSpPr>
+            <a:spLocks noGrp="1"/>
+          </p:cNvSpPr>
+          <p:nvPr>
+            <p:ph type="title" idx="4294967295"/>
+          </p:nvPr>
+        </p:nvSpPr>
+        <p:spPr>
+          <a:xfrm>
+            <a:off x="628650" y="365126"/>
+            <a:ext cx="7886700" cy="698903"/>
+          </a:xfrm>
+          <a:prstGeom prst="rect">
+            <a:avLst/>
+          </a:prstGeom>
+        </p:spPr>
+        <p:txBody>
+          <a:bodyPr>
+            <a:normAutofit/>
+          </a:bodyPr>
+          <a:lstStyle/>
+          <a:p>
+            <a:r>
+              <a:rPr lang="de-DE" dirty="0"/>
+              <a:t>(</a:t>
+            </a:r>
+            <a:r>
+              <a:rPr lang="de-DE" dirty="0" err="1"/>
+              <a:t>reflog</a:t>
+            </a:r>
+            <a:r>
+              <a:rPr lang="de-DE" dirty="0"/>
+              <a:t>)</a:t>
+            </a:r>
+          </a:p>
+        </p:txBody>
+      </p:sp>
+    </p:spTree>
+    <p:extLst>
+      <p:ext uri="{BB962C8B-B14F-4D97-AF65-F5344CB8AC3E}">
+        <p14:creationId xmlns:p14="http://schemas.microsoft.com/office/powerpoint/2010/main" val="1856339443"/>
+      </p:ext>
+    </p:extLst>
+  </p:cSld>
+  <p:clrMapOvr>
+    <a:masterClrMapping/>
+  </p:clrMapOvr>
+</p:sld>
+</file>
+
+<file path=ppt/slides/slide34.xml><?xml version="1.0" encoding="utf-8"?>
+<p:sld xmlns:a="http://schemas.openxmlformats.org/drawingml/2006/main" xmlns:r="http://schemas.openxmlformats.org/officeDocument/2006/relationships" xmlns:p="http://schemas.openxmlformats.org/presentationml/2006/main">
+  <p:cSld>
+    <p:spTree>
+      <p:nvGrpSpPr>
+        <p:cNvPr id="1" name=""/>
+        <p:cNvGrpSpPr/>
+        <p:nvPr/>
+      </p:nvGrpSpPr>
+      <p:grpSpPr>
+        <a:xfrm>
+          <a:off x="0" y="0"/>
+          <a:ext cx="0" cy="0"/>
+          <a:chOff x="0" y="0"/>
+          <a:chExt cx="0" cy="0"/>
+        </a:xfrm>
+      </p:grpSpPr>
+      <p:sp>
+        <p:nvSpPr>
+          <p:cNvPr id="2" name="Titel 1">
+            <a:extLst>
+              <a:ext uri="{FF2B5EF4-FFF2-40B4-BE49-F238E27FC236}">
+                <a16:creationId xmlns:a16="http://schemas.microsoft.com/office/drawing/2014/main" id="{55DCA8B4-8412-4C61-8E1B-A6CDF1580F20}"/>
+              </a:ext>
+            </a:extLst>
+          </p:cNvPr>
+          <p:cNvSpPr>
+            <a:spLocks noGrp="1"/>
+          </p:cNvSpPr>
+          <p:nvPr>
+            <p:ph type="title"/>
+          </p:nvPr>
+        </p:nvSpPr>
+        <p:spPr/>
+        <p:txBody>
+          <a:bodyPr/>
+          <a:lstStyle/>
+          <a:p>
+            <a:r>
+              <a:rPr lang="de-DE" dirty="0"/>
+              <a:t>Workflow</a:t>
+            </a:r>
+          </a:p>
+        </p:txBody>
+      </p:sp>
+    </p:spTree>
+    <p:extLst>
+      <p:ext uri="{BB962C8B-B14F-4D97-AF65-F5344CB8AC3E}">
+        <p14:creationId xmlns:p14="http://schemas.microsoft.com/office/powerpoint/2010/main" val="1007972795"/>
+      </p:ext>
+    </p:extLst>
+  </p:cSld>
+  <p:clrMapOvr>
+    <a:masterClrMapping/>
+  </p:clrMapOvr>
+</p:sld>
+</file>
+
+<file path=ppt/slides/slide35.xml><?xml version="1.0" encoding="utf-8"?>
+<p:sld xmlns:a="http://schemas.openxmlformats.org/drawingml/2006/main" xmlns:r="http://schemas.openxmlformats.org/officeDocument/2006/relationships" xmlns:p="http://schemas.openxmlformats.org/presentationml/2006/main">
+  <p:cSld>
+    <p:spTree>
+      <p:nvGrpSpPr>
+        <p:cNvPr id="1" name=""/>
+        <p:cNvGrpSpPr/>
+        <p:nvPr/>
+      </p:nvGrpSpPr>
+      <p:grpSpPr>
+        <a:xfrm>
+          <a:off x="0" y="0"/>
+          <a:ext cx="0" cy="0"/>
+          <a:chOff x="0" y="0"/>
+          <a:chExt cx="0" cy="0"/>
+        </a:xfrm>
+      </p:grpSpPr>
+      <p:sp>
+        <p:nvSpPr>
+          <p:cNvPr id="5" name="Inhaltsplatzhalter 4">
+            <a:extLst>
+              <a:ext uri="{FF2B5EF4-FFF2-40B4-BE49-F238E27FC236}">
+                <a16:creationId xmlns:a16="http://schemas.microsoft.com/office/drawing/2014/main" id="{023C353D-27D2-4156-878C-265100BA9848}"/>
+              </a:ext>
+            </a:extLst>
+          </p:cNvPr>
+          <p:cNvSpPr>
+            <a:spLocks noGrp="1"/>
+          </p:cNvSpPr>
+          <p:nvPr>
+            <p:ph idx="13"/>
+          </p:nvPr>
+        </p:nvSpPr>
+        <p:spPr>
+          <a:xfrm>
+            <a:off x="1011836" y="1245328"/>
+            <a:ext cx="7169010" cy="4931635"/>
+          </a:xfrm>
+        </p:spPr>
+        <p:txBody>
+          <a:bodyPr/>
+          <a:lstStyle/>
+          <a:p>
+            <a:r>
+              <a:rPr lang="de-DE" dirty="0"/>
+              <a:t>Bietet Richtlinie für ein gut durchdachtes und schlank strukturiertes Projektarchiv</a:t>
+            </a:r>
+          </a:p>
+          <a:p>
+            <a:r>
+              <a:rPr lang="de-DE" dirty="0"/>
+              <a:t>Projekt besitzt 5 Arten von Zweigen</a:t>
+            </a:r>
+          </a:p>
+          <a:p>
+            <a:pPr lvl="1"/>
+            <a:r>
+              <a:rPr lang="de-DE" dirty="0"/>
+              <a:t>Hauptzweig </a:t>
+            </a:r>
+            <a:r>
+              <a:rPr lang="de-DE" i="1" dirty="0" err="1"/>
+              <a:t>master</a:t>
+            </a:r>
+            <a:r>
+              <a:rPr lang="de-DE" dirty="0"/>
+              <a:t>: wird für fertige Veröffentlichungen verwendet und ist einmalig</a:t>
+            </a:r>
+          </a:p>
+          <a:p>
+            <a:pPr lvl="1"/>
+            <a:r>
+              <a:rPr lang="de-DE" dirty="0"/>
+              <a:t>Entwicklungszweig </a:t>
+            </a:r>
+            <a:r>
+              <a:rPr lang="de-DE" i="1" dirty="0" err="1"/>
+              <a:t>development</a:t>
+            </a:r>
+            <a:r>
+              <a:rPr lang="de-DE" dirty="0"/>
+              <a:t>: führt Änderungen und Neuerungen zusammen und ist einmalig</a:t>
+            </a:r>
+          </a:p>
+          <a:p>
+            <a:pPr lvl="1"/>
+            <a:r>
+              <a:rPr lang="de-DE" i="1" dirty="0"/>
+              <a:t>Release</a:t>
+            </a:r>
+            <a:r>
+              <a:rPr lang="de-DE" dirty="0"/>
+              <a:t>: beinhaltet Änderungen aus dem Entwicklungszweig, welche auf dem Hauptzweig kommen sollen</a:t>
+            </a:r>
+          </a:p>
+          <a:p>
+            <a:pPr lvl="1"/>
+            <a:r>
+              <a:rPr lang="de-DE" i="1" dirty="0"/>
+              <a:t>Feature Branch</a:t>
+            </a:r>
+            <a:r>
+              <a:rPr lang="de-DE" dirty="0"/>
+              <a:t>: basierend auf dem Entwicklungszweig, beinhalten diese Zweige Änderungen die anhand Personen und Themen separiert werden sollen</a:t>
+            </a:r>
+          </a:p>
+          <a:p>
+            <a:pPr lvl="1"/>
+            <a:r>
+              <a:rPr lang="de-DE" dirty="0"/>
+              <a:t>Korrekturzweig </a:t>
+            </a:r>
+            <a:r>
+              <a:rPr lang="de-DE" i="1" dirty="0" err="1"/>
+              <a:t>bugfix</a:t>
+            </a:r>
+            <a:r>
+              <a:rPr lang="de-DE" dirty="0"/>
+              <a:t>: ermöglicht kleine Änderungen direkt an der Veröffentlichung</a:t>
+            </a:r>
+          </a:p>
+        </p:txBody>
+      </p:sp>
+      <p:sp>
+        <p:nvSpPr>
+          <p:cNvPr id="3" name="Titel 2">
+            <a:extLst>
+              <a:ext uri="{FF2B5EF4-FFF2-40B4-BE49-F238E27FC236}">
+                <a16:creationId xmlns:a16="http://schemas.microsoft.com/office/drawing/2014/main" id="{625B6011-E5CD-40F8-BED3-233D5BEBC703}"/>
+              </a:ext>
+            </a:extLst>
+          </p:cNvPr>
+          <p:cNvSpPr>
+            <a:spLocks noGrp="1"/>
+          </p:cNvSpPr>
+          <p:nvPr>
+            <p:ph type="title" idx="4294967295"/>
+          </p:nvPr>
+        </p:nvSpPr>
+        <p:spPr>
+          <a:xfrm>
+            <a:off x="628650" y="365126"/>
+            <a:ext cx="7886700" cy="698903"/>
+          </a:xfrm>
+          <a:prstGeom prst="rect">
+            <a:avLst/>
+          </a:prstGeom>
+        </p:spPr>
+        <p:txBody>
+          <a:bodyPr>
+            <a:normAutofit/>
+          </a:bodyPr>
+          <a:lstStyle/>
+          <a:p>
+            <a:r>
+              <a:rPr lang="de-DE" dirty="0"/>
+              <a:t>Git-</a:t>
+            </a:r>
+            <a:r>
+              <a:rPr lang="de-DE" dirty="0" err="1"/>
+              <a:t>flow</a:t>
+            </a:r>
+            <a:endParaRPr lang="de-DE" dirty="0"/>
+          </a:p>
+        </p:txBody>
+      </p:sp>
+      <p:pic>
+        <p:nvPicPr>
+          <p:cNvPr id="2" name="Grafik 1">
+            <a:extLst>
+              <a:ext uri="{FF2B5EF4-FFF2-40B4-BE49-F238E27FC236}">
+                <a16:creationId xmlns:a16="http://schemas.microsoft.com/office/drawing/2014/main" id="{0FB6BF15-CBEC-40A7-8B97-BACA56D3C967}"/>
+              </a:ext>
+            </a:extLst>
+          </p:cNvPr>
+          <p:cNvPicPr>
+            <a:picLocks noChangeAspect="1"/>
+          </p:cNvPicPr>
+          <p:nvPr/>
+        </p:nvPicPr>
+        <p:blipFill>
+          <a:blip r:embed="rId2"/>
+          <a:stretch>
+            <a:fillRect/>
+          </a:stretch>
+        </p:blipFill>
+        <p:spPr>
+          <a:xfrm>
+            <a:off x="8180846" y="1245328"/>
+            <a:ext cx="3209443" cy="1167729"/>
+          </a:xfrm>
+          <a:prstGeom prst="rect">
+            <a:avLst/>
+          </a:prstGeom>
+        </p:spPr>
+      </p:pic>
+      <p:pic>
+        <p:nvPicPr>
+          <p:cNvPr id="6" name="Grafik 5">
+            <a:extLst>
+              <a:ext uri="{FF2B5EF4-FFF2-40B4-BE49-F238E27FC236}">
+                <a16:creationId xmlns:a16="http://schemas.microsoft.com/office/drawing/2014/main" id="{C852A811-5EA0-44A3-AA1C-8F171705EF22}"/>
+              </a:ext>
+            </a:extLst>
+          </p:cNvPr>
+          <p:cNvPicPr>
+            <a:picLocks noChangeAspect="1"/>
+          </p:cNvPicPr>
+          <p:nvPr/>
+        </p:nvPicPr>
+        <p:blipFill>
+          <a:blip r:embed="rId3"/>
+          <a:stretch>
+            <a:fillRect/>
+          </a:stretch>
+        </p:blipFill>
+        <p:spPr>
+          <a:xfrm>
+            <a:off x="5303284" y="4884137"/>
+            <a:ext cx="5755123" cy="1457070"/>
+          </a:xfrm>
+          <a:prstGeom prst="rect">
+            <a:avLst/>
+          </a:prstGeom>
+        </p:spPr>
+      </p:pic>
+    </p:spTree>
+    <p:extLst>
+      <p:ext uri="{BB962C8B-B14F-4D97-AF65-F5344CB8AC3E}">
+        <p14:creationId xmlns:p14="http://schemas.microsoft.com/office/powerpoint/2010/main" val="149155477"/>
+      </p:ext>
+    </p:extLst>
+  </p:cSld>
+  <p:clrMapOvr>
+    <a:masterClrMapping/>
+  </p:clrMapOvr>
+</p:sld>
+</file>
+
+<file path=ppt/slides/slide36.xml><?xml version="1.0" encoding="utf-8"?>
+<p:sld xmlns:a="http://schemas.openxmlformats.org/drawingml/2006/main" xmlns:r="http://schemas.openxmlformats.org/officeDocument/2006/relationships" xmlns:p="http://schemas.openxmlformats.org/presentationml/2006/main">
+  <p:cSld>
+    <p:spTree>
+      <p:nvGrpSpPr>
+        <p:cNvPr id="1" name=""/>
+        <p:cNvGrpSpPr/>
+        <p:nvPr/>
+      </p:nvGrpSpPr>
+      <p:grpSpPr>
+        <a:xfrm>
+          <a:off x="0" y="0"/>
+          <a:ext cx="0" cy="0"/>
+          <a:chOff x="0" y="0"/>
+          <a:chExt cx="0" cy="0"/>
+        </a:xfrm>
+      </p:grpSpPr>
+      <p:sp>
+        <p:nvSpPr>
+          <p:cNvPr id="5" name="Inhaltsplatzhalter 4">
+            <a:extLst>
+              <a:ext uri="{FF2B5EF4-FFF2-40B4-BE49-F238E27FC236}">
+                <a16:creationId xmlns:a16="http://schemas.microsoft.com/office/drawing/2014/main" id="{D0D15137-B24A-4D20-8DAF-E588A7DE9169}"/>
+              </a:ext>
+            </a:extLst>
+          </p:cNvPr>
+          <p:cNvSpPr>
+            <a:spLocks noGrp="1"/>
+          </p:cNvSpPr>
+          <p:nvPr>
+            <p:ph idx="13"/>
+          </p:nvPr>
+        </p:nvSpPr>
+        <p:spPr/>
+        <p:txBody>
+          <a:bodyPr/>
+          <a:lstStyle/>
+          <a:p>
+            <a:endParaRPr lang="de-DE"/>
+          </a:p>
+        </p:txBody>
+      </p:sp>
+      <p:sp>
+        <p:nvSpPr>
+          <p:cNvPr id="3" name="Titel 2">
+            <a:extLst>
+              <a:ext uri="{FF2B5EF4-FFF2-40B4-BE49-F238E27FC236}">
+                <a16:creationId xmlns:a16="http://schemas.microsoft.com/office/drawing/2014/main" id="{CB599424-652A-4472-8967-4805ED1F4DEB}"/>
+              </a:ext>
+            </a:extLst>
+          </p:cNvPr>
+          <p:cNvSpPr>
+            <a:spLocks noGrp="1"/>
+          </p:cNvSpPr>
+          <p:nvPr>
+            <p:ph type="title" idx="4294967295"/>
+          </p:nvPr>
+        </p:nvSpPr>
+        <p:spPr>
+          <a:xfrm>
+            <a:off x="628650" y="365126"/>
+            <a:ext cx="7886700" cy="698903"/>
+          </a:xfrm>
+          <a:prstGeom prst="rect">
+            <a:avLst/>
+          </a:prstGeom>
+        </p:spPr>
+        <p:txBody>
+          <a:bodyPr>
+            <a:normAutofit/>
+          </a:bodyPr>
+          <a:lstStyle/>
+          <a:p>
+            <a:r>
+              <a:rPr lang="de-DE" dirty="0"/>
+              <a:t>Pull </a:t>
+            </a:r>
+            <a:r>
+              <a:rPr lang="de-DE" dirty="0" err="1"/>
+              <a:t>request</a:t>
+            </a:r>
+            <a:endParaRPr lang="de-DE" dirty="0"/>
+          </a:p>
+        </p:txBody>
+      </p:sp>
+    </p:spTree>
+    <p:extLst>
+      <p:ext uri="{BB962C8B-B14F-4D97-AF65-F5344CB8AC3E}">
+        <p14:creationId xmlns:p14="http://schemas.microsoft.com/office/powerpoint/2010/main" val="1322300763"/>
+      </p:ext>
+    </p:extLst>
+  </p:cSld>
+  <p:clrMapOvr>
+    <a:masterClrMapping/>
+  </p:clrMapOvr>
+</p:sld>
+</file>
+
+<file path=ppt/slides/slide37.xml><?xml version="1.0" encoding="utf-8"?>
+<p:sld xmlns:a="http://schemas.openxmlformats.org/drawingml/2006/main" xmlns:r="http://schemas.openxmlformats.org/officeDocument/2006/relationships" xmlns:p="http://schemas.openxmlformats.org/presentationml/2006/main">
+  <p:cSld>
+    <p:spTree>
+      <p:nvGrpSpPr>
+        <p:cNvPr id="1" name=""/>
+        <p:cNvGrpSpPr/>
+        <p:nvPr/>
+      </p:nvGrpSpPr>
+      <p:grpSpPr>
+        <a:xfrm>
+          <a:off x="0" y="0"/>
+          <a:ext cx="0" cy="0"/>
+          <a:chOff x="0" y="0"/>
+          <a:chExt cx="0" cy="0"/>
+        </a:xfrm>
+      </p:grpSpPr>
+      <p:sp>
+        <p:nvSpPr>
+          <p:cNvPr id="5" name="Inhaltsplatzhalter 4">
+            <a:extLst>
+              <a:ext uri="{FF2B5EF4-FFF2-40B4-BE49-F238E27FC236}">
+                <a16:creationId xmlns:a16="http://schemas.microsoft.com/office/drawing/2014/main" id="{D39F8C46-B29C-4E51-82FC-5C372BBE7B10}"/>
+              </a:ext>
+            </a:extLst>
+          </p:cNvPr>
+          <p:cNvSpPr>
+            <a:spLocks noGrp="1"/>
+          </p:cNvSpPr>
+          <p:nvPr>
+            <p:ph idx="13"/>
+          </p:nvPr>
+        </p:nvSpPr>
+        <p:spPr/>
+        <p:txBody>
+          <a:bodyPr/>
+          <a:lstStyle/>
+          <a:p>
+            <a:endParaRPr lang="de-DE"/>
+          </a:p>
+        </p:txBody>
+      </p:sp>
+      <p:sp>
+        <p:nvSpPr>
+          <p:cNvPr id="3" name="Titel 2">
+            <a:extLst>
+              <a:ext uri="{FF2B5EF4-FFF2-40B4-BE49-F238E27FC236}">
+                <a16:creationId xmlns:a16="http://schemas.microsoft.com/office/drawing/2014/main" id="{18E8F690-0089-41E4-BB41-AE8E12035B39}"/>
+              </a:ext>
+            </a:extLst>
+          </p:cNvPr>
+          <p:cNvSpPr>
+            <a:spLocks noGrp="1"/>
+          </p:cNvSpPr>
+          <p:nvPr>
+            <p:ph type="title" idx="4294967295"/>
+          </p:nvPr>
+        </p:nvSpPr>
+        <p:spPr>
+          <a:xfrm>
+            <a:off x="628650" y="365126"/>
+            <a:ext cx="7886700" cy="698903"/>
+          </a:xfrm>
+          <a:prstGeom prst="rect">
+            <a:avLst/>
+          </a:prstGeom>
+        </p:spPr>
+        <p:txBody>
+          <a:bodyPr>
+            <a:normAutofit/>
+          </a:bodyPr>
+          <a:lstStyle/>
+          <a:p>
+            <a:r>
+              <a:rPr lang="de-DE" dirty="0" err="1"/>
+              <a:t>Forking</a:t>
+            </a:r>
+            <a:r>
+              <a:rPr lang="de-DE" dirty="0"/>
+              <a:t>-workflow</a:t>
+            </a:r>
+          </a:p>
+        </p:txBody>
+      </p:sp>
+    </p:spTree>
+    <p:extLst>
+      <p:ext uri="{BB962C8B-B14F-4D97-AF65-F5344CB8AC3E}">
+        <p14:creationId xmlns:p14="http://schemas.microsoft.com/office/powerpoint/2010/main" val="1691214512"/>
+      </p:ext>
+    </p:extLst>
+  </p:cSld>
+  <p:clrMapOvr>
+    <a:masterClrMapping/>
+  </p:clrMapOvr>
+</p:sld>
+</file>
+
+<file path=ppt/slides/slide38.xml><?xml version="1.0" encoding="utf-8"?>
+<p:sld xmlns:a="http://schemas.openxmlformats.org/drawingml/2006/main" xmlns:r="http://schemas.openxmlformats.org/officeDocument/2006/relationships" xmlns:p="http://schemas.openxmlformats.org/presentationml/2006/main">
+  <p:cSld>
+    <p:spTree>
+      <p:nvGrpSpPr>
+        <p:cNvPr id="1" name=""/>
+        <p:cNvGrpSpPr/>
+        <p:nvPr/>
+      </p:nvGrpSpPr>
+      <p:grpSpPr>
+        <a:xfrm>
+          <a:off x="0" y="0"/>
+          <a:ext cx="0" cy="0"/>
+          <a:chOff x="0" y="0"/>
+          <a:chExt cx="0" cy="0"/>
+        </a:xfrm>
+      </p:grpSpPr>
+      <p:sp>
+        <p:nvSpPr>
+          <p:cNvPr id="2" name="Titel 1">
+            <a:extLst>
+              <a:ext uri="{FF2B5EF4-FFF2-40B4-BE49-F238E27FC236}">
+                <a16:creationId xmlns:a16="http://schemas.microsoft.com/office/drawing/2014/main" id="{6C8483CF-1B0E-4C5D-98AE-63877A3A3D1A}"/>
+              </a:ext>
+            </a:extLst>
+          </p:cNvPr>
+          <p:cNvSpPr>
+            <a:spLocks noGrp="1"/>
+          </p:cNvSpPr>
+          <p:nvPr>
+            <p:ph type="title"/>
+          </p:nvPr>
+        </p:nvSpPr>
+        <p:spPr/>
+        <p:txBody>
+          <a:bodyPr/>
+          <a:lstStyle/>
+          <a:p>
+            <a:r>
+              <a:rPr lang="de-DE" dirty="0"/>
+              <a:t>(weitere Befehle)</a:t>
+            </a:r>
+          </a:p>
+        </p:txBody>
+      </p:sp>
+    </p:spTree>
+    <p:extLst>
+      <p:ext uri="{BB962C8B-B14F-4D97-AF65-F5344CB8AC3E}">
+        <p14:creationId xmlns:p14="http://schemas.microsoft.com/office/powerpoint/2010/main" val="2812503263"/>
+      </p:ext>
+    </p:extLst>
+  </p:cSld>
+  <p:clrMapOvr>
+    <a:masterClrMapping/>
+  </p:clrMapOvr>
+</p:sld>
+</file>
+
+<file path=ppt/slides/slide39.xml><?xml version="1.0" encoding="utf-8"?>
+<p:sld xmlns:a="http://schemas.openxmlformats.org/drawingml/2006/main" xmlns:r="http://schemas.openxmlformats.org/officeDocument/2006/relationships" xmlns:p="http://schemas.openxmlformats.org/presentationml/2006/main">
+  <p:cSld>
+    <p:spTree>
+      <p:nvGrpSpPr>
+        <p:cNvPr id="1" name=""/>
+        <p:cNvGrpSpPr/>
+        <p:nvPr/>
+      </p:nvGrpSpPr>
+      <p:grpSpPr>
+        <a:xfrm>
+          <a:off x="0" y="0"/>
+          <a:ext cx="0" cy="0"/>
+          <a:chOff x="0" y="0"/>
+          <a:chExt cx="0" cy="0"/>
+        </a:xfrm>
+      </p:grpSpPr>
+      <p:sp>
+        <p:nvSpPr>
+          <p:cNvPr id="2" name="Titel 1">
+            <a:extLst>
+              <a:ext uri="{FF2B5EF4-FFF2-40B4-BE49-F238E27FC236}">
+                <a16:creationId xmlns:a16="http://schemas.microsoft.com/office/drawing/2014/main" id="{CFC30C4B-71C7-4535-8A5A-F0F266237AFD}"/>
+              </a:ext>
+            </a:extLst>
+          </p:cNvPr>
+          <p:cNvSpPr>
+            <a:spLocks noGrp="1"/>
+          </p:cNvSpPr>
+          <p:nvPr>
+            <p:ph type="title"/>
+          </p:nvPr>
+        </p:nvSpPr>
+        <p:spPr/>
+        <p:txBody>
+          <a:bodyPr/>
+          <a:lstStyle/>
+          <a:p>
+            <a:r>
+              <a:rPr lang="de-DE" dirty="0"/>
+              <a:t>Interne Datenverwaltung</a:t>
+            </a:r>
+          </a:p>
+        </p:txBody>
+      </p:sp>
+    </p:spTree>
+    <p:extLst>
+      <p:ext uri="{BB962C8B-B14F-4D97-AF65-F5344CB8AC3E}">
+        <p14:creationId xmlns:p14="http://schemas.microsoft.com/office/powerpoint/2010/main" val="3431436470"/>
+      </p:ext>
+    </p:extLst>
+  </p:cSld>
+  <p:clrMapOvr>
+    <a:masterClrMapping/>
+  </p:clrMapOvr>
+</p:sld>
+</file>
+
+<file path=ppt/slides/slide4.xml><?xml version="1.0" encoding="utf-8"?>
 <p:sld xmlns:a="http://schemas.openxmlformats.org/drawingml/2006/main" xmlns:r="http://schemas.openxmlformats.org/officeDocument/2006/relationships" xmlns:p="http://schemas.openxmlformats.org/presentationml/2006/main">
   <p:cSld>
     <p:spTree>
@@ -8303,7 +11308,7 @@
 </p:sld>
 </file>
 
-<file path=ppt/slides/slide20.xml><?xml version="1.0" encoding="utf-8"?>
+<file path=ppt/slides/slide40.xml><?xml version="1.0" encoding="utf-8"?>
 <p:sld xmlns:a="http://schemas.openxmlformats.org/drawingml/2006/main" xmlns:r="http://schemas.openxmlformats.org/officeDocument/2006/relationships" xmlns:p="http://schemas.openxmlformats.org/presentationml/2006/main">
   <p:cSld>
     <p:spTree>
@@ -8322,10 +11327,10 @@
       </p:grpSpPr>
       <p:sp>
         <p:nvSpPr>
-          <p:cNvPr id="5" name="Inhaltsplatzhalter 4">
+          <p:cNvPr id="4" name="Inhaltsplatzhalter 3">
             <a:extLst>
               <a:ext uri="{FF2B5EF4-FFF2-40B4-BE49-F238E27FC236}">
-                <a16:creationId xmlns:a16="http://schemas.microsoft.com/office/drawing/2014/main" id="{C599EF70-303F-4638-866C-534013DC3009}"/>
+                <a16:creationId xmlns:a16="http://schemas.microsoft.com/office/drawing/2014/main" id="{68907F8E-2FC4-4FEA-BE11-BBC2972A10FE}"/>
               </a:ext>
             </a:extLst>
           </p:cNvPr>
@@ -8341,19 +11346,16 @@
           <a:bodyPr/>
           <a:lstStyle/>
           <a:p>
-            <a:r>
-              <a:rPr lang="de-DE" dirty="0"/>
-              <a:t>Stellt den allgemeinen Stand des Projekts dar</a:t>
-            </a:r>
-          </a:p>
-        </p:txBody>
-      </p:sp>
-      <p:sp>
-        <p:nvSpPr>
-          <p:cNvPr id="3" name="Titel 2">
+            <a:endParaRPr lang="de-DE"/>
+          </a:p>
+        </p:txBody>
+      </p:sp>
+      <p:sp>
+        <p:nvSpPr>
+          <p:cNvPr id="5" name="Titel 4">
             <a:extLst>
               <a:ext uri="{FF2B5EF4-FFF2-40B4-BE49-F238E27FC236}">
-                <a16:creationId xmlns:a16="http://schemas.microsoft.com/office/drawing/2014/main" id="{01B0FFCB-5ED6-41B3-853D-B50AAF600C26}"/>
+                <a16:creationId xmlns:a16="http://schemas.microsoft.com/office/drawing/2014/main" id="{86E22394-880D-4500-AA8D-A412EFE36D95}"/>
               </a:ext>
             </a:extLst>
           </p:cNvPr>
@@ -8379,17 +11381,14 @@
           </a:bodyPr>
           <a:lstStyle/>
           <a:p>
-            <a:r>
-              <a:rPr lang="de-DE" dirty="0"/>
-              <a:t>Referenzarchiv</a:t>
-            </a:r>
+            <a:endParaRPr lang="de-DE"/>
           </a:p>
         </p:txBody>
       </p:sp>
     </p:spTree>
     <p:extLst>
       <p:ext uri="{BB962C8B-B14F-4D97-AF65-F5344CB8AC3E}">
-        <p14:creationId xmlns:p14="http://schemas.microsoft.com/office/powerpoint/2010/main" val="3659548600"/>
+        <p14:creationId xmlns:p14="http://schemas.microsoft.com/office/powerpoint/2010/main" val="2659165292"/>
       </p:ext>
     </p:extLst>
   </p:cSld>
@@ -8399,1407 +11398,7 @@
 </p:sld>
 </file>
 
-<file path=ppt/slides/slide21.xml><?xml version="1.0" encoding="utf-8"?>
-<p:sld xmlns:a="http://schemas.openxmlformats.org/drawingml/2006/main" xmlns:r="http://schemas.openxmlformats.org/officeDocument/2006/relationships" xmlns:p="http://schemas.openxmlformats.org/presentationml/2006/main">
-  <p:cSld>
-    <p:spTree>
-      <p:nvGrpSpPr>
-        <p:cNvPr id="1" name=""/>
-        <p:cNvGrpSpPr/>
-        <p:nvPr/>
-      </p:nvGrpSpPr>
-      <p:grpSpPr>
-        <a:xfrm>
-          <a:off x="0" y="0"/>
-          <a:ext cx="0" cy="0"/>
-          <a:chOff x="0" y="0"/>
-          <a:chExt cx="0" cy="0"/>
-        </a:xfrm>
-      </p:grpSpPr>
-      <p:sp>
-        <p:nvSpPr>
-          <p:cNvPr id="5" name="Inhaltsplatzhalter 4">
-            <a:extLst>
-              <a:ext uri="{FF2B5EF4-FFF2-40B4-BE49-F238E27FC236}">
-                <a16:creationId xmlns:a16="http://schemas.microsoft.com/office/drawing/2014/main" id="{AEB324FE-DECD-4695-AD49-3199FDB60C24}"/>
-              </a:ext>
-            </a:extLst>
-          </p:cNvPr>
-          <p:cNvSpPr>
-            <a:spLocks noGrp="1"/>
-          </p:cNvSpPr>
-          <p:nvPr>
-            <p:ph idx="13"/>
-          </p:nvPr>
-        </p:nvSpPr>
-        <p:spPr/>
-        <p:txBody>
-          <a:bodyPr/>
-          <a:lstStyle/>
-          <a:p>
-            <a:r>
-              <a:rPr lang="de-DE" dirty="0"/>
-              <a:t>Push</a:t>
-            </a:r>
-          </a:p>
-          <a:p>
-            <a:pPr lvl="1"/>
-            <a:r>
-              <a:rPr lang="de-DE" dirty="0"/>
-              <a:t>Ermöglich lokale Änderungen auf den globalen Server zu legen</a:t>
-            </a:r>
-          </a:p>
-          <a:p>
-            <a:pPr lvl="1"/>
-            <a:r>
-              <a:rPr lang="de-DE" dirty="0"/>
-              <a:t>Kommando: </a:t>
-            </a:r>
-            <a:r>
-              <a:rPr lang="de-DE" b="1" i="1" dirty="0" err="1"/>
-              <a:t>git</a:t>
-            </a:r>
-            <a:r>
-              <a:rPr lang="de-DE" b="1" i="1" dirty="0"/>
-              <a:t> push</a:t>
-            </a:r>
-          </a:p>
-          <a:p>
-            <a:r>
-              <a:rPr lang="de-DE" dirty="0" err="1"/>
-              <a:t>Fetch</a:t>
-            </a:r>
-            <a:endParaRPr lang="de-DE" dirty="0"/>
-          </a:p>
-          <a:p>
-            <a:pPr lvl="1"/>
-            <a:r>
-              <a:rPr lang="de-DE" dirty="0"/>
-              <a:t>Vergleicht </a:t>
-            </a:r>
-            <a:r>
-              <a:rPr lang="de-DE" dirty="0" err="1"/>
-              <a:t>Refernezarchiv</a:t>
-            </a:r>
-            <a:r>
-              <a:rPr lang="de-DE" dirty="0"/>
-              <a:t> </a:t>
-            </a:r>
-            <a:r>
-              <a:rPr lang="de-DE" i="1" dirty="0" err="1"/>
-              <a:t>origin</a:t>
-            </a:r>
-            <a:r>
-              <a:rPr lang="de-DE" i="1" dirty="0"/>
-              <a:t> </a:t>
-            </a:r>
-            <a:r>
-              <a:rPr lang="de-DE" dirty="0"/>
-              <a:t>mit dem lokalen Stand</a:t>
-            </a:r>
-          </a:p>
-          <a:p>
-            <a:pPr lvl="1"/>
-            <a:r>
-              <a:rPr lang="de-DE" dirty="0"/>
-              <a:t>Abweichende Änderungen werden nur angezeigt und nicht integriert</a:t>
-            </a:r>
-          </a:p>
-          <a:p>
-            <a:pPr lvl="1"/>
-            <a:r>
-              <a:rPr lang="de-DE" dirty="0"/>
-              <a:t>Kommando: </a:t>
-            </a:r>
-            <a:r>
-              <a:rPr lang="de-DE" b="1" i="1" dirty="0" err="1"/>
-              <a:t>git</a:t>
-            </a:r>
-            <a:r>
-              <a:rPr lang="de-DE" b="1" i="1" dirty="0"/>
-              <a:t> </a:t>
-            </a:r>
-            <a:r>
-              <a:rPr lang="de-DE" b="1" i="1" dirty="0" err="1"/>
-              <a:t>fetch</a:t>
-            </a:r>
-            <a:endParaRPr lang="de-DE" b="1" i="1" dirty="0"/>
-          </a:p>
-          <a:p>
-            <a:pPr lvl="1"/>
-            <a:r>
-              <a:rPr lang="de-DE" dirty="0"/>
-              <a:t>Meist in Kombination von </a:t>
-            </a:r>
-            <a:r>
-              <a:rPr lang="de-DE" i="1" dirty="0" err="1"/>
-              <a:t>merge</a:t>
-            </a:r>
-            <a:endParaRPr lang="de-DE" i="1" dirty="0"/>
-          </a:p>
-          <a:p>
-            <a:pPr lvl="1"/>
-            <a:endParaRPr lang="de-DE" dirty="0"/>
-          </a:p>
-        </p:txBody>
-      </p:sp>
-      <p:sp>
-        <p:nvSpPr>
-          <p:cNvPr id="3" name="Titel 2">
-            <a:extLst>
-              <a:ext uri="{FF2B5EF4-FFF2-40B4-BE49-F238E27FC236}">
-                <a16:creationId xmlns:a16="http://schemas.microsoft.com/office/drawing/2014/main" id="{464AB558-9021-456D-A794-9A19A1E3EBA5}"/>
-              </a:ext>
-            </a:extLst>
-          </p:cNvPr>
-          <p:cNvSpPr>
-            <a:spLocks noGrp="1"/>
-          </p:cNvSpPr>
-          <p:nvPr>
-            <p:ph type="title" idx="4294967295"/>
-          </p:nvPr>
-        </p:nvSpPr>
-        <p:spPr>
-          <a:xfrm>
-            <a:off x="628650" y="365126"/>
-            <a:ext cx="7886700" cy="698903"/>
-          </a:xfrm>
-          <a:prstGeom prst="rect">
-            <a:avLst/>
-          </a:prstGeom>
-        </p:spPr>
-        <p:txBody>
-          <a:bodyPr>
-            <a:normAutofit/>
-          </a:bodyPr>
-          <a:lstStyle/>
-          <a:p>
-            <a:r>
-              <a:rPr lang="de-DE" dirty="0"/>
-              <a:t>Push / </a:t>
-            </a:r>
-            <a:r>
-              <a:rPr lang="de-DE" dirty="0" err="1"/>
-              <a:t>fetch</a:t>
-            </a:r>
-            <a:endParaRPr lang="de-DE" dirty="0"/>
-          </a:p>
-        </p:txBody>
-      </p:sp>
-    </p:spTree>
-    <p:extLst>
-      <p:ext uri="{BB962C8B-B14F-4D97-AF65-F5344CB8AC3E}">
-        <p14:creationId xmlns:p14="http://schemas.microsoft.com/office/powerpoint/2010/main" val="1883800244"/>
-      </p:ext>
-    </p:extLst>
-  </p:cSld>
-  <p:clrMapOvr>
-    <a:masterClrMapping/>
-  </p:clrMapOvr>
-</p:sld>
-</file>
-
-<file path=ppt/slides/slide22.xml><?xml version="1.0" encoding="utf-8"?>
-<p:sld xmlns:a="http://schemas.openxmlformats.org/drawingml/2006/main" xmlns:r="http://schemas.openxmlformats.org/officeDocument/2006/relationships" xmlns:p="http://schemas.openxmlformats.org/presentationml/2006/main">
-  <p:cSld>
-    <p:spTree>
-      <p:nvGrpSpPr>
-        <p:cNvPr id="1" name=""/>
-        <p:cNvGrpSpPr/>
-        <p:nvPr/>
-      </p:nvGrpSpPr>
-      <p:grpSpPr>
-        <a:xfrm>
-          <a:off x="0" y="0"/>
-          <a:ext cx="0" cy="0"/>
-          <a:chOff x="0" y="0"/>
-          <a:chExt cx="0" cy="0"/>
-        </a:xfrm>
-      </p:grpSpPr>
-      <p:sp>
-        <p:nvSpPr>
-          <p:cNvPr id="5" name="Inhaltsplatzhalter 4">
-            <a:extLst>
-              <a:ext uri="{FF2B5EF4-FFF2-40B4-BE49-F238E27FC236}">
-                <a16:creationId xmlns:a16="http://schemas.microsoft.com/office/drawing/2014/main" id="{E993345E-4322-4AD4-BA0B-0AE461CCFCD5}"/>
-              </a:ext>
-            </a:extLst>
-          </p:cNvPr>
-          <p:cNvSpPr>
-            <a:spLocks noGrp="1"/>
-          </p:cNvSpPr>
-          <p:nvPr>
-            <p:ph idx="13"/>
-          </p:nvPr>
-        </p:nvSpPr>
-        <p:spPr/>
-        <p:txBody>
-          <a:bodyPr/>
-          <a:lstStyle/>
-          <a:p>
-            <a:r>
-              <a:rPr lang="de-DE" dirty="0"/>
-              <a:t>Wird verwendet um das lokale Projektarchiv mit Änderungen des Referenzarchivs zu erweitern</a:t>
-            </a:r>
-          </a:p>
-          <a:p>
-            <a:r>
-              <a:rPr lang="de-DE" dirty="0"/>
-              <a:t>Kommando: </a:t>
-            </a:r>
-            <a:r>
-              <a:rPr lang="de-DE" b="1" i="1" dirty="0" err="1"/>
-              <a:t>git</a:t>
-            </a:r>
-            <a:r>
-              <a:rPr lang="de-DE" b="1" i="1" dirty="0"/>
-              <a:t> pull</a:t>
-            </a:r>
-          </a:p>
-          <a:p>
-            <a:r>
-              <a:rPr lang="de-DE" i="1" dirty="0"/>
-              <a:t>Pull</a:t>
-            </a:r>
-            <a:r>
-              <a:rPr lang="de-DE" dirty="0"/>
-              <a:t> ist eine Kombination aus </a:t>
-            </a:r>
-            <a:r>
-              <a:rPr lang="de-DE" i="1" dirty="0" err="1"/>
-              <a:t>fetch</a:t>
-            </a:r>
-            <a:r>
-              <a:rPr lang="de-DE" dirty="0"/>
-              <a:t> und </a:t>
-            </a:r>
-            <a:r>
-              <a:rPr lang="de-DE" i="1" dirty="0" err="1"/>
-              <a:t>merge</a:t>
-            </a:r>
-            <a:endParaRPr lang="de-DE" i="1" dirty="0"/>
-          </a:p>
-          <a:p>
-            <a:r>
-              <a:rPr lang="de-DE" dirty="0"/>
-              <a:t>Mit Anhang --</a:t>
-            </a:r>
-            <a:r>
-              <a:rPr lang="de-DE" b="1" i="1" dirty="0" err="1"/>
-              <a:t>rebase</a:t>
-            </a:r>
-            <a:r>
-              <a:rPr lang="de-DE" dirty="0"/>
-              <a:t> werden lokale Abweichungen verschoben</a:t>
-            </a:r>
-          </a:p>
-          <a:p>
-            <a:pPr lvl="1"/>
-            <a:endParaRPr lang="de-DE" dirty="0"/>
-          </a:p>
-        </p:txBody>
-      </p:sp>
-      <p:sp>
-        <p:nvSpPr>
-          <p:cNvPr id="3" name="Titel 2">
-            <a:extLst>
-              <a:ext uri="{FF2B5EF4-FFF2-40B4-BE49-F238E27FC236}">
-                <a16:creationId xmlns:a16="http://schemas.microsoft.com/office/drawing/2014/main" id="{2894306C-BD41-4925-9236-4DE81AE928D0}"/>
-              </a:ext>
-            </a:extLst>
-          </p:cNvPr>
-          <p:cNvSpPr>
-            <a:spLocks noGrp="1"/>
-          </p:cNvSpPr>
-          <p:nvPr>
-            <p:ph type="title" idx="4294967295"/>
-          </p:nvPr>
-        </p:nvSpPr>
-        <p:spPr>
-          <a:xfrm>
-            <a:off x="628650" y="365126"/>
-            <a:ext cx="7886700" cy="698903"/>
-          </a:xfrm>
-          <a:prstGeom prst="rect">
-            <a:avLst/>
-          </a:prstGeom>
-        </p:spPr>
-        <p:txBody>
-          <a:bodyPr>
-            <a:normAutofit/>
-          </a:bodyPr>
-          <a:lstStyle/>
-          <a:p>
-            <a:r>
-              <a:rPr lang="de-DE" dirty="0"/>
-              <a:t>Pull</a:t>
-            </a:r>
-          </a:p>
-        </p:txBody>
-      </p:sp>
-    </p:spTree>
-    <p:extLst>
-      <p:ext uri="{BB962C8B-B14F-4D97-AF65-F5344CB8AC3E}">
-        <p14:creationId xmlns:p14="http://schemas.microsoft.com/office/powerpoint/2010/main" val="4273179020"/>
-      </p:ext>
-    </p:extLst>
-  </p:cSld>
-  <p:clrMapOvr>
-    <a:masterClrMapping/>
-  </p:clrMapOvr>
-</p:sld>
-</file>
-
-<file path=ppt/slides/slide23.xml><?xml version="1.0" encoding="utf-8"?>
-<p:sld xmlns:a="http://schemas.openxmlformats.org/drawingml/2006/main" xmlns:r="http://schemas.openxmlformats.org/officeDocument/2006/relationships" xmlns:p="http://schemas.openxmlformats.org/presentationml/2006/main">
-  <p:cSld>
-    <p:spTree>
-      <p:nvGrpSpPr>
-        <p:cNvPr id="1" name=""/>
-        <p:cNvGrpSpPr/>
-        <p:nvPr/>
-      </p:nvGrpSpPr>
-      <p:grpSpPr>
-        <a:xfrm>
-          <a:off x="0" y="0"/>
-          <a:ext cx="0" cy="0"/>
-          <a:chOff x="0" y="0"/>
-          <a:chExt cx="0" cy="0"/>
-        </a:xfrm>
-      </p:grpSpPr>
-      <p:sp>
-        <p:nvSpPr>
-          <p:cNvPr id="3" name="Titel 2">
-            <a:extLst>
-              <a:ext uri="{FF2B5EF4-FFF2-40B4-BE49-F238E27FC236}">
-                <a16:creationId xmlns:a16="http://schemas.microsoft.com/office/drawing/2014/main" id="{5143EDCB-1E40-4482-A2C7-B4CCD80B0FE7}"/>
-              </a:ext>
-            </a:extLst>
-          </p:cNvPr>
-          <p:cNvSpPr>
-            <a:spLocks noGrp="1"/>
-          </p:cNvSpPr>
-          <p:nvPr>
-            <p:ph type="title"/>
-          </p:nvPr>
-        </p:nvSpPr>
-        <p:spPr/>
-        <p:txBody>
-          <a:bodyPr/>
-          <a:lstStyle/>
-          <a:p>
-            <a:endParaRPr lang="de-DE"/>
-          </a:p>
-        </p:txBody>
-      </p:sp>
-    </p:spTree>
-    <p:extLst>
-      <p:ext uri="{BB962C8B-B14F-4D97-AF65-F5344CB8AC3E}">
-        <p14:creationId xmlns:p14="http://schemas.microsoft.com/office/powerpoint/2010/main" val="1490657441"/>
-      </p:ext>
-    </p:extLst>
-  </p:cSld>
-  <p:clrMapOvr>
-    <a:masterClrMapping/>
-  </p:clrMapOvr>
-</p:sld>
-</file>
-
-<file path=ppt/slides/slide24.xml><?xml version="1.0" encoding="utf-8"?>
-<p:sld xmlns:a="http://schemas.openxmlformats.org/drawingml/2006/main" xmlns:r="http://schemas.openxmlformats.org/officeDocument/2006/relationships" xmlns:p="http://schemas.openxmlformats.org/presentationml/2006/main">
-  <p:cSld>
-    <p:spTree>
-      <p:nvGrpSpPr>
-        <p:cNvPr id="1" name=""/>
-        <p:cNvGrpSpPr/>
-        <p:nvPr/>
-      </p:nvGrpSpPr>
-      <p:grpSpPr>
-        <a:xfrm>
-          <a:off x="0" y="0"/>
-          <a:ext cx="0" cy="0"/>
-          <a:chOff x="0" y="0"/>
-          <a:chExt cx="0" cy="0"/>
-        </a:xfrm>
-      </p:grpSpPr>
-      <p:sp>
-        <p:nvSpPr>
-          <p:cNvPr id="5" name="Inhaltsplatzhalter 4">
-            <a:extLst>
-              <a:ext uri="{FF2B5EF4-FFF2-40B4-BE49-F238E27FC236}">
-                <a16:creationId xmlns:a16="http://schemas.microsoft.com/office/drawing/2014/main" id="{D11C433A-E762-4300-9BC5-EC05FEE99101}"/>
-              </a:ext>
-            </a:extLst>
-          </p:cNvPr>
-          <p:cNvSpPr>
-            <a:spLocks noGrp="1"/>
-          </p:cNvSpPr>
-          <p:nvPr>
-            <p:ph idx="13"/>
-          </p:nvPr>
-        </p:nvSpPr>
-        <p:spPr/>
-        <p:txBody>
-          <a:bodyPr/>
-          <a:lstStyle/>
-          <a:p>
-            <a:r>
-              <a:rPr lang="de-DE" dirty="0"/>
-              <a:t>Markierung einzelner </a:t>
-            </a:r>
-            <a:r>
-              <a:rPr lang="de-DE" dirty="0" err="1"/>
-              <a:t>Commits</a:t>
-            </a:r>
-            <a:r>
-              <a:rPr lang="de-DE" dirty="0"/>
-              <a:t> zur:</a:t>
-            </a:r>
-          </a:p>
-          <a:p>
-            <a:pPr lvl="1"/>
-            <a:r>
-              <a:rPr lang="de-DE" dirty="0"/>
-              <a:t>Einfacheren </a:t>
-            </a:r>
-            <a:r>
-              <a:rPr lang="de-DE" dirty="0" err="1"/>
-              <a:t>Referenzierung</a:t>
-            </a:r>
-            <a:endParaRPr lang="de-DE" dirty="0"/>
-          </a:p>
-          <a:p>
-            <a:pPr lvl="1"/>
-            <a:r>
-              <a:rPr lang="de-DE" dirty="0"/>
-              <a:t>Identifizierung von Releases</a:t>
-            </a:r>
-          </a:p>
-          <a:p>
-            <a:pPr lvl="1"/>
-            <a:r>
-              <a:rPr lang="de-DE" dirty="0"/>
-              <a:t>Markung wichtiger Stände</a:t>
-            </a:r>
-          </a:p>
-          <a:p>
-            <a:r>
-              <a:rPr lang="de-DE" dirty="0"/>
-              <a:t>Kommando: </a:t>
-            </a:r>
-            <a:r>
-              <a:rPr lang="de-DE" b="1" i="1" dirty="0" err="1"/>
-              <a:t>git</a:t>
-            </a:r>
-            <a:r>
-              <a:rPr lang="de-DE" b="1" i="1" dirty="0"/>
-              <a:t> tag &lt;Name&gt;</a:t>
-            </a:r>
-          </a:p>
-          <a:p>
-            <a:pPr lvl="1"/>
-            <a:r>
-              <a:rPr lang="de-DE" dirty="0"/>
-              <a:t>-a -m ‘Nachricht‘	Erweitere Nachricht wird mitgeführt</a:t>
-            </a:r>
-          </a:p>
-          <a:p>
-            <a:pPr lvl="1"/>
-            <a:r>
-              <a:rPr lang="de-DE" dirty="0" err="1"/>
-              <a:t>git</a:t>
-            </a:r>
-            <a:r>
-              <a:rPr lang="de-DE" dirty="0"/>
-              <a:t> tag		Listet alle Etiketten</a:t>
-            </a:r>
-          </a:p>
-          <a:p>
-            <a:endParaRPr lang="de-DE" dirty="0"/>
-          </a:p>
-          <a:p>
-            <a:endParaRPr lang="de-DE" dirty="0"/>
-          </a:p>
-          <a:p>
-            <a:endParaRPr lang="de-DE" dirty="0"/>
-          </a:p>
-          <a:p>
-            <a:endParaRPr lang="de-DE" dirty="0"/>
-          </a:p>
-          <a:p>
-            <a:r>
-              <a:rPr lang="de-DE" dirty="0"/>
-              <a:t>Erstellte Etiketten werden mit </a:t>
-            </a:r>
-            <a:r>
-              <a:rPr lang="de-DE" b="1" i="1" dirty="0" err="1"/>
-              <a:t>git</a:t>
-            </a:r>
-            <a:r>
-              <a:rPr lang="de-DE" b="1" i="1" dirty="0"/>
-              <a:t> push </a:t>
-            </a:r>
-            <a:r>
-              <a:rPr lang="de-DE" b="1" i="1" dirty="0" err="1"/>
-              <a:t>origin</a:t>
-            </a:r>
-            <a:r>
-              <a:rPr lang="de-DE" b="1" i="1" dirty="0"/>
-              <a:t> &lt;Etikett&gt;</a:t>
-            </a:r>
-            <a:r>
-              <a:rPr lang="de-DE" dirty="0"/>
-              <a:t> dem Referenzarchiv hinzugefügt</a:t>
-            </a:r>
-          </a:p>
-        </p:txBody>
-      </p:sp>
-      <p:sp>
-        <p:nvSpPr>
-          <p:cNvPr id="3" name="Titel 2">
-            <a:extLst>
-              <a:ext uri="{FF2B5EF4-FFF2-40B4-BE49-F238E27FC236}">
-                <a16:creationId xmlns:a16="http://schemas.microsoft.com/office/drawing/2014/main" id="{BA15A607-5F02-4538-AEB6-A00CE280607F}"/>
-              </a:ext>
-            </a:extLst>
-          </p:cNvPr>
-          <p:cNvSpPr>
-            <a:spLocks noGrp="1"/>
-          </p:cNvSpPr>
-          <p:nvPr>
-            <p:ph type="title" idx="4294967295"/>
-          </p:nvPr>
-        </p:nvSpPr>
-        <p:spPr>
-          <a:xfrm>
-            <a:off x="628650" y="365126"/>
-            <a:ext cx="7886700" cy="698903"/>
-          </a:xfrm>
-          <a:prstGeom prst="rect">
-            <a:avLst/>
-          </a:prstGeom>
-        </p:spPr>
-        <p:txBody>
-          <a:bodyPr>
-            <a:normAutofit/>
-          </a:bodyPr>
-          <a:lstStyle/>
-          <a:p>
-            <a:r>
-              <a:rPr lang="de-DE" dirty="0"/>
-              <a:t>Tags / Etiketten</a:t>
-            </a:r>
-          </a:p>
-        </p:txBody>
-      </p:sp>
-      <p:pic>
-        <p:nvPicPr>
-          <p:cNvPr id="6" name="Grafik 5">
-            <a:extLst>
-              <a:ext uri="{FF2B5EF4-FFF2-40B4-BE49-F238E27FC236}">
-                <a16:creationId xmlns:a16="http://schemas.microsoft.com/office/drawing/2014/main" id="{9EC0502E-A276-469C-8BAE-8E105BE8005F}"/>
-              </a:ext>
-            </a:extLst>
-          </p:cNvPr>
-          <p:cNvPicPr>
-            <a:picLocks noChangeAspect="1"/>
-          </p:cNvPicPr>
-          <p:nvPr/>
-        </p:nvPicPr>
-        <p:blipFill>
-          <a:blip r:embed="rId2"/>
-          <a:stretch>
-            <a:fillRect/>
-          </a:stretch>
-        </p:blipFill>
-        <p:spPr>
-          <a:xfrm>
-            <a:off x="2316239" y="3711145"/>
-            <a:ext cx="4560203" cy="1060796"/>
-          </a:xfrm>
-          <a:prstGeom prst="rect">
-            <a:avLst/>
-          </a:prstGeom>
-        </p:spPr>
-      </p:pic>
-    </p:spTree>
-    <p:extLst>
-      <p:ext uri="{BB962C8B-B14F-4D97-AF65-F5344CB8AC3E}">
-        <p14:creationId xmlns:p14="http://schemas.microsoft.com/office/powerpoint/2010/main" val="1450166957"/>
-      </p:ext>
-    </p:extLst>
-  </p:cSld>
-  <p:clrMapOvr>
-    <a:masterClrMapping/>
-  </p:clrMapOvr>
-</p:sld>
-</file>
-
-<file path=ppt/slides/slide25.xml><?xml version="1.0" encoding="utf-8"?>
-<p:sld xmlns:a="http://schemas.openxmlformats.org/drawingml/2006/main" xmlns:r="http://schemas.openxmlformats.org/officeDocument/2006/relationships" xmlns:p="http://schemas.openxmlformats.org/presentationml/2006/main">
-  <p:cSld>
-    <p:spTree>
-      <p:nvGrpSpPr>
-        <p:cNvPr id="1" name=""/>
-        <p:cNvGrpSpPr/>
-        <p:nvPr/>
-      </p:nvGrpSpPr>
-      <p:grpSpPr>
-        <a:xfrm>
-          <a:off x="0" y="0"/>
-          <a:ext cx="0" cy="0"/>
-          <a:chOff x="0" y="0"/>
-          <a:chExt cx="0" cy="0"/>
-        </a:xfrm>
-      </p:grpSpPr>
-      <p:sp>
-        <p:nvSpPr>
-          <p:cNvPr id="5" name="Inhaltsplatzhalter 4">
-            <a:extLst>
-              <a:ext uri="{FF2B5EF4-FFF2-40B4-BE49-F238E27FC236}">
-                <a16:creationId xmlns:a16="http://schemas.microsoft.com/office/drawing/2014/main" id="{61CB1704-BF34-4A74-BACA-A21BC9525ED1}"/>
-              </a:ext>
-            </a:extLst>
-          </p:cNvPr>
-          <p:cNvSpPr>
-            <a:spLocks noGrp="1"/>
-          </p:cNvSpPr>
-          <p:nvPr>
-            <p:ph idx="13"/>
-          </p:nvPr>
-        </p:nvSpPr>
-        <p:spPr/>
-        <p:txBody>
-          <a:bodyPr/>
-          <a:lstStyle/>
-          <a:p>
-            <a:r>
-              <a:rPr lang="de-DE" dirty="0"/>
-              <a:t>Patch </a:t>
-            </a:r>
-          </a:p>
-          <a:p>
-            <a:pPr lvl="1"/>
-            <a:endParaRPr lang="de-DE" dirty="0"/>
-          </a:p>
-          <a:p>
-            <a:r>
-              <a:rPr lang="de-DE" dirty="0" err="1"/>
-              <a:t>diff</a:t>
-            </a:r>
-            <a:endParaRPr lang="de-DE" dirty="0"/>
-          </a:p>
-          <a:p>
-            <a:r>
-              <a:rPr lang="de-DE" dirty="0" err="1"/>
-              <a:t>Apply</a:t>
-            </a:r>
-            <a:r>
-              <a:rPr lang="de-DE" dirty="0"/>
-              <a:t> </a:t>
-            </a:r>
-          </a:p>
-          <a:p>
-            <a:r>
-              <a:rPr lang="de-DE" dirty="0" err="1"/>
-              <a:t>pop</a:t>
-            </a:r>
-            <a:endParaRPr lang="de-DE" dirty="0"/>
-          </a:p>
-        </p:txBody>
-      </p:sp>
-      <p:sp>
-        <p:nvSpPr>
-          <p:cNvPr id="3" name="Titel 2">
-            <a:extLst>
-              <a:ext uri="{FF2B5EF4-FFF2-40B4-BE49-F238E27FC236}">
-                <a16:creationId xmlns:a16="http://schemas.microsoft.com/office/drawing/2014/main" id="{5AE84672-22D6-4DD1-ABA8-56B9967986BD}"/>
-              </a:ext>
-            </a:extLst>
-          </p:cNvPr>
-          <p:cNvSpPr>
-            <a:spLocks noGrp="1"/>
-          </p:cNvSpPr>
-          <p:nvPr>
-            <p:ph type="title" idx="4294967295"/>
-          </p:nvPr>
-        </p:nvSpPr>
-        <p:spPr>
-          <a:xfrm>
-            <a:off x="628650" y="365126"/>
-            <a:ext cx="7886700" cy="698903"/>
-          </a:xfrm>
-          <a:prstGeom prst="rect">
-            <a:avLst/>
-          </a:prstGeom>
-        </p:spPr>
-        <p:txBody>
-          <a:bodyPr>
-            <a:normAutofit/>
-          </a:bodyPr>
-          <a:lstStyle/>
-          <a:p>
-            <a:r>
-              <a:rPr lang="de-DE" dirty="0"/>
-              <a:t>Änderungen integrieren</a:t>
-            </a:r>
-          </a:p>
-        </p:txBody>
-      </p:sp>
-    </p:spTree>
-    <p:extLst>
-      <p:ext uri="{BB962C8B-B14F-4D97-AF65-F5344CB8AC3E}">
-        <p14:creationId xmlns:p14="http://schemas.microsoft.com/office/powerpoint/2010/main" val="3289326896"/>
-      </p:ext>
-    </p:extLst>
-  </p:cSld>
-  <p:clrMapOvr>
-    <a:masterClrMapping/>
-  </p:clrMapOvr>
-</p:sld>
-</file>
-
-<file path=ppt/slides/slide26.xml><?xml version="1.0" encoding="utf-8"?>
-<p:sld xmlns:a="http://schemas.openxmlformats.org/drawingml/2006/main" xmlns:r="http://schemas.openxmlformats.org/officeDocument/2006/relationships" xmlns:p="http://schemas.openxmlformats.org/presentationml/2006/main">
-  <p:cSld>
-    <p:spTree>
-      <p:nvGrpSpPr>
-        <p:cNvPr id="1" name=""/>
-        <p:cNvGrpSpPr/>
-        <p:nvPr/>
-      </p:nvGrpSpPr>
-      <p:grpSpPr>
-        <a:xfrm>
-          <a:off x="0" y="0"/>
-          <a:ext cx="0" cy="0"/>
-          <a:chOff x="0" y="0"/>
-          <a:chExt cx="0" cy="0"/>
-        </a:xfrm>
-      </p:grpSpPr>
-      <p:sp>
-        <p:nvSpPr>
-          <p:cNvPr id="5" name="Inhaltsplatzhalter 4">
-            <a:extLst>
-              <a:ext uri="{FF2B5EF4-FFF2-40B4-BE49-F238E27FC236}">
-                <a16:creationId xmlns:a16="http://schemas.microsoft.com/office/drawing/2014/main" id="{25D7B170-D8D2-41A1-B5D8-0717A6B89BDE}"/>
-              </a:ext>
-            </a:extLst>
-          </p:cNvPr>
-          <p:cNvSpPr>
-            <a:spLocks noGrp="1"/>
-          </p:cNvSpPr>
-          <p:nvPr>
-            <p:ph idx="13"/>
-          </p:nvPr>
-        </p:nvSpPr>
-        <p:spPr/>
-        <p:txBody>
-          <a:bodyPr/>
-          <a:lstStyle/>
-          <a:p>
-            <a:endParaRPr lang="de-DE"/>
-          </a:p>
-        </p:txBody>
-      </p:sp>
-      <p:sp>
-        <p:nvSpPr>
-          <p:cNvPr id="3" name="Titel 2">
-            <a:extLst>
-              <a:ext uri="{FF2B5EF4-FFF2-40B4-BE49-F238E27FC236}">
-                <a16:creationId xmlns:a16="http://schemas.microsoft.com/office/drawing/2014/main" id="{351777FE-4563-4796-925B-0598F7CF1E6A}"/>
-              </a:ext>
-            </a:extLst>
-          </p:cNvPr>
-          <p:cNvSpPr>
-            <a:spLocks noGrp="1"/>
-          </p:cNvSpPr>
-          <p:nvPr>
-            <p:ph type="title" idx="4294967295"/>
-          </p:nvPr>
-        </p:nvSpPr>
-        <p:spPr>
-          <a:xfrm>
-            <a:off x="628650" y="365126"/>
-            <a:ext cx="7886700" cy="698903"/>
-          </a:xfrm>
-          <a:prstGeom prst="rect">
-            <a:avLst/>
-          </a:prstGeom>
-        </p:spPr>
-        <p:txBody>
-          <a:bodyPr>
-            <a:normAutofit/>
-          </a:bodyPr>
-          <a:lstStyle/>
-          <a:p>
-            <a:r>
-              <a:rPr lang="de-DE" dirty="0" err="1"/>
-              <a:t>Apply</a:t>
-            </a:r>
-            <a:r>
-              <a:rPr lang="de-DE" dirty="0"/>
-              <a:t> </a:t>
-            </a:r>
-            <a:r>
-              <a:rPr lang="de-DE" dirty="0" err="1"/>
-              <a:t>pop</a:t>
-            </a:r>
-            <a:endParaRPr lang="de-DE" dirty="0"/>
-          </a:p>
-        </p:txBody>
-      </p:sp>
-    </p:spTree>
-    <p:extLst>
-      <p:ext uri="{BB962C8B-B14F-4D97-AF65-F5344CB8AC3E}">
-        <p14:creationId xmlns:p14="http://schemas.microsoft.com/office/powerpoint/2010/main" val="2236011970"/>
-      </p:ext>
-    </p:extLst>
-  </p:cSld>
-  <p:clrMapOvr>
-    <a:masterClrMapping/>
-  </p:clrMapOvr>
-</p:sld>
-</file>
-
-<file path=ppt/slides/slide27.xml><?xml version="1.0" encoding="utf-8"?>
-<p:sld xmlns:a="http://schemas.openxmlformats.org/drawingml/2006/main" xmlns:r="http://schemas.openxmlformats.org/officeDocument/2006/relationships" xmlns:p="http://schemas.openxmlformats.org/presentationml/2006/main">
-  <p:cSld>
-    <p:spTree>
-      <p:nvGrpSpPr>
-        <p:cNvPr id="1" name=""/>
-        <p:cNvGrpSpPr/>
-        <p:nvPr/>
-      </p:nvGrpSpPr>
-      <p:grpSpPr>
-        <a:xfrm>
-          <a:off x="0" y="0"/>
-          <a:ext cx="0" cy="0"/>
-          <a:chOff x="0" y="0"/>
-          <a:chExt cx="0" cy="0"/>
-        </a:xfrm>
-      </p:grpSpPr>
-      <p:sp>
-        <p:nvSpPr>
-          <p:cNvPr id="5" name="Inhaltsplatzhalter 4">
-            <a:extLst>
-              <a:ext uri="{FF2B5EF4-FFF2-40B4-BE49-F238E27FC236}">
-                <a16:creationId xmlns:a16="http://schemas.microsoft.com/office/drawing/2014/main" id="{23412329-D4D2-43D4-98E8-7A1CF18735C1}"/>
-              </a:ext>
-            </a:extLst>
-          </p:cNvPr>
-          <p:cNvSpPr>
-            <a:spLocks noGrp="1"/>
-          </p:cNvSpPr>
-          <p:nvPr>
-            <p:ph idx="13"/>
-          </p:nvPr>
-        </p:nvSpPr>
-        <p:spPr/>
-        <p:txBody>
-          <a:bodyPr/>
-          <a:lstStyle/>
-          <a:p>
-            <a:r>
-              <a:rPr lang="de-DE" dirty="0"/>
-              <a:t>Wird benutzt um eine einzelnen Commit auf einem anderen Zweig anzuwenden</a:t>
-            </a:r>
-          </a:p>
-          <a:p>
-            <a:r>
-              <a:rPr lang="de-DE" dirty="0"/>
-              <a:t>Kommando: </a:t>
-            </a:r>
-            <a:r>
-              <a:rPr lang="de-DE" b="1" i="1" dirty="0" err="1"/>
-              <a:t>git</a:t>
-            </a:r>
-            <a:r>
-              <a:rPr lang="de-DE" b="1" i="1" dirty="0"/>
-              <a:t> </a:t>
-            </a:r>
-            <a:r>
-              <a:rPr lang="de-DE" b="1" i="1" dirty="0" err="1"/>
-              <a:t>cherry</a:t>
-            </a:r>
-            <a:r>
-              <a:rPr lang="de-DE" b="1" i="1" dirty="0"/>
-              <a:t>-pick &lt;Prüfsumme&gt;</a:t>
-            </a:r>
-          </a:p>
-          <a:p>
-            <a:r>
-              <a:rPr lang="de-DE" dirty="0"/>
-              <a:t>Nachteil ist, dass Commit in Form eines </a:t>
-            </a:r>
-            <a:r>
-              <a:rPr lang="de-DE" i="1" dirty="0" err="1"/>
-              <a:t>patch</a:t>
-            </a:r>
-            <a:r>
-              <a:rPr lang="de-DE" dirty="0"/>
-              <a:t> auf den Zweig angewandt wird</a:t>
-            </a:r>
-          </a:p>
-          <a:p>
-            <a:pPr lvl="1"/>
-            <a:r>
-              <a:rPr lang="de-DE" dirty="0"/>
-              <a:t> keine Information über Herkunft</a:t>
-            </a:r>
-          </a:p>
-          <a:p>
-            <a:r>
-              <a:rPr lang="de-DE" dirty="0"/>
-              <a:t>Mit Anhang </a:t>
-            </a:r>
-            <a:r>
-              <a:rPr lang="de-DE" b="1" i="1" dirty="0"/>
-              <a:t>-x </a:t>
-            </a:r>
-            <a:r>
-              <a:rPr lang="de-DE" dirty="0"/>
-              <a:t>kann dies vermieden werden</a:t>
-            </a:r>
-          </a:p>
-          <a:p>
-            <a:pPr lvl="1"/>
-            <a:r>
-              <a:rPr lang="de-DE" dirty="0"/>
-              <a:t>In der Nachricht wird eine Zeile hinzugefügt, die auf die Herkunft verweist</a:t>
-            </a:r>
-          </a:p>
-          <a:p>
-            <a:pPr marL="0" indent="0">
-              <a:buNone/>
-            </a:pPr>
-            <a:endParaRPr lang="de-DE" dirty="0"/>
-          </a:p>
-        </p:txBody>
-      </p:sp>
-      <p:sp>
-        <p:nvSpPr>
-          <p:cNvPr id="3" name="Titel 2">
-            <a:extLst>
-              <a:ext uri="{FF2B5EF4-FFF2-40B4-BE49-F238E27FC236}">
-                <a16:creationId xmlns:a16="http://schemas.microsoft.com/office/drawing/2014/main" id="{3BF9BE68-E0B5-45BF-BABF-1381FA0F54F5}"/>
-              </a:ext>
-            </a:extLst>
-          </p:cNvPr>
-          <p:cNvSpPr>
-            <a:spLocks noGrp="1"/>
-          </p:cNvSpPr>
-          <p:nvPr>
-            <p:ph type="title" idx="4294967295"/>
-          </p:nvPr>
-        </p:nvSpPr>
-        <p:spPr>
-          <a:xfrm>
-            <a:off x="628650" y="365126"/>
-            <a:ext cx="7886700" cy="698903"/>
-          </a:xfrm>
-          <a:prstGeom prst="rect">
-            <a:avLst/>
-          </a:prstGeom>
-        </p:spPr>
-        <p:txBody>
-          <a:bodyPr>
-            <a:normAutofit/>
-          </a:bodyPr>
-          <a:lstStyle/>
-          <a:p>
-            <a:r>
-              <a:rPr lang="de-DE" dirty="0"/>
-              <a:t>Cherry pick</a:t>
-            </a:r>
-          </a:p>
-        </p:txBody>
-      </p:sp>
-      <p:pic>
-        <p:nvPicPr>
-          <p:cNvPr id="2" name="Grafik 1">
-            <a:extLst>
-              <a:ext uri="{FF2B5EF4-FFF2-40B4-BE49-F238E27FC236}">
-                <a16:creationId xmlns:a16="http://schemas.microsoft.com/office/drawing/2014/main" id="{D54893E9-2002-45F8-88F9-62654C66B0C2}"/>
-              </a:ext>
-            </a:extLst>
-          </p:cNvPr>
-          <p:cNvPicPr>
-            <a:picLocks noChangeAspect="1"/>
-          </p:cNvPicPr>
-          <p:nvPr/>
-        </p:nvPicPr>
-        <p:blipFill>
-          <a:blip r:embed="rId2"/>
-          <a:stretch>
-            <a:fillRect/>
-          </a:stretch>
-        </p:blipFill>
-        <p:spPr>
-          <a:xfrm>
-            <a:off x="2623946" y="4246307"/>
-            <a:ext cx="3944790" cy="1810982"/>
-          </a:xfrm>
-          <a:prstGeom prst="rect">
-            <a:avLst/>
-          </a:prstGeom>
-        </p:spPr>
-      </p:pic>
-    </p:spTree>
-    <p:extLst>
-      <p:ext uri="{BB962C8B-B14F-4D97-AF65-F5344CB8AC3E}">
-        <p14:creationId xmlns:p14="http://schemas.microsoft.com/office/powerpoint/2010/main" val="1034010443"/>
-      </p:ext>
-    </p:extLst>
-  </p:cSld>
-  <p:clrMapOvr>
-    <a:masterClrMapping/>
-  </p:clrMapOvr>
-</p:sld>
-</file>
-
-<file path=ppt/slides/slide28.xml><?xml version="1.0" encoding="utf-8"?>
-<p:sld xmlns:a="http://schemas.openxmlformats.org/drawingml/2006/main" xmlns:r="http://schemas.openxmlformats.org/officeDocument/2006/relationships" xmlns:p="http://schemas.openxmlformats.org/presentationml/2006/main">
-  <p:cSld>
-    <p:spTree>
-      <p:nvGrpSpPr>
-        <p:cNvPr id="1" name=""/>
-        <p:cNvGrpSpPr/>
-        <p:nvPr/>
-      </p:nvGrpSpPr>
-      <p:grpSpPr>
-        <a:xfrm>
-          <a:off x="0" y="0"/>
-          <a:ext cx="0" cy="0"/>
-          <a:chOff x="0" y="0"/>
-          <a:chExt cx="0" cy="0"/>
-        </a:xfrm>
-      </p:grpSpPr>
-      <p:sp>
-        <p:nvSpPr>
-          <p:cNvPr id="2" name="Inhaltsplatzhalter 1">
-            <a:extLst>
-              <a:ext uri="{FF2B5EF4-FFF2-40B4-BE49-F238E27FC236}">
-                <a16:creationId xmlns:a16="http://schemas.microsoft.com/office/drawing/2014/main" id="{6B12CEDE-A342-42BE-8E55-EF59974F9175}"/>
-              </a:ext>
-            </a:extLst>
-          </p:cNvPr>
-          <p:cNvSpPr>
-            <a:spLocks noGrp="1"/>
-          </p:cNvSpPr>
-          <p:nvPr>
-            <p:ph idx="13"/>
-          </p:nvPr>
-        </p:nvSpPr>
-        <p:spPr/>
-        <p:txBody>
-          <a:bodyPr/>
-          <a:lstStyle/>
-          <a:p>
-            <a:r>
-              <a:rPr lang="de-DE" dirty="0"/>
-              <a:t>Wird genutzt um festzustellen, ob einem Zweig Änderungen hinzugefügt wurden</a:t>
-            </a:r>
-          </a:p>
-          <a:p>
-            <a:r>
-              <a:rPr lang="de-DE" dirty="0"/>
-              <a:t>Hierbei werden Änderungen jedes </a:t>
-            </a:r>
-            <a:r>
-              <a:rPr lang="de-DE" dirty="0" err="1"/>
-              <a:t>Commits</a:t>
-            </a:r>
-            <a:r>
-              <a:rPr lang="de-DE" dirty="0"/>
-              <a:t> anstatt eine Prüfsumme</a:t>
-            </a:r>
-          </a:p>
-          <a:p>
-            <a:r>
-              <a:rPr lang="de-DE" dirty="0"/>
-              <a:t>Kommando: </a:t>
-            </a:r>
-            <a:r>
-              <a:rPr lang="de-DE" b="1" i="1" dirty="0" err="1"/>
-              <a:t>cherry</a:t>
-            </a:r>
-            <a:r>
-              <a:rPr lang="de-DE" b="1" i="1" dirty="0"/>
-              <a:t> -v &lt;Zweig1&gt; &lt;Zweig2&gt; &lt;Limit&gt;</a:t>
-            </a:r>
-          </a:p>
-          <a:p>
-            <a:r>
-              <a:rPr lang="de-DE" dirty="0"/>
-              <a:t>Überprüft ob </a:t>
-            </a:r>
-            <a:r>
-              <a:rPr lang="de-DE" dirty="0" err="1"/>
-              <a:t>Commits</a:t>
-            </a:r>
-            <a:r>
-              <a:rPr lang="de-DE" dirty="0"/>
-              <a:t> aus </a:t>
-            </a:r>
-            <a:r>
-              <a:rPr lang="de-DE" i="1" dirty="0"/>
-              <a:t>&lt;Zweig2&gt; </a:t>
-            </a:r>
-            <a:r>
-              <a:rPr lang="de-DE" dirty="0"/>
-              <a:t>in </a:t>
-            </a:r>
-            <a:r>
-              <a:rPr lang="de-DE" i="1" dirty="0"/>
-              <a:t>&lt;Zweig1&gt; </a:t>
-            </a:r>
-            <a:r>
-              <a:rPr lang="de-DE" dirty="0" err="1"/>
-              <a:t>existeren</a:t>
-            </a:r>
-            <a:endParaRPr lang="de-DE" dirty="0"/>
-          </a:p>
-          <a:p>
-            <a:r>
-              <a:rPr lang="de-DE" i="1" dirty="0"/>
-              <a:t>&lt;Limit&gt; </a:t>
-            </a:r>
-            <a:r>
-              <a:rPr lang="de-DE" dirty="0"/>
-              <a:t>gibt, an wie viele </a:t>
-            </a:r>
-            <a:r>
-              <a:rPr lang="de-DE" dirty="0" err="1"/>
-              <a:t>Commits</a:t>
-            </a:r>
-            <a:r>
-              <a:rPr lang="de-DE" dirty="0"/>
-              <a:t> rückwirkend durchsucht werden sollen</a:t>
-            </a:r>
-          </a:p>
-          <a:p>
-            <a:r>
-              <a:rPr lang="de-DE" dirty="0"/>
-              <a:t>-v wird die jeweilig Commit Nachricht angezeigt</a:t>
-            </a:r>
-          </a:p>
-        </p:txBody>
-      </p:sp>
-      <p:sp>
-        <p:nvSpPr>
-          <p:cNvPr id="3" name="Titel 2">
-            <a:extLst>
-              <a:ext uri="{FF2B5EF4-FFF2-40B4-BE49-F238E27FC236}">
-                <a16:creationId xmlns:a16="http://schemas.microsoft.com/office/drawing/2014/main" id="{06CD2783-9A5A-4B2B-BC5A-36EA71E20E39}"/>
-              </a:ext>
-            </a:extLst>
-          </p:cNvPr>
-          <p:cNvSpPr>
-            <a:spLocks noGrp="1"/>
-          </p:cNvSpPr>
-          <p:nvPr>
-            <p:ph type="title" idx="4294967295"/>
-          </p:nvPr>
-        </p:nvSpPr>
-        <p:spPr/>
-        <p:txBody>
-          <a:bodyPr/>
-          <a:lstStyle/>
-          <a:p>
-            <a:r>
-              <a:rPr lang="de-DE" dirty="0"/>
-              <a:t>Cherry</a:t>
-            </a:r>
-          </a:p>
-        </p:txBody>
-      </p:sp>
-    </p:spTree>
-    <p:extLst>
-      <p:ext uri="{BB962C8B-B14F-4D97-AF65-F5344CB8AC3E}">
-        <p14:creationId xmlns:p14="http://schemas.microsoft.com/office/powerpoint/2010/main" val="2831805255"/>
-      </p:ext>
-    </p:extLst>
-  </p:cSld>
-  <p:clrMapOvr>
-    <a:masterClrMapping/>
-  </p:clrMapOvr>
-</p:sld>
-</file>
-
-<file path=ppt/slides/slide29.xml><?xml version="1.0" encoding="utf-8"?>
-<p:sld xmlns:a="http://schemas.openxmlformats.org/drawingml/2006/main" xmlns:r="http://schemas.openxmlformats.org/officeDocument/2006/relationships" xmlns:p="http://schemas.openxmlformats.org/presentationml/2006/main">
-  <p:cSld>
-    <p:spTree>
-      <p:nvGrpSpPr>
-        <p:cNvPr id="1" name=""/>
-        <p:cNvGrpSpPr/>
-        <p:nvPr/>
-      </p:nvGrpSpPr>
-      <p:grpSpPr>
-        <a:xfrm>
-          <a:off x="0" y="0"/>
-          <a:ext cx="0" cy="0"/>
-          <a:chOff x="0" y="0"/>
-          <a:chExt cx="0" cy="0"/>
-        </a:xfrm>
-      </p:grpSpPr>
-      <p:sp>
-        <p:nvSpPr>
-          <p:cNvPr id="5" name="Inhaltsplatzhalter 4">
-            <a:extLst>
-              <a:ext uri="{FF2B5EF4-FFF2-40B4-BE49-F238E27FC236}">
-                <a16:creationId xmlns:a16="http://schemas.microsoft.com/office/drawing/2014/main" id="{C08CE913-F328-4AE6-9B1B-AE0ECF57E540}"/>
-              </a:ext>
-            </a:extLst>
-          </p:cNvPr>
-          <p:cNvSpPr>
-            <a:spLocks noGrp="1"/>
-          </p:cNvSpPr>
-          <p:nvPr>
-            <p:ph idx="13"/>
-          </p:nvPr>
-        </p:nvSpPr>
-        <p:spPr/>
-        <p:txBody>
-          <a:bodyPr/>
-          <a:lstStyle/>
-          <a:p>
-            <a:r>
-              <a:rPr lang="de-DE" dirty="0"/>
-              <a:t>Verwendet um </a:t>
-            </a:r>
-            <a:r>
-              <a:rPr lang="de-DE" dirty="0" err="1"/>
-              <a:t>Commits</a:t>
-            </a:r>
-            <a:r>
-              <a:rPr lang="de-DE" dirty="0"/>
-              <a:t> des Referenzarchiv zu revidieren</a:t>
-            </a:r>
-          </a:p>
-          <a:p>
-            <a:r>
-              <a:rPr lang="de-DE" dirty="0"/>
-              <a:t>Erstellt einen weiteren Commit welcher den Zweig auf den Stand vor dem zweifelhaften Commit zurücksetzt</a:t>
-            </a:r>
-          </a:p>
-          <a:p>
-            <a:r>
-              <a:rPr lang="de-DE" dirty="0"/>
-              <a:t>Kommando: </a:t>
-            </a:r>
-            <a:r>
-              <a:rPr lang="de-DE" b="1" i="1" dirty="0" err="1"/>
-              <a:t>git</a:t>
-            </a:r>
-            <a:r>
-              <a:rPr lang="de-DE" b="1" i="1" dirty="0"/>
-              <a:t> </a:t>
-            </a:r>
-            <a:r>
-              <a:rPr lang="de-DE" b="1" i="1" dirty="0" err="1"/>
-              <a:t>revert</a:t>
-            </a:r>
-            <a:endParaRPr lang="de-DE" b="1" i="1" dirty="0"/>
-          </a:p>
-          <a:p>
-            <a:pPr lvl="1"/>
-            <a:r>
-              <a:rPr lang="de-DE" dirty="0"/>
-              <a:t>HEAD		Revidiert den neusten Commit des Zweiges</a:t>
-            </a:r>
-          </a:p>
-          <a:p>
-            <a:pPr lvl="1"/>
-            <a:r>
-              <a:rPr lang="de-DE" dirty="0"/>
-              <a:t>&lt;Prüfsumme&gt;	Revidiert den übergebenen Commit</a:t>
-            </a:r>
-          </a:p>
-        </p:txBody>
-      </p:sp>
-      <p:sp>
-        <p:nvSpPr>
-          <p:cNvPr id="3" name="Titel 2">
-            <a:extLst>
-              <a:ext uri="{FF2B5EF4-FFF2-40B4-BE49-F238E27FC236}">
-                <a16:creationId xmlns:a16="http://schemas.microsoft.com/office/drawing/2014/main" id="{98C52FB5-0D40-4B05-82A9-58A2D593489A}"/>
-              </a:ext>
-            </a:extLst>
-          </p:cNvPr>
-          <p:cNvSpPr>
-            <a:spLocks noGrp="1"/>
-          </p:cNvSpPr>
-          <p:nvPr>
-            <p:ph type="title" idx="4294967295"/>
-          </p:nvPr>
-        </p:nvSpPr>
-        <p:spPr>
-          <a:xfrm>
-            <a:off x="628650" y="365126"/>
-            <a:ext cx="7886700" cy="698903"/>
-          </a:xfrm>
-          <a:prstGeom prst="rect">
-            <a:avLst/>
-          </a:prstGeom>
-        </p:spPr>
-        <p:txBody>
-          <a:bodyPr>
-            <a:normAutofit/>
-          </a:bodyPr>
-          <a:lstStyle/>
-          <a:p>
-            <a:r>
-              <a:rPr lang="de-DE" dirty="0" err="1"/>
-              <a:t>Revert</a:t>
-            </a:r>
-            <a:endParaRPr lang="de-DE" dirty="0"/>
-          </a:p>
-        </p:txBody>
-      </p:sp>
-      <p:pic>
-        <p:nvPicPr>
-          <p:cNvPr id="6" name="Grafik 5">
-            <a:extLst>
-              <a:ext uri="{FF2B5EF4-FFF2-40B4-BE49-F238E27FC236}">
-                <a16:creationId xmlns:a16="http://schemas.microsoft.com/office/drawing/2014/main" id="{57C180BC-ABAD-438D-80D7-F9A55DC743CC}"/>
-              </a:ext>
-            </a:extLst>
-          </p:cNvPr>
-          <p:cNvPicPr>
-            <a:picLocks noChangeAspect="1"/>
-          </p:cNvPicPr>
-          <p:nvPr/>
-        </p:nvPicPr>
-        <p:blipFill rotWithShape="1">
-          <a:blip r:embed="rId2"/>
-          <a:srcRect b="12049"/>
-          <a:stretch/>
-        </p:blipFill>
-        <p:spPr>
-          <a:xfrm>
-            <a:off x="2154576" y="4390654"/>
-            <a:ext cx="4432176" cy="659519"/>
-          </a:xfrm>
-          <a:prstGeom prst="rect">
-            <a:avLst/>
-          </a:prstGeom>
-        </p:spPr>
-      </p:pic>
-    </p:spTree>
-    <p:extLst>
-      <p:ext uri="{BB962C8B-B14F-4D97-AF65-F5344CB8AC3E}">
-        <p14:creationId xmlns:p14="http://schemas.microsoft.com/office/powerpoint/2010/main" val="2941308763"/>
-      </p:ext>
-    </p:extLst>
-  </p:cSld>
-  <p:clrMapOvr>
-    <a:masterClrMapping/>
-  </p:clrMapOvr>
-</p:sld>
-</file>
-
-<file path=ppt/slides/slide3.xml><?xml version="1.0" encoding="utf-8"?>
+<file path=ppt/slides/slide5.xml><?xml version="1.0" encoding="utf-8"?>
 <p:sld xmlns:a="http://schemas.openxmlformats.org/drawingml/2006/main" xmlns:r="http://schemas.openxmlformats.org/officeDocument/2006/relationships" xmlns:p="http://schemas.openxmlformats.org/presentationml/2006/main">
   <p:cSld>
     <p:spTree>
@@ -10085,836 +11684,7 @@
 </p:sld>
 </file>
 
-<file path=ppt/slides/slide30.xml><?xml version="1.0" encoding="utf-8"?>
-<p:sld xmlns:a="http://schemas.openxmlformats.org/drawingml/2006/main" xmlns:r="http://schemas.openxmlformats.org/officeDocument/2006/relationships" xmlns:p="http://schemas.openxmlformats.org/presentationml/2006/main">
-  <p:cSld>
-    <p:spTree>
-      <p:nvGrpSpPr>
-        <p:cNvPr id="1" name=""/>
-        <p:cNvGrpSpPr/>
-        <p:nvPr/>
-      </p:nvGrpSpPr>
-      <p:grpSpPr>
-        <a:xfrm>
-          <a:off x="0" y="0"/>
-          <a:ext cx="0" cy="0"/>
-          <a:chOff x="0" y="0"/>
-          <a:chExt cx="0" cy="0"/>
-        </a:xfrm>
-      </p:grpSpPr>
-      <p:sp>
-        <p:nvSpPr>
-          <p:cNvPr id="5" name="Inhaltsplatzhalter 4">
-            <a:extLst>
-              <a:ext uri="{FF2B5EF4-FFF2-40B4-BE49-F238E27FC236}">
-                <a16:creationId xmlns:a16="http://schemas.microsoft.com/office/drawing/2014/main" id="{16F01BD9-3141-41EF-9673-DDE9F9065885}"/>
-              </a:ext>
-            </a:extLst>
-          </p:cNvPr>
-          <p:cNvSpPr>
-            <a:spLocks noGrp="1"/>
-          </p:cNvSpPr>
-          <p:nvPr>
-            <p:ph idx="13"/>
-          </p:nvPr>
-        </p:nvSpPr>
-        <p:spPr/>
-        <p:txBody>
-          <a:bodyPr/>
-          <a:lstStyle/>
-          <a:p>
-            <a:r>
-              <a:rPr lang="de-DE" dirty="0"/>
-              <a:t>Setzt den lokalen Stand zurück</a:t>
-            </a:r>
-          </a:p>
-          <a:p>
-            <a:r>
-              <a:rPr lang="de-DE" dirty="0"/>
-              <a:t>Sollte nur bei lokalen </a:t>
-            </a:r>
-            <a:r>
-              <a:rPr lang="de-DE" dirty="0" err="1"/>
-              <a:t>Commits</a:t>
-            </a:r>
-            <a:r>
-              <a:rPr lang="de-DE" dirty="0"/>
-              <a:t> verwendet werden, da </a:t>
-            </a:r>
-            <a:r>
-              <a:rPr lang="de-DE" dirty="0" err="1"/>
-              <a:t>Commits</a:t>
-            </a:r>
-            <a:r>
-              <a:rPr lang="de-DE" dirty="0"/>
-              <a:t> verworfen werden auf die sich sonst Andere beziehen könnten</a:t>
-            </a:r>
-          </a:p>
-          <a:p>
-            <a:r>
-              <a:rPr lang="de-DE" dirty="0" err="1"/>
-              <a:t>Kommado</a:t>
-            </a:r>
-            <a:r>
-              <a:rPr lang="de-DE" dirty="0"/>
-              <a:t>: </a:t>
-            </a:r>
-            <a:r>
-              <a:rPr lang="de-DE" b="1" i="1" dirty="0" err="1"/>
-              <a:t>git</a:t>
-            </a:r>
-            <a:r>
-              <a:rPr lang="de-DE" b="1" i="1" dirty="0"/>
-              <a:t> </a:t>
-            </a:r>
-            <a:r>
-              <a:rPr lang="de-DE" b="1" i="1" dirty="0" err="1"/>
-              <a:t>reset</a:t>
-            </a:r>
-            <a:endParaRPr lang="de-DE" b="1" i="1" dirty="0"/>
-          </a:p>
-          <a:p>
-            <a:pPr lvl="1"/>
-            <a:r>
-              <a:rPr lang="de-DE" dirty="0"/>
-              <a:t>&lt;Prüfsumme&gt;	Setzt den Zweig auf diesen Stand zurück, 			verworfene Änderungen befinden sich in der 			Arbeitskopie</a:t>
-            </a:r>
-          </a:p>
-          <a:p>
-            <a:pPr lvl="1"/>
-            <a:r>
-              <a:rPr lang="de-DE" dirty="0"/>
-              <a:t>--</a:t>
-            </a:r>
-            <a:r>
-              <a:rPr lang="de-DE" dirty="0" err="1"/>
-              <a:t>hard</a:t>
-            </a:r>
-            <a:r>
-              <a:rPr lang="de-DE" dirty="0"/>
-              <a:t>		setzt auch die Arbeitskopie zurück, alle 				Änderungen sind verworfen</a:t>
-            </a:r>
-          </a:p>
-          <a:p>
-            <a:pPr lvl="1"/>
-            <a:r>
-              <a:rPr lang="de-DE" dirty="0"/>
-              <a:t>&lt;Datei&gt;		Datei wird aus dem Index entfernt</a:t>
-            </a:r>
-          </a:p>
-        </p:txBody>
-      </p:sp>
-      <p:sp>
-        <p:nvSpPr>
-          <p:cNvPr id="3" name="Titel 2">
-            <a:extLst>
-              <a:ext uri="{FF2B5EF4-FFF2-40B4-BE49-F238E27FC236}">
-                <a16:creationId xmlns:a16="http://schemas.microsoft.com/office/drawing/2014/main" id="{F43ABB80-C886-4AF5-B215-5BEEBC4B2C48}"/>
-              </a:ext>
-            </a:extLst>
-          </p:cNvPr>
-          <p:cNvSpPr>
-            <a:spLocks noGrp="1"/>
-          </p:cNvSpPr>
-          <p:nvPr>
-            <p:ph type="title" idx="4294967295"/>
-          </p:nvPr>
-        </p:nvSpPr>
-        <p:spPr>
-          <a:xfrm>
-            <a:off x="628650" y="365126"/>
-            <a:ext cx="7886700" cy="698903"/>
-          </a:xfrm>
-          <a:prstGeom prst="rect">
-            <a:avLst/>
-          </a:prstGeom>
-        </p:spPr>
-        <p:txBody>
-          <a:bodyPr>
-            <a:normAutofit/>
-          </a:bodyPr>
-          <a:lstStyle/>
-          <a:p>
-            <a:r>
-              <a:rPr lang="de-DE" dirty="0" err="1"/>
-              <a:t>Reset</a:t>
-            </a:r>
-            <a:endParaRPr lang="de-DE" dirty="0"/>
-          </a:p>
-        </p:txBody>
-      </p:sp>
-    </p:spTree>
-    <p:extLst>
-      <p:ext uri="{BB962C8B-B14F-4D97-AF65-F5344CB8AC3E}">
-        <p14:creationId xmlns:p14="http://schemas.microsoft.com/office/powerpoint/2010/main" val="3217921642"/>
-      </p:ext>
-    </p:extLst>
-  </p:cSld>
-  <p:clrMapOvr>
-    <a:masterClrMapping/>
-  </p:clrMapOvr>
-</p:sld>
-</file>
-
-<file path=ppt/slides/slide31.xml><?xml version="1.0" encoding="utf-8"?>
-<p:sld xmlns:a="http://schemas.openxmlformats.org/drawingml/2006/main" xmlns:r="http://schemas.openxmlformats.org/officeDocument/2006/relationships" xmlns:p="http://schemas.openxmlformats.org/presentationml/2006/main">
-  <p:cSld>
-    <p:spTree>
-      <p:nvGrpSpPr>
-        <p:cNvPr id="1" name=""/>
-        <p:cNvGrpSpPr/>
-        <p:nvPr/>
-      </p:nvGrpSpPr>
-      <p:grpSpPr>
-        <a:xfrm>
-          <a:off x="0" y="0"/>
-          <a:ext cx="0" cy="0"/>
-          <a:chOff x="0" y="0"/>
-          <a:chExt cx="0" cy="0"/>
-        </a:xfrm>
-      </p:grpSpPr>
-      <p:sp>
-        <p:nvSpPr>
-          <p:cNvPr id="5" name="Inhaltsplatzhalter 4">
-            <a:extLst>
-              <a:ext uri="{FF2B5EF4-FFF2-40B4-BE49-F238E27FC236}">
-                <a16:creationId xmlns:a16="http://schemas.microsoft.com/office/drawing/2014/main" id="{16798678-B877-4133-914B-E07392A40335}"/>
-              </a:ext>
-            </a:extLst>
-          </p:cNvPr>
-          <p:cNvSpPr>
-            <a:spLocks noGrp="1"/>
-          </p:cNvSpPr>
-          <p:nvPr>
-            <p:ph idx="13"/>
-          </p:nvPr>
-        </p:nvSpPr>
-        <p:spPr/>
-        <p:txBody>
-          <a:bodyPr/>
-          <a:lstStyle/>
-          <a:p>
-            <a:endParaRPr lang="de-DE"/>
-          </a:p>
-        </p:txBody>
-      </p:sp>
-      <p:sp>
-        <p:nvSpPr>
-          <p:cNvPr id="3" name="Titel 2">
-            <a:extLst>
-              <a:ext uri="{FF2B5EF4-FFF2-40B4-BE49-F238E27FC236}">
-                <a16:creationId xmlns:a16="http://schemas.microsoft.com/office/drawing/2014/main" id="{AEF45C4A-B7FA-4978-A8CD-BE8F7E8F49D9}"/>
-              </a:ext>
-            </a:extLst>
-          </p:cNvPr>
-          <p:cNvSpPr>
-            <a:spLocks noGrp="1"/>
-          </p:cNvSpPr>
-          <p:nvPr>
-            <p:ph type="title" idx="4294967295"/>
-          </p:nvPr>
-        </p:nvSpPr>
-        <p:spPr>
-          <a:xfrm>
-            <a:off x="628650" y="365126"/>
-            <a:ext cx="7886700" cy="698903"/>
-          </a:xfrm>
-          <a:prstGeom prst="rect">
-            <a:avLst/>
-          </a:prstGeom>
-        </p:spPr>
-        <p:txBody>
-          <a:bodyPr>
-            <a:normAutofit/>
-          </a:bodyPr>
-          <a:lstStyle/>
-          <a:p>
-            <a:r>
-              <a:rPr lang="de-DE" dirty="0"/>
-              <a:t>(</a:t>
-            </a:r>
-            <a:r>
-              <a:rPr lang="de-DE" dirty="0" err="1"/>
-              <a:t>reflog</a:t>
-            </a:r>
-            <a:r>
-              <a:rPr lang="de-DE" dirty="0"/>
-              <a:t>)</a:t>
-            </a:r>
-          </a:p>
-        </p:txBody>
-      </p:sp>
-    </p:spTree>
-    <p:extLst>
-      <p:ext uri="{BB962C8B-B14F-4D97-AF65-F5344CB8AC3E}">
-        <p14:creationId xmlns:p14="http://schemas.microsoft.com/office/powerpoint/2010/main" val="1856339443"/>
-      </p:ext>
-    </p:extLst>
-  </p:cSld>
-  <p:clrMapOvr>
-    <a:masterClrMapping/>
-  </p:clrMapOvr>
-</p:sld>
-</file>
-
-<file path=ppt/slides/slide32.xml><?xml version="1.0" encoding="utf-8"?>
-<p:sld xmlns:a="http://schemas.openxmlformats.org/drawingml/2006/main" xmlns:r="http://schemas.openxmlformats.org/officeDocument/2006/relationships" xmlns:p="http://schemas.openxmlformats.org/presentationml/2006/main">
-  <p:cSld>
-    <p:spTree>
-      <p:nvGrpSpPr>
-        <p:cNvPr id="1" name=""/>
-        <p:cNvGrpSpPr/>
-        <p:nvPr/>
-      </p:nvGrpSpPr>
-      <p:grpSpPr>
-        <a:xfrm>
-          <a:off x="0" y="0"/>
-          <a:ext cx="0" cy="0"/>
-          <a:chOff x="0" y="0"/>
-          <a:chExt cx="0" cy="0"/>
-        </a:xfrm>
-      </p:grpSpPr>
-      <p:sp>
-        <p:nvSpPr>
-          <p:cNvPr id="2" name="Titel 1">
-            <a:extLst>
-              <a:ext uri="{FF2B5EF4-FFF2-40B4-BE49-F238E27FC236}">
-                <a16:creationId xmlns:a16="http://schemas.microsoft.com/office/drawing/2014/main" id="{55DCA8B4-8412-4C61-8E1B-A6CDF1580F20}"/>
-              </a:ext>
-            </a:extLst>
-          </p:cNvPr>
-          <p:cNvSpPr>
-            <a:spLocks noGrp="1"/>
-          </p:cNvSpPr>
-          <p:nvPr>
-            <p:ph type="title"/>
-          </p:nvPr>
-        </p:nvSpPr>
-        <p:spPr/>
-        <p:txBody>
-          <a:bodyPr/>
-          <a:lstStyle/>
-          <a:p>
-            <a:r>
-              <a:rPr lang="de-DE" dirty="0"/>
-              <a:t>Workflow</a:t>
-            </a:r>
-          </a:p>
-        </p:txBody>
-      </p:sp>
-    </p:spTree>
-    <p:extLst>
-      <p:ext uri="{BB962C8B-B14F-4D97-AF65-F5344CB8AC3E}">
-        <p14:creationId xmlns:p14="http://schemas.microsoft.com/office/powerpoint/2010/main" val="1007972795"/>
-      </p:ext>
-    </p:extLst>
-  </p:cSld>
-  <p:clrMapOvr>
-    <a:masterClrMapping/>
-  </p:clrMapOvr>
-</p:sld>
-</file>
-
-<file path=ppt/slides/slide33.xml><?xml version="1.0" encoding="utf-8"?>
-<p:sld xmlns:a="http://schemas.openxmlformats.org/drawingml/2006/main" xmlns:r="http://schemas.openxmlformats.org/officeDocument/2006/relationships" xmlns:p="http://schemas.openxmlformats.org/presentationml/2006/main">
-  <p:cSld>
-    <p:spTree>
-      <p:nvGrpSpPr>
-        <p:cNvPr id="1" name=""/>
-        <p:cNvGrpSpPr/>
-        <p:nvPr/>
-      </p:nvGrpSpPr>
-      <p:grpSpPr>
-        <a:xfrm>
-          <a:off x="0" y="0"/>
-          <a:ext cx="0" cy="0"/>
-          <a:chOff x="0" y="0"/>
-          <a:chExt cx="0" cy="0"/>
-        </a:xfrm>
-      </p:grpSpPr>
-      <p:sp>
-        <p:nvSpPr>
-          <p:cNvPr id="5" name="Inhaltsplatzhalter 4">
-            <a:extLst>
-              <a:ext uri="{FF2B5EF4-FFF2-40B4-BE49-F238E27FC236}">
-                <a16:creationId xmlns:a16="http://schemas.microsoft.com/office/drawing/2014/main" id="{023C353D-27D2-4156-878C-265100BA9848}"/>
-              </a:ext>
-            </a:extLst>
-          </p:cNvPr>
-          <p:cNvSpPr>
-            <a:spLocks noGrp="1"/>
-          </p:cNvSpPr>
-          <p:nvPr>
-            <p:ph idx="13"/>
-          </p:nvPr>
-        </p:nvSpPr>
-        <p:spPr/>
-        <p:txBody>
-          <a:bodyPr/>
-          <a:lstStyle/>
-          <a:p>
-            <a:endParaRPr lang="de-DE"/>
-          </a:p>
-        </p:txBody>
-      </p:sp>
-      <p:sp>
-        <p:nvSpPr>
-          <p:cNvPr id="3" name="Titel 2">
-            <a:extLst>
-              <a:ext uri="{FF2B5EF4-FFF2-40B4-BE49-F238E27FC236}">
-                <a16:creationId xmlns:a16="http://schemas.microsoft.com/office/drawing/2014/main" id="{625B6011-E5CD-40F8-BED3-233D5BEBC703}"/>
-              </a:ext>
-            </a:extLst>
-          </p:cNvPr>
-          <p:cNvSpPr>
-            <a:spLocks noGrp="1"/>
-          </p:cNvSpPr>
-          <p:nvPr>
-            <p:ph type="title" idx="4294967295"/>
-          </p:nvPr>
-        </p:nvSpPr>
-        <p:spPr>
-          <a:xfrm>
-            <a:off x="628650" y="365126"/>
-            <a:ext cx="7886700" cy="698903"/>
-          </a:xfrm>
-          <a:prstGeom prst="rect">
-            <a:avLst/>
-          </a:prstGeom>
-        </p:spPr>
-        <p:txBody>
-          <a:bodyPr>
-            <a:normAutofit/>
-          </a:bodyPr>
-          <a:lstStyle/>
-          <a:p>
-            <a:r>
-              <a:rPr lang="de-DE" dirty="0"/>
-              <a:t>Git-</a:t>
-            </a:r>
-            <a:r>
-              <a:rPr lang="de-DE" dirty="0" err="1"/>
-              <a:t>flow</a:t>
-            </a:r>
-            <a:endParaRPr lang="de-DE" dirty="0"/>
-          </a:p>
-        </p:txBody>
-      </p:sp>
-    </p:spTree>
-    <p:extLst>
-      <p:ext uri="{BB962C8B-B14F-4D97-AF65-F5344CB8AC3E}">
-        <p14:creationId xmlns:p14="http://schemas.microsoft.com/office/powerpoint/2010/main" val="149155477"/>
-      </p:ext>
-    </p:extLst>
-  </p:cSld>
-  <p:clrMapOvr>
-    <a:masterClrMapping/>
-  </p:clrMapOvr>
-</p:sld>
-</file>
-
-<file path=ppt/slides/slide34.xml><?xml version="1.0" encoding="utf-8"?>
-<p:sld xmlns:a="http://schemas.openxmlformats.org/drawingml/2006/main" xmlns:r="http://schemas.openxmlformats.org/officeDocument/2006/relationships" xmlns:p="http://schemas.openxmlformats.org/presentationml/2006/main">
-  <p:cSld>
-    <p:spTree>
-      <p:nvGrpSpPr>
-        <p:cNvPr id="1" name=""/>
-        <p:cNvGrpSpPr/>
-        <p:nvPr/>
-      </p:nvGrpSpPr>
-      <p:grpSpPr>
-        <a:xfrm>
-          <a:off x="0" y="0"/>
-          <a:ext cx="0" cy="0"/>
-          <a:chOff x="0" y="0"/>
-          <a:chExt cx="0" cy="0"/>
-        </a:xfrm>
-      </p:grpSpPr>
-      <p:sp>
-        <p:nvSpPr>
-          <p:cNvPr id="5" name="Inhaltsplatzhalter 4">
-            <a:extLst>
-              <a:ext uri="{FF2B5EF4-FFF2-40B4-BE49-F238E27FC236}">
-                <a16:creationId xmlns:a16="http://schemas.microsoft.com/office/drawing/2014/main" id="{D0D15137-B24A-4D20-8DAF-E588A7DE9169}"/>
-              </a:ext>
-            </a:extLst>
-          </p:cNvPr>
-          <p:cNvSpPr>
-            <a:spLocks noGrp="1"/>
-          </p:cNvSpPr>
-          <p:nvPr>
-            <p:ph idx="13"/>
-          </p:nvPr>
-        </p:nvSpPr>
-        <p:spPr/>
-        <p:txBody>
-          <a:bodyPr/>
-          <a:lstStyle/>
-          <a:p>
-            <a:endParaRPr lang="de-DE"/>
-          </a:p>
-        </p:txBody>
-      </p:sp>
-      <p:sp>
-        <p:nvSpPr>
-          <p:cNvPr id="3" name="Titel 2">
-            <a:extLst>
-              <a:ext uri="{FF2B5EF4-FFF2-40B4-BE49-F238E27FC236}">
-                <a16:creationId xmlns:a16="http://schemas.microsoft.com/office/drawing/2014/main" id="{CB599424-652A-4472-8967-4805ED1F4DEB}"/>
-              </a:ext>
-            </a:extLst>
-          </p:cNvPr>
-          <p:cNvSpPr>
-            <a:spLocks noGrp="1"/>
-          </p:cNvSpPr>
-          <p:nvPr>
-            <p:ph type="title" idx="4294967295"/>
-          </p:nvPr>
-        </p:nvSpPr>
-        <p:spPr>
-          <a:xfrm>
-            <a:off x="628650" y="365126"/>
-            <a:ext cx="7886700" cy="698903"/>
-          </a:xfrm>
-          <a:prstGeom prst="rect">
-            <a:avLst/>
-          </a:prstGeom>
-        </p:spPr>
-        <p:txBody>
-          <a:bodyPr>
-            <a:normAutofit/>
-          </a:bodyPr>
-          <a:lstStyle/>
-          <a:p>
-            <a:r>
-              <a:rPr lang="de-DE" dirty="0"/>
-              <a:t>Pull </a:t>
-            </a:r>
-            <a:r>
-              <a:rPr lang="de-DE" dirty="0" err="1"/>
-              <a:t>request</a:t>
-            </a:r>
-            <a:endParaRPr lang="de-DE" dirty="0"/>
-          </a:p>
-        </p:txBody>
-      </p:sp>
-    </p:spTree>
-    <p:extLst>
-      <p:ext uri="{BB962C8B-B14F-4D97-AF65-F5344CB8AC3E}">
-        <p14:creationId xmlns:p14="http://schemas.microsoft.com/office/powerpoint/2010/main" val="1322300763"/>
-      </p:ext>
-    </p:extLst>
-  </p:cSld>
-  <p:clrMapOvr>
-    <a:masterClrMapping/>
-  </p:clrMapOvr>
-</p:sld>
-</file>
-
-<file path=ppt/slides/slide35.xml><?xml version="1.0" encoding="utf-8"?>
-<p:sld xmlns:a="http://schemas.openxmlformats.org/drawingml/2006/main" xmlns:r="http://schemas.openxmlformats.org/officeDocument/2006/relationships" xmlns:p="http://schemas.openxmlformats.org/presentationml/2006/main">
-  <p:cSld>
-    <p:spTree>
-      <p:nvGrpSpPr>
-        <p:cNvPr id="1" name=""/>
-        <p:cNvGrpSpPr/>
-        <p:nvPr/>
-      </p:nvGrpSpPr>
-      <p:grpSpPr>
-        <a:xfrm>
-          <a:off x="0" y="0"/>
-          <a:ext cx="0" cy="0"/>
-          <a:chOff x="0" y="0"/>
-          <a:chExt cx="0" cy="0"/>
-        </a:xfrm>
-      </p:grpSpPr>
-      <p:sp>
-        <p:nvSpPr>
-          <p:cNvPr id="5" name="Inhaltsplatzhalter 4">
-            <a:extLst>
-              <a:ext uri="{FF2B5EF4-FFF2-40B4-BE49-F238E27FC236}">
-                <a16:creationId xmlns:a16="http://schemas.microsoft.com/office/drawing/2014/main" id="{D39F8C46-B29C-4E51-82FC-5C372BBE7B10}"/>
-              </a:ext>
-            </a:extLst>
-          </p:cNvPr>
-          <p:cNvSpPr>
-            <a:spLocks noGrp="1"/>
-          </p:cNvSpPr>
-          <p:nvPr>
-            <p:ph idx="13"/>
-          </p:nvPr>
-        </p:nvSpPr>
-        <p:spPr/>
-        <p:txBody>
-          <a:bodyPr/>
-          <a:lstStyle/>
-          <a:p>
-            <a:endParaRPr lang="de-DE"/>
-          </a:p>
-        </p:txBody>
-      </p:sp>
-      <p:sp>
-        <p:nvSpPr>
-          <p:cNvPr id="3" name="Titel 2">
-            <a:extLst>
-              <a:ext uri="{FF2B5EF4-FFF2-40B4-BE49-F238E27FC236}">
-                <a16:creationId xmlns:a16="http://schemas.microsoft.com/office/drawing/2014/main" id="{18E8F690-0089-41E4-BB41-AE8E12035B39}"/>
-              </a:ext>
-            </a:extLst>
-          </p:cNvPr>
-          <p:cNvSpPr>
-            <a:spLocks noGrp="1"/>
-          </p:cNvSpPr>
-          <p:nvPr>
-            <p:ph type="title" idx="4294967295"/>
-          </p:nvPr>
-        </p:nvSpPr>
-        <p:spPr>
-          <a:xfrm>
-            <a:off x="628650" y="365126"/>
-            <a:ext cx="7886700" cy="698903"/>
-          </a:xfrm>
-          <a:prstGeom prst="rect">
-            <a:avLst/>
-          </a:prstGeom>
-        </p:spPr>
-        <p:txBody>
-          <a:bodyPr>
-            <a:normAutofit/>
-          </a:bodyPr>
-          <a:lstStyle/>
-          <a:p>
-            <a:r>
-              <a:rPr lang="de-DE" dirty="0" err="1"/>
-              <a:t>Forking</a:t>
-            </a:r>
-            <a:r>
-              <a:rPr lang="de-DE" dirty="0"/>
-              <a:t>-workflow</a:t>
-            </a:r>
-          </a:p>
-        </p:txBody>
-      </p:sp>
-    </p:spTree>
-    <p:extLst>
-      <p:ext uri="{BB962C8B-B14F-4D97-AF65-F5344CB8AC3E}">
-        <p14:creationId xmlns:p14="http://schemas.microsoft.com/office/powerpoint/2010/main" val="1691214512"/>
-      </p:ext>
-    </p:extLst>
-  </p:cSld>
-  <p:clrMapOvr>
-    <a:masterClrMapping/>
-  </p:clrMapOvr>
-</p:sld>
-</file>
-
-<file path=ppt/slides/slide36.xml><?xml version="1.0" encoding="utf-8"?>
-<p:sld xmlns:a="http://schemas.openxmlformats.org/drawingml/2006/main" xmlns:r="http://schemas.openxmlformats.org/officeDocument/2006/relationships" xmlns:p="http://schemas.openxmlformats.org/presentationml/2006/main">
-  <p:cSld>
-    <p:spTree>
-      <p:nvGrpSpPr>
-        <p:cNvPr id="1" name=""/>
-        <p:cNvGrpSpPr/>
-        <p:nvPr/>
-      </p:nvGrpSpPr>
-      <p:grpSpPr>
-        <a:xfrm>
-          <a:off x="0" y="0"/>
-          <a:ext cx="0" cy="0"/>
-          <a:chOff x="0" y="0"/>
-          <a:chExt cx="0" cy="0"/>
-        </a:xfrm>
-      </p:grpSpPr>
-      <p:sp>
-        <p:nvSpPr>
-          <p:cNvPr id="2" name="Titel 1">
-            <a:extLst>
-              <a:ext uri="{FF2B5EF4-FFF2-40B4-BE49-F238E27FC236}">
-                <a16:creationId xmlns:a16="http://schemas.microsoft.com/office/drawing/2014/main" id="{6C8483CF-1B0E-4C5D-98AE-63877A3A3D1A}"/>
-              </a:ext>
-            </a:extLst>
-          </p:cNvPr>
-          <p:cNvSpPr>
-            <a:spLocks noGrp="1"/>
-          </p:cNvSpPr>
-          <p:nvPr>
-            <p:ph type="title"/>
-          </p:nvPr>
-        </p:nvSpPr>
-        <p:spPr/>
-        <p:txBody>
-          <a:bodyPr/>
-          <a:lstStyle/>
-          <a:p>
-            <a:r>
-              <a:rPr lang="de-DE" dirty="0"/>
-              <a:t>(weitere Befehle)</a:t>
-            </a:r>
-          </a:p>
-        </p:txBody>
-      </p:sp>
-    </p:spTree>
-    <p:extLst>
-      <p:ext uri="{BB962C8B-B14F-4D97-AF65-F5344CB8AC3E}">
-        <p14:creationId xmlns:p14="http://schemas.microsoft.com/office/powerpoint/2010/main" val="2812503263"/>
-      </p:ext>
-    </p:extLst>
-  </p:cSld>
-  <p:clrMapOvr>
-    <a:masterClrMapping/>
-  </p:clrMapOvr>
-</p:sld>
-</file>
-
-<file path=ppt/slides/slide37.xml><?xml version="1.0" encoding="utf-8"?>
-<p:sld xmlns:a="http://schemas.openxmlformats.org/drawingml/2006/main" xmlns:r="http://schemas.openxmlformats.org/officeDocument/2006/relationships" xmlns:p="http://schemas.openxmlformats.org/presentationml/2006/main">
-  <p:cSld>
-    <p:spTree>
-      <p:nvGrpSpPr>
-        <p:cNvPr id="1" name=""/>
-        <p:cNvGrpSpPr/>
-        <p:nvPr/>
-      </p:nvGrpSpPr>
-      <p:grpSpPr>
-        <a:xfrm>
-          <a:off x="0" y="0"/>
-          <a:ext cx="0" cy="0"/>
-          <a:chOff x="0" y="0"/>
-          <a:chExt cx="0" cy="0"/>
-        </a:xfrm>
-      </p:grpSpPr>
-      <p:sp>
-        <p:nvSpPr>
-          <p:cNvPr id="2" name="Titel 1">
-            <a:extLst>
-              <a:ext uri="{FF2B5EF4-FFF2-40B4-BE49-F238E27FC236}">
-                <a16:creationId xmlns:a16="http://schemas.microsoft.com/office/drawing/2014/main" id="{CFC30C4B-71C7-4535-8A5A-F0F266237AFD}"/>
-              </a:ext>
-            </a:extLst>
-          </p:cNvPr>
-          <p:cNvSpPr>
-            <a:spLocks noGrp="1"/>
-          </p:cNvSpPr>
-          <p:nvPr>
-            <p:ph type="title"/>
-          </p:nvPr>
-        </p:nvSpPr>
-        <p:spPr/>
-        <p:txBody>
-          <a:bodyPr/>
-          <a:lstStyle/>
-          <a:p>
-            <a:r>
-              <a:rPr lang="de-DE" dirty="0"/>
-              <a:t>Interne Datenverwaltung</a:t>
-            </a:r>
-          </a:p>
-        </p:txBody>
-      </p:sp>
-    </p:spTree>
-    <p:extLst>
-      <p:ext uri="{BB962C8B-B14F-4D97-AF65-F5344CB8AC3E}">
-        <p14:creationId xmlns:p14="http://schemas.microsoft.com/office/powerpoint/2010/main" val="3431436470"/>
-      </p:ext>
-    </p:extLst>
-  </p:cSld>
-  <p:clrMapOvr>
-    <a:masterClrMapping/>
-  </p:clrMapOvr>
-</p:sld>
-</file>
-
-<file path=ppt/slides/slide38.xml><?xml version="1.0" encoding="utf-8"?>
-<p:sld xmlns:a="http://schemas.openxmlformats.org/drawingml/2006/main" xmlns:r="http://schemas.openxmlformats.org/officeDocument/2006/relationships" xmlns:p="http://schemas.openxmlformats.org/presentationml/2006/main">
-  <p:cSld>
-    <p:spTree>
-      <p:nvGrpSpPr>
-        <p:cNvPr id="1" name=""/>
-        <p:cNvGrpSpPr/>
-        <p:nvPr/>
-      </p:nvGrpSpPr>
-      <p:grpSpPr>
-        <a:xfrm>
-          <a:off x="0" y="0"/>
-          <a:ext cx="0" cy="0"/>
-          <a:chOff x="0" y="0"/>
-          <a:chExt cx="0" cy="0"/>
-        </a:xfrm>
-      </p:grpSpPr>
-      <p:sp>
-        <p:nvSpPr>
-          <p:cNvPr id="4" name="Inhaltsplatzhalter 3">
-            <a:extLst>
-              <a:ext uri="{FF2B5EF4-FFF2-40B4-BE49-F238E27FC236}">
-                <a16:creationId xmlns:a16="http://schemas.microsoft.com/office/drawing/2014/main" id="{68907F8E-2FC4-4FEA-BE11-BBC2972A10FE}"/>
-              </a:ext>
-            </a:extLst>
-          </p:cNvPr>
-          <p:cNvSpPr>
-            <a:spLocks noGrp="1"/>
-          </p:cNvSpPr>
-          <p:nvPr>
-            <p:ph idx="13"/>
-          </p:nvPr>
-        </p:nvSpPr>
-        <p:spPr/>
-        <p:txBody>
-          <a:bodyPr/>
-          <a:lstStyle/>
-          <a:p>
-            <a:endParaRPr lang="de-DE"/>
-          </a:p>
-        </p:txBody>
-      </p:sp>
-      <p:sp>
-        <p:nvSpPr>
-          <p:cNvPr id="5" name="Titel 4">
-            <a:extLst>
-              <a:ext uri="{FF2B5EF4-FFF2-40B4-BE49-F238E27FC236}">
-                <a16:creationId xmlns:a16="http://schemas.microsoft.com/office/drawing/2014/main" id="{86E22394-880D-4500-AA8D-A412EFE36D95}"/>
-              </a:ext>
-            </a:extLst>
-          </p:cNvPr>
-          <p:cNvSpPr>
-            <a:spLocks noGrp="1"/>
-          </p:cNvSpPr>
-          <p:nvPr>
-            <p:ph type="title" idx="4294967295"/>
-          </p:nvPr>
-        </p:nvSpPr>
-        <p:spPr>
-          <a:xfrm>
-            <a:off x="628650" y="365126"/>
-            <a:ext cx="7886700" cy="698903"/>
-          </a:xfrm>
-          <a:prstGeom prst="rect">
-            <a:avLst/>
-          </a:prstGeom>
-        </p:spPr>
-        <p:txBody>
-          <a:bodyPr>
-            <a:normAutofit/>
-          </a:bodyPr>
-          <a:lstStyle/>
-          <a:p>
-            <a:endParaRPr lang="de-DE"/>
-          </a:p>
-        </p:txBody>
-      </p:sp>
-    </p:spTree>
-    <p:extLst>
-      <p:ext uri="{BB962C8B-B14F-4D97-AF65-F5344CB8AC3E}">
-        <p14:creationId xmlns:p14="http://schemas.microsoft.com/office/powerpoint/2010/main" val="2659165292"/>
-      </p:ext>
-    </p:extLst>
-  </p:cSld>
-  <p:clrMapOvr>
-    <a:masterClrMapping/>
-  </p:clrMapOvr>
-</p:sld>
-</file>
-
-<file path=ppt/slides/slide4.xml><?xml version="1.0" encoding="utf-8"?>
+<file path=ppt/slides/slide6.xml><?xml version="1.0" encoding="utf-8"?>
 <p:sld xmlns:a="http://schemas.openxmlformats.org/drawingml/2006/main" xmlns:r="http://schemas.openxmlformats.org/officeDocument/2006/relationships" xmlns:p="http://schemas.openxmlformats.org/presentationml/2006/main">
   <p:cSld>
     <p:spTree>
@@ -11101,7 +11871,7 @@
 </p:sld>
 </file>
 
-<file path=ppt/slides/slide5.xml><?xml version="1.0" encoding="utf-8"?>
+<file path=ppt/slides/slide7.xml><?xml version="1.0" encoding="utf-8"?>
 <p:sld xmlns:a="http://schemas.openxmlformats.org/drawingml/2006/main" xmlns:r="http://schemas.openxmlformats.org/officeDocument/2006/relationships" xmlns:p="http://schemas.openxmlformats.org/presentationml/2006/main">
   <p:cSld>
     <p:spTree>
@@ -11336,7 +12106,7 @@
 </p:sld>
 </file>
 
-<file path=ppt/slides/slide6.xml><?xml version="1.0" encoding="utf-8"?>
+<file path=ppt/slides/slide8.xml><?xml version="1.0" encoding="utf-8"?>
 <p:sld xmlns:a="http://schemas.openxmlformats.org/drawingml/2006/main" xmlns:r="http://schemas.openxmlformats.org/officeDocument/2006/relationships" xmlns:p="http://schemas.openxmlformats.org/presentationml/2006/main">
   <p:cSld>
     <p:spTree>
@@ -11582,7 +12352,7 @@
 </p:sld>
 </file>
 
-<file path=ppt/slides/slide7.xml><?xml version="1.0" encoding="utf-8"?>
+<file path=ppt/slides/slide9.xml><?xml version="1.0" encoding="utf-8"?>
 <p:sld xmlns:a="http://schemas.openxmlformats.org/drawingml/2006/main" xmlns:r="http://schemas.openxmlformats.org/officeDocument/2006/relationships" xmlns:p="http://schemas.openxmlformats.org/presentationml/2006/main">
   <p:cSld>
     <p:spTree>
@@ -11789,252 +12559,6 @@
     <p:extLst>
       <p:ext uri="{BB962C8B-B14F-4D97-AF65-F5344CB8AC3E}">
         <p14:creationId xmlns:p14="http://schemas.microsoft.com/office/powerpoint/2010/main" val="2123715963"/>
-      </p:ext>
-    </p:extLst>
-  </p:cSld>
-  <p:clrMapOvr>
-    <a:masterClrMapping/>
-  </p:clrMapOvr>
-</p:sld>
-</file>
-
-<file path=ppt/slides/slide8.xml><?xml version="1.0" encoding="utf-8"?>
-<p:sld xmlns:a="http://schemas.openxmlformats.org/drawingml/2006/main" xmlns:r="http://schemas.openxmlformats.org/officeDocument/2006/relationships" xmlns:p="http://schemas.openxmlformats.org/presentationml/2006/main">
-  <p:cSld>
-    <p:spTree>
-      <p:nvGrpSpPr>
-        <p:cNvPr id="1" name=""/>
-        <p:cNvGrpSpPr/>
-        <p:nvPr/>
-      </p:nvGrpSpPr>
-      <p:grpSpPr>
-        <a:xfrm>
-          <a:off x="0" y="0"/>
-          <a:ext cx="0" cy="0"/>
-          <a:chOff x="0" y="0"/>
-          <a:chExt cx="0" cy="0"/>
-        </a:xfrm>
-      </p:grpSpPr>
-      <p:sp>
-        <p:nvSpPr>
-          <p:cNvPr id="3" name="Titel 2">
-            <a:extLst>
-              <a:ext uri="{FF2B5EF4-FFF2-40B4-BE49-F238E27FC236}">
-                <a16:creationId xmlns:a16="http://schemas.microsoft.com/office/drawing/2014/main" id="{1D0D21A4-BC91-4461-A139-778A00DBE636}"/>
-              </a:ext>
-            </a:extLst>
-          </p:cNvPr>
-          <p:cNvSpPr>
-            <a:spLocks noGrp="1"/>
-          </p:cNvSpPr>
-          <p:nvPr>
-            <p:ph type="title"/>
-          </p:nvPr>
-        </p:nvSpPr>
-        <p:spPr/>
-        <p:txBody>
-          <a:bodyPr>
-            <a:normAutofit/>
-          </a:bodyPr>
-          <a:lstStyle/>
-          <a:p>
-            <a:r>
-              <a:rPr lang="de-DE" dirty="0"/>
-              <a:t>Änderungen</a:t>
-            </a:r>
-          </a:p>
-        </p:txBody>
-      </p:sp>
-    </p:spTree>
-    <p:extLst>
-      <p:ext uri="{BB962C8B-B14F-4D97-AF65-F5344CB8AC3E}">
-        <p14:creationId xmlns:p14="http://schemas.microsoft.com/office/powerpoint/2010/main" val="1159547717"/>
-      </p:ext>
-    </p:extLst>
-  </p:cSld>
-  <p:clrMapOvr>
-    <a:masterClrMapping/>
-  </p:clrMapOvr>
-</p:sld>
-</file>
-
-<file path=ppt/slides/slide9.xml><?xml version="1.0" encoding="utf-8"?>
-<p:sld xmlns:a="http://schemas.openxmlformats.org/drawingml/2006/main" xmlns:r="http://schemas.openxmlformats.org/officeDocument/2006/relationships" xmlns:p="http://schemas.openxmlformats.org/presentationml/2006/main">
-  <p:cSld>
-    <p:spTree>
-      <p:nvGrpSpPr>
-        <p:cNvPr id="1" name=""/>
-        <p:cNvGrpSpPr/>
-        <p:nvPr/>
-      </p:nvGrpSpPr>
-      <p:grpSpPr>
-        <a:xfrm>
-          <a:off x="0" y="0"/>
-          <a:ext cx="0" cy="0"/>
-          <a:chOff x="0" y="0"/>
-          <a:chExt cx="0" cy="0"/>
-        </a:xfrm>
-      </p:grpSpPr>
-      <p:sp>
-        <p:nvSpPr>
-          <p:cNvPr id="5" name="Inhaltsplatzhalter 4">
-            <a:extLst>
-              <a:ext uri="{FF2B5EF4-FFF2-40B4-BE49-F238E27FC236}">
-                <a16:creationId xmlns:a16="http://schemas.microsoft.com/office/drawing/2014/main" id="{CD054A3A-6F87-44D5-9FFF-876B09A1EA89}"/>
-              </a:ext>
-            </a:extLst>
-          </p:cNvPr>
-          <p:cNvSpPr>
-            <a:spLocks noGrp="1"/>
-          </p:cNvSpPr>
-          <p:nvPr>
-            <p:ph idx="13"/>
-          </p:nvPr>
-        </p:nvSpPr>
-        <p:spPr/>
-        <p:txBody>
-          <a:bodyPr/>
-          <a:lstStyle/>
-          <a:p>
-            <a:r>
-              <a:rPr lang="de-DE" dirty="0"/>
-              <a:t>Erstellt einen Schnappschuss der Arbeitskopie</a:t>
-            </a:r>
-          </a:p>
-          <a:p>
-            <a:r>
-              <a:rPr lang="de-DE" dirty="0"/>
-              <a:t>Nur Änderungen im Index werden einbezogen</a:t>
-            </a:r>
-          </a:p>
-          <a:p>
-            <a:r>
-              <a:rPr lang="de-DE" dirty="0"/>
-              <a:t>Commit wird dem aktuellen Zweig angehangen</a:t>
-            </a:r>
-          </a:p>
-          <a:p>
-            <a:r>
-              <a:rPr lang="de-DE" dirty="0"/>
-              <a:t>Kommando: </a:t>
-            </a:r>
-            <a:r>
-              <a:rPr lang="de-DE" b="1" i="1" dirty="0" err="1"/>
-              <a:t>git</a:t>
-            </a:r>
-            <a:r>
-              <a:rPr lang="de-DE" b="1" i="1" dirty="0"/>
-              <a:t> </a:t>
-            </a:r>
-            <a:r>
-              <a:rPr lang="de-DE" b="1" i="1" dirty="0" err="1"/>
-              <a:t>commit</a:t>
-            </a:r>
-            <a:r>
-              <a:rPr lang="de-DE" b="1" i="1" dirty="0"/>
-              <a:t> –m “&lt;Nachricht&gt;“</a:t>
-            </a:r>
-          </a:p>
-          <a:p>
-            <a:pPr lvl="1"/>
-            <a:r>
-              <a:rPr lang="de-DE" dirty="0"/>
-              <a:t>--</a:t>
-            </a:r>
-            <a:r>
-              <a:rPr lang="de-DE" dirty="0" err="1"/>
-              <a:t>amend</a:t>
-            </a:r>
-            <a:r>
-              <a:rPr lang="de-DE" dirty="0"/>
-              <a:t> zur Bearbeitung des letzten </a:t>
-            </a:r>
-            <a:r>
-              <a:rPr lang="de-DE" dirty="0" err="1"/>
-              <a:t>Commits</a:t>
-            </a:r>
-            <a:endParaRPr lang="de-DE" dirty="0"/>
-          </a:p>
-          <a:p>
-            <a:pPr marL="457200" lvl="1" indent="0">
-              <a:buNone/>
-            </a:pPr>
-            <a:endParaRPr lang="de-DE" dirty="0"/>
-          </a:p>
-        </p:txBody>
-      </p:sp>
-      <p:sp>
-        <p:nvSpPr>
-          <p:cNvPr id="3" name="Titel 2">
-            <a:extLst>
-              <a:ext uri="{FF2B5EF4-FFF2-40B4-BE49-F238E27FC236}">
-                <a16:creationId xmlns:a16="http://schemas.microsoft.com/office/drawing/2014/main" id="{A9035D7F-C069-4FAE-AA03-CC3D6FA9F379}"/>
-              </a:ext>
-            </a:extLst>
-          </p:cNvPr>
-          <p:cNvSpPr>
-            <a:spLocks noGrp="1"/>
-          </p:cNvSpPr>
-          <p:nvPr>
-            <p:ph type="title" idx="4294967295"/>
-          </p:nvPr>
-        </p:nvSpPr>
-        <p:spPr>
-          <a:xfrm>
-            <a:off x="628650" y="365126"/>
-            <a:ext cx="7886700" cy="698903"/>
-          </a:xfrm>
-          <a:prstGeom prst="rect">
-            <a:avLst/>
-          </a:prstGeom>
-        </p:spPr>
-        <p:txBody>
-          <a:bodyPr>
-            <a:normAutofit/>
-          </a:bodyPr>
-          <a:lstStyle/>
-          <a:p>
-            <a:r>
-              <a:rPr lang="de-DE" dirty="0"/>
-              <a:t>Commit</a:t>
-            </a:r>
-          </a:p>
-        </p:txBody>
-      </p:sp>
-      <p:pic>
-        <p:nvPicPr>
-          <p:cNvPr id="6" name="Grafik 5">
-            <a:extLst>
-              <a:ext uri="{FF2B5EF4-FFF2-40B4-BE49-F238E27FC236}">
-                <a16:creationId xmlns:a16="http://schemas.microsoft.com/office/drawing/2014/main" id="{C3236655-55A5-4694-8F6A-542865365404}"/>
-              </a:ext>
-            </a:extLst>
-          </p:cNvPr>
-          <p:cNvPicPr>
-            <a:picLocks noChangeAspect="1"/>
-          </p:cNvPicPr>
-          <p:nvPr/>
-        </p:nvPicPr>
-        <p:blipFill>
-          <a:blip r:embed="rId2"/>
-          <a:stretch>
-            <a:fillRect/>
-          </a:stretch>
-        </p:blipFill>
-        <p:spPr>
-          <a:xfrm>
-            <a:off x="1011836" y="3303165"/>
-            <a:ext cx="5218628" cy="621846"/>
-          </a:xfrm>
-          <a:prstGeom prst="rect">
-            <a:avLst/>
-          </a:prstGeom>
-        </p:spPr>
-      </p:pic>
-    </p:spTree>
-    <p:extLst>
-      <p:ext uri="{BB962C8B-B14F-4D97-AF65-F5344CB8AC3E}">
-        <p14:creationId xmlns:p14="http://schemas.microsoft.com/office/powerpoint/2010/main" val="4291075975"/>
       </p:ext>
     </p:extLst>
   </p:cSld>

--- a/Präsentation-90min/Präsentation-90min.pptx
+++ b/Präsentation-90min/Präsentation-90min.pptx
@@ -16,26 +16,26 @@
     <p:sldId id="272" r:id="rId7"/>
     <p:sldId id="273" r:id="rId8"/>
     <p:sldId id="274" r:id="rId9"/>
-    <p:sldId id="275" r:id="rId10"/>
-    <p:sldId id="277" r:id="rId11"/>
+    <p:sldId id="277" r:id="rId10"/>
+    <p:sldId id="275" r:id="rId11"/>
     <p:sldId id="276" r:id="rId12"/>
     <p:sldId id="279" r:id="rId13"/>
     <p:sldId id="278" r:id="rId14"/>
-    <p:sldId id="280" r:id="rId15"/>
-    <p:sldId id="281" r:id="rId16"/>
-    <p:sldId id="282" r:id="rId17"/>
-    <p:sldId id="284" r:id="rId18"/>
-    <p:sldId id="285" r:id="rId19"/>
-    <p:sldId id="286" r:id="rId20"/>
-    <p:sldId id="287" r:id="rId21"/>
-    <p:sldId id="288" r:id="rId22"/>
-    <p:sldId id="289" r:id="rId23"/>
-    <p:sldId id="290" r:id="rId24"/>
-    <p:sldId id="291" r:id="rId25"/>
-    <p:sldId id="293" r:id="rId26"/>
-    <p:sldId id="292" r:id="rId27"/>
-    <p:sldId id="295" r:id="rId28"/>
-    <p:sldId id="297" r:id="rId29"/>
+    <p:sldId id="297" r:id="rId15"/>
+    <p:sldId id="280" r:id="rId16"/>
+    <p:sldId id="281" r:id="rId17"/>
+    <p:sldId id="282" r:id="rId18"/>
+    <p:sldId id="284" r:id="rId19"/>
+    <p:sldId id="285" r:id="rId20"/>
+    <p:sldId id="286" r:id="rId21"/>
+    <p:sldId id="287" r:id="rId22"/>
+    <p:sldId id="288" r:id="rId23"/>
+    <p:sldId id="289" r:id="rId24"/>
+    <p:sldId id="290" r:id="rId25"/>
+    <p:sldId id="291" r:id="rId26"/>
+    <p:sldId id="293" r:id="rId27"/>
+    <p:sldId id="292" r:id="rId28"/>
+    <p:sldId id="295" r:id="rId29"/>
     <p:sldId id="298" r:id="rId30"/>
     <p:sldId id="309" r:id="rId31"/>
     <p:sldId id="299" r:id="rId32"/>
@@ -291,7 +291,7 @@
           <a:p>
             <a:fld id="{A1E1CD49-93F9-4EB7-9AB7-31369D3CCD5D}" type="datetimeFigureOut">
               <a:rPr lang="de-DE" smtClean="0"/>
-              <a:t>19.03.2020</a:t>
+              <a:t>20.03.2020</a:t>
             </a:fld>
             <a:endParaRPr lang="de-DE"/>
           </a:p>
@@ -692,7 +692,7 @@
           <a:p>
             <a:fld id="{7CDC51D4-4F8D-402A-BD06-90531D3D0B0E}" type="datetime1">
               <a:rPr lang="de-DE" smtClean="0"/>
-              <a:t>19.03.2020</a:t>
+              <a:t>20.03.2020</a:t>
             </a:fld>
             <a:endParaRPr lang="de-DE"/>
           </a:p>
@@ -870,7 +870,7 @@
           <a:p>
             <a:fld id="{3608FC1D-F958-4804-B298-25E0F93B1193}" type="datetime1">
               <a:rPr lang="de-DE" smtClean="0"/>
-              <a:t>19.03.2020</a:t>
+              <a:t>20.03.2020</a:t>
             </a:fld>
             <a:endParaRPr lang="de-DE"/>
           </a:p>
@@ -1053,7 +1053,7 @@
           <a:p>
             <a:fld id="{853E26B7-2C61-49BA-838E-19A37BCD9623}" type="datetime1">
               <a:rPr lang="de-DE" smtClean="0"/>
-              <a:t>19.03.2020</a:t>
+              <a:t>20.03.2020</a:t>
             </a:fld>
             <a:endParaRPr lang="de-DE"/>
           </a:p>
@@ -1348,7 +1348,7 @@
             <a:fld id="{6F7941D6-DDCD-4FEB-B76A-6EA7C7E1DF91}" type="datetime1">
               <a:rPr lang="de-DE" smtClean="0"/>
               <a:pPr/>
-              <a:t>19.03.2020</a:t>
+              <a:t>20.03.2020</a:t>
             </a:fld>
             <a:endParaRPr lang="de-DE" dirty="0"/>
           </a:p>
@@ -2146,7 +2146,7 @@
           <a:p>
             <a:fld id="{625025DE-6FE8-4EA0-83A6-6CAFC8B06972}" type="datetime1">
               <a:rPr lang="de-DE" smtClean="0"/>
-              <a:t>19.03.2020</a:t>
+              <a:t>20.03.2020</a:t>
             </a:fld>
             <a:endParaRPr lang="de-DE"/>
           </a:p>
@@ -2516,7 +2516,7 @@
           <a:p>
             <a:fld id="{247D6157-A9C6-4111-84CF-F4ABC9BB74CD}" type="datetime1">
               <a:rPr lang="de-DE" smtClean="0"/>
-              <a:t>19.03.2020</a:t>
+              <a:t>20.03.2020</a:t>
             </a:fld>
             <a:endParaRPr lang="de-DE"/>
           </a:p>
@@ -2642,7 +2642,7 @@
           <a:p>
             <a:fld id="{8EBDA223-4612-4606-8A30-596D72469CD7}" type="datetime1">
               <a:rPr lang="de-DE" smtClean="0"/>
-              <a:t>19.03.2020</a:t>
+              <a:t>20.03.2020</a:t>
             </a:fld>
             <a:endParaRPr lang="de-DE"/>
           </a:p>
@@ -2737,7 +2737,7 @@
           <a:p>
             <a:fld id="{5C800F00-9786-41ED-9D90-88F7ADE0F2B0}" type="datetime1">
               <a:rPr lang="de-DE" smtClean="0"/>
-              <a:t>19.03.2020</a:t>
+              <a:t>20.03.2020</a:t>
             </a:fld>
             <a:endParaRPr lang="de-DE"/>
           </a:p>
@@ -3017,7 +3017,7 @@
           <a:p>
             <a:fld id="{DE94FA33-7DFF-4544-8A2D-E09A4E33D92E}" type="datetime1">
               <a:rPr lang="de-DE" smtClean="0"/>
-              <a:t>19.03.2020</a:t>
+              <a:t>20.03.2020</a:t>
             </a:fld>
             <a:endParaRPr lang="de-DE"/>
           </a:p>
@@ -3277,7 +3277,7 @@
           <a:p>
             <a:fld id="{10F76841-BABD-4AE4-8760-966DF476109C}" type="datetime1">
               <a:rPr lang="de-DE" smtClean="0"/>
-              <a:t>19.03.2020</a:t>
+              <a:t>20.03.2020</a:t>
             </a:fld>
             <a:endParaRPr lang="de-DE"/>
           </a:p>
@@ -3490,7 +3490,7 @@
           <a:p>
             <a:fld id="{34C5C537-7C07-410D-9EF1-F90075952502}" type="datetime1">
               <a:rPr lang="de-DE" smtClean="0"/>
-              <a:t>19.03.2020</a:t>
+              <a:t>20.03.2020</a:t>
             </a:fld>
             <a:endParaRPr lang="de-DE"/>
           </a:p>
@@ -3983,10 +3983,10 @@
       </p:grpSpPr>
       <p:sp>
         <p:nvSpPr>
-          <p:cNvPr id="3" name="Titel 2">
+          <p:cNvPr id="5" name="Inhaltsplatzhalter 4">
             <a:extLst>
               <a:ext uri="{FF2B5EF4-FFF2-40B4-BE49-F238E27FC236}">
-                <a16:creationId xmlns:a16="http://schemas.microsoft.com/office/drawing/2014/main" id="{1D0D21A4-BC91-4461-A139-778A00DBE636}"/>
+                <a16:creationId xmlns:a16="http://schemas.microsoft.com/office/drawing/2014/main" id="{C2BFA9D9-8AEE-43BF-BF11-29F16A4F2941}"/>
               </a:ext>
             </a:extLst>
           </p:cNvPr>
@@ -3994,10 +3994,156 @@
             <a:spLocks noGrp="1"/>
           </p:cNvSpPr>
           <p:nvPr>
-            <p:ph type="title"/>
+            <p:ph idx="13"/>
           </p:nvPr>
         </p:nvSpPr>
-        <p:spPr/>
+        <p:spPr>
+          <a:xfrm>
+            <a:off x="987495" y="1236939"/>
+            <a:ext cx="7169010" cy="4931635"/>
+          </a:xfrm>
+        </p:spPr>
+        <p:txBody>
+          <a:bodyPr/>
+          <a:lstStyle/>
+          <a:p>
+            <a:r>
+              <a:rPr lang="de-DE" sz="1800" dirty="0"/>
+              <a:t>Kommando: </a:t>
+            </a:r>
+            <a:r>
+              <a:rPr lang="de-DE" sz="1800" b="1" i="1" dirty="0" err="1"/>
+              <a:t>git</a:t>
+            </a:r>
+            <a:r>
+              <a:rPr lang="de-DE" sz="1800" b="1" i="1" dirty="0"/>
+              <a:t> </a:t>
+            </a:r>
+            <a:r>
+              <a:rPr lang="de-DE" sz="1800" b="1" i="1" dirty="0" err="1"/>
+              <a:t>status</a:t>
+            </a:r>
+            <a:endParaRPr lang="de-DE" sz="1800" b="1" i="1" dirty="0"/>
+          </a:p>
+          <a:p>
+            <a:r>
+              <a:rPr lang="de-DE" dirty="0"/>
+              <a:t>Stellt die Änderungen an der Arbeitskopie dar</a:t>
+            </a:r>
+          </a:p>
+          <a:p>
+            <a:endParaRPr lang="de-DE" dirty="0"/>
+          </a:p>
+          <a:p>
+            <a:endParaRPr lang="de-DE" dirty="0"/>
+          </a:p>
+          <a:p>
+            <a:endParaRPr lang="de-DE" dirty="0"/>
+          </a:p>
+          <a:p>
+            <a:endParaRPr lang="de-DE" dirty="0"/>
+          </a:p>
+          <a:p>
+            <a:pPr marL="0" indent="0">
+              <a:buNone/>
+            </a:pPr>
+            <a:endParaRPr lang="de-DE" dirty="0"/>
+          </a:p>
+          <a:p>
+            <a:pPr marL="0" indent="0">
+              <a:buNone/>
+            </a:pPr>
+            <a:endParaRPr lang="de-DE" dirty="0"/>
+          </a:p>
+          <a:p>
+            <a:pPr marL="0" indent="0">
+              <a:buNone/>
+            </a:pPr>
+            <a:endParaRPr lang="de-DE" dirty="0"/>
+          </a:p>
+          <a:p>
+            <a:r>
+              <a:rPr lang="de-DE" sz="1800" dirty="0"/>
+              <a:t>Änderungen werden über </a:t>
+            </a:r>
+            <a:r>
+              <a:rPr lang="de-DE" sz="1800" b="1" i="1" dirty="0" err="1"/>
+              <a:t>git</a:t>
+            </a:r>
+            <a:r>
+              <a:rPr lang="de-DE" sz="1800" b="1" i="1" dirty="0"/>
+              <a:t> </a:t>
+            </a:r>
+            <a:r>
+              <a:rPr lang="de-DE" sz="1800" b="1" i="1" dirty="0" err="1"/>
+              <a:t>add</a:t>
+            </a:r>
+            <a:r>
+              <a:rPr lang="de-DE" sz="1800" b="1" i="1" dirty="0"/>
+              <a:t> &lt;Datei&gt; </a:t>
+            </a:r>
+            <a:r>
+              <a:rPr lang="de-DE" sz="1800" dirty="0"/>
+              <a:t>dem Index hinzugefügt</a:t>
+            </a:r>
+          </a:p>
+          <a:p>
+            <a:pPr lvl="1"/>
+            <a:r>
+              <a:rPr lang="de-DE" sz="1400" b="1" i="1" dirty="0" err="1"/>
+              <a:t>git</a:t>
+            </a:r>
+            <a:r>
+              <a:rPr lang="de-DE" sz="1400" b="1" i="1" dirty="0"/>
+              <a:t> </a:t>
+            </a:r>
+            <a:r>
+              <a:rPr lang="de-DE" sz="1400" b="1" i="1" dirty="0" err="1"/>
+              <a:t>add</a:t>
+            </a:r>
+            <a:r>
+              <a:rPr lang="de-DE" sz="1400" b="1" i="1" dirty="0"/>
+              <a:t> . </a:t>
+            </a:r>
+            <a:r>
+              <a:rPr lang="de-DE" sz="1400" dirty="0"/>
+              <a:t>Fügt alle Änderungen hinzu</a:t>
+            </a:r>
+            <a:endParaRPr lang="de-DE" sz="1400" b="1" i="1" dirty="0"/>
+          </a:p>
+          <a:p>
+            <a:r>
+              <a:rPr lang="de-DE" sz="1800" dirty="0"/>
+              <a:t>Dateien im Index sind für einen Commit vorgemerkt</a:t>
+            </a:r>
+          </a:p>
+        </p:txBody>
+      </p:sp>
+      <p:sp>
+        <p:nvSpPr>
+          <p:cNvPr id="3" name="Titel 2">
+            <a:extLst>
+              <a:ext uri="{FF2B5EF4-FFF2-40B4-BE49-F238E27FC236}">
+                <a16:creationId xmlns:a16="http://schemas.microsoft.com/office/drawing/2014/main" id="{86A5B1D2-4489-46B6-BA0B-18E4C8627EA8}"/>
+              </a:ext>
+            </a:extLst>
+          </p:cNvPr>
+          <p:cNvSpPr>
+            <a:spLocks noGrp="1"/>
+          </p:cNvSpPr>
+          <p:nvPr>
+            <p:ph type="title" idx="4294967295"/>
+          </p:nvPr>
+        </p:nvSpPr>
+        <p:spPr>
+          <a:xfrm>
+            <a:off x="628650" y="365126"/>
+            <a:ext cx="7886700" cy="698903"/>
+          </a:xfrm>
+          <a:prstGeom prst="rect">
+            <a:avLst/>
+          </a:prstGeom>
+        </p:spPr>
         <p:txBody>
           <a:bodyPr>
             <a:normAutofit/>
@@ -4006,7 +4152,86 @@
           <a:p>
             <a:r>
               <a:rPr lang="de-DE" dirty="0"/>
-              <a:t>Änderungen</a:t>
+              <a:t>Index</a:t>
+            </a:r>
+          </a:p>
+        </p:txBody>
+      </p:sp>
+      <p:pic>
+        <p:nvPicPr>
+          <p:cNvPr id="7" name="Grafik 6">
+            <a:extLst>
+              <a:ext uri="{FF2B5EF4-FFF2-40B4-BE49-F238E27FC236}">
+                <a16:creationId xmlns:a16="http://schemas.microsoft.com/office/drawing/2014/main" id="{92C172AA-81C7-455D-A18E-7751E2CB19E5}"/>
+              </a:ext>
+            </a:extLst>
+          </p:cNvPr>
+          <p:cNvPicPr>
+            <a:picLocks noChangeAspect="1"/>
+          </p:cNvPicPr>
+          <p:nvPr/>
+        </p:nvPicPr>
+        <p:blipFill>
+          <a:blip r:embed="rId2"/>
+          <a:stretch>
+            <a:fillRect/>
+          </a:stretch>
+        </p:blipFill>
+        <p:spPr>
+          <a:xfrm>
+            <a:off x="1846852" y="2056159"/>
+            <a:ext cx="5450296" cy="1767993"/>
+          </a:xfrm>
+          <a:prstGeom prst="rect">
+            <a:avLst/>
+          </a:prstGeom>
+        </p:spPr>
+      </p:pic>
+      <p:sp>
+        <p:nvSpPr>
+          <p:cNvPr id="2" name="Textfeld 1">
+            <a:extLst>
+              <a:ext uri="{FF2B5EF4-FFF2-40B4-BE49-F238E27FC236}">
+                <a16:creationId xmlns:a16="http://schemas.microsoft.com/office/drawing/2014/main" id="{401F93AE-9139-4FB3-BB19-BB4779D27D7E}"/>
+              </a:ext>
+            </a:extLst>
+          </p:cNvPr>
+          <p:cNvSpPr txBox="1"/>
+          <p:nvPr/>
+        </p:nvSpPr>
+        <p:spPr>
+          <a:xfrm>
+            <a:off x="1754572" y="3824152"/>
+            <a:ext cx="4830785" cy="584775"/>
+          </a:xfrm>
+          <a:prstGeom prst="rect">
+            <a:avLst/>
+          </a:prstGeom>
+          <a:noFill/>
+        </p:spPr>
+        <p:txBody>
+          <a:bodyPr wrap="square" rtlCol="0">
+            <a:spAutoFit/>
+          </a:bodyPr>
+          <a:lstStyle/>
+          <a:p>
+            <a:r>
+              <a:rPr lang="de-DE" sz="1600" dirty="0"/>
+              <a:t>Nicht vorgemerkte Änderungen im Arbeitsverzeichnis:</a:t>
+            </a:r>
+          </a:p>
+          <a:p>
+            <a:r>
+              <a:rPr lang="de-DE" sz="1600" dirty="0"/>
+              <a:t>.</a:t>
+            </a:r>
+            <a:r>
+              <a:rPr lang="de-DE" sz="1600" dirty="0" err="1"/>
+              <a:t>gitignore</a:t>
+            </a:r>
+            <a:r>
+              <a:rPr lang="de-DE" sz="1600" dirty="0"/>
+              <a:t> und README</a:t>
             </a:r>
           </a:p>
         </p:txBody>
@@ -4014,7 +4239,7 @@
     </p:spTree>
     <p:extLst>
       <p:ext uri="{BB962C8B-B14F-4D97-AF65-F5344CB8AC3E}">
-        <p14:creationId xmlns:p14="http://schemas.microsoft.com/office/powerpoint/2010/main" val="1159547717"/>
+        <p14:creationId xmlns:p14="http://schemas.microsoft.com/office/powerpoint/2010/main" val="2123715963"/>
       </p:ext>
     </p:extLst>
   </p:cSld>
@@ -4189,7 +4414,7 @@
         </p:blipFill>
         <p:spPr>
           <a:xfrm>
-            <a:off x="1011836" y="3303165"/>
+            <a:off x="1987027" y="3429000"/>
             <a:ext cx="5218628" cy="621846"/>
           </a:xfrm>
           <a:prstGeom prst="rect">
@@ -4197,6 +4422,458 @@
           </a:prstGeom>
         </p:spPr>
       </p:pic>
+      <p:sp>
+        <p:nvSpPr>
+          <p:cNvPr id="2" name="Rechteck 1">
+            <a:extLst>
+              <a:ext uri="{FF2B5EF4-FFF2-40B4-BE49-F238E27FC236}">
+                <a16:creationId xmlns:a16="http://schemas.microsoft.com/office/drawing/2014/main" id="{CE466713-5749-4AC9-B3DC-5CB91D1957F7}"/>
+              </a:ext>
+            </a:extLst>
+          </p:cNvPr>
+          <p:cNvSpPr/>
+          <p:nvPr/>
+        </p:nvSpPr>
+        <p:spPr>
+          <a:xfrm>
+            <a:off x="1132514" y="5117284"/>
+            <a:ext cx="1132514" cy="495388"/>
+          </a:xfrm>
+          <a:prstGeom prst="rect">
+            <a:avLst/>
+          </a:prstGeom>
+          <a:solidFill>
+            <a:schemeClr val="bg1">
+              <a:lumMod val="75000"/>
+            </a:schemeClr>
+          </a:solidFill>
+          <a:ln>
+            <a:solidFill>
+              <a:schemeClr val="bg1"/>
+            </a:solidFill>
+          </a:ln>
+        </p:spPr>
+        <p:style>
+          <a:lnRef idx="2">
+            <a:schemeClr val="accent1">
+              <a:shade val="50000"/>
+            </a:schemeClr>
+          </a:lnRef>
+          <a:fillRef idx="1">
+            <a:schemeClr val="accent1"/>
+          </a:fillRef>
+          <a:effectRef idx="0">
+            <a:schemeClr val="accent1"/>
+          </a:effectRef>
+          <a:fontRef idx="minor">
+            <a:schemeClr val="lt1"/>
+          </a:fontRef>
+        </p:style>
+        <p:txBody>
+          <a:bodyPr rtlCol="0" anchor="ctr"/>
+          <a:lstStyle/>
+          <a:p>
+            <a:pPr algn="ctr"/>
+            <a:endParaRPr lang="de-DE"/>
+          </a:p>
+        </p:txBody>
+      </p:sp>
+      <p:sp>
+        <p:nvSpPr>
+          <p:cNvPr id="7" name="Rechteck 6">
+            <a:extLst>
+              <a:ext uri="{FF2B5EF4-FFF2-40B4-BE49-F238E27FC236}">
+                <a16:creationId xmlns:a16="http://schemas.microsoft.com/office/drawing/2014/main" id="{12AA391C-449F-4A03-8925-2CD8D495E2AA}"/>
+              </a:ext>
+            </a:extLst>
+          </p:cNvPr>
+          <p:cNvSpPr/>
+          <p:nvPr/>
+        </p:nvSpPr>
+        <p:spPr>
+          <a:xfrm>
+            <a:off x="3602827" y="5117284"/>
+            <a:ext cx="1132514" cy="495388"/>
+          </a:xfrm>
+          <a:prstGeom prst="rect">
+            <a:avLst/>
+          </a:prstGeom>
+          <a:solidFill>
+            <a:schemeClr val="accent1">
+              <a:lumMod val="60000"/>
+              <a:lumOff val="40000"/>
+            </a:schemeClr>
+          </a:solidFill>
+          <a:ln>
+            <a:solidFill>
+              <a:schemeClr val="bg1"/>
+            </a:solidFill>
+          </a:ln>
+        </p:spPr>
+        <p:style>
+          <a:lnRef idx="2">
+            <a:schemeClr val="accent1">
+              <a:shade val="50000"/>
+            </a:schemeClr>
+          </a:lnRef>
+          <a:fillRef idx="1">
+            <a:schemeClr val="accent1"/>
+          </a:fillRef>
+          <a:effectRef idx="0">
+            <a:schemeClr val="accent1"/>
+          </a:effectRef>
+          <a:fontRef idx="minor">
+            <a:schemeClr val="lt1"/>
+          </a:fontRef>
+        </p:style>
+        <p:txBody>
+          <a:bodyPr rtlCol="0" anchor="ctr"/>
+          <a:lstStyle/>
+          <a:p>
+            <a:pPr algn="ctr"/>
+            <a:endParaRPr lang="de-DE"/>
+          </a:p>
+        </p:txBody>
+      </p:sp>
+      <p:sp>
+        <p:nvSpPr>
+          <p:cNvPr id="8" name="Rechteck 7">
+            <a:extLst>
+              <a:ext uri="{FF2B5EF4-FFF2-40B4-BE49-F238E27FC236}">
+                <a16:creationId xmlns:a16="http://schemas.microsoft.com/office/drawing/2014/main" id="{925C5388-8F98-4391-8B6A-B47CD0164A48}"/>
+              </a:ext>
+            </a:extLst>
+          </p:cNvPr>
+          <p:cNvSpPr/>
+          <p:nvPr/>
+        </p:nvSpPr>
+        <p:spPr>
+          <a:xfrm>
+            <a:off x="6073141" y="5117284"/>
+            <a:ext cx="1132514" cy="495388"/>
+          </a:xfrm>
+          <a:prstGeom prst="rect">
+            <a:avLst/>
+          </a:prstGeom>
+          <a:solidFill>
+            <a:schemeClr val="accent6">
+              <a:lumMod val="75000"/>
+            </a:schemeClr>
+          </a:solidFill>
+          <a:ln>
+            <a:solidFill>
+              <a:schemeClr val="bg1"/>
+            </a:solidFill>
+          </a:ln>
+        </p:spPr>
+        <p:style>
+          <a:lnRef idx="2">
+            <a:schemeClr val="accent1">
+              <a:shade val="50000"/>
+            </a:schemeClr>
+          </a:lnRef>
+          <a:fillRef idx="1">
+            <a:schemeClr val="accent1"/>
+          </a:fillRef>
+          <a:effectRef idx="0">
+            <a:schemeClr val="accent1"/>
+          </a:effectRef>
+          <a:fontRef idx="minor">
+            <a:schemeClr val="lt1"/>
+          </a:fontRef>
+        </p:style>
+        <p:txBody>
+          <a:bodyPr rtlCol="0" anchor="ctr"/>
+          <a:lstStyle/>
+          <a:p>
+            <a:pPr algn="ctr"/>
+            <a:endParaRPr lang="de-DE"/>
+          </a:p>
+        </p:txBody>
+      </p:sp>
+      <p:sp>
+        <p:nvSpPr>
+          <p:cNvPr id="4" name="Textfeld 3">
+            <a:extLst>
+              <a:ext uri="{FF2B5EF4-FFF2-40B4-BE49-F238E27FC236}">
+                <a16:creationId xmlns:a16="http://schemas.microsoft.com/office/drawing/2014/main" id="{9F584B9A-D11A-4082-8F41-560FBA7079CD}"/>
+              </a:ext>
+            </a:extLst>
+          </p:cNvPr>
+          <p:cNvSpPr txBox="1"/>
+          <p:nvPr/>
+        </p:nvSpPr>
+        <p:spPr>
+          <a:xfrm>
+            <a:off x="1002485" y="4836905"/>
+            <a:ext cx="1392572" cy="276999"/>
+          </a:xfrm>
+          <a:prstGeom prst="rect">
+            <a:avLst/>
+          </a:prstGeom>
+          <a:noFill/>
+        </p:spPr>
+        <p:txBody>
+          <a:bodyPr wrap="square" rtlCol="0">
+            <a:spAutoFit/>
+          </a:bodyPr>
+          <a:lstStyle/>
+          <a:p>
+            <a:pPr algn="ctr"/>
+            <a:r>
+              <a:rPr lang="de-DE" sz="1200" dirty="0"/>
+              <a:t>Arbeitsverzeichnis</a:t>
+            </a:r>
+          </a:p>
+        </p:txBody>
+      </p:sp>
+      <p:sp>
+        <p:nvSpPr>
+          <p:cNvPr id="9" name="Textfeld 8">
+            <a:extLst>
+              <a:ext uri="{FF2B5EF4-FFF2-40B4-BE49-F238E27FC236}">
+                <a16:creationId xmlns:a16="http://schemas.microsoft.com/office/drawing/2014/main" id="{7FD8E5B8-4884-41E7-9EAC-7C32DDF88240}"/>
+              </a:ext>
+            </a:extLst>
+          </p:cNvPr>
+          <p:cNvSpPr txBox="1"/>
+          <p:nvPr/>
+        </p:nvSpPr>
+        <p:spPr>
+          <a:xfrm>
+            <a:off x="3472798" y="4816584"/>
+            <a:ext cx="1392572" cy="276999"/>
+          </a:xfrm>
+          <a:prstGeom prst="rect">
+            <a:avLst/>
+          </a:prstGeom>
+          <a:noFill/>
+        </p:spPr>
+        <p:txBody>
+          <a:bodyPr wrap="square" rtlCol="0">
+            <a:spAutoFit/>
+          </a:bodyPr>
+          <a:lstStyle/>
+          <a:p>
+            <a:pPr algn="ctr"/>
+            <a:r>
+              <a:rPr lang="de-DE" sz="1200" dirty="0"/>
+              <a:t>Index</a:t>
+            </a:r>
+          </a:p>
+        </p:txBody>
+      </p:sp>
+      <p:sp>
+        <p:nvSpPr>
+          <p:cNvPr id="10" name="Textfeld 9">
+            <a:extLst>
+              <a:ext uri="{FF2B5EF4-FFF2-40B4-BE49-F238E27FC236}">
+                <a16:creationId xmlns:a16="http://schemas.microsoft.com/office/drawing/2014/main" id="{9D2D19AA-B29D-4C0D-AD87-DBB41C9C1DB9}"/>
+              </a:ext>
+            </a:extLst>
+          </p:cNvPr>
+          <p:cNvSpPr txBox="1"/>
+          <p:nvPr/>
+        </p:nvSpPr>
+        <p:spPr>
+          <a:xfrm>
+            <a:off x="5933760" y="4724250"/>
+            <a:ext cx="1392572" cy="461665"/>
+          </a:xfrm>
+          <a:prstGeom prst="rect">
+            <a:avLst/>
+          </a:prstGeom>
+          <a:noFill/>
+        </p:spPr>
+        <p:txBody>
+          <a:bodyPr wrap="square" rtlCol="0">
+            <a:spAutoFit/>
+          </a:bodyPr>
+          <a:lstStyle/>
+          <a:p>
+            <a:pPr algn="ctr"/>
+            <a:r>
+              <a:rPr lang="de-DE" sz="1200" dirty="0"/>
+              <a:t>Commit Historie /</a:t>
+            </a:r>
+          </a:p>
+          <a:p>
+            <a:pPr algn="ctr"/>
+            <a:r>
+              <a:rPr lang="de-DE" sz="1200" dirty="0"/>
+              <a:t>Projektarchiv</a:t>
+            </a:r>
+          </a:p>
+        </p:txBody>
+      </p:sp>
+      <p:cxnSp>
+        <p:nvCxnSpPr>
+          <p:cNvPr id="12" name="Gerade Verbindung mit Pfeil 11">
+            <a:extLst>
+              <a:ext uri="{FF2B5EF4-FFF2-40B4-BE49-F238E27FC236}">
+                <a16:creationId xmlns:a16="http://schemas.microsoft.com/office/drawing/2014/main" id="{9A157FA3-E5ED-4EFA-A31F-99A2EFF6047A}"/>
+              </a:ext>
+            </a:extLst>
+          </p:cNvPr>
+          <p:cNvCxnSpPr/>
+          <p:nvPr/>
+        </p:nvCxnSpPr>
+        <p:spPr>
+          <a:xfrm>
+            <a:off x="2395057" y="5364978"/>
+            <a:ext cx="968928" cy="0"/>
+          </a:xfrm>
+          <a:prstGeom prst="straightConnector1">
+            <a:avLst/>
+          </a:prstGeom>
+          <a:ln>
+            <a:tailEnd type="triangle"/>
+          </a:ln>
+        </p:spPr>
+        <p:style>
+          <a:lnRef idx="1">
+            <a:schemeClr val="accent1"/>
+          </a:lnRef>
+          <a:fillRef idx="0">
+            <a:schemeClr val="accent1"/>
+          </a:fillRef>
+          <a:effectRef idx="0">
+            <a:schemeClr val="accent1"/>
+          </a:effectRef>
+          <a:fontRef idx="minor">
+            <a:schemeClr val="tx1"/>
+          </a:fontRef>
+        </p:style>
+      </p:cxnSp>
+      <p:cxnSp>
+        <p:nvCxnSpPr>
+          <p:cNvPr id="13" name="Gerade Verbindung mit Pfeil 12">
+            <a:extLst>
+              <a:ext uri="{FF2B5EF4-FFF2-40B4-BE49-F238E27FC236}">
+                <a16:creationId xmlns:a16="http://schemas.microsoft.com/office/drawing/2014/main" id="{990F41AC-07A8-45A5-BF38-DADF25F32DE3}"/>
+              </a:ext>
+            </a:extLst>
+          </p:cNvPr>
+          <p:cNvCxnSpPr/>
+          <p:nvPr/>
+        </p:nvCxnSpPr>
+        <p:spPr>
+          <a:xfrm>
+            <a:off x="4865370" y="5364978"/>
+            <a:ext cx="968928" cy="0"/>
+          </a:xfrm>
+          <a:prstGeom prst="straightConnector1">
+            <a:avLst/>
+          </a:prstGeom>
+          <a:ln>
+            <a:tailEnd type="triangle"/>
+          </a:ln>
+        </p:spPr>
+        <p:style>
+          <a:lnRef idx="1">
+            <a:schemeClr val="accent1"/>
+          </a:lnRef>
+          <a:fillRef idx="0">
+            <a:schemeClr val="accent1"/>
+          </a:fillRef>
+          <a:effectRef idx="0">
+            <a:schemeClr val="accent1"/>
+          </a:effectRef>
+          <a:fontRef idx="minor">
+            <a:schemeClr val="tx1"/>
+          </a:fontRef>
+        </p:style>
+      </p:cxnSp>
+      <p:sp>
+        <p:nvSpPr>
+          <p:cNvPr id="14" name="Textfeld 13">
+            <a:extLst>
+              <a:ext uri="{FF2B5EF4-FFF2-40B4-BE49-F238E27FC236}">
+                <a16:creationId xmlns:a16="http://schemas.microsoft.com/office/drawing/2014/main" id="{0F471B74-7BF8-4EDE-93B3-42AED6DE0FAA}"/>
+              </a:ext>
+            </a:extLst>
+          </p:cNvPr>
+          <p:cNvSpPr txBox="1"/>
+          <p:nvPr/>
+        </p:nvSpPr>
+        <p:spPr>
+          <a:xfrm>
+            <a:off x="2183235" y="5113904"/>
+            <a:ext cx="1392572" cy="276999"/>
+          </a:xfrm>
+          <a:prstGeom prst="rect">
+            <a:avLst/>
+          </a:prstGeom>
+          <a:noFill/>
+        </p:spPr>
+        <p:txBody>
+          <a:bodyPr wrap="square" rtlCol="0">
+            <a:spAutoFit/>
+          </a:bodyPr>
+          <a:lstStyle/>
+          <a:p>
+            <a:pPr algn="ctr"/>
+            <a:r>
+              <a:rPr lang="de-DE" sz="1200" dirty="0" err="1"/>
+              <a:t>git</a:t>
+            </a:r>
+            <a:r>
+              <a:rPr lang="de-DE" sz="1200" dirty="0"/>
+              <a:t> </a:t>
+            </a:r>
+            <a:r>
+              <a:rPr lang="de-DE" sz="1200" dirty="0" err="1"/>
+              <a:t>add</a:t>
+            </a:r>
+            <a:endParaRPr lang="de-DE" sz="1200" dirty="0"/>
+          </a:p>
+        </p:txBody>
+      </p:sp>
+      <p:sp>
+        <p:nvSpPr>
+          <p:cNvPr id="15" name="Textfeld 14">
+            <a:extLst>
+              <a:ext uri="{FF2B5EF4-FFF2-40B4-BE49-F238E27FC236}">
+                <a16:creationId xmlns:a16="http://schemas.microsoft.com/office/drawing/2014/main" id="{F7522253-2755-4360-A964-F5590B10F495}"/>
+              </a:ext>
+            </a:extLst>
+          </p:cNvPr>
+          <p:cNvSpPr txBox="1"/>
+          <p:nvPr/>
+        </p:nvSpPr>
+        <p:spPr>
+          <a:xfrm>
+            <a:off x="4653549" y="5113903"/>
+            <a:ext cx="1392572" cy="276999"/>
+          </a:xfrm>
+          <a:prstGeom prst="rect">
+            <a:avLst/>
+          </a:prstGeom>
+          <a:noFill/>
+        </p:spPr>
+        <p:txBody>
+          <a:bodyPr wrap="square" rtlCol="0">
+            <a:spAutoFit/>
+          </a:bodyPr>
+          <a:lstStyle/>
+          <a:p>
+            <a:pPr algn="ctr"/>
+            <a:r>
+              <a:rPr lang="de-DE" sz="1200" dirty="0" err="1"/>
+              <a:t>git</a:t>
+            </a:r>
+            <a:r>
+              <a:rPr lang="de-DE" sz="1200" dirty="0"/>
+              <a:t> </a:t>
+            </a:r>
+            <a:r>
+              <a:rPr lang="de-DE" sz="1200" dirty="0" err="1"/>
+              <a:t>commit</a:t>
+            </a:r>
+            <a:endParaRPr lang="de-DE" sz="1200" dirty="0"/>
+          </a:p>
+        </p:txBody>
+      </p:sp>
     </p:spTree>
     <p:extLst>
       <p:ext uri="{BB962C8B-B14F-4D97-AF65-F5344CB8AC3E}">
@@ -4557,13 +5234,13 @@
         </p:spPr>
         <p:txBody>
           <a:bodyPr>
-            <a:normAutofit lnSpcReduction="10000"/>
+            <a:normAutofit/>
           </a:bodyPr>
           <a:lstStyle/>
           <a:p>
             <a:r>
               <a:rPr lang="de-DE" dirty="0"/>
-              <a:t>Stellt Zwischenspeicher dar</a:t>
+              <a:t>Stellt einen Zwischenspeicher dar, z.B. für temporäre Zweigwechsel</a:t>
             </a:r>
           </a:p>
           <a:p>
@@ -4596,94 +5273,75 @@
           <a:p>
             <a:pPr lvl="1"/>
             <a:r>
-              <a:rPr lang="de-DE" dirty="0"/>
-              <a:t>-patch:		nur ein Teil der Änderungen wird 				zwischengespeichert</a:t>
+              <a:rPr lang="de-DE" sz="1400" dirty="0"/>
+              <a:t>-patch:		nur ein Teil der Änderungen wird zwischengespeichert</a:t>
             </a:r>
           </a:p>
           <a:p>
             <a:pPr lvl="1"/>
             <a:r>
-              <a:rPr lang="de-DE" dirty="0"/>
-              <a:t>-u: 		nicht versionsverwaltete Dateien werden mit 			einbezogen</a:t>
+              <a:rPr lang="de-DE" sz="1400" dirty="0"/>
+              <a:t>-u: 		nicht versionsverwaltete Dateien werden mit 				einbezogen</a:t>
             </a:r>
           </a:p>
           <a:p>
             <a:pPr lvl="1"/>
             <a:r>
-              <a:rPr lang="de-DE" dirty="0" err="1"/>
+              <a:rPr lang="de-DE" sz="1400" dirty="0" err="1"/>
               <a:t>list</a:t>
             </a:r>
             <a:r>
-              <a:rPr lang="de-DE" dirty="0"/>
-              <a:t>: 		listet alle bereits gespeicherten 				Zwischenstände auf</a:t>
+              <a:rPr lang="de-DE" sz="1400" dirty="0"/>
+              <a:t>: 		listet alle bereits gespeicherten Zwischenstände auf</a:t>
             </a:r>
           </a:p>
           <a:p>
             <a:pPr lvl="1"/>
             <a:r>
-              <a:rPr lang="de-DE" dirty="0"/>
-              <a:t>save "&lt;Nachricht&gt;":	fügt einem Zwischenstand eine Nachricht 			hinzu</a:t>
+              <a:rPr lang="de-DE" sz="1400" dirty="0"/>
+              <a:t>save "&lt;Nachricht&gt;":	fügt einem Zwischenstand eine Nachricht hinzu</a:t>
             </a:r>
           </a:p>
           <a:p>
             <a:pPr lvl="1"/>
             <a:r>
-              <a:rPr lang="de-DE" dirty="0" err="1"/>
-              <a:t>pop</a:t>
-            </a:r>
-            <a:r>
-              <a:rPr lang="de-DE" dirty="0"/>
-              <a:t>: 		Zwischenstand wird auf die Arbeitskopie 			angewendet und gelöscht</a:t>
+              <a:rPr lang="de-DE" sz="1400" dirty="0" err="1"/>
+              <a:t>show</a:t>
+            </a:r>
+            <a:r>
+              <a:rPr lang="de-DE" sz="1400" dirty="0"/>
+              <a:t>:		Änderungen des ersten Eintrags im </a:t>
+            </a:r>
+            <a:r>
+              <a:rPr lang="de-DE" sz="1400" dirty="0" err="1"/>
+              <a:t>Stash</a:t>
+            </a:r>
+            <a:r>
+              <a:rPr lang="de-DE" sz="1400" dirty="0"/>
+              <a:t> angezeigt</a:t>
             </a:r>
           </a:p>
           <a:p>
             <a:pPr lvl="1"/>
             <a:r>
-              <a:rPr lang="de-DE" dirty="0" err="1"/>
-              <a:t>apply</a:t>
-            </a:r>
-            <a:r>
-              <a:rPr lang="de-DE" dirty="0"/>
-              <a:t>: 		Zwischenstand wird auf Arbeitskopie 				angewendet und beibehalten</a:t>
-            </a:r>
-          </a:p>
-          <a:p>
-            <a:pPr lvl="1"/>
-            <a:r>
-              <a:rPr lang="de-DE" dirty="0" err="1"/>
-              <a:t>show</a:t>
-            </a:r>
-            <a:r>
-              <a:rPr lang="de-DE" dirty="0"/>
-              <a:t>:		Änderungen des ersten Eintrags im </a:t>
-            </a:r>
-            <a:r>
-              <a:rPr lang="de-DE" dirty="0" err="1"/>
-              <a:t>Stash</a:t>
-            </a:r>
-            <a:r>
-              <a:rPr lang="de-DE" dirty="0"/>
-              <a:t> 			angezeigt</a:t>
-            </a:r>
-          </a:p>
-          <a:p>
-            <a:pPr lvl="1"/>
-            <a:r>
-              <a:rPr lang="de-DE" dirty="0" err="1"/>
+              <a:rPr lang="de-DE" sz="1400" dirty="0" err="1"/>
               <a:t>drop</a:t>
             </a:r>
             <a:r>
-              <a:rPr lang="de-DE" dirty="0"/>
+              <a:rPr lang="de-DE" sz="1400" dirty="0"/>
               <a:t> &lt;</a:t>
             </a:r>
             <a:r>
-              <a:rPr lang="de-DE" dirty="0" err="1"/>
+              <a:rPr lang="de-DE" sz="1400" dirty="0" err="1"/>
               <a:t>stash-id</a:t>
             </a:r>
             <a:r>
-              <a:rPr lang="de-DE" dirty="0"/>
+              <a:rPr lang="de-DE" sz="1400" dirty="0"/>
               <a:t>&gt;:	Löscht den übergebenen Zwischenstand</a:t>
             </a:r>
+          </a:p>
+          <a:p>
+            <a:endParaRPr lang="de-DE" dirty="0"/>
           </a:p>
           <a:p>
             <a:pPr lvl="1"/>
@@ -4730,6 +5388,36 @@
           </a:p>
         </p:txBody>
       </p:sp>
+      <p:pic>
+        <p:nvPicPr>
+          <p:cNvPr id="4" name="Grafik 3">
+            <a:extLst>
+              <a:ext uri="{FF2B5EF4-FFF2-40B4-BE49-F238E27FC236}">
+                <a16:creationId xmlns:a16="http://schemas.microsoft.com/office/drawing/2014/main" id="{80993E2E-B70F-44BD-9CE2-5D300C5298D6}"/>
+              </a:ext>
+            </a:extLst>
+          </p:cNvPr>
+          <p:cNvPicPr>
+            <a:picLocks noChangeAspect="1"/>
+          </p:cNvPicPr>
+          <p:nvPr/>
+        </p:nvPicPr>
+        <p:blipFill>
+          <a:blip r:embed="rId2"/>
+          <a:stretch>
+            <a:fillRect/>
+          </a:stretch>
+        </p:blipFill>
+        <p:spPr>
+          <a:xfrm>
+            <a:off x="1597350" y="5000132"/>
+            <a:ext cx="5949299" cy="612540"/>
+          </a:xfrm>
+          <a:prstGeom prst="rect">
+            <a:avLst/>
+          </a:prstGeom>
+        </p:spPr>
+      </p:pic>
     </p:spTree>
     <p:extLst>
       <p:ext uri="{BB962C8B-B14F-4D97-AF65-F5344CB8AC3E}">
@@ -4762,10 +5450,10 @@
       </p:grpSpPr>
       <p:sp>
         <p:nvSpPr>
-          <p:cNvPr id="4" name="Titel 3">
+          <p:cNvPr id="5" name="Inhaltsplatzhalter 4">
             <a:extLst>
               <a:ext uri="{FF2B5EF4-FFF2-40B4-BE49-F238E27FC236}">
-                <a16:creationId xmlns:a16="http://schemas.microsoft.com/office/drawing/2014/main" id="{C2ABF1F1-47DF-422D-8ECF-EB59674283F8}"/>
+                <a16:creationId xmlns:a16="http://schemas.microsoft.com/office/drawing/2014/main" id="{25D7B170-D8D2-41A1-B5D8-0717A6B89BDE}"/>
               </a:ext>
             </a:extLst>
           </p:cNvPr>
@@ -4773,7 +5461,7 @@
             <a:spLocks noGrp="1"/>
           </p:cNvSpPr>
           <p:nvPr>
-            <p:ph type="title"/>
+            <p:ph idx="13"/>
           </p:nvPr>
         </p:nvSpPr>
         <p:spPr/>
@@ -4783,15 +5471,550 @@
           <a:p>
             <a:r>
               <a:rPr lang="de-DE" dirty="0"/>
-              <a:t>Zweige</a:t>
-            </a:r>
+              <a:t>Beide Kommandos wenden eine Zwischenspeicherung auf die aktuelle Arbeitsmappe an</a:t>
+            </a:r>
+          </a:p>
+          <a:p>
+            <a:r>
+              <a:rPr lang="de-DE" dirty="0"/>
+              <a:t>Kommando: </a:t>
+            </a:r>
+            <a:r>
+              <a:rPr lang="de-DE" b="1" i="1" dirty="0" err="1"/>
+              <a:t>git</a:t>
+            </a:r>
+            <a:r>
+              <a:rPr lang="de-DE" b="1" i="1" dirty="0"/>
+              <a:t> </a:t>
+            </a:r>
+            <a:r>
+              <a:rPr lang="de-DE" b="1" i="1" dirty="0" err="1"/>
+              <a:t>stash</a:t>
+            </a:r>
+            <a:r>
+              <a:rPr lang="de-DE" b="1" i="1" dirty="0"/>
+              <a:t> </a:t>
+            </a:r>
+            <a:r>
+              <a:rPr lang="de-DE" b="1" i="1" dirty="0" err="1"/>
+              <a:t>apply</a:t>
+            </a:r>
+            <a:endParaRPr lang="de-DE" b="1" i="1" dirty="0"/>
+          </a:p>
+          <a:p>
+            <a:pPr lvl="1"/>
+            <a:r>
+              <a:rPr lang="de-DE" dirty="0"/>
+              <a:t>Lädt Zwischenstand in die Arbeitskopie</a:t>
+            </a:r>
+          </a:p>
+          <a:p>
+            <a:r>
+              <a:rPr lang="de-DE" dirty="0"/>
+              <a:t>Kommando: </a:t>
+            </a:r>
+            <a:r>
+              <a:rPr lang="de-DE" b="1" i="1" dirty="0" err="1"/>
+              <a:t>git</a:t>
+            </a:r>
+            <a:r>
+              <a:rPr lang="de-DE" b="1" i="1" dirty="0"/>
+              <a:t> </a:t>
+            </a:r>
+            <a:r>
+              <a:rPr lang="de-DE" b="1" i="1" dirty="0" err="1"/>
+              <a:t>stash</a:t>
+            </a:r>
+            <a:r>
+              <a:rPr lang="de-DE" b="1" i="1" dirty="0"/>
+              <a:t> </a:t>
+            </a:r>
+            <a:r>
+              <a:rPr lang="de-DE" b="1" i="1" dirty="0" err="1"/>
+              <a:t>pop</a:t>
+            </a:r>
+            <a:endParaRPr lang="de-DE" b="1" i="1" dirty="0"/>
+          </a:p>
+          <a:p>
+            <a:pPr lvl="1"/>
+            <a:r>
+              <a:rPr lang="de-DE" dirty="0"/>
+              <a:t>Lädt Zwischenstand in die Arbeitskopie und löscht diesen aus dem Zwischenspeicher</a:t>
+            </a:r>
+          </a:p>
+          <a:p>
+            <a:r>
+              <a:rPr lang="de-DE" dirty="0"/>
+              <a:t>Auswahl eines bestimmten Zwischenspeichers über:</a:t>
+            </a:r>
+          </a:p>
+          <a:p>
+            <a:pPr lvl="1"/>
+            <a:r>
+              <a:rPr lang="de-DE" dirty="0" err="1"/>
+              <a:t>stash</a:t>
+            </a:r>
+            <a:r>
+              <a:rPr lang="de-DE" dirty="0"/>
+              <a:t>@{&lt;Zahl&gt;}</a:t>
+            </a:r>
+          </a:p>
+          <a:p>
+            <a:pPr lvl="1"/>
+            <a:r>
+              <a:rPr lang="de-DE" dirty="0"/>
+              <a:t>Einsicht aller gespeicherten Zwischenspeicher: </a:t>
+            </a:r>
+            <a:r>
+              <a:rPr lang="de-DE" b="1" i="1" dirty="0" err="1"/>
+              <a:t>git</a:t>
+            </a:r>
+            <a:r>
+              <a:rPr lang="de-DE" b="1" i="1" dirty="0"/>
+              <a:t> </a:t>
+            </a:r>
+            <a:r>
+              <a:rPr lang="de-DE" b="1" i="1" dirty="0" err="1"/>
+              <a:t>stash</a:t>
+            </a:r>
+            <a:r>
+              <a:rPr lang="de-DE" b="1" i="1" dirty="0"/>
+              <a:t> </a:t>
+            </a:r>
+            <a:r>
+              <a:rPr lang="de-DE" b="1" i="1" dirty="0" err="1"/>
+              <a:t>list</a:t>
+            </a:r>
+            <a:endParaRPr lang="de-DE" b="1" i="1" dirty="0"/>
+          </a:p>
+        </p:txBody>
+      </p:sp>
+      <p:sp>
+        <p:nvSpPr>
+          <p:cNvPr id="3" name="Titel 2">
+            <a:extLst>
+              <a:ext uri="{FF2B5EF4-FFF2-40B4-BE49-F238E27FC236}">
+                <a16:creationId xmlns:a16="http://schemas.microsoft.com/office/drawing/2014/main" id="{351777FE-4563-4796-925B-0598F7CF1E6A}"/>
+              </a:ext>
+            </a:extLst>
+          </p:cNvPr>
+          <p:cNvSpPr>
+            <a:spLocks noGrp="1"/>
+          </p:cNvSpPr>
+          <p:nvPr>
+            <p:ph type="title" idx="4294967295"/>
+          </p:nvPr>
+        </p:nvSpPr>
+        <p:spPr>
+          <a:xfrm>
+            <a:off x="628650" y="365126"/>
+            <a:ext cx="7886700" cy="698903"/>
+          </a:xfrm>
+          <a:prstGeom prst="rect">
+            <a:avLst/>
+          </a:prstGeom>
+        </p:spPr>
+        <p:txBody>
+          <a:bodyPr>
+            <a:normAutofit/>
+          </a:bodyPr>
+          <a:lstStyle/>
+          <a:p>
+            <a:r>
+              <a:rPr lang="de-DE" dirty="0"/>
+              <a:t>Zwischenspeicher anwenden: </a:t>
+            </a:r>
+            <a:r>
+              <a:rPr lang="de-DE" dirty="0" err="1"/>
+              <a:t>Apply</a:t>
+            </a:r>
+            <a:r>
+              <a:rPr lang="de-DE" dirty="0"/>
+              <a:t> / Pop</a:t>
+            </a:r>
+          </a:p>
+        </p:txBody>
+      </p:sp>
+      <p:sp>
+        <p:nvSpPr>
+          <p:cNvPr id="4" name="Rechteck 3">
+            <a:extLst>
+              <a:ext uri="{FF2B5EF4-FFF2-40B4-BE49-F238E27FC236}">
+                <a16:creationId xmlns:a16="http://schemas.microsoft.com/office/drawing/2014/main" id="{017671C9-3681-4AB1-9FD2-58E684AFC350}"/>
+              </a:ext>
+            </a:extLst>
+          </p:cNvPr>
+          <p:cNvSpPr/>
+          <p:nvPr/>
+        </p:nvSpPr>
+        <p:spPr>
+          <a:xfrm>
+            <a:off x="3858936" y="5652270"/>
+            <a:ext cx="1132514" cy="495388"/>
+          </a:xfrm>
+          <a:prstGeom prst="rect">
+            <a:avLst/>
+          </a:prstGeom>
+          <a:solidFill>
+            <a:schemeClr val="bg1">
+              <a:lumMod val="75000"/>
+            </a:schemeClr>
+          </a:solidFill>
+          <a:ln>
+            <a:solidFill>
+              <a:schemeClr val="bg1"/>
+            </a:solidFill>
+          </a:ln>
+        </p:spPr>
+        <p:style>
+          <a:lnRef idx="2">
+            <a:schemeClr val="accent1">
+              <a:shade val="50000"/>
+            </a:schemeClr>
+          </a:lnRef>
+          <a:fillRef idx="1">
+            <a:schemeClr val="accent1"/>
+          </a:fillRef>
+          <a:effectRef idx="0">
+            <a:schemeClr val="accent1"/>
+          </a:effectRef>
+          <a:fontRef idx="minor">
+            <a:schemeClr val="lt1"/>
+          </a:fontRef>
+        </p:style>
+        <p:txBody>
+          <a:bodyPr rtlCol="0" anchor="ctr"/>
+          <a:lstStyle/>
+          <a:p>
+            <a:pPr algn="ctr"/>
+            <a:endParaRPr lang="de-DE"/>
+          </a:p>
+        </p:txBody>
+      </p:sp>
+      <p:sp>
+        <p:nvSpPr>
+          <p:cNvPr id="6" name="Textfeld 5">
+            <a:extLst>
+              <a:ext uri="{FF2B5EF4-FFF2-40B4-BE49-F238E27FC236}">
+                <a16:creationId xmlns:a16="http://schemas.microsoft.com/office/drawing/2014/main" id="{FB76E76E-E90D-445A-93A5-D8122915C4D5}"/>
+              </a:ext>
+            </a:extLst>
+          </p:cNvPr>
+          <p:cNvSpPr txBox="1"/>
+          <p:nvPr/>
+        </p:nvSpPr>
+        <p:spPr>
+          <a:xfrm>
+            <a:off x="3728907" y="6081263"/>
+            <a:ext cx="1392572" cy="276999"/>
+          </a:xfrm>
+          <a:prstGeom prst="rect">
+            <a:avLst/>
+          </a:prstGeom>
+          <a:noFill/>
+        </p:spPr>
+        <p:txBody>
+          <a:bodyPr wrap="square" rtlCol="0">
+            <a:spAutoFit/>
+          </a:bodyPr>
+          <a:lstStyle/>
+          <a:p>
+            <a:pPr algn="ctr"/>
+            <a:r>
+              <a:rPr lang="de-DE" sz="1200" dirty="0"/>
+              <a:t>Arbeitsverzeichnis</a:t>
+            </a:r>
+          </a:p>
+        </p:txBody>
+      </p:sp>
+      <p:sp>
+        <p:nvSpPr>
+          <p:cNvPr id="7" name="Rechteck 6">
+            <a:extLst>
+              <a:ext uri="{FF2B5EF4-FFF2-40B4-BE49-F238E27FC236}">
+                <a16:creationId xmlns:a16="http://schemas.microsoft.com/office/drawing/2014/main" id="{5679A84F-A013-4B50-958E-DA5D3EBB67AA}"/>
+              </a:ext>
+            </a:extLst>
+          </p:cNvPr>
+          <p:cNvSpPr/>
+          <p:nvPr/>
+        </p:nvSpPr>
+        <p:spPr>
+          <a:xfrm>
+            <a:off x="3858936" y="4571489"/>
+            <a:ext cx="1132514" cy="495388"/>
+          </a:xfrm>
+          <a:prstGeom prst="rect">
+            <a:avLst/>
+          </a:prstGeom>
+          <a:solidFill>
+            <a:schemeClr val="accent2">
+              <a:lumMod val="75000"/>
+            </a:schemeClr>
+          </a:solidFill>
+          <a:ln>
+            <a:solidFill>
+              <a:schemeClr val="bg1"/>
+            </a:solidFill>
+          </a:ln>
+        </p:spPr>
+        <p:style>
+          <a:lnRef idx="2">
+            <a:schemeClr val="accent1">
+              <a:shade val="50000"/>
+            </a:schemeClr>
+          </a:lnRef>
+          <a:fillRef idx="1">
+            <a:schemeClr val="accent1"/>
+          </a:fillRef>
+          <a:effectRef idx="0">
+            <a:schemeClr val="accent1"/>
+          </a:effectRef>
+          <a:fontRef idx="minor">
+            <a:schemeClr val="lt1"/>
+          </a:fontRef>
+        </p:style>
+        <p:txBody>
+          <a:bodyPr rtlCol="0" anchor="ctr"/>
+          <a:lstStyle/>
+          <a:p>
+            <a:pPr algn="ctr"/>
+            <a:endParaRPr lang="de-DE"/>
+          </a:p>
+        </p:txBody>
+      </p:sp>
+      <p:sp>
+        <p:nvSpPr>
+          <p:cNvPr id="8" name="Textfeld 7">
+            <a:extLst>
+              <a:ext uri="{FF2B5EF4-FFF2-40B4-BE49-F238E27FC236}">
+                <a16:creationId xmlns:a16="http://schemas.microsoft.com/office/drawing/2014/main" id="{3662A8CF-69C5-4444-BBA6-ACAC5E14E1BF}"/>
+              </a:ext>
+            </a:extLst>
+          </p:cNvPr>
+          <p:cNvSpPr txBox="1"/>
+          <p:nvPr/>
+        </p:nvSpPr>
+        <p:spPr>
+          <a:xfrm>
+            <a:off x="3728907" y="5022275"/>
+            <a:ext cx="1392572" cy="276999"/>
+          </a:xfrm>
+          <a:prstGeom prst="rect">
+            <a:avLst/>
+          </a:prstGeom>
+          <a:noFill/>
+        </p:spPr>
+        <p:txBody>
+          <a:bodyPr wrap="square" rtlCol="0">
+            <a:spAutoFit/>
+          </a:bodyPr>
+          <a:lstStyle/>
+          <a:p>
+            <a:pPr algn="ctr"/>
+            <a:r>
+              <a:rPr lang="de-DE" sz="1200" dirty="0"/>
+              <a:t>Zwischenspeicher</a:t>
+            </a:r>
+          </a:p>
+        </p:txBody>
+      </p:sp>
+      <p:cxnSp>
+        <p:nvCxnSpPr>
+          <p:cNvPr id="11" name="Verbinder: gewinkelt 10">
+            <a:extLst>
+              <a:ext uri="{FF2B5EF4-FFF2-40B4-BE49-F238E27FC236}">
+                <a16:creationId xmlns:a16="http://schemas.microsoft.com/office/drawing/2014/main" id="{FF05BDD3-C042-496B-AA48-0439AE1E9291}"/>
+              </a:ext>
+            </a:extLst>
+          </p:cNvPr>
+          <p:cNvCxnSpPr>
+            <a:stCxn id="4" idx="1"/>
+            <a:endCxn id="7" idx="1"/>
+          </p:cNvCxnSpPr>
+          <p:nvPr/>
+        </p:nvCxnSpPr>
+        <p:spPr>
+          <a:xfrm rot="10800000">
+            <a:off x="3858936" y="4819184"/>
+            <a:ext cx="12700" cy="1080781"/>
+          </a:xfrm>
+          <a:prstGeom prst="bentConnector3">
+            <a:avLst>
+              <a:gd name="adj1" fmla="val 1800000"/>
+            </a:avLst>
+          </a:prstGeom>
+          <a:ln>
+            <a:tailEnd type="triangle"/>
+          </a:ln>
+        </p:spPr>
+        <p:style>
+          <a:lnRef idx="1">
+            <a:schemeClr val="accent1"/>
+          </a:lnRef>
+          <a:fillRef idx="0">
+            <a:schemeClr val="accent1"/>
+          </a:fillRef>
+          <a:effectRef idx="0">
+            <a:schemeClr val="accent1"/>
+          </a:effectRef>
+          <a:fontRef idx="minor">
+            <a:schemeClr val="tx1"/>
+          </a:fontRef>
+        </p:style>
+      </p:cxnSp>
+      <p:cxnSp>
+        <p:nvCxnSpPr>
+          <p:cNvPr id="13" name="Verbinder: gewinkelt 12">
+            <a:extLst>
+              <a:ext uri="{FF2B5EF4-FFF2-40B4-BE49-F238E27FC236}">
+                <a16:creationId xmlns:a16="http://schemas.microsoft.com/office/drawing/2014/main" id="{0FA22B80-3CA4-4FC8-94CB-53A7D98C4D73}"/>
+              </a:ext>
+            </a:extLst>
+          </p:cNvPr>
+          <p:cNvCxnSpPr>
+            <a:stCxn id="7" idx="3"/>
+            <a:endCxn id="4" idx="3"/>
+          </p:cNvCxnSpPr>
+          <p:nvPr/>
+        </p:nvCxnSpPr>
+        <p:spPr>
+          <a:xfrm>
+            <a:off x="4991450" y="4819183"/>
+            <a:ext cx="12700" cy="1080781"/>
+          </a:xfrm>
+          <a:prstGeom prst="bentConnector3">
+            <a:avLst>
+              <a:gd name="adj1" fmla="val 1800000"/>
+            </a:avLst>
+          </a:prstGeom>
+          <a:ln>
+            <a:tailEnd type="triangle"/>
+          </a:ln>
+        </p:spPr>
+        <p:style>
+          <a:lnRef idx="1">
+            <a:schemeClr val="accent1"/>
+          </a:lnRef>
+          <a:fillRef idx="0">
+            <a:schemeClr val="accent1"/>
+          </a:fillRef>
+          <a:effectRef idx="0">
+            <a:schemeClr val="accent1"/>
+          </a:effectRef>
+          <a:fontRef idx="minor">
+            <a:schemeClr val="tx1"/>
+          </a:fontRef>
+        </p:style>
+      </p:cxnSp>
+      <p:sp>
+        <p:nvSpPr>
+          <p:cNvPr id="14" name="Textfeld 13">
+            <a:extLst>
+              <a:ext uri="{FF2B5EF4-FFF2-40B4-BE49-F238E27FC236}">
+                <a16:creationId xmlns:a16="http://schemas.microsoft.com/office/drawing/2014/main" id="{B0FB8624-A9BE-4B76-A6A0-B0E9A31325EC}"/>
+              </a:ext>
+            </a:extLst>
+          </p:cNvPr>
+          <p:cNvSpPr txBox="1"/>
+          <p:nvPr/>
+        </p:nvSpPr>
+        <p:spPr>
+          <a:xfrm>
+            <a:off x="2234649" y="5221072"/>
+            <a:ext cx="1392572" cy="276999"/>
+          </a:xfrm>
+          <a:prstGeom prst="rect">
+            <a:avLst/>
+          </a:prstGeom>
+          <a:noFill/>
+        </p:spPr>
+        <p:txBody>
+          <a:bodyPr wrap="square" rtlCol="0">
+            <a:spAutoFit/>
+          </a:bodyPr>
+          <a:lstStyle/>
+          <a:p>
+            <a:pPr algn="r"/>
+            <a:r>
+              <a:rPr lang="de-DE" sz="1200" dirty="0" err="1"/>
+              <a:t>git</a:t>
+            </a:r>
+            <a:r>
+              <a:rPr lang="de-DE" sz="1200" dirty="0"/>
+              <a:t> </a:t>
+            </a:r>
+            <a:r>
+              <a:rPr lang="de-DE" sz="1200" dirty="0" err="1"/>
+              <a:t>stash</a:t>
+            </a:r>
+            <a:endParaRPr lang="de-DE" sz="1200" dirty="0"/>
+          </a:p>
+        </p:txBody>
+      </p:sp>
+      <p:sp>
+        <p:nvSpPr>
+          <p:cNvPr id="15" name="Textfeld 14">
+            <a:extLst>
+              <a:ext uri="{FF2B5EF4-FFF2-40B4-BE49-F238E27FC236}">
+                <a16:creationId xmlns:a16="http://schemas.microsoft.com/office/drawing/2014/main" id="{55B23CE4-D53B-414F-A1B5-F0D4F12130B0}"/>
+              </a:ext>
+            </a:extLst>
+          </p:cNvPr>
+          <p:cNvSpPr txBox="1"/>
+          <p:nvPr/>
+        </p:nvSpPr>
+        <p:spPr>
+          <a:xfrm>
+            <a:off x="5235864" y="5128740"/>
+            <a:ext cx="1392572" cy="461665"/>
+          </a:xfrm>
+          <a:prstGeom prst="rect">
+            <a:avLst/>
+          </a:prstGeom>
+          <a:noFill/>
+        </p:spPr>
+        <p:txBody>
+          <a:bodyPr wrap="square" rtlCol="0">
+            <a:spAutoFit/>
+          </a:bodyPr>
+          <a:lstStyle/>
+          <a:p>
+            <a:r>
+              <a:rPr lang="de-DE" sz="1200" dirty="0" err="1"/>
+              <a:t>git</a:t>
+            </a:r>
+            <a:r>
+              <a:rPr lang="de-DE" sz="1200" dirty="0"/>
+              <a:t> </a:t>
+            </a:r>
+            <a:r>
+              <a:rPr lang="de-DE" sz="1200" dirty="0" err="1"/>
+              <a:t>apply</a:t>
+            </a:r>
+            <a:endParaRPr lang="de-DE" sz="1200" dirty="0"/>
+          </a:p>
+          <a:p>
+            <a:r>
+              <a:rPr lang="de-DE" sz="1200" dirty="0" err="1"/>
+              <a:t>git</a:t>
+            </a:r>
+            <a:r>
+              <a:rPr lang="de-DE" sz="1200" dirty="0"/>
+              <a:t> </a:t>
+            </a:r>
+            <a:r>
+              <a:rPr lang="de-DE" sz="1200" dirty="0" err="1"/>
+              <a:t>pop</a:t>
+            </a:r>
+            <a:endParaRPr lang="de-DE" sz="1200" dirty="0"/>
           </a:p>
         </p:txBody>
       </p:sp>
     </p:spTree>
     <p:extLst>
       <p:ext uri="{BB962C8B-B14F-4D97-AF65-F5344CB8AC3E}">
-        <p14:creationId xmlns:p14="http://schemas.microsoft.com/office/powerpoint/2010/main" val="895590311"/>
+        <p14:creationId xmlns:p14="http://schemas.microsoft.com/office/powerpoint/2010/main" val="2236011970"/>
       </p:ext>
     </p:extLst>
   </p:cSld>
@@ -4820,10 +6043,10 @@
       </p:grpSpPr>
       <p:sp>
         <p:nvSpPr>
-          <p:cNvPr id="5" name="Inhaltsplatzhalter 4">
+          <p:cNvPr id="4" name="Titel 3">
             <a:extLst>
               <a:ext uri="{FF2B5EF4-FFF2-40B4-BE49-F238E27FC236}">
-                <a16:creationId xmlns:a16="http://schemas.microsoft.com/office/drawing/2014/main" id="{372E4703-45B0-479F-A7F0-532E59E291B0}"/>
+                <a16:creationId xmlns:a16="http://schemas.microsoft.com/office/drawing/2014/main" id="{C2ABF1F1-47DF-422D-8ECF-EB59674283F8}"/>
               </a:ext>
             </a:extLst>
           </p:cNvPr>
@@ -4831,7 +6054,7 @@
             <a:spLocks noGrp="1"/>
           </p:cNvSpPr>
           <p:nvPr>
-            <p:ph idx="13"/>
+            <p:ph type="title"/>
           </p:nvPr>
         </p:nvSpPr>
         <p:spPr/>
@@ -4841,63 +6064,7 @@
           <a:p>
             <a:r>
               <a:rPr lang="de-DE" dirty="0"/>
-              <a:t>Isolation von verschiedenen Ansätzen</a:t>
-            </a:r>
-          </a:p>
-          <a:p>
-            <a:r>
-              <a:rPr lang="de-DE" dirty="0"/>
-              <a:t>Reduzierung der Synchronisierung</a:t>
-            </a:r>
-          </a:p>
-          <a:p>
-            <a:r>
-              <a:rPr lang="de-DE" dirty="0"/>
-              <a:t>Ermöglicht Arbeitsteilung mit mehreren Personen</a:t>
-            </a:r>
-          </a:p>
-          <a:p>
-            <a:r>
-              <a:rPr lang="de-DE" dirty="0"/>
-              <a:t>Fördert Übersichtlichkeit</a:t>
-            </a:r>
-          </a:p>
-        </p:txBody>
-      </p:sp>
-      <p:sp>
-        <p:nvSpPr>
-          <p:cNvPr id="4" name="Titel 3">
-            <a:extLst>
-              <a:ext uri="{FF2B5EF4-FFF2-40B4-BE49-F238E27FC236}">
-                <a16:creationId xmlns:a16="http://schemas.microsoft.com/office/drawing/2014/main" id="{F5D71C33-EA1B-45F6-8CDB-E316C7790496}"/>
-              </a:ext>
-            </a:extLst>
-          </p:cNvPr>
-          <p:cNvSpPr>
-            <a:spLocks noGrp="1"/>
-          </p:cNvSpPr>
-          <p:nvPr>
-            <p:ph type="title" idx="4294967295"/>
-          </p:nvPr>
-        </p:nvSpPr>
-        <p:spPr>
-          <a:xfrm>
-            <a:off x="628650" y="365126"/>
-            <a:ext cx="7886700" cy="698903"/>
-          </a:xfrm>
-          <a:prstGeom prst="rect">
-            <a:avLst/>
-          </a:prstGeom>
-        </p:spPr>
-        <p:txBody>
-          <a:bodyPr>
-            <a:normAutofit/>
-          </a:bodyPr>
-          <a:lstStyle/>
-          <a:p>
-            <a:r>
-              <a:rPr lang="de-DE" dirty="0"/>
-              <a:t>Warum?</a:t>
+              <a:t>Zweige</a:t>
             </a:r>
           </a:p>
         </p:txBody>
@@ -4905,7 +6072,7 @@
     </p:spTree>
     <p:extLst>
       <p:ext uri="{BB962C8B-B14F-4D97-AF65-F5344CB8AC3E}">
-        <p14:creationId xmlns:p14="http://schemas.microsoft.com/office/powerpoint/2010/main" val="2350462169"/>
+        <p14:creationId xmlns:p14="http://schemas.microsoft.com/office/powerpoint/2010/main" val="895590311"/>
       </p:ext>
     </p:extLst>
   </p:cSld>
@@ -4937,6 +6104,141 @@
           <p:cNvPr id="5" name="Inhaltsplatzhalter 4">
             <a:extLst>
               <a:ext uri="{FF2B5EF4-FFF2-40B4-BE49-F238E27FC236}">
+                <a16:creationId xmlns:a16="http://schemas.microsoft.com/office/drawing/2014/main" id="{372E4703-45B0-479F-A7F0-532E59E291B0}"/>
+              </a:ext>
+            </a:extLst>
+          </p:cNvPr>
+          <p:cNvSpPr>
+            <a:spLocks noGrp="1"/>
+          </p:cNvSpPr>
+          <p:nvPr>
+            <p:ph idx="13"/>
+          </p:nvPr>
+        </p:nvSpPr>
+        <p:spPr/>
+        <p:txBody>
+          <a:bodyPr/>
+          <a:lstStyle/>
+          <a:p>
+            <a:r>
+              <a:rPr lang="de-DE" dirty="0"/>
+              <a:t>Isolation von verschiedenen Ansätzen</a:t>
+            </a:r>
+          </a:p>
+          <a:p>
+            <a:pPr lvl="1"/>
+            <a:r>
+              <a:rPr lang="de-DE" dirty="0"/>
+              <a:t>Themenbezogene Zweige</a:t>
+            </a:r>
+          </a:p>
+          <a:p>
+            <a:r>
+              <a:rPr lang="de-DE" dirty="0"/>
+              <a:t>Reduzierung der Synchronisierung</a:t>
+            </a:r>
+          </a:p>
+          <a:p>
+            <a:pPr lvl="1"/>
+            <a:r>
+              <a:rPr lang="de-DE" dirty="0"/>
+              <a:t>Integration nur an bestimmten Ständen von Zweigen</a:t>
+            </a:r>
+          </a:p>
+          <a:p>
+            <a:r>
+              <a:rPr lang="de-DE" dirty="0"/>
+              <a:t>Ermöglicht Arbeitsteilung mit mehreren Personen</a:t>
+            </a:r>
+          </a:p>
+          <a:p>
+            <a:pPr lvl="1"/>
+            <a:r>
+              <a:rPr lang="de-DE" dirty="0"/>
+              <a:t>Aufteilung von Zweigen auf Personen/Teams</a:t>
+            </a:r>
+          </a:p>
+          <a:p>
+            <a:r>
+              <a:rPr lang="de-DE" dirty="0"/>
+              <a:t>Fördert Übersichtlichkeit einzelner Zweige</a:t>
+            </a:r>
+          </a:p>
+        </p:txBody>
+      </p:sp>
+      <p:sp>
+        <p:nvSpPr>
+          <p:cNvPr id="4" name="Titel 3">
+            <a:extLst>
+              <a:ext uri="{FF2B5EF4-FFF2-40B4-BE49-F238E27FC236}">
+                <a16:creationId xmlns:a16="http://schemas.microsoft.com/office/drawing/2014/main" id="{F5D71C33-EA1B-45F6-8CDB-E316C7790496}"/>
+              </a:ext>
+            </a:extLst>
+          </p:cNvPr>
+          <p:cNvSpPr>
+            <a:spLocks noGrp="1"/>
+          </p:cNvSpPr>
+          <p:nvPr>
+            <p:ph type="title" idx="4294967295"/>
+          </p:nvPr>
+        </p:nvSpPr>
+        <p:spPr>
+          <a:xfrm>
+            <a:off x="628650" y="365126"/>
+            <a:ext cx="7886700" cy="698903"/>
+          </a:xfrm>
+          <a:prstGeom prst="rect">
+            <a:avLst/>
+          </a:prstGeom>
+        </p:spPr>
+        <p:txBody>
+          <a:bodyPr>
+            <a:normAutofit/>
+          </a:bodyPr>
+          <a:lstStyle/>
+          <a:p>
+            <a:r>
+              <a:rPr lang="de-DE" dirty="0"/>
+              <a:t>Warum?</a:t>
+            </a:r>
+          </a:p>
+        </p:txBody>
+      </p:sp>
+    </p:spTree>
+    <p:extLst>
+      <p:ext uri="{BB962C8B-B14F-4D97-AF65-F5344CB8AC3E}">
+        <p14:creationId xmlns:p14="http://schemas.microsoft.com/office/powerpoint/2010/main" val="2350462169"/>
+      </p:ext>
+    </p:extLst>
+  </p:cSld>
+  <p:clrMapOvr>
+    <a:masterClrMapping/>
+  </p:clrMapOvr>
+</p:sld>
+</file>
+
+<file path=ppt/slides/slide17.xml><?xml version="1.0" encoding="utf-8"?>
+<p:sld xmlns:a="http://schemas.openxmlformats.org/drawingml/2006/main" xmlns:r="http://schemas.openxmlformats.org/officeDocument/2006/relationships" xmlns:p="http://schemas.openxmlformats.org/presentationml/2006/main">
+  <p:cSld>
+    <p:spTree>
+      <p:nvGrpSpPr>
+        <p:cNvPr id="1" name=""/>
+        <p:cNvGrpSpPr/>
+        <p:nvPr/>
+      </p:nvGrpSpPr>
+      <p:grpSpPr>
+        <a:xfrm>
+          <a:off x="0" y="0"/>
+          <a:ext cx="0" cy="0"/>
+          <a:chOff x="0" y="0"/>
+          <a:chExt cx="0" cy="0"/>
+        </a:xfrm>
+      </p:grpSpPr>
+      <p:sp>
+        <p:nvSpPr>
+          <p:cNvPr id="5" name="Inhaltsplatzhalter 4">
+            <a:extLst>
+              <a:ext uri="{FF2B5EF4-FFF2-40B4-BE49-F238E27FC236}">
                 <a16:creationId xmlns:a16="http://schemas.microsoft.com/office/drawing/2014/main" id="{509D8DA4-831F-4325-9B1A-8F9A21DFBEDB}"/>
               </a:ext>
             </a:extLst>
@@ -5110,7 +6412,7 @@
 </p:sld>
 </file>
 
-<file path=ppt/slides/slide17.xml><?xml version="1.0" encoding="utf-8"?>
+<file path=ppt/slides/slide18.xml><?xml version="1.0" encoding="utf-8"?>
 <p:sld xmlns:a="http://schemas.openxmlformats.org/drawingml/2006/main" xmlns:r="http://schemas.openxmlformats.org/officeDocument/2006/relationships" xmlns:p="http://schemas.openxmlformats.org/presentationml/2006/main">
   <p:cSld>
     <p:spTree>
@@ -5865,7 +7167,7 @@
 </p:sld>
 </file>
 
-<file path=ppt/slides/slide18.xml><?xml version="1.0" encoding="utf-8"?>
+<file path=ppt/slides/slide19.xml><?xml version="1.0" encoding="utf-8"?>
 <p:sld xmlns:a="http://schemas.openxmlformats.org/drawingml/2006/main" xmlns:r="http://schemas.openxmlformats.org/officeDocument/2006/relationships" xmlns:p="http://schemas.openxmlformats.org/presentationml/2006/main">
   <p:cSld>
     <p:spTree>
@@ -7612,219 +8914,6 @@
 </p:sld>
 </file>
 
-<file path=ppt/slides/slide19.xml><?xml version="1.0" encoding="utf-8"?>
-<p:sld xmlns:a="http://schemas.openxmlformats.org/drawingml/2006/main" xmlns:r="http://schemas.openxmlformats.org/officeDocument/2006/relationships" xmlns:p="http://schemas.openxmlformats.org/presentationml/2006/main">
-  <p:cSld>
-    <p:spTree>
-      <p:nvGrpSpPr>
-        <p:cNvPr id="1" name=""/>
-        <p:cNvGrpSpPr/>
-        <p:nvPr/>
-      </p:nvGrpSpPr>
-      <p:grpSpPr>
-        <a:xfrm>
-          <a:off x="0" y="0"/>
-          <a:ext cx="0" cy="0"/>
-          <a:chOff x="0" y="0"/>
-          <a:chExt cx="0" cy="0"/>
-        </a:xfrm>
-      </p:grpSpPr>
-      <p:sp>
-        <p:nvSpPr>
-          <p:cNvPr id="2" name="Inhaltsplatzhalter 1">
-            <a:extLst>
-              <a:ext uri="{FF2B5EF4-FFF2-40B4-BE49-F238E27FC236}">
-                <a16:creationId xmlns:a16="http://schemas.microsoft.com/office/drawing/2014/main" id="{D40C5A62-F0E7-45BD-ABFC-6DEA461CCD2E}"/>
-              </a:ext>
-            </a:extLst>
-          </p:cNvPr>
-          <p:cNvSpPr>
-            <a:spLocks noGrp="1"/>
-          </p:cNvSpPr>
-          <p:nvPr>
-            <p:ph idx="13"/>
-          </p:nvPr>
-        </p:nvSpPr>
-        <p:spPr/>
-        <p:txBody>
-          <a:bodyPr/>
-          <a:lstStyle/>
-          <a:p>
-            <a:r>
-              <a:rPr lang="de-DE" dirty="0"/>
-              <a:t>Wird verwendet um Historie nachträglich zu ändern</a:t>
-            </a:r>
-          </a:p>
-          <a:p>
-            <a:r>
-              <a:rPr lang="de-DE" dirty="0"/>
-              <a:t>Verändert den Vorfahren des Zweiges</a:t>
-            </a:r>
-          </a:p>
-          <a:p>
-            <a:r>
-              <a:rPr lang="de-DE" dirty="0"/>
-              <a:t>Kommando: </a:t>
-            </a:r>
-            <a:r>
-              <a:rPr lang="de-DE" b="1" i="1" dirty="0" err="1"/>
-              <a:t>git</a:t>
-            </a:r>
-            <a:r>
-              <a:rPr lang="de-DE" b="1" i="1" dirty="0"/>
-              <a:t> </a:t>
-            </a:r>
-            <a:r>
-              <a:rPr lang="de-DE" b="1" i="1" dirty="0" err="1"/>
-              <a:t>rebase</a:t>
-            </a:r>
-            <a:endParaRPr lang="de-DE" b="1" i="1" dirty="0"/>
-          </a:p>
-          <a:p>
-            <a:endParaRPr lang="de-DE" dirty="0"/>
-          </a:p>
-        </p:txBody>
-      </p:sp>
-      <p:sp>
-        <p:nvSpPr>
-          <p:cNvPr id="3" name="Titel 2">
-            <a:extLst>
-              <a:ext uri="{FF2B5EF4-FFF2-40B4-BE49-F238E27FC236}">
-                <a16:creationId xmlns:a16="http://schemas.microsoft.com/office/drawing/2014/main" id="{8A45ABDE-05E6-491F-8743-C9967C75A841}"/>
-              </a:ext>
-            </a:extLst>
-          </p:cNvPr>
-          <p:cNvSpPr>
-            <a:spLocks noGrp="1"/>
-          </p:cNvSpPr>
-          <p:nvPr>
-            <p:ph type="title" idx="4294967295"/>
-          </p:nvPr>
-        </p:nvSpPr>
-        <p:spPr>
-          <a:xfrm>
-            <a:off x="628650" y="365126"/>
-            <a:ext cx="7886700" cy="698903"/>
-          </a:xfrm>
-          <a:prstGeom prst="rect">
-            <a:avLst/>
-          </a:prstGeom>
-        </p:spPr>
-        <p:txBody>
-          <a:bodyPr>
-            <a:normAutofit/>
-          </a:bodyPr>
-          <a:lstStyle/>
-          <a:p>
-            <a:r>
-              <a:rPr lang="de-DE" dirty="0" err="1"/>
-              <a:t>Rebase</a:t>
-            </a:r>
-            <a:endParaRPr lang="de-DE" dirty="0"/>
-          </a:p>
-        </p:txBody>
-      </p:sp>
-      <p:pic>
-        <p:nvPicPr>
-          <p:cNvPr id="5" name="Grafik 4">
-            <a:extLst>
-              <a:ext uri="{FF2B5EF4-FFF2-40B4-BE49-F238E27FC236}">
-                <a16:creationId xmlns:a16="http://schemas.microsoft.com/office/drawing/2014/main" id="{81D6E277-2888-4B96-A810-78F8A899259F}"/>
-              </a:ext>
-            </a:extLst>
-          </p:cNvPr>
-          <p:cNvPicPr/>
-          <p:nvPr/>
-        </p:nvPicPr>
-        <p:blipFill>
-          <a:blip r:embed="rId2">
-            <a:extLst>
-              <a:ext uri="{28A0092B-C50C-407E-A947-70E740481C1C}">
-                <a14:useLocalDpi xmlns:a14="http://schemas.microsoft.com/office/drawing/2010/main" val="0"/>
-              </a:ext>
-            </a:extLst>
-          </a:blip>
-          <a:srcRect/>
-          <a:stretch>
-            <a:fillRect/>
-          </a:stretch>
-        </p:blipFill>
-        <p:spPr bwMode="auto">
-          <a:xfrm>
-            <a:off x="2246312" y="3016250"/>
-            <a:ext cx="4651375" cy="825500"/>
-          </a:xfrm>
-          <a:prstGeom prst="rect">
-            <a:avLst/>
-          </a:prstGeom>
-          <a:noFill/>
-          <a:ln>
-            <a:noFill/>
-          </a:ln>
-        </p:spPr>
-      </p:pic>
-      <p:sp>
-        <p:nvSpPr>
-          <p:cNvPr id="7" name="Textfeld 6">
-            <a:extLst>
-              <a:ext uri="{FF2B5EF4-FFF2-40B4-BE49-F238E27FC236}">
-                <a16:creationId xmlns:a16="http://schemas.microsoft.com/office/drawing/2014/main" id="{6AE75AB3-970A-45EE-806D-BA583DC9F3C5}"/>
-              </a:ext>
-            </a:extLst>
-          </p:cNvPr>
-          <p:cNvSpPr txBox="1"/>
-          <p:nvPr/>
-        </p:nvSpPr>
-        <p:spPr>
-          <a:xfrm>
-            <a:off x="1266737" y="3145872"/>
-            <a:ext cx="1166069" cy="584775"/>
-          </a:xfrm>
-          <a:prstGeom prst="rect">
-            <a:avLst/>
-          </a:prstGeom>
-          <a:noFill/>
-        </p:spPr>
-        <p:txBody>
-          <a:bodyPr wrap="square" rtlCol="0">
-            <a:spAutoFit/>
-          </a:bodyPr>
-          <a:lstStyle/>
-          <a:p>
-            <a:r>
-              <a:rPr lang="de-DE" sz="1600" dirty="0" err="1"/>
-              <a:t>dev</a:t>
-            </a:r>
-            <a:r>
-              <a:rPr lang="de-DE" sz="1600" dirty="0"/>
-              <a:t>:</a:t>
-            </a:r>
-          </a:p>
-          <a:p>
-            <a:r>
-              <a:rPr lang="de-DE" sz="1600" dirty="0" err="1"/>
-              <a:t>maindev</a:t>
-            </a:r>
-            <a:r>
-              <a:rPr lang="de-DE" sz="1600" dirty="0"/>
-              <a:t>:</a:t>
-            </a:r>
-          </a:p>
-        </p:txBody>
-      </p:sp>
-    </p:spTree>
-    <p:extLst>
-      <p:ext uri="{BB962C8B-B14F-4D97-AF65-F5344CB8AC3E}">
-        <p14:creationId xmlns:p14="http://schemas.microsoft.com/office/powerpoint/2010/main" val="2987330994"/>
-      </p:ext>
-    </p:extLst>
-  </p:cSld>
-  <p:clrMapOvr>
-    <a:masterClrMapping/>
-  </p:clrMapOvr>
-</p:sld>
-</file>
-
 <file path=ppt/slides/slide2.xml><?xml version="1.0" encoding="utf-8"?>
 <p:sld xmlns:a="http://schemas.openxmlformats.org/drawingml/2006/main" xmlns:r="http://schemas.openxmlformats.org/officeDocument/2006/relationships" xmlns:p="http://schemas.openxmlformats.org/presentationml/2006/main">
   <p:cSld>
@@ -7927,10 +9016,10 @@
       </p:grpSpPr>
       <p:sp>
         <p:nvSpPr>
-          <p:cNvPr id="5" name="Inhaltsplatzhalter 4">
+          <p:cNvPr id="2" name="Inhaltsplatzhalter 1">
             <a:extLst>
               <a:ext uri="{FF2B5EF4-FFF2-40B4-BE49-F238E27FC236}">
-                <a16:creationId xmlns:a16="http://schemas.microsoft.com/office/drawing/2014/main" id="{4AACFCD2-051A-439B-A638-DA41B63380E0}"/>
+                <a16:creationId xmlns:a16="http://schemas.microsoft.com/office/drawing/2014/main" id="{D40C5A62-F0E7-45BD-ABFC-6DEA461CCD2E}"/>
               </a:ext>
             </a:extLst>
           </p:cNvPr>
@@ -7948,7 +9037,90 @@
           <a:p>
             <a:r>
               <a:rPr lang="de-DE" dirty="0"/>
-              <a:t>Zur individuellen Änderungen mehrerer </a:t>
+              <a:t>Kommando: </a:t>
+            </a:r>
+            <a:r>
+              <a:rPr lang="de-DE" b="1" i="1" dirty="0" err="1"/>
+              <a:t>git</a:t>
+            </a:r>
+            <a:r>
+              <a:rPr lang="de-DE" b="1" i="1" dirty="0"/>
+              <a:t> </a:t>
+            </a:r>
+            <a:r>
+              <a:rPr lang="de-DE" b="1" i="1" dirty="0" err="1"/>
+              <a:t>rebase</a:t>
+            </a:r>
+            <a:endParaRPr lang="de-DE" b="1" i="1" dirty="0"/>
+          </a:p>
+          <a:p>
+            <a:pPr lvl="1"/>
+            <a:r>
+              <a:rPr lang="de-DE" dirty="0"/>
+              <a:t>Beispiel: </a:t>
+            </a:r>
+            <a:r>
+              <a:rPr lang="de-DE" i="1" dirty="0" err="1"/>
+              <a:t>git</a:t>
+            </a:r>
+            <a:r>
+              <a:rPr lang="de-DE" i="1" dirty="0"/>
+              <a:t> </a:t>
+            </a:r>
+            <a:r>
+              <a:rPr lang="de-DE" i="1" dirty="0" err="1"/>
+              <a:t>rebase</a:t>
+            </a:r>
+            <a:r>
+              <a:rPr lang="de-DE" i="1" dirty="0"/>
+              <a:t> </a:t>
+            </a:r>
+            <a:r>
+              <a:rPr lang="de-DE" i="1" dirty="0" err="1"/>
+              <a:t>maindev</a:t>
+            </a:r>
+            <a:r>
+              <a:rPr lang="de-DE" i="1" dirty="0"/>
+              <a:t> </a:t>
+            </a:r>
+            <a:r>
+              <a:rPr lang="de-DE" i="1" dirty="0" err="1"/>
+              <a:t>dev</a:t>
+            </a:r>
+            <a:endParaRPr lang="de-DE" i="1" dirty="0"/>
+          </a:p>
+          <a:p>
+            <a:endParaRPr lang="de-DE" b="1" i="1" dirty="0"/>
+          </a:p>
+          <a:p>
+            <a:pPr marL="0" indent="0">
+              <a:buNone/>
+            </a:pPr>
+            <a:endParaRPr lang="de-DE" dirty="0"/>
+          </a:p>
+          <a:p>
+            <a:r>
+              <a:rPr lang="de-DE" dirty="0"/>
+              <a:t>Wird verwendet um Historie nachträglich zu ändern</a:t>
+            </a:r>
+          </a:p>
+          <a:p>
+            <a:pPr lvl="1"/>
+            <a:r>
+              <a:rPr lang="de-DE" dirty="0"/>
+              <a:t>Erzeugung von Ausgangslage für fast-forward Zusammenführungen</a:t>
+            </a:r>
+          </a:p>
+          <a:p>
+            <a:r>
+              <a:rPr lang="de-DE" dirty="0"/>
+              <a:t>Verändert den Vorfahren des Zweiges</a:t>
+            </a:r>
+          </a:p>
+          <a:p>
+            <a:r>
+              <a:rPr lang="de-DE" dirty="0"/>
+              <a:t>Verändert auch die Metadaten der verschobenen </a:t>
             </a:r>
             <a:r>
               <a:rPr lang="de-DE" dirty="0" err="1"/>
@@ -7957,113 +9129,21 @@
             <a:endParaRPr lang="de-DE" dirty="0"/>
           </a:p>
           <a:p>
+            <a:pPr lvl="1"/>
+            <a:r>
+              <a:rPr lang="de-DE" dirty="0"/>
+              <a:t>Referenzen auf ursprüngliche </a:t>
+            </a:r>
             <a:r>
               <a:rPr lang="de-DE" dirty="0" err="1"/>
               <a:t>Commits</a:t>
             </a:r>
             <a:r>
               <a:rPr lang="de-DE" dirty="0"/>
-              <a:t> können nicht nur verschoben werden sondern</a:t>
-            </a:r>
-          </a:p>
-          <a:p>
-            <a:pPr lvl="1"/>
-            <a:r>
-              <a:rPr lang="de-DE" dirty="0"/>
-              <a:t>Bearbeitet werden</a:t>
-            </a:r>
-          </a:p>
-          <a:p>
-            <a:pPr lvl="1"/>
-            <a:r>
-              <a:rPr lang="de-DE" dirty="0"/>
-              <a:t>Verschmolzen werden</a:t>
-            </a:r>
-          </a:p>
-          <a:p>
-            <a:pPr lvl="1"/>
-            <a:r>
-              <a:rPr lang="de-DE" dirty="0"/>
-              <a:t>Gelöscht werden</a:t>
-            </a:r>
-          </a:p>
-          <a:p>
-            <a:r>
-              <a:rPr lang="de-DE" dirty="0"/>
-              <a:t>Kommando: </a:t>
-            </a:r>
-            <a:r>
-              <a:rPr lang="de-DE" b="1" i="1" dirty="0" err="1"/>
-              <a:t>git</a:t>
-            </a:r>
-            <a:r>
-              <a:rPr lang="de-DE" b="1" i="1" dirty="0"/>
-              <a:t> </a:t>
-            </a:r>
-            <a:r>
-              <a:rPr lang="de-DE" b="1" i="1" dirty="0" err="1"/>
-              <a:t>rebase</a:t>
-            </a:r>
-            <a:r>
-              <a:rPr lang="de-DE" b="1" i="1" dirty="0"/>
-              <a:t> --i </a:t>
-            </a:r>
-            <a:r>
-              <a:rPr lang="de-DE" dirty="0"/>
-              <a:t>oder </a:t>
-            </a:r>
-            <a:r>
-              <a:rPr lang="de-DE" b="1" i="1" dirty="0" err="1"/>
-              <a:t>git</a:t>
-            </a:r>
-            <a:r>
-              <a:rPr lang="de-DE" b="1" i="1" dirty="0"/>
-              <a:t> </a:t>
-            </a:r>
-            <a:r>
-              <a:rPr lang="de-DE" b="1" i="1" dirty="0" err="1"/>
-              <a:t>rebase</a:t>
-            </a:r>
-            <a:r>
-              <a:rPr lang="de-DE" b="1" i="1" dirty="0"/>
-              <a:t> –</a:t>
-            </a:r>
-            <a:r>
-              <a:rPr lang="de-DE" b="1" i="1" dirty="0" err="1"/>
-              <a:t>interactive</a:t>
-            </a:r>
-            <a:endParaRPr lang="de-DE" b="1" i="1" dirty="0"/>
-          </a:p>
-          <a:p>
-            <a:r>
-              <a:rPr lang="de-DE" dirty="0"/>
-              <a:t>Schlüsselwörter für die unterschiedlichen Anwendungen</a:t>
-            </a:r>
-          </a:p>
-          <a:p>
-            <a:pPr lvl="1"/>
-            <a:r>
-              <a:rPr lang="de-DE" i="1" dirty="0" err="1"/>
-              <a:t>reword</a:t>
-            </a:r>
-            <a:r>
-              <a:rPr lang="de-DE" dirty="0"/>
-              <a:t>: ermöglicht die Commit Nachricht zu ändern</a:t>
-            </a:r>
-          </a:p>
-          <a:p>
-            <a:pPr lvl="1"/>
-            <a:r>
-              <a:rPr lang="de-DE" dirty="0" err="1"/>
-              <a:t>squash</a:t>
-            </a:r>
-            <a:r>
-              <a:rPr lang="de-DE" dirty="0"/>
-              <a:t>: erzeugt Verschmelzung mit dem Vorherigen Commit</a:t>
-            </a:r>
-          </a:p>
-          <a:p>
-            <a:pPr lvl="1"/>
+              <a:t> führen danach ins Leere!</a:t>
+            </a:r>
+          </a:p>
+          <a:p>
             <a:endParaRPr lang="de-DE" dirty="0"/>
           </a:p>
         </p:txBody>
@@ -8073,7 +9153,7 @@
           <p:cNvPr id="3" name="Titel 2">
             <a:extLst>
               <a:ext uri="{FF2B5EF4-FFF2-40B4-BE49-F238E27FC236}">
-                <a16:creationId xmlns:a16="http://schemas.microsoft.com/office/drawing/2014/main" id="{16441133-F5C1-426D-98D9-D316A3042F0D}"/>
+                <a16:creationId xmlns:a16="http://schemas.microsoft.com/office/drawing/2014/main" id="{8A45ABDE-05E6-491F-8743-C9967C75A841}"/>
               </a:ext>
             </a:extLst>
           </p:cNvPr>
@@ -8100,21 +9180,105 @@
           <a:lstStyle/>
           <a:p>
             <a:r>
-              <a:rPr lang="de-DE" dirty="0"/>
-              <a:t>Interaktiver </a:t>
-            </a:r>
-            <a:r>
               <a:rPr lang="de-DE" dirty="0" err="1"/>
               <a:t>Rebase</a:t>
             </a:r>
             <a:endParaRPr lang="de-DE" dirty="0"/>
+          </a:p>
+        </p:txBody>
+      </p:sp>
+      <p:pic>
+        <p:nvPicPr>
+          <p:cNvPr id="5" name="Grafik 4">
+            <a:extLst>
+              <a:ext uri="{FF2B5EF4-FFF2-40B4-BE49-F238E27FC236}">
+                <a16:creationId xmlns:a16="http://schemas.microsoft.com/office/drawing/2014/main" id="{81D6E277-2888-4B96-A810-78F8A899259F}"/>
+              </a:ext>
+            </a:extLst>
+          </p:cNvPr>
+          <p:cNvPicPr/>
+          <p:nvPr/>
+        </p:nvPicPr>
+        <p:blipFill>
+          <a:blip r:embed="rId2">
+            <a:extLst>
+              <a:ext uri="{28A0092B-C50C-407E-A947-70E740481C1C}">
+                <a14:useLocalDpi xmlns:a14="http://schemas.microsoft.com/office/drawing/2010/main" val="0"/>
+              </a:ext>
+            </a:extLst>
+          </a:blip>
+          <a:srcRect/>
+          <a:stretch>
+            <a:fillRect/>
+          </a:stretch>
+        </p:blipFill>
+        <p:spPr bwMode="auto">
+          <a:xfrm>
+            <a:off x="2858709" y="1917291"/>
+            <a:ext cx="4651375" cy="825500"/>
+          </a:xfrm>
+          <a:prstGeom prst="rect">
+            <a:avLst/>
+          </a:prstGeom>
+          <a:noFill/>
+          <a:ln>
+            <a:noFill/>
+          </a:ln>
+        </p:spPr>
+      </p:pic>
+      <p:sp>
+        <p:nvSpPr>
+          <p:cNvPr id="7" name="Textfeld 6">
+            <a:extLst>
+              <a:ext uri="{FF2B5EF4-FFF2-40B4-BE49-F238E27FC236}">
+                <a16:creationId xmlns:a16="http://schemas.microsoft.com/office/drawing/2014/main" id="{6AE75AB3-970A-45EE-806D-BA583DC9F3C5}"/>
+              </a:ext>
+            </a:extLst>
+          </p:cNvPr>
+          <p:cNvSpPr txBox="1"/>
+          <p:nvPr/>
+        </p:nvSpPr>
+        <p:spPr>
+          <a:xfrm>
+            <a:off x="1692640" y="2037653"/>
+            <a:ext cx="1166069" cy="584775"/>
+          </a:xfrm>
+          <a:prstGeom prst="rect">
+            <a:avLst/>
+          </a:prstGeom>
+          <a:noFill/>
+        </p:spPr>
+        <p:txBody>
+          <a:bodyPr wrap="square" rtlCol="0">
+            <a:spAutoFit/>
+          </a:bodyPr>
+          <a:lstStyle/>
+          <a:p>
+            <a:r>
+              <a:rPr lang="de-DE" sz="1600" dirty="0" err="1"/>
+              <a:t>dev</a:t>
+            </a:r>
+            <a:r>
+              <a:rPr lang="de-DE" sz="1600" dirty="0"/>
+              <a:t>:</a:t>
+            </a:r>
+          </a:p>
+          <a:p>
+            <a:r>
+              <a:rPr lang="de-DE" sz="1600" dirty="0" err="1"/>
+              <a:t>maindev</a:t>
+            </a:r>
+            <a:r>
+              <a:rPr lang="de-DE" sz="1600" dirty="0"/>
+              <a:t>:</a:t>
+            </a:r>
           </a:p>
         </p:txBody>
       </p:sp>
     </p:spTree>
     <p:extLst>
       <p:ext uri="{BB962C8B-B14F-4D97-AF65-F5344CB8AC3E}">
-        <p14:creationId xmlns:p14="http://schemas.microsoft.com/office/powerpoint/2010/main" val="3549383510"/>
+        <p14:creationId xmlns:p14="http://schemas.microsoft.com/office/powerpoint/2010/main" val="2987330994"/>
       </p:ext>
     </p:extLst>
   </p:cSld>
@@ -8143,10 +9307,10 @@
       </p:grpSpPr>
       <p:sp>
         <p:nvSpPr>
-          <p:cNvPr id="2" name="Titel 1">
+          <p:cNvPr id="5" name="Inhaltsplatzhalter 4">
             <a:extLst>
               <a:ext uri="{FF2B5EF4-FFF2-40B4-BE49-F238E27FC236}">
-                <a16:creationId xmlns:a16="http://schemas.microsoft.com/office/drawing/2014/main" id="{CCCDBB22-8924-47F0-9F4F-D7DC111593FD}"/>
+                <a16:creationId xmlns:a16="http://schemas.microsoft.com/office/drawing/2014/main" id="{4AACFCD2-051A-439B-A638-DA41B63380E0}"/>
               </a:ext>
             </a:extLst>
           </p:cNvPr>
@@ -8154,25 +9318,264 @@
             <a:spLocks noGrp="1"/>
           </p:cNvSpPr>
           <p:nvPr>
-            <p:ph type="title"/>
+            <p:ph idx="13"/>
           </p:nvPr>
         </p:nvSpPr>
-        <p:spPr/>
+        <p:spPr>
+          <a:xfrm>
+            <a:off x="1011834" y="1245328"/>
+            <a:ext cx="7503515" cy="4931635"/>
+          </a:xfrm>
+        </p:spPr>
         <p:txBody>
           <a:bodyPr/>
           <a:lstStyle/>
           <a:p>
             <a:r>
               <a:rPr lang="de-DE" dirty="0"/>
-              <a:t>Synchronisierung</a:t>
-            </a:r>
-          </a:p>
-        </p:txBody>
-      </p:sp>
+              <a:t>Zur individuellen Änderungen mehrerer </a:t>
+            </a:r>
+            <a:r>
+              <a:rPr lang="de-DE" dirty="0" err="1"/>
+              <a:t>Commits</a:t>
+            </a:r>
+            <a:endParaRPr lang="de-DE" dirty="0"/>
+          </a:p>
+          <a:p>
+            <a:r>
+              <a:rPr lang="de-DE" dirty="0" err="1"/>
+              <a:t>Commits</a:t>
+            </a:r>
+            <a:r>
+              <a:rPr lang="de-DE" dirty="0"/>
+              <a:t> können nicht nur verschoben werden sondern:</a:t>
+            </a:r>
+          </a:p>
+          <a:p>
+            <a:pPr lvl="1"/>
+            <a:r>
+              <a:rPr lang="de-DE" dirty="0"/>
+              <a:t>Bearbeitet werden</a:t>
+            </a:r>
+          </a:p>
+          <a:p>
+            <a:pPr lvl="1"/>
+            <a:r>
+              <a:rPr lang="de-DE" dirty="0"/>
+              <a:t>Verschmolzen werden</a:t>
+            </a:r>
+          </a:p>
+          <a:p>
+            <a:pPr lvl="1"/>
+            <a:r>
+              <a:rPr lang="de-DE" dirty="0"/>
+              <a:t>Gelöscht werden</a:t>
+            </a:r>
+          </a:p>
+          <a:p>
+            <a:r>
+              <a:rPr lang="de-DE" dirty="0"/>
+              <a:t>Kommando: </a:t>
+            </a:r>
+            <a:r>
+              <a:rPr lang="de-DE" b="1" i="1" dirty="0" err="1"/>
+              <a:t>git</a:t>
+            </a:r>
+            <a:r>
+              <a:rPr lang="de-DE" b="1" i="1" dirty="0"/>
+              <a:t> </a:t>
+            </a:r>
+            <a:r>
+              <a:rPr lang="de-DE" b="1" i="1" dirty="0" err="1"/>
+              <a:t>rebase</a:t>
+            </a:r>
+            <a:r>
+              <a:rPr lang="de-DE" b="1" i="1" dirty="0"/>
+              <a:t> --i </a:t>
+            </a:r>
+            <a:r>
+              <a:rPr lang="de-DE" dirty="0"/>
+              <a:t>oder </a:t>
+            </a:r>
+            <a:r>
+              <a:rPr lang="de-DE" b="1" i="1" dirty="0" err="1"/>
+              <a:t>git</a:t>
+            </a:r>
+            <a:r>
+              <a:rPr lang="de-DE" b="1" i="1" dirty="0"/>
+              <a:t> </a:t>
+            </a:r>
+            <a:r>
+              <a:rPr lang="de-DE" b="1" i="1" dirty="0" err="1"/>
+              <a:t>rebase</a:t>
+            </a:r>
+            <a:r>
+              <a:rPr lang="de-DE" b="1" i="1" dirty="0"/>
+              <a:t> –</a:t>
+            </a:r>
+            <a:r>
+              <a:rPr lang="de-DE" b="1" i="1" dirty="0" err="1"/>
+              <a:t>interactive</a:t>
+            </a:r>
+            <a:endParaRPr lang="de-DE" b="1" i="1" dirty="0"/>
+          </a:p>
+          <a:p>
+            <a:pPr lvl="1"/>
+            <a:r>
+              <a:rPr lang="de-DE" dirty="0"/>
+              <a:t>Editor öffnet sich zur Konfiguration des interaktiven </a:t>
+            </a:r>
+            <a:r>
+              <a:rPr lang="de-DE" dirty="0" err="1"/>
+              <a:t>Rebase</a:t>
+            </a:r>
+            <a:endParaRPr lang="de-DE" dirty="0"/>
+          </a:p>
+          <a:p>
+            <a:r>
+              <a:rPr lang="de-DE" dirty="0"/>
+              <a:t>Schlüsselwörter für die unterschiedlichen Anwendungen</a:t>
+            </a:r>
+          </a:p>
+          <a:p>
+            <a:pPr lvl="1"/>
+            <a:r>
+              <a:rPr lang="de-DE" dirty="0"/>
+              <a:t>pick: Commit wird verwendet</a:t>
+            </a:r>
+          </a:p>
+          <a:p>
+            <a:pPr lvl="1"/>
+            <a:r>
+              <a:rPr lang="de-DE" i="1" dirty="0" err="1"/>
+              <a:t>reword</a:t>
+            </a:r>
+            <a:r>
+              <a:rPr lang="de-DE" dirty="0"/>
+              <a:t>: ermöglicht die Commit Nachricht zu ändern</a:t>
+            </a:r>
+          </a:p>
+          <a:p>
+            <a:pPr lvl="1"/>
+            <a:r>
+              <a:rPr lang="de-DE" dirty="0" err="1"/>
+              <a:t>squash</a:t>
+            </a:r>
+            <a:r>
+              <a:rPr lang="de-DE" dirty="0"/>
+              <a:t>: erzeugt Verschmelzung mit dem Vorherigen Commit</a:t>
+            </a:r>
+          </a:p>
+          <a:p>
+            <a:pPr lvl="1"/>
+            <a:r>
+              <a:rPr lang="de-DE" dirty="0"/>
+              <a:t>Wird Zeile von einem Commit gelöscht, wird dieser verworfen</a:t>
+            </a:r>
+          </a:p>
+          <a:p>
+            <a:pPr lvl="1"/>
+            <a:r>
+              <a:rPr lang="de-DE" dirty="0"/>
+              <a:t>Reihenfolge der </a:t>
+            </a:r>
+            <a:r>
+              <a:rPr lang="de-DE" dirty="0" err="1"/>
+              <a:t>Commits</a:t>
+            </a:r>
+            <a:r>
+              <a:rPr lang="de-DE" dirty="0"/>
+              <a:t> wird über die Zeilenfolge festgelegt</a:t>
+            </a:r>
+          </a:p>
+          <a:p>
+            <a:pPr marL="457200" lvl="1" indent="0">
+              <a:buNone/>
+            </a:pPr>
+            <a:endParaRPr lang="de-DE" dirty="0"/>
+          </a:p>
+          <a:p>
+            <a:pPr lvl="1"/>
+            <a:endParaRPr lang="de-DE" dirty="0"/>
+          </a:p>
+        </p:txBody>
+      </p:sp>
+      <p:sp>
+        <p:nvSpPr>
+          <p:cNvPr id="3" name="Titel 2">
+            <a:extLst>
+              <a:ext uri="{FF2B5EF4-FFF2-40B4-BE49-F238E27FC236}">
+                <a16:creationId xmlns:a16="http://schemas.microsoft.com/office/drawing/2014/main" id="{16441133-F5C1-426D-98D9-D316A3042F0D}"/>
+              </a:ext>
+            </a:extLst>
+          </p:cNvPr>
+          <p:cNvSpPr>
+            <a:spLocks noGrp="1"/>
+          </p:cNvSpPr>
+          <p:nvPr>
+            <p:ph type="title" idx="4294967295"/>
+          </p:nvPr>
+        </p:nvSpPr>
+        <p:spPr>
+          <a:xfrm>
+            <a:off x="628650" y="365126"/>
+            <a:ext cx="7886700" cy="698903"/>
+          </a:xfrm>
+          <a:prstGeom prst="rect">
+            <a:avLst/>
+          </a:prstGeom>
+        </p:spPr>
+        <p:txBody>
+          <a:bodyPr>
+            <a:normAutofit/>
+          </a:bodyPr>
+          <a:lstStyle/>
+          <a:p>
+            <a:r>
+              <a:rPr lang="de-DE" dirty="0"/>
+              <a:t>Interaktiver </a:t>
+            </a:r>
+            <a:r>
+              <a:rPr lang="de-DE" dirty="0" err="1"/>
+              <a:t>Rebase</a:t>
+            </a:r>
+            <a:endParaRPr lang="de-DE" dirty="0"/>
+          </a:p>
+        </p:txBody>
+      </p:sp>
+      <p:pic>
+        <p:nvPicPr>
+          <p:cNvPr id="2" name="Grafik 1">
+            <a:extLst>
+              <a:ext uri="{FF2B5EF4-FFF2-40B4-BE49-F238E27FC236}">
+                <a16:creationId xmlns:a16="http://schemas.microsoft.com/office/drawing/2014/main" id="{D347A4D2-C264-465E-839D-AF729FDB0870}"/>
+              </a:ext>
+            </a:extLst>
+          </p:cNvPr>
+          <p:cNvPicPr>
+            <a:picLocks noChangeAspect="1"/>
+          </p:cNvPicPr>
+          <p:nvPr/>
+        </p:nvPicPr>
+        <p:blipFill rotWithShape="1">
+          <a:blip r:embed="rId2"/>
+          <a:srcRect r="21748" b="77408"/>
+          <a:stretch/>
+        </p:blipFill>
+        <p:spPr>
+          <a:xfrm>
+            <a:off x="2596954" y="5418061"/>
+            <a:ext cx="3950091" cy="758902"/>
+          </a:xfrm>
+          <a:prstGeom prst="rect">
+            <a:avLst/>
+          </a:prstGeom>
+        </p:spPr>
+      </p:pic>
     </p:spTree>
     <p:extLst>
       <p:ext uri="{BB962C8B-B14F-4D97-AF65-F5344CB8AC3E}">
-        <p14:creationId xmlns:p14="http://schemas.microsoft.com/office/powerpoint/2010/main" val="226461054"/>
+        <p14:creationId xmlns:p14="http://schemas.microsoft.com/office/powerpoint/2010/main" val="3549383510"/>
       </p:ext>
     </p:extLst>
   </p:cSld>
@@ -8201,10 +9604,10 @@
       </p:grpSpPr>
       <p:sp>
         <p:nvSpPr>
-          <p:cNvPr id="5" name="Inhaltsplatzhalter 4">
+          <p:cNvPr id="2" name="Titel 1">
             <a:extLst>
               <a:ext uri="{FF2B5EF4-FFF2-40B4-BE49-F238E27FC236}">
-                <a16:creationId xmlns:a16="http://schemas.microsoft.com/office/drawing/2014/main" id="{C599EF70-303F-4638-866C-534013DC3009}"/>
+                <a16:creationId xmlns:a16="http://schemas.microsoft.com/office/drawing/2014/main" id="{CCCDBB22-8924-47F0-9F4F-D7DC111593FD}"/>
               </a:ext>
             </a:extLst>
           </p:cNvPr>
@@ -8212,7 +9615,7 @@
             <a:spLocks noGrp="1"/>
           </p:cNvSpPr>
           <p:nvPr>
-            <p:ph idx="13"/>
+            <p:ph type="title"/>
           </p:nvPr>
         </p:nvSpPr>
         <p:spPr/>
@@ -8222,45 +9625,7 @@
           <a:p>
             <a:r>
               <a:rPr lang="de-DE" dirty="0"/>
-              <a:t>Stellt den allgemeinen Stand des Projekts dar</a:t>
-            </a:r>
-          </a:p>
-        </p:txBody>
-      </p:sp>
-      <p:sp>
-        <p:nvSpPr>
-          <p:cNvPr id="3" name="Titel 2">
-            <a:extLst>
-              <a:ext uri="{FF2B5EF4-FFF2-40B4-BE49-F238E27FC236}">
-                <a16:creationId xmlns:a16="http://schemas.microsoft.com/office/drawing/2014/main" id="{01B0FFCB-5ED6-41B3-853D-B50AAF600C26}"/>
-              </a:ext>
-            </a:extLst>
-          </p:cNvPr>
-          <p:cNvSpPr>
-            <a:spLocks noGrp="1"/>
-          </p:cNvSpPr>
-          <p:nvPr>
-            <p:ph type="title" idx="4294967295"/>
-          </p:nvPr>
-        </p:nvSpPr>
-        <p:spPr>
-          <a:xfrm>
-            <a:off x="628650" y="365126"/>
-            <a:ext cx="7886700" cy="698903"/>
-          </a:xfrm>
-          <a:prstGeom prst="rect">
-            <a:avLst/>
-          </a:prstGeom>
-        </p:spPr>
-        <p:txBody>
-          <a:bodyPr>
-            <a:normAutofit/>
-          </a:bodyPr>
-          <a:lstStyle/>
-          <a:p>
-            <a:r>
-              <a:rPr lang="de-DE" dirty="0"/>
-              <a:t>Referenzarchiv</a:t>
+              <a:t>Synchronisierung von Archiven</a:t>
             </a:r>
           </a:p>
         </p:txBody>
@@ -8268,7 +9633,7 @@
     </p:spTree>
     <p:extLst>
       <p:ext uri="{BB962C8B-B14F-4D97-AF65-F5344CB8AC3E}">
-        <p14:creationId xmlns:p14="http://schemas.microsoft.com/office/powerpoint/2010/main" val="3659548600"/>
+        <p14:creationId xmlns:p14="http://schemas.microsoft.com/office/powerpoint/2010/main" val="226461054"/>
       </p:ext>
     </p:extLst>
   </p:cSld>
@@ -8300,7 +9665,7 @@
           <p:cNvPr id="5" name="Inhaltsplatzhalter 4">
             <a:extLst>
               <a:ext uri="{FF2B5EF4-FFF2-40B4-BE49-F238E27FC236}">
-                <a16:creationId xmlns:a16="http://schemas.microsoft.com/office/drawing/2014/main" id="{AEB324FE-DECD-4695-AD49-3199FDB60C24}"/>
+                <a16:creationId xmlns:a16="http://schemas.microsoft.com/office/drawing/2014/main" id="{C599EF70-303F-4638-866C-534013DC3009}"/>
               </a:ext>
             </a:extLst>
           </p:cNvPr>
@@ -8318,107 +9683,62 @@
           <a:p>
             <a:r>
               <a:rPr lang="de-DE" dirty="0"/>
-              <a:t>Push</a:t>
+              <a:t>Stellt den allgemeinen Stand des Projekts dar</a:t>
+            </a:r>
+          </a:p>
+          <a:p>
+            <a:r>
+              <a:rPr lang="de-DE" dirty="0"/>
+              <a:t>Für größere Projekte können mehrere Referenzarchive existieren</a:t>
+            </a:r>
+          </a:p>
+          <a:p>
+            <a:r>
+              <a:rPr lang="de-DE" dirty="0"/>
+              <a:t>Hinzufügen von Referenzarchiven:</a:t>
             </a:r>
           </a:p>
           <a:p>
             <a:pPr lvl="1"/>
-            <a:r>
-              <a:rPr lang="de-DE" dirty="0"/>
-              <a:t>Ermöglich lokale Änderungen auf den globalen Server zu legen</a:t>
-            </a:r>
-          </a:p>
-          <a:p>
-            <a:pPr lvl="1"/>
-            <a:r>
-              <a:rPr lang="de-DE" dirty="0"/>
-              <a:t>Kommando: </a:t>
-            </a:r>
             <a:r>
               <a:rPr lang="de-DE" b="1" i="1" dirty="0" err="1"/>
               <a:t>git</a:t>
             </a:r>
             <a:r>
               <a:rPr lang="de-DE" b="1" i="1" dirty="0"/>
-              <a:t> push</a:t>
-            </a:r>
-          </a:p>
-          <a:p>
-            <a:r>
-              <a:rPr lang="de-DE" dirty="0" err="1"/>
-              <a:t>Fetch</a:t>
-            </a:r>
-            <a:endParaRPr lang="de-DE" dirty="0"/>
+              <a:t> remote </a:t>
+            </a:r>
+            <a:r>
+              <a:rPr lang="de-DE" b="1" i="1" dirty="0" err="1"/>
+              <a:t>add</a:t>
+            </a:r>
+            <a:r>
+              <a:rPr lang="de-DE" b="1" i="1" dirty="0"/>
+              <a:t> &lt;Alias&gt; &lt;URL&gt;</a:t>
+            </a:r>
+          </a:p>
+          <a:p>
+            <a:r>
+              <a:rPr lang="de-DE" dirty="0"/>
+              <a:t>Sichtung aller bestehenden Verbindungen:</a:t>
+            </a:r>
           </a:p>
           <a:p>
             <a:pPr lvl="1"/>
-            <a:r>
-              <a:rPr lang="de-DE" dirty="0"/>
-              <a:t>Vergleicht </a:t>
-            </a:r>
-            <a:r>
-              <a:rPr lang="de-DE" dirty="0" err="1"/>
-              <a:t>Refernezarchiv</a:t>
-            </a:r>
-            <a:r>
-              <a:rPr lang="de-DE" dirty="0"/>
-              <a:t> </a:t>
-            </a:r>
-            <a:r>
-              <a:rPr lang="de-DE" i="1" dirty="0" err="1"/>
-              <a:t>origin</a:t>
-            </a:r>
-            <a:r>
-              <a:rPr lang="de-DE" i="1" dirty="0"/>
-              <a:t> </a:t>
-            </a:r>
-            <a:r>
-              <a:rPr lang="de-DE" dirty="0"/>
-              <a:t>mit dem lokalen Stand</a:t>
-            </a:r>
-          </a:p>
-          <a:p>
-            <a:pPr lvl="1"/>
-            <a:r>
-              <a:rPr lang="de-DE" dirty="0"/>
-              <a:t>Abweichende Änderungen werden nur angezeigt und nicht integriert</a:t>
-            </a:r>
-          </a:p>
-          <a:p>
-            <a:pPr lvl="1"/>
-            <a:r>
-              <a:rPr lang="de-DE" dirty="0"/>
-              <a:t>Kommando: </a:t>
-            </a:r>
             <a:r>
               <a:rPr lang="de-DE" b="1" i="1" dirty="0" err="1"/>
               <a:t>git</a:t>
             </a:r>
             <a:r>
               <a:rPr lang="de-DE" b="1" i="1" dirty="0"/>
-              <a:t> </a:t>
-            </a:r>
-            <a:r>
-              <a:rPr lang="de-DE" b="1" i="1" dirty="0" err="1"/>
-              <a:t>fetch</a:t>
-            </a:r>
-            <a:endParaRPr lang="de-DE" b="1" i="1" dirty="0"/>
-          </a:p>
-          <a:p>
-            <a:pPr lvl="1"/>
-            <a:r>
-              <a:rPr lang="de-DE" dirty="0"/>
-              <a:t>Meist in Kombination von </a:t>
-            </a:r>
-            <a:r>
-              <a:rPr lang="de-DE" i="1" dirty="0" err="1"/>
-              <a:t>merge</a:t>
-            </a:r>
-            <a:endParaRPr lang="de-DE" i="1" dirty="0"/>
-          </a:p>
-          <a:p>
-            <a:pPr lvl="1"/>
-            <a:endParaRPr lang="de-DE" dirty="0"/>
+              <a:t> remote -v</a:t>
+            </a:r>
+          </a:p>
+          <a:p>
+            <a:r>
+              <a:rPr lang="de-DE" dirty="0"/>
+              <a:t>Synchronisierung erfolgt über folgende Kommandos:</a:t>
+            </a:r>
           </a:p>
         </p:txBody>
       </p:sp>
@@ -8427,7 +9747,7 @@
           <p:cNvPr id="3" name="Titel 2">
             <a:extLst>
               <a:ext uri="{FF2B5EF4-FFF2-40B4-BE49-F238E27FC236}">
-                <a16:creationId xmlns:a16="http://schemas.microsoft.com/office/drawing/2014/main" id="{464AB558-9021-456D-A794-9A19A1E3EBA5}"/>
+                <a16:creationId xmlns:a16="http://schemas.microsoft.com/office/drawing/2014/main" id="{01B0FFCB-5ED6-41B3-853D-B50AAF600C26}"/>
               </a:ext>
             </a:extLst>
           </p:cNvPr>
@@ -8455,20 +9775,647 @@
           <a:p>
             <a:r>
               <a:rPr lang="de-DE" dirty="0"/>
-              <a:t>Push / </a:t>
-            </a:r>
-            <a:r>
-              <a:rPr lang="de-DE" dirty="0" err="1"/>
-              <a:t>fetch</a:t>
-            </a:r>
-            <a:endParaRPr lang="de-DE" dirty="0"/>
-          </a:p>
-        </p:txBody>
-      </p:sp>
+              <a:t>Referenzarchiv</a:t>
+            </a:r>
+          </a:p>
+        </p:txBody>
+      </p:sp>
+      <p:grpSp>
+        <p:nvGrpSpPr>
+          <p:cNvPr id="4" name="Gruppieren 3">
+            <a:extLst>
+              <a:ext uri="{FF2B5EF4-FFF2-40B4-BE49-F238E27FC236}">
+                <a16:creationId xmlns:a16="http://schemas.microsoft.com/office/drawing/2014/main" id="{DE9F934B-4013-44F8-9FC9-891BB33CA754}"/>
+              </a:ext>
+            </a:extLst>
+          </p:cNvPr>
+          <p:cNvGrpSpPr/>
+          <p:nvPr/>
+        </p:nvGrpSpPr>
+        <p:grpSpPr>
+          <a:xfrm>
+            <a:off x="963154" y="4201783"/>
+            <a:ext cx="6797351" cy="1261425"/>
+            <a:chOff x="849214" y="5087978"/>
+            <a:chExt cx="6797351" cy="1261425"/>
+          </a:xfrm>
+        </p:grpSpPr>
+        <p:sp>
+          <p:nvSpPr>
+            <p:cNvPr id="6" name="Rechteck 5">
+              <a:extLst>
+                <a:ext uri="{FF2B5EF4-FFF2-40B4-BE49-F238E27FC236}">
+                  <a16:creationId xmlns:a16="http://schemas.microsoft.com/office/drawing/2014/main" id="{4A2BA6C6-3D1C-4DEC-95F1-E2DC7FE4D490}"/>
+                </a:ext>
+              </a:extLst>
+            </p:cNvPr>
+            <p:cNvSpPr/>
+            <p:nvPr/>
+          </p:nvSpPr>
+          <p:spPr>
+            <a:xfrm>
+              <a:off x="3697929" y="5364978"/>
+              <a:ext cx="1132514" cy="495388"/>
+            </a:xfrm>
+            <a:prstGeom prst="rect">
+              <a:avLst/>
+            </a:prstGeom>
+            <a:solidFill>
+              <a:schemeClr val="accent6">
+                <a:lumMod val="75000"/>
+              </a:schemeClr>
+            </a:solidFill>
+            <a:ln>
+              <a:solidFill>
+                <a:schemeClr val="bg1"/>
+              </a:solidFill>
+            </a:ln>
+          </p:spPr>
+          <p:style>
+            <a:lnRef idx="2">
+              <a:schemeClr val="accent1">
+                <a:shade val="50000"/>
+              </a:schemeClr>
+            </a:lnRef>
+            <a:fillRef idx="1">
+              <a:schemeClr val="accent1"/>
+            </a:fillRef>
+            <a:effectRef idx="0">
+              <a:schemeClr val="accent1"/>
+            </a:effectRef>
+            <a:fontRef idx="minor">
+              <a:schemeClr val="lt1"/>
+            </a:fontRef>
+          </p:style>
+          <p:txBody>
+            <a:bodyPr rtlCol="0" anchor="ctr"/>
+            <a:lstStyle/>
+            <a:p>
+              <a:pPr algn="ctr"/>
+              <a:endParaRPr lang="de-DE"/>
+            </a:p>
+          </p:txBody>
+        </p:sp>
+        <p:sp>
+          <p:nvSpPr>
+            <p:cNvPr id="7" name="Rechteck 6">
+              <a:extLst>
+                <a:ext uri="{FF2B5EF4-FFF2-40B4-BE49-F238E27FC236}">
+                  <a16:creationId xmlns:a16="http://schemas.microsoft.com/office/drawing/2014/main" id="{4845D09C-9089-424C-8413-713D48D93BA1}"/>
+                </a:ext>
+              </a:extLst>
+            </p:cNvPr>
+            <p:cNvSpPr/>
+            <p:nvPr/>
+          </p:nvSpPr>
+          <p:spPr>
+            <a:xfrm>
+              <a:off x="6384022" y="5364978"/>
+              <a:ext cx="1132514" cy="495388"/>
+            </a:xfrm>
+            <a:prstGeom prst="rect">
+              <a:avLst/>
+            </a:prstGeom>
+            <a:solidFill>
+              <a:schemeClr val="bg1">
+                <a:lumMod val="75000"/>
+              </a:schemeClr>
+            </a:solidFill>
+            <a:ln>
+              <a:solidFill>
+                <a:schemeClr val="bg1"/>
+              </a:solidFill>
+            </a:ln>
+          </p:spPr>
+          <p:style>
+            <a:lnRef idx="2">
+              <a:schemeClr val="accent1">
+                <a:shade val="50000"/>
+              </a:schemeClr>
+            </a:lnRef>
+            <a:fillRef idx="1">
+              <a:schemeClr val="accent1"/>
+            </a:fillRef>
+            <a:effectRef idx="0">
+              <a:schemeClr val="accent1"/>
+            </a:effectRef>
+            <a:fontRef idx="minor">
+              <a:schemeClr val="lt1"/>
+            </a:fontRef>
+          </p:style>
+          <p:txBody>
+            <a:bodyPr rtlCol="0" anchor="ctr"/>
+            <a:lstStyle/>
+            <a:p>
+              <a:pPr algn="ctr"/>
+              <a:endParaRPr lang="de-DE"/>
+            </a:p>
+          </p:txBody>
+        </p:sp>
+        <p:sp>
+          <p:nvSpPr>
+            <p:cNvPr id="8" name="Rechteck 7">
+              <a:extLst>
+                <a:ext uri="{FF2B5EF4-FFF2-40B4-BE49-F238E27FC236}">
+                  <a16:creationId xmlns:a16="http://schemas.microsoft.com/office/drawing/2014/main" id="{597616F4-BF79-4E36-AED0-3F1293C3BC32}"/>
+                </a:ext>
+              </a:extLst>
+            </p:cNvPr>
+            <p:cNvSpPr/>
+            <p:nvPr/>
+          </p:nvSpPr>
+          <p:spPr>
+            <a:xfrm>
+              <a:off x="1011836" y="5364978"/>
+              <a:ext cx="1132514" cy="495388"/>
+            </a:xfrm>
+            <a:prstGeom prst="rect">
+              <a:avLst/>
+            </a:prstGeom>
+            <a:solidFill>
+              <a:schemeClr val="bg2">
+                <a:lumMod val="10000"/>
+              </a:schemeClr>
+            </a:solidFill>
+            <a:ln>
+              <a:solidFill>
+                <a:schemeClr val="bg1"/>
+              </a:solidFill>
+            </a:ln>
+          </p:spPr>
+          <p:style>
+            <a:lnRef idx="2">
+              <a:schemeClr val="accent1">
+                <a:shade val="50000"/>
+              </a:schemeClr>
+            </a:lnRef>
+            <a:fillRef idx="1">
+              <a:schemeClr val="accent1"/>
+            </a:fillRef>
+            <a:effectRef idx="0">
+              <a:schemeClr val="accent1"/>
+            </a:effectRef>
+            <a:fontRef idx="minor">
+              <a:schemeClr val="lt1"/>
+            </a:fontRef>
+          </p:style>
+          <p:txBody>
+            <a:bodyPr rtlCol="0" anchor="ctr"/>
+            <a:lstStyle/>
+            <a:p>
+              <a:pPr algn="ctr"/>
+              <a:endParaRPr lang="de-DE"/>
+            </a:p>
+          </p:txBody>
+        </p:sp>
+        <p:sp>
+          <p:nvSpPr>
+            <p:cNvPr id="9" name="Textfeld 8">
+              <a:extLst>
+                <a:ext uri="{FF2B5EF4-FFF2-40B4-BE49-F238E27FC236}">
+                  <a16:creationId xmlns:a16="http://schemas.microsoft.com/office/drawing/2014/main" id="{BE1003E0-1D5E-4E90-B370-787FD4FD146E}"/>
+                </a:ext>
+              </a:extLst>
+            </p:cNvPr>
+            <p:cNvSpPr txBox="1"/>
+            <p:nvPr/>
+          </p:nvSpPr>
+          <p:spPr>
+            <a:xfrm>
+              <a:off x="6253993" y="5087979"/>
+              <a:ext cx="1392572" cy="276999"/>
+            </a:xfrm>
+            <a:prstGeom prst="rect">
+              <a:avLst/>
+            </a:prstGeom>
+            <a:noFill/>
+          </p:spPr>
+          <p:txBody>
+            <a:bodyPr wrap="square" rtlCol="0">
+              <a:spAutoFit/>
+            </a:bodyPr>
+            <a:lstStyle/>
+            <a:p>
+              <a:pPr algn="ctr"/>
+              <a:r>
+                <a:rPr lang="de-DE" sz="1200" dirty="0"/>
+                <a:t>Arbeitsverzeichnis</a:t>
+              </a:r>
+            </a:p>
+          </p:txBody>
+        </p:sp>
+        <p:sp>
+          <p:nvSpPr>
+            <p:cNvPr id="10" name="Textfeld 9">
+              <a:extLst>
+                <a:ext uri="{FF2B5EF4-FFF2-40B4-BE49-F238E27FC236}">
+                  <a16:creationId xmlns:a16="http://schemas.microsoft.com/office/drawing/2014/main" id="{54C24EA1-406B-4BA3-BDD8-B7FD0F0A3713}"/>
+                </a:ext>
+              </a:extLst>
+            </p:cNvPr>
+            <p:cNvSpPr txBox="1"/>
+            <p:nvPr/>
+          </p:nvSpPr>
+          <p:spPr>
+            <a:xfrm>
+              <a:off x="3567900" y="5087978"/>
+              <a:ext cx="1392572" cy="276999"/>
+            </a:xfrm>
+            <a:prstGeom prst="rect">
+              <a:avLst/>
+            </a:prstGeom>
+            <a:noFill/>
+          </p:spPr>
+          <p:txBody>
+            <a:bodyPr wrap="square" rtlCol="0">
+              <a:spAutoFit/>
+            </a:bodyPr>
+            <a:lstStyle/>
+            <a:p>
+              <a:pPr algn="ctr"/>
+              <a:r>
+                <a:rPr lang="de-DE" sz="1200" dirty="0"/>
+                <a:t>Projektarchiv</a:t>
+              </a:r>
+            </a:p>
+          </p:txBody>
+        </p:sp>
+        <p:sp>
+          <p:nvSpPr>
+            <p:cNvPr id="11" name="Textfeld 10">
+              <a:extLst>
+                <a:ext uri="{FF2B5EF4-FFF2-40B4-BE49-F238E27FC236}">
+                  <a16:creationId xmlns:a16="http://schemas.microsoft.com/office/drawing/2014/main" id="{342E011D-7334-4EF0-8740-01A35F2781A9}"/>
+                </a:ext>
+              </a:extLst>
+            </p:cNvPr>
+            <p:cNvSpPr txBox="1"/>
+            <p:nvPr/>
+          </p:nvSpPr>
+          <p:spPr>
+            <a:xfrm>
+              <a:off x="849214" y="5087978"/>
+              <a:ext cx="1392572" cy="276999"/>
+            </a:xfrm>
+            <a:prstGeom prst="rect">
+              <a:avLst/>
+            </a:prstGeom>
+            <a:noFill/>
+          </p:spPr>
+          <p:txBody>
+            <a:bodyPr wrap="square" rtlCol="0">
+              <a:spAutoFit/>
+            </a:bodyPr>
+            <a:lstStyle/>
+            <a:p>
+              <a:pPr algn="ctr"/>
+              <a:r>
+                <a:rPr lang="de-DE" sz="1200" dirty="0"/>
+                <a:t>Referenzarchiv</a:t>
+              </a:r>
+            </a:p>
+          </p:txBody>
+        </p:sp>
+        <p:cxnSp>
+          <p:nvCxnSpPr>
+            <p:cNvPr id="12" name="Verbinder: gewinkelt 11">
+              <a:extLst>
+                <a:ext uri="{FF2B5EF4-FFF2-40B4-BE49-F238E27FC236}">
+                  <a16:creationId xmlns:a16="http://schemas.microsoft.com/office/drawing/2014/main" id="{9206D5D9-8257-4414-8E3F-454E00475589}"/>
+                </a:ext>
+              </a:extLst>
+            </p:cNvPr>
+            <p:cNvCxnSpPr>
+              <a:stCxn id="8" idx="2"/>
+              <a:endCxn id="7" idx="2"/>
+            </p:cNvCxnSpPr>
+            <p:nvPr/>
+          </p:nvCxnSpPr>
+          <p:spPr>
+            <a:xfrm rot="16200000" flipH="1">
+              <a:off x="4264186" y="3174273"/>
+              <a:ext cx="12700" cy="5372186"/>
+            </a:xfrm>
+            <a:prstGeom prst="bentConnector3">
+              <a:avLst>
+                <a:gd name="adj1" fmla="val 1800000"/>
+              </a:avLst>
+            </a:prstGeom>
+            <a:ln>
+              <a:tailEnd type="triangle"/>
+            </a:ln>
+          </p:spPr>
+          <p:style>
+            <a:lnRef idx="1">
+              <a:schemeClr val="accent1"/>
+            </a:lnRef>
+            <a:fillRef idx="0">
+              <a:schemeClr val="accent1"/>
+            </a:fillRef>
+            <a:effectRef idx="0">
+              <a:schemeClr val="accent1"/>
+            </a:effectRef>
+            <a:fontRef idx="minor">
+              <a:schemeClr val="tx1"/>
+            </a:fontRef>
+          </p:style>
+        </p:cxnSp>
+        <p:sp>
+          <p:nvSpPr>
+            <p:cNvPr id="13" name="Textfeld 12">
+              <a:extLst>
+                <a:ext uri="{FF2B5EF4-FFF2-40B4-BE49-F238E27FC236}">
+                  <a16:creationId xmlns:a16="http://schemas.microsoft.com/office/drawing/2014/main" id="{2749D5DC-287F-4071-AE90-2B8FB994B753}"/>
+                </a:ext>
+              </a:extLst>
+            </p:cNvPr>
+            <p:cNvSpPr txBox="1"/>
+            <p:nvPr/>
+          </p:nvSpPr>
+          <p:spPr>
+            <a:xfrm>
+              <a:off x="3566284" y="6072404"/>
+              <a:ext cx="1392572" cy="276999"/>
+            </a:xfrm>
+            <a:prstGeom prst="rect">
+              <a:avLst/>
+            </a:prstGeom>
+            <a:noFill/>
+          </p:spPr>
+          <p:txBody>
+            <a:bodyPr wrap="square" rtlCol="0">
+              <a:spAutoFit/>
+            </a:bodyPr>
+            <a:lstStyle/>
+            <a:p>
+              <a:pPr algn="ctr"/>
+              <a:r>
+                <a:rPr lang="de-DE" sz="1200" dirty="0" err="1"/>
+                <a:t>git</a:t>
+              </a:r>
+              <a:r>
+                <a:rPr lang="de-DE" sz="1200" dirty="0"/>
+                <a:t> pull</a:t>
+              </a:r>
+            </a:p>
+          </p:txBody>
+        </p:sp>
+        <p:cxnSp>
+          <p:nvCxnSpPr>
+            <p:cNvPr id="14" name="Gerade Verbindung mit Pfeil 13">
+              <a:extLst>
+                <a:ext uri="{FF2B5EF4-FFF2-40B4-BE49-F238E27FC236}">
+                  <a16:creationId xmlns:a16="http://schemas.microsoft.com/office/drawing/2014/main" id="{5F2A8F69-3EB0-4ABD-9E16-08FCBA84DD28}"/>
+                </a:ext>
+              </a:extLst>
+            </p:cNvPr>
+            <p:cNvCxnSpPr>
+              <a:cxnSpLocks/>
+            </p:cNvCxnSpPr>
+            <p:nvPr/>
+          </p:nvCxnSpPr>
+          <p:spPr>
+            <a:xfrm>
+              <a:off x="2144350" y="5431810"/>
+              <a:ext cx="1553579" cy="0"/>
+            </a:xfrm>
+            <a:prstGeom prst="straightConnector1">
+              <a:avLst/>
+            </a:prstGeom>
+            <a:ln>
+              <a:tailEnd type="triangle"/>
+            </a:ln>
+          </p:spPr>
+          <p:style>
+            <a:lnRef idx="1">
+              <a:schemeClr val="accent1"/>
+            </a:lnRef>
+            <a:fillRef idx="0">
+              <a:schemeClr val="accent1"/>
+            </a:fillRef>
+            <a:effectRef idx="0">
+              <a:schemeClr val="accent1"/>
+            </a:effectRef>
+            <a:fontRef idx="minor">
+              <a:schemeClr val="tx1"/>
+            </a:fontRef>
+          </p:style>
+        </p:cxnSp>
+        <p:sp>
+          <p:nvSpPr>
+            <p:cNvPr id="15" name="Textfeld 14">
+              <a:extLst>
+                <a:ext uri="{FF2B5EF4-FFF2-40B4-BE49-F238E27FC236}">
+                  <a16:creationId xmlns:a16="http://schemas.microsoft.com/office/drawing/2014/main" id="{BF20C657-3382-463F-86CB-B5C410B978C3}"/>
+                </a:ext>
+              </a:extLst>
+            </p:cNvPr>
+            <p:cNvSpPr txBox="1"/>
+            <p:nvPr/>
+          </p:nvSpPr>
+          <p:spPr>
+            <a:xfrm>
+              <a:off x="2224853" y="5154374"/>
+              <a:ext cx="1392572" cy="276999"/>
+            </a:xfrm>
+            <a:prstGeom prst="rect">
+              <a:avLst/>
+            </a:prstGeom>
+            <a:noFill/>
+          </p:spPr>
+          <p:txBody>
+            <a:bodyPr wrap="square" rtlCol="0">
+              <a:spAutoFit/>
+            </a:bodyPr>
+            <a:lstStyle/>
+            <a:p>
+              <a:pPr algn="ctr"/>
+              <a:r>
+                <a:rPr lang="de-DE" sz="1200" dirty="0" err="1"/>
+                <a:t>git</a:t>
+              </a:r>
+              <a:r>
+                <a:rPr lang="de-DE" sz="1200" dirty="0"/>
+                <a:t> </a:t>
+              </a:r>
+              <a:r>
+                <a:rPr lang="de-DE" sz="1200" dirty="0" err="1"/>
+                <a:t>fetch</a:t>
+              </a:r>
+              <a:endParaRPr lang="de-DE" sz="1200" dirty="0"/>
+            </a:p>
+          </p:txBody>
+        </p:sp>
+        <p:cxnSp>
+          <p:nvCxnSpPr>
+            <p:cNvPr id="16" name="Gerade Verbindung mit Pfeil 15">
+              <a:extLst>
+                <a:ext uri="{FF2B5EF4-FFF2-40B4-BE49-F238E27FC236}">
+                  <a16:creationId xmlns:a16="http://schemas.microsoft.com/office/drawing/2014/main" id="{15B479D2-573D-40A5-AFE4-159D5E50A1F9}"/>
+                </a:ext>
+              </a:extLst>
+            </p:cNvPr>
+            <p:cNvCxnSpPr/>
+            <p:nvPr/>
+          </p:nvCxnSpPr>
+          <p:spPr>
+            <a:xfrm flipH="1">
+              <a:off x="2144350" y="5780015"/>
+              <a:ext cx="1553579" cy="0"/>
+            </a:xfrm>
+            <a:prstGeom prst="straightConnector1">
+              <a:avLst/>
+            </a:prstGeom>
+            <a:ln>
+              <a:tailEnd type="triangle"/>
+            </a:ln>
+          </p:spPr>
+          <p:style>
+            <a:lnRef idx="1">
+              <a:schemeClr val="accent1"/>
+            </a:lnRef>
+            <a:fillRef idx="0">
+              <a:schemeClr val="accent1"/>
+            </a:fillRef>
+            <a:effectRef idx="0">
+              <a:schemeClr val="accent1"/>
+            </a:effectRef>
+            <a:fontRef idx="minor">
+              <a:schemeClr val="tx1"/>
+            </a:fontRef>
+          </p:style>
+        </p:cxnSp>
+        <p:sp>
+          <p:nvSpPr>
+            <p:cNvPr id="17" name="Textfeld 16">
+              <a:extLst>
+                <a:ext uri="{FF2B5EF4-FFF2-40B4-BE49-F238E27FC236}">
+                  <a16:creationId xmlns:a16="http://schemas.microsoft.com/office/drawing/2014/main" id="{547A475A-4491-4305-BE2F-2C67EB35BB40}"/>
+                </a:ext>
+              </a:extLst>
+            </p:cNvPr>
+            <p:cNvSpPr txBox="1"/>
+            <p:nvPr/>
+          </p:nvSpPr>
+          <p:spPr>
+            <a:xfrm>
+              <a:off x="2224046" y="5534216"/>
+              <a:ext cx="1392572" cy="276999"/>
+            </a:xfrm>
+            <a:prstGeom prst="rect">
+              <a:avLst/>
+            </a:prstGeom>
+            <a:noFill/>
+          </p:spPr>
+          <p:txBody>
+            <a:bodyPr wrap="square" rtlCol="0">
+              <a:spAutoFit/>
+            </a:bodyPr>
+            <a:lstStyle/>
+            <a:p>
+              <a:pPr algn="ctr"/>
+              <a:r>
+                <a:rPr lang="de-DE" sz="1200" dirty="0" err="1"/>
+                <a:t>git</a:t>
+              </a:r>
+              <a:r>
+                <a:rPr lang="de-DE" sz="1200" dirty="0"/>
+                <a:t> push</a:t>
+              </a:r>
+            </a:p>
+          </p:txBody>
+        </p:sp>
+        <p:cxnSp>
+          <p:nvCxnSpPr>
+            <p:cNvPr id="18" name="Gerade Verbindung mit Pfeil 17">
+              <a:extLst>
+                <a:ext uri="{FF2B5EF4-FFF2-40B4-BE49-F238E27FC236}">
+                  <a16:creationId xmlns:a16="http://schemas.microsoft.com/office/drawing/2014/main" id="{C8A609E5-5593-44C8-9573-8D1E2E8C54DC}"/>
+                </a:ext>
+              </a:extLst>
+            </p:cNvPr>
+            <p:cNvCxnSpPr>
+              <a:cxnSpLocks/>
+            </p:cNvCxnSpPr>
+            <p:nvPr/>
+          </p:nvCxnSpPr>
+          <p:spPr>
+            <a:xfrm>
+              <a:off x="4830443" y="5448588"/>
+              <a:ext cx="1553579" cy="0"/>
+            </a:xfrm>
+            <a:prstGeom prst="straightConnector1">
+              <a:avLst/>
+            </a:prstGeom>
+            <a:ln>
+              <a:tailEnd type="triangle"/>
+            </a:ln>
+          </p:spPr>
+          <p:style>
+            <a:lnRef idx="1">
+              <a:schemeClr val="accent1"/>
+            </a:lnRef>
+            <a:fillRef idx="0">
+              <a:schemeClr val="accent1"/>
+            </a:fillRef>
+            <a:effectRef idx="0">
+              <a:schemeClr val="accent1"/>
+            </a:effectRef>
+            <a:fontRef idx="minor">
+              <a:schemeClr val="tx1"/>
+            </a:fontRef>
+          </p:style>
+        </p:cxnSp>
+        <p:sp>
+          <p:nvSpPr>
+            <p:cNvPr id="19" name="Textfeld 18">
+              <a:extLst>
+                <a:ext uri="{FF2B5EF4-FFF2-40B4-BE49-F238E27FC236}">
+                  <a16:creationId xmlns:a16="http://schemas.microsoft.com/office/drawing/2014/main" id="{7106E5B2-64F9-4881-A611-6517540A1383}"/>
+                </a:ext>
+              </a:extLst>
+            </p:cNvPr>
+            <p:cNvSpPr txBox="1"/>
+            <p:nvPr/>
+          </p:nvSpPr>
+          <p:spPr>
+            <a:xfrm>
+              <a:off x="4910946" y="5171588"/>
+              <a:ext cx="1392572" cy="276999"/>
+            </a:xfrm>
+            <a:prstGeom prst="rect">
+              <a:avLst/>
+            </a:prstGeom>
+            <a:noFill/>
+          </p:spPr>
+          <p:txBody>
+            <a:bodyPr wrap="square" rtlCol="0">
+              <a:spAutoFit/>
+            </a:bodyPr>
+            <a:lstStyle/>
+            <a:p>
+              <a:pPr algn="ctr"/>
+              <a:r>
+                <a:rPr lang="de-DE" sz="1200" dirty="0" err="1"/>
+                <a:t>git</a:t>
+              </a:r>
+              <a:r>
+                <a:rPr lang="de-DE" sz="1200" dirty="0"/>
+                <a:t> </a:t>
+              </a:r>
+              <a:r>
+                <a:rPr lang="de-DE" sz="1200" dirty="0" err="1"/>
+                <a:t>merge</a:t>
+              </a:r>
+              <a:endParaRPr lang="de-DE" sz="1200" dirty="0"/>
+            </a:p>
+          </p:txBody>
+        </p:sp>
+      </p:grpSp>
     </p:spTree>
     <p:extLst>
       <p:ext uri="{BB962C8B-B14F-4D97-AF65-F5344CB8AC3E}">
-        <p14:creationId xmlns:p14="http://schemas.microsoft.com/office/powerpoint/2010/main" val="1883800244"/>
+        <p14:creationId xmlns:p14="http://schemas.microsoft.com/office/powerpoint/2010/main" val="3659548600"/>
       </p:ext>
     </p:extLst>
   </p:cSld>
@@ -8500,7 +10447,7 @@
           <p:cNvPr id="5" name="Inhaltsplatzhalter 4">
             <a:extLst>
               <a:ext uri="{FF2B5EF4-FFF2-40B4-BE49-F238E27FC236}">
-                <a16:creationId xmlns:a16="http://schemas.microsoft.com/office/drawing/2014/main" id="{E993345E-4322-4AD4-BA0B-0AE461CCFCD5}"/>
+                <a16:creationId xmlns:a16="http://schemas.microsoft.com/office/drawing/2014/main" id="{AEB324FE-DECD-4695-AD49-3199FDB60C24}"/>
               </a:ext>
             </a:extLst>
           </p:cNvPr>
@@ -8518,12 +10465,6 @@
           <a:p>
             <a:r>
               <a:rPr lang="de-DE" dirty="0"/>
-              <a:t>Wird verwendet um das lokale Projektarchiv mit Änderungen des Referenzarchivs zu erweitern</a:t>
-            </a:r>
-          </a:p>
-          <a:p>
-            <a:r>
-              <a:rPr lang="de-DE" dirty="0"/>
               <a:t>Kommando: </a:t>
             </a:r>
             <a:r>
@@ -8532,45 +10473,100 @@
             </a:r>
             <a:r>
               <a:rPr lang="de-DE" b="1" i="1" dirty="0"/>
-              <a:t> pull</a:t>
-            </a:r>
-          </a:p>
-          <a:p>
+              <a:t> push &lt;Referenzarchiv (</a:t>
+            </a:r>
+            <a:r>
+              <a:rPr lang="de-DE" b="1" i="1" dirty="0" err="1"/>
+              <a:t>origin</a:t>
+            </a:r>
+            <a:r>
+              <a:rPr lang="de-DE" b="1" i="1" dirty="0"/>
+              <a:t>)&gt; &lt;Zweig&gt;</a:t>
+            </a:r>
+          </a:p>
+          <a:p>
+            <a:pPr lvl="1"/>
+            <a:r>
+              <a:rPr lang="de-DE" dirty="0"/>
+              <a:t>Ermöglich lokale Änderungen auf  das Referenzarchiv zu legen</a:t>
+            </a:r>
+          </a:p>
+          <a:p>
+            <a:pPr marL="457200" lvl="1" indent="0">
+              <a:buNone/>
+            </a:pPr>
+            <a:endParaRPr lang="de-DE" dirty="0"/>
+          </a:p>
+          <a:p>
+            <a:r>
+              <a:rPr lang="de-DE" dirty="0"/>
+              <a:t>Kommando: </a:t>
+            </a:r>
+            <a:r>
+              <a:rPr lang="de-DE" b="1" i="1" dirty="0" err="1"/>
+              <a:t>git</a:t>
+            </a:r>
+            <a:r>
+              <a:rPr lang="de-DE" b="1" i="1" dirty="0"/>
+              <a:t> </a:t>
+            </a:r>
+            <a:r>
+              <a:rPr lang="de-DE" b="1" i="1" dirty="0" err="1"/>
+              <a:t>fetch</a:t>
+            </a:r>
+            <a:r>
+              <a:rPr lang="de-DE" b="1" i="1" dirty="0"/>
+              <a:t> &lt;Referenzarchiv (</a:t>
+            </a:r>
+            <a:r>
+              <a:rPr lang="de-DE" b="1" i="1" dirty="0" err="1"/>
+              <a:t>origin</a:t>
+            </a:r>
+            <a:r>
+              <a:rPr lang="de-DE" b="1" i="1" dirty="0"/>
+              <a:t>)&gt; &lt;Zweig&gt;</a:t>
+            </a:r>
+          </a:p>
+          <a:p>
+            <a:pPr lvl="1"/>
+            <a:r>
+              <a:rPr lang="de-DE" dirty="0"/>
+              <a:t>Vergleicht Referenzarchiv</a:t>
+            </a:r>
             <a:r>
               <a:rPr lang="de-DE" i="1" dirty="0"/>
-              <a:t>Pull</a:t>
-            </a:r>
-            <a:r>
-              <a:rPr lang="de-DE" dirty="0"/>
-              <a:t> ist eine Kombination aus </a:t>
-            </a:r>
-            <a:r>
-              <a:rPr lang="de-DE" i="1" dirty="0" err="1"/>
-              <a:t>fetch</a:t>
-            </a:r>
-            <a:r>
-              <a:rPr lang="de-DE" dirty="0"/>
-              <a:t> und </a:t>
-            </a:r>
-            <a:r>
-              <a:rPr lang="de-DE" i="1" dirty="0" err="1"/>
-              <a:t>merge</a:t>
-            </a:r>
+              <a:t> </a:t>
+            </a:r>
+            <a:r>
+              <a:rPr lang="de-DE" dirty="0"/>
+              <a:t>mit dem lokalen Stand</a:t>
+            </a:r>
+          </a:p>
+          <a:p>
+            <a:pPr lvl="1"/>
+            <a:r>
+              <a:rPr lang="de-DE" dirty="0"/>
+              <a:t>Abweichende Änderungen werden nur angezeigt und nicht integriert</a:t>
+            </a:r>
+          </a:p>
+          <a:p>
+            <a:pPr lvl="1"/>
+            <a:r>
+              <a:rPr lang="de-DE" dirty="0"/>
+              <a:t>Sichtbar unter &lt;Referenzarchiv (</a:t>
+            </a:r>
+            <a:r>
+              <a:rPr lang="de-DE" dirty="0" err="1"/>
+              <a:t>origin</a:t>
+            </a:r>
+            <a:r>
+              <a:rPr lang="de-DE" dirty="0"/>
+              <a:t>)&gt;/&lt;Zweig&gt;</a:t>
+            </a:r>
+          </a:p>
+          <a:p>
+            <a:pPr lvl="1"/>
             <a:endParaRPr lang="de-DE" i="1" dirty="0"/>
-          </a:p>
-          <a:p>
-            <a:r>
-              <a:rPr lang="de-DE" dirty="0"/>
-              <a:t>Mit Anhang --</a:t>
-            </a:r>
-            <a:r>
-              <a:rPr lang="de-DE" b="1" i="1" dirty="0" err="1"/>
-              <a:t>rebase</a:t>
-            </a:r>
-            <a:r>
-              <a:rPr lang="de-DE" dirty="0"/>
-              <a:t> werden lokale Abweichungen verschoben</a:t>
-            </a:r>
           </a:p>
           <a:p>
             <a:pPr lvl="1"/>
@@ -8583,7 +10579,7 @@
           <p:cNvPr id="3" name="Titel 2">
             <a:extLst>
               <a:ext uri="{FF2B5EF4-FFF2-40B4-BE49-F238E27FC236}">
-                <a16:creationId xmlns:a16="http://schemas.microsoft.com/office/drawing/2014/main" id="{2894306C-BD41-4925-9236-4DE81AE928D0}"/>
+                <a16:creationId xmlns:a16="http://schemas.microsoft.com/office/drawing/2014/main" id="{464AB558-9021-456D-A794-9A19A1E3EBA5}"/>
               </a:ext>
             </a:extLst>
           </p:cNvPr>
@@ -8611,15 +10607,195 @@
           <a:p>
             <a:r>
               <a:rPr lang="de-DE" dirty="0"/>
-              <a:t>Pull</a:t>
-            </a:r>
+              <a:t>Push / </a:t>
+            </a:r>
+            <a:r>
+              <a:rPr lang="de-DE" dirty="0" err="1"/>
+              <a:t>fetch</a:t>
+            </a:r>
+            <a:endParaRPr lang="de-DE" dirty="0"/>
+          </a:p>
+        </p:txBody>
+      </p:sp>
+      <p:pic>
+        <p:nvPicPr>
+          <p:cNvPr id="4" name="Grafik 3">
+            <a:extLst>
+              <a:ext uri="{FF2B5EF4-FFF2-40B4-BE49-F238E27FC236}">
+                <a16:creationId xmlns:a16="http://schemas.microsoft.com/office/drawing/2014/main" id="{D98DEC21-61D8-4907-931D-5538C21FD89A}"/>
+              </a:ext>
+            </a:extLst>
+          </p:cNvPr>
+          <p:cNvPicPr>
+            <a:picLocks noChangeAspect="1"/>
+          </p:cNvPicPr>
+          <p:nvPr/>
+        </p:nvPicPr>
+        <p:blipFill>
+          <a:blip r:embed="rId2">
+            <a:extLst>
+              <a:ext uri="{28A0092B-C50C-407E-A947-70E740481C1C}">
+                <a14:useLocalDpi xmlns:a14="http://schemas.microsoft.com/office/drawing/2010/main" val="0"/>
+              </a:ext>
+            </a:extLst>
+          </a:blip>
+          <a:stretch>
+            <a:fillRect/>
+          </a:stretch>
+        </p:blipFill>
+        <p:spPr>
+          <a:xfrm>
+            <a:off x="2952524" y="4020008"/>
+            <a:ext cx="3238952" cy="419158"/>
+          </a:xfrm>
+          <a:prstGeom prst="rect">
+            <a:avLst/>
+          </a:prstGeom>
+        </p:spPr>
+      </p:pic>
+      <p:pic>
+        <p:nvPicPr>
+          <p:cNvPr id="7" name="Grafik 6" descr="Ein Bild, das Messer, Tisch enthält.&#10;&#10;Automatisch generierte Beschreibung">
+            <a:extLst>
+              <a:ext uri="{FF2B5EF4-FFF2-40B4-BE49-F238E27FC236}">
+                <a16:creationId xmlns:a16="http://schemas.microsoft.com/office/drawing/2014/main" id="{AA4AB8BA-790C-46B7-BA4B-40A2C1F49DC1}"/>
+              </a:ext>
+            </a:extLst>
+          </p:cNvPr>
+          <p:cNvPicPr>
+            <a:picLocks noChangeAspect="1"/>
+          </p:cNvPicPr>
+          <p:nvPr/>
+        </p:nvPicPr>
+        <p:blipFill>
+          <a:blip r:embed="rId3">
+            <a:extLst>
+              <a:ext uri="{28A0092B-C50C-407E-A947-70E740481C1C}">
+                <a14:useLocalDpi xmlns:a14="http://schemas.microsoft.com/office/drawing/2010/main" val="0"/>
+              </a:ext>
+            </a:extLst>
+          </a:blip>
+          <a:stretch>
+            <a:fillRect/>
+          </a:stretch>
+        </p:blipFill>
+        <p:spPr>
+          <a:xfrm>
+            <a:off x="2633392" y="5394558"/>
+            <a:ext cx="3877216" cy="647790"/>
+          </a:xfrm>
+          <a:prstGeom prst="rect">
+            <a:avLst/>
+          </a:prstGeom>
+        </p:spPr>
+      </p:pic>
+      <p:cxnSp>
+        <p:nvCxnSpPr>
+          <p:cNvPr id="11" name="Gerade Verbindung mit Pfeil 10">
+            <a:extLst>
+              <a:ext uri="{FF2B5EF4-FFF2-40B4-BE49-F238E27FC236}">
+                <a16:creationId xmlns:a16="http://schemas.microsoft.com/office/drawing/2014/main" id="{8BB7147C-9CEF-4746-BAD4-3229BCCDCF61}"/>
+              </a:ext>
+            </a:extLst>
+          </p:cNvPr>
+          <p:cNvCxnSpPr>
+            <a:stCxn id="4" idx="2"/>
+            <a:endCxn id="7" idx="0"/>
+          </p:cNvCxnSpPr>
+          <p:nvPr/>
+        </p:nvCxnSpPr>
+        <p:spPr>
+          <a:xfrm>
+            <a:off x="4572000" y="4439166"/>
+            <a:ext cx="0" cy="955392"/>
+          </a:xfrm>
+          <a:prstGeom prst="straightConnector1">
+            <a:avLst/>
+          </a:prstGeom>
+          <a:ln>
+            <a:tailEnd type="triangle"/>
+          </a:ln>
+        </p:spPr>
+        <p:style>
+          <a:lnRef idx="1">
+            <a:schemeClr val="accent1"/>
+          </a:lnRef>
+          <a:fillRef idx="0">
+            <a:schemeClr val="accent1"/>
+          </a:fillRef>
+          <a:effectRef idx="0">
+            <a:schemeClr val="accent1"/>
+          </a:effectRef>
+          <a:fontRef idx="minor">
+            <a:schemeClr val="tx1"/>
+          </a:fontRef>
+        </p:style>
+      </p:cxnSp>
+      <p:sp>
+        <p:nvSpPr>
+          <p:cNvPr id="13" name="Textfeld 12">
+            <a:extLst>
+              <a:ext uri="{FF2B5EF4-FFF2-40B4-BE49-F238E27FC236}">
+                <a16:creationId xmlns:a16="http://schemas.microsoft.com/office/drawing/2014/main" id="{3D32F025-1D0A-4127-B153-9B218919B982}"/>
+              </a:ext>
+            </a:extLst>
+          </p:cNvPr>
+          <p:cNvSpPr txBox="1"/>
+          <p:nvPr/>
+        </p:nvSpPr>
+        <p:spPr>
+          <a:xfrm>
+            <a:off x="4510305" y="4639863"/>
+            <a:ext cx="1681171" cy="276999"/>
+          </a:xfrm>
+          <a:prstGeom prst="rect">
+            <a:avLst/>
+          </a:prstGeom>
+          <a:noFill/>
+        </p:spPr>
+        <p:txBody>
+          <a:bodyPr wrap="square" rtlCol="0">
+            <a:spAutoFit/>
+          </a:bodyPr>
+          <a:lstStyle/>
+          <a:p>
+            <a:pPr algn="ctr"/>
+            <a:r>
+              <a:rPr lang="de-DE" sz="1200" dirty="0" err="1"/>
+              <a:t>git</a:t>
+            </a:r>
+            <a:r>
+              <a:rPr lang="de-DE" sz="1200" dirty="0"/>
+              <a:t> </a:t>
+            </a:r>
+            <a:r>
+              <a:rPr lang="de-DE" sz="1200" dirty="0" err="1"/>
+              <a:t>fetch</a:t>
+            </a:r>
+            <a:r>
+              <a:rPr lang="de-DE" sz="1200" dirty="0"/>
+              <a:t> </a:t>
+            </a:r>
+            <a:r>
+              <a:rPr lang="de-DE" sz="1200" dirty="0" err="1"/>
+              <a:t>origin</a:t>
+            </a:r>
+            <a:r>
+              <a:rPr lang="de-DE" sz="1200" dirty="0"/>
+              <a:t> </a:t>
+            </a:r>
+            <a:r>
+              <a:rPr lang="de-DE" sz="1200" dirty="0" err="1"/>
+              <a:t>master</a:t>
+            </a:r>
+            <a:endParaRPr lang="de-DE" sz="1200" dirty="0"/>
           </a:p>
         </p:txBody>
       </p:sp>
     </p:spTree>
     <p:extLst>
       <p:ext uri="{BB962C8B-B14F-4D97-AF65-F5344CB8AC3E}">
-        <p14:creationId xmlns:p14="http://schemas.microsoft.com/office/powerpoint/2010/main" val="4273179020"/>
+        <p14:creationId xmlns:p14="http://schemas.microsoft.com/office/powerpoint/2010/main" val="1883800244"/>
       </p:ext>
     </p:extLst>
   </p:cSld>
@@ -8648,6 +10824,459 @@
       </p:grpSpPr>
       <p:sp>
         <p:nvSpPr>
+          <p:cNvPr id="5" name="Inhaltsplatzhalter 4">
+            <a:extLst>
+              <a:ext uri="{FF2B5EF4-FFF2-40B4-BE49-F238E27FC236}">
+                <a16:creationId xmlns:a16="http://schemas.microsoft.com/office/drawing/2014/main" id="{E993345E-4322-4AD4-BA0B-0AE461CCFCD5}"/>
+              </a:ext>
+            </a:extLst>
+          </p:cNvPr>
+          <p:cNvSpPr>
+            <a:spLocks noGrp="1"/>
+          </p:cNvSpPr>
+          <p:nvPr>
+            <p:ph idx="13"/>
+          </p:nvPr>
+        </p:nvSpPr>
+        <p:spPr/>
+        <p:txBody>
+          <a:bodyPr/>
+          <a:lstStyle/>
+          <a:p>
+            <a:r>
+              <a:rPr lang="de-DE" dirty="0"/>
+              <a:t>Wird verwendet um das lokale Projektarchiv mit Änderungen des Referenzarchivs zu erweitern</a:t>
+            </a:r>
+          </a:p>
+          <a:p>
+            <a:r>
+              <a:rPr lang="de-DE" dirty="0"/>
+              <a:t>Kommando: </a:t>
+            </a:r>
+            <a:r>
+              <a:rPr lang="de-DE" b="1" i="1" dirty="0" err="1"/>
+              <a:t>git</a:t>
+            </a:r>
+            <a:r>
+              <a:rPr lang="de-DE" b="1" i="1" dirty="0"/>
+              <a:t> pull</a:t>
+            </a:r>
+          </a:p>
+          <a:p>
+            <a:pPr lvl="1"/>
+            <a:r>
+              <a:rPr lang="de-DE" dirty="0"/>
+              <a:t>Kombination aus </a:t>
+            </a:r>
+            <a:r>
+              <a:rPr lang="de-DE" i="1" dirty="0" err="1"/>
+              <a:t>fetch</a:t>
+            </a:r>
+            <a:r>
+              <a:rPr lang="de-DE" dirty="0"/>
+              <a:t> und </a:t>
+            </a:r>
+            <a:r>
+              <a:rPr lang="de-DE" i="1" dirty="0" err="1"/>
+              <a:t>merge</a:t>
+            </a:r>
+            <a:endParaRPr lang="de-DE" i="1" dirty="0"/>
+          </a:p>
+          <a:p>
+            <a:pPr lvl="1"/>
+            <a:r>
+              <a:rPr lang="de-DE" dirty="0"/>
+              <a:t>Mit --</a:t>
+            </a:r>
+            <a:r>
+              <a:rPr lang="de-DE" b="1" i="1" dirty="0" err="1"/>
+              <a:t>rebase</a:t>
+            </a:r>
+            <a:r>
+              <a:rPr lang="de-DE" dirty="0"/>
+              <a:t> werden lokale Abweichungen am Zweig an die Spitze verschoben und einkommende Änderungen zuvor integriert</a:t>
+            </a:r>
+          </a:p>
+          <a:p>
+            <a:pPr lvl="1"/>
+            <a:endParaRPr lang="de-DE" dirty="0"/>
+          </a:p>
+        </p:txBody>
+      </p:sp>
+      <p:sp>
+        <p:nvSpPr>
+          <p:cNvPr id="3" name="Titel 2">
+            <a:extLst>
+              <a:ext uri="{FF2B5EF4-FFF2-40B4-BE49-F238E27FC236}">
+                <a16:creationId xmlns:a16="http://schemas.microsoft.com/office/drawing/2014/main" id="{2894306C-BD41-4925-9236-4DE81AE928D0}"/>
+              </a:ext>
+            </a:extLst>
+          </p:cNvPr>
+          <p:cNvSpPr>
+            <a:spLocks noGrp="1"/>
+          </p:cNvSpPr>
+          <p:nvPr>
+            <p:ph type="title" idx="4294967295"/>
+          </p:nvPr>
+        </p:nvSpPr>
+        <p:spPr>
+          <a:xfrm>
+            <a:off x="628650" y="365126"/>
+            <a:ext cx="7886700" cy="698903"/>
+          </a:xfrm>
+          <a:prstGeom prst="rect">
+            <a:avLst/>
+          </a:prstGeom>
+        </p:spPr>
+        <p:txBody>
+          <a:bodyPr>
+            <a:normAutofit/>
+          </a:bodyPr>
+          <a:lstStyle/>
+          <a:p>
+            <a:r>
+              <a:rPr lang="de-DE" dirty="0"/>
+              <a:t>Pull</a:t>
+            </a:r>
+          </a:p>
+        </p:txBody>
+      </p:sp>
+      <p:pic>
+        <p:nvPicPr>
+          <p:cNvPr id="27" name="Grafik 26" descr="Ein Bild, das Messer, Tisch enthält.&#10;&#10;Automatisch generierte Beschreibung">
+            <a:extLst>
+              <a:ext uri="{FF2B5EF4-FFF2-40B4-BE49-F238E27FC236}">
+                <a16:creationId xmlns:a16="http://schemas.microsoft.com/office/drawing/2014/main" id="{E322687E-DFA0-4D7E-B746-2DB765AA95B4}"/>
+              </a:ext>
+            </a:extLst>
+          </p:cNvPr>
+          <p:cNvPicPr>
+            <a:picLocks noChangeAspect="1"/>
+          </p:cNvPicPr>
+          <p:nvPr/>
+        </p:nvPicPr>
+        <p:blipFill>
+          <a:blip r:embed="rId2">
+            <a:extLst>
+              <a:ext uri="{28A0092B-C50C-407E-A947-70E740481C1C}">
+                <a14:useLocalDpi xmlns:a14="http://schemas.microsoft.com/office/drawing/2010/main" val="0"/>
+              </a:ext>
+            </a:extLst>
+          </a:blip>
+          <a:stretch>
+            <a:fillRect/>
+          </a:stretch>
+        </p:blipFill>
+        <p:spPr>
+          <a:xfrm>
+            <a:off x="474940" y="4358912"/>
+            <a:ext cx="3031658" cy="506517"/>
+          </a:xfrm>
+          <a:prstGeom prst="rect">
+            <a:avLst/>
+          </a:prstGeom>
+        </p:spPr>
+      </p:pic>
+      <p:pic>
+        <p:nvPicPr>
+          <p:cNvPr id="29" name="Grafik 28" descr="Ein Bild, das Tisch enthält.&#10;&#10;Automatisch generierte Beschreibung">
+            <a:extLst>
+              <a:ext uri="{FF2B5EF4-FFF2-40B4-BE49-F238E27FC236}">
+                <a16:creationId xmlns:a16="http://schemas.microsoft.com/office/drawing/2014/main" id="{7995F1B8-D85C-4B0D-A433-69BC60F6EE66}"/>
+              </a:ext>
+            </a:extLst>
+          </p:cNvPr>
+          <p:cNvPicPr>
+            <a:picLocks noChangeAspect="1"/>
+          </p:cNvPicPr>
+          <p:nvPr/>
+        </p:nvPicPr>
+        <p:blipFill>
+          <a:blip r:embed="rId3">
+            <a:extLst>
+              <a:ext uri="{28A0092B-C50C-407E-A947-70E740481C1C}">
+                <a14:useLocalDpi xmlns:a14="http://schemas.microsoft.com/office/drawing/2010/main" val="0"/>
+              </a:ext>
+            </a:extLst>
+          </a:blip>
+          <a:stretch>
+            <a:fillRect/>
+          </a:stretch>
+        </p:blipFill>
+        <p:spPr>
+          <a:xfrm>
+            <a:off x="4923017" y="4865429"/>
+            <a:ext cx="3543702" cy="469647"/>
+          </a:xfrm>
+          <a:prstGeom prst="rect">
+            <a:avLst/>
+          </a:prstGeom>
+        </p:spPr>
+      </p:pic>
+      <p:sp>
+        <p:nvSpPr>
+          <p:cNvPr id="32" name="Textfeld 31">
+            <a:extLst>
+              <a:ext uri="{FF2B5EF4-FFF2-40B4-BE49-F238E27FC236}">
+                <a16:creationId xmlns:a16="http://schemas.microsoft.com/office/drawing/2014/main" id="{9B9A6FC9-562A-43EC-A9E5-E0F39611D642}"/>
+              </a:ext>
+            </a:extLst>
+          </p:cNvPr>
+          <p:cNvSpPr txBox="1"/>
+          <p:nvPr/>
+        </p:nvSpPr>
+        <p:spPr>
+          <a:xfrm>
+            <a:off x="4875246" y="5311190"/>
+            <a:ext cx="3165709" cy="307777"/>
+          </a:xfrm>
+          <a:prstGeom prst="rect">
+            <a:avLst/>
+          </a:prstGeom>
+          <a:noFill/>
+        </p:spPr>
+        <p:txBody>
+          <a:bodyPr wrap="square" rtlCol="0">
+            <a:spAutoFit/>
+          </a:bodyPr>
+          <a:lstStyle/>
+          <a:p>
+            <a:r>
+              <a:rPr lang="de-DE" sz="1400" dirty="0" err="1"/>
+              <a:t>git</a:t>
+            </a:r>
+            <a:r>
+              <a:rPr lang="de-DE" sz="1400" dirty="0"/>
+              <a:t> pull </a:t>
+            </a:r>
+            <a:r>
+              <a:rPr lang="de-DE" sz="1400" dirty="0" err="1"/>
+              <a:t>origin</a:t>
+            </a:r>
+            <a:r>
+              <a:rPr lang="de-DE" sz="1400" dirty="0"/>
+              <a:t> </a:t>
+            </a:r>
+            <a:r>
+              <a:rPr lang="de-DE" sz="1400" dirty="0" err="1"/>
+              <a:t>master</a:t>
+            </a:r>
+            <a:r>
+              <a:rPr lang="de-DE" sz="1400" dirty="0"/>
+              <a:t> --</a:t>
+            </a:r>
+            <a:r>
+              <a:rPr lang="de-DE" sz="1400" dirty="0" err="1"/>
+              <a:t>rebase</a:t>
+            </a:r>
+            <a:endParaRPr lang="de-DE" sz="1400" dirty="0"/>
+          </a:p>
+        </p:txBody>
+      </p:sp>
+      <p:pic>
+        <p:nvPicPr>
+          <p:cNvPr id="36" name="Grafik 35">
+            <a:extLst>
+              <a:ext uri="{FF2B5EF4-FFF2-40B4-BE49-F238E27FC236}">
+                <a16:creationId xmlns:a16="http://schemas.microsoft.com/office/drawing/2014/main" id="{DC32B427-524D-4F8A-B348-AEAEDA1051F7}"/>
+              </a:ext>
+            </a:extLst>
+          </p:cNvPr>
+          <p:cNvPicPr>
+            <a:picLocks noChangeAspect="1"/>
+          </p:cNvPicPr>
+          <p:nvPr/>
+        </p:nvPicPr>
+        <p:blipFill>
+          <a:blip r:embed="rId4">
+            <a:extLst>
+              <a:ext uri="{28A0092B-C50C-407E-A947-70E740481C1C}">
+                <a14:useLocalDpi xmlns:a14="http://schemas.microsoft.com/office/drawing/2010/main" val="0"/>
+              </a:ext>
+            </a:extLst>
+          </a:blip>
+          <a:stretch>
+            <a:fillRect/>
+          </a:stretch>
+        </p:blipFill>
+        <p:spPr>
+          <a:xfrm>
+            <a:off x="4923017" y="3461042"/>
+            <a:ext cx="3899638" cy="775276"/>
+          </a:xfrm>
+          <a:prstGeom prst="rect">
+            <a:avLst/>
+          </a:prstGeom>
+        </p:spPr>
+      </p:pic>
+      <p:sp>
+        <p:nvSpPr>
+          <p:cNvPr id="40" name="Textfeld 39">
+            <a:extLst>
+              <a:ext uri="{FF2B5EF4-FFF2-40B4-BE49-F238E27FC236}">
+                <a16:creationId xmlns:a16="http://schemas.microsoft.com/office/drawing/2014/main" id="{DC244256-4AED-4C3B-B7E1-5B2DAD13D32D}"/>
+              </a:ext>
+            </a:extLst>
+          </p:cNvPr>
+          <p:cNvSpPr txBox="1"/>
+          <p:nvPr/>
+        </p:nvSpPr>
+        <p:spPr>
+          <a:xfrm>
+            <a:off x="4875246" y="4172581"/>
+            <a:ext cx="2405140" cy="307777"/>
+          </a:xfrm>
+          <a:prstGeom prst="rect">
+            <a:avLst/>
+          </a:prstGeom>
+          <a:noFill/>
+        </p:spPr>
+        <p:txBody>
+          <a:bodyPr wrap="square" rtlCol="0">
+            <a:spAutoFit/>
+          </a:bodyPr>
+          <a:lstStyle/>
+          <a:p>
+            <a:r>
+              <a:rPr lang="de-DE" sz="1400" dirty="0" err="1"/>
+              <a:t>git</a:t>
+            </a:r>
+            <a:r>
+              <a:rPr lang="de-DE" sz="1400" dirty="0"/>
+              <a:t> pull </a:t>
+            </a:r>
+            <a:r>
+              <a:rPr lang="de-DE" sz="1400" dirty="0" err="1"/>
+              <a:t>origin</a:t>
+            </a:r>
+            <a:r>
+              <a:rPr lang="de-DE" sz="1400" dirty="0"/>
+              <a:t> </a:t>
+            </a:r>
+            <a:r>
+              <a:rPr lang="de-DE" sz="1400" dirty="0" err="1"/>
+              <a:t>master</a:t>
+            </a:r>
+            <a:endParaRPr lang="de-DE" sz="1400" dirty="0"/>
+          </a:p>
+        </p:txBody>
+      </p:sp>
+      <p:cxnSp>
+        <p:nvCxnSpPr>
+          <p:cNvPr id="48" name="Verbinder: gewinkelt 47">
+            <a:extLst>
+              <a:ext uri="{FF2B5EF4-FFF2-40B4-BE49-F238E27FC236}">
+                <a16:creationId xmlns:a16="http://schemas.microsoft.com/office/drawing/2014/main" id="{6D2BDB0F-F97E-42E2-802C-8CBD27978AEF}"/>
+              </a:ext>
+            </a:extLst>
+          </p:cNvPr>
+          <p:cNvCxnSpPr>
+            <a:stCxn id="27" idx="3"/>
+            <a:endCxn id="36" idx="1"/>
+          </p:cNvCxnSpPr>
+          <p:nvPr/>
+        </p:nvCxnSpPr>
+        <p:spPr>
+          <a:xfrm flipV="1">
+            <a:off x="3506598" y="3848680"/>
+            <a:ext cx="1416419" cy="763491"/>
+          </a:xfrm>
+          <a:prstGeom prst="bentConnector3">
+            <a:avLst/>
+          </a:prstGeom>
+          <a:ln>
+            <a:tailEnd type="triangle"/>
+          </a:ln>
+        </p:spPr>
+        <p:style>
+          <a:lnRef idx="1">
+            <a:schemeClr val="accent1"/>
+          </a:lnRef>
+          <a:fillRef idx="0">
+            <a:schemeClr val="accent1"/>
+          </a:fillRef>
+          <a:effectRef idx="0">
+            <a:schemeClr val="accent1"/>
+          </a:effectRef>
+          <a:fontRef idx="minor">
+            <a:schemeClr val="tx1"/>
+          </a:fontRef>
+        </p:style>
+      </p:cxnSp>
+      <p:cxnSp>
+        <p:nvCxnSpPr>
+          <p:cNvPr id="50" name="Verbinder: gewinkelt 49">
+            <a:extLst>
+              <a:ext uri="{FF2B5EF4-FFF2-40B4-BE49-F238E27FC236}">
+                <a16:creationId xmlns:a16="http://schemas.microsoft.com/office/drawing/2014/main" id="{DEB3E4F7-7BD8-4702-866B-D929FA6CD927}"/>
+              </a:ext>
+            </a:extLst>
+          </p:cNvPr>
+          <p:cNvCxnSpPr>
+            <a:stCxn id="27" idx="3"/>
+            <a:endCxn id="29" idx="1"/>
+          </p:cNvCxnSpPr>
+          <p:nvPr/>
+        </p:nvCxnSpPr>
+        <p:spPr>
+          <a:xfrm>
+            <a:off x="3506598" y="4612171"/>
+            <a:ext cx="1416419" cy="488082"/>
+          </a:xfrm>
+          <a:prstGeom prst="bentConnector3">
+            <a:avLst/>
+          </a:prstGeom>
+          <a:ln>
+            <a:tailEnd type="triangle"/>
+          </a:ln>
+        </p:spPr>
+        <p:style>
+          <a:lnRef idx="1">
+            <a:schemeClr val="accent1"/>
+          </a:lnRef>
+          <a:fillRef idx="0">
+            <a:schemeClr val="accent1"/>
+          </a:fillRef>
+          <a:effectRef idx="0">
+            <a:schemeClr val="accent1"/>
+          </a:effectRef>
+          <a:fontRef idx="minor">
+            <a:schemeClr val="tx1"/>
+          </a:fontRef>
+        </p:style>
+      </p:cxnSp>
+    </p:spTree>
+    <p:extLst>
+      <p:ext uri="{BB962C8B-B14F-4D97-AF65-F5344CB8AC3E}">
+        <p14:creationId xmlns:p14="http://schemas.microsoft.com/office/powerpoint/2010/main" val="4273179020"/>
+      </p:ext>
+    </p:extLst>
+  </p:cSld>
+  <p:clrMapOvr>
+    <a:masterClrMapping/>
+  </p:clrMapOvr>
+</p:sld>
+</file>
+
+<file path=ppt/slides/slide26.xml><?xml version="1.0" encoding="utf-8"?>
+<p:sld xmlns:a="http://schemas.openxmlformats.org/drawingml/2006/main" xmlns:r="http://schemas.openxmlformats.org/officeDocument/2006/relationships" xmlns:p="http://schemas.openxmlformats.org/presentationml/2006/main">
+  <p:cSld>
+    <p:spTree>
+      <p:nvGrpSpPr>
+        <p:cNvPr id="1" name=""/>
+        <p:cNvGrpSpPr/>
+        <p:nvPr/>
+      </p:nvGrpSpPr>
+      <p:grpSpPr>
+        <a:xfrm>
+          <a:off x="0" y="0"/>
+          <a:ext cx="0" cy="0"/>
+          <a:chOff x="0" y="0"/>
+          <a:chExt cx="0" cy="0"/>
+        </a:xfrm>
+      </p:grpSpPr>
+      <p:sp>
+        <p:nvSpPr>
           <p:cNvPr id="3" name="Titel 2">
             <a:extLst>
               <a:ext uri="{FF2B5EF4-FFF2-40B4-BE49-F238E27FC236}">
@@ -8684,7 +11313,7 @@
 </p:sld>
 </file>
 
-<file path=ppt/slides/slide26.xml><?xml version="1.0" encoding="utf-8"?>
+<file path=ppt/slides/slide27.xml><?xml version="1.0" encoding="utf-8"?>
 <p:sld xmlns:a="http://schemas.openxmlformats.org/drawingml/2006/main" xmlns:r="http://schemas.openxmlformats.org/officeDocument/2006/relationships" xmlns:p="http://schemas.openxmlformats.org/presentationml/2006/main">
   <p:cSld>
     <p:spTree>
@@ -8914,221 +11543,6 @@
 </p:sld>
 </file>
 
-<file path=ppt/slides/slide27.xml><?xml version="1.0" encoding="utf-8"?>
-<p:sld xmlns:a="http://schemas.openxmlformats.org/drawingml/2006/main" xmlns:r="http://schemas.openxmlformats.org/officeDocument/2006/relationships" xmlns:p="http://schemas.openxmlformats.org/presentationml/2006/main">
-  <p:cSld>
-    <p:spTree>
-      <p:nvGrpSpPr>
-        <p:cNvPr id="1" name=""/>
-        <p:cNvGrpSpPr/>
-        <p:nvPr/>
-      </p:nvGrpSpPr>
-      <p:grpSpPr>
-        <a:xfrm>
-          <a:off x="0" y="0"/>
-          <a:ext cx="0" cy="0"/>
-          <a:chOff x="0" y="0"/>
-          <a:chExt cx="0" cy="0"/>
-        </a:xfrm>
-      </p:grpSpPr>
-      <p:sp>
-        <p:nvSpPr>
-          <p:cNvPr id="5" name="Inhaltsplatzhalter 4">
-            <a:extLst>
-              <a:ext uri="{FF2B5EF4-FFF2-40B4-BE49-F238E27FC236}">
-                <a16:creationId xmlns:a16="http://schemas.microsoft.com/office/drawing/2014/main" id="{61CB1704-BF34-4A74-BACA-A21BC9525ED1}"/>
-              </a:ext>
-            </a:extLst>
-          </p:cNvPr>
-          <p:cNvSpPr>
-            <a:spLocks noGrp="1"/>
-          </p:cNvSpPr>
-          <p:nvPr>
-            <p:ph idx="13"/>
-          </p:nvPr>
-        </p:nvSpPr>
-        <p:spPr/>
-        <p:txBody>
-          <a:bodyPr/>
-          <a:lstStyle/>
-          <a:p>
-            <a:r>
-              <a:rPr lang="de-DE" dirty="0"/>
-              <a:t>Diff</a:t>
-            </a:r>
-          </a:p>
-          <a:p>
-            <a:pPr lvl="1"/>
-            <a:r>
-              <a:rPr lang="de-DE" dirty="0"/>
-              <a:t>Zeigt Dateiänderungen in der Arbeitskopie</a:t>
-            </a:r>
-          </a:p>
-          <a:p>
-            <a:pPr lvl="1"/>
-            <a:r>
-              <a:rPr lang="de-DE" dirty="0"/>
-              <a:t>Berücksichtigt werden </a:t>
-            </a:r>
-            <a:r>
-              <a:rPr lang="de-DE" b="1" dirty="0"/>
-              <a:t>nicht: </a:t>
-            </a:r>
-          </a:p>
-          <a:p>
-            <a:pPr lvl="2"/>
-            <a:r>
-              <a:rPr lang="de-DE" sz="1600" dirty="0"/>
-              <a:t>Dateien im Index Bereich</a:t>
-            </a:r>
-          </a:p>
-          <a:p>
-            <a:pPr lvl="2"/>
-            <a:r>
-              <a:rPr lang="de-DE" sz="1600" dirty="0"/>
-              <a:t>Neu Hinzugefügte Dateien</a:t>
-            </a:r>
-          </a:p>
-          <a:p>
-            <a:pPr lvl="1"/>
-            <a:r>
-              <a:rPr lang="de-DE" dirty="0"/>
-              <a:t>Kommando: </a:t>
-            </a:r>
-            <a:r>
-              <a:rPr lang="de-DE" b="1" i="1" dirty="0" err="1"/>
-              <a:t>git</a:t>
-            </a:r>
-            <a:r>
-              <a:rPr lang="de-DE" b="1" i="1" dirty="0"/>
-              <a:t> </a:t>
-            </a:r>
-            <a:r>
-              <a:rPr lang="de-DE" b="1" i="1" dirty="0" err="1"/>
-              <a:t>diff</a:t>
-            </a:r>
-            <a:endParaRPr lang="de-DE" b="1" i="1" dirty="0"/>
-          </a:p>
-          <a:p>
-            <a:pPr lvl="1"/>
-            <a:r>
-              <a:rPr lang="de-DE" b="1" i="1" dirty="0"/>
-              <a:t>--</a:t>
-            </a:r>
-            <a:r>
-              <a:rPr lang="de-DE" b="1" i="1" dirty="0" err="1"/>
-              <a:t>staged</a:t>
-            </a:r>
-            <a:r>
-              <a:rPr lang="de-DE" b="1" i="1" dirty="0"/>
-              <a:t> </a:t>
-            </a:r>
-            <a:r>
-              <a:rPr lang="de-DE" dirty="0"/>
-              <a:t>ermöglicht das einsehen von Änderungen im Index Bereich</a:t>
-            </a:r>
-          </a:p>
-          <a:p>
-            <a:pPr lvl="1"/>
-            <a:r>
-              <a:rPr lang="de-DE" b="1" i="1" dirty="0"/>
-              <a:t>--</a:t>
-            </a:r>
-            <a:r>
-              <a:rPr lang="de-DE" b="1" i="1" dirty="0" err="1"/>
-              <a:t>binary</a:t>
-            </a:r>
-            <a:r>
-              <a:rPr lang="de-DE" b="1" i="1" dirty="0"/>
-              <a:t> </a:t>
-            </a:r>
-            <a:r>
-              <a:rPr lang="de-DE" dirty="0"/>
-              <a:t>einbezieht binäre Dateien</a:t>
-            </a:r>
-            <a:endParaRPr lang="de-DE" b="1" dirty="0"/>
-          </a:p>
-          <a:p>
-            <a:r>
-              <a:rPr lang="de-DE" dirty="0"/>
-              <a:t>Patch</a:t>
-            </a:r>
-          </a:p>
-          <a:p>
-            <a:pPr lvl="1"/>
-            <a:r>
-              <a:rPr lang="de-DE" dirty="0"/>
-              <a:t>Ermöglicht schnell große Änderungen von Host-Anbietern zu übertragen und zu integrieren</a:t>
-            </a:r>
-          </a:p>
-          <a:p>
-            <a:pPr lvl="1"/>
-            <a:r>
-              <a:rPr lang="de-DE" dirty="0"/>
-              <a:t>Kommando: </a:t>
-            </a:r>
-            <a:r>
-              <a:rPr lang="de-DE" b="1" i="1" dirty="0" err="1"/>
-              <a:t>git</a:t>
-            </a:r>
-            <a:r>
-              <a:rPr lang="de-DE" b="1" i="1" dirty="0"/>
-              <a:t> format-patch &lt;Zweig&gt; -1 &lt;Prüfsumme&gt;</a:t>
-            </a:r>
-          </a:p>
-        </p:txBody>
-      </p:sp>
-      <p:sp>
-        <p:nvSpPr>
-          <p:cNvPr id="3" name="Titel 2">
-            <a:extLst>
-              <a:ext uri="{FF2B5EF4-FFF2-40B4-BE49-F238E27FC236}">
-                <a16:creationId xmlns:a16="http://schemas.microsoft.com/office/drawing/2014/main" id="{5AE84672-22D6-4DD1-ABA8-56B9967986BD}"/>
-              </a:ext>
-            </a:extLst>
-          </p:cNvPr>
-          <p:cNvSpPr>
-            <a:spLocks noGrp="1"/>
-          </p:cNvSpPr>
-          <p:nvPr>
-            <p:ph type="title" idx="4294967295"/>
-          </p:nvPr>
-        </p:nvSpPr>
-        <p:spPr>
-          <a:xfrm>
-            <a:off x="628650" y="365126"/>
-            <a:ext cx="7886700" cy="698903"/>
-          </a:xfrm>
-          <a:prstGeom prst="rect">
-            <a:avLst/>
-          </a:prstGeom>
-        </p:spPr>
-        <p:txBody>
-          <a:bodyPr>
-            <a:normAutofit/>
-          </a:bodyPr>
-          <a:lstStyle/>
-          <a:p>
-            <a:r>
-              <a:rPr lang="de-DE" dirty="0"/>
-              <a:t>Änderungen integrieren</a:t>
-            </a:r>
-          </a:p>
-        </p:txBody>
-      </p:sp>
-    </p:spTree>
-    <p:extLst>
-      <p:ext uri="{BB962C8B-B14F-4D97-AF65-F5344CB8AC3E}">
-        <p14:creationId xmlns:p14="http://schemas.microsoft.com/office/powerpoint/2010/main" val="3289326896"/>
-      </p:ext>
-    </p:extLst>
-  </p:cSld>
-  <p:clrMapOvr>
-    <a:masterClrMapping/>
-  </p:clrMapOvr>
-</p:sld>
-</file>
-
 <file path=ppt/slides/slide28.xml><?xml version="1.0" encoding="utf-8"?>
 <p:sld xmlns:a="http://schemas.openxmlformats.org/drawingml/2006/main" xmlns:r="http://schemas.openxmlformats.org/officeDocument/2006/relationships" xmlns:p="http://schemas.openxmlformats.org/presentationml/2006/main">
   <p:cSld>
@@ -9151,7 +11565,7 @@
           <p:cNvPr id="5" name="Inhaltsplatzhalter 4">
             <a:extLst>
               <a:ext uri="{FF2B5EF4-FFF2-40B4-BE49-F238E27FC236}">
-                <a16:creationId xmlns:a16="http://schemas.microsoft.com/office/drawing/2014/main" id="{25D7B170-D8D2-41A1-B5D8-0717A6B89BDE}"/>
+                <a16:creationId xmlns:a16="http://schemas.microsoft.com/office/drawing/2014/main" id="{61CB1704-BF34-4A74-BACA-A21BC9525ED1}"/>
               </a:ext>
             </a:extLst>
           </p:cNvPr>
@@ -9169,19 +11583,127 @@
           <a:p>
             <a:r>
               <a:rPr lang="de-DE" dirty="0"/>
-              <a:t>Beide Kommandos wenden eine Zwischenspeicherung auf die aktuelle Arbeitsmappe an</a:t>
-            </a:r>
-          </a:p>
-          <a:p>
-            <a:r>
-              <a:rPr lang="de-DE" dirty="0" err="1"/>
-              <a:t>Apply</a:t>
-            </a:r>
-            <a:endParaRPr lang="de-DE" dirty="0"/>
+              <a:t>Diff</a:t>
+            </a:r>
           </a:p>
           <a:p>
             <a:pPr lvl="1"/>
-            <a:endParaRPr lang="de-DE" dirty="0"/>
+            <a:r>
+              <a:rPr lang="de-DE" dirty="0"/>
+              <a:t>Zeigt Dateiänderungen in der Arbeitskopie</a:t>
+            </a:r>
+          </a:p>
+          <a:p>
+            <a:pPr lvl="1"/>
+            <a:r>
+              <a:rPr lang="de-DE" dirty="0"/>
+              <a:t>Berücksichtigt werden </a:t>
+            </a:r>
+            <a:r>
+              <a:rPr lang="de-DE" b="1" dirty="0"/>
+              <a:t>nicht: </a:t>
+            </a:r>
+          </a:p>
+          <a:p>
+            <a:pPr lvl="2"/>
+            <a:r>
+              <a:rPr lang="de-DE" sz="1600" dirty="0"/>
+              <a:t>Dateien im Index Bereich</a:t>
+            </a:r>
+          </a:p>
+          <a:p>
+            <a:pPr lvl="2"/>
+            <a:r>
+              <a:rPr lang="de-DE" sz="1600" dirty="0"/>
+              <a:t>Neu Hinzugefügte Dateien</a:t>
+            </a:r>
+          </a:p>
+          <a:p>
+            <a:pPr lvl="1"/>
+            <a:r>
+              <a:rPr lang="de-DE" dirty="0"/>
+              <a:t>Kommando: </a:t>
+            </a:r>
+            <a:r>
+              <a:rPr lang="de-DE" b="1" i="1" dirty="0" err="1"/>
+              <a:t>git</a:t>
+            </a:r>
+            <a:r>
+              <a:rPr lang="de-DE" b="1" i="1" dirty="0"/>
+              <a:t> </a:t>
+            </a:r>
+            <a:r>
+              <a:rPr lang="de-DE" b="1" i="1" dirty="0" err="1"/>
+              <a:t>diff</a:t>
+            </a:r>
+            <a:endParaRPr lang="de-DE" b="1" i="1" dirty="0"/>
+          </a:p>
+          <a:p>
+            <a:pPr lvl="1"/>
+            <a:r>
+              <a:rPr lang="de-DE" b="1" i="1" dirty="0"/>
+              <a:t>--</a:t>
+            </a:r>
+            <a:r>
+              <a:rPr lang="de-DE" b="1" i="1" dirty="0" err="1"/>
+              <a:t>staged</a:t>
+            </a:r>
+            <a:r>
+              <a:rPr lang="de-DE" b="1" i="1" dirty="0"/>
+              <a:t> </a:t>
+            </a:r>
+            <a:r>
+              <a:rPr lang="de-DE" dirty="0"/>
+              <a:t>ermöglicht das einsehen von Änderungen im Index Bereich</a:t>
+            </a:r>
+          </a:p>
+          <a:p>
+            <a:pPr lvl="1"/>
+            <a:r>
+              <a:rPr lang="de-DE" b="1" i="1" dirty="0"/>
+              <a:t>--</a:t>
+            </a:r>
+            <a:r>
+              <a:rPr lang="de-DE" b="1" i="1" dirty="0" err="1"/>
+              <a:t>binary</a:t>
+            </a:r>
+            <a:r>
+              <a:rPr lang="de-DE" b="1" i="1" dirty="0"/>
+              <a:t> </a:t>
+            </a:r>
+            <a:r>
+              <a:rPr lang="de-DE" dirty="0"/>
+              <a:t>einbezieht binäre Dateien</a:t>
+            </a:r>
+            <a:endParaRPr lang="de-DE" b="1" dirty="0"/>
+          </a:p>
+          <a:p>
+            <a:r>
+              <a:rPr lang="de-DE" dirty="0"/>
+              <a:t>Patch</a:t>
+            </a:r>
+          </a:p>
+          <a:p>
+            <a:pPr lvl="1"/>
+            <a:r>
+              <a:rPr lang="de-DE" dirty="0"/>
+              <a:t>Ermöglicht schnell große Änderungen von Host-Anbietern zu übertragen und zu integrieren</a:t>
+            </a:r>
+          </a:p>
+          <a:p>
+            <a:pPr lvl="1"/>
+            <a:r>
+              <a:rPr lang="de-DE" dirty="0"/>
+              <a:t>Kommando: </a:t>
+            </a:r>
+            <a:r>
+              <a:rPr lang="de-DE" b="1" i="1" dirty="0" err="1"/>
+              <a:t>git</a:t>
+            </a:r>
+            <a:r>
+              <a:rPr lang="de-DE" b="1" i="1" dirty="0"/>
+              <a:t> format-patch &lt;Zweig&gt; -1 &lt;Prüfsumme&gt;</a:t>
+            </a:r>
           </a:p>
         </p:txBody>
       </p:sp>
@@ -9190,7 +11712,7 @@
           <p:cNvPr id="3" name="Titel 2">
             <a:extLst>
               <a:ext uri="{FF2B5EF4-FFF2-40B4-BE49-F238E27FC236}">
-                <a16:creationId xmlns:a16="http://schemas.microsoft.com/office/drawing/2014/main" id="{351777FE-4563-4796-925B-0598F7CF1E6A}"/>
+                <a16:creationId xmlns:a16="http://schemas.microsoft.com/office/drawing/2014/main" id="{5AE84672-22D6-4DD1-ABA8-56B9967986BD}"/>
               </a:ext>
             </a:extLst>
           </p:cNvPr>
@@ -9217,25 +11739,16 @@
           <a:lstStyle/>
           <a:p>
             <a:r>
-              <a:rPr lang="de-DE" dirty="0" err="1"/>
-              <a:t>Apply</a:t>
-            </a:r>
-            <a:r>
-              <a:rPr lang="de-DE" dirty="0"/>
-              <a:t> </a:t>
-            </a:r>
-            <a:r>
-              <a:rPr lang="de-DE" dirty="0" err="1"/>
-              <a:t>pop</a:t>
-            </a:r>
-            <a:endParaRPr lang="de-DE" dirty="0"/>
+              <a:rPr lang="de-DE" dirty="0"/>
+              <a:t>Änderungen integrieren</a:t>
+            </a:r>
           </a:p>
         </p:txBody>
       </p:sp>
     </p:spTree>
     <p:extLst>
       <p:ext uri="{BB962C8B-B14F-4D97-AF65-F5344CB8AC3E}">
-        <p14:creationId xmlns:p14="http://schemas.microsoft.com/office/powerpoint/2010/main" val="2236011970"/>
+        <p14:creationId xmlns:p14="http://schemas.microsoft.com/office/powerpoint/2010/main" val="3289326896"/>
       </p:ext>
     </p:extLst>
   </p:cSld>
@@ -9681,7 +12194,7 @@
           <a:p>
             <a:fld id="{6F7941D6-DDCD-4FEB-B76A-6EA7C7E1DF91}" type="datetime1">
               <a:rPr lang="de-DE" smtClean="0"/>
-              <a:t>19.03.2020</a:t>
+              <a:t>20.03.2020</a:t>
             </a:fld>
             <a:endParaRPr lang="de-DE" dirty="0"/>
           </a:p>
@@ -9937,7 +12450,12 @@
             <p:ph idx="13"/>
           </p:nvPr>
         </p:nvSpPr>
-        <p:spPr/>
+        <p:spPr>
+          <a:xfrm>
+            <a:off x="1011835" y="1245328"/>
+            <a:ext cx="7410711" cy="4931635"/>
+          </a:xfrm>
+        </p:spPr>
         <p:txBody>
           <a:bodyPr/>
           <a:lstStyle/>
@@ -9950,7 +12468,7 @@
           <a:p>
             <a:r>
               <a:rPr lang="de-DE" dirty="0"/>
-              <a:t>Hierbei werden Änderungen jedes </a:t>
+              <a:t>Hierbei wird nicht auf die Prüfsumme eines </a:t>
             </a:r>
             <a:r>
               <a:rPr lang="de-DE" dirty="0" err="1"/>
@@ -9958,7 +12476,14 @@
             </a:r>
             <a:r>
               <a:rPr lang="de-DE" dirty="0"/>
-              <a:t> anstatt eine Prüfsumme</a:t>
+              <a:t> geachtet sondern auf seine implementierten Änderungen</a:t>
+            </a:r>
+          </a:p>
+          <a:p>
+            <a:pPr lvl="1"/>
+            <a:r>
+              <a:rPr lang="de-DE" dirty="0"/>
+              <a:t>Cherry-picks und Änderungsdateien somit identifizierbar</a:t>
             </a:r>
           </a:p>
           <a:p>
@@ -10001,10 +12526,9 @@
               <a:t>&lt;Zweig1&gt; </a:t>
             </a:r>
             <a:r>
-              <a:rPr lang="de-DE" dirty="0" err="1"/>
-              <a:t>existeren</a:t>
-            </a:r>
-            <a:endParaRPr lang="de-DE" dirty="0"/>
+              <a:rPr lang="de-DE" dirty="0"/>
+              <a:t>existieren</a:t>
+            </a:r>
           </a:p>
           <a:p>
             <a:r>
@@ -10027,7 +12551,7 @@
           <a:p>
             <a:r>
               <a:rPr lang="de-DE" dirty="0"/>
-              <a:t>-v wird die jeweilig Commit Nachricht angezeigt</a:t>
+              <a:t>Mit -v wird die jeweilige Commit Nachricht angezeigt</a:t>
             </a:r>
           </a:p>
         </p:txBody>
@@ -10225,7 +12749,7 @@
         </p:blipFill>
         <p:spPr>
           <a:xfrm>
-            <a:off x="2154576" y="4390654"/>
+            <a:off x="2355912" y="3920870"/>
             <a:ext cx="4432176" cy="659519"/>
           </a:xfrm>
           <a:prstGeom prst="rect">
@@ -11811,7 +14335,15 @@
           <a:p>
             <a:r>
               <a:rPr lang="de-DE" dirty="0"/>
-              <a:t>.git</a:t>
+              <a:t>Speicherung der Daten: .</a:t>
+            </a:r>
+            <a:r>
+              <a:rPr lang="de-DE" dirty="0" err="1"/>
+              <a:t>git</a:t>
+            </a:r>
+            <a:r>
+              <a:rPr lang="de-DE" dirty="0"/>
+              <a:t> Ordner</a:t>
             </a:r>
           </a:p>
         </p:txBody>
@@ -12056,8 +14588,20 @@
           <a:lstStyle/>
           <a:p>
             <a:r>
+              <a:rPr lang="de-DE" dirty="0"/>
+              <a:t>Konfiguration von </a:t>
+            </a:r>
+            <a:r>
               <a:rPr lang="de-DE" dirty="0" err="1"/>
-              <a:t>Config</a:t>
+              <a:t>Git</a:t>
+            </a:r>
+            <a:r>
+              <a:rPr lang="de-DE" dirty="0"/>
+              <a:t> über </a:t>
+            </a:r>
+            <a:r>
+              <a:rPr lang="de-DE" dirty="0" err="1"/>
+              <a:t>config</a:t>
             </a:r>
             <a:endParaRPr lang="de-DE" dirty="0"/>
           </a:p>
@@ -12077,16 +14621,15 @@
           </p:cNvPicPr>
           <p:nvPr/>
         </p:nvPicPr>
-        <p:blipFill>
+        <p:blipFill rotWithShape="1">
           <a:blip r:embed="rId2"/>
-          <a:stretch>
-            <a:fillRect/>
-          </a:stretch>
+          <a:srcRect r="4853"/>
+          <a:stretch/>
         </p:blipFill>
         <p:spPr>
           <a:xfrm>
-            <a:off x="2794952" y="4818093"/>
-            <a:ext cx="4292328" cy="1153515"/>
+            <a:off x="2554331" y="4901983"/>
+            <a:ext cx="4084020" cy="1153515"/>
           </a:xfrm>
           <a:prstGeom prst="rect">
             <a:avLst/>
@@ -12152,7 +14695,10 @@
               <a:rPr lang="de-DE" dirty="0" err="1"/>
               <a:t>z.B</a:t>
             </a:r>
-            <a:endParaRPr lang="de-DE" dirty="0"/>
+            <a:r>
+              <a:rPr lang="de-DE" dirty="0"/>
+              <a:t>:</a:t>
+            </a:r>
           </a:p>
           <a:p>
             <a:pPr lvl="1"/>
@@ -12254,7 +14800,7 @@
             <a:pPr lvl="1"/>
             <a:r>
               <a:rPr lang="de-DE" dirty="0"/>
-              <a:t>Dateien, welche mit einer Tilde enden</a:t>
+              <a:t>Dateien, welche mit einer Tilde enden (temporäre Dateien)</a:t>
             </a:r>
           </a:p>
           <a:p>
@@ -12371,10 +14917,10 @@
       </p:grpSpPr>
       <p:sp>
         <p:nvSpPr>
-          <p:cNvPr id="5" name="Inhaltsplatzhalter 4">
+          <p:cNvPr id="3" name="Titel 2">
             <a:extLst>
               <a:ext uri="{FF2B5EF4-FFF2-40B4-BE49-F238E27FC236}">
-                <a16:creationId xmlns:a16="http://schemas.microsoft.com/office/drawing/2014/main" id="{C2BFA9D9-8AEE-43BF-BF11-29F16A4F2941}"/>
+                <a16:creationId xmlns:a16="http://schemas.microsoft.com/office/drawing/2014/main" id="{1D0D21A4-BC91-4461-A139-778A00DBE636}"/>
               </a:ext>
             </a:extLst>
           </p:cNvPr>
@@ -12382,136 +14928,10 @@
             <a:spLocks noGrp="1"/>
           </p:cNvSpPr>
           <p:nvPr>
-            <p:ph idx="13"/>
+            <p:ph type="title"/>
           </p:nvPr>
         </p:nvSpPr>
         <p:spPr/>
-        <p:txBody>
-          <a:bodyPr/>
-          <a:lstStyle/>
-          <a:p>
-            <a:r>
-              <a:rPr lang="de-DE" sz="1800" dirty="0"/>
-              <a:t>Kommando: </a:t>
-            </a:r>
-            <a:r>
-              <a:rPr lang="de-DE" sz="1800" b="1" i="1" dirty="0" err="1"/>
-              <a:t>git</a:t>
-            </a:r>
-            <a:r>
-              <a:rPr lang="de-DE" sz="1800" b="1" i="1" dirty="0"/>
-              <a:t> </a:t>
-            </a:r>
-            <a:r>
-              <a:rPr lang="de-DE" sz="1800" b="1" i="1" dirty="0" err="1"/>
-              <a:t>status</a:t>
-            </a:r>
-            <a:endParaRPr lang="de-DE" sz="1800" b="1" i="1" dirty="0"/>
-          </a:p>
-          <a:p>
-            <a:endParaRPr lang="de-DE" dirty="0"/>
-          </a:p>
-          <a:p>
-            <a:endParaRPr lang="de-DE" dirty="0"/>
-          </a:p>
-          <a:p>
-            <a:endParaRPr lang="de-DE" dirty="0"/>
-          </a:p>
-          <a:p>
-            <a:endParaRPr lang="de-DE" dirty="0"/>
-          </a:p>
-          <a:p>
-            <a:endParaRPr lang="de-DE" dirty="0"/>
-          </a:p>
-          <a:p>
-            <a:r>
-              <a:rPr lang="de-DE" sz="1800" dirty="0"/>
-              <a:t>Stellt die Änderungen an der Arbeitskopie dar</a:t>
-            </a:r>
-          </a:p>
-          <a:p>
-            <a:r>
-              <a:rPr lang="de-DE" sz="1800" dirty="0"/>
-              <a:t>Änderungen werden über </a:t>
-            </a:r>
-            <a:r>
-              <a:rPr lang="de-DE" sz="1800" b="1" i="1" dirty="0" err="1"/>
-              <a:t>git</a:t>
-            </a:r>
-            <a:r>
-              <a:rPr lang="de-DE" sz="1800" b="1" i="1" dirty="0"/>
-              <a:t> </a:t>
-            </a:r>
-            <a:r>
-              <a:rPr lang="de-DE" sz="1800" b="1" i="1" dirty="0" err="1"/>
-              <a:t>add</a:t>
-            </a:r>
-            <a:r>
-              <a:rPr lang="de-DE" sz="1800" b="1" i="1" dirty="0"/>
-              <a:t> &lt;Datei&gt; </a:t>
-            </a:r>
-            <a:r>
-              <a:rPr lang="de-DE" sz="1800" dirty="0"/>
-              <a:t>dem Index hinzugefügt</a:t>
-            </a:r>
-          </a:p>
-          <a:p>
-            <a:pPr lvl="1"/>
-            <a:r>
-              <a:rPr lang="de-DE" sz="1400" b="1" i="1" dirty="0" err="1"/>
-              <a:t>git</a:t>
-            </a:r>
-            <a:r>
-              <a:rPr lang="de-DE" sz="1400" b="1" i="1" dirty="0"/>
-              <a:t> </a:t>
-            </a:r>
-            <a:r>
-              <a:rPr lang="de-DE" sz="1400" b="1" i="1" dirty="0" err="1"/>
-              <a:t>add</a:t>
-            </a:r>
-            <a:r>
-              <a:rPr lang="de-DE" sz="1400" b="1" i="1" dirty="0"/>
-              <a:t> . </a:t>
-            </a:r>
-            <a:r>
-              <a:rPr lang="de-DE" sz="1400" dirty="0"/>
-              <a:t>Fügt alle Änderungen hinzu</a:t>
-            </a:r>
-            <a:endParaRPr lang="de-DE" sz="1400" b="1" i="1" dirty="0"/>
-          </a:p>
-          <a:p>
-            <a:r>
-              <a:rPr lang="de-DE" sz="1800" dirty="0"/>
-              <a:t>Dateien im Index sind für einen Commit vorgemerkt</a:t>
-            </a:r>
-          </a:p>
-        </p:txBody>
-      </p:sp>
-      <p:sp>
-        <p:nvSpPr>
-          <p:cNvPr id="3" name="Titel 2">
-            <a:extLst>
-              <a:ext uri="{FF2B5EF4-FFF2-40B4-BE49-F238E27FC236}">
-                <a16:creationId xmlns:a16="http://schemas.microsoft.com/office/drawing/2014/main" id="{86A5B1D2-4489-46B6-BA0B-18E4C8627EA8}"/>
-              </a:ext>
-            </a:extLst>
-          </p:cNvPr>
-          <p:cNvSpPr>
-            <a:spLocks noGrp="1"/>
-          </p:cNvSpPr>
-          <p:nvPr>
-            <p:ph type="title" idx="4294967295"/>
-          </p:nvPr>
-        </p:nvSpPr>
-        <p:spPr>
-          <a:xfrm>
-            <a:off x="628650" y="365126"/>
-            <a:ext cx="7886700" cy="698903"/>
-          </a:xfrm>
-          <a:prstGeom prst="rect">
-            <a:avLst/>
-          </a:prstGeom>
-        </p:spPr>
         <p:txBody>
           <a:bodyPr>
             <a:normAutofit/>
@@ -12520,45 +14940,15 @@
           <a:p>
             <a:r>
               <a:rPr lang="de-DE" dirty="0"/>
-              <a:t>Index</a:t>
-            </a:r>
-          </a:p>
-        </p:txBody>
-      </p:sp>
-      <p:pic>
-        <p:nvPicPr>
-          <p:cNvPr id="7" name="Grafik 6">
-            <a:extLst>
-              <a:ext uri="{FF2B5EF4-FFF2-40B4-BE49-F238E27FC236}">
-                <a16:creationId xmlns:a16="http://schemas.microsoft.com/office/drawing/2014/main" id="{92C172AA-81C7-455D-A18E-7751E2CB19E5}"/>
-              </a:ext>
-            </a:extLst>
-          </p:cNvPr>
-          <p:cNvPicPr>
-            <a:picLocks noChangeAspect="1"/>
-          </p:cNvPicPr>
-          <p:nvPr/>
-        </p:nvPicPr>
-        <p:blipFill>
-          <a:blip r:embed="rId2"/>
-          <a:stretch>
-            <a:fillRect/>
-          </a:stretch>
-        </p:blipFill>
-        <p:spPr>
-          <a:xfrm>
-            <a:off x="1930742" y="1661007"/>
-            <a:ext cx="5450296" cy="1767993"/>
-          </a:xfrm>
-          <a:prstGeom prst="rect">
-            <a:avLst/>
-          </a:prstGeom>
-        </p:spPr>
-      </p:pic>
+              <a:t>Änderungen durchführen</a:t>
+            </a:r>
+          </a:p>
+        </p:txBody>
+      </p:sp>
     </p:spTree>
     <p:extLst>
       <p:ext uri="{BB962C8B-B14F-4D97-AF65-F5344CB8AC3E}">
-        <p14:creationId xmlns:p14="http://schemas.microsoft.com/office/powerpoint/2010/main" val="2123715963"/>
+        <p14:creationId xmlns:p14="http://schemas.microsoft.com/office/powerpoint/2010/main" val="1159547717"/>
       </p:ext>
     </p:extLst>
   </p:cSld>

--- a/Präsentation-90min/Präsentation-90min.pptx
+++ b/Präsentation-90min/Präsentation-90min.pptx
@@ -4268,6 +4268,125 @@
       </p:grpSpPr>
       <p:sp>
         <p:nvSpPr>
+          <p:cNvPr id="15" name="Textfeld 14">
+            <a:extLst>
+              <a:ext uri="{FF2B5EF4-FFF2-40B4-BE49-F238E27FC236}">
+                <a16:creationId xmlns:a16="http://schemas.microsoft.com/office/drawing/2014/main" id="{F7522253-2755-4360-A964-F5590B10F495}"/>
+              </a:ext>
+            </a:extLst>
+          </p:cNvPr>
+          <p:cNvSpPr txBox="1"/>
+          <p:nvPr/>
+        </p:nvSpPr>
+        <p:spPr>
+          <a:xfrm>
+            <a:off x="4653549" y="5113903"/>
+            <a:ext cx="1392572" cy="276999"/>
+          </a:xfrm>
+          <a:prstGeom prst="rect">
+            <a:avLst/>
+          </a:prstGeom>
+          <a:noFill/>
+        </p:spPr>
+        <p:txBody>
+          <a:bodyPr wrap="square" rtlCol="0">
+            <a:spAutoFit/>
+          </a:bodyPr>
+          <a:lstStyle/>
+          <a:p>
+            <a:pPr algn="ctr"/>
+            <a:r>
+              <a:rPr lang="de-DE" sz="1200" dirty="0" err="1"/>
+              <a:t>git</a:t>
+            </a:r>
+            <a:r>
+              <a:rPr lang="de-DE" sz="1200" dirty="0"/>
+              <a:t> </a:t>
+            </a:r>
+            <a:r>
+              <a:rPr lang="de-DE" sz="1200" dirty="0" err="1"/>
+              <a:t>commit</a:t>
+            </a:r>
+            <a:endParaRPr lang="de-DE" sz="1200" dirty="0"/>
+          </a:p>
+        </p:txBody>
+      </p:sp>
+      <p:sp>
+        <p:nvSpPr>
+          <p:cNvPr id="14" name="Textfeld 13">
+            <a:extLst>
+              <a:ext uri="{FF2B5EF4-FFF2-40B4-BE49-F238E27FC236}">
+                <a16:creationId xmlns:a16="http://schemas.microsoft.com/office/drawing/2014/main" id="{0F471B74-7BF8-4EDE-93B3-42AED6DE0FAA}"/>
+              </a:ext>
+            </a:extLst>
+          </p:cNvPr>
+          <p:cNvSpPr txBox="1"/>
+          <p:nvPr/>
+        </p:nvSpPr>
+        <p:spPr>
+          <a:xfrm>
+            <a:off x="2183235" y="5113904"/>
+            <a:ext cx="1392572" cy="276999"/>
+          </a:xfrm>
+          <a:prstGeom prst="rect">
+            <a:avLst/>
+          </a:prstGeom>
+          <a:noFill/>
+        </p:spPr>
+        <p:txBody>
+          <a:bodyPr wrap="square" rtlCol="0">
+            <a:spAutoFit/>
+          </a:bodyPr>
+          <a:lstStyle/>
+          <a:p>
+            <a:pPr algn="ctr"/>
+            <a:r>
+              <a:rPr lang="de-DE" sz="1200" dirty="0" err="1"/>
+              <a:t>git</a:t>
+            </a:r>
+            <a:r>
+              <a:rPr lang="de-DE" sz="1200" dirty="0"/>
+              <a:t> </a:t>
+            </a:r>
+            <a:r>
+              <a:rPr lang="de-DE" sz="1200" dirty="0" err="1"/>
+              <a:t>add</a:t>
+            </a:r>
+            <a:endParaRPr lang="de-DE" sz="1200" dirty="0"/>
+          </a:p>
+        </p:txBody>
+      </p:sp>
+      <p:pic>
+        <p:nvPicPr>
+          <p:cNvPr id="16" name="Grafik 15">
+            <a:extLst>
+              <a:ext uri="{FF2B5EF4-FFF2-40B4-BE49-F238E27FC236}">
+                <a16:creationId xmlns:a16="http://schemas.microsoft.com/office/drawing/2014/main" id="{41A19F98-08B3-4786-87C8-269614309203}"/>
+              </a:ext>
+            </a:extLst>
+          </p:cNvPr>
+          <p:cNvPicPr>
+            <a:picLocks noChangeAspect="1"/>
+          </p:cNvPicPr>
+          <p:nvPr/>
+        </p:nvPicPr>
+        <p:blipFill rotWithShape="1">
+          <a:blip r:embed="rId2"/>
+          <a:srcRect l="5624" r="5147" b="11043"/>
+          <a:stretch/>
+        </p:blipFill>
+        <p:spPr>
+          <a:xfrm>
+            <a:off x="968929" y="4710232"/>
+            <a:ext cx="1380509" cy="1084339"/>
+          </a:xfrm>
+          <a:prstGeom prst="rect">
+            <a:avLst/>
+          </a:prstGeom>
+        </p:spPr>
+      </p:pic>
+      <p:sp>
+        <p:nvSpPr>
           <p:cNvPr id="5" name="Inhaltsplatzhalter 4">
             <a:extLst>
               <a:ext uri="{FF2B5EF4-FFF2-40B4-BE49-F238E27FC236}">
@@ -4407,7 +4526,7 @@
           <p:nvPr/>
         </p:nvPicPr>
         <p:blipFill>
-          <a:blip r:embed="rId2"/>
+          <a:blip r:embed="rId3"/>
           <a:stretch>
             <a:fillRect/>
           </a:stretch>
@@ -4424,10 +4543,10 @@
       </p:pic>
       <p:sp>
         <p:nvSpPr>
-          <p:cNvPr id="2" name="Rechteck 1">
-            <a:extLst>
-              <a:ext uri="{FF2B5EF4-FFF2-40B4-BE49-F238E27FC236}">
-                <a16:creationId xmlns:a16="http://schemas.microsoft.com/office/drawing/2014/main" id="{CE466713-5749-4AC9-B3DC-5CB91D1957F7}"/>
+          <p:cNvPr id="7" name="Rechteck 6">
+            <a:extLst>
+              <a:ext uri="{FF2B5EF4-FFF2-40B4-BE49-F238E27FC236}">
+                <a16:creationId xmlns:a16="http://schemas.microsoft.com/office/drawing/2014/main" id="{12AA391C-449F-4A03-8925-2CD8D495E2AA}"/>
               </a:ext>
             </a:extLst>
           </p:cNvPr>
@@ -4436,15 +4555,16 @@
         </p:nvSpPr>
         <p:spPr>
           <a:xfrm>
-            <a:off x="1132514" y="5117284"/>
+            <a:off x="3602827" y="5117284"/>
             <a:ext cx="1132514" cy="495388"/>
           </a:xfrm>
           <a:prstGeom prst="rect">
             <a:avLst/>
           </a:prstGeom>
           <a:solidFill>
-            <a:schemeClr val="bg1">
-              <a:lumMod val="75000"/>
+            <a:schemeClr val="accent1">
+              <a:lumMod val="60000"/>
+              <a:lumOff val="40000"/>
             </a:schemeClr>
           </a:solidFill>
           <a:ln>
@@ -4480,10 +4600,10 @@
       </p:sp>
       <p:sp>
         <p:nvSpPr>
-          <p:cNvPr id="7" name="Rechteck 6">
-            <a:extLst>
-              <a:ext uri="{FF2B5EF4-FFF2-40B4-BE49-F238E27FC236}">
-                <a16:creationId xmlns:a16="http://schemas.microsoft.com/office/drawing/2014/main" id="{12AA391C-449F-4A03-8925-2CD8D495E2AA}"/>
+          <p:cNvPr id="8" name="Rechteck 7">
+            <a:extLst>
+              <a:ext uri="{FF2B5EF4-FFF2-40B4-BE49-F238E27FC236}">
+                <a16:creationId xmlns:a16="http://schemas.microsoft.com/office/drawing/2014/main" id="{925C5388-8F98-4391-8B6A-B47CD0164A48}"/>
               </a:ext>
             </a:extLst>
           </p:cNvPr>
@@ -4492,16 +4612,15 @@
         </p:nvSpPr>
         <p:spPr>
           <a:xfrm>
-            <a:off x="3602827" y="5117284"/>
+            <a:off x="6073141" y="5117284"/>
             <a:ext cx="1132514" cy="495388"/>
           </a:xfrm>
           <a:prstGeom prst="rect">
             <a:avLst/>
           </a:prstGeom>
           <a:solidFill>
-            <a:schemeClr val="accent1">
-              <a:lumMod val="60000"/>
-              <a:lumOff val="40000"/>
+            <a:schemeClr val="accent6">
+              <a:lumMod val="75000"/>
             </a:schemeClr>
           </a:solidFill>
           <a:ln>
@@ -4537,75 +4656,19 @@
       </p:sp>
       <p:sp>
         <p:nvSpPr>
-          <p:cNvPr id="8" name="Rechteck 7">
-            <a:extLst>
-              <a:ext uri="{FF2B5EF4-FFF2-40B4-BE49-F238E27FC236}">
-                <a16:creationId xmlns:a16="http://schemas.microsoft.com/office/drawing/2014/main" id="{925C5388-8F98-4391-8B6A-B47CD0164A48}"/>
-              </a:ext>
-            </a:extLst>
-          </p:cNvPr>
-          <p:cNvSpPr/>
+          <p:cNvPr id="4" name="Textfeld 3">
+            <a:extLst>
+              <a:ext uri="{FF2B5EF4-FFF2-40B4-BE49-F238E27FC236}">
+                <a16:creationId xmlns:a16="http://schemas.microsoft.com/office/drawing/2014/main" id="{9F584B9A-D11A-4082-8F41-560FBA7079CD}"/>
+              </a:ext>
+            </a:extLst>
+          </p:cNvPr>
+          <p:cNvSpPr txBox="1"/>
           <p:nvPr/>
         </p:nvSpPr>
         <p:spPr>
           <a:xfrm>
-            <a:off x="6073141" y="5117284"/>
-            <a:ext cx="1132514" cy="495388"/>
-          </a:xfrm>
-          <a:prstGeom prst="rect">
-            <a:avLst/>
-          </a:prstGeom>
-          <a:solidFill>
-            <a:schemeClr val="accent6">
-              <a:lumMod val="75000"/>
-            </a:schemeClr>
-          </a:solidFill>
-          <a:ln>
-            <a:solidFill>
-              <a:schemeClr val="bg1"/>
-            </a:solidFill>
-          </a:ln>
-        </p:spPr>
-        <p:style>
-          <a:lnRef idx="2">
-            <a:schemeClr val="accent1">
-              <a:shade val="50000"/>
-            </a:schemeClr>
-          </a:lnRef>
-          <a:fillRef idx="1">
-            <a:schemeClr val="accent1"/>
-          </a:fillRef>
-          <a:effectRef idx="0">
-            <a:schemeClr val="accent1"/>
-          </a:effectRef>
-          <a:fontRef idx="minor">
-            <a:schemeClr val="lt1"/>
-          </a:fontRef>
-        </p:style>
-        <p:txBody>
-          <a:bodyPr rtlCol="0" anchor="ctr"/>
-          <a:lstStyle/>
-          <a:p>
-            <a:pPr algn="ctr"/>
-            <a:endParaRPr lang="de-DE"/>
-          </a:p>
-        </p:txBody>
-      </p:sp>
-      <p:sp>
-        <p:nvSpPr>
-          <p:cNvPr id="4" name="Textfeld 3">
-            <a:extLst>
-              <a:ext uri="{FF2B5EF4-FFF2-40B4-BE49-F238E27FC236}">
-                <a16:creationId xmlns:a16="http://schemas.microsoft.com/office/drawing/2014/main" id="{9F584B9A-D11A-4082-8F41-560FBA7079CD}"/>
-              </a:ext>
-            </a:extLst>
-          </p:cNvPr>
-          <p:cNvSpPr txBox="1"/>
-          <p:nvPr/>
-        </p:nvSpPr>
-        <p:spPr>
-          <a:xfrm>
-            <a:off x="1002485" y="4836905"/>
+            <a:off x="1002485" y="4409066"/>
             <a:ext cx="1392572" cy="276999"/>
           </a:xfrm>
           <a:prstGeom prst="rect">
@@ -4731,14 +4794,14 @@
           </a:ln>
         </p:spPr>
         <p:style>
-          <a:lnRef idx="1">
-            <a:schemeClr val="accent1"/>
+          <a:lnRef idx="2">
+            <a:schemeClr val="dk1"/>
           </a:lnRef>
           <a:fillRef idx="0">
-            <a:schemeClr val="accent1"/>
+            <a:schemeClr val="dk1"/>
           </a:fillRef>
-          <a:effectRef idx="0">
-            <a:schemeClr val="accent1"/>
+          <a:effectRef idx="1">
+            <a:schemeClr val="dk1"/>
           </a:effectRef>
           <a:fontRef idx="minor">
             <a:schemeClr val="tx1"/>
@@ -4770,110 +4833,20 @@
           </a:ln>
         </p:spPr>
         <p:style>
-          <a:lnRef idx="1">
-            <a:schemeClr val="accent1"/>
+          <a:lnRef idx="2">
+            <a:schemeClr val="dk1"/>
           </a:lnRef>
           <a:fillRef idx="0">
-            <a:schemeClr val="accent1"/>
+            <a:schemeClr val="dk1"/>
           </a:fillRef>
-          <a:effectRef idx="0">
-            <a:schemeClr val="accent1"/>
+          <a:effectRef idx="1">
+            <a:schemeClr val="dk1"/>
           </a:effectRef>
           <a:fontRef idx="minor">
             <a:schemeClr val="tx1"/>
           </a:fontRef>
         </p:style>
       </p:cxnSp>
-      <p:sp>
-        <p:nvSpPr>
-          <p:cNvPr id="14" name="Textfeld 13">
-            <a:extLst>
-              <a:ext uri="{FF2B5EF4-FFF2-40B4-BE49-F238E27FC236}">
-                <a16:creationId xmlns:a16="http://schemas.microsoft.com/office/drawing/2014/main" id="{0F471B74-7BF8-4EDE-93B3-42AED6DE0FAA}"/>
-              </a:ext>
-            </a:extLst>
-          </p:cNvPr>
-          <p:cNvSpPr txBox="1"/>
-          <p:nvPr/>
-        </p:nvSpPr>
-        <p:spPr>
-          <a:xfrm>
-            <a:off x="2183235" y="5113904"/>
-            <a:ext cx="1392572" cy="276999"/>
-          </a:xfrm>
-          <a:prstGeom prst="rect">
-            <a:avLst/>
-          </a:prstGeom>
-          <a:noFill/>
-        </p:spPr>
-        <p:txBody>
-          <a:bodyPr wrap="square" rtlCol="0">
-            <a:spAutoFit/>
-          </a:bodyPr>
-          <a:lstStyle/>
-          <a:p>
-            <a:pPr algn="ctr"/>
-            <a:r>
-              <a:rPr lang="de-DE" sz="1200" dirty="0" err="1"/>
-              <a:t>git</a:t>
-            </a:r>
-            <a:r>
-              <a:rPr lang="de-DE" sz="1200" dirty="0"/>
-              <a:t> </a:t>
-            </a:r>
-            <a:r>
-              <a:rPr lang="de-DE" sz="1200" dirty="0" err="1"/>
-              <a:t>add</a:t>
-            </a:r>
-            <a:endParaRPr lang="de-DE" sz="1200" dirty="0"/>
-          </a:p>
-        </p:txBody>
-      </p:sp>
-      <p:sp>
-        <p:nvSpPr>
-          <p:cNvPr id="15" name="Textfeld 14">
-            <a:extLst>
-              <a:ext uri="{FF2B5EF4-FFF2-40B4-BE49-F238E27FC236}">
-                <a16:creationId xmlns:a16="http://schemas.microsoft.com/office/drawing/2014/main" id="{F7522253-2755-4360-A964-F5590B10F495}"/>
-              </a:ext>
-            </a:extLst>
-          </p:cNvPr>
-          <p:cNvSpPr txBox="1"/>
-          <p:nvPr/>
-        </p:nvSpPr>
-        <p:spPr>
-          <a:xfrm>
-            <a:off x="4653549" y="5113903"/>
-            <a:ext cx="1392572" cy="276999"/>
-          </a:xfrm>
-          <a:prstGeom prst="rect">
-            <a:avLst/>
-          </a:prstGeom>
-          <a:noFill/>
-        </p:spPr>
-        <p:txBody>
-          <a:bodyPr wrap="square" rtlCol="0">
-            <a:spAutoFit/>
-          </a:bodyPr>
-          <a:lstStyle/>
-          <a:p>
-            <a:pPr algn="ctr"/>
-            <a:r>
-              <a:rPr lang="de-DE" sz="1200" dirty="0" err="1"/>
-              <a:t>git</a:t>
-            </a:r>
-            <a:r>
-              <a:rPr lang="de-DE" sz="1200" dirty="0"/>
-              <a:t> </a:t>
-            </a:r>
-            <a:r>
-              <a:rPr lang="de-DE" sz="1200" dirty="0" err="1"/>
-              <a:t>commit</a:t>
-            </a:r>
-            <a:endParaRPr lang="de-DE" sz="1200" dirty="0"/>
-          </a:p>
-        </p:txBody>
-      </p:sp>
     </p:spTree>
     <p:extLst>
       <p:ext uri="{BB962C8B-B14F-4D97-AF65-F5344CB8AC3E}">
@@ -5637,10 +5610,46 @@
       </p:sp>
       <p:sp>
         <p:nvSpPr>
-          <p:cNvPr id="4" name="Rechteck 3">
-            <a:extLst>
-              <a:ext uri="{FF2B5EF4-FFF2-40B4-BE49-F238E27FC236}">
-                <a16:creationId xmlns:a16="http://schemas.microsoft.com/office/drawing/2014/main" id="{017671C9-3681-4AB1-9FD2-58E684AFC350}"/>
+          <p:cNvPr id="6" name="Textfeld 5">
+            <a:extLst>
+              <a:ext uri="{FF2B5EF4-FFF2-40B4-BE49-F238E27FC236}">
+                <a16:creationId xmlns:a16="http://schemas.microsoft.com/office/drawing/2014/main" id="{FB76E76E-E90D-445A-93A5-D8122915C4D5}"/>
+              </a:ext>
+            </a:extLst>
+          </p:cNvPr>
+          <p:cNvSpPr txBox="1"/>
+          <p:nvPr/>
+        </p:nvSpPr>
+        <p:spPr>
+          <a:xfrm>
+            <a:off x="3728907" y="6123208"/>
+            <a:ext cx="1392572" cy="276999"/>
+          </a:xfrm>
+          <a:prstGeom prst="rect">
+            <a:avLst/>
+          </a:prstGeom>
+          <a:noFill/>
+        </p:spPr>
+        <p:txBody>
+          <a:bodyPr wrap="square" rtlCol="0">
+            <a:spAutoFit/>
+          </a:bodyPr>
+          <a:lstStyle/>
+          <a:p>
+            <a:pPr algn="ctr"/>
+            <a:r>
+              <a:rPr lang="de-DE" sz="1200" dirty="0"/>
+              <a:t>Arbeitsverzeichnis</a:t>
+            </a:r>
+          </a:p>
+        </p:txBody>
+      </p:sp>
+      <p:sp>
+        <p:nvSpPr>
+          <p:cNvPr id="7" name="Rechteck 6">
+            <a:extLst>
+              <a:ext uri="{FF2B5EF4-FFF2-40B4-BE49-F238E27FC236}">
+                <a16:creationId xmlns:a16="http://schemas.microsoft.com/office/drawing/2014/main" id="{5679A84F-A013-4B50-958E-DA5D3EBB67AA}"/>
               </a:ext>
             </a:extLst>
           </p:cNvPr>
@@ -5649,14 +5658,14 @@
         </p:nvSpPr>
         <p:spPr>
           <a:xfrm>
-            <a:off x="3858936" y="5652270"/>
+            <a:off x="3858936" y="4571489"/>
             <a:ext cx="1132514" cy="495388"/>
           </a:xfrm>
           <a:prstGeom prst="rect">
             <a:avLst/>
           </a:prstGeom>
           <a:solidFill>
-            <a:schemeClr val="bg1">
+            <a:schemeClr val="accent2">
               <a:lumMod val="75000"/>
             </a:schemeClr>
           </a:solidFill>
@@ -5693,10 +5702,10 @@
       </p:sp>
       <p:sp>
         <p:nvSpPr>
-          <p:cNvPr id="6" name="Textfeld 5">
-            <a:extLst>
-              <a:ext uri="{FF2B5EF4-FFF2-40B4-BE49-F238E27FC236}">
-                <a16:creationId xmlns:a16="http://schemas.microsoft.com/office/drawing/2014/main" id="{FB76E76E-E90D-445A-93A5-D8122915C4D5}"/>
+          <p:cNvPr id="8" name="Textfeld 7">
+            <a:extLst>
+              <a:ext uri="{FF2B5EF4-FFF2-40B4-BE49-F238E27FC236}">
+                <a16:creationId xmlns:a16="http://schemas.microsoft.com/office/drawing/2014/main" id="{3662A8CF-69C5-4444-BBA6-ACAC5E14E1BF}"/>
               </a:ext>
             </a:extLst>
           </p:cNvPr>
@@ -5705,7 +5714,7 @@
         </p:nvSpPr>
         <p:spPr>
           <a:xfrm>
-            <a:off x="3728907" y="6081263"/>
+            <a:off x="3728907" y="5022275"/>
             <a:ext cx="1392572" cy="276999"/>
           </a:xfrm>
           <a:prstGeom prst="rect">
@@ -5722,98 +5731,6 @@
             <a:pPr algn="ctr"/>
             <a:r>
               <a:rPr lang="de-DE" sz="1200" dirty="0"/>
-              <a:t>Arbeitsverzeichnis</a:t>
-            </a:r>
-          </a:p>
-        </p:txBody>
-      </p:sp>
-      <p:sp>
-        <p:nvSpPr>
-          <p:cNvPr id="7" name="Rechteck 6">
-            <a:extLst>
-              <a:ext uri="{FF2B5EF4-FFF2-40B4-BE49-F238E27FC236}">
-                <a16:creationId xmlns:a16="http://schemas.microsoft.com/office/drawing/2014/main" id="{5679A84F-A013-4B50-958E-DA5D3EBB67AA}"/>
-              </a:ext>
-            </a:extLst>
-          </p:cNvPr>
-          <p:cNvSpPr/>
-          <p:nvPr/>
-        </p:nvSpPr>
-        <p:spPr>
-          <a:xfrm>
-            <a:off x="3858936" y="4571489"/>
-            <a:ext cx="1132514" cy="495388"/>
-          </a:xfrm>
-          <a:prstGeom prst="rect">
-            <a:avLst/>
-          </a:prstGeom>
-          <a:solidFill>
-            <a:schemeClr val="accent2">
-              <a:lumMod val="75000"/>
-            </a:schemeClr>
-          </a:solidFill>
-          <a:ln>
-            <a:solidFill>
-              <a:schemeClr val="bg1"/>
-            </a:solidFill>
-          </a:ln>
-        </p:spPr>
-        <p:style>
-          <a:lnRef idx="2">
-            <a:schemeClr val="accent1">
-              <a:shade val="50000"/>
-            </a:schemeClr>
-          </a:lnRef>
-          <a:fillRef idx="1">
-            <a:schemeClr val="accent1"/>
-          </a:fillRef>
-          <a:effectRef idx="0">
-            <a:schemeClr val="accent1"/>
-          </a:effectRef>
-          <a:fontRef idx="minor">
-            <a:schemeClr val="lt1"/>
-          </a:fontRef>
-        </p:style>
-        <p:txBody>
-          <a:bodyPr rtlCol="0" anchor="ctr"/>
-          <a:lstStyle/>
-          <a:p>
-            <a:pPr algn="ctr"/>
-            <a:endParaRPr lang="de-DE"/>
-          </a:p>
-        </p:txBody>
-      </p:sp>
-      <p:sp>
-        <p:nvSpPr>
-          <p:cNvPr id="8" name="Textfeld 7">
-            <a:extLst>
-              <a:ext uri="{FF2B5EF4-FFF2-40B4-BE49-F238E27FC236}">
-                <a16:creationId xmlns:a16="http://schemas.microsoft.com/office/drawing/2014/main" id="{3662A8CF-69C5-4444-BBA6-ACAC5E14E1BF}"/>
-              </a:ext>
-            </a:extLst>
-          </p:cNvPr>
-          <p:cNvSpPr txBox="1"/>
-          <p:nvPr/>
-        </p:nvSpPr>
-        <p:spPr>
-          <a:xfrm>
-            <a:off x="3728907" y="5022275"/>
-            <a:ext cx="1392572" cy="276999"/>
-          </a:xfrm>
-          <a:prstGeom prst="rect">
-            <a:avLst/>
-          </a:prstGeom>
-          <a:noFill/>
-        </p:spPr>
-        <p:txBody>
-          <a:bodyPr wrap="square" rtlCol="0">
-            <a:spAutoFit/>
-          </a:bodyPr>
-          <a:lstStyle/>
-          <a:p>
-            <a:pPr algn="ctr"/>
-            <a:r>
-              <a:rPr lang="de-DE" sz="1200" dirty="0"/>
               <a:t>Zwischenspeicher</a:t>
             </a:r>
           </a:p>
@@ -5829,7 +5746,7 @@
             </a:extLst>
           </p:cNvPr>
           <p:cNvCxnSpPr>
-            <a:stCxn id="4" idx="1"/>
+            <a:cxnSpLocks/>
             <a:endCxn id="7" idx="1"/>
           </p:cNvCxnSpPr>
           <p:nvPr/>
@@ -5849,14 +5766,14 @@
           </a:ln>
         </p:spPr>
         <p:style>
-          <a:lnRef idx="1">
-            <a:schemeClr val="accent1"/>
+          <a:lnRef idx="2">
+            <a:schemeClr val="dk1"/>
           </a:lnRef>
           <a:fillRef idx="0">
-            <a:schemeClr val="accent1"/>
+            <a:schemeClr val="dk1"/>
           </a:fillRef>
-          <a:effectRef idx="0">
-            <a:schemeClr val="accent1"/>
+          <a:effectRef idx="1">
+            <a:schemeClr val="dk1"/>
           </a:effectRef>
           <a:fontRef idx="minor">
             <a:schemeClr val="tx1"/>
@@ -5873,8 +5790,8 @@
             </a:extLst>
           </p:cNvPr>
           <p:cNvCxnSpPr>
+            <a:cxnSpLocks/>
             <a:stCxn id="7" idx="3"/>
-            <a:endCxn id="4" idx="3"/>
           </p:cNvCxnSpPr>
           <p:nvPr/>
         </p:nvCxnSpPr>
@@ -5893,14 +5810,14 @@
           </a:ln>
         </p:spPr>
         <p:style>
-          <a:lnRef idx="1">
-            <a:schemeClr val="accent1"/>
+          <a:lnRef idx="2">
+            <a:schemeClr val="dk1"/>
           </a:lnRef>
           <a:fillRef idx="0">
-            <a:schemeClr val="accent1"/>
+            <a:schemeClr val="dk1"/>
           </a:fillRef>
-          <a:effectRef idx="0">
-            <a:schemeClr val="accent1"/>
+          <a:effectRef idx="1">
+            <a:schemeClr val="dk1"/>
           </a:effectRef>
           <a:fontRef idx="minor">
             <a:schemeClr val="tx1"/>
@@ -6011,6 +5928,35 @@
           </a:p>
         </p:txBody>
       </p:sp>
+      <p:pic>
+        <p:nvPicPr>
+          <p:cNvPr id="12" name="Grafik 11">
+            <a:extLst>
+              <a:ext uri="{FF2B5EF4-FFF2-40B4-BE49-F238E27FC236}">
+                <a16:creationId xmlns:a16="http://schemas.microsoft.com/office/drawing/2014/main" id="{F8453539-255B-4DCE-9EE0-78A5885796CA}"/>
+              </a:ext>
+            </a:extLst>
+          </p:cNvPr>
+          <p:cNvPicPr>
+            <a:picLocks noChangeAspect="1"/>
+          </p:cNvPicPr>
+          <p:nvPr/>
+        </p:nvPicPr>
+        <p:blipFill rotWithShape="1">
+          <a:blip r:embed="rId2"/>
+          <a:srcRect l="5624" r="5147" b="11043"/>
+          <a:stretch/>
+        </p:blipFill>
+        <p:spPr>
+          <a:xfrm>
+            <a:off x="3914531" y="5320952"/>
+            <a:ext cx="1089619" cy="855856"/>
+          </a:xfrm>
+          <a:prstGeom prst="rect">
+            <a:avLst/>
+          </a:prstGeom>
+        </p:spPr>
+      </p:pic>
     </p:spTree>
     <p:extLst>
       <p:ext uri="{BB962C8B-B14F-4D97-AF65-F5344CB8AC3E}">
@@ -9780,638 +9726,545 @@
           </a:p>
         </p:txBody>
       </p:sp>
-      <p:grpSp>
-        <p:nvGrpSpPr>
-          <p:cNvPr id="4" name="Gruppieren 3">
-            <a:extLst>
-              <a:ext uri="{FF2B5EF4-FFF2-40B4-BE49-F238E27FC236}">
-                <a16:creationId xmlns:a16="http://schemas.microsoft.com/office/drawing/2014/main" id="{DE9F934B-4013-44F8-9FC9-891BB33CA754}"/>
-              </a:ext>
-            </a:extLst>
-          </p:cNvPr>
-          <p:cNvGrpSpPr/>
+      <p:sp>
+        <p:nvSpPr>
+          <p:cNvPr id="9" name="Textfeld 8">
+            <a:extLst>
+              <a:ext uri="{FF2B5EF4-FFF2-40B4-BE49-F238E27FC236}">
+                <a16:creationId xmlns:a16="http://schemas.microsoft.com/office/drawing/2014/main" id="{BE1003E0-1D5E-4E90-B370-787FD4FD146E}"/>
+              </a:ext>
+            </a:extLst>
+          </p:cNvPr>
+          <p:cNvSpPr txBox="1"/>
           <p:nvPr/>
-        </p:nvGrpSpPr>
-        <p:grpSpPr>
+        </p:nvSpPr>
+        <p:spPr>
+          <a:xfrm>
+            <a:off x="6367933" y="4201784"/>
+            <a:ext cx="1392572" cy="276999"/>
+          </a:xfrm>
+          <a:prstGeom prst="rect">
+            <a:avLst/>
+          </a:prstGeom>
+          <a:noFill/>
+        </p:spPr>
+        <p:txBody>
+          <a:bodyPr wrap="square" rtlCol="0">
+            <a:spAutoFit/>
+          </a:bodyPr>
+          <a:lstStyle/>
+          <a:p>
+            <a:pPr algn="ctr"/>
+            <a:r>
+              <a:rPr lang="de-DE" sz="1200" dirty="0"/>
+              <a:t>Arbeitsverzeichnis</a:t>
+            </a:r>
+          </a:p>
+        </p:txBody>
+      </p:sp>
+      <p:sp>
+        <p:nvSpPr>
+          <p:cNvPr id="10" name="Textfeld 9">
+            <a:extLst>
+              <a:ext uri="{FF2B5EF4-FFF2-40B4-BE49-F238E27FC236}">
+                <a16:creationId xmlns:a16="http://schemas.microsoft.com/office/drawing/2014/main" id="{54C24EA1-406B-4BA3-BDD8-B7FD0F0A3713}"/>
+              </a:ext>
+            </a:extLst>
+          </p:cNvPr>
+          <p:cNvSpPr txBox="1"/>
+          <p:nvPr/>
+        </p:nvSpPr>
+        <p:spPr>
+          <a:xfrm>
+            <a:off x="3681840" y="4201783"/>
+            <a:ext cx="1392572" cy="276999"/>
+          </a:xfrm>
+          <a:prstGeom prst="rect">
+            <a:avLst/>
+          </a:prstGeom>
+          <a:noFill/>
+        </p:spPr>
+        <p:txBody>
+          <a:bodyPr wrap="square" rtlCol="0">
+            <a:spAutoFit/>
+          </a:bodyPr>
+          <a:lstStyle/>
+          <a:p>
+            <a:pPr algn="ctr"/>
+            <a:r>
+              <a:rPr lang="de-DE" sz="1200" dirty="0"/>
+              <a:t>Projektarchiv</a:t>
+            </a:r>
+          </a:p>
+        </p:txBody>
+      </p:sp>
+      <p:sp>
+        <p:nvSpPr>
+          <p:cNvPr id="11" name="Textfeld 10">
+            <a:extLst>
+              <a:ext uri="{FF2B5EF4-FFF2-40B4-BE49-F238E27FC236}">
+                <a16:creationId xmlns:a16="http://schemas.microsoft.com/office/drawing/2014/main" id="{342E011D-7334-4EF0-8740-01A35F2781A9}"/>
+              </a:ext>
+            </a:extLst>
+          </p:cNvPr>
+          <p:cNvSpPr txBox="1"/>
+          <p:nvPr/>
+        </p:nvSpPr>
+        <p:spPr>
           <a:xfrm>
             <a:off x="963154" y="4201783"/>
-            <a:ext cx="6797351" cy="1261425"/>
-            <a:chOff x="849214" y="5087978"/>
-            <a:chExt cx="6797351" cy="1261425"/>
-          </a:xfrm>
-        </p:grpSpPr>
-        <p:sp>
-          <p:nvSpPr>
-            <p:cNvPr id="6" name="Rechteck 5">
-              <a:extLst>
-                <a:ext uri="{FF2B5EF4-FFF2-40B4-BE49-F238E27FC236}">
-                  <a16:creationId xmlns:a16="http://schemas.microsoft.com/office/drawing/2014/main" id="{4A2BA6C6-3D1C-4DEC-95F1-E2DC7FE4D490}"/>
-                </a:ext>
-              </a:extLst>
-            </p:cNvPr>
-            <p:cNvSpPr/>
-            <p:nvPr/>
-          </p:nvSpPr>
-          <p:spPr>
-            <a:xfrm>
-              <a:off x="3697929" y="5364978"/>
-              <a:ext cx="1132514" cy="495388"/>
-            </a:xfrm>
-            <a:prstGeom prst="rect">
-              <a:avLst/>
-            </a:prstGeom>
-            <a:solidFill>
-              <a:schemeClr val="accent6">
-                <a:lumMod val="75000"/>
-              </a:schemeClr>
-            </a:solidFill>
-            <a:ln>
-              <a:solidFill>
-                <a:schemeClr val="bg1"/>
-              </a:solidFill>
-            </a:ln>
-          </p:spPr>
-          <p:style>
-            <a:lnRef idx="2">
-              <a:schemeClr val="accent1">
-                <a:shade val="50000"/>
-              </a:schemeClr>
-            </a:lnRef>
-            <a:fillRef idx="1">
-              <a:schemeClr val="accent1"/>
-            </a:fillRef>
-            <a:effectRef idx="0">
-              <a:schemeClr val="accent1"/>
-            </a:effectRef>
-            <a:fontRef idx="minor">
-              <a:schemeClr val="lt1"/>
-            </a:fontRef>
-          </p:style>
-          <p:txBody>
-            <a:bodyPr rtlCol="0" anchor="ctr"/>
-            <a:lstStyle/>
-            <a:p>
-              <a:pPr algn="ctr"/>
-              <a:endParaRPr lang="de-DE"/>
-            </a:p>
-          </p:txBody>
-        </p:sp>
-        <p:sp>
-          <p:nvSpPr>
-            <p:cNvPr id="7" name="Rechteck 6">
-              <a:extLst>
-                <a:ext uri="{FF2B5EF4-FFF2-40B4-BE49-F238E27FC236}">
-                  <a16:creationId xmlns:a16="http://schemas.microsoft.com/office/drawing/2014/main" id="{4845D09C-9089-424C-8413-713D48D93BA1}"/>
-                </a:ext>
-              </a:extLst>
-            </p:cNvPr>
-            <p:cNvSpPr/>
-            <p:nvPr/>
-          </p:nvSpPr>
-          <p:spPr>
-            <a:xfrm>
-              <a:off x="6384022" y="5364978"/>
-              <a:ext cx="1132514" cy="495388"/>
-            </a:xfrm>
-            <a:prstGeom prst="rect">
-              <a:avLst/>
-            </a:prstGeom>
-            <a:solidFill>
-              <a:schemeClr val="bg1">
-                <a:lumMod val="75000"/>
-              </a:schemeClr>
-            </a:solidFill>
-            <a:ln>
-              <a:solidFill>
-                <a:schemeClr val="bg1"/>
-              </a:solidFill>
-            </a:ln>
-          </p:spPr>
-          <p:style>
-            <a:lnRef idx="2">
-              <a:schemeClr val="accent1">
-                <a:shade val="50000"/>
-              </a:schemeClr>
-            </a:lnRef>
-            <a:fillRef idx="1">
-              <a:schemeClr val="accent1"/>
-            </a:fillRef>
-            <a:effectRef idx="0">
-              <a:schemeClr val="accent1"/>
-            </a:effectRef>
-            <a:fontRef idx="minor">
-              <a:schemeClr val="lt1"/>
-            </a:fontRef>
-          </p:style>
-          <p:txBody>
-            <a:bodyPr rtlCol="0" anchor="ctr"/>
-            <a:lstStyle/>
-            <a:p>
-              <a:pPr algn="ctr"/>
-              <a:endParaRPr lang="de-DE"/>
-            </a:p>
-          </p:txBody>
-        </p:sp>
-        <p:sp>
-          <p:nvSpPr>
-            <p:cNvPr id="8" name="Rechteck 7">
-              <a:extLst>
-                <a:ext uri="{FF2B5EF4-FFF2-40B4-BE49-F238E27FC236}">
-                  <a16:creationId xmlns:a16="http://schemas.microsoft.com/office/drawing/2014/main" id="{597616F4-BF79-4E36-AED0-3F1293C3BC32}"/>
-                </a:ext>
-              </a:extLst>
-            </p:cNvPr>
-            <p:cNvSpPr/>
-            <p:nvPr/>
-          </p:nvSpPr>
-          <p:spPr>
-            <a:xfrm>
-              <a:off x="1011836" y="5364978"/>
-              <a:ext cx="1132514" cy="495388"/>
-            </a:xfrm>
-            <a:prstGeom prst="rect">
-              <a:avLst/>
-            </a:prstGeom>
-            <a:solidFill>
-              <a:schemeClr val="bg2">
-                <a:lumMod val="10000"/>
-              </a:schemeClr>
-            </a:solidFill>
-            <a:ln>
-              <a:solidFill>
-                <a:schemeClr val="bg1"/>
-              </a:solidFill>
-            </a:ln>
-          </p:spPr>
-          <p:style>
-            <a:lnRef idx="2">
-              <a:schemeClr val="accent1">
-                <a:shade val="50000"/>
-              </a:schemeClr>
-            </a:lnRef>
-            <a:fillRef idx="1">
-              <a:schemeClr val="accent1"/>
-            </a:fillRef>
-            <a:effectRef idx="0">
-              <a:schemeClr val="accent1"/>
-            </a:effectRef>
-            <a:fontRef idx="minor">
-              <a:schemeClr val="lt1"/>
-            </a:fontRef>
-          </p:style>
-          <p:txBody>
-            <a:bodyPr rtlCol="0" anchor="ctr"/>
-            <a:lstStyle/>
-            <a:p>
-              <a:pPr algn="ctr"/>
-              <a:endParaRPr lang="de-DE"/>
-            </a:p>
-          </p:txBody>
-        </p:sp>
-        <p:sp>
-          <p:nvSpPr>
-            <p:cNvPr id="9" name="Textfeld 8">
-              <a:extLst>
-                <a:ext uri="{FF2B5EF4-FFF2-40B4-BE49-F238E27FC236}">
-                  <a16:creationId xmlns:a16="http://schemas.microsoft.com/office/drawing/2014/main" id="{BE1003E0-1D5E-4E90-B370-787FD4FD146E}"/>
-                </a:ext>
-              </a:extLst>
-            </p:cNvPr>
-            <p:cNvSpPr txBox="1"/>
-            <p:nvPr/>
-          </p:nvSpPr>
-          <p:spPr>
-            <a:xfrm>
-              <a:off x="6253993" y="5087979"/>
-              <a:ext cx="1392572" cy="276999"/>
-            </a:xfrm>
-            <a:prstGeom prst="rect">
-              <a:avLst/>
-            </a:prstGeom>
-            <a:noFill/>
-          </p:spPr>
-          <p:txBody>
-            <a:bodyPr wrap="square" rtlCol="0">
-              <a:spAutoFit/>
-            </a:bodyPr>
-            <a:lstStyle/>
-            <a:p>
-              <a:pPr algn="ctr"/>
-              <a:r>
-                <a:rPr lang="de-DE" sz="1200" dirty="0"/>
-                <a:t>Arbeitsverzeichnis</a:t>
-              </a:r>
-            </a:p>
-          </p:txBody>
-        </p:sp>
-        <p:sp>
-          <p:nvSpPr>
-            <p:cNvPr id="10" name="Textfeld 9">
-              <a:extLst>
-                <a:ext uri="{FF2B5EF4-FFF2-40B4-BE49-F238E27FC236}">
-                  <a16:creationId xmlns:a16="http://schemas.microsoft.com/office/drawing/2014/main" id="{54C24EA1-406B-4BA3-BDD8-B7FD0F0A3713}"/>
-                </a:ext>
-              </a:extLst>
-            </p:cNvPr>
-            <p:cNvSpPr txBox="1"/>
-            <p:nvPr/>
-          </p:nvSpPr>
-          <p:spPr>
-            <a:xfrm>
-              <a:off x="3567900" y="5087978"/>
-              <a:ext cx="1392572" cy="276999"/>
-            </a:xfrm>
-            <a:prstGeom prst="rect">
-              <a:avLst/>
-            </a:prstGeom>
-            <a:noFill/>
-          </p:spPr>
-          <p:txBody>
-            <a:bodyPr wrap="square" rtlCol="0">
-              <a:spAutoFit/>
-            </a:bodyPr>
-            <a:lstStyle/>
-            <a:p>
-              <a:pPr algn="ctr"/>
-              <a:r>
-                <a:rPr lang="de-DE" sz="1200" dirty="0"/>
-                <a:t>Projektarchiv</a:t>
-              </a:r>
-            </a:p>
-          </p:txBody>
-        </p:sp>
-        <p:sp>
-          <p:nvSpPr>
-            <p:cNvPr id="11" name="Textfeld 10">
-              <a:extLst>
-                <a:ext uri="{FF2B5EF4-FFF2-40B4-BE49-F238E27FC236}">
-                  <a16:creationId xmlns:a16="http://schemas.microsoft.com/office/drawing/2014/main" id="{342E011D-7334-4EF0-8740-01A35F2781A9}"/>
-                </a:ext>
-              </a:extLst>
-            </p:cNvPr>
-            <p:cNvSpPr txBox="1"/>
-            <p:nvPr/>
-          </p:nvSpPr>
-          <p:spPr>
-            <a:xfrm>
-              <a:off x="849214" y="5087978"/>
-              <a:ext cx="1392572" cy="276999"/>
-            </a:xfrm>
-            <a:prstGeom prst="rect">
-              <a:avLst/>
-            </a:prstGeom>
-            <a:noFill/>
-          </p:spPr>
-          <p:txBody>
-            <a:bodyPr wrap="square" rtlCol="0">
-              <a:spAutoFit/>
-            </a:bodyPr>
-            <a:lstStyle/>
-            <a:p>
-              <a:pPr algn="ctr"/>
-              <a:r>
-                <a:rPr lang="de-DE" sz="1200" dirty="0"/>
-                <a:t>Referenzarchiv</a:t>
-              </a:r>
-            </a:p>
-          </p:txBody>
-        </p:sp>
-        <p:cxnSp>
-          <p:nvCxnSpPr>
-            <p:cNvPr id="12" name="Verbinder: gewinkelt 11">
-              <a:extLst>
-                <a:ext uri="{FF2B5EF4-FFF2-40B4-BE49-F238E27FC236}">
-                  <a16:creationId xmlns:a16="http://schemas.microsoft.com/office/drawing/2014/main" id="{9206D5D9-8257-4414-8E3F-454E00475589}"/>
-                </a:ext>
-              </a:extLst>
-            </p:cNvPr>
-            <p:cNvCxnSpPr>
-              <a:stCxn id="8" idx="2"/>
-              <a:endCxn id="7" idx="2"/>
-            </p:cNvCxnSpPr>
-            <p:nvPr/>
-          </p:nvCxnSpPr>
-          <p:spPr>
-            <a:xfrm rot="16200000" flipH="1">
-              <a:off x="4264186" y="3174273"/>
-              <a:ext cx="12700" cy="5372186"/>
-            </a:xfrm>
-            <a:prstGeom prst="bentConnector3">
-              <a:avLst>
-                <a:gd name="adj1" fmla="val 1800000"/>
-              </a:avLst>
-            </a:prstGeom>
-            <a:ln>
-              <a:tailEnd type="triangle"/>
-            </a:ln>
-          </p:spPr>
-          <p:style>
-            <a:lnRef idx="1">
-              <a:schemeClr val="accent1"/>
-            </a:lnRef>
-            <a:fillRef idx="0">
-              <a:schemeClr val="accent1"/>
-            </a:fillRef>
-            <a:effectRef idx="0">
-              <a:schemeClr val="accent1"/>
-            </a:effectRef>
-            <a:fontRef idx="minor">
-              <a:schemeClr val="tx1"/>
-            </a:fontRef>
-          </p:style>
-        </p:cxnSp>
-        <p:sp>
-          <p:nvSpPr>
-            <p:cNvPr id="13" name="Textfeld 12">
-              <a:extLst>
-                <a:ext uri="{FF2B5EF4-FFF2-40B4-BE49-F238E27FC236}">
-                  <a16:creationId xmlns:a16="http://schemas.microsoft.com/office/drawing/2014/main" id="{2749D5DC-287F-4071-AE90-2B8FB994B753}"/>
-                </a:ext>
-              </a:extLst>
-            </p:cNvPr>
-            <p:cNvSpPr txBox="1"/>
-            <p:nvPr/>
-          </p:nvSpPr>
-          <p:spPr>
-            <a:xfrm>
-              <a:off x="3566284" y="6072404"/>
-              <a:ext cx="1392572" cy="276999"/>
-            </a:xfrm>
-            <a:prstGeom prst="rect">
-              <a:avLst/>
-            </a:prstGeom>
-            <a:noFill/>
-          </p:spPr>
-          <p:txBody>
-            <a:bodyPr wrap="square" rtlCol="0">
-              <a:spAutoFit/>
-            </a:bodyPr>
-            <a:lstStyle/>
-            <a:p>
-              <a:pPr algn="ctr"/>
-              <a:r>
-                <a:rPr lang="de-DE" sz="1200" dirty="0" err="1"/>
-                <a:t>git</a:t>
-              </a:r>
-              <a:r>
-                <a:rPr lang="de-DE" sz="1200" dirty="0"/>
-                <a:t> pull</a:t>
-              </a:r>
-            </a:p>
-          </p:txBody>
-        </p:sp>
-        <p:cxnSp>
-          <p:nvCxnSpPr>
-            <p:cNvPr id="14" name="Gerade Verbindung mit Pfeil 13">
-              <a:extLst>
-                <a:ext uri="{FF2B5EF4-FFF2-40B4-BE49-F238E27FC236}">
-                  <a16:creationId xmlns:a16="http://schemas.microsoft.com/office/drawing/2014/main" id="{5F2A8F69-3EB0-4ABD-9E16-08FCBA84DD28}"/>
-                </a:ext>
-              </a:extLst>
-            </p:cNvPr>
-            <p:cNvCxnSpPr>
-              <a:cxnSpLocks/>
-            </p:cNvCxnSpPr>
-            <p:nvPr/>
-          </p:nvCxnSpPr>
-          <p:spPr>
-            <a:xfrm>
-              <a:off x="2144350" y="5431810"/>
-              <a:ext cx="1553579" cy="0"/>
-            </a:xfrm>
-            <a:prstGeom prst="straightConnector1">
-              <a:avLst/>
-            </a:prstGeom>
-            <a:ln>
-              <a:tailEnd type="triangle"/>
-            </a:ln>
-          </p:spPr>
-          <p:style>
-            <a:lnRef idx="1">
-              <a:schemeClr val="accent1"/>
-            </a:lnRef>
-            <a:fillRef idx="0">
-              <a:schemeClr val="accent1"/>
-            </a:fillRef>
-            <a:effectRef idx="0">
-              <a:schemeClr val="accent1"/>
-            </a:effectRef>
-            <a:fontRef idx="minor">
-              <a:schemeClr val="tx1"/>
-            </a:fontRef>
-          </p:style>
-        </p:cxnSp>
-        <p:sp>
-          <p:nvSpPr>
-            <p:cNvPr id="15" name="Textfeld 14">
-              <a:extLst>
-                <a:ext uri="{FF2B5EF4-FFF2-40B4-BE49-F238E27FC236}">
-                  <a16:creationId xmlns:a16="http://schemas.microsoft.com/office/drawing/2014/main" id="{BF20C657-3382-463F-86CB-B5C410B978C3}"/>
-                </a:ext>
-              </a:extLst>
-            </p:cNvPr>
-            <p:cNvSpPr txBox="1"/>
-            <p:nvPr/>
-          </p:nvSpPr>
-          <p:spPr>
-            <a:xfrm>
-              <a:off x="2224853" y="5154374"/>
-              <a:ext cx="1392572" cy="276999"/>
-            </a:xfrm>
-            <a:prstGeom prst="rect">
-              <a:avLst/>
-            </a:prstGeom>
-            <a:noFill/>
-          </p:spPr>
-          <p:txBody>
-            <a:bodyPr wrap="square" rtlCol="0">
-              <a:spAutoFit/>
-            </a:bodyPr>
-            <a:lstStyle/>
-            <a:p>
-              <a:pPr algn="ctr"/>
-              <a:r>
-                <a:rPr lang="de-DE" sz="1200" dirty="0" err="1"/>
-                <a:t>git</a:t>
-              </a:r>
-              <a:r>
-                <a:rPr lang="de-DE" sz="1200" dirty="0"/>
-                <a:t> </a:t>
-              </a:r>
-              <a:r>
-                <a:rPr lang="de-DE" sz="1200" dirty="0" err="1"/>
-                <a:t>fetch</a:t>
-              </a:r>
-              <a:endParaRPr lang="de-DE" sz="1200" dirty="0"/>
-            </a:p>
-          </p:txBody>
-        </p:sp>
-        <p:cxnSp>
-          <p:nvCxnSpPr>
-            <p:cNvPr id="16" name="Gerade Verbindung mit Pfeil 15">
-              <a:extLst>
-                <a:ext uri="{FF2B5EF4-FFF2-40B4-BE49-F238E27FC236}">
-                  <a16:creationId xmlns:a16="http://schemas.microsoft.com/office/drawing/2014/main" id="{15B479D2-573D-40A5-AFE4-159D5E50A1F9}"/>
-                </a:ext>
-              </a:extLst>
-            </p:cNvPr>
-            <p:cNvCxnSpPr/>
-            <p:nvPr/>
-          </p:nvCxnSpPr>
-          <p:spPr>
-            <a:xfrm flipH="1">
-              <a:off x="2144350" y="5780015"/>
-              <a:ext cx="1553579" cy="0"/>
-            </a:xfrm>
-            <a:prstGeom prst="straightConnector1">
-              <a:avLst/>
-            </a:prstGeom>
-            <a:ln>
-              <a:tailEnd type="triangle"/>
-            </a:ln>
-          </p:spPr>
-          <p:style>
-            <a:lnRef idx="1">
-              <a:schemeClr val="accent1"/>
-            </a:lnRef>
-            <a:fillRef idx="0">
-              <a:schemeClr val="accent1"/>
-            </a:fillRef>
-            <a:effectRef idx="0">
-              <a:schemeClr val="accent1"/>
-            </a:effectRef>
-            <a:fontRef idx="minor">
-              <a:schemeClr val="tx1"/>
-            </a:fontRef>
-          </p:style>
-        </p:cxnSp>
-        <p:sp>
-          <p:nvSpPr>
-            <p:cNvPr id="17" name="Textfeld 16">
-              <a:extLst>
-                <a:ext uri="{FF2B5EF4-FFF2-40B4-BE49-F238E27FC236}">
-                  <a16:creationId xmlns:a16="http://schemas.microsoft.com/office/drawing/2014/main" id="{547A475A-4491-4305-BE2F-2C67EB35BB40}"/>
-                </a:ext>
-              </a:extLst>
-            </p:cNvPr>
-            <p:cNvSpPr txBox="1"/>
-            <p:nvPr/>
-          </p:nvSpPr>
-          <p:spPr>
-            <a:xfrm>
-              <a:off x="2224046" y="5534216"/>
-              <a:ext cx="1392572" cy="276999"/>
-            </a:xfrm>
-            <a:prstGeom prst="rect">
-              <a:avLst/>
-            </a:prstGeom>
-            <a:noFill/>
-          </p:spPr>
-          <p:txBody>
-            <a:bodyPr wrap="square" rtlCol="0">
-              <a:spAutoFit/>
-            </a:bodyPr>
-            <a:lstStyle/>
-            <a:p>
-              <a:pPr algn="ctr"/>
-              <a:r>
-                <a:rPr lang="de-DE" sz="1200" dirty="0" err="1"/>
-                <a:t>git</a:t>
-              </a:r>
-              <a:r>
-                <a:rPr lang="de-DE" sz="1200" dirty="0"/>
-                <a:t> push</a:t>
-              </a:r>
-            </a:p>
-          </p:txBody>
-        </p:sp>
-        <p:cxnSp>
-          <p:nvCxnSpPr>
-            <p:cNvPr id="18" name="Gerade Verbindung mit Pfeil 17">
-              <a:extLst>
-                <a:ext uri="{FF2B5EF4-FFF2-40B4-BE49-F238E27FC236}">
-                  <a16:creationId xmlns:a16="http://schemas.microsoft.com/office/drawing/2014/main" id="{C8A609E5-5593-44C8-9573-8D1E2E8C54DC}"/>
-                </a:ext>
-              </a:extLst>
-            </p:cNvPr>
-            <p:cNvCxnSpPr>
-              <a:cxnSpLocks/>
-            </p:cNvCxnSpPr>
-            <p:nvPr/>
-          </p:nvCxnSpPr>
-          <p:spPr>
-            <a:xfrm>
-              <a:off x="4830443" y="5448588"/>
-              <a:ext cx="1553579" cy="0"/>
-            </a:xfrm>
-            <a:prstGeom prst="straightConnector1">
-              <a:avLst/>
-            </a:prstGeom>
-            <a:ln>
-              <a:tailEnd type="triangle"/>
-            </a:ln>
-          </p:spPr>
-          <p:style>
-            <a:lnRef idx="1">
-              <a:schemeClr val="accent1"/>
-            </a:lnRef>
-            <a:fillRef idx="0">
-              <a:schemeClr val="accent1"/>
-            </a:fillRef>
-            <a:effectRef idx="0">
-              <a:schemeClr val="accent1"/>
-            </a:effectRef>
-            <a:fontRef idx="minor">
-              <a:schemeClr val="tx1"/>
-            </a:fontRef>
-          </p:style>
-        </p:cxnSp>
-        <p:sp>
-          <p:nvSpPr>
-            <p:cNvPr id="19" name="Textfeld 18">
-              <a:extLst>
-                <a:ext uri="{FF2B5EF4-FFF2-40B4-BE49-F238E27FC236}">
-                  <a16:creationId xmlns:a16="http://schemas.microsoft.com/office/drawing/2014/main" id="{7106E5B2-64F9-4881-A611-6517540A1383}"/>
-                </a:ext>
-              </a:extLst>
-            </p:cNvPr>
-            <p:cNvSpPr txBox="1"/>
-            <p:nvPr/>
-          </p:nvSpPr>
-          <p:spPr>
-            <a:xfrm>
-              <a:off x="4910946" y="5171588"/>
-              <a:ext cx="1392572" cy="276999"/>
-            </a:xfrm>
-            <a:prstGeom prst="rect">
-              <a:avLst/>
-            </a:prstGeom>
-            <a:noFill/>
-          </p:spPr>
-          <p:txBody>
-            <a:bodyPr wrap="square" rtlCol="0">
-              <a:spAutoFit/>
-            </a:bodyPr>
-            <a:lstStyle/>
-            <a:p>
-              <a:pPr algn="ctr"/>
-              <a:r>
-                <a:rPr lang="de-DE" sz="1200" dirty="0" err="1"/>
-                <a:t>git</a:t>
-              </a:r>
-              <a:r>
-                <a:rPr lang="de-DE" sz="1200" dirty="0"/>
-                <a:t> </a:t>
-              </a:r>
-              <a:r>
-                <a:rPr lang="de-DE" sz="1200" dirty="0" err="1"/>
-                <a:t>merge</a:t>
-              </a:r>
-              <a:endParaRPr lang="de-DE" sz="1200" dirty="0"/>
-            </a:p>
-          </p:txBody>
-        </p:sp>
-      </p:grpSp>
+            <a:ext cx="1392572" cy="276999"/>
+          </a:xfrm>
+          <a:prstGeom prst="rect">
+            <a:avLst/>
+          </a:prstGeom>
+          <a:noFill/>
+        </p:spPr>
+        <p:txBody>
+          <a:bodyPr wrap="square" rtlCol="0">
+            <a:spAutoFit/>
+          </a:bodyPr>
+          <a:lstStyle/>
+          <a:p>
+            <a:pPr algn="ctr"/>
+            <a:r>
+              <a:rPr lang="de-DE" sz="1200" dirty="0"/>
+              <a:t>Referenzarchiv</a:t>
+            </a:r>
+          </a:p>
+        </p:txBody>
+      </p:sp>
+      <p:cxnSp>
+        <p:nvCxnSpPr>
+          <p:cNvPr id="12" name="Verbinder: gewinkelt 11">
+            <a:extLst>
+              <a:ext uri="{FF2B5EF4-FFF2-40B4-BE49-F238E27FC236}">
+                <a16:creationId xmlns:a16="http://schemas.microsoft.com/office/drawing/2014/main" id="{9206D5D9-8257-4414-8E3F-454E00475589}"/>
+              </a:ext>
+            </a:extLst>
+          </p:cNvPr>
+          <p:cNvCxnSpPr>
+            <a:cxnSpLocks/>
+          </p:cNvCxnSpPr>
+          <p:nvPr/>
+        </p:nvCxnSpPr>
+        <p:spPr>
+          <a:xfrm rot="16200000" flipH="1">
+            <a:off x="4378126" y="2472636"/>
+            <a:ext cx="12700" cy="5372186"/>
+          </a:xfrm>
+          <a:prstGeom prst="bentConnector3">
+            <a:avLst>
+              <a:gd name="adj1" fmla="val 1800000"/>
+            </a:avLst>
+          </a:prstGeom>
+          <a:ln>
+            <a:tailEnd type="triangle"/>
+          </a:ln>
+        </p:spPr>
+        <p:style>
+          <a:lnRef idx="2">
+            <a:schemeClr val="dk1"/>
+          </a:lnRef>
+          <a:fillRef idx="0">
+            <a:schemeClr val="dk1"/>
+          </a:fillRef>
+          <a:effectRef idx="1">
+            <a:schemeClr val="dk1"/>
+          </a:effectRef>
+          <a:fontRef idx="minor">
+            <a:schemeClr val="tx1"/>
+          </a:fontRef>
+        </p:style>
+      </p:cxnSp>
+      <p:sp>
+        <p:nvSpPr>
+          <p:cNvPr id="13" name="Textfeld 12">
+            <a:extLst>
+              <a:ext uri="{FF2B5EF4-FFF2-40B4-BE49-F238E27FC236}">
+                <a16:creationId xmlns:a16="http://schemas.microsoft.com/office/drawing/2014/main" id="{2749D5DC-287F-4071-AE90-2B8FB994B753}"/>
+              </a:ext>
+            </a:extLst>
+          </p:cNvPr>
+          <p:cNvSpPr txBox="1"/>
+          <p:nvPr/>
+        </p:nvSpPr>
+        <p:spPr>
+          <a:xfrm>
+            <a:off x="3680224" y="5370767"/>
+            <a:ext cx="1392572" cy="276999"/>
+          </a:xfrm>
+          <a:prstGeom prst="rect">
+            <a:avLst/>
+          </a:prstGeom>
+          <a:noFill/>
+        </p:spPr>
+        <p:txBody>
+          <a:bodyPr wrap="square" rtlCol="0">
+            <a:spAutoFit/>
+          </a:bodyPr>
+          <a:lstStyle/>
+          <a:p>
+            <a:pPr algn="ctr"/>
+            <a:r>
+              <a:rPr lang="de-DE" sz="1200" dirty="0" err="1"/>
+              <a:t>git</a:t>
+            </a:r>
+            <a:r>
+              <a:rPr lang="de-DE" sz="1200" dirty="0"/>
+              <a:t> pull</a:t>
+            </a:r>
+          </a:p>
+        </p:txBody>
+      </p:sp>
+      <p:cxnSp>
+        <p:nvCxnSpPr>
+          <p:cNvPr id="14" name="Gerade Verbindung mit Pfeil 13">
+            <a:extLst>
+              <a:ext uri="{FF2B5EF4-FFF2-40B4-BE49-F238E27FC236}">
+                <a16:creationId xmlns:a16="http://schemas.microsoft.com/office/drawing/2014/main" id="{5F2A8F69-3EB0-4ABD-9E16-08FCBA84DD28}"/>
+              </a:ext>
+            </a:extLst>
+          </p:cNvPr>
+          <p:cNvCxnSpPr>
+            <a:cxnSpLocks/>
+          </p:cNvCxnSpPr>
+          <p:nvPr/>
+        </p:nvCxnSpPr>
+        <p:spPr>
+          <a:xfrm>
+            <a:off x="2258290" y="4688228"/>
+            <a:ext cx="1553579" cy="0"/>
+          </a:xfrm>
+          <a:prstGeom prst="straightConnector1">
+            <a:avLst/>
+          </a:prstGeom>
+          <a:ln>
+            <a:tailEnd type="triangle"/>
+          </a:ln>
+        </p:spPr>
+        <p:style>
+          <a:lnRef idx="2">
+            <a:schemeClr val="dk1"/>
+          </a:lnRef>
+          <a:fillRef idx="0">
+            <a:schemeClr val="dk1"/>
+          </a:fillRef>
+          <a:effectRef idx="1">
+            <a:schemeClr val="dk1"/>
+          </a:effectRef>
+          <a:fontRef idx="minor">
+            <a:schemeClr val="tx1"/>
+          </a:fontRef>
+        </p:style>
+      </p:cxnSp>
+      <p:sp>
+        <p:nvSpPr>
+          <p:cNvPr id="15" name="Textfeld 14">
+            <a:extLst>
+              <a:ext uri="{FF2B5EF4-FFF2-40B4-BE49-F238E27FC236}">
+                <a16:creationId xmlns:a16="http://schemas.microsoft.com/office/drawing/2014/main" id="{BF20C657-3382-463F-86CB-B5C410B978C3}"/>
+              </a:ext>
+            </a:extLst>
+          </p:cNvPr>
+          <p:cNvSpPr txBox="1"/>
+          <p:nvPr/>
+        </p:nvSpPr>
+        <p:spPr>
+          <a:xfrm>
+            <a:off x="2338793" y="4410792"/>
+            <a:ext cx="1392572" cy="276999"/>
+          </a:xfrm>
+          <a:prstGeom prst="rect">
+            <a:avLst/>
+          </a:prstGeom>
+          <a:noFill/>
+        </p:spPr>
+        <p:txBody>
+          <a:bodyPr wrap="square" rtlCol="0">
+            <a:spAutoFit/>
+          </a:bodyPr>
+          <a:lstStyle/>
+          <a:p>
+            <a:pPr algn="ctr"/>
+            <a:r>
+              <a:rPr lang="de-DE" sz="1200" dirty="0" err="1"/>
+              <a:t>git</a:t>
+            </a:r>
+            <a:r>
+              <a:rPr lang="de-DE" sz="1200" dirty="0"/>
+              <a:t> </a:t>
+            </a:r>
+            <a:r>
+              <a:rPr lang="de-DE" sz="1200" dirty="0" err="1"/>
+              <a:t>fetch</a:t>
+            </a:r>
+            <a:endParaRPr lang="de-DE" sz="1200" dirty="0"/>
+          </a:p>
+        </p:txBody>
+      </p:sp>
+      <p:cxnSp>
+        <p:nvCxnSpPr>
+          <p:cNvPr id="16" name="Gerade Verbindung mit Pfeil 15">
+            <a:extLst>
+              <a:ext uri="{FF2B5EF4-FFF2-40B4-BE49-F238E27FC236}">
+                <a16:creationId xmlns:a16="http://schemas.microsoft.com/office/drawing/2014/main" id="{15B479D2-573D-40A5-AFE4-159D5E50A1F9}"/>
+              </a:ext>
+            </a:extLst>
+          </p:cNvPr>
+          <p:cNvCxnSpPr/>
+          <p:nvPr/>
+        </p:nvCxnSpPr>
+        <p:spPr>
+          <a:xfrm flipH="1">
+            <a:off x="2258290" y="4935765"/>
+            <a:ext cx="1553579" cy="0"/>
+          </a:xfrm>
+          <a:prstGeom prst="straightConnector1">
+            <a:avLst/>
+          </a:prstGeom>
+          <a:ln>
+            <a:tailEnd type="triangle"/>
+          </a:ln>
+        </p:spPr>
+        <p:style>
+          <a:lnRef idx="2">
+            <a:schemeClr val="dk1"/>
+          </a:lnRef>
+          <a:fillRef idx="0">
+            <a:schemeClr val="dk1"/>
+          </a:fillRef>
+          <a:effectRef idx="1">
+            <a:schemeClr val="dk1"/>
+          </a:effectRef>
+          <a:fontRef idx="minor">
+            <a:schemeClr val="tx1"/>
+          </a:fontRef>
+        </p:style>
+      </p:cxnSp>
+      <p:sp>
+        <p:nvSpPr>
+          <p:cNvPr id="17" name="Textfeld 16">
+            <a:extLst>
+              <a:ext uri="{FF2B5EF4-FFF2-40B4-BE49-F238E27FC236}">
+                <a16:creationId xmlns:a16="http://schemas.microsoft.com/office/drawing/2014/main" id="{547A475A-4491-4305-BE2F-2C67EB35BB40}"/>
+              </a:ext>
+            </a:extLst>
+          </p:cNvPr>
+          <p:cNvSpPr txBox="1"/>
+          <p:nvPr/>
+        </p:nvSpPr>
+        <p:spPr>
+          <a:xfrm>
+            <a:off x="2337986" y="4689966"/>
+            <a:ext cx="1392572" cy="276999"/>
+          </a:xfrm>
+          <a:prstGeom prst="rect">
+            <a:avLst/>
+          </a:prstGeom>
+          <a:noFill/>
+        </p:spPr>
+        <p:txBody>
+          <a:bodyPr wrap="square" rtlCol="0">
+            <a:spAutoFit/>
+          </a:bodyPr>
+          <a:lstStyle/>
+          <a:p>
+            <a:pPr algn="ctr"/>
+            <a:r>
+              <a:rPr lang="de-DE" sz="1200" dirty="0" err="1"/>
+              <a:t>git</a:t>
+            </a:r>
+            <a:r>
+              <a:rPr lang="de-DE" sz="1200" dirty="0"/>
+              <a:t> push</a:t>
+            </a:r>
+          </a:p>
+        </p:txBody>
+      </p:sp>
+      <p:cxnSp>
+        <p:nvCxnSpPr>
+          <p:cNvPr id="18" name="Gerade Verbindung mit Pfeil 17">
+            <a:extLst>
+              <a:ext uri="{FF2B5EF4-FFF2-40B4-BE49-F238E27FC236}">
+                <a16:creationId xmlns:a16="http://schemas.microsoft.com/office/drawing/2014/main" id="{C8A609E5-5593-44C8-9573-8D1E2E8C54DC}"/>
+              </a:ext>
+            </a:extLst>
+          </p:cNvPr>
+          <p:cNvCxnSpPr>
+            <a:cxnSpLocks/>
+          </p:cNvCxnSpPr>
+          <p:nvPr/>
+        </p:nvCxnSpPr>
+        <p:spPr>
+          <a:xfrm>
+            <a:off x="4944383" y="4814063"/>
+            <a:ext cx="1553579" cy="0"/>
+          </a:xfrm>
+          <a:prstGeom prst="straightConnector1">
+            <a:avLst/>
+          </a:prstGeom>
+          <a:ln>
+            <a:tailEnd type="triangle"/>
+          </a:ln>
+        </p:spPr>
+        <p:style>
+          <a:lnRef idx="2">
+            <a:schemeClr val="dk1"/>
+          </a:lnRef>
+          <a:fillRef idx="0">
+            <a:schemeClr val="dk1"/>
+          </a:fillRef>
+          <a:effectRef idx="1">
+            <a:schemeClr val="dk1"/>
+          </a:effectRef>
+          <a:fontRef idx="minor">
+            <a:schemeClr val="tx1"/>
+          </a:fontRef>
+        </p:style>
+      </p:cxnSp>
+      <p:sp>
+        <p:nvSpPr>
+          <p:cNvPr id="19" name="Textfeld 18">
+            <a:extLst>
+              <a:ext uri="{FF2B5EF4-FFF2-40B4-BE49-F238E27FC236}">
+                <a16:creationId xmlns:a16="http://schemas.microsoft.com/office/drawing/2014/main" id="{7106E5B2-64F9-4881-A611-6517540A1383}"/>
+              </a:ext>
+            </a:extLst>
+          </p:cNvPr>
+          <p:cNvSpPr txBox="1"/>
+          <p:nvPr/>
+        </p:nvSpPr>
+        <p:spPr>
+          <a:xfrm>
+            <a:off x="5024886" y="4537063"/>
+            <a:ext cx="1392572" cy="276999"/>
+          </a:xfrm>
+          <a:prstGeom prst="rect">
+            <a:avLst/>
+          </a:prstGeom>
+          <a:noFill/>
+        </p:spPr>
+        <p:txBody>
+          <a:bodyPr wrap="square" rtlCol="0">
+            <a:spAutoFit/>
+          </a:bodyPr>
+          <a:lstStyle/>
+          <a:p>
+            <a:pPr algn="ctr"/>
+            <a:r>
+              <a:rPr lang="de-DE" sz="1200" dirty="0" err="1"/>
+              <a:t>git</a:t>
+            </a:r>
+            <a:r>
+              <a:rPr lang="de-DE" sz="1200" dirty="0"/>
+              <a:t> </a:t>
+            </a:r>
+            <a:r>
+              <a:rPr lang="de-DE" sz="1200" dirty="0" err="1"/>
+              <a:t>merge</a:t>
+            </a:r>
+            <a:endParaRPr lang="de-DE" sz="1200" dirty="0"/>
+          </a:p>
+        </p:txBody>
+      </p:sp>
+      <p:pic>
+        <p:nvPicPr>
+          <p:cNvPr id="20" name="Grafik 19">
+            <a:extLst>
+              <a:ext uri="{FF2B5EF4-FFF2-40B4-BE49-F238E27FC236}">
+                <a16:creationId xmlns:a16="http://schemas.microsoft.com/office/drawing/2014/main" id="{133D4E2E-2EFA-4E37-8592-C0658E24BCBE}"/>
+              </a:ext>
+            </a:extLst>
+          </p:cNvPr>
+          <p:cNvPicPr>
+            <a:picLocks noChangeAspect="1"/>
+          </p:cNvPicPr>
+          <p:nvPr/>
+        </p:nvPicPr>
+        <p:blipFill rotWithShape="1">
+          <a:blip r:embed="rId2"/>
+          <a:srcRect l="5624" r="5147" b="11043"/>
+          <a:stretch/>
+        </p:blipFill>
+        <p:spPr>
+          <a:xfrm>
+            <a:off x="3996262" y="4453534"/>
+            <a:ext cx="776428" cy="609856"/>
+          </a:xfrm>
+          <a:prstGeom prst="rect">
+            <a:avLst/>
+          </a:prstGeom>
+        </p:spPr>
+      </p:pic>
+      <p:pic>
+        <p:nvPicPr>
+          <p:cNvPr id="21" name="Grafik 20" descr="Datenbank">
+            <a:extLst>
+              <a:ext uri="{FF2B5EF4-FFF2-40B4-BE49-F238E27FC236}">
+                <a16:creationId xmlns:a16="http://schemas.microsoft.com/office/drawing/2014/main" id="{7C7967C0-BB12-4B2E-B0BF-49FFBF75DF60}"/>
+              </a:ext>
+            </a:extLst>
+          </p:cNvPr>
+          <p:cNvPicPr>
+            <a:picLocks noChangeAspect="1"/>
+          </p:cNvPicPr>
+          <p:nvPr/>
+        </p:nvPicPr>
+        <p:blipFill>
+          <a:blip r:embed="rId3">
+            <a:extLst>
+              <a:ext uri="{28A0092B-C50C-407E-A947-70E740481C1C}">
+                <a14:useLocalDpi xmlns:a14="http://schemas.microsoft.com/office/drawing/2010/main" val="0"/>
+              </a:ext>
+              <a:ext uri="{96DAC541-7B7A-43D3-8B79-37D633B846F1}">
+                <asvg:svgBlip xmlns:asvg="http://schemas.microsoft.com/office/drawing/2016/SVG/main" r:embed="rId4"/>
+              </a:ext>
+            </a:extLst>
+          </a:blip>
+          <a:stretch>
+            <a:fillRect/>
+          </a:stretch>
+        </p:blipFill>
+        <p:spPr>
+          <a:xfrm>
+            <a:off x="1403544" y="4453534"/>
+            <a:ext cx="619899" cy="619899"/>
+          </a:xfrm>
+          <a:prstGeom prst="rect">
+            <a:avLst/>
+          </a:prstGeom>
+        </p:spPr>
+      </p:pic>
+      <p:pic>
+        <p:nvPicPr>
+          <p:cNvPr id="22" name="Grafik 21">
+            <a:extLst>
+              <a:ext uri="{FF2B5EF4-FFF2-40B4-BE49-F238E27FC236}">
+                <a16:creationId xmlns:a16="http://schemas.microsoft.com/office/drawing/2014/main" id="{883ECB0E-37E4-4B7F-97CD-F54B06E0F1A9}"/>
+              </a:ext>
+            </a:extLst>
+          </p:cNvPr>
+          <p:cNvPicPr>
+            <a:picLocks noChangeAspect="1"/>
+          </p:cNvPicPr>
+          <p:nvPr/>
+        </p:nvPicPr>
+        <p:blipFill rotWithShape="1">
+          <a:blip r:embed="rId2"/>
+          <a:srcRect l="5624" r="5147" b="11043"/>
+          <a:stretch/>
+        </p:blipFill>
+        <p:spPr>
+          <a:xfrm>
+            <a:off x="6659017" y="4451628"/>
+            <a:ext cx="776428" cy="609856"/>
+          </a:xfrm>
+          <a:prstGeom prst="rect">
+            <a:avLst/>
+          </a:prstGeom>
+        </p:spPr>
+      </p:pic>
     </p:spTree>
     <p:extLst>
       <p:ext uri="{BB962C8B-B14F-4D97-AF65-F5344CB8AC3E}">
@@ -10717,14 +10570,14 @@
           </a:ln>
         </p:spPr>
         <p:style>
-          <a:lnRef idx="1">
-            <a:schemeClr val="accent1"/>
+          <a:lnRef idx="2">
+            <a:schemeClr val="dk1"/>
           </a:lnRef>
           <a:fillRef idx="0">
-            <a:schemeClr val="accent1"/>
+            <a:schemeClr val="dk1"/>
           </a:fillRef>
-          <a:effectRef idx="0">
-            <a:schemeClr val="accent1"/>
+          <a:effectRef idx="1">
+            <a:schemeClr val="dk1"/>
           </a:effectRef>
           <a:fontRef idx="minor">
             <a:schemeClr val="tx1"/>
@@ -10746,7 +10599,7 @@
         <p:spPr>
           <a:xfrm>
             <a:off x="4510305" y="4639863"/>
-            <a:ext cx="1681171" cy="276999"/>
+            <a:ext cx="2066661" cy="307777"/>
           </a:xfrm>
           <a:prstGeom prst="rect">
             <a:avLst/>
@@ -10761,34 +10614,34 @@
           <a:p>
             <a:pPr algn="ctr"/>
             <a:r>
-              <a:rPr lang="de-DE" sz="1200" dirty="0" err="1"/>
+              <a:rPr lang="de-DE" sz="1400" dirty="0" err="1"/>
               <a:t>git</a:t>
             </a:r>
             <a:r>
-              <a:rPr lang="de-DE" sz="1200" dirty="0"/>
+              <a:rPr lang="de-DE" sz="1400" dirty="0"/>
               <a:t> </a:t>
             </a:r>
             <a:r>
-              <a:rPr lang="de-DE" sz="1200" dirty="0" err="1"/>
+              <a:rPr lang="de-DE" sz="1400" dirty="0" err="1"/>
               <a:t>fetch</a:t>
             </a:r>
             <a:r>
-              <a:rPr lang="de-DE" sz="1200" dirty="0"/>
+              <a:rPr lang="de-DE" sz="1400" dirty="0"/>
               <a:t> </a:t>
             </a:r>
             <a:r>
-              <a:rPr lang="de-DE" sz="1200" dirty="0" err="1"/>
+              <a:rPr lang="de-DE" sz="1400" dirty="0" err="1"/>
               <a:t>origin</a:t>
             </a:r>
             <a:r>
-              <a:rPr lang="de-DE" sz="1200" dirty="0"/>
+              <a:rPr lang="de-DE" sz="1400" dirty="0"/>
               <a:t> </a:t>
             </a:r>
             <a:r>
-              <a:rPr lang="de-DE" sz="1200" dirty="0" err="1"/>
+              <a:rPr lang="de-DE" sz="1400" dirty="0" err="1"/>
               <a:t>master</a:t>
             </a:r>
-            <a:endParaRPr lang="de-DE" sz="1200" dirty="0"/>
+            <a:endParaRPr lang="de-DE" sz="1400" dirty="0"/>
           </a:p>
         </p:txBody>
       </p:sp>
@@ -11189,14 +11042,14 @@
           </a:ln>
         </p:spPr>
         <p:style>
-          <a:lnRef idx="1">
-            <a:schemeClr val="accent1"/>
+          <a:lnRef idx="2">
+            <a:schemeClr val="dk1"/>
           </a:lnRef>
           <a:fillRef idx="0">
-            <a:schemeClr val="accent1"/>
+            <a:schemeClr val="dk1"/>
           </a:fillRef>
-          <a:effectRef idx="0">
-            <a:schemeClr val="accent1"/>
+          <a:effectRef idx="1">
+            <a:schemeClr val="dk1"/>
           </a:effectRef>
           <a:fontRef idx="minor">
             <a:schemeClr val="tx1"/>
@@ -11231,14 +11084,14 @@
           </a:ln>
         </p:spPr>
         <p:style>
-          <a:lnRef idx="1">
-            <a:schemeClr val="accent1"/>
+          <a:lnRef idx="2">
+            <a:schemeClr val="dk1"/>
           </a:lnRef>
           <a:fillRef idx="0">
-            <a:schemeClr val="accent1"/>
+            <a:schemeClr val="dk1"/>
           </a:fillRef>
-          <a:effectRef idx="0">
-            <a:schemeClr val="accent1"/>
+          <a:effectRef idx="1">
+            <a:schemeClr val="dk1"/>
           </a:effectRef>
           <a:fontRef idx="minor">
             <a:schemeClr val="tx1"/>

--- a/Präsentation-90min/Präsentation-90min.pptx
+++ b/Präsentation-90min/Präsentation-90min.pptx
@@ -5,7 +5,7 @@
     <p:sldMasterId id="2147483660" r:id="rId1"/>
   </p:sldMasterIdLst>
   <p:notesMasterIdLst>
-    <p:notesMasterId r:id="rId42"/>
+    <p:notesMasterId r:id="rId41"/>
   </p:notesMasterIdLst>
   <p:sldIdLst>
     <p:sldId id="310" r:id="rId2"/>
@@ -40,14 +40,13 @@
     <p:sldId id="309" r:id="rId31"/>
     <p:sldId id="299" r:id="rId32"/>
     <p:sldId id="300" r:id="rId33"/>
-    <p:sldId id="301" r:id="rId34"/>
-    <p:sldId id="303" r:id="rId35"/>
-    <p:sldId id="302" r:id="rId36"/>
+    <p:sldId id="303" r:id="rId34"/>
+    <p:sldId id="302" r:id="rId35"/>
+    <p:sldId id="312" r:id="rId36"/>
     <p:sldId id="304" r:id="rId37"/>
     <p:sldId id="305" r:id="rId38"/>
-    <p:sldId id="306" r:id="rId39"/>
-    <p:sldId id="308" r:id="rId40"/>
-    <p:sldId id="307" r:id="rId41"/>
+    <p:sldId id="308" r:id="rId39"/>
+    <p:sldId id="307" r:id="rId40"/>
   </p:sldIdLst>
   <p:sldSz cx="9144000" cy="6858000" type="screen4x3"/>
   <p:notesSz cx="6858000" cy="9144000"/>
@@ -291,7 +290,7 @@
           <a:p>
             <a:fld id="{A1E1CD49-93F9-4EB7-9AB7-31369D3CCD5D}" type="datetimeFigureOut">
               <a:rPr lang="de-DE" smtClean="0"/>
-              <a:t>20.03.2020</a:t>
+              <a:t>21.03.2020</a:t>
             </a:fld>
             <a:endParaRPr lang="de-DE"/>
           </a:p>
@@ -692,7 +691,7 @@
           <a:p>
             <a:fld id="{7CDC51D4-4F8D-402A-BD06-90531D3D0B0E}" type="datetime1">
               <a:rPr lang="de-DE" smtClean="0"/>
-              <a:t>20.03.2020</a:t>
+              <a:t>21.03.2020</a:t>
             </a:fld>
             <a:endParaRPr lang="de-DE"/>
           </a:p>
@@ -870,7 +869,7 @@
           <a:p>
             <a:fld id="{3608FC1D-F958-4804-B298-25E0F93B1193}" type="datetime1">
               <a:rPr lang="de-DE" smtClean="0"/>
-              <a:t>20.03.2020</a:t>
+              <a:t>21.03.2020</a:t>
             </a:fld>
             <a:endParaRPr lang="de-DE"/>
           </a:p>
@@ -1053,7 +1052,7 @@
           <a:p>
             <a:fld id="{853E26B7-2C61-49BA-838E-19A37BCD9623}" type="datetime1">
               <a:rPr lang="de-DE" smtClean="0"/>
-              <a:t>20.03.2020</a:t>
+              <a:t>21.03.2020</a:t>
             </a:fld>
             <a:endParaRPr lang="de-DE"/>
           </a:p>
@@ -1348,7 +1347,7 @@
             <a:fld id="{6F7941D6-DDCD-4FEB-B76A-6EA7C7E1DF91}" type="datetime1">
               <a:rPr lang="de-DE" smtClean="0"/>
               <a:pPr/>
-              <a:t>20.03.2020</a:t>
+              <a:t>21.03.2020</a:t>
             </a:fld>
             <a:endParaRPr lang="de-DE" dirty="0"/>
           </a:p>
@@ -2146,7 +2145,7 @@
           <a:p>
             <a:fld id="{625025DE-6FE8-4EA0-83A6-6CAFC8B06972}" type="datetime1">
               <a:rPr lang="de-DE" smtClean="0"/>
-              <a:t>20.03.2020</a:t>
+              <a:t>21.03.2020</a:t>
             </a:fld>
             <a:endParaRPr lang="de-DE"/>
           </a:p>
@@ -2516,7 +2515,7 @@
           <a:p>
             <a:fld id="{247D6157-A9C6-4111-84CF-F4ABC9BB74CD}" type="datetime1">
               <a:rPr lang="de-DE" smtClean="0"/>
-              <a:t>20.03.2020</a:t>
+              <a:t>21.03.2020</a:t>
             </a:fld>
             <a:endParaRPr lang="de-DE"/>
           </a:p>
@@ -2642,7 +2641,7 @@
           <a:p>
             <a:fld id="{8EBDA223-4612-4606-8A30-596D72469CD7}" type="datetime1">
               <a:rPr lang="de-DE" smtClean="0"/>
-              <a:t>20.03.2020</a:t>
+              <a:t>21.03.2020</a:t>
             </a:fld>
             <a:endParaRPr lang="de-DE"/>
           </a:p>
@@ -2737,7 +2736,7 @@
           <a:p>
             <a:fld id="{5C800F00-9786-41ED-9D90-88F7ADE0F2B0}" type="datetime1">
               <a:rPr lang="de-DE" smtClean="0"/>
-              <a:t>20.03.2020</a:t>
+              <a:t>21.03.2020</a:t>
             </a:fld>
             <a:endParaRPr lang="de-DE"/>
           </a:p>
@@ -3017,7 +3016,7 @@
           <a:p>
             <a:fld id="{DE94FA33-7DFF-4544-8A2D-E09A4E33D92E}" type="datetime1">
               <a:rPr lang="de-DE" smtClean="0"/>
-              <a:t>20.03.2020</a:t>
+              <a:t>21.03.2020</a:t>
             </a:fld>
             <a:endParaRPr lang="de-DE"/>
           </a:p>
@@ -3277,7 +3276,7 @@
           <a:p>
             <a:fld id="{10F76841-BABD-4AE4-8760-966DF476109C}" type="datetime1">
               <a:rPr lang="de-DE" smtClean="0"/>
-              <a:t>20.03.2020</a:t>
+              <a:t>21.03.2020</a:t>
             </a:fld>
             <a:endParaRPr lang="de-DE"/>
           </a:p>
@@ -3490,7 +3489,7 @@
           <a:p>
             <a:fld id="{34C5C537-7C07-410D-9EF1-F90075952502}" type="datetime1">
               <a:rPr lang="de-DE" smtClean="0"/>
-              <a:t>20.03.2020</a:t>
+              <a:t>21.03.2020</a:t>
             </a:fld>
             <a:endParaRPr lang="de-DE"/>
           </a:p>
@@ -3919,7 +3918,75 @@
           <a:bodyPr/>
           <a:lstStyle/>
           <a:p>
-            <a:endParaRPr lang="de-DE"/>
+            <a:r>
+              <a:rPr lang="de-DE" dirty="0"/>
+              <a:t>Einzelne strukturierte Ablage für die Daten eines Projekts</a:t>
+            </a:r>
+          </a:p>
+          <a:p>
+            <a:r>
+              <a:rPr lang="de-DE" dirty="0"/>
+              <a:t>Detaillierte Historie zur einfachen Wartung und Klärung der Verantwortlichkeit</a:t>
+            </a:r>
+          </a:p>
+          <a:p>
+            <a:pPr lvl="1"/>
+            <a:r>
+              <a:rPr lang="de-DE" dirty="0"/>
+              <a:t>Einfacher Sprung zu älteren Ständen</a:t>
+            </a:r>
+          </a:p>
+          <a:p>
+            <a:r>
+              <a:rPr lang="de-DE" dirty="0"/>
+              <a:t>Möglichkeit zur effizienten parallelen Entwicklung</a:t>
+            </a:r>
+          </a:p>
+          <a:p>
+            <a:pPr lvl="1"/>
+            <a:r>
+              <a:rPr lang="de-DE" dirty="0"/>
+              <a:t>Isolierte Entwicklungsstände, Trennung der Verantwortlichkeiten</a:t>
+            </a:r>
+          </a:p>
+          <a:p>
+            <a:pPr lvl="1"/>
+            <a:r>
+              <a:rPr lang="de-DE" dirty="0"/>
+              <a:t>Dezentrale Verwaltung: </a:t>
+            </a:r>
+            <a:br>
+              <a:rPr lang="de-DE" dirty="0"/>
+            </a:br>
+            <a:r>
+              <a:rPr lang="de-DE" dirty="0"/>
+              <a:t>Keine Sperrung von Dateien, Offlinearbeit möglich</a:t>
+            </a:r>
+          </a:p>
+          <a:p>
+            <a:pPr lvl="1"/>
+            <a:r>
+              <a:rPr lang="de-DE" dirty="0"/>
+              <a:t>Funktionen zur schnellen Zusammenführung mehrerer Stände</a:t>
+            </a:r>
+          </a:p>
+          <a:p>
+            <a:r>
+              <a:rPr lang="de-DE" dirty="0"/>
+              <a:t>Sichert Integrität von Daten über Checksummen</a:t>
+            </a:r>
+          </a:p>
+          <a:p>
+            <a:r>
+              <a:rPr lang="de-DE" dirty="0"/>
+              <a:t>Automatische Sicherung der Projektdaten durch jeden Mitarbeiter</a:t>
+            </a:r>
+          </a:p>
+          <a:p>
+            <a:r>
+              <a:rPr lang="de-DE" dirty="0"/>
+              <a:t>Bietet große Community und viele Funktionen durch Drittanbieter</a:t>
+            </a:r>
           </a:p>
         </p:txBody>
       </p:sp>
@@ -3941,12 +4008,22 @@
         </p:nvSpPr>
         <p:spPr/>
         <p:txBody>
-          <a:bodyPr/>
+          <a:bodyPr>
+            <a:normAutofit fontScale="90000"/>
+          </a:bodyPr>
           <a:lstStyle/>
           <a:p>
             <a:r>
               <a:rPr lang="de-DE" dirty="0"/>
-              <a:t>Probleme der Entwickler</a:t>
+              <a:t>Vorteile von </a:t>
+            </a:r>
+            <a:r>
+              <a:rPr lang="de-DE" dirty="0" err="1"/>
+              <a:t>Git</a:t>
+            </a:r>
+            <a:r>
+              <a:rPr lang="de-DE" dirty="0"/>
+              <a:t> innerhalb einer Projektentwicklung</a:t>
             </a:r>
           </a:p>
         </p:txBody>
@@ -6068,14 +6145,14 @@
           <a:p>
             <a:r>
               <a:rPr lang="de-DE" dirty="0"/>
-              <a:t>Isolation von verschiedenen Ansätzen</a:t>
+              <a:t>Isolation von verschiedenen Ansätzen / Verantwortlichkeiten</a:t>
             </a:r>
           </a:p>
           <a:p>
             <a:pPr lvl="1"/>
             <a:r>
               <a:rPr lang="de-DE" dirty="0"/>
-              <a:t>Themenbezogene Zweige</a:t>
+              <a:t>Funktionsbezogene Zweige</a:t>
             </a:r>
           </a:p>
           <a:p>
@@ -6088,7 +6165,7 @@
             <a:pPr lvl="1"/>
             <a:r>
               <a:rPr lang="de-DE" dirty="0"/>
-              <a:t>Integration nur an bestimmten Ständen von Zweigen</a:t>
+              <a:t>Integration nur zu bestimmten Ständen von Zweigen</a:t>
             </a:r>
           </a:p>
           <a:p>
@@ -6108,6 +6185,12 @@
             <a:r>
               <a:rPr lang="de-DE" dirty="0"/>
               <a:t>Fördert Übersichtlichkeit einzelner Zweige</a:t>
+            </a:r>
+          </a:p>
+          <a:p>
+            <a:r>
+              <a:rPr lang="de-DE" dirty="0"/>
+              <a:t>Einfach Handhabung mehrere Stände</a:t>
             </a:r>
           </a:p>
         </p:txBody>
@@ -8877,6 +8960,36 @@
           <a:chExt cx="0" cy="0"/>
         </a:xfrm>
       </p:grpSpPr>
+      <p:pic>
+        <p:nvPicPr>
+          <p:cNvPr id="4" name="Grafik 3">
+            <a:extLst>
+              <a:ext uri="{FF2B5EF4-FFF2-40B4-BE49-F238E27FC236}">
+                <a16:creationId xmlns:a16="http://schemas.microsoft.com/office/drawing/2014/main" id="{F27A43C5-2A7D-42CC-8CB3-E591EA56319C}"/>
+              </a:ext>
+            </a:extLst>
+          </p:cNvPr>
+          <p:cNvPicPr>
+            <a:picLocks noChangeAspect="1"/>
+          </p:cNvPicPr>
+          <p:nvPr/>
+        </p:nvPicPr>
+        <p:blipFill>
+          <a:blip r:embed="rId2"/>
+          <a:stretch>
+            <a:fillRect/>
+          </a:stretch>
+        </p:blipFill>
+        <p:spPr>
+          <a:xfrm>
+            <a:off x="2496774" y="4229229"/>
+            <a:ext cx="4348555" cy="2078893"/>
+          </a:xfrm>
+          <a:prstGeom prst="rect">
+            <a:avLst/>
+          </a:prstGeom>
+        </p:spPr>
+      </p:pic>
       <p:sp>
         <p:nvSpPr>
           <p:cNvPr id="2" name="Inhaltsplatzhalter 1">
@@ -8893,12 +9006,62 @@
             <p:ph idx="13"/>
           </p:nvPr>
         </p:nvSpPr>
-        <p:spPr/>
-        <p:txBody>
-          <a:bodyPr/>
+        <p:spPr>
+          <a:xfrm>
+            <a:off x="1011836" y="1245328"/>
+            <a:ext cx="7318432" cy="4931635"/>
+          </a:xfrm>
+        </p:spPr>
+        <p:txBody>
+          <a:bodyPr>
+            <a:normAutofit/>
+          </a:bodyPr>
           <a:lstStyle/>
           <a:p>
-            <a:endParaRPr lang="de-DE"/>
+            <a:r>
+              <a:rPr lang="de-DE" sz="1800" dirty="0"/>
+              <a:t>Verwaltung von Dateien gehörend zu einem Projekt</a:t>
+            </a:r>
+          </a:p>
+          <a:p>
+            <a:r>
+              <a:rPr lang="de-DE" sz="1800" dirty="0"/>
+              <a:t>Änderungen innerhalb des </a:t>
+            </a:r>
+            <a:r>
+              <a:rPr lang="de-DE" sz="1800" dirty="0" err="1"/>
+              <a:t>Git</a:t>
+            </a:r>
+            <a:r>
+              <a:rPr lang="de-DE" sz="1800" dirty="0"/>
+              <a:t> Projektverzeichnisses können durch Schnappschüsse (</a:t>
+            </a:r>
+            <a:r>
+              <a:rPr lang="de-DE" sz="1800" dirty="0" err="1"/>
+              <a:t>Commits</a:t>
+            </a:r>
+            <a:r>
+              <a:rPr lang="de-DE" sz="1800" dirty="0"/>
+              <a:t>) festgehalten werden</a:t>
+            </a:r>
+          </a:p>
+          <a:p>
+            <a:r>
+              <a:rPr lang="de-DE" sz="1800" dirty="0"/>
+              <a:t>Die Schnappschüsse dokumentieren den jeweiligen Stand des Projekts (des Verzeichnisses) und können jederzeit referenziert werden</a:t>
+            </a:r>
+          </a:p>
+          <a:p>
+            <a:r>
+              <a:rPr lang="de-DE" sz="1800" dirty="0"/>
+              <a:t>Für effektives Arbeiten werden mehrere isolierte Abfolgen  von Schnappschüssen aufgebaut und die Historien mit Projektmitglieder synchronisiert</a:t>
+            </a:r>
+          </a:p>
+          <a:p>
+            <a:r>
+              <a:rPr lang="de-DE" sz="1800" dirty="0"/>
+              <a:t>Jeder besitzt das komplette Projekt lokal</a:t>
+            </a:r>
           </a:p>
         </p:txBody>
       </p:sp>
@@ -9054,7 +9217,7 @@
             <a:pPr lvl="1"/>
             <a:r>
               <a:rPr lang="de-DE" dirty="0"/>
-              <a:t>Erzeugung von Ausgangslage für fast-forward Zusammenführungen</a:t>
+              <a:t>Erzeugung von Ausgangslagen für fast-forward Zusammenführungen</a:t>
             </a:r>
           </a:p>
           <a:p>
@@ -11429,15 +11592,33 @@
             <p:ph idx="13"/>
           </p:nvPr>
         </p:nvSpPr>
-        <p:spPr/>
+        <p:spPr>
+          <a:xfrm>
+            <a:off x="1011835" y="1245328"/>
+            <a:ext cx="7886700" cy="4931635"/>
+          </a:xfrm>
+        </p:spPr>
         <p:txBody>
           <a:bodyPr/>
           <a:lstStyle/>
           <a:p>
             <a:r>
               <a:rPr lang="de-DE" dirty="0"/>
-              <a:t>Diff</a:t>
-            </a:r>
+              <a:t>Kommando: </a:t>
+            </a:r>
+            <a:r>
+              <a:rPr lang="de-DE" dirty="0" err="1"/>
+              <a:t>git</a:t>
+            </a:r>
+            <a:r>
+              <a:rPr lang="de-DE" dirty="0"/>
+              <a:t> </a:t>
+            </a:r>
+            <a:r>
+              <a:rPr lang="de-DE" dirty="0" err="1"/>
+              <a:t>diff</a:t>
+            </a:r>
+            <a:endParaRPr lang="de-DE" dirty="0"/>
           </a:p>
           <a:p>
             <a:pPr lvl="1"/>
@@ -11474,80 +11655,94 @@
           <a:p>
             <a:pPr lvl="1"/>
             <a:r>
+              <a:rPr lang="de-DE" b="1" i="1" dirty="0"/>
+              <a:t>--</a:t>
+            </a:r>
+            <a:r>
+              <a:rPr lang="de-DE" b="1" i="1" dirty="0" err="1"/>
+              <a:t>staged</a:t>
+            </a:r>
+            <a:r>
+              <a:rPr lang="de-DE" b="1" i="1" dirty="0"/>
+              <a:t> </a:t>
+            </a:r>
+            <a:r>
+              <a:rPr lang="de-DE" dirty="0"/>
+              <a:t>ermöglicht das einsehen von Änderungen im Index Bereich</a:t>
+            </a:r>
+          </a:p>
+          <a:p>
+            <a:pPr lvl="1"/>
+            <a:r>
+              <a:rPr lang="de-DE" b="1" i="1" dirty="0"/>
+              <a:t>--</a:t>
+            </a:r>
+            <a:r>
+              <a:rPr lang="de-DE" b="1" i="1" dirty="0" err="1"/>
+              <a:t>binary</a:t>
+            </a:r>
+            <a:r>
+              <a:rPr lang="de-DE" b="1" i="1" dirty="0"/>
+              <a:t> </a:t>
+            </a:r>
+            <a:r>
+              <a:rPr lang="de-DE" dirty="0"/>
+              <a:t>bezieht binäre Dateien ein</a:t>
+            </a:r>
+            <a:endParaRPr lang="de-DE" b="1" dirty="0"/>
+          </a:p>
+          <a:p>
+            <a:r>
+              <a:rPr lang="de-DE" dirty="0"/>
+              <a:t>Patches (Änderungsdateien)</a:t>
+            </a:r>
+          </a:p>
+          <a:p>
+            <a:pPr lvl="1"/>
+            <a:r>
+              <a:rPr lang="de-DE" dirty="0"/>
+              <a:t>Ermöglicht schnell große Änderungen zu übertragen und zu integrieren</a:t>
+            </a:r>
+          </a:p>
+          <a:p>
+            <a:pPr lvl="1"/>
+            <a:r>
               <a:rPr lang="de-DE" dirty="0"/>
               <a:t>Kommando: </a:t>
             </a:r>
+            <a:br>
+              <a:rPr lang="de-DE" dirty="0"/>
+            </a:br>
             <a:r>
               <a:rPr lang="de-DE" b="1" i="1" dirty="0" err="1"/>
               <a:t>git</a:t>
             </a:r>
             <a:r>
               <a:rPr lang="de-DE" b="1" i="1" dirty="0"/>
-              <a:t> </a:t>
+              <a:t> format-patch -&lt;Anzahl </a:t>
             </a:r>
             <a:r>
               <a:rPr lang="de-DE" b="1" i="1" dirty="0" err="1"/>
-              <a:t>diff</a:t>
-            </a:r>
-            <a:endParaRPr lang="de-DE" b="1" i="1" dirty="0"/>
+              <a:t>Commits</a:t>
+            </a:r>
+            <a:r>
+              <a:rPr lang="de-DE" b="1" i="1" dirty="0"/>
+              <a:t>&gt; &lt;Prüfsumme </a:t>
+            </a:r>
+            <a:r>
+              <a:rPr lang="de-DE" b="1" i="1" dirty="0" err="1"/>
+              <a:t>Startcommit</a:t>
+            </a:r>
+            <a:r>
+              <a:rPr lang="de-DE" b="1" i="1" dirty="0"/>
+              <a:t>&gt;</a:t>
+            </a:r>
           </a:p>
           <a:p>
             <a:pPr lvl="1"/>
             <a:r>
-              <a:rPr lang="de-DE" b="1" i="1" dirty="0"/>
-              <a:t>--</a:t>
-            </a:r>
-            <a:r>
-              <a:rPr lang="de-DE" b="1" i="1" dirty="0" err="1"/>
-              <a:t>staged</a:t>
-            </a:r>
-            <a:r>
-              <a:rPr lang="de-DE" b="1" i="1" dirty="0"/>
-              <a:t> </a:t>
-            </a:r>
-            <a:r>
-              <a:rPr lang="de-DE" dirty="0"/>
-              <a:t>ermöglicht das einsehen von Änderungen im Index Bereich</a:t>
-            </a:r>
-          </a:p>
-          <a:p>
-            <a:pPr lvl="1"/>
-            <a:r>
-              <a:rPr lang="de-DE" b="1" i="1" dirty="0"/>
-              <a:t>--</a:t>
-            </a:r>
-            <a:r>
-              <a:rPr lang="de-DE" b="1" i="1" dirty="0" err="1"/>
-              <a:t>binary</a:t>
-            </a:r>
-            <a:r>
-              <a:rPr lang="de-DE" b="1" i="1" dirty="0"/>
-              <a:t> </a:t>
-            </a:r>
-            <a:r>
-              <a:rPr lang="de-DE" dirty="0"/>
-              <a:t>einbezieht binäre Dateien</a:t>
-            </a:r>
-            <a:endParaRPr lang="de-DE" b="1" dirty="0"/>
-          </a:p>
-          <a:p>
-            <a:r>
-              <a:rPr lang="de-DE" dirty="0"/>
-              <a:t>Patch</a:t>
-            </a:r>
-          </a:p>
-          <a:p>
-            <a:pPr lvl="1"/>
-            <a:r>
-              <a:rPr lang="de-DE" dirty="0"/>
-              <a:t>Ermöglicht schnell große Änderungen von Host-Anbietern zu übertragen und zu integrieren</a:t>
-            </a:r>
-          </a:p>
-          <a:p>
-            <a:pPr lvl="1"/>
-            <a:r>
-              <a:rPr lang="de-DE" dirty="0"/>
-              <a:t>Kommando: </a:t>
+              <a:rPr lang="de-DE" dirty="0"/>
+              <a:t>Erstellt Änderungsdatei wird mit </a:t>
             </a:r>
             <a:r>
               <a:rPr lang="de-DE" b="1" i="1" dirty="0" err="1"/>
@@ -11555,8 +11750,50 @@
             </a:r>
             <a:r>
               <a:rPr lang="de-DE" b="1" i="1" dirty="0"/>
-              <a:t> format-patch &lt;Zweig&gt; -1 &lt;Prüfsumme&gt;</a:t>
-            </a:r>
+              <a:t> am &lt; &lt;Datei&gt; </a:t>
+            </a:r>
+            <a:r>
+              <a:rPr lang="de-DE" dirty="0"/>
+              <a:t>angewendet </a:t>
+            </a:r>
+          </a:p>
+          <a:p>
+            <a:pPr lvl="1"/>
+            <a:r>
+              <a:rPr lang="de-DE" dirty="0"/>
+              <a:t>Datei für abweichende </a:t>
+            </a:r>
+            <a:r>
+              <a:rPr lang="de-DE" dirty="0" err="1"/>
+              <a:t>Commits</a:t>
+            </a:r>
+            <a:r>
+              <a:rPr lang="de-DE" dirty="0"/>
+              <a:t> zweier Zweige: </a:t>
+            </a:r>
+            <a:br>
+              <a:rPr lang="de-DE" dirty="0"/>
+            </a:br>
+            <a:r>
+              <a:rPr lang="de-DE" b="1" i="1" dirty="0" err="1"/>
+              <a:t>git</a:t>
+            </a:r>
+            <a:r>
+              <a:rPr lang="de-DE" b="1" i="1" dirty="0"/>
+              <a:t> format-patch &lt;</a:t>
+            </a:r>
+            <a:r>
+              <a:rPr lang="de-DE" b="1" i="1" dirty="0" err="1"/>
+              <a:t>ZielZweig</a:t>
+            </a:r>
+            <a:r>
+              <a:rPr lang="de-DE" b="1" i="1" dirty="0"/>
+              <a:t>&gt;</a:t>
+            </a:r>
+            <a:br>
+              <a:rPr lang="de-DE" b="1" i="1" dirty="0"/>
+            </a:br>
+            <a:endParaRPr lang="de-DE" dirty="0"/>
           </a:p>
         </p:txBody>
       </p:sp>
@@ -12047,7 +12284,7 @@
           <a:p>
             <a:fld id="{6F7941D6-DDCD-4FEB-B76A-6EA7C7E1DF91}" type="datetime1">
               <a:rPr lang="de-DE" smtClean="0"/>
-              <a:t>20.03.2020</a:t>
+              <a:t>21.03.2020</a:t>
             </a:fld>
             <a:endParaRPr lang="de-DE" dirty="0"/>
           </a:p>
@@ -12602,8 +12839,8 @@
         </p:blipFill>
         <p:spPr>
           <a:xfrm>
-            <a:off x="2355912" y="3920870"/>
-            <a:ext cx="4432176" cy="659519"/>
+            <a:off x="1904898" y="3895703"/>
+            <a:ext cx="5334204" cy="793743"/>
           </a:xfrm>
           <a:prstGeom prst="rect">
             <a:avLst/>
@@ -12663,7 +12900,7 @@
           <a:p>
             <a:r>
               <a:rPr lang="de-DE" dirty="0"/>
-              <a:t>Setzt den lokalen Stand zurück</a:t>
+              <a:t>Setzt das lokale Arbeitsverzeichnis zurück</a:t>
             </a:r>
           </a:p>
           <a:p>
@@ -12685,7 +12922,7 @@
             </a:r>
             <a:r>
               <a:rPr lang="de-DE" dirty="0"/>
-              <a:t> verworfen werden auf die sich sonst Andere beziehen könnten</a:t>
+              <a:t> verworfen werden auf die sich Andere beziehen könnten</a:t>
             </a:r>
           </a:p>
           <a:p>
@@ -12781,6 +13018,36 @@
           </a:p>
         </p:txBody>
       </p:sp>
+      <p:pic>
+        <p:nvPicPr>
+          <p:cNvPr id="2" name="Grafik 1">
+            <a:extLst>
+              <a:ext uri="{FF2B5EF4-FFF2-40B4-BE49-F238E27FC236}">
+                <a16:creationId xmlns:a16="http://schemas.microsoft.com/office/drawing/2014/main" id="{AA917CA4-9600-40FC-9932-E732D5231194}"/>
+              </a:ext>
+            </a:extLst>
+          </p:cNvPr>
+          <p:cNvPicPr>
+            <a:picLocks noChangeAspect="1"/>
+          </p:cNvPicPr>
+          <p:nvPr/>
+        </p:nvPicPr>
+        <p:blipFill>
+          <a:blip r:embed="rId2"/>
+          <a:stretch>
+            <a:fillRect/>
+          </a:stretch>
+        </p:blipFill>
+        <p:spPr>
+          <a:xfrm>
+            <a:off x="2042667" y="5126825"/>
+            <a:ext cx="5058666" cy="720301"/>
+          </a:xfrm>
+          <a:prstGeom prst="rect">
+            <a:avLst/>
+          </a:prstGeom>
+        </p:spPr>
+      </p:pic>
     </p:spTree>
     <p:extLst>
       <p:ext uri="{BB962C8B-B14F-4D97-AF65-F5344CB8AC3E}">
@@ -12813,10 +13080,10 @@
       </p:grpSpPr>
       <p:sp>
         <p:nvSpPr>
-          <p:cNvPr id="5" name="Inhaltsplatzhalter 4">
-            <a:extLst>
-              <a:ext uri="{FF2B5EF4-FFF2-40B4-BE49-F238E27FC236}">
-                <a16:creationId xmlns:a16="http://schemas.microsoft.com/office/drawing/2014/main" id="{16798678-B877-4133-914B-E07392A40335}"/>
+          <p:cNvPr id="2" name="Titel 1">
+            <a:extLst>
+              <a:ext uri="{FF2B5EF4-FFF2-40B4-BE49-F238E27FC236}">
+                <a16:creationId xmlns:a16="http://schemas.microsoft.com/office/drawing/2014/main" id="{55DCA8B4-8412-4C61-8E1B-A6CDF1580F20}"/>
               </a:ext>
             </a:extLst>
           </p:cNvPr>
@@ -12824,7 +13091,7 @@
             <a:spLocks noGrp="1"/>
           </p:cNvSpPr>
           <p:nvPr>
-            <p:ph idx="13"/>
+            <p:ph type="title"/>
           </p:nvPr>
         </p:nvSpPr>
         <p:spPr/>
@@ -12832,52 +13099,9 @@
           <a:bodyPr/>
           <a:lstStyle/>
           <a:p>
-            <a:endParaRPr lang="de-DE"/>
-          </a:p>
-        </p:txBody>
-      </p:sp>
-      <p:sp>
-        <p:nvSpPr>
-          <p:cNvPr id="3" name="Titel 2">
-            <a:extLst>
-              <a:ext uri="{FF2B5EF4-FFF2-40B4-BE49-F238E27FC236}">
-                <a16:creationId xmlns:a16="http://schemas.microsoft.com/office/drawing/2014/main" id="{AEF45C4A-B7FA-4978-A8CD-BE8F7E8F49D9}"/>
-              </a:ext>
-            </a:extLst>
-          </p:cNvPr>
-          <p:cNvSpPr>
-            <a:spLocks noGrp="1"/>
-          </p:cNvSpPr>
-          <p:nvPr>
-            <p:ph type="title" idx="4294967295"/>
-          </p:nvPr>
-        </p:nvSpPr>
-        <p:spPr>
-          <a:xfrm>
-            <a:off x="628650" y="365126"/>
-            <a:ext cx="7886700" cy="698903"/>
-          </a:xfrm>
-          <a:prstGeom prst="rect">
-            <a:avLst/>
-          </a:prstGeom>
-        </p:spPr>
-        <p:txBody>
-          <a:bodyPr>
-            <a:normAutofit/>
-          </a:bodyPr>
-          <a:lstStyle/>
-          <a:p>
-            <a:r>
-              <a:rPr lang="de-DE" dirty="0"/>
-              <a:t>(</a:t>
-            </a:r>
-            <a:r>
-              <a:rPr lang="de-DE" dirty="0" err="1"/>
-              <a:t>reflog</a:t>
-            </a:r>
-            <a:r>
-              <a:rPr lang="de-DE" dirty="0"/>
-              <a:t>)</a:t>
+            <a:r>
+              <a:rPr lang="de-DE" dirty="0"/>
+              <a:t>Workflow</a:t>
             </a:r>
           </a:p>
         </p:txBody>
@@ -12885,7 +13109,7 @@
     </p:spTree>
     <p:extLst>
       <p:ext uri="{BB962C8B-B14F-4D97-AF65-F5344CB8AC3E}">
-        <p14:creationId xmlns:p14="http://schemas.microsoft.com/office/powerpoint/2010/main" val="1856339443"/>
+        <p14:creationId xmlns:p14="http://schemas.microsoft.com/office/powerpoint/2010/main" val="1007972795"/>
       </p:ext>
     </p:extLst>
   </p:cSld>
@@ -12914,10 +13138,10 @@
       </p:grpSpPr>
       <p:sp>
         <p:nvSpPr>
-          <p:cNvPr id="2" name="Titel 1">
-            <a:extLst>
-              <a:ext uri="{FF2B5EF4-FFF2-40B4-BE49-F238E27FC236}">
-                <a16:creationId xmlns:a16="http://schemas.microsoft.com/office/drawing/2014/main" id="{55DCA8B4-8412-4C61-8E1B-A6CDF1580F20}"/>
+          <p:cNvPr id="5" name="Inhaltsplatzhalter 4">
+            <a:extLst>
+              <a:ext uri="{FF2B5EF4-FFF2-40B4-BE49-F238E27FC236}">
+                <a16:creationId xmlns:a16="http://schemas.microsoft.com/office/drawing/2014/main" id="{023C353D-27D2-4156-878C-265100BA9848}"/>
               </a:ext>
             </a:extLst>
           </p:cNvPr>
@@ -12925,17 +13149,180 @@
             <a:spLocks noGrp="1"/>
           </p:cNvSpPr>
           <p:nvPr>
-            <p:ph type="title"/>
+            <p:ph idx="13"/>
           </p:nvPr>
         </p:nvSpPr>
-        <p:spPr/>
+        <p:spPr>
+          <a:xfrm>
+            <a:off x="1011836" y="1245328"/>
+            <a:ext cx="7169010" cy="4931635"/>
+          </a:xfrm>
+        </p:spPr>
         <p:txBody>
           <a:bodyPr/>
           <a:lstStyle/>
           <a:p>
             <a:r>
               <a:rPr lang="de-DE" dirty="0"/>
-              <a:t>Workflow</a:t>
+              <a:t>Bietet Richtlinie für ein gut durchdachtes und schlank strukturiertes Projektarchiv</a:t>
+            </a:r>
+          </a:p>
+          <a:p>
+            <a:r>
+              <a:rPr lang="de-DE" dirty="0"/>
+              <a:t>Projekt besitzt 5 Arten von Zweigen:</a:t>
+            </a:r>
+          </a:p>
+          <a:p>
+            <a:pPr lvl="1"/>
+            <a:r>
+              <a:rPr lang="de-DE" dirty="0"/>
+              <a:t>Hauptzweig </a:t>
+            </a:r>
+            <a:r>
+              <a:rPr lang="de-DE" i="1" dirty="0" err="1"/>
+              <a:t>master</a:t>
+            </a:r>
+            <a:r>
+              <a:rPr lang="de-DE" dirty="0"/>
+              <a:t>: </a:t>
+            </a:r>
+            <a:br>
+              <a:rPr lang="de-DE" dirty="0"/>
+            </a:br>
+            <a:r>
+              <a:rPr lang="de-DE" dirty="0"/>
+              <a:t>wird für fertige Veröffentlichungen verwendet und ist einmalig</a:t>
+            </a:r>
+          </a:p>
+          <a:p>
+            <a:pPr lvl="1"/>
+            <a:r>
+              <a:rPr lang="de-DE" dirty="0"/>
+              <a:t>Entwicklungszweig </a:t>
+            </a:r>
+            <a:r>
+              <a:rPr lang="de-DE" i="1" dirty="0" err="1"/>
+              <a:t>development</a:t>
+            </a:r>
+            <a:r>
+              <a:rPr lang="de-DE" dirty="0"/>
+              <a:t>: </a:t>
+            </a:r>
+            <a:br>
+              <a:rPr lang="de-DE" dirty="0"/>
+            </a:br>
+            <a:r>
+              <a:rPr lang="de-DE" dirty="0"/>
+              <a:t>führt Änderungen und Neuerungen zusammen und ist einmalig</a:t>
+            </a:r>
+          </a:p>
+          <a:p>
+            <a:pPr lvl="1"/>
+            <a:r>
+              <a:rPr lang="de-DE" dirty="0"/>
+              <a:t>Veröffentlichungszweig</a:t>
+            </a:r>
+            <a:r>
+              <a:rPr lang="de-DE" i="1" dirty="0"/>
+              <a:t> release</a:t>
+            </a:r>
+            <a:r>
+              <a:rPr lang="de-DE" dirty="0"/>
+              <a:t>: </a:t>
+            </a:r>
+            <a:br>
+              <a:rPr lang="de-DE" dirty="0"/>
+            </a:br>
+            <a:r>
+              <a:rPr lang="de-DE" dirty="0"/>
+              <a:t>beinhaltet Änderungen aus dem Entwicklungszweig, welche in die nächste Version einfließen</a:t>
+            </a:r>
+          </a:p>
+          <a:p>
+            <a:pPr lvl="1"/>
+            <a:r>
+              <a:rPr lang="de-DE" dirty="0"/>
+              <a:t>Funktionszweig </a:t>
+            </a:r>
+            <a:r>
+              <a:rPr lang="de-DE" i="1" dirty="0"/>
+              <a:t>feature</a:t>
+            </a:r>
+            <a:r>
+              <a:rPr lang="de-DE" dirty="0"/>
+              <a:t>: </a:t>
+            </a:r>
+            <a:br>
+              <a:rPr lang="de-DE" dirty="0"/>
+            </a:br>
+            <a:r>
+              <a:rPr lang="de-DE" dirty="0"/>
+              <a:t>basierend auf dem Entwicklungszweig, beinhalten diese Zweige Änderungen die anhand Personen, Themen und Funktionen separiert werden </a:t>
+            </a:r>
+          </a:p>
+          <a:p>
+            <a:pPr lvl="1"/>
+            <a:r>
+              <a:rPr lang="de-DE" dirty="0"/>
+              <a:t>Korrekturzweig </a:t>
+            </a:r>
+            <a:r>
+              <a:rPr lang="de-DE" i="1" dirty="0" err="1"/>
+              <a:t>bugfix</a:t>
+            </a:r>
+            <a:r>
+              <a:rPr lang="de-DE" dirty="0"/>
+              <a:t>: </a:t>
+            </a:r>
+            <a:br>
+              <a:rPr lang="de-DE" dirty="0"/>
+            </a:br>
+            <a:r>
+              <a:rPr lang="de-DE" dirty="0"/>
+              <a:t>ermöglicht kleine Änderungen direkt an der Veröffentlichung</a:t>
+            </a:r>
+          </a:p>
+        </p:txBody>
+      </p:sp>
+      <p:sp>
+        <p:nvSpPr>
+          <p:cNvPr id="3" name="Titel 2">
+            <a:extLst>
+              <a:ext uri="{FF2B5EF4-FFF2-40B4-BE49-F238E27FC236}">
+                <a16:creationId xmlns:a16="http://schemas.microsoft.com/office/drawing/2014/main" id="{625B6011-E5CD-40F8-BED3-233D5BEBC703}"/>
+              </a:ext>
+            </a:extLst>
+          </p:cNvPr>
+          <p:cNvSpPr>
+            <a:spLocks noGrp="1"/>
+          </p:cNvSpPr>
+          <p:nvPr>
+            <p:ph type="title" idx="4294967295"/>
+          </p:nvPr>
+        </p:nvSpPr>
+        <p:spPr>
+          <a:xfrm>
+            <a:off x="628650" y="365126"/>
+            <a:ext cx="7886700" cy="698903"/>
+          </a:xfrm>
+          <a:prstGeom prst="rect">
+            <a:avLst/>
+          </a:prstGeom>
+        </p:spPr>
+        <p:txBody>
+          <a:bodyPr>
+            <a:normAutofit/>
+          </a:bodyPr>
+          <a:lstStyle/>
+          <a:p>
+            <a:r>
+              <a:rPr lang="de-DE" dirty="0" err="1"/>
+              <a:t>Git</a:t>
+            </a:r>
+            <a:r>
+              <a:rPr lang="de-DE" dirty="0"/>
+              <a:t>-Flow</a:t>
             </a:r>
           </a:p>
         </p:txBody>
@@ -12943,7 +13330,7 @@
     </p:spTree>
     <p:extLst>
       <p:ext uri="{BB962C8B-B14F-4D97-AF65-F5344CB8AC3E}">
-        <p14:creationId xmlns:p14="http://schemas.microsoft.com/office/powerpoint/2010/main" val="1007972795"/>
+        <p14:creationId xmlns:p14="http://schemas.microsoft.com/office/powerpoint/2010/main" val="149155477"/>
       </p:ext>
     </p:extLst>
   </p:cSld>
@@ -12970,118 +13357,47 @@
           <a:chExt cx="0" cy="0"/>
         </a:xfrm>
       </p:grpSpPr>
-      <p:sp>
-        <p:nvSpPr>
+      <p:pic>
+        <p:nvPicPr>
           <p:cNvPr id="5" name="Inhaltsplatzhalter 4">
             <a:extLst>
               <a:ext uri="{FF2B5EF4-FFF2-40B4-BE49-F238E27FC236}">
-                <a16:creationId xmlns:a16="http://schemas.microsoft.com/office/drawing/2014/main" id="{023C353D-27D2-4156-878C-265100BA9848}"/>
-              </a:ext>
-            </a:extLst>
-          </p:cNvPr>
-          <p:cNvSpPr>
-            <a:spLocks noGrp="1"/>
-          </p:cNvSpPr>
+                <a16:creationId xmlns:a16="http://schemas.microsoft.com/office/drawing/2014/main" id="{F3FD5A71-F73D-4CF7-9489-B8D5B70CC78C}"/>
+              </a:ext>
+            </a:extLst>
+          </p:cNvPr>
+          <p:cNvPicPr>
+            <a:picLocks noGrp="1" noChangeAspect="1"/>
+          </p:cNvPicPr>
           <p:nvPr>
             <p:ph idx="13"/>
           </p:nvPr>
-        </p:nvSpPr>
+        </p:nvPicPr>
+        <p:blipFill>
+          <a:blip r:embed="rId2">
+            <a:extLst>
+              <a:ext uri="{28A0092B-C50C-407E-A947-70E740481C1C}">
+                <a14:useLocalDpi xmlns:a14="http://schemas.microsoft.com/office/drawing/2010/main" val="0"/>
+              </a:ext>
+            </a:extLst>
+          </a:blip>
+          <a:stretch>
+            <a:fillRect/>
+          </a:stretch>
+        </p:blipFill>
         <p:spPr>
           <a:xfrm>
-            <a:off x="1011836" y="1245328"/>
-            <a:ext cx="7169010" cy="4931635"/>
-          </a:xfrm>
-        </p:spPr>
-        <p:txBody>
-          <a:bodyPr/>
-          <a:lstStyle/>
-          <a:p>
-            <a:r>
-              <a:rPr lang="de-DE" dirty="0"/>
-              <a:t>Bietet Richtlinie für ein gut durchdachtes und schlank strukturiertes Projektarchiv</a:t>
-            </a:r>
-          </a:p>
-          <a:p>
-            <a:r>
-              <a:rPr lang="de-DE" dirty="0"/>
-              <a:t>Projekt besitzt 5 Arten von Zweigen</a:t>
-            </a:r>
-          </a:p>
-          <a:p>
-            <a:pPr lvl="1"/>
-            <a:r>
-              <a:rPr lang="de-DE" dirty="0"/>
-              <a:t>Hauptzweig </a:t>
-            </a:r>
-            <a:r>
-              <a:rPr lang="de-DE" i="1" dirty="0" err="1"/>
-              <a:t>master</a:t>
-            </a:r>
-            <a:r>
-              <a:rPr lang="de-DE" dirty="0"/>
-              <a:t>: wird für fertige Veröffentlichungen verwendet und ist einmalig</a:t>
-            </a:r>
-          </a:p>
-          <a:p>
-            <a:pPr lvl="1"/>
-            <a:r>
-              <a:rPr lang="de-DE" dirty="0"/>
-              <a:t>Entwicklungszweig </a:t>
-            </a:r>
-            <a:r>
-              <a:rPr lang="de-DE" i="1" dirty="0" err="1"/>
-              <a:t>development</a:t>
-            </a:r>
-            <a:r>
-              <a:rPr lang="de-DE" dirty="0"/>
-              <a:t>: führt Änderungen und Neuerungen zusammen und ist einmalig</a:t>
-            </a:r>
-          </a:p>
-          <a:p>
-            <a:pPr lvl="1"/>
-            <a:r>
-              <a:rPr lang="de-DE" i="1" dirty="0"/>
-              <a:t>Release</a:t>
-            </a:r>
-            <a:r>
-              <a:rPr lang="de-DE" dirty="0"/>
-              <a:t>: beinhaltet Änderungen aus dem Entwicklungszweig, welche auf dem Hauptzweig kommen sollen</a:t>
-            </a:r>
-          </a:p>
-          <a:p>
-            <a:pPr lvl="1"/>
-            <a:r>
-              <a:rPr lang="de-DE" i="1" dirty="0"/>
-              <a:t>Feature Branch</a:t>
-            </a:r>
-            <a:r>
-              <a:rPr lang="de-DE" dirty="0"/>
-              <a:t>: basierend auf dem Entwicklungszweig, beinhalten diese Zweige Änderungen die anhand Personen und Themen separiert werden sollen</a:t>
-            </a:r>
-          </a:p>
-          <a:p>
-            <a:pPr lvl="1"/>
-            <a:r>
-              <a:rPr lang="de-DE" dirty="0"/>
-              <a:t>Korrekturzweig </a:t>
-            </a:r>
-            <a:r>
-              <a:rPr lang="de-DE" i="1" dirty="0" err="1"/>
-              <a:t>bugfix</a:t>
-            </a:r>
-            <a:r>
-              <a:rPr lang="de-DE" dirty="0"/>
-              <a:t>: ermöglicht kleine Änderungen direkt an der Veröffentlichung</a:t>
-            </a:r>
-          </a:p>
-        </p:txBody>
-      </p:sp>
+            <a:off x="923720" y="1271857"/>
+            <a:ext cx="7257125" cy="4491380"/>
+          </a:xfrm>
+        </p:spPr>
+      </p:pic>
       <p:sp>
         <p:nvSpPr>
           <p:cNvPr id="3" name="Titel 2">
             <a:extLst>
               <a:ext uri="{FF2B5EF4-FFF2-40B4-BE49-F238E27FC236}">
-                <a16:creationId xmlns:a16="http://schemas.microsoft.com/office/drawing/2014/main" id="{625B6011-E5CD-40F8-BED3-233D5BEBC703}"/>
+                <a16:creationId xmlns:a16="http://schemas.microsoft.com/office/drawing/2014/main" id="{2AF6D1B3-335A-493E-9891-37AE011B202D}"/>
               </a:ext>
             </a:extLst>
           </p:cNvPr>
@@ -13092,97 +13408,26 @@
             <p:ph type="title" idx="4294967295"/>
           </p:nvPr>
         </p:nvSpPr>
-        <p:spPr>
-          <a:xfrm>
-            <a:off x="628650" y="365126"/>
-            <a:ext cx="7886700" cy="698903"/>
-          </a:xfrm>
-          <a:prstGeom prst="rect">
-            <a:avLst/>
-          </a:prstGeom>
-        </p:spPr>
-        <p:txBody>
-          <a:bodyPr>
-            <a:normAutofit/>
-          </a:bodyPr>
+        <p:spPr/>
+        <p:txBody>
+          <a:bodyPr/>
           <a:lstStyle/>
           <a:p>
             <a:r>
-              <a:rPr lang="de-DE" dirty="0"/>
-              <a:t>Git-</a:t>
-            </a:r>
-            <a:r>
               <a:rPr lang="de-DE" dirty="0" err="1"/>
-              <a:t>flow</a:t>
-            </a:r>
-            <a:endParaRPr lang="de-DE" dirty="0"/>
-          </a:p>
-        </p:txBody>
-      </p:sp>
-      <p:pic>
-        <p:nvPicPr>
-          <p:cNvPr id="2" name="Grafik 1">
-            <a:extLst>
-              <a:ext uri="{FF2B5EF4-FFF2-40B4-BE49-F238E27FC236}">
-                <a16:creationId xmlns:a16="http://schemas.microsoft.com/office/drawing/2014/main" id="{0FB6BF15-CBEC-40A7-8B97-BACA56D3C967}"/>
-              </a:ext>
-            </a:extLst>
-          </p:cNvPr>
-          <p:cNvPicPr>
-            <a:picLocks noChangeAspect="1"/>
-          </p:cNvPicPr>
-          <p:nvPr/>
-        </p:nvPicPr>
-        <p:blipFill>
-          <a:blip r:embed="rId2"/>
-          <a:stretch>
-            <a:fillRect/>
-          </a:stretch>
-        </p:blipFill>
-        <p:spPr>
-          <a:xfrm>
-            <a:off x="8180846" y="1245328"/>
-            <a:ext cx="3209443" cy="1167729"/>
-          </a:xfrm>
-          <a:prstGeom prst="rect">
-            <a:avLst/>
-          </a:prstGeom>
-        </p:spPr>
-      </p:pic>
-      <p:pic>
-        <p:nvPicPr>
-          <p:cNvPr id="6" name="Grafik 5">
-            <a:extLst>
-              <a:ext uri="{FF2B5EF4-FFF2-40B4-BE49-F238E27FC236}">
-                <a16:creationId xmlns:a16="http://schemas.microsoft.com/office/drawing/2014/main" id="{C852A811-5EA0-44A3-AA1C-8F171705EF22}"/>
-              </a:ext>
-            </a:extLst>
-          </p:cNvPr>
-          <p:cNvPicPr>
-            <a:picLocks noChangeAspect="1"/>
-          </p:cNvPicPr>
-          <p:nvPr/>
-        </p:nvPicPr>
-        <p:blipFill>
-          <a:blip r:embed="rId3"/>
-          <a:stretch>
-            <a:fillRect/>
-          </a:stretch>
-        </p:blipFill>
-        <p:spPr>
-          <a:xfrm>
-            <a:off x="5303284" y="4884137"/>
-            <a:ext cx="5755123" cy="1457070"/>
-          </a:xfrm>
-          <a:prstGeom prst="rect">
-            <a:avLst/>
-          </a:prstGeom>
-        </p:spPr>
-      </p:pic>
+              <a:t>Git</a:t>
+            </a:r>
+            <a:r>
+              <a:rPr lang="de-DE" dirty="0"/>
+              <a:t>-Flow – Grafische Darstellung</a:t>
+            </a:r>
+          </a:p>
+        </p:txBody>
+      </p:sp>
     </p:spTree>
     <p:extLst>
       <p:ext uri="{BB962C8B-B14F-4D97-AF65-F5344CB8AC3E}">
-        <p14:creationId xmlns:p14="http://schemas.microsoft.com/office/powerpoint/2010/main" val="149155477"/>
+        <p14:creationId xmlns:p14="http://schemas.microsoft.com/office/powerpoint/2010/main" val="2222249360"/>
       </p:ext>
     </p:extLst>
   </p:cSld>
@@ -13409,7 +13654,7 @@
           <p:cNvPr id="2" name="Titel 1">
             <a:extLst>
               <a:ext uri="{FF2B5EF4-FFF2-40B4-BE49-F238E27FC236}">
-                <a16:creationId xmlns:a16="http://schemas.microsoft.com/office/drawing/2014/main" id="{6C8483CF-1B0E-4C5D-98AE-63877A3A3D1A}"/>
+                <a16:creationId xmlns:a16="http://schemas.microsoft.com/office/drawing/2014/main" id="{CFC30C4B-71C7-4535-8A5A-F0F266237AFD}"/>
               </a:ext>
             </a:extLst>
           </p:cNvPr>
@@ -13427,7 +13672,7 @@
           <a:p>
             <a:r>
               <a:rPr lang="de-DE" dirty="0"/>
-              <a:t>(weitere Befehle)</a:t>
+              <a:t>Interne Datenverwaltung</a:t>
             </a:r>
           </a:p>
         </p:txBody>
@@ -13435,7 +13680,7 @@
     </p:spTree>
     <p:extLst>
       <p:ext uri="{BB962C8B-B14F-4D97-AF65-F5344CB8AC3E}">
-        <p14:creationId xmlns:p14="http://schemas.microsoft.com/office/powerpoint/2010/main" val="2812503263"/>
+        <p14:creationId xmlns:p14="http://schemas.microsoft.com/office/powerpoint/2010/main" val="3431436470"/>
       </p:ext>
     </p:extLst>
   </p:cSld>
@@ -13464,10 +13709,10 @@
       </p:grpSpPr>
       <p:sp>
         <p:nvSpPr>
-          <p:cNvPr id="2" name="Titel 1">
-            <a:extLst>
-              <a:ext uri="{FF2B5EF4-FFF2-40B4-BE49-F238E27FC236}">
-                <a16:creationId xmlns:a16="http://schemas.microsoft.com/office/drawing/2014/main" id="{CFC30C4B-71C7-4535-8A5A-F0F266237AFD}"/>
+          <p:cNvPr id="4" name="Inhaltsplatzhalter 3">
+            <a:extLst>
+              <a:ext uri="{FF2B5EF4-FFF2-40B4-BE49-F238E27FC236}">
+                <a16:creationId xmlns:a16="http://schemas.microsoft.com/office/drawing/2014/main" id="{68907F8E-2FC4-4FEA-BE11-BBC2972A10FE}"/>
               </a:ext>
             </a:extLst>
           </p:cNvPr>
@@ -13475,7 +13720,7 @@
             <a:spLocks noGrp="1"/>
           </p:cNvSpPr>
           <p:nvPr>
-            <p:ph type="title"/>
+            <p:ph idx="13"/>
           </p:nvPr>
         </p:nvSpPr>
         <p:spPr/>
@@ -13483,17 +13728,49 @@
           <a:bodyPr/>
           <a:lstStyle/>
           <a:p>
-            <a:r>
-              <a:rPr lang="de-DE" dirty="0"/>
-              <a:t>Interne Datenverwaltung</a:t>
-            </a:r>
+            <a:endParaRPr lang="de-DE"/>
+          </a:p>
+        </p:txBody>
+      </p:sp>
+      <p:sp>
+        <p:nvSpPr>
+          <p:cNvPr id="5" name="Titel 4">
+            <a:extLst>
+              <a:ext uri="{FF2B5EF4-FFF2-40B4-BE49-F238E27FC236}">
+                <a16:creationId xmlns:a16="http://schemas.microsoft.com/office/drawing/2014/main" id="{86E22394-880D-4500-AA8D-A412EFE36D95}"/>
+              </a:ext>
+            </a:extLst>
+          </p:cNvPr>
+          <p:cNvSpPr>
+            <a:spLocks noGrp="1"/>
+          </p:cNvSpPr>
+          <p:nvPr>
+            <p:ph type="title" idx="4294967295"/>
+          </p:nvPr>
+        </p:nvSpPr>
+        <p:spPr>
+          <a:xfrm>
+            <a:off x="628650" y="365126"/>
+            <a:ext cx="7886700" cy="698903"/>
+          </a:xfrm>
+          <a:prstGeom prst="rect">
+            <a:avLst/>
+          </a:prstGeom>
+        </p:spPr>
+        <p:txBody>
+          <a:bodyPr>
+            <a:normAutofit/>
+          </a:bodyPr>
+          <a:lstStyle/>
+          <a:p>
+            <a:endParaRPr lang="de-DE"/>
           </a:p>
         </p:txBody>
       </p:sp>
     </p:spTree>
     <p:extLst>
       <p:ext uri="{BB962C8B-B14F-4D97-AF65-F5344CB8AC3E}">
-        <p14:creationId xmlns:p14="http://schemas.microsoft.com/office/powerpoint/2010/main" val="3431436470"/>
+        <p14:creationId xmlns:p14="http://schemas.microsoft.com/office/powerpoint/2010/main" val="2659165292"/>
       </p:ext>
     </p:extLst>
   </p:cSld>
@@ -13676,96 +13953,6 @@
     <p:extLst>
       <p:ext uri="{BB962C8B-B14F-4D97-AF65-F5344CB8AC3E}">
         <p14:creationId xmlns:p14="http://schemas.microsoft.com/office/powerpoint/2010/main" val="1683181932"/>
-      </p:ext>
-    </p:extLst>
-  </p:cSld>
-  <p:clrMapOvr>
-    <a:masterClrMapping/>
-  </p:clrMapOvr>
-</p:sld>
-</file>
-
-<file path=ppt/slides/slide40.xml><?xml version="1.0" encoding="utf-8"?>
-<p:sld xmlns:a="http://schemas.openxmlformats.org/drawingml/2006/main" xmlns:r="http://schemas.openxmlformats.org/officeDocument/2006/relationships" xmlns:p="http://schemas.openxmlformats.org/presentationml/2006/main">
-  <p:cSld>
-    <p:spTree>
-      <p:nvGrpSpPr>
-        <p:cNvPr id="1" name=""/>
-        <p:cNvGrpSpPr/>
-        <p:nvPr/>
-      </p:nvGrpSpPr>
-      <p:grpSpPr>
-        <a:xfrm>
-          <a:off x="0" y="0"/>
-          <a:ext cx="0" cy="0"/>
-          <a:chOff x="0" y="0"/>
-          <a:chExt cx="0" cy="0"/>
-        </a:xfrm>
-      </p:grpSpPr>
-      <p:sp>
-        <p:nvSpPr>
-          <p:cNvPr id="4" name="Inhaltsplatzhalter 3">
-            <a:extLst>
-              <a:ext uri="{FF2B5EF4-FFF2-40B4-BE49-F238E27FC236}">
-                <a16:creationId xmlns:a16="http://schemas.microsoft.com/office/drawing/2014/main" id="{68907F8E-2FC4-4FEA-BE11-BBC2972A10FE}"/>
-              </a:ext>
-            </a:extLst>
-          </p:cNvPr>
-          <p:cNvSpPr>
-            <a:spLocks noGrp="1"/>
-          </p:cNvSpPr>
-          <p:nvPr>
-            <p:ph idx="13"/>
-          </p:nvPr>
-        </p:nvSpPr>
-        <p:spPr/>
-        <p:txBody>
-          <a:bodyPr/>
-          <a:lstStyle/>
-          <a:p>
-            <a:endParaRPr lang="de-DE"/>
-          </a:p>
-        </p:txBody>
-      </p:sp>
-      <p:sp>
-        <p:nvSpPr>
-          <p:cNvPr id="5" name="Titel 4">
-            <a:extLst>
-              <a:ext uri="{FF2B5EF4-FFF2-40B4-BE49-F238E27FC236}">
-                <a16:creationId xmlns:a16="http://schemas.microsoft.com/office/drawing/2014/main" id="{86E22394-880D-4500-AA8D-A412EFE36D95}"/>
-              </a:ext>
-            </a:extLst>
-          </p:cNvPr>
-          <p:cNvSpPr>
-            <a:spLocks noGrp="1"/>
-          </p:cNvSpPr>
-          <p:nvPr>
-            <p:ph type="title" idx="4294967295"/>
-          </p:nvPr>
-        </p:nvSpPr>
-        <p:spPr>
-          <a:xfrm>
-            <a:off x="628650" y="365126"/>
-            <a:ext cx="7886700" cy="698903"/>
-          </a:xfrm>
-          <a:prstGeom prst="rect">
-            <a:avLst/>
-          </a:prstGeom>
-        </p:spPr>
-        <p:txBody>
-          <a:bodyPr>
-            <a:normAutofit/>
-          </a:bodyPr>
-          <a:lstStyle/>
-          <a:p>
-            <a:endParaRPr lang="de-DE"/>
-          </a:p>
-        </p:txBody>
-      </p:sp>
-    </p:spTree>
-    <p:extLst>
-      <p:ext uri="{BB962C8B-B14F-4D97-AF65-F5344CB8AC3E}">
-        <p14:creationId xmlns:p14="http://schemas.microsoft.com/office/powerpoint/2010/main" val="2659165292"/>
       </p:ext>
     </p:extLst>
   </p:cSld>

--- a/Präsentation-90min/Präsentation-90min.pptx
+++ b/Präsentation-90min/Präsentation-90min.pptx
@@ -13472,10 +13472,110 @@
         </p:nvSpPr>
         <p:spPr/>
         <p:txBody>
-          <a:bodyPr/>
+          <a:bodyPr>
+            <a:normAutofit/>
+          </a:bodyPr>
           <a:lstStyle/>
           <a:p>
-            <a:endParaRPr lang="de-DE"/>
+            <a:r>
+              <a:rPr lang="de-DE" dirty="0"/>
+              <a:t>Workflow, der für die Entwicklung des Linux Kernels verwendet wird</a:t>
+            </a:r>
+          </a:p>
+          <a:p>
+            <a:r>
+              <a:rPr lang="de-DE" dirty="0"/>
+              <a:t>Bis Heute setzt die Kernelentwicklung auf einen E-Mail Verteiler</a:t>
+            </a:r>
+          </a:p>
+          <a:p>
+            <a:pPr lvl="1"/>
+            <a:r>
+              <a:rPr lang="de-DE" dirty="0"/>
+              <a:t> Dieser informiert über Änderungen und fügt diese hinzu</a:t>
+            </a:r>
+          </a:p>
+          <a:p>
+            <a:r>
+              <a:rPr lang="de-DE" dirty="0"/>
+              <a:t>Vorgehensweise:</a:t>
+            </a:r>
+          </a:p>
+          <a:p>
+            <a:pPr lvl="1"/>
+            <a:r>
+              <a:rPr lang="de-DE" dirty="0"/>
+              <a:t>Änderungen werden zuerst vorgeschlagen</a:t>
+            </a:r>
+          </a:p>
+          <a:p>
+            <a:pPr lvl="1"/>
+            <a:r>
+              <a:rPr lang="de-DE" dirty="0"/>
+              <a:t>Ausgewählte Personen dürfen diese der Hauptentwicklung zuführen</a:t>
+            </a:r>
+          </a:p>
+          <a:p>
+            <a:r>
+              <a:rPr lang="de-DE" dirty="0"/>
+              <a:t>Verwendete Kommandos:</a:t>
+            </a:r>
+          </a:p>
+          <a:p>
+            <a:pPr lvl="1"/>
+            <a:r>
+              <a:rPr lang="de-DE" b="1" i="1" dirty="0" err="1"/>
+              <a:t>git</a:t>
+            </a:r>
+            <a:r>
+              <a:rPr lang="de-DE" b="1" i="1" dirty="0"/>
+              <a:t> </a:t>
+            </a:r>
+            <a:r>
+              <a:rPr lang="de-DE" b="1" i="1" dirty="0" err="1"/>
+              <a:t>request</a:t>
+            </a:r>
+            <a:r>
+              <a:rPr lang="de-DE" b="1" i="1" dirty="0"/>
+              <a:t>-pull &lt;Start&gt; &lt;URL&gt;</a:t>
+            </a:r>
+            <a:r>
+              <a:rPr lang="de-DE" dirty="0"/>
+              <a:t> </a:t>
+            </a:r>
+          </a:p>
+          <a:p>
+            <a:pPr marL="914400" lvl="2" indent="0">
+              <a:buNone/>
+            </a:pPr>
+            <a:r>
+              <a:rPr lang="de-DE" sz="1600" dirty="0"/>
+              <a:t>Gibt Differenzen zweier Ständer aus und schlägt somit Änderungen vor</a:t>
+            </a:r>
+          </a:p>
+          <a:p>
+            <a:pPr lvl="1"/>
+            <a:r>
+              <a:rPr lang="de-DE" b="1" i="1" dirty="0" err="1"/>
+              <a:t>git</a:t>
+            </a:r>
+            <a:r>
+              <a:rPr lang="de-DE" b="1" i="1" dirty="0"/>
+              <a:t> format-patch -1 &lt;Prüfsumme&gt;</a:t>
+            </a:r>
+          </a:p>
+          <a:p>
+            <a:pPr marL="914400" lvl="2" indent="0">
+              <a:buNone/>
+            </a:pPr>
+            <a:r>
+              <a:rPr lang="de-DE" sz="1600" dirty="0"/>
+              <a:t>Fügt Änderungsübersicht und E-Mail Kopfzeile an und ermöglicht die Änderungen in einen Patch zu verwandeln</a:t>
+            </a:r>
+            <a:endParaRPr lang="de-DE" dirty="0"/>
+          </a:p>
+          <a:p>
+            <a:endParaRPr lang="de-DE" dirty="0"/>
           </a:p>
         </p:txBody>
       </p:sp>
@@ -13512,7 +13612,7 @@
           <a:p>
             <a:r>
               <a:rPr lang="de-DE" dirty="0"/>
-              <a:t>Pull </a:t>
+              <a:t>Pull-</a:t>
             </a:r>
             <a:r>
               <a:rPr lang="de-DE" dirty="0" err="1"/>
@@ -13573,7 +13673,41 @@
           <a:bodyPr/>
           <a:lstStyle/>
           <a:p>
-            <a:endParaRPr lang="de-DE"/>
+            <a:r>
+              <a:rPr lang="de-DE" dirty="0"/>
+              <a:t>Abwandlung des Linux Workflows</a:t>
+            </a:r>
+          </a:p>
+          <a:p>
+            <a:r>
+              <a:rPr lang="de-DE" dirty="0"/>
+              <a:t>Wird für Open Source Projekte verwendet, bei denen nicht alle Mitwirkenden Berechtigungen am Projekt besitzen</a:t>
+            </a:r>
+          </a:p>
+          <a:p>
+            <a:r>
+              <a:rPr lang="de-DE" dirty="0"/>
+              <a:t>Gearbeitet wird an eine lokalen Kopie, </a:t>
+            </a:r>
+            <a:r>
+              <a:rPr lang="de-DE" i="1" dirty="0"/>
+              <a:t>Fork</a:t>
+            </a:r>
+          </a:p>
+          <a:p>
+            <a:r>
+              <a:rPr lang="de-DE" dirty="0"/>
+              <a:t>Für diese wird in der Regel ein neuer Zweig angelegt</a:t>
+            </a:r>
+          </a:p>
+          <a:p>
+            <a:r>
+              <a:rPr lang="de-DE" dirty="0"/>
+              <a:t>Änderungen werden dann über einen Pull-Request vorgeschlagen</a:t>
+            </a:r>
+          </a:p>
+          <a:p>
+            <a:endParaRPr lang="de-DE" dirty="0"/>
           </a:p>
         </p:txBody>
       </p:sp>

--- a/Präsentation-90min/Präsentation-90min.pptx
+++ b/Präsentation-90min/Präsentation-90min.pptx
@@ -5,7 +5,7 @@
     <p:sldMasterId id="2147483660" r:id="rId1"/>
   </p:sldMasterIdLst>
   <p:notesMasterIdLst>
-    <p:notesMasterId r:id="rId41"/>
+    <p:notesMasterId r:id="rId43"/>
   </p:notesMasterIdLst>
   <p:sldIdLst>
     <p:sldId id="310" r:id="rId2"/>
@@ -47,6 +47,8 @@
     <p:sldId id="305" r:id="rId38"/>
     <p:sldId id="308" r:id="rId39"/>
     <p:sldId id="307" r:id="rId40"/>
+    <p:sldId id="313" r:id="rId41"/>
+    <p:sldId id="314" r:id="rId42"/>
   </p:sldIdLst>
   <p:sldSz cx="9144000" cy="6858000" type="screen4x3"/>
   <p:notesSz cx="6858000" cy="9144000"/>
@@ -290,7 +292,7 @@
           <a:p>
             <a:fld id="{A1E1CD49-93F9-4EB7-9AB7-31369D3CCD5D}" type="datetimeFigureOut">
               <a:rPr lang="de-DE" smtClean="0"/>
-              <a:t>21.03.2020</a:t>
+              <a:t>26.03.2020</a:t>
             </a:fld>
             <a:endParaRPr lang="de-DE"/>
           </a:p>
@@ -691,7 +693,7 @@
           <a:p>
             <a:fld id="{7CDC51D4-4F8D-402A-BD06-90531D3D0B0E}" type="datetime1">
               <a:rPr lang="de-DE" smtClean="0"/>
-              <a:t>21.03.2020</a:t>
+              <a:t>26.03.2020</a:t>
             </a:fld>
             <a:endParaRPr lang="de-DE"/>
           </a:p>
@@ -869,7 +871,7 @@
           <a:p>
             <a:fld id="{3608FC1D-F958-4804-B298-25E0F93B1193}" type="datetime1">
               <a:rPr lang="de-DE" smtClean="0"/>
-              <a:t>21.03.2020</a:t>
+              <a:t>26.03.2020</a:t>
             </a:fld>
             <a:endParaRPr lang="de-DE"/>
           </a:p>
@@ -1052,7 +1054,7 @@
           <a:p>
             <a:fld id="{853E26B7-2C61-49BA-838E-19A37BCD9623}" type="datetime1">
               <a:rPr lang="de-DE" smtClean="0"/>
-              <a:t>21.03.2020</a:t>
+              <a:t>26.03.2020</a:t>
             </a:fld>
             <a:endParaRPr lang="de-DE"/>
           </a:p>
@@ -1347,7 +1349,7 @@
             <a:fld id="{6F7941D6-DDCD-4FEB-B76A-6EA7C7E1DF91}" type="datetime1">
               <a:rPr lang="de-DE" smtClean="0"/>
               <a:pPr/>
-              <a:t>21.03.2020</a:t>
+              <a:t>26.03.2020</a:t>
             </a:fld>
             <a:endParaRPr lang="de-DE" dirty="0"/>
           </a:p>
@@ -2145,7 +2147,7 @@
           <a:p>
             <a:fld id="{625025DE-6FE8-4EA0-83A6-6CAFC8B06972}" type="datetime1">
               <a:rPr lang="de-DE" smtClean="0"/>
-              <a:t>21.03.2020</a:t>
+              <a:t>26.03.2020</a:t>
             </a:fld>
             <a:endParaRPr lang="de-DE"/>
           </a:p>
@@ -2515,7 +2517,7 @@
           <a:p>
             <a:fld id="{247D6157-A9C6-4111-84CF-F4ABC9BB74CD}" type="datetime1">
               <a:rPr lang="de-DE" smtClean="0"/>
-              <a:t>21.03.2020</a:t>
+              <a:t>26.03.2020</a:t>
             </a:fld>
             <a:endParaRPr lang="de-DE"/>
           </a:p>
@@ -2641,7 +2643,7 @@
           <a:p>
             <a:fld id="{8EBDA223-4612-4606-8A30-596D72469CD7}" type="datetime1">
               <a:rPr lang="de-DE" smtClean="0"/>
-              <a:t>21.03.2020</a:t>
+              <a:t>26.03.2020</a:t>
             </a:fld>
             <a:endParaRPr lang="de-DE"/>
           </a:p>
@@ -2736,7 +2738,7 @@
           <a:p>
             <a:fld id="{5C800F00-9786-41ED-9D90-88F7ADE0F2B0}" type="datetime1">
               <a:rPr lang="de-DE" smtClean="0"/>
-              <a:t>21.03.2020</a:t>
+              <a:t>26.03.2020</a:t>
             </a:fld>
             <a:endParaRPr lang="de-DE"/>
           </a:p>
@@ -3016,7 +3018,7 @@
           <a:p>
             <a:fld id="{DE94FA33-7DFF-4544-8A2D-E09A4E33D92E}" type="datetime1">
               <a:rPr lang="de-DE" smtClean="0"/>
-              <a:t>21.03.2020</a:t>
+              <a:t>26.03.2020</a:t>
             </a:fld>
             <a:endParaRPr lang="de-DE"/>
           </a:p>
@@ -3276,7 +3278,7 @@
           <a:p>
             <a:fld id="{10F76841-BABD-4AE4-8760-966DF476109C}" type="datetime1">
               <a:rPr lang="de-DE" smtClean="0"/>
-              <a:t>21.03.2020</a:t>
+              <a:t>26.03.2020</a:t>
             </a:fld>
             <a:endParaRPr lang="de-DE"/>
           </a:p>
@@ -3489,7 +3491,7 @@
           <a:p>
             <a:fld id="{34C5C537-7C07-410D-9EF1-F90075952502}" type="datetime1">
               <a:rPr lang="de-DE" smtClean="0"/>
-              <a:t>21.03.2020</a:t>
+              <a:t>26.03.2020</a:t>
             </a:fld>
             <a:endParaRPr lang="de-DE"/>
           </a:p>
@@ -12284,7 +12286,7 @@
           <a:p>
             <a:fld id="{6F7941D6-DDCD-4FEB-B76A-6EA7C7E1DF91}" type="datetime1">
               <a:rPr lang="de-DE" smtClean="0"/>
-              <a:t>21.03.2020</a:t>
+              <a:t>26.03.2020</a:t>
             </a:fld>
             <a:endParaRPr lang="de-DE" dirty="0"/>
           </a:p>
@@ -13862,7 +13864,119 @@
           <a:bodyPr/>
           <a:lstStyle/>
           <a:p>
-            <a:endParaRPr lang="de-DE"/>
+            <a:r>
+              <a:rPr lang="de-DE" dirty="0"/>
+              <a:t>Durch dezentralen Ansatz ist kompakte Speicherverwaltung wichtig</a:t>
+            </a:r>
+          </a:p>
+          <a:p>
+            <a:r>
+              <a:rPr lang="de-DE" dirty="0"/>
+              <a:t>Verwaltung von Daten und Informationen über Zeiger</a:t>
+            </a:r>
+          </a:p>
+          <a:p>
+            <a:pPr lvl="1"/>
+            <a:r>
+              <a:rPr lang="de-DE" dirty="0"/>
+              <a:t>Content-</a:t>
+            </a:r>
+            <a:r>
+              <a:rPr lang="de-DE" dirty="0" err="1"/>
+              <a:t>Addressed</a:t>
+            </a:r>
+            <a:r>
+              <a:rPr lang="de-DE" dirty="0"/>
+              <a:t> Storage (CAS)</a:t>
+            </a:r>
+          </a:p>
+          <a:p>
+            <a:r>
+              <a:rPr lang="de-DE" dirty="0"/>
+              <a:t>Komprimierung durch </a:t>
+            </a:r>
+            <a:r>
+              <a:rPr lang="de-DE" i="1" dirty="0" err="1"/>
+              <a:t>Zlib</a:t>
+            </a:r>
+            <a:r>
+              <a:rPr lang="de-DE" i="1" dirty="0"/>
+              <a:t> </a:t>
+            </a:r>
+            <a:r>
+              <a:rPr lang="de-DE" dirty="0"/>
+              <a:t>und Voranstellung des Kopfteils</a:t>
+            </a:r>
+          </a:p>
+          <a:p>
+            <a:pPr lvl="1"/>
+            <a:r>
+              <a:rPr lang="de-DE" dirty="0"/>
+              <a:t>Aus einer Datei wird ein sog. </a:t>
+            </a:r>
+            <a:r>
+              <a:rPr lang="de-DE" i="1" dirty="0" err="1"/>
+              <a:t>Blob</a:t>
+            </a:r>
+            <a:endParaRPr lang="de-DE" dirty="0"/>
+          </a:p>
+          <a:p>
+            <a:r>
+              <a:rPr lang="de-DE" dirty="0"/>
+              <a:t>Die </a:t>
+            </a:r>
+            <a:r>
+              <a:rPr lang="de-DE" i="1" dirty="0" err="1"/>
+              <a:t>blobs</a:t>
+            </a:r>
+            <a:r>
+              <a:rPr lang="de-DE" dirty="0"/>
+              <a:t> werden durch Verzeichnisse verwaltet</a:t>
+            </a:r>
+          </a:p>
+          <a:p>
+            <a:pPr lvl="1"/>
+            <a:r>
+              <a:rPr lang="de-DE" dirty="0"/>
+              <a:t>Diese werde </a:t>
+            </a:r>
+            <a:r>
+              <a:rPr lang="de-DE" i="1" dirty="0" err="1"/>
+              <a:t>tree</a:t>
+            </a:r>
+            <a:r>
+              <a:rPr lang="de-DE" dirty="0"/>
+              <a:t> </a:t>
+            </a:r>
+            <a:r>
+              <a:rPr lang="de-DE" dirty="0" err="1"/>
+              <a:t>gennant</a:t>
+            </a:r>
+            <a:endParaRPr lang="de-DE" dirty="0"/>
+          </a:p>
+          <a:p>
+            <a:endParaRPr lang="de-DE" dirty="0"/>
+          </a:p>
+          <a:p>
+            <a:endParaRPr lang="de-DE" dirty="0"/>
+          </a:p>
+          <a:p>
+            <a:endParaRPr lang="de-DE" dirty="0"/>
+          </a:p>
+          <a:p>
+            <a:endParaRPr lang="de-DE" dirty="0"/>
+          </a:p>
+          <a:p>
+            <a:endParaRPr lang="de-DE" dirty="0"/>
+          </a:p>
+          <a:p>
+            <a:endParaRPr lang="de-DE" dirty="0"/>
+          </a:p>
+          <a:p>
+            <a:pPr marL="0" indent="0">
+              <a:buNone/>
+            </a:pPr>
+            <a:endParaRPr lang="de-DE" dirty="0"/>
           </a:p>
         </p:txBody>
       </p:sp>
@@ -13897,10 +14011,52 @@
           </a:bodyPr>
           <a:lstStyle/>
           <a:p>
-            <a:endParaRPr lang="de-DE"/>
-          </a:p>
-        </p:txBody>
-      </p:sp>
+            <a:r>
+              <a:rPr lang="de-DE" dirty="0"/>
+              <a:t>Allgemeines</a:t>
+            </a:r>
+          </a:p>
+        </p:txBody>
+      </p:sp>
+      <p:pic>
+        <p:nvPicPr>
+          <p:cNvPr id="6" name="Grafik 5">
+            <a:extLst>
+              <a:ext uri="{FF2B5EF4-FFF2-40B4-BE49-F238E27FC236}">
+                <a16:creationId xmlns:a16="http://schemas.microsoft.com/office/drawing/2014/main" id="{2C8F73F0-F85A-4DF7-BBF7-D02683C09276}"/>
+              </a:ext>
+            </a:extLst>
+          </p:cNvPr>
+          <p:cNvPicPr/>
+          <p:nvPr/>
+        </p:nvPicPr>
+        <p:blipFill>
+          <a:blip r:embed="rId2" cstate="print">
+            <a:extLst>
+              <a:ext uri="{28A0092B-C50C-407E-A947-70E740481C1C}">
+                <a14:useLocalDpi xmlns:a14="http://schemas.microsoft.com/office/drawing/2010/main" val="0"/>
+              </a:ext>
+            </a:extLst>
+          </a:blip>
+          <a:srcRect/>
+          <a:stretch>
+            <a:fillRect/>
+          </a:stretch>
+        </p:blipFill>
+        <p:spPr bwMode="auto">
+          <a:xfrm>
+            <a:off x="1626725" y="3984771"/>
+            <a:ext cx="5890549" cy="2298582"/>
+          </a:xfrm>
+          <a:prstGeom prst="rect">
+            <a:avLst/>
+          </a:prstGeom>
+          <a:noFill/>
+          <a:ln>
+            <a:noFill/>
+          </a:ln>
+        </p:spPr>
+      </p:pic>
     </p:spTree>
     <p:extLst>
       <p:ext uri="{BB962C8B-B14F-4D97-AF65-F5344CB8AC3E}">
@@ -14087,6 +14243,309 @@
     <p:extLst>
       <p:ext uri="{BB962C8B-B14F-4D97-AF65-F5344CB8AC3E}">
         <p14:creationId xmlns:p14="http://schemas.microsoft.com/office/powerpoint/2010/main" val="1683181932"/>
+      </p:ext>
+    </p:extLst>
+  </p:cSld>
+  <p:clrMapOvr>
+    <a:masterClrMapping/>
+  </p:clrMapOvr>
+</p:sld>
+</file>
+
+<file path=ppt/slides/slide40.xml><?xml version="1.0" encoding="utf-8"?>
+<p:sld xmlns:a="http://schemas.openxmlformats.org/drawingml/2006/main" xmlns:r="http://schemas.openxmlformats.org/officeDocument/2006/relationships" xmlns:p="http://schemas.openxmlformats.org/presentationml/2006/main">
+  <p:cSld>
+    <p:spTree>
+      <p:nvGrpSpPr>
+        <p:cNvPr id="1" name=""/>
+        <p:cNvGrpSpPr/>
+        <p:nvPr/>
+      </p:nvGrpSpPr>
+      <p:grpSpPr>
+        <a:xfrm>
+          <a:off x="0" y="0"/>
+          <a:ext cx="0" cy="0"/>
+          <a:chOff x="0" y="0"/>
+          <a:chExt cx="0" cy="0"/>
+        </a:xfrm>
+      </p:grpSpPr>
+      <p:sp>
+        <p:nvSpPr>
+          <p:cNvPr id="2" name="Inhaltsplatzhalter 1">
+            <a:extLst>
+              <a:ext uri="{FF2B5EF4-FFF2-40B4-BE49-F238E27FC236}">
+                <a16:creationId xmlns:a16="http://schemas.microsoft.com/office/drawing/2014/main" id="{487913BE-9020-41AC-B373-945A6492F8CC}"/>
+              </a:ext>
+            </a:extLst>
+          </p:cNvPr>
+          <p:cNvSpPr>
+            <a:spLocks noGrp="1"/>
+          </p:cNvSpPr>
+          <p:nvPr>
+            <p:ph idx="13"/>
+          </p:nvPr>
+        </p:nvSpPr>
+        <p:spPr/>
+        <p:txBody>
+          <a:bodyPr/>
+          <a:lstStyle/>
+          <a:p>
+            <a:r>
+              <a:rPr lang="de-DE" dirty="0"/>
+              <a:t>Auch bei kleinen Änderungen werden Großteile einer Datei erneut gespeichert</a:t>
+            </a:r>
+          </a:p>
+          <a:p>
+            <a:r>
+              <a:rPr lang="de-DE" dirty="0"/>
+              <a:t>Um den Speicherplatz freizugeben werden Dateien :</a:t>
+            </a:r>
+          </a:p>
+          <a:p>
+            <a:pPr lvl="1"/>
+            <a:r>
+              <a:rPr lang="de-DE" dirty="0"/>
+              <a:t>in Archive verpackt</a:t>
+            </a:r>
+          </a:p>
+          <a:p>
+            <a:pPr lvl="1"/>
+            <a:r>
+              <a:rPr lang="de-DE" dirty="0"/>
+              <a:t>auf Deltas aufgesplittet</a:t>
+            </a:r>
+          </a:p>
+          <a:p>
+            <a:r>
+              <a:rPr lang="de-DE" dirty="0"/>
+              <a:t>Erfordert aber Dateien, die diese Änderungsnachverfolgung zulassen</a:t>
+            </a:r>
+          </a:p>
+          <a:p>
+            <a:pPr lvl="1"/>
+            <a:r>
+              <a:rPr lang="de-DE" dirty="0"/>
+              <a:t>Binäre Dateien sind ausgeschlossen</a:t>
+            </a:r>
+          </a:p>
+          <a:p>
+            <a:r>
+              <a:rPr lang="de-DE" dirty="0"/>
+              <a:t>Dieser Prozess wird</a:t>
+            </a:r>
+          </a:p>
+          <a:p>
+            <a:pPr lvl="1"/>
+            <a:r>
+              <a:rPr lang="de-DE" dirty="0"/>
+              <a:t>Periodisch durchgeführt</a:t>
+            </a:r>
+          </a:p>
+          <a:p>
+            <a:pPr lvl="1"/>
+            <a:r>
+              <a:rPr lang="de-DE" dirty="0"/>
+              <a:t>Manuell mit dem Kommando </a:t>
+            </a:r>
+            <a:r>
+              <a:rPr lang="de-DE" b="1" i="1" dirty="0" err="1"/>
+              <a:t>git</a:t>
+            </a:r>
+            <a:r>
+              <a:rPr lang="de-DE" b="1" i="1" dirty="0"/>
+              <a:t> </a:t>
+            </a:r>
+            <a:r>
+              <a:rPr lang="de-DE" b="1" i="1" dirty="0" err="1"/>
+              <a:t>gc</a:t>
+            </a:r>
+            <a:endParaRPr lang="de-DE" b="1" i="1" dirty="0"/>
+          </a:p>
+          <a:p>
+            <a:endParaRPr lang="de-DE" dirty="0"/>
+          </a:p>
+        </p:txBody>
+      </p:sp>
+      <p:sp>
+        <p:nvSpPr>
+          <p:cNvPr id="3" name="Titel 2">
+            <a:extLst>
+              <a:ext uri="{FF2B5EF4-FFF2-40B4-BE49-F238E27FC236}">
+                <a16:creationId xmlns:a16="http://schemas.microsoft.com/office/drawing/2014/main" id="{6841BC89-F4B3-4748-9BD9-6A4920D25755}"/>
+              </a:ext>
+            </a:extLst>
+          </p:cNvPr>
+          <p:cNvSpPr>
+            <a:spLocks noGrp="1"/>
+          </p:cNvSpPr>
+          <p:nvPr>
+            <p:ph type="title" idx="4294967295"/>
+          </p:nvPr>
+        </p:nvSpPr>
+        <p:spPr/>
+        <p:txBody>
+          <a:bodyPr/>
+          <a:lstStyle/>
+          <a:p>
+            <a:r>
+              <a:rPr lang="de-DE" dirty="0"/>
+              <a:t>Packfiles</a:t>
+            </a:r>
+          </a:p>
+        </p:txBody>
+      </p:sp>
+    </p:spTree>
+    <p:extLst>
+      <p:ext uri="{BB962C8B-B14F-4D97-AF65-F5344CB8AC3E}">
+        <p14:creationId xmlns:p14="http://schemas.microsoft.com/office/powerpoint/2010/main" val="3874958567"/>
+      </p:ext>
+    </p:extLst>
+  </p:cSld>
+  <p:clrMapOvr>
+    <a:masterClrMapping/>
+  </p:clrMapOvr>
+</p:sld>
+</file>
+
+<file path=ppt/slides/slide41.xml><?xml version="1.0" encoding="utf-8"?>
+<p:sld xmlns:a="http://schemas.openxmlformats.org/drawingml/2006/main" xmlns:r="http://schemas.openxmlformats.org/officeDocument/2006/relationships" xmlns:p="http://schemas.openxmlformats.org/presentationml/2006/main">
+  <p:cSld>
+    <p:spTree>
+      <p:nvGrpSpPr>
+        <p:cNvPr id="1" name=""/>
+        <p:cNvGrpSpPr/>
+        <p:nvPr/>
+      </p:nvGrpSpPr>
+      <p:grpSpPr>
+        <a:xfrm>
+          <a:off x="0" y="0"/>
+          <a:ext cx="0" cy="0"/>
+          <a:chOff x="0" y="0"/>
+          <a:chExt cx="0" cy="0"/>
+        </a:xfrm>
+      </p:grpSpPr>
+      <p:sp>
+        <p:nvSpPr>
+          <p:cNvPr id="2" name="Inhaltsplatzhalter 1">
+            <a:extLst>
+              <a:ext uri="{FF2B5EF4-FFF2-40B4-BE49-F238E27FC236}">
+                <a16:creationId xmlns:a16="http://schemas.microsoft.com/office/drawing/2014/main" id="{29430910-92F5-4A27-934D-B6A2928EF541}"/>
+              </a:ext>
+            </a:extLst>
+          </p:cNvPr>
+          <p:cNvSpPr>
+            <a:spLocks noGrp="1"/>
+          </p:cNvSpPr>
+          <p:nvPr>
+            <p:ph idx="13"/>
+          </p:nvPr>
+        </p:nvSpPr>
+        <p:spPr/>
+        <p:txBody>
+          <a:bodyPr/>
+          <a:lstStyle/>
+          <a:p>
+            <a:r>
+              <a:rPr lang="de-DE" dirty="0"/>
+              <a:t>Eine Erweiterung für </a:t>
+            </a:r>
+            <a:r>
+              <a:rPr lang="de-DE" dirty="0" err="1"/>
+              <a:t>Git</a:t>
+            </a:r>
+            <a:endParaRPr lang="de-DE" dirty="0"/>
+          </a:p>
+          <a:p>
+            <a:r>
+              <a:rPr lang="de-DE" dirty="0"/>
+              <a:t>Vereinfacht Handhabung von großen Dateien</a:t>
+            </a:r>
+          </a:p>
+          <a:p>
+            <a:r>
+              <a:rPr lang="de-DE" dirty="0"/>
+              <a:t>Aufgrund des dezentralen Ansatzes besitzt jeder alle Dateien des Projektarchivs</a:t>
+            </a:r>
+          </a:p>
+          <a:p>
+            <a:pPr lvl="1"/>
+            <a:r>
+              <a:rPr lang="de-DE" dirty="0"/>
+              <a:t>Große Dateien sind mehrmals verteilt abgespeichert</a:t>
+            </a:r>
+          </a:p>
+          <a:p>
+            <a:r>
+              <a:rPr lang="de-DE" dirty="0"/>
+              <a:t>LFS zwischenverwaltet bestimmte Dateitypen</a:t>
+            </a:r>
+          </a:p>
+          <a:p>
+            <a:r>
+              <a:rPr lang="de-DE" dirty="0"/>
+              <a:t>Für diese Dateien wir ein Behälter angelegt</a:t>
+            </a:r>
+          </a:p>
+          <a:p>
+            <a:endParaRPr lang="de-DE" dirty="0"/>
+          </a:p>
+          <a:p>
+            <a:endParaRPr lang="de-DE" dirty="0"/>
+          </a:p>
+        </p:txBody>
+      </p:sp>
+      <p:sp>
+        <p:nvSpPr>
+          <p:cNvPr id="3" name="Titel 2">
+            <a:extLst>
+              <a:ext uri="{FF2B5EF4-FFF2-40B4-BE49-F238E27FC236}">
+                <a16:creationId xmlns:a16="http://schemas.microsoft.com/office/drawing/2014/main" id="{EA847F6D-905A-4198-B345-826E14B26406}"/>
+              </a:ext>
+            </a:extLst>
+          </p:cNvPr>
+          <p:cNvSpPr>
+            <a:spLocks noGrp="1"/>
+          </p:cNvSpPr>
+          <p:nvPr>
+            <p:ph type="title" idx="4294967295"/>
+          </p:nvPr>
+        </p:nvSpPr>
+        <p:spPr/>
+        <p:txBody>
+          <a:bodyPr/>
+          <a:lstStyle/>
+          <a:p>
+            <a:r>
+              <a:rPr lang="de-DE" dirty="0" err="1"/>
+              <a:t>Git</a:t>
+            </a:r>
+            <a:r>
+              <a:rPr lang="de-DE" dirty="0"/>
+              <a:t> LFS (large </a:t>
+            </a:r>
+            <a:r>
+              <a:rPr lang="de-DE" dirty="0" err="1"/>
+              <a:t>file</a:t>
+            </a:r>
+            <a:r>
+              <a:rPr lang="de-DE" dirty="0"/>
+              <a:t> </a:t>
+            </a:r>
+            <a:r>
+              <a:rPr lang="de-DE" dirty="0" err="1"/>
+              <a:t>storage</a:t>
+            </a:r>
+            <a:r>
+              <a:rPr lang="de-DE" dirty="0"/>
+              <a:t>)</a:t>
+            </a:r>
+          </a:p>
+        </p:txBody>
+      </p:sp>
+    </p:spTree>
+    <p:extLst>
+      <p:ext uri="{BB962C8B-B14F-4D97-AF65-F5344CB8AC3E}">
+        <p14:creationId xmlns:p14="http://schemas.microsoft.com/office/powerpoint/2010/main" val="1224540421"/>
       </p:ext>
     </p:extLst>
   </p:cSld>

--- a/Präsentation-90min/Präsentation-90min.pptx
+++ b/Präsentation-90min/Präsentation-90min.pptx
@@ -292,7 +292,7 @@
           <a:p>
             <a:fld id="{A1E1CD49-93F9-4EB7-9AB7-31369D3CCD5D}" type="datetimeFigureOut">
               <a:rPr lang="de-DE" smtClean="0"/>
-              <a:t>26.03.2020</a:t>
+              <a:t>27.03.2020</a:t>
             </a:fld>
             <a:endParaRPr lang="de-DE"/>
           </a:p>
@@ -693,7 +693,7 @@
           <a:p>
             <a:fld id="{7CDC51D4-4F8D-402A-BD06-90531D3D0B0E}" type="datetime1">
               <a:rPr lang="de-DE" smtClean="0"/>
-              <a:t>26.03.2020</a:t>
+              <a:t>27.03.2020</a:t>
             </a:fld>
             <a:endParaRPr lang="de-DE"/>
           </a:p>
@@ -871,7 +871,7 @@
           <a:p>
             <a:fld id="{3608FC1D-F958-4804-B298-25E0F93B1193}" type="datetime1">
               <a:rPr lang="de-DE" smtClean="0"/>
-              <a:t>26.03.2020</a:t>
+              <a:t>27.03.2020</a:t>
             </a:fld>
             <a:endParaRPr lang="de-DE"/>
           </a:p>
@@ -1054,7 +1054,7 @@
           <a:p>
             <a:fld id="{853E26B7-2C61-49BA-838E-19A37BCD9623}" type="datetime1">
               <a:rPr lang="de-DE" smtClean="0"/>
-              <a:t>26.03.2020</a:t>
+              <a:t>27.03.2020</a:t>
             </a:fld>
             <a:endParaRPr lang="de-DE"/>
           </a:p>
@@ -1349,7 +1349,7 @@
             <a:fld id="{6F7941D6-DDCD-4FEB-B76A-6EA7C7E1DF91}" type="datetime1">
               <a:rPr lang="de-DE" smtClean="0"/>
               <a:pPr/>
-              <a:t>26.03.2020</a:t>
+              <a:t>27.03.2020</a:t>
             </a:fld>
             <a:endParaRPr lang="de-DE" dirty="0"/>
           </a:p>
@@ -2147,7 +2147,7 @@
           <a:p>
             <a:fld id="{625025DE-6FE8-4EA0-83A6-6CAFC8B06972}" type="datetime1">
               <a:rPr lang="de-DE" smtClean="0"/>
-              <a:t>26.03.2020</a:t>
+              <a:t>27.03.2020</a:t>
             </a:fld>
             <a:endParaRPr lang="de-DE"/>
           </a:p>
@@ -2517,7 +2517,7 @@
           <a:p>
             <a:fld id="{247D6157-A9C6-4111-84CF-F4ABC9BB74CD}" type="datetime1">
               <a:rPr lang="de-DE" smtClean="0"/>
-              <a:t>26.03.2020</a:t>
+              <a:t>27.03.2020</a:t>
             </a:fld>
             <a:endParaRPr lang="de-DE"/>
           </a:p>
@@ -2643,7 +2643,7 @@
           <a:p>
             <a:fld id="{8EBDA223-4612-4606-8A30-596D72469CD7}" type="datetime1">
               <a:rPr lang="de-DE" smtClean="0"/>
-              <a:t>26.03.2020</a:t>
+              <a:t>27.03.2020</a:t>
             </a:fld>
             <a:endParaRPr lang="de-DE"/>
           </a:p>
@@ -2738,7 +2738,7 @@
           <a:p>
             <a:fld id="{5C800F00-9786-41ED-9D90-88F7ADE0F2B0}" type="datetime1">
               <a:rPr lang="de-DE" smtClean="0"/>
-              <a:t>26.03.2020</a:t>
+              <a:t>27.03.2020</a:t>
             </a:fld>
             <a:endParaRPr lang="de-DE"/>
           </a:p>
@@ -3018,7 +3018,7 @@
           <a:p>
             <a:fld id="{DE94FA33-7DFF-4544-8A2D-E09A4E33D92E}" type="datetime1">
               <a:rPr lang="de-DE" smtClean="0"/>
-              <a:t>26.03.2020</a:t>
+              <a:t>27.03.2020</a:t>
             </a:fld>
             <a:endParaRPr lang="de-DE"/>
           </a:p>
@@ -3278,7 +3278,7 @@
           <a:p>
             <a:fld id="{10F76841-BABD-4AE4-8760-966DF476109C}" type="datetime1">
               <a:rPr lang="de-DE" smtClean="0"/>
-              <a:t>26.03.2020</a:t>
+              <a:t>27.03.2020</a:t>
             </a:fld>
             <a:endParaRPr lang="de-DE"/>
           </a:p>
@@ -3491,7 +3491,7 @@
           <a:p>
             <a:fld id="{34C5C537-7C07-410D-9EF1-F90075952502}" type="datetime1">
               <a:rPr lang="de-DE" smtClean="0"/>
-              <a:t>26.03.2020</a:t>
+              <a:t>27.03.2020</a:t>
             </a:fld>
             <a:endParaRPr lang="de-DE"/>
           </a:p>
@@ -4359,7 +4359,7 @@
         </p:nvSpPr>
         <p:spPr>
           <a:xfrm>
-            <a:off x="4653549" y="5113903"/>
+            <a:off x="5214643" y="5113903"/>
             <a:ext cx="1392572" cy="276999"/>
           </a:xfrm>
           <a:prstGeom prst="rect">
@@ -4404,7 +4404,7 @@
         </p:nvSpPr>
         <p:spPr>
           <a:xfrm>
-            <a:off x="2183235" y="5113904"/>
+            <a:off x="2326883" y="5113903"/>
             <a:ext cx="1392572" cy="276999"/>
           </a:xfrm>
           <a:prstGeom prst="rect">
@@ -4435,35 +4435,6 @@
           </a:p>
         </p:txBody>
       </p:sp>
-      <p:pic>
-        <p:nvPicPr>
-          <p:cNvPr id="16" name="Grafik 15">
-            <a:extLst>
-              <a:ext uri="{FF2B5EF4-FFF2-40B4-BE49-F238E27FC236}">
-                <a16:creationId xmlns:a16="http://schemas.microsoft.com/office/drawing/2014/main" id="{41A19F98-08B3-4786-87C8-269614309203}"/>
-              </a:ext>
-            </a:extLst>
-          </p:cNvPr>
-          <p:cNvPicPr>
-            <a:picLocks noChangeAspect="1"/>
-          </p:cNvPicPr>
-          <p:nvPr/>
-        </p:nvPicPr>
-        <p:blipFill rotWithShape="1">
-          <a:blip r:embed="rId2"/>
-          <a:srcRect l="5624" r="5147" b="11043"/>
-          <a:stretch/>
-        </p:blipFill>
-        <p:spPr>
-          <a:xfrm>
-            <a:off x="968929" y="4710232"/>
-            <a:ext cx="1380509" cy="1084339"/>
-          </a:xfrm>
-          <a:prstGeom prst="rect">
-            <a:avLst/>
-          </a:prstGeom>
-        </p:spPr>
-      </p:pic>
       <p:sp>
         <p:nvSpPr>
           <p:cNvPr id="5" name="Inhaltsplatzhalter 4">
@@ -4605,7 +4576,7 @@
           <p:nvPr/>
         </p:nvPicPr>
         <p:blipFill>
-          <a:blip r:embed="rId3"/>
+          <a:blip r:embed="rId2"/>
           <a:stretch>
             <a:fillRect/>
           </a:stretch>
@@ -4622,119 +4593,6 @@
       </p:pic>
       <p:sp>
         <p:nvSpPr>
-          <p:cNvPr id="7" name="Rechteck 6">
-            <a:extLst>
-              <a:ext uri="{FF2B5EF4-FFF2-40B4-BE49-F238E27FC236}">
-                <a16:creationId xmlns:a16="http://schemas.microsoft.com/office/drawing/2014/main" id="{12AA391C-449F-4A03-8925-2CD8D495E2AA}"/>
-              </a:ext>
-            </a:extLst>
-          </p:cNvPr>
-          <p:cNvSpPr/>
-          <p:nvPr/>
-        </p:nvSpPr>
-        <p:spPr>
-          <a:xfrm>
-            <a:off x="3602827" y="5117284"/>
-            <a:ext cx="1132514" cy="495388"/>
-          </a:xfrm>
-          <a:prstGeom prst="rect">
-            <a:avLst/>
-          </a:prstGeom>
-          <a:solidFill>
-            <a:schemeClr val="accent1">
-              <a:lumMod val="60000"/>
-              <a:lumOff val="40000"/>
-            </a:schemeClr>
-          </a:solidFill>
-          <a:ln>
-            <a:solidFill>
-              <a:schemeClr val="bg1"/>
-            </a:solidFill>
-          </a:ln>
-        </p:spPr>
-        <p:style>
-          <a:lnRef idx="2">
-            <a:schemeClr val="accent1">
-              <a:shade val="50000"/>
-            </a:schemeClr>
-          </a:lnRef>
-          <a:fillRef idx="1">
-            <a:schemeClr val="accent1"/>
-          </a:fillRef>
-          <a:effectRef idx="0">
-            <a:schemeClr val="accent1"/>
-          </a:effectRef>
-          <a:fontRef idx="minor">
-            <a:schemeClr val="lt1"/>
-          </a:fontRef>
-        </p:style>
-        <p:txBody>
-          <a:bodyPr rtlCol="0" anchor="ctr"/>
-          <a:lstStyle/>
-          <a:p>
-            <a:pPr algn="ctr"/>
-            <a:endParaRPr lang="de-DE"/>
-          </a:p>
-        </p:txBody>
-      </p:sp>
-      <p:sp>
-        <p:nvSpPr>
-          <p:cNvPr id="8" name="Rechteck 7">
-            <a:extLst>
-              <a:ext uri="{FF2B5EF4-FFF2-40B4-BE49-F238E27FC236}">
-                <a16:creationId xmlns:a16="http://schemas.microsoft.com/office/drawing/2014/main" id="{925C5388-8F98-4391-8B6A-B47CD0164A48}"/>
-              </a:ext>
-            </a:extLst>
-          </p:cNvPr>
-          <p:cNvSpPr/>
-          <p:nvPr/>
-        </p:nvSpPr>
-        <p:spPr>
-          <a:xfrm>
-            <a:off x="6073141" y="5117284"/>
-            <a:ext cx="1132514" cy="495388"/>
-          </a:xfrm>
-          <a:prstGeom prst="rect">
-            <a:avLst/>
-          </a:prstGeom>
-          <a:solidFill>
-            <a:schemeClr val="accent6">
-              <a:lumMod val="75000"/>
-            </a:schemeClr>
-          </a:solidFill>
-          <a:ln>
-            <a:solidFill>
-              <a:schemeClr val="bg1"/>
-            </a:solidFill>
-          </a:ln>
-        </p:spPr>
-        <p:style>
-          <a:lnRef idx="2">
-            <a:schemeClr val="accent1">
-              <a:shade val="50000"/>
-            </a:schemeClr>
-          </a:lnRef>
-          <a:fillRef idx="1">
-            <a:schemeClr val="accent1"/>
-          </a:fillRef>
-          <a:effectRef idx="0">
-            <a:schemeClr val="accent1"/>
-          </a:effectRef>
-          <a:fontRef idx="minor">
-            <a:schemeClr val="lt1"/>
-          </a:fontRef>
-        </p:style>
-        <p:txBody>
-          <a:bodyPr rtlCol="0" anchor="ctr"/>
-          <a:lstStyle/>
-          <a:p>
-            <a:pPr algn="ctr"/>
-            <a:endParaRPr lang="de-DE"/>
-          </a:p>
-        </p:txBody>
-      </p:sp>
-      <p:sp>
-        <p:nvSpPr>
           <p:cNvPr id="4" name="Textfeld 3">
             <a:extLst>
               <a:ext uri="{FF2B5EF4-FFF2-40B4-BE49-F238E27FC236}">
@@ -4769,85 +4627,6 @@
           </a:p>
         </p:txBody>
       </p:sp>
-      <p:sp>
-        <p:nvSpPr>
-          <p:cNvPr id="9" name="Textfeld 8">
-            <a:extLst>
-              <a:ext uri="{FF2B5EF4-FFF2-40B4-BE49-F238E27FC236}">
-                <a16:creationId xmlns:a16="http://schemas.microsoft.com/office/drawing/2014/main" id="{7FD8E5B8-4884-41E7-9EAC-7C32DDF88240}"/>
-              </a:ext>
-            </a:extLst>
-          </p:cNvPr>
-          <p:cNvSpPr txBox="1"/>
-          <p:nvPr/>
-        </p:nvSpPr>
-        <p:spPr>
-          <a:xfrm>
-            <a:off x="3472798" y="4816584"/>
-            <a:ext cx="1392572" cy="276999"/>
-          </a:xfrm>
-          <a:prstGeom prst="rect">
-            <a:avLst/>
-          </a:prstGeom>
-          <a:noFill/>
-        </p:spPr>
-        <p:txBody>
-          <a:bodyPr wrap="square" rtlCol="0">
-            <a:spAutoFit/>
-          </a:bodyPr>
-          <a:lstStyle/>
-          <a:p>
-            <a:pPr algn="ctr"/>
-            <a:r>
-              <a:rPr lang="de-DE" sz="1200" dirty="0"/>
-              <a:t>Index</a:t>
-            </a:r>
-          </a:p>
-        </p:txBody>
-      </p:sp>
-      <p:sp>
-        <p:nvSpPr>
-          <p:cNvPr id="10" name="Textfeld 9">
-            <a:extLst>
-              <a:ext uri="{FF2B5EF4-FFF2-40B4-BE49-F238E27FC236}">
-                <a16:creationId xmlns:a16="http://schemas.microsoft.com/office/drawing/2014/main" id="{9D2D19AA-B29D-4C0D-AD87-DBB41C9C1DB9}"/>
-              </a:ext>
-            </a:extLst>
-          </p:cNvPr>
-          <p:cNvSpPr txBox="1"/>
-          <p:nvPr/>
-        </p:nvSpPr>
-        <p:spPr>
-          <a:xfrm>
-            <a:off x="5933760" y="4724250"/>
-            <a:ext cx="1392572" cy="461665"/>
-          </a:xfrm>
-          <a:prstGeom prst="rect">
-            <a:avLst/>
-          </a:prstGeom>
-          <a:noFill/>
-        </p:spPr>
-        <p:txBody>
-          <a:bodyPr wrap="square" rtlCol="0">
-            <a:spAutoFit/>
-          </a:bodyPr>
-          <a:lstStyle/>
-          <a:p>
-            <a:pPr algn="ctr"/>
-            <a:r>
-              <a:rPr lang="de-DE" sz="1200" dirty="0"/>
-              <a:t>Commit Historie /</a:t>
-            </a:r>
-          </a:p>
-          <a:p>
-            <a:pPr algn="ctr"/>
-            <a:r>
-              <a:rPr lang="de-DE" sz="1200" dirty="0"/>
-              <a:t>Projektarchiv</a:t>
-            </a:r>
-          </a:p>
-        </p:txBody>
-      </p:sp>
       <p:cxnSp>
         <p:nvCxnSpPr>
           <p:cNvPr id="12" name="Gerade Verbindung mit Pfeil 11">
@@ -4862,7 +4641,7 @@
         </p:nvCxnSpPr>
         <p:spPr>
           <a:xfrm>
-            <a:off x="2395057" y="5364978"/>
+            <a:off x="2546059" y="5364978"/>
             <a:ext cx="968928" cy="0"/>
           </a:xfrm>
           <a:prstGeom prst="straightConnector1">
@@ -4896,12 +4675,14 @@
               </a:ext>
             </a:extLst>
           </p:cNvPr>
-          <p:cNvCxnSpPr/>
+          <p:cNvCxnSpPr>
+            <a:cxnSpLocks/>
+          </p:cNvCxnSpPr>
           <p:nvPr/>
         </p:nvCxnSpPr>
         <p:spPr>
           <a:xfrm>
-            <a:off x="4865370" y="5364978"/>
+            <a:off x="5447576" y="5364978"/>
             <a:ext cx="968928" cy="0"/>
           </a:xfrm>
           <a:prstGeom prst="straightConnector1">
@@ -4926,6 +4707,231 @@
           </a:fontRef>
         </p:style>
       </p:cxnSp>
+      <p:sp>
+        <p:nvSpPr>
+          <p:cNvPr id="11" name="Rechteck: abgerundete Ecken 10">
+            <a:extLst>
+              <a:ext uri="{FF2B5EF4-FFF2-40B4-BE49-F238E27FC236}">
+                <a16:creationId xmlns:a16="http://schemas.microsoft.com/office/drawing/2014/main" id="{79AD9819-1A6F-4E76-8E63-631BDF0C7151}"/>
+              </a:ext>
+            </a:extLst>
+          </p:cNvPr>
+          <p:cNvSpPr/>
+          <p:nvPr/>
+        </p:nvSpPr>
+        <p:spPr>
+          <a:xfrm>
+            <a:off x="3672000" y="5017076"/>
+            <a:ext cx="1591200" cy="554400"/>
+          </a:xfrm>
+          <a:prstGeom prst="roundRect">
+            <a:avLst/>
+          </a:prstGeom>
+        </p:spPr>
+        <p:style>
+          <a:lnRef idx="2">
+            <a:schemeClr val="accent5">
+              <a:shade val="50000"/>
+            </a:schemeClr>
+          </a:lnRef>
+          <a:fillRef idx="1">
+            <a:schemeClr val="accent5"/>
+          </a:fillRef>
+          <a:effectRef idx="0">
+            <a:schemeClr val="accent5"/>
+          </a:effectRef>
+          <a:fontRef idx="minor">
+            <a:schemeClr val="lt1"/>
+          </a:fontRef>
+        </p:style>
+        <p:txBody>
+          <a:bodyPr rot="0" spcFirstLastPara="0" vertOverflow="overflow" horzOverflow="overflow" vert="horz" wrap="square" lIns="91440" tIns="45720" rIns="91440" bIns="45720" numCol="1" spcCol="0" rtlCol="0" fromWordArt="0" anchor="ctr" anchorCtr="0" forceAA="0" compatLnSpc="1">
+            <a:prstTxWarp prst="textNoShape">
+              <a:avLst/>
+            </a:prstTxWarp>
+            <a:noAutofit/>
+          </a:bodyPr>
+          <a:lstStyle/>
+          <a:p>
+            <a:pPr algn="ctr"/>
+            <a:r>
+              <a:rPr lang="de-DE" sz="1200" dirty="0">
+                <a:ln w="0"/>
+                <a:solidFill>
+                  <a:schemeClr val="accent1">
+                    <a:lumMod val="50000"/>
+                  </a:schemeClr>
+                </a:solidFill>
+                <a:effectLst>
+                  <a:outerShdw blurRad="38100" dist="25400" dir="5400000" algn="ctr" rotWithShape="0">
+                    <a:srgbClr val="6E747A">
+                      <a:alpha val="43000"/>
+                    </a:srgbClr>
+                  </a:outerShdw>
+                </a:effectLst>
+                <a:latin typeface="Arial" panose="020B0604020202020204" pitchFamily="34" charset="0"/>
+                <a:cs typeface="Arial" panose="020B0604020202020204" pitchFamily="34" charset="0"/>
+              </a:rPr>
+              <a:t>Index</a:t>
+            </a:r>
+          </a:p>
+        </p:txBody>
+      </p:sp>
+      <p:sp>
+        <p:nvSpPr>
+          <p:cNvPr id="17" name="Rechteck: abgerundete Ecken 16">
+            <a:extLst>
+              <a:ext uri="{FF2B5EF4-FFF2-40B4-BE49-F238E27FC236}">
+                <a16:creationId xmlns:a16="http://schemas.microsoft.com/office/drawing/2014/main" id="{6D96EE78-90CD-4876-BC4C-13B94743A48F}"/>
+              </a:ext>
+            </a:extLst>
+          </p:cNvPr>
+          <p:cNvSpPr/>
+          <p:nvPr/>
+        </p:nvSpPr>
+        <p:spPr>
+          <a:xfrm>
+            <a:off x="6558658" y="5000672"/>
+            <a:ext cx="1591200" cy="552837"/>
+          </a:xfrm>
+          <a:prstGeom prst="roundRect">
+            <a:avLst/>
+          </a:prstGeom>
+        </p:spPr>
+        <p:style>
+          <a:lnRef idx="2">
+            <a:schemeClr val="accent6">
+              <a:shade val="50000"/>
+            </a:schemeClr>
+          </a:lnRef>
+          <a:fillRef idx="1">
+            <a:schemeClr val="accent6"/>
+          </a:fillRef>
+          <a:effectRef idx="0">
+            <a:schemeClr val="accent6"/>
+          </a:effectRef>
+          <a:fontRef idx="minor">
+            <a:schemeClr val="lt1"/>
+          </a:fontRef>
+        </p:style>
+        <p:txBody>
+          <a:bodyPr rot="0" spcFirstLastPara="0" vertOverflow="overflow" horzOverflow="overflow" vert="horz" wrap="square" lIns="91440" tIns="45720" rIns="91440" bIns="45720" numCol="1" spcCol="0" rtlCol="0" fromWordArt="0" anchor="ctr" anchorCtr="0" forceAA="0" compatLnSpc="1">
+            <a:prstTxWarp prst="textNoShape">
+              <a:avLst/>
+            </a:prstTxWarp>
+            <a:noAutofit/>
+          </a:bodyPr>
+          <a:lstStyle/>
+          <a:p>
+            <a:pPr algn="ctr"/>
+            <a:r>
+              <a:rPr lang="de-DE" sz="1200" dirty="0">
+                <a:ln w="0"/>
+                <a:solidFill>
+                  <a:schemeClr val="accent6">
+                    <a:lumMod val="50000"/>
+                  </a:schemeClr>
+                </a:solidFill>
+                <a:effectLst>
+                  <a:outerShdw blurRad="38100" dist="25400" dir="5400000" algn="ctr" rotWithShape="0">
+                    <a:srgbClr val="6E747A">
+                      <a:alpha val="43000"/>
+                    </a:srgbClr>
+                  </a:outerShdw>
+                </a:effectLst>
+                <a:latin typeface="Arial" panose="020B0604020202020204" pitchFamily="34" charset="0"/>
+                <a:cs typeface="Arial" panose="020B0604020202020204" pitchFamily="34" charset="0"/>
+              </a:rPr>
+              <a:t>Commit Historie / Projektarchiv</a:t>
+            </a:r>
+          </a:p>
+        </p:txBody>
+      </p:sp>
+      <p:sp>
+        <p:nvSpPr>
+          <p:cNvPr id="18" name="Rechteck: abgerundete Ecken 17">
+            <a:extLst>
+              <a:ext uri="{FF2B5EF4-FFF2-40B4-BE49-F238E27FC236}">
+                <a16:creationId xmlns:a16="http://schemas.microsoft.com/office/drawing/2014/main" id="{72D94EDE-CCE8-4EB5-8030-A11B9E4F6353}"/>
+              </a:ext>
+            </a:extLst>
+          </p:cNvPr>
+          <p:cNvSpPr/>
+          <p:nvPr/>
+        </p:nvSpPr>
+        <p:spPr>
+          <a:xfrm>
+            <a:off x="785342" y="5032990"/>
+            <a:ext cx="1590098" cy="554400"/>
+          </a:xfrm>
+          <a:prstGeom prst="roundRect">
+            <a:avLst/>
+          </a:prstGeom>
+          <a:solidFill>
+            <a:schemeClr val="tx1">
+              <a:lumMod val="50000"/>
+              <a:lumOff val="50000"/>
+            </a:schemeClr>
+          </a:solidFill>
+          <a:ln>
+            <a:solidFill>
+              <a:schemeClr val="tx1">
+                <a:lumMod val="85000"/>
+                <a:lumOff val="15000"/>
+              </a:schemeClr>
+            </a:solidFill>
+          </a:ln>
+        </p:spPr>
+        <p:style>
+          <a:lnRef idx="2">
+            <a:schemeClr val="accent3">
+              <a:shade val="50000"/>
+            </a:schemeClr>
+          </a:lnRef>
+          <a:fillRef idx="1">
+            <a:schemeClr val="accent3"/>
+          </a:fillRef>
+          <a:effectRef idx="0">
+            <a:schemeClr val="accent3"/>
+          </a:effectRef>
+          <a:fontRef idx="minor">
+            <a:schemeClr val="lt1"/>
+          </a:fontRef>
+        </p:style>
+        <p:txBody>
+          <a:bodyPr rot="0" spcFirstLastPara="0" vertOverflow="overflow" horzOverflow="overflow" vert="horz" wrap="square" lIns="91440" tIns="45720" rIns="91440" bIns="45720" numCol="1" spcCol="0" rtlCol="0" fromWordArt="0" anchor="ctr" anchorCtr="0" forceAA="0" compatLnSpc="1">
+            <a:prstTxWarp prst="textNoShape">
+              <a:avLst/>
+            </a:prstTxWarp>
+            <a:noAutofit/>
+          </a:bodyPr>
+          <a:lstStyle/>
+          <a:p>
+            <a:pPr algn="ctr"/>
+            <a:r>
+              <a:rPr lang="de-DE" sz="1200" dirty="0">
+                <a:ln w="0"/>
+                <a:solidFill>
+                  <a:schemeClr val="tx1">
+                    <a:lumMod val="85000"/>
+                    <a:lumOff val="15000"/>
+                  </a:schemeClr>
+                </a:solidFill>
+                <a:effectLst>
+                  <a:outerShdw blurRad="38100" dist="25400" dir="5400000" algn="ctr" rotWithShape="0">
+                    <a:srgbClr val="6E747A">
+                      <a:alpha val="43000"/>
+                    </a:srgbClr>
+                  </a:outerShdw>
+                </a:effectLst>
+                <a:latin typeface="Arial" panose="020B0604020202020204" pitchFamily="34" charset="0"/>
+                <a:cs typeface="Arial" panose="020B0604020202020204" pitchFamily="34" charset="0"/>
+              </a:rPr>
+              <a:t>Arbeitsverzeichnis</a:t>
+            </a:r>
+          </a:p>
+        </p:txBody>
+      </p:sp>
     </p:spTree>
     <p:extLst>
       <p:ext uri="{BB962C8B-B14F-4D97-AF65-F5344CB8AC3E}">
@@ -5687,134 +5693,6 @@
           </a:p>
         </p:txBody>
       </p:sp>
-      <p:sp>
-        <p:nvSpPr>
-          <p:cNvPr id="6" name="Textfeld 5">
-            <a:extLst>
-              <a:ext uri="{FF2B5EF4-FFF2-40B4-BE49-F238E27FC236}">
-                <a16:creationId xmlns:a16="http://schemas.microsoft.com/office/drawing/2014/main" id="{FB76E76E-E90D-445A-93A5-D8122915C4D5}"/>
-              </a:ext>
-            </a:extLst>
-          </p:cNvPr>
-          <p:cNvSpPr txBox="1"/>
-          <p:nvPr/>
-        </p:nvSpPr>
-        <p:spPr>
-          <a:xfrm>
-            <a:off x="3728907" y="6123208"/>
-            <a:ext cx="1392572" cy="276999"/>
-          </a:xfrm>
-          <a:prstGeom prst="rect">
-            <a:avLst/>
-          </a:prstGeom>
-          <a:noFill/>
-        </p:spPr>
-        <p:txBody>
-          <a:bodyPr wrap="square" rtlCol="0">
-            <a:spAutoFit/>
-          </a:bodyPr>
-          <a:lstStyle/>
-          <a:p>
-            <a:pPr algn="ctr"/>
-            <a:r>
-              <a:rPr lang="de-DE" sz="1200" dirty="0"/>
-              <a:t>Arbeitsverzeichnis</a:t>
-            </a:r>
-          </a:p>
-        </p:txBody>
-      </p:sp>
-      <p:sp>
-        <p:nvSpPr>
-          <p:cNvPr id="7" name="Rechteck 6">
-            <a:extLst>
-              <a:ext uri="{FF2B5EF4-FFF2-40B4-BE49-F238E27FC236}">
-                <a16:creationId xmlns:a16="http://schemas.microsoft.com/office/drawing/2014/main" id="{5679A84F-A013-4B50-958E-DA5D3EBB67AA}"/>
-              </a:ext>
-            </a:extLst>
-          </p:cNvPr>
-          <p:cNvSpPr/>
-          <p:nvPr/>
-        </p:nvSpPr>
-        <p:spPr>
-          <a:xfrm>
-            <a:off x="3858936" y="4571489"/>
-            <a:ext cx="1132514" cy="495388"/>
-          </a:xfrm>
-          <a:prstGeom prst="rect">
-            <a:avLst/>
-          </a:prstGeom>
-          <a:solidFill>
-            <a:schemeClr val="accent2">
-              <a:lumMod val="75000"/>
-            </a:schemeClr>
-          </a:solidFill>
-          <a:ln>
-            <a:solidFill>
-              <a:schemeClr val="bg1"/>
-            </a:solidFill>
-          </a:ln>
-        </p:spPr>
-        <p:style>
-          <a:lnRef idx="2">
-            <a:schemeClr val="accent1">
-              <a:shade val="50000"/>
-            </a:schemeClr>
-          </a:lnRef>
-          <a:fillRef idx="1">
-            <a:schemeClr val="accent1"/>
-          </a:fillRef>
-          <a:effectRef idx="0">
-            <a:schemeClr val="accent1"/>
-          </a:effectRef>
-          <a:fontRef idx="minor">
-            <a:schemeClr val="lt1"/>
-          </a:fontRef>
-        </p:style>
-        <p:txBody>
-          <a:bodyPr rtlCol="0" anchor="ctr"/>
-          <a:lstStyle/>
-          <a:p>
-            <a:pPr algn="ctr"/>
-            <a:endParaRPr lang="de-DE"/>
-          </a:p>
-        </p:txBody>
-      </p:sp>
-      <p:sp>
-        <p:nvSpPr>
-          <p:cNvPr id="8" name="Textfeld 7">
-            <a:extLst>
-              <a:ext uri="{FF2B5EF4-FFF2-40B4-BE49-F238E27FC236}">
-                <a16:creationId xmlns:a16="http://schemas.microsoft.com/office/drawing/2014/main" id="{3662A8CF-69C5-4444-BBA6-ACAC5E14E1BF}"/>
-              </a:ext>
-            </a:extLst>
-          </p:cNvPr>
-          <p:cNvSpPr txBox="1"/>
-          <p:nvPr/>
-        </p:nvSpPr>
-        <p:spPr>
-          <a:xfrm>
-            <a:off x="3728907" y="5022275"/>
-            <a:ext cx="1392572" cy="276999"/>
-          </a:xfrm>
-          <a:prstGeom prst="rect">
-            <a:avLst/>
-          </a:prstGeom>
-          <a:noFill/>
-        </p:spPr>
-        <p:txBody>
-          <a:bodyPr wrap="square" rtlCol="0">
-            <a:spAutoFit/>
-          </a:bodyPr>
-          <a:lstStyle/>
-          <a:p>
-            <a:pPr algn="ctr"/>
-            <a:r>
-              <a:rPr lang="de-DE" sz="1200" dirty="0"/>
-              <a:t>Zwischenspeicher</a:t>
-            </a:r>
-          </a:p>
-        </p:txBody>
-      </p:sp>
       <p:cxnSp>
         <p:nvCxnSpPr>
           <p:cNvPr id="11" name="Verbinder: gewinkelt 10">
@@ -5826,14 +5704,15 @@
           </p:cNvPr>
           <p:cNvCxnSpPr>
             <a:cxnSpLocks/>
-            <a:endCxn id="7" idx="1"/>
+            <a:stCxn id="16" idx="1"/>
+            <a:endCxn id="17" idx="1"/>
           </p:cNvCxnSpPr>
           <p:nvPr/>
         </p:nvCxnSpPr>
         <p:spPr>
           <a:xfrm rot="10800000">
-            <a:off x="3858936" y="4819184"/>
-            <a:ext cx="12700" cy="1080781"/>
+            <a:off x="3801292" y="4851541"/>
+            <a:ext cx="12700" cy="923731"/>
           </a:xfrm>
           <a:prstGeom prst="bentConnector3">
             <a:avLst>
@@ -5870,14 +5749,15 @@
           </p:cNvPr>
           <p:cNvCxnSpPr>
             <a:cxnSpLocks/>
-            <a:stCxn id="7" idx="3"/>
+            <a:stCxn id="17" idx="3"/>
+            <a:endCxn id="16" idx="3"/>
           </p:cNvCxnSpPr>
           <p:nvPr/>
         </p:nvCxnSpPr>
         <p:spPr>
           <a:xfrm>
-            <a:off x="4991450" y="4819183"/>
-            <a:ext cx="12700" cy="1080781"/>
+            <a:off x="5391390" y="4851540"/>
+            <a:ext cx="12700" cy="923731"/>
           </a:xfrm>
           <a:prstGeom prst="bentConnector3">
             <a:avLst>
@@ -5917,7 +5797,7 @@
         </p:nvSpPr>
         <p:spPr>
           <a:xfrm>
-            <a:off x="2234649" y="5221072"/>
+            <a:off x="2182861" y="5178081"/>
             <a:ext cx="1392572" cy="276999"/>
           </a:xfrm>
           <a:prstGeom prst="rect">
@@ -5962,7 +5842,7 @@
         </p:nvSpPr>
         <p:spPr>
           <a:xfrm>
-            <a:off x="5235864" y="5128740"/>
+            <a:off x="5621758" y="5044850"/>
             <a:ext cx="1392572" cy="461665"/>
           </a:xfrm>
           <a:prstGeom prst="rect">
@@ -6007,35 +5887,162 @@
           </a:p>
         </p:txBody>
       </p:sp>
-      <p:pic>
-        <p:nvPicPr>
-          <p:cNvPr id="12" name="Grafik 11">
-            <a:extLst>
-              <a:ext uri="{FF2B5EF4-FFF2-40B4-BE49-F238E27FC236}">
-                <a16:creationId xmlns:a16="http://schemas.microsoft.com/office/drawing/2014/main" id="{F8453539-255B-4DCE-9EE0-78A5885796CA}"/>
-              </a:ext>
-            </a:extLst>
-          </p:cNvPr>
-          <p:cNvPicPr>
-            <a:picLocks noChangeAspect="1"/>
-          </p:cNvPicPr>
+      <p:sp>
+        <p:nvSpPr>
+          <p:cNvPr id="16" name="Rechteck: abgerundete Ecken 15">
+            <a:extLst>
+              <a:ext uri="{FF2B5EF4-FFF2-40B4-BE49-F238E27FC236}">
+                <a16:creationId xmlns:a16="http://schemas.microsoft.com/office/drawing/2014/main" id="{4F40C590-0111-4E7D-B174-FC17110701C7}"/>
+              </a:ext>
+            </a:extLst>
+          </p:cNvPr>
+          <p:cNvSpPr/>
           <p:nvPr/>
-        </p:nvPicPr>
-        <p:blipFill rotWithShape="1">
-          <a:blip r:embed="rId2"/>
-          <a:srcRect l="5624" r="5147" b="11043"/>
-          <a:stretch/>
-        </p:blipFill>
+        </p:nvSpPr>
         <p:spPr>
           <a:xfrm>
-            <a:off x="3914531" y="5320952"/>
-            <a:ext cx="1089619" cy="855856"/>
+            <a:off x="3801292" y="5498071"/>
+            <a:ext cx="1590098" cy="554400"/>
           </a:xfrm>
-          <a:prstGeom prst="rect">
+          <a:prstGeom prst="roundRect">
             <a:avLst/>
           </a:prstGeom>
+          <a:solidFill>
+            <a:schemeClr val="tx1">
+              <a:lumMod val="50000"/>
+              <a:lumOff val="50000"/>
+            </a:schemeClr>
+          </a:solidFill>
+          <a:ln>
+            <a:solidFill>
+              <a:schemeClr val="tx1">
+                <a:lumMod val="85000"/>
+                <a:lumOff val="15000"/>
+              </a:schemeClr>
+            </a:solidFill>
+          </a:ln>
         </p:spPr>
-      </p:pic>
+        <p:style>
+          <a:lnRef idx="2">
+            <a:schemeClr val="accent3">
+              <a:shade val="50000"/>
+            </a:schemeClr>
+          </a:lnRef>
+          <a:fillRef idx="1">
+            <a:schemeClr val="accent3"/>
+          </a:fillRef>
+          <a:effectRef idx="0">
+            <a:schemeClr val="accent3"/>
+          </a:effectRef>
+          <a:fontRef idx="minor">
+            <a:schemeClr val="lt1"/>
+          </a:fontRef>
+        </p:style>
+        <p:txBody>
+          <a:bodyPr rot="0" spcFirstLastPara="0" vertOverflow="overflow" horzOverflow="overflow" vert="horz" wrap="square" lIns="91440" tIns="45720" rIns="91440" bIns="45720" numCol="1" spcCol="0" rtlCol="0" fromWordArt="0" anchor="ctr" anchorCtr="0" forceAA="0" compatLnSpc="1">
+            <a:prstTxWarp prst="textNoShape">
+              <a:avLst/>
+            </a:prstTxWarp>
+            <a:noAutofit/>
+          </a:bodyPr>
+          <a:lstStyle/>
+          <a:p>
+            <a:pPr algn="ctr"/>
+            <a:r>
+              <a:rPr lang="de-DE" sz="1200" dirty="0">
+                <a:ln w="0"/>
+                <a:solidFill>
+                  <a:schemeClr val="tx1">
+                    <a:lumMod val="85000"/>
+                    <a:lumOff val="15000"/>
+                  </a:schemeClr>
+                </a:solidFill>
+                <a:effectLst>
+                  <a:outerShdw blurRad="38100" dist="25400" dir="5400000" algn="ctr" rotWithShape="0">
+                    <a:srgbClr val="6E747A">
+                      <a:alpha val="43000"/>
+                    </a:srgbClr>
+                  </a:outerShdw>
+                </a:effectLst>
+                <a:latin typeface="Arial" panose="020B0604020202020204" pitchFamily="34" charset="0"/>
+                <a:cs typeface="Arial" panose="020B0604020202020204" pitchFamily="34" charset="0"/>
+              </a:rPr>
+              <a:t>Arbeitsverzeichnis</a:t>
+            </a:r>
+          </a:p>
+        </p:txBody>
+      </p:sp>
+      <p:sp>
+        <p:nvSpPr>
+          <p:cNvPr id="17" name="Rechteck: abgerundete Ecken 16">
+            <a:extLst>
+              <a:ext uri="{FF2B5EF4-FFF2-40B4-BE49-F238E27FC236}">
+                <a16:creationId xmlns:a16="http://schemas.microsoft.com/office/drawing/2014/main" id="{9F042A43-C253-4EEF-B590-3508FD1DF447}"/>
+              </a:ext>
+            </a:extLst>
+          </p:cNvPr>
+          <p:cNvSpPr/>
+          <p:nvPr/>
+        </p:nvSpPr>
+        <p:spPr>
+          <a:xfrm>
+            <a:off x="3801292" y="4574340"/>
+            <a:ext cx="1590098" cy="554400"/>
+          </a:xfrm>
+          <a:prstGeom prst="roundRect">
+            <a:avLst/>
+          </a:prstGeom>
+          <a:ln/>
+        </p:spPr>
+        <p:style>
+          <a:lnRef idx="2">
+            <a:schemeClr val="accent2">
+              <a:shade val="50000"/>
+            </a:schemeClr>
+          </a:lnRef>
+          <a:fillRef idx="1">
+            <a:schemeClr val="accent2"/>
+          </a:fillRef>
+          <a:effectRef idx="0">
+            <a:schemeClr val="accent2"/>
+          </a:effectRef>
+          <a:fontRef idx="minor">
+            <a:schemeClr val="lt1"/>
+          </a:fontRef>
+        </p:style>
+        <p:txBody>
+          <a:bodyPr rot="0" spcFirstLastPara="0" vertOverflow="overflow" horzOverflow="overflow" vert="horz" wrap="square" lIns="91440" tIns="45720" rIns="91440" bIns="45720" numCol="1" spcCol="0" rtlCol="0" fromWordArt="0" anchor="ctr" anchorCtr="0" forceAA="0" compatLnSpc="1">
+            <a:prstTxWarp prst="textNoShape">
+              <a:avLst/>
+            </a:prstTxWarp>
+            <a:noAutofit/>
+          </a:bodyPr>
+          <a:lstStyle/>
+          <a:p>
+            <a:pPr algn="ctr"/>
+            <a:r>
+              <a:rPr lang="de-DE" sz="1200" dirty="0">
+                <a:ln w="0"/>
+                <a:solidFill>
+                  <a:schemeClr val="accent2">
+                    <a:lumMod val="50000"/>
+                  </a:schemeClr>
+                </a:solidFill>
+                <a:effectLst>
+                  <a:outerShdw blurRad="38100" dist="25400" dir="5400000" algn="ctr" rotWithShape="0">
+                    <a:srgbClr val="6E747A">
+                      <a:alpha val="43000"/>
+                    </a:srgbClr>
+                  </a:outerShdw>
+                </a:effectLst>
+                <a:latin typeface="Arial" panose="020B0604020202020204" pitchFamily="34" charset="0"/>
+                <a:cs typeface="Arial" panose="020B0604020202020204" pitchFamily="34" charset="0"/>
+              </a:rPr>
+              <a:t>Arbeitsverzeichnis</a:t>
+            </a:r>
+          </a:p>
+        </p:txBody>
+      </p:sp>
     </p:spTree>
     <p:extLst>
       <p:ext uri="{BB962C8B-B14F-4D97-AF65-F5344CB8AC3E}">
@@ -6476,7 +6483,12 @@
             <p:ph idx="13"/>
           </p:nvPr>
         </p:nvSpPr>
-        <p:spPr/>
+        <p:spPr>
+          <a:xfrm>
+            <a:off x="1011836" y="1245328"/>
+            <a:ext cx="7169010" cy="4931635"/>
+          </a:xfrm>
+        </p:spPr>
         <p:txBody>
           <a:bodyPr>
             <a:normAutofit fontScale="77500" lnSpcReduction="20000"/>
@@ -6680,22 +6692,22 @@
             </a:pPr>
             <a:r>
               <a:rPr lang="de-DE" dirty="0"/>
-              <a:t>    (fast-forward)</a:t>
-            </a:r>
-          </a:p>
-          <a:p>
-            <a:pPr marL="457200" lvl="1" indent="0">
+              <a:t>    (fast-forward)		</a:t>
+            </a:r>
+          </a:p>
+          <a:p>
+            <a:r>
+              <a:rPr lang="de-DE" dirty="0"/>
+              <a:t>Abbruch der Zusammenführung mit: </a:t>
+            </a:r>
+          </a:p>
+          <a:p>
+            <a:pPr marL="0" indent="0">
               <a:buNone/>
             </a:pPr>
             <a:r>
-              <a:rPr lang="de-DE" dirty="0"/>
-              <a:t>		</a:t>
-            </a:r>
-          </a:p>
-          <a:p>
-            <a:r>
-              <a:rPr lang="de-DE" dirty="0"/>
-              <a:t>Abbruch der Zusammenführung mit: </a:t>
+              <a:rPr lang="de-DE" b="1" i="1" dirty="0"/>
+              <a:t>    </a:t>
             </a:r>
             <a:r>
               <a:rPr lang="de-DE" b="1" i="1" dirty="0" err="1"/>
@@ -6780,10 +6792,10 @@
       </p:sp>
       <p:grpSp>
         <p:nvGrpSpPr>
-          <p:cNvPr id="40" name="Gruppieren 39">
-            <a:extLst>
-              <a:ext uri="{FF2B5EF4-FFF2-40B4-BE49-F238E27FC236}">
-                <a16:creationId xmlns:a16="http://schemas.microsoft.com/office/drawing/2014/main" id="{6CAC6D7C-9BFF-47C0-89E0-C748588D6FEB}"/>
+          <p:cNvPr id="37" name="Gruppieren 36">
+            <a:extLst>
+              <a:ext uri="{FF2B5EF4-FFF2-40B4-BE49-F238E27FC236}">
+                <a16:creationId xmlns:a16="http://schemas.microsoft.com/office/drawing/2014/main" id="{4534A0ED-0302-42C0-A1A1-0C39C707AEDB}"/>
               </a:ext>
             </a:extLst>
           </p:cNvPr>
@@ -6792,18 +6804,18 @@
         </p:nvGrpSpPr>
         <p:grpSpPr>
           <a:xfrm>
-            <a:off x="6346365" y="1118984"/>
+            <a:off x="5736085" y="1467535"/>
             <a:ext cx="2889914" cy="4620032"/>
-            <a:chOff x="8058816" y="1059784"/>
+            <a:chOff x="8058816" y="1047474"/>
             <a:chExt cx="2889914" cy="4620032"/>
           </a:xfrm>
         </p:grpSpPr>
         <p:pic>
           <p:nvPicPr>
-            <p:cNvPr id="41" name="Grafik 40">
+            <p:cNvPr id="38" name="Grafik 37">
               <a:extLst>
                 <a:ext uri="{FF2B5EF4-FFF2-40B4-BE49-F238E27FC236}">
-                  <a16:creationId xmlns:a16="http://schemas.microsoft.com/office/drawing/2014/main" id="{E1FD78A2-7F75-4F6C-B137-3FBF76989840}"/>
+                  <a16:creationId xmlns:a16="http://schemas.microsoft.com/office/drawing/2014/main" id="{212D8DAA-323C-43D3-BFF7-6FAF2828F833}"/>
                 </a:ext>
               </a:extLst>
             </p:cNvPr>
@@ -6819,7 +6831,7 @@
           </p:blipFill>
           <p:spPr>
             <a:xfrm rot="5400000">
-              <a:off x="6911221" y="2265526"/>
+              <a:off x="6912193" y="2253216"/>
               <a:ext cx="4620032" cy="2208548"/>
             </a:xfrm>
             <a:prstGeom prst="rect">
@@ -6829,10 +6841,10 @@
         </p:pic>
         <p:grpSp>
           <p:nvGrpSpPr>
-            <p:cNvPr id="42" name="Gruppieren 41">
+            <p:cNvPr id="39" name="Gruppieren 38">
               <a:extLst>
                 <a:ext uri="{FF2B5EF4-FFF2-40B4-BE49-F238E27FC236}">
-                  <a16:creationId xmlns:a16="http://schemas.microsoft.com/office/drawing/2014/main" id="{E864A8D3-670B-4A03-944C-3E2F31FAF56A}"/>
+                  <a16:creationId xmlns:a16="http://schemas.microsoft.com/office/drawing/2014/main" id="{E34E67FC-4D5D-449E-BEC5-1293C66B9242}"/>
                 </a:ext>
               </a:extLst>
             </p:cNvPr>
@@ -6849,10 +6861,10 @@
           </p:grpSpPr>
           <p:sp>
             <p:nvSpPr>
-              <p:cNvPr id="47" name="Ellipse 46">
+              <p:cNvPr id="55" name="Ellipse 54">
                 <a:extLst>
                   <a:ext uri="{FF2B5EF4-FFF2-40B4-BE49-F238E27FC236}">
-                    <a16:creationId xmlns:a16="http://schemas.microsoft.com/office/drawing/2014/main" id="{2C285242-D65F-4E36-8A01-2AB4E7C87509}"/>
+                    <a16:creationId xmlns:a16="http://schemas.microsoft.com/office/drawing/2014/main" id="{C2203E1F-2AE1-4FB8-9FE5-463129805B47}"/>
                   </a:ext>
                 </a:extLst>
               </p:cNvPr>
@@ -6898,10 +6910,10 @@
           </p:sp>
           <p:sp>
             <p:nvSpPr>
-              <p:cNvPr id="48" name="Ellipse 47">
+              <p:cNvPr id="56" name="Ellipse 55">
                 <a:extLst>
                   <a:ext uri="{FF2B5EF4-FFF2-40B4-BE49-F238E27FC236}">
-                    <a16:creationId xmlns:a16="http://schemas.microsoft.com/office/drawing/2014/main" id="{44A19DE9-49F8-44F0-BBCD-8FEF621CB863}"/>
+                    <a16:creationId xmlns:a16="http://schemas.microsoft.com/office/drawing/2014/main" id="{EA4C3134-52BE-44F4-9577-E7BCFC3DF495}"/>
                   </a:ext>
                 </a:extLst>
               </p:cNvPr>
@@ -6947,10 +6959,10 @@
           </p:sp>
           <p:sp>
             <p:nvSpPr>
-              <p:cNvPr id="49" name="Ellipse 48">
+              <p:cNvPr id="57" name="Ellipse 56">
                 <a:extLst>
                   <a:ext uri="{FF2B5EF4-FFF2-40B4-BE49-F238E27FC236}">
-                    <a16:creationId xmlns:a16="http://schemas.microsoft.com/office/drawing/2014/main" id="{3C07F46C-F0E2-4C87-997B-388D0964F434}"/>
+                    <a16:creationId xmlns:a16="http://schemas.microsoft.com/office/drawing/2014/main" id="{6B46E96D-4013-4650-AF62-43A05662E917}"/>
                   </a:ext>
                 </a:extLst>
               </p:cNvPr>
@@ -6996,10 +7008,10 @@
           </p:sp>
           <p:sp>
             <p:nvSpPr>
-              <p:cNvPr id="50" name="Ellipse 49">
+              <p:cNvPr id="58" name="Ellipse 57">
                 <a:extLst>
                   <a:ext uri="{FF2B5EF4-FFF2-40B4-BE49-F238E27FC236}">
-                    <a16:creationId xmlns:a16="http://schemas.microsoft.com/office/drawing/2014/main" id="{BE157088-7385-4268-9A03-180F566BFFA7}"/>
+                    <a16:creationId xmlns:a16="http://schemas.microsoft.com/office/drawing/2014/main" id="{8D858B8A-CC42-4D1F-999F-8DB75C125D0C}"/>
                   </a:ext>
                 </a:extLst>
               </p:cNvPr>
@@ -7046,10 +7058,10 @@
         </p:grpSp>
         <p:sp>
           <p:nvSpPr>
-            <p:cNvPr id="43" name="Textfeld 42">
+            <p:cNvPr id="51" name="Textfeld 50">
               <a:extLst>
                 <a:ext uri="{FF2B5EF4-FFF2-40B4-BE49-F238E27FC236}">
-                  <a16:creationId xmlns:a16="http://schemas.microsoft.com/office/drawing/2014/main" id="{62185586-F505-4827-8C54-5825907D8B75}"/>
+                  <a16:creationId xmlns:a16="http://schemas.microsoft.com/office/drawing/2014/main" id="{A6DCB6E1-0166-4980-B06A-593B88DDCA52}"/>
                 </a:ext>
               </a:extLst>
             </p:cNvPr>
@@ -7081,10 +7093,10 @@
         </p:sp>
         <p:sp>
           <p:nvSpPr>
-            <p:cNvPr id="44" name="Textfeld 43">
+            <p:cNvPr id="52" name="Textfeld 51">
               <a:extLst>
                 <a:ext uri="{FF2B5EF4-FFF2-40B4-BE49-F238E27FC236}">
-                  <a16:creationId xmlns:a16="http://schemas.microsoft.com/office/drawing/2014/main" id="{19F3E58F-E042-4716-AB6D-ACA06C8FF876}"/>
+                  <a16:creationId xmlns:a16="http://schemas.microsoft.com/office/drawing/2014/main" id="{1DB1E28E-E12D-4E87-B707-EF4F8EEE8077}"/>
                 </a:ext>
               </a:extLst>
             </p:cNvPr>
@@ -7116,10 +7128,10 @@
         </p:sp>
         <p:sp>
           <p:nvSpPr>
-            <p:cNvPr id="45" name="Textfeld 44">
+            <p:cNvPr id="53" name="Textfeld 52">
               <a:extLst>
                 <a:ext uri="{FF2B5EF4-FFF2-40B4-BE49-F238E27FC236}">
-                  <a16:creationId xmlns:a16="http://schemas.microsoft.com/office/drawing/2014/main" id="{2BE4DFC3-C15A-42AC-A6DC-7D2AE854789E}"/>
+                  <a16:creationId xmlns:a16="http://schemas.microsoft.com/office/drawing/2014/main" id="{5030D7CD-7E47-47B0-BBBE-9210CD451BF9}"/>
                 </a:ext>
               </a:extLst>
             </p:cNvPr>
@@ -7151,10 +7163,10 @@
         </p:sp>
         <p:sp>
           <p:nvSpPr>
-            <p:cNvPr id="46" name="Textfeld 45">
+            <p:cNvPr id="54" name="Textfeld 53">
               <a:extLst>
                 <a:ext uri="{FF2B5EF4-FFF2-40B4-BE49-F238E27FC236}">
-                  <a16:creationId xmlns:a16="http://schemas.microsoft.com/office/drawing/2014/main" id="{D2877EEB-4A98-4E7E-864D-21961D07B01F}"/>
+                  <a16:creationId xmlns:a16="http://schemas.microsoft.com/office/drawing/2014/main" id="{3133CAF9-C0FA-411D-AA19-E22F19E4EB41}"/>
                 </a:ext>
               </a:extLst>
             </p:cNvPr>
@@ -7185,6 +7197,82 @@
           </p:txBody>
         </p:sp>
       </p:grpSp>
+      <p:cxnSp>
+        <p:nvCxnSpPr>
+          <p:cNvPr id="59" name="Gerade Verbindung mit Pfeil 58">
+            <a:extLst>
+              <a:ext uri="{FF2B5EF4-FFF2-40B4-BE49-F238E27FC236}">
+                <a16:creationId xmlns:a16="http://schemas.microsoft.com/office/drawing/2014/main" id="{CE0F926E-D370-4BBA-80BA-08CE9D7E6947}"/>
+              </a:ext>
+            </a:extLst>
+          </p:cNvPr>
+          <p:cNvCxnSpPr>
+            <a:cxnSpLocks/>
+          </p:cNvCxnSpPr>
+          <p:nvPr/>
+        </p:nvCxnSpPr>
+        <p:spPr>
+          <a:xfrm>
+            <a:off x="8483920" y="1569990"/>
+            <a:ext cx="0" cy="4390895"/>
+          </a:xfrm>
+          <a:prstGeom prst="straightConnector1">
+            <a:avLst/>
+          </a:prstGeom>
+          <a:ln>
+            <a:tailEnd type="triangle"/>
+          </a:ln>
+        </p:spPr>
+        <p:style>
+          <a:lnRef idx="3">
+            <a:schemeClr val="dk1"/>
+          </a:lnRef>
+          <a:fillRef idx="0">
+            <a:schemeClr val="dk1"/>
+          </a:fillRef>
+          <a:effectRef idx="2">
+            <a:schemeClr val="dk1"/>
+          </a:effectRef>
+          <a:fontRef idx="minor">
+            <a:schemeClr val="tx1"/>
+          </a:fontRef>
+        </p:style>
+      </p:cxnSp>
+      <p:sp>
+        <p:nvSpPr>
+          <p:cNvPr id="60" name="Textfeld 59">
+            <a:extLst>
+              <a:ext uri="{FF2B5EF4-FFF2-40B4-BE49-F238E27FC236}">
+                <a16:creationId xmlns:a16="http://schemas.microsoft.com/office/drawing/2014/main" id="{C4F9628D-1FE6-4E57-8A13-57B65E628999}"/>
+              </a:ext>
+            </a:extLst>
+          </p:cNvPr>
+          <p:cNvSpPr txBox="1"/>
+          <p:nvPr/>
+        </p:nvSpPr>
+        <p:spPr>
+          <a:xfrm>
+            <a:off x="7601333" y="1196490"/>
+            <a:ext cx="1110826" cy="646331"/>
+          </a:xfrm>
+          <a:prstGeom prst="rect">
+            <a:avLst/>
+          </a:prstGeom>
+          <a:noFill/>
+        </p:spPr>
+        <p:txBody>
+          <a:bodyPr wrap="square" rtlCol="0">
+            <a:spAutoFit/>
+          </a:bodyPr>
+          <a:lstStyle/>
+          <a:p>
+            <a:r>
+              <a:rPr lang="de-DE" dirty="0"/>
+              <a:t>Zeitlicher Verlauf</a:t>
+            </a:r>
+          </a:p>
+        </p:txBody>
+      </p:sp>
     </p:spTree>
     <p:extLst>
       <p:ext uri="{BB962C8B-B14F-4D97-AF65-F5344CB8AC3E}">
@@ -8463,7 +8551,7 @@
         </p:nvGrpSpPr>
         <p:grpSpPr>
           <a:xfrm>
-            <a:off x="5652195" y="1467535"/>
+            <a:off x="5736085" y="1467535"/>
             <a:ext cx="2889914" cy="4620032"/>
             <a:chOff x="8058816" y="1047474"/>
             <a:chExt cx="2889914" cy="4620032"/>
@@ -8872,7 +8960,7 @@
         </p:nvCxnSpPr>
         <p:spPr>
           <a:xfrm>
-            <a:off x="8400030" y="1569990"/>
+            <a:off x="8483920" y="1569990"/>
             <a:ext cx="0" cy="4390895"/>
           </a:xfrm>
           <a:prstGeom prst="straightConnector1">
@@ -8911,7 +8999,7 @@
         </p:nvSpPr>
         <p:spPr>
           <a:xfrm>
-            <a:off x="7425164" y="1246824"/>
+            <a:off x="7601333" y="1196490"/>
             <a:ext cx="1110826" cy="646331"/>
           </a:xfrm>
           <a:prstGeom prst="rect">
@@ -9891,114 +9979,6 @@
           </a:p>
         </p:txBody>
       </p:sp>
-      <p:sp>
-        <p:nvSpPr>
-          <p:cNvPr id="9" name="Textfeld 8">
-            <a:extLst>
-              <a:ext uri="{FF2B5EF4-FFF2-40B4-BE49-F238E27FC236}">
-                <a16:creationId xmlns:a16="http://schemas.microsoft.com/office/drawing/2014/main" id="{BE1003E0-1D5E-4E90-B370-787FD4FD146E}"/>
-              </a:ext>
-            </a:extLst>
-          </p:cNvPr>
-          <p:cNvSpPr txBox="1"/>
-          <p:nvPr/>
-        </p:nvSpPr>
-        <p:spPr>
-          <a:xfrm>
-            <a:off x="6367933" y="4201784"/>
-            <a:ext cx="1392572" cy="276999"/>
-          </a:xfrm>
-          <a:prstGeom prst="rect">
-            <a:avLst/>
-          </a:prstGeom>
-          <a:noFill/>
-        </p:spPr>
-        <p:txBody>
-          <a:bodyPr wrap="square" rtlCol="0">
-            <a:spAutoFit/>
-          </a:bodyPr>
-          <a:lstStyle/>
-          <a:p>
-            <a:pPr algn="ctr"/>
-            <a:r>
-              <a:rPr lang="de-DE" sz="1200" dirty="0"/>
-              <a:t>Arbeitsverzeichnis</a:t>
-            </a:r>
-          </a:p>
-        </p:txBody>
-      </p:sp>
-      <p:sp>
-        <p:nvSpPr>
-          <p:cNvPr id="10" name="Textfeld 9">
-            <a:extLst>
-              <a:ext uri="{FF2B5EF4-FFF2-40B4-BE49-F238E27FC236}">
-                <a16:creationId xmlns:a16="http://schemas.microsoft.com/office/drawing/2014/main" id="{54C24EA1-406B-4BA3-BDD8-B7FD0F0A3713}"/>
-              </a:ext>
-            </a:extLst>
-          </p:cNvPr>
-          <p:cNvSpPr txBox="1"/>
-          <p:nvPr/>
-        </p:nvSpPr>
-        <p:spPr>
-          <a:xfrm>
-            <a:off x="3681840" y="4201783"/>
-            <a:ext cx="1392572" cy="276999"/>
-          </a:xfrm>
-          <a:prstGeom prst="rect">
-            <a:avLst/>
-          </a:prstGeom>
-          <a:noFill/>
-        </p:spPr>
-        <p:txBody>
-          <a:bodyPr wrap="square" rtlCol="0">
-            <a:spAutoFit/>
-          </a:bodyPr>
-          <a:lstStyle/>
-          <a:p>
-            <a:pPr algn="ctr"/>
-            <a:r>
-              <a:rPr lang="de-DE" sz="1200" dirty="0"/>
-              <a:t>Projektarchiv</a:t>
-            </a:r>
-          </a:p>
-        </p:txBody>
-      </p:sp>
-      <p:sp>
-        <p:nvSpPr>
-          <p:cNvPr id="11" name="Textfeld 10">
-            <a:extLst>
-              <a:ext uri="{FF2B5EF4-FFF2-40B4-BE49-F238E27FC236}">
-                <a16:creationId xmlns:a16="http://schemas.microsoft.com/office/drawing/2014/main" id="{342E011D-7334-4EF0-8740-01A35F2781A9}"/>
-              </a:ext>
-            </a:extLst>
-          </p:cNvPr>
-          <p:cNvSpPr txBox="1"/>
-          <p:nvPr/>
-        </p:nvSpPr>
-        <p:spPr>
-          <a:xfrm>
-            <a:off x="963154" y="4201783"/>
-            <a:ext cx="1392572" cy="276999"/>
-          </a:xfrm>
-          <a:prstGeom prst="rect">
-            <a:avLst/>
-          </a:prstGeom>
-          <a:noFill/>
-        </p:spPr>
-        <p:txBody>
-          <a:bodyPr wrap="square" rtlCol="0">
-            <a:spAutoFit/>
-          </a:bodyPr>
-          <a:lstStyle/>
-          <a:p>
-            <a:pPr algn="ctr"/>
-            <a:r>
-              <a:rPr lang="de-DE" sz="1200" dirty="0"/>
-              <a:t>Referenzarchiv</a:t>
-            </a:r>
-          </a:p>
-        </p:txBody>
-      </p:sp>
       <p:cxnSp>
         <p:nvCxnSpPr>
           <p:cNvPr id="12" name="Verbinder: gewinkelt 11">
@@ -10015,12 +9995,12 @@
         </p:nvCxnSpPr>
         <p:spPr>
           <a:xfrm rot="16200000" flipH="1">
-            <a:off x="4378126" y="2472636"/>
-            <a:ext cx="12700" cy="5372186"/>
+            <a:off x="4544171" y="2354701"/>
+            <a:ext cx="9952" cy="5580787"/>
           </a:xfrm>
           <a:prstGeom prst="bentConnector3">
             <a:avLst>
-              <a:gd name="adj1" fmla="val 1800000"/>
+              <a:gd name="adj1" fmla="val 2228436"/>
             </a:avLst>
           </a:prstGeom>
           <a:ln>
@@ -10082,12 +10062,97 @@
           </a:p>
         </p:txBody>
       </p:sp>
+      <p:sp>
+        <p:nvSpPr>
+          <p:cNvPr id="15" name="Textfeld 14">
+            <a:extLst>
+              <a:ext uri="{FF2B5EF4-FFF2-40B4-BE49-F238E27FC236}">
+                <a16:creationId xmlns:a16="http://schemas.microsoft.com/office/drawing/2014/main" id="{BF20C657-3382-463F-86CB-B5C410B978C3}"/>
+              </a:ext>
+            </a:extLst>
+          </p:cNvPr>
+          <p:cNvSpPr txBox="1"/>
+          <p:nvPr/>
+        </p:nvSpPr>
+        <p:spPr>
+          <a:xfrm>
+            <a:off x="2422905" y="4426387"/>
+            <a:ext cx="1392572" cy="276999"/>
+          </a:xfrm>
+          <a:prstGeom prst="rect">
+            <a:avLst/>
+          </a:prstGeom>
+          <a:noFill/>
+        </p:spPr>
+        <p:txBody>
+          <a:bodyPr wrap="square" rtlCol="0">
+            <a:spAutoFit/>
+          </a:bodyPr>
+          <a:lstStyle/>
+          <a:p>
+            <a:pPr algn="ctr"/>
+            <a:r>
+              <a:rPr lang="de-DE" sz="1200" dirty="0" err="1"/>
+              <a:t>git</a:t>
+            </a:r>
+            <a:r>
+              <a:rPr lang="de-DE" sz="1200" dirty="0"/>
+              <a:t> </a:t>
+            </a:r>
+            <a:r>
+              <a:rPr lang="de-DE" sz="1200" dirty="0" err="1"/>
+              <a:t>fetch</a:t>
+            </a:r>
+            <a:endParaRPr lang="de-DE" sz="1200" dirty="0"/>
+          </a:p>
+        </p:txBody>
+      </p:sp>
+      <p:sp>
+        <p:nvSpPr>
+          <p:cNvPr id="17" name="Textfeld 16">
+            <a:extLst>
+              <a:ext uri="{FF2B5EF4-FFF2-40B4-BE49-F238E27FC236}">
+                <a16:creationId xmlns:a16="http://schemas.microsoft.com/office/drawing/2014/main" id="{547A475A-4491-4305-BE2F-2C67EB35BB40}"/>
+              </a:ext>
+            </a:extLst>
+          </p:cNvPr>
+          <p:cNvSpPr txBox="1"/>
+          <p:nvPr/>
+        </p:nvSpPr>
+        <p:spPr>
+          <a:xfrm>
+            <a:off x="2446170" y="4908487"/>
+            <a:ext cx="1392572" cy="276999"/>
+          </a:xfrm>
+          <a:prstGeom prst="rect">
+            <a:avLst/>
+          </a:prstGeom>
+          <a:noFill/>
+        </p:spPr>
+        <p:txBody>
+          <a:bodyPr wrap="square" rtlCol="0">
+            <a:spAutoFit/>
+          </a:bodyPr>
+          <a:lstStyle/>
+          <a:p>
+            <a:pPr algn="ctr"/>
+            <a:r>
+              <a:rPr lang="de-DE" sz="1200" dirty="0" err="1"/>
+              <a:t>git</a:t>
+            </a:r>
+            <a:r>
+              <a:rPr lang="de-DE" sz="1200" dirty="0"/>
+              <a:t> push</a:t>
+            </a:r>
+          </a:p>
+        </p:txBody>
+      </p:sp>
       <p:cxnSp>
         <p:nvCxnSpPr>
-          <p:cNvPr id="14" name="Gerade Verbindung mit Pfeil 13">
-            <a:extLst>
-              <a:ext uri="{FF2B5EF4-FFF2-40B4-BE49-F238E27FC236}">
-                <a16:creationId xmlns:a16="http://schemas.microsoft.com/office/drawing/2014/main" id="{5F2A8F69-3EB0-4ABD-9E16-08FCBA84DD28}"/>
+          <p:cNvPr id="18" name="Gerade Verbindung mit Pfeil 17">
+            <a:extLst>
+              <a:ext uri="{FF2B5EF4-FFF2-40B4-BE49-F238E27FC236}">
+                <a16:creationId xmlns:a16="http://schemas.microsoft.com/office/drawing/2014/main" id="{C8A609E5-5593-44C8-9573-8D1E2E8C54DC}"/>
               </a:ext>
             </a:extLst>
           </p:cNvPr>
@@ -10098,8 +10163,8 @@
         </p:nvCxnSpPr>
         <p:spPr>
           <a:xfrm>
-            <a:off x="2258290" y="4688228"/>
-            <a:ext cx="1553579" cy="0"/>
+            <a:off x="5478010" y="4802626"/>
+            <a:ext cx="919154" cy="0"/>
           </a:xfrm>
           <a:prstGeom prst="straightConnector1">
             <a:avLst/>
@@ -10125,10 +10190,10 @@
       </p:cxnSp>
       <p:sp>
         <p:nvSpPr>
-          <p:cNvPr id="15" name="Textfeld 14">
-            <a:extLst>
-              <a:ext uri="{FF2B5EF4-FFF2-40B4-BE49-F238E27FC236}">
-                <a16:creationId xmlns:a16="http://schemas.microsoft.com/office/drawing/2014/main" id="{BF20C657-3382-463F-86CB-B5C410B978C3}"/>
+          <p:cNvPr id="19" name="Textfeld 18">
+            <a:extLst>
+              <a:ext uri="{FF2B5EF4-FFF2-40B4-BE49-F238E27FC236}">
+                <a16:creationId xmlns:a16="http://schemas.microsoft.com/office/drawing/2014/main" id="{7106E5B2-64F9-4881-A611-6517540A1383}"/>
               </a:ext>
             </a:extLst>
           </p:cNvPr>
@@ -10137,7 +10202,7 @@
         </p:nvSpPr>
         <p:spPr>
           <a:xfrm>
-            <a:off x="2338793" y="4410792"/>
+            <a:off x="5203634" y="4506834"/>
             <a:ext cx="1392572" cy="276999"/>
           </a:xfrm>
           <a:prstGeom prst="rect">
@@ -10162,28 +10227,261 @@
             </a:r>
             <a:r>
               <a:rPr lang="de-DE" sz="1200" dirty="0" err="1"/>
-              <a:t>fetch</a:t>
+              <a:t>merge</a:t>
             </a:r>
             <a:endParaRPr lang="de-DE" sz="1200" dirty="0"/>
+          </a:p>
+        </p:txBody>
+      </p:sp>
+      <p:sp>
+        <p:nvSpPr>
+          <p:cNvPr id="23" name="Rechteck: abgerundete Ecken 22">
+            <a:extLst>
+              <a:ext uri="{FF2B5EF4-FFF2-40B4-BE49-F238E27FC236}">
+                <a16:creationId xmlns:a16="http://schemas.microsoft.com/office/drawing/2014/main" id="{911A41B1-644A-401E-917D-1D068599CDB2}"/>
+              </a:ext>
+            </a:extLst>
+          </p:cNvPr>
+          <p:cNvSpPr/>
+          <p:nvPr/>
+        </p:nvSpPr>
+        <p:spPr>
+          <a:xfrm>
+            <a:off x="3730558" y="4506834"/>
+            <a:ext cx="1591200" cy="552837"/>
+          </a:xfrm>
+          <a:prstGeom prst="roundRect">
+            <a:avLst/>
+          </a:prstGeom>
+        </p:spPr>
+        <p:style>
+          <a:lnRef idx="2">
+            <a:schemeClr val="accent6">
+              <a:shade val="50000"/>
+            </a:schemeClr>
+          </a:lnRef>
+          <a:fillRef idx="1">
+            <a:schemeClr val="accent6"/>
+          </a:fillRef>
+          <a:effectRef idx="0">
+            <a:schemeClr val="accent6"/>
+          </a:effectRef>
+          <a:fontRef idx="minor">
+            <a:schemeClr val="lt1"/>
+          </a:fontRef>
+        </p:style>
+        <p:txBody>
+          <a:bodyPr rot="0" spcFirstLastPara="0" vertOverflow="overflow" horzOverflow="overflow" vert="horz" wrap="square" lIns="91440" tIns="45720" rIns="91440" bIns="45720" numCol="1" spcCol="0" rtlCol="0" fromWordArt="0" anchor="ctr" anchorCtr="0" forceAA="0" compatLnSpc="1">
+            <a:prstTxWarp prst="textNoShape">
+              <a:avLst/>
+            </a:prstTxWarp>
+            <a:noAutofit/>
+          </a:bodyPr>
+          <a:lstStyle/>
+          <a:p>
+            <a:pPr algn="ctr"/>
+            <a:r>
+              <a:rPr lang="de-DE" sz="1200" dirty="0">
+                <a:ln w="0"/>
+                <a:solidFill>
+                  <a:schemeClr val="accent6">
+                    <a:lumMod val="50000"/>
+                  </a:schemeClr>
+                </a:solidFill>
+                <a:effectLst>
+                  <a:outerShdw blurRad="38100" dist="25400" dir="5400000" algn="ctr" rotWithShape="0">
+                    <a:srgbClr val="6E747A">
+                      <a:alpha val="43000"/>
+                    </a:srgbClr>
+                  </a:outerShdw>
+                </a:effectLst>
+                <a:latin typeface="Arial" panose="020B0604020202020204" pitchFamily="34" charset="0"/>
+                <a:cs typeface="Arial" panose="020B0604020202020204" pitchFamily="34" charset="0"/>
+              </a:rPr>
+              <a:t>Projektarchiv</a:t>
+            </a:r>
+          </a:p>
+        </p:txBody>
+      </p:sp>
+      <p:sp>
+        <p:nvSpPr>
+          <p:cNvPr id="24" name="Rechteck: abgerundete Ecken 23">
+            <a:extLst>
+              <a:ext uri="{FF2B5EF4-FFF2-40B4-BE49-F238E27FC236}">
+                <a16:creationId xmlns:a16="http://schemas.microsoft.com/office/drawing/2014/main" id="{722EAF9C-077A-4151-A0F3-7F3EA39C71AA}"/>
+              </a:ext>
+            </a:extLst>
+          </p:cNvPr>
+          <p:cNvSpPr/>
+          <p:nvPr/>
+        </p:nvSpPr>
+        <p:spPr>
+          <a:xfrm>
+            <a:off x="6544492" y="4536948"/>
+            <a:ext cx="1590098" cy="554400"/>
+          </a:xfrm>
+          <a:prstGeom prst="roundRect">
+            <a:avLst/>
+          </a:prstGeom>
+          <a:solidFill>
+            <a:schemeClr val="tx1">
+              <a:lumMod val="50000"/>
+              <a:lumOff val="50000"/>
+            </a:schemeClr>
+          </a:solidFill>
+          <a:ln>
+            <a:solidFill>
+              <a:schemeClr val="tx1">
+                <a:lumMod val="85000"/>
+                <a:lumOff val="15000"/>
+              </a:schemeClr>
+            </a:solidFill>
+          </a:ln>
+        </p:spPr>
+        <p:style>
+          <a:lnRef idx="2">
+            <a:schemeClr val="accent3">
+              <a:shade val="50000"/>
+            </a:schemeClr>
+          </a:lnRef>
+          <a:fillRef idx="1">
+            <a:schemeClr val="accent3"/>
+          </a:fillRef>
+          <a:effectRef idx="0">
+            <a:schemeClr val="accent3"/>
+          </a:effectRef>
+          <a:fontRef idx="minor">
+            <a:schemeClr val="lt1"/>
+          </a:fontRef>
+        </p:style>
+        <p:txBody>
+          <a:bodyPr rot="0" spcFirstLastPara="0" vertOverflow="overflow" horzOverflow="overflow" vert="horz" wrap="square" lIns="91440" tIns="45720" rIns="91440" bIns="45720" numCol="1" spcCol="0" rtlCol="0" fromWordArt="0" anchor="ctr" anchorCtr="0" forceAA="0" compatLnSpc="1">
+            <a:prstTxWarp prst="textNoShape">
+              <a:avLst/>
+            </a:prstTxWarp>
+            <a:noAutofit/>
+          </a:bodyPr>
+          <a:lstStyle/>
+          <a:p>
+            <a:pPr algn="ctr"/>
+            <a:r>
+              <a:rPr lang="de-DE" sz="1200" dirty="0">
+                <a:ln w="0"/>
+                <a:solidFill>
+                  <a:schemeClr val="tx1">
+                    <a:lumMod val="85000"/>
+                    <a:lumOff val="15000"/>
+                  </a:schemeClr>
+                </a:solidFill>
+                <a:effectLst>
+                  <a:outerShdw blurRad="38100" dist="25400" dir="5400000" algn="ctr" rotWithShape="0">
+                    <a:srgbClr val="6E747A">
+                      <a:alpha val="43000"/>
+                    </a:srgbClr>
+                  </a:outerShdw>
+                </a:effectLst>
+                <a:latin typeface="Arial" panose="020B0604020202020204" pitchFamily="34" charset="0"/>
+                <a:cs typeface="Arial" panose="020B0604020202020204" pitchFamily="34" charset="0"/>
+              </a:rPr>
+              <a:t>Arbeitsverzeichnis</a:t>
+            </a:r>
+          </a:p>
+        </p:txBody>
+      </p:sp>
+      <p:sp>
+        <p:nvSpPr>
+          <p:cNvPr id="25" name="Rechteck: abgerundete Ecken 24">
+            <a:extLst>
+              <a:ext uri="{FF2B5EF4-FFF2-40B4-BE49-F238E27FC236}">
+                <a16:creationId xmlns:a16="http://schemas.microsoft.com/office/drawing/2014/main" id="{FE56B2CD-3C47-4317-9F6E-BA7AA4C956BE}"/>
+              </a:ext>
+            </a:extLst>
+          </p:cNvPr>
+          <p:cNvSpPr/>
+          <p:nvPr/>
+        </p:nvSpPr>
+        <p:spPr>
+          <a:xfrm>
+            <a:off x="963154" y="4528559"/>
+            <a:ext cx="1591200" cy="552837"/>
+          </a:xfrm>
+          <a:prstGeom prst="roundRect">
+            <a:avLst/>
+          </a:prstGeom>
+          <a:solidFill>
+            <a:srgbClr val="FF4747"/>
+          </a:solidFill>
+          <a:ln>
+            <a:solidFill>
+              <a:srgbClr val="C00000"/>
+            </a:solidFill>
+          </a:ln>
+        </p:spPr>
+        <p:style>
+          <a:lnRef idx="2">
+            <a:schemeClr val="accent6">
+              <a:shade val="50000"/>
+            </a:schemeClr>
+          </a:lnRef>
+          <a:fillRef idx="1">
+            <a:schemeClr val="accent6"/>
+          </a:fillRef>
+          <a:effectRef idx="0">
+            <a:schemeClr val="accent6"/>
+          </a:effectRef>
+          <a:fontRef idx="minor">
+            <a:schemeClr val="lt1"/>
+          </a:fontRef>
+        </p:style>
+        <p:txBody>
+          <a:bodyPr rot="0" spcFirstLastPara="0" vertOverflow="overflow" horzOverflow="overflow" vert="horz" wrap="square" lIns="91440" tIns="45720" rIns="91440" bIns="45720" numCol="1" spcCol="0" rtlCol="0" fromWordArt="0" anchor="ctr" anchorCtr="0" forceAA="0" compatLnSpc="1">
+            <a:prstTxWarp prst="textNoShape">
+              <a:avLst/>
+            </a:prstTxWarp>
+            <a:noAutofit/>
+          </a:bodyPr>
+          <a:lstStyle/>
+          <a:p>
+            <a:pPr algn="ctr"/>
+            <a:r>
+              <a:rPr lang="de-DE" sz="1200" dirty="0">
+                <a:ln w="0"/>
+                <a:solidFill>
+                  <a:srgbClr val="C00000"/>
+                </a:solidFill>
+                <a:effectLst>
+                  <a:outerShdw blurRad="38100" dist="25400" dir="5400000" algn="ctr" rotWithShape="0">
+                    <a:srgbClr val="6E747A">
+                      <a:alpha val="43000"/>
+                    </a:srgbClr>
+                  </a:outerShdw>
+                </a:effectLst>
+                <a:latin typeface="Arial" panose="020B0604020202020204" pitchFamily="34" charset="0"/>
+                <a:cs typeface="Arial" panose="020B0604020202020204" pitchFamily="34" charset="0"/>
+              </a:rPr>
+              <a:t>Projektarchiv</a:t>
+            </a:r>
           </a:p>
         </p:txBody>
       </p:sp>
       <p:cxnSp>
         <p:nvCxnSpPr>
-          <p:cNvPr id="16" name="Gerade Verbindung mit Pfeil 15">
-            <a:extLst>
-              <a:ext uri="{FF2B5EF4-FFF2-40B4-BE49-F238E27FC236}">
-                <a16:creationId xmlns:a16="http://schemas.microsoft.com/office/drawing/2014/main" id="{15B479D2-573D-40A5-AFE4-159D5E50A1F9}"/>
-              </a:ext>
-            </a:extLst>
-          </p:cNvPr>
-          <p:cNvCxnSpPr/>
+          <p:cNvPr id="26" name="Gerade Verbindung mit Pfeil 25">
+            <a:extLst>
+              <a:ext uri="{FF2B5EF4-FFF2-40B4-BE49-F238E27FC236}">
+                <a16:creationId xmlns:a16="http://schemas.microsoft.com/office/drawing/2014/main" id="{76BFB1D7-2F26-494D-A4C0-FDD0220D61D5}"/>
+              </a:ext>
+            </a:extLst>
+          </p:cNvPr>
+          <p:cNvCxnSpPr>
+            <a:cxnSpLocks/>
+          </p:cNvCxnSpPr>
           <p:nvPr/>
         </p:nvCxnSpPr>
         <p:spPr>
-          <a:xfrm flipH="1">
-            <a:off x="2258290" y="4935765"/>
-            <a:ext cx="1553579" cy="0"/>
+          <a:xfrm>
+            <a:off x="2677486" y="4687791"/>
+            <a:ext cx="919154" cy="0"/>
           </a:xfrm>
           <a:prstGeom prst="straightConnector1">
             <a:avLst/>
@@ -10207,52 +10505,12 @@
           </a:fontRef>
         </p:style>
       </p:cxnSp>
-      <p:sp>
-        <p:nvSpPr>
-          <p:cNvPr id="17" name="Textfeld 16">
-            <a:extLst>
-              <a:ext uri="{FF2B5EF4-FFF2-40B4-BE49-F238E27FC236}">
-                <a16:creationId xmlns:a16="http://schemas.microsoft.com/office/drawing/2014/main" id="{547A475A-4491-4305-BE2F-2C67EB35BB40}"/>
-              </a:ext>
-            </a:extLst>
-          </p:cNvPr>
-          <p:cNvSpPr txBox="1"/>
-          <p:nvPr/>
-        </p:nvSpPr>
-        <p:spPr>
-          <a:xfrm>
-            <a:off x="2337986" y="4689966"/>
-            <a:ext cx="1392572" cy="276999"/>
-          </a:xfrm>
-          <a:prstGeom prst="rect">
-            <a:avLst/>
-          </a:prstGeom>
-          <a:noFill/>
-        </p:spPr>
-        <p:txBody>
-          <a:bodyPr wrap="square" rtlCol="0">
-            <a:spAutoFit/>
-          </a:bodyPr>
-          <a:lstStyle/>
-          <a:p>
-            <a:pPr algn="ctr"/>
-            <a:r>
-              <a:rPr lang="de-DE" sz="1200" dirty="0" err="1"/>
-              <a:t>git</a:t>
-            </a:r>
-            <a:r>
-              <a:rPr lang="de-DE" sz="1200" dirty="0"/>
-              <a:t> push</a:t>
-            </a:r>
-          </a:p>
-        </p:txBody>
-      </p:sp>
       <p:cxnSp>
         <p:nvCxnSpPr>
-          <p:cNvPr id="18" name="Gerade Verbindung mit Pfeil 17">
-            <a:extLst>
-              <a:ext uri="{FF2B5EF4-FFF2-40B4-BE49-F238E27FC236}">
-                <a16:creationId xmlns:a16="http://schemas.microsoft.com/office/drawing/2014/main" id="{C8A609E5-5593-44C8-9573-8D1E2E8C54DC}"/>
+          <p:cNvPr id="29" name="Gerade Verbindung mit Pfeil 28">
+            <a:extLst>
+              <a:ext uri="{FF2B5EF4-FFF2-40B4-BE49-F238E27FC236}">
+                <a16:creationId xmlns:a16="http://schemas.microsoft.com/office/drawing/2014/main" id="{2EEAF534-5E6B-400A-9F46-658C29D63440}"/>
               </a:ext>
             </a:extLst>
           </p:cNvPr>
@@ -10262,9 +10520,9 @@
           <p:nvPr/>
         </p:nvCxnSpPr>
         <p:spPr>
-          <a:xfrm>
-            <a:off x="4944383" y="4814063"/>
-            <a:ext cx="1553579" cy="0"/>
+          <a:xfrm rot="10800000">
+            <a:off x="2677486" y="4940859"/>
+            <a:ext cx="919154" cy="0"/>
           </a:xfrm>
           <a:prstGeom prst="straightConnector1">
             <a:avLst/>
@@ -10288,148 +10546,6 @@
           </a:fontRef>
         </p:style>
       </p:cxnSp>
-      <p:sp>
-        <p:nvSpPr>
-          <p:cNvPr id="19" name="Textfeld 18">
-            <a:extLst>
-              <a:ext uri="{FF2B5EF4-FFF2-40B4-BE49-F238E27FC236}">
-                <a16:creationId xmlns:a16="http://schemas.microsoft.com/office/drawing/2014/main" id="{7106E5B2-64F9-4881-A611-6517540A1383}"/>
-              </a:ext>
-            </a:extLst>
-          </p:cNvPr>
-          <p:cNvSpPr txBox="1"/>
-          <p:nvPr/>
-        </p:nvSpPr>
-        <p:spPr>
-          <a:xfrm>
-            <a:off x="5024886" y="4537063"/>
-            <a:ext cx="1392572" cy="276999"/>
-          </a:xfrm>
-          <a:prstGeom prst="rect">
-            <a:avLst/>
-          </a:prstGeom>
-          <a:noFill/>
-        </p:spPr>
-        <p:txBody>
-          <a:bodyPr wrap="square" rtlCol="0">
-            <a:spAutoFit/>
-          </a:bodyPr>
-          <a:lstStyle/>
-          <a:p>
-            <a:pPr algn="ctr"/>
-            <a:r>
-              <a:rPr lang="de-DE" sz="1200" dirty="0" err="1"/>
-              <a:t>git</a:t>
-            </a:r>
-            <a:r>
-              <a:rPr lang="de-DE" sz="1200" dirty="0"/>
-              <a:t> </a:t>
-            </a:r>
-            <a:r>
-              <a:rPr lang="de-DE" sz="1200" dirty="0" err="1"/>
-              <a:t>merge</a:t>
-            </a:r>
-            <a:endParaRPr lang="de-DE" sz="1200" dirty="0"/>
-          </a:p>
-        </p:txBody>
-      </p:sp>
-      <p:pic>
-        <p:nvPicPr>
-          <p:cNvPr id="20" name="Grafik 19">
-            <a:extLst>
-              <a:ext uri="{FF2B5EF4-FFF2-40B4-BE49-F238E27FC236}">
-                <a16:creationId xmlns:a16="http://schemas.microsoft.com/office/drawing/2014/main" id="{133D4E2E-2EFA-4E37-8592-C0658E24BCBE}"/>
-              </a:ext>
-            </a:extLst>
-          </p:cNvPr>
-          <p:cNvPicPr>
-            <a:picLocks noChangeAspect="1"/>
-          </p:cNvPicPr>
-          <p:nvPr/>
-        </p:nvPicPr>
-        <p:blipFill rotWithShape="1">
-          <a:blip r:embed="rId2"/>
-          <a:srcRect l="5624" r="5147" b="11043"/>
-          <a:stretch/>
-        </p:blipFill>
-        <p:spPr>
-          <a:xfrm>
-            <a:off x="3996262" y="4453534"/>
-            <a:ext cx="776428" cy="609856"/>
-          </a:xfrm>
-          <a:prstGeom prst="rect">
-            <a:avLst/>
-          </a:prstGeom>
-        </p:spPr>
-      </p:pic>
-      <p:pic>
-        <p:nvPicPr>
-          <p:cNvPr id="21" name="Grafik 20" descr="Datenbank">
-            <a:extLst>
-              <a:ext uri="{FF2B5EF4-FFF2-40B4-BE49-F238E27FC236}">
-                <a16:creationId xmlns:a16="http://schemas.microsoft.com/office/drawing/2014/main" id="{7C7967C0-BB12-4B2E-B0BF-49FFBF75DF60}"/>
-              </a:ext>
-            </a:extLst>
-          </p:cNvPr>
-          <p:cNvPicPr>
-            <a:picLocks noChangeAspect="1"/>
-          </p:cNvPicPr>
-          <p:nvPr/>
-        </p:nvPicPr>
-        <p:blipFill>
-          <a:blip r:embed="rId3">
-            <a:extLst>
-              <a:ext uri="{28A0092B-C50C-407E-A947-70E740481C1C}">
-                <a14:useLocalDpi xmlns:a14="http://schemas.microsoft.com/office/drawing/2010/main" val="0"/>
-              </a:ext>
-              <a:ext uri="{96DAC541-7B7A-43D3-8B79-37D633B846F1}">
-                <asvg:svgBlip xmlns:asvg="http://schemas.microsoft.com/office/drawing/2016/SVG/main" r:embed="rId4"/>
-              </a:ext>
-            </a:extLst>
-          </a:blip>
-          <a:stretch>
-            <a:fillRect/>
-          </a:stretch>
-        </p:blipFill>
-        <p:spPr>
-          <a:xfrm>
-            <a:off x="1403544" y="4453534"/>
-            <a:ext cx="619899" cy="619899"/>
-          </a:xfrm>
-          <a:prstGeom prst="rect">
-            <a:avLst/>
-          </a:prstGeom>
-        </p:spPr>
-      </p:pic>
-      <p:pic>
-        <p:nvPicPr>
-          <p:cNvPr id="22" name="Grafik 21">
-            <a:extLst>
-              <a:ext uri="{FF2B5EF4-FFF2-40B4-BE49-F238E27FC236}">
-                <a16:creationId xmlns:a16="http://schemas.microsoft.com/office/drawing/2014/main" id="{883ECB0E-37E4-4B7F-97CD-F54B06E0F1A9}"/>
-              </a:ext>
-            </a:extLst>
-          </p:cNvPr>
-          <p:cNvPicPr>
-            <a:picLocks noChangeAspect="1"/>
-          </p:cNvPicPr>
-          <p:nvPr/>
-        </p:nvPicPr>
-        <p:blipFill rotWithShape="1">
-          <a:blip r:embed="rId2"/>
-          <a:srcRect l="5624" r="5147" b="11043"/>
-          <a:stretch/>
-        </p:blipFill>
-        <p:spPr>
-          <a:xfrm>
-            <a:off x="6659017" y="4451628"/>
-            <a:ext cx="776428" cy="609856"/>
-          </a:xfrm>
-          <a:prstGeom prst="rect">
-            <a:avLst/>
-          </a:prstGeom>
-        </p:spPr>
-      </p:pic>
     </p:spTree>
     <p:extLst>
       <p:ext uri="{BB962C8B-B14F-4D97-AF65-F5344CB8AC3E}">
@@ -12286,7 +12402,7 @@
           <a:p>
             <a:fld id="{6F7941D6-DDCD-4FEB-B76A-6EA7C7E1DF91}" type="datetime1">
               <a:rPr lang="de-DE" smtClean="0"/>
-              <a:t>26.03.2020</a:t>
+              <a:t>27.03.2020</a:t>
             </a:fld>
             <a:endParaRPr lang="de-DE" dirty="0"/>
           </a:p>

--- a/Präsentation-90min/Präsentation-90min.pptx
+++ b/Präsentation-90min/Präsentation-90min.pptx
@@ -38,17 +38,17 @@
     <p:sldId id="295" r:id="rId29"/>
     <p:sldId id="298" r:id="rId30"/>
     <p:sldId id="309" r:id="rId31"/>
-    <p:sldId id="299" r:id="rId32"/>
-    <p:sldId id="300" r:id="rId33"/>
-    <p:sldId id="303" r:id="rId34"/>
-    <p:sldId id="302" r:id="rId35"/>
-    <p:sldId id="312" r:id="rId36"/>
-    <p:sldId id="304" r:id="rId37"/>
-    <p:sldId id="305" r:id="rId38"/>
-    <p:sldId id="308" r:id="rId39"/>
-    <p:sldId id="307" r:id="rId40"/>
-    <p:sldId id="313" r:id="rId41"/>
-    <p:sldId id="314" r:id="rId42"/>
+    <p:sldId id="314" r:id="rId32"/>
+    <p:sldId id="299" r:id="rId33"/>
+    <p:sldId id="300" r:id="rId34"/>
+    <p:sldId id="303" r:id="rId35"/>
+    <p:sldId id="302" r:id="rId36"/>
+    <p:sldId id="312" r:id="rId37"/>
+    <p:sldId id="304" r:id="rId38"/>
+    <p:sldId id="305" r:id="rId39"/>
+    <p:sldId id="308" r:id="rId40"/>
+    <p:sldId id="307" r:id="rId41"/>
+    <p:sldId id="313" r:id="rId42"/>
   </p:sldIdLst>
   <p:sldSz cx="9144000" cy="6858000" type="screen4x3"/>
   <p:notesSz cx="6858000" cy="9144000"/>
@@ -4186,7 +4186,7 @@
             </a:r>
             <a:r>
               <a:rPr lang="de-DE" sz="1400" dirty="0"/>
-              <a:t>Fügt alle Änderungen hinzu</a:t>
+              <a:t>fügt alle Änderungen hinzu</a:t>
             </a:r>
             <a:endParaRPr lang="de-DE" sz="1400" b="1" i="1" dirty="0"/>
           </a:p>
@@ -4231,7 +4231,23 @@
           <a:p>
             <a:r>
               <a:rPr lang="de-DE" dirty="0"/>
-              <a:t>Index</a:t>
+              <a:t>Index (</a:t>
+            </a:r>
+            <a:r>
+              <a:rPr lang="de-DE" dirty="0" err="1"/>
+              <a:t>staging</a:t>
+            </a:r>
+            <a:r>
+              <a:rPr lang="de-DE" dirty="0"/>
+              <a:t> </a:t>
+            </a:r>
+            <a:r>
+              <a:rPr lang="de-DE" dirty="0" err="1"/>
+              <a:t>area</a:t>
+            </a:r>
+            <a:r>
+              <a:rPr lang="de-DE" dirty="0"/>
+              <a:t>)</a:t>
             </a:r>
           </a:p>
         </p:txBody>
@@ -4591,42 +4607,6 @@
           </a:prstGeom>
         </p:spPr>
       </p:pic>
-      <p:sp>
-        <p:nvSpPr>
-          <p:cNvPr id="4" name="Textfeld 3">
-            <a:extLst>
-              <a:ext uri="{FF2B5EF4-FFF2-40B4-BE49-F238E27FC236}">
-                <a16:creationId xmlns:a16="http://schemas.microsoft.com/office/drawing/2014/main" id="{9F584B9A-D11A-4082-8F41-560FBA7079CD}"/>
-              </a:ext>
-            </a:extLst>
-          </p:cNvPr>
-          <p:cNvSpPr txBox="1"/>
-          <p:nvPr/>
-        </p:nvSpPr>
-        <p:spPr>
-          <a:xfrm>
-            <a:off x="1002485" y="4409066"/>
-            <a:ext cx="1392572" cy="276999"/>
-          </a:xfrm>
-          <a:prstGeom prst="rect">
-            <a:avLst/>
-          </a:prstGeom>
-          <a:noFill/>
-        </p:spPr>
-        <p:txBody>
-          <a:bodyPr wrap="square" rtlCol="0">
-            <a:spAutoFit/>
-          </a:bodyPr>
-          <a:lstStyle/>
-          <a:p>
-            <a:pPr algn="ctr"/>
-            <a:r>
-              <a:rPr lang="de-DE" sz="1200" dirty="0"/>
-              <a:t>Arbeitsverzeichnis</a:t>
-            </a:r>
-          </a:p>
-        </p:txBody>
-      </p:sp>
       <p:cxnSp>
         <p:nvCxnSpPr>
           <p:cNvPr id="12" name="Gerade Verbindung mit Pfeil 11">
@@ -4992,7 +4972,7 @@
           <a:p>
             <a:r>
               <a:rPr lang="de-DE" sz="1800" dirty="0"/>
-              <a:t>Ermöglicht einen Überblick, über den aktuellen Stand des Zweiges</a:t>
+              <a:t>Ermöglicht einen Überblick über den aktuellen Stand des Zweiges</a:t>
             </a:r>
           </a:p>
           <a:p>
@@ -5006,7 +4986,7 @@
             </a:r>
             <a:r>
               <a:rPr lang="de-DE" sz="1800" dirty="0"/>
-              <a:t> des Zweiges mit Informationen zum Autor, Datum und Prüfsumme</a:t>
+              <a:t> des aktiven Zweiges mit Informationen zum Autor, Datum und Prüfsumme</a:t>
             </a:r>
           </a:p>
           <a:p>
@@ -5047,14 +5027,7 @@
             </a:r>
             <a:r>
               <a:rPr lang="de-DE" dirty="0"/>
-              <a:t>		Stellt Commit in verkürzter Form da</a:t>
-            </a:r>
-          </a:p>
-          <a:p>
-            <a:pPr lvl="1"/>
-            <a:r>
-              <a:rPr lang="de-DE" dirty="0"/>
-              <a:t>--all		Listet </a:t>
+              <a:t>		Stellt </a:t>
             </a:r>
             <a:r>
               <a:rPr lang="de-DE" dirty="0" err="1"/>
@@ -5062,14 +5035,14 @@
             </a:r>
             <a:r>
               <a:rPr lang="de-DE" dirty="0"/>
-              <a:t> aller Zweige</a:t>
+              <a:t> in verkürzter Form da</a:t>
             </a:r>
           </a:p>
           <a:p>
             <a:pPr lvl="1"/>
             <a:r>
               <a:rPr lang="de-DE" dirty="0"/>
-              <a:t>--follow &lt;Datei&gt;	Listet </a:t>
+              <a:t>--all		Listet </a:t>
             </a:r>
             <a:r>
               <a:rPr lang="de-DE" dirty="0" err="1"/>
@@ -5077,6 +5050,21 @@
             </a:r>
             <a:r>
               <a:rPr lang="de-DE" dirty="0"/>
+              <a:t> aller Zweige</a:t>
+            </a:r>
+          </a:p>
+          <a:p>
+            <a:pPr lvl="1"/>
+            <a:r>
+              <a:rPr lang="de-DE" dirty="0"/>
+              <a:t>--follow &lt;Datei&gt;	Listet </a:t>
+            </a:r>
+            <a:r>
+              <a:rPr lang="de-DE" dirty="0" err="1"/>
+              <a:t>Commits</a:t>
+            </a:r>
+            <a:r>
+              <a:rPr lang="de-DE" dirty="0"/>
               <a:t> mit Änderungen an der Datei</a:t>
             </a:r>
           </a:p>
@@ -5104,7 +5092,7 @@
             <a:pPr lvl="1"/>
             <a:r>
               <a:rPr lang="de-DE" dirty="0"/>
-              <a:t>--graph		Erstellt </a:t>
+              <a:t>--graph		Erstellt einen </a:t>
             </a:r>
             <a:r>
               <a:rPr lang="de-DE" dirty="0" err="1"/>
@@ -5194,7 +5182,15 @@
           <a:p>
             <a:r>
               <a:rPr lang="de-DE" dirty="0"/>
-              <a:t>Log</a:t>
+              <a:t>Historie mit </a:t>
+            </a:r>
+            <a:r>
+              <a:rPr lang="de-DE" dirty="0" err="1"/>
+              <a:t>Git</a:t>
+            </a:r>
+            <a:r>
+              <a:rPr lang="de-DE" dirty="0"/>
+              <a:t> Log</a:t>
             </a:r>
           </a:p>
         </p:txBody>
@@ -5304,7 +5300,7 @@
           <a:p>
             <a:r>
               <a:rPr lang="de-DE" dirty="0"/>
-              <a:t>Setzt die Arbeitskopie auf den letzten Commit zurück</a:t>
+              <a:t>Setzt die Arbeitskopie auf den letzten Commit des aktiven Zweigs zurück</a:t>
             </a:r>
           </a:p>
           <a:p>
@@ -5332,14 +5328,14 @@
             <a:pPr lvl="1"/>
             <a:r>
               <a:rPr lang="de-DE" sz="1400" dirty="0"/>
-              <a:t>-patch:		nur ein Teil der Änderungen wird zwischengespeichert</a:t>
+              <a:t>-patch		nur ein Teil der Änderungen wird zwischengespeichert</a:t>
             </a:r>
           </a:p>
           <a:p>
             <a:pPr lvl="1"/>
             <a:r>
               <a:rPr lang="de-DE" sz="1400" dirty="0"/>
-              <a:t>-u: 		nicht versionsverwaltete Dateien werden mit 				einbezogen</a:t>
+              <a:t>-u	 		nicht versionsverwaltete Dateien werden mit 				einbezogen</a:t>
             </a:r>
           </a:p>
           <a:p>
@@ -5350,14 +5346,14 @@
             </a:r>
             <a:r>
               <a:rPr lang="de-DE" sz="1400" dirty="0"/>
-              <a:t>: 		listet alle bereits gespeicherten Zwischenstände auf</a:t>
+              <a:t>			listet alle bereits gespeicherten Zwischenstände auf</a:t>
             </a:r>
           </a:p>
           <a:p>
             <a:pPr lvl="1"/>
             <a:r>
               <a:rPr lang="de-DE" sz="1400" dirty="0"/>
-              <a:t>save "&lt;Nachricht&gt;":	fügt einem Zwischenstand eine Nachricht hinzu</a:t>
+              <a:t>save "&lt;Nachricht&gt;"	fügt einem Zwischenstand eine Nachricht hinzu</a:t>
             </a:r>
           </a:p>
           <a:p>
@@ -5368,7 +5364,7 @@
             </a:r>
             <a:r>
               <a:rPr lang="de-DE" sz="1400" dirty="0"/>
-              <a:t>:		Änderungen des ersten Eintrags im </a:t>
+              <a:t>		Änderungen des ersten Eintrags im </a:t>
             </a:r>
             <a:r>
               <a:rPr lang="de-DE" sz="1400" dirty="0" err="1"/>
@@ -5395,7 +5391,7 @@
             </a:r>
             <a:r>
               <a:rPr lang="de-DE" sz="1400" dirty="0"/>
-              <a:t>&gt;:	Löscht den übergebenen Zwischenstand</a:t>
+              <a:t>&gt;	Löscht den übergebenen Zwischenstand</a:t>
             </a:r>
           </a:p>
           <a:p>
@@ -5468,7 +5464,7 @@
         </p:blipFill>
         <p:spPr>
           <a:xfrm>
-            <a:off x="1597350" y="5000132"/>
+            <a:off x="1597350" y="5270833"/>
             <a:ext cx="5949299" cy="612540"/>
           </a:xfrm>
           <a:prstGeom prst="rect">
@@ -5476,6 +5472,91 @@
           </a:prstGeom>
         </p:spPr>
       </p:pic>
+      <p:sp>
+        <p:nvSpPr>
+          <p:cNvPr id="5" name="Geschweifte Klammer rechts 4">
+            <a:extLst>
+              <a:ext uri="{FF2B5EF4-FFF2-40B4-BE49-F238E27FC236}">
+                <a16:creationId xmlns:a16="http://schemas.microsoft.com/office/drawing/2014/main" id="{BE908EE2-0291-4BDB-911A-D8A8003FA283}"/>
+              </a:ext>
+            </a:extLst>
+          </p:cNvPr>
+          <p:cNvSpPr/>
+          <p:nvPr/>
+        </p:nvSpPr>
+        <p:spPr>
+          <a:xfrm rot="5400000">
+            <a:off x="1837996" y="5628540"/>
+            <a:ext cx="145283" cy="626575"/>
+          </a:xfrm>
+          <a:prstGeom prst="rightBrace">
+            <a:avLst/>
+          </a:prstGeom>
+          <a:ln>
+            <a:solidFill>
+              <a:schemeClr val="tx1"/>
+            </a:solidFill>
+          </a:ln>
+        </p:spPr>
+        <p:style>
+          <a:lnRef idx="1">
+            <a:schemeClr val="accent1"/>
+          </a:lnRef>
+          <a:fillRef idx="0">
+            <a:schemeClr val="accent1"/>
+          </a:fillRef>
+          <a:effectRef idx="0">
+            <a:schemeClr val="accent1"/>
+          </a:effectRef>
+          <a:fontRef idx="minor">
+            <a:schemeClr val="tx1"/>
+          </a:fontRef>
+        </p:style>
+        <p:txBody>
+          <a:bodyPr rtlCol="0" anchor="ctr"/>
+          <a:lstStyle/>
+          <a:p>
+            <a:pPr algn="ctr"/>
+            <a:endParaRPr lang="de-DE"/>
+          </a:p>
+        </p:txBody>
+      </p:sp>
+      <p:sp>
+        <p:nvSpPr>
+          <p:cNvPr id="6" name="Textfeld 5">
+            <a:extLst>
+              <a:ext uri="{FF2B5EF4-FFF2-40B4-BE49-F238E27FC236}">
+                <a16:creationId xmlns:a16="http://schemas.microsoft.com/office/drawing/2014/main" id="{2744EF32-D1E8-45B6-A1A7-5F7F1C5EB465}"/>
+              </a:ext>
+            </a:extLst>
+          </p:cNvPr>
+          <p:cNvSpPr txBox="1"/>
+          <p:nvPr/>
+        </p:nvSpPr>
+        <p:spPr>
+          <a:xfrm>
+            <a:off x="1597350" y="5983738"/>
+            <a:ext cx="810728" cy="276999"/>
+          </a:xfrm>
+          <a:prstGeom prst="rect">
+            <a:avLst/>
+          </a:prstGeom>
+          <a:noFill/>
+        </p:spPr>
+        <p:txBody>
+          <a:bodyPr wrap="square" rtlCol="0">
+            <a:spAutoFit/>
+          </a:bodyPr>
+          <a:lstStyle/>
+          <a:p>
+            <a:r>
+              <a:rPr lang="de-DE" sz="1200" dirty="0" err="1"/>
+              <a:t>stash-id</a:t>
+            </a:r>
+            <a:endParaRPr lang="de-DE" sz="1200" dirty="0"/>
+          </a:p>
+        </p:txBody>
+      </p:sp>
     </p:spTree>
     <p:extLst>
       <p:ext uri="{BB962C8B-B14F-4D97-AF65-F5344CB8AC3E}">
@@ -5597,7 +5678,7 @@
             <a:pPr lvl="1"/>
             <a:r>
               <a:rPr lang="de-DE" dirty="0"/>
-              <a:t>Lädt Zwischenstand in die Arbeitskopie und löscht diesen aus dem Zwischenspeicher</a:t>
+              <a:t>Lädt Zwischenstand in die Arbeitskopie und löscht diesen aus dem Zwischenspeicherverzeichnis</a:t>
             </a:r>
           </a:p>
           <a:p>
@@ -6024,9 +6105,7 @@
               <a:rPr lang="de-DE" sz="1200" dirty="0">
                 <a:ln w="0"/>
                 <a:solidFill>
-                  <a:schemeClr val="accent2">
-                    <a:lumMod val="50000"/>
-                  </a:schemeClr>
+                  <a:schemeClr val="tx1"/>
                 </a:solidFill>
                 <a:effectLst>
                   <a:outerShdw blurRad="38100" dist="25400" dir="5400000" algn="ctr" rotWithShape="0">
@@ -6038,7 +6117,7 @@
                 <a:latin typeface="Arial" panose="020B0604020202020204" pitchFamily="34" charset="0"/>
                 <a:cs typeface="Arial" panose="020B0604020202020204" pitchFamily="34" charset="0"/>
               </a:rPr>
-              <a:t>Arbeitsverzeichnis</a:t>
+              <a:t>Zwischenspeicher</a:t>
             </a:r>
           </a:p>
         </p:txBody>
@@ -6096,7 +6175,15 @@
           <a:p>
             <a:r>
               <a:rPr lang="de-DE" dirty="0"/>
-              <a:t>Zweige</a:t>
+              <a:t>Zweige (</a:t>
+            </a:r>
+            <a:r>
+              <a:rPr lang="de-DE" dirty="0" err="1"/>
+              <a:t>branches</a:t>
+            </a:r>
+            <a:r>
+              <a:rPr lang="de-DE" dirty="0"/>
+              <a:t>)</a:t>
             </a:r>
           </a:p>
         </p:txBody>
@@ -6199,7 +6286,7 @@
           <a:p>
             <a:r>
               <a:rPr lang="de-DE" dirty="0"/>
-              <a:t>Einfach Handhabung mehrere Stände</a:t>
+              <a:t>Einfach Handhabung mehrere Stände und Projektvarianten</a:t>
             </a:r>
           </a:p>
         </p:txBody>
@@ -6242,6 +6329,36 @@
           </a:p>
         </p:txBody>
       </p:sp>
+      <p:pic>
+        <p:nvPicPr>
+          <p:cNvPr id="3" name="Grafik 2">
+            <a:extLst>
+              <a:ext uri="{FF2B5EF4-FFF2-40B4-BE49-F238E27FC236}">
+                <a16:creationId xmlns:a16="http://schemas.microsoft.com/office/drawing/2014/main" id="{224FAF26-4A19-407D-8F6C-38D76C40C4D4}"/>
+              </a:ext>
+            </a:extLst>
+          </p:cNvPr>
+          <p:cNvPicPr>
+            <a:picLocks noChangeAspect="1"/>
+          </p:cNvPicPr>
+          <p:nvPr/>
+        </p:nvPicPr>
+        <p:blipFill>
+          <a:blip r:embed="rId2"/>
+          <a:stretch>
+            <a:fillRect/>
+          </a:stretch>
+        </p:blipFill>
+        <p:spPr>
+          <a:xfrm>
+            <a:off x="2880045" y="4203016"/>
+            <a:ext cx="3383909" cy="1973947"/>
+          </a:xfrm>
+          <a:prstGeom prst="rect">
+            <a:avLst/>
+          </a:prstGeom>
+        </p:spPr>
+      </p:pic>
     </p:spTree>
     <p:extLst>
       <p:ext uri="{BB962C8B-B14F-4D97-AF65-F5344CB8AC3E}">
@@ -6365,14 +6482,7 @@
             <a:pPr lvl="1"/>
             <a:r>
               <a:rPr lang="de-DE" dirty="0"/>
-              <a:t>Wechselt den aktiven Zweig und somit Arbeitskopie</a:t>
-            </a:r>
-          </a:p>
-          <a:p>
-            <a:pPr lvl="1"/>
-            <a:r>
-              <a:rPr lang="de-DE" dirty="0"/>
-              <a:t>-b		Erstellt einen Zweig und wechselt auf diesen</a:t>
+              <a:t>Wechselt den aktiven Zweig und somit die Arbeitskopie</a:t>
             </a:r>
           </a:p>
           <a:p>
@@ -6396,6 +6506,17 @@
               <a:rPr lang="de-DE" dirty="0"/>
               <a:t>Wird ein Commit (Prüfsumme) anstatt eines Zweiges übergeben, wird die Arbeitskopie mit diesem Commit geladen</a:t>
             </a:r>
+          </a:p>
+          <a:p>
+            <a:pPr lvl="1"/>
+            <a:r>
+              <a:rPr lang="de-DE" dirty="0"/>
+              <a:t>-b		Erstellt einen Zweig und wechselt auf diesen</a:t>
+            </a:r>
+          </a:p>
+          <a:p>
+            <a:pPr lvl="1"/>
+            <a:endParaRPr lang="de-DE" dirty="0"/>
           </a:p>
         </p:txBody>
       </p:sp>
@@ -10284,9 +10405,7 @@
               <a:rPr lang="de-DE" sz="1200" dirty="0">
                 <a:ln w="0"/>
                 <a:solidFill>
-                  <a:schemeClr val="accent6">
-                    <a:lumMod val="50000"/>
-                  </a:schemeClr>
+                  <a:schemeClr val="tx1"/>
                 </a:solidFill>
                 <a:effectLst>
                   <a:outerShdw blurRad="38100" dist="25400" dir="5400000" algn="ctr" rotWithShape="0">
@@ -10368,10 +10487,7 @@
               <a:rPr lang="de-DE" sz="1200" dirty="0">
                 <a:ln w="0"/>
                 <a:solidFill>
-                  <a:schemeClr val="tx1">
-                    <a:lumMod val="85000"/>
-                    <a:lumOff val="15000"/>
-                  </a:schemeClr>
+                  <a:schemeClr val="tx1"/>
                 </a:solidFill>
                 <a:effectLst>
                   <a:outerShdw blurRad="38100" dist="25400" dir="5400000" algn="ctr" rotWithShape="0">
@@ -10447,7 +10563,7 @@
               <a:rPr lang="de-DE" sz="1200" dirty="0">
                 <a:ln w="0"/>
                 <a:solidFill>
-                  <a:srgbClr val="C00000"/>
+                  <a:schemeClr val="tx1"/>
                 </a:solidFill>
                 <a:effectLst>
                   <a:outerShdw blurRad="38100" dist="25400" dir="5400000" algn="ctr" rotWithShape="0">
@@ -10459,7 +10575,7 @@
                 <a:latin typeface="Arial" panose="020B0604020202020204" pitchFamily="34" charset="0"/>
                 <a:cs typeface="Arial" panose="020B0604020202020204" pitchFamily="34" charset="0"/>
               </a:rPr>
-              <a:t>Projektarchiv</a:t>
+              <a:t>Referenzarchiv</a:t>
             </a:r>
           </a:p>
         </p:txBody>
@@ -10815,7 +10931,7 @@
         </p:blipFill>
         <p:spPr>
           <a:xfrm>
-            <a:off x="2633392" y="5394558"/>
+            <a:off x="2952524" y="5381827"/>
             <a:ext cx="3877216" cy="647790"/>
           </a:xfrm>
           <a:prstGeom prst="rect">
@@ -10833,15 +10949,15 @@
             </a:extLst>
           </p:cNvPr>
           <p:cNvCxnSpPr>
+            <a:cxnSpLocks/>
             <a:stCxn id="4" idx="2"/>
-            <a:endCxn id="7" idx="0"/>
           </p:cNvCxnSpPr>
           <p:nvPr/>
         </p:nvCxnSpPr>
         <p:spPr>
           <a:xfrm>
             <a:off x="4572000" y="4439166"/>
-            <a:ext cx="0" cy="955392"/>
+            <a:ext cx="0" cy="911896"/>
           </a:xfrm>
           <a:prstGeom prst="straightConnector1">
             <a:avLst/>
@@ -10879,8 +10995,8 @@
         </p:nvSpPr>
         <p:spPr>
           <a:xfrm>
-            <a:off x="4510305" y="4639863"/>
-            <a:ext cx="2066661" cy="307777"/>
+            <a:off x="577279" y="3967977"/>
+            <a:ext cx="2066661" cy="523220"/>
           </a:xfrm>
           <a:prstGeom prst="rect">
             <a:avLst/>
@@ -10895,6 +11011,47 @@
           <a:p>
             <a:pPr algn="ctr"/>
             <a:r>
+              <a:rPr lang="de-DE" sz="1400" dirty="0"/>
+              <a:t>Lokaler Stand vor </a:t>
+            </a:r>
+            <a:r>
+              <a:rPr lang="de-DE" sz="1400" dirty="0" err="1"/>
+              <a:t>Synchronsierung</a:t>
+            </a:r>
+            <a:endParaRPr lang="de-DE" sz="1400" dirty="0"/>
+          </a:p>
+        </p:txBody>
+      </p:sp>
+      <p:sp>
+        <p:nvSpPr>
+          <p:cNvPr id="8" name="Textfeld 7">
+            <a:extLst>
+              <a:ext uri="{FF2B5EF4-FFF2-40B4-BE49-F238E27FC236}">
+                <a16:creationId xmlns:a16="http://schemas.microsoft.com/office/drawing/2014/main" id="{82EC99A2-1A51-4A50-AF6F-0F8EEDE3B4D6}"/>
+              </a:ext>
+            </a:extLst>
+          </p:cNvPr>
+          <p:cNvSpPr txBox="1"/>
+          <p:nvPr/>
+        </p:nvSpPr>
+        <p:spPr>
+          <a:xfrm>
+            <a:off x="4596341" y="4756608"/>
+            <a:ext cx="2066661" cy="307777"/>
+          </a:xfrm>
+          <a:prstGeom prst="rect">
+            <a:avLst/>
+          </a:prstGeom>
+          <a:noFill/>
+        </p:spPr>
+        <p:txBody>
+          <a:bodyPr wrap="square" rtlCol="0">
+            <a:spAutoFit/>
+          </a:bodyPr>
+          <a:lstStyle/>
+          <a:p>
+            <a:pPr algn="ctr"/>
+            <a:r>
               <a:rPr lang="de-DE" sz="1400" dirty="0" err="1"/>
               <a:t>git</a:t>
             </a:r>
@@ -10921,6 +11078,47 @@
             <a:r>
               <a:rPr lang="de-DE" sz="1400" dirty="0" err="1"/>
               <a:t>master</a:t>
+            </a:r>
+            <a:endParaRPr lang="de-DE" sz="1400" dirty="0"/>
+          </a:p>
+        </p:txBody>
+      </p:sp>
+      <p:sp>
+        <p:nvSpPr>
+          <p:cNvPr id="9" name="Textfeld 8">
+            <a:extLst>
+              <a:ext uri="{FF2B5EF4-FFF2-40B4-BE49-F238E27FC236}">
+                <a16:creationId xmlns:a16="http://schemas.microsoft.com/office/drawing/2014/main" id="{E6DEC847-51A2-40EA-9E03-8EABEA400C06}"/>
+              </a:ext>
+            </a:extLst>
+          </p:cNvPr>
+          <p:cNvSpPr txBox="1"/>
+          <p:nvPr/>
+        </p:nvSpPr>
+        <p:spPr>
+          <a:xfrm>
+            <a:off x="577279" y="5351062"/>
+            <a:ext cx="2066661" cy="523220"/>
+          </a:xfrm>
+          <a:prstGeom prst="rect">
+            <a:avLst/>
+          </a:prstGeom>
+          <a:noFill/>
+        </p:spPr>
+        <p:txBody>
+          <a:bodyPr wrap="square" rtlCol="0">
+            <a:spAutoFit/>
+          </a:bodyPr>
+          <a:lstStyle/>
+          <a:p>
+            <a:pPr algn="ctr"/>
+            <a:r>
+              <a:rPr lang="de-DE" sz="1400" dirty="0"/>
+              <a:t>Lokaler Stand nach </a:t>
+            </a:r>
+            <a:r>
+              <a:rPr lang="de-DE" sz="1400" dirty="0" err="1"/>
+              <a:t>Synchronsierung</a:t>
             </a:r>
             <a:endParaRPr lang="de-DE" sz="1400" dirty="0"/>
           </a:p>
@@ -11139,7 +11337,7 @@
         </p:blipFill>
         <p:spPr>
           <a:xfrm>
-            <a:off x="4923017" y="4865429"/>
+            <a:off x="4923017" y="5088886"/>
             <a:ext cx="3543702" cy="469647"/>
           </a:xfrm>
           <a:prstGeom prst="rect">
@@ -11161,7 +11359,7 @@
         </p:nvSpPr>
         <p:spPr>
           <a:xfrm>
-            <a:off x="4875246" y="5311190"/>
+            <a:off x="4875246" y="5541732"/>
             <a:ext cx="3165709" cy="307777"/>
           </a:xfrm>
           <a:prstGeom prst="rect">
@@ -11355,7 +11553,7 @@
         <p:spPr>
           <a:xfrm>
             <a:off x="3506598" y="4612171"/>
-            <a:ext cx="1416419" cy="488082"/>
+            <a:ext cx="1416419" cy="711539"/>
           </a:xfrm>
           <a:prstGeom prst="bentConnector3">
             <a:avLst/>
@@ -11430,7 +11628,10 @@
           <a:bodyPr/>
           <a:lstStyle/>
           <a:p>
-            <a:endParaRPr lang="de-DE"/>
+            <a:r>
+              <a:rPr lang="de-DE" dirty="0"/>
+              <a:t>Weitere nützliche Befehle</a:t>
+            </a:r>
           </a:p>
         </p:txBody>
       </p:sp>
@@ -11502,7 +11703,7 @@
             <a:pPr lvl="1"/>
             <a:r>
               <a:rPr lang="de-DE" dirty="0"/>
-              <a:t>Einfacheren </a:t>
+              <a:t>Einfachen </a:t>
             </a:r>
             <a:r>
               <a:rPr lang="de-DE" dirty="0" err="1"/>
@@ -11514,14 +11715,14 @@
             <a:pPr lvl="1"/>
             <a:r>
               <a:rPr lang="de-DE" dirty="0"/>
-              <a:t>Identifizierung von Releases</a:t>
+              <a:t>Identifizierung von Veröffentlichungen</a:t>
             </a:r>
           </a:p>
           <a:p>
             <a:pPr lvl="1"/>
             <a:r>
               <a:rPr lang="de-DE" dirty="0"/>
-              <a:t>Markung wichtiger Stände</a:t>
+              <a:t>Markierung wichtiger Stände</a:t>
             </a:r>
           </a:p>
           <a:p>
@@ -11819,7 +12020,14 @@
             <a:pPr lvl="1"/>
             <a:r>
               <a:rPr lang="de-DE" dirty="0"/>
-              <a:t>Ermöglicht schnell große Änderungen zu übertragen und zu integrieren</a:t>
+              <a:t>Ermöglicht die schnelle Übertragung und Integrierung größerer Änderungen</a:t>
+            </a:r>
+          </a:p>
+          <a:p>
+            <a:pPr lvl="1"/>
+            <a:r>
+              <a:rPr lang="de-DE" dirty="0"/>
+              <a:t>Konfigurierbarer E-Mail Header wird angehangen zur direkten Verschickung</a:t>
             </a:r>
           </a:p>
           <a:p>
@@ -12376,40 +12584,6 @@
       </p:sp>
       <p:sp>
         <p:nvSpPr>
-          <p:cNvPr id="4" name="Datumsplatzhalter 3">
-            <a:extLst>
-              <a:ext uri="{FF2B5EF4-FFF2-40B4-BE49-F238E27FC236}">
-                <a16:creationId xmlns:a16="http://schemas.microsoft.com/office/drawing/2014/main" id="{EDAA1497-5C4E-4F1B-A045-74E2D153CB91}"/>
-              </a:ext>
-            </a:extLst>
-          </p:cNvPr>
-          <p:cNvSpPr>
-            <a:spLocks noGrp="1"/>
-          </p:cNvSpPr>
-          <p:nvPr>
-            <p:ph type="dt" sz="half" idx="4294967295"/>
-          </p:nvPr>
-        </p:nvSpPr>
-        <p:spPr>
-          <a:xfrm>
-            <a:off x="7086600" y="6356350"/>
-            <a:ext cx="2057400" cy="365125"/>
-          </a:xfrm>
-        </p:spPr>
-        <p:txBody>
-          <a:bodyPr/>
-          <a:lstStyle/>
-          <a:p>
-            <a:fld id="{6F7941D6-DDCD-4FEB-B76A-6EA7C7E1DF91}" type="datetime1">
-              <a:rPr lang="de-DE" smtClean="0"/>
-              <a:t>27.03.2020</a:t>
-            </a:fld>
-            <a:endParaRPr lang="de-DE" dirty="0"/>
-          </a:p>
-        </p:txBody>
-      </p:sp>
-      <p:sp>
-        <p:nvSpPr>
           <p:cNvPr id="5" name="Fußzeilenplatzhalter 4">
             <a:extLst>
               <a:ext uri="{FF2B5EF4-FFF2-40B4-BE49-F238E27FC236}">
@@ -12762,6 +12936,15 @@
               <a:t>Mit -v wird die jeweilige Commit Nachricht angezeigt</a:t>
             </a:r>
           </a:p>
+          <a:p>
+            <a:endParaRPr lang="de-DE" dirty="0"/>
+          </a:p>
+          <a:p>
+            <a:pPr marL="0" indent="0">
+              <a:buNone/>
+            </a:pPr>
+            <a:endParaRPr lang="de-DE" dirty="0"/>
+          </a:p>
         </p:txBody>
       </p:sp>
       <p:sp>
@@ -12789,6 +12972,103 @@
               <a:rPr lang="de-DE" dirty="0"/>
               <a:t>Cherry</a:t>
             </a:r>
+          </a:p>
+        </p:txBody>
+      </p:sp>
+      <p:pic>
+        <p:nvPicPr>
+          <p:cNvPr id="4" name="Grafik 3">
+            <a:extLst>
+              <a:ext uri="{FF2B5EF4-FFF2-40B4-BE49-F238E27FC236}">
+                <a16:creationId xmlns:a16="http://schemas.microsoft.com/office/drawing/2014/main" id="{23BEFB66-A68C-4B50-9746-ED8CEB230513}"/>
+              </a:ext>
+            </a:extLst>
+          </p:cNvPr>
+          <p:cNvPicPr>
+            <a:picLocks noChangeAspect="1"/>
+          </p:cNvPicPr>
+          <p:nvPr/>
+        </p:nvPicPr>
+        <p:blipFill>
+          <a:blip r:embed="rId2"/>
+          <a:stretch>
+            <a:fillRect/>
+          </a:stretch>
+        </p:blipFill>
+        <p:spPr>
+          <a:xfrm>
+            <a:off x="1658533" y="5181479"/>
+            <a:ext cx="5826933" cy="530452"/>
+          </a:xfrm>
+          <a:prstGeom prst="rect">
+            <a:avLst/>
+          </a:prstGeom>
+        </p:spPr>
+      </p:pic>
+      <p:sp>
+        <p:nvSpPr>
+          <p:cNvPr id="5" name="Textfeld 4">
+            <a:extLst>
+              <a:ext uri="{FF2B5EF4-FFF2-40B4-BE49-F238E27FC236}">
+                <a16:creationId xmlns:a16="http://schemas.microsoft.com/office/drawing/2014/main" id="{12F79D83-F680-4115-AA08-6AC7475416E3}"/>
+              </a:ext>
+            </a:extLst>
+          </p:cNvPr>
+          <p:cNvSpPr txBox="1"/>
+          <p:nvPr/>
+        </p:nvSpPr>
+        <p:spPr>
+          <a:xfrm>
+            <a:off x="1130026" y="5650253"/>
+            <a:ext cx="5826932" cy="523220"/>
+          </a:xfrm>
+          <a:prstGeom prst="rect">
+            <a:avLst/>
+          </a:prstGeom>
+          <a:noFill/>
+        </p:spPr>
+        <p:txBody>
+          <a:bodyPr wrap="square" rtlCol="0">
+            <a:spAutoFit/>
+          </a:bodyPr>
+          <a:lstStyle/>
+          <a:p>
+            <a:r>
+              <a:rPr lang="de-DE" sz="1400" dirty="0"/>
+              <a:t>	-&gt; Commit: </a:t>
+            </a:r>
+            <a:r>
+              <a:rPr lang="de-DE" sz="1400" dirty="0" err="1"/>
+              <a:t>Added</a:t>
+            </a:r>
+            <a:r>
+              <a:rPr lang="de-DE" sz="1400" dirty="0"/>
+              <a:t> </a:t>
+            </a:r>
+            <a:r>
+              <a:rPr lang="de-DE" sz="1400" dirty="0" err="1"/>
+              <a:t>function</a:t>
+            </a:r>
+            <a:r>
+              <a:rPr lang="de-DE" sz="1400" dirty="0"/>
+              <a:t> </a:t>
+            </a:r>
+            <a:r>
+              <a:rPr lang="de-DE" sz="1400" dirty="0" err="1"/>
+              <a:t>foo</a:t>
+            </a:r>
+            <a:r>
+              <a:rPr lang="de-DE" sz="1400" dirty="0"/>
+              <a:t>() existiert auch in </a:t>
+            </a:r>
+            <a:r>
+              <a:rPr lang="de-DE" sz="1400" i="1" dirty="0" err="1"/>
+              <a:t>master</a:t>
+            </a:r>
+            <a:endParaRPr lang="de-DE" sz="1400" i="1" dirty="0"/>
+          </a:p>
+          <a:p>
+            <a:endParaRPr lang="de-DE" sz="1400" dirty="0"/>
           </a:p>
         </p:txBody>
       </p:sp>
@@ -12824,10 +13104,10 @@
       </p:grpSpPr>
       <p:sp>
         <p:nvSpPr>
-          <p:cNvPr id="5" name="Inhaltsplatzhalter 4">
-            <a:extLst>
-              <a:ext uri="{FF2B5EF4-FFF2-40B4-BE49-F238E27FC236}">
-                <a16:creationId xmlns:a16="http://schemas.microsoft.com/office/drawing/2014/main" id="{C08CE913-F328-4AE6-9B1B-AE0ECF57E540}"/>
+          <p:cNvPr id="4" name="Titel 3">
+            <a:extLst>
+              <a:ext uri="{FF2B5EF4-FFF2-40B4-BE49-F238E27FC236}">
+                <a16:creationId xmlns:a16="http://schemas.microsoft.com/office/drawing/2014/main" id="{36D1F37B-7932-4052-93AE-AF09925CF359}"/>
               </a:ext>
             </a:extLst>
           </p:cNvPr>
@@ -12835,7 +13115,7 @@
             <a:spLocks noGrp="1"/>
           </p:cNvSpPr>
           <p:nvPr>
-            <p:ph idx="13"/>
+            <p:ph type="title"/>
           </p:nvPr>
         </p:nvSpPr>
         <p:spPr/>
@@ -12845,130 +13125,15 @@
           <a:p>
             <a:r>
               <a:rPr lang="de-DE" dirty="0"/>
-              <a:t>Verwendet um </a:t>
-            </a:r>
-            <a:r>
-              <a:rPr lang="de-DE" dirty="0" err="1"/>
-              <a:t>Commits</a:t>
-            </a:r>
-            <a:r>
-              <a:rPr lang="de-DE" dirty="0"/>
-              <a:t> des Referenzarchiv zu revidieren</a:t>
-            </a:r>
-          </a:p>
-          <a:p>
-            <a:r>
-              <a:rPr lang="de-DE" dirty="0"/>
-              <a:t>Erstellt einen weiteren Commit welcher den Zweig auf den Stand vor dem zweifelhaften Commit zurücksetzt</a:t>
-            </a:r>
-          </a:p>
-          <a:p>
-            <a:r>
-              <a:rPr lang="de-DE" dirty="0"/>
-              <a:t>Kommando: </a:t>
-            </a:r>
-            <a:r>
-              <a:rPr lang="de-DE" b="1" i="1" dirty="0" err="1"/>
-              <a:t>git</a:t>
-            </a:r>
-            <a:r>
-              <a:rPr lang="de-DE" b="1" i="1" dirty="0"/>
-              <a:t> </a:t>
-            </a:r>
-            <a:r>
-              <a:rPr lang="de-DE" b="1" i="1" dirty="0" err="1"/>
-              <a:t>revert</a:t>
-            </a:r>
-            <a:endParaRPr lang="de-DE" b="1" i="1" dirty="0"/>
-          </a:p>
-          <a:p>
-            <a:pPr lvl="1"/>
-            <a:r>
-              <a:rPr lang="de-DE" dirty="0"/>
-              <a:t>HEAD		Revidiert den neusten Commit des Zweiges</a:t>
-            </a:r>
-          </a:p>
-          <a:p>
-            <a:pPr lvl="1"/>
-            <a:r>
-              <a:rPr lang="de-DE" dirty="0"/>
-              <a:t>&lt;Prüfsumme&gt;	Revidiert den übergebenen Commit</a:t>
-            </a:r>
-          </a:p>
-        </p:txBody>
-      </p:sp>
-      <p:sp>
-        <p:nvSpPr>
-          <p:cNvPr id="3" name="Titel 2">
-            <a:extLst>
-              <a:ext uri="{FF2B5EF4-FFF2-40B4-BE49-F238E27FC236}">
-                <a16:creationId xmlns:a16="http://schemas.microsoft.com/office/drawing/2014/main" id="{98C52FB5-0D40-4B05-82A9-58A2D593489A}"/>
-              </a:ext>
-            </a:extLst>
-          </p:cNvPr>
-          <p:cNvSpPr>
-            <a:spLocks noGrp="1"/>
-          </p:cNvSpPr>
-          <p:nvPr>
-            <p:ph type="title" idx="4294967295"/>
-          </p:nvPr>
-        </p:nvSpPr>
-        <p:spPr>
-          <a:xfrm>
-            <a:off x="628650" y="365126"/>
-            <a:ext cx="7886700" cy="698903"/>
-          </a:xfrm>
-          <a:prstGeom prst="rect">
-            <a:avLst/>
-          </a:prstGeom>
-        </p:spPr>
-        <p:txBody>
-          <a:bodyPr>
-            <a:normAutofit/>
-          </a:bodyPr>
-          <a:lstStyle/>
-          <a:p>
-            <a:r>
-              <a:rPr lang="de-DE" dirty="0" err="1"/>
-              <a:t>Revert</a:t>
-            </a:r>
-            <a:endParaRPr lang="de-DE" dirty="0"/>
-          </a:p>
-        </p:txBody>
-      </p:sp>
-      <p:pic>
-        <p:nvPicPr>
-          <p:cNvPr id="6" name="Grafik 5">
-            <a:extLst>
-              <a:ext uri="{FF2B5EF4-FFF2-40B4-BE49-F238E27FC236}">
-                <a16:creationId xmlns:a16="http://schemas.microsoft.com/office/drawing/2014/main" id="{57C180BC-ABAD-438D-80D7-F9A55DC743CC}"/>
-              </a:ext>
-            </a:extLst>
-          </p:cNvPr>
-          <p:cNvPicPr>
-            <a:picLocks noChangeAspect="1"/>
-          </p:cNvPicPr>
-          <p:nvPr/>
-        </p:nvPicPr>
-        <p:blipFill rotWithShape="1">
-          <a:blip r:embed="rId2"/>
-          <a:srcRect b="12049"/>
-          <a:stretch/>
-        </p:blipFill>
-        <p:spPr>
-          <a:xfrm>
-            <a:off x="1904898" y="3895703"/>
-            <a:ext cx="5334204" cy="793743"/>
-          </a:xfrm>
-          <a:prstGeom prst="rect">
-            <a:avLst/>
-          </a:prstGeom>
-        </p:spPr>
-      </p:pic>
+              <a:t>Änderungen revidieren</a:t>
+            </a:r>
+          </a:p>
+        </p:txBody>
+      </p:sp>
     </p:spTree>
     <p:extLst>
       <p:ext uri="{BB962C8B-B14F-4D97-AF65-F5344CB8AC3E}">
-        <p14:creationId xmlns:p14="http://schemas.microsoft.com/office/powerpoint/2010/main" val="2941308763"/>
+        <p14:creationId xmlns:p14="http://schemas.microsoft.com/office/powerpoint/2010/main" val="3922292547"/>
       </p:ext>
     </p:extLst>
   </p:cSld>
@@ -13000,7 +13165,7 @@
           <p:cNvPr id="5" name="Inhaltsplatzhalter 4">
             <a:extLst>
               <a:ext uri="{FF2B5EF4-FFF2-40B4-BE49-F238E27FC236}">
-                <a16:creationId xmlns:a16="http://schemas.microsoft.com/office/drawing/2014/main" id="{16F01BD9-3141-41EF-9673-DDE9F9065885}"/>
+                <a16:creationId xmlns:a16="http://schemas.microsoft.com/office/drawing/2014/main" id="{C08CE913-F328-4AE6-9B1B-AE0ECF57E540}"/>
               </a:ext>
             </a:extLst>
           </p:cNvPr>
@@ -13018,13 +13183,7 @@
           <a:p>
             <a:r>
               <a:rPr lang="de-DE" dirty="0"/>
-              <a:t>Setzt das lokale Arbeitsverzeichnis zurück</a:t>
-            </a:r>
-          </a:p>
-          <a:p>
-            <a:r>
-              <a:rPr lang="de-DE" dirty="0"/>
-              <a:t>Sollte nur bei lokalen </a:t>
+              <a:t>Verwendet um </a:t>
             </a:r>
             <a:r>
               <a:rPr lang="de-DE" dirty="0" err="1"/>
@@ -13032,25 +13191,19 @@
             </a:r>
             <a:r>
               <a:rPr lang="de-DE" dirty="0"/>
-              <a:t> verwendet werden, da </a:t>
-            </a:r>
-            <a:r>
-              <a:rPr lang="de-DE" dirty="0" err="1"/>
-              <a:t>Commits</a:t>
-            </a:r>
-            <a:r>
-              <a:rPr lang="de-DE" dirty="0"/>
-              <a:t> verworfen werden auf die sich Andere beziehen könnten</a:t>
-            </a:r>
-          </a:p>
-          <a:p>
-            <a:r>
-              <a:rPr lang="de-DE" dirty="0" err="1"/>
-              <a:t>Kommado</a:t>
-            </a:r>
-            <a:r>
-              <a:rPr lang="de-DE" dirty="0"/>
-              <a:t>: </a:t>
+              <a:t> des Referenzarchiv zu revidieren</a:t>
+            </a:r>
+          </a:p>
+          <a:p>
+            <a:r>
+              <a:rPr lang="de-DE" dirty="0"/>
+              <a:t>Erstellt einen weiteren Commit welcher den Zweig auf den Stand vor dem zweifelhaften Commit zurücksetzt</a:t>
+            </a:r>
+          </a:p>
+          <a:p>
+            <a:r>
+              <a:rPr lang="de-DE" dirty="0"/>
+              <a:t>Kommando: </a:t>
             </a:r>
             <a:r>
               <a:rPr lang="de-DE" b="1" i="1" dirty="0" err="1"/>
@@ -13062,7 +13215,7 @@
             </a:r>
             <a:r>
               <a:rPr lang="de-DE" b="1" i="1" dirty="0" err="1"/>
-              <a:t>reset</a:t>
+              <a:t>revert</a:t>
             </a:r>
             <a:endParaRPr lang="de-DE" b="1" i="1" dirty="0"/>
           </a:p>
@@ -13070,29 +13223,14 @@
             <a:pPr lvl="1"/>
             <a:r>
               <a:rPr lang="de-DE" dirty="0"/>
-              <a:t>&lt;Prüfsumme&gt;	Setzt den Zweig auf diesen Stand zurück, 			verworfene Änderungen befinden sich in der 			Arbeitskopie</a:t>
+              <a:t>HEAD		Revidiert den neusten Commit des Zweiges</a:t>
             </a:r>
           </a:p>
           <a:p>
             <a:pPr lvl="1"/>
             <a:r>
               <a:rPr lang="de-DE" dirty="0"/>
-              <a:t>--</a:t>
-            </a:r>
-            <a:r>
-              <a:rPr lang="de-DE" dirty="0" err="1"/>
-              <a:t>hard</a:t>
-            </a:r>
-            <a:r>
-              <a:rPr lang="de-DE" dirty="0"/>
-              <a:t>		setzt auch die Arbeitskopie zurück, alle 				Änderungen sind verworfen</a:t>
-            </a:r>
-          </a:p>
-          <a:p>
-            <a:pPr lvl="1"/>
-            <a:r>
-              <a:rPr lang="de-DE" dirty="0"/>
-              <a:t>&lt;Datei&gt;		Datei wird aus dem Index entfernt</a:t>
+              <a:t>&lt;Prüfsumme&gt;	Revidiert den übergebenen Commit</a:t>
             </a:r>
           </a:p>
         </p:txBody>
@@ -13102,7 +13240,7 @@
           <p:cNvPr id="3" name="Titel 2">
             <a:extLst>
               <a:ext uri="{FF2B5EF4-FFF2-40B4-BE49-F238E27FC236}">
-                <a16:creationId xmlns:a16="http://schemas.microsoft.com/office/drawing/2014/main" id="{F43ABB80-C886-4AF5-B215-5BEEBC4B2C48}"/>
+                <a16:creationId xmlns:a16="http://schemas.microsoft.com/office/drawing/2014/main" id="{98C52FB5-0D40-4B05-82A9-58A2D593489A}"/>
               </a:ext>
             </a:extLst>
           </p:cNvPr>
@@ -13130,7 +13268,7 @@
           <a:p>
             <a:r>
               <a:rPr lang="de-DE" dirty="0" err="1"/>
-              <a:t>Reset</a:t>
+              <a:t>Revert</a:t>
             </a:r>
             <a:endParaRPr lang="de-DE" dirty="0"/>
           </a:p>
@@ -13138,10 +13276,10 @@
       </p:sp>
       <p:pic>
         <p:nvPicPr>
-          <p:cNvPr id="2" name="Grafik 1">
-            <a:extLst>
-              <a:ext uri="{FF2B5EF4-FFF2-40B4-BE49-F238E27FC236}">
-                <a16:creationId xmlns:a16="http://schemas.microsoft.com/office/drawing/2014/main" id="{AA917CA4-9600-40FC-9932-E732D5231194}"/>
+          <p:cNvPr id="6" name="Grafik 5">
+            <a:extLst>
+              <a:ext uri="{FF2B5EF4-FFF2-40B4-BE49-F238E27FC236}">
+                <a16:creationId xmlns:a16="http://schemas.microsoft.com/office/drawing/2014/main" id="{57C180BC-ABAD-438D-80D7-F9A55DC743CC}"/>
               </a:ext>
             </a:extLst>
           </p:cNvPr>
@@ -13150,16 +13288,15 @@
           </p:cNvPicPr>
           <p:nvPr/>
         </p:nvPicPr>
-        <p:blipFill>
+        <p:blipFill rotWithShape="1">
           <a:blip r:embed="rId2"/>
-          <a:stretch>
-            <a:fillRect/>
-          </a:stretch>
+          <a:srcRect b="12049"/>
+          <a:stretch/>
         </p:blipFill>
         <p:spPr>
           <a:xfrm>
-            <a:off x="2042667" y="5126825"/>
-            <a:ext cx="5058666" cy="720301"/>
+            <a:off x="1252718" y="3811814"/>
+            <a:ext cx="6687246" cy="995079"/>
           </a:xfrm>
           <a:prstGeom prst="rect">
             <a:avLst/>
@@ -13169,7 +13306,7 @@
     </p:spTree>
     <p:extLst>
       <p:ext uri="{BB962C8B-B14F-4D97-AF65-F5344CB8AC3E}">
-        <p14:creationId xmlns:p14="http://schemas.microsoft.com/office/powerpoint/2010/main" val="3217921642"/>
+        <p14:creationId xmlns:p14="http://schemas.microsoft.com/office/powerpoint/2010/main" val="2941308763"/>
       </p:ext>
     </p:extLst>
   </p:cSld>
@@ -13198,10 +13335,10 @@
       </p:grpSpPr>
       <p:sp>
         <p:nvSpPr>
-          <p:cNvPr id="2" name="Titel 1">
-            <a:extLst>
-              <a:ext uri="{FF2B5EF4-FFF2-40B4-BE49-F238E27FC236}">
-                <a16:creationId xmlns:a16="http://schemas.microsoft.com/office/drawing/2014/main" id="{55DCA8B4-8412-4C61-8E1B-A6CDF1580F20}"/>
+          <p:cNvPr id="5" name="Inhaltsplatzhalter 4">
+            <a:extLst>
+              <a:ext uri="{FF2B5EF4-FFF2-40B4-BE49-F238E27FC236}">
+                <a16:creationId xmlns:a16="http://schemas.microsoft.com/office/drawing/2014/main" id="{16F01BD9-3141-41EF-9673-DDE9F9065885}"/>
               </a:ext>
             </a:extLst>
           </p:cNvPr>
@@ -13209,7 +13346,7 @@
             <a:spLocks noGrp="1"/>
           </p:cNvSpPr>
           <p:nvPr>
-            <p:ph type="title"/>
+            <p:ph idx="13"/>
           </p:nvPr>
         </p:nvSpPr>
         <p:spPr/>
@@ -13219,15 +13356,158 @@
           <a:p>
             <a:r>
               <a:rPr lang="de-DE" dirty="0"/>
-              <a:t>Workflow</a:t>
-            </a:r>
-          </a:p>
-        </p:txBody>
-      </p:sp>
+              <a:t>Setzt das lokale Arbeitsverzeichnis zurück</a:t>
+            </a:r>
+          </a:p>
+          <a:p>
+            <a:r>
+              <a:rPr lang="de-DE" dirty="0"/>
+              <a:t>Sollte nur bei lokalen </a:t>
+            </a:r>
+            <a:r>
+              <a:rPr lang="de-DE" dirty="0" err="1"/>
+              <a:t>Commits</a:t>
+            </a:r>
+            <a:r>
+              <a:rPr lang="de-DE" dirty="0"/>
+              <a:t> verwendet werden, da </a:t>
+            </a:r>
+            <a:r>
+              <a:rPr lang="de-DE" dirty="0" err="1"/>
+              <a:t>Commits</a:t>
+            </a:r>
+            <a:r>
+              <a:rPr lang="de-DE" dirty="0"/>
+              <a:t> verworfen werden auf die sich Andere beziehen könnten</a:t>
+            </a:r>
+          </a:p>
+          <a:p>
+            <a:r>
+              <a:rPr lang="de-DE" dirty="0" err="1"/>
+              <a:t>Kommado</a:t>
+            </a:r>
+            <a:r>
+              <a:rPr lang="de-DE" dirty="0"/>
+              <a:t>: </a:t>
+            </a:r>
+            <a:r>
+              <a:rPr lang="de-DE" b="1" i="1" dirty="0" err="1"/>
+              <a:t>git</a:t>
+            </a:r>
+            <a:r>
+              <a:rPr lang="de-DE" b="1" i="1" dirty="0"/>
+              <a:t> </a:t>
+            </a:r>
+            <a:r>
+              <a:rPr lang="de-DE" b="1" i="1" dirty="0" err="1"/>
+              <a:t>reset</a:t>
+            </a:r>
+            <a:endParaRPr lang="de-DE" b="1" i="1" dirty="0"/>
+          </a:p>
+          <a:p>
+            <a:pPr lvl="1"/>
+            <a:r>
+              <a:rPr lang="de-DE" dirty="0"/>
+              <a:t>&lt;Prüfsumme&gt;	Setzt den Zweig auf diesen Stand zurück, 			verworfene Änderungen befinden sich in der 			Arbeitskopie</a:t>
+            </a:r>
+          </a:p>
+          <a:p>
+            <a:pPr lvl="1"/>
+            <a:r>
+              <a:rPr lang="de-DE" dirty="0"/>
+              <a:t>--</a:t>
+            </a:r>
+            <a:r>
+              <a:rPr lang="de-DE" dirty="0" err="1"/>
+              <a:t>hard</a:t>
+            </a:r>
+            <a:r>
+              <a:rPr lang="de-DE" dirty="0"/>
+              <a:t>		setzt auch die Arbeitskopie zurück, alle 				Änderungen sind verworfen</a:t>
+            </a:r>
+          </a:p>
+          <a:p>
+            <a:pPr lvl="1"/>
+            <a:r>
+              <a:rPr lang="de-DE" dirty="0"/>
+              <a:t>&lt;Datei&gt;		Datei wird aus dem Index entfernt</a:t>
+            </a:r>
+          </a:p>
+        </p:txBody>
+      </p:sp>
+      <p:sp>
+        <p:nvSpPr>
+          <p:cNvPr id="3" name="Titel 2">
+            <a:extLst>
+              <a:ext uri="{FF2B5EF4-FFF2-40B4-BE49-F238E27FC236}">
+                <a16:creationId xmlns:a16="http://schemas.microsoft.com/office/drawing/2014/main" id="{F43ABB80-C886-4AF5-B215-5BEEBC4B2C48}"/>
+              </a:ext>
+            </a:extLst>
+          </p:cNvPr>
+          <p:cNvSpPr>
+            <a:spLocks noGrp="1"/>
+          </p:cNvSpPr>
+          <p:nvPr>
+            <p:ph type="title" idx="4294967295"/>
+          </p:nvPr>
+        </p:nvSpPr>
+        <p:spPr>
+          <a:xfrm>
+            <a:off x="628650" y="365126"/>
+            <a:ext cx="7886700" cy="698903"/>
+          </a:xfrm>
+          <a:prstGeom prst="rect">
+            <a:avLst/>
+          </a:prstGeom>
+        </p:spPr>
+        <p:txBody>
+          <a:bodyPr>
+            <a:normAutofit/>
+          </a:bodyPr>
+          <a:lstStyle/>
+          <a:p>
+            <a:r>
+              <a:rPr lang="de-DE" dirty="0" err="1"/>
+              <a:t>Reset</a:t>
+            </a:r>
+            <a:endParaRPr lang="de-DE" dirty="0"/>
+          </a:p>
+        </p:txBody>
+      </p:sp>
+      <p:pic>
+        <p:nvPicPr>
+          <p:cNvPr id="2" name="Grafik 1">
+            <a:extLst>
+              <a:ext uri="{FF2B5EF4-FFF2-40B4-BE49-F238E27FC236}">
+                <a16:creationId xmlns:a16="http://schemas.microsoft.com/office/drawing/2014/main" id="{AA917CA4-9600-40FC-9932-E732D5231194}"/>
+              </a:ext>
+            </a:extLst>
+          </p:cNvPr>
+          <p:cNvPicPr>
+            <a:picLocks noChangeAspect="1"/>
+          </p:cNvPicPr>
+          <p:nvPr/>
+        </p:nvPicPr>
+        <p:blipFill>
+          <a:blip r:embed="rId2"/>
+          <a:stretch>
+            <a:fillRect/>
+          </a:stretch>
+        </p:blipFill>
+        <p:spPr>
+          <a:xfrm>
+            <a:off x="2042667" y="5126825"/>
+            <a:ext cx="5058666" cy="720301"/>
+          </a:xfrm>
+          <a:prstGeom prst="rect">
+            <a:avLst/>
+          </a:prstGeom>
+        </p:spPr>
+      </p:pic>
     </p:spTree>
     <p:extLst>
       <p:ext uri="{BB962C8B-B14F-4D97-AF65-F5344CB8AC3E}">
-        <p14:creationId xmlns:p14="http://schemas.microsoft.com/office/powerpoint/2010/main" val="1007972795"/>
+        <p14:creationId xmlns:p14="http://schemas.microsoft.com/office/powerpoint/2010/main" val="3217921642"/>
       </p:ext>
     </p:extLst>
   </p:cSld>
@@ -13256,10 +13536,10 @@
       </p:grpSpPr>
       <p:sp>
         <p:nvSpPr>
-          <p:cNvPr id="5" name="Inhaltsplatzhalter 4">
-            <a:extLst>
-              <a:ext uri="{FF2B5EF4-FFF2-40B4-BE49-F238E27FC236}">
-                <a16:creationId xmlns:a16="http://schemas.microsoft.com/office/drawing/2014/main" id="{023C353D-27D2-4156-878C-265100BA9848}"/>
+          <p:cNvPr id="2" name="Titel 1">
+            <a:extLst>
+              <a:ext uri="{FF2B5EF4-FFF2-40B4-BE49-F238E27FC236}">
+                <a16:creationId xmlns:a16="http://schemas.microsoft.com/office/drawing/2014/main" id="{55DCA8B4-8412-4C61-8E1B-A6CDF1580F20}"/>
               </a:ext>
             </a:extLst>
           </p:cNvPr>
@@ -13267,180 +13547,17 @@
             <a:spLocks noGrp="1"/>
           </p:cNvSpPr>
           <p:nvPr>
-            <p:ph idx="13"/>
+            <p:ph type="title"/>
           </p:nvPr>
         </p:nvSpPr>
-        <p:spPr>
-          <a:xfrm>
-            <a:off x="1011836" y="1245328"/>
-            <a:ext cx="7169010" cy="4931635"/>
-          </a:xfrm>
-        </p:spPr>
+        <p:spPr/>
         <p:txBody>
           <a:bodyPr/>
           <a:lstStyle/>
           <a:p>
             <a:r>
               <a:rPr lang="de-DE" dirty="0"/>
-              <a:t>Bietet Richtlinie für ein gut durchdachtes und schlank strukturiertes Projektarchiv</a:t>
-            </a:r>
-          </a:p>
-          <a:p>
-            <a:r>
-              <a:rPr lang="de-DE" dirty="0"/>
-              <a:t>Projekt besitzt 5 Arten von Zweigen:</a:t>
-            </a:r>
-          </a:p>
-          <a:p>
-            <a:pPr lvl="1"/>
-            <a:r>
-              <a:rPr lang="de-DE" dirty="0"/>
-              <a:t>Hauptzweig </a:t>
-            </a:r>
-            <a:r>
-              <a:rPr lang="de-DE" i="1" dirty="0" err="1"/>
-              <a:t>master</a:t>
-            </a:r>
-            <a:r>
-              <a:rPr lang="de-DE" dirty="0"/>
-              <a:t>: </a:t>
-            </a:r>
-            <a:br>
-              <a:rPr lang="de-DE" dirty="0"/>
-            </a:br>
-            <a:r>
-              <a:rPr lang="de-DE" dirty="0"/>
-              <a:t>wird für fertige Veröffentlichungen verwendet und ist einmalig</a:t>
-            </a:r>
-          </a:p>
-          <a:p>
-            <a:pPr lvl="1"/>
-            <a:r>
-              <a:rPr lang="de-DE" dirty="0"/>
-              <a:t>Entwicklungszweig </a:t>
-            </a:r>
-            <a:r>
-              <a:rPr lang="de-DE" i="1" dirty="0" err="1"/>
-              <a:t>development</a:t>
-            </a:r>
-            <a:r>
-              <a:rPr lang="de-DE" dirty="0"/>
-              <a:t>: </a:t>
-            </a:r>
-            <a:br>
-              <a:rPr lang="de-DE" dirty="0"/>
-            </a:br>
-            <a:r>
-              <a:rPr lang="de-DE" dirty="0"/>
-              <a:t>führt Änderungen und Neuerungen zusammen und ist einmalig</a:t>
-            </a:r>
-          </a:p>
-          <a:p>
-            <a:pPr lvl="1"/>
-            <a:r>
-              <a:rPr lang="de-DE" dirty="0"/>
-              <a:t>Veröffentlichungszweig</a:t>
-            </a:r>
-            <a:r>
-              <a:rPr lang="de-DE" i="1" dirty="0"/>
-              <a:t> release</a:t>
-            </a:r>
-            <a:r>
-              <a:rPr lang="de-DE" dirty="0"/>
-              <a:t>: </a:t>
-            </a:r>
-            <a:br>
-              <a:rPr lang="de-DE" dirty="0"/>
-            </a:br>
-            <a:r>
-              <a:rPr lang="de-DE" dirty="0"/>
-              <a:t>beinhaltet Änderungen aus dem Entwicklungszweig, welche in die nächste Version einfließen</a:t>
-            </a:r>
-          </a:p>
-          <a:p>
-            <a:pPr lvl="1"/>
-            <a:r>
-              <a:rPr lang="de-DE" dirty="0"/>
-              <a:t>Funktionszweig </a:t>
-            </a:r>
-            <a:r>
-              <a:rPr lang="de-DE" i="1" dirty="0"/>
-              <a:t>feature</a:t>
-            </a:r>
-            <a:r>
-              <a:rPr lang="de-DE" dirty="0"/>
-              <a:t>: </a:t>
-            </a:r>
-            <a:br>
-              <a:rPr lang="de-DE" dirty="0"/>
-            </a:br>
-            <a:r>
-              <a:rPr lang="de-DE" dirty="0"/>
-              <a:t>basierend auf dem Entwicklungszweig, beinhalten diese Zweige Änderungen die anhand Personen, Themen und Funktionen separiert werden </a:t>
-            </a:r>
-          </a:p>
-          <a:p>
-            <a:pPr lvl="1"/>
-            <a:r>
-              <a:rPr lang="de-DE" dirty="0"/>
-              <a:t>Korrekturzweig </a:t>
-            </a:r>
-            <a:r>
-              <a:rPr lang="de-DE" i="1" dirty="0" err="1"/>
-              <a:t>bugfix</a:t>
-            </a:r>
-            <a:r>
-              <a:rPr lang="de-DE" dirty="0"/>
-              <a:t>: </a:t>
-            </a:r>
-            <a:br>
-              <a:rPr lang="de-DE" dirty="0"/>
-            </a:br>
-            <a:r>
-              <a:rPr lang="de-DE" dirty="0"/>
-              <a:t>ermöglicht kleine Änderungen direkt an der Veröffentlichung</a:t>
-            </a:r>
-          </a:p>
-        </p:txBody>
-      </p:sp>
-      <p:sp>
-        <p:nvSpPr>
-          <p:cNvPr id="3" name="Titel 2">
-            <a:extLst>
-              <a:ext uri="{FF2B5EF4-FFF2-40B4-BE49-F238E27FC236}">
-                <a16:creationId xmlns:a16="http://schemas.microsoft.com/office/drawing/2014/main" id="{625B6011-E5CD-40F8-BED3-233D5BEBC703}"/>
-              </a:ext>
-            </a:extLst>
-          </p:cNvPr>
-          <p:cNvSpPr>
-            <a:spLocks noGrp="1"/>
-          </p:cNvSpPr>
-          <p:nvPr>
-            <p:ph type="title" idx="4294967295"/>
-          </p:nvPr>
-        </p:nvSpPr>
-        <p:spPr>
-          <a:xfrm>
-            <a:off x="628650" y="365126"/>
-            <a:ext cx="7886700" cy="698903"/>
-          </a:xfrm>
-          <a:prstGeom prst="rect">
-            <a:avLst/>
-          </a:prstGeom>
-        </p:spPr>
-        <p:txBody>
-          <a:bodyPr>
-            <a:normAutofit/>
-          </a:bodyPr>
-          <a:lstStyle/>
-          <a:p>
-            <a:r>
-              <a:rPr lang="de-DE" dirty="0" err="1"/>
-              <a:t>Git</a:t>
-            </a:r>
-            <a:r>
-              <a:rPr lang="de-DE" dirty="0"/>
-              <a:t>-Flow</a:t>
+              <a:t>Workflow</a:t>
             </a:r>
           </a:p>
         </p:txBody>
@@ -13448,7 +13565,7 @@
     </p:spTree>
     <p:extLst>
       <p:ext uri="{BB962C8B-B14F-4D97-AF65-F5344CB8AC3E}">
-        <p14:creationId xmlns:p14="http://schemas.microsoft.com/office/powerpoint/2010/main" val="149155477"/>
+        <p14:creationId xmlns:p14="http://schemas.microsoft.com/office/powerpoint/2010/main" val="1007972795"/>
       </p:ext>
     </p:extLst>
   </p:cSld>
@@ -13475,47 +13592,161 @@
           <a:chExt cx="0" cy="0"/>
         </a:xfrm>
       </p:grpSpPr>
-      <p:pic>
-        <p:nvPicPr>
+      <p:sp>
+        <p:nvSpPr>
           <p:cNvPr id="5" name="Inhaltsplatzhalter 4">
             <a:extLst>
               <a:ext uri="{FF2B5EF4-FFF2-40B4-BE49-F238E27FC236}">
-                <a16:creationId xmlns:a16="http://schemas.microsoft.com/office/drawing/2014/main" id="{F3FD5A71-F73D-4CF7-9489-B8D5B70CC78C}"/>
-              </a:ext>
-            </a:extLst>
-          </p:cNvPr>
-          <p:cNvPicPr>
-            <a:picLocks noGrp="1" noChangeAspect="1"/>
-          </p:cNvPicPr>
+                <a16:creationId xmlns:a16="http://schemas.microsoft.com/office/drawing/2014/main" id="{023C353D-27D2-4156-878C-265100BA9848}"/>
+              </a:ext>
+            </a:extLst>
+          </p:cNvPr>
+          <p:cNvSpPr>
+            <a:spLocks noGrp="1"/>
+          </p:cNvSpPr>
           <p:nvPr>
             <p:ph idx="13"/>
           </p:nvPr>
-        </p:nvPicPr>
-        <p:blipFill>
-          <a:blip r:embed="rId2">
-            <a:extLst>
-              <a:ext uri="{28A0092B-C50C-407E-A947-70E740481C1C}">
-                <a14:useLocalDpi xmlns:a14="http://schemas.microsoft.com/office/drawing/2010/main" val="0"/>
-              </a:ext>
-            </a:extLst>
-          </a:blip>
-          <a:stretch>
-            <a:fillRect/>
-          </a:stretch>
-        </p:blipFill>
+        </p:nvSpPr>
         <p:spPr>
           <a:xfrm>
-            <a:off x="923720" y="1271857"/>
-            <a:ext cx="7257125" cy="4491380"/>
-          </a:xfrm>
-        </p:spPr>
-      </p:pic>
+            <a:off x="1011836" y="1245328"/>
+            <a:ext cx="7169010" cy="4931635"/>
+          </a:xfrm>
+        </p:spPr>
+        <p:txBody>
+          <a:bodyPr/>
+          <a:lstStyle/>
+          <a:p>
+            <a:r>
+              <a:rPr lang="de-DE" dirty="0"/>
+              <a:t>Bietet Richtlinie für ein gut durchdachtes und schlank strukturiertes Projektarchiv</a:t>
+            </a:r>
+          </a:p>
+          <a:p>
+            <a:r>
+              <a:rPr lang="de-DE" dirty="0"/>
+              <a:t>Projekt besitzt 5 Arten von Zweigen:</a:t>
+            </a:r>
+          </a:p>
+          <a:p>
+            <a:pPr lvl="1"/>
+            <a:r>
+              <a:rPr lang="de-DE" dirty="0"/>
+              <a:t>Hauptzweig </a:t>
+            </a:r>
+            <a:r>
+              <a:rPr lang="de-DE" i="1" dirty="0" err="1"/>
+              <a:t>master</a:t>
+            </a:r>
+            <a:r>
+              <a:rPr lang="de-DE" dirty="0"/>
+              <a:t>: </a:t>
+            </a:r>
+            <a:br>
+              <a:rPr lang="de-DE" dirty="0"/>
+            </a:br>
+            <a:r>
+              <a:rPr lang="de-DE" dirty="0"/>
+              <a:t>wird für fertige Veröffentlichungen verwendet und ist einmalig</a:t>
+            </a:r>
+          </a:p>
+          <a:p>
+            <a:pPr lvl="1"/>
+            <a:r>
+              <a:rPr lang="de-DE" dirty="0"/>
+              <a:t>Entwicklungszweig </a:t>
+            </a:r>
+            <a:r>
+              <a:rPr lang="de-DE" i="1" dirty="0" err="1"/>
+              <a:t>development</a:t>
+            </a:r>
+            <a:r>
+              <a:rPr lang="de-DE" dirty="0"/>
+              <a:t>: </a:t>
+            </a:r>
+            <a:br>
+              <a:rPr lang="de-DE" dirty="0"/>
+            </a:br>
+            <a:r>
+              <a:rPr lang="de-DE" dirty="0"/>
+              <a:t>führt Änderungen und Neuerungen zusammen und ist einmalig</a:t>
+            </a:r>
+          </a:p>
+          <a:p>
+            <a:pPr lvl="1"/>
+            <a:r>
+              <a:rPr lang="de-DE" dirty="0"/>
+              <a:t>Veröffentlichungszweig</a:t>
+            </a:r>
+            <a:r>
+              <a:rPr lang="de-DE" i="1" dirty="0"/>
+              <a:t> release</a:t>
+            </a:r>
+            <a:r>
+              <a:rPr lang="de-DE" dirty="0"/>
+              <a:t>: </a:t>
+            </a:r>
+            <a:br>
+              <a:rPr lang="de-DE" dirty="0"/>
+            </a:br>
+            <a:r>
+              <a:rPr lang="de-DE" dirty="0"/>
+              <a:t>beinhaltet Änderungen aus dem Entwicklungszweig, welche in die nächste Version einfließen</a:t>
+            </a:r>
+          </a:p>
+          <a:p>
+            <a:pPr lvl="1"/>
+            <a:r>
+              <a:rPr lang="de-DE" dirty="0"/>
+              <a:t>Funktionszweig </a:t>
+            </a:r>
+            <a:r>
+              <a:rPr lang="de-DE" i="1" dirty="0"/>
+              <a:t>feature</a:t>
+            </a:r>
+            <a:r>
+              <a:rPr lang="de-DE" dirty="0"/>
+              <a:t>: </a:t>
+            </a:r>
+            <a:br>
+              <a:rPr lang="de-DE" dirty="0"/>
+            </a:br>
+            <a:r>
+              <a:rPr lang="de-DE" dirty="0"/>
+              <a:t>basierend auf dem Entwicklungszweig, beinhalten diese Zweige Änderungen die anhand Personen, Themen und Funktionen separiert werden </a:t>
+            </a:r>
+          </a:p>
+          <a:p>
+            <a:pPr lvl="1"/>
+            <a:r>
+              <a:rPr lang="de-DE" dirty="0"/>
+              <a:t>Korrekturzweig </a:t>
+            </a:r>
+            <a:r>
+              <a:rPr lang="de-DE" i="1" dirty="0" err="1"/>
+              <a:t>bugfix</a:t>
+            </a:r>
+            <a:r>
+              <a:rPr lang="de-DE" dirty="0"/>
+              <a:t>: </a:t>
+            </a:r>
+            <a:br>
+              <a:rPr lang="de-DE" dirty="0"/>
+            </a:br>
+            <a:r>
+              <a:rPr lang="de-DE" dirty="0"/>
+              <a:t>ermöglicht kleine Änderungen direkt an der Veröffentlichung</a:t>
+            </a:r>
+          </a:p>
+        </p:txBody>
+      </p:sp>
       <p:sp>
         <p:nvSpPr>
           <p:cNvPr id="3" name="Titel 2">
             <a:extLst>
               <a:ext uri="{FF2B5EF4-FFF2-40B4-BE49-F238E27FC236}">
-                <a16:creationId xmlns:a16="http://schemas.microsoft.com/office/drawing/2014/main" id="{2AF6D1B3-335A-493E-9891-37AE011B202D}"/>
+                <a16:creationId xmlns:a16="http://schemas.microsoft.com/office/drawing/2014/main" id="{625B6011-E5CD-40F8-BED3-233D5BEBC703}"/>
               </a:ext>
             </a:extLst>
           </p:cNvPr>
@@ -13526,9 +13757,19 @@
             <p:ph type="title" idx="4294967295"/>
           </p:nvPr>
         </p:nvSpPr>
-        <p:spPr/>
-        <p:txBody>
-          <a:bodyPr/>
+        <p:spPr>
+          <a:xfrm>
+            <a:off x="628650" y="365126"/>
+            <a:ext cx="7886700" cy="698903"/>
+          </a:xfrm>
+          <a:prstGeom prst="rect">
+            <a:avLst/>
+          </a:prstGeom>
+        </p:spPr>
+        <p:txBody>
+          <a:bodyPr>
+            <a:normAutofit/>
+          </a:bodyPr>
           <a:lstStyle/>
           <a:p>
             <a:r>
@@ -13537,7 +13778,7 @@
             </a:r>
             <a:r>
               <a:rPr lang="de-DE" dirty="0"/>
-              <a:t>-Flow – Grafische Darstellung</a:t>
+              <a:t>-Flow</a:t>
             </a:r>
           </a:p>
         </p:txBody>
@@ -13545,7 +13786,7 @@
     </p:spTree>
     <p:extLst>
       <p:ext uri="{BB962C8B-B14F-4D97-AF65-F5344CB8AC3E}">
-        <p14:creationId xmlns:p14="http://schemas.microsoft.com/office/powerpoint/2010/main" val="2222249360"/>
+        <p14:creationId xmlns:p14="http://schemas.microsoft.com/office/powerpoint/2010/main" val="149155477"/>
       </p:ext>
     </p:extLst>
   </p:cSld>
@@ -13572,137 +13813,47 @@
           <a:chExt cx="0" cy="0"/>
         </a:xfrm>
       </p:grpSpPr>
-      <p:sp>
-        <p:nvSpPr>
+      <p:pic>
+        <p:nvPicPr>
           <p:cNvPr id="5" name="Inhaltsplatzhalter 4">
             <a:extLst>
               <a:ext uri="{FF2B5EF4-FFF2-40B4-BE49-F238E27FC236}">
-                <a16:creationId xmlns:a16="http://schemas.microsoft.com/office/drawing/2014/main" id="{D0D15137-B24A-4D20-8DAF-E588A7DE9169}"/>
-              </a:ext>
-            </a:extLst>
-          </p:cNvPr>
-          <p:cNvSpPr>
-            <a:spLocks noGrp="1"/>
-          </p:cNvSpPr>
+                <a16:creationId xmlns:a16="http://schemas.microsoft.com/office/drawing/2014/main" id="{F3FD5A71-F73D-4CF7-9489-B8D5B70CC78C}"/>
+              </a:ext>
+            </a:extLst>
+          </p:cNvPr>
+          <p:cNvPicPr>
+            <a:picLocks noGrp="1" noChangeAspect="1"/>
+          </p:cNvPicPr>
           <p:nvPr>
             <p:ph idx="13"/>
           </p:nvPr>
-        </p:nvSpPr>
-        <p:spPr/>
-        <p:txBody>
-          <a:bodyPr>
-            <a:normAutofit/>
-          </a:bodyPr>
-          <a:lstStyle/>
-          <a:p>
-            <a:r>
-              <a:rPr lang="de-DE" dirty="0"/>
-              <a:t>Workflow, der für die Entwicklung des Linux Kernels verwendet wird</a:t>
-            </a:r>
-          </a:p>
-          <a:p>
-            <a:r>
-              <a:rPr lang="de-DE" dirty="0"/>
-              <a:t>Bis Heute setzt die Kernelentwicklung auf einen E-Mail Verteiler</a:t>
-            </a:r>
-          </a:p>
-          <a:p>
-            <a:pPr lvl="1"/>
-            <a:r>
-              <a:rPr lang="de-DE" dirty="0"/>
-              <a:t> Dieser informiert über Änderungen und fügt diese hinzu</a:t>
-            </a:r>
-          </a:p>
-          <a:p>
-            <a:r>
-              <a:rPr lang="de-DE" dirty="0"/>
-              <a:t>Vorgehensweise:</a:t>
-            </a:r>
-          </a:p>
-          <a:p>
-            <a:pPr lvl="1"/>
-            <a:r>
-              <a:rPr lang="de-DE" dirty="0"/>
-              <a:t>Änderungen werden zuerst vorgeschlagen</a:t>
-            </a:r>
-          </a:p>
-          <a:p>
-            <a:pPr lvl="1"/>
-            <a:r>
-              <a:rPr lang="de-DE" dirty="0"/>
-              <a:t>Ausgewählte Personen dürfen diese der Hauptentwicklung zuführen</a:t>
-            </a:r>
-          </a:p>
-          <a:p>
-            <a:r>
-              <a:rPr lang="de-DE" dirty="0"/>
-              <a:t>Verwendete Kommandos:</a:t>
-            </a:r>
-          </a:p>
-          <a:p>
-            <a:pPr lvl="1"/>
-            <a:r>
-              <a:rPr lang="de-DE" b="1" i="1" dirty="0" err="1"/>
-              <a:t>git</a:t>
-            </a:r>
-            <a:r>
-              <a:rPr lang="de-DE" b="1" i="1" dirty="0"/>
-              <a:t> </a:t>
-            </a:r>
-            <a:r>
-              <a:rPr lang="de-DE" b="1" i="1" dirty="0" err="1"/>
-              <a:t>request</a:t>
-            </a:r>
-            <a:r>
-              <a:rPr lang="de-DE" b="1" i="1" dirty="0"/>
-              <a:t>-pull &lt;Start&gt; &lt;URL&gt;</a:t>
-            </a:r>
-            <a:r>
-              <a:rPr lang="de-DE" dirty="0"/>
-              <a:t> </a:t>
-            </a:r>
-          </a:p>
-          <a:p>
-            <a:pPr marL="914400" lvl="2" indent="0">
-              <a:buNone/>
-            </a:pPr>
-            <a:r>
-              <a:rPr lang="de-DE" sz="1600" dirty="0"/>
-              <a:t>Gibt Differenzen zweier Ständer aus und schlägt somit Änderungen vor</a:t>
-            </a:r>
-          </a:p>
-          <a:p>
-            <a:pPr lvl="1"/>
-            <a:r>
-              <a:rPr lang="de-DE" b="1" i="1" dirty="0" err="1"/>
-              <a:t>git</a:t>
-            </a:r>
-            <a:r>
-              <a:rPr lang="de-DE" b="1" i="1" dirty="0"/>
-              <a:t> format-patch -1 &lt;Prüfsumme&gt;</a:t>
-            </a:r>
-          </a:p>
-          <a:p>
-            <a:pPr marL="914400" lvl="2" indent="0">
-              <a:buNone/>
-            </a:pPr>
-            <a:r>
-              <a:rPr lang="de-DE" sz="1600" dirty="0"/>
-              <a:t>Fügt Änderungsübersicht und E-Mail Kopfzeile an und ermöglicht die Änderungen in einen Patch zu verwandeln</a:t>
-            </a:r>
-            <a:endParaRPr lang="de-DE" dirty="0"/>
-          </a:p>
-          <a:p>
-            <a:endParaRPr lang="de-DE" dirty="0"/>
-          </a:p>
-        </p:txBody>
-      </p:sp>
+        </p:nvPicPr>
+        <p:blipFill>
+          <a:blip r:embed="rId2">
+            <a:extLst>
+              <a:ext uri="{28A0092B-C50C-407E-A947-70E740481C1C}">
+                <a14:useLocalDpi xmlns:a14="http://schemas.microsoft.com/office/drawing/2010/main" val="0"/>
+              </a:ext>
+            </a:extLst>
+          </a:blip>
+          <a:stretch>
+            <a:fillRect/>
+          </a:stretch>
+        </p:blipFill>
+        <p:spPr>
+          <a:xfrm>
+            <a:off x="923720" y="1271857"/>
+            <a:ext cx="7257125" cy="4491380"/>
+          </a:xfrm>
+        </p:spPr>
+      </p:pic>
       <p:sp>
         <p:nvSpPr>
           <p:cNvPr id="3" name="Titel 2">
             <a:extLst>
               <a:ext uri="{FF2B5EF4-FFF2-40B4-BE49-F238E27FC236}">
-                <a16:creationId xmlns:a16="http://schemas.microsoft.com/office/drawing/2014/main" id="{CB599424-652A-4472-8967-4805ED1F4DEB}"/>
+                <a16:creationId xmlns:a16="http://schemas.microsoft.com/office/drawing/2014/main" id="{2AF6D1B3-335A-493E-9891-37AE011B202D}"/>
               </a:ext>
             </a:extLst>
           </p:cNvPr>
@@ -13713,37 +13864,26 @@
             <p:ph type="title" idx="4294967295"/>
           </p:nvPr>
         </p:nvSpPr>
-        <p:spPr>
-          <a:xfrm>
-            <a:off x="628650" y="365126"/>
-            <a:ext cx="7886700" cy="698903"/>
-          </a:xfrm>
-          <a:prstGeom prst="rect">
-            <a:avLst/>
-          </a:prstGeom>
-        </p:spPr>
-        <p:txBody>
-          <a:bodyPr>
-            <a:normAutofit/>
-          </a:bodyPr>
+        <p:spPr/>
+        <p:txBody>
+          <a:bodyPr/>
           <a:lstStyle/>
           <a:p>
             <a:r>
-              <a:rPr lang="de-DE" dirty="0"/>
-              <a:t>Pull-</a:t>
-            </a:r>
-            <a:r>
               <a:rPr lang="de-DE" dirty="0" err="1"/>
-              <a:t>request</a:t>
-            </a:r>
-            <a:endParaRPr lang="de-DE" dirty="0"/>
+              <a:t>Git</a:t>
+            </a:r>
+            <a:r>
+              <a:rPr lang="de-DE" dirty="0"/>
+              <a:t>-Flow – Grafische Darstellung</a:t>
+            </a:r>
           </a:p>
         </p:txBody>
       </p:sp>
     </p:spTree>
     <p:extLst>
       <p:ext uri="{BB962C8B-B14F-4D97-AF65-F5344CB8AC3E}">
-        <p14:creationId xmlns:p14="http://schemas.microsoft.com/office/powerpoint/2010/main" val="1322300763"/>
+        <p14:creationId xmlns:p14="http://schemas.microsoft.com/office/powerpoint/2010/main" val="2222249360"/>
       </p:ext>
     </p:extLst>
   </p:cSld>
@@ -13775,7 +13915,7 @@
           <p:cNvPr id="5" name="Inhaltsplatzhalter 4">
             <a:extLst>
               <a:ext uri="{FF2B5EF4-FFF2-40B4-BE49-F238E27FC236}">
-                <a16:creationId xmlns:a16="http://schemas.microsoft.com/office/drawing/2014/main" id="{D39F8C46-B29C-4E51-82FC-5C372BBE7B10}"/>
+                <a16:creationId xmlns:a16="http://schemas.microsoft.com/office/drawing/2014/main" id="{D0D15137-B24A-4D20-8DAF-E588A7DE9169}"/>
               </a:ext>
             </a:extLst>
           </p:cNvPr>
@@ -13786,47 +13926,119 @@
             <p:ph idx="13"/>
           </p:nvPr>
         </p:nvSpPr>
-        <p:spPr/>
-        <p:txBody>
-          <a:bodyPr/>
+        <p:spPr>
+          <a:xfrm>
+            <a:off x="1011835" y="1245328"/>
+            <a:ext cx="7503515" cy="4931635"/>
+          </a:xfrm>
+        </p:spPr>
+        <p:txBody>
+          <a:bodyPr>
+            <a:normAutofit/>
+          </a:bodyPr>
           <a:lstStyle/>
           <a:p>
             <a:r>
               <a:rPr lang="de-DE" dirty="0"/>
-              <a:t>Abwandlung des Linux Workflows</a:t>
-            </a:r>
-          </a:p>
-          <a:p>
-            <a:r>
-              <a:rPr lang="de-DE" dirty="0"/>
-              <a:t>Wird für Open Source Projekte verwendet, bei denen nicht alle Mitwirkenden Berechtigungen am Projekt besitzen</a:t>
-            </a:r>
-          </a:p>
-          <a:p>
-            <a:r>
-              <a:rPr lang="de-DE" dirty="0"/>
-              <a:t>Gearbeitet wird an eine lokalen Kopie, </a:t>
-            </a:r>
-            <a:r>
-              <a:rPr lang="de-DE" i="1" dirty="0"/>
-              <a:t>Fork</a:t>
-            </a:r>
-          </a:p>
-          <a:p>
-            <a:r>
-              <a:rPr lang="de-DE" dirty="0"/>
-              <a:t>Für diese wird in der Regel ein neuer Zweig angelegt</a:t>
-            </a:r>
-          </a:p>
-          <a:p>
-            <a:r>
-              <a:rPr lang="de-DE" dirty="0"/>
-              <a:t>Änderungen werden dann über einen Pull-Request vorgeschlagen</a:t>
-            </a:r>
-          </a:p>
-          <a:p>
+              <a:t>Workflow, der für die Entwicklung des Linux Kernels verwendet wird</a:t>
+            </a:r>
+          </a:p>
+          <a:p>
+            <a:r>
+              <a:rPr lang="de-DE" dirty="0"/>
+              <a:t>Bis heute setzt diese auf einen E-Mail Verteiler</a:t>
+            </a:r>
+          </a:p>
+          <a:p>
+            <a:r>
+              <a:rPr lang="de-DE" dirty="0"/>
+              <a:t>Vorgehensweise:</a:t>
+            </a:r>
+          </a:p>
+          <a:p>
+            <a:pPr lvl="1"/>
+            <a:r>
+              <a:rPr lang="de-DE" dirty="0"/>
+              <a:t>Änderungen werden zuerst vorgeschlagen</a:t>
+            </a:r>
+          </a:p>
+          <a:p>
+            <a:pPr lvl="1"/>
+            <a:r>
+              <a:rPr lang="de-DE" dirty="0"/>
+              <a:t>Ausgewählte Personen dürfen diese der Hauptentwicklung zuführen</a:t>
+            </a:r>
+          </a:p>
+          <a:p>
+            <a:r>
+              <a:rPr lang="de-DE" dirty="0"/>
+              <a:t>Verwendete Kommandos:</a:t>
+            </a:r>
+          </a:p>
+          <a:p>
+            <a:pPr lvl="1"/>
+            <a:r>
+              <a:rPr lang="de-DE" b="1" i="1" dirty="0" err="1"/>
+              <a:t>git</a:t>
+            </a:r>
+            <a:r>
+              <a:rPr lang="de-DE" b="1" i="1" dirty="0"/>
+              <a:t> </a:t>
+            </a:r>
+            <a:r>
+              <a:rPr lang="de-DE" b="1" i="1" dirty="0" err="1"/>
+              <a:t>request</a:t>
+            </a:r>
+            <a:r>
+              <a:rPr lang="de-DE" b="1" i="1" dirty="0"/>
+              <a:t>-pull &lt;Start&gt; &lt;URL&gt;</a:t>
+            </a:r>
+            <a:r>
+              <a:rPr lang="de-DE" dirty="0"/>
+              <a:t> </a:t>
+            </a:r>
+          </a:p>
+          <a:p>
+            <a:pPr marL="914400" lvl="2" indent="0">
+              <a:buNone/>
+            </a:pPr>
+            <a:r>
+              <a:rPr lang="de-DE" sz="1600" dirty="0"/>
+              <a:t>Gibt Differenzen zweier Stände aus und wo diese zu finden sind (URL)</a:t>
+            </a:r>
+          </a:p>
+          <a:p>
+            <a:pPr lvl="1"/>
+            <a:r>
+              <a:rPr lang="de-DE" b="1" i="1" dirty="0" err="1"/>
+              <a:t>git</a:t>
+            </a:r>
+            <a:r>
+              <a:rPr lang="de-DE" b="1" i="1" dirty="0"/>
+              <a:t> format-patch -1 &lt;Prüfsumme&gt;</a:t>
+            </a:r>
+          </a:p>
+          <a:p>
+            <a:pPr marL="914400" lvl="2" indent="0">
+              <a:buNone/>
+            </a:pPr>
+            <a:r>
+              <a:rPr lang="de-DE" sz="1600" dirty="0"/>
+              <a:t>Fügt Änderungsübersicht des </a:t>
+            </a:r>
+            <a:r>
+              <a:rPr lang="de-DE" sz="1600" dirty="0" err="1"/>
+              <a:t>Commits</a:t>
+            </a:r>
+            <a:r>
+              <a:rPr lang="de-DE" sz="1600" dirty="0"/>
+              <a:t> und die vordefinierte E-Mail Kopfzeile an und ermöglicht die Änderungen in einen Patch zu verwandeln</a:t>
+            </a:r>
             <a:endParaRPr lang="de-DE" dirty="0"/>
           </a:p>
+          <a:p>
+            <a:endParaRPr lang="de-DE" dirty="0"/>
+          </a:p>
         </p:txBody>
       </p:sp>
       <p:sp>
@@ -13834,7 +14046,7 @@
           <p:cNvPr id="3" name="Titel 2">
             <a:extLst>
               <a:ext uri="{FF2B5EF4-FFF2-40B4-BE49-F238E27FC236}">
-                <a16:creationId xmlns:a16="http://schemas.microsoft.com/office/drawing/2014/main" id="{18E8F690-0089-41E4-BB41-AE8E12035B39}"/>
+                <a16:creationId xmlns:a16="http://schemas.microsoft.com/office/drawing/2014/main" id="{CB599424-652A-4472-8967-4805ED1F4DEB}"/>
               </a:ext>
             </a:extLst>
           </p:cNvPr>
@@ -13861,12 +14073,8 @@
           <a:lstStyle/>
           <a:p>
             <a:r>
-              <a:rPr lang="de-DE" dirty="0" err="1"/>
-              <a:t>Forking</a:t>
-            </a:r>
-            <a:r>
-              <a:rPr lang="de-DE" dirty="0"/>
-              <a:t>-workflow</a:t>
+              <a:rPr lang="de-DE" dirty="0"/>
+              <a:t>Request-Pull (Linux Workflow)</a:t>
             </a:r>
           </a:p>
         </p:txBody>
@@ -13874,7 +14082,7 @@
     </p:spTree>
     <p:extLst>
       <p:ext uri="{BB962C8B-B14F-4D97-AF65-F5344CB8AC3E}">
-        <p14:creationId xmlns:p14="http://schemas.microsoft.com/office/powerpoint/2010/main" val="1691214512"/>
+        <p14:creationId xmlns:p14="http://schemas.microsoft.com/office/powerpoint/2010/main" val="1322300763"/>
       </p:ext>
     </p:extLst>
   </p:cSld>
@@ -13903,10 +14111,10 @@
       </p:grpSpPr>
       <p:sp>
         <p:nvSpPr>
-          <p:cNvPr id="2" name="Titel 1">
-            <a:extLst>
-              <a:ext uri="{FF2B5EF4-FFF2-40B4-BE49-F238E27FC236}">
-                <a16:creationId xmlns:a16="http://schemas.microsoft.com/office/drawing/2014/main" id="{CFC30C4B-71C7-4535-8A5A-F0F266237AFD}"/>
+          <p:cNvPr id="5" name="Inhaltsplatzhalter 4">
+            <a:extLst>
+              <a:ext uri="{FF2B5EF4-FFF2-40B4-BE49-F238E27FC236}">
+                <a16:creationId xmlns:a16="http://schemas.microsoft.com/office/drawing/2014/main" id="{D39F8C46-B29C-4E51-82FC-5C372BBE7B10}"/>
               </a:ext>
             </a:extLst>
           </p:cNvPr>
@@ -13914,7 +14122,7 @@
             <a:spLocks noGrp="1"/>
           </p:cNvSpPr>
           <p:nvPr>
-            <p:ph type="title"/>
+            <p:ph idx="13"/>
           </p:nvPr>
         </p:nvSpPr>
         <p:spPr/>
@@ -13924,7 +14132,777 @@
           <a:p>
             <a:r>
               <a:rPr lang="de-DE" dirty="0"/>
-              <a:t>Interne Datenverwaltung</a:t>
+              <a:t>Abwandlung des Linux Workflows</a:t>
+            </a:r>
+          </a:p>
+          <a:p>
+            <a:r>
+              <a:rPr lang="de-DE" dirty="0"/>
+              <a:t>Wird für Open Source Projekte verwendet, bei denen nicht alle Mitwirkenden Berechtigungen am Projekt besitzen (GitHub, </a:t>
+            </a:r>
+            <a:r>
+              <a:rPr lang="de-DE" dirty="0" err="1"/>
+              <a:t>Bitbucket</a:t>
+            </a:r>
+            <a:r>
+              <a:rPr lang="de-DE" dirty="0"/>
+              <a:t>, etc.)</a:t>
+            </a:r>
+          </a:p>
+          <a:p>
+            <a:r>
+              <a:rPr lang="de-DE" dirty="0"/>
+              <a:t>Gearbeitet wird an eine lokalen Kopie namens </a:t>
+            </a:r>
+            <a:r>
+              <a:rPr lang="de-DE" i="1" dirty="0"/>
+              <a:t>Fork</a:t>
+            </a:r>
+          </a:p>
+          <a:p>
+            <a:r>
+              <a:rPr lang="de-DE" dirty="0"/>
+              <a:t>Für Änderungen wird in der Regel ein neuer Zweig angelegt</a:t>
+            </a:r>
+          </a:p>
+          <a:p>
+            <a:r>
+              <a:rPr lang="de-DE" dirty="0"/>
+              <a:t>Änderungen werden dann über einen Pull-Request vorgeschlagen</a:t>
+            </a:r>
+          </a:p>
+          <a:p>
+            <a:r>
+              <a:rPr lang="de-DE" dirty="0"/>
+              <a:t>Betreiber des Projekts kann über diese Funktion die vorgeschlagen Änderungen übernehmen</a:t>
+            </a:r>
+          </a:p>
+          <a:p>
+            <a:endParaRPr lang="de-DE" dirty="0"/>
+          </a:p>
+        </p:txBody>
+      </p:sp>
+      <p:sp>
+        <p:nvSpPr>
+          <p:cNvPr id="3" name="Titel 2">
+            <a:extLst>
+              <a:ext uri="{FF2B5EF4-FFF2-40B4-BE49-F238E27FC236}">
+                <a16:creationId xmlns:a16="http://schemas.microsoft.com/office/drawing/2014/main" id="{18E8F690-0089-41E4-BB41-AE8E12035B39}"/>
+              </a:ext>
+            </a:extLst>
+          </p:cNvPr>
+          <p:cNvSpPr>
+            <a:spLocks noGrp="1"/>
+          </p:cNvSpPr>
+          <p:nvPr>
+            <p:ph type="title" idx="4294967295"/>
+          </p:nvPr>
+        </p:nvSpPr>
+        <p:spPr>
+          <a:xfrm>
+            <a:off x="628650" y="365126"/>
+            <a:ext cx="7886700" cy="698903"/>
+          </a:xfrm>
+          <a:prstGeom prst="rect">
+            <a:avLst/>
+          </a:prstGeom>
+        </p:spPr>
+        <p:txBody>
+          <a:bodyPr>
+            <a:normAutofit/>
+          </a:bodyPr>
+          <a:lstStyle/>
+          <a:p>
+            <a:r>
+              <a:rPr lang="de-DE" dirty="0" err="1"/>
+              <a:t>Forking</a:t>
+            </a:r>
+            <a:r>
+              <a:rPr lang="de-DE" dirty="0"/>
+              <a:t> Workflow</a:t>
+            </a:r>
+          </a:p>
+        </p:txBody>
+      </p:sp>
+      <p:sp>
+        <p:nvSpPr>
+          <p:cNvPr id="9" name="Textfeld 8">
+            <a:extLst>
+              <a:ext uri="{FF2B5EF4-FFF2-40B4-BE49-F238E27FC236}">
+                <a16:creationId xmlns:a16="http://schemas.microsoft.com/office/drawing/2014/main" id="{3D870A41-5D56-469E-AAAB-2B0FAEDABDA2}"/>
+              </a:ext>
+            </a:extLst>
+          </p:cNvPr>
+          <p:cNvSpPr txBox="1"/>
+          <p:nvPr/>
+        </p:nvSpPr>
+        <p:spPr>
+          <a:xfrm>
+            <a:off x="1418060" y="5376108"/>
+            <a:ext cx="1392572" cy="276999"/>
+          </a:xfrm>
+          <a:prstGeom prst="rect">
+            <a:avLst/>
+          </a:prstGeom>
+          <a:noFill/>
+        </p:spPr>
+        <p:txBody>
+          <a:bodyPr wrap="square" rtlCol="0">
+            <a:spAutoFit/>
+          </a:bodyPr>
+          <a:lstStyle/>
+          <a:p>
+            <a:pPr algn="ctr"/>
+            <a:r>
+              <a:rPr lang="de-DE" sz="1200" dirty="0" err="1"/>
+              <a:t>fork</a:t>
+            </a:r>
+            <a:endParaRPr lang="de-DE" sz="1200" dirty="0"/>
+          </a:p>
+        </p:txBody>
+      </p:sp>
+      <p:cxnSp>
+        <p:nvCxnSpPr>
+          <p:cNvPr id="10" name="Gerade Verbindung mit Pfeil 9">
+            <a:extLst>
+              <a:ext uri="{FF2B5EF4-FFF2-40B4-BE49-F238E27FC236}">
+                <a16:creationId xmlns:a16="http://schemas.microsoft.com/office/drawing/2014/main" id="{9A9E5BCD-AF1D-48DD-85C4-4A8D8B4FEB66}"/>
+              </a:ext>
+            </a:extLst>
+          </p:cNvPr>
+          <p:cNvCxnSpPr>
+            <a:cxnSpLocks/>
+            <a:endCxn id="19" idx="1"/>
+          </p:cNvCxnSpPr>
+          <p:nvPr/>
+        </p:nvCxnSpPr>
+        <p:spPr>
+          <a:xfrm>
+            <a:off x="2699898" y="5993184"/>
+            <a:ext cx="1546085" cy="1"/>
+          </a:xfrm>
+          <a:prstGeom prst="straightConnector1">
+            <a:avLst/>
+          </a:prstGeom>
+          <a:ln>
+            <a:tailEnd type="triangle"/>
+          </a:ln>
+        </p:spPr>
+        <p:style>
+          <a:lnRef idx="2">
+            <a:schemeClr val="dk1"/>
+          </a:lnRef>
+          <a:fillRef idx="0">
+            <a:schemeClr val="dk1"/>
+          </a:fillRef>
+          <a:effectRef idx="1">
+            <a:schemeClr val="dk1"/>
+          </a:effectRef>
+          <a:fontRef idx="minor">
+            <a:schemeClr val="tx1"/>
+          </a:fontRef>
+        </p:style>
+      </p:cxnSp>
+      <p:sp>
+        <p:nvSpPr>
+          <p:cNvPr id="11" name="Textfeld 10">
+            <a:extLst>
+              <a:ext uri="{FF2B5EF4-FFF2-40B4-BE49-F238E27FC236}">
+                <a16:creationId xmlns:a16="http://schemas.microsoft.com/office/drawing/2014/main" id="{F65C1D3D-7D16-47C2-B6D2-E5C59C5C26DE}"/>
+              </a:ext>
+            </a:extLst>
+          </p:cNvPr>
+          <p:cNvSpPr txBox="1"/>
+          <p:nvPr/>
+        </p:nvSpPr>
+        <p:spPr>
+          <a:xfrm>
+            <a:off x="2776654" y="5992604"/>
+            <a:ext cx="1392572" cy="276999"/>
+          </a:xfrm>
+          <a:prstGeom prst="rect">
+            <a:avLst/>
+          </a:prstGeom>
+          <a:noFill/>
+        </p:spPr>
+        <p:txBody>
+          <a:bodyPr wrap="square" rtlCol="0">
+            <a:spAutoFit/>
+          </a:bodyPr>
+          <a:lstStyle/>
+          <a:p>
+            <a:pPr algn="ctr"/>
+            <a:r>
+              <a:rPr lang="de-DE" sz="1200" dirty="0"/>
+              <a:t>Änderungen</a:t>
+            </a:r>
+          </a:p>
+        </p:txBody>
+      </p:sp>
+      <p:sp>
+        <p:nvSpPr>
+          <p:cNvPr id="12" name="Rechteck: abgerundete Ecken 11">
+            <a:extLst>
+              <a:ext uri="{FF2B5EF4-FFF2-40B4-BE49-F238E27FC236}">
+                <a16:creationId xmlns:a16="http://schemas.microsoft.com/office/drawing/2014/main" id="{1023FCF9-E8A9-4CBD-B6C1-065DF059BCA3}"/>
+              </a:ext>
+            </a:extLst>
+          </p:cNvPr>
+          <p:cNvSpPr/>
+          <p:nvPr/>
+        </p:nvSpPr>
+        <p:spPr>
+          <a:xfrm>
+            <a:off x="1108698" y="5716766"/>
+            <a:ext cx="1591200" cy="552837"/>
+          </a:xfrm>
+          <a:prstGeom prst="roundRect">
+            <a:avLst/>
+          </a:prstGeom>
+        </p:spPr>
+        <p:style>
+          <a:lnRef idx="2">
+            <a:schemeClr val="accent6">
+              <a:shade val="50000"/>
+            </a:schemeClr>
+          </a:lnRef>
+          <a:fillRef idx="1">
+            <a:schemeClr val="accent6"/>
+          </a:fillRef>
+          <a:effectRef idx="0">
+            <a:schemeClr val="accent6"/>
+          </a:effectRef>
+          <a:fontRef idx="minor">
+            <a:schemeClr val="lt1"/>
+          </a:fontRef>
+        </p:style>
+        <p:txBody>
+          <a:bodyPr rot="0" spcFirstLastPara="0" vertOverflow="overflow" horzOverflow="overflow" vert="horz" wrap="square" lIns="91440" tIns="45720" rIns="91440" bIns="45720" numCol="1" spcCol="0" rtlCol="0" fromWordArt="0" anchor="ctr" anchorCtr="0" forceAA="0" compatLnSpc="1">
+            <a:prstTxWarp prst="textNoShape">
+              <a:avLst/>
+            </a:prstTxWarp>
+            <a:noAutofit/>
+          </a:bodyPr>
+          <a:lstStyle/>
+          <a:p>
+            <a:pPr algn="ctr"/>
+            <a:r>
+              <a:rPr lang="de-DE" sz="1200" dirty="0">
+                <a:ln w="0"/>
+                <a:solidFill>
+                  <a:schemeClr val="tx1"/>
+                </a:solidFill>
+                <a:effectLst>
+                  <a:outerShdw blurRad="38100" dist="25400" dir="5400000" algn="ctr" rotWithShape="0">
+                    <a:srgbClr val="6E747A">
+                      <a:alpha val="43000"/>
+                    </a:srgbClr>
+                  </a:outerShdw>
+                </a:effectLst>
+                <a:latin typeface="Arial" panose="020B0604020202020204" pitchFamily="34" charset="0"/>
+                <a:cs typeface="Arial" panose="020B0604020202020204" pitchFamily="34" charset="0"/>
+              </a:rPr>
+              <a:t>Projektarchiv</a:t>
+            </a:r>
+          </a:p>
+        </p:txBody>
+      </p:sp>
+      <p:sp>
+        <p:nvSpPr>
+          <p:cNvPr id="14" name="Rechteck: abgerundete Ecken 13">
+            <a:extLst>
+              <a:ext uri="{FF2B5EF4-FFF2-40B4-BE49-F238E27FC236}">
+                <a16:creationId xmlns:a16="http://schemas.microsoft.com/office/drawing/2014/main" id="{9713B396-9C83-49BA-8BFD-79311674EF40}"/>
+              </a:ext>
+            </a:extLst>
+          </p:cNvPr>
+          <p:cNvSpPr/>
+          <p:nvPr/>
+        </p:nvSpPr>
+        <p:spPr>
+          <a:xfrm>
+            <a:off x="1110676" y="4759612"/>
+            <a:ext cx="1591200" cy="552837"/>
+          </a:xfrm>
+          <a:prstGeom prst="roundRect">
+            <a:avLst/>
+          </a:prstGeom>
+          <a:solidFill>
+            <a:srgbClr val="FF4747"/>
+          </a:solidFill>
+          <a:ln>
+            <a:solidFill>
+              <a:srgbClr val="C00000"/>
+            </a:solidFill>
+          </a:ln>
+        </p:spPr>
+        <p:style>
+          <a:lnRef idx="2">
+            <a:schemeClr val="accent6">
+              <a:shade val="50000"/>
+            </a:schemeClr>
+          </a:lnRef>
+          <a:fillRef idx="1">
+            <a:schemeClr val="accent6"/>
+          </a:fillRef>
+          <a:effectRef idx="0">
+            <a:schemeClr val="accent6"/>
+          </a:effectRef>
+          <a:fontRef idx="minor">
+            <a:schemeClr val="lt1"/>
+          </a:fontRef>
+        </p:style>
+        <p:txBody>
+          <a:bodyPr rot="0" spcFirstLastPara="0" vertOverflow="overflow" horzOverflow="overflow" vert="horz" wrap="square" lIns="91440" tIns="45720" rIns="91440" bIns="45720" numCol="1" spcCol="0" rtlCol="0" fromWordArt="0" anchor="ctr" anchorCtr="0" forceAA="0" compatLnSpc="1">
+            <a:prstTxWarp prst="textNoShape">
+              <a:avLst/>
+            </a:prstTxWarp>
+            <a:noAutofit/>
+          </a:bodyPr>
+          <a:lstStyle/>
+          <a:p>
+            <a:pPr algn="ctr"/>
+            <a:r>
+              <a:rPr lang="de-DE" sz="1200" dirty="0">
+                <a:ln w="0"/>
+                <a:solidFill>
+                  <a:schemeClr val="tx1"/>
+                </a:solidFill>
+                <a:effectLst>
+                  <a:outerShdw blurRad="38100" dist="25400" dir="5400000" algn="ctr" rotWithShape="0">
+                    <a:srgbClr val="6E747A">
+                      <a:alpha val="43000"/>
+                    </a:srgbClr>
+                  </a:outerShdw>
+                </a:effectLst>
+                <a:latin typeface="Arial" panose="020B0604020202020204" pitchFamily="34" charset="0"/>
+                <a:cs typeface="Arial" panose="020B0604020202020204" pitchFamily="34" charset="0"/>
+              </a:rPr>
+              <a:t>Fremdarchiv</a:t>
+            </a:r>
+          </a:p>
+        </p:txBody>
+      </p:sp>
+      <p:cxnSp>
+        <p:nvCxnSpPr>
+          <p:cNvPr id="16" name="Gerade Verbindung mit Pfeil 15">
+            <a:extLst>
+              <a:ext uri="{FF2B5EF4-FFF2-40B4-BE49-F238E27FC236}">
+                <a16:creationId xmlns:a16="http://schemas.microsoft.com/office/drawing/2014/main" id="{3E0AEB13-7AAF-49A0-A245-4827132B3C3F}"/>
+              </a:ext>
+            </a:extLst>
+          </p:cNvPr>
+          <p:cNvCxnSpPr>
+            <a:cxnSpLocks/>
+            <a:stCxn id="14" idx="2"/>
+            <a:endCxn id="12" idx="0"/>
+          </p:cNvCxnSpPr>
+          <p:nvPr/>
+        </p:nvCxnSpPr>
+        <p:spPr>
+          <a:xfrm flipH="1">
+            <a:off x="1904298" y="5312449"/>
+            <a:ext cx="1978" cy="404317"/>
+          </a:xfrm>
+          <a:prstGeom prst="straightConnector1">
+            <a:avLst/>
+          </a:prstGeom>
+          <a:ln>
+            <a:tailEnd type="triangle"/>
+          </a:ln>
+        </p:spPr>
+        <p:style>
+          <a:lnRef idx="2">
+            <a:schemeClr val="dk1"/>
+          </a:lnRef>
+          <a:fillRef idx="0">
+            <a:schemeClr val="dk1"/>
+          </a:fillRef>
+          <a:effectRef idx="1">
+            <a:schemeClr val="dk1"/>
+          </a:effectRef>
+          <a:fontRef idx="minor">
+            <a:schemeClr val="tx1"/>
+          </a:fontRef>
+        </p:style>
+      </p:cxnSp>
+      <p:sp>
+        <p:nvSpPr>
+          <p:cNvPr id="19" name="Rechteck: abgerundete Ecken 18">
+            <a:extLst>
+              <a:ext uri="{FF2B5EF4-FFF2-40B4-BE49-F238E27FC236}">
+                <a16:creationId xmlns:a16="http://schemas.microsoft.com/office/drawing/2014/main" id="{A9419B7E-43CE-4745-9C77-C662EA2C6FBA}"/>
+              </a:ext>
+            </a:extLst>
+          </p:cNvPr>
+          <p:cNvSpPr/>
+          <p:nvPr/>
+        </p:nvSpPr>
+        <p:spPr>
+          <a:xfrm>
+            <a:off x="4245983" y="5716766"/>
+            <a:ext cx="1591200" cy="552837"/>
+          </a:xfrm>
+          <a:prstGeom prst="roundRect">
+            <a:avLst/>
+          </a:prstGeom>
+        </p:spPr>
+        <p:style>
+          <a:lnRef idx="2">
+            <a:schemeClr val="accent6">
+              <a:shade val="50000"/>
+            </a:schemeClr>
+          </a:lnRef>
+          <a:fillRef idx="1">
+            <a:schemeClr val="accent6"/>
+          </a:fillRef>
+          <a:effectRef idx="0">
+            <a:schemeClr val="accent6"/>
+          </a:effectRef>
+          <a:fontRef idx="minor">
+            <a:schemeClr val="lt1"/>
+          </a:fontRef>
+        </p:style>
+        <p:txBody>
+          <a:bodyPr rot="0" spcFirstLastPara="0" vertOverflow="overflow" horzOverflow="overflow" vert="horz" wrap="square" lIns="91440" tIns="45720" rIns="91440" bIns="45720" numCol="1" spcCol="0" rtlCol="0" fromWordArt="0" anchor="ctr" anchorCtr="0" forceAA="0" compatLnSpc="1">
+            <a:prstTxWarp prst="textNoShape">
+              <a:avLst/>
+            </a:prstTxWarp>
+            <a:noAutofit/>
+          </a:bodyPr>
+          <a:lstStyle/>
+          <a:p>
+            <a:pPr algn="ctr"/>
+            <a:r>
+              <a:rPr lang="de-DE" sz="1200" dirty="0">
+                <a:ln w="0"/>
+                <a:solidFill>
+                  <a:schemeClr val="tx1"/>
+                </a:solidFill>
+                <a:effectLst>
+                  <a:outerShdw blurRad="38100" dist="25400" dir="5400000" algn="ctr" rotWithShape="0">
+                    <a:srgbClr val="6E747A">
+                      <a:alpha val="43000"/>
+                    </a:srgbClr>
+                  </a:outerShdw>
+                </a:effectLst>
+                <a:latin typeface="Arial" panose="020B0604020202020204" pitchFamily="34" charset="0"/>
+                <a:cs typeface="Arial" panose="020B0604020202020204" pitchFamily="34" charset="0"/>
+              </a:rPr>
+              <a:t>Projektarchiv</a:t>
+            </a:r>
+          </a:p>
+        </p:txBody>
+      </p:sp>
+      <p:cxnSp>
+        <p:nvCxnSpPr>
+          <p:cNvPr id="21" name="Gerade Verbindung mit Pfeil 20">
+            <a:extLst>
+              <a:ext uri="{FF2B5EF4-FFF2-40B4-BE49-F238E27FC236}">
+                <a16:creationId xmlns:a16="http://schemas.microsoft.com/office/drawing/2014/main" id="{424C592C-5BEB-41F7-87C8-1429B5BED2DE}"/>
+              </a:ext>
+            </a:extLst>
+          </p:cNvPr>
+          <p:cNvCxnSpPr>
+            <a:cxnSpLocks/>
+          </p:cNvCxnSpPr>
+          <p:nvPr/>
+        </p:nvCxnSpPr>
+        <p:spPr>
+          <a:xfrm flipV="1">
+            <a:off x="5041583" y="5312449"/>
+            <a:ext cx="0" cy="377694"/>
+          </a:xfrm>
+          <a:prstGeom prst="straightConnector1">
+            <a:avLst/>
+          </a:prstGeom>
+          <a:ln>
+            <a:tailEnd type="triangle"/>
+          </a:ln>
+        </p:spPr>
+        <p:style>
+          <a:lnRef idx="2">
+            <a:schemeClr val="dk1"/>
+          </a:lnRef>
+          <a:fillRef idx="0">
+            <a:schemeClr val="dk1"/>
+          </a:fillRef>
+          <a:effectRef idx="1">
+            <a:schemeClr val="dk1"/>
+          </a:effectRef>
+          <a:fontRef idx="minor">
+            <a:schemeClr val="tx1"/>
+          </a:fontRef>
+        </p:style>
+      </p:cxnSp>
+      <p:sp>
+        <p:nvSpPr>
+          <p:cNvPr id="23" name="Rechteck: abgerundete Ecken 22">
+            <a:extLst>
+              <a:ext uri="{FF2B5EF4-FFF2-40B4-BE49-F238E27FC236}">
+                <a16:creationId xmlns:a16="http://schemas.microsoft.com/office/drawing/2014/main" id="{66C150BB-D253-433C-9F1C-A10A09FB5505}"/>
+              </a:ext>
+            </a:extLst>
+          </p:cNvPr>
+          <p:cNvSpPr/>
+          <p:nvPr/>
+        </p:nvSpPr>
+        <p:spPr>
+          <a:xfrm>
+            <a:off x="4245983" y="4754277"/>
+            <a:ext cx="1591200" cy="552837"/>
+          </a:xfrm>
+          <a:prstGeom prst="roundRect">
+            <a:avLst/>
+          </a:prstGeom>
+          <a:solidFill>
+            <a:srgbClr val="FF4747"/>
+          </a:solidFill>
+          <a:ln>
+            <a:solidFill>
+              <a:srgbClr val="C00000"/>
+            </a:solidFill>
+          </a:ln>
+        </p:spPr>
+        <p:style>
+          <a:lnRef idx="2">
+            <a:schemeClr val="accent6">
+              <a:shade val="50000"/>
+            </a:schemeClr>
+          </a:lnRef>
+          <a:fillRef idx="1">
+            <a:schemeClr val="accent6"/>
+          </a:fillRef>
+          <a:effectRef idx="0">
+            <a:schemeClr val="accent6"/>
+          </a:effectRef>
+          <a:fontRef idx="minor">
+            <a:schemeClr val="lt1"/>
+          </a:fontRef>
+        </p:style>
+        <p:txBody>
+          <a:bodyPr rot="0" spcFirstLastPara="0" vertOverflow="overflow" horzOverflow="overflow" vert="horz" wrap="square" lIns="91440" tIns="45720" rIns="91440" bIns="45720" numCol="1" spcCol="0" rtlCol="0" fromWordArt="0" anchor="ctr" anchorCtr="0" forceAA="0" compatLnSpc="1">
+            <a:prstTxWarp prst="textNoShape">
+              <a:avLst/>
+            </a:prstTxWarp>
+            <a:noAutofit/>
+          </a:bodyPr>
+          <a:lstStyle/>
+          <a:p>
+            <a:pPr algn="ctr"/>
+            <a:r>
+              <a:rPr lang="de-DE" sz="1200" dirty="0">
+                <a:ln w="0"/>
+                <a:solidFill>
+                  <a:schemeClr val="tx1"/>
+                </a:solidFill>
+                <a:effectLst>
+                  <a:outerShdw blurRad="38100" dist="25400" dir="5400000" algn="ctr" rotWithShape="0">
+                    <a:srgbClr val="6E747A">
+                      <a:alpha val="43000"/>
+                    </a:srgbClr>
+                  </a:outerShdw>
+                </a:effectLst>
+                <a:latin typeface="Arial" panose="020B0604020202020204" pitchFamily="34" charset="0"/>
+                <a:cs typeface="Arial" panose="020B0604020202020204" pitchFamily="34" charset="0"/>
+              </a:rPr>
+              <a:t>Fremdarchiv</a:t>
+            </a:r>
+          </a:p>
+        </p:txBody>
+      </p:sp>
+      <p:sp>
+        <p:nvSpPr>
+          <p:cNvPr id="25" name="Textfeld 24">
+            <a:extLst>
+              <a:ext uri="{FF2B5EF4-FFF2-40B4-BE49-F238E27FC236}">
+                <a16:creationId xmlns:a16="http://schemas.microsoft.com/office/drawing/2014/main" id="{EC70AE21-9B39-4D52-80BE-F44B03369F50}"/>
+              </a:ext>
+            </a:extLst>
+          </p:cNvPr>
+          <p:cNvSpPr txBox="1"/>
+          <p:nvPr/>
+        </p:nvSpPr>
+        <p:spPr>
+          <a:xfrm>
+            <a:off x="4865378" y="5376108"/>
+            <a:ext cx="1392572" cy="276999"/>
+          </a:xfrm>
+          <a:prstGeom prst="rect">
+            <a:avLst/>
+          </a:prstGeom>
+          <a:noFill/>
+        </p:spPr>
+        <p:txBody>
+          <a:bodyPr wrap="square" rtlCol="0">
+            <a:spAutoFit/>
+          </a:bodyPr>
+          <a:lstStyle/>
+          <a:p>
+            <a:pPr algn="ctr"/>
+            <a:r>
+              <a:rPr lang="de-DE" sz="1200" dirty="0"/>
+              <a:t>„Pull-Request“</a:t>
+            </a:r>
+          </a:p>
+        </p:txBody>
+      </p:sp>
+      <p:sp>
+        <p:nvSpPr>
+          <p:cNvPr id="26" name="Rechteck: abgerundete Ecken 25">
+            <a:extLst>
+              <a:ext uri="{FF2B5EF4-FFF2-40B4-BE49-F238E27FC236}">
+                <a16:creationId xmlns:a16="http://schemas.microsoft.com/office/drawing/2014/main" id="{8C257F26-16A7-43A7-8A47-1685A0E6EC9F}"/>
+              </a:ext>
+            </a:extLst>
+          </p:cNvPr>
+          <p:cNvSpPr/>
+          <p:nvPr/>
+        </p:nvSpPr>
+        <p:spPr>
+          <a:xfrm>
+            <a:off x="6924150" y="4750153"/>
+            <a:ext cx="1591200" cy="552837"/>
+          </a:xfrm>
+          <a:prstGeom prst="roundRect">
+            <a:avLst/>
+          </a:prstGeom>
+          <a:solidFill>
+            <a:srgbClr val="FF4747"/>
+          </a:solidFill>
+          <a:ln>
+            <a:solidFill>
+              <a:srgbClr val="C00000"/>
+            </a:solidFill>
+          </a:ln>
+        </p:spPr>
+        <p:style>
+          <a:lnRef idx="2">
+            <a:schemeClr val="accent6">
+              <a:shade val="50000"/>
+            </a:schemeClr>
+          </a:lnRef>
+          <a:fillRef idx="1">
+            <a:schemeClr val="accent6"/>
+          </a:fillRef>
+          <a:effectRef idx="0">
+            <a:schemeClr val="accent6"/>
+          </a:effectRef>
+          <a:fontRef idx="minor">
+            <a:schemeClr val="lt1"/>
+          </a:fontRef>
+        </p:style>
+        <p:txBody>
+          <a:bodyPr rot="0" spcFirstLastPara="0" vertOverflow="overflow" horzOverflow="overflow" vert="horz" wrap="square" lIns="91440" tIns="45720" rIns="91440" bIns="45720" numCol="1" spcCol="0" rtlCol="0" fromWordArt="0" anchor="ctr" anchorCtr="0" forceAA="0" compatLnSpc="1">
+            <a:prstTxWarp prst="textNoShape">
+              <a:avLst/>
+            </a:prstTxWarp>
+            <a:noAutofit/>
+          </a:bodyPr>
+          <a:lstStyle/>
+          <a:p>
+            <a:pPr algn="ctr"/>
+            <a:r>
+              <a:rPr lang="de-DE" sz="1200" dirty="0">
+                <a:ln w="0"/>
+                <a:solidFill>
+                  <a:schemeClr val="tx1"/>
+                </a:solidFill>
+                <a:effectLst>
+                  <a:outerShdw blurRad="38100" dist="25400" dir="5400000" algn="ctr" rotWithShape="0">
+                    <a:srgbClr val="6E747A">
+                      <a:alpha val="43000"/>
+                    </a:srgbClr>
+                  </a:outerShdw>
+                </a:effectLst>
+                <a:latin typeface="Arial" panose="020B0604020202020204" pitchFamily="34" charset="0"/>
+                <a:cs typeface="Arial" panose="020B0604020202020204" pitchFamily="34" charset="0"/>
+              </a:rPr>
+              <a:t>Fremdarchiv</a:t>
+            </a:r>
+          </a:p>
+        </p:txBody>
+      </p:sp>
+      <p:cxnSp>
+        <p:nvCxnSpPr>
+          <p:cNvPr id="28" name="Verbinder: gewinkelt 27">
+            <a:extLst>
+              <a:ext uri="{FF2B5EF4-FFF2-40B4-BE49-F238E27FC236}">
+                <a16:creationId xmlns:a16="http://schemas.microsoft.com/office/drawing/2014/main" id="{CDCAC467-9091-4764-8AB2-4155DFAA0B09}"/>
+              </a:ext>
+            </a:extLst>
+          </p:cNvPr>
+          <p:cNvCxnSpPr>
+            <a:stCxn id="19" idx="3"/>
+            <a:endCxn id="26" idx="2"/>
+          </p:cNvCxnSpPr>
+          <p:nvPr/>
+        </p:nvCxnSpPr>
+        <p:spPr>
+          <a:xfrm flipV="1">
+            <a:off x="5837183" y="5302990"/>
+            <a:ext cx="1882567" cy="690195"/>
+          </a:xfrm>
+          <a:prstGeom prst="bentConnector2">
+            <a:avLst/>
+          </a:prstGeom>
+          <a:ln w="12700" cap="flat" cmpd="sng" algn="ctr">
+            <a:solidFill>
+              <a:schemeClr val="dk1"/>
+            </a:solidFill>
+            <a:prstDash val="sysDash"/>
+            <a:round/>
+            <a:headEnd type="none" w="med" len="med"/>
+            <a:tailEnd type="arrow" w="med" len="med"/>
+          </a:ln>
+        </p:spPr>
+        <p:style>
+          <a:lnRef idx="0">
+            <a:scrgbClr r="0" g="0" b="0"/>
+          </a:lnRef>
+          <a:fillRef idx="0">
+            <a:scrgbClr r="0" g="0" b="0"/>
+          </a:fillRef>
+          <a:effectRef idx="0">
+            <a:scrgbClr r="0" g="0" b="0"/>
+          </a:effectRef>
+          <a:fontRef idx="minor">
+            <a:schemeClr val="tx1"/>
+          </a:fontRef>
+        </p:style>
+      </p:cxnSp>
+      <p:sp>
+        <p:nvSpPr>
+          <p:cNvPr id="33" name="Textfeld 32">
+            <a:extLst>
+              <a:ext uri="{FF2B5EF4-FFF2-40B4-BE49-F238E27FC236}">
+                <a16:creationId xmlns:a16="http://schemas.microsoft.com/office/drawing/2014/main" id="{939B4767-194D-44A1-B237-718A42B6F363}"/>
+              </a:ext>
+            </a:extLst>
+          </p:cNvPr>
+          <p:cNvSpPr txBox="1"/>
+          <p:nvPr/>
+        </p:nvSpPr>
+        <p:spPr>
+          <a:xfrm>
+            <a:off x="6128769" y="5992604"/>
+            <a:ext cx="2599228" cy="276999"/>
+          </a:xfrm>
+          <a:prstGeom prst="rect">
+            <a:avLst/>
+          </a:prstGeom>
+          <a:noFill/>
+        </p:spPr>
+        <p:txBody>
+          <a:bodyPr wrap="square" rtlCol="0">
+            <a:spAutoFit/>
+          </a:bodyPr>
+          <a:lstStyle/>
+          <a:p>
+            <a:pPr algn="ctr"/>
+            <a:r>
+              <a:rPr lang="de-DE" sz="1200" dirty="0"/>
+              <a:t>Annahme durch Fremdarchiv Besitzer</a:t>
             </a:r>
           </a:p>
         </p:txBody>
@@ -13932,7 +14910,7 @@
     </p:spTree>
     <p:extLst>
       <p:ext uri="{BB962C8B-B14F-4D97-AF65-F5344CB8AC3E}">
-        <p14:creationId xmlns:p14="http://schemas.microsoft.com/office/powerpoint/2010/main" val="3431436470"/>
+        <p14:creationId xmlns:p14="http://schemas.microsoft.com/office/powerpoint/2010/main" val="1691214512"/>
       </p:ext>
     </p:extLst>
   </p:cSld>
@@ -13961,10 +14939,10 @@
       </p:grpSpPr>
       <p:sp>
         <p:nvSpPr>
-          <p:cNvPr id="4" name="Inhaltsplatzhalter 3">
-            <a:extLst>
-              <a:ext uri="{FF2B5EF4-FFF2-40B4-BE49-F238E27FC236}">
-                <a16:creationId xmlns:a16="http://schemas.microsoft.com/office/drawing/2014/main" id="{68907F8E-2FC4-4FEA-BE11-BBC2972A10FE}"/>
+          <p:cNvPr id="2" name="Titel 1">
+            <a:extLst>
+              <a:ext uri="{FF2B5EF4-FFF2-40B4-BE49-F238E27FC236}">
+                <a16:creationId xmlns:a16="http://schemas.microsoft.com/office/drawing/2014/main" id="{CFC30C4B-71C7-4535-8A5A-F0F266237AFD}"/>
               </a:ext>
             </a:extLst>
           </p:cNvPr>
@@ -13972,7 +14950,7 @@
             <a:spLocks noGrp="1"/>
           </p:cNvSpPr>
           <p:nvPr>
-            <p:ph idx="13"/>
+            <p:ph type="title"/>
           </p:nvPr>
         </p:nvSpPr>
         <p:spPr/>
@@ -13982,201 +14960,15 @@
           <a:p>
             <a:r>
               <a:rPr lang="de-DE" dirty="0"/>
-              <a:t>Durch dezentralen Ansatz ist kompakte Speicherverwaltung wichtig</a:t>
-            </a:r>
-          </a:p>
-          <a:p>
-            <a:r>
-              <a:rPr lang="de-DE" dirty="0"/>
-              <a:t>Verwaltung von Daten und Informationen über Zeiger</a:t>
-            </a:r>
-          </a:p>
-          <a:p>
-            <a:pPr lvl="1"/>
-            <a:r>
-              <a:rPr lang="de-DE" dirty="0"/>
-              <a:t>Content-</a:t>
-            </a:r>
-            <a:r>
-              <a:rPr lang="de-DE" dirty="0" err="1"/>
-              <a:t>Addressed</a:t>
-            </a:r>
-            <a:r>
-              <a:rPr lang="de-DE" dirty="0"/>
-              <a:t> Storage (CAS)</a:t>
-            </a:r>
-          </a:p>
-          <a:p>
-            <a:r>
-              <a:rPr lang="de-DE" dirty="0"/>
-              <a:t>Komprimierung durch </a:t>
-            </a:r>
-            <a:r>
-              <a:rPr lang="de-DE" i="1" dirty="0" err="1"/>
-              <a:t>Zlib</a:t>
-            </a:r>
-            <a:r>
-              <a:rPr lang="de-DE" i="1" dirty="0"/>
-              <a:t> </a:t>
-            </a:r>
-            <a:r>
-              <a:rPr lang="de-DE" dirty="0"/>
-              <a:t>und Voranstellung des Kopfteils</a:t>
-            </a:r>
-          </a:p>
-          <a:p>
-            <a:pPr lvl="1"/>
-            <a:r>
-              <a:rPr lang="de-DE" dirty="0"/>
-              <a:t>Aus einer Datei wird ein sog. </a:t>
-            </a:r>
-            <a:r>
-              <a:rPr lang="de-DE" i="1" dirty="0" err="1"/>
-              <a:t>Blob</a:t>
-            </a:r>
-            <a:endParaRPr lang="de-DE" dirty="0"/>
-          </a:p>
-          <a:p>
-            <a:r>
-              <a:rPr lang="de-DE" dirty="0"/>
-              <a:t>Die </a:t>
-            </a:r>
-            <a:r>
-              <a:rPr lang="de-DE" i="1" dirty="0" err="1"/>
-              <a:t>blobs</a:t>
-            </a:r>
-            <a:r>
-              <a:rPr lang="de-DE" dirty="0"/>
-              <a:t> werden durch Verzeichnisse verwaltet</a:t>
-            </a:r>
-          </a:p>
-          <a:p>
-            <a:pPr lvl="1"/>
-            <a:r>
-              <a:rPr lang="de-DE" dirty="0"/>
-              <a:t>Diese werde </a:t>
-            </a:r>
-            <a:r>
-              <a:rPr lang="de-DE" i="1" dirty="0" err="1"/>
-              <a:t>tree</a:t>
-            </a:r>
-            <a:r>
-              <a:rPr lang="de-DE" dirty="0"/>
-              <a:t> </a:t>
-            </a:r>
-            <a:r>
-              <a:rPr lang="de-DE" dirty="0" err="1"/>
-              <a:t>gennant</a:t>
-            </a:r>
-            <a:endParaRPr lang="de-DE" dirty="0"/>
-          </a:p>
-          <a:p>
-            <a:endParaRPr lang="de-DE" dirty="0"/>
-          </a:p>
-          <a:p>
-            <a:endParaRPr lang="de-DE" dirty="0"/>
-          </a:p>
-          <a:p>
-            <a:endParaRPr lang="de-DE" dirty="0"/>
-          </a:p>
-          <a:p>
-            <a:endParaRPr lang="de-DE" dirty="0"/>
-          </a:p>
-          <a:p>
-            <a:endParaRPr lang="de-DE" dirty="0"/>
-          </a:p>
-          <a:p>
-            <a:endParaRPr lang="de-DE" dirty="0"/>
-          </a:p>
-          <a:p>
-            <a:pPr marL="0" indent="0">
-              <a:buNone/>
-            </a:pPr>
-            <a:endParaRPr lang="de-DE" dirty="0"/>
-          </a:p>
-        </p:txBody>
-      </p:sp>
-      <p:sp>
-        <p:nvSpPr>
-          <p:cNvPr id="5" name="Titel 4">
-            <a:extLst>
-              <a:ext uri="{FF2B5EF4-FFF2-40B4-BE49-F238E27FC236}">
-                <a16:creationId xmlns:a16="http://schemas.microsoft.com/office/drawing/2014/main" id="{86E22394-880D-4500-AA8D-A412EFE36D95}"/>
-              </a:ext>
-            </a:extLst>
-          </p:cNvPr>
-          <p:cNvSpPr>
-            <a:spLocks noGrp="1"/>
-          </p:cNvSpPr>
-          <p:nvPr>
-            <p:ph type="title" idx="4294967295"/>
-          </p:nvPr>
-        </p:nvSpPr>
-        <p:spPr>
-          <a:xfrm>
-            <a:off x="628650" y="365126"/>
-            <a:ext cx="7886700" cy="698903"/>
-          </a:xfrm>
-          <a:prstGeom prst="rect">
-            <a:avLst/>
-          </a:prstGeom>
-        </p:spPr>
-        <p:txBody>
-          <a:bodyPr>
-            <a:normAutofit/>
-          </a:bodyPr>
-          <a:lstStyle/>
-          <a:p>
-            <a:r>
-              <a:rPr lang="de-DE" dirty="0"/>
-              <a:t>Allgemeines</a:t>
-            </a:r>
-          </a:p>
-        </p:txBody>
-      </p:sp>
-      <p:pic>
-        <p:nvPicPr>
-          <p:cNvPr id="6" name="Grafik 5">
-            <a:extLst>
-              <a:ext uri="{FF2B5EF4-FFF2-40B4-BE49-F238E27FC236}">
-                <a16:creationId xmlns:a16="http://schemas.microsoft.com/office/drawing/2014/main" id="{2C8F73F0-F85A-4DF7-BBF7-D02683C09276}"/>
-              </a:ext>
-            </a:extLst>
-          </p:cNvPr>
-          <p:cNvPicPr/>
-          <p:nvPr/>
-        </p:nvPicPr>
-        <p:blipFill>
-          <a:blip r:embed="rId2" cstate="print">
-            <a:extLst>
-              <a:ext uri="{28A0092B-C50C-407E-A947-70E740481C1C}">
-                <a14:useLocalDpi xmlns:a14="http://schemas.microsoft.com/office/drawing/2010/main" val="0"/>
-              </a:ext>
-            </a:extLst>
-          </a:blip>
-          <a:srcRect/>
-          <a:stretch>
-            <a:fillRect/>
-          </a:stretch>
-        </p:blipFill>
-        <p:spPr bwMode="auto">
-          <a:xfrm>
-            <a:off x="1626725" y="3984771"/>
-            <a:ext cx="5890549" cy="2298582"/>
-          </a:xfrm>
-          <a:prstGeom prst="rect">
-            <a:avLst/>
-          </a:prstGeom>
-          <a:noFill/>
-          <a:ln>
-            <a:noFill/>
-          </a:ln>
-        </p:spPr>
-      </p:pic>
+              <a:t>Interne Datenverwaltung</a:t>
+            </a:r>
+          </a:p>
+        </p:txBody>
+      </p:sp>
     </p:spTree>
     <p:extLst>
       <p:ext uri="{BB962C8B-B14F-4D97-AF65-F5344CB8AC3E}">
-        <p14:creationId xmlns:p14="http://schemas.microsoft.com/office/powerpoint/2010/main" val="2659165292"/>
+        <p14:creationId xmlns:p14="http://schemas.microsoft.com/office/powerpoint/2010/main" val="3431436470"/>
       </p:ext>
     </p:extLst>
   </p:cSld>
@@ -14387,10 +15179,10 @@
       </p:grpSpPr>
       <p:sp>
         <p:nvSpPr>
-          <p:cNvPr id="2" name="Inhaltsplatzhalter 1">
-            <a:extLst>
-              <a:ext uri="{FF2B5EF4-FFF2-40B4-BE49-F238E27FC236}">
-                <a16:creationId xmlns:a16="http://schemas.microsoft.com/office/drawing/2014/main" id="{487913BE-9020-41AC-B373-945A6492F8CC}"/>
+          <p:cNvPr id="4" name="Inhaltsplatzhalter 3">
+            <a:extLst>
+              <a:ext uri="{FF2B5EF4-FFF2-40B4-BE49-F238E27FC236}">
+                <a16:creationId xmlns:a16="http://schemas.microsoft.com/office/drawing/2014/main" id="{68907F8E-2FC4-4FEA-BE11-BBC2972A10FE}"/>
               </a:ext>
             </a:extLst>
           </p:cNvPr>
@@ -14408,86 +15200,135 @@
           <a:p>
             <a:r>
               <a:rPr lang="de-DE" dirty="0"/>
-              <a:t>Auch bei kleinen Änderungen werden Großteile einer Datei erneut gespeichert</a:t>
-            </a:r>
-          </a:p>
-          <a:p>
-            <a:r>
-              <a:rPr lang="de-DE" dirty="0"/>
-              <a:t>Um den Speicherplatz freizugeben werden Dateien :</a:t>
+              <a:t>Durch dezentralen Ansatz ist kompakte Speicherverwaltung wichtig</a:t>
+            </a:r>
+          </a:p>
+          <a:p>
+            <a:r>
+              <a:rPr lang="de-DE" dirty="0"/>
+              <a:t>Verwaltung von Daten und Informationen über Zeiger</a:t>
+            </a:r>
+          </a:p>
+          <a:p>
+            <a:r>
+              <a:rPr lang="de-DE" dirty="0"/>
+              <a:t>Komprimierung durch </a:t>
+            </a:r>
+            <a:r>
+              <a:rPr lang="de-DE" i="1" dirty="0" err="1"/>
+              <a:t>Zlib</a:t>
+            </a:r>
+            <a:r>
+              <a:rPr lang="de-DE" i="1" dirty="0"/>
+              <a:t> </a:t>
+            </a:r>
+            <a:r>
+              <a:rPr lang="de-DE" dirty="0"/>
+              <a:t>und Voranstellung des Kopfteils</a:t>
             </a:r>
           </a:p>
           <a:p>
             <a:pPr lvl="1"/>
             <a:r>
               <a:rPr lang="de-DE" dirty="0"/>
-              <a:t>in Archive verpackt</a:t>
+              <a:t>Aus einer Datei wird ein sogenannter „</a:t>
+            </a:r>
+            <a:r>
+              <a:rPr lang="de-DE" i="1" dirty="0" err="1"/>
+              <a:t>Blob</a:t>
+            </a:r>
+            <a:r>
+              <a:rPr lang="de-DE" i="1" dirty="0"/>
+              <a:t>“</a:t>
             </a:r>
           </a:p>
           <a:p>
             <a:pPr lvl="1"/>
             <a:r>
               <a:rPr lang="de-DE" dirty="0"/>
-              <a:t>auf Deltas aufgesplittet</a:t>
-            </a:r>
-          </a:p>
-          <a:p>
-            <a:r>
-              <a:rPr lang="de-DE" dirty="0"/>
-              <a:t>Erfordert aber Dateien, die diese Änderungsnachverfolgung zulassen</a:t>
-            </a:r>
-          </a:p>
-          <a:p>
-            <a:pPr lvl="1"/>
-            <a:r>
-              <a:rPr lang="de-DE" dirty="0"/>
-              <a:t>Binäre Dateien sind ausgeschlossen</a:t>
-            </a:r>
-          </a:p>
-          <a:p>
-            <a:r>
-              <a:rPr lang="de-DE" dirty="0"/>
-              <a:t>Dieser Prozess wird</a:t>
-            </a:r>
-          </a:p>
-          <a:p>
-            <a:pPr lvl="1"/>
-            <a:r>
-              <a:rPr lang="de-DE" dirty="0"/>
-              <a:t>Periodisch durchgeführt</a:t>
-            </a:r>
-          </a:p>
-          <a:p>
-            <a:pPr lvl="1"/>
-            <a:r>
-              <a:rPr lang="de-DE" dirty="0"/>
-              <a:t>Manuell mit dem Kommando </a:t>
-            </a:r>
-            <a:r>
-              <a:rPr lang="de-DE" b="1" i="1" dirty="0" err="1"/>
-              <a:t>git</a:t>
-            </a:r>
-            <a:r>
-              <a:rPr lang="de-DE" b="1" i="1" dirty="0"/>
+              <a:t>Neue Erstellung eines </a:t>
+            </a:r>
+            <a:r>
+              <a:rPr lang="de-DE" i="1" dirty="0" err="1"/>
+              <a:t>blobs</a:t>
+            </a:r>
+            <a:r>
+              <a:rPr lang="de-DE" i="1" dirty="0"/>
               <a:t> </a:t>
             </a:r>
             <a:r>
-              <a:rPr lang="de-DE" b="1" i="1" dirty="0" err="1"/>
-              <a:t>gc</a:t>
-            </a:r>
-            <a:endParaRPr lang="de-DE" b="1" i="1" dirty="0"/>
-          </a:p>
-          <a:p>
+              <a:rPr lang="de-DE" dirty="0"/>
+              <a:t>nur bei abweichender Prüfsumme</a:t>
+            </a:r>
+          </a:p>
+          <a:p>
+            <a:r>
+              <a:rPr lang="de-DE" i="1" dirty="0" err="1"/>
+              <a:t>blobs</a:t>
+            </a:r>
+            <a:r>
+              <a:rPr lang="de-DE" dirty="0"/>
+              <a:t> werden durch Verzeichnisse namens </a:t>
+            </a:r>
+            <a:r>
+              <a:rPr lang="de-DE" i="1" dirty="0" err="1"/>
+              <a:t>tree</a:t>
+            </a:r>
+            <a:r>
+              <a:rPr lang="de-DE" dirty="0"/>
+              <a:t> verwaltet</a:t>
+            </a:r>
+          </a:p>
+          <a:p>
+            <a:r>
+              <a:rPr lang="de-DE" dirty="0" err="1"/>
+              <a:t>Commits</a:t>
+            </a:r>
+            <a:r>
+              <a:rPr lang="de-DE" dirty="0"/>
+              <a:t> / Tags sind Zeiger auf </a:t>
+            </a:r>
+            <a:r>
+              <a:rPr lang="de-DE" i="1" dirty="0" err="1"/>
+              <a:t>trees</a:t>
+            </a:r>
+            <a:endParaRPr lang="de-DE" i="1" dirty="0"/>
+          </a:p>
+          <a:p>
+            <a:pPr marL="0" indent="0">
+              <a:buNone/>
+            </a:pPr>
             <a:endParaRPr lang="de-DE" dirty="0"/>
           </a:p>
-        </p:txBody>
-      </p:sp>
-      <p:sp>
-        <p:nvSpPr>
-          <p:cNvPr id="3" name="Titel 2">
-            <a:extLst>
-              <a:ext uri="{FF2B5EF4-FFF2-40B4-BE49-F238E27FC236}">
-                <a16:creationId xmlns:a16="http://schemas.microsoft.com/office/drawing/2014/main" id="{6841BC89-F4B3-4748-9BD9-6A4920D25755}"/>
+          <a:p>
+            <a:endParaRPr lang="de-DE" dirty="0"/>
+          </a:p>
+          <a:p>
+            <a:endParaRPr lang="de-DE" dirty="0"/>
+          </a:p>
+          <a:p>
+            <a:endParaRPr lang="de-DE" dirty="0"/>
+          </a:p>
+          <a:p>
+            <a:endParaRPr lang="de-DE" dirty="0"/>
+          </a:p>
+          <a:p>
+            <a:endParaRPr lang="de-DE" dirty="0"/>
+          </a:p>
+          <a:p>
+            <a:pPr marL="0" indent="0">
+              <a:buNone/>
+            </a:pPr>
+            <a:endParaRPr lang="de-DE" dirty="0"/>
+          </a:p>
+        </p:txBody>
+      </p:sp>
+      <p:sp>
+        <p:nvSpPr>
+          <p:cNvPr id="5" name="Titel 4">
+            <a:extLst>
+              <a:ext uri="{FF2B5EF4-FFF2-40B4-BE49-F238E27FC236}">
+                <a16:creationId xmlns:a16="http://schemas.microsoft.com/office/drawing/2014/main" id="{86E22394-880D-4500-AA8D-A412EFE36D95}"/>
               </a:ext>
             </a:extLst>
           </p:cNvPr>
@@ -14498,22 +15339,71 @@
             <p:ph type="title" idx="4294967295"/>
           </p:nvPr>
         </p:nvSpPr>
-        <p:spPr/>
-        <p:txBody>
-          <a:bodyPr/>
+        <p:spPr>
+          <a:xfrm>
+            <a:off x="628650" y="365126"/>
+            <a:ext cx="7886700" cy="698903"/>
+          </a:xfrm>
+          <a:prstGeom prst="rect">
+            <a:avLst/>
+          </a:prstGeom>
+        </p:spPr>
+        <p:txBody>
+          <a:bodyPr>
+            <a:normAutofit/>
+          </a:bodyPr>
           <a:lstStyle/>
           <a:p>
             <a:r>
               <a:rPr lang="de-DE" dirty="0"/>
-              <a:t>Packfiles</a:t>
-            </a:r>
-          </a:p>
-        </p:txBody>
-      </p:sp>
+              <a:t>Speicheraufbau</a:t>
+            </a:r>
+          </a:p>
+        </p:txBody>
+      </p:sp>
+      <p:pic>
+        <p:nvPicPr>
+          <p:cNvPr id="6" name="Grafik 5">
+            <a:extLst>
+              <a:ext uri="{FF2B5EF4-FFF2-40B4-BE49-F238E27FC236}">
+                <a16:creationId xmlns:a16="http://schemas.microsoft.com/office/drawing/2014/main" id="{2C8F73F0-F85A-4DF7-BBF7-D02683C09276}"/>
+              </a:ext>
+            </a:extLst>
+          </p:cNvPr>
+          <p:cNvPicPr/>
+          <p:nvPr/>
+        </p:nvPicPr>
+        <p:blipFill>
+          <a:blip r:embed="rId2" cstate="print">
+            <a:extLst>
+              <a:ext uri="{28A0092B-C50C-407E-A947-70E740481C1C}">
+                <a14:useLocalDpi xmlns:a14="http://schemas.microsoft.com/office/drawing/2010/main" val="0"/>
+              </a:ext>
+            </a:extLst>
+          </a:blip>
+          <a:srcRect/>
+          <a:stretch>
+            <a:fillRect/>
+          </a:stretch>
+        </p:blipFill>
+        <p:spPr bwMode="auto">
+          <a:xfrm>
+            <a:off x="1626725" y="4059680"/>
+            <a:ext cx="5890549" cy="2298582"/>
+          </a:xfrm>
+          <a:prstGeom prst="rect">
+            <a:avLst/>
+          </a:prstGeom>
+          <a:noFill/>
+          <a:ln>
+            <a:noFill/>
+          </a:ln>
+        </p:spPr>
+      </p:pic>
     </p:spTree>
     <p:extLst>
       <p:ext uri="{BB962C8B-B14F-4D97-AF65-F5344CB8AC3E}">
-        <p14:creationId xmlns:p14="http://schemas.microsoft.com/office/powerpoint/2010/main" val="3874958567"/>
+        <p14:creationId xmlns:p14="http://schemas.microsoft.com/office/powerpoint/2010/main" val="2659165292"/>
       </p:ext>
     </p:extLst>
   </p:cSld>
@@ -14545,7 +15435,7 @@
           <p:cNvPr id="2" name="Inhaltsplatzhalter 1">
             <a:extLst>
               <a:ext uri="{FF2B5EF4-FFF2-40B4-BE49-F238E27FC236}">
-                <a16:creationId xmlns:a16="http://schemas.microsoft.com/office/drawing/2014/main" id="{29430910-92F5-4A27-934D-B6A2928EF541}"/>
+                <a16:creationId xmlns:a16="http://schemas.microsoft.com/office/drawing/2014/main" id="{487913BE-9020-41AC-B373-945A6492F8CC}"/>
               </a:ext>
             </a:extLst>
           </p:cNvPr>
@@ -14563,50 +15453,87 @@
           <a:p>
             <a:r>
               <a:rPr lang="de-DE" dirty="0"/>
-              <a:t>Eine Erweiterung für </a:t>
-            </a:r>
-            <a:r>
-              <a:rPr lang="de-DE" dirty="0" err="1"/>
-              <a:t>Git</a:t>
-            </a:r>
-            <a:endParaRPr lang="de-DE" dirty="0"/>
-          </a:p>
-          <a:p>
-            <a:r>
-              <a:rPr lang="de-DE" dirty="0"/>
-              <a:t>Vereinfacht Handhabung von großen Dateien</a:t>
-            </a:r>
-          </a:p>
-          <a:p>
-            <a:r>
-              <a:rPr lang="de-DE" dirty="0"/>
-              <a:t>Aufgrund des dezentralen Ansatzes besitzt jeder alle Dateien des Projektarchivs</a:t>
+              <a:t>Auch bei kleinen Änderungen wird die gesamte Datei erneut gespeichert</a:t>
+            </a:r>
+          </a:p>
+          <a:p>
+            <a:r>
+              <a:rPr lang="de-DE" dirty="0"/>
+              <a:t>Um Speicherplatz zu minimieren werden Dateien :</a:t>
             </a:r>
           </a:p>
           <a:p>
             <a:pPr lvl="1"/>
             <a:r>
               <a:rPr lang="de-DE" dirty="0"/>
-              <a:t>Große Dateien sind mehrmals verteilt abgespeichert</a:t>
-            </a:r>
-          </a:p>
-          <a:p>
-            <a:r>
-              <a:rPr lang="de-DE" dirty="0"/>
-              <a:t>LFS zwischenverwaltet bestimmte Dateitypen</a:t>
-            </a:r>
-          </a:p>
-          <a:p>
-            <a:r>
-              <a:rPr lang="de-DE" dirty="0"/>
-              <a:t>Für diese Dateien wir ein Behälter angelegt</a:t>
-            </a:r>
-          </a:p>
-          <a:p>
-            <a:endParaRPr lang="de-DE" dirty="0"/>
-          </a:p>
-          <a:p>
-            <a:endParaRPr lang="de-DE" dirty="0"/>
+              <a:t>in Archive verpackt</a:t>
+            </a:r>
+          </a:p>
+          <a:p>
+            <a:pPr lvl="1"/>
+            <a:r>
+              <a:rPr lang="de-DE" dirty="0"/>
+              <a:t>auf Deltas aufgesplittet</a:t>
+            </a:r>
+          </a:p>
+          <a:p>
+            <a:r>
+              <a:rPr lang="de-DE" dirty="0"/>
+              <a:t>Erfordert aber Dateien, die diese Änderungsnachverfolgung zulassen</a:t>
+            </a:r>
+          </a:p>
+          <a:p>
+            <a:pPr lvl="1"/>
+            <a:r>
+              <a:rPr lang="de-DE" dirty="0"/>
+              <a:t>Binäre Dateien sind ausgeschlossen</a:t>
+            </a:r>
+          </a:p>
+          <a:p>
+            <a:r>
+              <a:rPr lang="de-DE" dirty="0"/>
+              <a:t>Dieser Prozess wird</a:t>
+            </a:r>
+          </a:p>
+          <a:p>
+            <a:pPr lvl="1"/>
+            <a:r>
+              <a:rPr lang="de-DE" dirty="0"/>
+              <a:t>Periodisch durchgeführt</a:t>
+            </a:r>
+          </a:p>
+          <a:p>
+            <a:pPr lvl="1"/>
+            <a:r>
+              <a:rPr lang="de-DE" dirty="0"/>
+              <a:t>Manuell mit dem Kommando </a:t>
+            </a:r>
+            <a:r>
+              <a:rPr lang="de-DE" b="1" i="1" dirty="0" err="1"/>
+              <a:t>git</a:t>
+            </a:r>
+            <a:r>
+              <a:rPr lang="de-DE" b="1" i="1" dirty="0"/>
+              <a:t> </a:t>
+            </a:r>
+            <a:r>
+              <a:rPr lang="de-DE" b="1" i="1" dirty="0" err="1"/>
+              <a:t>gc</a:t>
+            </a:r>
+            <a:r>
+              <a:rPr lang="de-DE" b="1" i="1" dirty="0"/>
+              <a:t> </a:t>
+            </a:r>
+            <a:r>
+              <a:rPr lang="de-DE" i="1" dirty="0"/>
+              <a:t>angestoßen</a:t>
+            </a:r>
+          </a:p>
+          <a:p>
+            <a:r>
+              <a:rPr lang="de-DE" dirty="0"/>
+              <a:t>Wiederherstellung dauert länger, weshalb dies erst im späteren Verlauf geschieht</a:t>
+            </a:r>
           </a:p>
         </p:txBody>
       </p:sp>
@@ -14615,7 +15542,7 @@
           <p:cNvPr id="3" name="Titel 2">
             <a:extLst>
               <a:ext uri="{FF2B5EF4-FFF2-40B4-BE49-F238E27FC236}">
-                <a16:creationId xmlns:a16="http://schemas.microsoft.com/office/drawing/2014/main" id="{EA847F6D-905A-4198-B345-826E14B26406}"/>
+                <a16:creationId xmlns:a16="http://schemas.microsoft.com/office/drawing/2014/main" id="{6841BC89-F4B3-4748-9BD9-6A4920D25755}"/>
               </a:ext>
             </a:extLst>
           </p:cNvPr>
@@ -14632,28 +15559,8 @@
           <a:lstStyle/>
           <a:p>
             <a:r>
-              <a:rPr lang="de-DE" dirty="0" err="1"/>
-              <a:t>Git</a:t>
-            </a:r>
-            <a:r>
-              <a:rPr lang="de-DE" dirty="0"/>
-              <a:t> LFS (large </a:t>
-            </a:r>
-            <a:r>
-              <a:rPr lang="de-DE" dirty="0" err="1"/>
-              <a:t>file</a:t>
-            </a:r>
-            <a:r>
-              <a:rPr lang="de-DE" dirty="0"/>
-              <a:t> </a:t>
-            </a:r>
-            <a:r>
-              <a:rPr lang="de-DE" dirty="0" err="1"/>
-              <a:t>storage</a:t>
-            </a:r>
-            <a:r>
-              <a:rPr lang="de-DE" dirty="0"/>
-              <a:t>)</a:t>
+              <a:rPr lang="de-DE" dirty="0"/>
+              <a:t>Packfiles</a:t>
             </a:r>
           </a:p>
         </p:txBody>
@@ -14661,7 +15568,7 @@
     </p:spTree>
     <p:extLst>
       <p:ext uri="{BB962C8B-B14F-4D97-AF65-F5344CB8AC3E}">
-        <p14:creationId xmlns:p14="http://schemas.microsoft.com/office/powerpoint/2010/main" val="1224540421"/>
+        <p14:creationId xmlns:p14="http://schemas.microsoft.com/office/powerpoint/2010/main" val="3874958567"/>
       </p:ext>
     </p:extLst>
   </p:cSld>
@@ -14710,10 +15617,77 @@
           <a:lstStyle/>
           <a:p>
             <a:r>
-              <a:rPr lang="de-DE" dirty="0" err="1"/>
-              <a:t>Init</a:t>
-            </a:r>
+              <a:rPr lang="de-DE" dirty="0"/>
+              <a:t>Erstellung über </a:t>
+            </a:r>
+            <a:r>
+              <a:rPr lang="de-DE" i="1" dirty="0" err="1"/>
+              <a:t>init</a:t>
+            </a:r>
+            <a:endParaRPr lang="de-DE" i="1" dirty="0"/>
+          </a:p>
+          <a:p>
+            <a:pPr lvl="1"/>
+            <a:r>
+              <a:rPr lang="de-DE" dirty="0"/>
+              <a:t>Kommando: </a:t>
+            </a:r>
+            <a:r>
+              <a:rPr lang="de-DE" b="1" i="1" dirty="0" err="1"/>
+              <a:t>git</a:t>
+            </a:r>
+            <a:r>
+              <a:rPr lang="de-DE" b="1" i="1" dirty="0"/>
+              <a:t> </a:t>
+            </a:r>
+            <a:r>
+              <a:rPr lang="de-DE" b="1" i="1" dirty="0" err="1"/>
+              <a:t>init</a:t>
+            </a:r>
+            <a:r>
+              <a:rPr lang="de-DE" b="1" i="1" dirty="0"/>
+              <a:t> [Verzeichnis]</a:t>
+            </a:r>
+          </a:p>
+          <a:p>
+            <a:pPr lvl="1"/>
+            <a:r>
+              <a:rPr lang="de-DE" dirty="0"/>
+              <a:t>Ermöglicht Erstellung eines neuen Projektarchivs</a:t>
+            </a:r>
+          </a:p>
+          <a:p>
+            <a:pPr lvl="1"/>
+            <a:r>
+              <a:rPr lang="de-DE" dirty="0"/>
+              <a:t>Fügt dem aktuellen Verzeichnis ein Unterverzeichnis ".git" hinzu</a:t>
+            </a:r>
+          </a:p>
+          <a:p>
+            <a:pPr lvl="1"/>
+            <a:r>
+              <a:rPr lang="de-DE" dirty="0"/>
+              <a:t>Somit wird dieses Verzeichnis zu einem Git Projektarchiv </a:t>
+            </a:r>
+          </a:p>
+          <a:p>
+            <a:pPr lvl="1"/>
             <a:endParaRPr lang="de-DE" dirty="0"/>
+          </a:p>
+          <a:p>
+            <a:pPr lvl="1"/>
+            <a:endParaRPr lang="de-DE" dirty="0"/>
+          </a:p>
+          <a:p>
+            <a:r>
+              <a:rPr lang="de-DE" dirty="0"/>
+              <a:t>Erstellung über </a:t>
+            </a:r>
+            <a:r>
+              <a:rPr lang="de-DE" i="1" dirty="0" err="1"/>
+              <a:t>clone</a:t>
+            </a:r>
+            <a:endParaRPr lang="de-DE" i="1" dirty="0"/>
           </a:p>
           <a:p>
             <a:pPr lvl="1"/>
@@ -14727,57 +15701,6 @@
             </a:r>
             <a:r>
               <a:rPr lang="de-DE" b="1" i="1" dirty="0" err="1"/>
-              <a:t>init</a:t>
-            </a:r>
-            <a:endParaRPr lang="de-DE" b="1" i="1" dirty="0"/>
-          </a:p>
-          <a:p>
-            <a:pPr lvl="1"/>
-            <a:r>
-              <a:rPr lang="de-DE" dirty="0"/>
-              <a:t>Ermöglicht Erstellung eines neuen Projektarchivs</a:t>
-            </a:r>
-          </a:p>
-          <a:p>
-            <a:pPr lvl="1"/>
-            <a:r>
-              <a:rPr lang="de-DE" dirty="0"/>
-              <a:t>Fügt dem aktuellen Verzeichnis ein Unterverzeichnis ".git" hinzu</a:t>
-            </a:r>
-          </a:p>
-          <a:p>
-            <a:pPr lvl="1"/>
-            <a:r>
-              <a:rPr lang="de-DE" dirty="0"/>
-              <a:t>Somit wird dieses Verzeichnis zu einem Git Projektarchiv </a:t>
-            </a:r>
-          </a:p>
-          <a:p>
-            <a:pPr lvl="1"/>
-            <a:endParaRPr lang="de-DE" dirty="0"/>
-          </a:p>
-          <a:p>
-            <a:pPr lvl="1"/>
-            <a:endParaRPr lang="de-DE" dirty="0"/>
-          </a:p>
-          <a:p>
-            <a:r>
-              <a:rPr lang="de-DE" dirty="0"/>
-              <a:t>Clone</a:t>
-            </a:r>
-          </a:p>
-          <a:p>
-            <a:pPr lvl="1"/>
-            <a:r>
-              <a:rPr lang="de-DE" dirty="0"/>
-              <a:t>Kommando: </a:t>
-            </a:r>
-            <a:r>
-              <a:rPr lang="de-DE" b="1" i="1" dirty="0"/>
-              <a:t>git </a:t>
-            </a:r>
-            <a:r>
-              <a:rPr lang="de-DE" b="1" i="1" dirty="0" err="1"/>
               <a:t>clone</a:t>
             </a:r>
             <a:r>
@@ -14796,7 +15719,7 @@
             <a:pPr lvl="1"/>
             <a:r>
               <a:rPr lang="de-DE" dirty="0"/>
-              <a:t>Erstellt Verbindung zwischen dem lokalen Archiv und dem Originalen, unter dem Alias </a:t>
+              <a:t>Erstellt Verbindung zwischen dem lokalen und globalen Archiv unter dem Alias </a:t>
             </a:r>
             <a:r>
               <a:rPr lang="de-DE" dirty="0" err="1"/>
@@ -15377,7 +16300,7 @@
         </p:blipFill>
         <p:spPr>
           <a:xfrm>
-            <a:off x="2554331" y="4901983"/>
+            <a:off x="2529990" y="4893594"/>
             <a:ext cx="4084020" cy="1153515"/>
           </a:xfrm>
           <a:prstGeom prst="rect">
@@ -15493,7 +16416,7 @@
             </a:r>
             <a:r>
               <a:rPr lang="de-DE" dirty="0"/>
-              <a:t>zeilenweise angegeben</a:t>
+              <a:t>zeilenweise angegeben:</a:t>
             </a:r>
           </a:p>
           <a:p>
@@ -15594,7 +16517,7 @@
           <a:p>
             <a:r>
               <a:rPr lang="de-DE" dirty="0"/>
-              <a:t>Datei .</a:t>
+              <a:t>Die Datei .</a:t>
             </a:r>
             <a:r>
               <a:rPr lang="de-DE" dirty="0" err="1"/>

--- a/Präsentation-90min/Präsentation-90min.pptx
+++ b/Präsentation-90min/Präsentation-90min.pptx
@@ -4738,9 +4738,7 @@
               <a:rPr lang="de-DE" sz="1200" dirty="0">
                 <a:ln w="0"/>
                 <a:solidFill>
-                  <a:schemeClr val="accent1">
-                    <a:lumMod val="50000"/>
-                  </a:schemeClr>
+                  <a:schemeClr val="tx1"/>
                 </a:solidFill>
                 <a:effectLst>
                   <a:outerShdw blurRad="38100" dist="25400" dir="5400000" algn="ctr" rotWithShape="0">
@@ -4808,9 +4806,7 @@
               <a:rPr lang="de-DE" sz="1200" dirty="0">
                 <a:ln w="0"/>
                 <a:solidFill>
-                  <a:schemeClr val="accent6">
-                    <a:lumMod val="50000"/>
-                  </a:schemeClr>
+                  <a:schemeClr val="tx1"/>
                 </a:solidFill>
                 <a:effectLst>
                   <a:outerShdw blurRad="38100" dist="25400" dir="5400000" algn="ctr" rotWithShape="0">
@@ -4856,8 +4852,8 @@
           <a:ln>
             <a:solidFill>
               <a:schemeClr val="tx1">
-                <a:lumMod val="85000"/>
-                <a:lumOff val="15000"/>
+                <a:lumMod val="65000"/>
+                <a:lumOff val="35000"/>
               </a:schemeClr>
             </a:solidFill>
           </a:ln>
@@ -4892,10 +4888,7 @@
               <a:rPr lang="de-DE" sz="1200" dirty="0">
                 <a:ln w="0"/>
                 <a:solidFill>
-                  <a:schemeClr val="tx1">
-                    <a:lumMod val="85000"/>
-                    <a:lumOff val="15000"/>
-                  </a:schemeClr>
+                  <a:schemeClr val="tx1"/>
                 </a:solidFill>
                 <a:effectLst>
                   <a:outerShdw blurRad="38100" dist="25400" dir="5400000" algn="ctr" rotWithShape="0">
@@ -5997,8 +5990,8 @@
           <a:ln>
             <a:solidFill>
               <a:schemeClr val="tx1">
-                <a:lumMod val="85000"/>
-                <a:lumOff val="15000"/>
+                <a:lumMod val="65000"/>
+                <a:lumOff val="35000"/>
               </a:schemeClr>
             </a:solidFill>
           </a:ln>
@@ -7514,7 +7507,7 @@
           <p:nvPr>
             <p:extLst>
               <p:ext uri="{D42A27DB-BD31-4B8C-83A1-F6EECF244321}">
-                <p14:modId xmlns:p14="http://schemas.microsoft.com/office/powerpoint/2010/main" val="3078321710"/>
+                <p14:modId xmlns:p14="http://schemas.microsoft.com/office/powerpoint/2010/main" val="1843667927"/>
               </p:ext>
             </p:extLst>
           </p:nvPr>
@@ -7551,8 +7544,9 @@
                     <a:bodyPr/>
                     <a:lstStyle/>
                     <a:p>
+                      <a:pPr algn="ctr"/>
                       <a:r>
-                        <a:rPr lang="de-DE" dirty="0"/>
+                        <a:rPr lang="de-DE" sz="1600" dirty="0"/>
                         <a:t>Datei – Zweig B</a:t>
                       </a:r>
                     </a:p>
@@ -7756,7 +7750,7 @@
           <p:nvPr>
             <p:extLst>
               <p:ext uri="{D42A27DB-BD31-4B8C-83A1-F6EECF244321}">
-                <p14:modId xmlns:p14="http://schemas.microsoft.com/office/powerpoint/2010/main" val="3861709531"/>
+                <p14:modId xmlns:p14="http://schemas.microsoft.com/office/powerpoint/2010/main" val="1230306435"/>
               </p:ext>
             </p:extLst>
           </p:nvPr>
@@ -7795,7 +7789,7 @@
                     <a:p>
                       <a:pPr algn="ctr"/>
                       <a:r>
-                        <a:rPr lang="de-DE" dirty="0"/>
+                        <a:rPr lang="de-DE" sz="1600" dirty="0"/>
                         <a:t>Vorfahre</a:t>
                       </a:r>
                     </a:p>
@@ -7991,7 +7985,7 @@
           <p:nvPr>
             <p:extLst>
               <p:ext uri="{D42A27DB-BD31-4B8C-83A1-F6EECF244321}">
-                <p14:modId xmlns:p14="http://schemas.microsoft.com/office/powerpoint/2010/main" val="767573931"/>
+                <p14:modId xmlns:p14="http://schemas.microsoft.com/office/powerpoint/2010/main" val="3205364073"/>
               </p:ext>
             </p:extLst>
           </p:nvPr>
@@ -8028,6 +8022,7 @@
                     <a:bodyPr/>
                     <a:lstStyle/>
                     <a:p>
+                      <a:pPr algn="ctr"/>
                       <a:r>
                         <a:rPr lang="de-DE" sz="1600" dirty="0"/>
                         <a:t>Datei – Zweig A</a:t>
@@ -8236,7 +8231,7 @@
           <p:nvPr>
             <p:extLst>
               <p:ext uri="{D42A27DB-BD31-4B8C-83A1-F6EECF244321}">
-                <p14:modId xmlns:p14="http://schemas.microsoft.com/office/powerpoint/2010/main" val="3314029092"/>
+                <p14:modId xmlns:p14="http://schemas.microsoft.com/office/powerpoint/2010/main" val="826747477"/>
               </p:ext>
             </p:extLst>
           </p:nvPr>
@@ -8276,6 +8271,7 @@
                     <a:bodyPr/>
                     <a:lstStyle/>
                     <a:p>
+                      <a:pPr algn="ctr"/>
                       <a:r>
                         <a:rPr lang="de-DE" sz="1600" dirty="0" err="1"/>
                         <a:t>Merge</a:t>
@@ -9193,8 +9189,8 @@
         </p:blipFill>
         <p:spPr>
           <a:xfrm>
-            <a:off x="2496774" y="4229229"/>
-            <a:ext cx="4348555" cy="2078893"/>
+            <a:off x="2429662" y="4135773"/>
+            <a:ext cx="4508949" cy="2155572"/>
           </a:xfrm>
           <a:prstGeom prst="rect">
             <a:avLst/>
@@ -10451,8 +10447,8 @@
           <a:ln>
             <a:solidFill>
               <a:schemeClr val="tx1">
-                <a:lumMod val="85000"/>
-                <a:lumOff val="15000"/>
+                <a:lumMod val="65000"/>
+                <a:lumOff val="35000"/>
               </a:schemeClr>
             </a:solidFill>
           </a:ln>
